--- a/Images/Figures_PPT/Jitter_Plot_LST8_All.pptx
+++ b/Images/Figures_PPT/Jitter_Plot_LST8_All.pptx
@@ -2359,7 +2359,7 @@
           </p:nvSpPr>
           <p:spPr>
             <a:xfrm>
-              <a:off x="1397280" y="2998664"/>
+              <a:off x="1397280" y="2998742"/>
               <a:ext cx="2817450" cy="0"/>
             </a:xfrm>
             <a:custGeom>
@@ -2402,7 +2402,7 @@
           </p:nvSpPr>
           <p:spPr>
             <a:xfrm>
-              <a:off x="1397280" y="2576845"/>
+              <a:off x="1397280" y="2576897"/>
               <a:ext cx="2817450" cy="0"/>
             </a:xfrm>
             <a:custGeom>
@@ -2445,7 +2445,7 @@
           </p:nvSpPr>
           <p:spPr>
             <a:xfrm>
-              <a:off x="1397280" y="2155026"/>
+              <a:off x="1397280" y="2155051"/>
               <a:ext cx="2817450" cy="0"/>
             </a:xfrm>
             <a:custGeom>
@@ -2488,7 +2488,7 @@
           </p:nvSpPr>
           <p:spPr>
             <a:xfrm>
-              <a:off x="1397280" y="1733207"/>
+              <a:off x="1397280" y="1733205"/>
               <a:ext cx="2817450" cy="0"/>
             </a:xfrm>
             <a:custGeom>
@@ -2531,7 +2531,7 @@
           </p:nvSpPr>
           <p:spPr>
             <a:xfrm>
-              <a:off x="1397280" y="2787754"/>
+              <a:off x="1397280" y="2787820"/>
               <a:ext cx="2817450" cy="0"/>
             </a:xfrm>
             <a:custGeom>
@@ -2574,7 +2574,7 @@
           </p:nvSpPr>
           <p:spPr>
             <a:xfrm>
-              <a:off x="1397280" y="2365935"/>
+              <a:off x="1397280" y="2365974"/>
               <a:ext cx="2817450" cy="0"/>
             </a:xfrm>
             <a:custGeom>
@@ -2617,7 +2617,7 @@
           </p:nvSpPr>
           <p:spPr>
             <a:xfrm>
-              <a:off x="1397280" y="1944116"/>
+              <a:off x="1397280" y="1944128"/>
               <a:ext cx="2817450" cy="0"/>
             </a:xfrm>
             <a:custGeom>
@@ -2660,7 +2660,7 @@
           </p:nvSpPr>
           <p:spPr>
             <a:xfrm>
-              <a:off x="1397280" y="1522297"/>
+              <a:off x="1397280" y="1522282"/>
               <a:ext cx="2817450" cy="0"/>
             </a:xfrm>
             <a:custGeom>
@@ -2832,7 +2832,7 @@
           </p:nvSpPr>
           <p:spPr>
             <a:xfrm>
-              <a:off x="2486270" y="2548698"/>
+              <a:off x="2592598" y="2548636"/>
               <a:ext cx="63202" cy="63202"/>
             </a:xfrm>
             <a:custGeom>
@@ -2875,7 +2875,7 @@
           </p:nvSpPr>
           <p:spPr>
             <a:xfrm>
-              <a:off x="2215503" y="2522510"/>
+              <a:off x="1832369" y="2522445"/>
               <a:ext cx="63202" cy="63202"/>
             </a:xfrm>
             <a:custGeom>
@@ -2918,7 +2918,7 @@
           </p:nvSpPr>
           <p:spPr>
             <a:xfrm>
-              <a:off x="3742129" y="1466704"/>
+              <a:off x="3844747" y="1466704"/>
               <a:ext cx="63202" cy="63202"/>
             </a:xfrm>
             <a:custGeom>
@@ -2961,7 +2961,7 @@
           </p:nvSpPr>
           <p:spPr>
             <a:xfrm>
-              <a:off x="3778434" y="2847635"/>
+              <a:off x="3935026" y="2847794"/>
               <a:ext cx="63202" cy="63202"/>
             </a:xfrm>
             <a:custGeom>
@@ -3004,7 +3004,7 @@
           </p:nvSpPr>
           <p:spPr>
             <a:xfrm>
-              <a:off x="3976594" y="2854172"/>
+              <a:off x="3806917" y="2854377"/>
               <a:ext cx="63202" cy="63202"/>
             </a:xfrm>
             <a:custGeom>
@@ -3047,7 +3047,7 @@
           </p:nvSpPr>
           <p:spPr>
             <a:xfrm>
-              <a:off x="2096576" y="2541031"/>
+              <a:off x="2011041" y="2541062"/>
               <a:ext cx="63202" cy="63202"/>
             </a:xfrm>
             <a:custGeom>
@@ -3090,7 +3090,7 @@
           </p:nvSpPr>
           <p:spPr>
             <a:xfrm>
-              <a:off x="2606766" y="2605623"/>
+              <a:off x="2641478" y="2605552"/>
               <a:ext cx="63202" cy="63202"/>
             </a:xfrm>
             <a:custGeom>
@@ -3133,7 +3133,7 @@
           </p:nvSpPr>
           <p:spPr>
             <a:xfrm>
-              <a:off x="3948356" y="2913554"/>
+              <a:off x="3626807" y="2913550"/>
               <a:ext cx="63202" cy="63202"/>
             </a:xfrm>
             <a:custGeom>
@@ -3176,7 +3176,7 @@
           </p:nvSpPr>
           <p:spPr>
             <a:xfrm>
-              <a:off x="1616917" y="2504934"/>
+              <a:off x="1721992" y="2504941"/>
               <a:ext cx="63202" cy="63202"/>
             </a:xfrm>
             <a:custGeom>
@@ -3219,7 +3219,7 @@
           </p:nvSpPr>
           <p:spPr>
             <a:xfrm>
-              <a:off x="3920042" y="2837982"/>
+              <a:off x="3324692" y="2837998"/>
               <a:ext cx="63202" cy="63202"/>
             </a:xfrm>
             <a:custGeom>
@@ -3262,7 +3262,7 @@
           </p:nvSpPr>
           <p:spPr>
             <a:xfrm>
-              <a:off x="2525954" y="2556877"/>
+              <a:off x="2660856" y="2556974"/>
               <a:ext cx="63202" cy="63202"/>
             </a:xfrm>
             <a:custGeom>
@@ -3305,7 +3305,7 @@
           </p:nvSpPr>
           <p:spPr>
             <a:xfrm>
-              <a:off x="3953877" y="2913705"/>
+              <a:off x="3536587" y="2913826"/>
               <a:ext cx="63202" cy="63202"/>
             </a:xfrm>
             <a:custGeom>
@@ -3348,7 +3348,7 @@
           </p:nvSpPr>
           <p:spPr>
             <a:xfrm>
-              <a:off x="3964617" y="2913973"/>
+              <a:off x="3520290" y="2913955"/>
               <a:ext cx="63202" cy="63202"/>
             </a:xfrm>
             <a:custGeom>
@@ -3391,7 +3391,7 @@
           </p:nvSpPr>
           <p:spPr>
             <a:xfrm>
-              <a:off x="1846384" y="2504962"/>
+              <a:off x="2151506" y="2505051"/>
               <a:ext cx="63202" cy="63202"/>
             </a:xfrm>
             <a:custGeom>
@@ -3434,7 +3434,7 @@
           </p:nvSpPr>
           <p:spPr>
             <a:xfrm>
-              <a:off x="3952348" y="2913249"/>
+              <a:off x="3520605" y="2913309"/>
               <a:ext cx="63202" cy="63202"/>
             </a:xfrm>
             <a:custGeom>
@@ -3477,7 +3477,7 @@
           </p:nvSpPr>
           <p:spPr>
             <a:xfrm>
-              <a:off x="2786371" y="2667655"/>
+              <a:off x="2584323" y="2667695"/>
               <a:ext cx="63202" cy="63202"/>
             </a:xfrm>
             <a:custGeom>
@@ -3520,7 +3520,7 @@
           </p:nvSpPr>
           <p:spPr>
             <a:xfrm>
-              <a:off x="3405216" y="2913450"/>
+              <a:off x="3915148" y="2913606"/>
               <a:ext cx="63202" cy="63202"/>
             </a:xfrm>
             <a:custGeom>
@@ -3563,7 +3563,7 @@
           </p:nvSpPr>
           <p:spPr>
             <a:xfrm>
-              <a:off x="3797415" y="2913728"/>
+              <a:off x="3670986" y="2913785"/>
               <a:ext cx="63202" cy="63202"/>
             </a:xfrm>
             <a:custGeom>
@@ -3606,7 +3606,7 @@
           </p:nvSpPr>
           <p:spPr>
             <a:xfrm>
-              <a:off x="3975654" y="2913996"/>
+              <a:off x="3605760" y="2913980"/>
               <a:ext cx="63202" cy="63202"/>
             </a:xfrm>
             <a:custGeom>
@@ -3649,7 +3649,7 @@
           </p:nvSpPr>
           <p:spPr>
             <a:xfrm>
-              <a:off x="3644417" y="2913496"/>
+              <a:off x="3687237" y="2913646"/>
               <a:ext cx="63202" cy="63202"/>
             </a:xfrm>
             <a:custGeom>
@@ -3692,7 +3692,7 @@
           </p:nvSpPr>
           <p:spPr>
             <a:xfrm>
-              <a:off x="3574001" y="2913654"/>
+              <a:off x="3494232" y="2913812"/>
               <a:ext cx="63202" cy="63202"/>
             </a:xfrm>
             <a:custGeom>
@@ -3735,7 +3735,7 @@
           </p:nvSpPr>
           <p:spPr>
             <a:xfrm>
-              <a:off x="3609333" y="2913857"/>
+              <a:off x="3339227" y="2913947"/>
               <a:ext cx="63202" cy="63202"/>
             </a:xfrm>
             <a:custGeom>
@@ -3778,7 +3778,7 @@
           </p:nvSpPr>
           <p:spPr>
             <a:xfrm>
-              <a:off x="3838604" y="2913751"/>
+              <a:off x="3313069" y="2913742"/>
               <a:ext cx="63202" cy="63202"/>
             </a:xfrm>
             <a:custGeom>
@@ -3821,7 +3821,7 @@
           </p:nvSpPr>
           <p:spPr>
             <a:xfrm>
-              <a:off x="3615605" y="2911564"/>
+              <a:off x="3371655" y="2911679"/>
               <a:ext cx="63202" cy="63202"/>
             </a:xfrm>
             <a:custGeom>
@@ -3864,7 +3864,7 @@
           </p:nvSpPr>
           <p:spPr>
             <a:xfrm>
-              <a:off x="3922785" y="2914682"/>
+              <a:off x="3772244" y="2914890"/>
               <a:ext cx="63202" cy="63202"/>
             </a:xfrm>
             <a:custGeom>
@@ -3907,7 +3907,7 @@
           </p:nvSpPr>
           <p:spPr>
             <a:xfrm>
-              <a:off x="3665507" y="2913721"/>
+              <a:off x="3856692" y="2913847"/>
               <a:ext cx="63202" cy="63202"/>
             </a:xfrm>
             <a:custGeom>
@@ -3950,7 +3950,7 @@
           </p:nvSpPr>
           <p:spPr>
             <a:xfrm>
-              <a:off x="3339046" y="2930631"/>
+              <a:off x="3644594" y="2930595"/>
               <a:ext cx="63202" cy="63202"/>
             </a:xfrm>
             <a:custGeom>
@@ -3993,7 +3993,7 @@
           </p:nvSpPr>
           <p:spPr>
             <a:xfrm>
-              <a:off x="3460473" y="2929648"/>
+              <a:off x="3554834" y="2929770"/>
               <a:ext cx="63202" cy="63202"/>
             </a:xfrm>
             <a:custGeom>
@@ -4036,7 +4036,7 @@
           </p:nvSpPr>
           <p:spPr>
             <a:xfrm>
-              <a:off x="2430953" y="2547221"/>
+              <a:off x="3118659" y="2547216"/>
               <a:ext cx="63202" cy="63202"/>
             </a:xfrm>
             <a:custGeom>
@@ -4079,7 +4079,7 @@
           </p:nvSpPr>
           <p:spPr>
             <a:xfrm>
-              <a:off x="2882820" y="2553744"/>
+              <a:off x="3057254" y="2553802"/>
               <a:ext cx="63202" cy="63202"/>
             </a:xfrm>
             <a:custGeom>
@@ -4122,7 +4122,7 @@
           </p:nvSpPr>
           <p:spPr>
             <a:xfrm>
-              <a:off x="3510991" y="2903075"/>
+              <a:off x="3957476" y="2903269"/>
               <a:ext cx="63202" cy="63202"/>
             </a:xfrm>
             <a:custGeom>
@@ -4165,7 +4165,7 @@
           </p:nvSpPr>
           <p:spPr>
             <a:xfrm>
-              <a:off x="3462352" y="2938589"/>
+              <a:off x="3680791" y="2938597"/>
               <a:ext cx="63202" cy="63202"/>
             </a:xfrm>
             <a:custGeom>
@@ -4208,7 +4208,7 @@
           </p:nvSpPr>
           <p:spPr>
             <a:xfrm>
-              <a:off x="3961769" y="2913760"/>
+              <a:off x="3859672" y="2913838"/>
               <a:ext cx="63202" cy="63202"/>
             </a:xfrm>
             <a:custGeom>
@@ -4251,7 +4251,7 @@
           </p:nvSpPr>
           <p:spPr>
             <a:xfrm>
-              <a:off x="3017771" y="2693937"/>
+              <a:off x="3059945" y="2693939"/>
               <a:ext cx="63202" cy="63202"/>
             </a:xfrm>
             <a:custGeom>
@@ -4294,7 +4294,7 @@
           </p:nvSpPr>
           <p:spPr>
             <a:xfrm>
-              <a:off x="2576937" y="2703712"/>
+              <a:off x="2760196" y="2703745"/>
               <a:ext cx="63202" cy="63202"/>
             </a:xfrm>
             <a:custGeom>
@@ -4337,7 +4337,7 @@
           </p:nvSpPr>
           <p:spPr>
             <a:xfrm>
-              <a:off x="2901574" y="2611198"/>
+              <a:off x="2989590" y="2611378"/>
               <a:ext cx="63202" cy="63202"/>
             </a:xfrm>
             <a:custGeom>
@@ -4380,7 +4380,7 @@
           </p:nvSpPr>
           <p:spPr>
             <a:xfrm>
-              <a:off x="1764717" y="2500732"/>
+              <a:off x="2203311" y="2500839"/>
               <a:ext cx="63202" cy="63202"/>
             </a:xfrm>
             <a:custGeom>
@@ -4423,7 +4423,7 @@
           </p:nvSpPr>
           <p:spPr>
             <a:xfrm>
-              <a:off x="1867859" y="2504246"/>
+              <a:off x="1580362" y="2504359"/>
               <a:ext cx="63202" cy="63202"/>
             </a:xfrm>
             <a:custGeom>
@@ -4466,7 +4466,7 @@
           </p:nvSpPr>
           <p:spPr>
             <a:xfrm>
-              <a:off x="1837148" y="2505974"/>
+              <a:off x="1672928" y="2506004"/>
               <a:ext cx="63202" cy="63202"/>
             </a:xfrm>
             <a:custGeom>
@@ -4509,7 +4509,7 @@
           </p:nvSpPr>
           <p:spPr>
             <a:xfrm>
-              <a:off x="3825249" y="2856471"/>
+              <a:off x="3306581" y="2856665"/>
               <a:ext cx="63202" cy="63202"/>
             </a:xfrm>
             <a:custGeom>
@@ -4552,7 +4552,7 @@
           </p:nvSpPr>
           <p:spPr>
             <a:xfrm>
-              <a:off x="3934172" y="2903009"/>
+              <a:off x="3519839" y="2902998"/>
               <a:ext cx="63202" cy="63202"/>
             </a:xfrm>
             <a:custGeom>
@@ -4595,7 +4595,7 @@
           </p:nvSpPr>
           <p:spPr>
             <a:xfrm>
-              <a:off x="1887301" y="2391297"/>
+              <a:off x="1976354" y="2391383"/>
               <a:ext cx="63202" cy="63202"/>
             </a:xfrm>
             <a:custGeom>
@@ -4638,7 +4638,7 @@
           </p:nvSpPr>
           <p:spPr>
             <a:xfrm>
-              <a:off x="3845647" y="2860938"/>
+              <a:off x="3445932" y="2861003"/>
               <a:ext cx="63202" cy="63202"/>
             </a:xfrm>
             <a:custGeom>
@@ -4681,7 +4681,7 @@
           </p:nvSpPr>
           <p:spPr>
             <a:xfrm>
-              <a:off x="2730054" y="2589136"/>
+              <a:off x="3021604" y="2589170"/>
               <a:ext cx="63202" cy="63202"/>
             </a:xfrm>
             <a:custGeom>
@@ -4724,7 +4724,7 @@
           </p:nvSpPr>
           <p:spPr>
             <a:xfrm>
-              <a:off x="2685742" y="2655740"/>
+              <a:off x="2960118" y="2655779"/>
               <a:ext cx="63202" cy="63202"/>
             </a:xfrm>
             <a:custGeom>
@@ -4767,7 +4767,7 @@
           </p:nvSpPr>
           <p:spPr>
             <a:xfrm>
-              <a:off x="3602189" y="2540622"/>
+              <a:off x="3654635" y="2540573"/>
               <a:ext cx="63202" cy="63202"/>
             </a:xfrm>
             <a:custGeom>
@@ -4810,7 +4810,7 @@
           </p:nvSpPr>
           <p:spPr>
             <a:xfrm>
-              <a:off x="1855499" y="2506703"/>
+              <a:off x="2091577" y="2506717"/>
               <a:ext cx="63202" cy="63202"/>
             </a:xfrm>
             <a:custGeom>
@@ -4909,7 +4909,7 @@
           </p:nvSpPr>
           <p:spPr>
             <a:xfrm>
-              <a:off x="1397280" y="4923996"/>
+              <a:off x="1397280" y="4924075"/>
               <a:ext cx="2817450" cy="0"/>
             </a:xfrm>
             <a:custGeom>
@@ -4952,7 +4952,7 @@
           </p:nvSpPr>
           <p:spPr>
             <a:xfrm>
-              <a:off x="1397280" y="4502177"/>
+              <a:off x="1397280" y="4502229"/>
               <a:ext cx="2817450" cy="0"/>
             </a:xfrm>
             <a:custGeom>
@@ -4995,7 +4995,7 @@
           </p:nvSpPr>
           <p:spPr>
             <a:xfrm>
-              <a:off x="1397280" y="4080358"/>
+              <a:off x="1397280" y="4080383"/>
               <a:ext cx="2817450" cy="0"/>
             </a:xfrm>
             <a:custGeom>
@@ -5038,7 +5038,7 @@
           </p:nvSpPr>
           <p:spPr>
             <a:xfrm>
-              <a:off x="1397280" y="3658539"/>
+              <a:off x="1397280" y="3658538"/>
               <a:ext cx="2817450" cy="0"/>
             </a:xfrm>
             <a:custGeom>
@@ -5081,7 +5081,7 @@
           </p:nvSpPr>
           <p:spPr>
             <a:xfrm>
-              <a:off x="1397280" y="4713087"/>
+              <a:off x="1397280" y="4713152"/>
               <a:ext cx="2817450" cy="0"/>
             </a:xfrm>
             <a:custGeom>
@@ -5124,7 +5124,7 @@
           </p:nvSpPr>
           <p:spPr>
             <a:xfrm>
-              <a:off x="1397280" y="4291268"/>
+              <a:off x="1397280" y="4291306"/>
               <a:ext cx="2817450" cy="0"/>
             </a:xfrm>
             <a:custGeom>
@@ -5167,7 +5167,7 @@
           </p:nvSpPr>
           <p:spPr>
             <a:xfrm>
-              <a:off x="1397280" y="3869449"/>
+              <a:off x="1397280" y="3869460"/>
               <a:ext cx="2817450" cy="0"/>
             </a:xfrm>
             <a:custGeom>
@@ -5210,7 +5210,7 @@
           </p:nvSpPr>
           <p:spPr>
             <a:xfrm>
-              <a:off x="1397280" y="3447630"/>
+              <a:off x="1397280" y="3447615"/>
               <a:ext cx="2817450" cy="0"/>
             </a:xfrm>
             <a:custGeom>
@@ -5382,7 +5382,7 @@
           </p:nvSpPr>
           <p:spPr>
             <a:xfrm>
-              <a:off x="2600926" y="4690283"/>
+              <a:off x="2754180" y="4690413"/>
               <a:ext cx="63202" cy="63202"/>
             </a:xfrm>
             <a:custGeom>
@@ -5425,7 +5425,7 @@
           </p:nvSpPr>
           <p:spPr>
             <a:xfrm>
-              <a:off x="3123618" y="4656043"/>
+              <a:off x="2815629" y="4656107"/>
               <a:ext cx="63202" cy="63202"/>
             </a:xfrm>
             <a:custGeom>
@@ -5468,7 +5468,7 @@
           </p:nvSpPr>
           <p:spPr>
             <a:xfrm>
-              <a:off x="3003233" y="4693321"/>
+              <a:off x="3125085" y="4693373"/>
               <a:ext cx="63202" cy="63202"/>
             </a:xfrm>
             <a:custGeom>
@@ -5511,7 +5511,7 @@
           </p:nvSpPr>
           <p:spPr>
             <a:xfrm>
-              <a:off x="3093576" y="4709745"/>
+              <a:off x="2847318" y="4709769"/>
               <a:ext cx="63202" cy="63202"/>
             </a:xfrm>
             <a:custGeom>
@@ -5554,7 +5554,7 @@
           </p:nvSpPr>
           <p:spPr>
             <a:xfrm>
-              <a:off x="2502969" y="4692488"/>
+              <a:off x="3060028" y="4692508"/>
               <a:ext cx="63202" cy="63202"/>
             </a:xfrm>
             <a:custGeom>
@@ -5597,7 +5597,7 @@
           </p:nvSpPr>
           <p:spPr>
             <a:xfrm>
-              <a:off x="2998649" y="4709901"/>
+              <a:off x="2422652" y="4710067"/>
               <a:ext cx="63202" cy="63202"/>
             </a:xfrm>
             <a:custGeom>
@@ -5640,7 +5640,7 @@
           </p:nvSpPr>
           <p:spPr>
             <a:xfrm>
-              <a:off x="3682869" y="4791107"/>
+              <a:off x="3366050" y="4791266"/>
               <a:ext cx="63202" cy="63202"/>
             </a:xfrm>
             <a:custGeom>
@@ -5683,7 +5683,7 @@
           </p:nvSpPr>
           <p:spPr>
             <a:xfrm>
-              <a:off x="2949506" y="4669622"/>
+              <a:off x="2455497" y="4669715"/>
               <a:ext cx="63202" cy="63202"/>
             </a:xfrm>
             <a:custGeom>
@@ -5726,7 +5726,7 @@
           </p:nvSpPr>
           <p:spPr>
             <a:xfrm>
-              <a:off x="3308746" y="4850294"/>
+              <a:off x="3619362" y="4850315"/>
               <a:ext cx="63202" cy="63202"/>
             </a:xfrm>
             <a:custGeom>
@@ -5769,7 +5769,7 @@
           </p:nvSpPr>
           <p:spPr>
             <a:xfrm>
-              <a:off x="3340995" y="4870071"/>
+              <a:off x="3535662" y="4870140"/>
               <a:ext cx="63202" cy="63202"/>
             </a:xfrm>
             <a:custGeom>
@@ -5812,7 +5812,7 @@
           </p:nvSpPr>
           <p:spPr>
             <a:xfrm>
-              <a:off x="3752680" y="4836786"/>
+              <a:off x="3383101" y="4836838"/>
               <a:ext cx="63202" cy="63202"/>
             </a:xfrm>
             <a:custGeom>
@@ -5855,7 +5855,7 @@
           </p:nvSpPr>
           <p:spPr>
             <a:xfrm>
-              <a:off x="2653683" y="4605213"/>
+              <a:off x="2639783" y="4605185"/>
               <a:ext cx="63202" cy="63202"/>
             </a:xfrm>
             <a:custGeom>
@@ -5898,7 +5898,7 @@
           </p:nvSpPr>
           <p:spPr>
             <a:xfrm>
-              <a:off x="2605287" y="4700536"/>
+              <a:off x="3067085" y="4700476"/>
               <a:ext cx="63202" cy="63202"/>
             </a:xfrm>
             <a:custGeom>
@@ -5941,7 +5941,7 @@
           </p:nvSpPr>
           <p:spPr>
             <a:xfrm>
-              <a:off x="3561200" y="4802703"/>
+              <a:off x="3860313" y="4802758"/>
               <a:ext cx="63202" cy="63202"/>
             </a:xfrm>
             <a:custGeom>
@@ -5984,7 +5984,7 @@
           </p:nvSpPr>
           <p:spPr>
             <a:xfrm>
-              <a:off x="1698600" y="4334275"/>
+              <a:off x="2176705" y="4334392"/>
               <a:ext cx="63202" cy="63202"/>
             </a:xfrm>
             <a:custGeom>
@@ -6027,7 +6027,7 @@
           </p:nvSpPr>
           <p:spPr>
             <a:xfrm>
-              <a:off x="2183374" y="4318348"/>
+              <a:off x="1594500" y="4318307"/>
               <a:ext cx="63202" cy="63202"/>
             </a:xfrm>
             <a:custGeom>
@@ -6070,7 +6070,7 @@
           </p:nvSpPr>
           <p:spPr>
             <a:xfrm>
-              <a:off x="1891827" y="4252649"/>
+              <a:off x="2004837" y="4252814"/>
               <a:ext cx="63202" cy="63202"/>
             </a:xfrm>
             <a:custGeom>
@@ -6113,7 +6113,7 @@
           </p:nvSpPr>
           <p:spPr>
             <a:xfrm>
-              <a:off x="3318545" y="4803044"/>
+              <a:off x="3479831" y="4802987"/>
               <a:ext cx="63202" cy="63202"/>
             </a:xfrm>
             <a:custGeom>
@@ -6156,7 +6156,7 @@
           </p:nvSpPr>
           <p:spPr>
             <a:xfrm>
-              <a:off x="2581711" y="4683849"/>
+              <a:off x="2581752" y="4683838"/>
               <a:ext cx="63202" cy="63202"/>
             </a:xfrm>
             <a:custGeom>
@@ -6199,7 +6199,7 @@
           </p:nvSpPr>
           <p:spPr>
             <a:xfrm>
-              <a:off x="2915567" y="4687574"/>
+              <a:off x="2898164" y="4687670"/>
               <a:ext cx="63202" cy="63202"/>
             </a:xfrm>
             <a:custGeom>
@@ -6242,7 +6242,7 @@
           </p:nvSpPr>
           <p:spPr>
             <a:xfrm>
-              <a:off x="3420977" y="4737005"/>
+              <a:off x="3493850" y="4737011"/>
               <a:ext cx="63202" cy="63202"/>
             </a:xfrm>
             <a:custGeom>
@@ -6341,7 +6341,7 @@
           </p:nvSpPr>
           <p:spPr>
             <a:xfrm>
-              <a:off x="1397280" y="6849329"/>
+              <a:off x="1397280" y="6849408"/>
               <a:ext cx="2817450" cy="0"/>
             </a:xfrm>
             <a:custGeom>
@@ -6384,7 +6384,7 @@
           </p:nvSpPr>
           <p:spPr>
             <a:xfrm>
-              <a:off x="1397280" y="6427510"/>
+              <a:off x="1397280" y="6427562"/>
               <a:ext cx="2817450" cy="0"/>
             </a:xfrm>
             <a:custGeom>
@@ -6427,7 +6427,7 @@
           </p:nvSpPr>
           <p:spPr>
             <a:xfrm>
-              <a:off x="1397280" y="6005691"/>
+              <a:off x="1397280" y="6005716"/>
               <a:ext cx="2817450" cy="0"/>
             </a:xfrm>
             <a:custGeom>
@@ -6470,7 +6470,7 @@
           </p:nvSpPr>
           <p:spPr>
             <a:xfrm>
-              <a:off x="1397280" y="5583872"/>
+              <a:off x="1397280" y="5583870"/>
               <a:ext cx="2817450" cy="0"/>
             </a:xfrm>
             <a:custGeom>
@@ -6513,7 +6513,7 @@
           </p:nvSpPr>
           <p:spPr>
             <a:xfrm>
-              <a:off x="1397280" y="6638419"/>
+              <a:off x="1397280" y="6638485"/>
               <a:ext cx="2817450" cy="0"/>
             </a:xfrm>
             <a:custGeom>
@@ -6556,7 +6556,7 @@
           </p:nvSpPr>
           <p:spPr>
             <a:xfrm>
-              <a:off x="1397280" y="6216600"/>
+              <a:off x="1397280" y="6216639"/>
               <a:ext cx="2817450" cy="0"/>
             </a:xfrm>
             <a:custGeom>
@@ -6599,7 +6599,7 @@
           </p:nvSpPr>
           <p:spPr>
             <a:xfrm>
-              <a:off x="1397280" y="5794781"/>
+              <a:off x="1397280" y="5794793"/>
               <a:ext cx="2817450" cy="0"/>
             </a:xfrm>
             <a:custGeom>
@@ -6642,7 +6642,7 @@
           </p:nvSpPr>
           <p:spPr>
             <a:xfrm>
-              <a:off x="1397280" y="5372962"/>
+              <a:off x="1397280" y="5372947"/>
               <a:ext cx="2817450" cy="0"/>
             </a:xfrm>
             <a:custGeom>
@@ -6814,7 +6814,7 @@
           </p:nvSpPr>
           <p:spPr>
             <a:xfrm>
-              <a:off x="1798477" y="6210106"/>
+              <a:off x="1624090" y="6210091"/>
               <a:ext cx="63202" cy="63202"/>
             </a:xfrm>
             <a:custGeom>
@@ -6857,7 +6857,7 @@
           </p:nvSpPr>
           <p:spPr>
             <a:xfrm>
-              <a:off x="2041296" y="6263028"/>
+              <a:off x="2210894" y="6263121"/>
               <a:ext cx="63202" cy="63202"/>
             </a:xfrm>
             <a:custGeom>
@@ -6900,7 +6900,7 @@
           </p:nvSpPr>
           <p:spPr>
             <a:xfrm>
-              <a:off x="2157621" y="6256762"/>
+              <a:off x="1812652" y="6256779"/>
               <a:ext cx="63202" cy="63202"/>
             </a:xfrm>
             <a:custGeom>
@@ -6943,7 +6943,7 @@
           </p:nvSpPr>
           <p:spPr>
             <a:xfrm>
-              <a:off x="1593090" y="6254449"/>
+              <a:off x="1618800" y="6254487"/>
               <a:ext cx="63202" cy="63202"/>
             </a:xfrm>
             <a:custGeom>
@@ -6986,7 +6986,7 @@
           </p:nvSpPr>
           <p:spPr>
             <a:xfrm>
-              <a:off x="3943046" y="6782525"/>
+              <a:off x="3390677" y="6782604"/>
               <a:ext cx="63202" cy="63202"/>
             </a:xfrm>
             <a:custGeom>
@@ -7029,7 +7029,7 @@
           </p:nvSpPr>
           <p:spPr>
             <a:xfrm>
-              <a:off x="2137622" y="6340614"/>
+              <a:off x="2106365" y="6340723"/>
               <a:ext cx="63202" cy="63202"/>
             </a:xfrm>
             <a:custGeom>
@@ -7072,7 +7072,7 @@
           </p:nvSpPr>
           <p:spPr>
             <a:xfrm>
-              <a:off x="1887639" y="6222905"/>
+              <a:off x="1977449" y="6222937"/>
               <a:ext cx="63202" cy="63202"/>
             </a:xfrm>
             <a:custGeom>
@@ -7115,7 +7115,7 @@
           </p:nvSpPr>
           <p:spPr>
             <a:xfrm>
-              <a:off x="1903274" y="6232221"/>
+              <a:off x="1753236" y="6232337"/>
               <a:ext cx="63202" cy="63202"/>
             </a:xfrm>
             <a:custGeom>
@@ -7158,7 +7158,7 @@
           </p:nvSpPr>
           <p:spPr>
             <a:xfrm>
-              <a:off x="1629929" y="6329817"/>
+              <a:off x="1760547" y="6329977"/>
               <a:ext cx="63202" cy="63202"/>
             </a:xfrm>
             <a:custGeom>
@@ -7201,7 +7201,7 @@
           </p:nvSpPr>
           <p:spPr>
             <a:xfrm>
-              <a:off x="1556943" y="6260008"/>
+              <a:off x="1943317" y="6260123"/>
               <a:ext cx="63202" cy="63202"/>
             </a:xfrm>
             <a:custGeom>
@@ -7244,7 +7244,7 @@
           </p:nvSpPr>
           <p:spPr>
             <a:xfrm>
-              <a:off x="1686284" y="6388317"/>
+              <a:off x="2097480" y="6388442"/>
               <a:ext cx="63202" cy="63202"/>
             </a:xfrm>
             <a:custGeom>
@@ -7287,7 +7287,7 @@
           </p:nvSpPr>
           <p:spPr>
             <a:xfrm>
-              <a:off x="3100564" y="6352606"/>
+              <a:off x="2630444" y="6352700"/>
               <a:ext cx="63202" cy="63202"/>
             </a:xfrm>
             <a:custGeom>
@@ -7330,7 +7330,7 @@
           </p:nvSpPr>
           <p:spPr>
             <a:xfrm>
-              <a:off x="1545602" y="6232184"/>
+              <a:off x="1929067" y="6232302"/>
               <a:ext cx="63202" cy="63202"/>
             </a:xfrm>
             <a:custGeom>
@@ -7373,7 +7373,7 @@
           </p:nvSpPr>
           <p:spPr>
             <a:xfrm>
-              <a:off x="2226490" y="6376351"/>
+              <a:off x="1683964" y="6376378"/>
               <a:ext cx="63202" cy="63202"/>
             </a:xfrm>
             <a:custGeom>
@@ -7416,7 +7416,7 @@
           </p:nvSpPr>
           <p:spPr>
             <a:xfrm>
-              <a:off x="2649700" y="6399547"/>
+              <a:off x="2799914" y="6399617"/>
               <a:ext cx="63202" cy="63202"/>
             </a:xfrm>
             <a:custGeom>
@@ -7459,7 +7459,7 @@
           </p:nvSpPr>
           <p:spPr>
             <a:xfrm>
-              <a:off x="1985389" y="6360554"/>
+              <a:off x="2052513" y="6360488"/>
               <a:ext cx="63202" cy="63202"/>
             </a:xfrm>
             <a:custGeom>
@@ -7502,7 +7502,7 @@
           </p:nvSpPr>
           <p:spPr>
             <a:xfrm>
-              <a:off x="2241060" y="6256557"/>
+              <a:off x="2139550" y="6256516"/>
               <a:ext cx="63202" cy="63202"/>
             </a:xfrm>
             <a:custGeom>
@@ -7545,7 +7545,7 @@
           </p:nvSpPr>
           <p:spPr>
             <a:xfrm>
-              <a:off x="1883112" y="6351346"/>
+              <a:off x="1940246" y="6351485"/>
               <a:ext cx="63202" cy="63202"/>
             </a:xfrm>
             <a:custGeom>
@@ -7588,7 +7588,7 @@
           </p:nvSpPr>
           <p:spPr>
             <a:xfrm>
-              <a:off x="1617876" y="6312142"/>
+              <a:off x="1729143" y="6312247"/>
               <a:ext cx="63202" cy="63202"/>
             </a:xfrm>
             <a:custGeom>
@@ -7631,7 +7631,7 @@
           </p:nvSpPr>
           <p:spPr>
             <a:xfrm>
-              <a:off x="1725700" y="6375530"/>
+              <a:off x="2067023" y="6375540"/>
               <a:ext cx="63202" cy="63202"/>
             </a:xfrm>
             <a:custGeom>
@@ -7674,7 +7674,7 @@
           </p:nvSpPr>
           <p:spPr>
             <a:xfrm>
-              <a:off x="2780737" y="6404152"/>
+              <a:off x="3000505" y="6404249"/>
               <a:ext cx="63202" cy="63202"/>
             </a:xfrm>
             <a:custGeom>
@@ -7717,7 +7717,7 @@
           </p:nvSpPr>
           <p:spPr>
             <a:xfrm>
-              <a:off x="2207405" y="6219873"/>
+              <a:off x="1905894" y="6219847"/>
               <a:ext cx="63202" cy="63202"/>
             </a:xfrm>
             <a:custGeom>
@@ -7760,7 +7760,7 @@
           </p:nvSpPr>
           <p:spPr>
             <a:xfrm>
-              <a:off x="1955686" y="6186982"/>
+              <a:off x="1717795" y="6186889"/>
               <a:ext cx="63202" cy="63202"/>
             </a:xfrm>
             <a:custGeom>
@@ -7803,7 +7803,7 @@
           </p:nvSpPr>
           <p:spPr>
             <a:xfrm>
-              <a:off x="1739078" y="6186266"/>
+              <a:off x="2125741" y="6186311"/>
               <a:ext cx="63202" cy="63202"/>
             </a:xfrm>
             <a:custGeom>
@@ -7846,7 +7846,7 @@
           </p:nvSpPr>
           <p:spPr>
             <a:xfrm>
-              <a:off x="2159985" y="6216351"/>
+              <a:off x="1979971" y="6216505"/>
               <a:ext cx="63202" cy="63202"/>
             </a:xfrm>
             <a:custGeom>
@@ -7889,7 +7889,7 @@
           </p:nvSpPr>
           <p:spPr>
             <a:xfrm>
-              <a:off x="2735239" y="6539306"/>
+              <a:off x="2922489" y="6539335"/>
               <a:ext cx="63202" cy="63202"/>
             </a:xfrm>
             <a:custGeom>
@@ -7932,7 +7932,7 @@
           </p:nvSpPr>
           <p:spPr>
             <a:xfrm>
-              <a:off x="1763211" y="6099334"/>
+              <a:off x="2113497" y="6099431"/>
               <a:ext cx="63202" cy="63202"/>
             </a:xfrm>
             <a:custGeom>
@@ -7975,7 +7975,7 @@
           </p:nvSpPr>
           <p:spPr>
             <a:xfrm>
-              <a:off x="2110421" y="6302017"/>
+              <a:off x="1832978" y="6302152"/>
               <a:ext cx="63202" cy="63202"/>
             </a:xfrm>
             <a:custGeom>
@@ -8018,7 +8018,7 @@
           </p:nvSpPr>
           <p:spPr>
             <a:xfrm>
-              <a:off x="1824857" y="6328614"/>
+              <a:off x="1688489" y="6328715"/>
               <a:ext cx="63202" cy="63202"/>
             </a:xfrm>
             <a:custGeom>
@@ -8061,7 +8061,7 @@
           </p:nvSpPr>
           <p:spPr>
             <a:xfrm>
-              <a:off x="1911338" y="6213299"/>
+              <a:off x="1705767" y="6213338"/>
               <a:ext cx="63202" cy="63202"/>
             </a:xfrm>
             <a:custGeom>
@@ -8104,7 +8104,7 @@
           </p:nvSpPr>
           <p:spPr>
             <a:xfrm>
-              <a:off x="1767478" y="6266408"/>
+              <a:off x="1688694" y="6266521"/>
               <a:ext cx="63202" cy="63202"/>
             </a:xfrm>
             <a:custGeom>
@@ -8147,7 +8147,7 @@
           </p:nvSpPr>
           <p:spPr>
             <a:xfrm>
-              <a:off x="1702520" y="6253043"/>
+              <a:off x="1969012" y="6253106"/>
               <a:ext cx="63202" cy="63202"/>
             </a:xfrm>
             <a:custGeom>
@@ -8190,7 +8190,7 @@
           </p:nvSpPr>
           <p:spPr>
             <a:xfrm>
-              <a:off x="3792229" y="6744906"/>
+              <a:off x="3726209" y="6745074"/>
               <a:ext cx="63202" cy="63202"/>
             </a:xfrm>
             <a:custGeom>
@@ -8233,7 +8233,7 @@
           </p:nvSpPr>
           <p:spPr>
             <a:xfrm>
-              <a:off x="1959531" y="6287713"/>
+              <a:off x="1616612" y="6287812"/>
               <a:ext cx="63202" cy="63202"/>
             </a:xfrm>
             <a:custGeom>
@@ -8276,7 +8276,7 @@
           </p:nvSpPr>
           <p:spPr>
             <a:xfrm>
-              <a:off x="2105651" y="6329545"/>
+              <a:off x="1930288" y="6329567"/>
               <a:ext cx="63202" cy="63202"/>
             </a:xfrm>
             <a:custGeom>
@@ -8319,7 +8319,7 @@
           </p:nvSpPr>
           <p:spPr>
             <a:xfrm>
-              <a:off x="2986192" y="6637425"/>
+              <a:off x="2998236" y="6637513"/>
               <a:ext cx="63202" cy="63202"/>
             </a:xfrm>
             <a:custGeom>
@@ -8362,7 +8362,7 @@
           </p:nvSpPr>
           <p:spPr>
             <a:xfrm>
-              <a:off x="2139810" y="6163710"/>
+              <a:off x="1926851" y="6163686"/>
               <a:ext cx="63202" cy="63202"/>
             </a:xfrm>
             <a:custGeom>
@@ -8405,7 +8405,7 @@
           </p:nvSpPr>
           <p:spPr>
             <a:xfrm>
-              <a:off x="2161685" y="6253995"/>
+              <a:off x="1568709" y="6253928"/>
               <a:ext cx="63202" cy="63202"/>
             </a:xfrm>
             <a:custGeom>
@@ -8448,7 +8448,7 @@
           </p:nvSpPr>
           <p:spPr>
             <a:xfrm>
-              <a:off x="1941292" y="6215319"/>
+              <a:off x="1588478" y="6215376"/>
               <a:ext cx="63202" cy="63202"/>
             </a:xfrm>
             <a:custGeom>
@@ -8491,7 +8491,7 @@
           </p:nvSpPr>
           <p:spPr>
             <a:xfrm>
-              <a:off x="2432835" y="6423536"/>
+              <a:off x="2539121" y="6423543"/>
               <a:ext cx="63202" cy="63202"/>
             </a:xfrm>
             <a:custGeom>
@@ -8534,7 +8534,7 @@
           </p:nvSpPr>
           <p:spPr>
             <a:xfrm>
-              <a:off x="1927596" y="6239645"/>
+              <a:off x="2051743" y="6239741"/>
               <a:ext cx="63202" cy="63202"/>
             </a:xfrm>
             <a:custGeom>
@@ -8577,7 +8577,7 @@
           </p:nvSpPr>
           <p:spPr>
             <a:xfrm>
-              <a:off x="2221504" y="6275039"/>
+              <a:off x="2017032" y="6275088"/>
               <a:ext cx="63202" cy="63202"/>
             </a:xfrm>
             <a:custGeom>
@@ -8620,7 +8620,7 @@
           </p:nvSpPr>
           <p:spPr>
             <a:xfrm>
-              <a:off x="2725595" y="6512694"/>
+              <a:off x="2679303" y="6512877"/>
               <a:ext cx="63202" cy="63202"/>
             </a:xfrm>
             <a:custGeom>
@@ -8663,7 +8663,7 @@
           </p:nvSpPr>
           <p:spPr>
             <a:xfrm>
-              <a:off x="1843667" y="6298261"/>
+              <a:off x="2170000" y="6298276"/>
               <a:ext cx="63202" cy="63202"/>
             </a:xfrm>
             <a:custGeom>
@@ -8706,7 +8706,7 @@
           </p:nvSpPr>
           <p:spPr>
             <a:xfrm>
-              <a:off x="1635020" y="6280131"/>
+              <a:off x="2092006" y="6280152"/>
               <a:ext cx="63202" cy="63202"/>
             </a:xfrm>
             <a:custGeom>
@@ -8749,7 +8749,7 @@
           </p:nvSpPr>
           <p:spPr>
             <a:xfrm>
-              <a:off x="1824931" y="6247851"/>
+              <a:off x="1873610" y="6247905"/>
               <a:ext cx="63202" cy="63202"/>
             </a:xfrm>
             <a:custGeom>
@@ -8792,7 +8792,7 @@
           </p:nvSpPr>
           <p:spPr>
             <a:xfrm>
-              <a:off x="2237323" y="6218747"/>
+              <a:off x="1608055" y="6218774"/>
               <a:ext cx="63202" cy="63202"/>
             </a:xfrm>
             <a:custGeom>
@@ -8835,7 +8835,7 @@
           </p:nvSpPr>
           <p:spPr>
             <a:xfrm>
-              <a:off x="1795560" y="6292142"/>
+              <a:off x="2011667" y="6292195"/>
               <a:ext cx="63202" cy="63202"/>
             </a:xfrm>
             <a:custGeom>
@@ -8878,7 +8878,7 @@
           </p:nvSpPr>
           <p:spPr>
             <a:xfrm>
-              <a:off x="1601192" y="6326259"/>
+              <a:off x="1868224" y="6326417"/>
               <a:ext cx="63202" cy="63202"/>
             </a:xfrm>
             <a:custGeom>
@@ -8921,7 +8921,7 @@
           </p:nvSpPr>
           <p:spPr>
             <a:xfrm>
-              <a:off x="2647673" y="6462592"/>
+              <a:off x="2710075" y="6462555"/>
               <a:ext cx="63202" cy="63202"/>
             </a:xfrm>
             <a:custGeom>
@@ -8964,7 +8964,7 @@
           </p:nvSpPr>
           <p:spPr>
             <a:xfrm>
-              <a:off x="1729364" y="6259435"/>
+              <a:off x="1813496" y="6259477"/>
               <a:ext cx="63202" cy="63202"/>
             </a:xfrm>
             <a:custGeom>
@@ -9007,7 +9007,7 @@
           </p:nvSpPr>
           <p:spPr>
             <a:xfrm>
-              <a:off x="1649587" y="6324159"/>
+              <a:off x="1882514" y="6324230"/>
               <a:ext cx="63202" cy="63202"/>
             </a:xfrm>
             <a:custGeom>
@@ -9050,7 +9050,7 @@
           </p:nvSpPr>
           <p:spPr>
             <a:xfrm>
-              <a:off x="1629609" y="6163723"/>
+              <a:off x="1946463" y="6163682"/>
               <a:ext cx="63202" cy="63202"/>
             </a:xfrm>
             <a:custGeom>
@@ -9093,7 +9093,7 @@
           </p:nvSpPr>
           <p:spPr>
             <a:xfrm>
-              <a:off x="2815173" y="6423465"/>
+              <a:off x="2452912" y="6423531"/>
               <a:ext cx="63202" cy="63202"/>
             </a:xfrm>
             <a:custGeom>
@@ -9136,7 +9136,7 @@
           </p:nvSpPr>
           <p:spPr>
             <a:xfrm>
-              <a:off x="2085845" y="6228876"/>
+              <a:off x="2186361" y="6228936"/>
               <a:ext cx="63202" cy="63202"/>
             </a:xfrm>
             <a:custGeom>
@@ -9179,7 +9179,7 @@
           </p:nvSpPr>
           <p:spPr>
             <a:xfrm>
-              <a:off x="1778976" y="6208661"/>
+              <a:off x="2142372" y="6208626"/>
               <a:ext cx="63202" cy="63202"/>
             </a:xfrm>
             <a:custGeom>
@@ -9222,7 +9222,7 @@
           </p:nvSpPr>
           <p:spPr>
             <a:xfrm>
-              <a:off x="2046318" y="6208665"/>
+              <a:off x="2044913" y="6208718"/>
               <a:ext cx="63202" cy="63202"/>
             </a:xfrm>
             <a:custGeom>
@@ -9265,7 +9265,7 @@
           </p:nvSpPr>
           <p:spPr>
             <a:xfrm>
-              <a:off x="1694466" y="6208556"/>
+              <a:off x="1570406" y="6208677"/>
               <a:ext cx="63202" cy="63202"/>
             </a:xfrm>
             <a:custGeom>
@@ -9308,7 +9308,7 @@
           </p:nvSpPr>
           <p:spPr>
             <a:xfrm>
-              <a:off x="1839676" y="6210878"/>
+              <a:off x="2242652" y="6211056"/>
               <a:ext cx="63202" cy="63202"/>
             </a:xfrm>
             <a:custGeom>
@@ -9351,7 +9351,7 @@
           </p:nvSpPr>
           <p:spPr>
             <a:xfrm>
-              <a:off x="1828918" y="6208598"/>
+              <a:off x="1577155" y="6208614"/>
               <a:ext cx="63202" cy="63202"/>
             </a:xfrm>
             <a:custGeom>
@@ -9394,7 +9394,7 @@
           </p:nvSpPr>
           <p:spPr>
             <a:xfrm>
-              <a:off x="2133157" y="6178062"/>
+              <a:off x="1976852" y="6178144"/>
               <a:ext cx="63202" cy="63202"/>
             </a:xfrm>
             <a:custGeom>
@@ -9437,7 +9437,7 @@
           </p:nvSpPr>
           <p:spPr>
             <a:xfrm>
-              <a:off x="1922107" y="6157832"/>
+              <a:off x="1733405" y="6157895"/>
               <a:ext cx="63202" cy="63202"/>
             </a:xfrm>
             <a:custGeom>
@@ -9480,7 +9480,7 @@
           </p:nvSpPr>
           <p:spPr>
             <a:xfrm>
-              <a:off x="2641768" y="6572418"/>
+              <a:off x="2666600" y="6572425"/>
               <a:ext cx="63202" cy="63202"/>
             </a:xfrm>
             <a:custGeom>
@@ -9523,7 +9523,7 @@
           </p:nvSpPr>
           <p:spPr>
             <a:xfrm>
-              <a:off x="2225953" y="6228809"/>
+              <a:off x="1643770" y="6228853"/>
               <a:ext cx="63202" cy="63202"/>
             </a:xfrm>
             <a:custGeom>
@@ -9566,7 +9566,7 @@
           </p:nvSpPr>
           <p:spPr>
             <a:xfrm>
-              <a:off x="1886003" y="6188015"/>
+              <a:off x="2039302" y="6187952"/>
               <a:ext cx="63202" cy="63202"/>
             </a:xfrm>
             <a:custGeom>
@@ -9609,7 +9609,7 @@
           </p:nvSpPr>
           <p:spPr>
             <a:xfrm>
-              <a:off x="1719268" y="6231586"/>
+              <a:off x="1859839" y="6231591"/>
               <a:ext cx="63202" cy="63202"/>
             </a:xfrm>
             <a:custGeom>
@@ -9652,7 +9652,7 @@
           </p:nvSpPr>
           <p:spPr>
             <a:xfrm>
-              <a:off x="2785043" y="6499399"/>
+              <a:off x="2795940" y="6499441"/>
               <a:ext cx="63202" cy="63202"/>
             </a:xfrm>
             <a:custGeom>
@@ -9695,7 +9695,7 @@
           </p:nvSpPr>
           <p:spPr>
             <a:xfrm>
-              <a:off x="1778517" y="6221032"/>
+              <a:off x="2131479" y="6221170"/>
               <a:ext cx="63202" cy="63202"/>
             </a:xfrm>
             <a:custGeom>
@@ -9738,7 +9738,7 @@
           </p:nvSpPr>
           <p:spPr>
             <a:xfrm>
-              <a:off x="1873197" y="6315312"/>
+              <a:off x="1774202" y="6315308"/>
               <a:ext cx="63202" cy="63202"/>
             </a:xfrm>
             <a:custGeom>
@@ -9781,7 +9781,7 @@
           </p:nvSpPr>
           <p:spPr>
             <a:xfrm>
-              <a:off x="2019412" y="6190543"/>
+              <a:off x="1868442" y="6190585"/>
               <a:ext cx="63202" cy="63202"/>
             </a:xfrm>
             <a:custGeom>
@@ -9824,7 +9824,7 @@
           </p:nvSpPr>
           <p:spPr>
             <a:xfrm>
-              <a:off x="1708957" y="6163254"/>
+              <a:off x="1576118" y="6163300"/>
               <a:ext cx="63202" cy="63202"/>
             </a:xfrm>
             <a:custGeom>
@@ -9867,7 +9867,7 @@
           </p:nvSpPr>
           <p:spPr>
             <a:xfrm>
-              <a:off x="2190232" y="6215994"/>
+              <a:off x="1817238" y="6216127"/>
               <a:ext cx="63202" cy="63202"/>
             </a:xfrm>
             <a:custGeom>
@@ -9910,7 +9910,7 @@
           </p:nvSpPr>
           <p:spPr>
             <a:xfrm>
-              <a:off x="1842102" y="6218284"/>
+              <a:off x="1861950" y="6218349"/>
               <a:ext cx="63202" cy="63202"/>
             </a:xfrm>
             <a:custGeom>
@@ -9953,7 +9953,7 @@
           </p:nvSpPr>
           <p:spPr>
             <a:xfrm>
-              <a:off x="2126918" y="6197827"/>
+              <a:off x="1926298" y="6197860"/>
               <a:ext cx="63202" cy="63202"/>
             </a:xfrm>
             <a:custGeom>
@@ -9996,7 +9996,7 @@
           </p:nvSpPr>
           <p:spPr>
             <a:xfrm>
-              <a:off x="1628999" y="6240268"/>
+              <a:off x="1667397" y="6240372"/>
               <a:ext cx="63202" cy="63202"/>
             </a:xfrm>
             <a:custGeom>
@@ -10039,7 +10039,7 @@
           </p:nvSpPr>
           <p:spPr>
             <a:xfrm>
-              <a:off x="1903541" y="6217086"/>
+              <a:off x="1895030" y="6217080"/>
               <a:ext cx="63202" cy="63202"/>
             </a:xfrm>
             <a:custGeom>
@@ -10082,7 +10082,7 @@
           </p:nvSpPr>
           <p:spPr>
             <a:xfrm>
-              <a:off x="1576146" y="6213406"/>
+              <a:off x="1829829" y="6213435"/>
               <a:ext cx="63202" cy="63202"/>
             </a:xfrm>
             <a:custGeom>
@@ -10125,7 +10125,7 @@
           </p:nvSpPr>
           <p:spPr>
             <a:xfrm>
-              <a:off x="1562512" y="6216418"/>
+              <a:off x="1674378" y="6216519"/>
               <a:ext cx="63202" cy="63202"/>
             </a:xfrm>
             <a:custGeom>
@@ -10168,7 +10168,7 @@
           </p:nvSpPr>
           <p:spPr>
             <a:xfrm>
-              <a:off x="1642806" y="6163778"/>
+              <a:off x="2117371" y="6163723"/>
               <a:ext cx="63202" cy="63202"/>
             </a:xfrm>
             <a:custGeom>
@@ -10211,7 +10211,7 @@
           </p:nvSpPr>
           <p:spPr>
             <a:xfrm>
-              <a:off x="2208015" y="6165161"/>
+              <a:off x="1910920" y="6165192"/>
               <a:ext cx="63202" cy="63202"/>
             </a:xfrm>
             <a:custGeom>
@@ -10254,7 +10254,7 @@
           </p:nvSpPr>
           <p:spPr>
             <a:xfrm>
-              <a:off x="1625986" y="6215512"/>
+              <a:off x="2018233" y="6215542"/>
               <a:ext cx="63202" cy="63202"/>
             </a:xfrm>
             <a:custGeom>
@@ -10297,7 +10297,7 @@
           </p:nvSpPr>
           <p:spPr>
             <a:xfrm>
-              <a:off x="2020268" y="6223252"/>
+              <a:off x="2220506" y="6223274"/>
               <a:ext cx="63202" cy="63202"/>
             </a:xfrm>
             <a:custGeom>
@@ -10340,7 +10340,7 @@
           </p:nvSpPr>
           <p:spPr>
             <a:xfrm>
-              <a:off x="2118575" y="6218532"/>
+              <a:off x="2077432" y="6218561"/>
               <a:ext cx="63202" cy="63202"/>
             </a:xfrm>
             <a:custGeom>
@@ -10383,7 +10383,7 @@
           </p:nvSpPr>
           <p:spPr>
             <a:xfrm>
-              <a:off x="2066969" y="6218791"/>
+              <a:off x="2225593" y="6218814"/>
               <a:ext cx="63202" cy="63202"/>
             </a:xfrm>
             <a:custGeom>
@@ -10426,7 +10426,7 @@
           </p:nvSpPr>
           <p:spPr>
             <a:xfrm>
-              <a:off x="1987805" y="6218366"/>
+              <a:off x="1632862" y="6218374"/>
               <a:ext cx="63202" cy="63202"/>
             </a:xfrm>
             <a:custGeom>
@@ -10469,7 +10469,7 @@
           </p:nvSpPr>
           <p:spPr>
             <a:xfrm>
-              <a:off x="1658144" y="6328668"/>
+              <a:off x="2226996" y="6328653"/>
               <a:ext cx="63202" cy="63202"/>
             </a:xfrm>
             <a:custGeom>
@@ -10512,7 +10512,7 @@
           </p:nvSpPr>
           <p:spPr>
             <a:xfrm>
-              <a:off x="1733510" y="6224373"/>
+              <a:off x="1837007" y="6224515"/>
               <a:ext cx="63202" cy="63202"/>
             </a:xfrm>
             <a:custGeom>
@@ -10555,7 +10555,7 @@
           </p:nvSpPr>
           <p:spPr>
             <a:xfrm>
-              <a:off x="2095472" y="6213930"/>
+              <a:off x="1919461" y="6213952"/>
               <a:ext cx="63202" cy="63202"/>
             </a:xfrm>
             <a:custGeom>
@@ -10598,7 +10598,7 @@
           </p:nvSpPr>
           <p:spPr>
             <a:xfrm>
-              <a:off x="1545875" y="6164602"/>
+              <a:off x="1968227" y="6164514"/>
               <a:ext cx="63202" cy="63202"/>
             </a:xfrm>
             <a:custGeom>
@@ -10641,7 +10641,7 @@
           </p:nvSpPr>
           <p:spPr>
             <a:xfrm>
-              <a:off x="2193320" y="6283100"/>
+              <a:off x="2082661" y="6283140"/>
               <a:ext cx="63202" cy="63202"/>
             </a:xfrm>
             <a:custGeom>
@@ -10684,7 +10684,7 @@
           </p:nvSpPr>
           <p:spPr>
             <a:xfrm>
-              <a:off x="2458401" y="6491053"/>
+              <a:off x="3114203" y="6491150"/>
               <a:ext cx="63202" cy="63202"/>
             </a:xfrm>
             <a:custGeom>
@@ -10727,7 +10727,7 @@
           </p:nvSpPr>
           <p:spPr>
             <a:xfrm>
-              <a:off x="1891178" y="6370882"/>
+              <a:off x="2202284" y="6370921"/>
               <a:ext cx="63202" cy="63202"/>
             </a:xfrm>
             <a:custGeom>
@@ -10770,7 +10770,7 @@
           </p:nvSpPr>
           <p:spPr>
             <a:xfrm>
-              <a:off x="2792365" y="6509117"/>
+              <a:off x="2986956" y="6509164"/>
               <a:ext cx="63202" cy="63202"/>
             </a:xfrm>
             <a:custGeom>
@@ -10813,7 +10813,7 @@
           </p:nvSpPr>
           <p:spPr>
             <a:xfrm>
-              <a:off x="2974130" y="6512149"/>
+              <a:off x="2853928" y="6512188"/>
               <a:ext cx="63202" cy="63202"/>
             </a:xfrm>
             <a:custGeom>
@@ -10856,7 +10856,7 @@
           </p:nvSpPr>
           <p:spPr>
             <a:xfrm>
-              <a:off x="1649840" y="6264094"/>
+              <a:off x="1678444" y="6264134"/>
               <a:ext cx="63202" cy="63202"/>
             </a:xfrm>
             <a:custGeom>
@@ -10899,7 +10899,7 @@
           </p:nvSpPr>
           <p:spPr>
             <a:xfrm>
-              <a:off x="1974793" y="6261402"/>
+              <a:off x="1553515" y="6261380"/>
               <a:ext cx="63202" cy="63202"/>
             </a:xfrm>
             <a:custGeom>
@@ -10942,7 +10942,7 @@
           </p:nvSpPr>
           <p:spPr>
             <a:xfrm>
-              <a:off x="1724297" y="6261332"/>
+              <a:off x="1928385" y="6261319"/>
               <a:ext cx="63202" cy="63202"/>
             </a:xfrm>
             <a:custGeom>
@@ -10985,7 +10985,7 @@
           </p:nvSpPr>
           <p:spPr>
             <a:xfrm>
-              <a:off x="1912555" y="6256235"/>
+              <a:off x="1973684" y="6256340"/>
               <a:ext cx="63202" cy="63202"/>
             </a:xfrm>
             <a:custGeom>
@@ -11028,7 +11028,7 @@
           </p:nvSpPr>
           <p:spPr>
             <a:xfrm>
-              <a:off x="1937872" y="6314977"/>
+              <a:off x="2088697" y="6314988"/>
               <a:ext cx="63202" cy="63202"/>
             </a:xfrm>
             <a:custGeom>
@@ -11071,7 +11071,7 @@
           </p:nvSpPr>
           <p:spPr>
             <a:xfrm>
-              <a:off x="2521804" y="6541883"/>
+              <a:off x="2951406" y="6541971"/>
               <a:ext cx="63202" cy="63202"/>
             </a:xfrm>
             <a:custGeom>
@@ -11114,7 +11114,7 @@
           </p:nvSpPr>
           <p:spPr>
             <a:xfrm>
-              <a:off x="2488325" y="6490949"/>
+              <a:off x="2686140" y="6491006"/>
               <a:ext cx="63202" cy="63202"/>
             </a:xfrm>
             <a:custGeom>
@@ -11157,7 +11157,7 @@
           </p:nvSpPr>
           <p:spPr>
             <a:xfrm>
-              <a:off x="2087419" y="6384955"/>
+              <a:off x="2090723" y="6384944"/>
               <a:ext cx="63202" cy="63202"/>
             </a:xfrm>
             <a:custGeom>
@@ -11200,7 +11200,7 @@
           </p:nvSpPr>
           <p:spPr>
             <a:xfrm>
-              <a:off x="2647412" y="6500485"/>
+              <a:off x="3006154" y="6500609"/>
               <a:ext cx="63202" cy="63202"/>
             </a:xfrm>
             <a:custGeom>
@@ -11243,7 +11243,7 @@
           </p:nvSpPr>
           <p:spPr>
             <a:xfrm>
-              <a:off x="2646899" y="6490991"/>
+              <a:off x="2850732" y="6491159"/>
               <a:ext cx="63202" cy="63202"/>
             </a:xfrm>
             <a:custGeom>
@@ -11286,7 +11286,7 @@
           </p:nvSpPr>
           <p:spPr>
             <a:xfrm>
-              <a:off x="2215596" y="6216377"/>
+              <a:off x="2229508" y="6216426"/>
               <a:ext cx="63202" cy="63202"/>
             </a:xfrm>
             <a:custGeom>
@@ -11329,7 +11329,7 @@
           </p:nvSpPr>
           <p:spPr>
             <a:xfrm>
-              <a:off x="3335089" y="6731542"/>
+              <a:off x="3636574" y="6731457"/>
               <a:ext cx="63202" cy="63202"/>
             </a:xfrm>
             <a:custGeom>
@@ -11372,7 +11372,7 @@
           </p:nvSpPr>
           <p:spPr>
             <a:xfrm>
-              <a:off x="1657748" y="6338926"/>
+              <a:off x="1900793" y="6339067"/>
               <a:ext cx="63202" cy="63202"/>
             </a:xfrm>
             <a:custGeom>
@@ -11415,7 +11415,7 @@
           </p:nvSpPr>
           <p:spPr>
             <a:xfrm>
-              <a:off x="1798266" y="6207974"/>
+              <a:off x="1858475" y="6207995"/>
               <a:ext cx="63202" cy="63202"/>
             </a:xfrm>
             <a:custGeom>
@@ -11458,7 +11458,7 @@
           </p:nvSpPr>
           <p:spPr>
             <a:xfrm>
-              <a:off x="1704020" y="6255658"/>
+              <a:off x="1873155" y="6255777"/>
               <a:ext cx="63202" cy="63202"/>
             </a:xfrm>
             <a:custGeom>
@@ -11501,7 +11501,7 @@
           </p:nvSpPr>
           <p:spPr>
             <a:xfrm>
-              <a:off x="1550724" y="6213814"/>
+              <a:off x="1600223" y="6213924"/>
               <a:ext cx="63202" cy="63202"/>
             </a:xfrm>
             <a:custGeom>
@@ -11544,7 +11544,7 @@
           </p:nvSpPr>
           <p:spPr>
             <a:xfrm>
-              <a:off x="2101701" y="6214921"/>
+              <a:off x="1694502" y="6215001"/>
               <a:ext cx="63202" cy="63202"/>
             </a:xfrm>
             <a:custGeom>
@@ -11587,7 +11587,7 @@
           </p:nvSpPr>
           <p:spPr>
             <a:xfrm>
-              <a:off x="2120864" y="6224597"/>
+              <a:off x="1832816" y="6224624"/>
               <a:ext cx="63202" cy="63202"/>
             </a:xfrm>
             <a:custGeom>
@@ -11630,7 +11630,7 @@
           </p:nvSpPr>
           <p:spPr>
             <a:xfrm>
-              <a:off x="2041403" y="6221211"/>
+              <a:off x="1816888" y="6221338"/>
               <a:ext cx="63202" cy="63202"/>
             </a:xfrm>
             <a:custGeom>
@@ -11673,7 +11673,7 @@
           </p:nvSpPr>
           <p:spPr>
             <a:xfrm>
-              <a:off x="3752412" y="6626780"/>
+              <a:off x="3640814" y="6626982"/>
               <a:ext cx="63202" cy="63202"/>
             </a:xfrm>
             <a:custGeom>
@@ -11772,7 +11772,7 @@
           </p:nvSpPr>
           <p:spPr>
             <a:xfrm>
-              <a:off x="4284320" y="2998664"/>
+              <a:off x="4284320" y="2998742"/>
               <a:ext cx="2817450" cy="0"/>
             </a:xfrm>
             <a:custGeom>
@@ -11815,7 +11815,7 @@
           </p:nvSpPr>
           <p:spPr>
             <a:xfrm>
-              <a:off x="4284320" y="2576845"/>
+              <a:off x="4284320" y="2576897"/>
               <a:ext cx="2817450" cy="0"/>
             </a:xfrm>
             <a:custGeom>
@@ -11858,7 +11858,7 @@
           </p:nvSpPr>
           <p:spPr>
             <a:xfrm>
-              <a:off x="4284320" y="2155026"/>
+              <a:off x="4284320" y="2155051"/>
               <a:ext cx="2817450" cy="0"/>
             </a:xfrm>
             <a:custGeom>
@@ -11901,7 +11901,7 @@
           </p:nvSpPr>
           <p:spPr>
             <a:xfrm>
-              <a:off x="4284320" y="1733207"/>
+              <a:off x="4284320" y="1733205"/>
               <a:ext cx="2817450" cy="0"/>
             </a:xfrm>
             <a:custGeom>
@@ -11944,7 +11944,7 @@
           </p:nvSpPr>
           <p:spPr>
             <a:xfrm>
-              <a:off x="4284320" y="2787754"/>
+              <a:off x="4284320" y="2787820"/>
               <a:ext cx="2817450" cy="0"/>
             </a:xfrm>
             <a:custGeom>
@@ -11987,7 +11987,7 @@
           </p:nvSpPr>
           <p:spPr>
             <a:xfrm>
-              <a:off x="4284320" y="2365935"/>
+              <a:off x="4284320" y="2365974"/>
               <a:ext cx="2817450" cy="0"/>
             </a:xfrm>
             <a:custGeom>
@@ -12030,7 +12030,7 @@
           </p:nvSpPr>
           <p:spPr>
             <a:xfrm>
-              <a:off x="4284320" y="1944116"/>
+              <a:off x="4284320" y="1944128"/>
               <a:ext cx="2817450" cy="0"/>
             </a:xfrm>
             <a:custGeom>
@@ -12073,7 +12073,7 @@
           </p:nvSpPr>
           <p:spPr>
             <a:xfrm>
-              <a:off x="4284320" y="1522297"/>
+              <a:off x="4284320" y="1522282"/>
               <a:ext cx="2817450" cy="0"/>
             </a:xfrm>
             <a:custGeom>
@@ -12245,7 +12245,7 @@
           </p:nvSpPr>
           <p:spPr>
             <a:xfrm>
-              <a:off x="5110119" y="2228037"/>
+              <a:off x="4569610" y="2228036"/>
               <a:ext cx="63202" cy="63202"/>
             </a:xfrm>
             <a:custGeom>
@@ -12288,7 +12288,7 @@
           </p:nvSpPr>
           <p:spPr>
             <a:xfrm>
-              <a:off x="4855207" y="2258460"/>
+              <a:off x="4689716" y="2258409"/>
               <a:ext cx="63202" cy="63202"/>
             </a:xfrm>
             <a:custGeom>
@@ -12331,7 +12331,7 @@
           </p:nvSpPr>
           <p:spPr>
             <a:xfrm>
-              <a:off x="4539463" y="2205717"/>
+              <a:off x="4526446" y="2205636"/>
               <a:ext cx="63202" cy="63202"/>
             </a:xfrm>
             <a:custGeom>
@@ -12374,7 +12374,7 @@
           </p:nvSpPr>
           <p:spPr>
             <a:xfrm>
-              <a:off x="4719898" y="2202498"/>
+              <a:off x="4515235" y="2202463"/>
               <a:ext cx="63202" cy="63202"/>
             </a:xfrm>
             <a:custGeom>
@@ -12417,7 +12417,7 @@
           </p:nvSpPr>
           <p:spPr>
             <a:xfrm>
-              <a:off x="4624516" y="2194489"/>
+              <a:off x="4600708" y="2194563"/>
               <a:ext cx="63202" cy="63202"/>
             </a:xfrm>
             <a:custGeom>
@@ -12460,7 +12460,7 @@
           </p:nvSpPr>
           <p:spPr>
             <a:xfrm>
-              <a:off x="4857764" y="2218193"/>
+              <a:off x="4440019" y="2218101"/>
               <a:ext cx="63202" cy="63202"/>
             </a:xfrm>
             <a:custGeom>
@@ -12503,7 +12503,7 @@
           </p:nvSpPr>
           <p:spPr>
             <a:xfrm>
-              <a:off x="5062934" y="2211923"/>
+              <a:off x="4523864" y="2211959"/>
               <a:ext cx="63202" cy="63202"/>
             </a:xfrm>
             <a:custGeom>
@@ -12546,7 +12546,7 @@
           </p:nvSpPr>
           <p:spPr>
             <a:xfrm>
-              <a:off x="4557487" y="2211036"/>
+              <a:off x="4549394" y="2210943"/>
               <a:ext cx="63202" cy="63202"/>
             </a:xfrm>
             <a:custGeom>
@@ -12589,7 +12589,7 @@
           </p:nvSpPr>
           <p:spPr>
             <a:xfrm>
-              <a:off x="4580530" y="2207758"/>
+              <a:off x="4921045" y="2207855"/>
               <a:ext cx="63202" cy="63202"/>
             </a:xfrm>
             <a:custGeom>
@@ -12632,7 +12632,7 @@
           </p:nvSpPr>
           <p:spPr>
             <a:xfrm>
-              <a:off x="4825951" y="2188398"/>
+              <a:off x="4519729" y="2188347"/>
               <a:ext cx="63202" cy="63202"/>
             </a:xfrm>
             <a:custGeom>
@@ -12675,7 +12675,7 @@
           </p:nvSpPr>
           <p:spPr>
             <a:xfrm>
-              <a:off x="4576423" y="2213675"/>
+              <a:off x="4671756" y="2213682"/>
               <a:ext cx="63202" cy="63202"/>
             </a:xfrm>
             <a:custGeom>
@@ -12718,7 +12718,7 @@
           </p:nvSpPr>
           <p:spPr>
             <a:xfrm>
-              <a:off x="4784101" y="2216677"/>
+              <a:off x="4575891" y="2216702"/>
               <a:ext cx="63202" cy="63202"/>
             </a:xfrm>
             <a:custGeom>
@@ -12761,7 +12761,7 @@
           </p:nvSpPr>
           <p:spPr>
             <a:xfrm>
-              <a:off x="4478413" y="2216993"/>
+              <a:off x="4793130" y="2217173"/>
               <a:ext cx="63202" cy="63202"/>
             </a:xfrm>
             <a:custGeom>
@@ -12804,7 +12804,7 @@
           </p:nvSpPr>
           <p:spPr>
             <a:xfrm>
-              <a:off x="4756314" y="2183995"/>
+              <a:off x="5109758" y="2183925"/>
               <a:ext cx="63202" cy="63202"/>
             </a:xfrm>
             <a:custGeom>
@@ -12847,7 +12847,7 @@
           </p:nvSpPr>
           <p:spPr>
             <a:xfrm>
-              <a:off x="4682620" y="2212480"/>
+              <a:off x="4918027" y="2212502"/>
               <a:ext cx="63202" cy="63202"/>
             </a:xfrm>
             <a:custGeom>
@@ -12890,7 +12890,7 @@
           </p:nvSpPr>
           <p:spPr>
             <a:xfrm>
-              <a:off x="5064021" y="2182430"/>
+              <a:off x="4907237" y="2182583"/>
               <a:ext cx="63202" cy="63202"/>
             </a:xfrm>
             <a:custGeom>
@@ -12933,7 +12933,7 @@
           </p:nvSpPr>
           <p:spPr>
             <a:xfrm>
-              <a:off x="4757435" y="2214558"/>
+              <a:off x="4550165" y="2214617"/>
               <a:ext cx="63202" cy="63202"/>
             </a:xfrm>
             <a:custGeom>
@@ -12976,7 +12976,7 @@
           </p:nvSpPr>
           <p:spPr>
             <a:xfrm>
-              <a:off x="5085719" y="2213068"/>
+              <a:off x="4917730" y="2213104"/>
               <a:ext cx="63202" cy="63202"/>
             </a:xfrm>
             <a:custGeom>
@@ -13019,7 +13019,7 @@
           </p:nvSpPr>
           <p:spPr>
             <a:xfrm>
-              <a:off x="4728612" y="2229965"/>
+              <a:off x="4633747" y="2229951"/>
               <a:ext cx="63202" cy="63202"/>
             </a:xfrm>
             <a:custGeom>
@@ -13062,7 +13062,7 @@
           </p:nvSpPr>
           <p:spPr>
             <a:xfrm>
-              <a:off x="4751988" y="2300662"/>
+              <a:off x="4662873" y="2300682"/>
               <a:ext cx="63202" cy="63202"/>
             </a:xfrm>
             <a:custGeom>
@@ -13105,7 +13105,7 @@
           </p:nvSpPr>
           <p:spPr>
             <a:xfrm>
-              <a:off x="4482093" y="2383444"/>
+              <a:off x="4606756" y="2383457"/>
               <a:ext cx="63202" cy="63202"/>
             </a:xfrm>
             <a:custGeom>
@@ -13148,7 +13148,7 @@
           </p:nvSpPr>
           <p:spPr>
             <a:xfrm>
-              <a:off x="4962832" y="2215302"/>
+              <a:off x="4557822" y="2215460"/>
               <a:ext cx="63202" cy="63202"/>
             </a:xfrm>
             <a:custGeom>
@@ -13191,7 +13191,7 @@
           </p:nvSpPr>
           <p:spPr>
             <a:xfrm>
-              <a:off x="5503944" y="2658035"/>
+              <a:off x="5711753" y="2658122"/>
               <a:ext cx="63202" cy="63202"/>
             </a:xfrm>
             <a:custGeom>
@@ -13234,7 +13234,7 @@
           </p:nvSpPr>
           <p:spPr>
             <a:xfrm>
-              <a:off x="4639270" y="2207643"/>
+              <a:off x="4782931" y="2207640"/>
               <a:ext cx="63202" cy="63202"/>
             </a:xfrm>
             <a:custGeom>
@@ -13277,7 +13277,7 @@
           </p:nvSpPr>
           <p:spPr>
             <a:xfrm>
-              <a:off x="4819414" y="2325823"/>
+              <a:off x="4964640" y="2325978"/>
               <a:ext cx="63202" cy="63202"/>
             </a:xfrm>
             <a:custGeom>
@@ -13320,7 +13320,7 @@
           </p:nvSpPr>
           <p:spPr>
             <a:xfrm>
-              <a:off x="4566674" y="2228046"/>
+              <a:off x="4948948" y="2228061"/>
               <a:ext cx="63202" cy="63202"/>
             </a:xfrm>
             <a:custGeom>
@@ -13363,7 +13363,7 @@
           </p:nvSpPr>
           <p:spPr>
             <a:xfrm>
-              <a:off x="4800594" y="2293767"/>
+              <a:off x="4864038" y="2293849"/>
               <a:ext cx="63202" cy="63202"/>
             </a:xfrm>
             <a:custGeom>
@@ -13406,7 +13406,7 @@
           </p:nvSpPr>
           <p:spPr>
             <a:xfrm>
-              <a:off x="4542439" y="2187410"/>
+              <a:off x="4434022" y="2187376"/>
               <a:ext cx="63202" cy="63202"/>
             </a:xfrm>
             <a:custGeom>
@@ -13449,7 +13449,7 @@
           </p:nvSpPr>
           <p:spPr>
             <a:xfrm>
-              <a:off x="4818188" y="2204673"/>
+              <a:off x="4891320" y="2204699"/>
               <a:ext cx="63202" cy="63202"/>
             </a:xfrm>
             <a:custGeom>
@@ -13492,7 +13492,7 @@
           </p:nvSpPr>
           <p:spPr>
             <a:xfrm>
-              <a:off x="4737645" y="2205954"/>
+              <a:off x="5025976" y="2205931"/>
               <a:ext cx="63202" cy="63202"/>
             </a:xfrm>
             <a:custGeom>
@@ -13535,7 +13535,7 @@
           </p:nvSpPr>
           <p:spPr>
             <a:xfrm>
-              <a:off x="5958781" y="2799682"/>
+              <a:off x="5484617" y="2799750"/>
               <a:ext cx="63202" cy="63202"/>
             </a:xfrm>
             <a:custGeom>
@@ -13578,7 +13578,7 @@
           </p:nvSpPr>
           <p:spPr>
             <a:xfrm>
-              <a:off x="4644229" y="2216876"/>
+              <a:off x="4877795" y="2216927"/>
               <a:ext cx="63202" cy="63202"/>
             </a:xfrm>
             <a:custGeom>
@@ -13621,7 +13621,7 @@
           </p:nvSpPr>
           <p:spPr>
             <a:xfrm>
-              <a:off x="5073452" y="2214133"/>
+              <a:off x="4492758" y="2214209"/>
               <a:ext cx="63202" cy="63202"/>
             </a:xfrm>
             <a:custGeom>
@@ -13664,7 +13664,7 @@
           </p:nvSpPr>
           <p:spPr>
             <a:xfrm>
-              <a:off x="4779509" y="2258239"/>
+              <a:off x="4609186" y="2258170"/>
               <a:ext cx="63202" cy="63202"/>
             </a:xfrm>
             <a:custGeom>
@@ -13707,7 +13707,7 @@
           </p:nvSpPr>
           <p:spPr>
             <a:xfrm>
-              <a:off x="5088513" y="2190350"/>
+              <a:off x="4737829" y="2190302"/>
               <a:ext cx="63202" cy="63202"/>
             </a:xfrm>
             <a:custGeom>
@@ -13750,7 +13750,7 @@
           </p:nvSpPr>
           <p:spPr>
             <a:xfrm>
-              <a:off x="5113078" y="2187289"/>
+              <a:off x="4818225" y="2187305"/>
               <a:ext cx="63202" cy="63202"/>
             </a:xfrm>
             <a:custGeom>
@@ -13793,7 +13793,7 @@
           </p:nvSpPr>
           <p:spPr>
             <a:xfrm>
-              <a:off x="4912439" y="2216361"/>
+              <a:off x="4638907" y="2216387"/>
               <a:ext cx="63202" cy="63202"/>
             </a:xfrm>
             <a:custGeom>
@@ -13836,7 +13836,7 @@
           </p:nvSpPr>
           <p:spPr>
             <a:xfrm>
-              <a:off x="4923242" y="2216383"/>
+              <a:off x="4610748" y="2216515"/>
               <a:ext cx="63202" cy="63202"/>
             </a:xfrm>
             <a:custGeom>
@@ -13879,7 +13879,7 @@
           </p:nvSpPr>
           <p:spPr>
             <a:xfrm>
-              <a:off x="4646645" y="2210115"/>
+              <a:off x="4790443" y="2210126"/>
               <a:ext cx="63202" cy="63202"/>
             </a:xfrm>
             <a:custGeom>
@@ -13922,7 +13922,7 @@
           </p:nvSpPr>
           <p:spPr>
             <a:xfrm>
-              <a:off x="4948188" y="2526874"/>
+              <a:off x="4575816" y="2526954"/>
               <a:ext cx="63202" cy="63202"/>
             </a:xfrm>
             <a:custGeom>
@@ -13965,7 +13965,7 @@
           </p:nvSpPr>
           <p:spPr>
             <a:xfrm>
-              <a:off x="4974435" y="2229262"/>
+              <a:off x="4551390" y="2229270"/>
               <a:ext cx="63202" cy="63202"/>
             </a:xfrm>
             <a:custGeom>
@@ -14008,7 +14008,7 @@
           </p:nvSpPr>
           <p:spPr>
             <a:xfrm>
-              <a:off x="4841404" y="2538053"/>
+              <a:off x="5014735" y="2538073"/>
               <a:ext cx="63202" cy="63202"/>
             </a:xfrm>
             <a:custGeom>
@@ -14051,7 +14051,7 @@
           </p:nvSpPr>
           <p:spPr>
             <a:xfrm>
-              <a:off x="4941790" y="2178480"/>
+              <a:off x="5095523" y="2178572"/>
               <a:ext cx="63202" cy="63202"/>
             </a:xfrm>
             <a:custGeom>
@@ -14094,7 +14094,7 @@
           </p:nvSpPr>
           <p:spPr>
             <a:xfrm>
-              <a:off x="4623934" y="2378631"/>
+              <a:off x="4560903" y="2378680"/>
               <a:ext cx="63202" cy="63202"/>
             </a:xfrm>
             <a:custGeom>
@@ -14137,7 +14137,7 @@
           </p:nvSpPr>
           <p:spPr>
             <a:xfrm>
-              <a:off x="5079758" y="2211767"/>
+              <a:off x="4687639" y="2211888"/>
               <a:ext cx="63202" cy="63202"/>
             </a:xfrm>
             <a:custGeom>
@@ -14180,7 +14180,7 @@
           </p:nvSpPr>
           <p:spPr>
             <a:xfrm>
-              <a:off x="4890122" y="2251319"/>
+              <a:off x="4748863" y="2251254"/>
               <a:ext cx="63202" cy="63202"/>
             </a:xfrm>
             <a:custGeom>
@@ -14223,7 +14223,7 @@
           </p:nvSpPr>
           <p:spPr>
             <a:xfrm>
-              <a:off x="5098588" y="2255844"/>
+              <a:off x="4708707" y="2255915"/>
               <a:ext cx="63202" cy="63202"/>
             </a:xfrm>
             <a:custGeom>
@@ -14266,7 +14266,7 @@
           </p:nvSpPr>
           <p:spPr>
             <a:xfrm>
-              <a:off x="4682846" y="2226289"/>
+              <a:off x="4599897" y="2226328"/>
               <a:ext cx="63202" cy="63202"/>
             </a:xfrm>
             <a:custGeom>
@@ -14309,7 +14309,7 @@
           </p:nvSpPr>
           <p:spPr>
             <a:xfrm>
-              <a:off x="4571404" y="2217245"/>
+              <a:off x="4911943" y="2217294"/>
               <a:ext cx="63202" cy="63202"/>
             </a:xfrm>
             <a:custGeom>
@@ -14352,7 +14352,7 @@
           </p:nvSpPr>
           <p:spPr>
             <a:xfrm>
-              <a:off x="4919220" y="2216295"/>
+              <a:off x="4965276" y="2216249"/>
               <a:ext cx="63202" cy="63202"/>
             </a:xfrm>
             <a:custGeom>
@@ -14395,7 +14395,7 @@
           </p:nvSpPr>
           <p:spPr>
             <a:xfrm>
-              <a:off x="4688288" y="2279756"/>
+              <a:off x="4630179" y="2279765"/>
               <a:ext cx="63202" cy="63202"/>
             </a:xfrm>
             <a:custGeom>
@@ -14438,7 +14438,7 @@
           </p:nvSpPr>
           <p:spPr>
             <a:xfrm>
-              <a:off x="4482913" y="2296962"/>
+              <a:off x="5086858" y="2296981"/>
               <a:ext cx="63202" cy="63202"/>
             </a:xfrm>
             <a:custGeom>
@@ -14481,7 +14481,7 @@
           </p:nvSpPr>
           <p:spPr>
             <a:xfrm>
-              <a:off x="4847497" y="2225243"/>
+              <a:off x="4842121" y="2225303"/>
               <a:ext cx="63202" cy="63202"/>
             </a:xfrm>
             <a:custGeom>
@@ -14524,7 +14524,7 @@
           </p:nvSpPr>
           <p:spPr>
             <a:xfrm>
-              <a:off x="4762954" y="2219837"/>
+              <a:off x="4970058" y="2219918"/>
               <a:ext cx="63202" cy="63202"/>
             </a:xfrm>
             <a:custGeom>
@@ -14567,7 +14567,7 @@
           </p:nvSpPr>
           <p:spPr>
             <a:xfrm>
-              <a:off x="4465147" y="2252215"/>
+              <a:off x="4874079" y="2252247"/>
               <a:ext cx="63202" cy="63202"/>
             </a:xfrm>
             <a:custGeom>
@@ -14610,7 +14610,7 @@
           </p:nvSpPr>
           <p:spPr>
             <a:xfrm>
-              <a:off x="4491390" y="2211860"/>
+              <a:off x="4861559" y="2211758"/>
               <a:ext cx="63202" cy="63202"/>
             </a:xfrm>
             <a:custGeom>
@@ -14653,7 +14653,7 @@
           </p:nvSpPr>
           <p:spPr>
             <a:xfrm>
-              <a:off x="4840736" y="2182331"/>
+              <a:off x="5036007" y="2182366"/>
               <a:ext cx="63202" cy="63202"/>
             </a:xfrm>
             <a:custGeom>
@@ -14696,7 +14696,7 @@
           </p:nvSpPr>
           <p:spPr>
             <a:xfrm>
-              <a:off x="4656391" y="2240063"/>
+              <a:off x="4544572" y="2240041"/>
               <a:ext cx="63202" cy="63202"/>
             </a:xfrm>
             <a:custGeom>
@@ -14739,7 +14739,7 @@
           </p:nvSpPr>
           <p:spPr>
             <a:xfrm>
-              <a:off x="4792125" y="2279745"/>
+              <a:off x="4433213" y="2279813"/>
               <a:ext cx="63202" cy="63202"/>
             </a:xfrm>
             <a:custGeom>
@@ -14782,7 +14782,7 @@
           </p:nvSpPr>
           <p:spPr>
             <a:xfrm>
-              <a:off x="5029287" y="2194679"/>
+              <a:off x="4710689" y="2194802"/>
               <a:ext cx="63202" cy="63202"/>
             </a:xfrm>
             <a:custGeom>
@@ -14825,7 +14825,7 @@
           </p:nvSpPr>
           <p:spPr>
             <a:xfrm>
-              <a:off x="4684014" y="2484896"/>
+              <a:off x="4560454" y="2484890"/>
               <a:ext cx="63202" cy="63202"/>
             </a:xfrm>
             <a:custGeom>
@@ -14868,7 +14868,7 @@
           </p:nvSpPr>
           <p:spPr>
             <a:xfrm>
-              <a:off x="4619766" y="2259013"/>
+              <a:off x="4546624" y="2259025"/>
               <a:ext cx="63202" cy="63202"/>
             </a:xfrm>
             <a:custGeom>
@@ -14911,7 +14911,7 @@
           </p:nvSpPr>
           <p:spPr>
             <a:xfrm>
-              <a:off x="4673818" y="2222894"/>
+              <a:off x="4737215" y="2223072"/>
               <a:ext cx="63202" cy="63202"/>
             </a:xfrm>
             <a:custGeom>
@@ -14954,7 +14954,7 @@
           </p:nvSpPr>
           <p:spPr>
             <a:xfrm>
-              <a:off x="4740218" y="2183601"/>
+              <a:off x="4997563" y="2183559"/>
               <a:ext cx="63202" cy="63202"/>
             </a:xfrm>
             <a:custGeom>
@@ -14997,7 +14997,7 @@
           </p:nvSpPr>
           <p:spPr>
             <a:xfrm>
-              <a:off x="4978563" y="2185865"/>
+              <a:off x="4705312" y="2185938"/>
               <a:ext cx="63202" cy="63202"/>
             </a:xfrm>
             <a:custGeom>
@@ -15040,7 +15040,7 @@
           </p:nvSpPr>
           <p:spPr>
             <a:xfrm>
-              <a:off x="4986439" y="2236661"/>
+              <a:off x="5032877" y="2236769"/>
               <a:ext cx="63202" cy="63202"/>
             </a:xfrm>
             <a:custGeom>
@@ -15083,7 +15083,7 @@
           </p:nvSpPr>
           <p:spPr>
             <a:xfrm>
-              <a:off x="4496252" y="2210151"/>
+              <a:off x="4482657" y="2210193"/>
               <a:ext cx="63202" cy="63202"/>
             </a:xfrm>
             <a:custGeom>
@@ -15126,7 +15126,7 @@
           </p:nvSpPr>
           <p:spPr>
             <a:xfrm>
-              <a:off x="4445396" y="2369531"/>
+              <a:off x="4615132" y="2369530"/>
               <a:ext cx="63202" cy="63202"/>
             </a:xfrm>
             <a:custGeom>
@@ -15169,7 +15169,7 @@
           </p:nvSpPr>
           <p:spPr>
             <a:xfrm>
-              <a:off x="4686998" y="2214454"/>
+              <a:off x="5051469" y="2214492"/>
               <a:ext cx="63202" cy="63202"/>
             </a:xfrm>
             <a:custGeom>
@@ -15212,7 +15212,7 @@
           </p:nvSpPr>
           <p:spPr>
             <a:xfrm>
-              <a:off x="4731959" y="2340869"/>
+              <a:off x="4895174" y="2340897"/>
               <a:ext cx="63202" cy="63202"/>
             </a:xfrm>
             <a:custGeom>
@@ -15255,7 +15255,7 @@
           </p:nvSpPr>
           <p:spPr>
             <a:xfrm>
-              <a:off x="6313306" y="2946444"/>
+              <a:off x="6646755" y="2946388"/>
               <a:ext cx="63202" cy="63202"/>
             </a:xfrm>
             <a:custGeom>
@@ -15298,7 +15298,7 @@
           </p:nvSpPr>
           <p:spPr>
             <a:xfrm>
-              <a:off x="4819064" y="2266467"/>
+              <a:off x="4803490" y="2266444"/>
               <a:ext cx="63202" cy="63202"/>
             </a:xfrm>
             <a:custGeom>
@@ -15341,7 +15341,7 @@
           </p:nvSpPr>
           <p:spPr>
             <a:xfrm>
-              <a:off x="4624171" y="2218127"/>
+              <a:off x="4505151" y="2218238"/>
               <a:ext cx="63202" cy="63202"/>
             </a:xfrm>
             <a:custGeom>
@@ -15384,7 +15384,7 @@
           </p:nvSpPr>
           <p:spPr>
             <a:xfrm>
-              <a:off x="4697002" y="2396744"/>
+              <a:off x="4994810" y="2396857"/>
               <a:ext cx="63202" cy="63202"/>
             </a:xfrm>
             <a:custGeom>
@@ -15427,7 +15427,7 @@
           </p:nvSpPr>
           <p:spPr>
             <a:xfrm>
-              <a:off x="4725020" y="2395151"/>
+              <a:off x="5038948" y="2395152"/>
               <a:ext cx="63202" cy="63202"/>
             </a:xfrm>
             <a:custGeom>
@@ -15470,7 +15470,7 @@
           </p:nvSpPr>
           <p:spPr>
             <a:xfrm>
-              <a:off x="5673489" y="2459638"/>
+              <a:off x="5512326" y="2459621"/>
               <a:ext cx="63202" cy="63202"/>
             </a:xfrm>
             <a:custGeom>
@@ -15513,7 +15513,7 @@
           </p:nvSpPr>
           <p:spPr>
             <a:xfrm>
-              <a:off x="4772309" y="2219138"/>
+              <a:off x="4709208" y="2219282"/>
               <a:ext cx="63202" cy="63202"/>
             </a:xfrm>
             <a:custGeom>
@@ -15556,7 +15556,7 @@
           </p:nvSpPr>
           <p:spPr>
             <a:xfrm>
-              <a:off x="4601395" y="2520932"/>
+              <a:off x="4548984" y="2521119"/>
               <a:ext cx="63202" cy="63202"/>
             </a:xfrm>
             <a:custGeom>
@@ -15599,7 +15599,7 @@
           </p:nvSpPr>
           <p:spPr>
             <a:xfrm>
-              <a:off x="4707786" y="2217849"/>
+              <a:off x="4698956" y="2217903"/>
               <a:ext cx="63202" cy="63202"/>
             </a:xfrm>
             <a:custGeom>
@@ -15642,7 +15642,7 @@
           </p:nvSpPr>
           <p:spPr>
             <a:xfrm>
-              <a:off x="4694609" y="2244484"/>
+              <a:off x="5012554" y="2244581"/>
               <a:ext cx="63202" cy="63202"/>
             </a:xfrm>
             <a:custGeom>
@@ -15685,7 +15685,7 @@
           </p:nvSpPr>
           <p:spPr>
             <a:xfrm>
-              <a:off x="4683714" y="2227338"/>
+              <a:off x="5067993" y="2227450"/>
               <a:ext cx="63202" cy="63202"/>
             </a:xfrm>
             <a:custGeom>
@@ -15728,7 +15728,7 @@
           </p:nvSpPr>
           <p:spPr>
             <a:xfrm>
-              <a:off x="4993553" y="2295180"/>
+              <a:off x="5008019" y="2295100"/>
               <a:ext cx="63202" cy="63202"/>
             </a:xfrm>
             <a:custGeom>
@@ -15771,7 +15771,7 @@
           </p:nvSpPr>
           <p:spPr>
             <a:xfrm>
-              <a:off x="5092935" y="2216386"/>
+              <a:off x="4537676" y="2216445"/>
               <a:ext cx="63202" cy="63202"/>
             </a:xfrm>
             <a:custGeom>
@@ -15814,7 +15814,7 @@
           </p:nvSpPr>
           <p:spPr>
             <a:xfrm>
-              <a:off x="4557135" y="2185202"/>
+              <a:off x="4566213" y="2185208"/>
               <a:ext cx="63202" cy="63202"/>
             </a:xfrm>
             <a:custGeom>
@@ -15857,7 +15857,7 @@
           </p:nvSpPr>
           <p:spPr>
             <a:xfrm>
-              <a:off x="4928448" y="2268697"/>
+              <a:off x="4848388" y="2268770"/>
               <a:ext cx="63202" cy="63202"/>
             </a:xfrm>
             <a:custGeom>
@@ -15900,7 +15900,7 @@
           </p:nvSpPr>
           <p:spPr>
             <a:xfrm>
-              <a:off x="4904220" y="2265820"/>
+              <a:off x="4824492" y="2265891"/>
               <a:ext cx="63202" cy="63202"/>
             </a:xfrm>
             <a:custGeom>
@@ -15999,7 +15999,7 @@
           </p:nvSpPr>
           <p:spPr>
             <a:xfrm>
-              <a:off x="4284320" y="4923996"/>
+              <a:off x="4284320" y="4924075"/>
               <a:ext cx="2817450" cy="0"/>
             </a:xfrm>
             <a:custGeom>
@@ -16042,7 +16042,7 @@
           </p:nvSpPr>
           <p:spPr>
             <a:xfrm>
-              <a:off x="4284320" y="4502177"/>
+              <a:off x="4284320" y="4502229"/>
               <a:ext cx="2817450" cy="0"/>
             </a:xfrm>
             <a:custGeom>
@@ -16085,7 +16085,7 @@
           </p:nvSpPr>
           <p:spPr>
             <a:xfrm>
-              <a:off x="4284320" y="4080358"/>
+              <a:off x="4284320" y="4080383"/>
               <a:ext cx="2817450" cy="0"/>
             </a:xfrm>
             <a:custGeom>
@@ -16128,7 +16128,7 @@
           </p:nvSpPr>
           <p:spPr>
             <a:xfrm>
-              <a:off x="4284320" y="3658539"/>
+              <a:off x="4284320" y="3658538"/>
               <a:ext cx="2817450" cy="0"/>
             </a:xfrm>
             <a:custGeom>
@@ -16171,7 +16171,7 @@
           </p:nvSpPr>
           <p:spPr>
             <a:xfrm>
-              <a:off x="4284320" y="4713087"/>
+              <a:off x="4284320" y="4713152"/>
               <a:ext cx="2817450" cy="0"/>
             </a:xfrm>
             <a:custGeom>
@@ -16214,7 +16214,7 @@
           </p:nvSpPr>
           <p:spPr>
             <a:xfrm>
-              <a:off x="4284320" y="4291268"/>
+              <a:off x="4284320" y="4291306"/>
               <a:ext cx="2817450" cy="0"/>
             </a:xfrm>
             <a:custGeom>
@@ -16257,7 +16257,7 @@
           </p:nvSpPr>
           <p:spPr>
             <a:xfrm>
-              <a:off x="4284320" y="3869449"/>
+              <a:off x="4284320" y="3869460"/>
               <a:ext cx="2817450" cy="0"/>
             </a:xfrm>
             <a:custGeom>
@@ -16300,7 +16300,7 @@
           </p:nvSpPr>
           <p:spPr>
             <a:xfrm>
-              <a:off x="4284320" y="3447630"/>
+              <a:off x="4284320" y="3447615"/>
               <a:ext cx="2817450" cy="0"/>
             </a:xfrm>
             <a:custGeom>
@@ -16472,7 +16472,7 @@
           </p:nvSpPr>
           <p:spPr>
             <a:xfrm>
-              <a:off x="5472800" y="4477899"/>
+              <a:off x="5417659" y="4478023"/>
               <a:ext cx="63202" cy="63202"/>
             </a:xfrm>
             <a:custGeom>
@@ -16515,7 +16515,7 @@
           </p:nvSpPr>
           <p:spPr>
             <a:xfrm>
-              <a:off x="5131962" y="4209542"/>
+              <a:off x="4810052" y="4209460"/>
               <a:ext cx="63202" cy="63202"/>
             </a:xfrm>
             <a:custGeom>
@@ -16558,7 +16558,7 @@
           </p:nvSpPr>
           <p:spPr>
             <a:xfrm>
-              <a:off x="6439670" y="4355596"/>
+              <a:off x="6512730" y="4355725"/>
               <a:ext cx="63202" cy="63202"/>
             </a:xfrm>
             <a:custGeom>
@@ -16601,7 +16601,7 @@
           </p:nvSpPr>
           <p:spPr>
             <a:xfrm>
-              <a:off x="6814029" y="4864479"/>
+              <a:off x="6277318" y="4864578"/>
               <a:ext cx="63202" cy="63202"/>
             </a:xfrm>
             <a:custGeom>
@@ -16644,7 +16644,7 @@
           </p:nvSpPr>
           <p:spPr>
             <a:xfrm>
-              <a:off x="6826335" y="4883747"/>
+              <a:off x="6795909" y="4883747"/>
               <a:ext cx="63202" cy="63202"/>
             </a:xfrm>
             <a:custGeom>
@@ -16743,7 +16743,7 @@
           </p:nvSpPr>
           <p:spPr>
             <a:xfrm>
-              <a:off x="4284320" y="6849329"/>
+              <a:off x="4284320" y="6849408"/>
               <a:ext cx="2817450" cy="0"/>
             </a:xfrm>
             <a:custGeom>
@@ -16786,7 +16786,7 @@
           </p:nvSpPr>
           <p:spPr>
             <a:xfrm>
-              <a:off x="4284320" y="6427510"/>
+              <a:off x="4284320" y="6427562"/>
               <a:ext cx="2817450" cy="0"/>
             </a:xfrm>
             <a:custGeom>
@@ -16829,7 +16829,7 @@
           </p:nvSpPr>
           <p:spPr>
             <a:xfrm>
-              <a:off x="4284320" y="6005691"/>
+              <a:off x="4284320" y="6005716"/>
               <a:ext cx="2817450" cy="0"/>
             </a:xfrm>
             <a:custGeom>
@@ -16872,7 +16872,7 @@
           </p:nvSpPr>
           <p:spPr>
             <a:xfrm>
-              <a:off x="4284320" y="5583872"/>
+              <a:off x="4284320" y="5583870"/>
               <a:ext cx="2817450" cy="0"/>
             </a:xfrm>
             <a:custGeom>
@@ -16915,7 +16915,7 @@
           </p:nvSpPr>
           <p:spPr>
             <a:xfrm>
-              <a:off x="4284320" y="6638419"/>
+              <a:off x="4284320" y="6638485"/>
               <a:ext cx="2817450" cy="0"/>
             </a:xfrm>
             <a:custGeom>
@@ -16958,7 +16958,7 @@
           </p:nvSpPr>
           <p:spPr>
             <a:xfrm>
-              <a:off x="4284320" y="6216600"/>
+              <a:off x="4284320" y="6216639"/>
               <a:ext cx="2817450" cy="0"/>
             </a:xfrm>
             <a:custGeom>
@@ -17001,7 +17001,7 @@
           </p:nvSpPr>
           <p:spPr>
             <a:xfrm>
-              <a:off x="4284320" y="5794781"/>
+              <a:off x="4284320" y="5794793"/>
               <a:ext cx="2817450" cy="0"/>
             </a:xfrm>
             <a:custGeom>
@@ -17044,7 +17044,7 @@
           </p:nvSpPr>
           <p:spPr>
             <a:xfrm>
-              <a:off x="4284320" y="5372962"/>
+              <a:off x="4284320" y="5372947"/>
               <a:ext cx="2817450" cy="0"/>
             </a:xfrm>
             <a:custGeom>
@@ -17216,7 +17216,7 @@
           </p:nvSpPr>
           <p:spPr>
             <a:xfrm>
-              <a:off x="4885480" y="6010353"/>
+              <a:off x="4479260" y="6010382"/>
               <a:ext cx="63202" cy="63202"/>
             </a:xfrm>
             <a:custGeom>
@@ -17259,7 +17259,7 @@
           </p:nvSpPr>
           <p:spPr>
             <a:xfrm>
-              <a:off x="4802592" y="5972333"/>
+              <a:off x="4638116" y="5972503"/>
               <a:ext cx="63202" cy="63202"/>
             </a:xfrm>
             <a:custGeom>
@@ -17302,7 +17302,7 @@
           </p:nvSpPr>
           <p:spPr>
             <a:xfrm>
-              <a:off x="4876125" y="5983809"/>
+              <a:off x="4543438" y="5983881"/>
               <a:ext cx="63202" cy="63202"/>
             </a:xfrm>
             <a:custGeom>
@@ -17345,7 +17345,7 @@
           </p:nvSpPr>
           <p:spPr>
             <a:xfrm>
-              <a:off x="4838193" y="5985727"/>
+              <a:off x="4768485" y="5985712"/>
               <a:ext cx="63202" cy="63202"/>
             </a:xfrm>
             <a:custGeom>
@@ -17388,7 +17388,7 @@
           </p:nvSpPr>
           <p:spPr>
             <a:xfrm>
-              <a:off x="6651598" y="6630830"/>
+              <a:off x="6579564" y="6630973"/>
               <a:ext cx="63202" cy="63202"/>
             </a:xfrm>
             <a:custGeom>
@@ -17431,7 +17431,7 @@
           </p:nvSpPr>
           <p:spPr>
             <a:xfrm>
-              <a:off x="5090590" y="6002333"/>
+              <a:off x="5074030" y="6002330"/>
               <a:ext cx="63202" cy="63202"/>
             </a:xfrm>
             <a:custGeom>
@@ -17474,7 +17474,7 @@
           </p:nvSpPr>
           <p:spPr>
             <a:xfrm>
-              <a:off x="5075366" y="5975738"/>
+              <a:off x="4555729" y="5975784"/>
               <a:ext cx="63202" cy="63202"/>
             </a:xfrm>
             <a:custGeom>
@@ -17517,7 +17517,7 @@
           </p:nvSpPr>
           <p:spPr>
             <a:xfrm>
-              <a:off x="4721854" y="6008255"/>
+              <a:off x="4948874" y="6008239"/>
               <a:ext cx="63202" cy="63202"/>
             </a:xfrm>
             <a:custGeom>
@@ -17560,7 +17560,7 @@
           </p:nvSpPr>
           <p:spPr>
             <a:xfrm>
-              <a:off x="4977067" y="5987159"/>
+              <a:off x="4829980" y="5987171"/>
               <a:ext cx="63202" cy="63202"/>
             </a:xfrm>
             <a:custGeom>
@@ -17603,7 +17603,7 @@
           </p:nvSpPr>
           <p:spPr>
             <a:xfrm>
-              <a:off x="4931139" y="6008192"/>
+              <a:off x="4765936" y="6008274"/>
               <a:ext cx="63202" cy="63202"/>
             </a:xfrm>
             <a:custGeom>
@@ -17646,7 +17646,7 @@
           </p:nvSpPr>
           <p:spPr>
             <a:xfrm>
-              <a:off x="4987609" y="5982248"/>
+              <a:off x="4998226" y="5982289"/>
               <a:ext cx="63202" cy="63202"/>
             </a:xfrm>
             <a:custGeom>
@@ -17689,7 +17689,7 @@
           </p:nvSpPr>
           <p:spPr>
             <a:xfrm>
-              <a:off x="5022596" y="6068755"/>
+              <a:off x="4960011" y="6068780"/>
               <a:ext cx="63202" cy="63202"/>
             </a:xfrm>
             <a:custGeom>
@@ -17732,7 +17732,7 @@
           </p:nvSpPr>
           <p:spPr>
             <a:xfrm>
-              <a:off x="4444115" y="5972479"/>
+              <a:off x="4898429" y="5972400"/>
               <a:ext cx="63202" cy="63202"/>
             </a:xfrm>
             <a:custGeom>
@@ -17775,7 +17775,7 @@
           </p:nvSpPr>
           <p:spPr>
             <a:xfrm>
-              <a:off x="5037271" y="5981913"/>
+              <a:off x="4749220" y="5981850"/>
               <a:ext cx="63202" cy="63202"/>
             </a:xfrm>
             <a:custGeom>
@@ -17818,7 +17818,7 @@
           </p:nvSpPr>
           <p:spPr>
             <a:xfrm>
-              <a:off x="4790549" y="5981927"/>
+              <a:off x="4979831" y="5981999"/>
               <a:ext cx="63202" cy="63202"/>
             </a:xfrm>
             <a:custGeom>
@@ -17861,7 +17861,7 @@
           </p:nvSpPr>
           <p:spPr>
             <a:xfrm>
-              <a:off x="4748928" y="5969921"/>
+              <a:off x="4443715" y="5969887"/>
               <a:ext cx="63202" cy="63202"/>
             </a:xfrm>
             <a:custGeom>
@@ -17904,7 +17904,7 @@
           </p:nvSpPr>
           <p:spPr>
             <a:xfrm>
-              <a:off x="4760753" y="5982820"/>
+              <a:off x="5061954" y="5982736"/>
               <a:ext cx="63202" cy="63202"/>
             </a:xfrm>
             <a:custGeom>
@@ -17947,7 +17947,7 @@
           </p:nvSpPr>
           <p:spPr>
             <a:xfrm>
-              <a:off x="5055811" y="5966481"/>
+              <a:off x="4826841" y="5966573"/>
               <a:ext cx="63202" cy="63202"/>
             </a:xfrm>
             <a:custGeom>
@@ -17990,7 +17990,7 @@
           </p:nvSpPr>
           <p:spPr>
             <a:xfrm>
-              <a:off x="4817990" y="6002339"/>
+              <a:off x="4770825" y="6002319"/>
               <a:ext cx="63202" cy="63202"/>
             </a:xfrm>
             <a:custGeom>
@@ -18033,7 +18033,7 @@
           </p:nvSpPr>
           <p:spPr>
             <a:xfrm>
-              <a:off x="4478637" y="5966106"/>
+              <a:off x="4666508" y="5966125"/>
               <a:ext cx="63202" cy="63202"/>
             </a:xfrm>
             <a:custGeom>
@@ -18076,7 +18076,7 @@
           </p:nvSpPr>
           <p:spPr>
             <a:xfrm>
-              <a:off x="4934210" y="5997276"/>
+              <a:off x="4521218" y="5997360"/>
               <a:ext cx="63202" cy="63202"/>
             </a:xfrm>
             <a:custGeom>
@@ -18119,7 +18119,7 @@
           </p:nvSpPr>
           <p:spPr>
             <a:xfrm>
-              <a:off x="4484326" y="5993621"/>
+              <a:off x="4968130" y="5993727"/>
               <a:ext cx="63202" cy="63202"/>
             </a:xfrm>
             <a:custGeom>
@@ -18162,7 +18162,7 @@
           </p:nvSpPr>
           <p:spPr>
             <a:xfrm>
-              <a:off x="4743773" y="6007918"/>
+              <a:off x="4715550" y="6007780"/>
               <a:ext cx="63202" cy="63202"/>
             </a:xfrm>
             <a:custGeom>
@@ -18205,7 +18205,7 @@
           </p:nvSpPr>
           <p:spPr>
             <a:xfrm>
-              <a:off x="4483095" y="6000302"/>
+              <a:off x="4956691" y="6000302"/>
               <a:ext cx="63202" cy="63202"/>
             </a:xfrm>
             <a:custGeom>
@@ -18248,7 +18248,7 @@
           </p:nvSpPr>
           <p:spPr>
             <a:xfrm>
-              <a:off x="4899321" y="5976432"/>
+              <a:off x="4566673" y="5976475"/>
               <a:ext cx="63202" cy="63202"/>
             </a:xfrm>
             <a:custGeom>
@@ -18291,7 +18291,7 @@
           </p:nvSpPr>
           <p:spPr>
             <a:xfrm>
-              <a:off x="4999889" y="6002144"/>
+              <a:off x="5078242" y="6002178"/>
               <a:ext cx="63202" cy="63202"/>
             </a:xfrm>
             <a:custGeom>
@@ -18334,7 +18334,7 @@
           </p:nvSpPr>
           <p:spPr>
             <a:xfrm>
-              <a:off x="4502925" y="6013590"/>
+              <a:off x="5109963" y="6013485"/>
               <a:ext cx="63202" cy="63202"/>
             </a:xfrm>
             <a:custGeom>
@@ -18377,7 +18377,7 @@
           </p:nvSpPr>
           <p:spPr>
             <a:xfrm>
-              <a:off x="4473456" y="6019434"/>
+              <a:off x="4918162" y="6019512"/>
               <a:ext cx="63202" cy="63202"/>
             </a:xfrm>
             <a:custGeom>
@@ -18420,7 +18420,7 @@
           </p:nvSpPr>
           <p:spPr>
             <a:xfrm>
-              <a:off x="4999006" y="6014430"/>
+              <a:off x="4961978" y="6014344"/>
               <a:ext cx="63202" cy="63202"/>
             </a:xfrm>
             <a:custGeom>
@@ -18463,7 +18463,7 @@
           </p:nvSpPr>
           <p:spPr>
             <a:xfrm>
-              <a:off x="4479423" y="5974128"/>
+              <a:off x="4596007" y="5974106"/>
               <a:ext cx="63202" cy="63202"/>
             </a:xfrm>
             <a:custGeom>
@@ -18506,7 +18506,7 @@
           </p:nvSpPr>
           <p:spPr>
             <a:xfrm>
-              <a:off x="4861323" y="5988053"/>
+              <a:off x="4456443" y="5988058"/>
               <a:ext cx="63202" cy="63202"/>
             </a:xfrm>
             <a:custGeom>
@@ -18549,7 +18549,7 @@
           </p:nvSpPr>
           <p:spPr>
             <a:xfrm>
-              <a:off x="4754568" y="5996451"/>
+              <a:off x="4865894" y="5996497"/>
               <a:ext cx="63202" cy="63202"/>
             </a:xfrm>
             <a:custGeom>
@@ -18592,7 +18592,7 @@
           </p:nvSpPr>
           <p:spPr>
             <a:xfrm>
-              <a:off x="4462113" y="5977856"/>
+              <a:off x="4702608" y="5977859"/>
               <a:ext cx="63202" cy="63202"/>
             </a:xfrm>
             <a:custGeom>
@@ -18635,7 +18635,7 @@
           </p:nvSpPr>
           <p:spPr>
             <a:xfrm>
-              <a:off x="4777842" y="5975774"/>
+              <a:off x="4488084" y="5975725"/>
               <a:ext cx="63202" cy="63202"/>
             </a:xfrm>
             <a:custGeom>
@@ -18678,7 +18678,7 @@
           </p:nvSpPr>
           <p:spPr>
             <a:xfrm>
-              <a:off x="4764595" y="6009549"/>
+              <a:off x="4699408" y="6009495"/>
               <a:ext cx="63202" cy="63202"/>
             </a:xfrm>
             <a:custGeom>
@@ -18721,7 +18721,7 @@
           </p:nvSpPr>
           <p:spPr>
             <a:xfrm>
-              <a:off x="4553169" y="6002562"/>
+              <a:off x="4920684" y="6002512"/>
               <a:ext cx="63202" cy="63202"/>
             </a:xfrm>
             <a:custGeom>
@@ -18764,7 +18764,7 @@
           </p:nvSpPr>
           <p:spPr>
             <a:xfrm>
-              <a:off x="5015055" y="5978038"/>
+              <a:off x="4861921" y="5978079"/>
               <a:ext cx="63202" cy="63202"/>
             </a:xfrm>
             <a:custGeom>
@@ -18807,7 +18807,7 @@
           </p:nvSpPr>
           <p:spPr>
             <a:xfrm>
-              <a:off x="4766089" y="5969832"/>
+              <a:off x="4559178" y="5969972"/>
               <a:ext cx="63202" cy="63202"/>
             </a:xfrm>
             <a:custGeom>
@@ -18850,7 +18850,7 @@
           </p:nvSpPr>
           <p:spPr>
             <a:xfrm>
-              <a:off x="4485823" y="6002579"/>
+              <a:off x="4800507" y="6002532"/>
               <a:ext cx="63202" cy="63202"/>
             </a:xfrm>
             <a:custGeom>
@@ -18893,7 +18893,7 @@
           </p:nvSpPr>
           <p:spPr>
             <a:xfrm>
-              <a:off x="4633708" y="5999540"/>
+              <a:off x="4940294" y="5999680"/>
               <a:ext cx="63202" cy="63202"/>
             </a:xfrm>
             <a:custGeom>
@@ -18936,7 +18936,7 @@
           </p:nvSpPr>
           <p:spPr>
             <a:xfrm>
-              <a:off x="5105701" y="5976960"/>
+              <a:off x="4614725" y="5977087"/>
               <a:ext cx="63202" cy="63202"/>
             </a:xfrm>
             <a:custGeom>
@@ -18979,7 +18979,7 @@
           </p:nvSpPr>
           <p:spPr>
             <a:xfrm>
-              <a:off x="4641342" y="5979713"/>
+              <a:off x="4473177" y="5979863"/>
               <a:ext cx="63202" cy="63202"/>
             </a:xfrm>
             <a:custGeom>
@@ -19022,7 +19022,7 @@
           </p:nvSpPr>
           <p:spPr>
             <a:xfrm>
-              <a:off x="5583679" y="6431564"/>
+              <a:off x="5689119" y="6431558"/>
               <a:ext cx="63202" cy="63202"/>
             </a:xfrm>
             <a:custGeom>
@@ -19065,7 +19065,7 @@
           </p:nvSpPr>
           <p:spPr>
             <a:xfrm>
-              <a:off x="4465521" y="5988895"/>
+              <a:off x="4609536" y="5988887"/>
               <a:ext cx="63202" cy="63202"/>
             </a:xfrm>
             <a:custGeom>
@@ -19108,7 +19108,7 @@
           </p:nvSpPr>
           <p:spPr>
             <a:xfrm>
-              <a:off x="4465840" y="6005733"/>
+              <a:off x="4691233" y="6005746"/>
               <a:ext cx="63202" cy="63202"/>
             </a:xfrm>
             <a:custGeom>
@@ -19151,7 +19151,7 @@
           </p:nvSpPr>
           <p:spPr>
             <a:xfrm>
-              <a:off x="4962969" y="5978805"/>
+              <a:off x="4883634" y="5978817"/>
               <a:ext cx="63202" cy="63202"/>
             </a:xfrm>
             <a:custGeom>
@@ -19194,7 +19194,7 @@
           </p:nvSpPr>
           <p:spPr>
             <a:xfrm>
-              <a:off x="5123301" y="6029760"/>
+              <a:off x="5039194" y="6029828"/>
               <a:ext cx="63202" cy="63202"/>
             </a:xfrm>
             <a:custGeom>
@@ -19237,7 +19237,7 @@
           </p:nvSpPr>
           <p:spPr>
             <a:xfrm>
-              <a:off x="4950449" y="5981129"/>
+              <a:off x="5126987" y="5981158"/>
               <a:ext cx="63202" cy="63202"/>
             </a:xfrm>
             <a:custGeom>
@@ -19280,7 +19280,7 @@
           </p:nvSpPr>
           <p:spPr>
             <a:xfrm>
-              <a:off x="4959207" y="5993985"/>
+              <a:off x="4501595" y="5993916"/>
               <a:ext cx="63202" cy="63202"/>
             </a:xfrm>
             <a:custGeom>
@@ -19323,7 +19323,7 @@
           </p:nvSpPr>
           <p:spPr>
             <a:xfrm>
-              <a:off x="4503457" y="5977256"/>
+              <a:off x="4548263" y="5977262"/>
               <a:ext cx="63202" cy="63202"/>
             </a:xfrm>
             <a:custGeom>
@@ -19366,7 +19366,7 @@
           </p:nvSpPr>
           <p:spPr>
             <a:xfrm>
-              <a:off x="4472580" y="5974047"/>
+              <a:off x="4816155" y="5974146"/>
               <a:ext cx="63202" cy="63202"/>
             </a:xfrm>
             <a:custGeom>
@@ -19409,7 +19409,7 @@
           </p:nvSpPr>
           <p:spPr>
             <a:xfrm>
-              <a:off x="4588531" y="5994372"/>
+              <a:off x="4777801" y="5994289"/>
               <a:ext cx="63202" cy="63202"/>
             </a:xfrm>
             <a:custGeom>
@@ -19452,7 +19452,7 @@
           </p:nvSpPr>
           <p:spPr>
             <a:xfrm>
-              <a:off x="5007148" y="5986284"/>
+              <a:off x="4758675" y="5986304"/>
               <a:ext cx="63202" cy="63202"/>
             </a:xfrm>
             <a:custGeom>
@@ -19495,7 +19495,7 @@
           </p:nvSpPr>
           <p:spPr>
             <a:xfrm>
-              <a:off x="5110270" y="6000814"/>
+              <a:off x="4999038" y="6000858"/>
               <a:ext cx="63202" cy="63202"/>
             </a:xfrm>
             <a:custGeom>
@@ -19538,7 +19538,7 @@
           </p:nvSpPr>
           <p:spPr>
             <a:xfrm>
-              <a:off x="4585241" y="5991363"/>
+              <a:off x="4794623" y="5991428"/>
               <a:ext cx="63202" cy="63202"/>
             </a:xfrm>
             <a:custGeom>
@@ -19581,7 +19581,7 @@
           </p:nvSpPr>
           <p:spPr>
             <a:xfrm>
-              <a:off x="4483966" y="5977619"/>
+              <a:off x="4881598" y="5977723"/>
               <a:ext cx="63202" cy="63202"/>
             </a:xfrm>
             <a:custGeom>
@@ -19624,7 +19624,7 @@
           </p:nvSpPr>
           <p:spPr>
             <a:xfrm>
-              <a:off x="4813443" y="5974144"/>
+              <a:off x="4749358" y="5974133"/>
               <a:ext cx="63202" cy="63202"/>
             </a:xfrm>
             <a:custGeom>
@@ -19667,7 +19667,7 @@
           </p:nvSpPr>
           <p:spPr>
             <a:xfrm>
-              <a:off x="4637137" y="5974760"/>
+              <a:off x="4941053" y="5974704"/>
               <a:ext cx="63202" cy="63202"/>
             </a:xfrm>
             <a:custGeom>
@@ -19710,7 +19710,7 @@
           </p:nvSpPr>
           <p:spPr>
             <a:xfrm>
-              <a:off x="4537013" y="5982744"/>
+              <a:off x="4946693" y="5982689"/>
               <a:ext cx="63202" cy="63202"/>
             </a:xfrm>
             <a:custGeom>
@@ -19753,7 +19753,7 @@
           </p:nvSpPr>
           <p:spPr>
             <a:xfrm>
-              <a:off x="4779113" y="5970066"/>
+              <a:off x="4988718" y="5970122"/>
               <a:ext cx="63202" cy="63202"/>
             </a:xfrm>
             <a:custGeom>
@@ -19796,7 +19796,7 @@
           </p:nvSpPr>
           <p:spPr>
             <a:xfrm>
-              <a:off x="4916503" y="5986088"/>
+              <a:off x="4979180" y="5986105"/>
               <a:ext cx="63202" cy="63202"/>
             </a:xfrm>
             <a:custGeom>
@@ -19839,7 +19839,7 @@
           </p:nvSpPr>
           <p:spPr>
             <a:xfrm>
-              <a:off x="4724481" y="5978564"/>
+              <a:off x="4918696" y="5978488"/>
               <a:ext cx="63202" cy="63202"/>
             </a:xfrm>
             <a:custGeom>
@@ -19882,7 +19882,7 @@
           </p:nvSpPr>
           <p:spPr>
             <a:xfrm>
-              <a:off x="6754118" y="6607605"/>
+              <a:off x="6766010" y="6607664"/>
               <a:ext cx="63202" cy="63202"/>
             </a:xfrm>
             <a:custGeom>
@@ -19925,7 +19925,7 @@
           </p:nvSpPr>
           <p:spPr>
             <a:xfrm>
-              <a:off x="4807406" y="5975742"/>
+              <a:off x="4594794" y="5975790"/>
               <a:ext cx="63202" cy="63202"/>
             </a:xfrm>
             <a:custGeom>
@@ -19968,7 +19968,7 @@
           </p:nvSpPr>
           <p:spPr>
             <a:xfrm>
-              <a:off x="4963245" y="6001319"/>
+              <a:off x="4453534" y="6001303"/>
               <a:ext cx="63202" cy="63202"/>
             </a:xfrm>
             <a:custGeom>
@@ -20011,7 +20011,7 @@
           </p:nvSpPr>
           <p:spPr>
             <a:xfrm>
-              <a:off x="4481717" y="5993871"/>
+              <a:off x="4603689" y="5993913"/>
               <a:ext cx="63202" cy="63202"/>
             </a:xfrm>
             <a:custGeom>
@@ -20054,7 +20054,7 @@
           </p:nvSpPr>
           <p:spPr>
             <a:xfrm>
-              <a:off x="4517610" y="5973209"/>
+              <a:off x="5030676" y="5973270"/>
               <a:ext cx="63202" cy="63202"/>
             </a:xfrm>
             <a:custGeom>
@@ -20097,7 +20097,7 @@
           </p:nvSpPr>
           <p:spPr>
             <a:xfrm>
-              <a:off x="4583103" y="6115861"/>
+              <a:off x="5123818" y="6115893"/>
               <a:ext cx="63202" cy="63202"/>
             </a:xfrm>
             <a:custGeom>
@@ -20140,7 +20140,7 @@
           </p:nvSpPr>
           <p:spPr>
             <a:xfrm>
-              <a:off x="5887016" y="6482646"/>
+              <a:off x="5448052" y="6482689"/>
               <a:ext cx="63202" cy="63202"/>
             </a:xfrm>
             <a:custGeom>
@@ -20183,7 +20183,7 @@
           </p:nvSpPr>
           <p:spPr>
             <a:xfrm>
-              <a:off x="4694098" y="6002518"/>
+              <a:off x="4560949" y="6002600"/>
               <a:ext cx="63202" cy="63202"/>
             </a:xfrm>
             <a:custGeom>
@@ -20226,7 +20226,7 @@
           </p:nvSpPr>
           <p:spPr>
             <a:xfrm>
-              <a:off x="4500429" y="5997539"/>
+              <a:off x="4631692" y="5997481"/>
               <a:ext cx="63202" cy="63202"/>
             </a:xfrm>
             <a:custGeom>
@@ -20269,7 +20269,7 @@
           </p:nvSpPr>
           <p:spPr>
             <a:xfrm>
-              <a:off x="5122987" y="5969808"/>
+              <a:off x="5046195" y="5969954"/>
               <a:ext cx="63202" cy="63202"/>
             </a:xfrm>
             <a:custGeom>
@@ -20312,7 +20312,7 @@
           </p:nvSpPr>
           <p:spPr>
             <a:xfrm>
-              <a:off x="4888056" y="6079483"/>
+              <a:off x="4852195" y="6079626"/>
               <a:ext cx="63202" cy="63202"/>
             </a:xfrm>
             <a:custGeom>
@@ -20355,7 +20355,7 @@
           </p:nvSpPr>
           <p:spPr>
             <a:xfrm>
-              <a:off x="4621605" y="5966873"/>
+              <a:off x="4952685" y="5966886"/>
               <a:ext cx="63202" cy="63202"/>
             </a:xfrm>
             <a:custGeom>
@@ -20398,7 +20398,7 @@
           </p:nvSpPr>
           <p:spPr>
             <a:xfrm>
-              <a:off x="4870048" y="5996528"/>
+              <a:off x="4851691" y="5996417"/>
               <a:ext cx="63202" cy="63202"/>
             </a:xfrm>
             <a:custGeom>
@@ -20441,7 +20441,7 @@
           </p:nvSpPr>
           <p:spPr>
             <a:xfrm>
-              <a:off x="4647931" y="6029819"/>
+              <a:off x="4769340" y="6029846"/>
               <a:ext cx="63202" cy="63202"/>
             </a:xfrm>
             <a:custGeom>
@@ -20484,7 +20484,7 @@
           </p:nvSpPr>
           <p:spPr>
             <a:xfrm>
-              <a:off x="5009039" y="6197792"/>
+              <a:off x="4640200" y="6197851"/>
               <a:ext cx="63202" cy="63202"/>
             </a:xfrm>
             <a:custGeom>
@@ -20527,7 +20527,7 @@
           </p:nvSpPr>
           <p:spPr>
             <a:xfrm>
-              <a:off x="4978720" y="5986034"/>
+              <a:off x="4656589" y="5986176"/>
               <a:ext cx="63202" cy="63202"/>
             </a:xfrm>
             <a:custGeom>
@@ -20570,7 +20570,7 @@
           </p:nvSpPr>
           <p:spPr>
             <a:xfrm>
-              <a:off x="4719803" y="5975498"/>
+              <a:off x="4708127" y="5975530"/>
               <a:ext cx="63202" cy="63202"/>
             </a:xfrm>
             <a:custGeom>
@@ -20613,7 +20613,7 @@
           </p:nvSpPr>
           <p:spPr>
             <a:xfrm>
-              <a:off x="4573966" y="6013484"/>
+              <a:off x="4962930" y="6013517"/>
               <a:ext cx="63202" cy="63202"/>
             </a:xfrm>
             <a:custGeom>
@@ -20656,7 +20656,7 @@
           </p:nvSpPr>
           <p:spPr>
             <a:xfrm>
-              <a:off x="4829211" y="6198008"/>
+              <a:off x="4853281" y="6198171"/>
               <a:ext cx="63202" cy="63202"/>
             </a:xfrm>
             <a:custGeom>
@@ -20699,7 +20699,7 @@
           </p:nvSpPr>
           <p:spPr>
             <a:xfrm>
-              <a:off x="4629457" y="6099406"/>
+              <a:off x="5073640" y="6099417"/>
               <a:ext cx="63202" cy="63202"/>
             </a:xfrm>
             <a:custGeom>
@@ -20742,7 +20742,7 @@
           </p:nvSpPr>
           <p:spPr>
             <a:xfrm>
-              <a:off x="5083408" y="6330541"/>
+              <a:off x="4504777" y="6330632"/>
               <a:ext cx="63202" cy="63202"/>
             </a:xfrm>
             <a:custGeom>
@@ -20785,7 +20785,7 @@
           </p:nvSpPr>
           <p:spPr>
             <a:xfrm>
-              <a:off x="4455217" y="6004037"/>
+              <a:off x="4631703" y="6004087"/>
               <a:ext cx="63202" cy="63202"/>
             </a:xfrm>
             <a:custGeom>
@@ -20828,7 +20828,7 @@
           </p:nvSpPr>
           <p:spPr>
             <a:xfrm>
-              <a:off x="5444564" y="6631256"/>
+              <a:off x="5560641" y="6631393"/>
               <a:ext cx="63202" cy="63202"/>
             </a:xfrm>
             <a:custGeom>
@@ -20871,7 +20871,7 @@
           </p:nvSpPr>
           <p:spPr>
             <a:xfrm>
-              <a:off x="4755533" y="5985924"/>
+              <a:off x="4724045" y="5985847"/>
               <a:ext cx="63202" cy="63202"/>
             </a:xfrm>
             <a:custGeom>
@@ -20914,7 +20914,7 @@
           </p:nvSpPr>
           <p:spPr>
             <a:xfrm>
-              <a:off x="4461203" y="5988869"/>
+              <a:off x="4684259" y="5988878"/>
               <a:ext cx="63202" cy="63202"/>
             </a:xfrm>
             <a:custGeom>
@@ -20957,7 +20957,7 @@
           </p:nvSpPr>
           <p:spPr>
             <a:xfrm>
-              <a:off x="4622815" y="5983125"/>
+              <a:off x="4577128" y="5983203"/>
               <a:ext cx="63202" cy="63202"/>
             </a:xfrm>
             <a:custGeom>
@@ -21000,7 +21000,7 @@
           </p:nvSpPr>
           <p:spPr>
             <a:xfrm>
-              <a:off x="4755787" y="6228899"/>
+              <a:off x="4986956" y="6228871"/>
               <a:ext cx="63202" cy="63202"/>
             </a:xfrm>
             <a:custGeom>
@@ -21043,7 +21043,7 @@
           </p:nvSpPr>
           <p:spPr>
             <a:xfrm>
-              <a:off x="5006765" y="5974974"/>
+              <a:off x="5120110" y="5974942"/>
               <a:ext cx="63202" cy="63202"/>
             </a:xfrm>
             <a:custGeom>
@@ -21086,7 +21086,7 @@
           </p:nvSpPr>
           <p:spPr>
             <a:xfrm>
-              <a:off x="4820721" y="6008224"/>
+              <a:off x="4901251" y="6008361"/>
               <a:ext cx="63202" cy="63202"/>
             </a:xfrm>
             <a:custGeom>
@@ -21129,7 +21129,7 @@
           </p:nvSpPr>
           <p:spPr>
             <a:xfrm>
-              <a:off x="4452013" y="6059071"/>
+              <a:off x="5047426" y="6059137"/>
               <a:ext cx="63202" cy="63202"/>
             </a:xfrm>
             <a:custGeom>
@@ -21172,7 +21172,7 @@
           </p:nvSpPr>
           <p:spPr>
             <a:xfrm>
-              <a:off x="4559921" y="5973730"/>
+              <a:off x="4620761" y="5973674"/>
               <a:ext cx="63202" cy="63202"/>
             </a:xfrm>
             <a:custGeom>
@@ -21215,7 +21215,7 @@
           </p:nvSpPr>
           <p:spPr>
             <a:xfrm>
-              <a:off x="4875483" y="5986934"/>
+              <a:off x="4834566" y="5987026"/>
               <a:ext cx="63202" cy="63202"/>
             </a:xfrm>
             <a:custGeom>
@@ -21258,7 +21258,7 @@
           </p:nvSpPr>
           <p:spPr>
             <a:xfrm>
-              <a:off x="4495739" y="5977286"/>
+              <a:off x="4811805" y="5977211"/>
               <a:ext cx="63202" cy="63202"/>
             </a:xfrm>
             <a:custGeom>
@@ -21301,7 +21301,7 @@
           </p:nvSpPr>
           <p:spPr>
             <a:xfrm>
-              <a:off x="4664914" y="5991440"/>
+              <a:off x="4889221" y="5991335"/>
               <a:ext cx="63202" cy="63202"/>
             </a:xfrm>
             <a:custGeom>
@@ -21344,7 +21344,7 @@
           </p:nvSpPr>
           <p:spPr>
             <a:xfrm>
-              <a:off x="5075419" y="5977097"/>
+              <a:off x="4529169" y="5977054"/>
               <a:ext cx="63202" cy="63202"/>
             </a:xfrm>
             <a:custGeom>
@@ -21387,7 +21387,7 @@
           </p:nvSpPr>
           <p:spPr>
             <a:xfrm>
-              <a:off x="4539863" y="6170046"/>
+              <a:off x="4705374" y="6170139"/>
               <a:ext cx="63202" cy="63202"/>
             </a:xfrm>
             <a:custGeom>
@@ -21430,7 +21430,7 @@
           </p:nvSpPr>
           <p:spPr>
             <a:xfrm>
-              <a:off x="4567903" y="5981603"/>
+              <a:off x="4478527" y="5981772"/>
               <a:ext cx="63202" cy="63202"/>
             </a:xfrm>
             <a:custGeom>
@@ -21473,7 +21473,7 @@
           </p:nvSpPr>
           <p:spPr>
             <a:xfrm>
-              <a:off x="4681252" y="6011256"/>
+              <a:off x="4850686" y="6011249"/>
               <a:ext cx="63202" cy="63202"/>
             </a:xfrm>
             <a:custGeom>
@@ -21516,7 +21516,7 @@
           </p:nvSpPr>
           <p:spPr>
             <a:xfrm>
-              <a:off x="5040658" y="5981902"/>
+              <a:off x="4854103" y="5981838"/>
               <a:ext cx="63202" cy="63202"/>
             </a:xfrm>
             <a:custGeom>
@@ -21559,7 +21559,7 @@
           </p:nvSpPr>
           <p:spPr>
             <a:xfrm>
-              <a:off x="5042041" y="6249066"/>
+              <a:off x="4919347" y="6249232"/>
               <a:ext cx="63202" cy="63202"/>
             </a:xfrm>
             <a:custGeom>
@@ -21602,7 +21602,7 @@
           </p:nvSpPr>
           <p:spPr>
             <a:xfrm>
-              <a:off x="4637003" y="5972053"/>
+              <a:off x="4469488" y="5971941"/>
               <a:ext cx="63202" cy="63202"/>
             </a:xfrm>
             <a:custGeom>
@@ -21645,7 +21645,7 @@
           </p:nvSpPr>
           <p:spPr>
             <a:xfrm>
-              <a:off x="4928815" y="6001289"/>
+              <a:off x="4914416" y="6001368"/>
               <a:ext cx="63202" cy="63202"/>
             </a:xfrm>
             <a:custGeom>
@@ -21688,7 +21688,7 @@
           </p:nvSpPr>
           <p:spPr>
             <a:xfrm>
-              <a:off x="5034435" y="5972473"/>
+              <a:off x="4483300" y="5972374"/>
               <a:ext cx="63202" cy="63202"/>
             </a:xfrm>
             <a:custGeom>
@@ -21731,7 +21731,7 @@
           </p:nvSpPr>
           <p:spPr>
             <a:xfrm>
-              <a:off x="5491106" y="6480778"/>
+              <a:off x="5875231" y="6480675"/>
               <a:ext cx="63202" cy="63202"/>
             </a:xfrm>
             <a:custGeom>
@@ -21774,7 +21774,7 @@
           </p:nvSpPr>
           <p:spPr>
             <a:xfrm>
-              <a:off x="5524570" y="6412986"/>
+              <a:off x="5689537" y="6412988"/>
               <a:ext cx="63202" cy="63202"/>
             </a:xfrm>
             <a:custGeom>
@@ -21817,7 +21817,7 @@
           </p:nvSpPr>
           <p:spPr>
             <a:xfrm>
-              <a:off x="4541772" y="5998774"/>
+              <a:off x="4504803" y="5998739"/>
               <a:ext cx="63202" cy="63202"/>
             </a:xfrm>
             <a:custGeom>
@@ -21860,7 +21860,7 @@
           </p:nvSpPr>
           <p:spPr>
             <a:xfrm>
-              <a:off x="4828647" y="5969928"/>
+              <a:off x="5046118" y="5969827"/>
               <a:ext cx="63202" cy="63202"/>
             </a:xfrm>
             <a:custGeom>
@@ -21903,7 +21903,7 @@
           </p:nvSpPr>
           <p:spPr>
             <a:xfrm>
-              <a:off x="4760403" y="5969812"/>
+              <a:off x="4515697" y="5969828"/>
               <a:ext cx="63202" cy="63202"/>
             </a:xfrm>
             <a:custGeom>
@@ -21946,7 +21946,7 @@
           </p:nvSpPr>
           <p:spPr>
             <a:xfrm>
-              <a:off x="4664707" y="5969825"/>
+              <a:off x="4765762" y="5969861"/>
               <a:ext cx="63202" cy="63202"/>
             </a:xfrm>
             <a:custGeom>
@@ -21989,7 +21989,7 @@
           </p:nvSpPr>
           <p:spPr>
             <a:xfrm>
-              <a:off x="4751451" y="5969894"/>
+              <a:off x="5002277" y="5969870"/>
               <a:ext cx="63202" cy="63202"/>
             </a:xfrm>
             <a:custGeom>
@@ -22032,7 +22032,7 @@
           </p:nvSpPr>
           <p:spPr>
             <a:xfrm>
-              <a:off x="4804851" y="6000519"/>
+              <a:off x="5029695" y="6000501"/>
               <a:ext cx="63202" cy="63202"/>
             </a:xfrm>
             <a:custGeom>
@@ -22075,7 +22075,7 @@
           </p:nvSpPr>
           <p:spPr>
             <a:xfrm>
-              <a:off x="4858297" y="6148639"/>
+              <a:off x="4915877" y="6148727"/>
               <a:ext cx="63202" cy="63202"/>
             </a:xfrm>
             <a:custGeom>
@@ -22118,7 +22118,7 @@
           </p:nvSpPr>
           <p:spPr>
             <a:xfrm>
-              <a:off x="4856721" y="5968568"/>
+              <a:off x="4926061" y="5968554"/>
               <a:ext cx="63202" cy="63202"/>
             </a:xfrm>
             <a:custGeom>
@@ -22161,7 +22161,7 @@
           </p:nvSpPr>
           <p:spPr>
             <a:xfrm>
-              <a:off x="4939127" y="5990058"/>
+              <a:off x="5122946" y="5990201"/>
               <a:ext cx="63202" cy="63202"/>
             </a:xfrm>
             <a:custGeom>
@@ -22204,7 +22204,7 @@
           </p:nvSpPr>
           <p:spPr>
             <a:xfrm>
-              <a:off x="4882048" y="5995444"/>
+              <a:off x="4562491" y="5995496"/>
               <a:ext cx="63202" cy="63202"/>
             </a:xfrm>
             <a:custGeom>
@@ -22247,7 +22247,7 @@
           </p:nvSpPr>
           <p:spPr>
             <a:xfrm>
-              <a:off x="5009680" y="5976158"/>
+              <a:off x="4763091" y="5976288"/>
               <a:ext cx="63202" cy="63202"/>
             </a:xfrm>
             <a:custGeom>
@@ -22290,7 +22290,7 @@
           </p:nvSpPr>
           <p:spPr>
             <a:xfrm>
-              <a:off x="4831994" y="5983594"/>
+              <a:off x="4452856" y="5983532"/>
               <a:ext cx="63202" cy="63202"/>
             </a:xfrm>
             <a:custGeom>
@@ -22333,7 +22333,7 @@
           </p:nvSpPr>
           <p:spPr>
             <a:xfrm>
-              <a:off x="6328065" y="6806070"/>
+              <a:off x="6892675" y="6806261"/>
               <a:ext cx="63202" cy="63202"/>
             </a:xfrm>
             <a:custGeom>
@@ -22376,7 +22376,7 @@
           </p:nvSpPr>
           <p:spPr>
             <a:xfrm>
-              <a:off x="5121372" y="6073195"/>
+              <a:off x="4504917" y="6073232"/>
               <a:ext cx="63202" cy="63202"/>
             </a:xfrm>
             <a:custGeom>
@@ -22419,7 +22419,7 @@
           </p:nvSpPr>
           <p:spPr>
             <a:xfrm>
-              <a:off x="4469077" y="6000919"/>
+              <a:off x="4807175" y="6000885"/>
               <a:ext cx="63202" cy="63202"/>
             </a:xfrm>
             <a:custGeom>
@@ -22462,7 +22462,7 @@
           </p:nvSpPr>
           <p:spPr>
             <a:xfrm>
-              <a:off x="4877997" y="5972773"/>
+              <a:off x="4888543" y="5972774"/>
               <a:ext cx="63202" cy="63202"/>
             </a:xfrm>
             <a:custGeom>
@@ -22505,7 +22505,7 @@
           </p:nvSpPr>
           <p:spPr>
             <a:xfrm>
-              <a:off x="4822108" y="5979068"/>
+              <a:off x="4754478" y="5979241"/>
               <a:ext cx="63202" cy="63202"/>
             </a:xfrm>
             <a:custGeom>
@@ -22548,7 +22548,7 @@
           </p:nvSpPr>
           <p:spPr>
             <a:xfrm>
-              <a:off x="4429640" y="6092017"/>
+              <a:off x="4923030" y="6092006"/>
               <a:ext cx="63202" cy="63202"/>
             </a:xfrm>
             <a:custGeom>
@@ -22591,7 +22591,7 @@
           </p:nvSpPr>
           <p:spPr>
             <a:xfrm>
-              <a:off x="4435345" y="6002593"/>
+              <a:off x="4790015" y="6002514"/>
               <a:ext cx="63202" cy="63202"/>
             </a:xfrm>
             <a:custGeom>
@@ -22634,7 +22634,7 @@
           </p:nvSpPr>
           <p:spPr>
             <a:xfrm>
-              <a:off x="4892183" y="5985215"/>
+              <a:off x="4857028" y="5985324"/>
               <a:ext cx="63202" cy="63202"/>
             </a:xfrm>
             <a:custGeom>
@@ -22677,7 +22677,7 @@
           </p:nvSpPr>
           <p:spPr>
             <a:xfrm>
-              <a:off x="4705067" y="6107839"/>
+              <a:off x="4895624" y="6107791"/>
               <a:ext cx="63202" cy="63202"/>
             </a:xfrm>
             <a:custGeom>
@@ -22720,7 +22720,7 @@
           </p:nvSpPr>
           <p:spPr>
             <a:xfrm>
-              <a:off x="4757837" y="5972411"/>
+              <a:off x="4719860" y="5972372"/>
               <a:ext cx="63202" cy="63202"/>
             </a:xfrm>
             <a:custGeom>
@@ -22763,7 +22763,7 @@
           </p:nvSpPr>
           <p:spPr>
             <a:xfrm>
-              <a:off x="4713422" y="5984068"/>
+              <a:off x="4526743" y="5984058"/>
               <a:ext cx="63202" cy="63202"/>
             </a:xfrm>
             <a:custGeom>
@@ -22806,7 +22806,7 @@
           </p:nvSpPr>
           <p:spPr>
             <a:xfrm>
-              <a:off x="5847153" y="6478651"/>
+              <a:off x="5928116" y="6478715"/>
               <a:ext cx="63202" cy="63202"/>
             </a:xfrm>
             <a:custGeom>
@@ -22849,7 +22849,7 @@
           </p:nvSpPr>
           <p:spPr>
             <a:xfrm>
-              <a:off x="5754897" y="6478665"/>
+              <a:off x="5986830" y="6478588"/>
               <a:ext cx="63202" cy="63202"/>
             </a:xfrm>
             <a:custGeom>
@@ -22892,7 +22892,7 @@
           </p:nvSpPr>
           <p:spPr>
             <a:xfrm>
-              <a:off x="4571057" y="5977296"/>
+              <a:off x="4485733" y="5977286"/>
               <a:ext cx="63202" cy="63202"/>
             </a:xfrm>
             <a:custGeom>
@@ -22935,7 +22935,7 @@
           </p:nvSpPr>
           <p:spPr>
             <a:xfrm>
-              <a:off x="4493477" y="5969896"/>
+              <a:off x="4970353" y="5969958"/>
               <a:ext cx="63202" cy="63202"/>
             </a:xfrm>
             <a:custGeom>
@@ -22978,7 +22978,7 @@
           </p:nvSpPr>
           <p:spPr>
             <a:xfrm>
-              <a:off x="5762001" y="6652656"/>
+              <a:off x="5325422" y="6652650"/>
               <a:ext cx="63202" cy="63202"/>
             </a:xfrm>
             <a:custGeom>
@@ -23021,7 +23021,7 @@
           </p:nvSpPr>
           <p:spPr>
             <a:xfrm>
-              <a:off x="5613744" y="6596424"/>
+              <a:off x="5918493" y="6596562"/>
               <a:ext cx="63202" cy="63202"/>
             </a:xfrm>
             <a:custGeom>
@@ -23064,7 +23064,7 @@
           </p:nvSpPr>
           <p:spPr>
             <a:xfrm>
-              <a:off x="4997781" y="6086937"/>
+              <a:off x="4611295" y="6086932"/>
               <a:ext cx="63202" cy="63202"/>
             </a:xfrm>
             <a:custGeom>
@@ -23107,7 +23107,7 @@
           </p:nvSpPr>
           <p:spPr>
             <a:xfrm>
-              <a:off x="4616417" y="5990806"/>
+              <a:off x="4545053" y="5990794"/>
               <a:ext cx="63202" cy="63202"/>
             </a:xfrm>
             <a:custGeom>
@@ -23150,7 +23150,7 @@
           </p:nvSpPr>
           <p:spPr>
             <a:xfrm>
-              <a:off x="4923707" y="6034434"/>
+              <a:off x="4922445" y="6034445"/>
               <a:ext cx="63202" cy="63202"/>
             </a:xfrm>
             <a:custGeom>
@@ -23193,7 +23193,7 @@
           </p:nvSpPr>
           <p:spPr>
             <a:xfrm>
-              <a:off x="5358449" y="6162601"/>
+              <a:off x="5671741" y="6162665"/>
               <a:ext cx="63202" cy="63202"/>
             </a:xfrm>
             <a:custGeom>
@@ -23236,7 +23236,7 @@
           </p:nvSpPr>
           <p:spPr>
             <a:xfrm>
-              <a:off x="5072488" y="5991976"/>
+              <a:off x="4498816" y="5992004"/>
               <a:ext cx="63202" cy="63202"/>
             </a:xfrm>
             <a:custGeom>
@@ -23279,7 +23279,7 @@
           </p:nvSpPr>
           <p:spPr>
             <a:xfrm>
-              <a:off x="4728355" y="6244858"/>
+              <a:off x="4498615" y="6244930"/>
               <a:ext cx="63202" cy="63202"/>
             </a:xfrm>
             <a:custGeom>
@@ -23322,7 +23322,7 @@
           </p:nvSpPr>
           <p:spPr>
             <a:xfrm>
-              <a:off x="4500513" y="6045390"/>
+              <a:off x="4588487" y="6045476"/>
               <a:ext cx="63202" cy="63202"/>
             </a:xfrm>
             <a:custGeom>
@@ -23365,7 +23365,7 @@
           </p:nvSpPr>
           <p:spPr>
             <a:xfrm>
-              <a:off x="4830391" y="6007559"/>
+              <a:off x="4855257" y="6007711"/>
               <a:ext cx="63202" cy="63202"/>
             </a:xfrm>
             <a:custGeom>
@@ -23408,7 +23408,7 @@
           </p:nvSpPr>
           <p:spPr>
             <a:xfrm>
-              <a:off x="4640423" y="6004694"/>
+              <a:off x="4526358" y="6004648"/>
               <a:ext cx="63202" cy="63202"/>
             </a:xfrm>
             <a:custGeom>
@@ -23451,7 +23451,7 @@
           </p:nvSpPr>
           <p:spPr>
             <a:xfrm>
-              <a:off x="5078228" y="6095807"/>
+              <a:off x="4646919" y="6095791"/>
               <a:ext cx="63202" cy="63202"/>
             </a:xfrm>
             <a:custGeom>
@@ -23494,7 +23494,7 @@
           </p:nvSpPr>
           <p:spPr>
             <a:xfrm>
-              <a:off x="4890510" y="5993255"/>
+              <a:off x="4614820" y="5993265"/>
               <a:ext cx="63202" cy="63202"/>
             </a:xfrm>
             <a:custGeom>
@@ -23537,7 +23537,7 @@
           </p:nvSpPr>
           <p:spPr>
             <a:xfrm>
-              <a:off x="4757187" y="5981965"/>
+              <a:off x="4597498" y="5981843"/>
               <a:ext cx="63202" cy="63202"/>
             </a:xfrm>
             <a:custGeom>
@@ -23580,7 +23580,7 @@
           </p:nvSpPr>
           <p:spPr>
             <a:xfrm>
-              <a:off x="5810194" y="6613343"/>
+              <a:off x="5909150" y="6613405"/>
               <a:ext cx="63202" cy="63202"/>
             </a:xfrm>
             <a:custGeom>
@@ -23623,7 +23623,7 @@
           </p:nvSpPr>
           <p:spPr>
             <a:xfrm>
-              <a:off x="4442792" y="5971909"/>
+              <a:off x="4875945" y="5972030"/>
               <a:ext cx="63202" cy="63202"/>
             </a:xfrm>
             <a:custGeom>
@@ -23666,7 +23666,7 @@
           </p:nvSpPr>
           <p:spPr>
             <a:xfrm>
-              <a:off x="4956462" y="5993952"/>
+              <a:off x="4622554" y="5994018"/>
               <a:ext cx="63202" cy="63202"/>
             </a:xfrm>
             <a:custGeom>
@@ -23709,7 +23709,7 @@
           </p:nvSpPr>
           <p:spPr>
             <a:xfrm>
-              <a:off x="4597989" y="5982353"/>
+              <a:off x="4444069" y="5982263"/>
               <a:ext cx="63202" cy="63202"/>
             </a:xfrm>
             <a:custGeom>
@@ -23752,7 +23752,7 @@
           </p:nvSpPr>
           <p:spPr>
             <a:xfrm>
-              <a:off x="5125801" y="5994799"/>
+              <a:off x="4968805" y="5994823"/>
               <a:ext cx="63202" cy="63202"/>
             </a:xfrm>
             <a:custGeom>
@@ -23795,7 +23795,7 @@
           </p:nvSpPr>
           <p:spPr>
             <a:xfrm>
-              <a:off x="4808747" y="6002627"/>
+              <a:off x="4804650" y="6002547"/>
               <a:ext cx="63202" cy="63202"/>
             </a:xfrm>
             <a:custGeom>
@@ -23838,7 +23838,7 @@
           </p:nvSpPr>
           <p:spPr>
             <a:xfrm>
-              <a:off x="4900846" y="5975102"/>
+              <a:off x="4810337" y="5975246"/>
               <a:ext cx="63202" cy="63202"/>
             </a:xfrm>
             <a:custGeom>
@@ -23881,7 +23881,7 @@
           </p:nvSpPr>
           <p:spPr>
             <a:xfrm>
-              <a:off x="4851313" y="5981719"/>
+              <a:off x="4941233" y="5981688"/>
               <a:ext cx="63202" cy="63202"/>
             </a:xfrm>
             <a:custGeom>
@@ -23924,7 +23924,7 @@
           </p:nvSpPr>
           <p:spPr>
             <a:xfrm>
-              <a:off x="4700029" y="6248432"/>
+              <a:off x="4851324" y="6248446"/>
               <a:ext cx="63202" cy="63202"/>
             </a:xfrm>
             <a:custGeom>
@@ -23967,7 +23967,7 @@
           </p:nvSpPr>
           <p:spPr>
             <a:xfrm>
-              <a:off x="4788848" y="6002697"/>
+              <a:off x="4865321" y="6002741"/>
               <a:ext cx="63202" cy="63202"/>
             </a:xfrm>
             <a:custGeom>
@@ -24010,7 +24010,7 @@
           </p:nvSpPr>
           <p:spPr>
             <a:xfrm>
-              <a:off x="5129551" y="6001876"/>
+              <a:off x="4774332" y="6001953"/>
               <a:ext cx="63202" cy="63202"/>
             </a:xfrm>
             <a:custGeom>
@@ -24053,7 +24053,7 @@
           </p:nvSpPr>
           <p:spPr>
             <a:xfrm>
-              <a:off x="4650955" y="6001357"/>
+              <a:off x="4840734" y="6001284"/>
               <a:ext cx="63202" cy="63202"/>
             </a:xfrm>
             <a:custGeom>
@@ -24096,7 +24096,7 @@
           </p:nvSpPr>
           <p:spPr>
             <a:xfrm>
-              <a:off x="4482716" y="6026684"/>
+              <a:off x="4859236" y="6026695"/>
               <a:ext cx="63202" cy="63202"/>
             </a:xfrm>
             <a:custGeom>
@@ -24139,7 +24139,7 @@
           </p:nvSpPr>
           <p:spPr>
             <a:xfrm>
-              <a:off x="4823852" y="6032116"/>
+              <a:off x="4766043" y="6032144"/>
               <a:ext cx="63202" cy="63202"/>
             </a:xfrm>
             <a:custGeom>
@@ -24182,7 +24182,7 @@
           </p:nvSpPr>
           <p:spPr>
             <a:xfrm>
-              <a:off x="5065912" y="5972446"/>
+              <a:off x="4946776" y="5972407"/>
               <a:ext cx="63202" cy="63202"/>
             </a:xfrm>
             <a:custGeom>
@@ -24225,7 +24225,7 @@
           </p:nvSpPr>
           <p:spPr>
             <a:xfrm>
-              <a:off x="4809435" y="6002400"/>
+              <a:off x="5063640" y="6002411"/>
               <a:ext cx="63202" cy="63202"/>
             </a:xfrm>
             <a:custGeom>
@@ -24268,7 +24268,7 @@
           </p:nvSpPr>
           <p:spPr>
             <a:xfrm>
-              <a:off x="5005606" y="6002275"/>
+              <a:off x="4873277" y="6002321"/>
               <a:ext cx="63202" cy="63202"/>
             </a:xfrm>
             <a:custGeom>
@@ -24311,7 +24311,7 @@
           </p:nvSpPr>
           <p:spPr>
             <a:xfrm>
-              <a:off x="4677827" y="5984612"/>
+              <a:off x="4941809" y="5984744"/>
               <a:ext cx="63202" cy="63202"/>
             </a:xfrm>
             <a:custGeom>
@@ -24354,7 +24354,7 @@
           </p:nvSpPr>
           <p:spPr>
             <a:xfrm>
-              <a:off x="4558398" y="5994955"/>
+              <a:off x="4603852" y="5995024"/>
               <a:ext cx="63202" cy="63202"/>
             </a:xfrm>
             <a:custGeom>
@@ -24397,7 +24397,7 @@
           </p:nvSpPr>
           <p:spPr>
             <a:xfrm>
-              <a:off x="4759969" y="5982321"/>
+              <a:off x="4633711" y="5982348"/>
               <a:ext cx="63202" cy="63202"/>
             </a:xfrm>
             <a:custGeom>
@@ -24440,7 +24440,7 @@
           </p:nvSpPr>
           <p:spPr>
             <a:xfrm>
-              <a:off x="4536359" y="5969857"/>
+              <a:off x="4691254" y="5969861"/>
               <a:ext cx="63202" cy="63202"/>
             </a:xfrm>
             <a:custGeom>
@@ -24483,7 +24483,7 @@
           </p:nvSpPr>
           <p:spPr>
             <a:xfrm>
-              <a:off x="4642395" y="5989645"/>
+              <a:off x="4537212" y="5989671"/>
               <a:ext cx="63202" cy="63202"/>
             </a:xfrm>
             <a:custGeom>
@@ -24526,7 +24526,7 @@
           </p:nvSpPr>
           <p:spPr>
             <a:xfrm>
-              <a:off x="4648187" y="6004526"/>
+              <a:off x="4956962" y="6004563"/>
               <a:ext cx="63202" cy="63202"/>
             </a:xfrm>
             <a:custGeom>
@@ -24569,7 +24569,7 @@
           </p:nvSpPr>
           <p:spPr>
             <a:xfrm>
-              <a:off x="4726906" y="6226803"/>
+              <a:off x="4872122" y="6226731"/>
               <a:ext cx="63202" cy="63202"/>
             </a:xfrm>
             <a:custGeom>
@@ -24612,7 +24612,7 @@
           </p:nvSpPr>
           <p:spPr>
             <a:xfrm>
-              <a:off x="4629671" y="6051004"/>
+              <a:off x="5120159" y="6051033"/>
               <a:ext cx="63202" cy="63202"/>
             </a:xfrm>
             <a:custGeom>
@@ -24655,7 +24655,7 @@
           </p:nvSpPr>
           <p:spPr>
             <a:xfrm>
-              <a:off x="4578698" y="6000925"/>
+              <a:off x="4911412" y="6000867"/>
               <a:ext cx="63202" cy="63202"/>
             </a:xfrm>
             <a:custGeom>
@@ -24698,7 +24698,7 @@
           </p:nvSpPr>
           <p:spPr>
             <a:xfrm>
-              <a:off x="4495753" y="6034673"/>
+              <a:off x="4723795" y="6034637"/>
               <a:ext cx="63202" cy="63202"/>
             </a:xfrm>
             <a:custGeom>
@@ -24741,7 +24741,7 @@
           </p:nvSpPr>
           <p:spPr>
             <a:xfrm>
-              <a:off x="4607670" y="5966272"/>
+              <a:off x="4861174" y="5966296"/>
               <a:ext cx="63202" cy="63202"/>
             </a:xfrm>
             <a:custGeom>
@@ -24784,7 +24784,7 @@
           </p:nvSpPr>
           <p:spPr>
             <a:xfrm>
-              <a:off x="4966198" y="5969954"/>
+              <a:off x="4656656" y="5969821"/>
               <a:ext cx="63202" cy="63202"/>
             </a:xfrm>
             <a:custGeom>
@@ -24827,7 +24827,7 @@
           </p:nvSpPr>
           <p:spPr>
             <a:xfrm>
-              <a:off x="4478120" y="6276980"/>
+              <a:off x="4642806" y="6277071"/>
               <a:ext cx="63202" cy="63202"/>
             </a:xfrm>
             <a:custGeom>
@@ -24870,7 +24870,7 @@
           </p:nvSpPr>
           <p:spPr>
             <a:xfrm>
-              <a:off x="4965865" y="5980966"/>
+              <a:off x="4775649" y="5981121"/>
               <a:ext cx="63202" cy="63202"/>
             </a:xfrm>
             <a:custGeom>
@@ -24913,7 +24913,7 @@
           </p:nvSpPr>
           <p:spPr>
             <a:xfrm>
-              <a:off x="4710784" y="6124043"/>
+              <a:off x="4988284" y="6124118"/>
               <a:ext cx="63202" cy="63202"/>
             </a:xfrm>
             <a:custGeom>
@@ -24956,7 +24956,7 @@
           </p:nvSpPr>
           <p:spPr>
             <a:xfrm>
-              <a:off x="4505635" y="5991960"/>
+              <a:off x="4610754" y="5992058"/>
               <a:ext cx="63202" cy="63202"/>
             </a:xfrm>
             <a:custGeom>
@@ -24999,7 +24999,7 @@
           </p:nvSpPr>
           <p:spPr>
             <a:xfrm>
-              <a:off x="4624025" y="5996437"/>
+              <a:off x="5128678" y="5996408"/>
               <a:ext cx="63202" cy="63202"/>
             </a:xfrm>
             <a:custGeom>
@@ -25042,7 +25042,7 @@
           </p:nvSpPr>
           <p:spPr>
             <a:xfrm>
-              <a:off x="4483943" y="5989092"/>
+              <a:off x="4597789" y="5989147"/>
               <a:ext cx="63202" cy="63202"/>
             </a:xfrm>
             <a:custGeom>
@@ -25085,7 +25085,7 @@
           </p:nvSpPr>
           <p:spPr>
             <a:xfrm>
-              <a:off x="4886058" y="5982475"/>
+              <a:off x="4833404" y="5982587"/>
               <a:ext cx="63202" cy="63202"/>
             </a:xfrm>
             <a:custGeom>
@@ -25128,7 +25128,7 @@
           </p:nvSpPr>
           <p:spPr>
             <a:xfrm>
-              <a:off x="5022596" y="5998354"/>
+              <a:off x="4797291" y="5998310"/>
               <a:ext cx="63202" cy="63202"/>
             </a:xfrm>
             <a:custGeom>
@@ -25171,7 +25171,7 @@
           </p:nvSpPr>
           <p:spPr>
             <a:xfrm>
-              <a:off x="5068249" y="5981088"/>
+              <a:off x="5020752" y="5981059"/>
               <a:ext cx="63202" cy="63202"/>
             </a:xfrm>
             <a:custGeom>
@@ -25214,7 +25214,7 @@
           </p:nvSpPr>
           <p:spPr>
             <a:xfrm>
-              <a:off x="4760491" y="6000687"/>
+              <a:off x="4598532" y="6000745"/>
               <a:ext cx="63202" cy="63202"/>
             </a:xfrm>
             <a:custGeom>
@@ -25257,7 +25257,7 @@
           </p:nvSpPr>
           <p:spPr>
             <a:xfrm>
-              <a:off x="4752915" y="6005730"/>
+              <a:off x="4674471" y="6005819"/>
               <a:ext cx="63202" cy="63202"/>
             </a:xfrm>
             <a:custGeom>
@@ -25300,7 +25300,7 @@
           </p:nvSpPr>
           <p:spPr>
             <a:xfrm>
-              <a:off x="6415907" y="6757366"/>
+              <a:off x="6861332" y="6757442"/>
               <a:ext cx="63202" cy="63202"/>
             </a:xfrm>
             <a:custGeom>
@@ -25343,7 +25343,7 @@
           </p:nvSpPr>
           <p:spPr>
             <a:xfrm>
-              <a:off x="4884476" y="5973194"/>
+              <a:off x="5018157" y="5973266"/>
               <a:ext cx="63202" cy="63202"/>
             </a:xfrm>
             <a:custGeom>
@@ -25386,7 +25386,7 @@
           </p:nvSpPr>
           <p:spPr>
             <a:xfrm>
-              <a:off x="5377630" y="6596339"/>
+              <a:off x="5581282" y="6596330"/>
               <a:ext cx="63202" cy="63202"/>
             </a:xfrm>
             <a:custGeom>
@@ -25429,7 +25429,7 @@
           </p:nvSpPr>
           <p:spPr>
             <a:xfrm>
-              <a:off x="4700380" y="5973827"/>
+              <a:off x="4804276" y="5973848"/>
               <a:ext cx="63202" cy="63202"/>
             </a:xfrm>
             <a:custGeom>
@@ -25472,7 +25472,7 @@
           </p:nvSpPr>
           <p:spPr>
             <a:xfrm>
-              <a:off x="4659140" y="6253627"/>
+              <a:off x="4580571" y="6253531"/>
               <a:ext cx="63202" cy="63202"/>
             </a:xfrm>
             <a:custGeom>
@@ -25515,7 +25515,7 @@
           </p:nvSpPr>
           <p:spPr>
             <a:xfrm>
-              <a:off x="4639629" y="5988449"/>
+              <a:off x="4940852" y="5988414"/>
               <a:ext cx="63202" cy="63202"/>
             </a:xfrm>
             <a:custGeom>
@@ -25558,7 +25558,7 @@
           </p:nvSpPr>
           <p:spPr>
             <a:xfrm>
-              <a:off x="5057090" y="6061969"/>
+              <a:off x="4942554" y="6062140"/>
               <a:ext cx="63202" cy="63202"/>
             </a:xfrm>
             <a:custGeom>
@@ -25601,7 +25601,7 @@
           </p:nvSpPr>
           <p:spPr>
             <a:xfrm>
-              <a:off x="4832581" y="5988395"/>
+              <a:off x="4982405" y="5988520"/>
               <a:ext cx="63202" cy="63202"/>
             </a:xfrm>
             <a:custGeom>
@@ -25644,7 +25644,7 @@
           </p:nvSpPr>
           <p:spPr>
             <a:xfrm>
-              <a:off x="4783481" y="5991759"/>
+              <a:off x="5066279" y="5991910"/>
               <a:ext cx="63202" cy="63202"/>
             </a:xfrm>
             <a:custGeom>
@@ -25687,7 +25687,7 @@
           </p:nvSpPr>
           <p:spPr>
             <a:xfrm>
-              <a:off x="4548843" y="6017769"/>
+              <a:off x="5058579" y="6017830"/>
               <a:ext cx="63202" cy="63202"/>
             </a:xfrm>
             <a:custGeom>
@@ -25730,7 +25730,7 @@
           </p:nvSpPr>
           <p:spPr>
             <a:xfrm>
-              <a:off x="4800358" y="5997985"/>
+              <a:off x="4428969" y="5998027"/>
               <a:ext cx="63202" cy="63202"/>
             </a:xfrm>
             <a:custGeom>
@@ -25773,7 +25773,7 @@
           </p:nvSpPr>
           <p:spPr>
             <a:xfrm>
-              <a:off x="4623330" y="5983766"/>
+              <a:off x="4781242" y="5983898"/>
               <a:ext cx="63202" cy="63202"/>
             </a:xfrm>
             <a:custGeom>
@@ -25816,7 +25816,7 @@
           </p:nvSpPr>
           <p:spPr>
             <a:xfrm>
-              <a:off x="4816271" y="5984781"/>
+              <a:off x="4574722" y="5984940"/>
               <a:ext cx="63202" cy="63202"/>
             </a:xfrm>
             <a:custGeom>
@@ -25859,7 +25859,7 @@
           </p:nvSpPr>
           <p:spPr>
             <a:xfrm>
-              <a:off x="4992082" y="6144035"/>
+              <a:off x="4484313" y="6144184"/>
               <a:ext cx="63202" cy="63202"/>
             </a:xfrm>
             <a:custGeom>
@@ -25902,7 +25902,7 @@
           </p:nvSpPr>
           <p:spPr>
             <a:xfrm>
-              <a:off x="5027471" y="5974733"/>
+              <a:off x="4929491" y="5974709"/>
               <a:ext cx="63202" cy="63202"/>
             </a:xfrm>
             <a:custGeom>
@@ -25945,7 +25945,7 @@
           </p:nvSpPr>
           <p:spPr>
             <a:xfrm>
-              <a:off x="4779840" y="5979338"/>
+              <a:off x="4671687" y="5979435"/>
               <a:ext cx="63202" cy="63202"/>
             </a:xfrm>
             <a:custGeom>
@@ -25988,7 +25988,7 @@
           </p:nvSpPr>
           <p:spPr>
             <a:xfrm>
-              <a:off x="4550875" y="6002012"/>
+              <a:off x="4716993" y="6002010"/>
               <a:ext cx="63202" cy="63202"/>
             </a:xfrm>
             <a:custGeom>
@@ -26031,7 +26031,7 @@
           </p:nvSpPr>
           <p:spPr>
             <a:xfrm>
-              <a:off x="4793073" y="5980605"/>
+              <a:off x="4524976" y="5980676"/>
               <a:ext cx="63202" cy="63202"/>
             </a:xfrm>
             <a:custGeom>
@@ -26074,7 +26074,7 @@
           </p:nvSpPr>
           <p:spPr>
             <a:xfrm>
-              <a:off x="4890264" y="5981837"/>
+              <a:off x="4869572" y="5981967"/>
               <a:ext cx="63202" cy="63202"/>
             </a:xfrm>
             <a:custGeom>
@@ -26117,7 +26117,7 @@
           </p:nvSpPr>
           <p:spPr>
             <a:xfrm>
-              <a:off x="4579630" y="5977935"/>
+              <a:off x="4845733" y="5977859"/>
               <a:ext cx="63202" cy="63202"/>
             </a:xfrm>
             <a:custGeom>
@@ -26160,7 +26160,7 @@
           </p:nvSpPr>
           <p:spPr>
             <a:xfrm>
-              <a:off x="5526764" y="6443197"/>
+              <a:off x="5772995" y="6443229"/>
               <a:ext cx="63202" cy="63202"/>
             </a:xfrm>
             <a:custGeom>
@@ -26203,7 +26203,7 @@
           </p:nvSpPr>
           <p:spPr>
             <a:xfrm>
-              <a:off x="4911704" y="6034161"/>
+              <a:off x="4489952" y="6034184"/>
               <a:ext cx="63202" cy="63202"/>
             </a:xfrm>
             <a:custGeom>
@@ -26246,7 +26246,7 @@
           </p:nvSpPr>
           <p:spPr>
             <a:xfrm>
-              <a:off x="5083703" y="6002558"/>
+              <a:off x="4967047" y="6002612"/>
               <a:ext cx="63202" cy="63202"/>
             </a:xfrm>
             <a:custGeom>
@@ -26289,7 +26289,7 @@
           </p:nvSpPr>
           <p:spPr>
             <a:xfrm>
-              <a:off x="4530471" y="5982354"/>
+              <a:off x="4541212" y="5982353"/>
               <a:ext cx="63202" cy="63202"/>
             </a:xfrm>
             <a:custGeom>
@@ -26332,7 +26332,7 @@
           </p:nvSpPr>
           <p:spPr>
             <a:xfrm>
-              <a:off x="5021165" y="5986092"/>
+              <a:off x="4670936" y="5986150"/>
               <a:ext cx="63202" cy="63202"/>
             </a:xfrm>
             <a:custGeom>
@@ -26375,7 +26375,7 @@
           </p:nvSpPr>
           <p:spPr>
             <a:xfrm>
-              <a:off x="4501185" y="5968580"/>
+              <a:off x="4576734" y="5968614"/>
               <a:ext cx="63202" cy="63202"/>
             </a:xfrm>
             <a:custGeom>
@@ -26418,7 +26418,7 @@
           </p:nvSpPr>
           <p:spPr>
             <a:xfrm>
-              <a:off x="4607579" y="5981641"/>
+              <a:off x="4498555" y="5981748"/>
               <a:ext cx="63202" cy="63202"/>
             </a:xfrm>
             <a:custGeom>
@@ -26461,7 +26461,7 @@
           </p:nvSpPr>
           <p:spPr>
             <a:xfrm>
-              <a:off x="4637335" y="5981604"/>
+              <a:off x="5053858" y="5981681"/>
               <a:ext cx="63202" cy="63202"/>
             </a:xfrm>
             <a:custGeom>
@@ -26504,7 +26504,7 @@
           </p:nvSpPr>
           <p:spPr>
             <a:xfrm>
-              <a:off x="4614550" y="5982281"/>
+              <a:off x="4555375" y="5982334"/>
               <a:ext cx="63202" cy="63202"/>
             </a:xfrm>
             <a:custGeom>
@@ -26547,7 +26547,7 @@
           </p:nvSpPr>
           <p:spPr>
             <a:xfrm>
-              <a:off x="4610377" y="6036739"/>
+              <a:off x="5031945" y="6036735"/>
               <a:ext cx="63202" cy="63202"/>
             </a:xfrm>
             <a:custGeom>
@@ -26590,7 +26590,7 @@
           </p:nvSpPr>
           <p:spPr>
             <a:xfrm>
-              <a:off x="4605409" y="6036675"/>
+              <a:off x="4586950" y="6036770"/>
               <a:ext cx="63202" cy="63202"/>
             </a:xfrm>
             <a:custGeom>
@@ -26633,7 +26633,7 @@
           </p:nvSpPr>
           <p:spPr>
             <a:xfrm>
-              <a:off x="5066473" y="5988660"/>
+              <a:off x="4926961" y="5988593"/>
               <a:ext cx="63202" cy="63202"/>
             </a:xfrm>
             <a:custGeom>
@@ -26676,7 +26676,7 @@
           </p:nvSpPr>
           <p:spPr>
             <a:xfrm>
-              <a:off x="4486005" y="5979738"/>
+              <a:off x="4975828" y="5979832"/>
               <a:ext cx="63202" cy="63202"/>
             </a:xfrm>
             <a:custGeom>
@@ -26719,7 +26719,7 @@
           </p:nvSpPr>
           <p:spPr>
             <a:xfrm>
-              <a:off x="5867585" y="6405257"/>
+              <a:off x="5492407" y="6405186"/>
               <a:ext cx="63202" cy="63202"/>
             </a:xfrm>
             <a:custGeom>
@@ -26762,7 +26762,7 @@
           </p:nvSpPr>
           <p:spPr>
             <a:xfrm>
-              <a:off x="5077576" y="6000534"/>
+              <a:off x="4515705" y="6000449"/>
               <a:ext cx="63202" cy="63202"/>
             </a:xfrm>
             <a:custGeom>
@@ -26805,7 +26805,7 @@
           </p:nvSpPr>
           <p:spPr>
             <a:xfrm>
-              <a:off x="4754799" y="5976261"/>
+              <a:off x="4881390" y="5976187"/>
               <a:ext cx="63202" cy="63202"/>
             </a:xfrm>
             <a:custGeom>
@@ -26848,7 +26848,7 @@
           </p:nvSpPr>
           <p:spPr>
             <a:xfrm>
-              <a:off x="4647019" y="5970423"/>
+              <a:off x="4765813" y="5970471"/>
               <a:ext cx="63202" cy="63202"/>
             </a:xfrm>
             <a:custGeom>
@@ -26891,7 +26891,7 @@
           </p:nvSpPr>
           <p:spPr>
             <a:xfrm>
-              <a:off x="4510030" y="6018202"/>
+              <a:off x="4845621" y="6018252"/>
               <a:ext cx="63202" cy="63202"/>
             </a:xfrm>
             <a:custGeom>
@@ -26934,7 +26934,7 @@
           </p:nvSpPr>
           <p:spPr>
             <a:xfrm>
-              <a:off x="4848169" y="5999000"/>
+              <a:off x="4929549" y="5998976"/>
               <a:ext cx="63202" cy="63202"/>
             </a:xfrm>
             <a:custGeom>
@@ -26977,7 +26977,7 @@
           </p:nvSpPr>
           <p:spPr>
             <a:xfrm>
-              <a:off x="4558059" y="5972154"/>
+              <a:off x="4764861" y="5972173"/>
               <a:ext cx="63202" cy="63202"/>
             </a:xfrm>
             <a:custGeom>
@@ -27020,7 +27020,7 @@
           </p:nvSpPr>
           <p:spPr>
             <a:xfrm>
-              <a:off x="5070977" y="5972467"/>
+              <a:off x="4837659" y="5972449"/>
               <a:ext cx="63202" cy="63202"/>
             </a:xfrm>
             <a:custGeom>
@@ -27063,7 +27063,7 @@
           </p:nvSpPr>
           <p:spPr>
             <a:xfrm>
-              <a:off x="5021938" y="5969668"/>
+              <a:off x="4801049" y="5969717"/>
               <a:ext cx="63202" cy="63202"/>
             </a:xfrm>
             <a:custGeom>
@@ -27106,7 +27106,7 @@
           </p:nvSpPr>
           <p:spPr>
             <a:xfrm>
-              <a:off x="4575008" y="5970447"/>
+              <a:off x="4847343" y="5970480"/>
               <a:ext cx="63202" cy="63202"/>
             </a:xfrm>
             <a:custGeom>
@@ -27149,7 +27149,7 @@
           </p:nvSpPr>
           <p:spPr>
             <a:xfrm>
-              <a:off x="5067971" y="5968320"/>
+              <a:off x="4784181" y="5968414"/>
               <a:ext cx="63202" cy="63202"/>
             </a:xfrm>
             <a:custGeom>
@@ -27192,7 +27192,7 @@
           </p:nvSpPr>
           <p:spPr>
             <a:xfrm>
-              <a:off x="4809570" y="6017068"/>
+              <a:off x="4686743" y="6017173"/>
               <a:ext cx="63202" cy="63202"/>
             </a:xfrm>
             <a:custGeom>
@@ -27235,7 +27235,7 @@
           </p:nvSpPr>
           <p:spPr>
             <a:xfrm>
-              <a:off x="4732028" y="6043335"/>
+              <a:off x="4621815" y="6043244"/>
               <a:ext cx="63202" cy="63202"/>
             </a:xfrm>
             <a:custGeom>
@@ -27278,7 +27278,7 @@
           </p:nvSpPr>
           <p:spPr>
             <a:xfrm>
-              <a:off x="4527426" y="5978137"/>
+              <a:off x="4959838" y="5978126"/>
               <a:ext cx="63202" cy="63202"/>
             </a:xfrm>
             <a:custGeom>
@@ -27321,7 +27321,7 @@
           </p:nvSpPr>
           <p:spPr>
             <a:xfrm>
-              <a:off x="4655378" y="5979445"/>
+              <a:off x="4552248" y="5979383"/>
               <a:ext cx="63202" cy="63202"/>
             </a:xfrm>
             <a:custGeom>
@@ -27364,7 +27364,7 @@
           </p:nvSpPr>
           <p:spPr>
             <a:xfrm>
-              <a:off x="4581496" y="5986261"/>
+              <a:off x="5059002" y="5986349"/>
               <a:ext cx="63202" cy="63202"/>
             </a:xfrm>
             <a:custGeom>
@@ -27407,7 +27407,7 @@
           </p:nvSpPr>
           <p:spPr>
             <a:xfrm>
-              <a:off x="5059621" y="5972556"/>
+              <a:off x="4502868" y="5972577"/>
               <a:ext cx="63202" cy="63202"/>
             </a:xfrm>
             <a:custGeom>
@@ -27450,7 +27450,7 @@
           </p:nvSpPr>
           <p:spPr>
             <a:xfrm>
-              <a:off x="4864515" y="5967396"/>
+              <a:off x="4469114" y="5967331"/>
               <a:ext cx="63202" cy="63202"/>
             </a:xfrm>
             <a:custGeom>
@@ -27493,7 +27493,7 @@
           </p:nvSpPr>
           <p:spPr>
             <a:xfrm>
-              <a:off x="4496654" y="5974138"/>
+              <a:off x="4783666" y="5974090"/>
               <a:ext cx="63202" cy="63202"/>
             </a:xfrm>
             <a:custGeom>
@@ -27536,7 +27536,7 @@
           </p:nvSpPr>
           <p:spPr>
             <a:xfrm>
-              <a:off x="4674209" y="5986184"/>
+              <a:off x="5007050" y="5986184"/>
               <a:ext cx="63202" cy="63202"/>
             </a:xfrm>
             <a:custGeom>
@@ -27579,7 +27579,7 @@
           </p:nvSpPr>
           <p:spPr>
             <a:xfrm>
-              <a:off x="4931564" y="5979510"/>
+              <a:off x="4746369" y="5979650"/>
               <a:ext cx="63202" cy="63202"/>
             </a:xfrm>
             <a:custGeom>
@@ -27622,7 +27622,7 @@
           </p:nvSpPr>
           <p:spPr>
             <a:xfrm>
-              <a:off x="4873267" y="5983173"/>
+              <a:off x="4900713" y="5983172"/>
               <a:ext cx="63202" cy="63202"/>
             </a:xfrm>
             <a:custGeom>
@@ -27665,7 +27665,7 @@
           </p:nvSpPr>
           <p:spPr>
             <a:xfrm>
-              <a:off x="4565983" y="5976134"/>
+              <a:off x="4508268" y="5976285"/>
               <a:ext cx="63202" cy="63202"/>
             </a:xfrm>
             <a:custGeom>
@@ -27708,7 +27708,7 @@
           </p:nvSpPr>
           <p:spPr>
             <a:xfrm>
-              <a:off x="4436617" y="5979139"/>
+              <a:off x="4863463" y="5979120"/>
               <a:ext cx="63202" cy="63202"/>
             </a:xfrm>
             <a:custGeom>
@@ -27751,7 +27751,7 @@
           </p:nvSpPr>
           <p:spPr>
             <a:xfrm>
-              <a:off x="4512893" y="5986776"/>
+              <a:off x="4665211" y="5986817"/>
               <a:ext cx="63202" cy="63202"/>
             </a:xfrm>
             <a:custGeom>
@@ -27794,7 +27794,7 @@
           </p:nvSpPr>
           <p:spPr>
             <a:xfrm>
-              <a:off x="5874504" y="6564575"/>
+              <a:off x="5685481" y="6564768"/>
               <a:ext cx="63202" cy="63202"/>
             </a:xfrm>
             <a:custGeom>
@@ -27837,7 +27837,7 @@
           </p:nvSpPr>
           <p:spPr>
             <a:xfrm>
-              <a:off x="5007088" y="5987427"/>
+              <a:off x="4795018" y="5987463"/>
               <a:ext cx="63202" cy="63202"/>
             </a:xfrm>
             <a:custGeom>
@@ -27880,7 +27880,7 @@
           </p:nvSpPr>
           <p:spPr>
             <a:xfrm>
-              <a:off x="4471489" y="6019918"/>
+              <a:off x="4462672" y="6019832"/>
               <a:ext cx="63202" cy="63202"/>
             </a:xfrm>
             <a:custGeom>
@@ -27923,7 +27923,7 @@
           </p:nvSpPr>
           <p:spPr>
             <a:xfrm>
-              <a:off x="4573395" y="5983207"/>
+              <a:off x="4488331" y="5983160"/>
               <a:ext cx="63202" cy="63202"/>
             </a:xfrm>
             <a:custGeom>
@@ -27966,7 +27966,7 @@
           </p:nvSpPr>
           <p:spPr>
             <a:xfrm>
-              <a:off x="4959685" y="6007637"/>
+              <a:off x="4962718" y="6007657"/>
               <a:ext cx="63202" cy="63202"/>
             </a:xfrm>
             <a:custGeom>
@@ -28009,7 +28009,7 @@
           </p:nvSpPr>
           <p:spPr>
             <a:xfrm>
-              <a:off x="4588350" y="6003041"/>
+              <a:off x="4590042" y="6003078"/>
               <a:ext cx="63202" cy="63202"/>
             </a:xfrm>
             <a:custGeom>
@@ -28052,7 +28052,7 @@
           </p:nvSpPr>
           <p:spPr>
             <a:xfrm>
-              <a:off x="6242873" y="6474584"/>
+              <a:off x="6472949" y="6474662"/>
               <a:ext cx="63202" cy="63202"/>
             </a:xfrm>
             <a:custGeom>
@@ -28095,7 +28095,7 @@
           </p:nvSpPr>
           <p:spPr>
             <a:xfrm>
-              <a:off x="4880059" y="5981421"/>
+              <a:off x="4466619" y="5981520"/>
               <a:ext cx="63202" cy="63202"/>
             </a:xfrm>
             <a:custGeom>
@@ -28138,7 +28138,7 @@
           </p:nvSpPr>
           <p:spPr>
             <a:xfrm>
-              <a:off x="4615389" y="5990196"/>
+              <a:off x="5046931" y="5990159"/>
               <a:ext cx="63202" cy="63202"/>
             </a:xfrm>
             <a:custGeom>
@@ -28181,7 +28181,7 @@
           </p:nvSpPr>
           <p:spPr>
             <a:xfrm>
-              <a:off x="4832414" y="6212778"/>
+              <a:off x="4440655" y="6212836"/>
               <a:ext cx="63202" cy="63202"/>
             </a:xfrm>
             <a:custGeom>
@@ -28224,7 +28224,7 @@
           </p:nvSpPr>
           <p:spPr>
             <a:xfrm>
-              <a:off x="4994986" y="5977057"/>
+              <a:off x="4820828" y="5977017"/>
               <a:ext cx="63202" cy="63202"/>
             </a:xfrm>
             <a:custGeom>
@@ -28267,7 +28267,7 @@
           </p:nvSpPr>
           <p:spPr>
             <a:xfrm>
-              <a:off x="4955438" y="6008687"/>
+              <a:off x="4682557" y="6008659"/>
               <a:ext cx="63202" cy="63202"/>
             </a:xfrm>
             <a:custGeom>
@@ -28310,7 +28310,7 @@
           </p:nvSpPr>
           <p:spPr>
             <a:xfrm>
-              <a:off x="5097454" y="5985866"/>
+              <a:off x="4566317" y="5985925"/>
               <a:ext cx="63202" cy="63202"/>
             </a:xfrm>
             <a:custGeom>
@@ -28353,7 +28353,7 @@
           </p:nvSpPr>
           <p:spPr>
             <a:xfrm>
-              <a:off x="4527955" y="5978145"/>
+              <a:off x="5013919" y="5978207"/>
               <a:ext cx="63202" cy="63202"/>
             </a:xfrm>
             <a:custGeom>
@@ -28396,7 +28396,7 @@
           </p:nvSpPr>
           <p:spPr>
             <a:xfrm>
-              <a:off x="4748742" y="6001573"/>
+              <a:off x="4530295" y="6001553"/>
               <a:ext cx="63202" cy="63202"/>
             </a:xfrm>
             <a:custGeom>
@@ -28439,7 +28439,7 @@
           </p:nvSpPr>
           <p:spPr>
             <a:xfrm>
-              <a:off x="4688987" y="5991205"/>
+              <a:off x="5125286" y="5991122"/>
               <a:ext cx="63202" cy="63202"/>
             </a:xfrm>
             <a:custGeom>
@@ -28482,7 +28482,7 @@
           </p:nvSpPr>
           <p:spPr>
             <a:xfrm>
-              <a:off x="4585555" y="5977428"/>
+              <a:off x="4869085" y="5977549"/>
               <a:ext cx="63202" cy="63202"/>
             </a:xfrm>
             <a:custGeom>
@@ -28525,7 +28525,7 @@
           </p:nvSpPr>
           <p:spPr>
             <a:xfrm>
-              <a:off x="4867577" y="5983156"/>
+              <a:off x="4517363" y="5983262"/>
               <a:ext cx="63202" cy="63202"/>
             </a:xfrm>
             <a:custGeom>
@@ -28568,7 +28568,7 @@
           </p:nvSpPr>
           <p:spPr>
             <a:xfrm>
-              <a:off x="5022291" y="5981766"/>
+              <a:off x="5055042" y="5981655"/>
               <a:ext cx="63202" cy="63202"/>
             </a:xfrm>
             <a:custGeom>
@@ -28611,7 +28611,7 @@
           </p:nvSpPr>
           <p:spPr>
             <a:xfrm>
-              <a:off x="4704507" y="6026818"/>
+              <a:off x="4957592" y="6026857"/>
               <a:ext cx="63202" cy="63202"/>
             </a:xfrm>
             <a:custGeom>
@@ -28654,7 +28654,7 @@
           </p:nvSpPr>
           <p:spPr>
             <a:xfrm>
-              <a:off x="4481926" y="6006496"/>
+              <a:off x="4618175" y="6006574"/>
               <a:ext cx="63202" cy="63202"/>
             </a:xfrm>
             <a:custGeom>
@@ -28697,7 +28697,7 @@
           </p:nvSpPr>
           <p:spPr>
             <a:xfrm>
-              <a:off x="4705087" y="5998157"/>
+              <a:off x="4711327" y="5998188"/>
               <a:ext cx="63202" cy="63202"/>
             </a:xfrm>
             <a:custGeom>
@@ -28740,7 +28740,7 @@
           </p:nvSpPr>
           <p:spPr>
             <a:xfrm>
-              <a:off x="4847653" y="5973801"/>
+              <a:off x="4472425" y="5973926"/>
               <a:ext cx="63202" cy="63202"/>
             </a:xfrm>
             <a:custGeom>
@@ -28783,7 +28783,7 @@
           </p:nvSpPr>
           <p:spPr>
             <a:xfrm>
-              <a:off x="4438852" y="5973919"/>
+              <a:off x="4812184" y="5973964"/>
               <a:ext cx="63202" cy="63202"/>
             </a:xfrm>
             <a:custGeom>
@@ -28826,7 +28826,7 @@
           </p:nvSpPr>
           <p:spPr>
             <a:xfrm>
-              <a:off x="4989043" y="5975795"/>
+              <a:off x="4893118" y="5975856"/>
               <a:ext cx="63202" cy="63202"/>
             </a:xfrm>
             <a:custGeom>
@@ -28869,7 +28869,7 @@
           </p:nvSpPr>
           <p:spPr>
             <a:xfrm>
-              <a:off x="4471304" y="5975297"/>
+              <a:off x="5002468" y="5975322"/>
               <a:ext cx="63202" cy="63202"/>
             </a:xfrm>
             <a:custGeom>
@@ -28912,7 +28912,7 @@
           </p:nvSpPr>
           <p:spPr>
             <a:xfrm>
-              <a:off x="4525382" y="5974467"/>
+              <a:off x="4633824" y="5974603"/>
               <a:ext cx="63202" cy="63202"/>
             </a:xfrm>
             <a:custGeom>
@@ -28955,7 +28955,7 @@
           </p:nvSpPr>
           <p:spPr>
             <a:xfrm>
-              <a:off x="5030070" y="5963283"/>
+              <a:off x="5067805" y="5963349"/>
               <a:ext cx="63202" cy="63202"/>
             </a:xfrm>
             <a:custGeom>
@@ -28998,7 +28998,7 @@
           </p:nvSpPr>
           <p:spPr>
             <a:xfrm>
-              <a:off x="4727791" y="6005648"/>
+              <a:off x="4603141" y="6005820"/>
               <a:ext cx="63202" cy="63202"/>
             </a:xfrm>
             <a:custGeom>
@@ -29041,7 +29041,7 @@
           </p:nvSpPr>
           <p:spPr>
             <a:xfrm>
-              <a:off x="5001218" y="6015891"/>
+              <a:off x="4751070" y="6015814"/>
               <a:ext cx="63202" cy="63202"/>
             </a:xfrm>
             <a:custGeom>
@@ -29084,7 +29084,7 @@
           </p:nvSpPr>
           <p:spPr>
             <a:xfrm>
-              <a:off x="4849438" y="5989500"/>
+              <a:off x="4556118" y="5989585"/>
               <a:ext cx="63202" cy="63202"/>
             </a:xfrm>
             <a:custGeom>
@@ -29127,7 +29127,7 @@
           </p:nvSpPr>
           <p:spPr>
             <a:xfrm>
-              <a:off x="4774720" y="6003667"/>
+              <a:off x="4530929" y="6003701"/>
               <a:ext cx="63202" cy="63202"/>
             </a:xfrm>
             <a:custGeom>
@@ -29170,7 +29170,7 @@
           </p:nvSpPr>
           <p:spPr>
             <a:xfrm>
-              <a:off x="4807125" y="6007414"/>
+              <a:off x="4682121" y="6007364"/>
               <a:ext cx="63202" cy="63202"/>
             </a:xfrm>
             <a:custGeom>
@@ -29213,7 +29213,7 @@
           </p:nvSpPr>
           <p:spPr>
             <a:xfrm>
-              <a:off x="4524651" y="5996409"/>
+              <a:off x="4977860" y="5996423"/>
               <a:ext cx="63202" cy="63202"/>
             </a:xfrm>
             <a:custGeom>
@@ -29256,7 +29256,7 @@
           </p:nvSpPr>
           <p:spPr>
             <a:xfrm>
-              <a:off x="4596786" y="5974777"/>
+              <a:off x="4739106" y="5974818"/>
               <a:ext cx="63202" cy="63202"/>
             </a:xfrm>
             <a:custGeom>
@@ -29299,7 +29299,7 @@
           </p:nvSpPr>
           <p:spPr>
             <a:xfrm>
-              <a:off x="4581202" y="6007056"/>
+              <a:off x="4517454" y="6006953"/>
               <a:ext cx="63202" cy="63202"/>
             </a:xfrm>
             <a:custGeom>
@@ -29342,7 +29342,7 @@
           </p:nvSpPr>
           <p:spPr>
             <a:xfrm>
-              <a:off x="4499079" y="5981640"/>
+              <a:off x="4787393" y="5981693"/>
               <a:ext cx="63202" cy="63202"/>
             </a:xfrm>
             <a:custGeom>
@@ -29385,7 +29385,7 @@
           </p:nvSpPr>
           <p:spPr>
             <a:xfrm>
-              <a:off x="4957709" y="5975836"/>
+              <a:off x="4997035" y="5975863"/>
               <a:ext cx="63202" cy="63202"/>
             </a:xfrm>
             <a:custGeom>
@@ -29428,7 +29428,7 @@
           </p:nvSpPr>
           <p:spPr>
             <a:xfrm>
-              <a:off x="4799887" y="6216718"/>
+              <a:off x="4578903" y="6216688"/>
               <a:ext cx="63202" cy="63202"/>
             </a:xfrm>
             <a:custGeom>
@@ -29471,7 +29471,7 @@
           </p:nvSpPr>
           <p:spPr>
             <a:xfrm>
-              <a:off x="4759430" y="5977172"/>
+              <a:off x="4966647" y="5977288"/>
               <a:ext cx="63202" cy="63202"/>
             </a:xfrm>
             <a:custGeom>
@@ -29514,7 +29514,7 @@
           </p:nvSpPr>
           <p:spPr>
             <a:xfrm>
-              <a:off x="4462804" y="5977190"/>
+              <a:off x="5025784" y="5977224"/>
               <a:ext cx="63202" cy="63202"/>
             </a:xfrm>
             <a:custGeom>
@@ -29557,7 +29557,7 @@
           </p:nvSpPr>
           <p:spPr>
             <a:xfrm>
-              <a:off x="4675221" y="5977178"/>
+              <a:off x="4657568" y="5977292"/>
               <a:ext cx="63202" cy="63202"/>
             </a:xfrm>
             <a:custGeom>
@@ -29600,7 +29600,7 @@
           </p:nvSpPr>
           <p:spPr>
             <a:xfrm>
-              <a:off x="4618913" y="5971936"/>
+              <a:off x="4473066" y="5972060"/>
               <a:ext cx="63202" cy="63202"/>
             </a:xfrm>
             <a:custGeom>
@@ -29643,7 +29643,7 @@
           </p:nvSpPr>
           <p:spPr>
             <a:xfrm>
-              <a:off x="4623854" y="6000797"/>
+              <a:off x="4829427" y="6000889"/>
               <a:ext cx="63202" cy="63202"/>
             </a:xfrm>
             <a:custGeom>
@@ -29686,7 +29686,7 @@
           </p:nvSpPr>
           <p:spPr>
             <a:xfrm>
-              <a:off x="4552363" y="6008876"/>
+              <a:off x="4767575" y="6008975"/>
               <a:ext cx="63202" cy="63202"/>
             </a:xfrm>
             <a:custGeom>
@@ -29729,7 +29729,7 @@
           </p:nvSpPr>
           <p:spPr>
             <a:xfrm>
-              <a:off x="4551957" y="5967594"/>
+              <a:off x="4480911" y="5967500"/>
               <a:ext cx="63202" cy="63202"/>
             </a:xfrm>
             <a:custGeom>
@@ -29772,7 +29772,7 @@
           </p:nvSpPr>
           <p:spPr>
             <a:xfrm>
-              <a:off x="4986218" y="5982738"/>
+              <a:off x="4594962" y="5982818"/>
               <a:ext cx="63202" cy="63202"/>
             </a:xfrm>
             <a:custGeom>
@@ -29815,7 +29815,7 @@
           </p:nvSpPr>
           <p:spPr>
             <a:xfrm>
-              <a:off x="4989262" y="5978749"/>
+              <a:off x="4660429" y="5978794"/>
               <a:ext cx="63202" cy="63202"/>
             </a:xfrm>
             <a:custGeom>
@@ -29858,7 +29858,7 @@
           </p:nvSpPr>
           <p:spPr>
             <a:xfrm>
-              <a:off x="5109564" y="5977040"/>
+              <a:off x="4437592" y="5977102"/>
               <a:ext cx="63202" cy="63202"/>
             </a:xfrm>
             <a:custGeom>
@@ -29901,7 +29901,7 @@
           </p:nvSpPr>
           <p:spPr>
             <a:xfrm>
-              <a:off x="4999630" y="6096464"/>
+              <a:off x="4732858" y="6096462"/>
               <a:ext cx="63202" cy="63202"/>
             </a:xfrm>
             <a:custGeom>
@@ -29944,7 +29944,7 @@
           </p:nvSpPr>
           <p:spPr>
             <a:xfrm>
-              <a:off x="4594694" y="5985205"/>
+              <a:off x="4932497" y="5985319"/>
               <a:ext cx="63202" cy="63202"/>
             </a:xfrm>
             <a:custGeom>
@@ -29987,7 +29987,7 @@
           </p:nvSpPr>
           <p:spPr>
             <a:xfrm>
-              <a:off x="4997174" y="6033549"/>
+              <a:off x="4589839" y="6033527"/>
               <a:ext cx="63202" cy="63202"/>
             </a:xfrm>
             <a:custGeom>
@@ -30030,7 +30030,7 @@
           </p:nvSpPr>
           <p:spPr>
             <a:xfrm>
-              <a:off x="5063215" y="6001313"/>
+              <a:off x="4820630" y="6001301"/>
               <a:ext cx="63202" cy="63202"/>
             </a:xfrm>
             <a:custGeom>
@@ -30073,7 +30073,7 @@
           </p:nvSpPr>
           <p:spPr>
             <a:xfrm>
-              <a:off x="4818920" y="5976134"/>
+              <a:off x="4941124" y="5976298"/>
               <a:ext cx="63202" cy="63202"/>
             </a:xfrm>
             <a:custGeom>
@@ -30116,7 +30116,7 @@
           </p:nvSpPr>
           <p:spPr>
             <a:xfrm>
-              <a:off x="5002971" y="5978501"/>
+              <a:off x="4916501" y="5978578"/>
               <a:ext cx="63202" cy="63202"/>
             </a:xfrm>
             <a:custGeom>
@@ -30159,7 +30159,7 @@
           </p:nvSpPr>
           <p:spPr>
             <a:xfrm>
-              <a:off x="4525503" y="6013569"/>
+              <a:off x="4961221" y="6013512"/>
               <a:ext cx="63202" cy="63202"/>
             </a:xfrm>
             <a:custGeom>
@@ -30202,7 +30202,7 @@
           </p:nvSpPr>
           <p:spPr>
             <a:xfrm>
-              <a:off x="4709459" y="6008453"/>
+              <a:off x="5063472" y="6008553"/>
               <a:ext cx="63202" cy="63202"/>
             </a:xfrm>
             <a:custGeom>
@@ -30245,7 +30245,7 @@
           </p:nvSpPr>
           <p:spPr>
             <a:xfrm>
-              <a:off x="4474204" y="6033821"/>
+              <a:off x="4758005" y="6033832"/>
               <a:ext cx="63202" cy="63202"/>
             </a:xfrm>
             <a:custGeom>
@@ -30288,7 +30288,7 @@
           </p:nvSpPr>
           <p:spPr>
             <a:xfrm>
-              <a:off x="4787428" y="5987166"/>
+              <a:off x="4674053" y="5987264"/>
               <a:ext cx="63202" cy="63202"/>
             </a:xfrm>
             <a:custGeom>
@@ -30331,7 +30331,7 @@
           </p:nvSpPr>
           <p:spPr>
             <a:xfrm>
-              <a:off x="4697008" y="5992299"/>
+              <a:off x="4550266" y="5992206"/>
               <a:ext cx="63202" cy="63202"/>
             </a:xfrm>
             <a:custGeom>
@@ -30374,7 +30374,7 @@
           </p:nvSpPr>
           <p:spPr>
             <a:xfrm>
-              <a:off x="4992866" y="6008308"/>
+              <a:off x="4901944" y="6008292"/>
               <a:ext cx="63202" cy="63202"/>
             </a:xfrm>
             <a:custGeom>
@@ -30417,7 +30417,7 @@
           </p:nvSpPr>
           <p:spPr>
             <a:xfrm>
-              <a:off x="5037398" y="5983123"/>
+              <a:off x="4816397" y="5983212"/>
               <a:ext cx="63202" cy="63202"/>
             </a:xfrm>
             <a:custGeom>
@@ -30460,7 +30460,7 @@
           </p:nvSpPr>
           <p:spPr>
             <a:xfrm>
-              <a:off x="5066938" y="6002319"/>
+              <a:off x="5055483" y="6002416"/>
               <a:ext cx="63202" cy="63202"/>
             </a:xfrm>
             <a:custGeom>
@@ -30503,7 +30503,7 @@
           </p:nvSpPr>
           <p:spPr>
             <a:xfrm>
-              <a:off x="4694820" y="6008299"/>
+              <a:off x="4996274" y="6008243"/>
               <a:ext cx="63202" cy="63202"/>
             </a:xfrm>
             <a:custGeom>
@@ -30546,7 +30546,7 @@
           </p:nvSpPr>
           <p:spPr>
             <a:xfrm>
-              <a:off x="4715582" y="5979432"/>
+              <a:off x="5129749" y="5979320"/>
               <a:ext cx="63202" cy="63202"/>
             </a:xfrm>
             <a:custGeom>
@@ -30589,7 +30589,7 @@
           </p:nvSpPr>
           <p:spPr>
             <a:xfrm>
-              <a:off x="4480703" y="6086546"/>
+              <a:off x="5016384" y="6086550"/>
               <a:ext cx="63202" cy="63202"/>
             </a:xfrm>
             <a:custGeom>
@@ -30632,7 +30632,7 @@
           </p:nvSpPr>
           <p:spPr>
             <a:xfrm>
-              <a:off x="5115469" y="5999440"/>
+              <a:off x="4987861" y="5999474"/>
               <a:ext cx="63202" cy="63202"/>
             </a:xfrm>
             <a:custGeom>
@@ -30675,7 +30675,7 @@
           </p:nvSpPr>
           <p:spPr>
             <a:xfrm>
-              <a:off x="4597944" y="6002378"/>
+              <a:off x="4479931" y="6002431"/>
               <a:ext cx="63202" cy="63202"/>
             </a:xfrm>
             <a:custGeom>
@@ -30718,7 +30718,7 @@
           </p:nvSpPr>
           <p:spPr>
             <a:xfrm>
-              <a:off x="4432656" y="6009898"/>
+              <a:off x="5129660" y="6009901"/>
               <a:ext cx="63202" cy="63202"/>
             </a:xfrm>
             <a:custGeom>
@@ -30761,7 +30761,7 @@
           </p:nvSpPr>
           <p:spPr>
             <a:xfrm>
-              <a:off x="4550233" y="6013288"/>
+              <a:off x="4812808" y="6013391"/>
               <a:ext cx="63202" cy="63202"/>
             </a:xfrm>
             <a:custGeom>
@@ -30804,7 +30804,7 @@
           </p:nvSpPr>
           <p:spPr>
             <a:xfrm>
-              <a:off x="4859025" y="5967931"/>
+              <a:off x="4544478" y="5967918"/>
               <a:ext cx="63202" cy="63202"/>
             </a:xfrm>
             <a:custGeom>
@@ -30847,7 +30847,7 @@
           </p:nvSpPr>
           <p:spPr>
             <a:xfrm>
-              <a:off x="5125429" y="6032380"/>
+              <a:off x="4731823" y="6032328"/>
               <a:ext cx="63202" cy="63202"/>
             </a:xfrm>
             <a:custGeom>
@@ -30890,7 +30890,7 @@
           </p:nvSpPr>
           <p:spPr>
             <a:xfrm>
-              <a:off x="4545849" y="6143869"/>
+              <a:off x="5093977" y="6143964"/>
               <a:ext cx="63202" cy="63202"/>
             </a:xfrm>
             <a:custGeom>
@@ -30933,7 +30933,7 @@
           </p:nvSpPr>
           <p:spPr>
             <a:xfrm>
-              <a:off x="4576472" y="6325119"/>
+              <a:off x="4459982" y="6325046"/>
               <a:ext cx="63202" cy="63202"/>
             </a:xfrm>
             <a:custGeom>
@@ -30976,7 +30976,7 @@
           </p:nvSpPr>
           <p:spPr>
             <a:xfrm>
-              <a:off x="4938258" y="6163078"/>
+              <a:off x="5055967" y="6163137"/>
               <a:ext cx="63202" cy="63202"/>
             </a:xfrm>
             <a:custGeom>
@@ -31019,7 +31019,7 @@
           </p:nvSpPr>
           <p:spPr>
             <a:xfrm>
-              <a:off x="4839501" y="5982892"/>
+              <a:off x="4655015" y="5983014"/>
               <a:ext cx="63202" cy="63202"/>
             </a:xfrm>
             <a:custGeom>
@@ -31062,7 +31062,7 @@
           </p:nvSpPr>
           <p:spPr>
             <a:xfrm>
-              <a:off x="4562336" y="6043418"/>
+              <a:off x="4725758" y="6043504"/>
               <a:ext cx="63202" cy="63202"/>
             </a:xfrm>
             <a:custGeom>
@@ -31105,7 +31105,7 @@
           </p:nvSpPr>
           <p:spPr>
             <a:xfrm>
-              <a:off x="4480473" y="6035729"/>
+              <a:off x="4673136" y="6035624"/>
               <a:ext cx="63202" cy="63202"/>
             </a:xfrm>
             <a:custGeom>
@@ -31148,7 +31148,7 @@
           </p:nvSpPr>
           <p:spPr>
             <a:xfrm>
-              <a:off x="4473317" y="5987166"/>
+              <a:off x="4975087" y="5987223"/>
               <a:ext cx="63202" cy="63202"/>
             </a:xfrm>
             <a:custGeom>
@@ -31191,7 +31191,7 @@
           </p:nvSpPr>
           <p:spPr>
             <a:xfrm>
-              <a:off x="4468094" y="6085264"/>
+              <a:off x="4577359" y="6085228"/>
               <a:ext cx="63202" cy="63202"/>
             </a:xfrm>
             <a:custGeom>
@@ -31234,7 +31234,7 @@
           </p:nvSpPr>
           <p:spPr>
             <a:xfrm>
-              <a:off x="4577914" y="5971578"/>
+              <a:off x="4460381" y="5971601"/>
               <a:ext cx="63202" cy="63202"/>
             </a:xfrm>
             <a:custGeom>
@@ -31277,7 +31277,7 @@
           </p:nvSpPr>
           <p:spPr>
             <a:xfrm>
-              <a:off x="4976157" y="6097622"/>
+              <a:off x="4873011" y="6097717"/>
               <a:ext cx="63202" cy="63202"/>
             </a:xfrm>
             <a:custGeom>
@@ -31320,7 +31320,7 @@
           </p:nvSpPr>
           <p:spPr>
             <a:xfrm>
-              <a:off x="4658915" y="5983772"/>
+              <a:off x="4434055" y="5983866"/>
               <a:ext cx="63202" cy="63202"/>
             </a:xfrm>
             <a:custGeom>
@@ -31363,7 +31363,7 @@
           </p:nvSpPr>
           <p:spPr>
             <a:xfrm>
-              <a:off x="4561434" y="6227753"/>
+              <a:off x="5114376" y="6227779"/>
               <a:ext cx="63202" cy="63202"/>
             </a:xfrm>
             <a:custGeom>
@@ -31406,7 +31406,7 @@
           </p:nvSpPr>
           <p:spPr>
             <a:xfrm>
-              <a:off x="5003010" y="5989100"/>
+              <a:off x="4505270" y="5989027"/>
               <a:ext cx="63202" cy="63202"/>
             </a:xfrm>
             <a:custGeom>
@@ -31449,7 +31449,7 @@
           </p:nvSpPr>
           <p:spPr>
             <a:xfrm>
-              <a:off x="5087593" y="5972774"/>
+              <a:off x="4965553" y="5972924"/>
               <a:ext cx="63202" cy="63202"/>
             </a:xfrm>
             <a:custGeom>
@@ -31492,7 +31492,7 @@
           </p:nvSpPr>
           <p:spPr>
             <a:xfrm>
-              <a:off x="4812088" y="5978231"/>
+              <a:off x="5020362" y="5978252"/>
               <a:ext cx="63202" cy="63202"/>
             </a:xfrm>
             <a:custGeom>
@@ -31535,7 +31535,7 @@
           </p:nvSpPr>
           <p:spPr>
             <a:xfrm>
-              <a:off x="4872928" y="5968048"/>
+              <a:off x="4556468" y="5968021"/>
               <a:ext cx="63202" cy="63202"/>
             </a:xfrm>
             <a:custGeom>
@@ -31578,7 +31578,7 @@
           </p:nvSpPr>
           <p:spPr>
             <a:xfrm>
-              <a:off x="4706602" y="5982295"/>
+              <a:off x="4526874" y="5982306"/>
               <a:ext cx="63202" cy="63202"/>
             </a:xfrm>
             <a:custGeom>
@@ -31621,7 +31621,7 @@
           </p:nvSpPr>
           <p:spPr>
             <a:xfrm>
-              <a:off x="4579621" y="5976478"/>
+              <a:off x="4690663" y="5976373"/>
               <a:ext cx="63202" cy="63202"/>
             </a:xfrm>
             <a:custGeom>
@@ -31664,7 +31664,7 @@
           </p:nvSpPr>
           <p:spPr>
             <a:xfrm>
-              <a:off x="4800948" y="5983851"/>
+              <a:off x="5104955" y="5983886"/>
               <a:ext cx="63202" cy="63202"/>
             </a:xfrm>
             <a:custGeom>
@@ -31707,7 +31707,7 @@
           </p:nvSpPr>
           <p:spPr>
             <a:xfrm>
-              <a:off x="4808632" y="5983730"/>
+              <a:off x="4884247" y="5983754"/>
               <a:ext cx="63202" cy="63202"/>
             </a:xfrm>
             <a:custGeom>
@@ -31750,7 +31750,7 @@
           </p:nvSpPr>
           <p:spPr>
             <a:xfrm>
-              <a:off x="4641610" y="5983862"/>
+              <a:off x="4970807" y="5983882"/>
               <a:ext cx="63202" cy="63202"/>
             </a:xfrm>
             <a:custGeom>
@@ -31793,7 +31793,7 @@
           </p:nvSpPr>
           <p:spPr>
             <a:xfrm>
-              <a:off x="4662798" y="5983799"/>
+              <a:off x="5105831" y="5983750"/>
               <a:ext cx="63202" cy="63202"/>
             </a:xfrm>
             <a:custGeom>
@@ -31836,7 +31836,7 @@
           </p:nvSpPr>
           <p:spPr>
             <a:xfrm>
-              <a:off x="4717473" y="6004938"/>
+              <a:off x="4439668" y="6004954"/>
               <a:ext cx="63202" cy="63202"/>
             </a:xfrm>
             <a:custGeom>
@@ -31879,7 +31879,7 @@
           </p:nvSpPr>
           <p:spPr>
             <a:xfrm>
-              <a:off x="4537644" y="5982234"/>
+              <a:off x="4773292" y="5982298"/>
               <a:ext cx="63202" cy="63202"/>
             </a:xfrm>
             <a:custGeom>
@@ -31922,7 +31922,7 @@
           </p:nvSpPr>
           <p:spPr>
             <a:xfrm>
-              <a:off x="4611032" y="6109837"/>
+              <a:off x="4884379" y="6109953"/>
               <a:ext cx="63202" cy="63202"/>
             </a:xfrm>
             <a:custGeom>
@@ -31965,7 +31965,7 @@
           </p:nvSpPr>
           <p:spPr>
             <a:xfrm>
-              <a:off x="6006901" y="6662969"/>
+              <a:off x="5609976" y="6663033"/>
               <a:ext cx="63202" cy="63202"/>
             </a:xfrm>
             <a:custGeom>
@@ -32008,7 +32008,7 @@
           </p:nvSpPr>
           <p:spPr>
             <a:xfrm>
-              <a:off x="4899059" y="5986145"/>
+              <a:off x="5056965" y="5986167"/>
               <a:ext cx="63202" cy="63202"/>
             </a:xfrm>
             <a:custGeom>
@@ -32051,7 +32051,7 @@
           </p:nvSpPr>
           <p:spPr>
             <a:xfrm>
-              <a:off x="4605552" y="5973298"/>
+              <a:off x="4850877" y="5973302"/>
               <a:ext cx="63202" cy="63202"/>
             </a:xfrm>
             <a:custGeom>
@@ -32094,7 +32094,7 @@
           </p:nvSpPr>
           <p:spPr>
             <a:xfrm>
-              <a:off x="5047146" y="5970486"/>
+              <a:off x="4476821" y="5970562"/>
               <a:ext cx="63202" cy="63202"/>
             </a:xfrm>
             <a:custGeom>
@@ -32137,7 +32137,7 @@
           </p:nvSpPr>
           <p:spPr>
             <a:xfrm>
-              <a:off x="4494918" y="6082670"/>
+              <a:off x="4613961" y="6082671"/>
               <a:ext cx="63202" cy="63202"/>
             </a:xfrm>
             <a:custGeom>
@@ -32180,7 +32180,7 @@
           </p:nvSpPr>
           <p:spPr>
             <a:xfrm>
-              <a:off x="5116801" y="5990150"/>
+              <a:off x="5055897" y="5990219"/>
               <a:ext cx="63202" cy="63202"/>
             </a:xfrm>
             <a:custGeom>
@@ -32223,7 +32223,7 @@
           </p:nvSpPr>
           <p:spPr>
             <a:xfrm>
-              <a:off x="4810920" y="5989107"/>
+              <a:off x="4816595" y="5989064"/>
               <a:ext cx="63202" cy="63202"/>
             </a:xfrm>
             <a:custGeom>
@@ -32266,7 +32266,7 @@
           </p:nvSpPr>
           <p:spPr>
             <a:xfrm>
-              <a:off x="4948056" y="5974583"/>
+              <a:off x="4478793" y="5974498"/>
               <a:ext cx="63202" cy="63202"/>
             </a:xfrm>
             <a:custGeom>
@@ -32365,7 +32365,7 @@
           </p:nvSpPr>
           <p:spPr>
             <a:xfrm>
-              <a:off x="7171360" y="2998664"/>
+              <a:off x="7171360" y="2998742"/>
               <a:ext cx="2817450" cy="0"/>
             </a:xfrm>
             <a:custGeom>
@@ -32408,7 +32408,7 @@
           </p:nvSpPr>
           <p:spPr>
             <a:xfrm>
-              <a:off x="7171360" y="2576845"/>
+              <a:off x="7171360" y="2576897"/>
               <a:ext cx="2817450" cy="0"/>
             </a:xfrm>
             <a:custGeom>
@@ -32451,7 +32451,7 @@
           </p:nvSpPr>
           <p:spPr>
             <a:xfrm>
-              <a:off x="7171360" y="2155026"/>
+              <a:off x="7171360" y="2155051"/>
               <a:ext cx="2817450" cy="0"/>
             </a:xfrm>
             <a:custGeom>
@@ -32494,7 +32494,7 @@
           </p:nvSpPr>
           <p:spPr>
             <a:xfrm>
-              <a:off x="7171360" y="1733207"/>
+              <a:off x="7171360" y="1733205"/>
               <a:ext cx="2817450" cy="0"/>
             </a:xfrm>
             <a:custGeom>
@@ -32537,7 +32537,7 @@
           </p:nvSpPr>
           <p:spPr>
             <a:xfrm>
-              <a:off x="7171360" y="2787754"/>
+              <a:off x="7171360" y="2787820"/>
               <a:ext cx="2817450" cy="0"/>
             </a:xfrm>
             <a:custGeom>
@@ -32580,7 +32580,7 @@
           </p:nvSpPr>
           <p:spPr>
             <a:xfrm>
-              <a:off x="7171360" y="2365935"/>
+              <a:off x="7171360" y="2365974"/>
               <a:ext cx="2817450" cy="0"/>
             </a:xfrm>
             <a:custGeom>
@@ -32623,7 +32623,7 @@
           </p:nvSpPr>
           <p:spPr>
             <a:xfrm>
-              <a:off x="7171360" y="1944116"/>
+              <a:off x="7171360" y="1944128"/>
               <a:ext cx="2817450" cy="0"/>
             </a:xfrm>
             <a:custGeom>
@@ -32666,7 +32666,7 @@
           </p:nvSpPr>
           <p:spPr>
             <a:xfrm>
-              <a:off x="7171360" y="1522297"/>
+              <a:off x="7171360" y="1522282"/>
               <a:ext cx="2817450" cy="0"/>
             </a:xfrm>
             <a:custGeom>
@@ -32838,7 +32838,7 @@
           </p:nvSpPr>
           <p:spPr>
             <a:xfrm>
-              <a:off x="9495465" y="2883083"/>
+              <a:off x="9620876" y="2883251"/>
               <a:ext cx="63202" cy="63202"/>
             </a:xfrm>
             <a:custGeom>
@@ -32881,7 +32881,7 @@
           </p:nvSpPr>
           <p:spPr>
             <a:xfrm>
-              <a:off x="7926056" y="2520534"/>
+              <a:off x="7377099" y="2520621"/>
               <a:ext cx="63202" cy="63202"/>
             </a:xfrm>
             <a:custGeom>
@@ -32924,7 +32924,7 @@
           </p:nvSpPr>
           <p:spPr>
             <a:xfrm>
-              <a:off x="7595604" y="2524855"/>
+              <a:off x="7917930" y="2524850"/>
               <a:ext cx="63202" cy="63202"/>
             </a:xfrm>
             <a:custGeom>
@@ -32967,7 +32967,7 @@
           </p:nvSpPr>
           <p:spPr>
             <a:xfrm>
-              <a:off x="7973456" y="2537294"/>
+              <a:off x="7845245" y="2537239"/>
               <a:ext cx="63202" cy="63202"/>
             </a:xfrm>
             <a:custGeom>
@@ -33010,7 +33010,7 @@
           </p:nvSpPr>
           <p:spPr>
             <a:xfrm>
-              <a:off x="7592700" y="2532174"/>
+              <a:off x="7482125" y="2532289"/>
               <a:ext cx="63202" cy="63202"/>
             </a:xfrm>
             <a:custGeom>
@@ -33053,7 +33053,7 @@
           </p:nvSpPr>
           <p:spPr>
             <a:xfrm>
-              <a:off x="7481722" y="2478377"/>
+              <a:off x="7670791" y="2478365"/>
               <a:ext cx="63202" cy="63202"/>
             </a:xfrm>
             <a:custGeom>
@@ -33096,7 +33096,7 @@
           </p:nvSpPr>
           <p:spPr>
             <a:xfrm>
-              <a:off x="8392766" y="2570213"/>
+              <a:off x="8746131" y="2570214"/>
               <a:ext cx="63202" cy="63202"/>
             </a:xfrm>
             <a:custGeom>
@@ -33139,7 +33139,7 @@
           </p:nvSpPr>
           <p:spPr>
             <a:xfrm>
-              <a:off x="8002410" y="2519700"/>
+              <a:off x="7762813" y="2519827"/>
               <a:ext cx="63202" cy="63202"/>
             </a:xfrm>
             <a:custGeom>
@@ -33182,7 +33182,7 @@
           </p:nvSpPr>
           <p:spPr>
             <a:xfrm>
-              <a:off x="7848423" y="2532038"/>
+              <a:off x="7592544" y="2532014"/>
               <a:ext cx="63202" cy="63202"/>
             </a:xfrm>
             <a:custGeom>
@@ -33225,7 +33225,7 @@
           </p:nvSpPr>
           <p:spPr>
             <a:xfrm>
-              <a:off x="7644262" y="2528408"/>
+              <a:off x="7979844" y="2528395"/>
               <a:ext cx="63202" cy="63202"/>
             </a:xfrm>
             <a:custGeom>
@@ -33268,7 +33268,7 @@
           </p:nvSpPr>
           <p:spPr>
             <a:xfrm>
-              <a:off x="8428120" y="2569872"/>
+              <a:off x="8431258" y="2569946"/>
               <a:ext cx="63202" cy="63202"/>
             </a:xfrm>
             <a:custGeom>
@@ -33311,7 +33311,7 @@
           </p:nvSpPr>
           <p:spPr>
             <a:xfrm>
-              <a:off x="8263242" y="2611872"/>
+              <a:off x="8615353" y="2611895"/>
               <a:ext cx="63202" cy="63202"/>
             </a:xfrm>
             <a:custGeom>
@@ -33354,7 +33354,7 @@
           </p:nvSpPr>
           <p:spPr>
             <a:xfrm>
-              <a:off x="8831603" y="2571268"/>
+              <a:off x="8300279" y="2571245"/>
               <a:ext cx="63202" cy="63202"/>
             </a:xfrm>
             <a:custGeom>
@@ -33397,7 +33397,7 @@
           </p:nvSpPr>
           <p:spPr>
             <a:xfrm>
-              <a:off x="8360165" y="2682958"/>
+              <a:off x="8705685" y="2682979"/>
               <a:ext cx="63202" cy="63202"/>
             </a:xfrm>
             <a:custGeom>
@@ -33440,7 +33440,7 @@
           </p:nvSpPr>
           <p:spPr>
             <a:xfrm>
-              <a:off x="8202986" y="2568273"/>
+              <a:off x="8809903" y="2568294"/>
               <a:ext cx="63202" cy="63202"/>
             </a:xfrm>
             <a:custGeom>
@@ -33483,7 +33483,7 @@
           </p:nvSpPr>
           <p:spPr>
             <a:xfrm>
-              <a:off x="7785943" y="2534734"/>
+              <a:off x="7757794" y="2534710"/>
               <a:ext cx="63202" cy="63202"/>
             </a:xfrm>
             <a:custGeom>
@@ -33526,7 +33526,7 @@
           </p:nvSpPr>
           <p:spPr>
             <a:xfrm>
-              <a:off x="8823373" y="2654323"/>
+              <a:off x="8209734" y="2654307"/>
               <a:ext cx="63202" cy="63202"/>
             </a:xfrm>
             <a:custGeom>
@@ -33569,7 +33569,7 @@
           </p:nvSpPr>
           <p:spPr>
             <a:xfrm>
-              <a:off x="8825947" y="2588890"/>
+              <a:off x="8795736" y="2588952"/>
               <a:ext cx="63202" cy="63202"/>
             </a:xfrm>
             <a:custGeom>
@@ -33612,7 +33612,7 @@
           </p:nvSpPr>
           <p:spPr>
             <a:xfrm>
-              <a:off x="8420984" y="2565522"/>
+              <a:off x="8757924" y="2565570"/>
               <a:ext cx="63202" cy="63202"/>
             </a:xfrm>
             <a:custGeom>
@@ -33655,7 +33655,7 @@
           </p:nvSpPr>
           <p:spPr>
             <a:xfrm>
-              <a:off x="7673048" y="2520575"/>
+              <a:off x="7557037" y="2520587"/>
               <a:ext cx="63202" cy="63202"/>
             </a:xfrm>
             <a:custGeom>
@@ -33698,7 +33698,7 @@
           </p:nvSpPr>
           <p:spPr>
             <a:xfrm>
-              <a:off x="8535485" y="2624071"/>
+              <a:off x="8678487" y="2624261"/>
               <a:ext cx="63202" cy="63202"/>
             </a:xfrm>
             <a:custGeom>
@@ -33741,7 +33741,7 @@
           </p:nvSpPr>
           <p:spPr>
             <a:xfrm>
-              <a:off x="8386249" y="2563509"/>
+              <a:off x="8846653" y="2563628"/>
               <a:ext cx="63202" cy="63202"/>
             </a:xfrm>
             <a:custGeom>
@@ -33784,7 +33784,7 @@
           </p:nvSpPr>
           <p:spPr>
             <a:xfrm>
-              <a:off x="8865979" y="2571206"/>
+              <a:off x="8731742" y="2571315"/>
               <a:ext cx="63202" cy="63202"/>
             </a:xfrm>
             <a:custGeom>
@@ -33827,7 +33827,7 @@
           </p:nvSpPr>
           <p:spPr>
             <a:xfrm>
-              <a:off x="7727026" y="2461512"/>
+              <a:off x="7998676" y="2461573"/>
               <a:ext cx="63202" cy="63202"/>
             </a:xfrm>
             <a:custGeom>
@@ -33870,7 +33870,7 @@
           </p:nvSpPr>
           <p:spPr>
             <a:xfrm>
-              <a:off x="7322458" y="2522446"/>
+              <a:off x="7782258" y="2522592"/>
               <a:ext cx="63202" cy="63202"/>
             </a:xfrm>
             <a:custGeom>
@@ -33913,7 +33913,7 @@
           </p:nvSpPr>
           <p:spPr>
             <a:xfrm>
-              <a:off x="8542854" y="2574574"/>
+              <a:off x="8558237" y="2574561"/>
               <a:ext cx="63202" cy="63202"/>
             </a:xfrm>
             <a:custGeom>
@@ -33956,7 +33956,7 @@
           </p:nvSpPr>
           <p:spPr>
             <a:xfrm>
-              <a:off x="8522823" y="2587405"/>
+              <a:off x="8713527" y="2587399"/>
               <a:ext cx="63202" cy="63202"/>
             </a:xfrm>
             <a:custGeom>
@@ -33999,7 +33999,7 @@
           </p:nvSpPr>
           <p:spPr>
             <a:xfrm>
-              <a:off x="9521375" y="2928945"/>
+              <a:off x="9733361" y="2928972"/>
               <a:ext cx="63202" cy="63202"/>
             </a:xfrm>
             <a:custGeom>
@@ -34042,7 +34042,7 @@
           </p:nvSpPr>
           <p:spPr>
             <a:xfrm>
-              <a:off x="7978485" y="2529466"/>
+              <a:off x="7803042" y="2529517"/>
               <a:ext cx="63202" cy="63202"/>
             </a:xfrm>
             <a:custGeom>
@@ -34085,7 +34085,7 @@
           </p:nvSpPr>
           <p:spPr>
             <a:xfrm>
-              <a:off x="7342281" y="2528604"/>
+              <a:off x="7972759" y="2528693"/>
               <a:ext cx="63202" cy="63202"/>
             </a:xfrm>
             <a:custGeom>
@@ -34128,7 +34128,7 @@
           </p:nvSpPr>
           <p:spPr>
             <a:xfrm>
-              <a:off x="8000848" y="2526730"/>
+              <a:off x="7605547" y="2526713"/>
               <a:ext cx="63202" cy="63202"/>
             </a:xfrm>
             <a:custGeom>
@@ -34171,7 +34171,7 @@
           </p:nvSpPr>
           <p:spPr>
             <a:xfrm>
-              <a:off x="7679707" y="2526659"/>
+              <a:off x="7500004" y="2526767"/>
               <a:ext cx="63202" cy="63202"/>
             </a:xfrm>
             <a:custGeom>
@@ -34214,7 +34214,7 @@
           </p:nvSpPr>
           <p:spPr>
             <a:xfrm>
-              <a:off x="7796524" y="2527989"/>
+              <a:off x="7682026" y="2527917"/>
               <a:ext cx="63202" cy="63202"/>
             </a:xfrm>
             <a:custGeom>
@@ -34257,7 +34257,7 @@
           </p:nvSpPr>
           <p:spPr>
             <a:xfrm>
-              <a:off x="7454417" y="2535159"/>
+              <a:off x="7512773" y="2535089"/>
               <a:ext cx="63202" cy="63202"/>
             </a:xfrm>
             <a:custGeom>
@@ -34300,7 +34300,7 @@
           </p:nvSpPr>
           <p:spPr>
             <a:xfrm>
-              <a:off x="8765135" y="2547204"/>
+              <a:off x="8281383" y="2547136"/>
               <a:ext cx="63202" cy="63202"/>
             </a:xfrm>
             <a:custGeom>
@@ -34343,7 +34343,7 @@
           </p:nvSpPr>
           <p:spPr>
             <a:xfrm>
-              <a:off x="8545729" y="2566390"/>
+              <a:off x="8454874" y="2566460"/>
               <a:ext cx="63202" cy="63202"/>
             </a:xfrm>
             <a:custGeom>
@@ -34386,7 +34386,7 @@
           </p:nvSpPr>
           <p:spPr>
             <a:xfrm>
-              <a:off x="8818714" y="2570305"/>
+              <a:off x="8696517" y="2570415"/>
               <a:ext cx="63202" cy="63202"/>
             </a:xfrm>
             <a:custGeom>
@@ -34429,7 +34429,7 @@
           </p:nvSpPr>
           <p:spPr>
             <a:xfrm>
-              <a:off x="8307730" y="2800678"/>
+              <a:off x="8411017" y="2800672"/>
               <a:ext cx="63202" cy="63202"/>
             </a:xfrm>
             <a:custGeom>
@@ -34472,7 +34472,7 @@
           </p:nvSpPr>
           <p:spPr>
             <a:xfrm>
-              <a:off x="7767803" y="2537472"/>
+              <a:off x="7941434" y="2537500"/>
               <a:ext cx="63202" cy="63202"/>
             </a:xfrm>
             <a:custGeom>
@@ -34515,7 +34515,7 @@
           </p:nvSpPr>
           <p:spPr>
             <a:xfrm>
-              <a:off x="8013409" y="2417932"/>
+              <a:off x="7361653" y="2417980"/>
               <a:ext cx="63202" cy="63202"/>
             </a:xfrm>
             <a:custGeom>
@@ -34558,7 +34558,7 @@
           </p:nvSpPr>
           <p:spPr>
             <a:xfrm>
-              <a:off x="7488558" y="2451312"/>
+              <a:off x="7758150" y="2451462"/>
               <a:ext cx="63202" cy="63202"/>
             </a:xfrm>
             <a:custGeom>
@@ -34601,7 +34601,7 @@
           </p:nvSpPr>
           <p:spPr>
             <a:xfrm>
-              <a:off x="7760928" y="2534209"/>
+              <a:off x="7821669" y="2534243"/>
               <a:ext cx="63202" cy="63202"/>
             </a:xfrm>
             <a:custGeom>
@@ -34644,7 +34644,7 @@
           </p:nvSpPr>
           <p:spPr>
             <a:xfrm>
-              <a:off x="7795284" y="2536332"/>
+              <a:off x="7652204" y="2536356"/>
               <a:ext cx="63202" cy="63202"/>
             </a:xfrm>
             <a:custGeom>
@@ -34687,7 +34687,7 @@
           </p:nvSpPr>
           <p:spPr>
             <a:xfrm>
-              <a:off x="7772310" y="2536113"/>
+              <a:off x="7816968" y="2536199"/>
               <a:ext cx="63202" cy="63202"/>
             </a:xfrm>
             <a:custGeom>
@@ -34730,7 +34730,7 @@
           </p:nvSpPr>
           <p:spPr>
             <a:xfrm>
-              <a:off x="7745172" y="2533871"/>
+              <a:off x="7765491" y="2533936"/>
               <a:ext cx="63202" cy="63202"/>
             </a:xfrm>
             <a:custGeom>
@@ -34773,7 +34773,7 @@
           </p:nvSpPr>
           <p:spPr>
             <a:xfrm>
-              <a:off x="8017827" y="2532114"/>
+              <a:off x="7370314" y="2532182"/>
               <a:ext cx="63202" cy="63202"/>
             </a:xfrm>
             <a:custGeom>
@@ -34872,7 +34872,7 @@
           </p:nvSpPr>
           <p:spPr>
             <a:xfrm>
-              <a:off x="7171360" y="4923996"/>
+              <a:off x="7171360" y="4924075"/>
               <a:ext cx="2817450" cy="0"/>
             </a:xfrm>
             <a:custGeom>
@@ -34915,7 +34915,7 @@
           </p:nvSpPr>
           <p:spPr>
             <a:xfrm>
-              <a:off x="7171360" y="4502177"/>
+              <a:off x="7171360" y="4502229"/>
               <a:ext cx="2817450" cy="0"/>
             </a:xfrm>
             <a:custGeom>
@@ -34958,7 +34958,7 @@
           </p:nvSpPr>
           <p:spPr>
             <a:xfrm>
-              <a:off x="7171360" y="4080358"/>
+              <a:off x="7171360" y="4080383"/>
               <a:ext cx="2817450" cy="0"/>
             </a:xfrm>
             <a:custGeom>
@@ -35001,7 +35001,7 @@
           </p:nvSpPr>
           <p:spPr>
             <a:xfrm>
-              <a:off x="7171360" y="3658539"/>
+              <a:off x="7171360" y="3658538"/>
               <a:ext cx="2817450" cy="0"/>
             </a:xfrm>
             <a:custGeom>
@@ -35044,7 +35044,7 @@
           </p:nvSpPr>
           <p:spPr>
             <a:xfrm>
-              <a:off x="7171360" y="4713087"/>
+              <a:off x="7171360" y="4713152"/>
               <a:ext cx="2817450" cy="0"/>
             </a:xfrm>
             <a:custGeom>
@@ -35087,7 +35087,7 @@
           </p:nvSpPr>
           <p:spPr>
             <a:xfrm>
-              <a:off x="7171360" y="4291268"/>
+              <a:off x="7171360" y="4291306"/>
               <a:ext cx="2817450" cy="0"/>
             </a:xfrm>
             <a:custGeom>
@@ -35130,7 +35130,7 @@
           </p:nvSpPr>
           <p:spPr>
             <a:xfrm>
-              <a:off x="7171360" y="3869449"/>
+              <a:off x="7171360" y="3869460"/>
               <a:ext cx="2817450" cy="0"/>
             </a:xfrm>
             <a:custGeom>
@@ -35173,7 +35173,7 @@
           </p:nvSpPr>
           <p:spPr>
             <a:xfrm>
-              <a:off x="7171360" y="3447630"/>
+              <a:off x="7171360" y="3447615"/>
               <a:ext cx="2817450" cy="0"/>
             </a:xfrm>
             <a:custGeom>
@@ -35345,7 +35345,7 @@
           </p:nvSpPr>
           <p:spPr>
             <a:xfrm>
-              <a:off x="8385058" y="4510498"/>
+              <a:off x="8434494" y="4510412"/>
               <a:ext cx="63202" cy="63202"/>
             </a:xfrm>
             <a:custGeom>
@@ -35388,7 +35388,7 @@
           </p:nvSpPr>
           <p:spPr>
             <a:xfrm>
-              <a:off x="8255920" y="4694143"/>
+              <a:off x="8869484" y="4694144"/>
               <a:ext cx="63202" cy="63202"/>
             </a:xfrm>
             <a:custGeom>
@@ -35431,7 +35431,7 @@
           </p:nvSpPr>
           <p:spPr>
             <a:xfrm>
-              <a:off x="9710746" y="4795188"/>
+              <a:off x="9371464" y="4795191"/>
               <a:ext cx="63202" cy="63202"/>
             </a:xfrm>
             <a:custGeom>
@@ -35474,7 +35474,7 @@
           </p:nvSpPr>
           <p:spPr>
             <a:xfrm>
-              <a:off x="9142409" y="4820895"/>
+              <a:off x="9752729" y="4821034"/>
               <a:ext cx="63202" cy="63202"/>
             </a:xfrm>
             <a:custGeom>
@@ -35517,7 +35517,7 @@
           </p:nvSpPr>
           <p:spPr>
             <a:xfrm>
-              <a:off x="9553755" y="4807904"/>
+              <a:off x="9136658" y="4807944"/>
               <a:ext cx="63202" cy="63202"/>
             </a:xfrm>
             <a:custGeom>
@@ -35560,7 +35560,7 @@
           </p:nvSpPr>
           <p:spPr>
             <a:xfrm>
-              <a:off x="8235184" y="4621174"/>
+              <a:off x="8716099" y="4621267"/>
               <a:ext cx="63202" cy="63202"/>
             </a:xfrm>
             <a:custGeom>
@@ -35603,7 +35603,7 @@
           </p:nvSpPr>
           <p:spPr>
             <a:xfrm>
-              <a:off x="8794351" y="4744295"/>
+              <a:off x="8816129" y="4744330"/>
               <a:ext cx="63202" cy="63202"/>
             </a:xfrm>
             <a:custGeom>
@@ -35646,7 +35646,7 @@
           </p:nvSpPr>
           <p:spPr>
             <a:xfrm>
-              <a:off x="8688539" y="4497492"/>
+              <a:off x="8618767" y="4497645"/>
               <a:ext cx="63202" cy="63202"/>
             </a:xfrm>
             <a:custGeom>
@@ -35689,7 +35689,7 @@
           </p:nvSpPr>
           <p:spPr>
             <a:xfrm>
-              <a:off x="9116477" y="4851971"/>
+              <a:off x="9243980" y="4851951"/>
               <a:ext cx="63202" cy="63202"/>
             </a:xfrm>
             <a:custGeom>
@@ -35732,7 +35732,7 @@
           </p:nvSpPr>
           <p:spPr>
             <a:xfrm>
-              <a:off x="8268770" y="4709531"/>
+              <a:off x="8363425" y="4709524"/>
               <a:ext cx="63202" cy="63202"/>
             </a:xfrm>
             <a:custGeom>
@@ -35775,7 +35775,7 @@
           </p:nvSpPr>
           <p:spPr>
             <a:xfrm>
-              <a:off x="8566724" y="4714864"/>
+              <a:off x="8470401" y="4714847"/>
               <a:ext cx="63202" cy="63202"/>
             </a:xfrm>
             <a:custGeom>
@@ -35818,7 +35818,7 @@
           </p:nvSpPr>
           <p:spPr>
             <a:xfrm>
-              <a:off x="8470187" y="4472927"/>
+              <a:off x="8620640" y="4472923"/>
               <a:ext cx="63202" cy="63202"/>
             </a:xfrm>
             <a:custGeom>
@@ -35861,7 +35861,7 @@
           </p:nvSpPr>
           <p:spPr>
             <a:xfrm>
-              <a:off x="8566900" y="4529493"/>
+              <a:off x="8618611" y="4529496"/>
               <a:ext cx="63202" cy="63202"/>
             </a:xfrm>
             <a:custGeom>
@@ -35904,7 +35904,7 @@
           </p:nvSpPr>
           <p:spPr>
             <a:xfrm>
-              <a:off x="9211392" y="4803810"/>
+              <a:off x="9688621" y="4803830"/>
               <a:ext cx="63202" cy="63202"/>
             </a:xfrm>
             <a:custGeom>
@@ -37399,7 +37399,7 @@
           </p:nvSpPr>
           <p:spPr>
             <a:xfrm>
-              <a:off x="1148183" y="2746063"/>
+              <a:off x="1148183" y="2746128"/>
               <a:ext cx="186466" cy="81691"/>
             </a:xfrm>
             <a:prstGeom prst="rect">
@@ -37445,7 +37445,7 @@
           </p:nvSpPr>
           <p:spPr>
             <a:xfrm>
-              <a:off x="1148183" y="2324244"/>
+              <a:off x="1148183" y="2324282"/>
               <a:ext cx="186466" cy="81691"/>
             </a:xfrm>
             <a:prstGeom prst="rect">
@@ -37491,7 +37491,7 @@
           </p:nvSpPr>
           <p:spPr>
             <a:xfrm>
-              <a:off x="1148183" y="1902425"/>
+              <a:off x="1148183" y="1902436"/>
               <a:ext cx="186466" cy="81691"/>
             </a:xfrm>
             <a:prstGeom prst="rect">
@@ -37537,7 +37537,7 @@
           </p:nvSpPr>
           <p:spPr>
             <a:xfrm>
-              <a:off x="1148183" y="1480606"/>
+              <a:off x="1148183" y="1480590"/>
               <a:ext cx="186466" cy="81691"/>
             </a:xfrm>
             <a:prstGeom prst="rect">
@@ -37583,7 +37583,7 @@
           </p:nvSpPr>
           <p:spPr>
             <a:xfrm>
-              <a:off x="1362485" y="2787754"/>
+              <a:off x="1362485" y="2787820"/>
               <a:ext cx="34794" cy="0"/>
             </a:xfrm>
             <a:custGeom>
@@ -37623,7 +37623,7 @@
           </p:nvSpPr>
           <p:spPr>
             <a:xfrm>
-              <a:off x="1362485" y="2365935"/>
+              <a:off x="1362485" y="2365974"/>
               <a:ext cx="34794" cy="0"/>
             </a:xfrm>
             <a:custGeom>
@@ -37663,7 +37663,7 @@
           </p:nvSpPr>
           <p:spPr>
             <a:xfrm>
-              <a:off x="1362485" y="1944116"/>
+              <a:off x="1362485" y="1944128"/>
               <a:ext cx="34794" cy="0"/>
             </a:xfrm>
             <a:custGeom>
@@ -37703,7 +37703,7 @@
           </p:nvSpPr>
           <p:spPr>
             <a:xfrm>
-              <a:off x="1362485" y="1522297"/>
+              <a:off x="1362485" y="1522282"/>
               <a:ext cx="34794" cy="0"/>
             </a:xfrm>
             <a:custGeom>
@@ -37743,7 +37743,7 @@
           </p:nvSpPr>
           <p:spPr>
             <a:xfrm>
-              <a:off x="1148183" y="4671395"/>
+              <a:off x="1148183" y="4671460"/>
               <a:ext cx="186466" cy="81691"/>
             </a:xfrm>
             <a:prstGeom prst="rect">
@@ -37789,7 +37789,7 @@
           </p:nvSpPr>
           <p:spPr>
             <a:xfrm>
-              <a:off x="1148183" y="4249576"/>
+              <a:off x="1148183" y="4249615"/>
               <a:ext cx="186466" cy="81691"/>
             </a:xfrm>
             <a:prstGeom prst="rect">
@@ -37835,7 +37835,7 @@
           </p:nvSpPr>
           <p:spPr>
             <a:xfrm>
-              <a:off x="1148183" y="3827757"/>
+              <a:off x="1148183" y="3827769"/>
               <a:ext cx="186466" cy="81691"/>
             </a:xfrm>
             <a:prstGeom prst="rect">
@@ -37881,7 +37881,7 @@
           </p:nvSpPr>
           <p:spPr>
             <a:xfrm>
-              <a:off x="1148183" y="3405938"/>
+              <a:off x="1148183" y="3405923"/>
               <a:ext cx="186466" cy="81691"/>
             </a:xfrm>
             <a:prstGeom prst="rect">
@@ -37927,7 +37927,7 @@
           </p:nvSpPr>
           <p:spPr>
             <a:xfrm>
-              <a:off x="1362485" y="4713087"/>
+              <a:off x="1362485" y="4713152"/>
               <a:ext cx="34794" cy="0"/>
             </a:xfrm>
             <a:custGeom>
@@ -37967,7 +37967,7 @@
           </p:nvSpPr>
           <p:spPr>
             <a:xfrm>
-              <a:off x="1362485" y="4291268"/>
+              <a:off x="1362485" y="4291306"/>
               <a:ext cx="34794" cy="0"/>
             </a:xfrm>
             <a:custGeom>
@@ -38007,7 +38007,7 @@
           </p:nvSpPr>
           <p:spPr>
             <a:xfrm>
-              <a:off x="1362485" y="3869449"/>
+              <a:off x="1362485" y="3869460"/>
               <a:ext cx="34794" cy="0"/>
             </a:xfrm>
             <a:custGeom>
@@ -38047,7 +38047,7 @@
           </p:nvSpPr>
           <p:spPr>
             <a:xfrm>
-              <a:off x="1362485" y="3447630"/>
+              <a:off x="1362485" y="3447615"/>
               <a:ext cx="34794" cy="0"/>
             </a:xfrm>
             <a:custGeom>
@@ -38087,7 +38087,7 @@
           </p:nvSpPr>
           <p:spPr>
             <a:xfrm>
-              <a:off x="1148183" y="6596728"/>
+              <a:off x="1148183" y="6596793"/>
               <a:ext cx="186466" cy="81691"/>
             </a:xfrm>
             <a:prstGeom prst="rect">
@@ -38133,7 +38133,7 @@
           </p:nvSpPr>
           <p:spPr>
             <a:xfrm>
-              <a:off x="1148183" y="6174909"/>
+              <a:off x="1148183" y="6174947"/>
               <a:ext cx="186466" cy="81691"/>
             </a:xfrm>
             <a:prstGeom prst="rect">
@@ -38179,7 +38179,7 @@
           </p:nvSpPr>
           <p:spPr>
             <a:xfrm>
-              <a:off x="1148183" y="5753090"/>
+              <a:off x="1148183" y="5753101"/>
               <a:ext cx="186466" cy="81691"/>
             </a:xfrm>
             <a:prstGeom prst="rect">
@@ -38225,7 +38225,7 @@
           </p:nvSpPr>
           <p:spPr>
             <a:xfrm>
-              <a:off x="1148183" y="5331271"/>
+              <a:off x="1148183" y="5331256"/>
               <a:ext cx="186466" cy="81691"/>
             </a:xfrm>
             <a:prstGeom prst="rect">
@@ -38271,7 +38271,7 @@
           </p:nvSpPr>
           <p:spPr>
             <a:xfrm>
-              <a:off x="1362485" y="6638419"/>
+              <a:off x="1362485" y="6638485"/>
               <a:ext cx="34794" cy="0"/>
             </a:xfrm>
             <a:custGeom>
@@ -38311,7 +38311,7 @@
           </p:nvSpPr>
           <p:spPr>
             <a:xfrm>
-              <a:off x="1362485" y="6216600"/>
+              <a:off x="1362485" y="6216639"/>
               <a:ext cx="34794" cy="0"/>
             </a:xfrm>
             <a:custGeom>
@@ -38351,7 +38351,7 @@
           </p:nvSpPr>
           <p:spPr>
             <a:xfrm>
-              <a:off x="1362485" y="5794781"/>
+              <a:off x="1362485" y="5794793"/>
               <a:ext cx="34794" cy="0"/>
             </a:xfrm>
             <a:custGeom>
@@ -38391,7 +38391,7 @@
           </p:nvSpPr>
           <p:spPr>
             <a:xfrm>
-              <a:off x="1362485" y="5372962"/>
+              <a:off x="1362485" y="5372947"/>
               <a:ext cx="34794" cy="0"/>
             </a:xfrm>
             <a:custGeom>

--- a/Images/Figures_PPT/Jitter_Plot_LST8_All.pptx
+++ b/Images/Figures_PPT/Jitter_Plot_LST8_All.pptx
@@ -2359,7 +2359,7 @@
           </p:nvSpPr>
           <p:spPr>
             <a:xfrm>
-              <a:off x="1397280" y="2998742"/>
+              <a:off x="1397280" y="2998602"/>
               <a:ext cx="2817450" cy="0"/>
             </a:xfrm>
             <a:custGeom>
@@ -2402,7 +2402,7 @@
           </p:nvSpPr>
           <p:spPr>
             <a:xfrm>
-              <a:off x="1397280" y="2576897"/>
+              <a:off x="1397280" y="2576835"/>
               <a:ext cx="2817450" cy="0"/>
             </a:xfrm>
             <a:custGeom>
@@ -2445,7 +2445,7 @@
           </p:nvSpPr>
           <p:spPr>
             <a:xfrm>
-              <a:off x="1397280" y="2155051"/>
+              <a:off x="1397280" y="2155068"/>
               <a:ext cx="2817450" cy="0"/>
             </a:xfrm>
             <a:custGeom>
@@ -2488,7 +2488,7 @@
           </p:nvSpPr>
           <p:spPr>
             <a:xfrm>
-              <a:off x="1397280" y="1733205"/>
+              <a:off x="1397280" y="1733301"/>
               <a:ext cx="2817450" cy="0"/>
             </a:xfrm>
             <a:custGeom>
@@ -2531,7 +2531,7 @@
           </p:nvSpPr>
           <p:spPr>
             <a:xfrm>
-              <a:off x="1397280" y="2787820"/>
+              <a:off x="1397280" y="2787718"/>
               <a:ext cx="2817450" cy="0"/>
             </a:xfrm>
             <a:custGeom>
@@ -2574,7 +2574,7 @@
           </p:nvSpPr>
           <p:spPr>
             <a:xfrm>
-              <a:off x="1397280" y="2365974"/>
+              <a:off x="1397280" y="2365952"/>
               <a:ext cx="2817450" cy="0"/>
             </a:xfrm>
             <a:custGeom>
@@ -2617,7 +2617,7 @@
           </p:nvSpPr>
           <p:spPr>
             <a:xfrm>
-              <a:off x="1397280" y="1944128"/>
+              <a:off x="1397280" y="1944185"/>
               <a:ext cx="2817450" cy="0"/>
             </a:xfrm>
             <a:custGeom>
@@ -2660,7 +2660,7 @@
           </p:nvSpPr>
           <p:spPr>
             <a:xfrm>
-              <a:off x="1397280" y="1522282"/>
+              <a:off x="1397280" y="1522418"/>
               <a:ext cx="2817450" cy="0"/>
             </a:xfrm>
             <a:custGeom>
@@ -2832,7 +2832,7 @@
           </p:nvSpPr>
           <p:spPr>
             <a:xfrm>
-              <a:off x="2592598" y="2548636"/>
+              <a:off x="3041708" y="2548611"/>
               <a:ext cx="63202" cy="63202"/>
             </a:xfrm>
             <a:custGeom>
@@ -2875,7 +2875,7 @@
           </p:nvSpPr>
           <p:spPr>
             <a:xfrm>
-              <a:off x="1832369" y="2522445"/>
+              <a:off x="2037638" y="2522408"/>
               <a:ext cx="63202" cy="63202"/>
             </a:xfrm>
             <a:custGeom>
@@ -2918,7 +2918,7 @@
           </p:nvSpPr>
           <p:spPr>
             <a:xfrm>
-              <a:off x="3844747" y="1466704"/>
+              <a:off x="3463664" y="1466704"/>
               <a:ext cx="63202" cy="63202"/>
             </a:xfrm>
             <a:custGeom>
@@ -2961,7 +2961,7 @@
           </p:nvSpPr>
           <p:spPr>
             <a:xfrm>
-              <a:off x="3935026" y="2847794"/>
+              <a:off x="3446974" y="2847559"/>
               <a:ext cx="63202" cy="63202"/>
             </a:xfrm>
             <a:custGeom>
@@ -3004,7 +3004,7 @@
           </p:nvSpPr>
           <p:spPr>
             <a:xfrm>
-              <a:off x="3806917" y="2854377"/>
+              <a:off x="3405993" y="2854230"/>
               <a:ext cx="63202" cy="63202"/>
             </a:xfrm>
             <a:custGeom>
@@ -3047,7 +3047,7 @@
           </p:nvSpPr>
           <p:spPr>
             <a:xfrm>
-              <a:off x="2011041" y="2541062"/>
+              <a:off x="2205193" y="2540973"/>
               <a:ext cx="63202" cy="63202"/>
             </a:xfrm>
             <a:custGeom>
@@ -3090,7 +3090,7 @@
           </p:nvSpPr>
           <p:spPr>
             <a:xfrm>
-              <a:off x="2641478" y="2605552"/>
+              <a:off x="2909564" y="2605499"/>
               <a:ext cx="63202" cy="63202"/>
             </a:xfrm>
             <a:custGeom>
@@ -3133,7 +3133,7 @@
           </p:nvSpPr>
           <p:spPr>
             <a:xfrm>
-              <a:off x="3626807" y="2913550"/>
+              <a:off x="3379759" y="2913387"/>
               <a:ext cx="63202" cy="63202"/>
             </a:xfrm>
             <a:custGeom>
@@ -3176,7 +3176,7 @@
           </p:nvSpPr>
           <p:spPr>
             <a:xfrm>
-              <a:off x="1721992" y="2504941"/>
+              <a:off x="2105565" y="2504922"/>
               <a:ext cx="63202" cy="63202"/>
             </a:xfrm>
             <a:custGeom>
@@ -3219,7 +3219,7 @@
           </p:nvSpPr>
           <p:spPr>
             <a:xfrm>
-              <a:off x="3324692" y="2837998"/>
+              <a:off x="3573857" y="2837940"/>
               <a:ext cx="63202" cy="63202"/>
             </a:xfrm>
             <a:custGeom>
@@ -3262,7 +3262,7 @@
           </p:nvSpPr>
           <p:spPr>
             <a:xfrm>
-              <a:off x="2660856" y="2556974"/>
+              <a:off x="2839643" y="2556794"/>
               <a:ext cx="63202" cy="63202"/>
             </a:xfrm>
             <a:custGeom>
@@ -3305,7 +3305,7 @@
           </p:nvSpPr>
           <p:spPr>
             <a:xfrm>
-              <a:off x="3536587" y="2913826"/>
+              <a:off x="3592971" y="2913715"/>
               <a:ext cx="63202" cy="63202"/>
             </a:xfrm>
             <a:custGeom>
@@ -3348,7 +3348,7 @@
           </p:nvSpPr>
           <p:spPr>
             <a:xfrm>
-              <a:off x="3520290" y="2913955"/>
+              <a:off x="3826475" y="2913801"/>
               <a:ext cx="63202" cy="63202"/>
             </a:xfrm>
             <a:custGeom>
@@ -3391,7 +3391,7 @@
           </p:nvSpPr>
           <p:spPr>
             <a:xfrm>
-              <a:off x="2151506" y="2505051"/>
+              <a:off x="2004081" y="2504997"/>
               <a:ext cx="63202" cy="63202"/>
             </a:xfrm>
             <a:custGeom>
@@ -3434,7 +3434,7 @@
           </p:nvSpPr>
           <p:spPr>
             <a:xfrm>
-              <a:off x="3520605" y="2913309"/>
+              <a:off x="3612252" y="2913171"/>
               <a:ext cx="63202" cy="63202"/>
             </a:xfrm>
             <a:custGeom>
@@ -3477,7 +3477,7 @@
           </p:nvSpPr>
           <p:spPr>
             <a:xfrm>
-              <a:off x="2584323" y="2667695"/>
+              <a:off x="3111138" y="2667626"/>
               <a:ext cx="63202" cy="63202"/>
             </a:xfrm>
             <a:custGeom>
@@ -3520,7 +3520,7 @@
           </p:nvSpPr>
           <p:spPr>
             <a:xfrm>
-              <a:off x="3915148" y="2913606"/>
+              <a:off x="3955680" y="2913520"/>
               <a:ext cx="63202" cy="63202"/>
             </a:xfrm>
             <a:custGeom>
@@ -3563,7 +3563,7 @@
           </p:nvSpPr>
           <p:spPr>
             <a:xfrm>
-              <a:off x="3670986" y="2913785"/>
+              <a:off x="3615156" y="2913702"/>
               <a:ext cx="63202" cy="63202"/>
             </a:xfrm>
             <a:custGeom>
@@ -3606,7 +3606,7 @@
           </p:nvSpPr>
           <p:spPr>
             <a:xfrm>
-              <a:off x="3605760" y="2913980"/>
+              <a:off x="3488458" y="2913781"/>
               <a:ext cx="63202" cy="63202"/>
             </a:xfrm>
             <a:custGeom>
@@ -3649,7 +3649,7 @@
           </p:nvSpPr>
           <p:spPr>
             <a:xfrm>
-              <a:off x="3687237" y="2913646"/>
+              <a:off x="3494507" y="2913515"/>
               <a:ext cx="63202" cy="63202"/>
             </a:xfrm>
             <a:custGeom>
@@ -3692,7 +3692,7 @@
           </p:nvSpPr>
           <p:spPr>
             <a:xfrm>
-              <a:off x="3494232" y="2913812"/>
+              <a:off x="3471575" y="2913718"/>
               <a:ext cx="63202" cy="63202"/>
             </a:xfrm>
             <a:custGeom>
@@ -3735,7 +3735,7 @@
           </p:nvSpPr>
           <p:spPr>
             <a:xfrm>
-              <a:off x="3339227" y="2913947"/>
+              <a:off x="3990890" y="2913861"/>
               <a:ext cx="63202" cy="63202"/>
             </a:xfrm>
             <a:custGeom>
@@ -3778,7 +3778,7 @@
           </p:nvSpPr>
           <p:spPr>
             <a:xfrm>
-              <a:off x="3313069" y="2913742"/>
+              <a:off x="3781039" y="2913579"/>
               <a:ext cx="63202" cy="63202"/>
             </a:xfrm>
             <a:custGeom>
@@ -3821,7 +3821,7 @@
           </p:nvSpPr>
           <p:spPr>
             <a:xfrm>
-              <a:off x="3371655" y="2911679"/>
+              <a:off x="3915158" y="2911602"/>
               <a:ext cx="63202" cy="63202"/>
             </a:xfrm>
             <a:custGeom>
@@ -3864,7 +3864,7 @@
           </p:nvSpPr>
           <p:spPr>
             <a:xfrm>
-              <a:off x="3772244" y="2914890"/>
+              <a:off x="3321722" y="2914781"/>
               <a:ext cx="63202" cy="63202"/>
             </a:xfrm>
             <a:custGeom>
@@ -3907,7 +3907,7 @@
           </p:nvSpPr>
           <p:spPr>
             <a:xfrm>
-              <a:off x="3856692" y="2913847"/>
+              <a:off x="3622892" y="2913565"/>
               <a:ext cx="63202" cy="63202"/>
             </a:xfrm>
             <a:custGeom>
@@ -3950,7 +3950,7 @@
           </p:nvSpPr>
           <p:spPr>
             <a:xfrm>
-              <a:off x="3644594" y="2930595"/>
+              <a:off x="3340287" y="2930532"/>
               <a:ext cx="63202" cy="63202"/>
             </a:xfrm>
             <a:custGeom>
@@ -3993,7 +3993,7 @@
           </p:nvSpPr>
           <p:spPr>
             <a:xfrm>
-              <a:off x="3554834" y="2929770"/>
+              <a:off x="3387378" y="2929646"/>
               <a:ext cx="63202" cy="63202"/>
             </a:xfrm>
             <a:custGeom>
@@ -4036,7 +4036,7 @@
           </p:nvSpPr>
           <p:spPr>
             <a:xfrm>
-              <a:off x="3118659" y="2547216"/>
+              <a:off x="2538342" y="2547173"/>
               <a:ext cx="63202" cy="63202"/>
             </a:xfrm>
             <a:custGeom>
@@ -4079,7 +4079,7 @@
           </p:nvSpPr>
           <p:spPr>
             <a:xfrm>
-              <a:off x="3057254" y="2553802"/>
+              <a:off x="2785841" y="2553588"/>
               <a:ext cx="63202" cy="63202"/>
             </a:xfrm>
             <a:custGeom>
@@ -4122,7 +4122,7 @@
           </p:nvSpPr>
           <p:spPr>
             <a:xfrm>
-              <a:off x="3957476" y="2903269"/>
+              <a:off x="3927941" y="2903133"/>
               <a:ext cx="63202" cy="63202"/>
             </a:xfrm>
             <a:custGeom>
@@ -4165,7 +4165,7 @@
           </p:nvSpPr>
           <p:spPr>
             <a:xfrm>
-              <a:off x="3680791" y="2938597"/>
+              <a:off x="3807054" y="2938479"/>
               <a:ext cx="63202" cy="63202"/>
             </a:xfrm>
             <a:custGeom>
@@ -4208,7 +4208,7 @@
           </p:nvSpPr>
           <p:spPr>
             <a:xfrm>
-              <a:off x="3859672" y="2913838"/>
+              <a:off x="3674019" y="2913660"/>
               <a:ext cx="63202" cy="63202"/>
             </a:xfrm>
             <a:custGeom>
@@ -4251,7 +4251,7 @@
           </p:nvSpPr>
           <p:spPr>
             <a:xfrm>
-              <a:off x="3059945" y="2693939"/>
+              <a:off x="3108505" y="2693861"/>
               <a:ext cx="63202" cy="63202"/>
             </a:xfrm>
             <a:custGeom>
@@ -4294,7 +4294,7 @@
           </p:nvSpPr>
           <p:spPr>
             <a:xfrm>
-              <a:off x="2760196" y="2703745"/>
+              <a:off x="3033185" y="2703636"/>
               <a:ext cx="63202" cy="63202"/>
             </a:xfrm>
             <a:custGeom>
@@ -4337,7 +4337,7 @@
           </p:nvSpPr>
           <p:spPr>
             <a:xfrm>
-              <a:off x="2989590" y="2611378"/>
+              <a:off x="2833973" y="2611204"/>
               <a:ext cx="63202" cy="63202"/>
             </a:xfrm>
             <a:custGeom>
@@ -4380,7 +4380,7 @@
           </p:nvSpPr>
           <p:spPr>
             <a:xfrm>
-              <a:off x="2203311" y="2500839"/>
+              <a:off x="1597491" y="2500787"/>
               <a:ext cx="63202" cy="63202"/>
             </a:xfrm>
             <a:custGeom>
@@ -4423,7 +4423,7 @@
           </p:nvSpPr>
           <p:spPr>
             <a:xfrm>
-              <a:off x="1580362" y="2504359"/>
+              <a:off x="2075868" y="2504279"/>
               <a:ext cx="63202" cy="63202"/>
             </a:xfrm>
             <a:custGeom>
@@ -4466,7 +4466,7 @@
           </p:nvSpPr>
           <p:spPr>
             <a:xfrm>
-              <a:off x="1672928" y="2506004"/>
+              <a:off x="1668898" y="2505954"/>
               <a:ext cx="63202" cy="63202"/>
             </a:xfrm>
             <a:custGeom>
@@ -4509,7 +4509,7 @@
           </p:nvSpPr>
           <p:spPr>
             <a:xfrm>
-              <a:off x="3306581" y="2856665"/>
+              <a:off x="4005770" y="2856509"/>
               <a:ext cx="63202" cy="63202"/>
             </a:xfrm>
             <a:custGeom>
@@ -4552,7 +4552,7 @@
           </p:nvSpPr>
           <p:spPr>
             <a:xfrm>
-              <a:off x="3519839" y="2902998"/>
+              <a:off x="3449275" y="2902850"/>
               <a:ext cx="63202" cy="63202"/>
             </a:xfrm>
             <a:custGeom>
@@ -4595,7 +4595,7 @@
           </p:nvSpPr>
           <p:spPr>
             <a:xfrm>
-              <a:off x="1976354" y="2391383"/>
+              <a:off x="2203211" y="2391243"/>
               <a:ext cx="63202" cy="63202"/>
             </a:xfrm>
             <a:custGeom>
@@ -4638,7 +4638,7 @@
           </p:nvSpPr>
           <p:spPr>
             <a:xfrm>
-              <a:off x="3445932" y="2861003"/>
+              <a:off x="3961778" y="2860914"/>
               <a:ext cx="63202" cy="63202"/>
             </a:xfrm>
             <a:custGeom>
@@ -4681,7 +4681,7 @@
           </p:nvSpPr>
           <p:spPr>
             <a:xfrm>
-              <a:off x="3021604" y="2589170"/>
+              <a:off x="2952665" y="2589104"/>
               <a:ext cx="63202" cy="63202"/>
             </a:xfrm>
             <a:custGeom>
@@ -4724,7 +4724,7 @@
           </p:nvSpPr>
           <p:spPr>
             <a:xfrm>
-              <a:off x="2960118" y="2655779"/>
+              <a:off x="2538566" y="2655778"/>
               <a:ext cx="63202" cy="63202"/>
             </a:xfrm>
             <a:custGeom>
@@ -4767,7 +4767,7 @@
           </p:nvSpPr>
           <p:spPr>
             <a:xfrm>
-              <a:off x="3654635" y="2540573"/>
+              <a:off x="3492268" y="2540531"/>
               <a:ext cx="63202" cy="63202"/>
             </a:xfrm>
             <a:custGeom>
@@ -4810,7 +4810,7 @@
           </p:nvSpPr>
           <p:spPr>
             <a:xfrm>
-              <a:off x="2091577" y="2506717"/>
+              <a:off x="1707162" y="2506656"/>
               <a:ext cx="63202" cy="63202"/>
             </a:xfrm>
             <a:custGeom>
@@ -4909,7 +4909,7 @@
           </p:nvSpPr>
           <p:spPr>
             <a:xfrm>
-              <a:off x="1397280" y="4924075"/>
+              <a:off x="1397280" y="4923934"/>
               <a:ext cx="2817450" cy="0"/>
             </a:xfrm>
             <a:custGeom>
@@ -4952,7 +4952,7 @@
           </p:nvSpPr>
           <p:spPr>
             <a:xfrm>
-              <a:off x="1397280" y="4502229"/>
+              <a:off x="1397280" y="4502167"/>
               <a:ext cx="2817450" cy="0"/>
             </a:xfrm>
             <a:custGeom>
@@ -4995,7 +4995,7 @@
           </p:nvSpPr>
           <p:spPr>
             <a:xfrm>
-              <a:off x="1397280" y="4080383"/>
+              <a:off x="1397280" y="4080401"/>
               <a:ext cx="2817450" cy="0"/>
             </a:xfrm>
             <a:custGeom>
@@ -5038,7 +5038,7 @@
           </p:nvSpPr>
           <p:spPr>
             <a:xfrm>
-              <a:off x="1397280" y="3658538"/>
+              <a:off x="1397280" y="3658634"/>
               <a:ext cx="2817450" cy="0"/>
             </a:xfrm>
             <a:custGeom>
@@ -5081,7 +5081,7 @@
           </p:nvSpPr>
           <p:spPr>
             <a:xfrm>
-              <a:off x="1397280" y="4713152"/>
+              <a:off x="1397280" y="4713051"/>
               <a:ext cx="2817450" cy="0"/>
             </a:xfrm>
             <a:custGeom>
@@ -5124,7 +5124,7 @@
           </p:nvSpPr>
           <p:spPr>
             <a:xfrm>
-              <a:off x="1397280" y="4291306"/>
+              <a:off x="1397280" y="4291284"/>
               <a:ext cx="2817450" cy="0"/>
             </a:xfrm>
             <a:custGeom>
@@ -5167,7 +5167,7 @@
           </p:nvSpPr>
           <p:spPr>
             <a:xfrm>
-              <a:off x="1397280" y="3869460"/>
+              <a:off x="1397280" y="3869517"/>
               <a:ext cx="2817450" cy="0"/>
             </a:xfrm>
             <a:custGeom>
@@ -5210,7 +5210,7 @@
           </p:nvSpPr>
           <p:spPr>
             <a:xfrm>
-              <a:off x="1397280" y="3447615"/>
+              <a:off x="1397280" y="3447750"/>
               <a:ext cx="2817450" cy="0"/>
             </a:xfrm>
             <a:custGeom>
@@ -5382,7 +5382,7 @@
           </p:nvSpPr>
           <p:spPr>
             <a:xfrm>
-              <a:off x="2754180" y="4690413"/>
+              <a:off x="3002331" y="4690333"/>
               <a:ext cx="63202" cy="63202"/>
             </a:xfrm>
             <a:custGeom>
@@ -5425,7 +5425,7 @@
           </p:nvSpPr>
           <p:spPr>
             <a:xfrm>
-              <a:off x="2815629" y="4656107"/>
+              <a:off x="2922576" y="4655992"/>
               <a:ext cx="63202" cy="63202"/>
             </a:xfrm>
             <a:custGeom>
@@ -5468,7 +5468,7 @@
           </p:nvSpPr>
           <p:spPr>
             <a:xfrm>
-              <a:off x="3125085" y="4693373"/>
+              <a:off x="3034691" y="4693343"/>
               <a:ext cx="63202" cy="63202"/>
             </a:xfrm>
             <a:custGeom>
@@ -5511,7 +5511,7 @@
           </p:nvSpPr>
           <p:spPr>
             <a:xfrm>
-              <a:off x="2847318" y="4709769"/>
+              <a:off x="2592194" y="4709703"/>
               <a:ext cx="63202" cy="63202"/>
             </a:xfrm>
             <a:custGeom>
@@ -5554,7 +5554,7 @@
           </p:nvSpPr>
           <p:spPr>
             <a:xfrm>
-              <a:off x="3060028" y="4692508"/>
+              <a:off x="2610143" y="4692368"/>
               <a:ext cx="63202" cy="63202"/>
             </a:xfrm>
             <a:custGeom>
@@ -5597,7 +5597,7 @@
           </p:nvSpPr>
           <p:spPr>
             <a:xfrm>
-              <a:off x="2422652" y="4710067"/>
+              <a:off x="2697196" y="4709890"/>
               <a:ext cx="63202" cy="63202"/>
             </a:xfrm>
             <a:custGeom>
@@ -5640,7 +5640,7 @@
           </p:nvSpPr>
           <p:spPr>
             <a:xfrm>
-              <a:off x="3366050" y="4791266"/>
+              <a:off x="3692784" y="4791067"/>
               <a:ext cx="63202" cy="63202"/>
             </a:xfrm>
             <a:custGeom>
@@ -5683,7 +5683,7 @@
           </p:nvSpPr>
           <p:spPr>
             <a:xfrm>
-              <a:off x="2455497" y="4669715"/>
+              <a:off x="2750047" y="4669579"/>
               <a:ext cx="63202" cy="63202"/>
             </a:xfrm>
             <a:custGeom>
@@ -5726,7 +5726,7 @@
           </p:nvSpPr>
           <p:spPr>
             <a:xfrm>
-              <a:off x="3619362" y="4850315"/>
+              <a:off x="3414021" y="4850110"/>
               <a:ext cx="63202" cy="63202"/>
             </a:xfrm>
             <a:custGeom>
@@ -5769,7 +5769,7 @@
           </p:nvSpPr>
           <p:spPr>
             <a:xfrm>
-              <a:off x="3535662" y="4870140"/>
+              <a:off x="3878962" y="4869962"/>
               <a:ext cx="63202" cy="63202"/>
             </a:xfrm>
             <a:custGeom>
@@ -5812,7 +5812,7 @@
           </p:nvSpPr>
           <p:spPr>
             <a:xfrm>
-              <a:off x="3383101" y="4836838"/>
+              <a:off x="3807787" y="4836672"/>
               <a:ext cx="63202" cy="63202"/>
             </a:xfrm>
             <a:custGeom>
@@ -5855,7 +5855,7 @@
           </p:nvSpPr>
           <p:spPr>
             <a:xfrm>
-              <a:off x="2639783" y="4605185"/>
+              <a:off x="2985290" y="4605189"/>
               <a:ext cx="63202" cy="63202"/>
             </a:xfrm>
             <a:custGeom>
@@ -5898,7 +5898,7 @@
           </p:nvSpPr>
           <p:spPr>
             <a:xfrm>
-              <a:off x="3067085" y="4700476"/>
+              <a:off x="2965899" y="4700449"/>
               <a:ext cx="63202" cy="63202"/>
             </a:xfrm>
             <a:custGeom>
@@ -5941,7 +5941,7 @@
           </p:nvSpPr>
           <p:spPr>
             <a:xfrm>
-              <a:off x="3860313" y="4802758"/>
+              <a:off x="3512592" y="4802788"/>
               <a:ext cx="63202" cy="63202"/>
             </a:xfrm>
             <a:custGeom>
@@ -5984,7 +5984,7 @@
           </p:nvSpPr>
           <p:spPr>
             <a:xfrm>
-              <a:off x="2176705" y="4334392"/>
+              <a:off x="1927309" y="4334374"/>
               <a:ext cx="63202" cy="63202"/>
             </a:xfrm>
             <a:custGeom>
@@ -6027,7 +6027,7 @@
           </p:nvSpPr>
           <p:spPr>
             <a:xfrm>
-              <a:off x="1594500" y="4318307"/>
+              <a:off x="1782590" y="4318352"/>
               <a:ext cx="63202" cy="63202"/>
             </a:xfrm>
             <a:custGeom>
@@ -6070,7 +6070,7 @@
           </p:nvSpPr>
           <p:spPr>
             <a:xfrm>
-              <a:off x="2004837" y="4252814"/>
+              <a:off x="1959934" y="4252785"/>
               <a:ext cx="63202" cy="63202"/>
             </a:xfrm>
             <a:custGeom>
@@ -6113,7 +6113,7 @@
           </p:nvSpPr>
           <p:spPr>
             <a:xfrm>
-              <a:off x="3479831" y="4802987"/>
+              <a:off x="3666564" y="4802938"/>
               <a:ext cx="63202" cy="63202"/>
             </a:xfrm>
             <a:custGeom>
@@ -6156,7 +6156,7 @@
           </p:nvSpPr>
           <p:spPr>
             <a:xfrm>
-              <a:off x="2581752" y="4683838"/>
+              <a:off x="2776541" y="4683701"/>
               <a:ext cx="63202" cy="63202"/>
             </a:xfrm>
             <a:custGeom>
@@ -6199,7 +6199,7 @@
           </p:nvSpPr>
           <p:spPr>
             <a:xfrm>
-              <a:off x="2898164" y="4687670"/>
+              <a:off x="2562668" y="4687536"/>
               <a:ext cx="63202" cy="63202"/>
             </a:xfrm>
             <a:custGeom>
@@ -6242,7 +6242,7 @@
           </p:nvSpPr>
           <p:spPr>
             <a:xfrm>
-              <a:off x="3493850" y="4737011"/>
+              <a:off x="3456981" y="4736925"/>
               <a:ext cx="63202" cy="63202"/>
             </a:xfrm>
             <a:custGeom>
@@ -6341,7 +6341,7 @@
           </p:nvSpPr>
           <p:spPr>
             <a:xfrm>
-              <a:off x="1397280" y="6849408"/>
+              <a:off x="1397280" y="6849267"/>
               <a:ext cx="2817450" cy="0"/>
             </a:xfrm>
             <a:custGeom>
@@ -6384,7 +6384,7 @@
           </p:nvSpPr>
           <p:spPr>
             <a:xfrm>
-              <a:off x="1397280" y="6427562"/>
+              <a:off x="1397280" y="6427500"/>
               <a:ext cx="2817450" cy="0"/>
             </a:xfrm>
             <a:custGeom>
@@ -6427,7 +6427,7 @@
           </p:nvSpPr>
           <p:spPr>
             <a:xfrm>
-              <a:off x="1397280" y="6005716"/>
+              <a:off x="1397280" y="6005733"/>
               <a:ext cx="2817450" cy="0"/>
             </a:xfrm>
             <a:custGeom>
@@ -6470,7 +6470,7 @@
           </p:nvSpPr>
           <p:spPr>
             <a:xfrm>
-              <a:off x="1397280" y="5583870"/>
+              <a:off x="1397280" y="5583966"/>
               <a:ext cx="2817450" cy="0"/>
             </a:xfrm>
             <a:custGeom>
@@ -6513,7 +6513,7 @@
           </p:nvSpPr>
           <p:spPr>
             <a:xfrm>
-              <a:off x="1397280" y="6638485"/>
+              <a:off x="1397280" y="6638383"/>
               <a:ext cx="2817450" cy="0"/>
             </a:xfrm>
             <a:custGeom>
@@ -6556,7 +6556,7 @@
           </p:nvSpPr>
           <p:spPr>
             <a:xfrm>
-              <a:off x="1397280" y="6216639"/>
+              <a:off x="1397280" y="6216617"/>
               <a:ext cx="2817450" cy="0"/>
             </a:xfrm>
             <a:custGeom>
@@ -6599,7 +6599,7 @@
           </p:nvSpPr>
           <p:spPr>
             <a:xfrm>
-              <a:off x="1397280" y="5794793"/>
+              <a:off x="1397280" y="5794850"/>
               <a:ext cx="2817450" cy="0"/>
             </a:xfrm>
             <a:custGeom>
@@ -6642,7 +6642,7 @@
           </p:nvSpPr>
           <p:spPr>
             <a:xfrm>
-              <a:off x="1397280" y="5372947"/>
+              <a:off x="1397280" y="5373083"/>
               <a:ext cx="2817450" cy="0"/>
             </a:xfrm>
             <a:custGeom>
@@ -6814,7 +6814,7 @@
           </p:nvSpPr>
           <p:spPr>
             <a:xfrm>
-              <a:off x="1624090" y="6210091"/>
+              <a:off x="1848605" y="6210065"/>
               <a:ext cx="63202" cy="63202"/>
             </a:xfrm>
             <a:custGeom>
@@ -6857,7 +6857,7 @@
           </p:nvSpPr>
           <p:spPr>
             <a:xfrm>
-              <a:off x="2210894" y="6263121"/>
+              <a:off x="1725940" y="6263082"/>
               <a:ext cx="63202" cy="63202"/>
             </a:xfrm>
             <a:custGeom>
@@ -6900,7 +6900,7 @@
           </p:nvSpPr>
           <p:spPr>
             <a:xfrm>
-              <a:off x="1812652" y="6256779"/>
+              <a:off x="2044159" y="6256752"/>
               <a:ext cx="63202" cy="63202"/>
             </a:xfrm>
             <a:custGeom>
@@ -6943,7 +6943,7 @@
           </p:nvSpPr>
           <p:spPr>
             <a:xfrm>
-              <a:off x="1618800" y="6254487"/>
+              <a:off x="1971797" y="6254367"/>
               <a:ext cx="63202" cy="63202"/>
             </a:xfrm>
             <a:custGeom>
@@ -6986,7 +6986,7 @@
           </p:nvSpPr>
           <p:spPr>
             <a:xfrm>
-              <a:off x="3390677" y="6782604"/>
+              <a:off x="3525495" y="6782532"/>
               <a:ext cx="63202" cy="63202"/>
             </a:xfrm>
             <a:custGeom>
@@ -7029,7 +7029,7 @@
           </p:nvSpPr>
           <p:spPr>
             <a:xfrm>
-              <a:off x="2106365" y="6340723"/>
+              <a:off x="1915070" y="6340707"/>
               <a:ext cx="63202" cy="63202"/>
             </a:xfrm>
             <a:custGeom>
@@ -7072,7 +7072,7 @@
           </p:nvSpPr>
           <p:spPr>
             <a:xfrm>
-              <a:off x="1977449" y="6222937"/>
+              <a:off x="2193394" y="6222984"/>
               <a:ext cx="63202" cy="63202"/>
             </a:xfrm>
             <a:custGeom>
@@ -7115,7 +7115,7 @@
           </p:nvSpPr>
           <p:spPr>
             <a:xfrm>
-              <a:off x="1753236" y="6232337"/>
+              <a:off x="1583575" y="6232263"/>
               <a:ext cx="63202" cy="63202"/>
             </a:xfrm>
             <a:custGeom>
@@ -7158,7 +7158,7 @@
           </p:nvSpPr>
           <p:spPr>
             <a:xfrm>
-              <a:off x="1760547" y="6329977"/>
+              <a:off x="1873954" y="6329976"/>
               <a:ext cx="63202" cy="63202"/>
             </a:xfrm>
             <a:custGeom>
@@ -7201,7 +7201,7 @@
           </p:nvSpPr>
           <p:spPr>
             <a:xfrm>
-              <a:off x="1943317" y="6260123"/>
+              <a:off x="2218228" y="6260098"/>
               <a:ext cx="63202" cy="63202"/>
             </a:xfrm>
             <a:custGeom>
@@ -7244,7 +7244,7 @@
           </p:nvSpPr>
           <p:spPr>
             <a:xfrm>
-              <a:off x="2097480" y="6388442"/>
+              <a:off x="1580110" y="6388224"/>
               <a:ext cx="63202" cy="63202"/>
             </a:xfrm>
             <a:custGeom>
@@ -7287,7 +7287,7 @@
           </p:nvSpPr>
           <p:spPr>
             <a:xfrm>
-              <a:off x="2630444" y="6352700"/>
+              <a:off x="2811634" y="6352649"/>
               <a:ext cx="63202" cy="63202"/>
             </a:xfrm>
             <a:custGeom>
@@ -7330,7 +7330,7 @@
           </p:nvSpPr>
           <p:spPr>
             <a:xfrm>
-              <a:off x="1929067" y="6232302"/>
+              <a:off x="2109682" y="6232209"/>
               <a:ext cx="63202" cy="63202"/>
             </a:xfrm>
             <a:custGeom>
@@ -7373,7 +7373,7 @@
           </p:nvSpPr>
           <p:spPr>
             <a:xfrm>
-              <a:off x="1683964" y="6376378"/>
+              <a:off x="2136800" y="6376344"/>
               <a:ext cx="63202" cy="63202"/>
             </a:xfrm>
             <a:custGeom>
@@ -7416,7 +7416,7 @@
           </p:nvSpPr>
           <p:spPr>
             <a:xfrm>
-              <a:off x="2799914" y="6399617"/>
+              <a:off x="2774496" y="6399501"/>
               <a:ext cx="63202" cy="63202"/>
             </a:xfrm>
             <a:custGeom>
@@ -7459,7 +7459,7 @@
           </p:nvSpPr>
           <p:spPr>
             <a:xfrm>
-              <a:off x="2052513" y="6360488"/>
+              <a:off x="2036100" y="6360473"/>
               <a:ext cx="63202" cy="63202"/>
             </a:xfrm>
             <a:custGeom>
@@ -7502,7 +7502,7 @@
           </p:nvSpPr>
           <p:spPr>
             <a:xfrm>
-              <a:off x="2139550" y="6256516"/>
+              <a:off x="2129407" y="6256480"/>
               <a:ext cx="63202" cy="63202"/>
             </a:xfrm>
             <a:custGeom>
@@ -7545,7 +7545,7 @@
           </p:nvSpPr>
           <p:spPr>
             <a:xfrm>
-              <a:off x="1940246" y="6351485"/>
+              <a:off x="1785944" y="6351477"/>
               <a:ext cx="63202" cy="63202"/>
             </a:xfrm>
             <a:custGeom>
@@ -7588,7 +7588,7 @@
           </p:nvSpPr>
           <p:spPr>
             <a:xfrm>
-              <a:off x="1729143" y="6312247"/>
+              <a:off x="1931330" y="6312157"/>
               <a:ext cx="63202" cy="63202"/>
             </a:xfrm>
             <a:custGeom>
@@ -7631,7 +7631,7 @@
           </p:nvSpPr>
           <p:spPr>
             <a:xfrm>
-              <a:off x="2067023" y="6375540"/>
+              <a:off x="2033484" y="6375460"/>
               <a:ext cx="63202" cy="63202"/>
             </a:xfrm>
             <a:custGeom>
@@ -7674,7 +7674,7 @@
           </p:nvSpPr>
           <p:spPr>
             <a:xfrm>
-              <a:off x="3000505" y="6404249"/>
+              <a:off x="2950057" y="6404064"/>
               <a:ext cx="63202" cy="63202"/>
             </a:xfrm>
             <a:custGeom>
@@ -7717,7 +7717,7 @@
           </p:nvSpPr>
           <p:spPr>
             <a:xfrm>
-              <a:off x="1905894" y="6219847"/>
+              <a:off x="2239962" y="6219884"/>
               <a:ext cx="63202" cy="63202"/>
             </a:xfrm>
             <a:custGeom>
@@ -7760,7 +7760,7 @@
           </p:nvSpPr>
           <p:spPr>
             <a:xfrm>
-              <a:off x="1717795" y="6186889"/>
+              <a:off x="2236775" y="6186887"/>
               <a:ext cx="63202" cy="63202"/>
             </a:xfrm>
             <a:custGeom>
@@ -7803,7 +7803,7 @@
           </p:nvSpPr>
           <p:spPr>
             <a:xfrm>
-              <a:off x="2125741" y="6186311"/>
+              <a:off x="1960408" y="6186256"/>
               <a:ext cx="63202" cy="63202"/>
             </a:xfrm>
             <a:custGeom>
@@ -7846,7 +7846,7 @@
           </p:nvSpPr>
           <p:spPr>
             <a:xfrm>
-              <a:off x="1979971" y="6216505"/>
+              <a:off x="1940755" y="6216459"/>
               <a:ext cx="63202" cy="63202"/>
             </a:xfrm>
             <a:custGeom>
@@ -7889,7 +7889,7 @@
           </p:nvSpPr>
           <p:spPr>
             <a:xfrm>
-              <a:off x="2922489" y="6539335"/>
+              <a:off x="2827840" y="6539362"/>
               <a:ext cx="63202" cy="63202"/>
             </a:xfrm>
             <a:custGeom>
@@ -7932,7 +7932,7 @@
           </p:nvSpPr>
           <p:spPr>
             <a:xfrm>
-              <a:off x="2113497" y="6099431"/>
+              <a:off x="1951591" y="6099469"/>
               <a:ext cx="63202" cy="63202"/>
             </a:xfrm>
             <a:custGeom>
@@ -7975,7 +7975,7 @@
           </p:nvSpPr>
           <p:spPr>
             <a:xfrm>
-              <a:off x="1832978" y="6302152"/>
+              <a:off x="1858037" y="6302042"/>
               <a:ext cx="63202" cy="63202"/>
             </a:xfrm>
             <a:custGeom>
@@ -8018,7 +8018,7 @@
           </p:nvSpPr>
           <p:spPr>
             <a:xfrm>
-              <a:off x="1688489" y="6328715"/>
+              <a:off x="2218599" y="6328606"/>
               <a:ext cx="63202" cy="63202"/>
             </a:xfrm>
             <a:custGeom>
@@ -8061,7 +8061,7 @@
           </p:nvSpPr>
           <p:spPr>
             <a:xfrm>
-              <a:off x="1705767" y="6213338"/>
+              <a:off x="1888000" y="6213201"/>
               <a:ext cx="63202" cy="63202"/>
             </a:xfrm>
             <a:custGeom>
@@ -8104,7 +8104,7 @@
           </p:nvSpPr>
           <p:spPr>
             <a:xfrm>
-              <a:off x="1688694" y="6266521"/>
+              <a:off x="2156010" y="6266402"/>
               <a:ext cx="63202" cy="63202"/>
             </a:xfrm>
             <a:custGeom>
@@ -8147,7 +8147,7 @@
           </p:nvSpPr>
           <p:spPr>
             <a:xfrm>
-              <a:off x="1969012" y="6253106"/>
+              <a:off x="1646970" y="6253178"/>
               <a:ext cx="63202" cy="63202"/>
             </a:xfrm>
             <a:custGeom>
@@ -8190,7 +8190,7 @@
           </p:nvSpPr>
           <p:spPr>
             <a:xfrm>
-              <a:off x="3726209" y="6745074"/>
+              <a:off x="3780523" y="6744947"/>
               <a:ext cx="63202" cy="63202"/>
             </a:xfrm>
             <a:custGeom>
@@ -8233,7 +8233,7 @@
           </p:nvSpPr>
           <p:spPr>
             <a:xfrm>
-              <a:off x="1616612" y="6287812"/>
+              <a:off x="1572184" y="6287742"/>
               <a:ext cx="63202" cy="63202"/>
             </a:xfrm>
             <a:custGeom>
@@ -8276,7 +8276,7 @@
           </p:nvSpPr>
           <p:spPr>
             <a:xfrm>
-              <a:off x="1930288" y="6329567"/>
+              <a:off x="2153815" y="6329517"/>
               <a:ext cx="63202" cy="63202"/>
             </a:xfrm>
             <a:custGeom>
@@ -8319,7 +8319,7 @@
           </p:nvSpPr>
           <p:spPr>
             <a:xfrm>
-              <a:off x="2998236" y="6637513"/>
+              <a:off x="2965991" y="6637329"/>
               <a:ext cx="63202" cy="63202"/>
             </a:xfrm>
             <a:custGeom>
@@ -8362,7 +8362,7 @@
           </p:nvSpPr>
           <p:spPr>
             <a:xfrm>
-              <a:off x="1926851" y="6163686"/>
+              <a:off x="1544800" y="6163667"/>
               <a:ext cx="63202" cy="63202"/>
             </a:xfrm>
             <a:custGeom>
@@ -8405,7 +8405,7 @@
           </p:nvSpPr>
           <p:spPr>
             <a:xfrm>
-              <a:off x="1568709" y="6253928"/>
+              <a:off x="2136919" y="6253959"/>
               <a:ext cx="63202" cy="63202"/>
             </a:xfrm>
             <a:custGeom>
@@ -8448,7 +8448,7 @@
           </p:nvSpPr>
           <p:spPr>
             <a:xfrm>
-              <a:off x="1588478" y="6215376"/>
+              <a:off x="1740384" y="6215328"/>
               <a:ext cx="63202" cy="63202"/>
             </a:xfrm>
             <a:custGeom>
@@ -8491,7 +8491,7 @@
           </p:nvSpPr>
           <p:spPr>
             <a:xfrm>
-              <a:off x="2539121" y="6423543"/>
+              <a:off x="2524495" y="6423544"/>
               <a:ext cx="63202" cy="63202"/>
             </a:xfrm>
             <a:custGeom>
@@ -8534,7 +8534,7 @@
           </p:nvSpPr>
           <p:spPr>
             <a:xfrm>
-              <a:off x="2051743" y="6239741"/>
+              <a:off x="1932133" y="6239693"/>
               <a:ext cx="63202" cy="63202"/>
             </a:xfrm>
             <a:custGeom>
@@ -8577,7 +8577,7 @@
           </p:nvSpPr>
           <p:spPr>
             <a:xfrm>
-              <a:off x="2017032" y="6275088"/>
+              <a:off x="1666127" y="6274991"/>
               <a:ext cx="63202" cy="63202"/>
             </a:xfrm>
             <a:custGeom>
@@ -8620,7 +8620,7 @@
           </p:nvSpPr>
           <p:spPr>
             <a:xfrm>
-              <a:off x="2679303" y="6512877"/>
+              <a:off x="2446260" y="6512803"/>
               <a:ext cx="63202" cy="63202"/>
             </a:xfrm>
             <a:custGeom>
@@ -8663,7 +8663,7 @@
           </p:nvSpPr>
           <p:spPr>
             <a:xfrm>
-              <a:off x="2170000" y="6298276"/>
+              <a:off x="1747494" y="6298257"/>
               <a:ext cx="63202" cy="63202"/>
             </a:xfrm>
             <a:custGeom>
@@ -8706,7 +8706,7 @@
           </p:nvSpPr>
           <p:spPr>
             <a:xfrm>
-              <a:off x="2092006" y="6280152"/>
+              <a:off x="1671651" y="6280117"/>
               <a:ext cx="63202" cy="63202"/>
             </a:xfrm>
             <a:custGeom>
@@ -8749,7 +8749,7 @@
           </p:nvSpPr>
           <p:spPr>
             <a:xfrm>
-              <a:off x="1873610" y="6247905"/>
+              <a:off x="2130371" y="6247843"/>
               <a:ext cx="63202" cy="63202"/>
             </a:xfrm>
             <a:custGeom>
@@ -8792,7 +8792,7 @@
           </p:nvSpPr>
           <p:spPr>
             <a:xfrm>
-              <a:off x="1608055" y="6218774"/>
+              <a:off x="2130821" y="6218776"/>
               <a:ext cx="63202" cy="63202"/>
             </a:xfrm>
             <a:custGeom>
@@ -8835,7 +8835,7 @@
           </p:nvSpPr>
           <p:spPr>
             <a:xfrm>
-              <a:off x="2011667" y="6292195"/>
+              <a:off x="1914180" y="6292208"/>
               <a:ext cx="63202" cy="63202"/>
             </a:xfrm>
             <a:custGeom>
@@ -8878,7 +8878,7 @@
           </p:nvSpPr>
           <p:spPr>
             <a:xfrm>
-              <a:off x="1868224" y="6326417"/>
+              <a:off x="2188138" y="6326328"/>
               <a:ext cx="63202" cy="63202"/>
             </a:xfrm>
             <a:custGeom>
@@ -8921,7 +8921,7 @@
           </p:nvSpPr>
           <p:spPr>
             <a:xfrm>
-              <a:off x="2710075" y="6462555"/>
+              <a:off x="2623208" y="6462606"/>
               <a:ext cx="63202" cy="63202"/>
             </a:xfrm>
             <a:custGeom>
@@ -8964,7 +8964,7 @@
           </p:nvSpPr>
           <p:spPr>
             <a:xfrm>
-              <a:off x="1813496" y="6259477"/>
+              <a:off x="1751300" y="6259400"/>
               <a:ext cx="63202" cy="63202"/>
             </a:xfrm>
             <a:custGeom>
@@ -9007,7 +9007,7 @@
           </p:nvSpPr>
           <p:spPr>
             <a:xfrm>
-              <a:off x="1882514" y="6324230"/>
+              <a:off x="1790695" y="6324279"/>
               <a:ext cx="63202" cy="63202"/>
             </a:xfrm>
             <a:custGeom>
@@ -9050,7 +9050,7 @@
           </p:nvSpPr>
           <p:spPr>
             <a:xfrm>
-              <a:off x="1946463" y="6163682"/>
+              <a:off x="1765162" y="6163749"/>
               <a:ext cx="63202" cy="63202"/>
             </a:xfrm>
             <a:custGeom>
@@ -9093,7 +9093,7 @@
           </p:nvSpPr>
           <p:spPr>
             <a:xfrm>
-              <a:off x="2452912" y="6423531"/>
+              <a:off x="2770913" y="6423468"/>
               <a:ext cx="63202" cy="63202"/>
             </a:xfrm>
             <a:custGeom>
@@ -9136,7 +9136,7 @@
           </p:nvSpPr>
           <p:spPr>
             <a:xfrm>
-              <a:off x="2186361" y="6228936"/>
+              <a:off x="2177901" y="6228844"/>
               <a:ext cx="63202" cy="63202"/>
             </a:xfrm>
             <a:custGeom>
@@ -9179,7 +9179,7 @@
           </p:nvSpPr>
           <p:spPr>
             <a:xfrm>
-              <a:off x="2142372" y="6208626"/>
+              <a:off x="1916048" y="6208651"/>
               <a:ext cx="63202" cy="63202"/>
             </a:xfrm>
             <a:custGeom>
@@ -9222,7 +9222,7 @@
           </p:nvSpPr>
           <p:spPr>
             <a:xfrm>
-              <a:off x="2044913" y="6208718"/>
+              <a:off x="2153912" y="6208602"/>
               <a:ext cx="63202" cy="63202"/>
             </a:xfrm>
             <a:custGeom>
@@ -9265,7 +9265,7 @@
           </p:nvSpPr>
           <p:spPr>
             <a:xfrm>
-              <a:off x="1570406" y="6208677"/>
+              <a:off x="1883079" y="6208708"/>
               <a:ext cx="63202" cy="63202"/>
             </a:xfrm>
             <a:custGeom>
@@ -9308,7 +9308,7 @@
           </p:nvSpPr>
           <p:spPr>
             <a:xfrm>
-              <a:off x="2242652" y="6211056"/>
+              <a:off x="2130161" y="6210964"/>
               <a:ext cx="63202" cy="63202"/>
             </a:xfrm>
             <a:custGeom>
@@ -9351,7 +9351,7 @@
           </p:nvSpPr>
           <p:spPr>
             <a:xfrm>
-              <a:off x="1577155" y="6208614"/>
+              <a:off x="2239652" y="6208714"/>
               <a:ext cx="63202" cy="63202"/>
             </a:xfrm>
             <a:custGeom>
@@ -9394,7 +9394,7 @@
           </p:nvSpPr>
           <p:spPr>
             <a:xfrm>
-              <a:off x="1976852" y="6178144"/>
+              <a:off x="1722841" y="6178130"/>
               <a:ext cx="63202" cy="63202"/>
             </a:xfrm>
             <a:custGeom>
@@ -9437,7 +9437,7 @@
           </p:nvSpPr>
           <p:spPr>
             <a:xfrm>
-              <a:off x="1733405" y="6157895"/>
+              <a:off x="1754112" y="6157791"/>
               <a:ext cx="63202" cy="63202"/>
             </a:xfrm>
             <a:custGeom>
@@ -9480,7 +9480,7 @@
           </p:nvSpPr>
           <p:spPr>
             <a:xfrm>
-              <a:off x="2666600" y="6572425"/>
+              <a:off x="2962303" y="6572475"/>
               <a:ext cx="63202" cy="63202"/>
             </a:xfrm>
             <a:custGeom>
@@ -9523,7 +9523,7 @@
           </p:nvSpPr>
           <p:spPr>
             <a:xfrm>
-              <a:off x="1643770" y="6228853"/>
+              <a:off x="1734831" y="6228866"/>
               <a:ext cx="63202" cy="63202"/>
             </a:xfrm>
             <a:custGeom>
@@ -9566,7 +9566,7 @@
           </p:nvSpPr>
           <p:spPr>
             <a:xfrm>
-              <a:off x="2039302" y="6187952"/>
+              <a:off x="2122326" y="6187951"/>
               <a:ext cx="63202" cy="63202"/>
             </a:xfrm>
             <a:custGeom>
@@ -9609,7 +9609,7 @@
           </p:nvSpPr>
           <p:spPr>
             <a:xfrm>
-              <a:off x="1859839" y="6231591"/>
+              <a:off x="1908468" y="6231635"/>
               <a:ext cx="63202" cy="63202"/>
             </a:xfrm>
             <a:custGeom>
@@ -9652,7 +9652,7 @@
           </p:nvSpPr>
           <p:spPr>
             <a:xfrm>
-              <a:off x="2795940" y="6499441"/>
+              <a:off x="3070335" y="6499464"/>
               <a:ext cx="63202" cy="63202"/>
             </a:xfrm>
             <a:custGeom>
@@ -9695,7 +9695,7 @@
           </p:nvSpPr>
           <p:spPr>
             <a:xfrm>
-              <a:off x="2131479" y="6221170"/>
+              <a:off x="1991982" y="6221010"/>
               <a:ext cx="63202" cy="63202"/>
             </a:xfrm>
             <a:custGeom>
@@ -9738,7 +9738,7 @@
           </p:nvSpPr>
           <p:spPr>
             <a:xfrm>
-              <a:off x="1774202" y="6315308"/>
+              <a:off x="1827377" y="6315313"/>
               <a:ext cx="63202" cy="63202"/>
             </a:xfrm>
             <a:custGeom>
@@ -9781,7 +9781,7 @@
           </p:nvSpPr>
           <p:spPr>
             <a:xfrm>
-              <a:off x="1868442" y="6190585"/>
+              <a:off x="1858448" y="6190545"/>
               <a:ext cx="63202" cy="63202"/>
             </a:xfrm>
             <a:custGeom>
@@ -9824,7 +9824,7 @@
           </p:nvSpPr>
           <p:spPr>
             <a:xfrm>
-              <a:off x="1576118" y="6163300"/>
+              <a:off x="2048137" y="6163353"/>
               <a:ext cx="63202" cy="63202"/>
             </a:xfrm>
             <a:custGeom>
@@ -9867,7 +9867,7 @@
           </p:nvSpPr>
           <p:spPr>
             <a:xfrm>
-              <a:off x="1817238" y="6216127"/>
+              <a:off x="2011568" y="6216088"/>
               <a:ext cx="63202" cy="63202"/>
             </a:xfrm>
             <a:custGeom>
@@ -9910,7 +9910,7 @@
           </p:nvSpPr>
           <p:spPr>
             <a:xfrm>
-              <a:off x="1861950" y="6218349"/>
+              <a:off x="1758690" y="6218275"/>
               <a:ext cx="63202" cy="63202"/>
             </a:xfrm>
             <a:custGeom>
@@ -9953,7 +9953,7 @@
           </p:nvSpPr>
           <p:spPr>
             <a:xfrm>
-              <a:off x="1926298" y="6197860"/>
+              <a:off x="1692052" y="6197953"/>
               <a:ext cx="63202" cy="63202"/>
             </a:xfrm>
             <a:custGeom>
@@ -9996,7 +9996,7 @@
           </p:nvSpPr>
           <p:spPr>
             <a:xfrm>
-              <a:off x="1667397" y="6240372"/>
+              <a:off x="1763061" y="6240298"/>
               <a:ext cx="63202" cy="63202"/>
             </a:xfrm>
             <a:custGeom>
@@ -10039,7 +10039,7 @@
           </p:nvSpPr>
           <p:spPr>
             <a:xfrm>
-              <a:off x="1895030" y="6217080"/>
+              <a:off x="1729287" y="6217096"/>
               <a:ext cx="63202" cy="63202"/>
             </a:xfrm>
             <a:custGeom>
@@ -10082,7 +10082,7 @@
           </p:nvSpPr>
           <p:spPr>
             <a:xfrm>
-              <a:off x="1829829" y="6213435"/>
+              <a:off x="2220921" y="6213428"/>
               <a:ext cx="63202" cy="63202"/>
             </a:xfrm>
             <a:custGeom>
@@ -10125,7 +10125,7 @@
           </p:nvSpPr>
           <p:spPr>
             <a:xfrm>
-              <a:off x="1674378" y="6216519"/>
+              <a:off x="1555622" y="6216363"/>
               <a:ext cx="63202" cy="63202"/>
             </a:xfrm>
             <a:custGeom>
@@ -10168,7 +10168,7 @@
           </p:nvSpPr>
           <p:spPr>
             <a:xfrm>
-              <a:off x="2117371" y="6163723"/>
+              <a:off x="1762081" y="6163669"/>
               <a:ext cx="63202" cy="63202"/>
             </a:xfrm>
             <a:custGeom>
@@ -10211,7 +10211,7 @@
           </p:nvSpPr>
           <p:spPr>
             <a:xfrm>
-              <a:off x="1910920" y="6165192"/>
+              <a:off x="2202761" y="6165206"/>
               <a:ext cx="63202" cy="63202"/>
             </a:xfrm>
             <a:custGeom>
@@ -10254,7 +10254,7 @@
           </p:nvSpPr>
           <p:spPr>
             <a:xfrm>
-              <a:off x="2018233" y="6215542"/>
+              <a:off x="1940083" y="6215556"/>
               <a:ext cx="63202" cy="63202"/>
             </a:xfrm>
             <a:custGeom>
@@ -10297,7 +10297,7 @@
           </p:nvSpPr>
           <p:spPr>
             <a:xfrm>
-              <a:off x="2220506" y="6223274"/>
+              <a:off x="2139415" y="6223110"/>
               <a:ext cx="63202" cy="63202"/>
             </a:xfrm>
             <a:custGeom>
@@ -10340,7 +10340,7 @@
           </p:nvSpPr>
           <p:spPr>
             <a:xfrm>
-              <a:off x="2077432" y="6218561"/>
+              <a:off x="1758523" y="6218566"/>
               <a:ext cx="63202" cy="63202"/>
             </a:xfrm>
             <a:custGeom>
@@ -10383,7 +10383,7 @@
           </p:nvSpPr>
           <p:spPr>
             <a:xfrm>
-              <a:off x="2225593" y="6218814"/>
+              <a:off x="2097986" y="6218712"/>
               <a:ext cx="63202" cy="63202"/>
             </a:xfrm>
             <a:custGeom>
@@ -10426,7 +10426,7 @@
           </p:nvSpPr>
           <p:spPr>
             <a:xfrm>
-              <a:off x="1632862" y="6218374"/>
+              <a:off x="2134325" y="6218406"/>
               <a:ext cx="63202" cy="63202"/>
             </a:xfrm>
             <a:custGeom>
@@ -10469,7 +10469,7 @@
           </p:nvSpPr>
           <p:spPr>
             <a:xfrm>
-              <a:off x="2226996" y="6328653"/>
+              <a:off x="1678250" y="6328671"/>
               <a:ext cx="63202" cy="63202"/>
             </a:xfrm>
             <a:custGeom>
@@ -10512,7 +10512,7 @@
           </p:nvSpPr>
           <p:spPr>
             <a:xfrm>
-              <a:off x="1837007" y="6224515"/>
+              <a:off x="1992033" y="6224519"/>
               <a:ext cx="63202" cy="63202"/>
             </a:xfrm>
             <a:custGeom>
@@ -10555,7 +10555,7 @@
           </p:nvSpPr>
           <p:spPr>
             <a:xfrm>
-              <a:off x="1919461" y="6213952"/>
+              <a:off x="2214230" y="6213875"/>
               <a:ext cx="63202" cy="63202"/>
             </a:xfrm>
             <a:custGeom>
@@ -10598,7 +10598,7 @@
           </p:nvSpPr>
           <p:spPr>
             <a:xfrm>
-              <a:off x="1968227" y="6164514"/>
+              <a:off x="2199568" y="6164633"/>
               <a:ext cx="63202" cy="63202"/>
             </a:xfrm>
             <a:custGeom>
@@ -10641,7 +10641,7 @@
           </p:nvSpPr>
           <p:spPr>
             <a:xfrm>
-              <a:off x="2082661" y="6283140"/>
+              <a:off x="2090555" y="6282999"/>
               <a:ext cx="63202" cy="63202"/>
             </a:xfrm>
             <a:custGeom>
@@ -10684,7 +10684,7 @@
           </p:nvSpPr>
           <p:spPr>
             <a:xfrm>
-              <a:off x="3114203" y="6491150"/>
+              <a:off x="3033682" y="6491053"/>
               <a:ext cx="63202" cy="63202"/>
             </a:xfrm>
             <a:custGeom>
@@ -10727,7 +10727,7 @@
           </p:nvSpPr>
           <p:spPr>
             <a:xfrm>
-              <a:off x="2202284" y="6370921"/>
+              <a:off x="2159594" y="6370812"/>
               <a:ext cx="63202" cy="63202"/>
             </a:xfrm>
             <a:custGeom>
@@ -10770,7 +10770,7 @@
           </p:nvSpPr>
           <p:spPr>
             <a:xfrm>
-              <a:off x="2986956" y="6509164"/>
+              <a:off x="2950644" y="6509113"/>
               <a:ext cx="63202" cy="63202"/>
             </a:xfrm>
             <a:custGeom>
@@ -10813,7 +10813,7 @@
           </p:nvSpPr>
           <p:spPr>
             <a:xfrm>
-              <a:off x="2853928" y="6512188"/>
+              <a:off x="3029834" y="6512096"/>
               <a:ext cx="63202" cy="63202"/>
             </a:xfrm>
             <a:custGeom>
@@ -10856,7 +10856,7 @@
           </p:nvSpPr>
           <p:spPr>
             <a:xfrm>
-              <a:off x="1678444" y="6264134"/>
+              <a:off x="2032646" y="6264108"/>
               <a:ext cx="63202" cy="63202"/>
             </a:xfrm>
             <a:custGeom>
@@ -10899,7 +10899,7 @@
           </p:nvSpPr>
           <p:spPr>
             <a:xfrm>
-              <a:off x="1553515" y="6261380"/>
+              <a:off x="1548175" y="6261344"/>
               <a:ext cx="63202" cy="63202"/>
             </a:xfrm>
             <a:custGeom>
@@ -10942,7 +10942,7 @@
           </p:nvSpPr>
           <p:spPr>
             <a:xfrm>
-              <a:off x="1928385" y="6261319"/>
+              <a:off x="2098286" y="6261413"/>
               <a:ext cx="63202" cy="63202"/>
             </a:xfrm>
             <a:custGeom>
@@ -10985,7 +10985,7 @@
           </p:nvSpPr>
           <p:spPr>
             <a:xfrm>
-              <a:off x="1973684" y="6256340"/>
+              <a:off x="2118548" y="6256345"/>
               <a:ext cx="63202" cy="63202"/>
             </a:xfrm>
             <a:custGeom>
@@ -11028,7 +11028,7 @@
           </p:nvSpPr>
           <p:spPr>
             <a:xfrm>
-              <a:off x="2088697" y="6314988"/>
+              <a:off x="1644519" y="6314903"/>
               <a:ext cx="63202" cy="63202"/>
             </a:xfrm>
             <a:custGeom>
@@ -11071,7 +11071,7 @@
           </p:nvSpPr>
           <p:spPr>
             <a:xfrm>
-              <a:off x="2951406" y="6541971"/>
+              <a:off x="3125794" y="6541812"/>
               <a:ext cx="63202" cy="63202"/>
             </a:xfrm>
             <a:custGeom>
@@ -11114,7 +11114,7 @@
           </p:nvSpPr>
           <p:spPr>
             <a:xfrm>
-              <a:off x="2686140" y="6491006"/>
+              <a:off x="2749627" y="6490925"/>
               <a:ext cx="63202" cy="63202"/>
             </a:xfrm>
             <a:custGeom>
@@ -11157,7 +11157,7 @@
           </p:nvSpPr>
           <p:spPr>
             <a:xfrm>
-              <a:off x="2090723" y="6384944"/>
+              <a:off x="2012625" y="6384920"/>
               <a:ext cx="63202" cy="63202"/>
             </a:xfrm>
             <a:custGeom>
@@ -11200,7 +11200,7 @@
           </p:nvSpPr>
           <p:spPr>
             <a:xfrm>
-              <a:off x="3006154" y="6500609"/>
+              <a:off x="2689106" y="6500515"/>
               <a:ext cx="63202" cy="63202"/>
             </a:xfrm>
             <a:custGeom>
@@ -11243,7 +11243,7 @@
           </p:nvSpPr>
           <p:spPr>
             <a:xfrm>
-              <a:off x="2850732" y="6491159"/>
+              <a:off x="2785139" y="6491033"/>
               <a:ext cx="63202" cy="63202"/>
             </a:xfrm>
             <a:custGeom>
@@ -11286,7 +11286,7 @@
           </p:nvSpPr>
           <p:spPr>
             <a:xfrm>
-              <a:off x="2229508" y="6216426"/>
+              <a:off x="2148496" y="6216441"/>
               <a:ext cx="63202" cy="63202"/>
             </a:xfrm>
             <a:custGeom>
@@ -11329,7 +11329,7 @@
           </p:nvSpPr>
           <p:spPr>
             <a:xfrm>
-              <a:off x="3636574" y="6731457"/>
+              <a:off x="3364859" y="6731488"/>
               <a:ext cx="63202" cy="63202"/>
             </a:xfrm>
             <a:custGeom>
@@ -11372,7 +11372,7 @@
           </p:nvSpPr>
           <p:spPr>
             <a:xfrm>
-              <a:off x="1900793" y="6339067"/>
+              <a:off x="2111173" y="6338964"/>
               <a:ext cx="63202" cy="63202"/>
             </a:xfrm>
             <a:custGeom>
@@ -11415,7 +11415,7 @@
           </p:nvSpPr>
           <p:spPr>
             <a:xfrm>
-              <a:off x="1858475" y="6207995"/>
+              <a:off x="1771120" y="6208005"/>
               <a:ext cx="63202" cy="63202"/>
             </a:xfrm>
             <a:custGeom>
@@ -11458,7 +11458,7 @@
           </p:nvSpPr>
           <p:spPr>
             <a:xfrm>
-              <a:off x="1873155" y="6255777"/>
+              <a:off x="1740303" y="6255690"/>
               <a:ext cx="63202" cy="63202"/>
             </a:xfrm>
             <a:custGeom>
@@ -11501,7 +11501,7 @@
           </p:nvSpPr>
           <p:spPr>
             <a:xfrm>
-              <a:off x="1600223" y="6213924"/>
+              <a:off x="1900531" y="6213929"/>
               <a:ext cx="63202" cy="63202"/>
             </a:xfrm>
             <a:custGeom>
@@ -11544,7 +11544,7 @@
           </p:nvSpPr>
           <p:spPr>
             <a:xfrm>
-              <a:off x="1694502" y="6215001"/>
+              <a:off x="1851980" y="6215007"/>
               <a:ext cx="63202" cy="63202"/>
             </a:xfrm>
             <a:custGeom>
@@ -11587,7 +11587,7 @@
           </p:nvSpPr>
           <p:spPr>
             <a:xfrm>
-              <a:off x="1832816" y="6224624"/>
+              <a:off x="1695219" y="6224697"/>
               <a:ext cx="63202" cy="63202"/>
             </a:xfrm>
             <a:custGeom>
@@ -11630,7 +11630,7 @@
           </p:nvSpPr>
           <p:spPr>
             <a:xfrm>
-              <a:off x="1816888" y="6221338"/>
+              <a:off x="1580335" y="6221222"/>
               <a:ext cx="63202" cy="63202"/>
             </a:xfrm>
             <a:custGeom>
@@ -11673,7 +11673,7 @@
           </p:nvSpPr>
           <p:spPr>
             <a:xfrm>
-              <a:off x="3640814" y="6626982"/>
+              <a:off x="3865224" y="6626771"/>
               <a:ext cx="63202" cy="63202"/>
             </a:xfrm>
             <a:custGeom>
@@ -11772,7 +11772,7 @@
           </p:nvSpPr>
           <p:spPr>
             <a:xfrm>
-              <a:off x="4284320" y="2998742"/>
+              <a:off x="4284320" y="2998602"/>
               <a:ext cx="2817450" cy="0"/>
             </a:xfrm>
             <a:custGeom>
@@ -11815,7 +11815,7 @@
           </p:nvSpPr>
           <p:spPr>
             <a:xfrm>
-              <a:off x="4284320" y="2576897"/>
+              <a:off x="4284320" y="2576835"/>
               <a:ext cx="2817450" cy="0"/>
             </a:xfrm>
             <a:custGeom>
@@ -11858,7 +11858,7 @@
           </p:nvSpPr>
           <p:spPr>
             <a:xfrm>
-              <a:off x="4284320" y="2155051"/>
+              <a:off x="4284320" y="2155068"/>
               <a:ext cx="2817450" cy="0"/>
             </a:xfrm>
             <a:custGeom>
@@ -11901,7 +11901,7 @@
           </p:nvSpPr>
           <p:spPr>
             <a:xfrm>
-              <a:off x="4284320" y="1733205"/>
+              <a:off x="4284320" y="1733301"/>
               <a:ext cx="2817450" cy="0"/>
             </a:xfrm>
             <a:custGeom>
@@ -11944,7 +11944,7 @@
           </p:nvSpPr>
           <p:spPr>
             <a:xfrm>
-              <a:off x="4284320" y="2787820"/>
+              <a:off x="4284320" y="2787718"/>
               <a:ext cx="2817450" cy="0"/>
             </a:xfrm>
             <a:custGeom>
@@ -11987,7 +11987,7 @@
           </p:nvSpPr>
           <p:spPr>
             <a:xfrm>
-              <a:off x="4284320" y="2365974"/>
+              <a:off x="4284320" y="2365952"/>
               <a:ext cx="2817450" cy="0"/>
             </a:xfrm>
             <a:custGeom>
@@ -12030,7 +12030,7 @@
           </p:nvSpPr>
           <p:spPr>
             <a:xfrm>
-              <a:off x="4284320" y="1944128"/>
+              <a:off x="4284320" y="1944185"/>
               <a:ext cx="2817450" cy="0"/>
             </a:xfrm>
             <a:custGeom>
@@ -12073,7 +12073,7 @@
           </p:nvSpPr>
           <p:spPr>
             <a:xfrm>
-              <a:off x="4284320" y="1522282"/>
+              <a:off x="4284320" y="1522418"/>
               <a:ext cx="2817450" cy="0"/>
             </a:xfrm>
             <a:custGeom>
@@ -12245,7 +12245,7 @@
           </p:nvSpPr>
           <p:spPr>
             <a:xfrm>
-              <a:off x="4569610" y="2228036"/>
+              <a:off x="4946398" y="2228071"/>
               <a:ext cx="63202" cy="63202"/>
             </a:xfrm>
             <a:custGeom>
@@ -12288,7 +12288,7 @@
           </p:nvSpPr>
           <p:spPr>
             <a:xfrm>
-              <a:off x="4689716" y="2258409"/>
+              <a:off x="4767125" y="2258414"/>
               <a:ext cx="63202" cy="63202"/>
             </a:xfrm>
             <a:custGeom>
@@ -12331,7 +12331,7 @@
           </p:nvSpPr>
           <p:spPr>
             <a:xfrm>
-              <a:off x="4526446" y="2205636"/>
+              <a:off x="4522296" y="2205712"/>
               <a:ext cx="63202" cy="63202"/>
             </a:xfrm>
             <a:custGeom>
@@ -12374,7 +12374,7 @@
           </p:nvSpPr>
           <p:spPr>
             <a:xfrm>
-              <a:off x="4515235" y="2202463"/>
+              <a:off x="4775467" y="2202539"/>
               <a:ext cx="63202" cy="63202"/>
             </a:xfrm>
             <a:custGeom>
@@ -12417,7 +12417,7 @@
           </p:nvSpPr>
           <p:spPr>
             <a:xfrm>
-              <a:off x="4600708" y="2194563"/>
+              <a:off x="4749595" y="2194574"/>
               <a:ext cx="63202" cy="63202"/>
             </a:xfrm>
             <a:custGeom>
@@ -12460,7 +12460,7 @@
           </p:nvSpPr>
           <p:spPr>
             <a:xfrm>
-              <a:off x="4440019" y="2218101"/>
+              <a:off x="4890361" y="2218085"/>
               <a:ext cx="63202" cy="63202"/>
             </a:xfrm>
             <a:custGeom>
@@ -12503,7 +12503,7 @@
           </p:nvSpPr>
           <p:spPr>
             <a:xfrm>
-              <a:off x="4523864" y="2211959"/>
+              <a:off x="4474714" y="2212034"/>
               <a:ext cx="63202" cy="63202"/>
             </a:xfrm>
             <a:custGeom>
@@ -12546,7 +12546,7 @@
           </p:nvSpPr>
           <p:spPr>
             <a:xfrm>
-              <a:off x="4549394" y="2210943"/>
+              <a:off x="4734995" y="2210998"/>
               <a:ext cx="63202" cy="63202"/>
             </a:xfrm>
             <a:custGeom>
@@ -12589,7 +12589,7 @@
           </p:nvSpPr>
           <p:spPr>
             <a:xfrm>
-              <a:off x="4921045" y="2207855"/>
+              <a:off x="4764959" y="2207893"/>
               <a:ext cx="63202" cy="63202"/>
             </a:xfrm>
             <a:custGeom>
@@ -12632,7 +12632,7 @@
           </p:nvSpPr>
           <p:spPr>
             <a:xfrm>
-              <a:off x="4519729" y="2188347"/>
+              <a:off x="4918851" y="2188346"/>
               <a:ext cx="63202" cy="63202"/>
             </a:xfrm>
             <a:custGeom>
@@ -12675,7 +12675,7 @@
           </p:nvSpPr>
           <p:spPr>
             <a:xfrm>
-              <a:off x="4671756" y="2213682"/>
+              <a:off x="4596900" y="2213693"/>
               <a:ext cx="63202" cy="63202"/>
             </a:xfrm>
             <a:custGeom>
@@ -12718,7 +12718,7 @@
           </p:nvSpPr>
           <p:spPr>
             <a:xfrm>
-              <a:off x="4575891" y="2216702"/>
+              <a:off x="4920534" y="2216748"/>
               <a:ext cx="63202" cy="63202"/>
             </a:xfrm>
             <a:custGeom>
@@ -12761,7 +12761,7 @@
           </p:nvSpPr>
           <p:spPr>
             <a:xfrm>
-              <a:off x="4793130" y="2217173"/>
+              <a:off x="4898084" y="2217088"/>
               <a:ext cx="63202" cy="63202"/>
             </a:xfrm>
             <a:custGeom>
@@ -12804,7 +12804,7 @@
           </p:nvSpPr>
           <p:spPr>
             <a:xfrm>
-              <a:off x="5109758" y="2183925"/>
+              <a:off x="5005404" y="2184020"/>
               <a:ext cx="63202" cy="63202"/>
             </a:xfrm>
             <a:custGeom>
@@ -12847,7 +12847,7 @@
           </p:nvSpPr>
           <p:spPr>
             <a:xfrm>
-              <a:off x="4918027" y="2212502"/>
+              <a:off x="4963692" y="2212410"/>
               <a:ext cx="63202" cy="63202"/>
             </a:xfrm>
             <a:custGeom>
@@ -12890,7 +12890,7 @@
           </p:nvSpPr>
           <p:spPr>
             <a:xfrm>
-              <a:off x="4907237" y="2182583"/>
+              <a:off x="4993803" y="2182520"/>
               <a:ext cx="63202" cy="63202"/>
             </a:xfrm>
             <a:custGeom>
@@ -12933,7 +12933,7 @@
           </p:nvSpPr>
           <p:spPr>
             <a:xfrm>
-              <a:off x="4550165" y="2214617"/>
+              <a:off x="4933656" y="2214497"/>
               <a:ext cx="63202" cy="63202"/>
             </a:xfrm>
             <a:custGeom>
@@ -12976,7 +12976,7 @@
           </p:nvSpPr>
           <p:spPr>
             <a:xfrm>
-              <a:off x="4917730" y="2213104"/>
+              <a:off x="4551703" y="2213158"/>
               <a:ext cx="63202" cy="63202"/>
             </a:xfrm>
             <a:custGeom>
@@ -13019,7 +13019,7 @@
           </p:nvSpPr>
           <p:spPr>
             <a:xfrm>
-              <a:off x="4633747" y="2229951"/>
+              <a:off x="4501495" y="2230002"/>
               <a:ext cx="63202" cy="63202"/>
             </a:xfrm>
             <a:custGeom>
@@ -13062,7 +13062,7 @@
           </p:nvSpPr>
           <p:spPr>
             <a:xfrm>
-              <a:off x="4662873" y="2300682"/>
+              <a:off x="4444533" y="2300550"/>
               <a:ext cx="63202" cy="63202"/>
             </a:xfrm>
             <a:custGeom>
@@ -13105,7 +13105,7 @@
           </p:nvSpPr>
           <p:spPr>
             <a:xfrm>
-              <a:off x="4606756" y="2383457"/>
+              <a:off x="4568414" y="2383528"/>
               <a:ext cx="63202" cy="63202"/>
             </a:xfrm>
             <a:custGeom>
@@ -13148,7 +13148,7 @@
           </p:nvSpPr>
           <p:spPr>
             <a:xfrm>
-              <a:off x="4557822" y="2215460"/>
+              <a:off x="5115256" y="2215478"/>
               <a:ext cx="63202" cy="63202"/>
             </a:xfrm>
             <a:custGeom>
@@ -13191,7 +13191,7 @@
           </p:nvSpPr>
           <p:spPr>
             <a:xfrm>
-              <a:off x="5711753" y="2658122"/>
+              <a:off x="5423779" y="2658028"/>
               <a:ext cx="63202" cy="63202"/>
             </a:xfrm>
             <a:custGeom>
@@ -13234,7 +13234,7 @@
           </p:nvSpPr>
           <p:spPr>
             <a:xfrm>
-              <a:off x="4782931" y="2207640"/>
+              <a:off x="4557733" y="2207682"/>
               <a:ext cx="63202" cy="63202"/>
             </a:xfrm>
             <a:custGeom>
@@ -13277,7 +13277,7 @@
           </p:nvSpPr>
           <p:spPr>
             <a:xfrm>
-              <a:off x="4964640" y="2325978"/>
+              <a:off x="4775448" y="2325910"/>
               <a:ext cx="63202" cy="63202"/>
             </a:xfrm>
             <a:custGeom>
@@ -13320,7 +13320,7 @@
           </p:nvSpPr>
           <p:spPr>
             <a:xfrm>
-              <a:off x="4948948" y="2228061"/>
+              <a:off x="5113028" y="2228065"/>
               <a:ext cx="63202" cy="63202"/>
             </a:xfrm>
             <a:custGeom>
@@ -13363,7 +13363,7 @@
           </p:nvSpPr>
           <p:spPr>
             <a:xfrm>
-              <a:off x="4864038" y="2293849"/>
+              <a:off x="4541536" y="2293867"/>
               <a:ext cx="63202" cy="63202"/>
             </a:xfrm>
             <a:custGeom>
@@ -13406,7 +13406,7 @@
           </p:nvSpPr>
           <p:spPr>
             <a:xfrm>
-              <a:off x="4434022" y="2187376"/>
+              <a:off x="4868388" y="2187307"/>
               <a:ext cx="63202" cy="63202"/>
             </a:xfrm>
             <a:custGeom>
@@ -13449,7 +13449,7 @@
           </p:nvSpPr>
           <p:spPr>
             <a:xfrm>
-              <a:off x="4891320" y="2204699"/>
+              <a:off x="4585678" y="2204690"/>
               <a:ext cx="63202" cy="63202"/>
             </a:xfrm>
             <a:custGeom>
@@ -13492,7 +13492,7 @@
           </p:nvSpPr>
           <p:spPr>
             <a:xfrm>
-              <a:off x="5025976" y="2205931"/>
+              <a:off x="4768004" y="2205991"/>
               <a:ext cx="63202" cy="63202"/>
             </a:xfrm>
             <a:custGeom>
@@ -13535,7 +13535,7 @@
           </p:nvSpPr>
           <p:spPr>
             <a:xfrm>
-              <a:off x="5484617" y="2799750"/>
+              <a:off x="5609351" y="2799493"/>
               <a:ext cx="63202" cy="63202"/>
             </a:xfrm>
             <a:custGeom>
@@ -13578,7 +13578,7 @@
           </p:nvSpPr>
           <p:spPr>
             <a:xfrm>
-              <a:off x="4877795" y="2216927"/>
+              <a:off x="4852477" y="2216834"/>
               <a:ext cx="63202" cy="63202"/>
             </a:xfrm>
             <a:custGeom>
@@ -13621,7 +13621,7 @@
           </p:nvSpPr>
           <p:spPr>
             <a:xfrm>
-              <a:off x="4492758" y="2214209"/>
+              <a:off x="5066927" y="2214076"/>
               <a:ext cx="63202" cy="63202"/>
             </a:xfrm>
             <a:custGeom>
@@ -13664,7 +13664,7 @@
           </p:nvSpPr>
           <p:spPr>
             <a:xfrm>
-              <a:off x="4609186" y="2258170"/>
+              <a:off x="5094253" y="2258217"/>
               <a:ext cx="63202" cy="63202"/>
             </a:xfrm>
             <a:custGeom>
@@ -13707,7 +13707,7 @@
           </p:nvSpPr>
           <p:spPr>
             <a:xfrm>
-              <a:off x="4737829" y="2190302"/>
+              <a:off x="5100102" y="2190239"/>
               <a:ext cx="63202" cy="63202"/>
             </a:xfrm>
             <a:custGeom>
@@ -13750,7 +13750,7 @@
           </p:nvSpPr>
           <p:spPr>
             <a:xfrm>
-              <a:off x="4818225" y="2187305"/>
+              <a:off x="4932668" y="2187358"/>
               <a:ext cx="63202" cy="63202"/>
             </a:xfrm>
             <a:custGeom>
@@ -13793,7 +13793,7 @@
           </p:nvSpPr>
           <p:spPr>
             <a:xfrm>
-              <a:off x="4638907" y="2216387"/>
+              <a:off x="5111983" y="2216521"/>
               <a:ext cx="63202" cy="63202"/>
             </a:xfrm>
             <a:custGeom>
@@ -13836,7 +13836,7 @@
           </p:nvSpPr>
           <p:spPr>
             <a:xfrm>
-              <a:off x="4610748" y="2216515"/>
+              <a:off x="4750643" y="2216543"/>
               <a:ext cx="63202" cy="63202"/>
             </a:xfrm>
             <a:custGeom>
@@ -13879,7 +13879,7 @@
           </p:nvSpPr>
           <p:spPr>
             <a:xfrm>
-              <a:off x="4790443" y="2210126"/>
+              <a:off x="4946310" y="2210217"/>
               <a:ext cx="63202" cy="63202"/>
             </a:xfrm>
             <a:custGeom>
@@ -13922,7 +13922,7 @@
           </p:nvSpPr>
           <p:spPr>
             <a:xfrm>
-              <a:off x="4575816" y="2526954"/>
+              <a:off x="5059002" y="2526820"/>
               <a:ext cx="63202" cy="63202"/>
             </a:xfrm>
             <a:custGeom>
@@ -13965,7 +13965,7 @@
           </p:nvSpPr>
           <p:spPr>
             <a:xfrm>
-              <a:off x="4551390" y="2229270"/>
+              <a:off x="5028568" y="2229329"/>
               <a:ext cx="63202" cy="63202"/>
             </a:xfrm>
             <a:custGeom>
@@ -14008,7 +14008,7 @@
           </p:nvSpPr>
           <p:spPr>
             <a:xfrm>
-              <a:off x="5014735" y="2538073"/>
+              <a:off x="4675997" y="2538064"/>
               <a:ext cx="63202" cy="63202"/>
             </a:xfrm>
             <a:custGeom>
@@ -14051,7 +14051,7 @@
           </p:nvSpPr>
           <p:spPr>
             <a:xfrm>
-              <a:off x="5095523" y="2178572"/>
+              <a:off x="4660341" y="2178488"/>
               <a:ext cx="63202" cy="63202"/>
             </a:xfrm>
             <a:custGeom>
@@ -14094,7 +14094,7 @@
           </p:nvSpPr>
           <p:spPr>
             <a:xfrm>
-              <a:off x="4560903" y="2378680"/>
+              <a:off x="4926648" y="2378653"/>
               <a:ext cx="63202" cy="63202"/>
             </a:xfrm>
             <a:custGeom>
@@ -14137,7 +14137,7 @@
           </p:nvSpPr>
           <p:spPr>
             <a:xfrm>
-              <a:off x="4687639" y="2211888"/>
+              <a:off x="4635380" y="2211819"/>
               <a:ext cx="63202" cy="63202"/>
             </a:xfrm>
             <a:custGeom>
@@ -14180,7 +14180,7 @@
           </p:nvSpPr>
           <p:spPr>
             <a:xfrm>
-              <a:off x="4748863" y="2251254"/>
+              <a:off x="4630014" y="2251291"/>
               <a:ext cx="63202" cy="63202"/>
             </a:xfrm>
             <a:custGeom>
@@ -14223,7 +14223,7 @@
           </p:nvSpPr>
           <p:spPr>
             <a:xfrm>
-              <a:off x="4708707" y="2255915"/>
+              <a:off x="4667679" y="2255859"/>
               <a:ext cx="63202" cy="63202"/>
             </a:xfrm>
             <a:custGeom>
@@ -14266,7 +14266,7 @@
           </p:nvSpPr>
           <p:spPr>
             <a:xfrm>
-              <a:off x="4599897" y="2226328"/>
+              <a:off x="4754200" y="2226420"/>
               <a:ext cx="63202" cy="63202"/>
             </a:xfrm>
             <a:custGeom>
@@ -14309,7 +14309,7 @@
           </p:nvSpPr>
           <p:spPr>
             <a:xfrm>
-              <a:off x="4911943" y="2217294"/>
+              <a:off x="4474910" y="2217234"/>
               <a:ext cx="63202" cy="63202"/>
             </a:xfrm>
             <a:custGeom>
@@ -14352,7 +14352,7 @@
           </p:nvSpPr>
           <p:spPr>
             <a:xfrm>
-              <a:off x="4965276" y="2216249"/>
+              <a:off x="4882089" y="2216253"/>
               <a:ext cx="63202" cy="63202"/>
             </a:xfrm>
             <a:custGeom>
@@ -14395,7 +14395,7 @@
           </p:nvSpPr>
           <p:spPr>
             <a:xfrm>
-              <a:off x="4630179" y="2279765"/>
+              <a:off x="4506364" y="2279721"/>
               <a:ext cx="63202" cy="63202"/>
             </a:xfrm>
             <a:custGeom>
@@ -14438,7 +14438,7 @@
           </p:nvSpPr>
           <p:spPr>
             <a:xfrm>
-              <a:off x="5086858" y="2296981"/>
+              <a:off x="4965106" y="2297021"/>
               <a:ext cx="63202" cy="63202"/>
             </a:xfrm>
             <a:custGeom>
@@ -14481,7 +14481,7 @@
           </p:nvSpPr>
           <p:spPr>
             <a:xfrm>
-              <a:off x="4842121" y="2225303"/>
+              <a:off x="4668127" y="2225280"/>
               <a:ext cx="63202" cy="63202"/>
             </a:xfrm>
             <a:custGeom>
@@ -14524,7 +14524,7 @@
           </p:nvSpPr>
           <p:spPr>
             <a:xfrm>
-              <a:off x="4970058" y="2219918"/>
+              <a:off x="5130948" y="2219814"/>
               <a:ext cx="63202" cy="63202"/>
             </a:xfrm>
             <a:custGeom>
@@ -14567,7 +14567,7 @@
           </p:nvSpPr>
           <p:spPr>
             <a:xfrm>
-              <a:off x="4874079" y="2252247"/>
+              <a:off x="4926049" y="2252372"/>
               <a:ext cx="63202" cy="63202"/>
             </a:xfrm>
             <a:custGeom>
@@ -14610,7 +14610,7 @@
           </p:nvSpPr>
           <p:spPr>
             <a:xfrm>
-              <a:off x="4861559" y="2211758"/>
+              <a:off x="4960738" y="2211857"/>
               <a:ext cx="63202" cy="63202"/>
             </a:xfrm>
             <a:custGeom>
@@ -14653,7 +14653,7 @@
           </p:nvSpPr>
           <p:spPr>
             <a:xfrm>
-              <a:off x="5036007" y="2182366"/>
+              <a:off x="4529533" y="2182322"/>
               <a:ext cx="63202" cy="63202"/>
             </a:xfrm>
             <a:custGeom>
@@ -14696,7 +14696,7 @@
           </p:nvSpPr>
           <p:spPr>
             <a:xfrm>
-              <a:off x="4544572" y="2240041"/>
+              <a:off x="4976894" y="2240009"/>
               <a:ext cx="63202" cy="63202"/>
             </a:xfrm>
             <a:custGeom>
@@ -14739,7 +14739,7 @@
           </p:nvSpPr>
           <p:spPr>
             <a:xfrm>
-              <a:off x="4433213" y="2279813"/>
+              <a:off x="5044849" y="2279722"/>
               <a:ext cx="63202" cy="63202"/>
             </a:xfrm>
             <a:custGeom>
@@ -14782,7 +14782,7 @@
           </p:nvSpPr>
           <p:spPr>
             <a:xfrm>
-              <a:off x="4710689" y="2194802"/>
+              <a:off x="4718320" y="2194717"/>
               <a:ext cx="63202" cy="63202"/>
             </a:xfrm>
             <a:custGeom>
@@ -14825,7 +14825,7 @@
           </p:nvSpPr>
           <p:spPr>
             <a:xfrm>
-              <a:off x="4560454" y="2484890"/>
+              <a:off x="4924792" y="2484953"/>
               <a:ext cx="63202" cy="63202"/>
             </a:xfrm>
             <a:custGeom>
@@ -14868,7 +14868,7 @@
           </p:nvSpPr>
           <p:spPr>
             <a:xfrm>
-              <a:off x="4546624" y="2259025"/>
+              <a:off x="5074140" y="2259105"/>
               <a:ext cx="63202" cy="63202"/>
             </a:xfrm>
             <a:custGeom>
@@ -14911,7 +14911,7 @@
           </p:nvSpPr>
           <p:spPr>
             <a:xfrm>
-              <a:off x="4737215" y="2223072"/>
+              <a:off x="4759325" y="2222922"/>
               <a:ext cx="63202" cy="63202"/>
             </a:xfrm>
             <a:custGeom>
@@ -14954,7 +14954,7 @@
           </p:nvSpPr>
           <p:spPr>
             <a:xfrm>
-              <a:off x="4997563" y="2183559"/>
+              <a:off x="5086500" y="2183512"/>
               <a:ext cx="63202" cy="63202"/>
             </a:xfrm>
             <a:custGeom>
@@ -14997,7 +14997,7 @@
           </p:nvSpPr>
           <p:spPr>
             <a:xfrm>
-              <a:off x="4705312" y="2185938"/>
+              <a:off x="4824802" y="2185944"/>
               <a:ext cx="63202" cy="63202"/>
             </a:xfrm>
             <a:custGeom>
@@ -15040,7 +15040,7 @@
           </p:nvSpPr>
           <p:spPr>
             <a:xfrm>
-              <a:off x="5032877" y="2236769"/>
+              <a:off x="5067079" y="2236759"/>
               <a:ext cx="63202" cy="63202"/>
             </a:xfrm>
             <a:custGeom>
@@ -15083,7 +15083,7 @@
           </p:nvSpPr>
           <p:spPr>
             <a:xfrm>
-              <a:off x="4482657" y="2210193"/>
+              <a:off x="4574707" y="2210109"/>
               <a:ext cx="63202" cy="63202"/>
             </a:xfrm>
             <a:custGeom>
@@ -15126,7 +15126,7 @@
           </p:nvSpPr>
           <p:spPr>
             <a:xfrm>
-              <a:off x="4615132" y="2369530"/>
+              <a:off x="4571391" y="2369493"/>
               <a:ext cx="63202" cy="63202"/>
             </a:xfrm>
             <a:custGeom>
@@ -15169,7 +15169,7 @@
           </p:nvSpPr>
           <p:spPr>
             <a:xfrm>
-              <a:off x="5051469" y="2214492"/>
+              <a:off x="4683303" y="2214588"/>
               <a:ext cx="63202" cy="63202"/>
             </a:xfrm>
             <a:custGeom>
@@ -15212,7 +15212,7 @@
           </p:nvSpPr>
           <p:spPr>
             <a:xfrm>
-              <a:off x="4895174" y="2340897"/>
+              <a:off x="4617113" y="2340817"/>
               <a:ext cx="63202" cy="63202"/>
             </a:xfrm>
             <a:custGeom>
@@ -15255,7 +15255,7 @@
           </p:nvSpPr>
           <p:spPr>
             <a:xfrm>
-              <a:off x="6646755" y="2946388"/>
+              <a:off x="6851082" y="2946338"/>
               <a:ext cx="63202" cy="63202"/>
             </a:xfrm>
             <a:custGeom>
@@ -15298,7 +15298,7 @@
           </p:nvSpPr>
           <p:spPr>
             <a:xfrm>
-              <a:off x="4803490" y="2266444"/>
+              <a:off x="4858526" y="2266373"/>
               <a:ext cx="63202" cy="63202"/>
             </a:xfrm>
             <a:custGeom>
@@ -15341,7 +15341,7 @@
           </p:nvSpPr>
           <p:spPr>
             <a:xfrm>
-              <a:off x="4505151" y="2218238"/>
+              <a:off x="4637113" y="2218153"/>
               <a:ext cx="63202" cy="63202"/>
             </a:xfrm>
             <a:custGeom>
@@ -15384,7 +15384,7 @@
           </p:nvSpPr>
           <p:spPr>
             <a:xfrm>
-              <a:off x="4994810" y="2396857"/>
+              <a:off x="4632288" y="2396689"/>
               <a:ext cx="63202" cy="63202"/>
             </a:xfrm>
             <a:custGeom>
@@ -15427,7 +15427,7 @@
           </p:nvSpPr>
           <p:spPr>
             <a:xfrm>
-              <a:off x="5038948" y="2395152"/>
+              <a:off x="4757119" y="2395149"/>
               <a:ext cx="63202" cy="63202"/>
             </a:xfrm>
             <a:custGeom>
@@ -15470,7 +15470,7 @@
           </p:nvSpPr>
           <p:spPr>
             <a:xfrm>
-              <a:off x="5512326" y="2459621"/>
+              <a:off x="5972444" y="2459696"/>
               <a:ext cx="63202" cy="63202"/>
             </a:xfrm>
             <a:custGeom>
@@ -15513,7 +15513,7 @@
           </p:nvSpPr>
           <p:spPr>
             <a:xfrm>
-              <a:off x="4709208" y="2219282"/>
+              <a:off x="5047648" y="2219286"/>
               <a:ext cx="63202" cy="63202"/>
             </a:xfrm>
             <a:custGeom>
@@ -15556,7 +15556,7 @@
           </p:nvSpPr>
           <p:spPr>
             <a:xfrm>
-              <a:off x="4548984" y="2521119"/>
+              <a:off x="4961026" y="2520937"/>
               <a:ext cx="63202" cy="63202"/>
             </a:xfrm>
             <a:custGeom>
@@ -15599,7 +15599,7 @@
           </p:nvSpPr>
           <p:spPr>
             <a:xfrm>
-              <a:off x="4698956" y="2217903"/>
+              <a:off x="4807208" y="2217950"/>
               <a:ext cx="63202" cy="63202"/>
             </a:xfrm>
             <a:custGeom>
@@ -15642,7 +15642,7 @@
           </p:nvSpPr>
           <p:spPr>
             <a:xfrm>
-              <a:off x="5012554" y="2244581"/>
+              <a:off x="4881704" y="2244577"/>
               <a:ext cx="63202" cy="63202"/>
             </a:xfrm>
             <a:custGeom>
@@ -15685,7 +15685,7 @@
           </p:nvSpPr>
           <p:spPr>
             <a:xfrm>
-              <a:off x="5067993" y="2227450"/>
+              <a:off x="4815400" y="2227488"/>
               <a:ext cx="63202" cy="63202"/>
             </a:xfrm>
             <a:custGeom>
@@ -15728,7 +15728,7 @@
           </p:nvSpPr>
           <p:spPr>
             <a:xfrm>
-              <a:off x="5008019" y="2295100"/>
+              <a:off x="5032838" y="2295103"/>
               <a:ext cx="63202" cy="63202"/>
             </a:xfrm>
             <a:custGeom>
@@ -15771,7 +15771,7 @@
           </p:nvSpPr>
           <p:spPr>
             <a:xfrm>
-              <a:off x="4537676" y="2216445"/>
+              <a:off x="4478081" y="2216531"/>
               <a:ext cx="63202" cy="63202"/>
             </a:xfrm>
             <a:custGeom>
@@ -15814,7 +15814,7 @@
           </p:nvSpPr>
           <p:spPr>
             <a:xfrm>
-              <a:off x="4566213" y="2185208"/>
+              <a:off x="4947416" y="2185332"/>
               <a:ext cx="63202" cy="63202"/>
             </a:xfrm>
             <a:custGeom>
@@ -15857,7 +15857,7 @@
           </p:nvSpPr>
           <p:spPr>
             <a:xfrm>
-              <a:off x="4848388" y="2268770"/>
+              <a:off x="5037891" y="2268695"/>
               <a:ext cx="63202" cy="63202"/>
             </a:xfrm>
             <a:custGeom>
@@ -15900,7 +15900,7 @@
           </p:nvSpPr>
           <p:spPr>
             <a:xfrm>
-              <a:off x="4824492" y="2265891"/>
+              <a:off x="4809617" y="2265855"/>
               <a:ext cx="63202" cy="63202"/>
             </a:xfrm>
             <a:custGeom>
@@ -15999,7 +15999,7 @@
           </p:nvSpPr>
           <p:spPr>
             <a:xfrm>
-              <a:off x="4284320" y="4924075"/>
+              <a:off x="4284320" y="4923934"/>
               <a:ext cx="2817450" cy="0"/>
             </a:xfrm>
             <a:custGeom>
@@ -16042,7 +16042,7 @@
           </p:nvSpPr>
           <p:spPr>
             <a:xfrm>
-              <a:off x="4284320" y="4502229"/>
+              <a:off x="4284320" y="4502167"/>
               <a:ext cx="2817450" cy="0"/>
             </a:xfrm>
             <a:custGeom>
@@ -16085,7 +16085,7 @@
           </p:nvSpPr>
           <p:spPr>
             <a:xfrm>
-              <a:off x="4284320" y="4080383"/>
+              <a:off x="4284320" y="4080401"/>
               <a:ext cx="2817450" cy="0"/>
             </a:xfrm>
             <a:custGeom>
@@ -16128,7 +16128,7 @@
           </p:nvSpPr>
           <p:spPr>
             <a:xfrm>
-              <a:off x="4284320" y="3658538"/>
+              <a:off x="4284320" y="3658634"/>
               <a:ext cx="2817450" cy="0"/>
             </a:xfrm>
             <a:custGeom>
@@ -16171,7 +16171,7 @@
           </p:nvSpPr>
           <p:spPr>
             <a:xfrm>
-              <a:off x="4284320" y="4713152"/>
+              <a:off x="4284320" y="4713051"/>
               <a:ext cx="2817450" cy="0"/>
             </a:xfrm>
             <a:custGeom>
@@ -16214,7 +16214,7 @@
           </p:nvSpPr>
           <p:spPr>
             <a:xfrm>
-              <a:off x="4284320" y="4291306"/>
+              <a:off x="4284320" y="4291284"/>
               <a:ext cx="2817450" cy="0"/>
             </a:xfrm>
             <a:custGeom>
@@ -16257,7 +16257,7 @@
           </p:nvSpPr>
           <p:spPr>
             <a:xfrm>
-              <a:off x="4284320" y="3869460"/>
+              <a:off x="4284320" y="3869517"/>
               <a:ext cx="2817450" cy="0"/>
             </a:xfrm>
             <a:custGeom>
@@ -16300,7 +16300,7 @@
           </p:nvSpPr>
           <p:spPr>
             <a:xfrm>
-              <a:off x="4284320" y="3447615"/>
+              <a:off x="4284320" y="3447750"/>
               <a:ext cx="2817450" cy="0"/>
             </a:xfrm>
             <a:custGeom>
@@ -16472,7 +16472,7 @@
           </p:nvSpPr>
           <p:spPr>
             <a:xfrm>
-              <a:off x="5417659" y="4478023"/>
+              <a:off x="5896534" y="4477932"/>
               <a:ext cx="63202" cy="63202"/>
             </a:xfrm>
             <a:custGeom>
@@ -16515,7 +16515,7 @@
           </p:nvSpPr>
           <p:spPr>
             <a:xfrm>
-              <a:off x="4810052" y="4209460"/>
+              <a:off x="4567547" y="4209513"/>
               <a:ext cx="63202" cy="63202"/>
             </a:xfrm>
             <a:custGeom>
@@ -16558,7 +16558,7 @@
           </p:nvSpPr>
           <p:spPr>
             <a:xfrm>
-              <a:off x="6512730" y="4355725"/>
+              <a:off x="6308831" y="4355651"/>
               <a:ext cx="63202" cy="63202"/>
             </a:xfrm>
             <a:custGeom>
@@ -16601,7 +16601,7 @@
           </p:nvSpPr>
           <p:spPr>
             <a:xfrm>
-              <a:off x="6277318" y="4864578"/>
+              <a:off x="6658632" y="4864513"/>
               <a:ext cx="63202" cy="63202"/>
             </a:xfrm>
             <a:custGeom>
@@ -16644,7 +16644,7 @@
           </p:nvSpPr>
           <p:spPr>
             <a:xfrm>
-              <a:off x="6795909" y="4883747"/>
+              <a:off x="6202784" y="4883747"/>
               <a:ext cx="63202" cy="63202"/>
             </a:xfrm>
             <a:custGeom>
@@ -16743,7 +16743,7 @@
           </p:nvSpPr>
           <p:spPr>
             <a:xfrm>
-              <a:off x="4284320" y="6849408"/>
+              <a:off x="4284320" y="6849267"/>
               <a:ext cx="2817450" cy="0"/>
             </a:xfrm>
             <a:custGeom>
@@ -16786,7 +16786,7 @@
           </p:nvSpPr>
           <p:spPr>
             <a:xfrm>
-              <a:off x="4284320" y="6427562"/>
+              <a:off x="4284320" y="6427500"/>
               <a:ext cx="2817450" cy="0"/>
             </a:xfrm>
             <a:custGeom>
@@ -16829,7 +16829,7 @@
           </p:nvSpPr>
           <p:spPr>
             <a:xfrm>
-              <a:off x="4284320" y="6005716"/>
+              <a:off x="4284320" y="6005733"/>
               <a:ext cx="2817450" cy="0"/>
             </a:xfrm>
             <a:custGeom>
@@ -16872,7 +16872,7 @@
           </p:nvSpPr>
           <p:spPr>
             <a:xfrm>
-              <a:off x="4284320" y="5583870"/>
+              <a:off x="4284320" y="5583966"/>
               <a:ext cx="2817450" cy="0"/>
             </a:xfrm>
             <a:custGeom>
@@ -16915,7 +16915,7 @@
           </p:nvSpPr>
           <p:spPr>
             <a:xfrm>
-              <a:off x="4284320" y="6638485"/>
+              <a:off x="4284320" y="6638383"/>
               <a:ext cx="2817450" cy="0"/>
             </a:xfrm>
             <a:custGeom>
@@ -16958,7 +16958,7 @@
           </p:nvSpPr>
           <p:spPr>
             <a:xfrm>
-              <a:off x="4284320" y="6216639"/>
+              <a:off x="4284320" y="6216617"/>
               <a:ext cx="2817450" cy="0"/>
             </a:xfrm>
             <a:custGeom>
@@ -17001,7 +17001,7 @@
           </p:nvSpPr>
           <p:spPr>
             <a:xfrm>
-              <a:off x="4284320" y="5794793"/>
+              <a:off x="4284320" y="5794850"/>
               <a:ext cx="2817450" cy="0"/>
             </a:xfrm>
             <a:custGeom>
@@ -17044,7 +17044,7 @@
           </p:nvSpPr>
           <p:spPr>
             <a:xfrm>
-              <a:off x="4284320" y="5372947"/>
+              <a:off x="4284320" y="5373083"/>
               <a:ext cx="2817450" cy="0"/>
             </a:xfrm>
             <a:custGeom>
@@ -17216,7 +17216,7 @@
           </p:nvSpPr>
           <p:spPr>
             <a:xfrm>
-              <a:off x="4479260" y="6010382"/>
+              <a:off x="4544638" y="6010444"/>
               <a:ext cx="63202" cy="63202"/>
             </a:xfrm>
             <a:custGeom>
@@ -17259,7 +17259,7 @@
           </p:nvSpPr>
           <p:spPr>
             <a:xfrm>
-              <a:off x="4638116" y="5972503"/>
+              <a:off x="4774889" y="5972468"/>
               <a:ext cx="63202" cy="63202"/>
             </a:xfrm>
             <a:custGeom>
@@ -17302,7 +17302,7 @@
           </p:nvSpPr>
           <p:spPr>
             <a:xfrm>
-              <a:off x="4543438" y="5983881"/>
+              <a:off x="4543708" y="5983899"/>
               <a:ext cx="63202" cy="63202"/>
             </a:xfrm>
             <a:custGeom>
@@ -17345,7 +17345,7 @@
           </p:nvSpPr>
           <p:spPr>
             <a:xfrm>
-              <a:off x="4768485" y="5985712"/>
+              <a:off x="4637301" y="5985650"/>
               <a:ext cx="63202" cy="63202"/>
             </a:xfrm>
             <a:custGeom>
@@ -17388,7 +17388,7 @@
           </p:nvSpPr>
           <p:spPr>
             <a:xfrm>
-              <a:off x="6579564" y="6630973"/>
+              <a:off x="6838441" y="6630745"/>
               <a:ext cx="63202" cy="63202"/>
             </a:xfrm>
             <a:custGeom>
@@ -17431,7 +17431,7 @@
           </p:nvSpPr>
           <p:spPr>
             <a:xfrm>
-              <a:off x="5074030" y="6002330"/>
+              <a:off x="4643806" y="6002421"/>
               <a:ext cx="63202" cy="63202"/>
             </a:xfrm>
             <a:custGeom>
@@ -17474,7 +17474,7 @@
           </p:nvSpPr>
           <p:spPr>
             <a:xfrm>
-              <a:off x="4555729" y="5975784"/>
+              <a:off x="4984042" y="5975811"/>
               <a:ext cx="63202" cy="63202"/>
             </a:xfrm>
             <a:custGeom>
@@ -17517,7 +17517,7 @@
           </p:nvSpPr>
           <p:spPr>
             <a:xfrm>
-              <a:off x="4948874" y="6008239"/>
+              <a:off x="5004939" y="6008321"/>
               <a:ext cx="63202" cy="63202"/>
             </a:xfrm>
             <a:custGeom>
@@ -17560,7 +17560,7 @@
           </p:nvSpPr>
           <p:spPr>
             <a:xfrm>
-              <a:off x="4829980" y="5987171"/>
+              <a:off x="4483303" y="5987212"/>
               <a:ext cx="63202" cy="63202"/>
             </a:xfrm>
             <a:custGeom>
@@ -17603,7 +17603,7 @@
           </p:nvSpPr>
           <p:spPr>
             <a:xfrm>
-              <a:off x="4765936" y="6008274"/>
+              <a:off x="4573080" y="6008249"/>
               <a:ext cx="63202" cy="63202"/>
             </a:xfrm>
             <a:custGeom>
@@ -17646,7 +17646,7 @@
           </p:nvSpPr>
           <p:spPr>
             <a:xfrm>
-              <a:off x="4998226" y="5982289"/>
+              <a:off x="4626010" y="5982370"/>
               <a:ext cx="63202" cy="63202"/>
             </a:xfrm>
             <a:custGeom>
@@ -17689,7 +17689,7 @@
           </p:nvSpPr>
           <p:spPr>
             <a:xfrm>
-              <a:off x="4960011" y="6068780"/>
+              <a:off x="5011187" y="6068820"/>
               <a:ext cx="63202" cy="63202"/>
             </a:xfrm>
             <a:custGeom>
@@ -17732,7 +17732,7 @@
           </p:nvSpPr>
           <p:spPr>
             <a:xfrm>
-              <a:off x="4898429" y="5972400"/>
+              <a:off x="4650945" y="5972390"/>
               <a:ext cx="63202" cy="63202"/>
             </a:xfrm>
             <a:custGeom>
@@ -17775,7 +17775,7 @@
           </p:nvSpPr>
           <p:spPr>
             <a:xfrm>
-              <a:off x="4749220" y="5981850"/>
+              <a:off x="4953951" y="5982018"/>
               <a:ext cx="63202" cy="63202"/>
             </a:xfrm>
             <a:custGeom>
@@ -17818,7 +17818,7 @@
           </p:nvSpPr>
           <p:spPr>
             <a:xfrm>
-              <a:off x="4979831" y="5981999"/>
+              <a:off x="4877700" y="5981934"/>
               <a:ext cx="63202" cy="63202"/>
             </a:xfrm>
             <a:custGeom>
@@ -17861,7 +17861,7 @@
           </p:nvSpPr>
           <p:spPr>
             <a:xfrm>
-              <a:off x="4443715" y="5969887"/>
+              <a:off x="5007255" y="5969876"/>
               <a:ext cx="63202" cy="63202"/>
             </a:xfrm>
             <a:custGeom>
@@ -17904,7 +17904,7 @@
           </p:nvSpPr>
           <p:spPr>
             <a:xfrm>
-              <a:off x="5061954" y="5982736"/>
+              <a:off x="4457012" y="5982700"/>
               <a:ext cx="63202" cy="63202"/>
             </a:xfrm>
             <a:custGeom>
@@ -17947,7 +17947,7 @@
           </p:nvSpPr>
           <p:spPr>
             <a:xfrm>
-              <a:off x="4826841" y="5966573"/>
+              <a:off x="4769593" y="5966590"/>
               <a:ext cx="63202" cy="63202"/>
             </a:xfrm>
             <a:custGeom>
@@ -17990,7 +17990,7 @@
           </p:nvSpPr>
           <p:spPr>
             <a:xfrm>
-              <a:off x="4770825" y="6002319"/>
+              <a:off x="4941264" y="6002317"/>
               <a:ext cx="63202" cy="63202"/>
             </a:xfrm>
             <a:custGeom>
@@ -18033,7 +18033,7 @@
           </p:nvSpPr>
           <p:spPr>
             <a:xfrm>
-              <a:off x="4666508" y="5966125"/>
+              <a:off x="4984448" y="5966113"/>
               <a:ext cx="63202" cy="63202"/>
             </a:xfrm>
             <a:custGeom>
@@ -18076,7 +18076,7 @@
           </p:nvSpPr>
           <p:spPr>
             <a:xfrm>
-              <a:off x="4521218" y="5997360"/>
+              <a:off x="5042410" y="5997347"/>
               <a:ext cx="63202" cy="63202"/>
             </a:xfrm>
             <a:custGeom>
@@ -18119,7 +18119,7 @@
           </p:nvSpPr>
           <p:spPr>
             <a:xfrm>
-              <a:off x="4968130" y="5993727"/>
+              <a:off x="4573982" y="5993677"/>
               <a:ext cx="63202" cy="63202"/>
             </a:xfrm>
             <a:custGeom>
@@ -18162,7 +18162,7 @@
           </p:nvSpPr>
           <p:spPr>
             <a:xfrm>
-              <a:off x="4715550" y="6007780"/>
+              <a:off x="4601997" y="6007868"/>
               <a:ext cx="63202" cy="63202"/>
             </a:xfrm>
             <a:custGeom>
@@ -18205,7 +18205,7 @@
           </p:nvSpPr>
           <p:spPr>
             <a:xfrm>
-              <a:off x="4956691" y="6000302"/>
+              <a:off x="4666016" y="6000209"/>
               <a:ext cx="63202" cy="63202"/>
             </a:xfrm>
             <a:custGeom>
@@ -18248,7 +18248,7 @@
           </p:nvSpPr>
           <p:spPr>
             <a:xfrm>
-              <a:off x="4566673" y="5976475"/>
+              <a:off x="4547862" y="5976370"/>
               <a:ext cx="63202" cy="63202"/>
             </a:xfrm>
             <a:custGeom>
@@ -18291,7 +18291,7 @@
           </p:nvSpPr>
           <p:spPr>
             <a:xfrm>
-              <a:off x="5078242" y="6002178"/>
+              <a:off x="4797294" y="6002201"/>
               <a:ext cx="63202" cy="63202"/>
             </a:xfrm>
             <a:custGeom>
@@ -18334,7 +18334,7 @@
           </p:nvSpPr>
           <p:spPr>
             <a:xfrm>
-              <a:off x="5109963" y="6013485"/>
+              <a:off x="4435641" y="6013506"/>
               <a:ext cx="63202" cy="63202"/>
             </a:xfrm>
             <a:custGeom>
@@ -18377,7 +18377,7 @@
           </p:nvSpPr>
           <p:spPr>
             <a:xfrm>
-              <a:off x="4918162" y="6019512"/>
+              <a:off x="4652817" y="6019544"/>
               <a:ext cx="63202" cy="63202"/>
             </a:xfrm>
             <a:custGeom>
@@ -18420,7 +18420,7 @@
           </p:nvSpPr>
           <p:spPr>
             <a:xfrm>
-              <a:off x="4961978" y="6014344"/>
+              <a:off x="4932149" y="6014342"/>
               <a:ext cx="63202" cy="63202"/>
             </a:xfrm>
             <a:custGeom>
@@ -18463,7 +18463,7 @@
           </p:nvSpPr>
           <p:spPr>
             <a:xfrm>
-              <a:off x="4596007" y="5974106"/>
+              <a:off x="4504496" y="5974199"/>
               <a:ext cx="63202" cy="63202"/>
             </a:xfrm>
             <a:custGeom>
@@ -18506,7 +18506,7 @@
           </p:nvSpPr>
           <p:spPr>
             <a:xfrm>
-              <a:off x="4456443" y="5988058"/>
+              <a:off x="4881198" y="5988130"/>
               <a:ext cx="63202" cy="63202"/>
             </a:xfrm>
             <a:custGeom>
@@ -18549,7 +18549,7 @@
           </p:nvSpPr>
           <p:spPr>
             <a:xfrm>
-              <a:off x="4865894" y="5996497"/>
+              <a:off x="4941378" y="5996479"/>
               <a:ext cx="63202" cy="63202"/>
             </a:xfrm>
             <a:custGeom>
@@ -18592,7 +18592,7 @@
           </p:nvSpPr>
           <p:spPr>
             <a:xfrm>
-              <a:off x="4702608" y="5977859"/>
+              <a:off x="4918212" y="5977851"/>
               <a:ext cx="63202" cy="63202"/>
             </a:xfrm>
             <a:custGeom>
@@ -18635,7 +18635,7 @@
           </p:nvSpPr>
           <p:spPr>
             <a:xfrm>
-              <a:off x="4488084" y="5975725"/>
+              <a:off x="4641898" y="5975814"/>
               <a:ext cx="63202" cy="63202"/>
             </a:xfrm>
             <a:custGeom>
@@ -18678,7 +18678,7 @@
           </p:nvSpPr>
           <p:spPr>
             <a:xfrm>
-              <a:off x="4699408" y="6009495"/>
+              <a:off x="4587266" y="6009490"/>
               <a:ext cx="63202" cy="63202"/>
             </a:xfrm>
             <a:custGeom>
@@ -18721,7 +18721,7 @@
           </p:nvSpPr>
           <p:spPr>
             <a:xfrm>
-              <a:off x="4920684" y="6002512"/>
+              <a:off x="4870476" y="6002591"/>
               <a:ext cx="63202" cy="63202"/>
             </a:xfrm>
             <a:custGeom>
@@ -18764,7 +18764,7 @@
           </p:nvSpPr>
           <p:spPr>
             <a:xfrm>
-              <a:off x="4861921" y="5978079"/>
+              <a:off x="5108130" y="5978116"/>
               <a:ext cx="63202" cy="63202"/>
             </a:xfrm>
             <a:custGeom>
@@ -18807,7 +18807,7 @@
           </p:nvSpPr>
           <p:spPr>
             <a:xfrm>
-              <a:off x="4559178" y="5969972"/>
+              <a:off x="4782850" y="5969995"/>
               <a:ext cx="63202" cy="63202"/>
             </a:xfrm>
             <a:custGeom>
@@ -18850,7 +18850,7 @@
           </p:nvSpPr>
           <p:spPr>
             <a:xfrm>
-              <a:off x="4800507" y="6002532"/>
+              <a:off x="4724665" y="6002526"/>
               <a:ext cx="63202" cy="63202"/>
             </a:xfrm>
             <a:custGeom>
@@ -18893,7 +18893,7 @@
           </p:nvSpPr>
           <p:spPr>
             <a:xfrm>
-              <a:off x="4940294" y="5999680"/>
+              <a:off x="4508190" y="5999629"/>
               <a:ext cx="63202" cy="63202"/>
             </a:xfrm>
             <a:custGeom>
@@ -18936,7 +18936,7 @@
           </p:nvSpPr>
           <p:spPr>
             <a:xfrm>
-              <a:off x="4614725" y="5977087"/>
+              <a:off x="4857619" y="5977138"/>
               <a:ext cx="63202" cy="63202"/>
             </a:xfrm>
             <a:custGeom>
@@ -18979,7 +18979,7 @@
           </p:nvSpPr>
           <p:spPr>
             <a:xfrm>
-              <a:off x="4473177" y="5979863"/>
+              <a:off x="5130677" y="5979887"/>
               <a:ext cx="63202" cy="63202"/>
             </a:xfrm>
             <a:custGeom>
@@ -19022,7 +19022,7 @@
           </p:nvSpPr>
           <p:spPr>
             <a:xfrm>
-              <a:off x="5689119" y="6431558"/>
+              <a:off x="5430097" y="6431494"/>
               <a:ext cx="63202" cy="63202"/>
             </a:xfrm>
             <a:custGeom>
@@ -19065,7 +19065,7 @@
           </p:nvSpPr>
           <p:spPr>
             <a:xfrm>
-              <a:off x="4609536" y="5988887"/>
+              <a:off x="4882824" y="5988820"/>
               <a:ext cx="63202" cy="63202"/>
             </a:xfrm>
             <a:custGeom>
@@ -19108,7 +19108,7 @@
           </p:nvSpPr>
           <p:spPr>
             <a:xfrm>
-              <a:off x="4691233" y="6005746"/>
+              <a:off x="4760544" y="6005697"/>
               <a:ext cx="63202" cy="63202"/>
             </a:xfrm>
             <a:custGeom>
@@ -19151,7 +19151,7 @@
           </p:nvSpPr>
           <p:spPr>
             <a:xfrm>
-              <a:off x="4883634" y="5978817"/>
+              <a:off x="4430335" y="5978844"/>
               <a:ext cx="63202" cy="63202"/>
             </a:xfrm>
             <a:custGeom>
@@ -19194,7 +19194,7 @@
           </p:nvSpPr>
           <p:spPr>
             <a:xfrm>
-              <a:off x="5039194" y="6029828"/>
+              <a:off x="4772273" y="6029744"/>
               <a:ext cx="63202" cy="63202"/>
             </a:xfrm>
             <a:custGeom>
@@ -19237,7 +19237,7 @@
           </p:nvSpPr>
           <p:spPr>
             <a:xfrm>
-              <a:off x="5126987" y="5981158"/>
+              <a:off x="4885324" y="5981100"/>
               <a:ext cx="63202" cy="63202"/>
             </a:xfrm>
             <a:custGeom>
@@ -19280,7 +19280,7 @@
           </p:nvSpPr>
           <p:spPr>
             <a:xfrm>
-              <a:off x="4501595" y="5993916"/>
+              <a:off x="5075806" y="5993985"/>
               <a:ext cx="63202" cy="63202"/>
             </a:xfrm>
             <a:custGeom>
@@ -19323,7 +19323,7 @@
           </p:nvSpPr>
           <p:spPr>
             <a:xfrm>
-              <a:off x="4548263" y="5977262"/>
+              <a:off x="4527289" y="5977378"/>
               <a:ext cx="63202" cy="63202"/>
             </a:xfrm>
             <a:custGeom>
@@ -19366,7 +19366,7 @@
           </p:nvSpPr>
           <p:spPr>
             <a:xfrm>
-              <a:off x="4816155" y="5974146"/>
+              <a:off x="4908346" y="5974059"/>
               <a:ext cx="63202" cy="63202"/>
             </a:xfrm>
             <a:custGeom>
@@ -19409,7 +19409,7 @@
           </p:nvSpPr>
           <p:spPr>
             <a:xfrm>
-              <a:off x="4777801" y="5994289"/>
+              <a:off x="5055824" y="5994369"/>
               <a:ext cx="63202" cy="63202"/>
             </a:xfrm>
             <a:custGeom>
@@ -19452,7 +19452,7 @@
           </p:nvSpPr>
           <p:spPr>
             <a:xfrm>
-              <a:off x="4758675" y="5986304"/>
+              <a:off x="4644544" y="5986302"/>
               <a:ext cx="63202" cy="63202"/>
             </a:xfrm>
             <a:custGeom>
@@ -19495,7 +19495,7 @@
           </p:nvSpPr>
           <p:spPr>
             <a:xfrm>
-              <a:off x="4999038" y="6000858"/>
+              <a:off x="4585391" y="6000911"/>
               <a:ext cx="63202" cy="63202"/>
             </a:xfrm>
             <a:custGeom>
@@ -19538,7 +19538,7 @@
           </p:nvSpPr>
           <p:spPr>
             <a:xfrm>
-              <a:off x="4794623" y="5991428"/>
+              <a:off x="5131872" y="5991351"/>
               <a:ext cx="63202" cy="63202"/>
             </a:xfrm>
             <a:custGeom>
@@ -19581,7 +19581,7 @@
           </p:nvSpPr>
           <p:spPr>
             <a:xfrm>
-              <a:off x="4881598" y="5977723"/>
+              <a:off x="4800489" y="5977710"/>
               <a:ext cx="63202" cy="63202"/>
             </a:xfrm>
             <a:custGeom>
@@ -19624,7 +19624,7 @@
           </p:nvSpPr>
           <p:spPr>
             <a:xfrm>
-              <a:off x="4749358" y="5974133"/>
+              <a:off x="4891709" y="5974197"/>
               <a:ext cx="63202" cy="63202"/>
             </a:xfrm>
             <a:custGeom>
@@ -19667,7 +19667,7 @@
           </p:nvSpPr>
           <p:spPr>
             <a:xfrm>
-              <a:off x="4941053" y="5974704"/>
+              <a:off x="4810412" y="5974827"/>
               <a:ext cx="63202" cy="63202"/>
             </a:xfrm>
             <a:custGeom>
@@ -19710,7 +19710,7 @@
           </p:nvSpPr>
           <p:spPr>
             <a:xfrm>
-              <a:off x="4946693" y="5982689"/>
+              <a:off x="4924134" y="5982794"/>
               <a:ext cx="63202" cy="63202"/>
             </a:xfrm>
             <a:custGeom>
@@ -19753,7 +19753,7 @@
           </p:nvSpPr>
           <p:spPr>
             <a:xfrm>
-              <a:off x="4988718" y="5970122"/>
+              <a:off x="5018738" y="5970123"/>
               <a:ext cx="63202" cy="63202"/>
             </a:xfrm>
             <a:custGeom>
@@ -19796,7 +19796,7 @@
           </p:nvSpPr>
           <p:spPr>
             <a:xfrm>
-              <a:off x="4979180" y="5986105"/>
+              <a:off x="4979006" y="5986091"/>
               <a:ext cx="63202" cy="63202"/>
             </a:xfrm>
             <a:custGeom>
@@ -19839,7 +19839,7 @@
           </p:nvSpPr>
           <p:spPr>
             <a:xfrm>
-              <a:off x="4918696" y="5978488"/>
+              <a:off x="4753315" y="5978521"/>
               <a:ext cx="63202" cy="63202"/>
             </a:xfrm>
             <a:custGeom>
@@ -19882,7 +19882,7 @@
           </p:nvSpPr>
           <p:spPr>
             <a:xfrm>
-              <a:off x="6766010" y="6607664"/>
+              <a:off x="6865036" y="6607560"/>
               <a:ext cx="63202" cy="63202"/>
             </a:xfrm>
             <a:custGeom>
@@ -19925,7 +19925,7 @@
           </p:nvSpPr>
           <p:spPr>
             <a:xfrm>
-              <a:off x="4594794" y="5975790"/>
+              <a:off x="4974699" y="5975818"/>
               <a:ext cx="63202" cy="63202"/>
             </a:xfrm>
             <a:custGeom>
@@ -19968,7 +19968,7 @@
           </p:nvSpPr>
           <p:spPr>
             <a:xfrm>
-              <a:off x="4453534" y="6001303"/>
+              <a:off x="4927200" y="6001388"/>
               <a:ext cx="63202" cy="63202"/>
             </a:xfrm>
             <a:custGeom>
@@ -20011,7 +20011,7 @@
           </p:nvSpPr>
           <p:spPr>
             <a:xfrm>
-              <a:off x="4603689" y="5993913"/>
+              <a:off x="4781188" y="5993937"/>
               <a:ext cx="63202" cy="63202"/>
             </a:xfrm>
             <a:custGeom>
@@ -20054,7 +20054,7 @@
           </p:nvSpPr>
           <p:spPr>
             <a:xfrm>
-              <a:off x="5030676" y="5973270"/>
+              <a:off x="4954186" y="5973368"/>
               <a:ext cx="63202" cy="63202"/>
             </a:xfrm>
             <a:custGeom>
@@ -20097,7 +20097,7 @@
           </p:nvSpPr>
           <p:spPr>
             <a:xfrm>
-              <a:off x="5123818" y="6115893"/>
+              <a:off x="5111768" y="6115781"/>
               <a:ext cx="63202" cy="63202"/>
             </a:xfrm>
             <a:custGeom>
@@ -20140,7 +20140,7 @@
           </p:nvSpPr>
           <p:spPr>
             <a:xfrm>
-              <a:off x="5448052" y="6482689"/>
+              <a:off x="5480803" y="6482616"/>
               <a:ext cx="63202" cy="63202"/>
             </a:xfrm>
             <a:custGeom>
@@ -20183,7 +20183,7 @@
           </p:nvSpPr>
           <p:spPr>
             <a:xfrm>
-              <a:off x="4560949" y="6002600"/>
+              <a:off x="4552138" y="6002646"/>
               <a:ext cx="63202" cy="63202"/>
             </a:xfrm>
             <a:custGeom>
@@ -20226,7 +20226,7 @@
           </p:nvSpPr>
           <p:spPr>
             <a:xfrm>
-              <a:off x="4631692" y="5997481"/>
+              <a:off x="4663190" y="5997530"/>
               <a:ext cx="63202" cy="63202"/>
             </a:xfrm>
             <a:custGeom>
@@ -20269,7 +20269,7 @@
           </p:nvSpPr>
           <p:spPr>
             <a:xfrm>
-              <a:off x="5046195" y="5969954"/>
+              <a:off x="4844296" y="5969971"/>
               <a:ext cx="63202" cy="63202"/>
             </a:xfrm>
             <a:custGeom>
@@ -20312,7 +20312,7 @@
           </p:nvSpPr>
           <p:spPr>
             <a:xfrm>
-              <a:off x="4852195" y="6079626"/>
+              <a:off x="4951868" y="6079590"/>
               <a:ext cx="63202" cy="63202"/>
             </a:xfrm>
             <a:custGeom>
@@ -20355,7 +20355,7 @@
           </p:nvSpPr>
           <p:spPr>
             <a:xfrm>
-              <a:off x="4952685" y="5966886"/>
+              <a:off x="4605378" y="5967004"/>
               <a:ext cx="63202" cy="63202"/>
             </a:xfrm>
             <a:custGeom>
@@ -20398,7 +20398,7 @@
           </p:nvSpPr>
           <p:spPr>
             <a:xfrm>
-              <a:off x="4851691" y="5996417"/>
+              <a:off x="4864299" y="5996564"/>
               <a:ext cx="63202" cy="63202"/>
             </a:xfrm>
             <a:custGeom>
@@ -20441,7 +20441,7 @@
           </p:nvSpPr>
           <p:spPr>
             <a:xfrm>
-              <a:off x="4769340" y="6029846"/>
+              <a:off x="4956388" y="6029784"/>
               <a:ext cx="63202" cy="63202"/>
             </a:xfrm>
             <a:custGeom>
@@ -20484,7 +20484,7 @@
           </p:nvSpPr>
           <p:spPr>
             <a:xfrm>
-              <a:off x="4640200" y="6197851"/>
+              <a:off x="4448423" y="6197948"/>
               <a:ext cx="63202" cy="63202"/>
             </a:xfrm>
             <a:custGeom>
@@ -20527,7 +20527,7 @@
           </p:nvSpPr>
           <p:spPr>
             <a:xfrm>
-              <a:off x="4656589" y="5986176"/>
+              <a:off x="4753662" y="5986093"/>
               <a:ext cx="63202" cy="63202"/>
             </a:xfrm>
             <a:custGeom>
@@ -20570,7 +20570,7 @@
           </p:nvSpPr>
           <p:spPr>
             <a:xfrm>
-              <a:off x="4708127" y="5975530"/>
+              <a:off x="4908010" y="5975673"/>
               <a:ext cx="63202" cy="63202"/>
             </a:xfrm>
             <a:custGeom>
@@ -20613,7 +20613,7 @@
           </p:nvSpPr>
           <p:spPr>
             <a:xfrm>
-              <a:off x="4962930" y="6013517"/>
+              <a:off x="4638033" y="6013547"/>
               <a:ext cx="63202" cy="63202"/>
             </a:xfrm>
             <a:custGeom>
@@ -20656,7 +20656,7 @@
           </p:nvSpPr>
           <p:spPr>
             <a:xfrm>
-              <a:off x="4853281" y="6198171"/>
+              <a:off x="5100474" y="6198072"/>
               <a:ext cx="63202" cy="63202"/>
             </a:xfrm>
             <a:custGeom>
@@ -20699,7 +20699,7 @@
           </p:nvSpPr>
           <p:spPr>
             <a:xfrm>
-              <a:off x="5073640" y="6099417"/>
+              <a:off x="4705603" y="6099452"/>
               <a:ext cx="63202" cy="63202"/>
             </a:xfrm>
             <a:custGeom>
@@ -20742,7 +20742,7 @@
           </p:nvSpPr>
           <p:spPr>
             <a:xfrm>
-              <a:off x="4504777" y="6330632"/>
+              <a:off x="4495703" y="6330569"/>
               <a:ext cx="63202" cy="63202"/>
             </a:xfrm>
             <a:custGeom>
@@ -20785,7 +20785,7 @@
           </p:nvSpPr>
           <p:spPr>
             <a:xfrm>
-              <a:off x="4631703" y="6004087"/>
+              <a:off x="4446176" y="6004033"/>
               <a:ext cx="63202" cy="63202"/>
             </a:xfrm>
             <a:custGeom>
@@ -20828,7 +20828,7 @@
           </p:nvSpPr>
           <p:spPr>
             <a:xfrm>
-              <a:off x="5560641" y="6631393"/>
+              <a:off x="5940168" y="6631191"/>
               <a:ext cx="63202" cy="63202"/>
             </a:xfrm>
             <a:custGeom>
@@ -20871,7 +20871,7 @@
           </p:nvSpPr>
           <p:spPr>
             <a:xfrm>
-              <a:off x="4724045" y="5985847"/>
+              <a:off x="4591570" y="5986004"/>
               <a:ext cx="63202" cy="63202"/>
             </a:xfrm>
             <a:custGeom>
@@ -20914,7 +20914,7 @@
           </p:nvSpPr>
           <p:spPr>
             <a:xfrm>
-              <a:off x="4684259" y="5988878"/>
+              <a:off x="5088147" y="5988906"/>
               <a:ext cx="63202" cy="63202"/>
             </a:xfrm>
             <a:custGeom>
@@ -20957,7 +20957,7 @@
           </p:nvSpPr>
           <p:spPr>
             <a:xfrm>
-              <a:off x="4577128" y="5983203"/>
+              <a:off x="4803794" y="5983250"/>
               <a:ext cx="63202" cy="63202"/>
             </a:xfrm>
             <a:custGeom>
@@ -21000,7 +21000,7 @@
           </p:nvSpPr>
           <p:spPr>
             <a:xfrm>
-              <a:off x="4986956" y="6228871"/>
+              <a:off x="4759102" y="6228948"/>
               <a:ext cx="63202" cy="63202"/>
             </a:xfrm>
             <a:custGeom>
@@ -21043,7 +21043,7 @@
           </p:nvSpPr>
           <p:spPr>
             <a:xfrm>
-              <a:off x="5120110" y="5974942"/>
+              <a:off x="4854562" y="5974977"/>
               <a:ext cx="63202" cy="63202"/>
             </a:xfrm>
             <a:custGeom>
@@ -21086,7 +21086,7 @@
           </p:nvSpPr>
           <p:spPr>
             <a:xfrm>
-              <a:off x="4901251" y="6008361"/>
+              <a:off x="4542274" y="6008219"/>
               <a:ext cx="63202" cy="63202"/>
             </a:xfrm>
             <a:custGeom>
@@ -21129,7 +21129,7 @@
           </p:nvSpPr>
           <p:spPr>
             <a:xfrm>
-              <a:off x="5047426" y="6059137"/>
+              <a:off x="4514300" y="6059183"/>
               <a:ext cx="63202" cy="63202"/>
             </a:xfrm>
             <a:custGeom>
@@ -21172,7 +21172,7 @@
           </p:nvSpPr>
           <p:spPr>
             <a:xfrm>
-              <a:off x="4620761" y="5973674"/>
+              <a:off x="4883282" y="5973705"/>
               <a:ext cx="63202" cy="63202"/>
             </a:xfrm>
             <a:custGeom>
@@ -21215,7 +21215,7 @@
           </p:nvSpPr>
           <p:spPr>
             <a:xfrm>
-              <a:off x="4834566" y="5987026"/>
+              <a:off x="4666248" y="5987072"/>
               <a:ext cx="63202" cy="63202"/>
             </a:xfrm>
             <a:custGeom>
@@ -21258,7 +21258,7 @@
           </p:nvSpPr>
           <p:spPr>
             <a:xfrm>
-              <a:off x="4811805" y="5977211"/>
+              <a:off x="4444923" y="5977252"/>
               <a:ext cx="63202" cy="63202"/>
             </a:xfrm>
             <a:custGeom>
@@ -21301,7 +21301,7 @@
           </p:nvSpPr>
           <p:spPr>
             <a:xfrm>
-              <a:off x="4889221" y="5991335"/>
+              <a:off x="4718524" y="5991469"/>
               <a:ext cx="63202" cy="63202"/>
             </a:xfrm>
             <a:custGeom>
@@ -21344,7 +21344,7 @@
           </p:nvSpPr>
           <p:spPr>
             <a:xfrm>
-              <a:off x="4529169" y="5977054"/>
+              <a:off x="4667903" y="5977164"/>
               <a:ext cx="63202" cy="63202"/>
             </a:xfrm>
             <a:custGeom>
@@ -21387,7 +21387,7 @@
           </p:nvSpPr>
           <p:spPr>
             <a:xfrm>
-              <a:off x="4705374" y="6170139"/>
+              <a:off x="5036331" y="6170088"/>
               <a:ext cx="63202" cy="63202"/>
             </a:xfrm>
             <a:custGeom>
@@ -21430,7 +21430,7 @@
           </p:nvSpPr>
           <p:spPr>
             <a:xfrm>
-              <a:off x="4478527" y="5981772"/>
+              <a:off x="4532428" y="5981651"/>
               <a:ext cx="63202" cy="63202"/>
             </a:xfrm>
             <a:custGeom>
@@ -21473,7 +21473,7 @@
           </p:nvSpPr>
           <p:spPr>
             <a:xfrm>
-              <a:off x="4850686" y="6011249"/>
+              <a:off x="4590346" y="6011314"/>
               <a:ext cx="63202" cy="63202"/>
             </a:xfrm>
             <a:custGeom>
@@ -21516,7 +21516,7 @@
           </p:nvSpPr>
           <p:spPr>
             <a:xfrm>
-              <a:off x="4854103" y="5981838"/>
+              <a:off x="4904653" y="5981939"/>
               <a:ext cx="63202" cy="63202"/>
             </a:xfrm>
             <a:custGeom>
@@ -21559,7 +21559,7 @@
           </p:nvSpPr>
           <p:spPr>
             <a:xfrm>
-              <a:off x="4919347" y="6249232"/>
+              <a:off x="4753956" y="6249131"/>
               <a:ext cx="63202" cy="63202"/>
             </a:xfrm>
             <a:custGeom>
@@ -21602,7 +21602,7 @@
           </p:nvSpPr>
           <p:spPr>
             <a:xfrm>
-              <a:off x="4469488" y="5971941"/>
+              <a:off x="4606886" y="5972071"/>
               <a:ext cx="63202" cy="63202"/>
             </a:xfrm>
             <a:custGeom>
@@ -21645,7 +21645,7 @@
           </p:nvSpPr>
           <p:spPr>
             <a:xfrm>
-              <a:off x="4914416" y="6001368"/>
+              <a:off x="4454205" y="6001303"/>
               <a:ext cx="63202" cy="63202"/>
             </a:xfrm>
             <a:custGeom>
@@ -21688,7 +21688,7 @@
           </p:nvSpPr>
           <p:spPr>
             <a:xfrm>
-              <a:off x="4483300" y="5972374"/>
+              <a:off x="4799083" y="5972402"/>
               <a:ext cx="63202" cy="63202"/>
             </a:xfrm>
             <a:custGeom>
@@ -21731,7 +21731,7 @@
           </p:nvSpPr>
           <p:spPr>
             <a:xfrm>
-              <a:off x="5875231" y="6480675"/>
+              <a:off x="5581867" y="6480677"/>
               <a:ext cx="63202" cy="63202"/>
             </a:xfrm>
             <a:custGeom>
@@ -21774,7 +21774,7 @@
           </p:nvSpPr>
           <p:spPr>
             <a:xfrm>
-              <a:off x="5689537" y="6412988"/>
+              <a:off x="5860938" y="6412928"/>
               <a:ext cx="63202" cy="63202"/>
             </a:xfrm>
             <a:custGeom>
@@ -21817,7 +21817,7 @@
           </p:nvSpPr>
           <p:spPr>
             <a:xfrm>
-              <a:off x="4504803" y="5998739"/>
+              <a:off x="4572996" y="5998819"/>
               <a:ext cx="63202" cy="63202"/>
             </a:xfrm>
             <a:custGeom>
@@ -21860,7 +21860,7 @@
           </p:nvSpPr>
           <p:spPr>
             <a:xfrm>
-              <a:off x="5046118" y="5969827"/>
+              <a:off x="4812861" y="5969885"/>
               <a:ext cx="63202" cy="63202"/>
             </a:xfrm>
             <a:custGeom>
@@ -21903,7 +21903,7 @@
           </p:nvSpPr>
           <p:spPr>
             <a:xfrm>
-              <a:off x="4515697" y="5969828"/>
+              <a:off x="4882857" y="5969870"/>
               <a:ext cx="63202" cy="63202"/>
             </a:xfrm>
             <a:custGeom>
@@ -21946,7 +21946,7 @@
           </p:nvSpPr>
           <p:spPr>
             <a:xfrm>
-              <a:off x="4765762" y="5969861"/>
+              <a:off x="4739621" y="5969994"/>
               <a:ext cx="63202" cy="63202"/>
             </a:xfrm>
             <a:custGeom>
@@ -21989,7 +21989,7 @@
           </p:nvSpPr>
           <p:spPr>
             <a:xfrm>
-              <a:off x="5002277" y="5969870"/>
+              <a:off x="4581487" y="5969862"/>
               <a:ext cx="63202" cy="63202"/>
             </a:xfrm>
             <a:custGeom>
@@ -22032,7 +22032,7 @@
           </p:nvSpPr>
           <p:spPr>
             <a:xfrm>
-              <a:off x="5029695" y="6000501"/>
+              <a:off x="4608969" y="6000467"/>
               <a:ext cx="63202" cy="63202"/>
             </a:xfrm>
             <a:custGeom>
@@ -22075,7 +22075,7 @@
           </p:nvSpPr>
           <p:spPr>
             <a:xfrm>
-              <a:off x="4915877" y="6148727"/>
+              <a:off x="4677243" y="6148754"/>
               <a:ext cx="63202" cy="63202"/>
             </a:xfrm>
             <a:custGeom>
@@ -22118,7 +22118,7 @@
           </p:nvSpPr>
           <p:spPr>
             <a:xfrm>
-              <a:off x="4926061" y="5968554"/>
+              <a:off x="4565592" y="5968726"/>
               <a:ext cx="63202" cy="63202"/>
             </a:xfrm>
             <a:custGeom>
@@ -22161,7 +22161,7 @@
           </p:nvSpPr>
           <p:spPr>
             <a:xfrm>
-              <a:off x="5122946" y="5990201"/>
+              <a:off x="4898618" y="5990217"/>
               <a:ext cx="63202" cy="63202"/>
             </a:xfrm>
             <a:custGeom>
@@ -22204,7 +22204,7 @@
           </p:nvSpPr>
           <p:spPr>
             <a:xfrm>
-              <a:off x="4562491" y="5995496"/>
+              <a:off x="5059041" y="5995486"/>
               <a:ext cx="63202" cy="63202"/>
             </a:xfrm>
             <a:custGeom>
@@ -22247,7 +22247,7 @@
           </p:nvSpPr>
           <p:spPr>
             <a:xfrm>
-              <a:off x="4763091" y="5976288"/>
+              <a:off x="5017366" y="5976188"/>
               <a:ext cx="63202" cy="63202"/>
             </a:xfrm>
             <a:custGeom>
@@ -22290,7 +22290,7 @@
           </p:nvSpPr>
           <p:spPr>
             <a:xfrm>
-              <a:off x="4452856" y="5983532"/>
+              <a:off x="4810466" y="5983574"/>
               <a:ext cx="63202" cy="63202"/>
             </a:xfrm>
             <a:custGeom>
@@ -22333,7 +22333,7 @@
           </p:nvSpPr>
           <p:spPr>
             <a:xfrm>
-              <a:off x="6892675" y="6806261"/>
+              <a:off x="6241051" y="6806132"/>
               <a:ext cx="63202" cy="63202"/>
             </a:xfrm>
             <a:custGeom>
@@ -22376,7 +22376,7 @@
           </p:nvSpPr>
           <p:spPr>
             <a:xfrm>
-              <a:off x="4504917" y="6073232"/>
+              <a:off x="4610354" y="6073326"/>
               <a:ext cx="63202" cy="63202"/>
             </a:xfrm>
             <a:custGeom>
@@ -22419,7 +22419,7 @@
           </p:nvSpPr>
           <p:spPr>
             <a:xfrm>
-              <a:off x="4807175" y="6000885"/>
+              <a:off x="4873725" y="6000983"/>
               <a:ext cx="63202" cy="63202"/>
             </a:xfrm>
             <a:custGeom>
@@ -22462,7 +22462,7 @@
           </p:nvSpPr>
           <p:spPr>
             <a:xfrm>
-              <a:off x="4888543" y="5972774"/>
+              <a:off x="4522641" y="5972791"/>
               <a:ext cx="63202" cy="63202"/>
             </a:xfrm>
             <a:custGeom>
@@ -22505,7 +22505,7 @@
           </p:nvSpPr>
           <p:spPr>
             <a:xfrm>
-              <a:off x="4754478" y="5979241"/>
+              <a:off x="4612442" y="5979220"/>
               <a:ext cx="63202" cy="63202"/>
             </a:xfrm>
             <a:custGeom>
@@ -22548,7 +22548,7 @@
           </p:nvSpPr>
           <p:spPr>
             <a:xfrm>
-              <a:off x="4923030" y="6092006"/>
+              <a:off x="4540118" y="6091947"/>
               <a:ext cx="63202" cy="63202"/>
             </a:xfrm>
             <a:custGeom>
@@ -22591,7 +22591,7 @@
           </p:nvSpPr>
           <p:spPr>
             <a:xfrm>
-              <a:off x="4790015" y="6002514"/>
+              <a:off x="4922995" y="6002574"/>
               <a:ext cx="63202" cy="63202"/>
             </a:xfrm>
             <a:custGeom>
@@ -22634,7 +22634,7 @@
           </p:nvSpPr>
           <p:spPr>
             <a:xfrm>
-              <a:off x="4857028" y="5985324"/>
+              <a:off x="4441819" y="5985356"/>
               <a:ext cx="63202" cy="63202"/>
             </a:xfrm>
             <a:custGeom>
@@ -22677,7 +22677,7 @@
           </p:nvSpPr>
           <p:spPr>
             <a:xfrm>
-              <a:off x="4895624" y="6107791"/>
+              <a:off x="4877359" y="6107866"/>
               <a:ext cx="63202" cy="63202"/>
             </a:xfrm>
             <a:custGeom>
@@ -22720,7 +22720,7 @@
           </p:nvSpPr>
           <p:spPr>
             <a:xfrm>
-              <a:off x="4719860" y="5972372"/>
+              <a:off x="4919089" y="5972393"/>
               <a:ext cx="63202" cy="63202"/>
             </a:xfrm>
             <a:custGeom>
@@ -22763,7 +22763,7 @@
           </p:nvSpPr>
           <p:spPr>
             <a:xfrm>
-              <a:off x="4526743" y="5984058"/>
+              <a:off x="4651100" y="5984069"/>
               <a:ext cx="63202" cy="63202"/>
             </a:xfrm>
             <a:custGeom>
@@ -22806,7 +22806,7 @@
           </p:nvSpPr>
           <p:spPr>
             <a:xfrm>
-              <a:off x="5928116" y="6478715"/>
+              <a:off x="5459327" y="6478502"/>
               <a:ext cx="63202" cy="63202"/>
             </a:xfrm>
             <a:custGeom>
@@ -22849,7 +22849,7 @@
           </p:nvSpPr>
           <p:spPr>
             <a:xfrm>
-              <a:off x="5986830" y="6478588"/>
+              <a:off x="5775061" y="6478555"/>
               <a:ext cx="63202" cy="63202"/>
             </a:xfrm>
             <a:custGeom>
@@ -22892,7 +22892,7 @@
           </p:nvSpPr>
           <p:spPr>
             <a:xfrm>
-              <a:off x="4485733" y="5977286"/>
+              <a:off x="5022576" y="5977358"/>
               <a:ext cx="63202" cy="63202"/>
             </a:xfrm>
             <a:custGeom>
@@ -22935,7 +22935,7 @@
           </p:nvSpPr>
           <p:spPr>
             <a:xfrm>
-              <a:off x="4970353" y="5969958"/>
+              <a:off x="5082647" y="5969907"/>
               <a:ext cx="63202" cy="63202"/>
             </a:xfrm>
             <a:custGeom>
@@ -22978,7 +22978,7 @@
           </p:nvSpPr>
           <p:spPr>
             <a:xfrm>
-              <a:off x="5325422" y="6652650"/>
+              <a:off x="5687749" y="6652525"/>
               <a:ext cx="63202" cy="63202"/>
             </a:xfrm>
             <a:custGeom>
@@ -23021,7 +23021,7 @@
           </p:nvSpPr>
           <p:spPr>
             <a:xfrm>
-              <a:off x="5918493" y="6596562"/>
+              <a:off x="5925994" y="6596421"/>
               <a:ext cx="63202" cy="63202"/>
             </a:xfrm>
             <a:custGeom>
@@ -23064,7 +23064,7 @@
           </p:nvSpPr>
           <p:spPr>
             <a:xfrm>
-              <a:off x="4611295" y="6086932"/>
+              <a:off x="5007595" y="6086941"/>
               <a:ext cx="63202" cy="63202"/>
             </a:xfrm>
             <a:custGeom>
@@ -23107,7 +23107,7 @@
           </p:nvSpPr>
           <p:spPr>
             <a:xfrm>
-              <a:off x="4545053" y="5990794"/>
+              <a:off x="5129117" y="5990848"/>
               <a:ext cx="63202" cy="63202"/>
             </a:xfrm>
             <a:custGeom>
@@ -23150,7 +23150,7 @@
           </p:nvSpPr>
           <p:spPr>
             <a:xfrm>
-              <a:off x="4922445" y="6034445"/>
+              <a:off x="5124786" y="6034397"/>
               <a:ext cx="63202" cy="63202"/>
             </a:xfrm>
             <a:custGeom>
@@ -23193,7 +23193,7 @@
           </p:nvSpPr>
           <p:spPr>
             <a:xfrm>
-              <a:off x="5671741" y="6162665"/>
+              <a:off x="5854783" y="6162701"/>
               <a:ext cx="63202" cy="63202"/>
             </a:xfrm>
             <a:custGeom>
@@ -23236,7 +23236,7 @@
           </p:nvSpPr>
           <p:spPr>
             <a:xfrm>
-              <a:off x="4498816" y="5992004"/>
+              <a:off x="4624997" y="5992025"/>
               <a:ext cx="63202" cy="63202"/>
             </a:xfrm>
             <a:custGeom>
@@ -23279,7 +23279,7 @@
           </p:nvSpPr>
           <p:spPr>
             <a:xfrm>
-              <a:off x="4498615" y="6244930"/>
+              <a:off x="4652394" y="6244926"/>
               <a:ext cx="63202" cy="63202"/>
             </a:xfrm>
             <a:custGeom>
@@ -23322,7 +23322,7 @@
           </p:nvSpPr>
           <p:spPr>
             <a:xfrm>
-              <a:off x="4588487" y="6045476"/>
+              <a:off x="4459523" y="6045489"/>
               <a:ext cx="63202" cy="63202"/>
             </a:xfrm>
             <a:custGeom>
@@ -23365,7 +23365,7 @@
           </p:nvSpPr>
           <p:spPr>
             <a:xfrm>
-              <a:off x="4855257" y="6007711"/>
+              <a:off x="4561151" y="6007658"/>
               <a:ext cx="63202" cy="63202"/>
             </a:xfrm>
             <a:custGeom>
@@ -23408,7 +23408,7 @@
           </p:nvSpPr>
           <p:spPr>
             <a:xfrm>
-              <a:off x="4526358" y="6004648"/>
+              <a:off x="4574053" y="6004711"/>
               <a:ext cx="63202" cy="63202"/>
             </a:xfrm>
             <a:custGeom>
@@ -23451,7 +23451,7 @@
           </p:nvSpPr>
           <p:spPr>
             <a:xfrm>
-              <a:off x="4646919" y="6095791"/>
+              <a:off x="4518291" y="6095799"/>
               <a:ext cx="63202" cy="63202"/>
             </a:xfrm>
             <a:custGeom>
@@ -23494,7 +23494,7 @@
           </p:nvSpPr>
           <p:spPr>
             <a:xfrm>
-              <a:off x="4614820" y="5993265"/>
+              <a:off x="4866005" y="5993356"/>
               <a:ext cx="63202" cy="63202"/>
             </a:xfrm>
             <a:custGeom>
@@ -23537,7 +23537,7 @@
           </p:nvSpPr>
           <p:spPr>
             <a:xfrm>
-              <a:off x="4597498" y="5981843"/>
+              <a:off x="4532663" y="5981959"/>
               <a:ext cx="63202" cy="63202"/>
             </a:xfrm>
             <a:custGeom>
@@ -23580,7 +23580,7 @@
           </p:nvSpPr>
           <p:spPr>
             <a:xfrm>
-              <a:off x="5909150" y="6613405"/>
+              <a:off x="5863316" y="6613291"/>
               <a:ext cx="63202" cy="63202"/>
             </a:xfrm>
             <a:custGeom>
@@ -23623,7 +23623,7 @@
           </p:nvSpPr>
           <p:spPr>
             <a:xfrm>
-              <a:off x="4875945" y="5972030"/>
+              <a:off x="4504930" y="5972037"/>
               <a:ext cx="63202" cy="63202"/>
             </a:xfrm>
             <a:custGeom>
@@ -23666,7 +23666,7 @@
           </p:nvSpPr>
           <p:spPr>
             <a:xfrm>
-              <a:off x="4622554" y="5994018"/>
+              <a:off x="4945200" y="5993978"/>
               <a:ext cx="63202" cy="63202"/>
             </a:xfrm>
             <a:custGeom>
@@ -23709,7 +23709,7 @@
           </p:nvSpPr>
           <p:spPr>
             <a:xfrm>
-              <a:off x="4444069" y="5982263"/>
+              <a:off x="4724916" y="5982396"/>
               <a:ext cx="63202" cy="63202"/>
             </a:xfrm>
             <a:custGeom>
@@ -23752,7 +23752,7 @@
           </p:nvSpPr>
           <p:spPr>
             <a:xfrm>
-              <a:off x="4968805" y="5994823"/>
+              <a:off x="4913275" y="5994716"/>
               <a:ext cx="63202" cy="63202"/>
             </a:xfrm>
             <a:custGeom>
@@ -23795,7 +23795,7 @@
           </p:nvSpPr>
           <p:spPr>
             <a:xfrm>
-              <a:off x="4804650" y="6002547"/>
+              <a:off x="4818081" y="6002570"/>
               <a:ext cx="63202" cy="63202"/>
             </a:xfrm>
             <a:custGeom>
@@ -23838,7 +23838,7 @@
           </p:nvSpPr>
           <p:spPr>
             <a:xfrm>
-              <a:off x="4810337" y="5975246"/>
+              <a:off x="4910580" y="5975258"/>
               <a:ext cx="63202" cy="63202"/>
             </a:xfrm>
             <a:custGeom>
@@ -23881,7 +23881,7 @@
           </p:nvSpPr>
           <p:spPr>
             <a:xfrm>
-              <a:off x="4941233" y="5981688"/>
+              <a:off x="4703814" y="5981671"/>
               <a:ext cx="63202" cy="63202"/>
             </a:xfrm>
             <a:custGeom>
@@ -23924,7 +23924,7 @@
           </p:nvSpPr>
           <p:spPr>
             <a:xfrm>
-              <a:off x="4851324" y="6248446"/>
+              <a:off x="5020483" y="6248563"/>
               <a:ext cx="63202" cy="63202"/>
             </a:xfrm>
             <a:custGeom>
@@ -23967,7 +23967,7 @@
           </p:nvSpPr>
           <p:spPr>
             <a:xfrm>
-              <a:off x="4865321" y="6002741"/>
+              <a:off x="5076958" y="6002803"/>
               <a:ext cx="63202" cy="63202"/>
             </a:xfrm>
             <a:custGeom>
@@ -24010,7 +24010,7 @@
           </p:nvSpPr>
           <p:spPr>
             <a:xfrm>
-              <a:off x="4774332" y="6001953"/>
+              <a:off x="4861027" y="6001976"/>
               <a:ext cx="63202" cy="63202"/>
             </a:xfrm>
             <a:custGeom>
@@ -24053,7 +24053,7 @@
           </p:nvSpPr>
           <p:spPr>
             <a:xfrm>
-              <a:off x="4840734" y="6001284"/>
+              <a:off x="4504562" y="6001288"/>
               <a:ext cx="63202" cy="63202"/>
             </a:xfrm>
             <a:custGeom>
@@ -24096,7 +24096,7 @@
           </p:nvSpPr>
           <p:spPr>
             <a:xfrm>
-              <a:off x="4859236" y="6026695"/>
+              <a:off x="4447097" y="6026637"/>
               <a:ext cx="63202" cy="63202"/>
             </a:xfrm>
             <a:custGeom>
@@ -24139,7 +24139,7 @@
           </p:nvSpPr>
           <p:spPr>
             <a:xfrm>
-              <a:off x="4766043" y="6032144"/>
+              <a:off x="5053746" y="6032055"/>
               <a:ext cx="63202" cy="63202"/>
             </a:xfrm>
             <a:custGeom>
@@ -24182,7 +24182,7 @@
           </p:nvSpPr>
           <p:spPr>
             <a:xfrm>
-              <a:off x="4946776" y="5972407"/>
+              <a:off x="4740891" y="5972447"/>
               <a:ext cx="63202" cy="63202"/>
             </a:xfrm>
             <a:custGeom>
@@ -24225,7 +24225,7 @@
           </p:nvSpPr>
           <p:spPr>
             <a:xfrm>
-              <a:off x="5063640" y="6002411"/>
+              <a:off x="4627010" y="6002436"/>
               <a:ext cx="63202" cy="63202"/>
             </a:xfrm>
             <a:custGeom>
@@ -24268,7 +24268,7 @@
           </p:nvSpPr>
           <p:spPr>
             <a:xfrm>
-              <a:off x="4873277" y="6002321"/>
+              <a:off x="5028144" y="6002438"/>
               <a:ext cx="63202" cy="63202"/>
             </a:xfrm>
             <a:custGeom>
@@ -24311,7 +24311,7 @@
           </p:nvSpPr>
           <p:spPr>
             <a:xfrm>
-              <a:off x="4941809" y="5984744"/>
+              <a:off x="4748365" y="5984759"/>
               <a:ext cx="63202" cy="63202"/>
             </a:xfrm>
             <a:custGeom>
@@ -24354,7 +24354,7 @@
           </p:nvSpPr>
           <p:spPr>
             <a:xfrm>
-              <a:off x="4603852" y="5995024"/>
+              <a:off x="4568202" y="5995081"/>
               <a:ext cx="63202" cy="63202"/>
             </a:xfrm>
             <a:custGeom>
@@ -24397,7 +24397,7 @@
           </p:nvSpPr>
           <p:spPr>
             <a:xfrm>
-              <a:off x="4633711" y="5982348"/>
+              <a:off x="5019032" y="5982332"/>
               <a:ext cx="63202" cy="63202"/>
             </a:xfrm>
             <a:custGeom>
@@ -24440,7 +24440,7 @@
           </p:nvSpPr>
           <p:spPr>
             <a:xfrm>
-              <a:off x="4691254" y="5969861"/>
+              <a:off x="4776740" y="5969953"/>
               <a:ext cx="63202" cy="63202"/>
             </a:xfrm>
             <a:custGeom>
@@ -24483,7 +24483,7 @@
           </p:nvSpPr>
           <p:spPr>
             <a:xfrm>
-              <a:off x="4537212" y="5989671"/>
+              <a:off x="4910351" y="5989810"/>
               <a:ext cx="63202" cy="63202"/>
             </a:xfrm>
             <a:custGeom>
@@ -24526,7 +24526,7 @@
           </p:nvSpPr>
           <p:spPr>
             <a:xfrm>
-              <a:off x="4956962" y="6004563"/>
+              <a:off x="4819564" y="6004456"/>
               <a:ext cx="63202" cy="63202"/>
             </a:xfrm>
             <a:custGeom>
@@ -24569,7 +24569,7 @@
           </p:nvSpPr>
           <p:spPr>
             <a:xfrm>
-              <a:off x="4872122" y="6226731"/>
+              <a:off x="5111590" y="6226823"/>
               <a:ext cx="63202" cy="63202"/>
             </a:xfrm>
             <a:custGeom>
@@ -24612,7 +24612,7 @@
           </p:nvSpPr>
           <p:spPr>
             <a:xfrm>
-              <a:off x="5120159" y="6051033"/>
+              <a:off x="4766978" y="6051122"/>
               <a:ext cx="63202" cy="63202"/>
             </a:xfrm>
             <a:custGeom>
@@ -24655,7 +24655,7 @@
           </p:nvSpPr>
           <p:spPr>
             <a:xfrm>
-              <a:off x="4911412" y="6000867"/>
+              <a:off x="4740522" y="6000951"/>
               <a:ext cx="63202" cy="63202"/>
             </a:xfrm>
             <a:custGeom>
@@ -24698,7 +24698,7 @@
           </p:nvSpPr>
           <p:spPr>
             <a:xfrm>
-              <a:off x="4723795" y="6034637"/>
+              <a:off x="5117052" y="6034641"/>
               <a:ext cx="63202" cy="63202"/>
             </a:xfrm>
             <a:custGeom>
@@ -24741,7 +24741,7 @@
           </p:nvSpPr>
           <p:spPr>
             <a:xfrm>
-              <a:off x="4861174" y="5966296"/>
+              <a:off x="4627574" y="5966398"/>
               <a:ext cx="63202" cy="63202"/>
             </a:xfrm>
             <a:custGeom>
@@ -24784,7 +24784,7 @@
           </p:nvSpPr>
           <p:spPr>
             <a:xfrm>
-              <a:off x="4656656" y="5969821"/>
+              <a:off x="4944822" y="5969857"/>
               <a:ext cx="63202" cy="63202"/>
             </a:xfrm>
             <a:custGeom>
@@ -24827,7 +24827,7 @@
           </p:nvSpPr>
           <p:spPr>
             <a:xfrm>
-              <a:off x="4642806" y="6277071"/>
+              <a:off x="4451181" y="6277015"/>
               <a:ext cx="63202" cy="63202"/>
             </a:xfrm>
             <a:custGeom>
@@ -24870,7 +24870,7 @@
           </p:nvSpPr>
           <p:spPr>
             <a:xfrm>
-              <a:off x="4775649" y="5981121"/>
+              <a:off x="4889773" y="5981045"/>
               <a:ext cx="63202" cy="63202"/>
             </a:xfrm>
             <a:custGeom>
@@ -24913,7 +24913,7 @@
           </p:nvSpPr>
           <p:spPr>
             <a:xfrm>
-              <a:off x="4988284" y="6124118"/>
+              <a:off x="5026741" y="6124006"/>
               <a:ext cx="63202" cy="63202"/>
             </a:xfrm>
             <a:custGeom>
@@ -24956,7 +24956,7 @@
           </p:nvSpPr>
           <p:spPr>
             <a:xfrm>
-              <a:off x="4610754" y="5992058"/>
+              <a:off x="4909764" y="5992037"/>
               <a:ext cx="63202" cy="63202"/>
             </a:xfrm>
             <a:custGeom>
@@ -24999,7 +24999,7 @@
           </p:nvSpPr>
           <p:spPr>
             <a:xfrm>
-              <a:off x="5128678" y="5996408"/>
+              <a:off x="5011987" y="5996563"/>
               <a:ext cx="63202" cy="63202"/>
             </a:xfrm>
             <a:custGeom>
@@ -25042,7 +25042,7 @@
           </p:nvSpPr>
           <p:spPr>
             <a:xfrm>
-              <a:off x="4597789" y="5989147"/>
+              <a:off x="5066150" y="5989114"/>
               <a:ext cx="63202" cy="63202"/>
             </a:xfrm>
             <a:custGeom>
@@ -25085,7 +25085,7 @@
           </p:nvSpPr>
           <p:spPr>
             <a:xfrm>
-              <a:off x="4833404" y="5982587"/>
+              <a:off x="4554047" y="5982558"/>
               <a:ext cx="63202" cy="63202"/>
             </a:xfrm>
             <a:custGeom>
@@ -25128,7 +25128,7 @@
           </p:nvSpPr>
           <p:spPr>
             <a:xfrm>
-              <a:off x="4797291" y="5998310"/>
+              <a:off x="4776078" y="5998313"/>
               <a:ext cx="63202" cy="63202"/>
             </a:xfrm>
             <a:custGeom>
@@ -25171,7 +25171,7 @@
           </p:nvSpPr>
           <p:spPr>
             <a:xfrm>
-              <a:off x="5020752" y="5981059"/>
+              <a:off x="4754755" y="5981041"/>
               <a:ext cx="63202" cy="63202"/>
             </a:xfrm>
             <a:custGeom>
@@ -25214,7 +25214,7 @@
           </p:nvSpPr>
           <p:spPr>
             <a:xfrm>
-              <a:off x="4598532" y="6000745"/>
+              <a:off x="4708046" y="6000631"/>
               <a:ext cx="63202" cy="63202"/>
             </a:xfrm>
             <a:custGeom>
@@ -25257,7 +25257,7 @@
           </p:nvSpPr>
           <p:spPr>
             <a:xfrm>
-              <a:off x="4674471" y="6005819"/>
+              <a:off x="5045402" y="6005780"/>
               <a:ext cx="63202" cy="63202"/>
             </a:xfrm>
             <a:custGeom>
@@ -25300,7 +25300,7 @@
           </p:nvSpPr>
           <p:spPr>
             <a:xfrm>
-              <a:off x="6861332" y="6757442"/>
+              <a:off x="6208894" y="6757323"/>
               <a:ext cx="63202" cy="63202"/>
             </a:xfrm>
             <a:custGeom>
@@ -25343,7 +25343,7 @@
           </p:nvSpPr>
           <p:spPr>
             <a:xfrm>
-              <a:off x="5018157" y="5973266"/>
+              <a:off x="4912054" y="5973315"/>
               <a:ext cx="63202" cy="63202"/>
             </a:xfrm>
             <a:custGeom>
@@ -25386,7 +25386,7 @@
           </p:nvSpPr>
           <p:spPr>
             <a:xfrm>
-              <a:off x="5581282" y="6596330"/>
+              <a:off x="5443773" y="6596170"/>
               <a:ext cx="63202" cy="63202"/>
             </a:xfrm>
             <a:custGeom>
@@ -25429,7 +25429,7 @@
           </p:nvSpPr>
           <p:spPr>
             <a:xfrm>
-              <a:off x="4804276" y="5973848"/>
+              <a:off x="4547787" y="5973952"/>
               <a:ext cx="63202" cy="63202"/>
             </a:xfrm>
             <a:custGeom>
@@ -25472,7 +25472,7 @@
           </p:nvSpPr>
           <p:spPr>
             <a:xfrm>
-              <a:off x="4580571" y="6253531"/>
+              <a:off x="4576890" y="6253531"/>
               <a:ext cx="63202" cy="63202"/>
             </a:xfrm>
             <a:custGeom>
@@ -25515,7 +25515,7 @@
           </p:nvSpPr>
           <p:spPr>
             <a:xfrm>
-              <a:off x="4940852" y="5988414"/>
+              <a:off x="4562961" y="5988439"/>
               <a:ext cx="63202" cy="63202"/>
             </a:xfrm>
             <a:custGeom>
@@ -25558,7 +25558,7 @@
           </p:nvSpPr>
           <p:spPr>
             <a:xfrm>
-              <a:off x="4942554" y="6062140"/>
+              <a:off x="4552368" y="6062125"/>
               <a:ext cx="63202" cy="63202"/>
             </a:xfrm>
             <a:custGeom>
@@ -25601,7 +25601,7 @@
           </p:nvSpPr>
           <p:spPr>
             <a:xfrm>
-              <a:off x="4982405" y="5988520"/>
+              <a:off x="5055291" y="5988517"/>
               <a:ext cx="63202" cy="63202"/>
             </a:xfrm>
             <a:custGeom>
@@ -25644,7 +25644,7 @@
           </p:nvSpPr>
           <p:spPr>
             <a:xfrm>
-              <a:off x="5066279" y="5991910"/>
+              <a:off x="4827175" y="5991791"/>
               <a:ext cx="63202" cy="63202"/>
             </a:xfrm>
             <a:custGeom>
@@ -25687,7 +25687,7 @@
           </p:nvSpPr>
           <p:spPr>
             <a:xfrm>
-              <a:off x="5058579" y="6017830"/>
+              <a:off x="5078702" y="6017750"/>
               <a:ext cx="63202" cy="63202"/>
             </a:xfrm>
             <a:custGeom>
@@ -25730,7 +25730,7 @@
           </p:nvSpPr>
           <p:spPr>
             <a:xfrm>
-              <a:off x="4428969" y="5998027"/>
+              <a:off x="4756482" y="5997977"/>
               <a:ext cx="63202" cy="63202"/>
             </a:xfrm>
             <a:custGeom>
@@ -25773,7 +25773,7 @@
           </p:nvSpPr>
           <p:spPr>
             <a:xfrm>
-              <a:off x="4781242" y="5983898"/>
+              <a:off x="5099391" y="5983906"/>
               <a:ext cx="63202" cy="63202"/>
             </a:xfrm>
             <a:custGeom>
@@ -25816,7 +25816,7 @@
           </p:nvSpPr>
           <p:spPr>
             <a:xfrm>
-              <a:off x="4574722" y="5984940"/>
+              <a:off x="4437009" y="5984955"/>
               <a:ext cx="63202" cy="63202"/>
             </a:xfrm>
             <a:custGeom>
@@ -25859,7 +25859,7 @@
           </p:nvSpPr>
           <p:spPr>
             <a:xfrm>
-              <a:off x="4484313" y="6144184"/>
+              <a:off x="4669819" y="6144036"/>
               <a:ext cx="63202" cy="63202"/>
             </a:xfrm>
             <a:custGeom>
@@ -25902,7 +25902,7 @@
           </p:nvSpPr>
           <p:spPr>
             <a:xfrm>
-              <a:off x="4929491" y="5974709"/>
+              <a:off x="5012335" y="5974725"/>
               <a:ext cx="63202" cy="63202"/>
             </a:xfrm>
             <a:custGeom>
@@ -25945,7 +25945,7 @@
           </p:nvSpPr>
           <p:spPr>
             <a:xfrm>
-              <a:off x="4671687" y="5979435"/>
+              <a:off x="4944497" y="5979347"/>
               <a:ext cx="63202" cy="63202"/>
             </a:xfrm>
             <a:custGeom>
@@ -25988,7 +25988,7 @@
           </p:nvSpPr>
           <p:spPr>
             <a:xfrm>
-              <a:off x="4716993" y="6002010"/>
+              <a:off x="4958910" y="6001908"/>
               <a:ext cx="63202" cy="63202"/>
             </a:xfrm>
             <a:custGeom>
@@ -26031,7 +26031,7 @@
           </p:nvSpPr>
           <p:spPr>
             <a:xfrm>
-              <a:off x="4524976" y="5980676"/>
+              <a:off x="4929646" y="5980674"/>
               <a:ext cx="63202" cy="63202"/>
             </a:xfrm>
             <a:custGeom>
@@ -26074,7 +26074,7 @@
           </p:nvSpPr>
           <p:spPr>
             <a:xfrm>
-              <a:off x="4869572" y="5981967"/>
+              <a:off x="5094052" y="5981974"/>
               <a:ext cx="63202" cy="63202"/>
             </a:xfrm>
             <a:custGeom>
@@ -26117,7 +26117,7 @@
           </p:nvSpPr>
           <p:spPr>
             <a:xfrm>
-              <a:off x="4845733" y="5977859"/>
+              <a:off x="4826875" y="5978001"/>
               <a:ext cx="63202" cy="63202"/>
             </a:xfrm>
             <a:custGeom>
@@ -26160,7 +26160,7 @@
           </p:nvSpPr>
           <p:spPr>
             <a:xfrm>
-              <a:off x="5772995" y="6443229"/>
+              <a:off x="5770184" y="6443111"/>
               <a:ext cx="63202" cy="63202"/>
             </a:xfrm>
             <a:custGeom>
@@ -26203,7 +26203,7 @@
           </p:nvSpPr>
           <p:spPr>
             <a:xfrm>
-              <a:off x="4489952" y="6034184"/>
+              <a:off x="4932182" y="6034285"/>
               <a:ext cx="63202" cy="63202"/>
             </a:xfrm>
             <a:custGeom>
@@ -26246,7 +26246,7 @@
           </p:nvSpPr>
           <p:spPr>
             <a:xfrm>
-              <a:off x="4967047" y="6002612"/>
+              <a:off x="4934183" y="6002679"/>
               <a:ext cx="63202" cy="63202"/>
             </a:xfrm>
             <a:custGeom>
@@ -26289,7 +26289,7 @@
           </p:nvSpPr>
           <p:spPr>
             <a:xfrm>
-              <a:off x="4541212" y="5982353"/>
+              <a:off x="4920181" y="5982424"/>
               <a:ext cx="63202" cy="63202"/>
             </a:xfrm>
             <a:custGeom>
@@ -26332,7 +26332,7 @@
           </p:nvSpPr>
           <p:spPr>
             <a:xfrm>
-              <a:off x="4670936" y="5986150"/>
+              <a:off x="4869553" y="5986228"/>
               <a:ext cx="63202" cy="63202"/>
             </a:xfrm>
             <a:custGeom>
@@ -26375,7 +26375,7 @@
           </p:nvSpPr>
           <p:spPr>
             <a:xfrm>
-              <a:off x="4576734" y="5968614"/>
+              <a:off x="4566760" y="5968620"/>
               <a:ext cx="63202" cy="63202"/>
             </a:xfrm>
             <a:custGeom>
@@ -26418,7 +26418,7 @@
           </p:nvSpPr>
           <p:spPr>
             <a:xfrm>
-              <a:off x="4498555" y="5981748"/>
+              <a:off x="4548707" y="5981721"/>
               <a:ext cx="63202" cy="63202"/>
             </a:xfrm>
             <a:custGeom>
@@ -26461,7 +26461,7 @@
           </p:nvSpPr>
           <p:spPr>
             <a:xfrm>
-              <a:off x="5053858" y="5981681"/>
+              <a:off x="4513047" y="5981706"/>
               <a:ext cx="63202" cy="63202"/>
             </a:xfrm>
             <a:custGeom>
@@ -26504,7 +26504,7 @@
           </p:nvSpPr>
           <p:spPr>
             <a:xfrm>
-              <a:off x="4555375" y="5982334"/>
+              <a:off x="5108846" y="5982323"/>
               <a:ext cx="63202" cy="63202"/>
             </a:xfrm>
             <a:custGeom>
@@ -26547,7 +26547,7 @@
           </p:nvSpPr>
           <p:spPr>
             <a:xfrm>
-              <a:off x="5031945" y="6036735"/>
+              <a:off x="4654546" y="6036727"/>
               <a:ext cx="63202" cy="63202"/>
             </a:xfrm>
             <a:custGeom>
@@ -26590,7 +26590,7 @@
           </p:nvSpPr>
           <p:spPr>
             <a:xfrm>
-              <a:off x="4586950" y="6036770"/>
+              <a:off x="4715280" y="6036782"/>
               <a:ext cx="63202" cy="63202"/>
             </a:xfrm>
             <a:custGeom>
@@ -26633,7 +26633,7 @@
           </p:nvSpPr>
           <p:spPr>
             <a:xfrm>
-              <a:off x="4926961" y="5988593"/>
+              <a:off x="4876674" y="5988702"/>
               <a:ext cx="63202" cy="63202"/>
             </a:xfrm>
             <a:custGeom>
@@ -26676,7 +26676,7 @@
           </p:nvSpPr>
           <p:spPr>
             <a:xfrm>
-              <a:off x="4975828" y="5979832"/>
+              <a:off x="4653304" y="5979754"/>
               <a:ext cx="63202" cy="63202"/>
             </a:xfrm>
             <a:custGeom>
@@ -26719,7 +26719,7 @@
           </p:nvSpPr>
           <p:spPr>
             <a:xfrm>
-              <a:off x="5492407" y="6405186"/>
+              <a:off x="5676646" y="6405204"/>
               <a:ext cx="63202" cy="63202"/>
             </a:xfrm>
             <a:custGeom>
@@ -26762,7 +26762,7 @@
           </p:nvSpPr>
           <p:spPr>
             <a:xfrm>
-              <a:off x="4515705" y="6000449"/>
+              <a:off x="5033475" y="6000535"/>
               <a:ext cx="63202" cy="63202"/>
             </a:xfrm>
             <a:custGeom>
@@ -26805,7 +26805,7 @@
           </p:nvSpPr>
           <p:spPr>
             <a:xfrm>
-              <a:off x="4881390" y="5976187"/>
+              <a:off x="4601592" y="5976184"/>
               <a:ext cx="63202" cy="63202"/>
             </a:xfrm>
             <a:custGeom>
@@ -26848,7 +26848,7 @@
           </p:nvSpPr>
           <p:spPr>
             <a:xfrm>
-              <a:off x="4765813" y="5970471"/>
+              <a:off x="4733258" y="5970526"/>
               <a:ext cx="63202" cy="63202"/>
             </a:xfrm>
             <a:custGeom>
@@ -26891,7 +26891,7 @@
           </p:nvSpPr>
           <p:spPr>
             <a:xfrm>
-              <a:off x="4845621" y="6018252"/>
+              <a:off x="4628177" y="6018277"/>
               <a:ext cx="63202" cy="63202"/>
             </a:xfrm>
             <a:custGeom>
@@ -26934,7 +26934,7 @@
           </p:nvSpPr>
           <p:spPr>
             <a:xfrm>
-              <a:off x="4929549" y="5998976"/>
+              <a:off x="4823122" y="5999008"/>
               <a:ext cx="63202" cy="63202"/>
             </a:xfrm>
             <a:custGeom>
@@ -26977,7 +26977,7 @@
           </p:nvSpPr>
           <p:spPr>
             <a:xfrm>
-              <a:off x="4764861" y="5972173"/>
+              <a:off x="4708884" y="5972280"/>
               <a:ext cx="63202" cy="63202"/>
             </a:xfrm>
             <a:custGeom>
@@ -27020,7 +27020,7 @@
           </p:nvSpPr>
           <p:spPr>
             <a:xfrm>
-              <a:off x="4837659" y="5972449"/>
+              <a:off x="4848006" y="5972451"/>
               <a:ext cx="63202" cy="63202"/>
             </a:xfrm>
             <a:custGeom>
@@ -27063,7 +27063,7 @@
           </p:nvSpPr>
           <p:spPr>
             <a:xfrm>
-              <a:off x="4801049" y="5969717"/>
+              <a:off x="4735387" y="5969638"/>
               <a:ext cx="63202" cy="63202"/>
             </a:xfrm>
             <a:custGeom>
@@ -27106,7 +27106,7 @@
           </p:nvSpPr>
           <p:spPr>
             <a:xfrm>
-              <a:off x="4847343" y="5970480"/>
+              <a:off x="4590092" y="5970541"/>
               <a:ext cx="63202" cy="63202"/>
             </a:xfrm>
             <a:custGeom>
@@ -27149,7 +27149,7 @@
           </p:nvSpPr>
           <p:spPr>
             <a:xfrm>
-              <a:off x="4784181" y="5968414"/>
+              <a:off x="5039446" y="5968455"/>
               <a:ext cx="63202" cy="63202"/>
             </a:xfrm>
             <a:custGeom>
@@ -27192,7 +27192,7 @@
           </p:nvSpPr>
           <p:spPr>
             <a:xfrm>
-              <a:off x="4686743" y="6017173"/>
+              <a:off x="4741161" y="6017177"/>
               <a:ext cx="63202" cy="63202"/>
             </a:xfrm>
             <a:custGeom>
@@ -27235,7 +27235,7 @@
           </p:nvSpPr>
           <p:spPr>
             <a:xfrm>
-              <a:off x="4621815" y="6043244"/>
+              <a:off x="4636650" y="6043359"/>
               <a:ext cx="63202" cy="63202"/>
             </a:xfrm>
             <a:custGeom>
@@ -27278,7 +27278,7 @@
           </p:nvSpPr>
           <p:spPr>
             <a:xfrm>
-              <a:off x="4959838" y="5978126"/>
+              <a:off x="4901651" y="5978176"/>
               <a:ext cx="63202" cy="63202"/>
             </a:xfrm>
             <a:custGeom>
@@ -27321,7 +27321,7 @@
           </p:nvSpPr>
           <p:spPr>
             <a:xfrm>
-              <a:off x="4552248" y="5979383"/>
+              <a:off x="4489189" y="5979332"/>
               <a:ext cx="63202" cy="63202"/>
             </a:xfrm>
             <a:custGeom>
@@ -27364,7 +27364,7 @@
           </p:nvSpPr>
           <p:spPr>
             <a:xfrm>
-              <a:off x="5059002" y="5986349"/>
+              <a:off x="4676400" y="5986387"/>
               <a:ext cx="63202" cy="63202"/>
             </a:xfrm>
             <a:custGeom>
@@ -27407,7 +27407,7 @@
           </p:nvSpPr>
           <p:spPr>
             <a:xfrm>
-              <a:off x="4502868" y="5972577"/>
+              <a:off x="4946023" y="5972735"/>
               <a:ext cx="63202" cy="63202"/>
             </a:xfrm>
             <a:custGeom>
@@ -27450,7 +27450,7 @@
           </p:nvSpPr>
           <p:spPr>
             <a:xfrm>
-              <a:off x="4469114" y="5967331"/>
+              <a:off x="4725582" y="5967431"/>
               <a:ext cx="63202" cy="63202"/>
             </a:xfrm>
             <a:custGeom>
@@ -27493,7 +27493,7 @@
           </p:nvSpPr>
           <p:spPr>
             <a:xfrm>
-              <a:off x="4783666" y="5974090"/>
+              <a:off x="4714652" y="5974090"/>
               <a:ext cx="63202" cy="63202"/>
             </a:xfrm>
             <a:custGeom>
@@ -27536,7 +27536,7 @@
           </p:nvSpPr>
           <p:spPr>
             <a:xfrm>
-              <a:off x="5007050" y="5986184"/>
+              <a:off x="4847516" y="5986206"/>
               <a:ext cx="63202" cy="63202"/>
             </a:xfrm>
             <a:custGeom>
@@ -27579,7 +27579,7 @@
           </p:nvSpPr>
           <p:spPr>
             <a:xfrm>
-              <a:off x="4746369" y="5979650"/>
+              <a:off x="4433600" y="5979668"/>
               <a:ext cx="63202" cy="63202"/>
             </a:xfrm>
             <a:custGeom>
@@ -27622,7 +27622,7 @@
           </p:nvSpPr>
           <p:spPr>
             <a:xfrm>
-              <a:off x="4900713" y="5983172"/>
+              <a:off x="4805271" y="5983137"/>
               <a:ext cx="63202" cy="63202"/>
             </a:xfrm>
             <a:custGeom>
@@ -27665,7 +27665,7 @@
           </p:nvSpPr>
           <p:spPr>
             <a:xfrm>
-              <a:off x="4508268" y="5976285"/>
+              <a:off x="5021091" y="5976222"/>
               <a:ext cx="63202" cy="63202"/>
             </a:xfrm>
             <a:custGeom>
@@ -27708,7 +27708,7 @@
           </p:nvSpPr>
           <p:spPr>
             <a:xfrm>
-              <a:off x="4863463" y="5979120"/>
+              <a:off x="4665228" y="5979214"/>
               <a:ext cx="63202" cy="63202"/>
             </a:xfrm>
             <a:custGeom>
@@ -27751,7 +27751,7 @@
           </p:nvSpPr>
           <p:spPr>
             <a:xfrm>
-              <a:off x="4665211" y="5986817"/>
+              <a:off x="4562487" y="5986728"/>
               <a:ext cx="63202" cy="63202"/>
             </a:xfrm>
             <a:custGeom>
@@ -27794,7 +27794,7 @@
           </p:nvSpPr>
           <p:spPr>
             <a:xfrm>
-              <a:off x="5685481" y="6564768"/>
+              <a:off x="5567992" y="6564608"/>
               <a:ext cx="63202" cy="63202"/>
             </a:xfrm>
             <a:custGeom>
@@ -27837,7 +27837,7 @@
           </p:nvSpPr>
           <p:spPr>
             <a:xfrm>
-              <a:off x="4795018" y="5987463"/>
+              <a:off x="4848965" y="5987483"/>
               <a:ext cx="63202" cy="63202"/>
             </a:xfrm>
             <a:custGeom>
@@ -27880,7 +27880,7 @@
           </p:nvSpPr>
           <p:spPr>
             <a:xfrm>
-              <a:off x="4462672" y="6019832"/>
+              <a:off x="4783610" y="6019818"/>
               <a:ext cx="63202" cy="63202"/>
             </a:xfrm>
             <a:custGeom>
@@ -27923,7 +27923,7 @@
           </p:nvSpPr>
           <p:spPr>
             <a:xfrm>
-              <a:off x="4488331" y="5983160"/>
+              <a:off x="4867364" y="5983179"/>
               <a:ext cx="63202" cy="63202"/>
             </a:xfrm>
             <a:custGeom>
@@ -27966,7 +27966,7 @@
           </p:nvSpPr>
           <p:spPr>
             <a:xfrm>
-              <a:off x="4962718" y="6007657"/>
+              <a:off x="4572533" y="6007622"/>
               <a:ext cx="63202" cy="63202"/>
             </a:xfrm>
             <a:custGeom>
@@ -28009,7 +28009,7 @@
           </p:nvSpPr>
           <p:spPr>
             <a:xfrm>
-              <a:off x="4590042" y="6003078"/>
+              <a:off x="4928963" y="6003004"/>
               <a:ext cx="63202" cy="63202"/>
             </a:xfrm>
             <a:custGeom>
@@ -28052,7 +28052,7 @@
           </p:nvSpPr>
           <p:spPr>
             <a:xfrm>
-              <a:off x="6472949" y="6474662"/>
+              <a:off x="6656343" y="6474502"/>
               <a:ext cx="63202" cy="63202"/>
             </a:xfrm>
             <a:custGeom>
@@ -28095,7 +28095,7 @@
           </p:nvSpPr>
           <p:spPr>
             <a:xfrm>
-              <a:off x="4466619" y="5981520"/>
+              <a:off x="4531992" y="5981527"/>
               <a:ext cx="63202" cy="63202"/>
             </a:xfrm>
             <a:custGeom>
@@ -28138,7 +28138,7 @@
           </p:nvSpPr>
           <p:spPr>
             <a:xfrm>
-              <a:off x="5046931" y="5990159"/>
+              <a:off x="4639855" y="5990087"/>
               <a:ext cx="63202" cy="63202"/>
             </a:xfrm>
             <a:custGeom>
@@ -28181,7 +28181,7 @@
           </p:nvSpPr>
           <p:spPr>
             <a:xfrm>
-              <a:off x="4440655" y="6212836"/>
+              <a:off x="4497058" y="6212848"/>
               <a:ext cx="63202" cy="63202"/>
             </a:xfrm>
             <a:custGeom>
@@ -28224,7 +28224,7 @@
           </p:nvSpPr>
           <p:spPr>
             <a:xfrm>
-              <a:off x="4820828" y="5977017"/>
+              <a:off x="4781090" y="5977006"/>
               <a:ext cx="63202" cy="63202"/>
             </a:xfrm>
             <a:custGeom>
@@ -28267,7 +28267,7 @@
           </p:nvSpPr>
           <p:spPr>
             <a:xfrm>
-              <a:off x="4682557" y="6008659"/>
+              <a:off x="4917079" y="6008734"/>
               <a:ext cx="63202" cy="63202"/>
             </a:xfrm>
             <a:custGeom>
@@ -28310,7 +28310,7 @@
           </p:nvSpPr>
           <p:spPr>
             <a:xfrm>
-              <a:off x="4566317" y="5985925"/>
+              <a:off x="4966077" y="5985954"/>
               <a:ext cx="63202" cy="63202"/>
             </a:xfrm>
             <a:custGeom>
@@ -28353,7 +28353,7 @@
           </p:nvSpPr>
           <p:spPr>
             <a:xfrm>
-              <a:off x="5013919" y="5978207"/>
+              <a:off x="4810923" y="5978195"/>
               <a:ext cx="63202" cy="63202"/>
             </a:xfrm>
             <a:custGeom>
@@ -28396,7 +28396,7 @@
           </p:nvSpPr>
           <p:spPr>
             <a:xfrm>
-              <a:off x="4530295" y="6001553"/>
+              <a:off x="5115297" y="6001492"/>
               <a:ext cx="63202" cy="63202"/>
             </a:xfrm>
             <a:custGeom>
@@ -28439,7 +28439,7 @@
           </p:nvSpPr>
           <p:spPr>
             <a:xfrm>
-              <a:off x="5125286" y="5991122"/>
+              <a:off x="5049159" y="5991295"/>
               <a:ext cx="63202" cy="63202"/>
             </a:xfrm>
             <a:custGeom>
@@ -28482,7 +28482,7 @@
           </p:nvSpPr>
           <p:spPr>
             <a:xfrm>
-              <a:off x="4869085" y="5977549"/>
+              <a:off x="4993786" y="5977472"/>
               <a:ext cx="63202" cy="63202"/>
             </a:xfrm>
             <a:custGeom>
@@ -28525,7 +28525,7 @@
           </p:nvSpPr>
           <p:spPr>
             <a:xfrm>
-              <a:off x="4517363" y="5983262"/>
+              <a:off x="4982278" y="5983170"/>
               <a:ext cx="63202" cy="63202"/>
             </a:xfrm>
             <a:custGeom>
@@ -28568,7 +28568,7 @@
           </p:nvSpPr>
           <p:spPr>
             <a:xfrm>
-              <a:off x="5055042" y="5981655"/>
+              <a:off x="5091165" y="5981795"/>
               <a:ext cx="63202" cy="63202"/>
             </a:xfrm>
             <a:custGeom>
@@ -28611,7 +28611,7 @@
           </p:nvSpPr>
           <p:spPr>
             <a:xfrm>
-              <a:off x="4957592" y="6026857"/>
+              <a:off x="4731800" y="6026882"/>
               <a:ext cx="63202" cy="63202"/>
             </a:xfrm>
             <a:custGeom>
@@ -28654,7 +28654,7 @@
           </p:nvSpPr>
           <p:spPr>
             <a:xfrm>
-              <a:off x="4618175" y="6006574"/>
+              <a:off x="4461176" y="6006563"/>
               <a:ext cx="63202" cy="63202"/>
             </a:xfrm>
             <a:custGeom>
@@ -28697,7 +28697,7 @@
           </p:nvSpPr>
           <p:spPr>
             <a:xfrm>
-              <a:off x="4711327" y="5998188"/>
+              <a:off x="5083884" y="5998167"/>
               <a:ext cx="63202" cy="63202"/>
             </a:xfrm>
             <a:custGeom>
@@ -28740,7 +28740,7 @@
           </p:nvSpPr>
           <p:spPr>
             <a:xfrm>
-              <a:off x="4472425" y="5973926"/>
+              <a:off x="4553617" y="5973850"/>
               <a:ext cx="63202" cy="63202"/>
             </a:xfrm>
             <a:custGeom>
@@ -28783,7 +28783,7 @@
           </p:nvSpPr>
           <p:spPr>
             <a:xfrm>
-              <a:off x="4812184" y="5973964"/>
+              <a:off x="4864005" y="5973931"/>
               <a:ext cx="63202" cy="63202"/>
             </a:xfrm>
             <a:custGeom>
@@ -28826,7 +28826,7 @@
           </p:nvSpPr>
           <p:spPr>
             <a:xfrm>
-              <a:off x="4893118" y="5975856"/>
+              <a:off x="4464312" y="5975864"/>
               <a:ext cx="63202" cy="63202"/>
             </a:xfrm>
             <a:custGeom>
@@ -28869,7 +28869,7 @@
           </p:nvSpPr>
           <p:spPr>
             <a:xfrm>
-              <a:off x="5002468" y="5975322"/>
+              <a:off x="4550143" y="5975473"/>
               <a:ext cx="63202" cy="63202"/>
             </a:xfrm>
             <a:custGeom>
@@ -28912,7 +28912,7 @@
           </p:nvSpPr>
           <p:spPr>
             <a:xfrm>
-              <a:off x="4633824" y="5974603"/>
+              <a:off x="4977799" y="5974549"/>
               <a:ext cx="63202" cy="63202"/>
             </a:xfrm>
             <a:custGeom>
@@ -28955,7 +28955,7 @@
           </p:nvSpPr>
           <p:spPr>
             <a:xfrm>
-              <a:off x="5067805" y="5963349"/>
+              <a:off x="5042776" y="5963309"/>
               <a:ext cx="63202" cy="63202"/>
             </a:xfrm>
             <a:custGeom>
@@ -28998,7 +28998,7 @@
           </p:nvSpPr>
           <p:spPr>
             <a:xfrm>
-              <a:off x="4603141" y="6005820"/>
+              <a:off x="4541648" y="6005740"/>
               <a:ext cx="63202" cy="63202"/>
             </a:xfrm>
             <a:custGeom>
@@ -29041,7 +29041,7 @@
           </p:nvSpPr>
           <p:spPr>
             <a:xfrm>
-              <a:off x="4751070" y="6015814"/>
+              <a:off x="4578333" y="6015934"/>
               <a:ext cx="63202" cy="63202"/>
             </a:xfrm>
             <a:custGeom>
@@ -29084,7 +29084,7 @@
           </p:nvSpPr>
           <p:spPr>
             <a:xfrm>
-              <a:off x="4556118" y="5989585"/>
+              <a:off x="4852666" y="5989598"/>
               <a:ext cx="63202" cy="63202"/>
             </a:xfrm>
             <a:custGeom>
@@ -29127,7 +29127,7 @@
           </p:nvSpPr>
           <p:spPr>
             <a:xfrm>
-              <a:off x="4530929" y="6003701"/>
+              <a:off x="4600110" y="6003685"/>
               <a:ext cx="63202" cy="63202"/>
             </a:xfrm>
             <a:custGeom>
@@ -29170,7 +29170,7 @@
           </p:nvSpPr>
           <p:spPr>
             <a:xfrm>
-              <a:off x="4682121" y="6007364"/>
+              <a:off x="4443293" y="6007458"/>
               <a:ext cx="63202" cy="63202"/>
             </a:xfrm>
             <a:custGeom>
@@ -29213,7 +29213,7 @@
           </p:nvSpPr>
           <p:spPr>
             <a:xfrm>
-              <a:off x="4977860" y="5996423"/>
+              <a:off x="4529246" y="5996552"/>
               <a:ext cx="63202" cy="63202"/>
             </a:xfrm>
             <a:custGeom>
@@ -29256,7 +29256,7 @@
           </p:nvSpPr>
           <p:spPr>
             <a:xfrm>
-              <a:off x="4739106" y="5974818"/>
+              <a:off x="4781176" y="5974734"/>
               <a:ext cx="63202" cy="63202"/>
             </a:xfrm>
             <a:custGeom>
@@ -29299,7 +29299,7 @@
           </p:nvSpPr>
           <p:spPr>
             <a:xfrm>
-              <a:off x="4517454" y="6006953"/>
+              <a:off x="4689024" y="6006976"/>
               <a:ext cx="63202" cy="63202"/>
             </a:xfrm>
             <a:custGeom>
@@ -29342,7 +29342,7 @@
           </p:nvSpPr>
           <p:spPr>
             <a:xfrm>
-              <a:off x="4787393" y="5981693"/>
+              <a:off x="4561978" y="5981716"/>
               <a:ext cx="63202" cy="63202"/>
             </a:xfrm>
             <a:custGeom>
@@ -29385,7 +29385,7 @@
           </p:nvSpPr>
           <p:spPr>
             <a:xfrm>
-              <a:off x="4997035" y="5975863"/>
+              <a:off x="4484034" y="5975895"/>
               <a:ext cx="63202" cy="63202"/>
             </a:xfrm>
             <a:custGeom>
@@ -29428,7 +29428,7 @@
           </p:nvSpPr>
           <p:spPr>
             <a:xfrm>
-              <a:off x="4578903" y="6216688"/>
+              <a:off x="4762974" y="6216665"/>
               <a:ext cx="63202" cy="63202"/>
             </a:xfrm>
             <a:custGeom>
@@ -29471,7 +29471,7 @@
           </p:nvSpPr>
           <p:spPr>
             <a:xfrm>
-              <a:off x="4966647" y="5977288"/>
+              <a:off x="4681867" y="5977245"/>
               <a:ext cx="63202" cy="63202"/>
             </a:xfrm>
             <a:custGeom>
@@ -29514,7 +29514,7 @@
           </p:nvSpPr>
           <p:spPr>
             <a:xfrm>
-              <a:off x="5025784" y="5977224"/>
+              <a:off x="4767337" y="5977282"/>
               <a:ext cx="63202" cy="63202"/>
             </a:xfrm>
             <a:custGeom>
@@ -29557,7 +29557,7 @@
           </p:nvSpPr>
           <p:spPr>
             <a:xfrm>
-              <a:off x="4657568" y="5977292"/>
+              <a:off x="4534437" y="5977323"/>
               <a:ext cx="63202" cy="63202"/>
             </a:xfrm>
             <a:custGeom>
@@ -29600,7 +29600,7 @@
           </p:nvSpPr>
           <p:spPr>
             <a:xfrm>
-              <a:off x="4473066" y="5972060"/>
+              <a:off x="4769958" y="5972025"/>
               <a:ext cx="63202" cy="63202"/>
             </a:xfrm>
             <a:custGeom>
@@ -29643,7 +29643,7 @@
           </p:nvSpPr>
           <p:spPr>
             <a:xfrm>
-              <a:off x="4829427" y="6000889"/>
+              <a:off x="4753892" y="6000967"/>
               <a:ext cx="63202" cy="63202"/>
             </a:xfrm>
             <a:custGeom>
@@ -29686,7 +29686,7 @@
           </p:nvSpPr>
           <p:spPr>
             <a:xfrm>
-              <a:off x="4767575" y="6008975"/>
+              <a:off x="4795150" y="6008892"/>
               <a:ext cx="63202" cy="63202"/>
             </a:xfrm>
             <a:custGeom>
@@ -29729,7 +29729,7 @@
           </p:nvSpPr>
           <p:spPr>
             <a:xfrm>
-              <a:off x="4480911" y="5967500"/>
+              <a:off x="4900732" y="5967575"/>
               <a:ext cx="63202" cy="63202"/>
             </a:xfrm>
             <a:custGeom>
@@ -29772,7 +29772,7 @@
           </p:nvSpPr>
           <p:spPr>
             <a:xfrm>
-              <a:off x="4594962" y="5982818"/>
+              <a:off x="4805406" y="5982844"/>
               <a:ext cx="63202" cy="63202"/>
             </a:xfrm>
             <a:custGeom>
@@ -29815,7 +29815,7 @@
           </p:nvSpPr>
           <p:spPr>
             <a:xfrm>
-              <a:off x="4660429" y="5978794"/>
+              <a:off x="5068136" y="5978695"/>
               <a:ext cx="63202" cy="63202"/>
             </a:xfrm>
             <a:custGeom>
@@ -29858,7 +29858,7 @@
           </p:nvSpPr>
           <p:spPr>
             <a:xfrm>
-              <a:off x="4437592" y="5977102"/>
+              <a:off x="5060775" y="5977037"/>
               <a:ext cx="63202" cy="63202"/>
             </a:xfrm>
             <a:custGeom>
@@ -29901,7 +29901,7 @@
           </p:nvSpPr>
           <p:spPr>
             <a:xfrm>
-              <a:off x="4732858" y="6096462"/>
+              <a:off x="4450295" y="6096483"/>
               <a:ext cx="63202" cy="63202"/>
             </a:xfrm>
             <a:custGeom>
@@ -29944,7 +29944,7 @@
           </p:nvSpPr>
           <p:spPr>
             <a:xfrm>
-              <a:off x="4932497" y="5985319"/>
+              <a:off x="4602404" y="5985304"/>
               <a:ext cx="63202" cy="63202"/>
             </a:xfrm>
             <a:custGeom>
@@ -29987,7 +29987,7 @@
           </p:nvSpPr>
           <p:spPr>
             <a:xfrm>
-              <a:off x="4589839" y="6033527"/>
+              <a:off x="4766570" y="6033580"/>
               <a:ext cx="63202" cy="63202"/>
             </a:xfrm>
             <a:custGeom>
@@ -30030,7 +30030,7 @@
           </p:nvSpPr>
           <p:spPr>
             <a:xfrm>
-              <a:off x="4820630" y="6001301"/>
+              <a:off x="4481788" y="6001261"/>
               <a:ext cx="63202" cy="63202"/>
             </a:xfrm>
             <a:custGeom>
@@ -30073,7 +30073,7 @@
           </p:nvSpPr>
           <p:spPr>
             <a:xfrm>
-              <a:off x="4941124" y="5976298"/>
+              <a:off x="4476643" y="5976252"/>
               <a:ext cx="63202" cy="63202"/>
             </a:xfrm>
             <a:custGeom>
@@ -30116,7 +30116,7 @@
           </p:nvSpPr>
           <p:spPr>
             <a:xfrm>
-              <a:off x="4916501" y="5978578"/>
+              <a:off x="4672923" y="5978528"/>
               <a:ext cx="63202" cy="63202"/>
             </a:xfrm>
             <a:custGeom>
@@ -30159,7 +30159,7 @@
           </p:nvSpPr>
           <p:spPr>
             <a:xfrm>
-              <a:off x="4961221" y="6013512"/>
+              <a:off x="4600513" y="6013585"/>
               <a:ext cx="63202" cy="63202"/>
             </a:xfrm>
             <a:custGeom>
@@ -30202,7 +30202,7 @@
           </p:nvSpPr>
           <p:spPr>
             <a:xfrm>
-              <a:off x="5063472" y="6008553"/>
+              <a:off x="4692705" y="6008561"/>
               <a:ext cx="63202" cy="63202"/>
             </a:xfrm>
             <a:custGeom>
@@ -30245,7 +30245,7 @@
           </p:nvSpPr>
           <p:spPr>
             <a:xfrm>
-              <a:off x="4758005" y="6033832"/>
+              <a:off x="4836259" y="6033880"/>
               <a:ext cx="63202" cy="63202"/>
             </a:xfrm>
             <a:custGeom>
@@ -30288,7 +30288,7 @@
           </p:nvSpPr>
           <p:spPr>
             <a:xfrm>
-              <a:off x="4674053" y="5987264"/>
+              <a:off x="4697094" y="5987290"/>
               <a:ext cx="63202" cy="63202"/>
             </a:xfrm>
             <a:custGeom>
@@ -30331,7 +30331,7 @@
           </p:nvSpPr>
           <p:spPr>
             <a:xfrm>
-              <a:off x="4550266" y="5992206"/>
+              <a:off x="4579341" y="5992227"/>
               <a:ext cx="63202" cy="63202"/>
             </a:xfrm>
             <a:custGeom>
@@ -30374,7 +30374,7 @@
           </p:nvSpPr>
           <p:spPr>
             <a:xfrm>
-              <a:off x="4901944" y="6008292"/>
+              <a:off x="4925246" y="6008314"/>
               <a:ext cx="63202" cy="63202"/>
             </a:xfrm>
             <a:custGeom>
@@ -30417,7 +30417,7 @@
           </p:nvSpPr>
           <p:spPr>
             <a:xfrm>
-              <a:off x="4816397" y="5983212"/>
+              <a:off x="4924423" y="5983242"/>
               <a:ext cx="63202" cy="63202"/>
             </a:xfrm>
             <a:custGeom>
@@ -30460,7 +30460,7 @@
           </p:nvSpPr>
           <p:spPr>
             <a:xfrm>
-              <a:off x="5055483" y="6002416"/>
+              <a:off x="5066793" y="6002362"/>
               <a:ext cx="63202" cy="63202"/>
             </a:xfrm>
             <a:custGeom>
@@ -30503,7 +30503,7 @@
           </p:nvSpPr>
           <p:spPr>
             <a:xfrm>
-              <a:off x="4996274" y="6008243"/>
+              <a:off x="4597804" y="6008283"/>
               <a:ext cx="63202" cy="63202"/>
             </a:xfrm>
             <a:custGeom>
@@ -30546,7 +30546,7 @@
           </p:nvSpPr>
           <p:spPr>
             <a:xfrm>
-              <a:off x="5129749" y="5979320"/>
+              <a:off x="4878147" y="5979383"/>
               <a:ext cx="63202" cy="63202"/>
             </a:xfrm>
             <a:custGeom>
@@ -30589,7 +30589,7 @@
           </p:nvSpPr>
           <p:spPr>
             <a:xfrm>
-              <a:off x="5016384" y="6086550"/>
+              <a:off x="5043892" y="6086523"/>
               <a:ext cx="63202" cy="63202"/>
             </a:xfrm>
             <a:custGeom>
@@ -30632,7 +30632,7 @@
           </p:nvSpPr>
           <p:spPr>
             <a:xfrm>
-              <a:off x="4987861" y="5999474"/>
+              <a:off x="4751443" y="5999409"/>
               <a:ext cx="63202" cy="63202"/>
             </a:xfrm>
             <a:custGeom>
@@ -30675,7 +30675,7 @@
           </p:nvSpPr>
           <p:spPr>
             <a:xfrm>
-              <a:off x="4479931" y="6002431"/>
+              <a:off x="4793091" y="6002449"/>
               <a:ext cx="63202" cy="63202"/>
             </a:xfrm>
             <a:custGeom>
@@ -30718,7 +30718,7 @@
           </p:nvSpPr>
           <p:spPr>
             <a:xfrm>
-              <a:off x="5129660" y="6009901"/>
+              <a:off x="4838328" y="6010006"/>
               <a:ext cx="63202" cy="63202"/>
             </a:xfrm>
             <a:custGeom>
@@ -30761,7 +30761,7 @@
           </p:nvSpPr>
           <p:spPr>
             <a:xfrm>
-              <a:off x="4812808" y="6013391"/>
+              <a:off x="4963914" y="6013359"/>
               <a:ext cx="63202" cy="63202"/>
             </a:xfrm>
             <a:custGeom>
@@ -30804,7 +30804,7 @@
           </p:nvSpPr>
           <p:spPr>
             <a:xfrm>
-              <a:off x="4544478" y="5967918"/>
+              <a:off x="4724611" y="5967969"/>
               <a:ext cx="63202" cy="63202"/>
             </a:xfrm>
             <a:custGeom>
@@ -30847,7 +30847,7 @@
           </p:nvSpPr>
           <p:spPr>
             <a:xfrm>
-              <a:off x="4731823" y="6032328"/>
+              <a:off x="4684246" y="6032261"/>
               <a:ext cx="63202" cy="63202"/>
             </a:xfrm>
             <a:custGeom>
@@ -30890,7 +30890,7 @@
           </p:nvSpPr>
           <p:spPr>
             <a:xfrm>
-              <a:off x="5093977" y="6143964"/>
+              <a:off x="4683838" y="6143866"/>
               <a:ext cx="63202" cy="63202"/>
             </a:xfrm>
             <a:custGeom>
@@ -30933,7 +30933,7 @@
           </p:nvSpPr>
           <p:spPr>
             <a:xfrm>
-              <a:off x="4459982" y="6325046"/>
+              <a:off x="5063616" y="6325078"/>
               <a:ext cx="63202" cy="63202"/>
             </a:xfrm>
             <a:custGeom>
@@ -30976,7 +30976,7 @@
           </p:nvSpPr>
           <p:spPr>
             <a:xfrm>
-              <a:off x="5055967" y="6163137"/>
+              <a:off x="4974294" y="6163118"/>
               <a:ext cx="63202" cy="63202"/>
             </a:xfrm>
             <a:custGeom>
@@ -31019,7 +31019,7 @@
           </p:nvSpPr>
           <p:spPr>
             <a:xfrm>
-              <a:off x="4655015" y="5983014"/>
+              <a:off x="4832840" y="5983032"/>
               <a:ext cx="63202" cy="63202"/>
             </a:xfrm>
             <a:custGeom>
@@ -31062,7 +31062,7 @@
           </p:nvSpPr>
           <p:spPr>
             <a:xfrm>
-              <a:off x="4725758" y="6043504"/>
+              <a:off x="4665949" y="6043528"/>
               <a:ext cx="63202" cy="63202"/>
             </a:xfrm>
             <a:custGeom>
@@ -31105,7 +31105,7 @@
           </p:nvSpPr>
           <p:spPr>
             <a:xfrm>
-              <a:off x="4673136" y="6035624"/>
+              <a:off x="4804668" y="6035673"/>
               <a:ext cx="63202" cy="63202"/>
             </a:xfrm>
             <a:custGeom>
@@ -31148,7 +31148,7 @@
           </p:nvSpPr>
           <p:spPr>
             <a:xfrm>
-              <a:off x="4975087" y="5987223"/>
+              <a:off x="5075385" y="5987242"/>
               <a:ext cx="63202" cy="63202"/>
             </a:xfrm>
             <a:custGeom>
@@ -31191,7 +31191,7 @@
           </p:nvSpPr>
           <p:spPr>
             <a:xfrm>
-              <a:off x="4577359" y="6085228"/>
+              <a:off x="4717906" y="6085346"/>
               <a:ext cx="63202" cy="63202"/>
             </a:xfrm>
             <a:custGeom>
@@ -31234,7 +31234,7 @@
           </p:nvSpPr>
           <p:spPr>
             <a:xfrm>
-              <a:off x="4460381" y="5971601"/>
+              <a:off x="4591814" y="5971535"/>
               <a:ext cx="63202" cy="63202"/>
             </a:xfrm>
             <a:custGeom>
@@ -31277,7 +31277,7 @@
           </p:nvSpPr>
           <p:spPr>
             <a:xfrm>
-              <a:off x="4873011" y="6097717"/>
+              <a:off x="4913348" y="6097734"/>
               <a:ext cx="63202" cy="63202"/>
             </a:xfrm>
             <a:custGeom>
@@ -31320,7 +31320,7 @@
           </p:nvSpPr>
           <p:spPr>
             <a:xfrm>
-              <a:off x="4434055" y="5983866"/>
+              <a:off x="4731259" y="5983820"/>
               <a:ext cx="63202" cy="63202"/>
             </a:xfrm>
             <a:custGeom>
@@ -31363,7 +31363,7 @@
           </p:nvSpPr>
           <p:spPr>
             <a:xfrm>
-              <a:off x="5114376" y="6227779"/>
+              <a:off x="4802314" y="6227794"/>
               <a:ext cx="63202" cy="63202"/>
             </a:xfrm>
             <a:custGeom>
@@ -31406,7 +31406,7 @@
           </p:nvSpPr>
           <p:spPr>
             <a:xfrm>
-              <a:off x="4505270" y="5989027"/>
+              <a:off x="5123345" y="5989083"/>
               <a:ext cx="63202" cy="63202"/>
             </a:xfrm>
             <a:custGeom>
@@ -31449,7 +31449,7 @@
           </p:nvSpPr>
           <p:spPr>
             <a:xfrm>
-              <a:off x="4965553" y="5972924"/>
+              <a:off x="4601941" y="5972833"/>
               <a:ext cx="63202" cy="63202"/>
             </a:xfrm>
             <a:custGeom>
@@ -31492,7 +31492,7 @@
           </p:nvSpPr>
           <p:spPr>
             <a:xfrm>
-              <a:off x="5020362" y="5978252"/>
+              <a:off x="4864292" y="5978354"/>
               <a:ext cx="63202" cy="63202"/>
             </a:xfrm>
             <a:custGeom>
@@ -31535,7 +31535,7 @@
           </p:nvSpPr>
           <p:spPr>
             <a:xfrm>
-              <a:off x="4556468" y="5968021"/>
+              <a:off x="4963602" y="5968094"/>
               <a:ext cx="63202" cy="63202"/>
             </a:xfrm>
             <a:custGeom>
@@ -31578,7 +31578,7 @@
           </p:nvSpPr>
           <p:spPr>
             <a:xfrm>
-              <a:off x="4526874" y="5982306"/>
+              <a:off x="5015581" y="5982385"/>
               <a:ext cx="63202" cy="63202"/>
             </a:xfrm>
             <a:custGeom>
@@ -31621,7 +31621,7 @@
           </p:nvSpPr>
           <p:spPr>
             <a:xfrm>
-              <a:off x="4690663" y="5976373"/>
+              <a:off x="5063335" y="5976406"/>
               <a:ext cx="63202" cy="63202"/>
             </a:xfrm>
             <a:custGeom>
@@ -31664,7 +31664,7 @@
           </p:nvSpPr>
           <p:spPr>
             <a:xfrm>
-              <a:off x="5104955" y="5983886"/>
+              <a:off x="4667657" y="5983804"/>
               <a:ext cx="63202" cy="63202"/>
             </a:xfrm>
             <a:custGeom>
@@ -31707,7 +31707,7 @@
           </p:nvSpPr>
           <p:spPr>
             <a:xfrm>
-              <a:off x="4884247" y="5983754"/>
+              <a:off x="4964981" y="5983887"/>
               <a:ext cx="63202" cy="63202"/>
             </a:xfrm>
             <a:custGeom>
@@ -31750,7 +31750,7 @@
           </p:nvSpPr>
           <p:spPr>
             <a:xfrm>
-              <a:off x="4970807" y="5983882"/>
+              <a:off x="5086969" y="5983810"/>
               <a:ext cx="63202" cy="63202"/>
             </a:xfrm>
             <a:custGeom>
@@ -31793,7 +31793,7 @@
           </p:nvSpPr>
           <p:spPr>
             <a:xfrm>
-              <a:off x="5105831" y="5983750"/>
+              <a:off x="4697867" y="5983804"/>
               <a:ext cx="63202" cy="63202"/>
             </a:xfrm>
             <a:custGeom>
@@ -31836,7 +31836,7 @@
           </p:nvSpPr>
           <p:spPr>
             <a:xfrm>
-              <a:off x="4439668" y="6004954"/>
+              <a:off x="5079250" y="6004906"/>
               <a:ext cx="63202" cy="63202"/>
             </a:xfrm>
             <a:custGeom>
@@ -31879,7 +31879,7 @@
           </p:nvSpPr>
           <p:spPr>
             <a:xfrm>
-              <a:off x="4773292" y="5982298"/>
+              <a:off x="4619560" y="5982378"/>
               <a:ext cx="63202" cy="63202"/>
             </a:xfrm>
             <a:custGeom>
@@ -31922,7 +31922,7 @@
           </p:nvSpPr>
           <p:spPr>
             <a:xfrm>
-              <a:off x="4884379" y="6109953"/>
+              <a:off x="4845637" y="6109939"/>
               <a:ext cx="63202" cy="63202"/>
             </a:xfrm>
             <a:custGeom>
@@ -31965,7 +31965,7 @@
           </p:nvSpPr>
           <p:spPr>
             <a:xfrm>
-              <a:off x="5609976" y="6663033"/>
+              <a:off x="5736082" y="6662870"/>
               <a:ext cx="63202" cy="63202"/>
             </a:xfrm>
             <a:custGeom>
@@ -32008,7 +32008,7 @@
           </p:nvSpPr>
           <p:spPr>
             <a:xfrm>
-              <a:off x="5056965" y="5986167"/>
+              <a:off x="4611138" y="5986137"/>
               <a:ext cx="63202" cy="63202"/>
             </a:xfrm>
             <a:custGeom>
@@ -32051,7 +32051,7 @@
           </p:nvSpPr>
           <p:spPr>
             <a:xfrm>
-              <a:off x="4850877" y="5973302"/>
+              <a:off x="4605456" y="5973287"/>
               <a:ext cx="63202" cy="63202"/>
             </a:xfrm>
             <a:custGeom>
@@ -32094,7 +32094,7 @@
           </p:nvSpPr>
           <p:spPr>
             <a:xfrm>
-              <a:off x="4476821" y="5970562"/>
+              <a:off x="4932684" y="5970532"/>
               <a:ext cx="63202" cy="63202"/>
             </a:xfrm>
             <a:custGeom>
@@ -32137,7 +32137,7 @@
           </p:nvSpPr>
           <p:spPr>
             <a:xfrm>
-              <a:off x="4613961" y="6082671"/>
+              <a:off x="4910321" y="6082767"/>
               <a:ext cx="63202" cy="63202"/>
             </a:xfrm>
             <a:custGeom>
@@ -32180,7 +32180,7 @@
           </p:nvSpPr>
           <p:spPr>
             <a:xfrm>
-              <a:off x="5055897" y="5990219"/>
+              <a:off x="5029451" y="5990213"/>
               <a:ext cx="63202" cy="63202"/>
             </a:xfrm>
             <a:custGeom>
@@ -32223,7 +32223,7 @@
           </p:nvSpPr>
           <p:spPr>
             <a:xfrm>
-              <a:off x="4816595" y="5989064"/>
+              <a:off x="4934644" y="5989053"/>
               <a:ext cx="63202" cy="63202"/>
             </a:xfrm>
             <a:custGeom>
@@ -32266,7 +32266,7 @@
           </p:nvSpPr>
           <p:spPr>
             <a:xfrm>
-              <a:off x="4478793" y="5974498"/>
+              <a:off x="5103074" y="5974535"/>
               <a:ext cx="63202" cy="63202"/>
             </a:xfrm>
             <a:custGeom>
@@ -32365,7 +32365,7 @@
           </p:nvSpPr>
           <p:spPr>
             <a:xfrm>
-              <a:off x="7171360" y="2998742"/>
+              <a:off x="7171360" y="2998602"/>
               <a:ext cx="2817450" cy="0"/>
             </a:xfrm>
             <a:custGeom>
@@ -32408,7 +32408,7 @@
           </p:nvSpPr>
           <p:spPr>
             <a:xfrm>
-              <a:off x="7171360" y="2576897"/>
+              <a:off x="7171360" y="2576835"/>
               <a:ext cx="2817450" cy="0"/>
             </a:xfrm>
             <a:custGeom>
@@ -32451,7 +32451,7 @@
           </p:nvSpPr>
           <p:spPr>
             <a:xfrm>
-              <a:off x="7171360" y="2155051"/>
+              <a:off x="7171360" y="2155068"/>
               <a:ext cx="2817450" cy="0"/>
             </a:xfrm>
             <a:custGeom>
@@ -32494,7 +32494,7 @@
           </p:nvSpPr>
           <p:spPr>
             <a:xfrm>
-              <a:off x="7171360" y="1733205"/>
+              <a:off x="7171360" y="1733301"/>
               <a:ext cx="2817450" cy="0"/>
             </a:xfrm>
             <a:custGeom>
@@ -32537,7 +32537,7 @@
           </p:nvSpPr>
           <p:spPr>
             <a:xfrm>
-              <a:off x="7171360" y="2787820"/>
+              <a:off x="7171360" y="2787718"/>
               <a:ext cx="2817450" cy="0"/>
             </a:xfrm>
             <a:custGeom>
@@ -32580,7 +32580,7 @@
           </p:nvSpPr>
           <p:spPr>
             <a:xfrm>
-              <a:off x="7171360" y="2365974"/>
+              <a:off x="7171360" y="2365952"/>
               <a:ext cx="2817450" cy="0"/>
             </a:xfrm>
             <a:custGeom>
@@ -32623,7 +32623,7 @@
           </p:nvSpPr>
           <p:spPr>
             <a:xfrm>
-              <a:off x="7171360" y="1944128"/>
+              <a:off x="7171360" y="1944185"/>
               <a:ext cx="2817450" cy="0"/>
             </a:xfrm>
             <a:custGeom>
@@ -32666,7 +32666,7 @@
           </p:nvSpPr>
           <p:spPr>
             <a:xfrm>
-              <a:off x="7171360" y="1522282"/>
+              <a:off x="7171360" y="1522418"/>
               <a:ext cx="2817450" cy="0"/>
             </a:xfrm>
             <a:custGeom>
@@ -32838,7 +32838,7 @@
           </p:nvSpPr>
           <p:spPr>
             <a:xfrm>
-              <a:off x="9620876" y="2883251"/>
+              <a:off x="9340411" y="2882997"/>
               <a:ext cx="63202" cy="63202"/>
             </a:xfrm>
             <a:custGeom>
@@ -32881,7 +32881,7 @@
           </p:nvSpPr>
           <p:spPr>
             <a:xfrm>
-              <a:off x="7377099" y="2520621"/>
+              <a:off x="7316039" y="2520581"/>
               <a:ext cx="63202" cy="63202"/>
             </a:xfrm>
             <a:custGeom>
@@ -32924,7 +32924,7 @@
           </p:nvSpPr>
           <p:spPr>
             <a:xfrm>
-              <a:off x="7917930" y="2524850"/>
+              <a:off x="7594604" y="2524713"/>
               <a:ext cx="63202" cy="63202"/>
             </a:xfrm>
             <a:custGeom>
@@ -32967,7 +32967,7 @@
           </p:nvSpPr>
           <p:spPr>
             <a:xfrm>
-              <a:off x="7845245" y="2537239"/>
+              <a:off x="7499112" y="2537275"/>
               <a:ext cx="63202" cy="63202"/>
             </a:xfrm>
             <a:custGeom>
@@ -33010,7 +33010,7 @@
           </p:nvSpPr>
           <p:spPr>
             <a:xfrm>
-              <a:off x="7482125" y="2532289"/>
+              <a:off x="7654598" y="2532184"/>
               <a:ext cx="63202" cy="63202"/>
             </a:xfrm>
             <a:custGeom>
@@ -33053,7 +33053,7 @@
           </p:nvSpPr>
           <p:spPr>
             <a:xfrm>
-              <a:off x="7670791" y="2478365"/>
+              <a:off x="7608398" y="2478450"/>
               <a:ext cx="63202" cy="63202"/>
             </a:xfrm>
             <a:custGeom>
@@ -33096,7 +33096,7 @@
           </p:nvSpPr>
           <p:spPr>
             <a:xfrm>
-              <a:off x="8746131" y="2570214"/>
+              <a:off x="8778934" y="2570059"/>
               <a:ext cx="63202" cy="63202"/>
             </a:xfrm>
             <a:custGeom>
@@ -33139,7 +33139,7 @@
           </p:nvSpPr>
           <p:spPr>
             <a:xfrm>
-              <a:off x="7762813" y="2519827"/>
+              <a:off x="7337985" y="2519708"/>
               <a:ext cx="63202" cy="63202"/>
             </a:xfrm>
             <a:custGeom>
@@ -33182,7 +33182,7 @@
           </p:nvSpPr>
           <p:spPr>
             <a:xfrm>
-              <a:off x="7592544" y="2532014"/>
+              <a:off x="7709539" y="2531910"/>
               <a:ext cx="63202" cy="63202"/>
             </a:xfrm>
             <a:custGeom>
@@ -33225,7 +33225,7 @@
           </p:nvSpPr>
           <p:spPr>
             <a:xfrm>
-              <a:off x="7979844" y="2528395"/>
+              <a:off x="7555081" y="2528335"/>
               <a:ext cx="63202" cy="63202"/>
             </a:xfrm>
             <a:custGeom>
@@ -33268,7 +33268,7 @@
           </p:nvSpPr>
           <p:spPr>
             <a:xfrm>
-              <a:off x="8431258" y="2569946"/>
+              <a:off x="8874016" y="2569962"/>
               <a:ext cx="63202" cy="63202"/>
             </a:xfrm>
             <a:custGeom>
@@ -33311,7 +33311,7 @@
           </p:nvSpPr>
           <p:spPr>
             <a:xfrm>
-              <a:off x="8615353" y="2611895"/>
+              <a:off x="8784007" y="2611879"/>
               <a:ext cx="63202" cy="63202"/>
             </a:xfrm>
             <a:custGeom>
@@ -33354,7 +33354,7 @@
           </p:nvSpPr>
           <p:spPr>
             <a:xfrm>
-              <a:off x="8300279" y="2571245"/>
+              <a:off x="8681135" y="2571091"/>
               <a:ext cx="63202" cy="63202"/>
             </a:xfrm>
             <a:custGeom>
@@ -33397,7 +33397,7 @@
           </p:nvSpPr>
           <p:spPr>
             <a:xfrm>
-              <a:off x="8705685" y="2682979"/>
+              <a:off x="8569156" y="2683010"/>
               <a:ext cx="63202" cy="63202"/>
             </a:xfrm>
             <a:custGeom>
@@ -33440,7 +33440,7 @@
           </p:nvSpPr>
           <p:spPr>
             <a:xfrm>
-              <a:off x="8809903" y="2568294"/>
+              <a:off x="8378174" y="2568260"/>
               <a:ext cx="63202" cy="63202"/>
             </a:xfrm>
             <a:custGeom>
@@ -33483,7 +33483,7 @@
           </p:nvSpPr>
           <p:spPr>
             <a:xfrm>
-              <a:off x="7757794" y="2534710"/>
+              <a:off x="7720945" y="2534609"/>
               <a:ext cx="63202" cy="63202"/>
             </a:xfrm>
             <a:custGeom>
@@ -33526,7 +33526,7 @@
           </p:nvSpPr>
           <p:spPr>
             <a:xfrm>
-              <a:off x="8209734" y="2654307"/>
+              <a:off x="8475005" y="2654242"/>
               <a:ext cx="63202" cy="63202"/>
             </a:xfrm>
             <a:custGeom>
@@ -33569,7 +33569,7 @@
           </p:nvSpPr>
           <p:spPr>
             <a:xfrm>
-              <a:off x="8795736" y="2588952"/>
+              <a:off x="8876330" y="2588940"/>
               <a:ext cx="63202" cy="63202"/>
             </a:xfrm>
             <a:custGeom>
@@ -33612,7 +33612,7 @@
           </p:nvSpPr>
           <p:spPr>
             <a:xfrm>
-              <a:off x="8757924" y="2565570"/>
+              <a:off x="8757531" y="2565490"/>
               <a:ext cx="63202" cy="63202"/>
             </a:xfrm>
             <a:custGeom>
@@ -33655,7 +33655,7 @@
           </p:nvSpPr>
           <p:spPr>
             <a:xfrm>
-              <a:off x="7557037" y="2520587"/>
+              <a:off x="7392251" y="2520525"/>
               <a:ext cx="63202" cy="63202"/>
             </a:xfrm>
             <a:custGeom>
@@ -33698,7 +33698,7 @@
           </p:nvSpPr>
           <p:spPr>
             <a:xfrm>
-              <a:off x="8678487" y="2624261"/>
+              <a:off x="8871422" y="2624165"/>
               <a:ext cx="63202" cy="63202"/>
             </a:xfrm>
             <a:custGeom>
@@ -33741,7 +33741,7 @@
           </p:nvSpPr>
           <p:spPr>
             <a:xfrm>
-              <a:off x="8846653" y="2563628"/>
+              <a:off x="8712688" y="2563646"/>
               <a:ext cx="63202" cy="63202"/>
             </a:xfrm>
             <a:custGeom>
@@ -33784,7 +33784,7 @@
           </p:nvSpPr>
           <p:spPr>
             <a:xfrm>
-              <a:off x="8731742" y="2571315"/>
+              <a:off x="8517572" y="2571162"/>
               <a:ext cx="63202" cy="63202"/>
             </a:xfrm>
             <a:custGeom>
@@ -33827,7 +33827,7 @@
           </p:nvSpPr>
           <p:spPr>
             <a:xfrm>
-              <a:off x="7998676" y="2461573"/>
+              <a:off x="7648566" y="2461504"/>
               <a:ext cx="63202" cy="63202"/>
             </a:xfrm>
             <a:custGeom>
@@ -33870,7 +33870,7 @@
           </p:nvSpPr>
           <p:spPr>
             <a:xfrm>
-              <a:off x="7782258" y="2522592"/>
+              <a:off x="7332440" y="2522392"/>
               <a:ext cx="63202" cy="63202"/>
             </a:xfrm>
             <a:custGeom>
@@ -33913,7 +33913,7 @@
           </p:nvSpPr>
           <p:spPr>
             <a:xfrm>
-              <a:off x="8558237" y="2574561"/>
+              <a:off x="8675406" y="2574550"/>
               <a:ext cx="63202" cy="63202"/>
             </a:xfrm>
             <a:custGeom>
@@ -33956,7 +33956,7 @@
           </p:nvSpPr>
           <p:spPr>
             <a:xfrm>
-              <a:off x="8713527" y="2587399"/>
+              <a:off x="8637564" y="2587460"/>
               <a:ext cx="63202" cy="63202"/>
             </a:xfrm>
             <a:custGeom>
@@ -33999,7 +33999,7 @@
           </p:nvSpPr>
           <p:spPr>
             <a:xfrm>
-              <a:off x="9733361" y="2928972"/>
+              <a:off x="9293217" y="2928783"/>
               <a:ext cx="63202" cy="63202"/>
             </a:xfrm>
             <a:custGeom>
@@ -34042,7 +34042,7 @@
           </p:nvSpPr>
           <p:spPr>
             <a:xfrm>
-              <a:off x="7803042" y="2529517"/>
+              <a:off x="7854957" y="2529452"/>
               <a:ext cx="63202" cy="63202"/>
             </a:xfrm>
             <a:custGeom>
@@ -34085,7 +34085,7 @@
           </p:nvSpPr>
           <p:spPr>
             <a:xfrm>
-              <a:off x="7972759" y="2528693"/>
+              <a:off x="7801649" y="2528652"/>
               <a:ext cx="63202" cy="63202"/>
             </a:xfrm>
             <a:custGeom>
@@ -34128,7 +34128,7 @@
           </p:nvSpPr>
           <p:spPr>
             <a:xfrm>
-              <a:off x="7605547" y="2526713"/>
+              <a:off x="7438790" y="2526730"/>
               <a:ext cx="63202" cy="63202"/>
             </a:xfrm>
             <a:custGeom>
@@ -34171,7 +34171,7 @@
           </p:nvSpPr>
           <p:spPr>
             <a:xfrm>
-              <a:off x="7500004" y="2526767"/>
+              <a:off x="7397971" y="2526596"/>
               <a:ext cx="63202" cy="63202"/>
             </a:xfrm>
             <a:custGeom>
@@ -34214,7 +34214,7 @@
           </p:nvSpPr>
           <p:spPr>
             <a:xfrm>
-              <a:off x="7682026" y="2527917"/>
+              <a:off x="7920020" y="2527992"/>
               <a:ext cx="63202" cy="63202"/>
             </a:xfrm>
             <a:custGeom>
@@ -34257,7 +34257,7 @@
           </p:nvSpPr>
           <p:spPr>
             <a:xfrm>
-              <a:off x="7512773" y="2535089"/>
+              <a:off x="7489770" y="2535143"/>
               <a:ext cx="63202" cy="63202"/>
             </a:xfrm>
             <a:custGeom>
@@ -34300,7 +34300,7 @@
           </p:nvSpPr>
           <p:spPr>
             <a:xfrm>
-              <a:off x="8281383" y="2547136"/>
+              <a:off x="8827380" y="2547114"/>
               <a:ext cx="63202" cy="63202"/>
             </a:xfrm>
             <a:custGeom>
@@ -34343,7 +34343,7 @@
           </p:nvSpPr>
           <p:spPr>
             <a:xfrm>
-              <a:off x="8454874" y="2566460"/>
+              <a:off x="8502353" y="2566239"/>
               <a:ext cx="63202" cy="63202"/>
             </a:xfrm>
             <a:custGeom>
@@ -34386,7 +34386,7 @@
           </p:nvSpPr>
           <p:spPr>
             <a:xfrm>
-              <a:off x="8696517" y="2570415"/>
+              <a:off x="8209966" y="2570265"/>
               <a:ext cx="63202" cy="63202"/>
             </a:xfrm>
             <a:custGeom>
@@ -34429,7 +34429,7 @@
           </p:nvSpPr>
           <p:spPr>
             <a:xfrm>
-              <a:off x="8411017" y="2800672"/>
+              <a:off x="8762082" y="2800616"/>
               <a:ext cx="63202" cy="63202"/>
             </a:xfrm>
             <a:custGeom>
@@ -34472,7 +34472,7 @@
           </p:nvSpPr>
           <p:spPr>
             <a:xfrm>
-              <a:off x="7941434" y="2537500"/>
+              <a:off x="7945366" y="2537350"/>
               <a:ext cx="63202" cy="63202"/>
             </a:xfrm>
             <a:custGeom>
@@ -34515,7 +34515,7 @@
           </p:nvSpPr>
           <p:spPr>
             <a:xfrm>
-              <a:off x="7361653" y="2417980"/>
+              <a:off x="7566307" y="2417839"/>
               <a:ext cx="63202" cy="63202"/>
             </a:xfrm>
             <a:custGeom>
@@ -34558,7 +34558,7 @@
           </p:nvSpPr>
           <p:spPr>
             <a:xfrm>
-              <a:off x="7758150" y="2451462"/>
+              <a:off x="7323899" y="2451376"/>
               <a:ext cx="63202" cy="63202"/>
             </a:xfrm>
             <a:custGeom>
@@ -34601,7 +34601,7 @@
           </p:nvSpPr>
           <p:spPr>
             <a:xfrm>
-              <a:off x="7821669" y="2534243"/>
+              <a:off x="7843540" y="2534195"/>
               <a:ext cx="63202" cy="63202"/>
             </a:xfrm>
             <a:custGeom>
@@ -34644,7 +34644,7 @@
           </p:nvSpPr>
           <p:spPr>
             <a:xfrm>
-              <a:off x="7652204" y="2536356"/>
+              <a:off x="7538164" y="2536373"/>
               <a:ext cx="63202" cy="63202"/>
             </a:xfrm>
             <a:custGeom>
@@ -34687,7 +34687,7 @@
           </p:nvSpPr>
           <p:spPr>
             <a:xfrm>
-              <a:off x="7816968" y="2536199"/>
+              <a:off x="7837705" y="2536182"/>
               <a:ext cx="63202" cy="63202"/>
             </a:xfrm>
             <a:custGeom>
@@ -34730,7 +34730,7 @@
           </p:nvSpPr>
           <p:spPr>
             <a:xfrm>
-              <a:off x="7765491" y="2533936"/>
+              <a:off x="8015246" y="2533803"/>
               <a:ext cx="63202" cy="63202"/>
             </a:xfrm>
             <a:custGeom>
@@ -34773,7 +34773,7 @@
           </p:nvSpPr>
           <p:spPr>
             <a:xfrm>
-              <a:off x="7370314" y="2532182"/>
+              <a:off x="7402741" y="2532166"/>
               <a:ext cx="63202" cy="63202"/>
             </a:xfrm>
             <a:custGeom>
@@ -34872,7 +34872,7 @@
           </p:nvSpPr>
           <p:spPr>
             <a:xfrm>
-              <a:off x="7171360" y="4924075"/>
+              <a:off x="7171360" y="4923934"/>
               <a:ext cx="2817450" cy="0"/>
             </a:xfrm>
             <a:custGeom>
@@ -34915,7 +34915,7 @@
           </p:nvSpPr>
           <p:spPr>
             <a:xfrm>
-              <a:off x="7171360" y="4502229"/>
+              <a:off x="7171360" y="4502167"/>
               <a:ext cx="2817450" cy="0"/>
             </a:xfrm>
             <a:custGeom>
@@ -34958,7 +34958,7 @@
           </p:nvSpPr>
           <p:spPr>
             <a:xfrm>
-              <a:off x="7171360" y="4080383"/>
+              <a:off x="7171360" y="4080401"/>
               <a:ext cx="2817450" cy="0"/>
             </a:xfrm>
             <a:custGeom>
@@ -35001,7 +35001,7 @@
           </p:nvSpPr>
           <p:spPr>
             <a:xfrm>
-              <a:off x="7171360" y="3658538"/>
+              <a:off x="7171360" y="3658634"/>
               <a:ext cx="2817450" cy="0"/>
             </a:xfrm>
             <a:custGeom>
@@ -35044,7 +35044,7 @@
           </p:nvSpPr>
           <p:spPr>
             <a:xfrm>
-              <a:off x="7171360" y="4713152"/>
+              <a:off x="7171360" y="4713051"/>
               <a:ext cx="2817450" cy="0"/>
             </a:xfrm>
             <a:custGeom>
@@ -35087,7 +35087,7 @@
           </p:nvSpPr>
           <p:spPr>
             <a:xfrm>
-              <a:off x="7171360" y="4291306"/>
+              <a:off x="7171360" y="4291284"/>
               <a:ext cx="2817450" cy="0"/>
             </a:xfrm>
             <a:custGeom>
@@ -35130,7 +35130,7 @@
           </p:nvSpPr>
           <p:spPr>
             <a:xfrm>
-              <a:off x="7171360" y="3869460"/>
+              <a:off x="7171360" y="3869517"/>
               <a:ext cx="2817450" cy="0"/>
             </a:xfrm>
             <a:custGeom>
@@ -35173,7 +35173,7 @@
           </p:nvSpPr>
           <p:spPr>
             <a:xfrm>
-              <a:off x="7171360" y="3447615"/>
+              <a:off x="7171360" y="3447750"/>
               <a:ext cx="2817450" cy="0"/>
             </a:xfrm>
             <a:custGeom>
@@ -35345,7 +35345,7 @@
           </p:nvSpPr>
           <p:spPr>
             <a:xfrm>
-              <a:off x="8434494" y="4510412"/>
+              <a:off x="8694664" y="4510415"/>
               <a:ext cx="63202" cy="63202"/>
             </a:xfrm>
             <a:custGeom>
@@ -35388,7 +35388,7 @@
           </p:nvSpPr>
           <p:spPr>
             <a:xfrm>
-              <a:off x="8869484" y="4694144"/>
+              <a:off x="8311736" y="4694050"/>
               <a:ext cx="63202" cy="63202"/>
             </a:xfrm>
             <a:custGeom>
@@ -35431,7 +35431,7 @@
           </p:nvSpPr>
           <p:spPr>
             <a:xfrm>
-              <a:off x="9371464" y="4795191"/>
+              <a:off x="9085217" y="4795059"/>
               <a:ext cx="63202" cy="63202"/>
             </a:xfrm>
             <a:custGeom>
@@ -35474,7 +35474,7 @@
           </p:nvSpPr>
           <p:spPr>
             <a:xfrm>
-              <a:off x="9752729" y="4821034"/>
+              <a:off x="9405520" y="4820879"/>
               <a:ext cx="63202" cy="63202"/>
             </a:xfrm>
             <a:custGeom>
@@ -35517,7 +35517,7 @@
           </p:nvSpPr>
           <p:spPr>
             <a:xfrm>
-              <a:off x="9136658" y="4807944"/>
+              <a:off x="9430909" y="4807739"/>
               <a:ext cx="63202" cy="63202"/>
             </a:xfrm>
             <a:custGeom>
@@ -35560,7 +35560,7 @@
           </p:nvSpPr>
           <p:spPr>
             <a:xfrm>
-              <a:off x="8716099" y="4621267"/>
+              <a:off x="8739766" y="4621169"/>
               <a:ext cx="63202" cy="63202"/>
             </a:xfrm>
             <a:custGeom>
@@ -35603,7 +35603,7 @@
           </p:nvSpPr>
           <p:spPr>
             <a:xfrm>
-              <a:off x="8816129" y="4744330"/>
+              <a:off x="8304366" y="4744209"/>
               <a:ext cx="63202" cy="63202"/>
             </a:xfrm>
             <a:custGeom>
@@ -35646,7 +35646,7 @@
           </p:nvSpPr>
           <p:spPr>
             <a:xfrm>
-              <a:off x="8618767" y="4497645"/>
+              <a:off x="8793191" y="4497640"/>
               <a:ext cx="63202" cy="63202"/>
             </a:xfrm>
             <a:custGeom>
@@ -35689,7 +35689,7 @@
           </p:nvSpPr>
           <p:spPr>
             <a:xfrm>
-              <a:off x="9243980" y="4851951"/>
+              <a:off x="9605804" y="4851812"/>
               <a:ext cx="63202" cy="63202"/>
             </a:xfrm>
             <a:custGeom>
@@ -35732,7 +35732,7 @@
           </p:nvSpPr>
           <p:spPr>
             <a:xfrm>
-              <a:off x="8363425" y="4709524"/>
+              <a:off x="8389566" y="4709454"/>
               <a:ext cx="63202" cy="63202"/>
             </a:xfrm>
             <a:custGeom>
@@ -35775,7 +35775,7 @@
           </p:nvSpPr>
           <p:spPr>
             <a:xfrm>
-              <a:off x="8470401" y="4714847"/>
+              <a:off x="8293923" y="4714757"/>
               <a:ext cx="63202" cy="63202"/>
             </a:xfrm>
             <a:custGeom>
@@ -35818,7 +35818,7 @@
           </p:nvSpPr>
           <p:spPr>
             <a:xfrm>
-              <a:off x="8620640" y="4472923"/>
+              <a:off x="8417812" y="4472830"/>
               <a:ext cx="63202" cy="63202"/>
             </a:xfrm>
             <a:custGeom>
@@ -35861,7 +35861,7 @@
           </p:nvSpPr>
           <p:spPr>
             <a:xfrm>
-              <a:off x="8618611" y="4529496"/>
+              <a:off x="8779973" y="4529452"/>
               <a:ext cx="63202" cy="63202"/>
             </a:xfrm>
             <a:custGeom>
@@ -35904,7 +35904,7 @@
           </p:nvSpPr>
           <p:spPr>
             <a:xfrm>
-              <a:off x="9688621" y="4803830"/>
+              <a:off x="9329578" y="4803826"/>
               <a:ext cx="63202" cy="63202"/>
             </a:xfrm>
             <a:custGeom>
@@ -37399,7 +37399,7 @@
           </p:nvSpPr>
           <p:spPr>
             <a:xfrm>
-              <a:off x="1148183" y="2746128"/>
+              <a:off x="1148183" y="2746027"/>
               <a:ext cx="186466" cy="81691"/>
             </a:xfrm>
             <a:prstGeom prst="rect">
@@ -37445,7 +37445,7 @@
           </p:nvSpPr>
           <p:spPr>
             <a:xfrm>
-              <a:off x="1148183" y="2324282"/>
+              <a:off x="1148183" y="2324260"/>
               <a:ext cx="186466" cy="81691"/>
             </a:xfrm>
             <a:prstGeom prst="rect">
@@ -37491,7 +37491,7 @@
           </p:nvSpPr>
           <p:spPr>
             <a:xfrm>
-              <a:off x="1148183" y="1902436"/>
+              <a:off x="1148183" y="1902493"/>
               <a:ext cx="186466" cy="81691"/>
             </a:xfrm>
             <a:prstGeom prst="rect">
@@ -37537,7 +37537,7 @@
           </p:nvSpPr>
           <p:spPr>
             <a:xfrm>
-              <a:off x="1148183" y="1480590"/>
+              <a:off x="1148183" y="1480726"/>
               <a:ext cx="186466" cy="81691"/>
             </a:xfrm>
             <a:prstGeom prst="rect">
@@ -37583,7 +37583,7 @@
           </p:nvSpPr>
           <p:spPr>
             <a:xfrm>
-              <a:off x="1362485" y="2787820"/>
+              <a:off x="1362485" y="2787718"/>
               <a:ext cx="34794" cy="0"/>
             </a:xfrm>
             <a:custGeom>
@@ -37623,7 +37623,7 @@
           </p:nvSpPr>
           <p:spPr>
             <a:xfrm>
-              <a:off x="1362485" y="2365974"/>
+              <a:off x="1362485" y="2365952"/>
               <a:ext cx="34794" cy="0"/>
             </a:xfrm>
             <a:custGeom>
@@ -37663,7 +37663,7 @@
           </p:nvSpPr>
           <p:spPr>
             <a:xfrm>
-              <a:off x="1362485" y="1944128"/>
+              <a:off x="1362485" y="1944185"/>
               <a:ext cx="34794" cy="0"/>
             </a:xfrm>
             <a:custGeom>
@@ -37703,7 +37703,7 @@
           </p:nvSpPr>
           <p:spPr>
             <a:xfrm>
-              <a:off x="1362485" y="1522282"/>
+              <a:off x="1362485" y="1522418"/>
               <a:ext cx="34794" cy="0"/>
             </a:xfrm>
             <a:custGeom>
@@ -37743,7 +37743,7 @@
           </p:nvSpPr>
           <p:spPr>
             <a:xfrm>
-              <a:off x="1148183" y="4671460"/>
+              <a:off x="1148183" y="4671359"/>
               <a:ext cx="186466" cy="81691"/>
             </a:xfrm>
             <a:prstGeom prst="rect">
@@ -37789,7 +37789,7 @@
           </p:nvSpPr>
           <p:spPr>
             <a:xfrm>
-              <a:off x="1148183" y="4249615"/>
+              <a:off x="1148183" y="4249592"/>
               <a:ext cx="186466" cy="81691"/>
             </a:xfrm>
             <a:prstGeom prst="rect">
@@ -37835,7 +37835,7 @@
           </p:nvSpPr>
           <p:spPr>
             <a:xfrm>
-              <a:off x="1148183" y="3827769"/>
+              <a:off x="1148183" y="3827826"/>
               <a:ext cx="186466" cy="81691"/>
             </a:xfrm>
             <a:prstGeom prst="rect">
@@ -37881,7 +37881,7 @@
           </p:nvSpPr>
           <p:spPr>
             <a:xfrm>
-              <a:off x="1148183" y="3405923"/>
+              <a:off x="1148183" y="3406059"/>
               <a:ext cx="186466" cy="81691"/>
             </a:xfrm>
             <a:prstGeom prst="rect">
@@ -37927,7 +37927,7 @@
           </p:nvSpPr>
           <p:spPr>
             <a:xfrm>
-              <a:off x="1362485" y="4713152"/>
+              <a:off x="1362485" y="4713051"/>
               <a:ext cx="34794" cy="0"/>
             </a:xfrm>
             <a:custGeom>
@@ -37967,7 +37967,7 @@
           </p:nvSpPr>
           <p:spPr>
             <a:xfrm>
-              <a:off x="1362485" y="4291306"/>
+              <a:off x="1362485" y="4291284"/>
               <a:ext cx="34794" cy="0"/>
             </a:xfrm>
             <a:custGeom>
@@ -38007,7 +38007,7 @@
           </p:nvSpPr>
           <p:spPr>
             <a:xfrm>
-              <a:off x="1362485" y="3869460"/>
+              <a:off x="1362485" y="3869517"/>
               <a:ext cx="34794" cy="0"/>
             </a:xfrm>
             <a:custGeom>
@@ -38047,7 +38047,7 @@
           </p:nvSpPr>
           <p:spPr>
             <a:xfrm>
-              <a:off x="1362485" y="3447615"/>
+              <a:off x="1362485" y="3447750"/>
               <a:ext cx="34794" cy="0"/>
             </a:xfrm>
             <a:custGeom>
@@ -38087,7 +38087,7 @@
           </p:nvSpPr>
           <p:spPr>
             <a:xfrm>
-              <a:off x="1148183" y="6596793"/>
+              <a:off x="1148183" y="6596692"/>
               <a:ext cx="186466" cy="81691"/>
             </a:xfrm>
             <a:prstGeom prst="rect">
@@ -38133,7 +38133,7 @@
           </p:nvSpPr>
           <p:spPr>
             <a:xfrm>
-              <a:off x="1148183" y="6174947"/>
+              <a:off x="1148183" y="6174925"/>
               <a:ext cx="186466" cy="81691"/>
             </a:xfrm>
             <a:prstGeom prst="rect">
@@ -38179,7 +38179,7 @@
           </p:nvSpPr>
           <p:spPr>
             <a:xfrm>
-              <a:off x="1148183" y="5753101"/>
+              <a:off x="1148183" y="5753158"/>
               <a:ext cx="186466" cy="81691"/>
             </a:xfrm>
             <a:prstGeom prst="rect">
@@ -38225,7 +38225,7 @@
           </p:nvSpPr>
           <p:spPr>
             <a:xfrm>
-              <a:off x="1148183" y="5331256"/>
+              <a:off x="1148183" y="5331391"/>
               <a:ext cx="186466" cy="81691"/>
             </a:xfrm>
             <a:prstGeom prst="rect">
@@ -38271,7 +38271,7 @@
           </p:nvSpPr>
           <p:spPr>
             <a:xfrm>
-              <a:off x="1362485" y="6638485"/>
+              <a:off x="1362485" y="6638383"/>
               <a:ext cx="34794" cy="0"/>
             </a:xfrm>
             <a:custGeom>
@@ -38311,7 +38311,7 @@
           </p:nvSpPr>
           <p:spPr>
             <a:xfrm>
-              <a:off x="1362485" y="6216639"/>
+              <a:off x="1362485" y="6216617"/>
               <a:ext cx="34794" cy="0"/>
             </a:xfrm>
             <a:custGeom>
@@ -38351,7 +38351,7 @@
           </p:nvSpPr>
           <p:spPr>
             <a:xfrm>
-              <a:off x="1362485" y="5794793"/>
+              <a:off x="1362485" y="5794850"/>
               <a:ext cx="34794" cy="0"/>
             </a:xfrm>
             <a:custGeom>
@@ -38391,7 +38391,7 @@
           </p:nvSpPr>
           <p:spPr>
             <a:xfrm>
-              <a:off x="1362485" y="5372947"/>
+              <a:off x="1362485" y="5373083"/>
               <a:ext cx="34794" cy="0"/>
             </a:xfrm>
             <a:custGeom>

--- a/Images/Figures_PPT/Jitter_Plot_LST8_All.pptx
+++ b/Images/Figures_PPT/Jitter_Plot_LST8_All.pptx
@@ -2359,7 +2359,7 @@
           </p:nvSpPr>
           <p:spPr>
             <a:xfrm>
-              <a:off x="1397280" y="2998602"/>
+              <a:off x="1397280" y="2998607"/>
               <a:ext cx="2817450" cy="0"/>
             </a:xfrm>
             <a:custGeom>
@@ -2445,7 +2445,7 @@
           </p:nvSpPr>
           <p:spPr>
             <a:xfrm>
-              <a:off x="1397280" y="2155068"/>
+              <a:off x="1397280" y="2155063"/>
               <a:ext cx="2817450" cy="0"/>
             </a:xfrm>
             <a:custGeom>
@@ -2488,7 +2488,7 @@
           </p:nvSpPr>
           <p:spPr>
             <a:xfrm>
-              <a:off x="1397280" y="1733301"/>
+              <a:off x="1397280" y="1733291"/>
               <a:ext cx="2817450" cy="0"/>
             </a:xfrm>
             <a:custGeom>
@@ -2531,7 +2531,7 @@
           </p:nvSpPr>
           <p:spPr>
             <a:xfrm>
-              <a:off x="1397280" y="2787718"/>
+              <a:off x="1397280" y="2787721"/>
               <a:ext cx="2817450" cy="0"/>
             </a:xfrm>
             <a:custGeom>
@@ -2574,7 +2574,7 @@
           </p:nvSpPr>
           <p:spPr>
             <a:xfrm>
-              <a:off x="1397280" y="2365952"/>
+              <a:off x="1397280" y="2365949"/>
               <a:ext cx="2817450" cy="0"/>
             </a:xfrm>
             <a:custGeom>
@@ -2617,7 +2617,7 @@
           </p:nvSpPr>
           <p:spPr>
             <a:xfrm>
-              <a:off x="1397280" y="1944185"/>
+              <a:off x="1397280" y="1944177"/>
               <a:ext cx="2817450" cy="0"/>
             </a:xfrm>
             <a:custGeom>
@@ -2660,7 +2660,7 @@
           </p:nvSpPr>
           <p:spPr>
             <a:xfrm>
-              <a:off x="1397280" y="1522418"/>
+              <a:off x="1397280" y="1522405"/>
               <a:ext cx="2817450" cy="0"/>
             </a:xfrm>
             <a:custGeom>
@@ -2832,7 +2832,7 @@
           </p:nvSpPr>
           <p:spPr>
             <a:xfrm>
-              <a:off x="3041708" y="2548611"/>
+              <a:off x="2615722" y="2548649"/>
               <a:ext cx="63202" cy="63202"/>
             </a:xfrm>
             <a:custGeom>
@@ -2875,7 +2875,7 @@
           </p:nvSpPr>
           <p:spPr>
             <a:xfrm>
-              <a:off x="2037638" y="2522408"/>
+              <a:off x="1762035" y="2522449"/>
               <a:ext cx="63202" cy="63202"/>
             </a:xfrm>
             <a:custGeom>
@@ -2918,7 +2918,7 @@
           </p:nvSpPr>
           <p:spPr>
             <a:xfrm>
-              <a:off x="3463664" y="1466704"/>
+              <a:off x="3584740" y="1466704"/>
               <a:ext cx="63202" cy="63202"/>
             </a:xfrm>
             <a:custGeom>
@@ -2961,7 +2961,7 @@
           </p:nvSpPr>
           <p:spPr>
             <a:xfrm>
-              <a:off x="3446974" y="2847559"/>
+              <a:off x="3560340" y="2847606"/>
               <a:ext cx="63202" cy="63202"/>
             </a:xfrm>
             <a:custGeom>
@@ -3004,7 +3004,7 @@
           </p:nvSpPr>
           <p:spPr>
             <a:xfrm>
-              <a:off x="3405993" y="2854230"/>
+              <a:off x="3720339" y="2854132"/>
               <a:ext cx="63202" cy="63202"/>
             </a:xfrm>
             <a:custGeom>
@@ -3047,7 +3047,7 @@
           </p:nvSpPr>
           <p:spPr>
             <a:xfrm>
-              <a:off x="2205193" y="2540973"/>
+              <a:off x="1679850" y="2541076"/>
               <a:ext cx="63202" cy="63202"/>
             </a:xfrm>
             <a:custGeom>
@@ -3090,7 +3090,7 @@
           </p:nvSpPr>
           <p:spPr>
             <a:xfrm>
-              <a:off x="2909564" y="2605499"/>
+              <a:off x="2822007" y="2605549"/>
               <a:ext cx="63202" cy="63202"/>
             </a:xfrm>
             <a:custGeom>
@@ -3133,7 +3133,7 @@
           </p:nvSpPr>
           <p:spPr>
             <a:xfrm>
-              <a:off x="3379759" y="2913387"/>
+              <a:off x="3767728" y="2913472"/>
               <a:ext cx="63202" cy="63202"/>
             </a:xfrm>
             <a:custGeom>
@@ -3176,7 +3176,7 @@
           </p:nvSpPr>
           <p:spPr>
             <a:xfrm>
-              <a:off x="2105565" y="2504922"/>
+              <a:off x="2176484" y="2504999"/>
               <a:ext cx="63202" cy="63202"/>
             </a:xfrm>
             <a:custGeom>
@@ -3219,7 +3219,7 @@
           </p:nvSpPr>
           <p:spPr>
             <a:xfrm>
-              <a:off x="3573857" y="2837940"/>
+              <a:off x="3491595" y="2838006"/>
               <a:ext cx="63202" cy="63202"/>
             </a:xfrm>
             <a:custGeom>
@@ -3262,7 +3262,7 @@
           </p:nvSpPr>
           <p:spPr>
             <a:xfrm>
-              <a:off x="2839643" y="2556794"/>
+              <a:off x="2941353" y="2556910"/>
               <a:ext cx="63202" cy="63202"/>
             </a:xfrm>
             <a:custGeom>
@@ -3305,7 +3305,7 @@
           </p:nvSpPr>
           <p:spPr>
             <a:xfrm>
-              <a:off x="3592971" y="2913715"/>
+              <a:off x="3680954" y="2913663"/>
               <a:ext cx="63202" cy="63202"/>
             </a:xfrm>
             <a:custGeom>
@@ -3348,7 +3348,7 @@
           </p:nvSpPr>
           <p:spPr>
             <a:xfrm>
-              <a:off x="3826475" y="2913801"/>
+              <a:off x="3959198" y="2913798"/>
               <a:ext cx="63202" cy="63202"/>
             </a:xfrm>
             <a:custGeom>
@@ -3391,7 +3391,7 @@
           </p:nvSpPr>
           <p:spPr>
             <a:xfrm>
-              <a:off x="2004081" y="2504997"/>
+              <a:off x="1744907" y="2504976"/>
               <a:ext cx="63202" cy="63202"/>
             </a:xfrm>
             <a:custGeom>
@@ -3434,7 +3434,7 @@
           </p:nvSpPr>
           <p:spPr>
             <a:xfrm>
-              <a:off x="3612252" y="2913171"/>
+              <a:off x="3899062" y="2913205"/>
               <a:ext cx="63202" cy="63202"/>
             </a:xfrm>
             <a:custGeom>
@@ -3477,7 +3477,7 @@
           </p:nvSpPr>
           <p:spPr>
             <a:xfrm>
-              <a:off x="3111138" y="2667626"/>
+              <a:off x="2592943" y="2667597"/>
               <a:ext cx="63202" cy="63202"/>
             </a:xfrm>
             <a:custGeom>
@@ -3520,7 +3520,7 @@
           </p:nvSpPr>
           <p:spPr>
             <a:xfrm>
-              <a:off x="3955680" y="2913520"/>
+              <a:off x="3812386" y="2913411"/>
               <a:ext cx="63202" cy="63202"/>
             </a:xfrm>
             <a:custGeom>
@@ -3563,7 +3563,7 @@
           </p:nvSpPr>
           <p:spPr>
             <a:xfrm>
-              <a:off x="3615156" y="2913702"/>
+              <a:off x="3706370" y="2913621"/>
               <a:ext cx="63202" cy="63202"/>
             </a:xfrm>
             <a:custGeom>
@@ -3606,7 +3606,7 @@
           </p:nvSpPr>
           <p:spPr>
             <a:xfrm>
-              <a:off x="3488458" y="2913781"/>
+              <a:off x="3358880" y="2913931"/>
               <a:ext cx="63202" cy="63202"/>
             </a:xfrm>
             <a:custGeom>
@@ -3649,7 +3649,7 @@
           </p:nvSpPr>
           <p:spPr>
             <a:xfrm>
-              <a:off x="3494507" y="2913515"/>
+              <a:off x="3542045" y="2913442"/>
               <a:ext cx="63202" cy="63202"/>
             </a:xfrm>
             <a:custGeom>
@@ -3692,7 +3692,7 @@
           </p:nvSpPr>
           <p:spPr>
             <a:xfrm>
-              <a:off x="3471575" y="2913718"/>
+              <a:off x="3793272" y="2913569"/>
               <a:ext cx="63202" cy="63202"/>
             </a:xfrm>
             <a:custGeom>
@@ -3735,7 +3735,7 @@
           </p:nvSpPr>
           <p:spPr>
             <a:xfrm>
-              <a:off x="3990890" y="2913861"/>
+              <a:off x="3443787" y="2913832"/>
               <a:ext cx="63202" cy="63202"/>
             </a:xfrm>
             <a:custGeom>
@@ -3778,7 +3778,7 @@
           </p:nvSpPr>
           <p:spPr>
             <a:xfrm>
-              <a:off x="3781039" y="2913579"/>
+              <a:off x="3796519" y="2913644"/>
               <a:ext cx="63202" cy="63202"/>
             </a:xfrm>
             <a:custGeom>
@@ -3821,7 +3821,7 @@
           </p:nvSpPr>
           <p:spPr>
             <a:xfrm>
-              <a:off x="3915158" y="2911602"/>
+              <a:off x="3835015" y="2911555"/>
               <a:ext cx="63202" cy="63202"/>
             </a:xfrm>
             <a:custGeom>
@@ -3864,7 +3864,7 @@
           </p:nvSpPr>
           <p:spPr>
             <a:xfrm>
-              <a:off x="3321722" y="2914781"/>
+              <a:off x="3394433" y="2914757"/>
               <a:ext cx="63202" cy="63202"/>
             </a:xfrm>
             <a:custGeom>
@@ -3907,7 +3907,7 @@
           </p:nvSpPr>
           <p:spPr>
             <a:xfrm>
-              <a:off x="3622892" y="2913565"/>
+              <a:off x="3652517" y="2913568"/>
               <a:ext cx="63202" cy="63202"/>
             </a:xfrm>
             <a:custGeom>
@@ -3950,7 +3950,7 @@
           </p:nvSpPr>
           <p:spPr>
             <a:xfrm>
-              <a:off x="3340287" y="2930532"/>
+              <a:off x="3859685" y="2930441"/>
               <a:ext cx="63202" cy="63202"/>
             </a:xfrm>
             <a:custGeom>
@@ -3993,7 +3993,7 @@
           </p:nvSpPr>
           <p:spPr>
             <a:xfrm>
-              <a:off x="3387378" y="2929646"/>
+              <a:off x="3759668" y="2929719"/>
               <a:ext cx="63202" cy="63202"/>
             </a:xfrm>
             <a:custGeom>
@@ -4036,7 +4036,7 @@
           </p:nvSpPr>
           <p:spPr>
             <a:xfrm>
-              <a:off x="2538342" y="2547173"/>
+              <a:off x="2929070" y="2547206"/>
               <a:ext cx="63202" cy="63202"/>
             </a:xfrm>
             <a:custGeom>
@@ -4079,7 +4079,7 @@
           </p:nvSpPr>
           <p:spPr>
             <a:xfrm>
-              <a:off x="2785841" y="2553588"/>
+              <a:off x="2740580" y="2553709"/>
               <a:ext cx="63202" cy="63202"/>
             </a:xfrm>
             <a:custGeom>
@@ -4122,7 +4122,7 @@
           </p:nvSpPr>
           <p:spPr>
             <a:xfrm>
-              <a:off x="3927941" y="2903133"/>
+              <a:off x="3989052" y="2903032"/>
               <a:ext cx="63202" cy="63202"/>
             </a:xfrm>
             <a:custGeom>
@@ -4165,7 +4165,7 @@
           </p:nvSpPr>
           <p:spPr>
             <a:xfrm>
-              <a:off x="3807054" y="2938479"/>
+              <a:off x="3528949" y="2938592"/>
               <a:ext cx="63202" cy="63202"/>
             </a:xfrm>
             <a:custGeom>
@@ -4208,7 +4208,7 @@
           </p:nvSpPr>
           <p:spPr>
             <a:xfrm>
-              <a:off x="3674019" y="2913660"/>
+              <a:off x="3898795" y="2913597"/>
               <a:ext cx="63202" cy="63202"/>
             </a:xfrm>
             <a:custGeom>
@@ -4251,7 +4251,7 @@
           </p:nvSpPr>
           <p:spPr>
             <a:xfrm>
-              <a:off x="3108505" y="2693861"/>
+              <a:off x="2622871" y="2693886"/>
               <a:ext cx="63202" cy="63202"/>
             </a:xfrm>
             <a:custGeom>
@@ -4294,7 +4294,7 @@
           </p:nvSpPr>
           <p:spPr>
             <a:xfrm>
-              <a:off x="3033185" y="2703636"/>
+              <a:off x="2900247" y="2703619"/>
               <a:ext cx="63202" cy="63202"/>
             </a:xfrm>
             <a:custGeom>
@@ -4337,7 +4337,7 @@
           </p:nvSpPr>
           <p:spPr>
             <a:xfrm>
-              <a:off x="2833973" y="2611204"/>
+              <a:off x="2942335" y="2611159"/>
               <a:ext cx="63202" cy="63202"/>
             </a:xfrm>
             <a:custGeom>
@@ -4380,7 +4380,7 @@
           </p:nvSpPr>
           <p:spPr>
             <a:xfrm>
-              <a:off x="1597491" y="2500787"/>
+              <a:off x="1726178" y="2500699"/>
               <a:ext cx="63202" cy="63202"/>
             </a:xfrm>
             <a:custGeom>
@@ -4423,7 +4423,7 @@
           </p:nvSpPr>
           <p:spPr>
             <a:xfrm>
-              <a:off x="2075868" y="2504279"/>
+              <a:off x="2243121" y="2504310"/>
               <a:ext cx="63202" cy="63202"/>
             </a:xfrm>
             <a:custGeom>
@@ -4466,7 +4466,7 @@
           </p:nvSpPr>
           <p:spPr>
             <a:xfrm>
-              <a:off x="1668898" y="2505954"/>
+              <a:off x="1724735" y="2505976"/>
               <a:ext cx="63202" cy="63202"/>
             </a:xfrm>
             <a:custGeom>
@@ -4509,7 +4509,7 @@
           </p:nvSpPr>
           <p:spPr>
             <a:xfrm>
-              <a:off x="4005770" y="2856509"/>
+              <a:off x="3928136" y="2856497"/>
               <a:ext cx="63202" cy="63202"/>
             </a:xfrm>
             <a:custGeom>
@@ -4552,7 +4552,7 @@
           </p:nvSpPr>
           <p:spPr>
             <a:xfrm>
-              <a:off x="3449275" y="2902850"/>
+              <a:off x="3561104" y="2902904"/>
               <a:ext cx="63202" cy="63202"/>
             </a:xfrm>
             <a:custGeom>
@@ -4595,7 +4595,7 @@
           </p:nvSpPr>
           <p:spPr>
             <a:xfrm>
-              <a:off x="2203211" y="2391243"/>
+              <a:off x="1549131" y="2391343"/>
               <a:ext cx="63202" cy="63202"/>
             </a:xfrm>
             <a:custGeom>
@@ -4638,7 +4638,7 @@
           </p:nvSpPr>
           <p:spPr>
             <a:xfrm>
-              <a:off x="3961778" y="2860914"/>
+              <a:off x="3658522" y="2860855"/>
               <a:ext cx="63202" cy="63202"/>
             </a:xfrm>
             <a:custGeom>
@@ -4681,7 +4681,7 @@
           </p:nvSpPr>
           <p:spPr>
             <a:xfrm>
-              <a:off x="2952665" y="2589104"/>
+              <a:off x="2829024" y="2589152"/>
               <a:ext cx="63202" cy="63202"/>
             </a:xfrm>
             <a:custGeom>
@@ -4724,7 +4724,7 @@
           </p:nvSpPr>
           <p:spPr>
             <a:xfrm>
-              <a:off x="2538566" y="2655778"/>
+              <a:off x="2978292" y="2655756"/>
               <a:ext cx="63202" cy="63202"/>
             </a:xfrm>
             <a:custGeom>
@@ -4767,7 +4767,7 @@
           </p:nvSpPr>
           <p:spPr>
             <a:xfrm>
-              <a:off x="3492268" y="2540531"/>
+              <a:off x="3621006" y="2540631"/>
               <a:ext cx="63202" cy="63202"/>
             </a:xfrm>
             <a:custGeom>
@@ -4810,7 +4810,7 @@
           </p:nvSpPr>
           <p:spPr>
             <a:xfrm>
-              <a:off x="1707162" y="2506656"/>
+              <a:off x="1848108" y="2506601"/>
               <a:ext cx="63202" cy="63202"/>
             </a:xfrm>
             <a:custGeom>
@@ -4909,7 +4909,7 @@
           </p:nvSpPr>
           <p:spPr>
             <a:xfrm>
-              <a:off x="1397280" y="4923934"/>
+              <a:off x="1397280" y="4923940"/>
               <a:ext cx="2817450" cy="0"/>
             </a:xfrm>
             <a:custGeom>
@@ -4952,7 +4952,7 @@
           </p:nvSpPr>
           <p:spPr>
             <a:xfrm>
-              <a:off x="1397280" y="4502167"/>
+              <a:off x="1397280" y="4502168"/>
               <a:ext cx="2817450" cy="0"/>
             </a:xfrm>
             <a:custGeom>
@@ -4995,7 +4995,7 @@
           </p:nvSpPr>
           <p:spPr>
             <a:xfrm>
-              <a:off x="1397280" y="4080401"/>
+              <a:off x="1397280" y="4080396"/>
               <a:ext cx="2817450" cy="0"/>
             </a:xfrm>
             <a:custGeom>
@@ -5038,7 +5038,7 @@
           </p:nvSpPr>
           <p:spPr>
             <a:xfrm>
-              <a:off x="1397280" y="3658634"/>
+              <a:off x="1397280" y="3658624"/>
               <a:ext cx="2817450" cy="0"/>
             </a:xfrm>
             <a:custGeom>
@@ -5081,7 +5081,7 @@
           </p:nvSpPr>
           <p:spPr>
             <a:xfrm>
-              <a:off x="1397280" y="4713051"/>
+              <a:off x="1397280" y="4713054"/>
               <a:ext cx="2817450" cy="0"/>
             </a:xfrm>
             <a:custGeom>
@@ -5124,7 +5124,7 @@
           </p:nvSpPr>
           <p:spPr>
             <a:xfrm>
-              <a:off x="1397280" y="4291284"/>
+              <a:off x="1397280" y="4291282"/>
               <a:ext cx="2817450" cy="0"/>
             </a:xfrm>
             <a:custGeom>
@@ -5167,7 +5167,7 @@
           </p:nvSpPr>
           <p:spPr>
             <a:xfrm>
-              <a:off x="1397280" y="3869517"/>
+              <a:off x="1397280" y="3869510"/>
               <a:ext cx="2817450" cy="0"/>
             </a:xfrm>
             <a:custGeom>
@@ -5210,7 +5210,7 @@
           </p:nvSpPr>
           <p:spPr>
             <a:xfrm>
-              <a:off x="1397280" y="3447750"/>
+              <a:off x="1397280" y="3447738"/>
               <a:ext cx="2817450" cy="0"/>
             </a:xfrm>
             <a:custGeom>
@@ -5382,7 +5382,7 @@
           </p:nvSpPr>
           <p:spPr>
             <a:xfrm>
-              <a:off x="3002331" y="4690333"/>
+              <a:off x="3123218" y="4690394"/>
               <a:ext cx="63202" cy="63202"/>
             </a:xfrm>
             <a:custGeom>
@@ -5425,7 +5425,7 @@
           </p:nvSpPr>
           <p:spPr>
             <a:xfrm>
-              <a:off x="2922576" y="4655992"/>
+              <a:off x="2699894" y="4656019"/>
               <a:ext cx="63202" cy="63202"/>
             </a:xfrm>
             <a:custGeom>
@@ -5468,7 +5468,7 @@
           </p:nvSpPr>
           <p:spPr>
             <a:xfrm>
-              <a:off x="3034691" y="4693343"/>
+              <a:off x="2695082" y="4693263"/>
               <a:ext cx="63202" cy="63202"/>
             </a:xfrm>
             <a:custGeom>
@@ -5511,7 +5511,7 @@
           </p:nvSpPr>
           <p:spPr>
             <a:xfrm>
-              <a:off x="2592194" y="4709703"/>
+              <a:off x="2436477" y="4709673"/>
               <a:ext cx="63202" cy="63202"/>
             </a:xfrm>
             <a:custGeom>
@@ -5554,7 +5554,7 @@
           </p:nvSpPr>
           <p:spPr>
             <a:xfrm>
-              <a:off x="2610143" y="4692368"/>
+              <a:off x="2481466" y="4692369"/>
               <a:ext cx="63202" cy="63202"/>
             </a:xfrm>
             <a:custGeom>
@@ -5597,7 +5597,7 @@
           </p:nvSpPr>
           <p:spPr>
             <a:xfrm>
-              <a:off x="2697196" y="4709890"/>
+              <a:off x="2477605" y="4709967"/>
               <a:ext cx="63202" cy="63202"/>
             </a:xfrm>
             <a:custGeom>
@@ -5640,7 +5640,7 @@
           </p:nvSpPr>
           <p:spPr>
             <a:xfrm>
-              <a:off x="3692784" y="4791067"/>
+              <a:off x="3636290" y="4791193"/>
               <a:ext cx="63202" cy="63202"/>
             </a:xfrm>
             <a:custGeom>
@@ -5683,7 +5683,7 @@
           </p:nvSpPr>
           <p:spPr>
             <a:xfrm>
-              <a:off x="2750047" y="4669579"/>
+              <a:off x="2752930" y="4669615"/>
               <a:ext cx="63202" cy="63202"/>
             </a:xfrm>
             <a:custGeom>
@@ -5726,7 +5726,7 @@
           </p:nvSpPr>
           <p:spPr>
             <a:xfrm>
-              <a:off x="3414021" y="4850110"/>
+              <a:off x="3884635" y="4850205"/>
               <a:ext cx="63202" cy="63202"/>
             </a:xfrm>
             <a:custGeom>
@@ -5769,7 +5769,7 @@
           </p:nvSpPr>
           <p:spPr>
             <a:xfrm>
-              <a:off x="3878962" y="4869962"/>
+              <a:off x="3814794" y="4869978"/>
               <a:ext cx="63202" cy="63202"/>
             </a:xfrm>
             <a:custGeom>
@@ -5812,7 +5812,7 @@
           </p:nvSpPr>
           <p:spPr>
             <a:xfrm>
-              <a:off x="3807787" y="4836672"/>
+              <a:off x="3453056" y="4836636"/>
               <a:ext cx="63202" cy="63202"/>
             </a:xfrm>
             <a:custGeom>
@@ -5855,7 +5855,7 @@
           </p:nvSpPr>
           <p:spPr>
             <a:xfrm>
-              <a:off x="2985290" y="4605189"/>
+              <a:off x="2734567" y="4605093"/>
               <a:ext cx="63202" cy="63202"/>
             </a:xfrm>
             <a:custGeom>
@@ -5898,7 +5898,7 @@
           </p:nvSpPr>
           <p:spPr>
             <a:xfrm>
-              <a:off x="2965899" y="4700449"/>
+              <a:off x="3020916" y="4700468"/>
               <a:ext cx="63202" cy="63202"/>
             </a:xfrm>
             <a:custGeom>
@@ -5941,7 +5941,7 @@
           </p:nvSpPr>
           <p:spPr>
             <a:xfrm>
-              <a:off x="3512592" y="4802788"/>
+              <a:off x="3445875" y="4802675"/>
               <a:ext cx="63202" cy="63202"/>
             </a:xfrm>
             <a:custGeom>
@@ -5984,7 +5984,7 @@
           </p:nvSpPr>
           <p:spPr>
             <a:xfrm>
-              <a:off x="1927309" y="4334374"/>
+              <a:off x="1713670" y="4334410"/>
               <a:ext cx="63202" cy="63202"/>
             </a:xfrm>
             <a:custGeom>
@@ -6027,7 +6027,7 @@
           </p:nvSpPr>
           <p:spPr>
             <a:xfrm>
-              <a:off x="1782590" y="4318352"/>
+              <a:off x="1591259" y="4318379"/>
               <a:ext cx="63202" cy="63202"/>
             </a:xfrm>
             <a:custGeom>
@@ -6070,7 +6070,7 @@
           </p:nvSpPr>
           <p:spPr>
             <a:xfrm>
-              <a:off x="1959934" y="4252785"/>
+              <a:off x="2139025" y="4252683"/>
               <a:ext cx="63202" cy="63202"/>
             </a:xfrm>
             <a:custGeom>
@@ -6113,7 +6113,7 @@
           </p:nvSpPr>
           <p:spPr>
             <a:xfrm>
-              <a:off x="3666564" y="4802938"/>
+              <a:off x="3663397" y="4802889"/>
               <a:ext cx="63202" cy="63202"/>
             </a:xfrm>
             <a:custGeom>
@@ -6156,7 +6156,7 @@
           </p:nvSpPr>
           <p:spPr>
             <a:xfrm>
-              <a:off x="2776541" y="4683701"/>
+              <a:off x="3053286" y="4683787"/>
               <a:ext cx="63202" cy="63202"/>
             </a:xfrm>
             <a:custGeom>
@@ -6199,7 +6199,7 @@
           </p:nvSpPr>
           <p:spPr>
             <a:xfrm>
-              <a:off x="2562668" y="4687536"/>
+              <a:off x="3100798" y="4687615"/>
               <a:ext cx="63202" cy="63202"/>
             </a:xfrm>
             <a:custGeom>
@@ -6242,7 +6242,7 @@
           </p:nvSpPr>
           <p:spPr>
             <a:xfrm>
-              <a:off x="3456981" y="4736925"/>
+              <a:off x="3312201" y="4736894"/>
               <a:ext cx="63202" cy="63202"/>
             </a:xfrm>
             <a:custGeom>
@@ -6341,7 +6341,7 @@
           </p:nvSpPr>
           <p:spPr>
             <a:xfrm>
-              <a:off x="1397280" y="6849267"/>
+              <a:off x="1397280" y="6849273"/>
               <a:ext cx="2817450" cy="0"/>
             </a:xfrm>
             <a:custGeom>
@@ -6427,7 +6427,7 @@
           </p:nvSpPr>
           <p:spPr>
             <a:xfrm>
-              <a:off x="1397280" y="6005733"/>
+              <a:off x="1397280" y="6005728"/>
               <a:ext cx="2817450" cy="0"/>
             </a:xfrm>
             <a:custGeom>
@@ -6470,7 +6470,7 @@
           </p:nvSpPr>
           <p:spPr>
             <a:xfrm>
-              <a:off x="1397280" y="5583966"/>
+              <a:off x="1397280" y="5583956"/>
               <a:ext cx="2817450" cy="0"/>
             </a:xfrm>
             <a:custGeom>
@@ -6513,7 +6513,7 @@
           </p:nvSpPr>
           <p:spPr>
             <a:xfrm>
-              <a:off x="1397280" y="6638383"/>
+              <a:off x="1397280" y="6638386"/>
               <a:ext cx="2817450" cy="0"/>
             </a:xfrm>
             <a:custGeom>
@@ -6556,7 +6556,7 @@
           </p:nvSpPr>
           <p:spPr>
             <a:xfrm>
-              <a:off x="1397280" y="6216617"/>
+              <a:off x="1397280" y="6216614"/>
               <a:ext cx="2817450" cy="0"/>
             </a:xfrm>
             <a:custGeom>
@@ -6599,7 +6599,7 @@
           </p:nvSpPr>
           <p:spPr>
             <a:xfrm>
-              <a:off x="1397280" y="5794850"/>
+              <a:off x="1397280" y="5794842"/>
               <a:ext cx="2817450" cy="0"/>
             </a:xfrm>
             <a:custGeom>
@@ -6642,7 +6642,7 @@
           </p:nvSpPr>
           <p:spPr>
             <a:xfrm>
-              <a:off x="1397280" y="5373083"/>
+              <a:off x="1397280" y="5373070"/>
               <a:ext cx="2817450" cy="0"/>
             </a:xfrm>
             <a:custGeom>
@@ -6814,7 +6814,7 @@
           </p:nvSpPr>
           <p:spPr>
             <a:xfrm>
-              <a:off x="1848605" y="6210065"/>
+              <a:off x="1900612" y="6210054"/>
               <a:ext cx="63202" cy="63202"/>
             </a:xfrm>
             <a:custGeom>
@@ -6857,7 +6857,7 @@
           </p:nvSpPr>
           <p:spPr>
             <a:xfrm>
-              <a:off x="1725940" y="6263082"/>
+              <a:off x="1960635" y="6263059"/>
               <a:ext cx="63202" cy="63202"/>
             </a:xfrm>
             <a:custGeom>
@@ -6900,7 +6900,7 @@
           </p:nvSpPr>
           <p:spPr>
             <a:xfrm>
-              <a:off x="2044159" y="6256752"/>
+              <a:off x="1859467" y="6256721"/>
               <a:ext cx="63202" cy="63202"/>
             </a:xfrm>
             <a:custGeom>
@@ -6943,7 +6943,7 @@
           </p:nvSpPr>
           <p:spPr>
             <a:xfrm>
-              <a:off x="1971797" y="6254367"/>
+              <a:off x="2058343" y="6254352"/>
               <a:ext cx="63202" cy="63202"/>
             </a:xfrm>
             <a:custGeom>
@@ -6986,7 +6986,7 @@
           </p:nvSpPr>
           <p:spPr>
             <a:xfrm>
-              <a:off x="3525495" y="6782532"/>
+              <a:off x="3563000" y="6782449"/>
               <a:ext cx="63202" cy="63202"/>
             </a:xfrm>
             <a:custGeom>
@@ -7029,7 +7029,7 @@
           </p:nvSpPr>
           <p:spPr>
             <a:xfrm>
-              <a:off x="1915070" y="6340707"/>
+              <a:off x="1692134" y="6340677"/>
               <a:ext cx="63202" cy="63202"/>
             </a:xfrm>
             <a:custGeom>
@@ -7072,7 +7072,7 @@
           </p:nvSpPr>
           <p:spPr>
             <a:xfrm>
-              <a:off x="2193394" y="6222984"/>
+              <a:off x="1585110" y="6223010"/>
               <a:ext cx="63202" cy="63202"/>
             </a:xfrm>
             <a:custGeom>
@@ -7115,7 +7115,7 @@
           </p:nvSpPr>
           <p:spPr>
             <a:xfrm>
-              <a:off x="1583575" y="6232263"/>
+              <a:off x="1656188" y="6232324"/>
               <a:ext cx="63202" cy="63202"/>
             </a:xfrm>
             <a:custGeom>
@@ -7158,7 +7158,7 @@
           </p:nvSpPr>
           <p:spPr>
             <a:xfrm>
-              <a:off x="1873954" y="6329976"/>
+              <a:off x="2018016" y="6329814"/>
               <a:ext cx="63202" cy="63202"/>
             </a:xfrm>
             <a:custGeom>
@@ -7201,7 +7201,7 @@
           </p:nvSpPr>
           <p:spPr>
             <a:xfrm>
-              <a:off x="2218228" y="6260098"/>
+              <a:off x="2156342" y="6260007"/>
               <a:ext cx="63202" cy="63202"/>
             </a:xfrm>
             <a:custGeom>
@@ -7244,7 +7244,7 @@
           </p:nvSpPr>
           <p:spPr>
             <a:xfrm>
-              <a:off x="1580110" y="6388224"/>
+              <a:off x="1559705" y="6388310"/>
               <a:ext cx="63202" cy="63202"/>
             </a:xfrm>
             <a:custGeom>
@@ -7287,7 +7287,7 @@
           </p:nvSpPr>
           <p:spPr>
             <a:xfrm>
-              <a:off x="2811634" y="6352649"/>
+              <a:off x="2909457" y="6352598"/>
               <a:ext cx="63202" cy="63202"/>
             </a:xfrm>
             <a:custGeom>
@@ -7330,7 +7330,7 @@
           </p:nvSpPr>
           <p:spPr>
             <a:xfrm>
-              <a:off x="2109682" y="6232209"/>
+              <a:off x="1947872" y="6232246"/>
               <a:ext cx="63202" cy="63202"/>
             </a:xfrm>
             <a:custGeom>
@@ -7373,7 +7373,7 @@
           </p:nvSpPr>
           <p:spPr>
             <a:xfrm>
-              <a:off x="2136800" y="6376344"/>
+              <a:off x="1761707" y="6376289"/>
               <a:ext cx="63202" cy="63202"/>
             </a:xfrm>
             <a:custGeom>
@@ -7416,7 +7416,7 @@
           </p:nvSpPr>
           <p:spPr>
             <a:xfrm>
-              <a:off x="2774496" y="6399501"/>
+              <a:off x="2845240" y="6399447"/>
               <a:ext cx="63202" cy="63202"/>
             </a:xfrm>
             <a:custGeom>
@@ -7459,7 +7459,7 @@
           </p:nvSpPr>
           <p:spPr>
             <a:xfrm>
-              <a:off x="2036100" y="6360473"/>
+              <a:off x="2023994" y="6360504"/>
               <a:ext cx="63202" cy="63202"/>
             </a:xfrm>
             <a:custGeom>
@@ -7502,7 +7502,7 @@
           </p:nvSpPr>
           <p:spPr>
             <a:xfrm>
-              <a:off x="2129407" y="6256480"/>
+              <a:off x="1762975" y="6256466"/>
               <a:ext cx="63202" cy="63202"/>
             </a:xfrm>
             <a:custGeom>
@@ -7545,7 +7545,7 @@
           </p:nvSpPr>
           <p:spPr>
             <a:xfrm>
-              <a:off x="1785944" y="6351477"/>
+              <a:off x="2245356" y="6351472"/>
               <a:ext cx="63202" cy="63202"/>
             </a:xfrm>
             <a:custGeom>
@@ -7588,7 +7588,7 @@
           </p:nvSpPr>
           <p:spPr>
             <a:xfrm>
-              <a:off x="1931330" y="6312157"/>
+              <a:off x="2050565" y="6312252"/>
               <a:ext cx="63202" cy="63202"/>
             </a:xfrm>
             <a:custGeom>
@@ -7631,7 +7631,7 @@
           </p:nvSpPr>
           <p:spPr>
             <a:xfrm>
-              <a:off x="2033484" y="6375460"/>
+              <a:off x="2220088" y="6375521"/>
               <a:ext cx="63202" cy="63202"/>
             </a:xfrm>
             <a:custGeom>
@@ -7674,7 +7674,7 @@
           </p:nvSpPr>
           <p:spPr>
             <a:xfrm>
-              <a:off x="2950057" y="6404064"/>
+              <a:off x="3106759" y="6404198"/>
               <a:ext cx="63202" cy="63202"/>
             </a:xfrm>
             <a:custGeom>
@@ -7717,7 +7717,7 @@
           </p:nvSpPr>
           <p:spPr>
             <a:xfrm>
-              <a:off x="2239962" y="6219884"/>
+              <a:off x="1545897" y="6219827"/>
               <a:ext cx="63202" cy="63202"/>
             </a:xfrm>
             <a:custGeom>
@@ -7760,7 +7760,7 @@
           </p:nvSpPr>
           <p:spPr>
             <a:xfrm>
-              <a:off x="2236775" y="6186887"/>
+              <a:off x="1992607" y="6186958"/>
               <a:ext cx="63202" cy="63202"/>
             </a:xfrm>
             <a:custGeom>
@@ -7803,7 +7803,7 @@
           </p:nvSpPr>
           <p:spPr>
             <a:xfrm>
-              <a:off x="1960408" y="6186256"/>
+              <a:off x="1822343" y="6186241"/>
               <a:ext cx="63202" cy="63202"/>
             </a:xfrm>
             <a:custGeom>
@@ -7846,7 +7846,7 @@
           </p:nvSpPr>
           <p:spPr>
             <a:xfrm>
-              <a:off x="1940755" y="6216459"/>
+              <a:off x="2016244" y="6216394"/>
               <a:ext cx="63202" cy="63202"/>
             </a:xfrm>
             <a:custGeom>
@@ -7889,7 +7889,7 @@
           </p:nvSpPr>
           <p:spPr>
             <a:xfrm>
-              <a:off x="2827840" y="6539362"/>
+              <a:off x="2915733" y="6539256"/>
               <a:ext cx="63202" cy="63202"/>
             </a:xfrm>
             <a:custGeom>
@@ -7932,7 +7932,7 @@
           </p:nvSpPr>
           <p:spPr>
             <a:xfrm>
-              <a:off x="1951591" y="6099469"/>
+              <a:off x="2221209" y="6099378"/>
               <a:ext cx="63202" cy="63202"/>
             </a:xfrm>
             <a:custGeom>
@@ -7975,7 +7975,7 @@
           </p:nvSpPr>
           <p:spPr>
             <a:xfrm>
-              <a:off x="1858037" y="6302042"/>
+              <a:off x="1717784" y="6302088"/>
               <a:ext cx="63202" cy="63202"/>
             </a:xfrm>
             <a:custGeom>
@@ -8018,7 +8018,7 @@
           </p:nvSpPr>
           <p:spPr>
             <a:xfrm>
-              <a:off x="2218599" y="6328606"/>
+              <a:off x="1812002" y="6328610"/>
               <a:ext cx="63202" cy="63202"/>
             </a:xfrm>
             <a:custGeom>
@@ -8061,7 +8061,7 @@
           </p:nvSpPr>
           <p:spPr>
             <a:xfrm>
-              <a:off x="1888000" y="6213201"/>
+              <a:off x="1899037" y="6213218"/>
               <a:ext cx="63202" cy="63202"/>
             </a:xfrm>
             <a:custGeom>
@@ -8104,7 +8104,7 @@
           </p:nvSpPr>
           <p:spPr>
             <a:xfrm>
-              <a:off x="2156010" y="6266402"/>
+              <a:off x="1907055" y="6266395"/>
               <a:ext cx="63202" cy="63202"/>
             </a:xfrm>
             <a:custGeom>
@@ -8147,7 +8147,7 @@
           </p:nvSpPr>
           <p:spPr>
             <a:xfrm>
-              <a:off x="1646970" y="6253178"/>
+              <a:off x="1866846" y="6253139"/>
               <a:ext cx="63202" cy="63202"/>
             </a:xfrm>
             <a:custGeom>
@@ -8190,7 +8190,7 @@
           </p:nvSpPr>
           <p:spPr>
             <a:xfrm>
-              <a:off x="3780523" y="6744947"/>
+              <a:off x="3406106" y="6744895"/>
               <a:ext cx="63202" cy="63202"/>
             </a:xfrm>
             <a:custGeom>
@@ -8233,7 +8233,7 @@
           </p:nvSpPr>
           <p:spPr>
             <a:xfrm>
-              <a:off x="1572184" y="6287742"/>
+              <a:off x="1848970" y="6287751"/>
               <a:ext cx="63202" cy="63202"/>
             </a:xfrm>
             <a:custGeom>
@@ -8276,7 +8276,7 @@
           </p:nvSpPr>
           <p:spPr>
             <a:xfrm>
-              <a:off x="2153815" y="6329517"/>
+              <a:off x="1798972" y="6329483"/>
               <a:ext cx="63202" cy="63202"/>
             </a:xfrm>
             <a:custGeom>
@@ -8319,7 +8319,7 @@
           </p:nvSpPr>
           <p:spPr>
             <a:xfrm>
-              <a:off x="2965991" y="6637329"/>
+              <a:off x="2800447" y="6637411"/>
               <a:ext cx="63202" cy="63202"/>
             </a:xfrm>
             <a:custGeom>
@@ -8362,7 +8362,7 @@
           </p:nvSpPr>
           <p:spPr>
             <a:xfrm>
-              <a:off x="1544800" y="6163667"/>
+              <a:off x="2103991" y="6163669"/>
               <a:ext cx="63202" cy="63202"/>
             </a:xfrm>
             <a:custGeom>
@@ -8405,7 +8405,7 @@
           </p:nvSpPr>
           <p:spPr>
             <a:xfrm>
-              <a:off x="2136919" y="6253959"/>
+              <a:off x="1715239" y="6254052"/>
               <a:ext cx="63202" cy="63202"/>
             </a:xfrm>
             <a:custGeom>
@@ -8448,7 +8448,7 @@
           </p:nvSpPr>
           <p:spPr>
             <a:xfrm>
-              <a:off x="1740384" y="6215328"/>
+              <a:off x="1885778" y="6215357"/>
               <a:ext cx="63202" cy="63202"/>
             </a:xfrm>
             <a:custGeom>
@@ -8491,7 +8491,7 @@
           </p:nvSpPr>
           <p:spPr>
             <a:xfrm>
-              <a:off x="2524495" y="6423544"/>
+              <a:off x="2640523" y="6423475"/>
               <a:ext cx="63202" cy="63202"/>
             </a:xfrm>
             <a:custGeom>
@@ -8534,7 +8534,7 @@
           </p:nvSpPr>
           <p:spPr>
             <a:xfrm>
-              <a:off x="1932133" y="6239693"/>
+              <a:off x="2166012" y="6239570"/>
               <a:ext cx="63202" cy="63202"/>
             </a:xfrm>
             <a:custGeom>
@@ -8577,7 +8577,7 @@
           </p:nvSpPr>
           <p:spPr>
             <a:xfrm>
-              <a:off x="1666127" y="6274991"/>
+              <a:off x="1776828" y="6275097"/>
               <a:ext cx="63202" cy="63202"/>
             </a:xfrm>
             <a:custGeom>
@@ -8620,7 +8620,7 @@
           </p:nvSpPr>
           <p:spPr>
             <a:xfrm>
-              <a:off x="2446260" y="6512803"/>
+              <a:off x="2940530" y="6512709"/>
               <a:ext cx="63202" cy="63202"/>
             </a:xfrm>
             <a:custGeom>
@@ -8663,7 +8663,7 @@
           </p:nvSpPr>
           <p:spPr>
             <a:xfrm>
-              <a:off x="1747494" y="6298257"/>
+              <a:off x="1683825" y="6298250"/>
               <a:ext cx="63202" cy="63202"/>
             </a:xfrm>
             <a:custGeom>
@@ -8706,7 +8706,7 @@
           </p:nvSpPr>
           <p:spPr>
             <a:xfrm>
-              <a:off x="1671651" y="6280117"/>
+              <a:off x="1715861" y="6280118"/>
               <a:ext cx="63202" cy="63202"/>
             </a:xfrm>
             <a:custGeom>
@@ -8749,7 +8749,7 @@
           </p:nvSpPr>
           <p:spPr>
             <a:xfrm>
-              <a:off x="2130371" y="6247843"/>
+              <a:off x="1954709" y="6247826"/>
               <a:ext cx="63202" cy="63202"/>
             </a:xfrm>
             <a:custGeom>
@@ -8792,7 +8792,7 @@
           </p:nvSpPr>
           <p:spPr>
             <a:xfrm>
-              <a:off x="2130821" y="6218776"/>
+              <a:off x="1805153" y="6218683"/>
               <a:ext cx="63202" cy="63202"/>
             </a:xfrm>
             <a:custGeom>
@@ -8835,7 +8835,7 @@
           </p:nvSpPr>
           <p:spPr>
             <a:xfrm>
-              <a:off x="1914180" y="6292208"/>
+              <a:off x="2016745" y="6292078"/>
               <a:ext cx="63202" cy="63202"/>
             </a:xfrm>
             <a:custGeom>
@@ -8878,7 +8878,7 @@
           </p:nvSpPr>
           <p:spPr>
             <a:xfrm>
-              <a:off x="2188138" y="6326328"/>
+              <a:off x="1704753" y="6326229"/>
               <a:ext cx="63202" cy="63202"/>
             </a:xfrm>
             <a:custGeom>
@@ -8921,7 +8921,7 @@
           </p:nvSpPr>
           <p:spPr>
             <a:xfrm>
-              <a:off x="2623208" y="6462606"/>
+              <a:off x="2636006" y="6462621"/>
               <a:ext cx="63202" cy="63202"/>
             </a:xfrm>
             <a:custGeom>
@@ -8964,7 +8964,7 @@
           </p:nvSpPr>
           <p:spPr>
             <a:xfrm>
-              <a:off x="1751300" y="6259400"/>
+              <a:off x="1542813" y="6259381"/>
               <a:ext cx="63202" cy="63202"/>
             </a:xfrm>
             <a:custGeom>
@@ -9007,7 +9007,7 @@
           </p:nvSpPr>
           <p:spPr>
             <a:xfrm>
-              <a:off x="1790695" y="6324279"/>
+              <a:off x="1588271" y="6324135"/>
               <a:ext cx="63202" cy="63202"/>
             </a:xfrm>
             <a:custGeom>
@@ -9050,7 +9050,7 @@
           </p:nvSpPr>
           <p:spPr>
             <a:xfrm>
-              <a:off x="1765162" y="6163749"/>
+              <a:off x="2004358" y="6163702"/>
               <a:ext cx="63202" cy="63202"/>
             </a:xfrm>
             <a:custGeom>
@@ -9093,7 +9093,7 @@
           </p:nvSpPr>
           <p:spPr>
             <a:xfrm>
-              <a:off x="2770913" y="6423468"/>
+              <a:off x="3063005" y="6423512"/>
               <a:ext cx="63202" cy="63202"/>
             </a:xfrm>
             <a:custGeom>
@@ -9136,7 +9136,7 @@
           </p:nvSpPr>
           <p:spPr>
             <a:xfrm>
-              <a:off x="2177901" y="6228844"/>
+              <a:off x="1830725" y="6228798"/>
               <a:ext cx="63202" cy="63202"/>
             </a:xfrm>
             <a:custGeom>
@@ -9179,7 +9179,7 @@
           </p:nvSpPr>
           <p:spPr>
             <a:xfrm>
-              <a:off x="1916048" y="6208651"/>
+              <a:off x="1674714" y="6208696"/>
               <a:ext cx="63202" cy="63202"/>
             </a:xfrm>
             <a:custGeom>
@@ -9222,7 +9222,7 @@
           </p:nvSpPr>
           <p:spPr>
             <a:xfrm>
-              <a:off x="2153912" y="6208602"/>
+              <a:off x="1568855" y="6208664"/>
               <a:ext cx="63202" cy="63202"/>
             </a:xfrm>
             <a:custGeom>
@@ -9265,7 +9265,7 @@
           </p:nvSpPr>
           <p:spPr>
             <a:xfrm>
-              <a:off x="1883079" y="6208708"/>
+              <a:off x="1979008" y="6208702"/>
               <a:ext cx="63202" cy="63202"/>
             </a:xfrm>
             <a:custGeom>
@@ -9308,7 +9308,7 @@
           </p:nvSpPr>
           <p:spPr>
             <a:xfrm>
-              <a:off x="2130161" y="6210964"/>
+              <a:off x="1788939" y="6211034"/>
               <a:ext cx="63202" cy="63202"/>
             </a:xfrm>
             <a:custGeom>
@@ -9351,7 +9351,7 @@
           </p:nvSpPr>
           <p:spPr>
             <a:xfrm>
-              <a:off x="2239652" y="6208714"/>
+              <a:off x="2177907" y="6208623"/>
               <a:ext cx="63202" cy="63202"/>
             </a:xfrm>
             <a:custGeom>
@@ -9394,7 +9394,7 @@
           </p:nvSpPr>
           <p:spPr>
             <a:xfrm>
-              <a:off x="1722841" y="6178130"/>
+              <a:off x="1897346" y="6178127"/>
               <a:ext cx="63202" cy="63202"/>
             </a:xfrm>
             <a:custGeom>
@@ -9437,7 +9437,7 @@
           </p:nvSpPr>
           <p:spPr>
             <a:xfrm>
-              <a:off x="1754112" y="6157791"/>
+              <a:off x="1980967" y="6157854"/>
               <a:ext cx="63202" cy="63202"/>
             </a:xfrm>
             <a:custGeom>
@@ -9480,7 +9480,7 @@
           </p:nvSpPr>
           <p:spPr>
             <a:xfrm>
-              <a:off x="2962303" y="6572475"/>
+              <a:off x="2628218" y="6572411"/>
               <a:ext cx="63202" cy="63202"/>
             </a:xfrm>
             <a:custGeom>
@@ -9523,7 +9523,7 @@
           </p:nvSpPr>
           <p:spPr>
             <a:xfrm>
-              <a:off x="1734831" y="6228866"/>
+              <a:off x="1871076" y="6228876"/>
               <a:ext cx="63202" cy="63202"/>
             </a:xfrm>
             <a:custGeom>
@@ -9566,7 +9566,7 @@
           </p:nvSpPr>
           <p:spPr>
             <a:xfrm>
-              <a:off x="2122326" y="6187951"/>
+              <a:off x="1788780" y="6188016"/>
               <a:ext cx="63202" cy="63202"/>
             </a:xfrm>
             <a:custGeom>
@@ -9609,7 +9609,7 @@
           </p:nvSpPr>
           <p:spPr>
             <a:xfrm>
-              <a:off x="1908468" y="6231635"/>
+              <a:off x="1963100" y="6231693"/>
               <a:ext cx="63202" cy="63202"/>
             </a:xfrm>
             <a:custGeom>
@@ -9652,7 +9652,7 @@
           </p:nvSpPr>
           <p:spPr>
             <a:xfrm>
-              <a:off x="3070335" y="6499464"/>
+              <a:off x="3028736" y="6499524"/>
               <a:ext cx="63202" cy="63202"/>
             </a:xfrm>
             <a:custGeom>
@@ -9695,7 +9695,7 @@
           </p:nvSpPr>
           <p:spPr>
             <a:xfrm>
-              <a:off x="1991982" y="6221010"/>
+              <a:off x="1635999" y="6221131"/>
               <a:ext cx="63202" cy="63202"/>
             </a:xfrm>
             <a:custGeom>
@@ -9738,7 +9738,7 @@
           </p:nvSpPr>
           <p:spPr>
             <a:xfrm>
-              <a:off x="1827377" y="6315313"/>
+              <a:off x="2009012" y="6315342"/>
               <a:ext cx="63202" cy="63202"/>
             </a:xfrm>
             <a:custGeom>
@@ -9781,7 +9781,7 @@
           </p:nvSpPr>
           <p:spPr>
             <a:xfrm>
-              <a:off x="1858448" y="6190545"/>
+              <a:off x="2125004" y="6190524"/>
               <a:ext cx="63202" cy="63202"/>
             </a:xfrm>
             <a:custGeom>
@@ -9824,7 +9824,7 @@
           </p:nvSpPr>
           <p:spPr>
             <a:xfrm>
-              <a:off x="2048137" y="6163353"/>
+              <a:off x="1674288" y="6163298"/>
               <a:ext cx="63202" cy="63202"/>
             </a:xfrm>
             <a:custGeom>
@@ -9867,7 +9867,7 @@
           </p:nvSpPr>
           <p:spPr>
             <a:xfrm>
-              <a:off x="2011568" y="6216088"/>
+              <a:off x="1747790" y="6216074"/>
               <a:ext cx="63202" cy="63202"/>
             </a:xfrm>
             <a:custGeom>
@@ -9910,7 +9910,7 @@
           </p:nvSpPr>
           <p:spPr>
             <a:xfrm>
-              <a:off x="1758690" y="6218275"/>
+              <a:off x="1727120" y="6218416"/>
               <a:ext cx="63202" cy="63202"/>
             </a:xfrm>
             <a:custGeom>
@@ -9953,7 +9953,7 @@
           </p:nvSpPr>
           <p:spPr>
             <a:xfrm>
-              <a:off x="1692052" y="6197953"/>
+              <a:off x="1770826" y="6197828"/>
               <a:ext cx="63202" cy="63202"/>
             </a:xfrm>
             <a:custGeom>
@@ -9996,7 +9996,7 @@
           </p:nvSpPr>
           <p:spPr>
             <a:xfrm>
-              <a:off x="1763061" y="6240298"/>
+              <a:off x="1887748" y="6240217"/>
               <a:ext cx="63202" cy="63202"/>
             </a:xfrm>
             <a:custGeom>
@@ -10039,7 +10039,7 @@
           </p:nvSpPr>
           <p:spPr>
             <a:xfrm>
-              <a:off x="1729287" y="6217096"/>
+              <a:off x="1950362" y="6217112"/>
               <a:ext cx="63202" cy="63202"/>
             </a:xfrm>
             <a:custGeom>
@@ -10082,7 +10082,7 @@
           </p:nvSpPr>
           <p:spPr>
             <a:xfrm>
-              <a:off x="2220921" y="6213428"/>
+              <a:off x="2144235" y="6213437"/>
               <a:ext cx="63202" cy="63202"/>
             </a:xfrm>
             <a:custGeom>
@@ -10125,7 +10125,7 @@
           </p:nvSpPr>
           <p:spPr>
             <a:xfrm>
-              <a:off x="1555622" y="6216363"/>
+              <a:off x="2149570" y="6216437"/>
               <a:ext cx="63202" cy="63202"/>
             </a:xfrm>
             <a:custGeom>
@@ -10168,7 +10168,7 @@
           </p:nvSpPr>
           <p:spPr>
             <a:xfrm>
-              <a:off x="1762081" y="6163669"/>
+              <a:off x="1756423" y="6163678"/>
               <a:ext cx="63202" cy="63202"/>
             </a:xfrm>
             <a:custGeom>
@@ -10211,7 +10211,7 @@
           </p:nvSpPr>
           <p:spPr>
             <a:xfrm>
-              <a:off x="2202761" y="6165206"/>
+              <a:off x="1785748" y="6165207"/>
               <a:ext cx="63202" cy="63202"/>
             </a:xfrm>
             <a:custGeom>
@@ -10254,7 +10254,7 @@
           </p:nvSpPr>
           <p:spPr>
             <a:xfrm>
-              <a:off x="1940083" y="6215556"/>
+              <a:off x="2132472" y="6215521"/>
               <a:ext cx="63202" cy="63202"/>
             </a:xfrm>
             <a:custGeom>
@@ -10297,7 +10297,7 @@
           </p:nvSpPr>
           <p:spPr>
             <a:xfrm>
-              <a:off x="2139415" y="6223110"/>
+              <a:off x="2044053" y="6223254"/>
               <a:ext cx="63202" cy="63202"/>
             </a:xfrm>
             <a:custGeom>
@@ -10340,7 +10340,7 @@
           </p:nvSpPr>
           <p:spPr>
             <a:xfrm>
-              <a:off x="1758523" y="6218566"/>
+              <a:off x="2201281" y="6218526"/>
               <a:ext cx="63202" cy="63202"/>
             </a:xfrm>
             <a:custGeom>
@@ -10383,7 +10383,7 @@
           </p:nvSpPr>
           <p:spPr>
             <a:xfrm>
-              <a:off x="2097986" y="6218712"/>
+              <a:off x="1842081" y="6218676"/>
               <a:ext cx="63202" cy="63202"/>
             </a:xfrm>
             <a:custGeom>
@@ -10426,7 +10426,7 @@
           </p:nvSpPr>
           <p:spPr>
             <a:xfrm>
-              <a:off x="2134325" y="6218406"/>
+              <a:off x="2043748" y="6218297"/>
               <a:ext cx="63202" cy="63202"/>
             </a:xfrm>
             <a:custGeom>
@@ -10469,7 +10469,7 @@
           </p:nvSpPr>
           <p:spPr>
             <a:xfrm>
-              <a:off x="1678250" y="6328671"/>
+              <a:off x="1955529" y="6328662"/>
               <a:ext cx="63202" cy="63202"/>
             </a:xfrm>
             <a:custGeom>
@@ -10512,7 +10512,7 @@
           </p:nvSpPr>
           <p:spPr>
             <a:xfrm>
-              <a:off x="1992033" y="6224519"/>
+              <a:off x="2019391" y="6224398"/>
               <a:ext cx="63202" cy="63202"/>
             </a:xfrm>
             <a:custGeom>
@@ -10555,7 +10555,7 @@
           </p:nvSpPr>
           <p:spPr>
             <a:xfrm>
-              <a:off x="2214230" y="6213875"/>
+              <a:off x="1723155" y="6213845"/>
               <a:ext cx="63202" cy="63202"/>
             </a:xfrm>
             <a:custGeom>
@@ -10598,7 +10598,7 @@
           </p:nvSpPr>
           <p:spPr>
             <a:xfrm>
-              <a:off x="2199568" y="6164633"/>
+              <a:off x="1737912" y="6164608"/>
               <a:ext cx="63202" cy="63202"/>
             </a:xfrm>
             <a:custGeom>
@@ -10641,7 +10641,7 @@
           </p:nvSpPr>
           <p:spPr>
             <a:xfrm>
-              <a:off x="2090555" y="6282999"/>
+              <a:off x="2196542" y="6283041"/>
               <a:ext cx="63202" cy="63202"/>
             </a:xfrm>
             <a:custGeom>
@@ -10684,7 +10684,7 @@
           </p:nvSpPr>
           <p:spPr>
             <a:xfrm>
-              <a:off x="3033682" y="6491053"/>
+              <a:off x="2813507" y="6491093"/>
               <a:ext cx="63202" cy="63202"/>
             </a:xfrm>
             <a:custGeom>
@@ -10727,7 +10727,7 @@
           </p:nvSpPr>
           <p:spPr>
             <a:xfrm>
-              <a:off x="2159594" y="6370812"/>
+              <a:off x="1850986" y="6370799"/>
               <a:ext cx="63202" cy="63202"/>
             </a:xfrm>
             <a:custGeom>
@@ -10770,7 +10770,7 @@
           </p:nvSpPr>
           <p:spPr>
             <a:xfrm>
-              <a:off x="2950644" y="6509113"/>
+              <a:off x="3021599" y="6509182"/>
               <a:ext cx="63202" cy="63202"/>
             </a:xfrm>
             <a:custGeom>
@@ -10813,7 +10813,7 @@
           </p:nvSpPr>
           <p:spPr>
             <a:xfrm>
-              <a:off x="3029834" y="6512096"/>
+              <a:off x="2956022" y="6512169"/>
               <a:ext cx="63202" cy="63202"/>
             </a:xfrm>
             <a:custGeom>
@@ -10856,7 +10856,7 @@
           </p:nvSpPr>
           <p:spPr>
             <a:xfrm>
-              <a:off x="2032646" y="6264108"/>
+              <a:off x="1827572" y="6264017"/>
               <a:ext cx="63202" cy="63202"/>
             </a:xfrm>
             <a:custGeom>
@@ -10899,7 +10899,7 @@
           </p:nvSpPr>
           <p:spPr>
             <a:xfrm>
-              <a:off x="1548175" y="6261344"/>
+              <a:off x="1695142" y="6261271"/>
               <a:ext cx="63202" cy="63202"/>
             </a:xfrm>
             <a:custGeom>
@@ -10942,7 +10942,7 @@
           </p:nvSpPr>
           <p:spPr>
             <a:xfrm>
-              <a:off x="2098286" y="6261413"/>
+              <a:off x="1556290" y="6261302"/>
               <a:ext cx="63202" cy="63202"/>
             </a:xfrm>
             <a:custGeom>
@@ -10985,7 +10985,7 @@
           </p:nvSpPr>
           <p:spPr>
             <a:xfrm>
-              <a:off x="2118548" y="6256345"/>
+              <a:off x="2105403" y="6256309"/>
               <a:ext cx="63202" cy="63202"/>
             </a:xfrm>
             <a:custGeom>
@@ -11028,7 +11028,7 @@
           </p:nvSpPr>
           <p:spPr>
             <a:xfrm>
-              <a:off x="1644519" y="6314903"/>
+              <a:off x="2049800" y="6314838"/>
               <a:ext cx="63202" cy="63202"/>
             </a:xfrm>
             <a:custGeom>
@@ -11071,7 +11071,7 @@
           </p:nvSpPr>
           <p:spPr>
             <a:xfrm>
-              <a:off x="3125794" y="6541812"/>
+              <a:off x="2589036" y="6541773"/>
               <a:ext cx="63202" cy="63202"/>
             </a:xfrm>
             <a:custGeom>
@@ -11114,7 +11114,7 @@
           </p:nvSpPr>
           <p:spPr>
             <a:xfrm>
-              <a:off x="2749627" y="6490925"/>
+              <a:off x="2973008" y="6490937"/>
               <a:ext cx="63202" cy="63202"/>
             </a:xfrm>
             <a:custGeom>
@@ -11157,7 +11157,7 @@
           </p:nvSpPr>
           <p:spPr>
             <a:xfrm>
-              <a:off x="2012625" y="6384920"/>
+              <a:off x="1884388" y="6384883"/>
               <a:ext cx="63202" cy="63202"/>
             </a:xfrm>
             <a:custGeom>
@@ -11200,7 +11200,7 @@
           </p:nvSpPr>
           <p:spPr>
             <a:xfrm>
-              <a:off x="2689106" y="6500515"/>
+              <a:off x="2469176" y="6500435"/>
               <a:ext cx="63202" cy="63202"/>
             </a:xfrm>
             <a:custGeom>
@@ -11243,7 +11243,7 @@
           </p:nvSpPr>
           <p:spPr>
             <a:xfrm>
-              <a:off x="2785139" y="6491033"/>
+              <a:off x="2776347" y="6490957"/>
               <a:ext cx="63202" cy="63202"/>
             </a:xfrm>
             <a:custGeom>
@@ -11286,7 +11286,7 @@
           </p:nvSpPr>
           <p:spPr>
             <a:xfrm>
-              <a:off x="2148496" y="6216441"/>
+              <a:off x="2162504" y="6216421"/>
               <a:ext cx="63202" cy="63202"/>
             </a:xfrm>
             <a:custGeom>
@@ -11329,7 +11329,7 @@
           </p:nvSpPr>
           <p:spPr>
             <a:xfrm>
-              <a:off x="3364859" y="6731488"/>
+              <a:off x="3337841" y="6731369"/>
               <a:ext cx="63202" cy="63202"/>
             </a:xfrm>
             <a:custGeom>
@@ -11372,7 +11372,7 @@
           </p:nvSpPr>
           <p:spPr>
             <a:xfrm>
-              <a:off x="2111173" y="6338964"/>
+              <a:off x="1937642" y="6338972"/>
               <a:ext cx="63202" cy="63202"/>
             </a:xfrm>
             <a:custGeom>
@@ -11415,7 +11415,7 @@
           </p:nvSpPr>
           <p:spPr>
             <a:xfrm>
-              <a:off x="1771120" y="6208005"/>
+              <a:off x="1855014" y="6207941"/>
               <a:ext cx="63202" cy="63202"/>
             </a:xfrm>
             <a:custGeom>
@@ -11458,7 +11458,7 @@
           </p:nvSpPr>
           <p:spPr>
             <a:xfrm>
-              <a:off x="1740303" y="6255690"/>
+              <a:off x="1698207" y="6255636"/>
               <a:ext cx="63202" cy="63202"/>
             </a:xfrm>
             <a:custGeom>
@@ -11501,7 +11501,7 @@
           </p:nvSpPr>
           <p:spPr>
             <a:xfrm>
-              <a:off x="1900531" y="6213929"/>
+              <a:off x="1968432" y="6213821"/>
               <a:ext cx="63202" cy="63202"/>
             </a:xfrm>
             <a:custGeom>
@@ -11544,7 +11544,7 @@
           </p:nvSpPr>
           <p:spPr>
             <a:xfrm>
-              <a:off x="1851980" y="6215007"/>
+              <a:off x="2198441" y="6214885"/>
               <a:ext cx="63202" cy="63202"/>
             </a:xfrm>
             <a:custGeom>
@@ -11587,7 +11587,7 @@
           </p:nvSpPr>
           <p:spPr>
             <a:xfrm>
-              <a:off x="1695219" y="6224697"/>
+              <a:off x="1677958" y="6224711"/>
               <a:ext cx="63202" cy="63202"/>
             </a:xfrm>
             <a:custGeom>
@@ -11630,7 +11630,7 @@
           </p:nvSpPr>
           <p:spPr>
             <a:xfrm>
-              <a:off x="1580335" y="6221222"/>
+              <a:off x="1745026" y="6221350"/>
               <a:ext cx="63202" cy="63202"/>
             </a:xfrm>
             <a:custGeom>
@@ -11673,7 +11673,7 @@
           </p:nvSpPr>
           <p:spPr>
             <a:xfrm>
-              <a:off x="3865224" y="6626771"/>
+              <a:off x="3630270" y="6626799"/>
               <a:ext cx="63202" cy="63202"/>
             </a:xfrm>
             <a:custGeom>
@@ -11772,7 +11772,7 @@
           </p:nvSpPr>
           <p:spPr>
             <a:xfrm>
-              <a:off x="4284320" y="2998602"/>
+              <a:off x="4284320" y="2998607"/>
               <a:ext cx="2817450" cy="0"/>
             </a:xfrm>
             <a:custGeom>
@@ -11858,7 +11858,7 @@
           </p:nvSpPr>
           <p:spPr>
             <a:xfrm>
-              <a:off x="4284320" y="2155068"/>
+              <a:off x="4284320" y="2155063"/>
               <a:ext cx="2817450" cy="0"/>
             </a:xfrm>
             <a:custGeom>
@@ -11901,7 +11901,7 @@
           </p:nvSpPr>
           <p:spPr>
             <a:xfrm>
-              <a:off x="4284320" y="1733301"/>
+              <a:off x="4284320" y="1733291"/>
               <a:ext cx="2817450" cy="0"/>
             </a:xfrm>
             <a:custGeom>
@@ -11944,7 +11944,7 @@
           </p:nvSpPr>
           <p:spPr>
             <a:xfrm>
-              <a:off x="4284320" y="2787718"/>
+              <a:off x="4284320" y="2787721"/>
               <a:ext cx="2817450" cy="0"/>
             </a:xfrm>
             <a:custGeom>
@@ -11987,7 +11987,7 @@
           </p:nvSpPr>
           <p:spPr>
             <a:xfrm>
-              <a:off x="4284320" y="2365952"/>
+              <a:off x="4284320" y="2365949"/>
               <a:ext cx="2817450" cy="0"/>
             </a:xfrm>
             <a:custGeom>
@@ -12030,7 +12030,7 @@
           </p:nvSpPr>
           <p:spPr>
             <a:xfrm>
-              <a:off x="4284320" y="1944185"/>
+              <a:off x="4284320" y="1944177"/>
               <a:ext cx="2817450" cy="0"/>
             </a:xfrm>
             <a:custGeom>
@@ -12073,7 +12073,7 @@
           </p:nvSpPr>
           <p:spPr>
             <a:xfrm>
-              <a:off x="4284320" y="1522418"/>
+              <a:off x="4284320" y="1522405"/>
               <a:ext cx="2817450" cy="0"/>
             </a:xfrm>
             <a:custGeom>
@@ -12245,7 +12245,7 @@
           </p:nvSpPr>
           <p:spPr>
             <a:xfrm>
-              <a:off x="4946398" y="2228071"/>
+              <a:off x="5120549" y="2227979"/>
               <a:ext cx="63202" cy="63202"/>
             </a:xfrm>
             <a:custGeom>
@@ -12288,7 +12288,7 @@
           </p:nvSpPr>
           <p:spPr>
             <a:xfrm>
-              <a:off x="4767125" y="2258414"/>
+              <a:off x="4938826" y="2258368"/>
               <a:ext cx="63202" cy="63202"/>
             </a:xfrm>
             <a:custGeom>
@@ -12331,7 +12331,7 @@
           </p:nvSpPr>
           <p:spPr>
             <a:xfrm>
-              <a:off x="4522296" y="2205712"/>
+              <a:off x="4888195" y="2205779"/>
               <a:ext cx="63202" cy="63202"/>
             </a:xfrm>
             <a:custGeom>
@@ -12374,7 +12374,7 @@
           </p:nvSpPr>
           <p:spPr>
             <a:xfrm>
-              <a:off x="4775467" y="2202539"/>
+              <a:off x="4550943" y="2202545"/>
               <a:ext cx="63202" cy="63202"/>
             </a:xfrm>
             <a:custGeom>
@@ -12417,7 +12417,7 @@
           </p:nvSpPr>
           <p:spPr>
             <a:xfrm>
-              <a:off x="4749595" y="2194574"/>
+              <a:off x="4862446" y="2194562"/>
               <a:ext cx="63202" cy="63202"/>
             </a:xfrm>
             <a:custGeom>
@@ -12460,7 +12460,7 @@
           </p:nvSpPr>
           <p:spPr>
             <a:xfrm>
-              <a:off x="4890361" y="2218085"/>
+              <a:off x="4615759" y="2218223"/>
               <a:ext cx="63202" cy="63202"/>
             </a:xfrm>
             <a:custGeom>
@@ -12503,7 +12503,7 @@
           </p:nvSpPr>
           <p:spPr>
             <a:xfrm>
-              <a:off x="4474714" y="2212034"/>
+              <a:off x="4712007" y="2212013"/>
               <a:ext cx="63202" cy="63202"/>
             </a:xfrm>
             <a:custGeom>
@@ -12546,7 +12546,7 @@
           </p:nvSpPr>
           <p:spPr>
             <a:xfrm>
-              <a:off x="4734995" y="2210998"/>
+              <a:off x="4939796" y="2211051"/>
               <a:ext cx="63202" cy="63202"/>
             </a:xfrm>
             <a:custGeom>
@@ -12589,7 +12589,7 @@
           </p:nvSpPr>
           <p:spPr>
             <a:xfrm>
-              <a:off x="4764959" y="2207893"/>
+              <a:off x="5087908" y="2207840"/>
               <a:ext cx="63202" cy="63202"/>
             </a:xfrm>
             <a:custGeom>
@@ -12632,7 +12632,7 @@
           </p:nvSpPr>
           <p:spPr>
             <a:xfrm>
-              <a:off x="4918851" y="2188346"/>
+              <a:off x="4615279" y="2188379"/>
               <a:ext cx="63202" cy="63202"/>
             </a:xfrm>
             <a:custGeom>
@@ -12675,7 +12675,7 @@
           </p:nvSpPr>
           <p:spPr>
             <a:xfrm>
-              <a:off x="4596900" y="2213693"/>
+              <a:off x="4982354" y="2213778"/>
               <a:ext cx="63202" cy="63202"/>
             </a:xfrm>
             <a:custGeom>
@@ -12718,7 +12718,7 @@
           </p:nvSpPr>
           <p:spPr>
             <a:xfrm>
-              <a:off x="4920534" y="2216748"/>
+              <a:off x="4655524" y="2216591"/>
               <a:ext cx="63202" cy="63202"/>
             </a:xfrm>
             <a:custGeom>
@@ -12761,7 +12761,7 @@
           </p:nvSpPr>
           <p:spPr>
             <a:xfrm>
-              <a:off x="4898084" y="2217088"/>
+              <a:off x="4856497" y="2217155"/>
               <a:ext cx="63202" cy="63202"/>
             </a:xfrm>
             <a:custGeom>
@@ -12804,7 +12804,7 @@
           </p:nvSpPr>
           <p:spPr>
             <a:xfrm>
-              <a:off x="5005404" y="2184020"/>
+              <a:off x="4589137" y="2183997"/>
               <a:ext cx="63202" cy="63202"/>
             </a:xfrm>
             <a:custGeom>
@@ -12847,7 +12847,7 @@
           </p:nvSpPr>
           <p:spPr>
             <a:xfrm>
-              <a:off x="4963692" y="2212410"/>
+              <a:off x="4655537" y="2212485"/>
               <a:ext cx="63202" cy="63202"/>
             </a:xfrm>
             <a:custGeom>
@@ -12890,7 +12890,7 @@
           </p:nvSpPr>
           <p:spPr>
             <a:xfrm>
-              <a:off x="4993803" y="2182520"/>
+              <a:off x="4754605" y="2182563"/>
               <a:ext cx="63202" cy="63202"/>
             </a:xfrm>
             <a:custGeom>
@@ -12933,7 +12933,7 @@
           </p:nvSpPr>
           <p:spPr>
             <a:xfrm>
-              <a:off x="4933656" y="2214497"/>
+              <a:off x="4595085" y="2214622"/>
               <a:ext cx="63202" cy="63202"/>
             </a:xfrm>
             <a:custGeom>
@@ -12976,7 +12976,7 @@
           </p:nvSpPr>
           <p:spPr>
             <a:xfrm>
-              <a:off x="4551703" y="2213158"/>
+              <a:off x="4527533" y="2213009"/>
               <a:ext cx="63202" cy="63202"/>
             </a:xfrm>
             <a:custGeom>
@@ -13019,7 +13019,7 @@
           </p:nvSpPr>
           <p:spPr>
             <a:xfrm>
-              <a:off x="4501495" y="2230002"/>
+              <a:off x="4802230" y="2229907"/>
               <a:ext cx="63202" cy="63202"/>
             </a:xfrm>
             <a:custGeom>
@@ -13062,7 +13062,7 @@
           </p:nvSpPr>
           <p:spPr>
             <a:xfrm>
-              <a:off x="4444533" y="2300550"/>
+              <a:off x="4926095" y="2300600"/>
               <a:ext cx="63202" cy="63202"/>
             </a:xfrm>
             <a:custGeom>
@@ -13105,7 +13105,7 @@
           </p:nvSpPr>
           <p:spPr>
             <a:xfrm>
-              <a:off x="4568414" y="2383528"/>
+              <a:off x="4572513" y="2383422"/>
               <a:ext cx="63202" cy="63202"/>
             </a:xfrm>
             <a:custGeom>
@@ -13148,7 +13148,7 @@
           </p:nvSpPr>
           <p:spPr>
             <a:xfrm>
-              <a:off x="5115256" y="2215478"/>
+              <a:off x="4613024" y="2215436"/>
               <a:ext cx="63202" cy="63202"/>
             </a:xfrm>
             <a:custGeom>
@@ -13191,7 +13191,7 @@
           </p:nvSpPr>
           <p:spPr>
             <a:xfrm>
-              <a:off x="5423779" y="2658028"/>
+              <a:off x="5850748" y="2658059"/>
               <a:ext cx="63202" cy="63202"/>
             </a:xfrm>
             <a:custGeom>
@@ -13234,7 +13234,7 @@
           </p:nvSpPr>
           <p:spPr>
             <a:xfrm>
-              <a:off x="4557733" y="2207682"/>
+              <a:off x="4799503" y="2207606"/>
               <a:ext cx="63202" cy="63202"/>
             </a:xfrm>
             <a:custGeom>
@@ -13277,7 +13277,7 @@
           </p:nvSpPr>
           <p:spPr>
             <a:xfrm>
-              <a:off x="4775448" y="2325910"/>
+              <a:off x="4538678" y="2325880"/>
               <a:ext cx="63202" cy="63202"/>
             </a:xfrm>
             <a:custGeom>
@@ -13320,7 +13320,7 @@
           </p:nvSpPr>
           <p:spPr>
             <a:xfrm>
-              <a:off x="5113028" y="2228065"/>
+              <a:off x="4555530" y="2228038"/>
               <a:ext cx="63202" cy="63202"/>
             </a:xfrm>
             <a:custGeom>
@@ -13363,7 +13363,7 @@
           </p:nvSpPr>
           <p:spPr>
             <a:xfrm>
-              <a:off x="4541536" y="2293867"/>
+              <a:off x="4680337" y="2293790"/>
               <a:ext cx="63202" cy="63202"/>
             </a:xfrm>
             <a:custGeom>
@@ -13406,7 +13406,7 @@
           </p:nvSpPr>
           <p:spPr>
             <a:xfrm>
-              <a:off x="4868388" y="2187307"/>
+              <a:off x="4748197" y="2187431"/>
               <a:ext cx="63202" cy="63202"/>
             </a:xfrm>
             <a:custGeom>
@@ -13449,7 +13449,7 @@
           </p:nvSpPr>
           <p:spPr>
             <a:xfrm>
-              <a:off x="4585678" y="2204690"/>
+              <a:off x="4622586" y="2204736"/>
               <a:ext cx="63202" cy="63202"/>
             </a:xfrm>
             <a:custGeom>
@@ -13492,7 +13492,7 @@
           </p:nvSpPr>
           <p:spPr>
             <a:xfrm>
-              <a:off x="4768004" y="2205991"/>
+              <a:off x="5074485" y="2205866"/>
               <a:ext cx="63202" cy="63202"/>
             </a:xfrm>
             <a:custGeom>
@@ -13535,7 +13535,7 @@
           </p:nvSpPr>
           <p:spPr>
             <a:xfrm>
-              <a:off x="5609351" y="2799493"/>
+              <a:off x="5777488" y="2799604"/>
               <a:ext cx="63202" cy="63202"/>
             </a:xfrm>
             <a:custGeom>
@@ -13578,7 +13578,7 @@
           </p:nvSpPr>
           <p:spPr>
             <a:xfrm>
-              <a:off x="4852477" y="2216834"/>
+              <a:off x="4802550" y="2216943"/>
               <a:ext cx="63202" cy="63202"/>
             </a:xfrm>
             <a:custGeom>
@@ -13621,7 +13621,7 @@
           </p:nvSpPr>
           <p:spPr>
             <a:xfrm>
-              <a:off x="5066927" y="2214076"/>
+              <a:off x="4812476" y="2214207"/>
               <a:ext cx="63202" cy="63202"/>
             </a:xfrm>
             <a:custGeom>
@@ -13664,7 +13664,7 @@
           </p:nvSpPr>
           <p:spPr>
             <a:xfrm>
-              <a:off x="5094253" y="2258217"/>
+              <a:off x="4885675" y="2258198"/>
               <a:ext cx="63202" cy="63202"/>
             </a:xfrm>
             <a:custGeom>
@@ -13707,7 +13707,7 @@
           </p:nvSpPr>
           <p:spPr>
             <a:xfrm>
-              <a:off x="5100102" y="2190239"/>
+              <a:off x="5019531" y="2190270"/>
               <a:ext cx="63202" cy="63202"/>
             </a:xfrm>
             <a:custGeom>
@@ -13750,7 +13750,7 @@
           </p:nvSpPr>
           <p:spPr>
             <a:xfrm>
-              <a:off x="4932668" y="2187358"/>
+              <a:off x="4618167" y="2187288"/>
               <a:ext cx="63202" cy="63202"/>
             </a:xfrm>
             <a:custGeom>
@@ -13793,7 +13793,7 @@
           </p:nvSpPr>
           <p:spPr>
             <a:xfrm>
-              <a:off x="5111983" y="2216521"/>
+              <a:off x="4430899" y="2216462"/>
               <a:ext cx="63202" cy="63202"/>
             </a:xfrm>
             <a:custGeom>
@@ -13836,7 +13836,7 @@
           </p:nvSpPr>
           <p:spPr>
             <a:xfrm>
-              <a:off x="4750643" y="2216543"/>
+              <a:off x="4758131" y="2216436"/>
               <a:ext cx="63202" cy="63202"/>
             </a:xfrm>
             <a:custGeom>
@@ -13879,7 +13879,7 @@
           </p:nvSpPr>
           <p:spPr>
             <a:xfrm>
-              <a:off x="4946310" y="2210217"/>
+              <a:off x="4458941" y="2210140"/>
               <a:ext cx="63202" cy="63202"/>
             </a:xfrm>
             <a:custGeom>
@@ -13922,7 +13922,7 @@
           </p:nvSpPr>
           <p:spPr>
             <a:xfrm>
-              <a:off x="5059002" y="2526820"/>
+              <a:off x="4866266" y="2526891"/>
               <a:ext cx="63202" cy="63202"/>
             </a:xfrm>
             <a:custGeom>
@@ -13965,7 +13965,7 @@
           </p:nvSpPr>
           <p:spPr>
             <a:xfrm>
-              <a:off x="5028568" y="2229329"/>
+              <a:off x="4685229" y="2229339"/>
               <a:ext cx="63202" cy="63202"/>
             </a:xfrm>
             <a:custGeom>
@@ -14008,7 +14008,7 @@
           </p:nvSpPr>
           <p:spPr>
             <a:xfrm>
-              <a:off x="4675997" y="2538064"/>
+              <a:off x="4483370" y="2538055"/>
               <a:ext cx="63202" cy="63202"/>
             </a:xfrm>
             <a:custGeom>
@@ -14051,7 +14051,7 @@
           </p:nvSpPr>
           <p:spPr>
             <a:xfrm>
-              <a:off x="4660341" y="2178488"/>
+              <a:off x="4561535" y="2178510"/>
               <a:ext cx="63202" cy="63202"/>
             </a:xfrm>
             <a:custGeom>
@@ -14094,7 +14094,7 @@
           </p:nvSpPr>
           <p:spPr>
             <a:xfrm>
-              <a:off x="4926648" y="2378653"/>
+              <a:off x="4700675" y="2378653"/>
               <a:ext cx="63202" cy="63202"/>
             </a:xfrm>
             <a:custGeom>
@@ -14137,7 +14137,7 @@
           </p:nvSpPr>
           <p:spPr>
             <a:xfrm>
-              <a:off x="4635380" y="2211819"/>
+              <a:off x="5129219" y="2211823"/>
               <a:ext cx="63202" cy="63202"/>
             </a:xfrm>
             <a:custGeom>
@@ -14180,7 +14180,7 @@
           </p:nvSpPr>
           <p:spPr>
             <a:xfrm>
-              <a:off x="4630014" y="2251291"/>
+              <a:off x="4520815" y="2251324"/>
               <a:ext cx="63202" cy="63202"/>
             </a:xfrm>
             <a:custGeom>
@@ -14223,7 +14223,7 @@
           </p:nvSpPr>
           <p:spPr>
             <a:xfrm>
-              <a:off x="4667679" y="2255859"/>
+              <a:off x="4958405" y="2255907"/>
               <a:ext cx="63202" cy="63202"/>
             </a:xfrm>
             <a:custGeom>
@@ -14266,7 +14266,7 @@
           </p:nvSpPr>
           <p:spPr>
             <a:xfrm>
-              <a:off x="4754200" y="2226420"/>
+              <a:off x="5129524" y="2226390"/>
               <a:ext cx="63202" cy="63202"/>
             </a:xfrm>
             <a:custGeom>
@@ -14309,7 +14309,7 @@
           </p:nvSpPr>
           <p:spPr>
             <a:xfrm>
-              <a:off x="4474910" y="2217234"/>
+              <a:off x="4715751" y="2217377"/>
               <a:ext cx="63202" cy="63202"/>
             </a:xfrm>
             <a:custGeom>
@@ -14352,7 +14352,7 @@
           </p:nvSpPr>
           <p:spPr>
             <a:xfrm>
-              <a:off x="4882089" y="2216253"/>
+              <a:off x="4440444" y="2216203"/>
               <a:ext cx="63202" cy="63202"/>
             </a:xfrm>
             <a:custGeom>
@@ -14395,7 +14395,7 @@
           </p:nvSpPr>
           <p:spPr>
             <a:xfrm>
-              <a:off x="4506364" y="2279721"/>
+              <a:off x="5091890" y="2279718"/>
               <a:ext cx="63202" cy="63202"/>
             </a:xfrm>
             <a:custGeom>
@@ -14438,7 +14438,7 @@
           </p:nvSpPr>
           <p:spPr>
             <a:xfrm>
-              <a:off x="4965106" y="2297021"/>
+              <a:off x="4655841" y="2297092"/>
               <a:ext cx="63202" cy="63202"/>
             </a:xfrm>
             <a:custGeom>
@@ -14481,7 +14481,7 @@
           </p:nvSpPr>
           <p:spPr>
             <a:xfrm>
-              <a:off x="4668127" y="2225280"/>
+              <a:off x="4765056" y="2225373"/>
               <a:ext cx="63202" cy="63202"/>
             </a:xfrm>
             <a:custGeom>
@@ -14524,7 +14524,7 @@
           </p:nvSpPr>
           <p:spPr>
             <a:xfrm>
-              <a:off x="5130948" y="2219814"/>
+              <a:off x="4544682" y="2219867"/>
               <a:ext cx="63202" cy="63202"/>
             </a:xfrm>
             <a:custGeom>
@@ -14567,7 +14567,7 @@
           </p:nvSpPr>
           <p:spPr>
             <a:xfrm>
-              <a:off x="4926049" y="2252372"/>
+              <a:off x="4944483" y="2252346"/>
               <a:ext cx="63202" cy="63202"/>
             </a:xfrm>
             <a:custGeom>
@@ -14610,7 +14610,7 @@
           </p:nvSpPr>
           <p:spPr>
             <a:xfrm>
-              <a:off x="4960738" y="2211857"/>
+              <a:off x="5072025" y="2211836"/>
               <a:ext cx="63202" cy="63202"/>
             </a:xfrm>
             <a:custGeom>
@@ -14653,7 +14653,7 @@
           </p:nvSpPr>
           <p:spPr>
             <a:xfrm>
-              <a:off x="4529533" y="2182322"/>
+              <a:off x="4733547" y="2182299"/>
               <a:ext cx="63202" cy="63202"/>
             </a:xfrm>
             <a:custGeom>
@@ -14696,7 +14696,7 @@
           </p:nvSpPr>
           <p:spPr>
             <a:xfrm>
-              <a:off x="4976894" y="2240009"/>
+              <a:off x="4576655" y="2240058"/>
               <a:ext cx="63202" cy="63202"/>
             </a:xfrm>
             <a:custGeom>
@@ -14739,7 +14739,7 @@
           </p:nvSpPr>
           <p:spPr>
             <a:xfrm>
-              <a:off x="5044849" y="2279722"/>
+              <a:off x="4590995" y="2279652"/>
               <a:ext cx="63202" cy="63202"/>
             </a:xfrm>
             <a:custGeom>
@@ -14782,7 +14782,7 @@
           </p:nvSpPr>
           <p:spPr>
             <a:xfrm>
-              <a:off x="4718320" y="2194717"/>
+              <a:off x="4566172" y="2194728"/>
               <a:ext cx="63202" cy="63202"/>
             </a:xfrm>
             <a:custGeom>
@@ -14825,7 +14825,7 @@
           </p:nvSpPr>
           <p:spPr>
             <a:xfrm>
-              <a:off x="4924792" y="2484953"/>
+              <a:off x="4721085" y="2484935"/>
               <a:ext cx="63202" cy="63202"/>
             </a:xfrm>
             <a:custGeom>
@@ -14868,7 +14868,7 @@
           </p:nvSpPr>
           <p:spPr>
             <a:xfrm>
-              <a:off x="5074140" y="2259105"/>
+              <a:off x="4873583" y="2258979"/>
               <a:ext cx="63202" cy="63202"/>
             </a:xfrm>
             <a:custGeom>
@@ -14911,7 +14911,7 @@
           </p:nvSpPr>
           <p:spPr>
             <a:xfrm>
-              <a:off x="4759325" y="2222922"/>
+              <a:off x="4710802" y="2223005"/>
               <a:ext cx="63202" cy="63202"/>
             </a:xfrm>
             <a:custGeom>
@@ -14954,7 +14954,7 @@
           </p:nvSpPr>
           <p:spPr>
             <a:xfrm>
-              <a:off x="5086500" y="2183512"/>
+              <a:off x="4866003" y="2183585"/>
               <a:ext cx="63202" cy="63202"/>
             </a:xfrm>
             <a:custGeom>
@@ -14997,7 +14997,7 @@
           </p:nvSpPr>
           <p:spPr>
             <a:xfrm>
-              <a:off x="4824802" y="2185944"/>
+              <a:off x="5034720" y="2185872"/>
               <a:ext cx="63202" cy="63202"/>
             </a:xfrm>
             <a:custGeom>
@@ -15040,7 +15040,7 @@
           </p:nvSpPr>
           <p:spPr>
             <a:xfrm>
-              <a:off x="5067079" y="2236759"/>
+              <a:off x="4976903" y="2236739"/>
               <a:ext cx="63202" cy="63202"/>
             </a:xfrm>
             <a:custGeom>
@@ -15083,7 +15083,7 @@
           </p:nvSpPr>
           <p:spPr>
             <a:xfrm>
-              <a:off x="4574707" y="2210109"/>
+              <a:off x="4914596" y="2210108"/>
               <a:ext cx="63202" cy="63202"/>
             </a:xfrm>
             <a:custGeom>
@@ -15126,7 +15126,7 @@
           </p:nvSpPr>
           <p:spPr>
             <a:xfrm>
-              <a:off x="4571391" y="2369493"/>
+              <a:off x="4860598" y="2369567"/>
               <a:ext cx="63202" cy="63202"/>
             </a:xfrm>
             <a:custGeom>
@@ -15169,7 +15169,7 @@
           </p:nvSpPr>
           <p:spPr>
             <a:xfrm>
-              <a:off x="4683303" y="2214588"/>
+              <a:off x="4660719" y="2214623"/>
               <a:ext cx="63202" cy="63202"/>
             </a:xfrm>
             <a:custGeom>
@@ -15212,7 +15212,7 @@
           </p:nvSpPr>
           <p:spPr>
             <a:xfrm>
-              <a:off x="4617113" y="2340817"/>
+              <a:off x="4805817" y="2340833"/>
               <a:ext cx="63202" cy="63202"/>
             </a:xfrm>
             <a:custGeom>
@@ -15255,7 +15255,7 @@
           </p:nvSpPr>
           <p:spPr>
             <a:xfrm>
-              <a:off x="6851082" y="2946338"/>
+              <a:off x="6210025" y="2946414"/>
               <a:ext cx="63202" cy="63202"/>
             </a:xfrm>
             <a:custGeom>
@@ -15298,7 +15298,7 @@
           </p:nvSpPr>
           <p:spPr>
             <a:xfrm>
-              <a:off x="4858526" y="2266373"/>
+              <a:off x="4823025" y="2266488"/>
               <a:ext cx="63202" cy="63202"/>
             </a:xfrm>
             <a:custGeom>
@@ -15341,7 +15341,7 @@
           </p:nvSpPr>
           <p:spPr>
             <a:xfrm>
-              <a:off x="4637113" y="2218153"/>
+              <a:off x="4692738" y="2218096"/>
               <a:ext cx="63202" cy="63202"/>
             </a:xfrm>
             <a:custGeom>
@@ -15384,7 +15384,7 @@
           </p:nvSpPr>
           <p:spPr>
             <a:xfrm>
-              <a:off x="4632288" y="2396689"/>
+              <a:off x="4925117" y="2396745"/>
               <a:ext cx="63202" cy="63202"/>
             </a:xfrm>
             <a:custGeom>
@@ -15427,7 +15427,7 @@
           </p:nvSpPr>
           <p:spPr>
             <a:xfrm>
-              <a:off x="4757119" y="2395149"/>
+              <a:off x="4921563" y="2395143"/>
               <a:ext cx="63202" cy="63202"/>
             </a:xfrm>
             <a:custGeom>
@@ -15470,7 +15470,7 @@
           </p:nvSpPr>
           <p:spPr>
             <a:xfrm>
-              <a:off x="5972444" y="2459696"/>
+              <a:off x="6008408" y="2459542"/>
               <a:ext cx="63202" cy="63202"/>
             </a:xfrm>
             <a:custGeom>
@@ -15513,7 +15513,7 @@
           </p:nvSpPr>
           <p:spPr>
             <a:xfrm>
-              <a:off x="5047648" y="2219286"/>
+              <a:off x="4485415" y="2219172"/>
               <a:ext cx="63202" cy="63202"/>
             </a:xfrm>
             <a:custGeom>
@@ -15556,7 +15556,7 @@
           </p:nvSpPr>
           <p:spPr>
             <a:xfrm>
-              <a:off x="4961026" y="2520937"/>
+              <a:off x="5109781" y="2521034"/>
               <a:ext cx="63202" cy="63202"/>
             </a:xfrm>
             <a:custGeom>
@@ -15599,7 +15599,7 @@
           </p:nvSpPr>
           <p:spPr>
             <a:xfrm>
-              <a:off x="4807208" y="2217950"/>
+              <a:off x="5051128" y="2217990"/>
               <a:ext cx="63202" cy="63202"/>
             </a:xfrm>
             <a:custGeom>
@@ -15642,7 +15642,7 @@
           </p:nvSpPr>
           <p:spPr>
             <a:xfrm>
-              <a:off x="4881704" y="2244577"/>
+              <a:off x="4647200" y="2244440"/>
               <a:ext cx="63202" cy="63202"/>
             </a:xfrm>
             <a:custGeom>
@@ -15685,7 +15685,7 @@
           </p:nvSpPr>
           <p:spPr>
             <a:xfrm>
-              <a:off x="4815400" y="2227488"/>
+              <a:off x="4630348" y="2227416"/>
               <a:ext cx="63202" cy="63202"/>
             </a:xfrm>
             <a:custGeom>
@@ -15728,7 +15728,7 @@
           </p:nvSpPr>
           <p:spPr>
             <a:xfrm>
-              <a:off x="5032838" y="2295103"/>
+              <a:off x="4590519" y="2295084"/>
               <a:ext cx="63202" cy="63202"/>
             </a:xfrm>
             <a:custGeom>
@@ -15771,7 +15771,7 @@
           </p:nvSpPr>
           <p:spPr>
             <a:xfrm>
-              <a:off x="4478081" y="2216531"/>
+              <a:off x="4885939" y="2216408"/>
               <a:ext cx="63202" cy="63202"/>
             </a:xfrm>
             <a:custGeom>
@@ -15814,7 +15814,7 @@
           </p:nvSpPr>
           <p:spPr>
             <a:xfrm>
-              <a:off x="4947416" y="2185332"/>
+              <a:off x="4632104" y="2185295"/>
               <a:ext cx="63202" cy="63202"/>
             </a:xfrm>
             <a:custGeom>
@@ -15857,7 +15857,7 @@
           </p:nvSpPr>
           <p:spPr>
             <a:xfrm>
-              <a:off x="5037891" y="2268695"/>
+              <a:off x="4678385" y="2268733"/>
               <a:ext cx="63202" cy="63202"/>
             </a:xfrm>
             <a:custGeom>
@@ -15900,7 +15900,7 @@
           </p:nvSpPr>
           <p:spPr>
             <a:xfrm>
-              <a:off x="4809617" y="2265855"/>
+              <a:off x="4886582" y="2265802"/>
               <a:ext cx="63202" cy="63202"/>
             </a:xfrm>
             <a:custGeom>
@@ -15999,7 +15999,7 @@
           </p:nvSpPr>
           <p:spPr>
             <a:xfrm>
-              <a:off x="4284320" y="4923934"/>
+              <a:off x="4284320" y="4923940"/>
               <a:ext cx="2817450" cy="0"/>
             </a:xfrm>
             <a:custGeom>
@@ -16042,7 +16042,7 @@
           </p:nvSpPr>
           <p:spPr>
             <a:xfrm>
-              <a:off x="4284320" y="4502167"/>
+              <a:off x="4284320" y="4502168"/>
               <a:ext cx="2817450" cy="0"/>
             </a:xfrm>
             <a:custGeom>
@@ -16085,7 +16085,7 @@
           </p:nvSpPr>
           <p:spPr>
             <a:xfrm>
-              <a:off x="4284320" y="4080401"/>
+              <a:off x="4284320" y="4080396"/>
               <a:ext cx="2817450" cy="0"/>
             </a:xfrm>
             <a:custGeom>
@@ -16128,7 +16128,7 @@
           </p:nvSpPr>
           <p:spPr>
             <a:xfrm>
-              <a:off x="4284320" y="3658634"/>
+              <a:off x="4284320" y="3658624"/>
               <a:ext cx="2817450" cy="0"/>
             </a:xfrm>
             <a:custGeom>
@@ -16171,7 +16171,7 @@
           </p:nvSpPr>
           <p:spPr>
             <a:xfrm>
-              <a:off x="4284320" y="4713051"/>
+              <a:off x="4284320" y="4713054"/>
               <a:ext cx="2817450" cy="0"/>
             </a:xfrm>
             <a:custGeom>
@@ -16214,7 +16214,7 @@
           </p:nvSpPr>
           <p:spPr>
             <a:xfrm>
-              <a:off x="4284320" y="4291284"/>
+              <a:off x="4284320" y="4291282"/>
               <a:ext cx="2817450" cy="0"/>
             </a:xfrm>
             <a:custGeom>
@@ -16257,7 +16257,7 @@
           </p:nvSpPr>
           <p:spPr>
             <a:xfrm>
-              <a:off x="4284320" y="3869517"/>
+              <a:off x="4284320" y="3869510"/>
               <a:ext cx="2817450" cy="0"/>
             </a:xfrm>
             <a:custGeom>
@@ -16300,7 +16300,7 @@
           </p:nvSpPr>
           <p:spPr>
             <a:xfrm>
-              <a:off x="4284320" y="3447750"/>
+              <a:off x="4284320" y="3447738"/>
               <a:ext cx="2817450" cy="0"/>
             </a:xfrm>
             <a:custGeom>
@@ -16472,7 +16472,7 @@
           </p:nvSpPr>
           <p:spPr>
             <a:xfrm>
-              <a:off x="5896534" y="4477932"/>
+              <a:off x="5807409" y="4477936"/>
               <a:ext cx="63202" cy="63202"/>
             </a:xfrm>
             <a:custGeom>
@@ -16515,7 +16515,7 @@
           </p:nvSpPr>
           <p:spPr>
             <a:xfrm>
-              <a:off x="4567547" y="4209513"/>
+              <a:off x="4855286" y="4209515"/>
               <a:ext cx="63202" cy="63202"/>
             </a:xfrm>
             <a:custGeom>
@@ -16558,7 +16558,7 @@
           </p:nvSpPr>
           <p:spPr>
             <a:xfrm>
-              <a:off x="6308831" y="4355651"/>
+              <a:off x="6611574" y="4355641"/>
               <a:ext cx="63202" cy="63202"/>
             </a:xfrm>
             <a:custGeom>
@@ -16601,7 +16601,7 @@
           </p:nvSpPr>
           <p:spPr>
             <a:xfrm>
-              <a:off x="6658632" y="4864513"/>
+              <a:off x="6659142" y="4864532"/>
               <a:ext cx="63202" cy="63202"/>
             </a:xfrm>
             <a:custGeom>
@@ -16644,7 +16644,7 @@
           </p:nvSpPr>
           <p:spPr>
             <a:xfrm>
-              <a:off x="6202784" y="4883747"/>
+              <a:off x="6242950" y="4883747"/>
               <a:ext cx="63202" cy="63202"/>
             </a:xfrm>
             <a:custGeom>
@@ -16743,7 +16743,7 @@
           </p:nvSpPr>
           <p:spPr>
             <a:xfrm>
-              <a:off x="4284320" y="6849267"/>
+              <a:off x="4284320" y="6849273"/>
               <a:ext cx="2817450" cy="0"/>
             </a:xfrm>
             <a:custGeom>
@@ -16829,7 +16829,7 @@
           </p:nvSpPr>
           <p:spPr>
             <a:xfrm>
-              <a:off x="4284320" y="6005733"/>
+              <a:off x="4284320" y="6005728"/>
               <a:ext cx="2817450" cy="0"/>
             </a:xfrm>
             <a:custGeom>
@@ -16872,7 +16872,7 @@
           </p:nvSpPr>
           <p:spPr>
             <a:xfrm>
-              <a:off x="4284320" y="5583966"/>
+              <a:off x="4284320" y="5583956"/>
               <a:ext cx="2817450" cy="0"/>
             </a:xfrm>
             <a:custGeom>
@@ -16915,7 +16915,7 @@
           </p:nvSpPr>
           <p:spPr>
             <a:xfrm>
-              <a:off x="4284320" y="6638383"/>
+              <a:off x="4284320" y="6638386"/>
               <a:ext cx="2817450" cy="0"/>
             </a:xfrm>
             <a:custGeom>
@@ -16958,7 +16958,7 @@
           </p:nvSpPr>
           <p:spPr>
             <a:xfrm>
-              <a:off x="4284320" y="6216617"/>
+              <a:off x="4284320" y="6216614"/>
               <a:ext cx="2817450" cy="0"/>
             </a:xfrm>
             <a:custGeom>
@@ -17001,7 +17001,7 @@
           </p:nvSpPr>
           <p:spPr>
             <a:xfrm>
-              <a:off x="4284320" y="5794850"/>
+              <a:off x="4284320" y="5794842"/>
               <a:ext cx="2817450" cy="0"/>
             </a:xfrm>
             <a:custGeom>
@@ -17044,7 +17044,7 @@
           </p:nvSpPr>
           <p:spPr>
             <a:xfrm>
-              <a:off x="4284320" y="5373083"/>
+              <a:off x="4284320" y="5373070"/>
               <a:ext cx="2817450" cy="0"/>
             </a:xfrm>
             <a:custGeom>
@@ -17216,7 +17216,7 @@
           </p:nvSpPr>
           <p:spPr>
             <a:xfrm>
-              <a:off x="4544638" y="6010444"/>
+              <a:off x="4536615" y="6010332"/>
               <a:ext cx="63202" cy="63202"/>
             </a:xfrm>
             <a:custGeom>
@@ -17259,7 +17259,7 @@
           </p:nvSpPr>
           <p:spPr>
             <a:xfrm>
-              <a:off x="4774889" y="5972468"/>
+              <a:off x="4608170" y="5972379"/>
               <a:ext cx="63202" cy="63202"/>
             </a:xfrm>
             <a:custGeom>
@@ -17302,7 +17302,7 @@
           </p:nvSpPr>
           <p:spPr>
             <a:xfrm>
-              <a:off x="4543708" y="5983899"/>
+              <a:off x="4667326" y="5983745"/>
               <a:ext cx="63202" cy="63202"/>
             </a:xfrm>
             <a:custGeom>
@@ -17345,7 +17345,7 @@
           </p:nvSpPr>
           <p:spPr>
             <a:xfrm>
-              <a:off x="4637301" y="5985650"/>
+              <a:off x="4555598" y="5985643"/>
               <a:ext cx="63202" cy="63202"/>
             </a:xfrm>
             <a:custGeom>
@@ -17388,7 +17388,7 @@
           </p:nvSpPr>
           <p:spPr>
             <a:xfrm>
-              <a:off x="6838441" y="6630745"/>
+              <a:off x="6758535" y="6630756"/>
               <a:ext cx="63202" cy="63202"/>
             </a:xfrm>
             <a:custGeom>
@@ -17431,7 +17431,7 @@
           </p:nvSpPr>
           <p:spPr>
             <a:xfrm>
-              <a:off x="4643806" y="6002421"/>
+              <a:off x="4850521" y="6002404"/>
               <a:ext cx="63202" cy="63202"/>
             </a:xfrm>
             <a:custGeom>
@@ -17474,7 +17474,7 @@
           </p:nvSpPr>
           <p:spPr>
             <a:xfrm>
-              <a:off x="4984042" y="5975811"/>
+              <a:off x="4580694" y="5975832"/>
               <a:ext cx="63202" cy="63202"/>
             </a:xfrm>
             <a:custGeom>
@@ -17517,7 +17517,7 @@
           </p:nvSpPr>
           <p:spPr>
             <a:xfrm>
-              <a:off x="5004939" y="6008321"/>
+              <a:off x="4919130" y="6008254"/>
               <a:ext cx="63202" cy="63202"/>
             </a:xfrm>
             <a:custGeom>
@@ -17560,7 +17560,7 @@
           </p:nvSpPr>
           <p:spPr>
             <a:xfrm>
-              <a:off x="4483303" y="5987212"/>
+              <a:off x="4921197" y="5987276"/>
               <a:ext cx="63202" cy="63202"/>
             </a:xfrm>
             <a:custGeom>
@@ -17603,7 +17603,7 @@
           </p:nvSpPr>
           <p:spPr>
             <a:xfrm>
-              <a:off x="4573080" y="6008249"/>
+              <a:off x="4884367" y="6008249"/>
               <a:ext cx="63202" cy="63202"/>
             </a:xfrm>
             <a:custGeom>
@@ -17646,7 +17646,7 @@
           </p:nvSpPr>
           <p:spPr>
             <a:xfrm>
-              <a:off x="4626010" y="5982370"/>
+              <a:off x="4634091" y="5982374"/>
               <a:ext cx="63202" cy="63202"/>
             </a:xfrm>
             <a:custGeom>
@@ -17689,7 +17689,7 @@
           </p:nvSpPr>
           <p:spPr>
             <a:xfrm>
-              <a:off x="5011187" y="6068820"/>
+              <a:off x="4740196" y="6068754"/>
               <a:ext cx="63202" cy="63202"/>
             </a:xfrm>
             <a:custGeom>
@@ -17732,7 +17732,7 @@
           </p:nvSpPr>
           <p:spPr>
             <a:xfrm>
-              <a:off x="4650945" y="5972390"/>
+              <a:off x="4499873" y="5972366"/>
               <a:ext cx="63202" cy="63202"/>
             </a:xfrm>
             <a:custGeom>
@@ -17775,7 +17775,7 @@
           </p:nvSpPr>
           <p:spPr>
             <a:xfrm>
-              <a:off x="4953951" y="5982018"/>
+              <a:off x="5008464" y="5981991"/>
               <a:ext cx="63202" cy="63202"/>
             </a:xfrm>
             <a:custGeom>
@@ -17818,7 +17818,7 @@
           </p:nvSpPr>
           <p:spPr>
             <a:xfrm>
-              <a:off x="4877700" y="5981934"/>
+              <a:off x="5067580" y="5981968"/>
               <a:ext cx="63202" cy="63202"/>
             </a:xfrm>
             <a:custGeom>
@@ -17861,7 +17861,7 @@
           </p:nvSpPr>
           <p:spPr>
             <a:xfrm>
-              <a:off x="5007255" y="5969876"/>
+              <a:off x="4572718" y="5969936"/>
               <a:ext cx="63202" cy="63202"/>
             </a:xfrm>
             <a:custGeom>
@@ -17904,7 +17904,7 @@
           </p:nvSpPr>
           <p:spPr>
             <a:xfrm>
-              <a:off x="4457012" y="5982700"/>
+              <a:off x="4968000" y="5982765"/>
               <a:ext cx="63202" cy="63202"/>
             </a:xfrm>
             <a:custGeom>
@@ -17947,7 +17947,7 @@
           </p:nvSpPr>
           <p:spPr>
             <a:xfrm>
-              <a:off x="4769593" y="5966590"/>
+              <a:off x="4711815" y="5966451"/>
               <a:ext cx="63202" cy="63202"/>
             </a:xfrm>
             <a:custGeom>
@@ -17990,7 +17990,7 @@
           </p:nvSpPr>
           <p:spPr>
             <a:xfrm>
-              <a:off x="4941264" y="6002317"/>
+              <a:off x="5074230" y="6002338"/>
               <a:ext cx="63202" cy="63202"/>
             </a:xfrm>
             <a:custGeom>
@@ -18033,7 +18033,7 @@
           </p:nvSpPr>
           <p:spPr>
             <a:xfrm>
-              <a:off x="4984448" y="5966113"/>
+              <a:off x="5102250" y="5966170"/>
               <a:ext cx="63202" cy="63202"/>
             </a:xfrm>
             <a:custGeom>
@@ -18076,7 +18076,7 @@
           </p:nvSpPr>
           <p:spPr>
             <a:xfrm>
-              <a:off x="5042410" y="5997347"/>
+              <a:off x="4723221" y="5997326"/>
               <a:ext cx="63202" cy="63202"/>
             </a:xfrm>
             <a:custGeom>
@@ -18119,7 +18119,7 @@
           </p:nvSpPr>
           <p:spPr>
             <a:xfrm>
-              <a:off x="4573982" y="5993677"/>
+              <a:off x="4869493" y="5993719"/>
               <a:ext cx="63202" cy="63202"/>
             </a:xfrm>
             <a:custGeom>
@@ -18162,7 +18162,7 @@
           </p:nvSpPr>
           <p:spPr>
             <a:xfrm>
-              <a:off x="4601997" y="6007868"/>
+              <a:off x="4774943" y="6007794"/>
               <a:ext cx="63202" cy="63202"/>
             </a:xfrm>
             <a:custGeom>
@@ -18205,7 +18205,7 @@
           </p:nvSpPr>
           <p:spPr>
             <a:xfrm>
-              <a:off x="4666016" y="6000209"/>
+              <a:off x="4489496" y="6000264"/>
               <a:ext cx="63202" cy="63202"/>
             </a:xfrm>
             <a:custGeom>
@@ -18248,7 +18248,7 @@
           </p:nvSpPr>
           <p:spPr>
             <a:xfrm>
-              <a:off x="4547862" y="5976370"/>
+              <a:off x="4601224" y="5976372"/>
               <a:ext cx="63202" cy="63202"/>
             </a:xfrm>
             <a:custGeom>
@@ -18291,7 +18291,7 @@
           </p:nvSpPr>
           <p:spPr>
             <a:xfrm>
-              <a:off x="4797294" y="6002201"/>
+              <a:off x="4774091" y="6002189"/>
               <a:ext cx="63202" cy="63202"/>
             </a:xfrm>
             <a:custGeom>
@@ -18334,7 +18334,7 @@
           </p:nvSpPr>
           <p:spPr>
             <a:xfrm>
-              <a:off x="4435641" y="6013506"/>
+              <a:off x="4986365" y="6013536"/>
               <a:ext cx="63202" cy="63202"/>
             </a:xfrm>
             <a:custGeom>
@@ -18377,7 +18377,7 @@
           </p:nvSpPr>
           <p:spPr>
             <a:xfrm>
-              <a:off x="4652817" y="6019544"/>
+              <a:off x="4854937" y="6019525"/>
               <a:ext cx="63202" cy="63202"/>
             </a:xfrm>
             <a:custGeom>
@@ -18420,7 +18420,7 @@
           </p:nvSpPr>
           <p:spPr>
             <a:xfrm>
-              <a:off x="4932149" y="6014342"/>
+              <a:off x="5109680" y="6014389"/>
               <a:ext cx="63202" cy="63202"/>
             </a:xfrm>
             <a:custGeom>
@@ -18463,7 +18463,7 @@
           </p:nvSpPr>
           <p:spPr>
             <a:xfrm>
-              <a:off x="4504496" y="5974199"/>
+              <a:off x="4467935" y="5974110"/>
               <a:ext cx="63202" cy="63202"/>
             </a:xfrm>
             <a:custGeom>
@@ -18506,7 +18506,7 @@
           </p:nvSpPr>
           <p:spPr>
             <a:xfrm>
-              <a:off x="4881198" y="5988130"/>
+              <a:off x="4611517" y="5988061"/>
               <a:ext cx="63202" cy="63202"/>
             </a:xfrm>
             <a:custGeom>
@@ -18549,7 +18549,7 @@
           </p:nvSpPr>
           <p:spPr>
             <a:xfrm>
-              <a:off x="4941378" y="5996479"/>
+              <a:off x="4470545" y="5996483"/>
               <a:ext cx="63202" cy="63202"/>
             </a:xfrm>
             <a:custGeom>
@@ -18592,7 +18592,7 @@
           </p:nvSpPr>
           <p:spPr>
             <a:xfrm>
-              <a:off x="4918212" y="5977851"/>
+              <a:off x="4622423" y="5977988"/>
               <a:ext cx="63202" cy="63202"/>
             </a:xfrm>
             <a:custGeom>
@@ -18635,7 +18635,7 @@
           </p:nvSpPr>
           <p:spPr>
             <a:xfrm>
-              <a:off x="4641898" y="5975814"/>
+              <a:off x="4694453" y="5975878"/>
               <a:ext cx="63202" cy="63202"/>
             </a:xfrm>
             <a:custGeom>
@@ -18678,7 +18678,7 @@
           </p:nvSpPr>
           <p:spPr>
             <a:xfrm>
-              <a:off x="4587266" y="6009490"/>
+              <a:off x="4463086" y="6009612"/>
               <a:ext cx="63202" cy="63202"/>
             </a:xfrm>
             <a:custGeom>
@@ -18721,7 +18721,7 @@
           </p:nvSpPr>
           <p:spPr>
             <a:xfrm>
-              <a:off x="4870476" y="6002591"/>
+              <a:off x="4486250" y="6002568"/>
               <a:ext cx="63202" cy="63202"/>
             </a:xfrm>
             <a:custGeom>
@@ -18764,7 +18764,7 @@
           </p:nvSpPr>
           <p:spPr>
             <a:xfrm>
-              <a:off x="5108130" y="5978116"/>
+              <a:off x="5027625" y="5978079"/>
               <a:ext cx="63202" cy="63202"/>
             </a:xfrm>
             <a:custGeom>
@@ -18807,7 +18807,7 @@
           </p:nvSpPr>
           <p:spPr>
             <a:xfrm>
-              <a:off x="4782850" y="5969995"/>
+              <a:off x="4464827" y="5969913"/>
               <a:ext cx="63202" cy="63202"/>
             </a:xfrm>
             <a:custGeom>
@@ -18850,7 +18850,7 @@
           </p:nvSpPr>
           <p:spPr>
             <a:xfrm>
-              <a:off x="4724665" y="6002526"/>
+              <a:off x="4985559" y="6002552"/>
               <a:ext cx="63202" cy="63202"/>
             </a:xfrm>
             <a:custGeom>
@@ -18893,7 +18893,7 @@
           </p:nvSpPr>
           <p:spPr>
             <a:xfrm>
-              <a:off x="4508190" y="5999629"/>
+              <a:off x="4601281" y="5999716"/>
               <a:ext cx="63202" cy="63202"/>
             </a:xfrm>
             <a:custGeom>
@@ -18936,7 +18936,7 @@
           </p:nvSpPr>
           <p:spPr>
             <a:xfrm>
-              <a:off x="4857619" y="5977138"/>
+              <a:off x="4778515" y="5977093"/>
               <a:ext cx="63202" cy="63202"/>
             </a:xfrm>
             <a:custGeom>
@@ -18979,7 +18979,7 @@
           </p:nvSpPr>
           <p:spPr>
             <a:xfrm>
-              <a:off x="5130677" y="5979887"/>
+              <a:off x="5084507" y="5979764"/>
               <a:ext cx="63202" cy="63202"/>
             </a:xfrm>
             <a:custGeom>
@@ -19022,7 +19022,7 @@
           </p:nvSpPr>
           <p:spPr>
             <a:xfrm>
-              <a:off x="5430097" y="6431494"/>
+              <a:off x="5807918" y="6431516"/>
               <a:ext cx="63202" cy="63202"/>
             </a:xfrm>
             <a:custGeom>
@@ -19065,7 +19065,7 @@
           </p:nvSpPr>
           <p:spPr>
             <a:xfrm>
-              <a:off x="4882824" y="5988820"/>
+              <a:off x="4433008" y="5988878"/>
               <a:ext cx="63202" cy="63202"/>
             </a:xfrm>
             <a:custGeom>
@@ -19108,7 +19108,7 @@
           </p:nvSpPr>
           <p:spPr>
             <a:xfrm>
-              <a:off x="4760544" y="6005697"/>
+              <a:off x="4686171" y="6005802"/>
               <a:ext cx="63202" cy="63202"/>
             </a:xfrm>
             <a:custGeom>
@@ -19151,7 +19151,7 @@
           </p:nvSpPr>
           <p:spPr>
             <a:xfrm>
-              <a:off x="4430335" y="5978844"/>
+              <a:off x="4668239" y="5978775"/>
               <a:ext cx="63202" cy="63202"/>
             </a:xfrm>
             <a:custGeom>
@@ -19194,7 +19194,7 @@
           </p:nvSpPr>
           <p:spPr>
             <a:xfrm>
-              <a:off x="4772273" y="6029744"/>
+              <a:off x="4653930" y="6029833"/>
               <a:ext cx="63202" cy="63202"/>
             </a:xfrm>
             <a:custGeom>
@@ -19237,7 +19237,7 @@
           </p:nvSpPr>
           <p:spPr>
             <a:xfrm>
-              <a:off x="4885324" y="5981100"/>
+              <a:off x="5003200" y="5981021"/>
               <a:ext cx="63202" cy="63202"/>
             </a:xfrm>
             <a:custGeom>
@@ -19280,7 +19280,7 @@
           </p:nvSpPr>
           <p:spPr>
             <a:xfrm>
-              <a:off x="5075806" y="5993985"/>
+              <a:off x="4713198" y="5993990"/>
               <a:ext cx="63202" cy="63202"/>
             </a:xfrm>
             <a:custGeom>
@@ -19323,7 +19323,7 @@
           </p:nvSpPr>
           <p:spPr>
             <a:xfrm>
-              <a:off x="4527289" y="5977378"/>
+              <a:off x="5113675" y="5977245"/>
               <a:ext cx="63202" cy="63202"/>
             </a:xfrm>
             <a:custGeom>
@@ -19366,7 +19366,7 @@
           </p:nvSpPr>
           <p:spPr>
             <a:xfrm>
-              <a:off x="4908346" y="5974059"/>
+              <a:off x="4590427" y="5974185"/>
               <a:ext cx="63202" cy="63202"/>
             </a:xfrm>
             <a:custGeom>
@@ -19409,7 +19409,7 @@
           </p:nvSpPr>
           <p:spPr>
             <a:xfrm>
-              <a:off x="5055824" y="5994369"/>
+              <a:off x="4578307" y="5994353"/>
               <a:ext cx="63202" cy="63202"/>
             </a:xfrm>
             <a:custGeom>
@@ -19452,7 +19452,7 @@
           </p:nvSpPr>
           <p:spPr>
             <a:xfrm>
-              <a:off x="4644544" y="5986302"/>
+              <a:off x="4508760" y="5986323"/>
               <a:ext cx="63202" cy="63202"/>
             </a:xfrm>
             <a:custGeom>
@@ -19495,7 +19495,7 @@
           </p:nvSpPr>
           <p:spPr>
             <a:xfrm>
-              <a:off x="4585391" y="6000911"/>
+              <a:off x="4613250" y="6000977"/>
               <a:ext cx="63202" cy="63202"/>
             </a:xfrm>
             <a:custGeom>
@@ -19538,7 +19538,7 @@
           </p:nvSpPr>
           <p:spPr>
             <a:xfrm>
-              <a:off x="5131872" y="5991351"/>
+              <a:off x="4864372" y="5991395"/>
               <a:ext cx="63202" cy="63202"/>
             </a:xfrm>
             <a:custGeom>
@@ -19581,7 +19581,7 @@
           </p:nvSpPr>
           <p:spPr>
             <a:xfrm>
-              <a:off x="4800489" y="5977710"/>
+              <a:off x="4994570" y="5977723"/>
               <a:ext cx="63202" cy="63202"/>
             </a:xfrm>
             <a:custGeom>
@@ -19624,7 +19624,7 @@
           </p:nvSpPr>
           <p:spPr>
             <a:xfrm>
-              <a:off x="4891709" y="5974197"/>
+              <a:off x="4786872" y="5974119"/>
               <a:ext cx="63202" cy="63202"/>
             </a:xfrm>
             <a:custGeom>
@@ -19667,7 +19667,7 @@
           </p:nvSpPr>
           <p:spPr>
             <a:xfrm>
-              <a:off x="4810412" y="5974827"/>
+              <a:off x="4559720" y="5974710"/>
               <a:ext cx="63202" cy="63202"/>
             </a:xfrm>
             <a:custGeom>
@@ -19710,7 +19710,7 @@
           </p:nvSpPr>
           <p:spPr>
             <a:xfrm>
-              <a:off x="4924134" y="5982794"/>
+              <a:off x="4776251" y="5982734"/>
               <a:ext cx="63202" cy="63202"/>
             </a:xfrm>
             <a:custGeom>
@@ -19753,7 +19753,7 @@
           </p:nvSpPr>
           <p:spPr>
             <a:xfrm>
-              <a:off x="5018738" y="5970123"/>
+              <a:off x="5019810" y="5970118"/>
               <a:ext cx="63202" cy="63202"/>
             </a:xfrm>
             <a:custGeom>
@@ -19796,7 +19796,7 @@
           </p:nvSpPr>
           <p:spPr>
             <a:xfrm>
-              <a:off x="4979006" y="5986091"/>
+              <a:off x="4617244" y="5986068"/>
               <a:ext cx="63202" cy="63202"/>
             </a:xfrm>
             <a:custGeom>
@@ -19839,7 +19839,7 @@
           </p:nvSpPr>
           <p:spPr>
             <a:xfrm>
-              <a:off x="4753315" y="5978521"/>
+              <a:off x="4975320" y="5978615"/>
               <a:ext cx="63202" cy="63202"/>
             </a:xfrm>
             <a:custGeom>
@@ -19882,7 +19882,7 @@
           </p:nvSpPr>
           <p:spPr>
             <a:xfrm>
-              <a:off x="6865036" y="6607560"/>
+              <a:off x="6228002" y="6607653"/>
               <a:ext cx="63202" cy="63202"/>
             </a:xfrm>
             <a:custGeom>
@@ -19925,7 +19925,7 @@
           </p:nvSpPr>
           <p:spPr>
             <a:xfrm>
-              <a:off x="4974699" y="5975818"/>
+              <a:off x="4615187" y="5975834"/>
               <a:ext cx="63202" cy="63202"/>
             </a:xfrm>
             <a:custGeom>
@@ -19968,7 +19968,7 @@
           </p:nvSpPr>
           <p:spPr>
             <a:xfrm>
-              <a:off x="4927200" y="6001388"/>
+              <a:off x="4861651" y="6001337"/>
               <a:ext cx="63202" cy="63202"/>
             </a:xfrm>
             <a:custGeom>
@@ -20011,7 +20011,7 @@
           </p:nvSpPr>
           <p:spPr>
             <a:xfrm>
-              <a:off x="4781188" y="5993937"/>
+              <a:off x="4681612" y="5994024"/>
               <a:ext cx="63202" cy="63202"/>
             </a:xfrm>
             <a:custGeom>
@@ -20054,7 +20054,7 @@
           </p:nvSpPr>
           <p:spPr>
             <a:xfrm>
-              <a:off x="4954186" y="5973368"/>
+              <a:off x="4678028" y="5973367"/>
               <a:ext cx="63202" cy="63202"/>
             </a:xfrm>
             <a:custGeom>
@@ -20097,7 +20097,7 @@
           </p:nvSpPr>
           <p:spPr>
             <a:xfrm>
-              <a:off x="5111768" y="6115781"/>
+              <a:off x="4875391" y="6115924"/>
               <a:ext cx="63202" cy="63202"/>
             </a:xfrm>
             <a:custGeom>
@@ -20140,7 +20140,7 @@
           </p:nvSpPr>
           <p:spPr>
             <a:xfrm>
-              <a:off x="5480803" y="6482616"/>
+              <a:off x="5366026" y="6482602"/>
               <a:ext cx="63202" cy="63202"/>
             </a:xfrm>
             <a:custGeom>
@@ -20183,7 +20183,7 @@
           </p:nvSpPr>
           <p:spPr>
             <a:xfrm>
-              <a:off x="4552138" y="6002646"/>
+              <a:off x="4653208" y="6002621"/>
               <a:ext cx="63202" cy="63202"/>
             </a:xfrm>
             <a:custGeom>
@@ -20226,7 +20226,7 @@
           </p:nvSpPr>
           <p:spPr>
             <a:xfrm>
-              <a:off x="4663190" y="5997530"/>
+              <a:off x="4956412" y="5997528"/>
               <a:ext cx="63202" cy="63202"/>
             </a:xfrm>
             <a:custGeom>
@@ -20269,7 +20269,7 @@
           </p:nvSpPr>
           <p:spPr>
             <a:xfrm>
-              <a:off x="4844296" y="5969971"/>
+              <a:off x="4813937" y="5969884"/>
               <a:ext cx="63202" cy="63202"/>
             </a:xfrm>
             <a:custGeom>
@@ -20312,7 +20312,7 @@
           </p:nvSpPr>
           <p:spPr>
             <a:xfrm>
-              <a:off x="4951868" y="6079590"/>
+              <a:off x="4461288" y="6079634"/>
               <a:ext cx="63202" cy="63202"/>
             </a:xfrm>
             <a:custGeom>
@@ -20355,7 +20355,7 @@
           </p:nvSpPr>
           <p:spPr>
             <a:xfrm>
-              <a:off x="4605378" y="5967004"/>
+              <a:off x="4834345" y="5967004"/>
               <a:ext cx="63202" cy="63202"/>
             </a:xfrm>
             <a:custGeom>
@@ -20398,7 +20398,7 @@
           </p:nvSpPr>
           <p:spPr>
             <a:xfrm>
-              <a:off x="4864299" y="5996564"/>
+              <a:off x="5128998" y="5996420"/>
               <a:ext cx="63202" cy="63202"/>
             </a:xfrm>
             <a:custGeom>
@@ -20441,7 +20441,7 @@
           </p:nvSpPr>
           <p:spPr>
             <a:xfrm>
-              <a:off x="4956388" y="6029784"/>
+              <a:off x="5023479" y="6029755"/>
               <a:ext cx="63202" cy="63202"/>
             </a:xfrm>
             <a:custGeom>
@@ -20484,7 +20484,7 @@
           </p:nvSpPr>
           <p:spPr>
             <a:xfrm>
-              <a:off x="4448423" y="6197948"/>
+              <a:off x="4487027" y="6197883"/>
               <a:ext cx="63202" cy="63202"/>
             </a:xfrm>
             <a:custGeom>
@@ -20527,7 +20527,7 @@
           </p:nvSpPr>
           <p:spPr>
             <a:xfrm>
-              <a:off x="4753662" y="5986093"/>
+              <a:off x="4560810" y="5986197"/>
               <a:ext cx="63202" cy="63202"/>
             </a:xfrm>
             <a:custGeom>
@@ -20570,7 +20570,7 @@
           </p:nvSpPr>
           <p:spPr>
             <a:xfrm>
-              <a:off x="4908010" y="5975673"/>
+              <a:off x="4839731" y="5975529"/>
               <a:ext cx="63202" cy="63202"/>
             </a:xfrm>
             <a:custGeom>
@@ -20613,7 +20613,7 @@
           </p:nvSpPr>
           <p:spPr>
             <a:xfrm>
-              <a:off x="4638033" y="6013547"/>
+              <a:off x="4940363" y="6013574"/>
               <a:ext cx="63202" cy="63202"/>
             </a:xfrm>
             <a:custGeom>
@@ -20656,7 +20656,7 @@
           </p:nvSpPr>
           <p:spPr>
             <a:xfrm>
-              <a:off x="5100474" y="6198072"/>
+              <a:off x="4502697" y="6198157"/>
               <a:ext cx="63202" cy="63202"/>
             </a:xfrm>
             <a:custGeom>
@@ -20699,7 +20699,7 @@
           </p:nvSpPr>
           <p:spPr>
             <a:xfrm>
-              <a:off x="4705603" y="6099452"/>
+              <a:off x="4740858" y="6099312"/>
               <a:ext cx="63202" cy="63202"/>
             </a:xfrm>
             <a:custGeom>
@@ -20742,7 +20742,7 @@
           </p:nvSpPr>
           <p:spPr>
             <a:xfrm>
-              <a:off x="4495703" y="6330569"/>
+              <a:off x="4640931" y="6330448"/>
               <a:ext cx="63202" cy="63202"/>
             </a:xfrm>
             <a:custGeom>
@@ -20785,7 +20785,7 @@
           </p:nvSpPr>
           <p:spPr>
             <a:xfrm>
-              <a:off x="4446176" y="6004033"/>
+              <a:off x="5067495" y="6004113"/>
               <a:ext cx="63202" cy="63202"/>
             </a:xfrm>
             <a:custGeom>
@@ -20828,7 +20828,7 @@
           </p:nvSpPr>
           <p:spPr>
             <a:xfrm>
-              <a:off x="5940168" y="6631191"/>
+              <a:off x="5698656" y="6631193"/>
               <a:ext cx="63202" cy="63202"/>
             </a:xfrm>
             <a:custGeom>
@@ -20871,7 +20871,7 @@
           </p:nvSpPr>
           <p:spPr>
             <a:xfrm>
-              <a:off x="4591570" y="5986004"/>
+              <a:off x="4780226" y="5985880"/>
               <a:ext cx="63202" cy="63202"/>
             </a:xfrm>
             <a:custGeom>
@@ -20914,7 +20914,7 @@
           </p:nvSpPr>
           <p:spPr>
             <a:xfrm>
-              <a:off x="5088147" y="5988906"/>
+              <a:off x="4721625" y="5988911"/>
               <a:ext cx="63202" cy="63202"/>
             </a:xfrm>
             <a:custGeom>
@@ -20957,7 +20957,7 @@
           </p:nvSpPr>
           <p:spPr>
             <a:xfrm>
-              <a:off x="4803794" y="5983250"/>
+              <a:off x="4953737" y="5983225"/>
               <a:ext cx="63202" cy="63202"/>
             </a:xfrm>
             <a:custGeom>
@@ -21000,7 +21000,7 @@
           </p:nvSpPr>
           <p:spPr>
             <a:xfrm>
-              <a:off x="4759102" y="6228948"/>
+              <a:off x="4773224" y="6228857"/>
               <a:ext cx="63202" cy="63202"/>
             </a:xfrm>
             <a:custGeom>
@@ -21043,7 +21043,7 @@
           </p:nvSpPr>
           <p:spPr>
             <a:xfrm>
-              <a:off x="4854562" y="5974977"/>
+              <a:off x="4613461" y="5974980"/>
               <a:ext cx="63202" cy="63202"/>
             </a:xfrm>
             <a:custGeom>
@@ -21086,7 +21086,7 @@
           </p:nvSpPr>
           <p:spPr>
             <a:xfrm>
-              <a:off x="4542274" y="6008219"/>
+              <a:off x="4516260" y="6008304"/>
               <a:ext cx="63202" cy="63202"/>
             </a:xfrm>
             <a:custGeom>
@@ -21129,7 +21129,7 @@
           </p:nvSpPr>
           <p:spPr>
             <a:xfrm>
-              <a:off x="4514300" y="6059183"/>
+              <a:off x="4954539" y="6059171"/>
               <a:ext cx="63202" cy="63202"/>
             </a:xfrm>
             <a:custGeom>
@@ -21172,7 +21172,7 @@
           </p:nvSpPr>
           <p:spPr>
             <a:xfrm>
-              <a:off x="4883282" y="5973705"/>
+              <a:off x="4529667" y="5973774"/>
               <a:ext cx="63202" cy="63202"/>
             </a:xfrm>
             <a:custGeom>
@@ -21215,7 +21215,7 @@
           </p:nvSpPr>
           <p:spPr>
             <a:xfrm>
-              <a:off x="4666248" y="5987072"/>
+              <a:off x="4568335" y="5987011"/>
               <a:ext cx="63202" cy="63202"/>
             </a:xfrm>
             <a:custGeom>
@@ -21258,7 +21258,7 @@
           </p:nvSpPr>
           <p:spPr>
             <a:xfrm>
-              <a:off x="4444923" y="5977252"/>
+              <a:off x="4452232" y="5977274"/>
               <a:ext cx="63202" cy="63202"/>
             </a:xfrm>
             <a:custGeom>
@@ -21301,7 +21301,7 @@
           </p:nvSpPr>
           <p:spPr>
             <a:xfrm>
-              <a:off x="4718524" y="5991469"/>
+              <a:off x="4498307" y="5991484"/>
               <a:ext cx="63202" cy="63202"/>
             </a:xfrm>
             <a:custGeom>
@@ -21344,7 +21344,7 @@
           </p:nvSpPr>
           <p:spPr>
             <a:xfrm>
-              <a:off x="4667903" y="5977164"/>
+              <a:off x="4747286" y="5976996"/>
               <a:ext cx="63202" cy="63202"/>
             </a:xfrm>
             <a:custGeom>
@@ -21387,7 +21387,7 @@
           </p:nvSpPr>
           <p:spPr>
             <a:xfrm>
-              <a:off x="5036331" y="6170088"/>
+              <a:off x="4478032" y="6170025"/>
               <a:ext cx="63202" cy="63202"/>
             </a:xfrm>
             <a:custGeom>
@@ -21430,7 +21430,7 @@
           </p:nvSpPr>
           <p:spPr>
             <a:xfrm>
-              <a:off x="4532428" y="5981651"/>
+              <a:off x="4603075" y="5981656"/>
               <a:ext cx="63202" cy="63202"/>
             </a:xfrm>
             <a:custGeom>
@@ -21473,7 +21473,7 @@
           </p:nvSpPr>
           <p:spPr>
             <a:xfrm>
-              <a:off x="4590346" y="6011314"/>
+              <a:off x="4825829" y="6011280"/>
               <a:ext cx="63202" cy="63202"/>
             </a:xfrm>
             <a:custGeom>
@@ -21516,7 +21516,7 @@
           </p:nvSpPr>
           <p:spPr>
             <a:xfrm>
-              <a:off x="4904653" y="5981939"/>
+              <a:off x="5080170" y="5981870"/>
               <a:ext cx="63202" cy="63202"/>
             </a:xfrm>
             <a:custGeom>
@@ -21559,7 +21559,7 @@
           </p:nvSpPr>
           <p:spPr>
             <a:xfrm>
-              <a:off x="4753956" y="6249131"/>
+              <a:off x="5021134" y="6249082"/>
               <a:ext cx="63202" cy="63202"/>
             </a:xfrm>
             <a:custGeom>
@@ -21602,7 +21602,7 @@
           </p:nvSpPr>
           <p:spPr>
             <a:xfrm>
-              <a:off x="4606886" y="5972071"/>
+              <a:off x="5023181" y="5971993"/>
               <a:ext cx="63202" cy="63202"/>
             </a:xfrm>
             <a:custGeom>
@@ -21645,7 +21645,7 @@
           </p:nvSpPr>
           <p:spPr>
             <a:xfrm>
-              <a:off x="4454205" y="6001303"/>
+              <a:off x="4452714" y="6001402"/>
               <a:ext cx="63202" cy="63202"/>
             </a:xfrm>
             <a:custGeom>
@@ -21688,7 +21688,7 @@
           </p:nvSpPr>
           <p:spPr>
             <a:xfrm>
-              <a:off x="4799083" y="5972402"/>
+              <a:off x="4616881" y="5972361"/>
               <a:ext cx="63202" cy="63202"/>
             </a:xfrm>
             <a:custGeom>
@@ -21731,7 +21731,7 @@
           </p:nvSpPr>
           <p:spPr>
             <a:xfrm>
-              <a:off x="5581867" y="6480677"/>
+              <a:off x="5357030" y="6480750"/>
               <a:ext cx="63202" cy="63202"/>
             </a:xfrm>
             <a:custGeom>
@@ -21774,7 +21774,7 @@
           </p:nvSpPr>
           <p:spPr>
             <a:xfrm>
-              <a:off x="5860938" y="6412928"/>
+              <a:off x="5861491" y="6413055"/>
               <a:ext cx="63202" cy="63202"/>
             </a:xfrm>
             <a:custGeom>
@@ -21817,7 +21817,7 @@
           </p:nvSpPr>
           <p:spPr>
             <a:xfrm>
-              <a:off x="4572996" y="5998819"/>
+              <a:off x="4911351" y="5998846"/>
               <a:ext cx="63202" cy="63202"/>
             </a:xfrm>
             <a:custGeom>
@@ -21860,7 +21860,7 @@
           </p:nvSpPr>
           <p:spPr>
             <a:xfrm>
-              <a:off x="4812861" y="5969885"/>
+              <a:off x="4993143" y="5969886"/>
               <a:ext cx="63202" cy="63202"/>
             </a:xfrm>
             <a:custGeom>
@@ -21903,7 +21903,7 @@
           </p:nvSpPr>
           <p:spPr>
             <a:xfrm>
-              <a:off x="4882857" y="5969870"/>
+              <a:off x="4469969" y="5969909"/>
               <a:ext cx="63202" cy="63202"/>
             </a:xfrm>
             <a:custGeom>
@@ -21946,7 +21946,7 @@
           </p:nvSpPr>
           <p:spPr>
             <a:xfrm>
-              <a:off x="4739621" y="5969994"/>
+              <a:off x="4913652" y="5969909"/>
               <a:ext cx="63202" cy="63202"/>
             </a:xfrm>
             <a:custGeom>
@@ -21989,7 +21989,7 @@
           </p:nvSpPr>
           <p:spPr>
             <a:xfrm>
-              <a:off x="4581487" y="5969862"/>
+              <a:off x="4702714" y="5969982"/>
               <a:ext cx="63202" cy="63202"/>
             </a:xfrm>
             <a:custGeom>
@@ -22032,7 +22032,7 @@
           </p:nvSpPr>
           <p:spPr>
             <a:xfrm>
-              <a:off x="4608969" y="6000467"/>
+              <a:off x="4757836" y="6000534"/>
               <a:ext cx="63202" cy="63202"/>
             </a:xfrm>
             <a:custGeom>
@@ -22075,7 +22075,7 @@
           </p:nvSpPr>
           <p:spPr>
             <a:xfrm>
-              <a:off x="4677243" y="6148754"/>
+              <a:off x="5080530" y="6148791"/>
               <a:ext cx="63202" cy="63202"/>
             </a:xfrm>
             <a:custGeom>
@@ -22118,7 +22118,7 @@
           </p:nvSpPr>
           <p:spPr>
             <a:xfrm>
-              <a:off x="4565592" y="5968726"/>
+              <a:off x="4822809" y="5968681"/>
               <a:ext cx="63202" cy="63202"/>
             </a:xfrm>
             <a:custGeom>
@@ -22161,7 +22161,7 @@
           </p:nvSpPr>
           <p:spPr>
             <a:xfrm>
-              <a:off x="4898618" y="5990217"/>
+              <a:off x="4613903" y="5990091"/>
               <a:ext cx="63202" cy="63202"/>
             </a:xfrm>
             <a:custGeom>
@@ -22204,7 +22204,7 @@
           </p:nvSpPr>
           <p:spPr>
             <a:xfrm>
-              <a:off x="5059041" y="5995486"/>
+              <a:off x="4778641" y="5995471"/>
               <a:ext cx="63202" cy="63202"/>
             </a:xfrm>
             <a:custGeom>
@@ -22247,7 +22247,7 @@
           </p:nvSpPr>
           <p:spPr>
             <a:xfrm>
-              <a:off x="5017366" y="5976188"/>
+              <a:off x="4680999" y="5976298"/>
               <a:ext cx="63202" cy="63202"/>
             </a:xfrm>
             <a:custGeom>
@@ -22290,7 +22290,7 @@
           </p:nvSpPr>
           <p:spPr>
             <a:xfrm>
-              <a:off x="4810466" y="5983574"/>
+              <a:off x="4523499" y="5983595"/>
               <a:ext cx="63202" cy="63202"/>
             </a:xfrm>
             <a:custGeom>
@@ -22333,7 +22333,7 @@
           </p:nvSpPr>
           <p:spPr>
             <a:xfrm>
-              <a:off x="6241051" y="6806132"/>
+              <a:off x="6379336" y="6806036"/>
               <a:ext cx="63202" cy="63202"/>
             </a:xfrm>
             <a:custGeom>
@@ -22376,7 +22376,7 @@
           </p:nvSpPr>
           <p:spPr>
             <a:xfrm>
-              <a:off x="4610354" y="6073326"/>
+              <a:off x="5065558" y="6073283"/>
               <a:ext cx="63202" cy="63202"/>
             </a:xfrm>
             <a:custGeom>
@@ -22419,7 +22419,7 @@
           </p:nvSpPr>
           <p:spPr>
             <a:xfrm>
-              <a:off x="4873725" y="6000983"/>
+              <a:off x="4800810" y="6000898"/>
               <a:ext cx="63202" cy="63202"/>
             </a:xfrm>
             <a:custGeom>
@@ -22462,7 +22462,7 @@
           </p:nvSpPr>
           <p:spPr>
             <a:xfrm>
-              <a:off x="4522641" y="5972791"/>
+              <a:off x="4732067" y="5972855"/>
               <a:ext cx="63202" cy="63202"/>
             </a:xfrm>
             <a:custGeom>
@@ -22505,7 +22505,7 @@
           </p:nvSpPr>
           <p:spPr>
             <a:xfrm>
-              <a:off x="4612442" y="5979220"/>
+              <a:off x="4432431" y="5979251"/>
               <a:ext cx="63202" cy="63202"/>
             </a:xfrm>
             <a:custGeom>
@@ -22548,7 +22548,7 @@
           </p:nvSpPr>
           <p:spPr>
             <a:xfrm>
-              <a:off x="4540118" y="6091947"/>
+              <a:off x="4522851" y="6092003"/>
               <a:ext cx="63202" cy="63202"/>
             </a:xfrm>
             <a:custGeom>
@@ -22591,7 +22591,7 @@
           </p:nvSpPr>
           <p:spPr>
             <a:xfrm>
-              <a:off x="4922995" y="6002574"/>
+              <a:off x="5091338" y="6002549"/>
               <a:ext cx="63202" cy="63202"/>
             </a:xfrm>
             <a:custGeom>
@@ -22634,7 +22634,7 @@
           </p:nvSpPr>
           <p:spPr>
             <a:xfrm>
-              <a:off x="4441819" y="5985356"/>
+              <a:off x="4811942" y="5985244"/>
               <a:ext cx="63202" cy="63202"/>
             </a:xfrm>
             <a:custGeom>
@@ -22677,7 +22677,7 @@
           </p:nvSpPr>
           <p:spPr>
             <a:xfrm>
-              <a:off x="4877359" y="6107866"/>
+              <a:off x="4862833" y="6107843"/>
               <a:ext cx="63202" cy="63202"/>
             </a:xfrm>
             <a:custGeom>
@@ -22720,7 +22720,7 @@
           </p:nvSpPr>
           <p:spPr>
             <a:xfrm>
-              <a:off x="4919089" y="5972393"/>
+              <a:off x="4774930" y="5972483"/>
               <a:ext cx="63202" cy="63202"/>
             </a:xfrm>
             <a:custGeom>
@@ -22763,7 +22763,7 @@
           </p:nvSpPr>
           <p:spPr>
             <a:xfrm>
-              <a:off x="4651100" y="5984069"/>
+              <a:off x="4552533" y="5984095"/>
               <a:ext cx="63202" cy="63202"/>
             </a:xfrm>
             <a:custGeom>
@@ -22806,7 +22806,7 @@
           </p:nvSpPr>
           <p:spPr>
             <a:xfrm>
-              <a:off x="5459327" y="6478502"/>
+              <a:off x="5407337" y="6478573"/>
               <a:ext cx="63202" cy="63202"/>
             </a:xfrm>
             <a:custGeom>
@@ -22849,7 +22849,7 @@
           </p:nvSpPr>
           <p:spPr>
             <a:xfrm>
-              <a:off x="5775061" y="6478555"/>
+              <a:off x="5401473" y="6478560"/>
               <a:ext cx="63202" cy="63202"/>
             </a:xfrm>
             <a:custGeom>
@@ -22892,7 +22892,7 @@
           </p:nvSpPr>
           <p:spPr>
             <a:xfrm>
-              <a:off x="5022576" y="5977358"/>
+              <a:off x="4573900" y="5977276"/>
               <a:ext cx="63202" cy="63202"/>
             </a:xfrm>
             <a:custGeom>
@@ -22935,7 +22935,7 @@
           </p:nvSpPr>
           <p:spPr>
             <a:xfrm>
-              <a:off x="5082647" y="5969907"/>
+              <a:off x="4724122" y="5969985"/>
               <a:ext cx="63202" cy="63202"/>
             </a:xfrm>
             <a:custGeom>
@@ -22978,7 +22978,7 @@
           </p:nvSpPr>
           <p:spPr>
             <a:xfrm>
-              <a:off x="5687749" y="6652525"/>
+              <a:off x="5416247" y="6652557"/>
               <a:ext cx="63202" cy="63202"/>
             </a:xfrm>
             <a:custGeom>
@@ -23021,7 +23021,7 @@
           </p:nvSpPr>
           <p:spPr>
             <a:xfrm>
-              <a:off x="5925994" y="6596421"/>
+              <a:off x="5404780" y="6596455"/>
               <a:ext cx="63202" cy="63202"/>
             </a:xfrm>
             <a:custGeom>
@@ -23064,7 +23064,7 @@
           </p:nvSpPr>
           <p:spPr>
             <a:xfrm>
-              <a:off x="5007595" y="6086941"/>
+              <a:off x="4825060" y="6087027"/>
               <a:ext cx="63202" cy="63202"/>
             </a:xfrm>
             <a:custGeom>
@@ -23107,7 +23107,7 @@
           </p:nvSpPr>
           <p:spPr>
             <a:xfrm>
-              <a:off x="5129117" y="5990848"/>
+              <a:off x="4709632" y="5990727"/>
               <a:ext cx="63202" cy="63202"/>
             </a:xfrm>
             <a:custGeom>
@@ -23150,7 +23150,7 @@
           </p:nvSpPr>
           <p:spPr>
             <a:xfrm>
-              <a:off x="5124786" y="6034397"/>
+              <a:off x="4491158" y="6034448"/>
               <a:ext cx="63202" cy="63202"/>
             </a:xfrm>
             <a:custGeom>
@@ -23193,7 +23193,7 @@
           </p:nvSpPr>
           <p:spPr>
             <a:xfrm>
-              <a:off x="5854783" y="6162701"/>
+              <a:off x="5786371" y="6162579"/>
               <a:ext cx="63202" cy="63202"/>
             </a:xfrm>
             <a:custGeom>
@@ -23236,7 +23236,7 @@
           </p:nvSpPr>
           <p:spPr>
             <a:xfrm>
-              <a:off x="4624997" y="5992025"/>
+              <a:off x="4944295" y="5992075"/>
               <a:ext cx="63202" cy="63202"/>
             </a:xfrm>
             <a:custGeom>
@@ -23279,7 +23279,7 @@
           </p:nvSpPr>
           <p:spPr>
             <a:xfrm>
-              <a:off x="4652394" y="6244926"/>
+              <a:off x="4555241" y="6244911"/>
               <a:ext cx="63202" cy="63202"/>
             </a:xfrm>
             <a:custGeom>
@@ -23322,7 +23322,7 @@
           </p:nvSpPr>
           <p:spPr>
             <a:xfrm>
-              <a:off x="4459523" y="6045489"/>
+              <a:off x="4470026" y="6045446"/>
               <a:ext cx="63202" cy="63202"/>
             </a:xfrm>
             <a:custGeom>
@@ -23365,7 +23365,7 @@
           </p:nvSpPr>
           <p:spPr>
             <a:xfrm>
-              <a:off x="4561151" y="6007658"/>
+              <a:off x="4569167" y="6007715"/>
               <a:ext cx="63202" cy="63202"/>
             </a:xfrm>
             <a:custGeom>
@@ -23408,7 +23408,7 @@
           </p:nvSpPr>
           <p:spPr>
             <a:xfrm>
-              <a:off x="4574053" y="6004711"/>
+              <a:off x="4788709" y="6004623"/>
               <a:ext cx="63202" cy="63202"/>
             </a:xfrm>
             <a:custGeom>
@@ -23451,7 +23451,7 @@
           </p:nvSpPr>
           <p:spPr>
             <a:xfrm>
-              <a:off x="4518291" y="6095799"/>
+              <a:off x="4586835" y="6095838"/>
               <a:ext cx="63202" cy="63202"/>
             </a:xfrm>
             <a:custGeom>
@@ -23494,7 +23494,7 @@
           </p:nvSpPr>
           <p:spPr>
             <a:xfrm>
-              <a:off x="4866005" y="5993356"/>
+              <a:off x="4768067" y="5993347"/>
               <a:ext cx="63202" cy="63202"/>
             </a:xfrm>
             <a:custGeom>
@@ -23537,7 +23537,7 @@
           </p:nvSpPr>
           <p:spPr>
             <a:xfrm>
-              <a:off x="4532663" y="5981959"/>
+              <a:off x="4493160" y="5981865"/>
               <a:ext cx="63202" cy="63202"/>
             </a:xfrm>
             <a:custGeom>
@@ -23580,7 +23580,7 @@
           </p:nvSpPr>
           <p:spPr>
             <a:xfrm>
-              <a:off x="5863316" y="6613291"/>
+              <a:off x="5749730" y="6613348"/>
               <a:ext cx="63202" cy="63202"/>
             </a:xfrm>
             <a:custGeom>
@@ -23623,7 +23623,7 @@
           </p:nvSpPr>
           <p:spPr>
             <a:xfrm>
-              <a:off x="4504930" y="5972037"/>
+              <a:off x="4828364" y="5972082"/>
               <a:ext cx="63202" cy="63202"/>
             </a:xfrm>
             <a:custGeom>
@@ -23666,7 +23666,7 @@
           </p:nvSpPr>
           <p:spPr>
             <a:xfrm>
-              <a:off x="4945200" y="5993978"/>
+              <a:off x="4462006" y="5993882"/>
               <a:ext cx="63202" cy="63202"/>
             </a:xfrm>
             <a:custGeom>
@@ -23709,7 +23709,7 @@
           </p:nvSpPr>
           <p:spPr>
             <a:xfrm>
-              <a:off x="4724916" y="5982396"/>
+              <a:off x="5131109" y="5982433"/>
               <a:ext cx="63202" cy="63202"/>
             </a:xfrm>
             <a:custGeom>
@@ -23752,7 +23752,7 @@
           </p:nvSpPr>
           <p:spPr>
             <a:xfrm>
-              <a:off x="4913275" y="5994716"/>
+              <a:off x="4777320" y="5994864"/>
               <a:ext cx="63202" cy="63202"/>
             </a:xfrm>
             <a:custGeom>
@@ -23795,7 +23795,7 @@
           </p:nvSpPr>
           <p:spPr>
             <a:xfrm>
-              <a:off x="4818081" y="6002570"/>
+              <a:off x="4938905" y="6002569"/>
               <a:ext cx="63202" cy="63202"/>
             </a:xfrm>
             <a:custGeom>
@@ -23838,7 +23838,7 @@
           </p:nvSpPr>
           <p:spPr>
             <a:xfrm>
-              <a:off x="4910580" y="5975258"/>
+              <a:off x="4507501" y="5975128"/>
               <a:ext cx="63202" cy="63202"/>
             </a:xfrm>
             <a:custGeom>
@@ -23881,7 +23881,7 @@
           </p:nvSpPr>
           <p:spPr>
             <a:xfrm>
-              <a:off x="4703814" y="5981671"/>
+              <a:off x="4961235" y="5981673"/>
               <a:ext cx="63202" cy="63202"/>
             </a:xfrm>
             <a:custGeom>
@@ -23924,7 +23924,7 @@
           </p:nvSpPr>
           <p:spPr>
             <a:xfrm>
-              <a:off x="5020483" y="6248563"/>
+              <a:off x="4868116" y="6248413"/>
               <a:ext cx="63202" cy="63202"/>
             </a:xfrm>
             <a:custGeom>
@@ -23967,7 +23967,7 @@
           </p:nvSpPr>
           <p:spPr>
             <a:xfrm>
-              <a:off x="5076958" y="6002803"/>
+              <a:off x="4529050" y="6002794"/>
               <a:ext cx="63202" cy="63202"/>
             </a:xfrm>
             <a:custGeom>
@@ -24010,7 +24010,7 @@
           </p:nvSpPr>
           <p:spPr>
             <a:xfrm>
-              <a:off x="4861027" y="6001976"/>
+              <a:off x="4605469" y="6001908"/>
               <a:ext cx="63202" cy="63202"/>
             </a:xfrm>
             <a:custGeom>
@@ -24053,7 +24053,7 @@
           </p:nvSpPr>
           <p:spPr>
             <a:xfrm>
-              <a:off x="4504562" y="6001288"/>
+              <a:off x="4503959" y="6001393"/>
               <a:ext cx="63202" cy="63202"/>
             </a:xfrm>
             <a:custGeom>
@@ -24096,7 +24096,7 @@
           </p:nvSpPr>
           <p:spPr>
             <a:xfrm>
-              <a:off x="4447097" y="6026637"/>
+              <a:off x="4764554" y="6026678"/>
               <a:ext cx="63202" cy="63202"/>
             </a:xfrm>
             <a:custGeom>
@@ -24139,7 +24139,7 @@
           </p:nvSpPr>
           <p:spPr>
             <a:xfrm>
-              <a:off x="5053746" y="6032055"/>
+              <a:off x="4488922" y="6032182"/>
               <a:ext cx="63202" cy="63202"/>
             </a:xfrm>
             <a:custGeom>
@@ -24182,7 +24182,7 @@
           </p:nvSpPr>
           <p:spPr>
             <a:xfrm>
-              <a:off x="4740891" y="5972447"/>
+              <a:off x="4798072" y="5972500"/>
               <a:ext cx="63202" cy="63202"/>
             </a:xfrm>
             <a:custGeom>
@@ -24225,7 +24225,7 @@
           </p:nvSpPr>
           <p:spPr>
             <a:xfrm>
-              <a:off x="4627010" y="6002436"/>
+              <a:off x="4590105" y="6002445"/>
               <a:ext cx="63202" cy="63202"/>
             </a:xfrm>
             <a:custGeom>
@@ -24268,7 +24268,7 @@
           </p:nvSpPr>
           <p:spPr>
             <a:xfrm>
-              <a:off x="5028144" y="6002438"/>
+              <a:off x="4957393" y="6002313"/>
               <a:ext cx="63202" cy="63202"/>
             </a:xfrm>
             <a:custGeom>
@@ -24311,7 +24311,7 @@
           </p:nvSpPr>
           <p:spPr>
             <a:xfrm>
-              <a:off x="4748365" y="5984759"/>
+              <a:off x="4493023" y="5984628"/>
               <a:ext cx="63202" cy="63202"/>
             </a:xfrm>
             <a:custGeom>
@@ -24354,7 +24354,7 @@
           </p:nvSpPr>
           <p:spPr>
             <a:xfrm>
-              <a:off x="4568202" y="5995081"/>
+              <a:off x="4647363" y="5994972"/>
               <a:ext cx="63202" cy="63202"/>
             </a:xfrm>
             <a:custGeom>
@@ -24397,7 +24397,7 @@
           </p:nvSpPr>
           <p:spPr>
             <a:xfrm>
-              <a:off x="5019032" y="5982332"/>
+              <a:off x="4706217" y="5982365"/>
               <a:ext cx="63202" cy="63202"/>
             </a:xfrm>
             <a:custGeom>
@@ -24440,7 +24440,7 @@
           </p:nvSpPr>
           <p:spPr>
             <a:xfrm>
-              <a:off x="4776740" y="5969953"/>
+              <a:off x="5019723" y="5969945"/>
               <a:ext cx="63202" cy="63202"/>
             </a:xfrm>
             <a:custGeom>
@@ -24483,7 +24483,7 @@
           </p:nvSpPr>
           <p:spPr>
             <a:xfrm>
-              <a:off x="4910351" y="5989810"/>
+              <a:off x="4685600" y="5989692"/>
               <a:ext cx="63202" cy="63202"/>
             </a:xfrm>
             <a:custGeom>
@@ -24526,7 +24526,7 @@
           </p:nvSpPr>
           <p:spPr>
             <a:xfrm>
-              <a:off x="4819564" y="6004456"/>
+              <a:off x="4826006" y="6004440"/>
               <a:ext cx="63202" cy="63202"/>
             </a:xfrm>
             <a:custGeom>
@@ -24569,7 +24569,7 @@
           </p:nvSpPr>
           <p:spPr>
             <a:xfrm>
-              <a:off x="5111590" y="6226823"/>
+              <a:off x="4466077" y="6226835"/>
               <a:ext cx="63202" cy="63202"/>
             </a:xfrm>
             <a:custGeom>
@@ -24612,7 +24612,7 @@
           </p:nvSpPr>
           <p:spPr>
             <a:xfrm>
-              <a:off x="4766978" y="6051122"/>
+              <a:off x="4747709" y="6051049"/>
               <a:ext cx="63202" cy="63202"/>
             </a:xfrm>
             <a:custGeom>
@@ -24655,7 +24655,7 @@
           </p:nvSpPr>
           <p:spPr>
             <a:xfrm>
-              <a:off x="4740522" y="6000951"/>
+              <a:off x="4457383" y="6000965"/>
               <a:ext cx="63202" cy="63202"/>
             </a:xfrm>
             <a:custGeom>
@@ -24698,7 +24698,7 @@
           </p:nvSpPr>
           <p:spPr>
             <a:xfrm>
-              <a:off x="5117052" y="6034641"/>
+              <a:off x="4702854" y="6034642"/>
               <a:ext cx="63202" cy="63202"/>
             </a:xfrm>
             <a:custGeom>
@@ -24741,7 +24741,7 @@
           </p:nvSpPr>
           <p:spPr>
             <a:xfrm>
-              <a:off x="4627574" y="5966398"/>
+              <a:off x="4461044" y="5966344"/>
               <a:ext cx="63202" cy="63202"/>
             </a:xfrm>
             <a:custGeom>
@@ -24784,7 +24784,7 @@
           </p:nvSpPr>
           <p:spPr>
             <a:xfrm>
-              <a:off x="4944822" y="5969857"/>
+              <a:off x="4891610" y="5969924"/>
               <a:ext cx="63202" cy="63202"/>
             </a:xfrm>
             <a:custGeom>
@@ -24827,7 +24827,7 @@
           </p:nvSpPr>
           <p:spPr>
             <a:xfrm>
-              <a:off x="4451181" y="6277015"/>
+              <a:off x="4619147" y="6276928"/>
               <a:ext cx="63202" cy="63202"/>
             </a:xfrm>
             <a:custGeom>
@@ -24870,7 +24870,7 @@
           </p:nvSpPr>
           <p:spPr>
             <a:xfrm>
-              <a:off x="4889773" y="5981045"/>
+              <a:off x="4686385" y="5981135"/>
               <a:ext cx="63202" cy="63202"/>
             </a:xfrm>
             <a:custGeom>
@@ -24913,7 +24913,7 @@
           </p:nvSpPr>
           <p:spPr>
             <a:xfrm>
-              <a:off x="5026741" y="6124006"/>
+              <a:off x="4516792" y="6124071"/>
               <a:ext cx="63202" cy="63202"/>
             </a:xfrm>
             <a:custGeom>
@@ -24956,7 +24956,7 @@
           </p:nvSpPr>
           <p:spPr>
             <a:xfrm>
-              <a:off x="4909764" y="5992037"/>
+              <a:off x="4856366" y="5992046"/>
               <a:ext cx="63202" cy="63202"/>
             </a:xfrm>
             <a:custGeom>
@@ -24999,7 +24999,7 @@
           </p:nvSpPr>
           <p:spPr>
             <a:xfrm>
-              <a:off x="5011987" y="5996563"/>
+              <a:off x="4780194" y="5996446"/>
               <a:ext cx="63202" cy="63202"/>
             </a:xfrm>
             <a:custGeom>
@@ -25042,7 +25042,7 @@
           </p:nvSpPr>
           <p:spPr>
             <a:xfrm>
-              <a:off x="5066150" y="5989114"/>
+              <a:off x="4997868" y="5989124"/>
               <a:ext cx="63202" cy="63202"/>
             </a:xfrm>
             <a:custGeom>
@@ -25085,7 +25085,7 @@
           </p:nvSpPr>
           <p:spPr>
             <a:xfrm>
-              <a:off x="4554047" y="5982558"/>
+              <a:off x="4477063" y="5982564"/>
               <a:ext cx="63202" cy="63202"/>
             </a:xfrm>
             <a:custGeom>
@@ -25128,7 +25128,7 @@
           </p:nvSpPr>
           <p:spPr>
             <a:xfrm>
-              <a:off x="4776078" y="5998313"/>
+              <a:off x="4829521" y="5998418"/>
               <a:ext cx="63202" cy="63202"/>
             </a:xfrm>
             <a:custGeom>
@@ -25171,7 +25171,7 @@
           </p:nvSpPr>
           <p:spPr>
             <a:xfrm>
-              <a:off x="4754755" y="5981041"/>
+              <a:off x="4832030" y="5981110"/>
               <a:ext cx="63202" cy="63202"/>
             </a:xfrm>
             <a:custGeom>
@@ -25214,7 +25214,7 @@
           </p:nvSpPr>
           <p:spPr>
             <a:xfrm>
-              <a:off x="4708046" y="6000631"/>
+              <a:off x="4465219" y="6000646"/>
               <a:ext cx="63202" cy="63202"/>
             </a:xfrm>
             <a:custGeom>
@@ -25257,7 +25257,7 @@
           </p:nvSpPr>
           <p:spPr>
             <a:xfrm>
-              <a:off x="5045402" y="6005780"/>
+              <a:off x="5039841" y="6005785"/>
               <a:ext cx="63202" cy="63202"/>
             </a:xfrm>
             <a:custGeom>
@@ -25300,7 +25300,7 @@
           </p:nvSpPr>
           <p:spPr>
             <a:xfrm>
-              <a:off x="6208894" y="6757323"/>
+              <a:off x="6638422" y="6757420"/>
               <a:ext cx="63202" cy="63202"/>
             </a:xfrm>
             <a:custGeom>
@@ -25343,7 +25343,7 @@
           </p:nvSpPr>
           <p:spPr>
             <a:xfrm>
-              <a:off x="4912054" y="5973315"/>
+              <a:off x="4909126" y="5973282"/>
               <a:ext cx="63202" cy="63202"/>
             </a:xfrm>
             <a:custGeom>
@@ -25386,7 +25386,7 @@
           </p:nvSpPr>
           <p:spPr>
             <a:xfrm>
-              <a:off x="5443773" y="6596170"/>
+              <a:off x="5965563" y="6596216"/>
               <a:ext cx="63202" cy="63202"/>
             </a:xfrm>
             <a:custGeom>
@@ -25429,7 +25429,7 @@
           </p:nvSpPr>
           <p:spPr>
             <a:xfrm>
-              <a:off x="4547787" y="5973952"/>
+              <a:off x="4762153" y="5973833"/>
               <a:ext cx="63202" cy="63202"/>
             </a:xfrm>
             <a:custGeom>
@@ -25472,7 +25472,7 @@
           </p:nvSpPr>
           <p:spPr>
             <a:xfrm>
-              <a:off x="4576890" y="6253531"/>
+              <a:off x="4720914" y="6253510"/>
               <a:ext cx="63202" cy="63202"/>
             </a:xfrm>
             <a:custGeom>
@@ -25515,7 +25515,7 @@
           </p:nvSpPr>
           <p:spPr>
             <a:xfrm>
-              <a:off x="4562961" y="5988439"/>
+              <a:off x="4831957" y="5988547"/>
               <a:ext cx="63202" cy="63202"/>
             </a:xfrm>
             <a:custGeom>
@@ -25558,7 +25558,7 @@
           </p:nvSpPr>
           <p:spPr>
             <a:xfrm>
-              <a:off x="4552368" y="6062125"/>
+              <a:off x="5102022" y="6062121"/>
               <a:ext cx="63202" cy="63202"/>
             </a:xfrm>
             <a:custGeom>
@@ -25601,7 +25601,7 @@
           </p:nvSpPr>
           <p:spPr>
             <a:xfrm>
-              <a:off x="5055291" y="5988517"/>
+              <a:off x="4888986" y="5988384"/>
               <a:ext cx="63202" cy="63202"/>
             </a:xfrm>
             <a:custGeom>
@@ -25644,7 +25644,7 @@
           </p:nvSpPr>
           <p:spPr>
             <a:xfrm>
-              <a:off x="4827175" y="5991791"/>
+              <a:off x="4978174" y="5991890"/>
               <a:ext cx="63202" cy="63202"/>
             </a:xfrm>
             <a:custGeom>
@@ -25687,7 +25687,7 @@
           </p:nvSpPr>
           <p:spPr>
             <a:xfrm>
-              <a:off x="5078702" y="6017750"/>
+              <a:off x="4994542" y="6017810"/>
               <a:ext cx="63202" cy="63202"/>
             </a:xfrm>
             <a:custGeom>
@@ -25730,7 +25730,7 @@
           </p:nvSpPr>
           <p:spPr>
             <a:xfrm>
-              <a:off x="4756482" y="5997977"/>
+              <a:off x="4742421" y="5997875"/>
               <a:ext cx="63202" cy="63202"/>
             </a:xfrm>
             <a:custGeom>
@@ -25773,7 +25773,7 @@
           </p:nvSpPr>
           <p:spPr>
             <a:xfrm>
-              <a:off x="5099391" y="5983906"/>
+              <a:off x="4529968" y="5983855"/>
               <a:ext cx="63202" cy="63202"/>
             </a:xfrm>
             <a:custGeom>
@@ -25816,7 +25816,7 @@
           </p:nvSpPr>
           <p:spPr>
             <a:xfrm>
-              <a:off x="4437009" y="5984955"/>
+              <a:off x="4609002" y="5984834"/>
               <a:ext cx="63202" cy="63202"/>
             </a:xfrm>
             <a:custGeom>
@@ -25859,7 +25859,7 @@
           </p:nvSpPr>
           <p:spPr>
             <a:xfrm>
-              <a:off x="4669819" y="6144036"/>
+              <a:off x="5034722" y="6144024"/>
               <a:ext cx="63202" cy="63202"/>
             </a:xfrm>
             <a:custGeom>
@@ -25902,7 +25902,7 @@
           </p:nvSpPr>
           <p:spPr>
             <a:xfrm>
-              <a:off x="5012335" y="5974725"/>
+              <a:off x="5069190" y="5974808"/>
               <a:ext cx="63202" cy="63202"/>
             </a:xfrm>
             <a:custGeom>
@@ -25945,7 +25945,7 @@
           </p:nvSpPr>
           <p:spPr>
             <a:xfrm>
-              <a:off x="4944497" y="5979347"/>
+              <a:off x="4441886" y="5979370"/>
               <a:ext cx="63202" cy="63202"/>
             </a:xfrm>
             <a:custGeom>
@@ -25988,7 +25988,7 @@
           </p:nvSpPr>
           <p:spPr>
             <a:xfrm>
-              <a:off x="4958910" y="6001908"/>
+              <a:off x="4791978" y="6001930"/>
               <a:ext cx="63202" cy="63202"/>
             </a:xfrm>
             <a:custGeom>
@@ -26031,7 +26031,7 @@
           </p:nvSpPr>
           <p:spPr>
             <a:xfrm>
-              <a:off x="4929646" y="5980674"/>
+              <a:off x="4533188" y="5980679"/>
               <a:ext cx="63202" cy="63202"/>
             </a:xfrm>
             <a:custGeom>
@@ -26074,7 +26074,7 @@
           </p:nvSpPr>
           <p:spPr>
             <a:xfrm>
-              <a:off x="5094052" y="5981974"/>
+              <a:off x="5118899" y="5981916"/>
               <a:ext cx="63202" cy="63202"/>
             </a:xfrm>
             <a:custGeom>
@@ -26117,7 +26117,7 @@
           </p:nvSpPr>
           <p:spPr>
             <a:xfrm>
-              <a:off x="4826875" y="5978001"/>
+              <a:off x="4847057" y="5977947"/>
               <a:ext cx="63202" cy="63202"/>
             </a:xfrm>
             <a:custGeom>
@@ -26160,7 +26160,7 @@
           </p:nvSpPr>
           <p:spPr>
             <a:xfrm>
-              <a:off x="5770184" y="6443111"/>
+              <a:off x="5714688" y="6443216"/>
               <a:ext cx="63202" cy="63202"/>
             </a:xfrm>
             <a:custGeom>
@@ -26203,7 +26203,7 @@
           </p:nvSpPr>
           <p:spPr>
             <a:xfrm>
-              <a:off x="4932182" y="6034285"/>
+              <a:off x="5113895" y="6034159"/>
               <a:ext cx="63202" cy="63202"/>
             </a:xfrm>
             <a:custGeom>
@@ -26246,7 +26246,7 @@
           </p:nvSpPr>
           <p:spPr>
             <a:xfrm>
-              <a:off x="4934183" y="6002679"/>
+              <a:off x="4618530" y="6002652"/>
               <a:ext cx="63202" cy="63202"/>
             </a:xfrm>
             <a:custGeom>
@@ -26289,7 +26289,7 @@
           </p:nvSpPr>
           <p:spPr>
             <a:xfrm>
-              <a:off x="4920181" y="5982424"/>
+              <a:off x="5036983" y="5982344"/>
               <a:ext cx="63202" cy="63202"/>
             </a:xfrm>
             <a:custGeom>
@@ -26332,7 +26332,7 @@
           </p:nvSpPr>
           <p:spPr>
             <a:xfrm>
-              <a:off x="4869553" y="5986228"/>
+              <a:off x="4460046" y="5986105"/>
               <a:ext cx="63202" cy="63202"/>
             </a:xfrm>
             <a:custGeom>
@@ -26375,7 +26375,7 @@
           </p:nvSpPr>
           <p:spPr>
             <a:xfrm>
-              <a:off x="4566760" y="5968620"/>
+              <a:off x="4692891" y="5968710"/>
               <a:ext cx="63202" cy="63202"/>
             </a:xfrm>
             <a:custGeom>
@@ -26418,7 +26418,7 @@
           </p:nvSpPr>
           <p:spPr>
             <a:xfrm>
-              <a:off x="4548707" y="5981721"/>
+              <a:off x="4604675" y="5981717"/>
               <a:ext cx="63202" cy="63202"/>
             </a:xfrm>
             <a:custGeom>
@@ -26461,7 +26461,7 @@
           </p:nvSpPr>
           <p:spPr>
             <a:xfrm>
-              <a:off x="4513047" y="5981706"/>
+              <a:off x="5021186" y="5981765"/>
               <a:ext cx="63202" cy="63202"/>
             </a:xfrm>
             <a:custGeom>
@@ -26504,7 +26504,7 @@
           </p:nvSpPr>
           <p:spPr>
             <a:xfrm>
-              <a:off x="5108846" y="5982323"/>
+              <a:off x="4782249" y="5982407"/>
               <a:ext cx="63202" cy="63202"/>
             </a:xfrm>
             <a:custGeom>
@@ -26547,7 +26547,7 @@
           </p:nvSpPr>
           <p:spPr>
             <a:xfrm>
-              <a:off x="4654546" y="6036727"/>
+              <a:off x="4608747" y="6036751"/>
               <a:ext cx="63202" cy="63202"/>
             </a:xfrm>
             <a:custGeom>
@@ -26590,7 +26590,7 @@
           </p:nvSpPr>
           <p:spPr>
             <a:xfrm>
-              <a:off x="4715280" y="6036782"/>
+              <a:off x="4563772" y="6036696"/>
               <a:ext cx="63202" cy="63202"/>
             </a:xfrm>
             <a:custGeom>
@@ -26633,7 +26633,7 @@
           </p:nvSpPr>
           <p:spPr>
             <a:xfrm>
-              <a:off x="4876674" y="5988702"/>
+              <a:off x="5009346" y="5988695"/>
               <a:ext cx="63202" cy="63202"/>
             </a:xfrm>
             <a:custGeom>
@@ -26676,7 +26676,7 @@
           </p:nvSpPr>
           <p:spPr>
             <a:xfrm>
-              <a:off x="4653304" y="5979754"/>
+              <a:off x="4831305" y="5979895"/>
               <a:ext cx="63202" cy="63202"/>
             </a:xfrm>
             <a:custGeom>
@@ -26719,7 +26719,7 @@
           </p:nvSpPr>
           <p:spPr>
             <a:xfrm>
-              <a:off x="5676646" y="6405204"/>
+              <a:off x="5543459" y="6405234"/>
               <a:ext cx="63202" cy="63202"/>
             </a:xfrm>
             <a:custGeom>
@@ -26762,7 +26762,7 @@
           </p:nvSpPr>
           <p:spPr>
             <a:xfrm>
-              <a:off x="5033475" y="6000535"/>
+              <a:off x="4689110" y="6000478"/>
               <a:ext cx="63202" cy="63202"/>
             </a:xfrm>
             <a:custGeom>
@@ -26805,7 +26805,7 @@
           </p:nvSpPr>
           <p:spPr>
             <a:xfrm>
-              <a:off x="4601592" y="5976184"/>
+              <a:off x="4530051" y="5976163"/>
               <a:ext cx="63202" cy="63202"/>
             </a:xfrm>
             <a:custGeom>
@@ -26848,7 +26848,7 @@
           </p:nvSpPr>
           <p:spPr>
             <a:xfrm>
-              <a:off x="4733258" y="5970526"/>
+              <a:off x="4862346" y="5970476"/>
               <a:ext cx="63202" cy="63202"/>
             </a:xfrm>
             <a:custGeom>
@@ -26891,7 +26891,7 @@
           </p:nvSpPr>
           <p:spPr>
             <a:xfrm>
-              <a:off x="4628177" y="6018277"/>
+              <a:off x="4655697" y="6018265"/>
               <a:ext cx="63202" cy="63202"/>
             </a:xfrm>
             <a:custGeom>
@@ -26934,7 +26934,7 @@
           </p:nvSpPr>
           <p:spPr>
             <a:xfrm>
-              <a:off x="4823122" y="5999008"/>
+              <a:off x="4523474" y="5999050"/>
               <a:ext cx="63202" cy="63202"/>
             </a:xfrm>
             <a:custGeom>
@@ -26977,7 +26977,7 @@
           </p:nvSpPr>
           <p:spPr>
             <a:xfrm>
-              <a:off x="4708884" y="5972280"/>
+              <a:off x="4832473" y="5972156"/>
               <a:ext cx="63202" cy="63202"/>
             </a:xfrm>
             <a:custGeom>
@@ -27020,7 +27020,7 @@
           </p:nvSpPr>
           <p:spPr>
             <a:xfrm>
-              <a:off x="4848006" y="5972451"/>
+              <a:off x="4849233" y="5972504"/>
               <a:ext cx="63202" cy="63202"/>
             </a:xfrm>
             <a:custGeom>
@@ -27063,7 +27063,7 @@
           </p:nvSpPr>
           <p:spPr>
             <a:xfrm>
-              <a:off x="4735387" y="5969638"/>
+              <a:off x="4688728" y="5969731"/>
               <a:ext cx="63202" cy="63202"/>
             </a:xfrm>
             <a:custGeom>
@@ -27106,7 +27106,7 @@
           </p:nvSpPr>
           <p:spPr>
             <a:xfrm>
-              <a:off x="4590092" y="5970541"/>
+              <a:off x="4455332" y="5970568"/>
               <a:ext cx="63202" cy="63202"/>
             </a:xfrm>
             <a:custGeom>
@@ -27149,7 +27149,7 @@
           </p:nvSpPr>
           <p:spPr>
             <a:xfrm>
-              <a:off x="5039446" y="5968455"/>
+              <a:off x="4862575" y="5968409"/>
               <a:ext cx="63202" cy="63202"/>
             </a:xfrm>
             <a:custGeom>
@@ -27192,7 +27192,7 @@
           </p:nvSpPr>
           <p:spPr>
             <a:xfrm>
-              <a:off x="4741161" y="6017177"/>
+              <a:off x="4517797" y="6017090"/>
               <a:ext cx="63202" cy="63202"/>
             </a:xfrm>
             <a:custGeom>
@@ -27235,7 +27235,7 @@
           </p:nvSpPr>
           <p:spPr>
             <a:xfrm>
-              <a:off x="4636650" y="6043359"/>
+              <a:off x="4659079" y="6043295"/>
               <a:ext cx="63202" cy="63202"/>
             </a:xfrm>
             <a:custGeom>
@@ -27278,7 +27278,7 @@
           </p:nvSpPr>
           <p:spPr>
             <a:xfrm>
-              <a:off x="4901651" y="5978176"/>
+              <a:off x="4520011" y="5978107"/>
               <a:ext cx="63202" cy="63202"/>
             </a:xfrm>
             <a:custGeom>
@@ -27321,7 +27321,7 @@
           </p:nvSpPr>
           <p:spPr>
             <a:xfrm>
-              <a:off x="4489189" y="5979332"/>
+              <a:off x="4531428" y="5979383"/>
               <a:ext cx="63202" cy="63202"/>
             </a:xfrm>
             <a:custGeom>
@@ -27364,7 +27364,7 @@
           </p:nvSpPr>
           <p:spPr>
             <a:xfrm>
-              <a:off x="4676400" y="5986387"/>
+              <a:off x="4644884" y="5986340"/>
               <a:ext cx="63202" cy="63202"/>
             </a:xfrm>
             <a:custGeom>
@@ -27407,7 +27407,7 @@
           </p:nvSpPr>
           <p:spPr>
             <a:xfrm>
-              <a:off x="4946023" y="5972735"/>
+              <a:off x="4725341" y="5972666"/>
               <a:ext cx="63202" cy="63202"/>
             </a:xfrm>
             <a:custGeom>
@@ -27450,7 +27450,7 @@
           </p:nvSpPr>
           <p:spPr>
             <a:xfrm>
-              <a:off x="4725582" y="5967431"/>
+              <a:off x="4710873" y="5967402"/>
               <a:ext cx="63202" cy="63202"/>
             </a:xfrm>
             <a:custGeom>
@@ -27493,7 +27493,7 @@
           </p:nvSpPr>
           <p:spPr>
             <a:xfrm>
-              <a:off x="4714652" y="5974090"/>
+              <a:off x="5054068" y="5974084"/>
               <a:ext cx="63202" cy="63202"/>
             </a:xfrm>
             <a:custGeom>
@@ -27536,7 +27536,7 @@
           </p:nvSpPr>
           <p:spPr>
             <a:xfrm>
-              <a:off x="4847516" y="5986206"/>
+              <a:off x="4657471" y="5986174"/>
               <a:ext cx="63202" cy="63202"/>
             </a:xfrm>
             <a:custGeom>
@@ -27579,7 +27579,7 @@
           </p:nvSpPr>
           <p:spPr>
             <a:xfrm>
-              <a:off x="4433600" y="5979668"/>
+              <a:off x="5086987" y="5979650"/>
               <a:ext cx="63202" cy="63202"/>
             </a:xfrm>
             <a:custGeom>
@@ -27622,7 +27622,7 @@
           </p:nvSpPr>
           <p:spPr>
             <a:xfrm>
-              <a:off x="4805271" y="5983137"/>
+              <a:off x="5116910" y="5983185"/>
               <a:ext cx="63202" cy="63202"/>
             </a:xfrm>
             <a:custGeom>
@@ -27665,7 +27665,7 @@
           </p:nvSpPr>
           <p:spPr>
             <a:xfrm>
-              <a:off x="5021091" y="5976222"/>
+              <a:off x="4626652" y="5976189"/>
               <a:ext cx="63202" cy="63202"/>
             </a:xfrm>
             <a:custGeom>
@@ -27708,7 +27708,7 @@
           </p:nvSpPr>
           <p:spPr>
             <a:xfrm>
-              <a:off x="4665228" y="5979214"/>
+              <a:off x="4851954" y="5979132"/>
               <a:ext cx="63202" cy="63202"/>
             </a:xfrm>
             <a:custGeom>
@@ -27751,7 +27751,7 @@
           </p:nvSpPr>
           <p:spPr>
             <a:xfrm>
-              <a:off x="4562487" y="5986728"/>
+              <a:off x="4749140" y="5986730"/>
               <a:ext cx="63202" cy="63202"/>
             </a:xfrm>
             <a:custGeom>
@@ -27794,7 +27794,7 @@
           </p:nvSpPr>
           <p:spPr>
             <a:xfrm>
-              <a:off x="5567992" y="6564608"/>
+              <a:off x="5643150" y="6564664"/>
               <a:ext cx="63202" cy="63202"/>
             </a:xfrm>
             <a:custGeom>
@@ -27837,7 +27837,7 @@
           </p:nvSpPr>
           <p:spPr>
             <a:xfrm>
-              <a:off x="4848965" y="5987483"/>
+              <a:off x="4807406" y="5987406"/>
               <a:ext cx="63202" cy="63202"/>
             </a:xfrm>
             <a:custGeom>
@@ -27880,7 +27880,7 @@
           </p:nvSpPr>
           <p:spPr>
             <a:xfrm>
-              <a:off x="4783610" y="6019818"/>
+              <a:off x="4474257" y="6019895"/>
               <a:ext cx="63202" cy="63202"/>
             </a:xfrm>
             <a:custGeom>
@@ -27923,7 +27923,7 @@
           </p:nvSpPr>
           <p:spPr>
             <a:xfrm>
-              <a:off x="4867364" y="5983179"/>
+              <a:off x="4793727" y="5983208"/>
               <a:ext cx="63202" cy="63202"/>
             </a:xfrm>
             <a:custGeom>
@@ -27966,7 +27966,7 @@
           </p:nvSpPr>
           <p:spPr>
             <a:xfrm>
-              <a:off x="4572533" y="6007622"/>
+              <a:off x="4886380" y="6007701"/>
               <a:ext cx="63202" cy="63202"/>
             </a:xfrm>
             <a:custGeom>
@@ -28009,7 +28009,7 @@
           </p:nvSpPr>
           <p:spPr>
             <a:xfrm>
-              <a:off x="4928963" y="6003004"/>
+              <a:off x="4582696" y="6003078"/>
               <a:ext cx="63202" cy="63202"/>
             </a:xfrm>
             <a:custGeom>
@@ -28052,7 +28052,7 @@
           </p:nvSpPr>
           <p:spPr>
             <a:xfrm>
-              <a:off x="6656343" y="6474502"/>
+              <a:off x="6570815" y="6474575"/>
               <a:ext cx="63202" cy="63202"/>
             </a:xfrm>
             <a:custGeom>
@@ -28095,7 +28095,7 @@
           </p:nvSpPr>
           <p:spPr>
             <a:xfrm>
-              <a:off x="4531992" y="5981527"/>
+              <a:off x="4734403" y="5981580"/>
               <a:ext cx="63202" cy="63202"/>
             </a:xfrm>
             <a:custGeom>
@@ -28138,7 +28138,7 @@
           </p:nvSpPr>
           <p:spPr>
             <a:xfrm>
-              <a:off x="4639855" y="5990087"/>
+              <a:off x="5035819" y="5990085"/>
               <a:ext cx="63202" cy="63202"/>
             </a:xfrm>
             <a:custGeom>
@@ -28181,7 +28181,7 @@
           </p:nvSpPr>
           <p:spPr>
             <a:xfrm>
-              <a:off x="4497058" y="6212848"/>
+              <a:off x="4442987" y="6212845"/>
               <a:ext cx="63202" cy="63202"/>
             </a:xfrm>
             <a:custGeom>
@@ -28224,7 +28224,7 @@
           </p:nvSpPr>
           <p:spPr>
             <a:xfrm>
-              <a:off x="4781090" y="5977006"/>
+              <a:off x="4496541" y="5977162"/>
               <a:ext cx="63202" cy="63202"/>
             </a:xfrm>
             <a:custGeom>
@@ -28267,7 +28267,7 @@
           </p:nvSpPr>
           <p:spPr>
             <a:xfrm>
-              <a:off x="4917079" y="6008734"/>
+              <a:off x="4485343" y="6008646"/>
               <a:ext cx="63202" cy="63202"/>
             </a:xfrm>
             <a:custGeom>
@@ -28310,7 +28310,7 @@
           </p:nvSpPr>
           <p:spPr>
             <a:xfrm>
-              <a:off x="4966077" y="5985954"/>
+              <a:off x="5090388" y="5985866"/>
               <a:ext cx="63202" cy="63202"/>
             </a:xfrm>
             <a:custGeom>
@@ -28353,7 +28353,7 @@
           </p:nvSpPr>
           <p:spPr>
             <a:xfrm>
-              <a:off x="4810923" y="5978195"/>
+              <a:off x="4698733" y="5978139"/>
               <a:ext cx="63202" cy="63202"/>
             </a:xfrm>
             <a:custGeom>
@@ -28396,7 +28396,7 @@
           </p:nvSpPr>
           <p:spPr>
             <a:xfrm>
-              <a:off x="5115297" y="6001492"/>
+              <a:off x="4898972" y="6001507"/>
               <a:ext cx="63202" cy="63202"/>
             </a:xfrm>
             <a:custGeom>
@@ -28439,7 +28439,7 @@
           </p:nvSpPr>
           <p:spPr>
             <a:xfrm>
-              <a:off x="5049159" y="5991295"/>
+              <a:off x="4932975" y="5991219"/>
               <a:ext cx="63202" cy="63202"/>
             </a:xfrm>
             <a:custGeom>
@@ -28482,7 +28482,7 @@
           </p:nvSpPr>
           <p:spPr>
             <a:xfrm>
-              <a:off x="4993786" y="5977472"/>
+              <a:off x="4790006" y="5977497"/>
               <a:ext cx="63202" cy="63202"/>
             </a:xfrm>
             <a:custGeom>
@@ -28525,7 +28525,7 @@
           </p:nvSpPr>
           <p:spPr>
             <a:xfrm>
-              <a:off x="4982278" y="5983170"/>
+              <a:off x="4716650" y="5983267"/>
               <a:ext cx="63202" cy="63202"/>
             </a:xfrm>
             <a:custGeom>
@@ -28568,7 +28568,7 @@
           </p:nvSpPr>
           <p:spPr>
             <a:xfrm>
-              <a:off x="5091165" y="5981795"/>
+              <a:off x="4656324" y="5981798"/>
               <a:ext cx="63202" cy="63202"/>
             </a:xfrm>
             <a:custGeom>
@@ -28611,7 +28611,7 @@
           </p:nvSpPr>
           <p:spPr>
             <a:xfrm>
-              <a:off x="4731800" y="6026882"/>
+              <a:off x="4642808" y="6026809"/>
               <a:ext cx="63202" cy="63202"/>
             </a:xfrm>
             <a:custGeom>
@@ -28654,7 +28654,7 @@
           </p:nvSpPr>
           <p:spPr>
             <a:xfrm>
-              <a:off x="4461176" y="6006563"/>
+              <a:off x="4860796" y="6006682"/>
               <a:ext cx="63202" cy="63202"/>
             </a:xfrm>
             <a:custGeom>
@@ -28697,7 +28697,7 @@
           </p:nvSpPr>
           <p:spPr>
             <a:xfrm>
-              <a:off x="5083884" y="5998167"/>
+              <a:off x="4435405" y="5998224"/>
               <a:ext cx="63202" cy="63202"/>
             </a:xfrm>
             <a:custGeom>
@@ -28740,7 +28740,7 @@
           </p:nvSpPr>
           <p:spPr>
             <a:xfrm>
-              <a:off x="4553617" y="5973850"/>
+              <a:off x="4977730" y="5973920"/>
               <a:ext cx="63202" cy="63202"/>
             </a:xfrm>
             <a:custGeom>
@@ -28783,7 +28783,7 @@
           </p:nvSpPr>
           <p:spPr>
             <a:xfrm>
-              <a:off x="4864005" y="5973931"/>
+              <a:off x="4829115" y="5973942"/>
               <a:ext cx="63202" cy="63202"/>
             </a:xfrm>
             <a:custGeom>
@@ -28826,7 +28826,7 @@
           </p:nvSpPr>
           <p:spPr>
             <a:xfrm>
-              <a:off x="4464312" y="5975864"/>
+              <a:off x="4799625" y="5975829"/>
               <a:ext cx="63202" cy="63202"/>
             </a:xfrm>
             <a:custGeom>
@@ -28869,7 +28869,7 @@
           </p:nvSpPr>
           <p:spPr>
             <a:xfrm>
-              <a:off x="4550143" y="5975473"/>
+              <a:off x="4872181" y="5975468"/>
               <a:ext cx="63202" cy="63202"/>
             </a:xfrm>
             <a:custGeom>
@@ -28912,7 +28912,7 @@
           </p:nvSpPr>
           <p:spPr>
             <a:xfrm>
-              <a:off x="4977799" y="5974549"/>
+              <a:off x="4651375" y="5974630"/>
               <a:ext cx="63202" cy="63202"/>
             </a:xfrm>
             <a:custGeom>
@@ -28955,7 +28955,7 @@
           </p:nvSpPr>
           <p:spPr>
             <a:xfrm>
-              <a:off x="5042776" y="5963309"/>
+              <a:off x="4736132" y="5963402"/>
               <a:ext cx="63202" cy="63202"/>
             </a:xfrm>
             <a:custGeom>
@@ -28998,7 +28998,7 @@
           </p:nvSpPr>
           <p:spPr>
             <a:xfrm>
-              <a:off x="4541648" y="6005740"/>
+              <a:off x="4622605" y="6005706"/>
               <a:ext cx="63202" cy="63202"/>
             </a:xfrm>
             <a:custGeom>
@@ -29041,7 +29041,7 @@
           </p:nvSpPr>
           <p:spPr>
             <a:xfrm>
-              <a:off x="4578333" y="6015934"/>
+              <a:off x="4584313" y="6015951"/>
               <a:ext cx="63202" cy="63202"/>
             </a:xfrm>
             <a:custGeom>
@@ -29084,7 +29084,7 @@
           </p:nvSpPr>
           <p:spPr>
             <a:xfrm>
-              <a:off x="4852666" y="5989598"/>
+              <a:off x="4814135" y="5989533"/>
               <a:ext cx="63202" cy="63202"/>
             </a:xfrm>
             <a:custGeom>
@@ -29127,7 +29127,7 @@
           </p:nvSpPr>
           <p:spPr>
             <a:xfrm>
-              <a:off x="4600110" y="6003685"/>
+              <a:off x="4472413" y="6003600"/>
               <a:ext cx="63202" cy="63202"/>
             </a:xfrm>
             <a:custGeom>
@@ -29170,7 +29170,7 @@
           </p:nvSpPr>
           <p:spPr>
             <a:xfrm>
-              <a:off x="4443293" y="6007458"/>
+              <a:off x="4887890" y="6007428"/>
               <a:ext cx="63202" cy="63202"/>
             </a:xfrm>
             <a:custGeom>
@@ -29213,7 +29213,7 @@
           </p:nvSpPr>
           <p:spPr>
             <a:xfrm>
-              <a:off x="4529246" y="5996552"/>
+              <a:off x="4852796" y="5996423"/>
               <a:ext cx="63202" cy="63202"/>
             </a:xfrm>
             <a:custGeom>
@@ -29256,7 +29256,7 @@
           </p:nvSpPr>
           <p:spPr>
             <a:xfrm>
-              <a:off x="4781176" y="5974734"/>
+              <a:off x="4547598" y="5974759"/>
               <a:ext cx="63202" cy="63202"/>
             </a:xfrm>
             <a:custGeom>
@@ -29299,7 +29299,7 @@
           </p:nvSpPr>
           <p:spPr>
             <a:xfrm>
-              <a:off x="4689024" y="6006976"/>
+              <a:off x="4783134" y="6007035"/>
               <a:ext cx="63202" cy="63202"/>
             </a:xfrm>
             <a:custGeom>
@@ -29342,7 +29342,7 @@
           </p:nvSpPr>
           <p:spPr>
             <a:xfrm>
-              <a:off x="4561978" y="5981716"/>
+              <a:off x="4584346" y="5981648"/>
               <a:ext cx="63202" cy="63202"/>
             </a:xfrm>
             <a:custGeom>
@@ -29385,7 +29385,7 @@
           </p:nvSpPr>
           <p:spPr>
             <a:xfrm>
-              <a:off x="4484034" y="5975895"/>
+              <a:off x="5030489" y="5975826"/>
               <a:ext cx="63202" cy="63202"/>
             </a:xfrm>
             <a:custGeom>
@@ -29428,7 +29428,7 @@
           </p:nvSpPr>
           <p:spPr>
             <a:xfrm>
-              <a:off x="4762974" y="6216665"/>
+              <a:off x="4624330" y="6216635"/>
               <a:ext cx="63202" cy="63202"/>
             </a:xfrm>
             <a:custGeom>
@@ -29471,7 +29471,7 @@
           </p:nvSpPr>
           <p:spPr>
             <a:xfrm>
-              <a:off x="4681867" y="5977245"/>
+              <a:off x="4862838" y="5977292"/>
               <a:ext cx="63202" cy="63202"/>
             </a:xfrm>
             <a:custGeom>
@@ -29514,7 +29514,7 @@
           </p:nvSpPr>
           <p:spPr>
             <a:xfrm>
-              <a:off x="4767337" y="5977282"/>
+              <a:off x="4764443" y="5977261"/>
               <a:ext cx="63202" cy="63202"/>
             </a:xfrm>
             <a:custGeom>
@@ -29557,7 +29557,7 @@
           </p:nvSpPr>
           <p:spPr>
             <a:xfrm>
-              <a:off x="4534437" y="5977323"/>
+              <a:off x="5048816" y="5977274"/>
               <a:ext cx="63202" cy="63202"/>
             </a:xfrm>
             <a:custGeom>
@@ -29600,7 +29600,7 @@
           </p:nvSpPr>
           <p:spPr>
             <a:xfrm>
-              <a:off x="4769958" y="5972025"/>
+              <a:off x="4499723" y="5971997"/>
               <a:ext cx="63202" cy="63202"/>
             </a:xfrm>
             <a:custGeom>
@@ -29643,7 +29643,7 @@
           </p:nvSpPr>
           <p:spPr>
             <a:xfrm>
-              <a:off x="4753892" y="6000967"/>
+              <a:off x="4944190" y="6000879"/>
               <a:ext cx="63202" cy="63202"/>
             </a:xfrm>
             <a:custGeom>
@@ -29686,7 +29686,7 @@
           </p:nvSpPr>
           <p:spPr>
             <a:xfrm>
-              <a:off x="4795150" y="6008892"/>
+              <a:off x="4905292" y="6008840"/>
               <a:ext cx="63202" cy="63202"/>
             </a:xfrm>
             <a:custGeom>
@@ -29729,7 +29729,7 @@
           </p:nvSpPr>
           <p:spPr>
             <a:xfrm>
-              <a:off x="4900732" y="5967575"/>
+              <a:off x="5120075" y="5967670"/>
               <a:ext cx="63202" cy="63202"/>
             </a:xfrm>
             <a:custGeom>
@@ -29772,7 +29772,7 @@
           </p:nvSpPr>
           <p:spPr>
             <a:xfrm>
-              <a:off x="4805406" y="5982844"/>
+              <a:off x="4575330" y="5982756"/>
               <a:ext cx="63202" cy="63202"/>
             </a:xfrm>
             <a:custGeom>
@@ -29815,7 +29815,7 @@
           </p:nvSpPr>
           <p:spPr>
             <a:xfrm>
-              <a:off x="5068136" y="5978695"/>
+              <a:off x="5052573" y="5978728"/>
               <a:ext cx="63202" cy="63202"/>
             </a:xfrm>
             <a:custGeom>
@@ -29858,7 +29858,7 @@
           </p:nvSpPr>
           <p:spPr>
             <a:xfrm>
-              <a:off x="5060775" y="5977037"/>
+              <a:off x="4514196" y="5977057"/>
               <a:ext cx="63202" cy="63202"/>
             </a:xfrm>
             <a:custGeom>
@@ -29901,7 +29901,7 @@
           </p:nvSpPr>
           <p:spPr>
             <a:xfrm>
-              <a:off x="4450295" y="6096483"/>
+              <a:off x="4842184" y="6096388"/>
               <a:ext cx="63202" cy="63202"/>
             </a:xfrm>
             <a:custGeom>
@@ -29944,7 +29944,7 @@
           </p:nvSpPr>
           <p:spPr>
             <a:xfrm>
-              <a:off x="4602404" y="5985304"/>
+              <a:off x="4783223" y="5985334"/>
               <a:ext cx="63202" cy="63202"/>
             </a:xfrm>
             <a:custGeom>
@@ -29987,7 +29987,7 @@
           </p:nvSpPr>
           <p:spPr>
             <a:xfrm>
-              <a:off x="4766570" y="6033580"/>
+              <a:off x="4435388" y="6033657"/>
               <a:ext cx="63202" cy="63202"/>
             </a:xfrm>
             <a:custGeom>
@@ -30030,7 +30030,7 @@
           </p:nvSpPr>
           <p:spPr>
             <a:xfrm>
-              <a:off x="4481788" y="6001261"/>
+              <a:off x="4925513" y="6001268"/>
               <a:ext cx="63202" cy="63202"/>
             </a:xfrm>
             <a:custGeom>
@@ -30073,7 +30073,7 @@
           </p:nvSpPr>
           <p:spPr>
             <a:xfrm>
-              <a:off x="4476643" y="5976252"/>
+              <a:off x="4973980" y="5976296"/>
               <a:ext cx="63202" cy="63202"/>
             </a:xfrm>
             <a:custGeom>
@@ -30116,7 +30116,7 @@
           </p:nvSpPr>
           <p:spPr>
             <a:xfrm>
-              <a:off x="4672923" y="5978528"/>
+              <a:off x="4622366" y="5978505"/>
               <a:ext cx="63202" cy="63202"/>
             </a:xfrm>
             <a:custGeom>
@@ -30159,7 +30159,7 @@
           </p:nvSpPr>
           <p:spPr>
             <a:xfrm>
-              <a:off x="4600513" y="6013585"/>
+              <a:off x="4588113" y="6013617"/>
               <a:ext cx="63202" cy="63202"/>
             </a:xfrm>
             <a:custGeom>
@@ -30202,7 +30202,7 @@
           </p:nvSpPr>
           <p:spPr>
             <a:xfrm>
-              <a:off x="4692705" y="6008561"/>
+              <a:off x="4450331" y="6008522"/>
               <a:ext cx="63202" cy="63202"/>
             </a:xfrm>
             <a:custGeom>
@@ -30245,7 +30245,7 @@
           </p:nvSpPr>
           <p:spPr>
             <a:xfrm>
-              <a:off x="4836259" y="6033880"/>
+              <a:off x="4746843" y="6033837"/>
               <a:ext cx="63202" cy="63202"/>
             </a:xfrm>
             <a:custGeom>
@@ -30288,7 +30288,7 @@
           </p:nvSpPr>
           <p:spPr>
             <a:xfrm>
-              <a:off x="4697094" y="5987290"/>
+              <a:off x="4753858" y="5987284"/>
               <a:ext cx="63202" cy="63202"/>
             </a:xfrm>
             <a:custGeom>
@@ -30331,7 +30331,7 @@
           </p:nvSpPr>
           <p:spPr>
             <a:xfrm>
-              <a:off x="4579341" y="5992227"/>
+              <a:off x="4610602" y="5992243"/>
               <a:ext cx="63202" cy="63202"/>
             </a:xfrm>
             <a:custGeom>
@@ -30374,7 +30374,7 @@
           </p:nvSpPr>
           <p:spPr>
             <a:xfrm>
-              <a:off x="4925246" y="6008314"/>
+              <a:off x="4491182" y="6008294"/>
               <a:ext cx="63202" cy="63202"/>
             </a:xfrm>
             <a:custGeom>
@@ -30417,7 +30417,7 @@
           </p:nvSpPr>
           <p:spPr>
             <a:xfrm>
-              <a:off x="4924423" y="5983242"/>
+              <a:off x="4507424" y="5983264"/>
               <a:ext cx="63202" cy="63202"/>
             </a:xfrm>
             <a:custGeom>
@@ -30460,7 +30460,7 @@
           </p:nvSpPr>
           <p:spPr>
             <a:xfrm>
-              <a:off x="5066793" y="6002362"/>
+              <a:off x="4523557" y="6002353"/>
               <a:ext cx="63202" cy="63202"/>
             </a:xfrm>
             <a:custGeom>
@@ -30503,7 +30503,7 @@
           </p:nvSpPr>
           <p:spPr>
             <a:xfrm>
-              <a:off x="4597804" y="6008283"/>
+              <a:off x="4696988" y="6008212"/>
               <a:ext cx="63202" cy="63202"/>
             </a:xfrm>
             <a:custGeom>
@@ -30546,7 +30546,7 @@
           </p:nvSpPr>
           <p:spPr>
             <a:xfrm>
-              <a:off x="4878147" y="5979383"/>
+              <a:off x="4555988" y="5979393"/>
               <a:ext cx="63202" cy="63202"/>
             </a:xfrm>
             <a:custGeom>
@@ -30589,7 +30589,7 @@
           </p:nvSpPr>
           <p:spPr>
             <a:xfrm>
-              <a:off x="5043892" y="6086523"/>
+              <a:off x="5112426" y="6086552"/>
               <a:ext cx="63202" cy="63202"/>
             </a:xfrm>
             <a:custGeom>
@@ -30632,7 +30632,7 @@
           </p:nvSpPr>
           <p:spPr>
             <a:xfrm>
-              <a:off x="4751443" y="5999409"/>
+              <a:off x="4879514" y="5999404"/>
               <a:ext cx="63202" cy="63202"/>
             </a:xfrm>
             <a:custGeom>
@@ -30675,7 +30675,7 @@
           </p:nvSpPr>
           <p:spPr>
             <a:xfrm>
-              <a:off x="4793091" y="6002449"/>
+              <a:off x="4872805" y="6002461"/>
               <a:ext cx="63202" cy="63202"/>
             </a:xfrm>
             <a:custGeom>
@@ -30718,7 +30718,7 @@
           </p:nvSpPr>
           <p:spPr>
             <a:xfrm>
-              <a:off x="4838328" y="6010006"/>
+              <a:off x="5032642" y="6010003"/>
               <a:ext cx="63202" cy="63202"/>
             </a:xfrm>
             <a:custGeom>
@@ -30761,7 +30761,7 @@
           </p:nvSpPr>
           <p:spPr>
             <a:xfrm>
-              <a:off x="4963914" y="6013359"/>
+              <a:off x="4620136" y="6013292"/>
               <a:ext cx="63202" cy="63202"/>
             </a:xfrm>
             <a:custGeom>
@@ -30804,7 +30804,7 @@
           </p:nvSpPr>
           <p:spPr>
             <a:xfrm>
-              <a:off x="4724611" y="5967969"/>
+              <a:off x="4989126" y="5967935"/>
               <a:ext cx="63202" cy="63202"/>
             </a:xfrm>
             <a:custGeom>
@@ -30847,7 +30847,7 @@
           </p:nvSpPr>
           <p:spPr>
             <a:xfrm>
-              <a:off x="4684246" y="6032261"/>
+              <a:off x="4488657" y="6032277"/>
               <a:ext cx="63202" cy="63202"/>
             </a:xfrm>
             <a:custGeom>
@@ -30890,7 +30890,7 @@
           </p:nvSpPr>
           <p:spPr>
             <a:xfrm>
-              <a:off x="4683838" y="6143866"/>
+              <a:off x="4459633" y="6143935"/>
               <a:ext cx="63202" cy="63202"/>
             </a:xfrm>
             <a:custGeom>
@@ -30933,7 +30933,7 @@
           </p:nvSpPr>
           <p:spPr>
             <a:xfrm>
-              <a:off x="5063616" y="6325078"/>
+              <a:off x="4501984" y="6325089"/>
               <a:ext cx="63202" cy="63202"/>
             </a:xfrm>
             <a:custGeom>
@@ -30976,7 +30976,7 @@
           </p:nvSpPr>
           <p:spPr>
             <a:xfrm>
-              <a:off x="4974294" y="6163118"/>
+              <a:off x="5073638" y="6163114"/>
               <a:ext cx="63202" cy="63202"/>
             </a:xfrm>
             <a:custGeom>
@@ -31019,7 +31019,7 @@
           </p:nvSpPr>
           <p:spPr>
             <a:xfrm>
-              <a:off x="4832840" y="5983032"/>
+              <a:off x="4959120" y="5983059"/>
               <a:ext cx="63202" cy="63202"/>
             </a:xfrm>
             <a:custGeom>
@@ -31062,7 +31062,7 @@
           </p:nvSpPr>
           <p:spPr>
             <a:xfrm>
-              <a:off x="4665949" y="6043528"/>
+              <a:off x="4471779" y="6043563"/>
               <a:ext cx="63202" cy="63202"/>
             </a:xfrm>
             <a:custGeom>
@@ -31105,7 +31105,7 @@
           </p:nvSpPr>
           <p:spPr>
             <a:xfrm>
-              <a:off x="4804668" y="6035673"/>
+              <a:off x="5092809" y="6035638"/>
               <a:ext cx="63202" cy="63202"/>
             </a:xfrm>
             <a:custGeom>
@@ -31148,7 +31148,7 @@
           </p:nvSpPr>
           <p:spPr>
             <a:xfrm>
-              <a:off x="5075385" y="5987242"/>
+              <a:off x="4737822" y="5987278"/>
               <a:ext cx="63202" cy="63202"/>
             </a:xfrm>
             <a:custGeom>
@@ -31191,7 +31191,7 @@
           </p:nvSpPr>
           <p:spPr>
             <a:xfrm>
-              <a:off x="4717906" y="6085346"/>
+              <a:off x="4672435" y="6085238"/>
               <a:ext cx="63202" cy="63202"/>
             </a:xfrm>
             <a:custGeom>
@@ -31234,7 +31234,7 @@
           </p:nvSpPr>
           <p:spPr>
             <a:xfrm>
-              <a:off x="4591814" y="5971535"/>
+              <a:off x="4701043" y="5971555"/>
               <a:ext cx="63202" cy="63202"/>
             </a:xfrm>
             <a:custGeom>
@@ -31277,7 +31277,7 @@
           </p:nvSpPr>
           <p:spPr>
             <a:xfrm>
-              <a:off x="4913348" y="6097734"/>
+              <a:off x="4563976" y="6097740"/>
               <a:ext cx="63202" cy="63202"/>
             </a:xfrm>
             <a:custGeom>
@@ -31320,7 +31320,7 @@
           </p:nvSpPr>
           <p:spPr>
             <a:xfrm>
-              <a:off x="4731259" y="5983820"/>
+              <a:off x="4761641" y="5983879"/>
               <a:ext cx="63202" cy="63202"/>
             </a:xfrm>
             <a:custGeom>
@@ -31363,7 +31363,7 @@
           </p:nvSpPr>
           <p:spPr>
             <a:xfrm>
-              <a:off x="4802314" y="6227794"/>
+              <a:off x="4484195" y="6227782"/>
               <a:ext cx="63202" cy="63202"/>
             </a:xfrm>
             <a:custGeom>
@@ -31406,7 +31406,7 @@
           </p:nvSpPr>
           <p:spPr>
             <a:xfrm>
-              <a:off x="5123345" y="5989083"/>
+              <a:off x="5080738" y="5989018"/>
               <a:ext cx="63202" cy="63202"/>
             </a:xfrm>
             <a:custGeom>
@@ -31449,7 +31449,7 @@
           </p:nvSpPr>
           <p:spPr>
             <a:xfrm>
-              <a:off x="4601941" y="5972833"/>
+              <a:off x="4855828" y="5972890"/>
               <a:ext cx="63202" cy="63202"/>
             </a:xfrm>
             <a:custGeom>
@@ -31492,7 +31492,7 @@
           </p:nvSpPr>
           <p:spPr>
             <a:xfrm>
-              <a:off x="4864292" y="5978354"/>
+              <a:off x="4864454" y="5978309"/>
               <a:ext cx="63202" cy="63202"/>
             </a:xfrm>
             <a:custGeom>
@@ -31535,7 +31535,7 @@
           </p:nvSpPr>
           <p:spPr>
             <a:xfrm>
-              <a:off x="4963602" y="5968094"/>
+              <a:off x="4608075" y="5967978"/>
               <a:ext cx="63202" cy="63202"/>
             </a:xfrm>
             <a:custGeom>
@@ -31578,7 +31578,7 @@
           </p:nvSpPr>
           <p:spPr>
             <a:xfrm>
-              <a:off x="5015581" y="5982385"/>
+              <a:off x="5044200" y="5982370"/>
               <a:ext cx="63202" cy="63202"/>
             </a:xfrm>
             <a:custGeom>
@@ -31621,7 +31621,7 @@
           </p:nvSpPr>
           <p:spPr>
             <a:xfrm>
-              <a:off x="5063335" y="5976406"/>
+              <a:off x="5046051" y="5976514"/>
               <a:ext cx="63202" cy="63202"/>
             </a:xfrm>
             <a:custGeom>
@@ -31664,7 +31664,7 @@
           </p:nvSpPr>
           <p:spPr>
             <a:xfrm>
-              <a:off x="4667657" y="5983804"/>
+              <a:off x="4542622" y="5983827"/>
               <a:ext cx="63202" cy="63202"/>
             </a:xfrm>
             <a:custGeom>
@@ -31707,7 +31707,7 @@
           </p:nvSpPr>
           <p:spPr>
             <a:xfrm>
-              <a:off x="4964981" y="5983887"/>
+              <a:off x="4625777" y="5983909"/>
               <a:ext cx="63202" cy="63202"/>
             </a:xfrm>
             <a:custGeom>
@@ -31750,7 +31750,7 @@
           </p:nvSpPr>
           <p:spPr>
             <a:xfrm>
-              <a:off x="5086969" y="5983810"/>
+              <a:off x="5041567" y="5983797"/>
               <a:ext cx="63202" cy="63202"/>
             </a:xfrm>
             <a:custGeom>
@@ -31793,7 +31793,7 @@
           </p:nvSpPr>
           <p:spPr>
             <a:xfrm>
-              <a:off x="4697867" y="5983804"/>
+              <a:off x="4818405" y="5983870"/>
               <a:ext cx="63202" cy="63202"/>
             </a:xfrm>
             <a:custGeom>
@@ -31836,7 +31836,7 @@
           </p:nvSpPr>
           <p:spPr>
             <a:xfrm>
-              <a:off x="5079250" y="6004906"/>
+              <a:off x="4700967" y="6004917"/>
               <a:ext cx="63202" cy="63202"/>
             </a:xfrm>
             <a:custGeom>
@@ -31879,7 +31879,7 @@
           </p:nvSpPr>
           <p:spPr>
             <a:xfrm>
-              <a:off x="4619560" y="5982378"/>
+              <a:off x="4984031" y="5982316"/>
               <a:ext cx="63202" cy="63202"/>
             </a:xfrm>
             <a:custGeom>
@@ -31922,7 +31922,7 @@
           </p:nvSpPr>
           <p:spPr>
             <a:xfrm>
-              <a:off x="4845637" y="6109939"/>
+              <a:off x="5013586" y="6109894"/>
               <a:ext cx="63202" cy="63202"/>
             </a:xfrm>
             <a:custGeom>
@@ -31965,7 +31965,7 @@
           </p:nvSpPr>
           <p:spPr>
             <a:xfrm>
-              <a:off x="5736082" y="6662870"/>
+              <a:off x="5648400" y="6662941"/>
               <a:ext cx="63202" cy="63202"/>
             </a:xfrm>
             <a:custGeom>
@@ -32008,7 +32008,7 @@
           </p:nvSpPr>
           <p:spPr>
             <a:xfrm>
-              <a:off x="4611138" y="5986137"/>
+              <a:off x="4780427" y="5986157"/>
               <a:ext cx="63202" cy="63202"/>
             </a:xfrm>
             <a:custGeom>
@@ -32051,7 +32051,7 @@
           </p:nvSpPr>
           <p:spPr>
             <a:xfrm>
-              <a:off x="4605456" y="5973287"/>
+              <a:off x="4487707" y="5973274"/>
               <a:ext cx="63202" cy="63202"/>
             </a:xfrm>
             <a:custGeom>
@@ -32094,7 +32094,7 @@
           </p:nvSpPr>
           <p:spPr>
             <a:xfrm>
-              <a:off x="4932684" y="5970532"/>
+              <a:off x="5107964" y="5970532"/>
               <a:ext cx="63202" cy="63202"/>
             </a:xfrm>
             <a:custGeom>
@@ -32137,7 +32137,7 @@
           </p:nvSpPr>
           <p:spPr>
             <a:xfrm>
-              <a:off x="4910321" y="6082767"/>
+              <a:off x="5027006" y="6082758"/>
               <a:ext cx="63202" cy="63202"/>
             </a:xfrm>
             <a:custGeom>
@@ -32180,7 +32180,7 @@
           </p:nvSpPr>
           <p:spPr>
             <a:xfrm>
-              <a:off x="5029451" y="5990213"/>
+              <a:off x="4798496" y="5990180"/>
               <a:ext cx="63202" cy="63202"/>
             </a:xfrm>
             <a:custGeom>
@@ -32223,7 +32223,7 @@
           </p:nvSpPr>
           <p:spPr>
             <a:xfrm>
-              <a:off x="4934644" y="5989053"/>
+              <a:off x="4857444" y="5989103"/>
               <a:ext cx="63202" cy="63202"/>
             </a:xfrm>
             <a:custGeom>
@@ -32266,7 +32266,7 @@
           </p:nvSpPr>
           <p:spPr>
             <a:xfrm>
-              <a:off x="5103074" y="5974535"/>
+              <a:off x="4999286" y="5974542"/>
               <a:ext cx="63202" cy="63202"/>
             </a:xfrm>
             <a:custGeom>
@@ -32365,7 +32365,7 @@
           </p:nvSpPr>
           <p:spPr>
             <a:xfrm>
-              <a:off x="7171360" y="2998602"/>
+              <a:off x="7171360" y="2998607"/>
               <a:ext cx="2817450" cy="0"/>
             </a:xfrm>
             <a:custGeom>
@@ -32451,7 +32451,7 @@
           </p:nvSpPr>
           <p:spPr>
             <a:xfrm>
-              <a:off x="7171360" y="2155068"/>
+              <a:off x="7171360" y="2155063"/>
               <a:ext cx="2817450" cy="0"/>
             </a:xfrm>
             <a:custGeom>
@@ -32494,7 +32494,7 @@
           </p:nvSpPr>
           <p:spPr>
             <a:xfrm>
-              <a:off x="7171360" y="1733301"/>
+              <a:off x="7171360" y="1733291"/>
               <a:ext cx="2817450" cy="0"/>
             </a:xfrm>
             <a:custGeom>
@@ -32537,7 +32537,7 @@
           </p:nvSpPr>
           <p:spPr>
             <a:xfrm>
-              <a:off x="7171360" y="2787718"/>
+              <a:off x="7171360" y="2787721"/>
               <a:ext cx="2817450" cy="0"/>
             </a:xfrm>
             <a:custGeom>
@@ -32580,7 +32580,7 @@
           </p:nvSpPr>
           <p:spPr>
             <a:xfrm>
-              <a:off x="7171360" y="2365952"/>
+              <a:off x="7171360" y="2365949"/>
               <a:ext cx="2817450" cy="0"/>
             </a:xfrm>
             <a:custGeom>
@@ -32623,7 +32623,7 @@
           </p:nvSpPr>
           <p:spPr>
             <a:xfrm>
-              <a:off x="7171360" y="1944185"/>
+              <a:off x="7171360" y="1944177"/>
               <a:ext cx="2817450" cy="0"/>
             </a:xfrm>
             <a:custGeom>
@@ -32666,7 +32666,7 @@
           </p:nvSpPr>
           <p:spPr>
             <a:xfrm>
-              <a:off x="7171360" y="1522418"/>
+              <a:off x="7171360" y="1522405"/>
               <a:ext cx="2817450" cy="0"/>
             </a:xfrm>
             <a:custGeom>
@@ -32838,7 +32838,7 @@
           </p:nvSpPr>
           <p:spPr>
             <a:xfrm>
-              <a:off x="9340411" y="2882997"/>
+              <a:off x="9501320" y="2883095"/>
               <a:ext cx="63202" cy="63202"/>
             </a:xfrm>
             <a:custGeom>
@@ -32881,7 +32881,7 @@
           </p:nvSpPr>
           <p:spPr>
             <a:xfrm>
-              <a:off x="7316039" y="2520581"/>
+              <a:off x="7436544" y="2520496"/>
               <a:ext cx="63202" cy="63202"/>
             </a:xfrm>
             <a:custGeom>
@@ -32924,7 +32924,7 @@
           </p:nvSpPr>
           <p:spPr>
             <a:xfrm>
-              <a:off x="7594604" y="2524713"/>
+              <a:off x="7887651" y="2524858"/>
               <a:ext cx="63202" cy="63202"/>
             </a:xfrm>
             <a:custGeom>
@@ -32967,7 +32967,7 @@
           </p:nvSpPr>
           <p:spPr>
             <a:xfrm>
-              <a:off x="7499112" y="2537275"/>
+              <a:off x="7927528" y="2537277"/>
               <a:ext cx="63202" cy="63202"/>
             </a:xfrm>
             <a:custGeom>
@@ -33010,7 +33010,7 @@
           </p:nvSpPr>
           <p:spPr>
             <a:xfrm>
-              <a:off x="7654598" y="2532184"/>
+              <a:off x="7737138" y="2532141"/>
               <a:ext cx="63202" cy="63202"/>
             </a:xfrm>
             <a:custGeom>
@@ -33053,7 +33053,7 @@
           </p:nvSpPr>
           <p:spPr>
             <a:xfrm>
-              <a:off x="7608398" y="2478450"/>
+              <a:off x="7469009" y="2478361"/>
               <a:ext cx="63202" cy="63202"/>
             </a:xfrm>
             <a:custGeom>
@@ -33096,7 +33096,7 @@
           </p:nvSpPr>
           <p:spPr>
             <a:xfrm>
-              <a:off x="8778934" y="2570059"/>
+              <a:off x="8646146" y="2570104"/>
               <a:ext cx="63202" cy="63202"/>
             </a:xfrm>
             <a:custGeom>
@@ -33139,7 +33139,7 @@
           </p:nvSpPr>
           <p:spPr>
             <a:xfrm>
-              <a:off x="7337985" y="2519708"/>
+              <a:off x="7375546" y="2519661"/>
               <a:ext cx="63202" cy="63202"/>
             </a:xfrm>
             <a:custGeom>
@@ -33182,7 +33182,7 @@
           </p:nvSpPr>
           <p:spPr>
             <a:xfrm>
-              <a:off x="7709539" y="2531910"/>
+              <a:off x="7848929" y="2531967"/>
               <a:ext cx="63202" cy="63202"/>
             </a:xfrm>
             <a:custGeom>
@@ -33225,7 +33225,7 @@
           </p:nvSpPr>
           <p:spPr>
             <a:xfrm>
-              <a:off x="7555081" y="2528335"/>
+              <a:off x="7532810" y="2528443"/>
               <a:ext cx="63202" cy="63202"/>
             </a:xfrm>
             <a:custGeom>
@@ -33268,7 +33268,7 @@
           </p:nvSpPr>
           <p:spPr>
             <a:xfrm>
-              <a:off x="8874016" y="2569962"/>
+              <a:off x="8843758" y="2569858"/>
               <a:ext cx="63202" cy="63202"/>
             </a:xfrm>
             <a:custGeom>
@@ -33311,7 +33311,7 @@
           </p:nvSpPr>
           <p:spPr>
             <a:xfrm>
-              <a:off x="8784007" y="2611879"/>
+              <a:off x="8474973" y="2611895"/>
               <a:ext cx="63202" cy="63202"/>
             </a:xfrm>
             <a:custGeom>
@@ -33354,7 +33354,7 @@
           </p:nvSpPr>
           <p:spPr>
             <a:xfrm>
-              <a:off x="8681135" y="2571091"/>
+              <a:off x="8806278" y="2571169"/>
               <a:ext cx="63202" cy="63202"/>
             </a:xfrm>
             <a:custGeom>
@@ -33397,7 +33397,7 @@
           </p:nvSpPr>
           <p:spPr>
             <a:xfrm>
-              <a:off x="8569156" y="2683010"/>
+              <a:off x="8786784" y="2682884"/>
               <a:ext cx="63202" cy="63202"/>
             </a:xfrm>
             <a:custGeom>
@@ -33440,7 +33440,7 @@
           </p:nvSpPr>
           <p:spPr>
             <a:xfrm>
-              <a:off x="8378174" y="2568260"/>
+              <a:off x="8709623" y="2568178"/>
               <a:ext cx="63202" cy="63202"/>
             </a:xfrm>
             <a:custGeom>
@@ -33483,7 +33483,7 @@
           </p:nvSpPr>
           <p:spPr>
             <a:xfrm>
-              <a:off x="7720945" y="2534609"/>
+              <a:off x="7554147" y="2534771"/>
               <a:ext cx="63202" cy="63202"/>
             </a:xfrm>
             <a:custGeom>
@@ -33526,7 +33526,7 @@
           </p:nvSpPr>
           <p:spPr>
             <a:xfrm>
-              <a:off x="8475005" y="2654242"/>
+              <a:off x="8862528" y="2654266"/>
               <a:ext cx="63202" cy="63202"/>
             </a:xfrm>
             <a:custGeom>
@@ -33569,7 +33569,7 @@
           </p:nvSpPr>
           <p:spPr>
             <a:xfrm>
-              <a:off x="8876330" y="2588940"/>
+              <a:off x="8754493" y="2588857"/>
               <a:ext cx="63202" cy="63202"/>
             </a:xfrm>
             <a:custGeom>
@@ -33612,7 +33612,7 @@
           </p:nvSpPr>
           <p:spPr>
             <a:xfrm>
-              <a:off x="8757531" y="2565490"/>
+              <a:off x="8512545" y="2565528"/>
               <a:ext cx="63202" cy="63202"/>
             </a:xfrm>
             <a:custGeom>
@@ -33655,7 +33655,7 @@
           </p:nvSpPr>
           <p:spPr>
             <a:xfrm>
-              <a:off x="7392251" y="2520525"/>
+              <a:off x="7516086" y="2520505"/>
               <a:ext cx="63202" cy="63202"/>
             </a:xfrm>
             <a:custGeom>
@@ -33698,7 +33698,7 @@
           </p:nvSpPr>
           <p:spPr>
             <a:xfrm>
-              <a:off x="8871422" y="2624165"/>
+              <a:off x="8406350" y="2624070"/>
               <a:ext cx="63202" cy="63202"/>
             </a:xfrm>
             <a:custGeom>
@@ -33741,7 +33741,7 @@
           </p:nvSpPr>
           <p:spPr>
             <a:xfrm>
-              <a:off x="8712688" y="2563646"/>
+              <a:off x="8480269" y="2563557"/>
               <a:ext cx="63202" cy="63202"/>
             </a:xfrm>
             <a:custGeom>
@@ -33784,7 +33784,7 @@
           </p:nvSpPr>
           <p:spPr>
             <a:xfrm>
-              <a:off x="8517572" y="2571162"/>
+              <a:off x="8482267" y="2571162"/>
               <a:ext cx="63202" cy="63202"/>
             </a:xfrm>
             <a:custGeom>
@@ -33827,7 +33827,7 @@
           </p:nvSpPr>
           <p:spPr>
             <a:xfrm>
-              <a:off x="7648566" y="2461504"/>
+              <a:off x="7758800" y="2461555"/>
               <a:ext cx="63202" cy="63202"/>
             </a:xfrm>
             <a:custGeom>
@@ -33870,7 +33870,7 @@
           </p:nvSpPr>
           <p:spPr>
             <a:xfrm>
-              <a:off x="7332440" y="2522392"/>
+              <a:off x="7495218" y="2522454"/>
               <a:ext cx="63202" cy="63202"/>
             </a:xfrm>
             <a:custGeom>
@@ -33913,7 +33913,7 @@
           </p:nvSpPr>
           <p:spPr>
             <a:xfrm>
-              <a:off x="8675406" y="2574550"/>
+              <a:off x="8864536" y="2574511"/>
               <a:ext cx="63202" cy="63202"/>
             </a:xfrm>
             <a:custGeom>
@@ -33956,7 +33956,7 @@
           </p:nvSpPr>
           <p:spPr>
             <a:xfrm>
-              <a:off x="8637564" y="2587460"/>
+              <a:off x="8526870" y="2587331"/>
               <a:ext cx="63202" cy="63202"/>
             </a:xfrm>
             <a:custGeom>
@@ -33999,7 +33999,7 @@
           </p:nvSpPr>
           <p:spPr>
             <a:xfrm>
-              <a:off x="9293217" y="2928783"/>
+              <a:off x="9593987" y="2928916"/>
               <a:ext cx="63202" cy="63202"/>
             </a:xfrm>
             <a:custGeom>
@@ -34042,7 +34042,7 @@
           </p:nvSpPr>
           <p:spPr>
             <a:xfrm>
-              <a:off x="7854957" y="2529452"/>
+              <a:off x="7451289" y="2529407"/>
               <a:ext cx="63202" cy="63202"/>
             </a:xfrm>
             <a:custGeom>
@@ -34085,7 +34085,7 @@
           </p:nvSpPr>
           <p:spPr>
             <a:xfrm>
-              <a:off x="7801649" y="2528652"/>
+              <a:off x="7321360" y="2528617"/>
               <a:ext cx="63202" cy="63202"/>
             </a:xfrm>
             <a:custGeom>
@@ -34128,7 +34128,7 @@
           </p:nvSpPr>
           <p:spPr>
             <a:xfrm>
-              <a:off x="7438790" y="2526730"/>
+              <a:off x="7923609" y="2526741"/>
               <a:ext cx="63202" cy="63202"/>
             </a:xfrm>
             <a:custGeom>
@@ -34171,7 +34171,7 @@
           </p:nvSpPr>
           <p:spPr>
             <a:xfrm>
-              <a:off x="7397971" y="2526596"/>
+              <a:off x="7610646" y="2526599"/>
               <a:ext cx="63202" cy="63202"/>
             </a:xfrm>
             <a:custGeom>
@@ -34214,7 +34214,7 @@
           </p:nvSpPr>
           <p:spPr>
             <a:xfrm>
-              <a:off x="7920020" y="2527992"/>
+              <a:off x="7451528" y="2527978"/>
               <a:ext cx="63202" cy="63202"/>
             </a:xfrm>
             <a:custGeom>
@@ -34257,7 +34257,7 @@
           </p:nvSpPr>
           <p:spPr>
             <a:xfrm>
-              <a:off x="7489770" y="2535143"/>
+              <a:off x="7566635" y="2535150"/>
               <a:ext cx="63202" cy="63202"/>
             </a:xfrm>
             <a:custGeom>
@@ -34300,7 +34300,7 @@
           </p:nvSpPr>
           <p:spPr>
             <a:xfrm>
-              <a:off x="8827380" y="2547114"/>
+              <a:off x="8615583" y="2547174"/>
               <a:ext cx="63202" cy="63202"/>
             </a:xfrm>
             <a:custGeom>
@@ -34343,7 +34343,7 @@
           </p:nvSpPr>
           <p:spPr>
             <a:xfrm>
-              <a:off x="8502353" y="2566239"/>
+              <a:off x="8883968" y="2566297"/>
               <a:ext cx="63202" cy="63202"/>
             </a:xfrm>
             <a:custGeom>
@@ -34386,7 +34386,7 @@
           </p:nvSpPr>
           <p:spPr>
             <a:xfrm>
-              <a:off x="8209966" y="2570265"/>
+              <a:off x="8883781" y="2570362"/>
               <a:ext cx="63202" cy="63202"/>
             </a:xfrm>
             <a:custGeom>
@@ -34429,7 +34429,7 @@
           </p:nvSpPr>
           <p:spPr>
             <a:xfrm>
-              <a:off x="8762082" y="2800616"/>
+              <a:off x="8394369" y="2800635"/>
               <a:ext cx="63202" cy="63202"/>
             </a:xfrm>
             <a:custGeom>
@@ -34472,7 +34472,7 @@
           </p:nvSpPr>
           <p:spPr>
             <a:xfrm>
-              <a:off x="7945366" y="2537350"/>
+              <a:off x="7326197" y="2537424"/>
               <a:ext cx="63202" cy="63202"/>
             </a:xfrm>
             <a:custGeom>
@@ -34515,7 +34515,7 @@
           </p:nvSpPr>
           <p:spPr>
             <a:xfrm>
-              <a:off x="7566307" y="2417839"/>
+              <a:off x="7418227" y="2417879"/>
               <a:ext cx="63202" cy="63202"/>
             </a:xfrm>
             <a:custGeom>
@@ -34558,7 +34558,7 @@
           </p:nvSpPr>
           <p:spPr>
             <a:xfrm>
-              <a:off x="7323899" y="2451376"/>
+              <a:off x="7982088" y="2451436"/>
               <a:ext cx="63202" cy="63202"/>
             </a:xfrm>
             <a:custGeom>
@@ -34601,7 +34601,7 @@
           </p:nvSpPr>
           <p:spPr>
             <a:xfrm>
-              <a:off x="7843540" y="2534195"/>
+              <a:off x="7669941" y="2534192"/>
               <a:ext cx="63202" cy="63202"/>
             </a:xfrm>
             <a:custGeom>
@@ -34644,7 +34644,7 @@
           </p:nvSpPr>
           <p:spPr>
             <a:xfrm>
-              <a:off x="7538164" y="2536373"/>
+              <a:off x="7455801" y="2536297"/>
               <a:ext cx="63202" cy="63202"/>
             </a:xfrm>
             <a:custGeom>
@@ -34687,7 +34687,7 @@
           </p:nvSpPr>
           <p:spPr>
             <a:xfrm>
-              <a:off x="7837705" y="2536182"/>
+              <a:off x="8012230" y="2536220"/>
               <a:ext cx="63202" cy="63202"/>
             </a:xfrm>
             <a:custGeom>
@@ -34730,7 +34730,7 @@
           </p:nvSpPr>
           <p:spPr>
             <a:xfrm>
-              <a:off x="8015246" y="2533803"/>
+              <a:off x="7511947" y="2533787"/>
               <a:ext cx="63202" cy="63202"/>
             </a:xfrm>
             <a:custGeom>
@@ -34773,7 +34773,7 @@
           </p:nvSpPr>
           <p:spPr>
             <a:xfrm>
-              <a:off x="7402741" y="2532166"/>
+              <a:off x="7341126" y="2532230"/>
               <a:ext cx="63202" cy="63202"/>
             </a:xfrm>
             <a:custGeom>
@@ -34872,7 +34872,7 @@
           </p:nvSpPr>
           <p:spPr>
             <a:xfrm>
-              <a:off x="7171360" y="4923934"/>
+              <a:off x="7171360" y="4923940"/>
               <a:ext cx="2817450" cy="0"/>
             </a:xfrm>
             <a:custGeom>
@@ -34915,7 +34915,7 @@
           </p:nvSpPr>
           <p:spPr>
             <a:xfrm>
-              <a:off x="7171360" y="4502167"/>
+              <a:off x="7171360" y="4502168"/>
               <a:ext cx="2817450" cy="0"/>
             </a:xfrm>
             <a:custGeom>
@@ -34958,7 +34958,7 @@
           </p:nvSpPr>
           <p:spPr>
             <a:xfrm>
-              <a:off x="7171360" y="4080401"/>
+              <a:off x="7171360" y="4080396"/>
               <a:ext cx="2817450" cy="0"/>
             </a:xfrm>
             <a:custGeom>
@@ -35001,7 +35001,7 @@
           </p:nvSpPr>
           <p:spPr>
             <a:xfrm>
-              <a:off x="7171360" y="3658634"/>
+              <a:off x="7171360" y="3658624"/>
               <a:ext cx="2817450" cy="0"/>
             </a:xfrm>
             <a:custGeom>
@@ -35044,7 +35044,7 @@
           </p:nvSpPr>
           <p:spPr>
             <a:xfrm>
-              <a:off x="7171360" y="4713051"/>
+              <a:off x="7171360" y="4713054"/>
               <a:ext cx="2817450" cy="0"/>
             </a:xfrm>
             <a:custGeom>
@@ -35087,7 +35087,7 @@
           </p:nvSpPr>
           <p:spPr>
             <a:xfrm>
-              <a:off x="7171360" y="4291284"/>
+              <a:off x="7171360" y="4291282"/>
               <a:ext cx="2817450" cy="0"/>
             </a:xfrm>
             <a:custGeom>
@@ -35130,7 +35130,7 @@
           </p:nvSpPr>
           <p:spPr>
             <a:xfrm>
-              <a:off x="7171360" y="3869517"/>
+              <a:off x="7171360" y="3869510"/>
               <a:ext cx="2817450" cy="0"/>
             </a:xfrm>
             <a:custGeom>
@@ -35173,7 +35173,7 @@
           </p:nvSpPr>
           <p:spPr>
             <a:xfrm>
-              <a:off x="7171360" y="3447750"/>
+              <a:off x="7171360" y="3447738"/>
               <a:ext cx="2817450" cy="0"/>
             </a:xfrm>
             <a:custGeom>
@@ -35345,7 +35345,7 @@
           </p:nvSpPr>
           <p:spPr>
             <a:xfrm>
-              <a:off x="8694664" y="4510415"/>
+              <a:off x="8570838" y="4510470"/>
               <a:ext cx="63202" cy="63202"/>
             </a:xfrm>
             <a:custGeom>
@@ -35388,7 +35388,7 @@
           </p:nvSpPr>
           <p:spPr>
             <a:xfrm>
-              <a:off x="8311736" y="4694050"/>
+              <a:off x="8730866" y="4694098"/>
               <a:ext cx="63202" cy="63202"/>
             </a:xfrm>
             <a:custGeom>
@@ -35431,7 +35431,7 @@
           </p:nvSpPr>
           <p:spPr>
             <a:xfrm>
-              <a:off x="9085217" y="4795059"/>
+              <a:off x="9704347" y="4795149"/>
               <a:ext cx="63202" cy="63202"/>
             </a:xfrm>
             <a:custGeom>
@@ -35474,7 +35474,7 @@
           </p:nvSpPr>
           <p:spPr>
             <a:xfrm>
-              <a:off x="9405520" y="4820879"/>
+              <a:off x="9626738" y="4820769"/>
               <a:ext cx="63202" cy="63202"/>
             </a:xfrm>
             <a:custGeom>
@@ -35517,7 +35517,7 @@
           </p:nvSpPr>
           <p:spPr>
             <a:xfrm>
-              <a:off x="9430909" y="4807739"/>
+              <a:off x="9240000" y="4807701"/>
               <a:ext cx="63202" cy="63202"/>
             </a:xfrm>
             <a:custGeom>
@@ -35560,7 +35560,7 @@
           </p:nvSpPr>
           <p:spPr>
             <a:xfrm>
-              <a:off x="8739766" y="4621169"/>
+              <a:off x="8427168" y="4621121"/>
               <a:ext cx="63202" cy="63202"/>
             </a:xfrm>
             <a:custGeom>
@@ -35603,7 +35603,7 @@
           </p:nvSpPr>
           <p:spPr>
             <a:xfrm>
-              <a:off x="8304366" y="4744209"/>
+              <a:off x="8754910" y="4744313"/>
               <a:ext cx="63202" cy="63202"/>
             </a:xfrm>
             <a:custGeom>
@@ -35646,7 +35646,7 @@
           </p:nvSpPr>
           <p:spPr>
             <a:xfrm>
-              <a:off x="8793191" y="4497640"/>
+              <a:off x="8235330" y="4497491"/>
               <a:ext cx="63202" cy="63202"/>
             </a:xfrm>
             <a:custGeom>
@@ -35689,7 +35689,7 @@
           </p:nvSpPr>
           <p:spPr>
             <a:xfrm>
-              <a:off x="9605804" y="4851812"/>
+              <a:off x="9661978" y="4851926"/>
               <a:ext cx="63202" cy="63202"/>
             </a:xfrm>
             <a:custGeom>
@@ -35732,7 +35732,7 @@
           </p:nvSpPr>
           <p:spPr>
             <a:xfrm>
-              <a:off x="8389566" y="4709454"/>
+              <a:off x="8409501" y="4709452"/>
               <a:ext cx="63202" cy="63202"/>
             </a:xfrm>
             <a:custGeom>
@@ -35775,7 +35775,7 @@
           </p:nvSpPr>
           <p:spPr>
             <a:xfrm>
-              <a:off x="8293923" y="4714757"/>
+              <a:off x="8603125" y="4714703"/>
               <a:ext cx="63202" cy="63202"/>
             </a:xfrm>
             <a:custGeom>
@@ -35818,7 +35818,7 @@
           </p:nvSpPr>
           <p:spPr>
             <a:xfrm>
-              <a:off x="8417812" y="4472830"/>
+              <a:off x="8359314" y="4472884"/>
               <a:ext cx="63202" cy="63202"/>
             </a:xfrm>
             <a:custGeom>
@@ -35861,7 +35861,7 @@
           </p:nvSpPr>
           <p:spPr>
             <a:xfrm>
-              <a:off x="8779973" y="4529452"/>
+              <a:off x="8839430" y="4529361"/>
               <a:ext cx="63202" cy="63202"/>
             </a:xfrm>
             <a:custGeom>
@@ -35904,7 +35904,7 @@
           </p:nvSpPr>
           <p:spPr>
             <a:xfrm>
-              <a:off x="9329578" y="4803826"/>
+              <a:off x="9769362" y="4803776"/>
               <a:ext cx="63202" cy="63202"/>
             </a:xfrm>
             <a:custGeom>
@@ -37399,7 +37399,7 @@
           </p:nvSpPr>
           <p:spPr>
             <a:xfrm>
-              <a:off x="1148183" y="2746027"/>
+              <a:off x="1148183" y="2746030"/>
               <a:ext cx="186466" cy="81691"/>
             </a:xfrm>
             <a:prstGeom prst="rect">
@@ -37445,7 +37445,7 @@
           </p:nvSpPr>
           <p:spPr>
             <a:xfrm>
-              <a:off x="1148183" y="2324260"/>
+              <a:off x="1148183" y="2324258"/>
               <a:ext cx="186466" cy="81691"/>
             </a:xfrm>
             <a:prstGeom prst="rect">
@@ -37491,7 +37491,7 @@
           </p:nvSpPr>
           <p:spPr>
             <a:xfrm>
-              <a:off x="1148183" y="1902493"/>
+              <a:off x="1148183" y="1902485"/>
               <a:ext cx="186466" cy="81691"/>
             </a:xfrm>
             <a:prstGeom prst="rect">
@@ -37537,7 +37537,7 @@
           </p:nvSpPr>
           <p:spPr>
             <a:xfrm>
-              <a:off x="1148183" y="1480726"/>
+              <a:off x="1148183" y="1480713"/>
               <a:ext cx="186466" cy="81691"/>
             </a:xfrm>
             <a:prstGeom prst="rect">
@@ -37583,7 +37583,7 @@
           </p:nvSpPr>
           <p:spPr>
             <a:xfrm>
-              <a:off x="1362485" y="2787718"/>
+              <a:off x="1362485" y="2787721"/>
               <a:ext cx="34794" cy="0"/>
             </a:xfrm>
             <a:custGeom>
@@ -37623,7 +37623,7 @@
           </p:nvSpPr>
           <p:spPr>
             <a:xfrm>
-              <a:off x="1362485" y="2365952"/>
+              <a:off x="1362485" y="2365949"/>
               <a:ext cx="34794" cy="0"/>
             </a:xfrm>
             <a:custGeom>
@@ -37663,7 +37663,7 @@
           </p:nvSpPr>
           <p:spPr>
             <a:xfrm>
-              <a:off x="1362485" y="1944185"/>
+              <a:off x="1362485" y="1944177"/>
               <a:ext cx="34794" cy="0"/>
             </a:xfrm>
             <a:custGeom>
@@ -37703,7 +37703,7 @@
           </p:nvSpPr>
           <p:spPr>
             <a:xfrm>
-              <a:off x="1362485" y="1522418"/>
+              <a:off x="1362485" y="1522405"/>
               <a:ext cx="34794" cy="0"/>
             </a:xfrm>
             <a:custGeom>
@@ -37743,7 +37743,7 @@
           </p:nvSpPr>
           <p:spPr>
             <a:xfrm>
-              <a:off x="1148183" y="4671359"/>
+              <a:off x="1148183" y="4671362"/>
               <a:ext cx="186466" cy="81691"/>
             </a:xfrm>
             <a:prstGeom prst="rect">
@@ -37789,7 +37789,7 @@
           </p:nvSpPr>
           <p:spPr>
             <a:xfrm>
-              <a:off x="1148183" y="4249592"/>
+              <a:off x="1148183" y="4249590"/>
               <a:ext cx="186466" cy="81691"/>
             </a:xfrm>
             <a:prstGeom prst="rect">
@@ -37835,7 +37835,7 @@
           </p:nvSpPr>
           <p:spPr>
             <a:xfrm>
-              <a:off x="1148183" y="3827826"/>
+              <a:off x="1148183" y="3827818"/>
               <a:ext cx="186466" cy="81691"/>
             </a:xfrm>
             <a:prstGeom prst="rect">
@@ -37881,7 +37881,7 @@
           </p:nvSpPr>
           <p:spPr>
             <a:xfrm>
-              <a:off x="1148183" y="3406059"/>
+              <a:off x="1148183" y="3406046"/>
               <a:ext cx="186466" cy="81691"/>
             </a:xfrm>
             <a:prstGeom prst="rect">
@@ -37927,7 +37927,7 @@
           </p:nvSpPr>
           <p:spPr>
             <a:xfrm>
-              <a:off x="1362485" y="4713051"/>
+              <a:off x="1362485" y="4713054"/>
               <a:ext cx="34794" cy="0"/>
             </a:xfrm>
             <a:custGeom>
@@ -37967,7 +37967,7 @@
           </p:nvSpPr>
           <p:spPr>
             <a:xfrm>
-              <a:off x="1362485" y="4291284"/>
+              <a:off x="1362485" y="4291282"/>
               <a:ext cx="34794" cy="0"/>
             </a:xfrm>
             <a:custGeom>
@@ -38007,7 +38007,7 @@
           </p:nvSpPr>
           <p:spPr>
             <a:xfrm>
-              <a:off x="1362485" y="3869517"/>
+              <a:off x="1362485" y="3869510"/>
               <a:ext cx="34794" cy="0"/>
             </a:xfrm>
             <a:custGeom>
@@ -38047,7 +38047,7 @@
           </p:nvSpPr>
           <p:spPr>
             <a:xfrm>
-              <a:off x="1362485" y="3447750"/>
+              <a:off x="1362485" y="3447738"/>
               <a:ext cx="34794" cy="0"/>
             </a:xfrm>
             <a:custGeom>
@@ -38087,7 +38087,7 @@
           </p:nvSpPr>
           <p:spPr>
             <a:xfrm>
-              <a:off x="1148183" y="6596692"/>
+              <a:off x="1148183" y="6596695"/>
               <a:ext cx="186466" cy="81691"/>
             </a:xfrm>
             <a:prstGeom prst="rect">
@@ -38133,7 +38133,7 @@
           </p:nvSpPr>
           <p:spPr>
             <a:xfrm>
-              <a:off x="1148183" y="6174925"/>
+              <a:off x="1148183" y="6174923"/>
               <a:ext cx="186466" cy="81691"/>
             </a:xfrm>
             <a:prstGeom prst="rect">
@@ -38179,7 +38179,7 @@
           </p:nvSpPr>
           <p:spPr>
             <a:xfrm>
-              <a:off x="1148183" y="5753158"/>
+              <a:off x="1148183" y="5753151"/>
               <a:ext cx="186466" cy="81691"/>
             </a:xfrm>
             <a:prstGeom prst="rect">
@@ -38225,7 +38225,7 @@
           </p:nvSpPr>
           <p:spPr>
             <a:xfrm>
-              <a:off x="1148183" y="5331391"/>
+              <a:off x="1148183" y="5331378"/>
               <a:ext cx="186466" cy="81691"/>
             </a:xfrm>
             <a:prstGeom prst="rect">
@@ -38271,7 +38271,7 @@
           </p:nvSpPr>
           <p:spPr>
             <a:xfrm>
-              <a:off x="1362485" y="6638383"/>
+              <a:off x="1362485" y="6638386"/>
               <a:ext cx="34794" cy="0"/>
             </a:xfrm>
             <a:custGeom>
@@ -38311,7 +38311,7 @@
           </p:nvSpPr>
           <p:spPr>
             <a:xfrm>
-              <a:off x="1362485" y="6216617"/>
+              <a:off x="1362485" y="6216614"/>
               <a:ext cx="34794" cy="0"/>
             </a:xfrm>
             <a:custGeom>
@@ -38351,7 +38351,7 @@
           </p:nvSpPr>
           <p:spPr>
             <a:xfrm>
-              <a:off x="1362485" y="5794850"/>
+              <a:off x="1362485" y="5794842"/>
               <a:ext cx="34794" cy="0"/>
             </a:xfrm>
             <a:custGeom>
@@ -38391,7 +38391,7 @@
           </p:nvSpPr>
           <p:spPr>
             <a:xfrm>
-              <a:off x="1362485" y="5373083"/>
+              <a:off x="1362485" y="5373070"/>
               <a:ext cx="34794" cy="0"/>
             </a:xfrm>
             <a:custGeom>

--- a/Images/Figures_PPT/Jitter_Plot_LST8_All.pptx
+++ b/Images/Figures_PPT/Jitter_Plot_LST8_All.pptx
@@ -2359,7 +2359,7 @@
           </p:nvSpPr>
           <p:spPr>
             <a:xfrm>
-              <a:off x="1397280" y="2998607"/>
+              <a:off x="1397280" y="2998658"/>
               <a:ext cx="2817450" cy="0"/>
             </a:xfrm>
             <a:custGeom>
@@ -2445,7 +2445,7 @@
           </p:nvSpPr>
           <p:spPr>
             <a:xfrm>
-              <a:off x="1397280" y="2155063"/>
+              <a:off x="1397280" y="2155011"/>
               <a:ext cx="2817450" cy="0"/>
             </a:xfrm>
             <a:custGeom>
@@ -2488,7 +2488,7 @@
           </p:nvSpPr>
           <p:spPr>
             <a:xfrm>
-              <a:off x="1397280" y="1733291"/>
+              <a:off x="1397280" y="1733188"/>
               <a:ext cx="2817450" cy="0"/>
             </a:xfrm>
             <a:custGeom>
@@ -2531,7 +2531,7 @@
           </p:nvSpPr>
           <p:spPr>
             <a:xfrm>
-              <a:off x="1397280" y="2787721"/>
+              <a:off x="1397280" y="2787746"/>
               <a:ext cx="2817450" cy="0"/>
             </a:xfrm>
             <a:custGeom>
@@ -2574,7 +2574,7 @@
           </p:nvSpPr>
           <p:spPr>
             <a:xfrm>
-              <a:off x="1397280" y="2365949"/>
+              <a:off x="1397280" y="2365923"/>
               <a:ext cx="2817450" cy="0"/>
             </a:xfrm>
             <a:custGeom>
@@ -2617,7 +2617,7 @@
           </p:nvSpPr>
           <p:spPr>
             <a:xfrm>
-              <a:off x="1397280" y="1944177"/>
+              <a:off x="1397280" y="1944100"/>
               <a:ext cx="2817450" cy="0"/>
             </a:xfrm>
             <a:custGeom>
@@ -2660,7 +2660,7 @@
           </p:nvSpPr>
           <p:spPr>
             <a:xfrm>
-              <a:off x="1397280" y="1522405"/>
+              <a:off x="1397280" y="1522277"/>
               <a:ext cx="2817450" cy="0"/>
             </a:xfrm>
             <a:custGeom>
@@ -2832,7 +2832,7 @@
           </p:nvSpPr>
           <p:spPr>
             <a:xfrm>
-              <a:off x="2615722" y="2548649"/>
+              <a:off x="2750556" y="2548547"/>
               <a:ext cx="63202" cy="63202"/>
             </a:xfrm>
             <a:custGeom>
@@ -2875,7 +2875,7 @@
           </p:nvSpPr>
           <p:spPr>
             <a:xfrm>
-              <a:off x="1762035" y="2522449"/>
+              <a:off x="1823140" y="2522406"/>
               <a:ext cx="63202" cy="63202"/>
             </a:xfrm>
             <a:custGeom>
@@ -2918,7 +2918,7 @@
           </p:nvSpPr>
           <p:spPr>
             <a:xfrm>
-              <a:off x="3584740" y="1466704"/>
+              <a:off x="3588313" y="1466704"/>
               <a:ext cx="63202" cy="63202"/>
             </a:xfrm>
             <a:custGeom>
@@ -2961,7 +2961,7 @@
           </p:nvSpPr>
           <p:spPr>
             <a:xfrm>
-              <a:off x="3560340" y="2847606"/>
+              <a:off x="3577262" y="2847749"/>
               <a:ext cx="63202" cy="63202"/>
             </a:xfrm>
             <a:custGeom>
@@ -3004,7 +3004,7 @@
           </p:nvSpPr>
           <p:spPr>
             <a:xfrm>
-              <a:off x="3720339" y="2854132"/>
+              <a:off x="3755802" y="2854192"/>
               <a:ext cx="63202" cy="63202"/>
             </a:xfrm>
             <a:custGeom>
@@ -3047,7 +3047,7 @@
           </p:nvSpPr>
           <p:spPr>
             <a:xfrm>
-              <a:off x="1679850" y="2541076"/>
+              <a:off x="1943050" y="2540976"/>
               <a:ext cx="63202" cy="63202"/>
             </a:xfrm>
             <a:custGeom>
@@ -3090,7 +3090,7 @@
           </p:nvSpPr>
           <p:spPr>
             <a:xfrm>
-              <a:off x="2822007" y="2605549"/>
+              <a:off x="2545178" y="2605548"/>
               <a:ext cx="63202" cy="63202"/>
             </a:xfrm>
             <a:custGeom>
@@ -3133,7 +3133,7 @@
           </p:nvSpPr>
           <p:spPr>
             <a:xfrm>
-              <a:off x="3767728" y="2913472"/>
+              <a:off x="3543865" y="2913518"/>
               <a:ext cx="63202" cy="63202"/>
             </a:xfrm>
             <a:custGeom>
@@ -3176,7 +3176,7 @@
           </p:nvSpPr>
           <p:spPr>
             <a:xfrm>
-              <a:off x="2176484" y="2504999"/>
+              <a:off x="1760467" y="2504878"/>
               <a:ext cx="63202" cy="63202"/>
             </a:xfrm>
             <a:custGeom>
@@ -3219,7 +3219,7 @@
           </p:nvSpPr>
           <p:spPr>
             <a:xfrm>
-              <a:off x="3491595" y="2838006"/>
+              <a:off x="3789759" y="2838011"/>
               <a:ext cx="63202" cy="63202"/>
             </a:xfrm>
             <a:custGeom>
@@ -3262,7 +3262,7 @@
           </p:nvSpPr>
           <p:spPr>
             <a:xfrm>
-              <a:off x="2941353" y="2556910"/>
+              <a:off x="2583677" y="2556845"/>
               <a:ext cx="63202" cy="63202"/>
             </a:xfrm>
             <a:custGeom>
@@ -3305,7 +3305,7 @@
           </p:nvSpPr>
           <p:spPr>
             <a:xfrm>
-              <a:off x="3680954" y="2913663"/>
+              <a:off x="3720782" y="2913729"/>
               <a:ext cx="63202" cy="63202"/>
             </a:xfrm>
             <a:custGeom>
@@ -3348,7 +3348,7 @@
           </p:nvSpPr>
           <p:spPr>
             <a:xfrm>
-              <a:off x="3959198" y="2913798"/>
+              <a:off x="3670893" y="2913976"/>
               <a:ext cx="63202" cy="63202"/>
             </a:xfrm>
             <a:custGeom>
@@ -3391,7 +3391,7 @@
           </p:nvSpPr>
           <p:spPr>
             <a:xfrm>
-              <a:off x="1744907" y="2504976"/>
+              <a:off x="2080700" y="2504987"/>
               <a:ext cx="63202" cy="63202"/>
             </a:xfrm>
             <a:custGeom>
@@ -3434,7 +3434,7 @@
           </p:nvSpPr>
           <p:spPr>
             <a:xfrm>
-              <a:off x="3899062" y="2913205"/>
+              <a:off x="3360073" y="2913298"/>
               <a:ext cx="63202" cy="63202"/>
             </a:xfrm>
             <a:custGeom>
@@ -3477,7 +3477,7 @@
           </p:nvSpPr>
           <p:spPr>
             <a:xfrm>
-              <a:off x="2592943" y="2667597"/>
+              <a:off x="2550647" y="2667555"/>
               <a:ext cx="63202" cy="63202"/>
             </a:xfrm>
             <a:custGeom>
@@ -3520,7 +3520,7 @@
           </p:nvSpPr>
           <p:spPr>
             <a:xfrm>
-              <a:off x="3812386" y="2913411"/>
+              <a:off x="3449013" y="2913567"/>
               <a:ext cx="63202" cy="63202"/>
             </a:xfrm>
             <a:custGeom>
@@ -3563,7 +3563,7 @@
           </p:nvSpPr>
           <p:spPr>
             <a:xfrm>
-              <a:off x="3706370" y="2913621"/>
+              <a:off x="3421623" y="2913676"/>
               <a:ext cx="63202" cy="63202"/>
             </a:xfrm>
             <a:custGeom>
@@ -3606,7 +3606,7 @@
           </p:nvSpPr>
           <p:spPr>
             <a:xfrm>
-              <a:off x="3358880" y="2913931"/>
+              <a:off x="3503962" y="2913880"/>
               <a:ext cx="63202" cy="63202"/>
             </a:xfrm>
             <a:custGeom>
@@ -3649,7 +3649,7 @@
           </p:nvSpPr>
           <p:spPr>
             <a:xfrm>
-              <a:off x="3542045" y="2913442"/>
+              <a:off x="3307219" y="2913413"/>
               <a:ext cx="63202" cy="63202"/>
             </a:xfrm>
             <a:custGeom>
@@ -3692,7 +3692,7 @@
           </p:nvSpPr>
           <p:spPr>
             <a:xfrm>
-              <a:off x="3793272" y="2913569"/>
+              <a:off x="3606793" y="2913664"/>
               <a:ext cx="63202" cy="63202"/>
             </a:xfrm>
             <a:custGeom>
@@ -3735,7 +3735,7 @@
           </p:nvSpPr>
           <p:spPr>
             <a:xfrm>
-              <a:off x="3443787" y="2913832"/>
+              <a:off x="3837274" y="2913897"/>
               <a:ext cx="63202" cy="63202"/>
             </a:xfrm>
             <a:custGeom>
@@ -3778,7 +3778,7 @@
           </p:nvSpPr>
           <p:spPr>
             <a:xfrm>
-              <a:off x="3796519" y="2913644"/>
+              <a:off x="3519515" y="2913686"/>
               <a:ext cx="63202" cy="63202"/>
             </a:xfrm>
             <a:custGeom>
@@ -3821,7 +3821,7 @@
           </p:nvSpPr>
           <p:spPr>
             <a:xfrm>
-              <a:off x="3835015" y="2911555"/>
+              <a:off x="3565688" y="2911571"/>
               <a:ext cx="63202" cy="63202"/>
             </a:xfrm>
             <a:custGeom>
@@ -3864,7 +3864,7 @@
           </p:nvSpPr>
           <p:spPr>
             <a:xfrm>
-              <a:off x="3394433" y="2914757"/>
+              <a:off x="3808160" y="2914724"/>
               <a:ext cx="63202" cy="63202"/>
             </a:xfrm>
             <a:custGeom>
@@ -3907,7 +3907,7 @@
           </p:nvSpPr>
           <p:spPr>
             <a:xfrm>
-              <a:off x="3652517" y="2913568"/>
+              <a:off x="3311853" y="2913711"/>
               <a:ext cx="63202" cy="63202"/>
             </a:xfrm>
             <a:custGeom>
@@ -3950,7 +3950,7 @@
           </p:nvSpPr>
           <p:spPr>
             <a:xfrm>
-              <a:off x="3859685" y="2930441"/>
+              <a:off x="3333853" y="2930611"/>
               <a:ext cx="63202" cy="63202"/>
             </a:xfrm>
             <a:custGeom>
@@ -3993,7 +3993,7 @@
           </p:nvSpPr>
           <p:spPr>
             <a:xfrm>
-              <a:off x="3759668" y="2929719"/>
+              <a:off x="3345236" y="2929709"/>
               <a:ext cx="63202" cy="63202"/>
             </a:xfrm>
             <a:custGeom>
@@ -4036,7 +4036,7 @@
           </p:nvSpPr>
           <p:spPr>
             <a:xfrm>
-              <a:off x="2929070" y="2547206"/>
+              <a:off x="3120557" y="2547095"/>
               <a:ext cx="63202" cy="63202"/>
             </a:xfrm>
             <a:custGeom>
@@ -4079,7 +4079,7 @@
           </p:nvSpPr>
           <p:spPr>
             <a:xfrm>
-              <a:off x="2740580" y="2553709"/>
+              <a:off x="2728156" y="2553679"/>
               <a:ext cx="63202" cy="63202"/>
             </a:xfrm>
             <a:custGeom>
@@ -4122,7 +4122,7 @@
           </p:nvSpPr>
           <p:spPr>
             <a:xfrm>
-              <a:off x="3989052" y="2903032"/>
+              <a:off x="3928953" y="2903206"/>
               <a:ext cx="63202" cy="63202"/>
             </a:xfrm>
             <a:custGeom>
@@ -4165,7 +4165,7 @@
           </p:nvSpPr>
           <p:spPr>
             <a:xfrm>
-              <a:off x="3528949" y="2938592"/>
+              <a:off x="3467469" y="2938622"/>
               <a:ext cx="63202" cy="63202"/>
             </a:xfrm>
             <a:custGeom>
@@ -4208,7 +4208,7 @@
           </p:nvSpPr>
           <p:spPr>
             <a:xfrm>
-              <a:off x="3898795" y="2913597"/>
+              <a:off x="3384844" y="2913767"/>
               <a:ext cx="63202" cy="63202"/>
             </a:xfrm>
             <a:custGeom>
@@ -4251,7 +4251,7 @@
           </p:nvSpPr>
           <p:spPr>
             <a:xfrm>
-              <a:off x="2622871" y="2693886"/>
+              <a:off x="2840349" y="2693900"/>
               <a:ext cx="63202" cy="63202"/>
             </a:xfrm>
             <a:custGeom>
@@ -4294,7 +4294,7 @@
           </p:nvSpPr>
           <p:spPr>
             <a:xfrm>
-              <a:off x="2900247" y="2703619"/>
+              <a:off x="2576331" y="2703698"/>
               <a:ext cx="63202" cy="63202"/>
             </a:xfrm>
             <a:custGeom>
@@ -4337,7 +4337,7 @@
           </p:nvSpPr>
           <p:spPr>
             <a:xfrm>
-              <a:off x="2942335" y="2611159"/>
+              <a:off x="3039189" y="2611277"/>
               <a:ext cx="63202" cy="63202"/>
             </a:xfrm>
             <a:custGeom>
@@ -4380,7 +4380,7 @@
           </p:nvSpPr>
           <p:spPr>
             <a:xfrm>
-              <a:off x="1726178" y="2500699"/>
+              <a:off x="1977754" y="2500709"/>
               <a:ext cx="63202" cy="63202"/>
             </a:xfrm>
             <a:custGeom>
@@ -4423,7 +4423,7 @@
           </p:nvSpPr>
           <p:spPr>
             <a:xfrm>
-              <a:off x="2243121" y="2504310"/>
+              <a:off x="1953604" y="2504350"/>
               <a:ext cx="63202" cy="63202"/>
             </a:xfrm>
             <a:custGeom>
@@ -4466,7 +4466,7 @@
           </p:nvSpPr>
           <p:spPr>
             <a:xfrm>
-              <a:off x="1724735" y="2505976"/>
+              <a:off x="1916481" y="2505954"/>
               <a:ext cx="63202" cy="63202"/>
             </a:xfrm>
             <a:custGeom>
@@ -4509,7 +4509,7 @@
           </p:nvSpPr>
           <p:spPr>
             <a:xfrm>
-              <a:off x="3928136" y="2856497"/>
+              <a:off x="3550566" y="2856550"/>
               <a:ext cx="63202" cy="63202"/>
             </a:xfrm>
             <a:custGeom>
@@ -4552,7 +4552,7 @@
           </p:nvSpPr>
           <p:spPr>
             <a:xfrm>
-              <a:off x="3561104" y="2902904"/>
+              <a:off x="3767827" y="2902908"/>
               <a:ext cx="63202" cy="63202"/>
             </a:xfrm>
             <a:custGeom>
@@ -4595,7 +4595,7 @@
           </p:nvSpPr>
           <p:spPr>
             <a:xfrm>
-              <a:off x="1549131" y="2391343"/>
+              <a:off x="2064912" y="2391208"/>
               <a:ext cx="63202" cy="63202"/>
             </a:xfrm>
             <a:custGeom>
@@ -4638,7 +4638,7 @@
           </p:nvSpPr>
           <p:spPr>
             <a:xfrm>
-              <a:off x="3658522" y="2860855"/>
+              <a:off x="3925683" y="2860905"/>
               <a:ext cx="63202" cy="63202"/>
             </a:xfrm>
             <a:custGeom>
@@ -4681,7 +4681,7 @@
           </p:nvSpPr>
           <p:spPr>
             <a:xfrm>
-              <a:off x="2829024" y="2589152"/>
+              <a:off x="2608829" y="2589150"/>
               <a:ext cx="63202" cy="63202"/>
             </a:xfrm>
             <a:custGeom>
@@ -4724,7 +4724,7 @@
           </p:nvSpPr>
           <p:spPr>
             <a:xfrm>
-              <a:off x="2978292" y="2655756"/>
+              <a:off x="2798923" y="2655766"/>
               <a:ext cx="63202" cy="63202"/>
             </a:xfrm>
             <a:custGeom>
@@ -4767,7 +4767,7 @@
           </p:nvSpPr>
           <p:spPr>
             <a:xfrm>
-              <a:off x="3621006" y="2540631"/>
+              <a:off x="3589311" y="2540670"/>
               <a:ext cx="63202" cy="63202"/>
             </a:xfrm>
             <a:custGeom>
@@ -4810,7 +4810,7 @@
           </p:nvSpPr>
           <p:spPr>
             <a:xfrm>
-              <a:off x="1848108" y="2506601"/>
+              <a:off x="1816335" y="2506696"/>
               <a:ext cx="63202" cy="63202"/>
             </a:xfrm>
             <a:custGeom>
@@ -4909,7 +4909,7 @@
           </p:nvSpPr>
           <p:spPr>
             <a:xfrm>
-              <a:off x="1397280" y="4923940"/>
+              <a:off x="1397280" y="4923990"/>
               <a:ext cx="2817450" cy="0"/>
             </a:xfrm>
             <a:custGeom>
@@ -4952,7 +4952,7 @@
           </p:nvSpPr>
           <p:spPr>
             <a:xfrm>
-              <a:off x="1397280" y="4502168"/>
+              <a:off x="1397280" y="4502167"/>
               <a:ext cx="2817450" cy="0"/>
             </a:xfrm>
             <a:custGeom>
@@ -4995,7 +4995,7 @@
           </p:nvSpPr>
           <p:spPr>
             <a:xfrm>
-              <a:off x="1397280" y="4080396"/>
+              <a:off x="1397280" y="4080344"/>
               <a:ext cx="2817450" cy="0"/>
             </a:xfrm>
             <a:custGeom>
@@ -5038,7 +5038,7 @@
           </p:nvSpPr>
           <p:spPr>
             <a:xfrm>
-              <a:off x="1397280" y="3658624"/>
+              <a:off x="1397280" y="3658521"/>
               <a:ext cx="2817450" cy="0"/>
             </a:xfrm>
             <a:custGeom>
@@ -5081,7 +5081,7 @@
           </p:nvSpPr>
           <p:spPr>
             <a:xfrm>
-              <a:off x="1397280" y="4713054"/>
+              <a:off x="1397280" y="4713079"/>
               <a:ext cx="2817450" cy="0"/>
             </a:xfrm>
             <a:custGeom>
@@ -5124,7 +5124,7 @@
           </p:nvSpPr>
           <p:spPr>
             <a:xfrm>
-              <a:off x="1397280" y="4291282"/>
+              <a:off x="1397280" y="4291256"/>
               <a:ext cx="2817450" cy="0"/>
             </a:xfrm>
             <a:custGeom>
@@ -5167,7 +5167,7 @@
           </p:nvSpPr>
           <p:spPr>
             <a:xfrm>
-              <a:off x="1397280" y="3869510"/>
+              <a:off x="1397280" y="3869432"/>
               <a:ext cx="2817450" cy="0"/>
             </a:xfrm>
             <a:custGeom>
@@ -5210,7 +5210,7 @@
           </p:nvSpPr>
           <p:spPr>
             <a:xfrm>
-              <a:off x="1397280" y="3447738"/>
+              <a:off x="1397280" y="3447609"/>
               <a:ext cx="2817450" cy="0"/>
             </a:xfrm>
             <a:custGeom>
@@ -5382,7 +5382,7 @@
           </p:nvSpPr>
           <p:spPr>
             <a:xfrm>
-              <a:off x="3123218" y="4690394"/>
+              <a:off x="2678689" y="4690358"/>
               <a:ext cx="63202" cy="63202"/>
             </a:xfrm>
             <a:custGeom>
@@ -5425,7 +5425,7 @@
           </p:nvSpPr>
           <p:spPr>
             <a:xfrm>
-              <a:off x="2699894" y="4656019"/>
+              <a:off x="2569841" y="4656029"/>
               <a:ext cx="63202" cy="63202"/>
             </a:xfrm>
             <a:custGeom>
@@ -5468,7 +5468,7 @@
           </p:nvSpPr>
           <p:spPr>
             <a:xfrm>
-              <a:off x="2695082" y="4693263"/>
+              <a:off x="3083949" y="4693275"/>
               <a:ext cx="63202" cy="63202"/>
             </a:xfrm>
             <a:custGeom>
@@ -5511,7 +5511,7 @@
           </p:nvSpPr>
           <p:spPr>
             <a:xfrm>
-              <a:off x="2436477" y="4709673"/>
+              <a:off x="2999862" y="4709797"/>
               <a:ext cx="63202" cy="63202"/>
             </a:xfrm>
             <a:custGeom>
@@ -5554,7 +5554,7 @@
           </p:nvSpPr>
           <p:spPr>
             <a:xfrm>
-              <a:off x="2481466" y="4692369"/>
+              <a:off x="2961770" y="4692381"/>
               <a:ext cx="63202" cy="63202"/>
             </a:xfrm>
             <a:custGeom>
@@ -5597,7 +5597,7 @@
           </p:nvSpPr>
           <p:spPr>
             <a:xfrm>
-              <a:off x="2477605" y="4709967"/>
+              <a:off x="2644182" y="4710026"/>
               <a:ext cx="63202" cy="63202"/>
             </a:xfrm>
             <a:custGeom>
@@ -5640,7 +5640,7 @@
           </p:nvSpPr>
           <p:spPr>
             <a:xfrm>
-              <a:off x="3636290" y="4791193"/>
+              <a:off x="3608140" y="4791139"/>
               <a:ext cx="63202" cy="63202"/>
             </a:xfrm>
             <a:custGeom>
@@ -5683,7 +5683,7 @@
           </p:nvSpPr>
           <p:spPr>
             <a:xfrm>
-              <a:off x="2752930" y="4669615"/>
+              <a:off x="2561088" y="4669630"/>
               <a:ext cx="63202" cy="63202"/>
             </a:xfrm>
             <a:custGeom>
@@ -5726,7 +5726,7 @@
           </p:nvSpPr>
           <p:spPr>
             <a:xfrm>
-              <a:off x="3884635" y="4850205"/>
+              <a:off x="3813801" y="4850222"/>
               <a:ext cx="63202" cy="63202"/>
             </a:xfrm>
             <a:custGeom>
@@ -5769,7 +5769,7 @@
           </p:nvSpPr>
           <p:spPr>
             <a:xfrm>
-              <a:off x="3814794" y="4869978"/>
+              <a:off x="3943303" y="4870018"/>
               <a:ext cx="63202" cy="63202"/>
             </a:xfrm>
             <a:custGeom>
@@ -5812,7 +5812,7 @@
           </p:nvSpPr>
           <p:spPr>
             <a:xfrm>
-              <a:off x="3453056" y="4836636"/>
+              <a:off x="3384045" y="4836761"/>
               <a:ext cx="63202" cy="63202"/>
             </a:xfrm>
             <a:custGeom>
@@ -5855,7 +5855,7 @@
           </p:nvSpPr>
           <p:spPr>
             <a:xfrm>
-              <a:off x="2734567" y="4605093"/>
+              <a:off x="2861277" y="4605080"/>
               <a:ext cx="63202" cy="63202"/>
             </a:xfrm>
             <a:custGeom>
@@ -5898,7 +5898,7 @@
           </p:nvSpPr>
           <p:spPr>
             <a:xfrm>
-              <a:off x="3020916" y="4700468"/>
+              <a:off x="2869841" y="4700519"/>
               <a:ext cx="63202" cy="63202"/>
             </a:xfrm>
             <a:custGeom>
@@ -5941,7 +5941,7 @@
           </p:nvSpPr>
           <p:spPr>
             <a:xfrm>
-              <a:off x="3445875" y="4802675"/>
+              <a:off x="3547504" y="4802697"/>
               <a:ext cx="63202" cy="63202"/>
             </a:xfrm>
             <a:custGeom>
@@ -5984,7 +5984,7 @@
           </p:nvSpPr>
           <p:spPr>
             <a:xfrm>
-              <a:off x="1713670" y="4334410"/>
+              <a:off x="2167017" y="4334239"/>
               <a:ext cx="63202" cy="63202"/>
             </a:xfrm>
             <a:custGeom>
@@ -6027,7 +6027,7 @@
           </p:nvSpPr>
           <p:spPr>
             <a:xfrm>
-              <a:off x="1591259" y="4318379"/>
+              <a:off x="1651479" y="4318227"/>
               <a:ext cx="63202" cy="63202"/>
             </a:xfrm>
             <a:custGeom>
@@ -6070,7 +6070,7 @@
           </p:nvSpPr>
           <p:spPr>
             <a:xfrm>
-              <a:off x="2139025" y="4252683"/>
+              <a:off x="1550656" y="4252632"/>
               <a:ext cx="63202" cy="63202"/>
             </a:xfrm>
             <a:custGeom>
@@ -6113,7 +6113,7 @@
           </p:nvSpPr>
           <p:spPr>
             <a:xfrm>
-              <a:off x="3663397" y="4802889"/>
+              <a:off x="3644343" y="4803020"/>
               <a:ext cx="63202" cy="63202"/>
             </a:xfrm>
             <a:custGeom>
@@ -6156,7 +6156,7 @@
           </p:nvSpPr>
           <p:spPr>
             <a:xfrm>
-              <a:off x="3053286" y="4683787"/>
+              <a:off x="2692513" y="4683850"/>
               <a:ext cx="63202" cy="63202"/>
             </a:xfrm>
             <a:custGeom>
@@ -6199,7 +6199,7 @@
           </p:nvSpPr>
           <p:spPr>
             <a:xfrm>
-              <a:off x="3100798" y="4687615"/>
+              <a:off x="2730589" y="4687595"/>
               <a:ext cx="63202" cy="63202"/>
             </a:xfrm>
             <a:custGeom>
@@ -6242,7 +6242,7 @@
           </p:nvSpPr>
           <p:spPr>
             <a:xfrm>
-              <a:off x="3312201" y="4736894"/>
+              <a:off x="3753212" y="4736995"/>
               <a:ext cx="63202" cy="63202"/>
             </a:xfrm>
             <a:custGeom>
@@ -6341,7 +6341,7 @@
           </p:nvSpPr>
           <p:spPr>
             <a:xfrm>
-              <a:off x="1397280" y="6849273"/>
+              <a:off x="1397280" y="6849323"/>
               <a:ext cx="2817450" cy="0"/>
             </a:xfrm>
             <a:custGeom>
@@ -6427,7 +6427,7 @@
           </p:nvSpPr>
           <p:spPr>
             <a:xfrm>
-              <a:off x="1397280" y="6005728"/>
+              <a:off x="1397280" y="6005677"/>
               <a:ext cx="2817450" cy="0"/>
             </a:xfrm>
             <a:custGeom>
@@ -6470,7 +6470,7 @@
           </p:nvSpPr>
           <p:spPr>
             <a:xfrm>
-              <a:off x="1397280" y="5583956"/>
+              <a:off x="1397280" y="5583853"/>
               <a:ext cx="2817450" cy="0"/>
             </a:xfrm>
             <a:custGeom>
@@ -6513,7 +6513,7 @@
           </p:nvSpPr>
           <p:spPr>
             <a:xfrm>
-              <a:off x="1397280" y="6638386"/>
+              <a:off x="1397280" y="6638411"/>
               <a:ext cx="2817450" cy="0"/>
             </a:xfrm>
             <a:custGeom>
@@ -6556,7 +6556,7 @@
           </p:nvSpPr>
           <p:spPr>
             <a:xfrm>
-              <a:off x="1397280" y="6216614"/>
+              <a:off x="1397280" y="6216588"/>
               <a:ext cx="2817450" cy="0"/>
             </a:xfrm>
             <a:custGeom>
@@ -6599,7 +6599,7 @@
           </p:nvSpPr>
           <p:spPr>
             <a:xfrm>
-              <a:off x="1397280" y="5794842"/>
+              <a:off x="1397280" y="5794765"/>
               <a:ext cx="2817450" cy="0"/>
             </a:xfrm>
             <a:custGeom>
@@ -6642,7 +6642,7 @@
           </p:nvSpPr>
           <p:spPr>
             <a:xfrm>
-              <a:off x="1397280" y="5373070"/>
+              <a:off x="1397280" y="5372942"/>
               <a:ext cx="2817450" cy="0"/>
             </a:xfrm>
             <a:custGeom>
@@ -6814,7 +6814,7 @@
           </p:nvSpPr>
           <p:spPr>
             <a:xfrm>
-              <a:off x="1900612" y="6210054"/>
+              <a:off x="2243407" y="6210029"/>
               <a:ext cx="63202" cy="63202"/>
             </a:xfrm>
             <a:custGeom>
@@ -6857,7 +6857,7 @@
           </p:nvSpPr>
           <p:spPr>
             <a:xfrm>
-              <a:off x="1960635" y="6263059"/>
+              <a:off x="2118110" y="6263079"/>
               <a:ext cx="63202" cy="63202"/>
             </a:xfrm>
             <a:custGeom>
@@ -6900,7 +6900,7 @@
           </p:nvSpPr>
           <p:spPr>
             <a:xfrm>
-              <a:off x="1859467" y="6256721"/>
+              <a:off x="2006746" y="6256755"/>
               <a:ext cx="63202" cy="63202"/>
             </a:xfrm>
             <a:custGeom>
@@ -6943,7 +6943,7 @@
           </p:nvSpPr>
           <p:spPr>
             <a:xfrm>
-              <a:off x="2058343" y="6254352"/>
+              <a:off x="2092933" y="6254319"/>
               <a:ext cx="63202" cy="63202"/>
             </a:xfrm>
             <a:custGeom>
@@ -6986,7 +6986,7 @@
           </p:nvSpPr>
           <p:spPr>
             <a:xfrm>
-              <a:off x="3563000" y="6782449"/>
+              <a:off x="3513704" y="6782504"/>
               <a:ext cx="63202" cy="63202"/>
             </a:xfrm>
             <a:custGeom>
@@ -7029,7 +7029,7 @@
           </p:nvSpPr>
           <p:spPr>
             <a:xfrm>
-              <a:off x="1692134" y="6340677"/>
+              <a:off x="1827728" y="6340682"/>
               <a:ext cx="63202" cy="63202"/>
             </a:xfrm>
             <a:custGeom>
@@ -7072,7 +7072,7 @@
           </p:nvSpPr>
           <p:spPr>
             <a:xfrm>
-              <a:off x="1585110" y="6223010"/>
+              <a:off x="1547112" y="6222881"/>
               <a:ext cx="63202" cy="63202"/>
             </a:xfrm>
             <a:custGeom>
@@ -7115,7 +7115,7 @@
           </p:nvSpPr>
           <p:spPr>
             <a:xfrm>
-              <a:off x="1656188" y="6232324"/>
+              <a:off x="2082526" y="6232248"/>
               <a:ext cx="63202" cy="63202"/>
             </a:xfrm>
             <a:custGeom>
@@ -7158,7 +7158,7 @@
           </p:nvSpPr>
           <p:spPr>
             <a:xfrm>
-              <a:off x="2018016" y="6329814"/>
+              <a:off x="1636438" y="6329964"/>
               <a:ext cx="63202" cy="63202"/>
             </a:xfrm>
             <a:custGeom>
@@ -7201,7 +7201,7 @@
           </p:nvSpPr>
           <p:spPr>
             <a:xfrm>
-              <a:off x="2156342" y="6260007"/>
+              <a:off x="2026965" y="6260080"/>
               <a:ext cx="63202" cy="63202"/>
             </a:xfrm>
             <a:custGeom>
@@ -7244,7 +7244,7 @@
           </p:nvSpPr>
           <p:spPr>
             <a:xfrm>
-              <a:off x="1559705" y="6388310"/>
+              <a:off x="1899293" y="6388341"/>
               <a:ext cx="63202" cy="63202"/>
             </a:xfrm>
             <a:custGeom>
@@ -7287,7 +7287,7 @@
           </p:nvSpPr>
           <p:spPr>
             <a:xfrm>
-              <a:off x="2909457" y="6352598"/>
+              <a:off x="3098443" y="6352728"/>
               <a:ext cx="63202" cy="63202"/>
             </a:xfrm>
             <a:custGeom>
@@ -7330,7 +7330,7 @@
           </p:nvSpPr>
           <p:spPr>
             <a:xfrm>
-              <a:off x="1947872" y="6232246"/>
+              <a:off x="1870328" y="6232214"/>
               <a:ext cx="63202" cy="63202"/>
             </a:xfrm>
             <a:custGeom>
@@ -7373,7 +7373,7 @@
           </p:nvSpPr>
           <p:spPr>
             <a:xfrm>
-              <a:off x="1761707" y="6376289"/>
+              <a:off x="2057100" y="6376217"/>
               <a:ext cx="63202" cy="63202"/>
             </a:xfrm>
             <a:custGeom>
@@ -7416,7 +7416,7 @@
           </p:nvSpPr>
           <p:spPr>
             <a:xfrm>
-              <a:off x="2845240" y="6399447"/>
+              <a:off x="2482511" y="6399477"/>
               <a:ext cx="63202" cy="63202"/>
             </a:xfrm>
             <a:custGeom>
@@ -7459,7 +7459,7 @@
           </p:nvSpPr>
           <p:spPr>
             <a:xfrm>
-              <a:off x="2023994" y="6360504"/>
+              <a:off x="1999050" y="6360526"/>
               <a:ext cx="63202" cy="63202"/>
             </a:xfrm>
             <a:custGeom>
@@ -7502,7 +7502,7 @@
           </p:nvSpPr>
           <p:spPr>
             <a:xfrm>
-              <a:off x="1762975" y="6256466"/>
+              <a:off x="1993927" y="6256444"/>
               <a:ext cx="63202" cy="63202"/>
             </a:xfrm>
             <a:custGeom>
@@ -7545,7 +7545,7 @@
           </p:nvSpPr>
           <p:spPr>
             <a:xfrm>
-              <a:off x="2245356" y="6351472"/>
+              <a:off x="1719729" y="6351369"/>
               <a:ext cx="63202" cy="63202"/>
             </a:xfrm>
             <a:custGeom>
@@ -7588,7 +7588,7 @@
           </p:nvSpPr>
           <p:spPr>
             <a:xfrm>
-              <a:off x="2050565" y="6312252"/>
+              <a:off x="1888104" y="6312177"/>
               <a:ext cx="63202" cy="63202"/>
             </a:xfrm>
             <a:custGeom>
@@ -7631,7 +7631,7 @@
           </p:nvSpPr>
           <p:spPr>
             <a:xfrm>
-              <a:off x="2220088" y="6375521"/>
+              <a:off x="2234806" y="6375474"/>
               <a:ext cx="63202" cy="63202"/>
             </a:xfrm>
             <a:custGeom>
@@ -7674,7 +7674,7 @@
           </p:nvSpPr>
           <p:spPr>
             <a:xfrm>
-              <a:off x="3106759" y="6404198"/>
+              <a:off x="2527303" y="6404165"/>
               <a:ext cx="63202" cy="63202"/>
             </a:xfrm>
             <a:custGeom>
@@ -7717,7 +7717,7 @@
           </p:nvSpPr>
           <p:spPr>
             <a:xfrm>
-              <a:off x="1545897" y="6219827"/>
+              <a:off x="1968079" y="6219731"/>
               <a:ext cx="63202" cy="63202"/>
             </a:xfrm>
             <a:custGeom>
@@ -7760,7 +7760,7 @@
           </p:nvSpPr>
           <p:spPr>
             <a:xfrm>
-              <a:off x="1992607" y="6186958"/>
+              <a:off x="1861130" y="6186854"/>
               <a:ext cx="63202" cy="63202"/>
             </a:xfrm>
             <a:custGeom>
@@ -7803,7 +7803,7 @@
           </p:nvSpPr>
           <p:spPr>
             <a:xfrm>
-              <a:off x="1822343" y="6186241"/>
+              <a:off x="2050265" y="6186246"/>
               <a:ext cx="63202" cy="63202"/>
             </a:xfrm>
             <a:custGeom>
@@ -7846,7 +7846,7 @@
           </p:nvSpPr>
           <p:spPr>
             <a:xfrm>
-              <a:off x="2016244" y="6216394"/>
+              <a:off x="1984967" y="6216381"/>
               <a:ext cx="63202" cy="63202"/>
             </a:xfrm>
             <a:custGeom>
@@ -7889,7 +7889,7 @@
           </p:nvSpPr>
           <p:spPr>
             <a:xfrm>
-              <a:off x="2915733" y="6539256"/>
+              <a:off x="2987358" y="6539347"/>
               <a:ext cx="63202" cy="63202"/>
             </a:xfrm>
             <a:custGeom>
@@ -7932,7 +7932,7 @@
           </p:nvSpPr>
           <p:spPr>
             <a:xfrm>
-              <a:off x="2221209" y="6099378"/>
+              <a:off x="1702098" y="6099274"/>
               <a:ext cx="63202" cy="63202"/>
             </a:xfrm>
             <a:custGeom>
@@ -7975,7 +7975,7 @@
           </p:nvSpPr>
           <p:spPr>
             <a:xfrm>
-              <a:off x="1717784" y="6302088"/>
+              <a:off x="1999330" y="6302091"/>
               <a:ext cx="63202" cy="63202"/>
             </a:xfrm>
             <a:custGeom>
@@ -8018,7 +8018,7 @@
           </p:nvSpPr>
           <p:spPr>
             <a:xfrm>
-              <a:off x="1812002" y="6328610"/>
+              <a:off x="2155136" y="6328576"/>
               <a:ext cx="63202" cy="63202"/>
             </a:xfrm>
             <a:custGeom>
@@ -8061,7 +8061,7 @@
           </p:nvSpPr>
           <p:spPr>
             <a:xfrm>
-              <a:off x="1899037" y="6213218"/>
+              <a:off x="2045240" y="6213252"/>
               <a:ext cx="63202" cy="63202"/>
             </a:xfrm>
             <a:custGeom>
@@ -8104,7 +8104,7 @@
           </p:nvSpPr>
           <p:spPr>
             <a:xfrm>
-              <a:off x="1907055" y="6266395"/>
+              <a:off x="2220496" y="6266421"/>
               <a:ext cx="63202" cy="63202"/>
             </a:xfrm>
             <a:custGeom>
@@ -8147,7 +8147,7 @@
           </p:nvSpPr>
           <p:spPr>
             <a:xfrm>
-              <a:off x="1866846" y="6253139"/>
+              <a:off x="2141100" y="6253048"/>
               <a:ext cx="63202" cy="63202"/>
             </a:xfrm>
             <a:custGeom>
@@ -8190,7 +8190,7 @@
           </p:nvSpPr>
           <p:spPr>
             <a:xfrm>
-              <a:off x="3406106" y="6744895"/>
+              <a:off x="3883370" y="6745039"/>
               <a:ext cx="63202" cy="63202"/>
             </a:xfrm>
             <a:custGeom>
@@ -8233,7 +8233,7 @@
           </p:nvSpPr>
           <p:spPr>
             <a:xfrm>
-              <a:off x="1848970" y="6287751"/>
+              <a:off x="1562137" y="6287757"/>
               <a:ext cx="63202" cy="63202"/>
             </a:xfrm>
             <a:custGeom>
@@ -8276,7 +8276,7 @@
           </p:nvSpPr>
           <p:spPr>
             <a:xfrm>
-              <a:off x="1798972" y="6329483"/>
+              <a:off x="1737032" y="6329431"/>
               <a:ext cx="63202" cy="63202"/>
             </a:xfrm>
             <a:custGeom>
@@ -8319,7 +8319,7 @@
           </p:nvSpPr>
           <p:spPr>
             <a:xfrm>
-              <a:off x="2800447" y="6637411"/>
+              <a:off x="2651621" y="6637459"/>
               <a:ext cx="63202" cy="63202"/>
             </a:xfrm>
             <a:custGeom>
@@ -8362,7 +8362,7 @@
           </p:nvSpPr>
           <p:spPr>
             <a:xfrm>
-              <a:off x="2103991" y="6163669"/>
+              <a:off x="1728532" y="6163756"/>
               <a:ext cx="63202" cy="63202"/>
             </a:xfrm>
             <a:custGeom>
@@ -8405,7 +8405,7 @@
           </p:nvSpPr>
           <p:spPr>
             <a:xfrm>
-              <a:off x="1715239" y="6254052"/>
+              <a:off x="1785617" y="6253929"/>
               <a:ext cx="63202" cy="63202"/>
             </a:xfrm>
             <a:custGeom>
@@ -8448,7 +8448,7 @@
           </p:nvSpPr>
           <p:spPr>
             <a:xfrm>
-              <a:off x="1885778" y="6215357"/>
+              <a:off x="1762349" y="6215276"/>
               <a:ext cx="63202" cy="63202"/>
             </a:xfrm>
             <a:custGeom>
@@ -8491,7 +8491,7 @@
           </p:nvSpPr>
           <p:spPr>
             <a:xfrm>
-              <a:off x="2640523" y="6423475"/>
+              <a:off x="2643176" y="6423523"/>
               <a:ext cx="63202" cy="63202"/>
             </a:xfrm>
             <a:custGeom>
@@ -8534,7 +8534,7 @@
           </p:nvSpPr>
           <p:spPr>
             <a:xfrm>
-              <a:off x="2166012" y="6239570"/>
+              <a:off x="1835610" y="6239544"/>
               <a:ext cx="63202" cy="63202"/>
             </a:xfrm>
             <a:custGeom>
@@ -8577,7 +8577,7 @@
           </p:nvSpPr>
           <p:spPr>
             <a:xfrm>
-              <a:off x="1776828" y="6275097"/>
+              <a:off x="2242871" y="6275114"/>
               <a:ext cx="63202" cy="63202"/>
             </a:xfrm>
             <a:custGeom>
@@ -8620,7 +8620,7 @@
           </p:nvSpPr>
           <p:spPr>
             <a:xfrm>
-              <a:off x="2940530" y="6512709"/>
+              <a:off x="2867937" y="6512729"/>
               <a:ext cx="63202" cy="63202"/>
             </a:xfrm>
             <a:custGeom>
@@ -8663,7 +8663,7 @@
           </p:nvSpPr>
           <p:spPr>
             <a:xfrm>
-              <a:off x="1683825" y="6298250"/>
+              <a:off x="1704726" y="6298230"/>
               <a:ext cx="63202" cy="63202"/>
             </a:xfrm>
             <a:custGeom>
@@ -8706,7 +8706,7 @@
           </p:nvSpPr>
           <p:spPr>
             <a:xfrm>
-              <a:off x="1715861" y="6280118"/>
+              <a:off x="1868352" y="6280175"/>
               <a:ext cx="63202" cy="63202"/>
             </a:xfrm>
             <a:custGeom>
@@ -8749,7 +8749,7 @@
           </p:nvSpPr>
           <p:spPr>
             <a:xfrm>
-              <a:off x="1954709" y="6247826"/>
+              <a:off x="1964549" y="6247794"/>
               <a:ext cx="63202" cy="63202"/>
             </a:xfrm>
             <a:custGeom>
@@ -8792,7 +8792,7 @@
           </p:nvSpPr>
           <p:spPr>
             <a:xfrm>
-              <a:off x="1805153" y="6218683"/>
+              <a:off x="2135706" y="6218654"/>
               <a:ext cx="63202" cy="63202"/>
             </a:xfrm>
             <a:custGeom>
@@ -8835,7 +8835,7 @@
           </p:nvSpPr>
           <p:spPr>
             <a:xfrm>
-              <a:off x="2016745" y="6292078"/>
+              <a:off x="1557124" y="6292142"/>
               <a:ext cx="63202" cy="63202"/>
             </a:xfrm>
             <a:custGeom>
@@ -8878,7 +8878,7 @@
           </p:nvSpPr>
           <p:spPr>
             <a:xfrm>
-              <a:off x="1704753" y="6326229"/>
+              <a:off x="1878758" y="6326221"/>
               <a:ext cx="63202" cy="63202"/>
             </a:xfrm>
             <a:custGeom>
@@ -8921,7 +8921,7 @@
           </p:nvSpPr>
           <p:spPr>
             <a:xfrm>
-              <a:off x="2636006" y="6462621"/>
+              <a:off x="2500294" y="6462593"/>
               <a:ext cx="63202" cy="63202"/>
             </a:xfrm>
             <a:custGeom>
@@ -8964,7 +8964,7 @@
           </p:nvSpPr>
           <p:spPr>
             <a:xfrm>
-              <a:off x="1542813" y="6259381"/>
+              <a:off x="2145067" y="6259451"/>
               <a:ext cx="63202" cy="63202"/>
             </a:xfrm>
             <a:custGeom>
@@ -9007,7 +9007,7 @@
           </p:nvSpPr>
           <p:spPr>
             <a:xfrm>
-              <a:off x="1588271" y="6324135"/>
+              <a:off x="1637386" y="6324269"/>
               <a:ext cx="63202" cy="63202"/>
             </a:xfrm>
             <a:custGeom>
@@ -9050,7 +9050,7 @@
           </p:nvSpPr>
           <p:spPr>
             <a:xfrm>
-              <a:off x="2004358" y="6163702"/>
+              <a:off x="1762586" y="6163699"/>
               <a:ext cx="63202" cy="63202"/>
             </a:xfrm>
             <a:custGeom>
@@ -9093,7 +9093,7 @@
           </p:nvSpPr>
           <p:spPr>
             <a:xfrm>
-              <a:off x="3063005" y="6423512"/>
+              <a:off x="2601291" y="6423568"/>
               <a:ext cx="63202" cy="63202"/>
             </a:xfrm>
             <a:custGeom>
@@ -9136,7 +9136,7 @@
           </p:nvSpPr>
           <p:spPr>
             <a:xfrm>
-              <a:off x="1830725" y="6228798"/>
+              <a:off x="1686769" y="6228876"/>
               <a:ext cx="63202" cy="63202"/>
             </a:xfrm>
             <a:custGeom>
@@ -9179,7 +9179,7 @@
           </p:nvSpPr>
           <p:spPr>
             <a:xfrm>
-              <a:off x="1674714" y="6208696"/>
+              <a:off x="1884172" y="6208551"/>
               <a:ext cx="63202" cy="63202"/>
             </a:xfrm>
             <a:custGeom>
@@ -9222,7 +9222,7 @@
           </p:nvSpPr>
           <p:spPr>
             <a:xfrm>
-              <a:off x="1568855" y="6208664"/>
+              <a:off x="1973140" y="6208634"/>
               <a:ext cx="63202" cy="63202"/>
             </a:xfrm>
             <a:custGeom>
@@ -9265,7 +9265,7 @@
           </p:nvSpPr>
           <p:spPr>
             <a:xfrm>
-              <a:off x="1979008" y="6208702"/>
+              <a:off x="1692074" y="6208691"/>
               <a:ext cx="63202" cy="63202"/>
             </a:xfrm>
             <a:custGeom>
@@ -9308,7 +9308,7 @@
           </p:nvSpPr>
           <p:spPr>
             <a:xfrm>
-              <a:off x="1788939" y="6211034"/>
+              <a:off x="1921683" y="6210932"/>
               <a:ext cx="63202" cy="63202"/>
             </a:xfrm>
             <a:custGeom>
@@ -9351,7 +9351,7 @@
           </p:nvSpPr>
           <p:spPr>
             <a:xfrm>
-              <a:off x="2177907" y="6208623"/>
+              <a:off x="1726685" y="6208544"/>
               <a:ext cx="63202" cy="63202"/>
             </a:xfrm>
             <a:custGeom>
@@ -9394,7 +9394,7 @@
           </p:nvSpPr>
           <p:spPr>
             <a:xfrm>
-              <a:off x="1897346" y="6178127"/>
+              <a:off x="2128299" y="6177989"/>
               <a:ext cx="63202" cy="63202"/>
             </a:xfrm>
             <a:custGeom>
@@ -9437,7 +9437,7 @@
           </p:nvSpPr>
           <p:spPr>
             <a:xfrm>
-              <a:off x="1980967" y="6157854"/>
+              <a:off x="1583087" y="6157721"/>
               <a:ext cx="63202" cy="63202"/>
             </a:xfrm>
             <a:custGeom>
@@ -9480,7 +9480,7 @@
           </p:nvSpPr>
           <p:spPr>
             <a:xfrm>
-              <a:off x="2628218" y="6572411"/>
+              <a:off x="2617686" y="6572458"/>
               <a:ext cx="63202" cy="63202"/>
             </a:xfrm>
             <a:custGeom>
@@ -9523,7 +9523,7 @@
           </p:nvSpPr>
           <p:spPr>
             <a:xfrm>
-              <a:off x="1871076" y="6228876"/>
+              <a:off x="1681449" y="6228844"/>
               <a:ext cx="63202" cy="63202"/>
             </a:xfrm>
             <a:custGeom>
@@ -9566,7 +9566,7 @@
           </p:nvSpPr>
           <p:spPr>
             <a:xfrm>
-              <a:off x="1788780" y="6188016"/>
+              <a:off x="1880642" y="6187943"/>
               <a:ext cx="63202" cy="63202"/>
             </a:xfrm>
             <a:custGeom>
@@ -9609,7 +9609,7 @@
           </p:nvSpPr>
           <p:spPr>
             <a:xfrm>
-              <a:off x="1963100" y="6231693"/>
+              <a:off x="2186251" y="6231612"/>
               <a:ext cx="63202" cy="63202"/>
             </a:xfrm>
             <a:custGeom>
@@ -9652,7 +9652,7 @@
           </p:nvSpPr>
           <p:spPr>
             <a:xfrm>
-              <a:off x="3028736" y="6499524"/>
+              <a:off x="2795478" y="6499408"/>
               <a:ext cx="63202" cy="63202"/>
             </a:xfrm>
             <a:custGeom>
@@ -9695,7 +9695,7 @@
           </p:nvSpPr>
           <p:spPr>
             <a:xfrm>
-              <a:off x="1635999" y="6221131"/>
+              <a:off x="1743176" y="6221004"/>
               <a:ext cx="63202" cy="63202"/>
             </a:xfrm>
             <a:custGeom>
@@ -9738,7 +9738,7 @@
           </p:nvSpPr>
           <p:spPr>
             <a:xfrm>
-              <a:off x="2009012" y="6315342"/>
+              <a:off x="2005886" y="6315261"/>
               <a:ext cx="63202" cy="63202"/>
             </a:xfrm>
             <a:custGeom>
@@ -9781,7 +9781,7 @@
           </p:nvSpPr>
           <p:spPr>
             <a:xfrm>
-              <a:off x="2125004" y="6190524"/>
+              <a:off x="2092175" y="6190458"/>
               <a:ext cx="63202" cy="63202"/>
             </a:xfrm>
             <a:custGeom>
@@ -9824,7 +9824,7 @@
           </p:nvSpPr>
           <p:spPr>
             <a:xfrm>
-              <a:off x="1674288" y="6163298"/>
+              <a:off x="1972785" y="6163302"/>
               <a:ext cx="63202" cy="63202"/>
             </a:xfrm>
             <a:custGeom>
@@ -9867,7 +9867,7 @@
           </p:nvSpPr>
           <p:spPr>
             <a:xfrm>
-              <a:off x="1747790" y="6216074"/>
+              <a:off x="2185106" y="6215939"/>
               <a:ext cx="63202" cy="63202"/>
             </a:xfrm>
             <a:custGeom>
@@ -9910,7 +9910,7 @@
           </p:nvSpPr>
           <p:spPr>
             <a:xfrm>
-              <a:off x="1727120" y="6218416"/>
+              <a:off x="1634344" y="6218265"/>
               <a:ext cx="63202" cy="63202"/>
             </a:xfrm>
             <a:custGeom>
@@ -9953,7 +9953,7 @@
           </p:nvSpPr>
           <p:spPr>
             <a:xfrm>
-              <a:off x="1770826" y="6197828"/>
+              <a:off x="2046231" y="6197798"/>
               <a:ext cx="63202" cy="63202"/>
             </a:xfrm>
             <a:custGeom>
@@ -9996,7 +9996,7 @@
           </p:nvSpPr>
           <p:spPr>
             <a:xfrm>
-              <a:off x="1887748" y="6240217"/>
+              <a:off x="1773432" y="6240172"/>
               <a:ext cx="63202" cy="63202"/>
             </a:xfrm>
             <a:custGeom>
@@ -10039,7 +10039,7 @@
           </p:nvSpPr>
           <p:spPr>
             <a:xfrm>
-              <a:off x="1950362" y="6217112"/>
+              <a:off x="2177139" y="6216990"/>
               <a:ext cx="63202" cy="63202"/>
             </a:xfrm>
             <a:custGeom>
@@ -10082,7 +10082,7 @@
           </p:nvSpPr>
           <p:spPr>
             <a:xfrm>
-              <a:off x="2144235" y="6213437"/>
+              <a:off x="1603701" y="6213483"/>
               <a:ext cx="63202" cy="63202"/>
             </a:xfrm>
             <a:custGeom>
@@ -10125,7 +10125,7 @@
           </p:nvSpPr>
           <p:spPr>
             <a:xfrm>
-              <a:off x="2149570" y="6216437"/>
+              <a:off x="1639241" y="6216400"/>
               <a:ext cx="63202" cy="63202"/>
             </a:xfrm>
             <a:custGeom>
@@ -10168,7 +10168,7 @@
           </p:nvSpPr>
           <p:spPr>
             <a:xfrm>
-              <a:off x="1756423" y="6163678"/>
+              <a:off x="2021651" y="6163604"/>
               <a:ext cx="63202" cy="63202"/>
             </a:xfrm>
             <a:custGeom>
@@ -10211,7 +10211,7 @@
           </p:nvSpPr>
           <p:spPr>
             <a:xfrm>
-              <a:off x="1785748" y="6165207"/>
+              <a:off x="2054087" y="6165093"/>
               <a:ext cx="63202" cy="63202"/>
             </a:xfrm>
             <a:custGeom>
@@ -10254,7 +10254,7 @@
           </p:nvSpPr>
           <p:spPr>
             <a:xfrm>
-              <a:off x="2132472" y="6215521"/>
+              <a:off x="1636731" y="6215578"/>
               <a:ext cx="63202" cy="63202"/>
             </a:xfrm>
             <a:custGeom>
@@ -10297,7 +10297,7 @@
           </p:nvSpPr>
           <p:spPr>
             <a:xfrm>
-              <a:off x="2044053" y="6223254"/>
+              <a:off x="1852647" y="6223173"/>
               <a:ext cx="63202" cy="63202"/>
             </a:xfrm>
             <a:custGeom>
@@ -10340,7 +10340,7 @@
           </p:nvSpPr>
           <p:spPr>
             <a:xfrm>
-              <a:off x="2201281" y="6218526"/>
+              <a:off x="2226478" y="6218538"/>
               <a:ext cx="63202" cy="63202"/>
             </a:xfrm>
             <a:custGeom>
@@ -10383,7 +10383,7 @@
           </p:nvSpPr>
           <p:spPr>
             <a:xfrm>
-              <a:off x="1842081" y="6218676"/>
+              <a:off x="1707522" y="6218790"/>
               <a:ext cx="63202" cy="63202"/>
             </a:xfrm>
             <a:custGeom>
@@ -10426,7 +10426,7 @@
           </p:nvSpPr>
           <p:spPr>
             <a:xfrm>
-              <a:off x="2043748" y="6218297"/>
+              <a:off x="1778140" y="6218233"/>
               <a:ext cx="63202" cy="63202"/>
             </a:xfrm>
             <a:custGeom>
@@ -10469,7 +10469,7 @@
           </p:nvSpPr>
           <p:spPr>
             <a:xfrm>
-              <a:off x="1955529" y="6328662"/>
+              <a:off x="1653490" y="6328613"/>
               <a:ext cx="63202" cy="63202"/>
             </a:xfrm>
             <a:custGeom>
@@ -10512,7 +10512,7 @@
           </p:nvSpPr>
           <p:spPr>
             <a:xfrm>
-              <a:off x="2019391" y="6224398"/>
+              <a:off x="1711209" y="6224369"/>
               <a:ext cx="63202" cy="63202"/>
             </a:xfrm>
             <a:custGeom>
@@ -10555,7 +10555,7 @@
           </p:nvSpPr>
           <p:spPr>
             <a:xfrm>
-              <a:off x="1723155" y="6213845"/>
+              <a:off x="1944813" y="6213815"/>
               <a:ext cx="63202" cy="63202"/>
             </a:xfrm>
             <a:custGeom>
@@ -10598,7 +10598,7 @@
           </p:nvSpPr>
           <p:spPr>
             <a:xfrm>
-              <a:off x="1737912" y="6164608"/>
+              <a:off x="1833866" y="6164467"/>
               <a:ext cx="63202" cy="63202"/>
             </a:xfrm>
             <a:custGeom>
@@ -10641,7 +10641,7 @@
           </p:nvSpPr>
           <p:spPr>
             <a:xfrm>
-              <a:off x="2196542" y="6283041"/>
+              <a:off x="2098128" y="6283125"/>
               <a:ext cx="63202" cy="63202"/>
             </a:xfrm>
             <a:custGeom>
@@ -10684,7 +10684,7 @@
           </p:nvSpPr>
           <p:spPr>
             <a:xfrm>
-              <a:off x="2813507" y="6491093"/>
+              <a:off x="3011933" y="6491036"/>
               <a:ext cx="63202" cy="63202"/>
             </a:xfrm>
             <a:custGeom>
@@ -10727,7 +10727,7 @@
           </p:nvSpPr>
           <p:spPr>
             <a:xfrm>
-              <a:off x="1850986" y="6370799"/>
+              <a:off x="1740630" y="6370789"/>
               <a:ext cx="63202" cy="63202"/>
             </a:xfrm>
             <a:custGeom>
@@ -10770,7 +10770,7 @@
           </p:nvSpPr>
           <p:spPr>
             <a:xfrm>
-              <a:off x="3021599" y="6509182"/>
+              <a:off x="2722720" y="6509086"/>
               <a:ext cx="63202" cy="63202"/>
             </a:xfrm>
             <a:custGeom>
@@ -10813,7 +10813,7 @@
           </p:nvSpPr>
           <p:spPr>
             <a:xfrm>
-              <a:off x="2956022" y="6512169"/>
+              <a:off x="2502534" y="6512111"/>
               <a:ext cx="63202" cy="63202"/>
             </a:xfrm>
             <a:custGeom>
@@ -10856,7 +10856,7 @@
           </p:nvSpPr>
           <p:spPr>
             <a:xfrm>
-              <a:off x="1827572" y="6264017"/>
+              <a:off x="1725268" y="6264111"/>
               <a:ext cx="63202" cy="63202"/>
             </a:xfrm>
             <a:custGeom>
@@ -10899,7 +10899,7 @@
           </p:nvSpPr>
           <p:spPr>
             <a:xfrm>
-              <a:off x="1695142" y="6261271"/>
+              <a:off x="1783898" y="6261370"/>
               <a:ext cx="63202" cy="63202"/>
             </a:xfrm>
             <a:custGeom>
@@ -10942,7 +10942,7 @@
           </p:nvSpPr>
           <p:spPr>
             <a:xfrm>
-              <a:off x="1556290" y="6261302"/>
+              <a:off x="1999374" y="6261311"/>
               <a:ext cx="63202" cy="63202"/>
             </a:xfrm>
             <a:custGeom>
@@ -10985,7 +10985,7 @@
           </p:nvSpPr>
           <p:spPr>
             <a:xfrm>
-              <a:off x="2105403" y="6256309"/>
+              <a:off x="1686888" y="6256304"/>
               <a:ext cx="63202" cy="63202"/>
             </a:xfrm>
             <a:custGeom>
@@ -11028,7 +11028,7 @@
           </p:nvSpPr>
           <p:spPr>
             <a:xfrm>
-              <a:off x="2049800" y="6314838"/>
+              <a:off x="1940534" y="6314933"/>
               <a:ext cx="63202" cy="63202"/>
             </a:xfrm>
             <a:custGeom>
@@ -11071,7 +11071,7 @@
           </p:nvSpPr>
           <p:spPr>
             <a:xfrm>
-              <a:off x="2589036" y="6541773"/>
+              <a:off x="2493829" y="6541864"/>
               <a:ext cx="63202" cy="63202"/>
             </a:xfrm>
             <a:custGeom>
@@ -11114,7 +11114,7 @@
           </p:nvSpPr>
           <p:spPr>
             <a:xfrm>
-              <a:off x="2973008" y="6490937"/>
+              <a:off x="2839522" y="6491062"/>
               <a:ext cx="63202" cy="63202"/>
             </a:xfrm>
             <a:custGeom>
@@ -11157,7 +11157,7 @@
           </p:nvSpPr>
           <p:spPr>
             <a:xfrm>
-              <a:off x="1884388" y="6384883"/>
+              <a:off x="2207005" y="6384880"/>
               <a:ext cx="63202" cy="63202"/>
             </a:xfrm>
             <a:custGeom>
@@ -11200,7 +11200,7 @@
           </p:nvSpPr>
           <p:spPr>
             <a:xfrm>
-              <a:off x="2469176" y="6500435"/>
+              <a:off x="2826612" y="6500480"/>
               <a:ext cx="63202" cy="63202"/>
             </a:xfrm>
             <a:custGeom>
@@ -11243,7 +11243,7 @@
           </p:nvSpPr>
           <p:spPr>
             <a:xfrm>
-              <a:off x="2776347" y="6490957"/>
+              <a:off x="2976119" y="6491019"/>
               <a:ext cx="63202" cy="63202"/>
             </a:xfrm>
             <a:custGeom>
@@ -11286,7 +11286,7 @@
           </p:nvSpPr>
           <p:spPr>
             <a:xfrm>
-              <a:off x="2162504" y="6216421"/>
+              <a:off x="1938378" y="6216455"/>
               <a:ext cx="63202" cy="63202"/>
             </a:xfrm>
             <a:custGeom>
@@ -11329,7 +11329,7 @@
           </p:nvSpPr>
           <p:spPr>
             <a:xfrm>
-              <a:off x="3337841" y="6731369"/>
+              <a:off x="3555385" y="6731414"/>
               <a:ext cx="63202" cy="63202"/>
             </a:xfrm>
             <a:custGeom>
@@ -11372,7 +11372,7 @@
           </p:nvSpPr>
           <p:spPr>
             <a:xfrm>
-              <a:off x="1937642" y="6338972"/>
+              <a:off x="2244618" y="6338896"/>
               <a:ext cx="63202" cy="63202"/>
             </a:xfrm>
             <a:custGeom>
@@ -11415,7 +11415,7 @@
           </p:nvSpPr>
           <p:spPr>
             <a:xfrm>
-              <a:off x="1855014" y="6207941"/>
+              <a:off x="1651479" y="6208047"/>
               <a:ext cx="63202" cy="63202"/>
             </a:xfrm>
             <a:custGeom>
@@ -11458,7 +11458,7 @@
           </p:nvSpPr>
           <p:spPr>
             <a:xfrm>
-              <a:off x="1698207" y="6255636"/>
+              <a:off x="2019293" y="6255613"/>
               <a:ext cx="63202" cy="63202"/>
             </a:xfrm>
             <a:custGeom>
@@ -11501,7 +11501,7 @@
           </p:nvSpPr>
           <p:spPr>
             <a:xfrm>
-              <a:off x="1968432" y="6213821"/>
+              <a:off x="2213348" y="6213931"/>
               <a:ext cx="63202" cy="63202"/>
             </a:xfrm>
             <a:custGeom>
@@ -11544,7 +11544,7 @@
           </p:nvSpPr>
           <p:spPr>
             <a:xfrm>
-              <a:off x="2198441" y="6214885"/>
+              <a:off x="1603122" y="6214969"/>
               <a:ext cx="63202" cy="63202"/>
             </a:xfrm>
             <a:custGeom>
@@ -11587,7 +11587,7 @@
           </p:nvSpPr>
           <p:spPr>
             <a:xfrm>
-              <a:off x="1677958" y="6224711"/>
+              <a:off x="1613049" y="6224601"/>
               <a:ext cx="63202" cy="63202"/>
             </a:xfrm>
             <a:custGeom>
@@ -11630,7 +11630,7 @@
           </p:nvSpPr>
           <p:spPr>
             <a:xfrm>
-              <a:off x="1745026" y="6221350"/>
+              <a:off x="1691836" y="6221316"/>
               <a:ext cx="63202" cy="63202"/>
             </a:xfrm>
             <a:custGeom>
@@ -11673,7 +11673,7 @@
           </p:nvSpPr>
           <p:spPr>
             <a:xfrm>
-              <a:off x="3630270" y="6626799"/>
+              <a:off x="3778613" y="6626887"/>
               <a:ext cx="63202" cy="63202"/>
             </a:xfrm>
             <a:custGeom>
@@ -11772,7 +11772,7 @@
           </p:nvSpPr>
           <p:spPr>
             <a:xfrm>
-              <a:off x="4284320" y="2998607"/>
+              <a:off x="4284320" y="2998658"/>
               <a:ext cx="2817450" cy="0"/>
             </a:xfrm>
             <a:custGeom>
@@ -11858,7 +11858,7 @@
           </p:nvSpPr>
           <p:spPr>
             <a:xfrm>
-              <a:off x="4284320" y="2155063"/>
+              <a:off x="4284320" y="2155011"/>
               <a:ext cx="2817450" cy="0"/>
             </a:xfrm>
             <a:custGeom>
@@ -11901,7 +11901,7 @@
           </p:nvSpPr>
           <p:spPr>
             <a:xfrm>
-              <a:off x="4284320" y="1733291"/>
+              <a:off x="4284320" y="1733188"/>
               <a:ext cx="2817450" cy="0"/>
             </a:xfrm>
             <a:custGeom>
@@ -11944,7 +11944,7 @@
           </p:nvSpPr>
           <p:spPr>
             <a:xfrm>
-              <a:off x="4284320" y="2787721"/>
+              <a:off x="4284320" y="2787746"/>
               <a:ext cx="2817450" cy="0"/>
             </a:xfrm>
             <a:custGeom>
@@ -11987,7 +11987,7 @@
           </p:nvSpPr>
           <p:spPr>
             <a:xfrm>
-              <a:off x="4284320" y="2365949"/>
+              <a:off x="4284320" y="2365923"/>
               <a:ext cx="2817450" cy="0"/>
             </a:xfrm>
             <a:custGeom>
@@ -12030,7 +12030,7 @@
           </p:nvSpPr>
           <p:spPr>
             <a:xfrm>
-              <a:off x="4284320" y="1944177"/>
+              <a:off x="4284320" y="1944100"/>
               <a:ext cx="2817450" cy="0"/>
             </a:xfrm>
             <a:custGeom>
@@ -12073,7 +12073,7 @@
           </p:nvSpPr>
           <p:spPr>
             <a:xfrm>
-              <a:off x="4284320" y="1522405"/>
+              <a:off x="4284320" y="1522277"/>
               <a:ext cx="2817450" cy="0"/>
             </a:xfrm>
             <a:custGeom>
@@ -12245,7 +12245,7 @@
           </p:nvSpPr>
           <p:spPr>
             <a:xfrm>
-              <a:off x="5120549" y="2227979"/>
+              <a:off x="4734061" y="2228104"/>
               <a:ext cx="63202" cy="63202"/>
             </a:xfrm>
             <a:custGeom>
@@ -12288,7 +12288,7 @@
           </p:nvSpPr>
           <p:spPr>
             <a:xfrm>
-              <a:off x="4938826" y="2258368"/>
+              <a:off x="4954647" y="2258363"/>
               <a:ext cx="63202" cy="63202"/>
             </a:xfrm>
             <a:custGeom>
@@ -12331,7 +12331,7 @@
           </p:nvSpPr>
           <p:spPr>
             <a:xfrm>
-              <a:off x="4888195" y="2205779"/>
+              <a:off x="4576792" y="2205745"/>
               <a:ext cx="63202" cy="63202"/>
             </a:xfrm>
             <a:custGeom>
@@ -12374,7 +12374,7 @@
           </p:nvSpPr>
           <p:spPr>
             <a:xfrm>
-              <a:off x="4550943" y="2202545"/>
+              <a:off x="4540720" y="2202508"/>
               <a:ext cx="63202" cy="63202"/>
             </a:xfrm>
             <a:custGeom>
@@ -12417,7 +12417,7 @@
           </p:nvSpPr>
           <p:spPr>
             <a:xfrm>
-              <a:off x="4862446" y="2194562"/>
+              <a:off x="4680809" y="2194462"/>
               <a:ext cx="63202" cy="63202"/>
             </a:xfrm>
             <a:custGeom>
@@ -12460,7 +12460,7 @@
           </p:nvSpPr>
           <p:spPr>
             <a:xfrm>
-              <a:off x="4615759" y="2218223"/>
+              <a:off x="4677699" y="2218143"/>
               <a:ext cx="63202" cy="63202"/>
             </a:xfrm>
             <a:custGeom>
@@ -12503,7 +12503,7 @@
           </p:nvSpPr>
           <p:spPr>
             <a:xfrm>
-              <a:off x="4712007" y="2212013"/>
+              <a:off x="4504496" y="2211925"/>
               <a:ext cx="63202" cy="63202"/>
             </a:xfrm>
             <a:custGeom>
@@ -12546,7 +12546,7 @@
           </p:nvSpPr>
           <p:spPr>
             <a:xfrm>
-              <a:off x="4939796" y="2211051"/>
+              <a:off x="5076367" y="2210940"/>
               <a:ext cx="63202" cy="63202"/>
             </a:xfrm>
             <a:custGeom>
@@ -12589,7 +12589,7 @@
           </p:nvSpPr>
           <p:spPr>
             <a:xfrm>
-              <a:off x="5087908" y="2207840"/>
+              <a:off x="4671165" y="2207841"/>
               <a:ext cx="63202" cy="63202"/>
             </a:xfrm>
             <a:custGeom>
@@ -12632,7 +12632,7 @@
           </p:nvSpPr>
           <p:spPr>
             <a:xfrm>
-              <a:off x="4615279" y="2188379"/>
+              <a:off x="4839564" y="2188351"/>
               <a:ext cx="63202" cy="63202"/>
             </a:xfrm>
             <a:custGeom>
@@ -12675,7 +12675,7 @@
           </p:nvSpPr>
           <p:spPr>
             <a:xfrm>
-              <a:off x="4982354" y="2213778"/>
+              <a:off x="4865356" y="2213740"/>
               <a:ext cx="63202" cy="63202"/>
             </a:xfrm>
             <a:custGeom>
@@ -12718,7 +12718,7 @@
           </p:nvSpPr>
           <p:spPr>
             <a:xfrm>
-              <a:off x="4655524" y="2216591"/>
+              <a:off x="4457827" y="2216665"/>
               <a:ext cx="63202" cy="63202"/>
             </a:xfrm>
             <a:custGeom>
@@ -12761,7 +12761,7 @@
           </p:nvSpPr>
           <p:spPr>
             <a:xfrm>
-              <a:off x="4856497" y="2217155"/>
+              <a:off x="5085148" y="2217131"/>
               <a:ext cx="63202" cy="63202"/>
             </a:xfrm>
             <a:custGeom>
@@ -12804,7 +12804,7 @@
           </p:nvSpPr>
           <p:spPr>
             <a:xfrm>
-              <a:off x="4589137" y="2183997"/>
+              <a:off x="4444893" y="2183869"/>
               <a:ext cx="63202" cy="63202"/>
             </a:xfrm>
             <a:custGeom>
@@ -12847,7 +12847,7 @@
           </p:nvSpPr>
           <p:spPr>
             <a:xfrm>
-              <a:off x="4655537" y="2212485"/>
+              <a:off x="5116099" y="2212460"/>
               <a:ext cx="63202" cy="63202"/>
             </a:xfrm>
             <a:custGeom>
@@ -12890,7 +12890,7 @@
           </p:nvSpPr>
           <p:spPr>
             <a:xfrm>
-              <a:off x="4754605" y="2182563"/>
+              <a:off x="4591869" y="2182537"/>
               <a:ext cx="63202" cy="63202"/>
             </a:xfrm>
             <a:custGeom>
@@ -12933,7 +12933,7 @@
           </p:nvSpPr>
           <p:spPr>
             <a:xfrm>
-              <a:off x="4595085" y="2214622"/>
+              <a:off x="4865366" y="2214577"/>
               <a:ext cx="63202" cy="63202"/>
             </a:xfrm>
             <a:custGeom>
@@ -12976,7 +12976,7 @@
           </p:nvSpPr>
           <p:spPr>
             <a:xfrm>
-              <a:off x="4527533" y="2213009"/>
+              <a:off x="4548258" y="2213113"/>
               <a:ext cx="63202" cy="63202"/>
             </a:xfrm>
             <a:custGeom>
@@ -13019,7 +13019,7 @@
           </p:nvSpPr>
           <p:spPr>
             <a:xfrm>
-              <a:off x="4802230" y="2229907"/>
+              <a:off x="4721527" y="2229967"/>
               <a:ext cx="63202" cy="63202"/>
             </a:xfrm>
             <a:custGeom>
@@ -13062,7 +13062,7 @@
           </p:nvSpPr>
           <p:spPr>
             <a:xfrm>
-              <a:off x="4926095" y="2300600"/>
+              <a:off x="4591593" y="2300559"/>
               <a:ext cx="63202" cy="63202"/>
             </a:xfrm>
             <a:custGeom>
@@ -13105,7 +13105,7 @@
           </p:nvSpPr>
           <p:spPr>
             <a:xfrm>
-              <a:off x="4572513" y="2383422"/>
+              <a:off x="4442064" y="2383463"/>
               <a:ext cx="63202" cy="63202"/>
             </a:xfrm>
             <a:custGeom>
@@ -13148,7 +13148,7 @@
           </p:nvSpPr>
           <p:spPr>
             <a:xfrm>
-              <a:off x="4613024" y="2215436"/>
+              <a:off x="4919328" y="2215343"/>
               <a:ext cx="63202" cy="63202"/>
             </a:xfrm>
             <a:custGeom>
@@ -13191,7 +13191,7 @@
           </p:nvSpPr>
           <p:spPr>
             <a:xfrm>
-              <a:off x="5850748" y="2658059"/>
+              <a:off x="5813609" y="2658027"/>
               <a:ext cx="63202" cy="63202"/>
             </a:xfrm>
             <a:custGeom>
@@ -13234,7 +13234,7 @@
           </p:nvSpPr>
           <p:spPr>
             <a:xfrm>
-              <a:off x="4799503" y="2207606"/>
+              <a:off x="5095401" y="2207548"/>
               <a:ext cx="63202" cy="63202"/>
             </a:xfrm>
             <a:custGeom>
@@ -13277,7 +13277,7 @@
           </p:nvSpPr>
           <p:spPr>
             <a:xfrm>
-              <a:off x="4538678" y="2325880"/>
+              <a:off x="5132650" y="2325805"/>
               <a:ext cx="63202" cy="63202"/>
             </a:xfrm>
             <a:custGeom>
@@ -13320,7 +13320,7 @@
           </p:nvSpPr>
           <p:spPr>
             <a:xfrm>
-              <a:off x="4555530" y="2228038"/>
+              <a:off x="4875055" y="2228047"/>
               <a:ext cx="63202" cy="63202"/>
             </a:xfrm>
             <a:custGeom>
@@ -13363,7 +13363,7 @@
           </p:nvSpPr>
           <p:spPr>
             <a:xfrm>
-              <a:off x="4680337" y="2293790"/>
+              <a:off x="4915279" y="2293867"/>
               <a:ext cx="63202" cy="63202"/>
             </a:xfrm>
             <a:custGeom>
@@ -13406,7 +13406,7 @@
           </p:nvSpPr>
           <p:spPr>
             <a:xfrm>
-              <a:off x="4748197" y="2187431"/>
+              <a:off x="4842091" y="2187309"/>
               <a:ext cx="63202" cy="63202"/>
             </a:xfrm>
             <a:custGeom>
@@ -13449,7 +13449,7 @@
           </p:nvSpPr>
           <p:spPr>
             <a:xfrm>
-              <a:off x="4622586" y="2204736"/>
+              <a:off x="5111760" y="2204588"/>
               <a:ext cx="63202" cy="63202"/>
             </a:xfrm>
             <a:custGeom>
@@ -13492,7 +13492,7 @@
           </p:nvSpPr>
           <p:spPr>
             <a:xfrm>
-              <a:off x="5074485" y="2205866"/>
+              <a:off x="4814977" y="2205919"/>
               <a:ext cx="63202" cy="63202"/>
             </a:xfrm>
             <a:custGeom>
@@ -13535,7 +13535,7 @@
           </p:nvSpPr>
           <p:spPr>
             <a:xfrm>
-              <a:off x="5777488" y="2799604"/>
+              <a:off x="5725352" y="2799601"/>
               <a:ext cx="63202" cy="63202"/>
             </a:xfrm>
             <a:custGeom>
@@ -13578,7 +13578,7 @@
           </p:nvSpPr>
           <p:spPr>
             <a:xfrm>
-              <a:off x="4802550" y="2216943"/>
+              <a:off x="4465567" y="2216846"/>
               <a:ext cx="63202" cy="63202"/>
             </a:xfrm>
             <a:custGeom>
@@ -13621,7 +13621,7 @@
           </p:nvSpPr>
           <p:spPr>
             <a:xfrm>
-              <a:off x="4812476" y="2214207"/>
+              <a:off x="4589909" y="2214115"/>
               <a:ext cx="63202" cy="63202"/>
             </a:xfrm>
             <a:custGeom>
@@ -13664,7 +13664,7 @@
           </p:nvSpPr>
           <p:spPr>
             <a:xfrm>
-              <a:off x="4885675" y="2258198"/>
+              <a:off x="4921174" y="2258117"/>
               <a:ext cx="63202" cy="63202"/>
             </a:xfrm>
             <a:custGeom>
@@ -13707,7 +13707,7 @@
           </p:nvSpPr>
           <p:spPr>
             <a:xfrm>
-              <a:off x="5019531" y="2190270"/>
+              <a:off x="4780804" y="2190312"/>
               <a:ext cx="63202" cy="63202"/>
             </a:xfrm>
             <a:custGeom>
@@ -13750,7 +13750,7 @@
           </p:nvSpPr>
           <p:spPr>
             <a:xfrm>
-              <a:off x="4618167" y="2187288"/>
+              <a:off x="4768926" y="2187377"/>
               <a:ext cx="63202" cy="63202"/>
             </a:xfrm>
             <a:custGeom>
@@ -13793,7 +13793,7 @@
           </p:nvSpPr>
           <p:spPr>
             <a:xfrm>
-              <a:off x="4430899" y="2216462"/>
+              <a:off x="4641208" y="2216372"/>
               <a:ext cx="63202" cy="63202"/>
             </a:xfrm>
             <a:custGeom>
@@ -13836,7 +13836,7 @@
           </p:nvSpPr>
           <p:spPr>
             <a:xfrm>
-              <a:off x="4758131" y="2216436"/>
+              <a:off x="5100684" y="2216459"/>
               <a:ext cx="63202" cy="63202"/>
             </a:xfrm>
             <a:custGeom>
@@ -13879,7 +13879,7 @@
           </p:nvSpPr>
           <p:spPr>
             <a:xfrm>
-              <a:off x="4458941" y="2210140"/>
+              <a:off x="4986260" y="2210017"/>
               <a:ext cx="63202" cy="63202"/>
             </a:xfrm>
             <a:custGeom>
@@ -13922,7 +13922,7 @@
           </p:nvSpPr>
           <p:spPr>
             <a:xfrm>
-              <a:off x="4866266" y="2526891"/>
+              <a:off x="4450728" y="2526837"/>
               <a:ext cx="63202" cy="63202"/>
             </a:xfrm>
             <a:custGeom>
@@ -13965,7 +13965,7 @@
           </p:nvSpPr>
           <p:spPr>
             <a:xfrm>
-              <a:off x="4685229" y="2229339"/>
+              <a:off x="4467101" y="2229344"/>
               <a:ext cx="63202" cy="63202"/>
             </a:xfrm>
             <a:custGeom>
@@ -14008,7 +14008,7 @@
           </p:nvSpPr>
           <p:spPr>
             <a:xfrm>
-              <a:off x="4483370" y="2538055"/>
+              <a:off x="5048616" y="2538056"/>
               <a:ext cx="63202" cy="63202"/>
             </a:xfrm>
             <a:custGeom>
@@ -14051,7 +14051,7 @@
           </p:nvSpPr>
           <p:spPr>
             <a:xfrm>
-              <a:off x="4561535" y="2178510"/>
+              <a:off x="4597246" y="2178464"/>
               <a:ext cx="63202" cy="63202"/>
             </a:xfrm>
             <a:custGeom>
@@ -14094,7 +14094,7 @@
           </p:nvSpPr>
           <p:spPr>
             <a:xfrm>
-              <a:off x="4700675" y="2378653"/>
+              <a:off x="4728779" y="2378571"/>
               <a:ext cx="63202" cy="63202"/>
             </a:xfrm>
             <a:custGeom>
@@ -14137,7 +14137,7 @@
           </p:nvSpPr>
           <p:spPr>
             <a:xfrm>
-              <a:off x="5129219" y="2211823"/>
+              <a:off x="4676598" y="2211748"/>
               <a:ext cx="63202" cy="63202"/>
             </a:xfrm>
             <a:custGeom>
@@ -14180,7 +14180,7 @@
           </p:nvSpPr>
           <p:spPr>
             <a:xfrm>
-              <a:off x="4520815" y="2251324"/>
+              <a:off x="4574605" y="2251209"/>
               <a:ext cx="63202" cy="63202"/>
             </a:xfrm>
             <a:custGeom>
@@ -14223,7 +14223,7 @@
           </p:nvSpPr>
           <p:spPr>
             <a:xfrm>
-              <a:off x="4958405" y="2255907"/>
+              <a:off x="4930462" y="2255783"/>
               <a:ext cx="63202" cy="63202"/>
             </a:xfrm>
             <a:custGeom>
@@ -14266,7 +14266,7 @@
           </p:nvSpPr>
           <p:spPr>
             <a:xfrm>
-              <a:off x="5129524" y="2226390"/>
+              <a:off x="4564396" y="2226413"/>
               <a:ext cx="63202" cy="63202"/>
             </a:xfrm>
             <a:custGeom>
@@ -14309,7 +14309,7 @@
           </p:nvSpPr>
           <p:spPr>
             <a:xfrm>
-              <a:off x="4715751" y="2217377"/>
+              <a:off x="4625319" y="2217183"/>
               <a:ext cx="63202" cy="63202"/>
             </a:xfrm>
             <a:custGeom>
@@ -14352,7 +14352,7 @@
           </p:nvSpPr>
           <p:spPr>
             <a:xfrm>
-              <a:off x="4440444" y="2216203"/>
+              <a:off x="4506014" y="2216211"/>
               <a:ext cx="63202" cy="63202"/>
             </a:xfrm>
             <a:custGeom>
@@ -14395,7 +14395,7 @@
           </p:nvSpPr>
           <p:spPr>
             <a:xfrm>
-              <a:off x="5091890" y="2279718"/>
+              <a:off x="4575542" y="2279620"/>
               <a:ext cx="63202" cy="63202"/>
             </a:xfrm>
             <a:custGeom>
@@ -14438,7 +14438,7 @@
           </p:nvSpPr>
           <p:spPr>
             <a:xfrm>
-              <a:off x="4655841" y="2297092"/>
+              <a:off x="5111552" y="2296957"/>
               <a:ext cx="63202" cy="63202"/>
             </a:xfrm>
             <a:custGeom>
@@ -14481,7 +14481,7 @@
           </p:nvSpPr>
           <p:spPr>
             <a:xfrm>
-              <a:off x="4765056" y="2225373"/>
+              <a:off x="4767804" y="2225287"/>
               <a:ext cx="63202" cy="63202"/>
             </a:xfrm>
             <a:custGeom>
@@ -14524,7 +14524,7 @@
           </p:nvSpPr>
           <p:spPr>
             <a:xfrm>
-              <a:off x="4544682" y="2219867"/>
+              <a:off x="4924072" y="2219763"/>
               <a:ext cx="63202" cy="63202"/>
             </a:xfrm>
             <a:custGeom>
@@ -14567,7 +14567,7 @@
           </p:nvSpPr>
           <p:spPr>
             <a:xfrm>
-              <a:off x="4944483" y="2252346"/>
+              <a:off x="4922623" y="2252296"/>
               <a:ext cx="63202" cy="63202"/>
             </a:xfrm>
             <a:custGeom>
@@ -14610,7 +14610,7 @@
           </p:nvSpPr>
           <p:spPr>
             <a:xfrm>
-              <a:off x="5072025" y="2211836"/>
+              <a:off x="4761586" y="2211771"/>
               <a:ext cx="63202" cy="63202"/>
             </a:xfrm>
             <a:custGeom>
@@ -14653,7 +14653,7 @@
           </p:nvSpPr>
           <p:spPr>
             <a:xfrm>
-              <a:off x="4733547" y="2182299"/>
+              <a:off x="4802514" y="2182216"/>
               <a:ext cx="63202" cy="63202"/>
             </a:xfrm>
             <a:custGeom>
@@ -14696,7 +14696,7 @@
           </p:nvSpPr>
           <p:spPr>
             <a:xfrm>
-              <a:off x="4576655" y="2240058"/>
+              <a:off x="4519236" y="2240103"/>
               <a:ext cx="63202" cy="63202"/>
             </a:xfrm>
             <a:custGeom>
@@ -14739,7 +14739,7 @@
           </p:nvSpPr>
           <p:spPr>
             <a:xfrm>
-              <a:off x="4590995" y="2279652"/>
+              <a:off x="4678027" y="2279768"/>
               <a:ext cx="63202" cy="63202"/>
             </a:xfrm>
             <a:custGeom>
@@ -14782,7 +14782,7 @@
           </p:nvSpPr>
           <p:spPr>
             <a:xfrm>
-              <a:off x="4566172" y="2194728"/>
+              <a:off x="4724535" y="2194633"/>
               <a:ext cx="63202" cy="63202"/>
             </a:xfrm>
             <a:custGeom>
@@ -14825,7 +14825,7 @@
           </p:nvSpPr>
           <p:spPr>
             <a:xfrm>
-              <a:off x="4721085" y="2484935"/>
+              <a:off x="4692870" y="2484888"/>
               <a:ext cx="63202" cy="63202"/>
             </a:xfrm>
             <a:custGeom>
@@ -14868,7 +14868,7 @@
           </p:nvSpPr>
           <p:spPr>
             <a:xfrm>
-              <a:off x="4873583" y="2258979"/>
+              <a:off x="5057154" y="2258997"/>
               <a:ext cx="63202" cy="63202"/>
             </a:xfrm>
             <a:custGeom>
@@ -14911,7 +14911,7 @@
           </p:nvSpPr>
           <p:spPr>
             <a:xfrm>
-              <a:off x="4710802" y="2223005"/>
+              <a:off x="5016114" y="2222994"/>
               <a:ext cx="63202" cy="63202"/>
             </a:xfrm>
             <a:custGeom>
@@ -14954,7 +14954,7 @@
           </p:nvSpPr>
           <p:spPr>
             <a:xfrm>
-              <a:off x="4866003" y="2183585"/>
+              <a:off x="4592483" y="2183499"/>
               <a:ext cx="63202" cy="63202"/>
             </a:xfrm>
             <a:custGeom>
@@ -14997,7 +14997,7 @@
           </p:nvSpPr>
           <p:spPr>
             <a:xfrm>
-              <a:off x="5034720" y="2185872"/>
+              <a:off x="4699449" y="2185807"/>
               <a:ext cx="63202" cy="63202"/>
             </a:xfrm>
             <a:custGeom>
@@ -15040,7 +15040,7 @@
           </p:nvSpPr>
           <p:spPr>
             <a:xfrm>
-              <a:off x="4976903" y="2236739"/>
+              <a:off x="4547551" y="2236689"/>
               <a:ext cx="63202" cy="63202"/>
             </a:xfrm>
             <a:custGeom>
@@ -15083,7 +15083,7 @@
           </p:nvSpPr>
           <p:spPr>
             <a:xfrm>
-              <a:off x="4914596" y="2210108"/>
+              <a:off x="4518471" y="2210057"/>
               <a:ext cx="63202" cy="63202"/>
             </a:xfrm>
             <a:custGeom>
@@ -15126,7 +15126,7 @@
           </p:nvSpPr>
           <p:spPr>
             <a:xfrm>
-              <a:off x="4860598" y="2369567"/>
+              <a:off x="4833841" y="2369492"/>
               <a:ext cx="63202" cy="63202"/>
             </a:xfrm>
             <a:custGeom>
@@ -15169,7 +15169,7 @@
           </p:nvSpPr>
           <p:spPr>
             <a:xfrm>
-              <a:off x="4660719" y="2214623"/>
+              <a:off x="4991364" y="2214592"/>
               <a:ext cx="63202" cy="63202"/>
             </a:xfrm>
             <a:custGeom>
@@ -15212,7 +15212,7 @@
           </p:nvSpPr>
           <p:spPr>
             <a:xfrm>
-              <a:off x="4805817" y="2340833"/>
+              <a:off x="4479320" y="2340817"/>
               <a:ext cx="63202" cy="63202"/>
             </a:xfrm>
             <a:custGeom>
@@ -15255,7 +15255,7 @@
           </p:nvSpPr>
           <p:spPr>
             <a:xfrm>
-              <a:off x="6210025" y="2946414"/>
+              <a:off x="6837635" y="2946470"/>
               <a:ext cx="63202" cy="63202"/>
             </a:xfrm>
             <a:custGeom>
@@ -15298,7 +15298,7 @@
           </p:nvSpPr>
           <p:spPr>
             <a:xfrm>
-              <a:off x="4823025" y="2266488"/>
+              <a:off x="4544308" y="2266416"/>
               <a:ext cx="63202" cy="63202"/>
             </a:xfrm>
             <a:custGeom>
@@ -15341,7 +15341,7 @@
           </p:nvSpPr>
           <p:spPr>
             <a:xfrm>
-              <a:off x="4692738" y="2218096"/>
+              <a:off x="5087665" y="2218175"/>
               <a:ext cx="63202" cy="63202"/>
             </a:xfrm>
             <a:custGeom>
@@ -15384,7 +15384,7 @@
           </p:nvSpPr>
           <p:spPr>
             <a:xfrm>
-              <a:off x="4925117" y="2396745"/>
+              <a:off x="4587684" y="2396721"/>
               <a:ext cx="63202" cy="63202"/>
             </a:xfrm>
             <a:custGeom>
@@ -15427,7 +15427,7 @@
           </p:nvSpPr>
           <p:spPr>
             <a:xfrm>
-              <a:off x="4921563" y="2395143"/>
+              <a:off x="4434664" y="2395081"/>
               <a:ext cx="63202" cy="63202"/>
             </a:xfrm>
             <a:custGeom>
@@ -15470,7 +15470,7 @@
           </p:nvSpPr>
           <p:spPr>
             <a:xfrm>
-              <a:off x="6008408" y="2459542"/>
+              <a:off x="5850322" y="2459671"/>
               <a:ext cx="63202" cy="63202"/>
             </a:xfrm>
             <a:custGeom>
@@ -15513,7 +15513,7 @@
           </p:nvSpPr>
           <p:spPr>
             <a:xfrm>
-              <a:off x="4485415" y="2219172"/>
+              <a:off x="4587932" y="2219136"/>
               <a:ext cx="63202" cy="63202"/>
             </a:xfrm>
             <a:custGeom>
@@ -15556,7 +15556,7 @@
           </p:nvSpPr>
           <p:spPr>
             <a:xfrm>
-              <a:off x="5109781" y="2521034"/>
+              <a:off x="4741062" y="2521033"/>
               <a:ext cx="63202" cy="63202"/>
             </a:xfrm>
             <a:custGeom>
@@ -15599,7 +15599,7 @@
           </p:nvSpPr>
           <p:spPr>
             <a:xfrm>
-              <a:off x="5051128" y="2217990"/>
+              <a:off x="4571224" y="2217834"/>
               <a:ext cx="63202" cy="63202"/>
             </a:xfrm>
             <a:custGeom>
@@ -15642,7 +15642,7 @@
           </p:nvSpPr>
           <p:spPr>
             <a:xfrm>
-              <a:off x="4647200" y="2244440"/>
+              <a:off x="4678164" y="2244414"/>
               <a:ext cx="63202" cy="63202"/>
             </a:xfrm>
             <a:custGeom>
@@ -15685,7 +15685,7 @@
           </p:nvSpPr>
           <p:spPr>
             <a:xfrm>
-              <a:off x="4630348" y="2227416"/>
+              <a:off x="4995389" y="2227365"/>
               <a:ext cx="63202" cy="63202"/>
             </a:xfrm>
             <a:custGeom>
@@ -15728,7 +15728,7 @@
           </p:nvSpPr>
           <p:spPr>
             <a:xfrm>
-              <a:off x="4590519" y="2295084"/>
+              <a:off x="4708905" y="2295148"/>
               <a:ext cx="63202" cy="63202"/>
             </a:xfrm>
             <a:custGeom>
@@ -15771,7 +15771,7 @@
           </p:nvSpPr>
           <p:spPr>
             <a:xfrm>
-              <a:off x="4885939" y="2216408"/>
+              <a:off x="5098860" y="2216394"/>
               <a:ext cx="63202" cy="63202"/>
             </a:xfrm>
             <a:custGeom>
@@ -15814,7 +15814,7 @@
           </p:nvSpPr>
           <p:spPr>
             <a:xfrm>
-              <a:off x="4632104" y="2185295"/>
+              <a:off x="4558232" y="2185221"/>
               <a:ext cx="63202" cy="63202"/>
             </a:xfrm>
             <a:custGeom>
@@ -15857,7 +15857,7 @@
           </p:nvSpPr>
           <p:spPr>
             <a:xfrm>
-              <a:off x="4678385" y="2268733"/>
+              <a:off x="4992900" y="2268761"/>
               <a:ext cx="63202" cy="63202"/>
             </a:xfrm>
             <a:custGeom>
@@ -15900,7 +15900,7 @@
           </p:nvSpPr>
           <p:spPr>
             <a:xfrm>
-              <a:off x="4886582" y="2265802"/>
+              <a:off x="4445364" y="2265834"/>
               <a:ext cx="63202" cy="63202"/>
             </a:xfrm>
             <a:custGeom>
@@ -15999,7 +15999,7 @@
           </p:nvSpPr>
           <p:spPr>
             <a:xfrm>
-              <a:off x="4284320" y="4923940"/>
+              <a:off x="4284320" y="4923990"/>
               <a:ext cx="2817450" cy="0"/>
             </a:xfrm>
             <a:custGeom>
@@ -16042,7 +16042,7 @@
           </p:nvSpPr>
           <p:spPr>
             <a:xfrm>
-              <a:off x="4284320" y="4502168"/>
+              <a:off x="4284320" y="4502167"/>
               <a:ext cx="2817450" cy="0"/>
             </a:xfrm>
             <a:custGeom>
@@ -16085,7 +16085,7 @@
           </p:nvSpPr>
           <p:spPr>
             <a:xfrm>
-              <a:off x="4284320" y="4080396"/>
+              <a:off x="4284320" y="4080344"/>
               <a:ext cx="2817450" cy="0"/>
             </a:xfrm>
             <a:custGeom>
@@ -16128,7 +16128,7 @@
           </p:nvSpPr>
           <p:spPr>
             <a:xfrm>
-              <a:off x="4284320" y="3658624"/>
+              <a:off x="4284320" y="3658521"/>
               <a:ext cx="2817450" cy="0"/>
             </a:xfrm>
             <a:custGeom>
@@ -16171,7 +16171,7 @@
           </p:nvSpPr>
           <p:spPr>
             <a:xfrm>
-              <a:off x="4284320" y="4713054"/>
+              <a:off x="4284320" y="4713079"/>
               <a:ext cx="2817450" cy="0"/>
             </a:xfrm>
             <a:custGeom>
@@ -16214,7 +16214,7 @@
           </p:nvSpPr>
           <p:spPr>
             <a:xfrm>
-              <a:off x="4284320" y="4291282"/>
+              <a:off x="4284320" y="4291256"/>
               <a:ext cx="2817450" cy="0"/>
             </a:xfrm>
             <a:custGeom>
@@ -16257,7 +16257,7 @@
           </p:nvSpPr>
           <p:spPr>
             <a:xfrm>
-              <a:off x="4284320" y="3869510"/>
+              <a:off x="4284320" y="3869432"/>
               <a:ext cx="2817450" cy="0"/>
             </a:xfrm>
             <a:custGeom>
@@ -16300,7 +16300,7 @@
           </p:nvSpPr>
           <p:spPr>
             <a:xfrm>
-              <a:off x="4284320" y="3447738"/>
+              <a:off x="4284320" y="3447609"/>
               <a:ext cx="2817450" cy="0"/>
             </a:xfrm>
             <a:custGeom>
@@ -16472,7 +16472,7 @@
           </p:nvSpPr>
           <p:spPr>
             <a:xfrm>
-              <a:off x="5807409" y="4477936"/>
+              <a:off x="5513054" y="4477895"/>
               <a:ext cx="63202" cy="63202"/>
             </a:xfrm>
             <a:custGeom>
@@ -16515,7 +16515,7 @@
           </p:nvSpPr>
           <p:spPr>
             <a:xfrm>
-              <a:off x="4855286" y="4209515"/>
+              <a:off x="5004594" y="4209484"/>
               <a:ext cx="63202" cy="63202"/>
             </a:xfrm>
             <a:custGeom>
@@ -16558,7 +16558,7 @@
           </p:nvSpPr>
           <p:spPr>
             <a:xfrm>
-              <a:off x="6611574" y="4355641"/>
+              <a:off x="6892956" y="4355636"/>
               <a:ext cx="63202" cy="63202"/>
             </a:xfrm>
             <a:custGeom>
@@ -16601,7 +16601,7 @@
           </p:nvSpPr>
           <p:spPr>
             <a:xfrm>
-              <a:off x="6659142" y="4864532"/>
+              <a:off x="6259524" y="4864505"/>
               <a:ext cx="63202" cy="63202"/>
             </a:xfrm>
             <a:custGeom>
@@ -16644,7 +16644,7 @@
           </p:nvSpPr>
           <p:spPr>
             <a:xfrm>
-              <a:off x="6242950" y="4883747"/>
+              <a:off x="6407766" y="4883747"/>
               <a:ext cx="63202" cy="63202"/>
             </a:xfrm>
             <a:custGeom>
@@ -16743,7 +16743,7 @@
           </p:nvSpPr>
           <p:spPr>
             <a:xfrm>
-              <a:off x="4284320" y="6849273"/>
+              <a:off x="4284320" y="6849323"/>
               <a:ext cx="2817450" cy="0"/>
             </a:xfrm>
             <a:custGeom>
@@ -16829,7 +16829,7 @@
           </p:nvSpPr>
           <p:spPr>
             <a:xfrm>
-              <a:off x="4284320" y="6005728"/>
+              <a:off x="4284320" y="6005677"/>
               <a:ext cx="2817450" cy="0"/>
             </a:xfrm>
             <a:custGeom>
@@ -16872,7 +16872,7 @@
           </p:nvSpPr>
           <p:spPr>
             <a:xfrm>
-              <a:off x="4284320" y="5583956"/>
+              <a:off x="4284320" y="5583853"/>
               <a:ext cx="2817450" cy="0"/>
             </a:xfrm>
             <a:custGeom>
@@ -16915,7 +16915,7 @@
           </p:nvSpPr>
           <p:spPr>
             <a:xfrm>
-              <a:off x="4284320" y="6638386"/>
+              <a:off x="4284320" y="6638411"/>
               <a:ext cx="2817450" cy="0"/>
             </a:xfrm>
             <a:custGeom>
@@ -16958,7 +16958,7 @@
           </p:nvSpPr>
           <p:spPr>
             <a:xfrm>
-              <a:off x="4284320" y="6216614"/>
+              <a:off x="4284320" y="6216588"/>
               <a:ext cx="2817450" cy="0"/>
             </a:xfrm>
             <a:custGeom>
@@ -17001,7 +17001,7 @@
           </p:nvSpPr>
           <p:spPr>
             <a:xfrm>
-              <a:off x="4284320" y="5794842"/>
+              <a:off x="4284320" y="5794765"/>
               <a:ext cx="2817450" cy="0"/>
             </a:xfrm>
             <a:custGeom>
@@ -17044,7 +17044,7 @@
           </p:nvSpPr>
           <p:spPr>
             <a:xfrm>
-              <a:off x="4284320" y="5373070"/>
+              <a:off x="4284320" y="5372942"/>
               <a:ext cx="2817450" cy="0"/>
             </a:xfrm>
             <a:custGeom>
@@ -17216,7 +17216,7 @@
           </p:nvSpPr>
           <p:spPr>
             <a:xfrm>
-              <a:off x="4536615" y="6010332"/>
+              <a:off x="4567013" y="6010353"/>
               <a:ext cx="63202" cy="63202"/>
             </a:xfrm>
             <a:custGeom>
@@ -17259,7 +17259,7 @@
           </p:nvSpPr>
           <p:spPr>
             <a:xfrm>
-              <a:off x="4608170" y="5972379"/>
+              <a:off x="4746003" y="5972455"/>
               <a:ext cx="63202" cy="63202"/>
             </a:xfrm>
             <a:custGeom>
@@ -17302,7 +17302,7 @@
           </p:nvSpPr>
           <p:spPr>
             <a:xfrm>
-              <a:off x="4667326" y="5983745"/>
+              <a:off x="4928748" y="5983721"/>
               <a:ext cx="63202" cy="63202"/>
             </a:xfrm>
             <a:custGeom>
@@ -17345,7 +17345,7 @@
           </p:nvSpPr>
           <p:spPr>
             <a:xfrm>
-              <a:off x="4555598" y="5985643"/>
+              <a:off x="4528516" y="5985707"/>
               <a:ext cx="63202" cy="63202"/>
             </a:xfrm>
             <a:custGeom>
@@ -17388,7 +17388,7 @@
           </p:nvSpPr>
           <p:spPr>
             <a:xfrm>
-              <a:off x="6758535" y="6630756"/>
+              <a:off x="6461694" y="6630808"/>
               <a:ext cx="63202" cy="63202"/>
             </a:xfrm>
             <a:custGeom>
@@ -17431,7 +17431,7 @@
           </p:nvSpPr>
           <p:spPr>
             <a:xfrm>
-              <a:off x="4850521" y="6002404"/>
+              <a:off x="5092508" y="6002285"/>
               <a:ext cx="63202" cy="63202"/>
             </a:xfrm>
             <a:custGeom>
@@ -17474,7 +17474,7 @@
           </p:nvSpPr>
           <p:spPr>
             <a:xfrm>
-              <a:off x="4580694" y="5975832"/>
+              <a:off x="4882269" y="5975704"/>
               <a:ext cx="63202" cy="63202"/>
             </a:xfrm>
             <a:custGeom>
@@ -17517,7 +17517,7 @@
           </p:nvSpPr>
           <p:spPr>
             <a:xfrm>
-              <a:off x="4919130" y="6008254"/>
+              <a:off x="5095717" y="6008165"/>
               <a:ext cx="63202" cy="63202"/>
             </a:xfrm>
             <a:custGeom>
@@ -17560,7 +17560,7 @@
           </p:nvSpPr>
           <p:spPr>
             <a:xfrm>
-              <a:off x="4921197" y="5987276"/>
+              <a:off x="4629409" y="5987206"/>
               <a:ext cx="63202" cy="63202"/>
             </a:xfrm>
             <a:custGeom>
@@ -17603,7 +17603,7 @@
           </p:nvSpPr>
           <p:spPr>
             <a:xfrm>
-              <a:off x="4884367" y="6008249"/>
+              <a:off x="4935211" y="6008162"/>
               <a:ext cx="63202" cy="63202"/>
             </a:xfrm>
             <a:custGeom>
@@ -17646,7 +17646,7 @@
           </p:nvSpPr>
           <p:spPr>
             <a:xfrm>
-              <a:off x="4634091" y="5982374"/>
+              <a:off x="4972963" y="5982245"/>
               <a:ext cx="63202" cy="63202"/>
             </a:xfrm>
             <a:custGeom>
@@ -17689,7 +17689,7 @@
           </p:nvSpPr>
           <p:spPr>
             <a:xfrm>
-              <a:off x="4740196" y="6068754"/>
+              <a:off x="5011095" y="6068735"/>
               <a:ext cx="63202" cy="63202"/>
             </a:xfrm>
             <a:custGeom>
@@ -17732,7 +17732,7 @@
           </p:nvSpPr>
           <p:spPr>
             <a:xfrm>
-              <a:off x="4499873" y="5972366"/>
+              <a:off x="5070823" y="5972345"/>
               <a:ext cx="63202" cy="63202"/>
             </a:xfrm>
             <a:custGeom>
@@ -17775,7 +17775,7 @@
           </p:nvSpPr>
           <p:spPr>
             <a:xfrm>
-              <a:off x="5008464" y="5981991"/>
+              <a:off x="4935162" y="5981843"/>
               <a:ext cx="63202" cy="63202"/>
             </a:xfrm>
             <a:custGeom>
@@ -17818,7 +17818,7 @@
           </p:nvSpPr>
           <p:spPr>
             <a:xfrm>
-              <a:off x="5067580" y="5981968"/>
+              <a:off x="4599534" y="5981874"/>
               <a:ext cx="63202" cy="63202"/>
             </a:xfrm>
             <a:custGeom>
@@ -17861,7 +17861,7 @@
           </p:nvSpPr>
           <p:spPr>
             <a:xfrm>
-              <a:off x="4572718" y="5969936"/>
+              <a:off x="4968977" y="5969817"/>
               <a:ext cx="63202" cy="63202"/>
             </a:xfrm>
             <a:custGeom>
@@ -17904,7 +17904,7 @@
           </p:nvSpPr>
           <p:spPr>
             <a:xfrm>
-              <a:off x="4968000" y="5982765"/>
+              <a:off x="4978120" y="5982789"/>
               <a:ext cx="63202" cy="63202"/>
             </a:xfrm>
             <a:custGeom>
@@ -17947,7 +17947,7 @@
           </p:nvSpPr>
           <p:spPr>
             <a:xfrm>
-              <a:off x="4711815" y="5966451"/>
+              <a:off x="4488754" y="5966419"/>
               <a:ext cx="63202" cy="63202"/>
             </a:xfrm>
             <a:custGeom>
@@ -17990,7 +17990,7 @@
           </p:nvSpPr>
           <p:spPr>
             <a:xfrm>
-              <a:off x="5074230" y="6002338"/>
+              <a:off x="5092916" y="6002258"/>
               <a:ext cx="63202" cy="63202"/>
             </a:xfrm>
             <a:custGeom>
@@ -18033,7 +18033,7 @@
           </p:nvSpPr>
           <p:spPr>
             <a:xfrm>
-              <a:off x="5102250" y="5966170"/>
+              <a:off x="4444953" y="5966136"/>
               <a:ext cx="63202" cy="63202"/>
             </a:xfrm>
             <a:custGeom>
@@ -18076,7 +18076,7 @@
           </p:nvSpPr>
           <p:spPr>
             <a:xfrm>
-              <a:off x="4723221" y="5997326"/>
+              <a:off x="4630247" y="5997194"/>
               <a:ext cx="63202" cy="63202"/>
             </a:xfrm>
             <a:custGeom>
@@ -18119,7 +18119,7 @@
           </p:nvSpPr>
           <p:spPr>
             <a:xfrm>
-              <a:off x="4869493" y="5993719"/>
+              <a:off x="4607615" y="5993621"/>
               <a:ext cx="63202" cy="63202"/>
             </a:xfrm>
             <a:custGeom>
@@ -18162,7 +18162,7 @@
           </p:nvSpPr>
           <p:spPr>
             <a:xfrm>
-              <a:off x="4774943" y="6007794"/>
+              <a:off x="5057976" y="6007789"/>
               <a:ext cx="63202" cy="63202"/>
             </a:xfrm>
             <a:custGeom>
@@ -18205,7 +18205,7 @@
           </p:nvSpPr>
           <p:spPr>
             <a:xfrm>
-              <a:off x="4489496" y="6000264"/>
+              <a:off x="5002892" y="6000261"/>
               <a:ext cx="63202" cy="63202"/>
             </a:xfrm>
             <a:custGeom>
@@ -18248,7 +18248,7 @@
           </p:nvSpPr>
           <p:spPr>
             <a:xfrm>
-              <a:off x="4601224" y="5976372"/>
+              <a:off x="4858179" y="5976448"/>
               <a:ext cx="63202" cy="63202"/>
             </a:xfrm>
             <a:custGeom>
@@ -18291,7 +18291,7 @@
           </p:nvSpPr>
           <p:spPr>
             <a:xfrm>
-              <a:off x="4774091" y="6002189"/>
+              <a:off x="4712552" y="6002186"/>
               <a:ext cx="63202" cy="63202"/>
             </a:xfrm>
             <a:custGeom>
@@ -18334,7 +18334,7 @@
           </p:nvSpPr>
           <p:spPr>
             <a:xfrm>
-              <a:off x="4986365" y="6013536"/>
+              <a:off x="4785878" y="6013494"/>
               <a:ext cx="63202" cy="63202"/>
             </a:xfrm>
             <a:custGeom>
@@ -18377,7 +18377,7 @@
           </p:nvSpPr>
           <p:spPr>
             <a:xfrm>
-              <a:off x="4854937" y="6019525"/>
+              <a:off x="4843455" y="6019458"/>
               <a:ext cx="63202" cy="63202"/>
             </a:xfrm>
             <a:custGeom>
@@ -18420,7 +18420,7 @@
           </p:nvSpPr>
           <p:spPr>
             <a:xfrm>
-              <a:off x="5109680" y="6014389"/>
+              <a:off x="4711796" y="6014407"/>
               <a:ext cx="63202" cy="63202"/>
             </a:xfrm>
             <a:custGeom>
@@ -18463,7 +18463,7 @@
           </p:nvSpPr>
           <p:spPr>
             <a:xfrm>
-              <a:off x="4467935" y="5974110"/>
+              <a:off x="4508708" y="5974120"/>
               <a:ext cx="63202" cy="63202"/>
             </a:xfrm>
             <a:custGeom>
@@ -18506,7 +18506,7 @@
           </p:nvSpPr>
           <p:spPr>
             <a:xfrm>
-              <a:off x="4611517" y="5988061"/>
+              <a:off x="4918465" y="5987948"/>
               <a:ext cx="63202" cy="63202"/>
             </a:xfrm>
             <a:custGeom>
@@ -18549,7 +18549,7 @@
           </p:nvSpPr>
           <p:spPr>
             <a:xfrm>
-              <a:off x="4470545" y="5996483"/>
+              <a:off x="4907844" y="5996357"/>
               <a:ext cx="63202" cy="63202"/>
             </a:xfrm>
             <a:custGeom>
@@ -18592,7 +18592,7 @@
           </p:nvSpPr>
           <p:spPr>
             <a:xfrm>
-              <a:off x="4622423" y="5977988"/>
+              <a:off x="4650489" y="5977822"/>
               <a:ext cx="63202" cy="63202"/>
             </a:xfrm>
             <a:custGeom>
@@ -18635,7 +18635,7 @@
           </p:nvSpPr>
           <p:spPr>
             <a:xfrm>
-              <a:off x="4694453" y="5975878"/>
+              <a:off x="4911823" y="5975831"/>
               <a:ext cx="63202" cy="63202"/>
             </a:xfrm>
             <a:custGeom>
@@ -18678,7 +18678,7 @@
           </p:nvSpPr>
           <p:spPr>
             <a:xfrm>
-              <a:off x="4463086" y="6009612"/>
+              <a:off x="5043967" y="6009542"/>
               <a:ext cx="63202" cy="63202"/>
             </a:xfrm>
             <a:custGeom>
@@ -18721,7 +18721,7 @@
           </p:nvSpPr>
           <p:spPr>
             <a:xfrm>
-              <a:off x="4486250" y="6002568"/>
+              <a:off x="4675617" y="6002544"/>
               <a:ext cx="63202" cy="63202"/>
             </a:xfrm>
             <a:custGeom>
@@ -18764,7 +18764,7 @@
           </p:nvSpPr>
           <p:spPr>
             <a:xfrm>
-              <a:off x="5027625" y="5978079"/>
+              <a:off x="4767568" y="5978060"/>
               <a:ext cx="63202" cy="63202"/>
             </a:xfrm>
             <a:custGeom>
@@ -18807,7 +18807,7 @@
           </p:nvSpPr>
           <p:spPr>
             <a:xfrm>
-              <a:off x="4464827" y="5969913"/>
+              <a:off x="4781693" y="5969857"/>
               <a:ext cx="63202" cy="63202"/>
             </a:xfrm>
             <a:custGeom>
@@ -18850,7 +18850,7 @@
           </p:nvSpPr>
           <p:spPr>
             <a:xfrm>
-              <a:off x="4985559" y="6002552"/>
+              <a:off x="4958229" y="6002472"/>
               <a:ext cx="63202" cy="63202"/>
             </a:xfrm>
             <a:custGeom>
@@ -18893,7 +18893,7 @@
           </p:nvSpPr>
           <p:spPr>
             <a:xfrm>
-              <a:off x="4601281" y="5999716"/>
+              <a:off x="4824372" y="5999560"/>
               <a:ext cx="63202" cy="63202"/>
             </a:xfrm>
             <a:custGeom>
@@ -18936,7 +18936,7 @@
           </p:nvSpPr>
           <p:spPr>
             <a:xfrm>
-              <a:off x="4778515" y="5977093"/>
+              <a:off x="4993550" y="5977033"/>
               <a:ext cx="63202" cy="63202"/>
             </a:xfrm>
             <a:custGeom>
@@ -18979,7 +18979,7 @@
           </p:nvSpPr>
           <p:spPr>
             <a:xfrm>
-              <a:off x="5084507" y="5979764"/>
+              <a:off x="4459365" y="5979823"/>
               <a:ext cx="63202" cy="63202"/>
             </a:xfrm>
             <a:custGeom>
@@ -19022,7 +19022,7 @@
           </p:nvSpPr>
           <p:spPr>
             <a:xfrm>
-              <a:off x="5807918" y="6431516"/>
+              <a:off x="5945285" y="6431590"/>
               <a:ext cx="63202" cy="63202"/>
             </a:xfrm>
             <a:custGeom>
@@ -19065,7 +19065,7 @@
           </p:nvSpPr>
           <p:spPr>
             <a:xfrm>
-              <a:off x="4433008" y="5988878"/>
+              <a:off x="4433610" y="5988845"/>
               <a:ext cx="63202" cy="63202"/>
             </a:xfrm>
             <a:custGeom>
@@ -19108,7 +19108,7 @@
           </p:nvSpPr>
           <p:spPr>
             <a:xfrm>
-              <a:off x="4686171" y="6005802"/>
+              <a:off x="4588720" y="6005786"/>
               <a:ext cx="63202" cy="63202"/>
             </a:xfrm>
             <a:custGeom>
@@ -19151,7 +19151,7 @@
           </p:nvSpPr>
           <p:spPr>
             <a:xfrm>
-              <a:off x="4668239" y="5978775"/>
+              <a:off x="4973351" y="5978768"/>
               <a:ext cx="63202" cy="63202"/>
             </a:xfrm>
             <a:custGeom>
@@ -19194,7 +19194,7 @@
           </p:nvSpPr>
           <p:spPr>
             <a:xfrm>
-              <a:off x="4653930" y="6029833"/>
+              <a:off x="4958188" y="6029674"/>
               <a:ext cx="63202" cy="63202"/>
             </a:xfrm>
             <a:custGeom>
@@ -19237,7 +19237,7 @@
           </p:nvSpPr>
           <p:spPr>
             <a:xfrm>
-              <a:off x="5003200" y="5981021"/>
+              <a:off x="4991604" y="5981104"/>
               <a:ext cx="63202" cy="63202"/>
             </a:xfrm>
             <a:custGeom>
@@ -19280,7 +19280,7 @@
           </p:nvSpPr>
           <p:spPr>
             <a:xfrm>
-              <a:off x="4713198" y="5993990"/>
+              <a:off x="4906140" y="5993935"/>
               <a:ext cx="63202" cy="63202"/>
             </a:xfrm>
             <a:custGeom>
@@ -19323,7 +19323,7 @@
           </p:nvSpPr>
           <p:spPr>
             <a:xfrm>
-              <a:off x="5113675" y="5977245"/>
+              <a:off x="5108903" y="5977233"/>
               <a:ext cx="63202" cy="63202"/>
             </a:xfrm>
             <a:custGeom>
@@ -19366,7 +19366,7 @@
           </p:nvSpPr>
           <p:spPr>
             <a:xfrm>
-              <a:off x="4590427" y="5974185"/>
+              <a:off x="5090789" y="5974116"/>
               <a:ext cx="63202" cy="63202"/>
             </a:xfrm>
             <a:custGeom>
@@ -19409,7 +19409,7 @@
           </p:nvSpPr>
           <p:spPr>
             <a:xfrm>
-              <a:off x="4578307" y="5994353"/>
+              <a:off x="5027752" y="5994347"/>
               <a:ext cx="63202" cy="63202"/>
             </a:xfrm>
             <a:custGeom>
@@ -19452,7 +19452,7 @@
           </p:nvSpPr>
           <p:spPr>
             <a:xfrm>
-              <a:off x="4508760" y="5986323"/>
+              <a:off x="4553789" y="5986229"/>
               <a:ext cx="63202" cy="63202"/>
             </a:xfrm>
             <a:custGeom>
@@ -19495,7 +19495,7 @@
           </p:nvSpPr>
           <p:spPr>
             <a:xfrm>
-              <a:off x="4613250" y="6000977"/>
+              <a:off x="4799621" y="6000911"/>
               <a:ext cx="63202" cy="63202"/>
             </a:xfrm>
             <a:custGeom>
@@ -19538,7 +19538,7 @@
           </p:nvSpPr>
           <p:spPr>
             <a:xfrm>
-              <a:off x="4864372" y="5991395"/>
+              <a:off x="4652622" y="5991300"/>
               <a:ext cx="63202" cy="63202"/>
             </a:xfrm>
             <a:custGeom>
@@ -19581,7 +19581,7 @@
           </p:nvSpPr>
           <p:spPr>
             <a:xfrm>
-              <a:off x="4994570" y="5977723"/>
+              <a:off x="4919337" y="5977593"/>
               <a:ext cx="63202" cy="63202"/>
             </a:xfrm>
             <a:custGeom>
@@ -19624,7 +19624,7 @@
           </p:nvSpPr>
           <p:spPr>
             <a:xfrm>
-              <a:off x="4786872" y="5974119"/>
+              <a:off x="4723500" y="5974021"/>
               <a:ext cx="63202" cy="63202"/>
             </a:xfrm>
             <a:custGeom>
@@ -19667,7 +19667,7 @@
           </p:nvSpPr>
           <p:spPr>
             <a:xfrm>
-              <a:off x="4559720" y="5974710"/>
+              <a:off x="4621372" y="5974768"/>
               <a:ext cx="63202" cy="63202"/>
             </a:xfrm>
             <a:custGeom>
@@ -19710,7 +19710,7 @@
           </p:nvSpPr>
           <p:spPr>
             <a:xfrm>
-              <a:off x="4776251" y="5982734"/>
+              <a:off x="4835766" y="5982709"/>
               <a:ext cx="63202" cy="63202"/>
             </a:xfrm>
             <a:custGeom>
@@ -19753,7 +19753,7 @@
           </p:nvSpPr>
           <p:spPr>
             <a:xfrm>
-              <a:off x="5019810" y="5970118"/>
+              <a:off x="4642418" y="5970003"/>
               <a:ext cx="63202" cy="63202"/>
             </a:xfrm>
             <a:custGeom>
@@ -19796,7 +19796,7 @@
           </p:nvSpPr>
           <p:spPr>
             <a:xfrm>
-              <a:off x="4617244" y="5986068"/>
+              <a:off x="4522051" y="5986140"/>
               <a:ext cx="63202" cy="63202"/>
             </a:xfrm>
             <a:custGeom>
@@ -19839,7 +19839,7 @@
           </p:nvSpPr>
           <p:spPr>
             <a:xfrm>
-              <a:off x="4975320" y="5978615"/>
+              <a:off x="4698972" y="5978525"/>
               <a:ext cx="63202" cy="63202"/>
             </a:xfrm>
             <a:custGeom>
@@ -19882,7 +19882,7 @@
           </p:nvSpPr>
           <p:spPr>
             <a:xfrm>
-              <a:off x="6228002" y="6607653"/>
+              <a:off x="6823538" y="6607591"/>
               <a:ext cx="63202" cy="63202"/>
             </a:xfrm>
             <a:custGeom>
@@ -19925,7 +19925,7 @@
           </p:nvSpPr>
           <p:spPr>
             <a:xfrm>
-              <a:off x="4615187" y="5975834"/>
+              <a:off x="4844571" y="5975702"/>
               <a:ext cx="63202" cy="63202"/>
             </a:xfrm>
             <a:custGeom>
@@ -19968,7 +19968,7 @@
           </p:nvSpPr>
           <p:spPr>
             <a:xfrm>
-              <a:off x="4861651" y="6001337"/>
+              <a:off x="4605695" y="6001298"/>
               <a:ext cx="63202" cy="63202"/>
             </a:xfrm>
             <a:custGeom>
@@ -20011,7 +20011,7 @@
           </p:nvSpPr>
           <p:spPr>
             <a:xfrm>
-              <a:off x="4681612" y="5994024"/>
+              <a:off x="4979975" y="5993951"/>
               <a:ext cx="63202" cy="63202"/>
             </a:xfrm>
             <a:custGeom>
@@ -20054,7 +20054,7 @@
           </p:nvSpPr>
           <p:spPr>
             <a:xfrm>
-              <a:off x="4678028" y="5973367"/>
+              <a:off x="4476741" y="5973279"/>
               <a:ext cx="63202" cy="63202"/>
             </a:xfrm>
             <a:custGeom>
@@ -20097,7 +20097,7 @@
           </p:nvSpPr>
           <p:spPr>
             <a:xfrm>
-              <a:off x="4875391" y="6115924"/>
+              <a:off x="4434854" y="6115872"/>
               <a:ext cx="63202" cy="63202"/>
             </a:xfrm>
             <a:custGeom>
@@ -20140,7 +20140,7 @@
           </p:nvSpPr>
           <p:spPr>
             <a:xfrm>
-              <a:off x="5366026" y="6482602"/>
+              <a:off x="5610772" y="6482513"/>
               <a:ext cx="63202" cy="63202"/>
             </a:xfrm>
             <a:custGeom>
@@ -20183,7 +20183,7 @@
           </p:nvSpPr>
           <p:spPr>
             <a:xfrm>
-              <a:off x="4653208" y="6002621"/>
+              <a:off x="5128915" y="6002467"/>
               <a:ext cx="63202" cy="63202"/>
             </a:xfrm>
             <a:custGeom>
@@ -20226,7 +20226,7 @@
           </p:nvSpPr>
           <p:spPr>
             <a:xfrm>
-              <a:off x="4956412" y="5997528"/>
+              <a:off x="4590037" y="5997522"/>
               <a:ext cx="63202" cy="63202"/>
             </a:xfrm>
             <a:custGeom>
@@ -20269,7 +20269,7 @@
           </p:nvSpPr>
           <p:spPr>
             <a:xfrm>
-              <a:off x="4813937" y="5969884"/>
+              <a:off x="4531176" y="5969901"/>
               <a:ext cx="63202" cy="63202"/>
             </a:xfrm>
             <a:custGeom>
@@ -20312,7 +20312,7 @@
           </p:nvSpPr>
           <p:spPr>
             <a:xfrm>
-              <a:off x="4461288" y="6079634"/>
+              <a:off x="4627020" y="6079577"/>
               <a:ext cx="63202" cy="63202"/>
             </a:xfrm>
             <a:custGeom>
@@ -20355,7 +20355,7 @@
           </p:nvSpPr>
           <p:spPr>
             <a:xfrm>
-              <a:off x="4834345" y="5967004"/>
+              <a:off x="4931080" y="5966870"/>
               <a:ext cx="63202" cy="63202"/>
             </a:xfrm>
             <a:custGeom>
@@ -20398,7 +20398,7 @@
           </p:nvSpPr>
           <p:spPr>
             <a:xfrm>
-              <a:off x="5128998" y="5996420"/>
+              <a:off x="4754671" y="5996478"/>
               <a:ext cx="63202" cy="63202"/>
             </a:xfrm>
             <a:custGeom>
@@ -20441,7 +20441,7 @@
           </p:nvSpPr>
           <p:spPr>
             <a:xfrm>
-              <a:off x="5023479" y="6029755"/>
+              <a:off x="5104429" y="6029763"/>
               <a:ext cx="63202" cy="63202"/>
             </a:xfrm>
             <a:custGeom>
@@ -20484,7 +20484,7 @@
           </p:nvSpPr>
           <p:spPr>
             <a:xfrm>
-              <a:off x="4487027" y="6197883"/>
+              <a:off x="5073499" y="6197926"/>
               <a:ext cx="63202" cy="63202"/>
             </a:xfrm>
             <a:custGeom>
@@ -20527,7 +20527,7 @@
           </p:nvSpPr>
           <p:spPr>
             <a:xfrm>
-              <a:off x="4560810" y="5986197"/>
+              <a:off x="4571579" y="5986079"/>
               <a:ext cx="63202" cy="63202"/>
             </a:xfrm>
             <a:custGeom>
@@ -20570,7 +20570,7 @@
           </p:nvSpPr>
           <p:spPr>
             <a:xfrm>
-              <a:off x="4839731" y="5975529"/>
+              <a:off x="4812311" y="5975530"/>
               <a:ext cx="63202" cy="63202"/>
             </a:xfrm>
             <a:custGeom>
@@ -20613,7 +20613,7 @@
           </p:nvSpPr>
           <p:spPr>
             <a:xfrm>
-              <a:off x="4940363" y="6013574"/>
+              <a:off x="5025274" y="6013459"/>
               <a:ext cx="63202" cy="63202"/>
             </a:xfrm>
             <a:custGeom>
@@ -20656,7 +20656,7 @@
           </p:nvSpPr>
           <p:spPr>
             <a:xfrm>
-              <a:off x="4502697" y="6198157"/>
+              <a:off x="4792286" y="6198090"/>
               <a:ext cx="63202" cy="63202"/>
             </a:xfrm>
             <a:custGeom>
@@ -20699,7 +20699,7 @@
           </p:nvSpPr>
           <p:spPr>
             <a:xfrm>
-              <a:off x="4740858" y="6099312"/>
+              <a:off x="4877962" y="6099329"/>
               <a:ext cx="63202" cy="63202"/>
             </a:xfrm>
             <a:custGeom>
@@ -20742,7 +20742,7 @@
           </p:nvSpPr>
           <p:spPr>
             <a:xfrm>
-              <a:off x="4640931" y="6330448"/>
+              <a:off x="4780779" y="6330558"/>
               <a:ext cx="63202" cy="63202"/>
             </a:xfrm>
             <a:custGeom>
@@ -20785,7 +20785,7 @@
           </p:nvSpPr>
           <p:spPr>
             <a:xfrm>
-              <a:off x="5067495" y="6004113"/>
+              <a:off x="4774696" y="6004047"/>
               <a:ext cx="63202" cy="63202"/>
             </a:xfrm>
             <a:custGeom>
@@ -20828,7 +20828,7 @@
           </p:nvSpPr>
           <p:spPr>
             <a:xfrm>
-              <a:off x="5698656" y="6631193"/>
+              <a:off x="5559664" y="6631262"/>
               <a:ext cx="63202" cy="63202"/>
             </a:xfrm>
             <a:custGeom>
@@ -20871,7 +20871,7 @@
           </p:nvSpPr>
           <p:spPr>
             <a:xfrm>
-              <a:off x="4780226" y="5985880"/>
+              <a:off x="4708673" y="5985806"/>
               <a:ext cx="63202" cy="63202"/>
             </a:xfrm>
             <a:custGeom>
@@ -20914,7 +20914,7 @@
           </p:nvSpPr>
           <p:spPr>
             <a:xfrm>
-              <a:off x="4721625" y="5988911"/>
+              <a:off x="4487791" y="5988883"/>
               <a:ext cx="63202" cy="63202"/>
             </a:xfrm>
             <a:custGeom>
@@ -20957,7 +20957,7 @@
           </p:nvSpPr>
           <p:spPr>
             <a:xfrm>
-              <a:off x="4953737" y="5983225"/>
+              <a:off x="5119596" y="5983105"/>
               <a:ext cx="63202" cy="63202"/>
             </a:xfrm>
             <a:custGeom>
@@ -21000,7 +21000,7 @@
           </p:nvSpPr>
           <p:spPr>
             <a:xfrm>
-              <a:off x="4773224" y="6228857"/>
+              <a:off x="4536128" y="6228859"/>
               <a:ext cx="63202" cy="63202"/>
             </a:xfrm>
             <a:custGeom>
@@ -21043,7 +21043,7 @@
           </p:nvSpPr>
           <p:spPr>
             <a:xfrm>
-              <a:off x="4613461" y="5974980"/>
+              <a:off x="5068182" y="5974997"/>
               <a:ext cx="63202" cy="63202"/>
             </a:xfrm>
             <a:custGeom>
@@ -21086,7 +21086,7 @@
           </p:nvSpPr>
           <p:spPr>
             <a:xfrm>
-              <a:off x="4516260" y="6008304"/>
+              <a:off x="4476824" y="6008319"/>
               <a:ext cx="63202" cy="63202"/>
             </a:xfrm>
             <a:custGeom>
@@ -21129,7 +21129,7 @@
           </p:nvSpPr>
           <p:spPr>
             <a:xfrm>
-              <a:off x="4954539" y="6059171"/>
+              <a:off x="4479763" y="6059094"/>
               <a:ext cx="63202" cy="63202"/>
             </a:xfrm>
             <a:custGeom>
@@ -21172,7 +21172,7 @@
           </p:nvSpPr>
           <p:spPr>
             <a:xfrm>
-              <a:off x="4529667" y="5973774"/>
+              <a:off x="4996251" y="5973703"/>
               <a:ext cx="63202" cy="63202"/>
             </a:xfrm>
             <a:custGeom>
@@ -21215,7 +21215,7 @@
           </p:nvSpPr>
           <p:spPr>
             <a:xfrm>
-              <a:off x="4568335" y="5987011"/>
+              <a:off x="4740875" y="5986892"/>
               <a:ext cx="63202" cy="63202"/>
             </a:xfrm>
             <a:custGeom>
@@ -21258,7 +21258,7 @@
           </p:nvSpPr>
           <p:spPr>
             <a:xfrm>
-              <a:off x="4452232" y="5977274"/>
+              <a:off x="4857299" y="5977311"/>
               <a:ext cx="63202" cy="63202"/>
             </a:xfrm>
             <a:custGeom>
@@ -21301,7 +21301,7 @@
           </p:nvSpPr>
           <p:spPr>
             <a:xfrm>
-              <a:off x="4498307" y="5991484"/>
+              <a:off x="4903075" y="5991412"/>
               <a:ext cx="63202" cy="63202"/>
             </a:xfrm>
             <a:custGeom>
@@ -21344,7 +21344,7 @@
           </p:nvSpPr>
           <p:spPr>
             <a:xfrm>
-              <a:off x="4747286" y="5976996"/>
+              <a:off x="4868412" y="5977078"/>
               <a:ext cx="63202" cy="63202"/>
             </a:xfrm>
             <a:custGeom>
@@ -21387,7 +21387,7 @@
           </p:nvSpPr>
           <p:spPr>
             <a:xfrm>
-              <a:off x="4478032" y="6170025"/>
+              <a:off x="4666006" y="6170018"/>
               <a:ext cx="63202" cy="63202"/>
             </a:xfrm>
             <a:custGeom>
@@ -21430,7 +21430,7 @@
           </p:nvSpPr>
           <p:spPr>
             <a:xfrm>
-              <a:off x="4603075" y="5981656"/>
+              <a:off x="4537421" y="5981676"/>
               <a:ext cx="63202" cy="63202"/>
             </a:xfrm>
             <a:custGeom>
@@ -21473,7 +21473,7 @@
           </p:nvSpPr>
           <p:spPr>
             <a:xfrm>
-              <a:off x="4825829" y="6011280"/>
+              <a:off x="4576037" y="6011191"/>
               <a:ext cx="63202" cy="63202"/>
             </a:xfrm>
             <a:custGeom>
@@ -21516,7 +21516,7 @@
           </p:nvSpPr>
           <p:spPr>
             <a:xfrm>
-              <a:off x="5080170" y="5981870"/>
+              <a:off x="4885431" y="5981931"/>
               <a:ext cx="63202" cy="63202"/>
             </a:xfrm>
             <a:custGeom>
@@ -21559,7 +21559,7 @@
           </p:nvSpPr>
           <p:spPr>
             <a:xfrm>
-              <a:off x="5021134" y="6249082"/>
+              <a:off x="5084939" y="6249138"/>
               <a:ext cx="63202" cy="63202"/>
             </a:xfrm>
             <a:custGeom>
@@ -21602,7 +21602,7 @@
           </p:nvSpPr>
           <p:spPr>
             <a:xfrm>
-              <a:off x="5023181" y="5971993"/>
+              <a:off x="4854178" y="5971888"/>
               <a:ext cx="63202" cy="63202"/>
             </a:xfrm>
             <a:custGeom>
@@ -21645,7 +21645,7 @@
           </p:nvSpPr>
           <p:spPr>
             <a:xfrm>
-              <a:off x="4452714" y="6001402"/>
+              <a:off x="5017232" y="6001292"/>
               <a:ext cx="63202" cy="63202"/>
             </a:xfrm>
             <a:custGeom>
@@ -21688,7 +21688,7 @@
           </p:nvSpPr>
           <p:spPr>
             <a:xfrm>
-              <a:off x="4616881" y="5972361"/>
+              <a:off x="4787949" y="5972334"/>
               <a:ext cx="63202" cy="63202"/>
             </a:xfrm>
             <a:custGeom>
@@ -21731,7 +21731,7 @@
           </p:nvSpPr>
           <p:spPr>
             <a:xfrm>
-              <a:off x="5357030" y="6480750"/>
+              <a:off x="5914147" y="6480604"/>
               <a:ext cx="63202" cy="63202"/>
             </a:xfrm>
             <a:custGeom>
@@ -21774,7 +21774,7 @@
           </p:nvSpPr>
           <p:spPr>
             <a:xfrm>
-              <a:off x="5861491" y="6413055"/>
+              <a:off x="5936835" y="6413023"/>
               <a:ext cx="63202" cy="63202"/>
             </a:xfrm>
             <a:custGeom>
@@ -21817,7 +21817,7 @@
           </p:nvSpPr>
           <p:spPr>
             <a:xfrm>
-              <a:off x="4911351" y="5998846"/>
+              <a:off x="4799281" y="5998818"/>
               <a:ext cx="63202" cy="63202"/>
             </a:xfrm>
             <a:custGeom>
@@ -21860,7 +21860,7 @@
           </p:nvSpPr>
           <p:spPr>
             <a:xfrm>
-              <a:off x="4993143" y="5969886"/>
+              <a:off x="4481047" y="5969817"/>
               <a:ext cx="63202" cy="63202"/>
             </a:xfrm>
             <a:custGeom>
@@ -21903,7 +21903,7 @@
           </p:nvSpPr>
           <p:spPr>
             <a:xfrm>
-              <a:off x="4469969" y="5969909"/>
+              <a:off x="4453997" y="5969922"/>
               <a:ext cx="63202" cy="63202"/>
             </a:xfrm>
             <a:custGeom>
@@ -21946,7 +21946,7 @@
           </p:nvSpPr>
           <p:spPr>
             <a:xfrm>
-              <a:off x="4913652" y="5969909"/>
+              <a:off x="4784596" y="5969898"/>
               <a:ext cx="63202" cy="63202"/>
             </a:xfrm>
             <a:custGeom>
@@ -21989,7 +21989,7 @@
           </p:nvSpPr>
           <p:spPr>
             <a:xfrm>
-              <a:off x="4702714" y="5969982"/>
+              <a:off x="4548006" y="5969924"/>
               <a:ext cx="63202" cy="63202"/>
             </a:xfrm>
             <a:custGeom>
@@ -22032,7 +22032,7 @@
           </p:nvSpPr>
           <p:spPr>
             <a:xfrm>
-              <a:off x="4757836" y="6000534"/>
+              <a:off x="4880599" y="6000488"/>
               <a:ext cx="63202" cy="63202"/>
             </a:xfrm>
             <a:custGeom>
@@ -22075,7 +22075,7 @@
           </p:nvSpPr>
           <p:spPr>
             <a:xfrm>
-              <a:off x="5080530" y="6148791"/>
+              <a:off x="5029403" y="6148785"/>
               <a:ext cx="63202" cy="63202"/>
             </a:xfrm>
             <a:custGeom>
@@ -22118,7 +22118,7 @@
           </p:nvSpPr>
           <p:spPr>
             <a:xfrm>
-              <a:off x="4822809" y="5968681"/>
+              <a:off x="4458444" y="5968627"/>
               <a:ext cx="63202" cy="63202"/>
             </a:xfrm>
             <a:custGeom>
@@ -22161,7 +22161,7 @@
           </p:nvSpPr>
           <p:spPr>
             <a:xfrm>
-              <a:off x="4613903" y="5990091"/>
+              <a:off x="4502409" y="5990086"/>
               <a:ext cx="63202" cy="63202"/>
             </a:xfrm>
             <a:custGeom>
@@ -22204,7 +22204,7 @@
           </p:nvSpPr>
           <p:spPr>
             <a:xfrm>
-              <a:off x="4778641" y="5995471"/>
+              <a:off x="5077373" y="5995383"/>
               <a:ext cx="63202" cy="63202"/>
             </a:xfrm>
             <a:custGeom>
@@ -22247,7 +22247,7 @@
           </p:nvSpPr>
           <p:spPr>
             <a:xfrm>
-              <a:off x="4680999" y="5976298"/>
+              <a:off x="4711308" y="5976105"/>
               <a:ext cx="63202" cy="63202"/>
             </a:xfrm>
             <a:custGeom>
@@ -22290,7 +22290,7 @@
           </p:nvSpPr>
           <p:spPr>
             <a:xfrm>
-              <a:off x="4523499" y="5983595"/>
+              <a:off x="4591459" y="5983647"/>
               <a:ext cx="63202" cy="63202"/>
             </a:xfrm>
             <a:custGeom>
@@ -22333,7 +22333,7 @@
           </p:nvSpPr>
           <p:spPr>
             <a:xfrm>
-              <a:off x="6379336" y="6806036"/>
+              <a:off x="6293590" y="6806058"/>
               <a:ext cx="63202" cy="63202"/>
             </a:xfrm>
             <a:custGeom>
@@ -22376,7 +22376,7 @@
           </p:nvSpPr>
           <p:spPr>
             <a:xfrm>
-              <a:off x="5065558" y="6073283"/>
+              <a:off x="4473921" y="6073259"/>
               <a:ext cx="63202" cy="63202"/>
             </a:xfrm>
             <a:custGeom>
@@ -22419,7 +22419,7 @@
           </p:nvSpPr>
           <p:spPr>
             <a:xfrm>
-              <a:off x="4800810" y="6000898"/>
+              <a:off x="4693937" y="6000833"/>
               <a:ext cx="63202" cy="63202"/>
             </a:xfrm>
             <a:custGeom>
@@ -22462,7 +22462,7 @@
           </p:nvSpPr>
           <p:spPr>
             <a:xfrm>
-              <a:off x="4732067" y="5972855"/>
+              <a:off x="5083556" y="5972827"/>
               <a:ext cx="63202" cy="63202"/>
             </a:xfrm>
             <a:custGeom>
@@ -22505,7 +22505,7 @@
           </p:nvSpPr>
           <p:spPr>
             <a:xfrm>
-              <a:off x="4432431" y="5979251"/>
+              <a:off x="4434310" y="5979173"/>
               <a:ext cx="63202" cy="63202"/>
             </a:xfrm>
             <a:custGeom>
@@ -22548,7 +22548,7 @@
           </p:nvSpPr>
           <p:spPr>
             <a:xfrm>
-              <a:off x="4522851" y="6092003"/>
+              <a:off x="4895961" y="6092010"/>
               <a:ext cx="63202" cy="63202"/>
             </a:xfrm>
             <a:custGeom>
@@ -22591,7 +22591,7 @@
           </p:nvSpPr>
           <p:spPr>
             <a:xfrm>
-              <a:off x="5091338" y="6002549"/>
+              <a:off x="4743392" y="6002585"/>
               <a:ext cx="63202" cy="63202"/>
             </a:xfrm>
             <a:custGeom>
@@ -22634,7 +22634,7 @@
           </p:nvSpPr>
           <p:spPr>
             <a:xfrm>
-              <a:off x="4811942" y="5985244"/>
+              <a:off x="4701529" y="5985263"/>
               <a:ext cx="63202" cy="63202"/>
             </a:xfrm>
             <a:custGeom>
@@ -22677,7 +22677,7 @@
           </p:nvSpPr>
           <p:spPr>
             <a:xfrm>
-              <a:off x="4862833" y="6107843"/>
+              <a:off x="4463022" y="6107810"/>
               <a:ext cx="63202" cy="63202"/>
             </a:xfrm>
             <a:custGeom>
@@ -22720,7 +22720,7 @@
           </p:nvSpPr>
           <p:spPr>
             <a:xfrm>
-              <a:off x="4774930" y="5972483"/>
+              <a:off x="4551686" y="5972346"/>
               <a:ext cx="63202" cy="63202"/>
             </a:xfrm>
             <a:custGeom>
@@ -22763,7 +22763,7 @@
           </p:nvSpPr>
           <p:spPr>
             <a:xfrm>
-              <a:off x="4552533" y="5984095"/>
+              <a:off x="5056422" y="5983982"/>
               <a:ext cx="63202" cy="63202"/>
             </a:xfrm>
             <a:custGeom>
@@ -22806,7 +22806,7 @@
           </p:nvSpPr>
           <p:spPr>
             <a:xfrm>
-              <a:off x="5407337" y="6478573"/>
+              <a:off x="5753932" y="6478585"/>
               <a:ext cx="63202" cy="63202"/>
             </a:xfrm>
             <a:custGeom>
@@ -22849,7 +22849,7 @@
           </p:nvSpPr>
           <p:spPr>
             <a:xfrm>
-              <a:off x="5401473" y="6478560"/>
+              <a:off x="5414580" y="6478493"/>
               <a:ext cx="63202" cy="63202"/>
             </a:xfrm>
             <a:custGeom>
@@ -22892,7 +22892,7 @@
           </p:nvSpPr>
           <p:spPr>
             <a:xfrm>
-              <a:off x="4573900" y="5977276"/>
+              <a:off x="4944411" y="5977246"/>
               <a:ext cx="63202" cy="63202"/>
             </a:xfrm>
             <a:custGeom>
@@ -22935,7 +22935,7 @@
           </p:nvSpPr>
           <p:spPr>
             <a:xfrm>
-              <a:off x="4724122" y="5969985"/>
+              <a:off x="5018967" y="5969920"/>
               <a:ext cx="63202" cy="63202"/>
             </a:xfrm>
             <a:custGeom>
@@ -22978,7 +22978,7 @@
           </p:nvSpPr>
           <p:spPr>
             <a:xfrm>
-              <a:off x="5416247" y="6652557"/>
+              <a:off x="5481472" y="6652648"/>
               <a:ext cx="63202" cy="63202"/>
             </a:xfrm>
             <a:custGeom>
@@ -23021,7 +23021,7 @@
           </p:nvSpPr>
           <p:spPr>
             <a:xfrm>
-              <a:off x="5404780" y="6596455"/>
+              <a:off x="5844011" y="6596408"/>
               <a:ext cx="63202" cy="63202"/>
             </a:xfrm>
             <a:custGeom>
@@ -23064,7 +23064,7 @@
           </p:nvSpPr>
           <p:spPr>
             <a:xfrm>
-              <a:off x="4825060" y="6087027"/>
+              <a:off x="5030543" y="6086839"/>
               <a:ext cx="63202" cy="63202"/>
             </a:xfrm>
             <a:custGeom>
@@ -23107,7 +23107,7 @@
           </p:nvSpPr>
           <p:spPr>
             <a:xfrm>
-              <a:off x="4709632" y="5990727"/>
+              <a:off x="4436573" y="5990788"/>
               <a:ext cx="63202" cy="63202"/>
             </a:xfrm>
             <a:custGeom>
@@ -23150,7 +23150,7 @@
           </p:nvSpPr>
           <p:spPr>
             <a:xfrm>
-              <a:off x="4491158" y="6034448"/>
+              <a:off x="4557655" y="6034466"/>
               <a:ext cx="63202" cy="63202"/>
             </a:xfrm>
             <a:custGeom>
@@ -23193,7 +23193,7 @@
           </p:nvSpPr>
           <p:spPr>
             <a:xfrm>
-              <a:off x="5786371" y="6162579"/>
+              <a:off x="5903585" y="6162552"/>
               <a:ext cx="63202" cy="63202"/>
             </a:xfrm>
             <a:custGeom>
@@ -23236,7 +23236,7 @@
           </p:nvSpPr>
           <p:spPr>
             <a:xfrm>
-              <a:off x="4944295" y="5992075"/>
+              <a:off x="5020927" y="5992018"/>
               <a:ext cx="63202" cy="63202"/>
             </a:xfrm>
             <a:custGeom>
@@ -23279,7 +23279,7 @@
           </p:nvSpPr>
           <p:spPr>
             <a:xfrm>
-              <a:off x="4555241" y="6244911"/>
+              <a:off x="4821670" y="6244838"/>
               <a:ext cx="63202" cy="63202"/>
             </a:xfrm>
             <a:custGeom>
@@ -23322,7 +23322,7 @@
           </p:nvSpPr>
           <p:spPr>
             <a:xfrm>
-              <a:off x="4470026" y="6045446"/>
+              <a:off x="4794060" y="6045295"/>
               <a:ext cx="63202" cy="63202"/>
             </a:xfrm>
             <a:custGeom>
@@ -23365,7 +23365,7 @@
           </p:nvSpPr>
           <p:spPr>
             <a:xfrm>
-              <a:off x="4569167" y="6007715"/>
+              <a:off x="4488962" y="6007537"/>
               <a:ext cx="63202" cy="63202"/>
             </a:xfrm>
             <a:custGeom>
@@ -23408,7 +23408,7 @@
           </p:nvSpPr>
           <p:spPr>
             <a:xfrm>
-              <a:off x="4788709" y="6004623"/>
+              <a:off x="5037937" y="6004652"/>
               <a:ext cx="63202" cy="63202"/>
             </a:xfrm>
             <a:custGeom>
@@ -23451,7 +23451,7 @@
           </p:nvSpPr>
           <p:spPr>
             <a:xfrm>
-              <a:off x="4586835" y="6095838"/>
+              <a:off x="5029368" y="6095775"/>
               <a:ext cx="63202" cy="63202"/>
             </a:xfrm>
             <a:custGeom>
@@ -23494,7 +23494,7 @@
           </p:nvSpPr>
           <p:spPr>
             <a:xfrm>
-              <a:off x="4768067" y="5993347"/>
+              <a:off x="4626084" y="5993352"/>
               <a:ext cx="63202" cy="63202"/>
             </a:xfrm>
             <a:custGeom>
@@ -23537,7 +23537,7 @@
           </p:nvSpPr>
           <p:spPr>
             <a:xfrm>
-              <a:off x="4493160" y="5981865"/>
+              <a:off x="4873583" y="5981814"/>
               <a:ext cx="63202" cy="63202"/>
             </a:xfrm>
             <a:custGeom>
@@ -23580,7 +23580,7 @@
           </p:nvSpPr>
           <p:spPr>
             <a:xfrm>
-              <a:off x="5749730" y="6613348"/>
+              <a:off x="5540459" y="6613344"/>
               <a:ext cx="63202" cy="63202"/>
             </a:xfrm>
             <a:custGeom>
@@ -23623,7 +23623,7 @@
           </p:nvSpPr>
           <p:spPr>
             <a:xfrm>
-              <a:off x="4828364" y="5972082"/>
+              <a:off x="4962597" y="5971942"/>
               <a:ext cx="63202" cy="63202"/>
             </a:xfrm>
             <a:custGeom>
@@ -23666,7 +23666,7 @@
           </p:nvSpPr>
           <p:spPr>
             <a:xfrm>
-              <a:off x="4462006" y="5993882"/>
+              <a:off x="5103727" y="5993876"/>
               <a:ext cx="63202" cy="63202"/>
             </a:xfrm>
             <a:custGeom>
@@ -23709,7 +23709,7 @@
           </p:nvSpPr>
           <p:spPr>
             <a:xfrm>
-              <a:off x="5131109" y="5982433"/>
+              <a:off x="4635030" y="5982365"/>
               <a:ext cx="63202" cy="63202"/>
             </a:xfrm>
             <a:custGeom>
@@ -23752,7 +23752,7 @@
           </p:nvSpPr>
           <p:spPr>
             <a:xfrm>
-              <a:off x="4777320" y="5994864"/>
+              <a:off x="4661044" y="5994767"/>
               <a:ext cx="63202" cy="63202"/>
             </a:xfrm>
             <a:custGeom>
@@ -23795,7 +23795,7 @@
           </p:nvSpPr>
           <p:spPr>
             <a:xfrm>
-              <a:off x="4938905" y="6002569"/>
+              <a:off x="4980967" y="6002498"/>
               <a:ext cx="63202" cy="63202"/>
             </a:xfrm>
             <a:custGeom>
@@ -23838,7 +23838,7 @@
           </p:nvSpPr>
           <p:spPr>
             <a:xfrm>
-              <a:off x="4507501" y="5975128"/>
+              <a:off x="4599752" y="5975127"/>
               <a:ext cx="63202" cy="63202"/>
             </a:xfrm>
             <a:custGeom>
@@ -23881,7 +23881,7 @@
           </p:nvSpPr>
           <p:spPr>
             <a:xfrm>
-              <a:off x="4961235" y="5981673"/>
+              <a:off x="4870964" y="5981672"/>
               <a:ext cx="63202" cy="63202"/>
             </a:xfrm>
             <a:custGeom>
@@ -23924,7 +23924,7 @@
           </p:nvSpPr>
           <p:spPr>
             <a:xfrm>
-              <a:off x="4868116" y="6248413"/>
+              <a:off x="4555471" y="6248501"/>
               <a:ext cx="63202" cy="63202"/>
             </a:xfrm>
             <a:custGeom>
@@ -23967,7 +23967,7 @@
           </p:nvSpPr>
           <p:spPr>
             <a:xfrm>
-              <a:off x="4529050" y="6002794"/>
+              <a:off x="5017091" y="6002819"/>
               <a:ext cx="63202" cy="63202"/>
             </a:xfrm>
             <a:custGeom>
@@ -24010,7 +24010,7 @@
           </p:nvSpPr>
           <p:spPr>
             <a:xfrm>
-              <a:off x="4605469" y="6001908"/>
+              <a:off x="4832492" y="6001991"/>
               <a:ext cx="63202" cy="63202"/>
             </a:xfrm>
             <a:custGeom>
@@ -24053,7 +24053,7 @@
           </p:nvSpPr>
           <p:spPr>
             <a:xfrm>
-              <a:off x="4503959" y="6001393"/>
+              <a:off x="4452296" y="6001238"/>
               <a:ext cx="63202" cy="63202"/>
             </a:xfrm>
             <a:custGeom>
@@ -24096,7 +24096,7 @@
           </p:nvSpPr>
           <p:spPr>
             <a:xfrm>
-              <a:off x="4764554" y="6026678"/>
+              <a:off x="4792599" y="6026515"/>
               <a:ext cx="63202" cy="63202"/>
             </a:xfrm>
             <a:custGeom>
@@ -24139,7 +24139,7 @@
           </p:nvSpPr>
           <p:spPr>
             <a:xfrm>
-              <a:off x="4488922" y="6032182"/>
+              <a:off x="4819437" y="6032066"/>
               <a:ext cx="63202" cy="63202"/>
             </a:xfrm>
             <a:custGeom>
@@ -24182,7 +24182,7 @@
           </p:nvSpPr>
           <p:spPr>
             <a:xfrm>
-              <a:off x="4798072" y="5972500"/>
+              <a:off x="4930905" y="5972363"/>
               <a:ext cx="63202" cy="63202"/>
             </a:xfrm>
             <a:custGeom>
@@ -24225,7 +24225,7 @@
           </p:nvSpPr>
           <p:spPr>
             <a:xfrm>
-              <a:off x="4590105" y="6002445"/>
+              <a:off x="4603585" y="6002255"/>
               <a:ext cx="63202" cy="63202"/>
             </a:xfrm>
             <a:custGeom>
@@ -24268,7 +24268,7 @@
           </p:nvSpPr>
           <p:spPr>
             <a:xfrm>
-              <a:off x="4957393" y="6002313"/>
+              <a:off x="4999731" y="6002411"/>
               <a:ext cx="63202" cy="63202"/>
             </a:xfrm>
             <a:custGeom>
@@ -24311,7 +24311,7 @@
           </p:nvSpPr>
           <p:spPr>
             <a:xfrm>
-              <a:off x="4493023" y="5984628"/>
+              <a:off x="4890700" y="5984583"/>
               <a:ext cx="63202" cy="63202"/>
             </a:xfrm>
             <a:custGeom>
@@ -24354,7 +24354,7 @@
           </p:nvSpPr>
           <p:spPr>
             <a:xfrm>
-              <a:off x="4647363" y="5994972"/>
+              <a:off x="4961754" y="5994915"/>
               <a:ext cx="63202" cy="63202"/>
             </a:xfrm>
             <a:custGeom>
@@ -24397,7 +24397,7 @@
           </p:nvSpPr>
           <p:spPr>
             <a:xfrm>
-              <a:off x="4706217" y="5982365"/>
+              <a:off x="4873382" y="5982385"/>
               <a:ext cx="63202" cy="63202"/>
             </a:xfrm>
             <a:custGeom>
@@ -24440,7 +24440,7 @@
           </p:nvSpPr>
           <p:spPr>
             <a:xfrm>
-              <a:off x="5019723" y="5969945"/>
+              <a:off x="4780402" y="5969836"/>
               <a:ext cx="63202" cy="63202"/>
             </a:xfrm>
             <a:custGeom>
@@ -24483,7 +24483,7 @@
           </p:nvSpPr>
           <p:spPr>
             <a:xfrm>
-              <a:off x="4685600" y="5989692"/>
+              <a:off x="4648704" y="5989709"/>
               <a:ext cx="63202" cy="63202"/>
             </a:xfrm>
             <a:custGeom>
@@ -24526,7 +24526,7 @@
           </p:nvSpPr>
           <p:spPr>
             <a:xfrm>
-              <a:off x="4826006" y="6004440"/>
+              <a:off x="4951272" y="6004496"/>
               <a:ext cx="63202" cy="63202"/>
             </a:xfrm>
             <a:custGeom>
@@ -24569,7 +24569,7 @@
           </p:nvSpPr>
           <p:spPr>
             <a:xfrm>
-              <a:off x="4466077" y="6226835"/>
+              <a:off x="4554474" y="6226810"/>
               <a:ext cx="63202" cy="63202"/>
             </a:xfrm>
             <a:custGeom>
@@ -24612,7 +24612,7 @@
           </p:nvSpPr>
           <p:spPr>
             <a:xfrm>
-              <a:off x="4747709" y="6051049"/>
+              <a:off x="4839696" y="6051139"/>
               <a:ext cx="63202" cy="63202"/>
             </a:xfrm>
             <a:custGeom>
@@ -24655,7 +24655,7 @@
           </p:nvSpPr>
           <p:spPr>
             <a:xfrm>
-              <a:off x="4457383" y="6000965"/>
+              <a:off x="5126951" y="6000893"/>
               <a:ext cx="63202" cy="63202"/>
             </a:xfrm>
             <a:custGeom>
@@ -24698,7 +24698,7 @@
           </p:nvSpPr>
           <p:spPr>
             <a:xfrm>
-              <a:off x="4702854" y="6034642"/>
+              <a:off x="5090363" y="6034579"/>
               <a:ext cx="63202" cy="63202"/>
             </a:xfrm>
             <a:custGeom>
@@ -24741,7 +24741,7 @@
           </p:nvSpPr>
           <p:spPr>
             <a:xfrm>
-              <a:off x="4461044" y="5966344"/>
+              <a:off x="5119169" y="5966337"/>
               <a:ext cx="63202" cy="63202"/>
             </a:xfrm>
             <a:custGeom>
@@ -24784,7 +24784,7 @@
           </p:nvSpPr>
           <p:spPr>
             <a:xfrm>
-              <a:off x="4891610" y="5969924"/>
+              <a:off x="4465674" y="5969786"/>
               <a:ext cx="63202" cy="63202"/>
             </a:xfrm>
             <a:custGeom>
@@ -24827,7 +24827,7 @@
           </p:nvSpPr>
           <p:spPr>
             <a:xfrm>
-              <a:off x="4619147" y="6276928"/>
+              <a:off x="4476686" y="6276940"/>
               <a:ext cx="63202" cy="63202"/>
             </a:xfrm>
             <a:custGeom>
@@ -24870,7 +24870,7 @@
           </p:nvSpPr>
           <p:spPr>
             <a:xfrm>
-              <a:off x="4686385" y="5981135"/>
+              <a:off x="4551216" y="5981104"/>
               <a:ext cx="63202" cy="63202"/>
             </a:xfrm>
             <a:custGeom>
@@ -24913,7 +24913,7 @@
           </p:nvSpPr>
           <p:spPr>
             <a:xfrm>
-              <a:off x="4516792" y="6124071"/>
+              <a:off x="4513760" y="6124043"/>
               <a:ext cx="63202" cy="63202"/>
             </a:xfrm>
             <a:custGeom>
@@ -24956,7 +24956,7 @@
           </p:nvSpPr>
           <p:spPr>
             <a:xfrm>
-              <a:off x="4856366" y="5992046"/>
+              <a:off x="4588692" y="5991942"/>
               <a:ext cx="63202" cy="63202"/>
             </a:xfrm>
             <a:custGeom>
@@ -24999,7 +24999,7 @@
           </p:nvSpPr>
           <p:spPr>
             <a:xfrm>
-              <a:off x="4780194" y="5996446"/>
+              <a:off x="4636369" y="5996387"/>
               <a:ext cx="63202" cy="63202"/>
             </a:xfrm>
             <a:custGeom>
@@ -25042,7 +25042,7 @@
           </p:nvSpPr>
           <p:spPr>
             <a:xfrm>
-              <a:off x="4997868" y="5989124"/>
+              <a:off x="4779465" y="5989108"/>
               <a:ext cx="63202" cy="63202"/>
             </a:xfrm>
             <a:custGeom>
@@ -25085,7 +25085,7 @@
           </p:nvSpPr>
           <p:spPr>
             <a:xfrm>
-              <a:off x="4477063" y="5982564"/>
+              <a:off x="4631762" y="5982496"/>
               <a:ext cx="63202" cy="63202"/>
             </a:xfrm>
             <a:custGeom>
@@ -25128,7 +25128,7 @@
           </p:nvSpPr>
           <p:spPr>
             <a:xfrm>
-              <a:off x="4829521" y="5998418"/>
+              <a:off x="4481907" y="5998354"/>
               <a:ext cx="63202" cy="63202"/>
             </a:xfrm>
             <a:custGeom>
@@ -25171,7 +25171,7 @@
           </p:nvSpPr>
           <p:spPr>
             <a:xfrm>
-              <a:off x="4832030" y="5981110"/>
+              <a:off x="5043580" y="5981021"/>
               <a:ext cx="63202" cy="63202"/>
             </a:xfrm>
             <a:custGeom>
@@ -25214,7 +25214,7 @@
           </p:nvSpPr>
           <p:spPr>
             <a:xfrm>
-              <a:off x="4465219" y="6000646"/>
+              <a:off x="4977383" y="6000571"/>
               <a:ext cx="63202" cy="63202"/>
             </a:xfrm>
             <a:custGeom>
@@ -25257,7 +25257,7 @@
           </p:nvSpPr>
           <p:spPr>
             <a:xfrm>
-              <a:off x="5039841" y="6005785"/>
+              <a:off x="4563615" y="6005637"/>
               <a:ext cx="63202" cy="63202"/>
             </a:xfrm>
             <a:custGeom>
@@ -25300,7 +25300,7 @@
           </p:nvSpPr>
           <p:spPr>
             <a:xfrm>
-              <a:off x="6638422" y="6757420"/>
+              <a:off x="6860000" y="6757395"/>
               <a:ext cx="63202" cy="63202"/>
             </a:xfrm>
             <a:custGeom>
@@ -25343,7 +25343,7 @@
           </p:nvSpPr>
           <p:spPr>
             <a:xfrm>
-              <a:off x="4909126" y="5973282"/>
+              <a:off x="4855190" y="5973233"/>
               <a:ext cx="63202" cy="63202"/>
             </a:xfrm>
             <a:custGeom>
@@ -25386,7 +25386,7 @@
           </p:nvSpPr>
           <p:spPr>
             <a:xfrm>
-              <a:off x="5965563" y="6596216"/>
+              <a:off x="5318706" y="6596232"/>
               <a:ext cx="63202" cy="63202"/>
             </a:xfrm>
             <a:custGeom>
@@ -25429,7 +25429,7 @@
           </p:nvSpPr>
           <p:spPr>
             <a:xfrm>
-              <a:off x="4762153" y="5973833"/>
+              <a:off x="4675482" y="5973922"/>
               <a:ext cx="63202" cy="63202"/>
             </a:xfrm>
             <a:custGeom>
@@ -25472,7 +25472,7 @@
           </p:nvSpPr>
           <p:spPr>
             <a:xfrm>
-              <a:off x="4720914" y="6253510"/>
+              <a:off x="4475708" y="6253501"/>
               <a:ext cx="63202" cy="63202"/>
             </a:xfrm>
             <a:custGeom>
@@ -25515,7 +25515,7 @@
           </p:nvSpPr>
           <p:spPr>
             <a:xfrm>
-              <a:off x="4831957" y="5988547"/>
+              <a:off x="4986114" y="5988467"/>
               <a:ext cx="63202" cy="63202"/>
             </a:xfrm>
             <a:custGeom>
@@ -25558,7 +25558,7 @@
           </p:nvSpPr>
           <p:spPr>
             <a:xfrm>
-              <a:off x="5102022" y="6062121"/>
+              <a:off x="4683048" y="6062092"/>
               <a:ext cx="63202" cy="63202"/>
             </a:xfrm>
             <a:custGeom>
@@ -25601,7 +25601,7 @@
           </p:nvSpPr>
           <p:spPr>
             <a:xfrm>
-              <a:off x="4888986" y="5988384"/>
+              <a:off x="5131406" y="5988411"/>
               <a:ext cx="63202" cy="63202"/>
             </a:xfrm>
             <a:custGeom>
@@ -25644,7 +25644,7 @@
           </p:nvSpPr>
           <p:spPr>
             <a:xfrm>
-              <a:off x="4978174" y="5991890"/>
+              <a:off x="5105842" y="5991752"/>
               <a:ext cx="63202" cy="63202"/>
             </a:xfrm>
             <a:custGeom>
@@ -25687,7 +25687,7 @@
           </p:nvSpPr>
           <p:spPr>
             <a:xfrm>
-              <a:off x="4994542" y="6017810"/>
+              <a:off x="4854070" y="6017662"/>
               <a:ext cx="63202" cy="63202"/>
             </a:xfrm>
             <a:custGeom>
@@ -25730,7 +25730,7 @@
           </p:nvSpPr>
           <p:spPr>
             <a:xfrm>
-              <a:off x="4742421" y="5997875"/>
+              <a:off x="4977687" y="5997988"/>
               <a:ext cx="63202" cy="63202"/>
             </a:xfrm>
             <a:custGeom>
@@ -25773,7 +25773,7 @@
           </p:nvSpPr>
           <p:spPr>
             <a:xfrm>
-              <a:off x="4529968" y="5983855"/>
+              <a:off x="4595517" y="5983749"/>
               <a:ext cx="63202" cy="63202"/>
             </a:xfrm>
             <a:custGeom>
@@ -25816,7 +25816,7 @@
           </p:nvSpPr>
           <p:spPr>
             <a:xfrm>
-              <a:off x="4609002" y="5984834"/>
+              <a:off x="4709357" y="5984885"/>
               <a:ext cx="63202" cy="63202"/>
             </a:xfrm>
             <a:custGeom>
@@ -25859,7 +25859,7 @@
           </p:nvSpPr>
           <p:spPr>
             <a:xfrm>
-              <a:off x="5034722" y="6144024"/>
+              <a:off x="4925457" y="6144101"/>
               <a:ext cx="63202" cy="63202"/>
             </a:xfrm>
             <a:custGeom>
@@ -25902,7 +25902,7 @@
           </p:nvSpPr>
           <p:spPr>
             <a:xfrm>
-              <a:off x="5069190" y="5974808"/>
+              <a:off x="4895599" y="5974690"/>
               <a:ext cx="63202" cy="63202"/>
             </a:xfrm>
             <a:custGeom>
@@ -25945,7 +25945,7 @@
           </p:nvSpPr>
           <p:spPr>
             <a:xfrm>
-              <a:off x="4441886" y="5979370"/>
+              <a:off x="4695318" y="5979281"/>
               <a:ext cx="63202" cy="63202"/>
             </a:xfrm>
             <a:custGeom>
@@ -25988,7 +25988,7 @@
           </p:nvSpPr>
           <p:spPr>
             <a:xfrm>
-              <a:off x="4791978" y="6001930"/>
+              <a:off x="4784566" y="6001836"/>
               <a:ext cx="63202" cy="63202"/>
             </a:xfrm>
             <a:custGeom>
@@ -26031,7 +26031,7 @@
           </p:nvSpPr>
           <p:spPr>
             <a:xfrm>
-              <a:off x="4533188" y="5980679"/>
+              <a:off x="4829635" y="5980585"/>
               <a:ext cx="63202" cy="63202"/>
             </a:xfrm>
             <a:custGeom>
@@ -26074,7 +26074,7 @@
           </p:nvSpPr>
           <p:spPr>
             <a:xfrm>
-              <a:off x="5118899" y="5981916"/>
+              <a:off x="5009413" y="5981859"/>
               <a:ext cx="63202" cy="63202"/>
             </a:xfrm>
             <a:custGeom>
@@ -26117,7 +26117,7 @@
           </p:nvSpPr>
           <p:spPr>
             <a:xfrm>
-              <a:off x="4847057" y="5977947"/>
+              <a:off x="4566231" y="5977817"/>
               <a:ext cx="63202" cy="63202"/>
             </a:xfrm>
             <a:custGeom>
@@ -26160,7 +26160,7 @@
           </p:nvSpPr>
           <p:spPr>
             <a:xfrm>
-              <a:off x="5714688" y="6443216"/>
+              <a:off x="5456736" y="6443184"/>
               <a:ext cx="63202" cy="63202"/>
             </a:xfrm>
             <a:custGeom>
@@ -26203,7 +26203,7 @@
           </p:nvSpPr>
           <p:spPr>
             <a:xfrm>
-              <a:off x="5113895" y="6034159"/>
+              <a:off x="4691443" y="6034156"/>
               <a:ext cx="63202" cy="63202"/>
             </a:xfrm>
             <a:custGeom>
@@ -26246,7 +26246,7 @@
           </p:nvSpPr>
           <p:spPr>
             <a:xfrm>
-              <a:off x="4618530" y="6002652"/>
+              <a:off x="4883662" y="6002594"/>
               <a:ext cx="63202" cy="63202"/>
             </a:xfrm>
             <a:custGeom>
@@ -26289,7 +26289,7 @@
           </p:nvSpPr>
           <p:spPr>
             <a:xfrm>
-              <a:off x="5036983" y="5982344"/>
+              <a:off x="4886548" y="5982379"/>
               <a:ext cx="63202" cy="63202"/>
             </a:xfrm>
             <a:custGeom>
@@ -26332,7 +26332,7 @@
           </p:nvSpPr>
           <p:spPr>
             <a:xfrm>
-              <a:off x="4460046" y="5986105"/>
+              <a:off x="5039864" y="5986158"/>
               <a:ext cx="63202" cy="63202"/>
             </a:xfrm>
             <a:custGeom>
@@ -26375,7 +26375,7 @@
           </p:nvSpPr>
           <p:spPr>
             <a:xfrm>
-              <a:off x="4692891" y="5968710"/>
+              <a:off x="5012955" y="5968600"/>
               <a:ext cx="63202" cy="63202"/>
             </a:xfrm>
             <a:custGeom>
@@ -26418,7 +26418,7 @@
           </p:nvSpPr>
           <p:spPr>
             <a:xfrm>
-              <a:off x="4604675" y="5981717"/>
+              <a:off x="4971421" y="5981596"/>
               <a:ext cx="63202" cy="63202"/>
             </a:xfrm>
             <a:custGeom>
@@ -26461,7 +26461,7 @@
           </p:nvSpPr>
           <p:spPr>
             <a:xfrm>
-              <a:off x="5021186" y="5981765"/>
+              <a:off x="4472540" y="5981730"/>
               <a:ext cx="63202" cy="63202"/>
             </a:xfrm>
             <a:custGeom>
@@ -26504,7 +26504,7 @@
           </p:nvSpPr>
           <p:spPr>
             <a:xfrm>
-              <a:off x="4782249" y="5982407"/>
+              <a:off x="4559806" y="5982363"/>
               <a:ext cx="63202" cy="63202"/>
             </a:xfrm>
             <a:custGeom>
@@ -26547,7 +26547,7 @@
           </p:nvSpPr>
           <p:spPr>
             <a:xfrm>
-              <a:off x="4608747" y="6036751"/>
+              <a:off x="4438362" y="6036736"/>
               <a:ext cx="63202" cy="63202"/>
             </a:xfrm>
             <a:custGeom>
@@ -26590,7 +26590,7 @@
           </p:nvSpPr>
           <p:spPr>
             <a:xfrm>
-              <a:off x="4563772" y="6036696"/>
+              <a:off x="4458255" y="6036736"/>
               <a:ext cx="63202" cy="63202"/>
             </a:xfrm>
             <a:custGeom>
@@ -26633,7 +26633,7 @@
           </p:nvSpPr>
           <p:spPr>
             <a:xfrm>
-              <a:off x="5009346" y="5988695"/>
+              <a:off x="4572137" y="5988580"/>
               <a:ext cx="63202" cy="63202"/>
             </a:xfrm>
             <a:custGeom>
@@ -26676,7 +26676,7 @@
           </p:nvSpPr>
           <p:spPr>
             <a:xfrm>
-              <a:off x="4831305" y="5979895"/>
+              <a:off x="4956610" y="5979780"/>
               <a:ext cx="63202" cy="63202"/>
             </a:xfrm>
             <a:custGeom>
@@ -26719,7 +26719,7 @@
           </p:nvSpPr>
           <p:spPr>
             <a:xfrm>
-              <a:off x="5543459" y="6405234"/>
+              <a:off x="5673068" y="6405187"/>
               <a:ext cx="63202" cy="63202"/>
             </a:xfrm>
             <a:custGeom>
@@ -26762,7 +26762,7 @@
           </p:nvSpPr>
           <p:spPr>
             <a:xfrm>
-              <a:off x="4689110" y="6000478"/>
+              <a:off x="4939238" y="6000427"/>
               <a:ext cx="63202" cy="63202"/>
             </a:xfrm>
             <a:custGeom>
@@ -26805,7 +26805,7 @@
           </p:nvSpPr>
           <p:spPr>
             <a:xfrm>
-              <a:off x="4530051" y="5976163"/>
+              <a:off x="4856391" y="5976254"/>
               <a:ext cx="63202" cy="63202"/>
             </a:xfrm>
             <a:custGeom>
@@ -26848,7 +26848,7 @@
           </p:nvSpPr>
           <p:spPr>
             <a:xfrm>
-              <a:off x="4862346" y="5970476"/>
+              <a:off x="5071681" y="5970500"/>
               <a:ext cx="63202" cy="63202"/>
             </a:xfrm>
             <a:custGeom>
@@ -26891,7 +26891,7 @@
           </p:nvSpPr>
           <p:spPr>
             <a:xfrm>
-              <a:off x="4655697" y="6018265"/>
+              <a:off x="5112270" y="6018087"/>
               <a:ext cx="63202" cy="63202"/>
             </a:xfrm>
             <a:custGeom>
@@ -26934,7 +26934,7 @@
           </p:nvSpPr>
           <p:spPr>
             <a:xfrm>
-              <a:off x="4523474" y="5999050"/>
+              <a:off x="5060752" y="5998961"/>
               <a:ext cx="63202" cy="63202"/>
             </a:xfrm>
             <a:custGeom>
@@ -26977,7 +26977,7 @@
           </p:nvSpPr>
           <p:spPr>
             <a:xfrm>
-              <a:off x="4832473" y="5972156"/>
+              <a:off x="4470624" y="5972101"/>
               <a:ext cx="63202" cy="63202"/>
             </a:xfrm>
             <a:custGeom>
@@ -27020,7 +27020,7 @@
           </p:nvSpPr>
           <p:spPr>
             <a:xfrm>
-              <a:off x="4849233" y="5972504"/>
+              <a:off x="4840822" y="5972382"/>
               <a:ext cx="63202" cy="63202"/>
             </a:xfrm>
             <a:custGeom>
@@ -27063,7 +27063,7 @@
           </p:nvSpPr>
           <p:spPr>
             <a:xfrm>
-              <a:off x="4688728" y="5969731"/>
+              <a:off x="4878638" y="5969596"/>
               <a:ext cx="63202" cy="63202"/>
             </a:xfrm>
             <a:custGeom>
@@ -27106,7 +27106,7 @@
           </p:nvSpPr>
           <p:spPr>
             <a:xfrm>
-              <a:off x="4455332" y="5970568"/>
+              <a:off x="4523264" y="5970493"/>
               <a:ext cx="63202" cy="63202"/>
             </a:xfrm>
             <a:custGeom>
@@ -27149,7 +27149,7 @@
           </p:nvSpPr>
           <p:spPr>
             <a:xfrm>
-              <a:off x="4862575" y="5968409"/>
+              <a:off x="4526051" y="5968353"/>
               <a:ext cx="63202" cy="63202"/>
             </a:xfrm>
             <a:custGeom>
@@ -27192,7 +27192,7 @@
           </p:nvSpPr>
           <p:spPr>
             <a:xfrm>
-              <a:off x="4517797" y="6017090"/>
+              <a:off x="4528080" y="6017086"/>
               <a:ext cx="63202" cy="63202"/>
             </a:xfrm>
             <a:custGeom>
@@ -27235,7 +27235,7 @@
           </p:nvSpPr>
           <p:spPr>
             <a:xfrm>
-              <a:off x="4659079" y="6043295"/>
+              <a:off x="4696690" y="6043281"/>
               <a:ext cx="63202" cy="63202"/>
             </a:xfrm>
             <a:custGeom>
@@ -27278,7 +27278,7 @@
           </p:nvSpPr>
           <p:spPr>
             <a:xfrm>
-              <a:off x="4520011" y="5978107"/>
+              <a:off x="4737764" y="5978061"/>
               <a:ext cx="63202" cy="63202"/>
             </a:xfrm>
             <a:custGeom>
@@ -27321,7 +27321,7 @@
           </p:nvSpPr>
           <p:spPr>
             <a:xfrm>
-              <a:off x="4531428" y="5979383"/>
+              <a:off x="4999613" y="5979409"/>
               <a:ext cx="63202" cy="63202"/>
             </a:xfrm>
             <a:custGeom>
@@ -27364,7 +27364,7 @@
           </p:nvSpPr>
           <p:spPr>
             <a:xfrm>
-              <a:off x="4644884" y="5986340"/>
+              <a:off x="4697257" y="5986267"/>
               <a:ext cx="63202" cy="63202"/>
             </a:xfrm>
             <a:custGeom>
@@ -27407,7 +27407,7 @@
           </p:nvSpPr>
           <p:spPr>
             <a:xfrm>
-              <a:off x="4725341" y="5972666"/>
+              <a:off x="4961586" y="5972600"/>
               <a:ext cx="63202" cy="63202"/>
             </a:xfrm>
             <a:custGeom>
@@ -27450,7 +27450,7 @@
           </p:nvSpPr>
           <p:spPr>
             <a:xfrm>
-              <a:off x="4710873" y="5967402"/>
+              <a:off x="4944378" y="5967377"/>
               <a:ext cx="63202" cy="63202"/>
             </a:xfrm>
             <a:custGeom>
@@ -27493,7 +27493,7 @@
           </p:nvSpPr>
           <p:spPr>
             <a:xfrm>
-              <a:off x="5054068" y="5974084"/>
+              <a:off x="4768191" y="5974018"/>
               <a:ext cx="63202" cy="63202"/>
             </a:xfrm>
             <a:custGeom>
@@ -27536,7 +27536,7 @@
           </p:nvSpPr>
           <p:spPr>
             <a:xfrm>
-              <a:off x="4657471" y="5986174"/>
+              <a:off x="4456260" y="5986131"/>
               <a:ext cx="63202" cy="63202"/>
             </a:xfrm>
             <a:custGeom>
@@ -27579,7 +27579,7 @@
           </p:nvSpPr>
           <p:spPr>
             <a:xfrm>
-              <a:off x="5086987" y="5979650"/>
+              <a:off x="4586908" y="5979585"/>
               <a:ext cx="63202" cy="63202"/>
             </a:xfrm>
             <a:custGeom>
@@ -27622,7 +27622,7 @@
           </p:nvSpPr>
           <p:spPr>
             <a:xfrm>
-              <a:off x="5116910" y="5983185"/>
+              <a:off x="4914599" y="5983226"/>
               <a:ext cx="63202" cy="63202"/>
             </a:xfrm>
             <a:custGeom>
@@ -27665,7 +27665,7 @@
           </p:nvSpPr>
           <p:spPr>
             <a:xfrm>
-              <a:off x="4626652" y="5976189"/>
+              <a:off x="4601510" y="5976195"/>
               <a:ext cx="63202" cy="63202"/>
             </a:xfrm>
             <a:custGeom>
@@ -27708,7 +27708,7 @@
           </p:nvSpPr>
           <p:spPr>
             <a:xfrm>
-              <a:off x="4851954" y="5979132"/>
+              <a:off x="4549446" y="5979140"/>
               <a:ext cx="63202" cy="63202"/>
             </a:xfrm>
             <a:custGeom>
@@ -27751,7 +27751,7 @@
           </p:nvSpPr>
           <p:spPr>
             <a:xfrm>
-              <a:off x="4749140" y="5986730"/>
+              <a:off x="4491386" y="5986698"/>
               <a:ext cx="63202" cy="63202"/>
             </a:xfrm>
             <a:custGeom>
@@ -27794,7 +27794,7 @@
           </p:nvSpPr>
           <p:spPr>
             <a:xfrm>
-              <a:off x="5643150" y="6564664"/>
+              <a:off x="5421081" y="6564561"/>
               <a:ext cx="63202" cy="63202"/>
             </a:xfrm>
             <a:custGeom>
@@ -27837,7 +27837,7 @@
           </p:nvSpPr>
           <p:spPr>
             <a:xfrm>
-              <a:off x="4807406" y="5987406"/>
+              <a:off x="4610139" y="5987398"/>
               <a:ext cx="63202" cy="63202"/>
             </a:xfrm>
             <a:custGeom>
@@ -27880,7 +27880,7 @@
           </p:nvSpPr>
           <p:spPr>
             <a:xfrm>
-              <a:off x="4474257" y="6019895"/>
+              <a:off x="4505155" y="6019843"/>
               <a:ext cx="63202" cy="63202"/>
             </a:xfrm>
             <a:custGeom>
@@ -27923,7 +27923,7 @@
           </p:nvSpPr>
           <p:spPr>
             <a:xfrm>
-              <a:off x="4793727" y="5983208"/>
+              <a:off x="4526969" y="5983110"/>
               <a:ext cx="63202" cy="63202"/>
             </a:xfrm>
             <a:custGeom>
@@ -27966,7 +27966,7 @@
           </p:nvSpPr>
           <p:spPr>
             <a:xfrm>
-              <a:off x="4886380" y="6007701"/>
+              <a:off x="4938180" y="6007671"/>
               <a:ext cx="63202" cy="63202"/>
             </a:xfrm>
             <a:custGeom>
@@ -28009,7 +28009,7 @@
           </p:nvSpPr>
           <p:spPr>
             <a:xfrm>
-              <a:off x="4582696" y="6003078"/>
+              <a:off x="4555879" y="6002888"/>
               <a:ext cx="63202" cy="63202"/>
             </a:xfrm>
             <a:custGeom>
@@ -28052,7 +28052,7 @@
           </p:nvSpPr>
           <p:spPr>
             <a:xfrm>
-              <a:off x="6570815" y="6474575"/>
+              <a:off x="6586423" y="6474555"/>
               <a:ext cx="63202" cy="63202"/>
             </a:xfrm>
             <a:custGeom>
@@ -28095,7 +28095,7 @@
           </p:nvSpPr>
           <p:spPr>
             <a:xfrm>
-              <a:off x="4734403" y="5981580"/>
+              <a:off x="4813096" y="5981431"/>
               <a:ext cx="63202" cy="63202"/>
             </a:xfrm>
             <a:custGeom>
@@ -28138,7 +28138,7 @@
           </p:nvSpPr>
           <p:spPr>
             <a:xfrm>
-              <a:off x="5035819" y="5990085"/>
+              <a:off x="4908930" y="5990026"/>
               <a:ext cx="63202" cy="63202"/>
             </a:xfrm>
             <a:custGeom>
@@ -28181,7 +28181,7 @@
           </p:nvSpPr>
           <p:spPr>
             <a:xfrm>
-              <a:off x="4442987" y="6212845"/>
+              <a:off x="4862550" y="6212749"/>
               <a:ext cx="63202" cy="63202"/>
             </a:xfrm>
             <a:custGeom>
@@ -28224,7 +28224,7 @@
           </p:nvSpPr>
           <p:spPr>
             <a:xfrm>
-              <a:off x="4496541" y="5977162"/>
+              <a:off x="5042361" y="5977025"/>
               <a:ext cx="63202" cy="63202"/>
             </a:xfrm>
             <a:custGeom>
@@ -28267,7 +28267,7 @@
           </p:nvSpPr>
           <p:spPr>
             <a:xfrm>
-              <a:off x="4485343" y="6008646"/>
+              <a:off x="4560348" y="6008689"/>
               <a:ext cx="63202" cy="63202"/>
             </a:xfrm>
             <a:custGeom>
@@ -28310,7 +28310,7 @@
           </p:nvSpPr>
           <p:spPr>
             <a:xfrm>
-              <a:off x="5090388" y="5985866"/>
+              <a:off x="4820439" y="5985955"/>
               <a:ext cx="63202" cy="63202"/>
             </a:xfrm>
             <a:custGeom>
@@ -28353,7 +28353,7 @@
           </p:nvSpPr>
           <p:spPr>
             <a:xfrm>
-              <a:off x="4698733" y="5978139"/>
+              <a:off x="4489020" y="5978137"/>
               <a:ext cx="63202" cy="63202"/>
             </a:xfrm>
             <a:custGeom>
@@ -28396,7 +28396,7 @@
           </p:nvSpPr>
           <p:spPr>
             <a:xfrm>
-              <a:off x="4898972" y="6001507"/>
+              <a:off x="4715760" y="6001419"/>
               <a:ext cx="63202" cy="63202"/>
             </a:xfrm>
             <a:custGeom>
@@ -28439,7 +28439,7 @@
           </p:nvSpPr>
           <p:spPr>
             <a:xfrm>
-              <a:off x="4932975" y="5991219"/>
+              <a:off x="4759161" y="5991172"/>
               <a:ext cx="63202" cy="63202"/>
             </a:xfrm>
             <a:custGeom>
@@ -28482,7 +28482,7 @@
           </p:nvSpPr>
           <p:spPr>
             <a:xfrm>
-              <a:off x="4790006" y="5977497"/>
+              <a:off x="4773143" y="5977482"/>
               <a:ext cx="63202" cy="63202"/>
             </a:xfrm>
             <a:custGeom>
@@ -28525,7 +28525,7 @@
           </p:nvSpPr>
           <p:spPr>
             <a:xfrm>
-              <a:off x="4716650" y="5983267"/>
+              <a:off x="4444215" y="5983197"/>
               <a:ext cx="63202" cy="63202"/>
             </a:xfrm>
             <a:custGeom>
@@ -28568,7 +28568,7 @@
           </p:nvSpPr>
           <p:spPr>
             <a:xfrm>
-              <a:off x="4656324" y="5981798"/>
+              <a:off x="4794875" y="5981592"/>
               <a:ext cx="63202" cy="63202"/>
             </a:xfrm>
             <a:custGeom>
@@ -28611,7 +28611,7 @@
           </p:nvSpPr>
           <p:spPr>
             <a:xfrm>
-              <a:off x="4642808" y="6026809"/>
+              <a:off x="4478611" y="6026835"/>
               <a:ext cx="63202" cy="63202"/>
             </a:xfrm>
             <a:custGeom>
@@ -28654,7 +28654,7 @@
           </p:nvSpPr>
           <p:spPr>
             <a:xfrm>
-              <a:off x="4860796" y="6006682"/>
+              <a:off x="4465865" y="6006602"/>
               <a:ext cx="63202" cy="63202"/>
             </a:xfrm>
             <a:custGeom>
@@ -28697,7 +28697,7 @@
           </p:nvSpPr>
           <p:spPr>
             <a:xfrm>
-              <a:off x="4435405" y="5998224"/>
+              <a:off x="4983441" y="5998131"/>
               <a:ext cx="63202" cy="63202"/>
             </a:xfrm>
             <a:custGeom>
@@ -28740,7 +28740,7 @@
           </p:nvSpPr>
           <p:spPr>
             <a:xfrm>
-              <a:off x="4977730" y="5973920"/>
+              <a:off x="5101045" y="5973913"/>
               <a:ext cx="63202" cy="63202"/>
             </a:xfrm>
             <a:custGeom>
@@ -28783,7 +28783,7 @@
           </p:nvSpPr>
           <p:spPr>
             <a:xfrm>
-              <a:off x="4829115" y="5973942"/>
+              <a:off x="4647336" y="5973844"/>
               <a:ext cx="63202" cy="63202"/>
             </a:xfrm>
             <a:custGeom>
@@ -28826,7 +28826,7 @@
           </p:nvSpPr>
           <p:spPr>
             <a:xfrm>
-              <a:off x="4799625" y="5975829"/>
+              <a:off x="4542632" y="5975763"/>
               <a:ext cx="63202" cy="63202"/>
             </a:xfrm>
             <a:custGeom>
@@ -28869,7 +28869,7 @@
           </p:nvSpPr>
           <p:spPr>
             <a:xfrm>
-              <a:off x="4872181" y="5975468"/>
+              <a:off x="4818477" y="5975359"/>
               <a:ext cx="63202" cy="63202"/>
             </a:xfrm>
             <a:custGeom>
@@ -28912,7 +28912,7 @@
           </p:nvSpPr>
           <p:spPr>
             <a:xfrm>
-              <a:off x="4651375" y="5974630"/>
+              <a:off x="4635565" y="5974528"/>
               <a:ext cx="63202" cy="63202"/>
             </a:xfrm>
             <a:custGeom>
@@ -28955,7 +28955,7 @@
           </p:nvSpPr>
           <p:spPr>
             <a:xfrm>
-              <a:off x="4736132" y="5963402"/>
+              <a:off x="5087382" y="5963243"/>
               <a:ext cx="63202" cy="63202"/>
             </a:xfrm>
             <a:custGeom>
@@ -28998,7 +28998,7 @@
           </p:nvSpPr>
           <p:spPr>
             <a:xfrm>
-              <a:off x="4622605" y="6005706"/>
+              <a:off x="4708584" y="6005734"/>
               <a:ext cx="63202" cy="63202"/>
             </a:xfrm>
             <a:custGeom>
@@ -29041,7 +29041,7 @@
           </p:nvSpPr>
           <p:spPr>
             <a:xfrm>
-              <a:off x="4584313" y="6015951"/>
+              <a:off x="4598408" y="6015795"/>
               <a:ext cx="63202" cy="63202"/>
             </a:xfrm>
             <a:custGeom>
@@ -29084,7 +29084,7 @@
           </p:nvSpPr>
           <p:spPr>
             <a:xfrm>
-              <a:off x="4814135" y="5989533"/>
+              <a:off x="4453180" y="5989475"/>
               <a:ext cx="63202" cy="63202"/>
             </a:xfrm>
             <a:custGeom>
@@ -29127,7 +29127,7 @@
           </p:nvSpPr>
           <p:spPr>
             <a:xfrm>
-              <a:off x="4472413" y="6003600"/>
+              <a:off x="4552972" y="6003621"/>
               <a:ext cx="63202" cy="63202"/>
             </a:xfrm>
             <a:custGeom>
@@ -29170,7 +29170,7 @@
           </p:nvSpPr>
           <p:spPr>
             <a:xfrm>
-              <a:off x="4887890" y="6007428"/>
+              <a:off x="4483962" y="6007360"/>
               <a:ext cx="63202" cy="63202"/>
             </a:xfrm>
             <a:custGeom>
@@ -29213,7 +29213,7 @@
           </p:nvSpPr>
           <p:spPr>
             <a:xfrm>
-              <a:off x="4852796" y="5996423"/>
+              <a:off x="4920894" y="5996516"/>
               <a:ext cx="63202" cy="63202"/>
             </a:xfrm>
             <a:custGeom>
@@ -29256,7 +29256,7 @@
           </p:nvSpPr>
           <p:spPr>
             <a:xfrm>
-              <a:off x="4547598" y="5974759"/>
+              <a:off x="5036122" y="5974705"/>
               <a:ext cx="63202" cy="63202"/>
             </a:xfrm>
             <a:custGeom>
@@ -29299,7 +29299,7 @@
           </p:nvSpPr>
           <p:spPr>
             <a:xfrm>
-              <a:off x="4783134" y="6007035"/>
+              <a:off x="4602898" y="6006982"/>
               <a:ext cx="63202" cy="63202"/>
             </a:xfrm>
             <a:custGeom>
@@ -29342,7 +29342,7 @@
           </p:nvSpPr>
           <p:spPr>
             <a:xfrm>
-              <a:off x="4584346" y="5981648"/>
+              <a:off x="5118691" y="5981611"/>
               <a:ext cx="63202" cy="63202"/>
             </a:xfrm>
             <a:custGeom>
@@ -29385,7 +29385,7 @@
           </p:nvSpPr>
           <p:spPr>
             <a:xfrm>
-              <a:off x="5030489" y="5975826"/>
+              <a:off x="4613959" y="5975775"/>
               <a:ext cx="63202" cy="63202"/>
             </a:xfrm>
             <a:custGeom>
@@ -29428,7 +29428,7 @@
           </p:nvSpPr>
           <p:spPr>
             <a:xfrm>
-              <a:off x="4624330" y="6216635"/>
+              <a:off x="4964596" y="6216615"/>
               <a:ext cx="63202" cy="63202"/>
             </a:xfrm>
             <a:custGeom>
@@ -29471,7 +29471,7 @@
           </p:nvSpPr>
           <p:spPr>
             <a:xfrm>
-              <a:off x="4862838" y="5977292"/>
+              <a:off x="4587986" y="5977297"/>
               <a:ext cx="63202" cy="63202"/>
             </a:xfrm>
             <a:custGeom>
@@ -29514,7 +29514,7 @@
           </p:nvSpPr>
           <p:spPr>
             <a:xfrm>
-              <a:off x="4764443" y="5977261"/>
+              <a:off x="4929739" y="5977262"/>
               <a:ext cx="63202" cy="63202"/>
             </a:xfrm>
             <a:custGeom>
@@ -29557,7 +29557,7 @@
           </p:nvSpPr>
           <p:spPr>
             <a:xfrm>
-              <a:off x="5048816" y="5977274"/>
+              <a:off x="4767130" y="5977203"/>
               <a:ext cx="63202" cy="63202"/>
             </a:xfrm>
             <a:custGeom>
@@ -29600,7 +29600,7 @@
           </p:nvSpPr>
           <p:spPr>
             <a:xfrm>
-              <a:off x="4499723" y="5971997"/>
+              <a:off x="4759019" y="5971903"/>
               <a:ext cx="63202" cy="63202"/>
             </a:xfrm>
             <a:custGeom>
@@ -29643,7 +29643,7 @@
           </p:nvSpPr>
           <p:spPr>
             <a:xfrm>
-              <a:off x="4944190" y="6000879"/>
+              <a:off x="4959910" y="6000805"/>
               <a:ext cx="63202" cy="63202"/>
             </a:xfrm>
             <a:custGeom>
@@ -29686,7 +29686,7 @@
           </p:nvSpPr>
           <p:spPr>
             <a:xfrm>
-              <a:off x="4905292" y="6008840"/>
+              <a:off x="4953319" y="6008885"/>
               <a:ext cx="63202" cy="63202"/>
             </a:xfrm>
             <a:custGeom>
@@ -29729,7 +29729,7 @@
           </p:nvSpPr>
           <p:spPr>
             <a:xfrm>
-              <a:off x="5120075" y="5967670"/>
+              <a:off x="4564922" y="5967588"/>
               <a:ext cx="63202" cy="63202"/>
             </a:xfrm>
             <a:custGeom>
@@ -29772,7 +29772,7 @@
           </p:nvSpPr>
           <p:spPr>
             <a:xfrm>
-              <a:off x="4575330" y="5982756"/>
+              <a:off x="4541168" y="5982773"/>
               <a:ext cx="63202" cy="63202"/>
             </a:xfrm>
             <a:custGeom>
@@ -29815,7 +29815,7 @@
           </p:nvSpPr>
           <p:spPr>
             <a:xfrm>
-              <a:off x="5052573" y="5978728"/>
+              <a:off x="4817554" y="5978639"/>
               <a:ext cx="63202" cy="63202"/>
             </a:xfrm>
             <a:custGeom>
@@ -29858,7 +29858,7 @@
           </p:nvSpPr>
           <p:spPr>
             <a:xfrm>
-              <a:off x="4514196" y="5977057"/>
+              <a:off x="4593933" y="5977086"/>
               <a:ext cx="63202" cy="63202"/>
             </a:xfrm>
             <a:custGeom>
@@ -29901,7 +29901,7 @@
           </p:nvSpPr>
           <p:spPr>
             <a:xfrm>
-              <a:off x="4842184" y="6096388"/>
+              <a:off x="4615211" y="6096349"/>
               <a:ext cx="63202" cy="63202"/>
             </a:xfrm>
             <a:custGeom>
@@ -29944,7 +29944,7 @@
           </p:nvSpPr>
           <p:spPr>
             <a:xfrm>
-              <a:off x="4783223" y="5985334"/>
+              <a:off x="4893512" y="5985247"/>
               <a:ext cx="63202" cy="63202"/>
             </a:xfrm>
             <a:custGeom>
@@ -29987,7 +29987,7 @@
           </p:nvSpPr>
           <p:spPr>
             <a:xfrm>
-              <a:off x="4435388" y="6033657"/>
+              <a:off x="4991922" y="6033540"/>
               <a:ext cx="63202" cy="63202"/>
             </a:xfrm>
             <a:custGeom>
@@ -30030,7 +30030,7 @@
           </p:nvSpPr>
           <p:spPr>
             <a:xfrm>
-              <a:off x="4925513" y="6001268"/>
+              <a:off x="4854539" y="6001349"/>
               <a:ext cx="63202" cy="63202"/>
             </a:xfrm>
             <a:custGeom>
@@ -30073,7 +30073,7 @@
           </p:nvSpPr>
           <p:spPr>
             <a:xfrm>
-              <a:off x="4973980" y="5976296"/>
+              <a:off x="4615556" y="5976133"/>
               <a:ext cx="63202" cy="63202"/>
             </a:xfrm>
             <a:custGeom>
@@ -30116,7 +30116,7 @@
           </p:nvSpPr>
           <p:spPr>
             <a:xfrm>
-              <a:off x="4622366" y="5978505"/>
+              <a:off x="4568407" y="5978470"/>
               <a:ext cx="63202" cy="63202"/>
             </a:xfrm>
             <a:custGeom>
@@ -30159,7 +30159,7 @@
           </p:nvSpPr>
           <p:spPr>
             <a:xfrm>
-              <a:off x="4588113" y="6013617"/>
+              <a:off x="4487715" y="6013546"/>
               <a:ext cx="63202" cy="63202"/>
             </a:xfrm>
             <a:custGeom>
@@ -30202,7 +30202,7 @@
           </p:nvSpPr>
           <p:spPr>
             <a:xfrm>
-              <a:off x="4450331" y="6008522"/>
+              <a:off x="4807072" y="6008456"/>
               <a:ext cx="63202" cy="63202"/>
             </a:xfrm>
             <a:custGeom>
@@ -30245,7 +30245,7 @@
           </p:nvSpPr>
           <p:spPr>
             <a:xfrm>
-              <a:off x="4746843" y="6033837"/>
+              <a:off x="4689025" y="6033732"/>
               <a:ext cx="63202" cy="63202"/>
             </a:xfrm>
             <a:custGeom>
@@ -30288,7 +30288,7 @@
           </p:nvSpPr>
           <p:spPr>
             <a:xfrm>
-              <a:off x="4753858" y="5987284"/>
+              <a:off x="4648775" y="5987109"/>
               <a:ext cx="63202" cy="63202"/>
             </a:xfrm>
             <a:custGeom>
@@ -30331,7 +30331,7 @@
           </p:nvSpPr>
           <p:spPr>
             <a:xfrm>
-              <a:off x="4610602" y="5992243"/>
+              <a:off x="4891980" y="5992177"/>
               <a:ext cx="63202" cy="63202"/>
             </a:xfrm>
             <a:custGeom>
@@ -30374,7 +30374,7 @@
           </p:nvSpPr>
           <p:spPr>
             <a:xfrm>
-              <a:off x="4491182" y="6008294"/>
+              <a:off x="4588965" y="6008244"/>
               <a:ext cx="63202" cy="63202"/>
             </a:xfrm>
             <a:custGeom>
@@ -30417,7 +30417,7 @@
           </p:nvSpPr>
           <p:spPr>
             <a:xfrm>
-              <a:off x="4507424" y="5983264"/>
+              <a:off x="4599430" y="5983124"/>
               <a:ext cx="63202" cy="63202"/>
             </a:xfrm>
             <a:custGeom>
@@ -30460,7 +30460,7 @@
           </p:nvSpPr>
           <p:spPr>
             <a:xfrm>
-              <a:off x="4523557" y="6002353"/>
+              <a:off x="4447956" y="6002307"/>
               <a:ext cx="63202" cy="63202"/>
             </a:xfrm>
             <a:custGeom>
@@ -30503,7 +30503,7 @@
           </p:nvSpPr>
           <p:spPr>
             <a:xfrm>
-              <a:off x="4696988" y="6008212"/>
+              <a:off x="4540495" y="6008268"/>
               <a:ext cx="63202" cy="63202"/>
             </a:xfrm>
             <a:custGeom>
@@ -30546,7 +30546,7 @@
           </p:nvSpPr>
           <p:spPr>
             <a:xfrm>
-              <a:off x="4555988" y="5979393"/>
+              <a:off x="4718589" y="5979386"/>
               <a:ext cx="63202" cy="63202"/>
             </a:xfrm>
             <a:custGeom>
@@ -30589,7 +30589,7 @@
           </p:nvSpPr>
           <p:spPr>
             <a:xfrm>
-              <a:off x="5112426" y="6086552"/>
+              <a:off x="4506628" y="6086439"/>
               <a:ext cx="63202" cy="63202"/>
             </a:xfrm>
             <a:custGeom>
@@ -30632,7 +30632,7 @@
           </p:nvSpPr>
           <p:spPr>
             <a:xfrm>
-              <a:off x="4879514" y="5999404"/>
+              <a:off x="4802487" y="5999464"/>
               <a:ext cx="63202" cy="63202"/>
             </a:xfrm>
             <a:custGeom>
@@ -30675,7 +30675,7 @@
           </p:nvSpPr>
           <p:spPr>
             <a:xfrm>
-              <a:off x="4872805" y="6002461"/>
+              <a:off x="5064807" y="6002284"/>
               <a:ext cx="63202" cy="63202"/>
             </a:xfrm>
             <a:custGeom>
@@ -30718,7 +30718,7 @@
           </p:nvSpPr>
           <p:spPr>
             <a:xfrm>
-              <a:off x="5032642" y="6010003"/>
+              <a:off x="4784801" y="6009883"/>
               <a:ext cx="63202" cy="63202"/>
             </a:xfrm>
             <a:custGeom>
@@ -30761,7 +30761,7 @@
           </p:nvSpPr>
           <p:spPr>
             <a:xfrm>
-              <a:off x="4620136" y="6013292"/>
+              <a:off x="5120585" y="6013287"/>
               <a:ext cx="63202" cy="63202"/>
             </a:xfrm>
             <a:custGeom>
@@ -30804,7 +30804,7 @@
           </p:nvSpPr>
           <p:spPr>
             <a:xfrm>
-              <a:off x="4989126" y="5967935"/>
+              <a:off x="4436695" y="5967912"/>
               <a:ext cx="63202" cy="63202"/>
             </a:xfrm>
             <a:custGeom>
@@ -30847,7 +30847,7 @@
           </p:nvSpPr>
           <p:spPr>
             <a:xfrm>
-              <a:off x="4488657" y="6032277"/>
+              <a:off x="4853809" y="6032360"/>
               <a:ext cx="63202" cy="63202"/>
             </a:xfrm>
             <a:custGeom>
@@ -30890,7 +30890,7 @@
           </p:nvSpPr>
           <p:spPr>
             <a:xfrm>
-              <a:off x="4459633" y="6143935"/>
+              <a:off x="4682516" y="6143820"/>
               <a:ext cx="63202" cy="63202"/>
             </a:xfrm>
             <a:custGeom>
@@ -30933,7 +30933,7 @@
           </p:nvSpPr>
           <p:spPr>
             <a:xfrm>
-              <a:off x="4501984" y="6325089"/>
+              <a:off x="5009921" y="6324953"/>
               <a:ext cx="63202" cy="63202"/>
             </a:xfrm>
             <a:custGeom>
@@ -30976,7 +30976,7 @@
           </p:nvSpPr>
           <p:spPr>
             <a:xfrm>
-              <a:off x="5073638" y="6163114"/>
+              <a:off x="4633226" y="6163030"/>
               <a:ext cx="63202" cy="63202"/>
             </a:xfrm>
             <a:custGeom>
@@ -31019,7 +31019,7 @@
           </p:nvSpPr>
           <p:spPr>
             <a:xfrm>
-              <a:off x="4959120" y="5983059"/>
+              <a:off x="4501482" y="5983008"/>
               <a:ext cx="63202" cy="63202"/>
             </a:xfrm>
             <a:custGeom>
@@ -31062,7 +31062,7 @@
           </p:nvSpPr>
           <p:spPr>
             <a:xfrm>
-              <a:off x="4471779" y="6043563"/>
+              <a:off x="4993228" y="6043401"/>
               <a:ext cx="63202" cy="63202"/>
             </a:xfrm>
             <a:custGeom>
@@ -31105,7 +31105,7 @@
           </p:nvSpPr>
           <p:spPr>
             <a:xfrm>
-              <a:off x="5092809" y="6035638"/>
+              <a:off x="4460179" y="6035604"/>
               <a:ext cx="63202" cy="63202"/>
             </a:xfrm>
             <a:custGeom>
@@ -31148,7 +31148,7 @@
           </p:nvSpPr>
           <p:spPr>
             <a:xfrm>
-              <a:off x="4737822" y="5987278"/>
+              <a:off x="4692801" y="5987146"/>
               <a:ext cx="63202" cy="63202"/>
             </a:xfrm>
             <a:custGeom>
@@ -31191,7 +31191,7 @@
           </p:nvSpPr>
           <p:spPr>
             <a:xfrm>
-              <a:off x="4672435" y="6085238"/>
+              <a:off x="5019644" y="6085199"/>
               <a:ext cx="63202" cy="63202"/>
             </a:xfrm>
             <a:custGeom>
@@ -31234,7 +31234,7 @@
           </p:nvSpPr>
           <p:spPr>
             <a:xfrm>
-              <a:off x="4701043" y="5971555"/>
+              <a:off x="4460227" y="5971579"/>
               <a:ext cx="63202" cy="63202"/>
             </a:xfrm>
             <a:custGeom>
@@ -31277,7 +31277,7 @@
           </p:nvSpPr>
           <p:spPr>
             <a:xfrm>
-              <a:off x="4563976" y="6097740"/>
+              <a:off x="4847397" y="6097706"/>
               <a:ext cx="63202" cy="63202"/>
             </a:xfrm>
             <a:custGeom>
@@ -31320,7 +31320,7 @@
           </p:nvSpPr>
           <p:spPr>
             <a:xfrm>
-              <a:off x="4761641" y="5983879"/>
+              <a:off x="4471312" y="5983833"/>
               <a:ext cx="63202" cy="63202"/>
             </a:xfrm>
             <a:custGeom>
@@ -31363,7 +31363,7 @@
           </p:nvSpPr>
           <p:spPr>
             <a:xfrm>
-              <a:off x="4484195" y="6227782"/>
+              <a:off x="4594124" y="6227844"/>
               <a:ext cx="63202" cy="63202"/>
             </a:xfrm>
             <a:custGeom>
@@ -31406,7 +31406,7 @@
           </p:nvSpPr>
           <p:spPr>
             <a:xfrm>
-              <a:off x="5080738" y="5989018"/>
+              <a:off x="4502854" y="5989101"/>
               <a:ext cx="63202" cy="63202"/>
             </a:xfrm>
             <a:custGeom>
@@ -31449,7 +31449,7 @@
           </p:nvSpPr>
           <p:spPr>
             <a:xfrm>
-              <a:off x="4855828" y="5972890"/>
+              <a:off x="4920184" y="5972779"/>
               <a:ext cx="63202" cy="63202"/>
             </a:xfrm>
             <a:custGeom>
@@ -31492,7 +31492,7 @@
           </p:nvSpPr>
           <p:spPr>
             <a:xfrm>
-              <a:off x="4864454" y="5978309"/>
+              <a:off x="4564885" y="5978317"/>
               <a:ext cx="63202" cy="63202"/>
             </a:xfrm>
             <a:custGeom>
@@ -31535,7 +31535,7 @@
           </p:nvSpPr>
           <p:spPr>
             <a:xfrm>
-              <a:off x="4608075" y="5967978"/>
+              <a:off x="5060201" y="5967881"/>
               <a:ext cx="63202" cy="63202"/>
             </a:xfrm>
             <a:custGeom>
@@ -31578,7 +31578,7 @@
           </p:nvSpPr>
           <p:spPr>
             <a:xfrm>
-              <a:off x="5044200" y="5982370"/>
+              <a:off x="4460577" y="5982247"/>
               <a:ext cx="63202" cy="63202"/>
             </a:xfrm>
             <a:custGeom>
@@ -31621,7 +31621,7 @@
           </p:nvSpPr>
           <p:spPr>
             <a:xfrm>
-              <a:off x="5046051" y="5976514"/>
+              <a:off x="5053515" y="5976383"/>
               <a:ext cx="63202" cy="63202"/>
             </a:xfrm>
             <a:custGeom>
@@ -31664,7 +31664,7 @@
           </p:nvSpPr>
           <p:spPr>
             <a:xfrm>
-              <a:off x="4542622" y="5983827"/>
+              <a:off x="4769417" y="5983744"/>
               <a:ext cx="63202" cy="63202"/>
             </a:xfrm>
             <a:custGeom>
@@ -31707,7 +31707,7 @@
           </p:nvSpPr>
           <p:spPr>
             <a:xfrm>
-              <a:off x="4625777" y="5983909"/>
+              <a:off x="4506870" y="5983794"/>
               <a:ext cx="63202" cy="63202"/>
             </a:xfrm>
             <a:custGeom>
@@ -31750,7 +31750,7 @@
           </p:nvSpPr>
           <p:spPr>
             <a:xfrm>
-              <a:off x="5041567" y="5983797"/>
+              <a:off x="4953289" y="5983778"/>
               <a:ext cx="63202" cy="63202"/>
             </a:xfrm>
             <a:custGeom>
@@ -31793,7 +31793,7 @@
           </p:nvSpPr>
           <p:spPr>
             <a:xfrm>
-              <a:off x="4818405" y="5983870"/>
+              <a:off x="4666541" y="5983734"/>
               <a:ext cx="63202" cy="63202"/>
             </a:xfrm>
             <a:custGeom>
@@ -31836,7 +31836,7 @@
           </p:nvSpPr>
           <p:spPr>
             <a:xfrm>
-              <a:off x="4700967" y="6004917"/>
+              <a:off x="4456162" y="6004813"/>
               <a:ext cx="63202" cy="63202"/>
             </a:xfrm>
             <a:custGeom>
@@ -31879,7 +31879,7 @@
           </p:nvSpPr>
           <p:spPr>
             <a:xfrm>
-              <a:off x="4984031" y="5982316"/>
+              <a:off x="4629490" y="5982319"/>
               <a:ext cx="63202" cy="63202"/>
             </a:xfrm>
             <a:custGeom>
@@ -31922,7 +31922,7 @@
           </p:nvSpPr>
           <p:spPr>
             <a:xfrm>
-              <a:off x="5013586" y="6109894"/>
+              <a:off x="4940401" y="6109958"/>
               <a:ext cx="63202" cy="63202"/>
             </a:xfrm>
             <a:custGeom>
@@ -31965,7 +31965,7 @@
           </p:nvSpPr>
           <p:spPr>
             <a:xfrm>
-              <a:off x="5648400" y="6662941"/>
+              <a:off x="5605090" y="6662933"/>
               <a:ext cx="63202" cy="63202"/>
             </a:xfrm>
             <a:custGeom>
@@ -32008,7 +32008,7 @@
           </p:nvSpPr>
           <p:spPr>
             <a:xfrm>
-              <a:off x="4780427" y="5986157"/>
+              <a:off x="4584740" y="5986128"/>
               <a:ext cx="63202" cy="63202"/>
             </a:xfrm>
             <a:custGeom>
@@ -32051,7 +32051,7 @@
           </p:nvSpPr>
           <p:spPr>
             <a:xfrm>
-              <a:off x="4487707" y="5973274"/>
+              <a:off x="4669464" y="5973226"/>
               <a:ext cx="63202" cy="63202"/>
             </a:xfrm>
             <a:custGeom>
@@ -32094,7 +32094,7 @@
           </p:nvSpPr>
           <p:spPr>
             <a:xfrm>
-              <a:off x="5107964" y="5970532"/>
+              <a:off x="4795488" y="5970566"/>
               <a:ext cx="63202" cy="63202"/>
             </a:xfrm>
             <a:custGeom>
@@ -32137,7 +32137,7 @@
           </p:nvSpPr>
           <p:spPr>
             <a:xfrm>
-              <a:off x="5027006" y="6082758"/>
+              <a:off x="4599520" y="6082770"/>
               <a:ext cx="63202" cy="63202"/>
             </a:xfrm>
             <a:custGeom>
@@ -32180,7 +32180,7 @@
           </p:nvSpPr>
           <p:spPr>
             <a:xfrm>
-              <a:off x="4798496" y="5990180"/>
+              <a:off x="4716977" y="5990112"/>
               <a:ext cx="63202" cy="63202"/>
             </a:xfrm>
             <a:custGeom>
@@ -32223,7 +32223,7 @@
           </p:nvSpPr>
           <p:spPr>
             <a:xfrm>
-              <a:off x="4857444" y="5989103"/>
+              <a:off x="5027624" y="5989131"/>
               <a:ext cx="63202" cy="63202"/>
             </a:xfrm>
             <a:custGeom>
@@ -32266,7 +32266,7 @@
           </p:nvSpPr>
           <p:spPr>
             <a:xfrm>
-              <a:off x="4999286" y="5974542"/>
+              <a:off x="4555667" y="5974538"/>
               <a:ext cx="63202" cy="63202"/>
             </a:xfrm>
             <a:custGeom>
@@ -32365,7 +32365,7 @@
           </p:nvSpPr>
           <p:spPr>
             <a:xfrm>
-              <a:off x="7171360" y="2998607"/>
+              <a:off x="7171360" y="2998658"/>
               <a:ext cx="2817450" cy="0"/>
             </a:xfrm>
             <a:custGeom>
@@ -32451,7 +32451,7 @@
           </p:nvSpPr>
           <p:spPr>
             <a:xfrm>
-              <a:off x="7171360" y="2155063"/>
+              <a:off x="7171360" y="2155011"/>
               <a:ext cx="2817450" cy="0"/>
             </a:xfrm>
             <a:custGeom>
@@ -32494,7 +32494,7 @@
           </p:nvSpPr>
           <p:spPr>
             <a:xfrm>
-              <a:off x="7171360" y="1733291"/>
+              <a:off x="7171360" y="1733188"/>
               <a:ext cx="2817450" cy="0"/>
             </a:xfrm>
             <a:custGeom>
@@ -32537,7 +32537,7 @@
           </p:nvSpPr>
           <p:spPr>
             <a:xfrm>
-              <a:off x="7171360" y="2787721"/>
+              <a:off x="7171360" y="2787746"/>
               <a:ext cx="2817450" cy="0"/>
             </a:xfrm>
             <a:custGeom>
@@ -32580,7 +32580,7 @@
           </p:nvSpPr>
           <p:spPr>
             <a:xfrm>
-              <a:off x="7171360" y="2365949"/>
+              <a:off x="7171360" y="2365923"/>
               <a:ext cx="2817450" cy="0"/>
             </a:xfrm>
             <a:custGeom>
@@ -32623,7 +32623,7 @@
           </p:nvSpPr>
           <p:spPr>
             <a:xfrm>
-              <a:off x="7171360" y="1944177"/>
+              <a:off x="7171360" y="1944100"/>
               <a:ext cx="2817450" cy="0"/>
             </a:xfrm>
             <a:custGeom>
@@ -32666,7 +32666,7 @@
           </p:nvSpPr>
           <p:spPr>
             <a:xfrm>
-              <a:off x="7171360" y="1522405"/>
+              <a:off x="7171360" y="1522277"/>
               <a:ext cx="2817450" cy="0"/>
             </a:xfrm>
             <a:custGeom>
@@ -32838,7 +32838,7 @@
           </p:nvSpPr>
           <p:spPr>
             <a:xfrm>
-              <a:off x="9501320" y="2883095"/>
+              <a:off x="9404732" y="2883069"/>
               <a:ext cx="63202" cy="63202"/>
             </a:xfrm>
             <a:custGeom>
@@ -32881,7 +32881,7 @@
           </p:nvSpPr>
           <p:spPr>
             <a:xfrm>
-              <a:off x="7436544" y="2520496"/>
+              <a:off x="7853259" y="2520535"/>
               <a:ext cx="63202" cy="63202"/>
             </a:xfrm>
             <a:custGeom>
@@ -32924,7 +32924,7 @@
           </p:nvSpPr>
           <p:spPr>
             <a:xfrm>
-              <a:off x="7887651" y="2524858"/>
+              <a:off x="7939929" y="2524826"/>
               <a:ext cx="63202" cy="63202"/>
             </a:xfrm>
             <a:custGeom>
@@ -32967,7 +32967,7 @@
           </p:nvSpPr>
           <p:spPr>
             <a:xfrm>
-              <a:off x="7927528" y="2537277"/>
+              <a:off x="7418350" y="2537270"/>
               <a:ext cx="63202" cy="63202"/>
             </a:xfrm>
             <a:custGeom>
@@ -33010,7 +33010,7 @@
           </p:nvSpPr>
           <p:spPr>
             <a:xfrm>
-              <a:off x="7737138" y="2532141"/>
+              <a:off x="7749154" y="2532232"/>
               <a:ext cx="63202" cy="63202"/>
             </a:xfrm>
             <a:custGeom>
@@ -33053,7 +33053,7 @@
           </p:nvSpPr>
           <p:spPr>
             <a:xfrm>
-              <a:off x="7469009" y="2478361"/>
+              <a:off x="7662951" y="2478372"/>
               <a:ext cx="63202" cy="63202"/>
             </a:xfrm>
             <a:custGeom>
@@ -33096,7 +33096,7 @@
           </p:nvSpPr>
           <p:spPr>
             <a:xfrm>
-              <a:off x="8646146" y="2570104"/>
+              <a:off x="8264457" y="2570049"/>
               <a:ext cx="63202" cy="63202"/>
             </a:xfrm>
             <a:custGeom>
@@ -33139,7 +33139,7 @@
           </p:nvSpPr>
           <p:spPr>
             <a:xfrm>
-              <a:off x="7375546" y="2519661"/>
+              <a:off x="7753225" y="2519764"/>
               <a:ext cx="63202" cy="63202"/>
             </a:xfrm>
             <a:custGeom>
@@ -33182,7 +33182,7 @@
           </p:nvSpPr>
           <p:spPr>
             <a:xfrm>
-              <a:off x="7848929" y="2531967"/>
+              <a:off x="7952892" y="2531880"/>
               <a:ext cx="63202" cy="63202"/>
             </a:xfrm>
             <a:custGeom>
@@ -33225,7 +33225,7 @@
           </p:nvSpPr>
           <p:spPr>
             <a:xfrm>
-              <a:off x="7532810" y="2528443"/>
+              <a:off x="7821455" y="2528359"/>
               <a:ext cx="63202" cy="63202"/>
             </a:xfrm>
             <a:custGeom>
@@ -33268,7 +33268,7 @@
           </p:nvSpPr>
           <p:spPr>
             <a:xfrm>
-              <a:off x="8843758" y="2569858"/>
+              <a:off x="8420977" y="2569946"/>
               <a:ext cx="63202" cy="63202"/>
             </a:xfrm>
             <a:custGeom>
@@ -33311,7 +33311,7 @@
           </p:nvSpPr>
           <p:spPr>
             <a:xfrm>
-              <a:off x="8474973" y="2611895"/>
+              <a:off x="8680346" y="2611805"/>
               <a:ext cx="63202" cy="63202"/>
             </a:xfrm>
             <a:custGeom>
@@ -33354,7 +33354,7 @@
           </p:nvSpPr>
           <p:spPr>
             <a:xfrm>
-              <a:off x="8806278" y="2571169"/>
+              <a:off x="8812166" y="2571099"/>
               <a:ext cx="63202" cy="63202"/>
             </a:xfrm>
             <a:custGeom>
@@ -33397,7 +33397,7 @@
           </p:nvSpPr>
           <p:spPr>
             <a:xfrm>
-              <a:off x="8786784" y="2682884"/>
+              <a:off x="8505413" y="2682924"/>
               <a:ext cx="63202" cy="63202"/>
             </a:xfrm>
             <a:custGeom>
@@ -33440,7 +33440,7 @@
           </p:nvSpPr>
           <p:spPr>
             <a:xfrm>
-              <a:off x="8709623" y="2568178"/>
+              <a:off x="8287998" y="2568150"/>
               <a:ext cx="63202" cy="63202"/>
             </a:xfrm>
             <a:custGeom>
@@ -33483,7 +33483,7 @@
           </p:nvSpPr>
           <p:spPr>
             <a:xfrm>
-              <a:off x="7554147" y="2534771"/>
+              <a:off x="7862688" y="2534742"/>
               <a:ext cx="63202" cy="63202"/>
             </a:xfrm>
             <a:custGeom>
@@ -33526,7 +33526,7 @@
           </p:nvSpPr>
           <p:spPr>
             <a:xfrm>
-              <a:off x="8862528" y="2654266"/>
+              <a:off x="8819450" y="2654325"/>
               <a:ext cx="63202" cy="63202"/>
             </a:xfrm>
             <a:custGeom>
@@ -33569,7 +33569,7 @@
           </p:nvSpPr>
           <p:spPr>
             <a:xfrm>
-              <a:off x="8754493" y="2588857"/>
+              <a:off x="8559357" y="2588848"/>
               <a:ext cx="63202" cy="63202"/>
             </a:xfrm>
             <a:custGeom>
@@ -33612,7 +33612,7 @@
           </p:nvSpPr>
           <p:spPr>
             <a:xfrm>
-              <a:off x="8512545" y="2565528"/>
+              <a:off x="8388819" y="2565432"/>
               <a:ext cx="63202" cy="63202"/>
             </a:xfrm>
             <a:custGeom>
@@ -33655,7 +33655,7 @@
           </p:nvSpPr>
           <p:spPr>
             <a:xfrm>
-              <a:off x="7516086" y="2520505"/>
+              <a:off x="7761787" y="2520492"/>
               <a:ext cx="63202" cy="63202"/>
             </a:xfrm>
             <a:custGeom>
@@ -33698,7 +33698,7 @@
           </p:nvSpPr>
           <p:spPr>
             <a:xfrm>
-              <a:off x="8406350" y="2624070"/>
+              <a:off x="8560568" y="2624184"/>
               <a:ext cx="63202" cy="63202"/>
             </a:xfrm>
             <a:custGeom>
@@ -33741,7 +33741,7 @@
           </p:nvSpPr>
           <p:spPr>
             <a:xfrm>
-              <a:off x="8480269" y="2563557"/>
+              <a:off x="8533281" y="2563526"/>
               <a:ext cx="63202" cy="63202"/>
             </a:xfrm>
             <a:custGeom>
@@ -33784,7 +33784,7 @@
           </p:nvSpPr>
           <p:spPr>
             <a:xfrm>
-              <a:off x="8482267" y="2571162"/>
+              <a:off x="8306951" y="2571168"/>
               <a:ext cx="63202" cy="63202"/>
             </a:xfrm>
             <a:custGeom>
@@ -33827,7 +33827,7 @@
           </p:nvSpPr>
           <p:spPr>
             <a:xfrm>
-              <a:off x="7758800" y="2461555"/>
+              <a:off x="7708259" y="2461552"/>
               <a:ext cx="63202" cy="63202"/>
             </a:xfrm>
             <a:custGeom>
@@ -33870,7 +33870,7 @@
           </p:nvSpPr>
           <p:spPr>
             <a:xfrm>
-              <a:off x="7495218" y="2522454"/>
+              <a:off x="7916024" y="2522506"/>
               <a:ext cx="63202" cy="63202"/>
             </a:xfrm>
             <a:custGeom>
@@ -33913,7 +33913,7 @@
           </p:nvSpPr>
           <p:spPr>
             <a:xfrm>
-              <a:off x="8864536" y="2574511"/>
+              <a:off x="8665960" y="2574577"/>
               <a:ext cx="63202" cy="63202"/>
             </a:xfrm>
             <a:custGeom>
@@ -33956,7 +33956,7 @@
           </p:nvSpPr>
           <p:spPr>
             <a:xfrm>
-              <a:off x="8526870" y="2587331"/>
+              <a:off x="8442565" y="2587382"/>
               <a:ext cx="63202" cy="63202"/>
             </a:xfrm>
             <a:custGeom>
@@ -33999,7 +33999,7 @@
           </p:nvSpPr>
           <p:spPr>
             <a:xfrm>
-              <a:off x="9593987" y="2928916"/>
+              <a:off x="9699454" y="2928937"/>
               <a:ext cx="63202" cy="63202"/>
             </a:xfrm>
             <a:custGeom>
@@ -34042,7 +34042,7 @@
           </p:nvSpPr>
           <p:spPr>
             <a:xfrm>
-              <a:off x="7451289" y="2529407"/>
+              <a:off x="7347736" y="2529388"/>
               <a:ext cx="63202" cy="63202"/>
             </a:xfrm>
             <a:custGeom>
@@ -34085,7 +34085,7 @@
           </p:nvSpPr>
           <p:spPr>
             <a:xfrm>
-              <a:off x="7321360" y="2528617"/>
+              <a:off x="7570297" y="2528571"/>
               <a:ext cx="63202" cy="63202"/>
             </a:xfrm>
             <a:custGeom>
@@ -34128,7 +34128,7 @@
           </p:nvSpPr>
           <p:spPr>
             <a:xfrm>
-              <a:off x="7923609" y="2526741"/>
+              <a:off x="7966619" y="2526604"/>
               <a:ext cx="63202" cy="63202"/>
             </a:xfrm>
             <a:custGeom>
@@ -34171,7 +34171,7 @@
           </p:nvSpPr>
           <p:spPr>
             <a:xfrm>
-              <a:off x="7610646" y="2526599"/>
+              <a:off x="7408309" y="2526592"/>
               <a:ext cx="63202" cy="63202"/>
             </a:xfrm>
             <a:custGeom>
@@ -34214,7 +34214,7 @@
           </p:nvSpPr>
           <p:spPr>
             <a:xfrm>
-              <a:off x="7451528" y="2527978"/>
+              <a:off x="7845752" y="2527947"/>
               <a:ext cx="63202" cy="63202"/>
             </a:xfrm>
             <a:custGeom>
@@ -34257,7 +34257,7 @@
           </p:nvSpPr>
           <p:spPr>
             <a:xfrm>
-              <a:off x="7566635" y="2535150"/>
+              <a:off x="7536097" y="2535130"/>
               <a:ext cx="63202" cy="63202"/>
             </a:xfrm>
             <a:custGeom>
@@ -34300,7 +34300,7 @@
           </p:nvSpPr>
           <p:spPr>
             <a:xfrm>
-              <a:off x="8615583" y="2547174"/>
+              <a:off x="8312885" y="2547129"/>
               <a:ext cx="63202" cy="63202"/>
             </a:xfrm>
             <a:custGeom>
@@ -34343,7 +34343,7 @@
           </p:nvSpPr>
           <p:spPr>
             <a:xfrm>
-              <a:off x="8883968" y="2566297"/>
+              <a:off x="8289056" y="2566267"/>
               <a:ext cx="63202" cy="63202"/>
             </a:xfrm>
             <a:custGeom>
@@ -34386,7 +34386,7 @@
           </p:nvSpPr>
           <p:spPr>
             <a:xfrm>
-              <a:off x="8883781" y="2570362"/>
+              <a:off x="8525516" y="2570337"/>
               <a:ext cx="63202" cy="63202"/>
             </a:xfrm>
             <a:custGeom>
@@ -34429,7 +34429,7 @@
           </p:nvSpPr>
           <p:spPr>
             <a:xfrm>
-              <a:off x="8394369" y="2800635"/>
+              <a:off x="8456353" y="2800724"/>
               <a:ext cx="63202" cy="63202"/>
             </a:xfrm>
             <a:custGeom>
@@ -34472,7 +34472,7 @@
           </p:nvSpPr>
           <p:spPr>
             <a:xfrm>
-              <a:off x="7326197" y="2537424"/>
+              <a:off x="7697380" y="2537383"/>
               <a:ext cx="63202" cy="63202"/>
             </a:xfrm>
             <a:custGeom>
@@ -34515,7 +34515,7 @@
           </p:nvSpPr>
           <p:spPr>
             <a:xfrm>
-              <a:off x="7418227" y="2417879"/>
+              <a:off x="7824409" y="2417768"/>
               <a:ext cx="63202" cy="63202"/>
             </a:xfrm>
             <a:custGeom>
@@ -34558,7 +34558,7 @@
           </p:nvSpPr>
           <p:spPr>
             <a:xfrm>
-              <a:off x="7982088" y="2451436"/>
+              <a:off x="7834917" y="2451422"/>
               <a:ext cx="63202" cy="63202"/>
             </a:xfrm>
             <a:custGeom>
@@ -34601,7 +34601,7 @@
           </p:nvSpPr>
           <p:spPr>
             <a:xfrm>
-              <a:off x="7669941" y="2534192"/>
+              <a:off x="7909330" y="2534219"/>
               <a:ext cx="63202" cy="63202"/>
             </a:xfrm>
             <a:custGeom>
@@ -34644,7 +34644,7 @@
           </p:nvSpPr>
           <p:spPr>
             <a:xfrm>
-              <a:off x="7455801" y="2536297"/>
+              <a:off x="7702522" y="2536401"/>
               <a:ext cx="63202" cy="63202"/>
             </a:xfrm>
             <a:custGeom>
@@ -34687,7 +34687,7 @@
           </p:nvSpPr>
           <p:spPr>
             <a:xfrm>
-              <a:off x="8012230" y="2536220"/>
+              <a:off x="7682115" y="2536099"/>
               <a:ext cx="63202" cy="63202"/>
             </a:xfrm>
             <a:custGeom>
@@ -34730,7 +34730,7 @@
           </p:nvSpPr>
           <p:spPr>
             <a:xfrm>
-              <a:off x="7511947" y="2533787"/>
+              <a:off x="7803518" y="2533783"/>
               <a:ext cx="63202" cy="63202"/>
             </a:xfrm>
             <a:custGeom>
@@ -34773,7 +34773,7 @@
           </p:nvSpPr>
           <p:spPr>
             <a:xfrm>
-              <a:off x="7341126" y="2532230"/>
+              <a:off x="7536735" y="2532218"/>
               <a:ext cx="63202" cy="63202"/>
             </a:xfrm>
             <a:custGeom>
@@ -34872,7 +34872,7 @@
           </p:nvSpPr>
           <p:spPr>
             <a:xfrm>
-              <a:off x="7171360" y="4923940"/>
+              <a:off x="7171360" y="4923990"/>
               <a:ext cx="2817450" cy="0"/>
             </a:xfrm>
             <a:custGeom>
@@ -34915,7 +34915,7 @@
           </p:nvSpPr>
           <p:spPr>
             <a:xfrm>
-              <a:off x="7171360" y="4502168"/>
+              <a:off x="7171360" y="4502167"/>
               <a:ext cx="2817450" cy="0"/>
             </a:xfrm>
             <a:custGeom>
@@ -34958,7 +34958,7 @@
           </p:nvSpPr>
           <p:spPr>
             <a:xfrm>
-              <a:off x="7171360" y="4080396"/>
+              <a:off x="7171360" y="4080344"/>
               <a:ext cx="2817450" cy="0"/>
             </a:xfrm>
             <a:custGeom>
@@ -35001,7 +35001,7 @@
           </p:nvSpPr>
           <p:spPr>
             <a:xfrm>
-              <a:off x="7171360" y="3658624"/>
+              <a:off x="7171360" y="3658521"/>
               <a:ext cx="2817450" cy="0"/>
             </a:xfrm>
             <a:custGeom>
@@ -35044,7 +35044,7 @@
           </p:nvSpPr>
           <p:spPr>
             <a:xfrm>
-              <a:off x="7171360" y="4713054"/>
+              <a:off x="7171360" y="4713079"/>
               <a:ext cx="2817450" cy="0"/>
             </a:xfrm>
             <a:custGeom>
@@ -35087,7 +35087,7 @@
           </p:nvSpPr>
           <p:spPr>
             <a:xfrm>
-              <a:off x="7171360" y="4291282"/>
+              <a:off x="7171360" y="4291256"/>
               <a:ext cx="2817450" cy="0"/>
             </a:xfrm>
             <a:custGeom>
@@ -35130,7 +35130,7 @@
           </p:nvSpPr>
           <p:spPr>
             <a:xfrm>
-              <a:off x="7171360" y="3869510"/>
+              <a:off x="7171360" y="3869432"/>
               <a:ext cx="2817450" cy="0"/>
             </a:xfrm>
             <a:custGeom>
@@ -35173,7 +35173,7 @@
           </p:nvSpPr>
           <p:spPr>
             <a:xfrm>
-              <a:off x="7171360" y="3447738"/>
+              <a:off x="7171360" y="3447609"/>
               <a:ext cx="2817450" cy="0"/>
             </a:xfrm>
             <a:custGeom>
@@ -35345,7 +35345,7 @@
           </p:nvSpPr>
           <p:spPr>
             <a:xfrm>
-              <a:off x="8570838" y="4510470"/>
+              <a:off x="8838692" y="4510500"/>
               <a:ext cx="63202" cy="63202"/>
             </a:xfrm>
             <a:custGeom>
@@ -35388,7 +35388,7 @@
           </p:nvSpPr>
           <p:spPr>
             <a:xfrm>
-              <a:off x="8730866" y="4694098"/>
+              <a:off x="8800055" y="4694213"/>
               <a:ext cx="63202" cy="63202"/>
             </a:xfrm>
             <a:custGeom>
@@ -35431,7 +35431,7 @@
           </p:nvSpPr>
           <p:spPr>
             <a:xfrm>
-              <a:off x="9704347" y="4795149"/>
+              <a:off x="9507060" y="4795155"/>
               <a:ext cx="63202" cy="63202"/>
             </a:xfrm>
             <a:custGeom>
@@ -35474,7 +35474,7 @@
           </p:nvSpPr>
           <p:spPr>
             <a:xfrm>
-              <a:off x="9626738" y="4820769"/>
+              <a:off x="9407113" y="4820906"/>
               <a:ext cx="63202" cy="63202"/>
             </a:xfrm>
             <a:custGeom>
@@ -35517,7 +35517,7 @@
           </p:nvSpPr>
           <p:spPr>
             <a:xfrm>
-              <a:off x="9240000" y="4807701"/>
+              <a:off x="9778096" y="4807839"/>
               <a:ext cx="63202" cy="63202"/>
             </a:xfrm>
             <a:custGeom>
@@ -35560,7 +35560,7 @@
           </p:nvSpPr>
           <p:spPr>
             <a:xfrm>
-              <a:off x="8427168" y="4621121"/>
+              <a:off x="8892733" y="4621189"/>
               <a:ext cx="63202" cy="63202"/>
             </a:xfrm>
             <a:custGeom>
@@ -35603,7 +35603,7 @@
           </p:nvSpPr>
           <p:spPr>
             <a:xfrm>
-              <a:off x="8754910" y="4744313"/>
+              <a:off x="8209433" y="4744260"/>
               <a:ext cx="63202" cy="63202"/>
             </a:xfrm>
             <a:custGeom>
@@ -35646,7 +35646,7 @@
           </p:nvSpPr>
           <p:spPr>
             <a:xfrm>
-              <a:off x="8235330" y="4497491"/>
+              <a:off x="8721314" y="4497507"/>
               <a:ext cx="63202" cy="63202"/>
             </a:xfrm>
             <a:custGeom>
@@ -35689,7 +35689,7 @@
           </p:nvSpPr>
           <p:spPr>
             <a:xfrm>
-              <a:off x="9661978" y="4851926"/>
+              <a:off x="9143581" y="4851868"/>
               <a:ext cx="63202" cy="63202"/>
             </a:xfrm>
             <a:custGeom>
@@ -35732,7 +35732,7 @@
           </p:nvSpPr>
           <p:spPr>
             <a:xfrm>
-              <a:off x="8409501" y="4709452"/>
+              <a:off x="8226705" y="4709521"/>
               <a:ext cx="63202" cy="63202"/>
             </a:xfrm>
             <a:custGeom>
@@ -35775,7 +35775,7 @@
           </p:nvSpPr>
           <p:spPr>
             <a:xfrm>
-              <a:off x="8603125" y="4714703"/>
+              <a:off x="8745586" y="4714807"/>
               <a:ext cx="63202" cy="63202"/>
             </a:xfrm>
             <a:custGeom>
@@ -35818,7 +35818,7 @@
           </p:nvSpPr>
           <p:spPr>
             <a:xfrm>
-              <a:off x="8359314" y="4472884"/>
+              <a:off x="8800986" y="4472935"/>
               <a:ext cx="63202" cy="63202"/>
             </a:xfrm>
             <a:custGeom>
@@ -35861,7 +35861,7 @@
           </p:nvSpPr>
           <p:spPr>
             <a:xfrm>
-              <a:off x="8839430" y="4529361"/>
+              <a:off x="8803946" y="4529386"/>
               <a:ext cx="63202" cy="63202"/>
             </a:xfrm>
             <a:custGeom>
@@ -35904,7 +35904,7 @@
           </p:nvSpPr>
           <p:spPr>
             <a:xfrm>
-              <a:off x="9769362" y="4803776"/>
+              <a:off x="9632057" y="4803867"/>
               <a:ext cx="63202" cy="63202"/>
             </a:xfrm>
             <a:custGeom>
@@ -37399,7 +37399,7 @@
           </p:nvSpPr>
           <p:spPr>
             <a:xfrm>
-              <a:off x="1148183" y="2746030"/>
+              <a:off x="1148183" y="2746054"/>
               <a:ext cx="186466" cy="81691"/>
             </a:xfrm>
             <a:prstGeom prst="rect">
@@ -37445,7 +37445,7 @@
           </p:nvSpPr>
           <p:spPr>
             <a:xfrm>
-              <a:off x="1148183" y="2324258"/>
+              <a:off x="1148183" y="2324231"/>
               <a:ext cx="186466" cy="81691"/>
             </a:xfrm>
             <a:prstGeom prst="rect">
@@ -37491,7 +37491,7 @@
           </p:nvSpPr>
           <p:spPr>
             <a:xfrm>
-              <a:off x="1148183" y="1902485"/>
+              <a:off x="1148183" y="1902408"/>
               <a:ext cx="186466" cy="81691"/>
             </a:xfrm>
             <a:prstGeom prst="rect">
@@ -37537,7 +37537,7 @@
           </p:nvSpPr>
           <p:spPr>
             <a:xfrm>
-              <a:off x="1148183" y="1480713"/>
+              <a:off x="1148183" y="1480585"/>
               <a:ext cx="186466" cy="81691"/>
             </a:xfrm>
             <a:prstGeom prst="rect">
@@ -37583,7 +37583,7 @@
           </p:nvSpPr>
           <p:spPr>
             <a:xfrm>
-              <a:off x="1362485" y="2787721"/>
+              <a:off x="1362485" y="2787746"/>
               <a:ext cx="34794" cy="0"/>
             </a:xfrm>
             <a:custGeom>
@@ -37623,7 +37623,7 @@
           </p:nvSpPr>
           <p:spPr>
             <a:xfrm>
-              <a:off x="1362485" y="2365949"/>
+              <a:off x="1362485" y="2365923"/>
               <a:ext cx="34794" cy="0"/>
             </a:xfrm>
             <a:custGeom>
@@ -37663,7 +37663,7 @@
           </p:nvSpPr>
           <p:spPr>
             <a:xfrm>
-              <a:off x="1362485" y="1944177"/>
+              <a:off x="1362485" y="1944100"/>
               <a:ext cx="34794" cy="0"/>
             </a:xfrm>
             <a:custGeom>
@@ -37703,7 +37703,7 @@
           </p:nvSpPr>
           <p:spPr>
             <a:xfrm>
-              <a:off x="1362485" y="1522405"/>
+              <a:off x="1362485" y="1522277"/>
               <a:ext cx="34794" cy="0"/>
             </a:xfrm>
             <a:custGeom>
@@ -37743,7 +37743,7 @@
           </p:nvSpPr>
           <p:spPr>
             <a:xfrm>
-              <a:off x="1148183" y="4671362"/>
+              <a:off x="1148183" y="4671387"/>
               <a:ext cx="186466" cy="81691"/>
             </a:xfrm>
             <a:prstGeom prst="rect">
@@ -37789,7 +37789,7 @@
           </p:nvSpPr>
           <p:spPr>
             <a:xfrm>
-              <a:off x="1148183" y="4249590"/>
+              <a:off x="1148183" y="4249564"/>
               <a:ext cx="186466" cy="81691"/>
             </a:xfrm>
             <a:prstGeom prst="rect">
@@ -37835,7 +37835,7 @@
           </p:nvSpPr>
           <p:spPr>
             <a:xfrm>
-              <a:off x="1148183" y="3827818"/>
+              <a:off x="1148183" y="3827741"/>
               <a:ext cx="186466" cy="81691"/>
             </a:xfrm>
             <a:prstGeom prst="rect">
@@ -37881,7 +37881,7 @@
           </p:nvSpPr>
           <p:spPr>
             <a:xfrm>
-              <a:off x="1148183" y="3406046"/>
+              <a:off x="1148183" y="3405918"/>
               <a:ext cx="186466" cy="81691"/>
             </a:xfrm>
             <a:prstGeom prst="rect">
@@ -37927,7 +37927,7 @@
           </p:nvSpPr>
           <p:spPr>
             <a:xfrm>
-              <a:off x="1362485" y="4713054"/>
+              <a:off x="1362485" y="4713079"/>
               <a:ext cx="34794" cy="0"/>
             </a:xfrm>
             <a:custGeom>
@@ -37967,7 +37967,7 @@
           </p:nvSpPr>
           <p:spPr>
             <a:xfrm>
-              <a:off x="1362485" y="4291282"/>
+              <a:off x="1362485" y="4291256"/>
               <a:ext cx="34794" cy="0"/>
             </a:xfrm>
             <a:custGeom>
@@ -38007,7 +38007,7 @@
           </p:nvSpPr>
           <p:spPr>
             <a:xfrm>
-              <a:off x="1362485" y="3869510"/>
+              <a:off x="1362485" y="3869432"/>
               <a:ext cx="34794" cy="0"/>
             </a:xfrm>
             <a:custGeom>
@@ -38047,7 +38047,7 @@
           </p:nvSpPr>
           <p:spPr>
             <a:xfrm>
-              <a:off x="1362485" y="3447738"/>
+              <a:off x="1362485" y="3447609"/>
               <a:ext cx="34794" cy="0"/>
             </a:xfrm>
             <a:custGeom>
@@ -38087,7 +38087,7 @@
           </p:nvSpPr>
           <p:spPr>
             <a:xfrm>
-              <a:off x="1148183" y="6596695"/>
+              <a:off x="1148183" y="6596720"/>
               <a:ext cx="186466" cy="81691"/>
             </a:xfrm>
             <a:prstGeom prst="rect">
@@ -38133,7 +38133,7 @@
           </p:nvSpPr>
           <p:spPr>
             <a:xfrm>
-              <a:off x="1148183" y="6174923"/>
+              <a:off x="1148183" y="6174896"/>
               <a:ext cx="186466" cy="81691"/>
             </a:xfrm>
             <a:prstGeom prst="rect">
@@ -38179,7 +38179,7 @@
           </p:nvSpPr>
           <p:spPr>
             <a:xfrm>
-              <a:off x="1148183" y="5753151"/>
+              <a:off x="1148183" y="5753073"/>
               <a:ext cx="186466" cy="81691"/>
             </a:xfrm>
             <a:prstGeom prst="rect">
@@ -38225,7 +38225,7 @@
           </p:nvSpPr>
           <p:spPr>
             <a:xfrm>
-              <a:off x="1148183" y="5331378"/>
+              <a:off x="1148183" y="5331250"/>
               <a:ext cx="186466" cy="81691"/>
             </a:xfrm>
             <a:prstGeom prst="rect">
@@ -38271,7 +38271,7 @@
           </p:nvSpPr>
           <p:spPr>
             <a:xfrm>
-              <a:off x="1362485" y="6638386"/>
+              <a:off x="1362485" y="6638411"/>
               <a:ext cx="34794" cy="0"/>
             </a:xfrm>
             <a:custGeom>
@@ -38311,7 +38311,7 @@
           </p:nvSpPr>
           <p:spPr>
             <a:xfrm>
-              <a:off x="1362485" y="6216614"/>
+              <a:off x="1362485" y="6216588"/>
               <a:ext cx="34794" cy="0"/>
             </a:xfrm>
             <a:custGeom>
@@ -38351,7 +38351,7 @@
           </p:nvSpPr>
           <p:spPr>
             <a:xfrm>
-              <a:off x="1362485" y="5794842"/>
+              <a:off x="1362485" y="5794765"/>
               <a:ext cx="34794" cy="0"/>
             </a:xfrm>
             <a:custGeom>
@@ -38391,7 +38391,7 @@
           </p:nvSpPr>
           <p:spPr>
             <a:xfrm>
-              <a:off x="1362485" y="5373070"/>
+              <a:off x="1362485" y="5372942"/>
               <a:ext cx="34794" cy="0"/>
             </a:xfrm>
             <a:custGeom>

--- a/Images/Figures_PPT/Jitter_Plot_LST8_All.pptx
+++ b/Images/Figures_PPT/Jitter_Plot_LST8_All.pptx
@@ -2359,7 +2359,7 @@
           </p:nvSpPr>
           <p:spPr>
             <a:xfrm>
-              <a:off x="1397280" y="2998658"/>
+              <a:off x="1397280" y="2998691"/>
               <a:ext cx="2817450" cy="0"/>
             </a:xfrm>
             <a:custGeom>
@@ -2402,7 +2402,7 @@
           </p:nvSpPr>
           <p:spPr>
             <a:xfrm>
-              <a:off x="1397280" y="2576835"/>
+              <a:off x="1397280" y="2576886"/>
               <a:ext cx="2817450" cy="0"/>
             </a:xfrm>
             <a:custGeom>
@@ -2445,7 +2445,7 @@
           </p:nvSpPr>
           <p:spPr>
             <a:xfrm>
-              <a:off x="1397280" y="2155011"/>
+              <a:off x="1397280" y="2155081"/>
               <a:ext cx="2817450" cy="0"/>
             </a:xfrm>
             <a:custGeom>
@@ -2488,7 +2488,7 @@
           </p:nvSpPr>
           <p:spPr>
             <a:xfrm>
-              <a:off x="1397280" y="1733188"/>
+              <a:off x="1397280" y="1733275"/>
               <a:ext cx="2817450" cy="0"/>
             </a:xfrm>
             <a:custGeom>
@@ -2531,7 +2531,7 @@
           </p:nvSpPr>
           <p:spPr>
             <a:xfrm>
-              <a:off x="1397280" y="2787746"/>
+              <a:off x="1397280" y="2787788"/>
               <a:ext cx="2817450" cy="0"/>
             </a:xfrm>
             <a:custGeom>
@@ -2574,7 +2574,7 @@
           </p:nvSpPr>
           <p:spPr>
             <a:xfrm>
-              <a:off x="1397280" y="2365923"/>
+              <a:off x="1397280" y="2365983"/>
               <a:ext cx="2817450" cy="0"/>
             </a:xfrm>
             <a:custGeom>
@@ -2617,7 +2617,7 @@
           </p:nvSpPr>
           <p:spPr>
             <a:xfrm>
-              <a:off x="1397280" y="1944100"/>
+              <a:off x="1397280" y="1944178"/>
               <a:ext cx="2817450" cy="0"/>
             </a:xfrm>
             <a:custGeom>
@@ -2660,7 +2660,7 @@
           </p:nvSpPr>
           <p:spPr>
             <a:xfrm>
-              <a:off x="1397280" y="1522277"/>
+              <a:off x="1397280" y="1522373"/>
               <a:ext cx="2817450" cy="0"/>
             </a:xfrm>
             <a:custGeom>
@@ -2832,7 +2832,7 @@
           </p:nvSpPr>
           <p:spPr>
             <a:xfrm>
-              <a:off x="2750556" y="2548547"/>
+              <a:off x="3026029" y="2548589"/>
               <a:ext cx="63202" cy="63202"/>
             </a:xfrm>
             <a:custGeom>
@@ -2875,7 +2875,7 @@
           </p:nvSpPr>
           <p:spPr>
             <a:xfrm>
-              <a:off x="1823140" y="2522406"/>
+              <a:off x="1678566" y="2522447"/>
               <a:ext cx="63202" cy="63202"/>
             </a:xfrm>
             <a:custGeom>
@@ -2918,7 +2918,7 @@
           </p:nvSpPr>
           <p:spPr>
             <a:xfrm>
-              <a:off x="3588313" y="1466704"/>
+              <a:off x="3824732" y="1466704"/>
               <a:ext cx="63202" cy="63202"/>
             </a:xfrm>
             <a:custGeom>
@@ -2961,7 +2961,7 @@
           </p:nvSpPr>
           <p:spPr>
             <a:xfrm>
-              <a:off x="3577262" y="2847749"/>
+              <a:off x="3801854" y="2847670"/>
               <a:ext cx="63202" cy="63202"/>
             </a:xfrm>
             <a:custGeom>
@@ -3004,7 +3004,7 @@
           </p:nvSpPr>
           <p:spPr>
             <a:xfrm>
-              <a:off x="3755802" y="2854192"/>
+              <a:off x="3716310" y="2854329"/>
               <a:ext cx="63202" cy="63202"/>
             </a:xfrm>
             <a:custGeom>
@@ -3047,7 +3047,7 @@
           </p:nvSpPr>
           <p:spPr>
             <a:xfrm>
-              <a:off x="1943050" y="2540976"/>
+              <a:off x="1761719" y="2541076"/>
               <a:ext cx="63202" cy="63202"/>
             </a:xfrm>
             <a:custGeom>
@@ -3090,7 +3090,7 @@
           </p:nvSpPr>
           <p:spPr>
             <a:xfrm>
-              <a:off x="2545178" y="2605548"/>
+              <a:off x="2805131" y="2605651"/>
               <a:ext cx="63202" cy="63202"/>
             </a:xfrm>
             <a:custGeom>
@@ -3133,7 +3133,7 @@
           </p:nvSpPr>
           <p:spPr>
             <a:xfrm>
-              <a:off x="3543865" y="2913518"/>
+              <a:off x="3473344" y="2913480"/>
               <a:ext cx="63202" cy="63202"/>
             </a:xfrm>
             <a:custGeom>
@@ -3176,7 +3176,7 @@
           </p:nvSpPr>
           <p:spPr>
             <a:xfrm>
-              <a:off x="1760467" y="2504878"/>
+              <a:off x="1592967" y="2504955"/>
               <a:ext cx="63202" cy="63202"/>
             </a:xfrm>
             <a:custGeom>
@@ -3219,7 +3219,7 @@
           </p:nvSpPr>
           <p:spPr>
             <a:xfrm>
-              <a:off x="3789759" y="2838011"/>
+              <a:off x="3604059" y="2838020"/>
               <a:ext cx="63202" cy="63202"/>
             </a:xfrm>
             <a:custGeom>
@@ -3262,7 +3262,7 @@
           </p:nvSpPr>
           <p:spPr>
             <a:xfrm>
-              <a:off x="2583677" y="2556845"/>
+              <a:off x="2617378" y="2556839"/>
               <a:ext cx="63202" cy="63202"/>
             </a:xfrm>
             <a:custGeom>
@@ -3305,7 +3305,7 @@
           </p:nvSpPr>
           <p:spPr>
             <a:xfrm>
-              <a:off x="3720782" y="2913729"/>
+              <a:off x="3522940" y="2913763"/>
               <a:ext cx="63202" cy="63202"/>
             </a:xfrm>
             <a:custGeom>
@@ -3348,7 +3348,7 @@
           </p:nvSpPr>
           <p:spPr>
             <a:xfrm>
-              <a:off x="3670893" y="2913976"/>
+              <a:off x="3788509" y="2913906"/>
               <a:ext cx="63202" cy="63202"/>
             </a:xfrm>
             <a:custGeom>
@@ -3391,7 +3391,7 @@
           </p:nvSpPr>
           <p:spPr>
             <a:xfrm>
-              <a:off x="2080700" y="2504987"/>
+              <a:off x="1693432" y="2504953"/>
               <a:ext cx="63202" cy="63202"/>
             </a:xfrm>
             <a:custGeom>
@@ -3434,7 +3434,7 @@
           </p:nvSpPr>
           <p:spPr>
             <a:xfrm>
-              <a:off x="3360073" y="2913298"/>
+              <a:off x="3797000" y="2913304"/>
               <a:ext cx="63202" cy="63202"/>
             </a:xfrm>
             <a:custGeom>
@@ -3477,7 +3477,7 @@
           </p:nvSpPr>
           <p:spPr>
             <a:xfrm>
-              <a:off x="2550647" y="2667555"/>
+              <a:off x="2957504" y="2667655"/>
               <a:ext cx="63202" cy="63202"/>
             </a:xfrm>
             <a:custGeom>
@@ -3520,7 +3520,7 @@
           </p:nvSpPr>
           <p:spPr>
             <a:xfrm>
-              <a:off x="3449013" y="2913567"/>
+              <a:off x="3927193" y="2913457"/>
               <a:ext cx="63202" cy="63202"/>
             </a:xfrm>
             <a:custGeom>
@@ -3563,7 +3563,7 @@
           </p:nvSpPr>
           <p:spPr>
             <a:xfrm>
-              <a:off x="3421623" y="2913676"/>
+              <a:off x="3865124" y="2913733"/>
               <a:ext cx="63202" cy="63202"/>
             </a:xfrm>
             <a:custGeom>
@@ -3606,7 +3606,7 @@
           </p:nvSpPr>
           <p:spPr>
             <a:xfrm>
-              <a:off x="3503962" y="2913880"/>
+              <a:off x="3510787" y="2913956"/>
               <a:ext cx="63202" cy="63202"/>
             </a:xfrm>
             <a:custGeom>
@@ -3649,7 +3649,7 @@
           </p:nvSpPr>
           <p:spPr>
             <a:xfrm>
-              <a:off x="3307219" y="2913413"/>
+              <a:off x="3873347" y="2913456"/>
               <a:ext cx="63202" cy="63202"/>
             </a:xfrm>
             <a:custGeom>
@@ -3692,7 +3692,7 @@
           </p:nvSpPr>
           <p:spPr>
             <a:xfrm>
-              <a:off x="3606793" y="2913664"/>
+              <a:off x="3533796" y="2913748"/>
               <a:ext cx="63202" cy="63202"/>
             </a:xfrm>
             <a:custGeom>
@@ -3735,7 +3735,7 @@
           </p:nvSpPr>
           <p:spPr>
             <a:xfrm>
-              <a:off x="3837274" y="2913897"/>
+              <a:off x="3644089" y="2914004"/>
               <a:ext cx="63202" cy="63202"/>
             </a:xfrm>
             <a:custGeom>
@@ -3778,7 +3778,7 @@
           </p:nvSpPr>
           <p:spPr>
             <a:xfrm>
-              <a:off x="3519515" y="2913686"/>
+              <a:off x="3884078" y="2913765"/>
               <a:ext cx="63202" cy="63202"/>
             </a:xfrm>
             <a:custGeom>
@@ -3821,7 +3821,7 @@
           </p:nvSpPr>
           <p:spPr>
             <a:xfrm>
-              <a:off x="3565688" y="2911571"/>
+              <a:off x="3739945" y="2911551"/>
               <a:ext cx="63202" cy="63202"/>
             </a:xfrm>
             <a:custGeom>
@@ -3864,7 +3864,7 @@
           </p:nvSpPr>
           <p:spPr>
             <a:xfrm>
-              <a:off x="3808160" y="2914724"/>
+              <a:off x="3967418" y="2914773"/>
               <a:ext cx="63202" cy="63202"/>
             </a:xfrm>
             <a:custGeom>
@@ -3907,7 +3907,7 @@
           </p:nvSpPr>
           <p:spPr>
             <a:xfrm>
-              <a:off x="3311853" y="2913711"/>
+              <a:off x="3961680" y="2913777"/>
               <a:ext cx="63202" cy="63202"/>
             </a:xfrm>
             <a:custGeom>
@@ -3950,7 +3950,7 @@
           </p:nvSpPr>
           <p:spPr>
             <a:xfrm>
-              <a:off x="3333853" y="2930611"/>
+              <a:off x="3596447" y="2930597"/>
               <a:ext cx="63202" cy="63202"/>
             </a:xfrm>
             <a:custGeom>
@@ -3993,7 +3993,7 @@
           </p:nvSpPr>
           <p:spPr>
             <a:xfrm>
-              <a:off x="3345236" y="2929709"/>
+              <a:off x="3823952" y="2929714"/>
               <a:ext cx="63202" cy="63202"/>
             </a:xfrm>
             <a:custGeom>
@@ -4036,7 +4036,7 @@
           </p:nvSpPr>
           <p:spPr>
             <a:xfrm>
-              <a:off x="3120557" y="2547095"/>
+              <a:off x="2472735" y="2547203"/>
               <a:ext cx="63202" cy="63202"/>
             </a:xfrm>
             <a:custGeom>
@@ -4079,7 +4079,7 @@
           </p:nvSpPr>
           <p:spPr>
             <a:xfrm>
-              <a:off x="2728156" y="2553679"/>
+              <a:off x="2791737" y="2553689"/>
               <a:ext cx="63202" cy="63202"/>
             </a:xfrm>
             <a:custGeom>
@@ -4122,7 +4122,7 @@
           </p:nvSpPr>
           <p:spPr>
             <a:xfrm>
-              <a:off x="3928953" y="2903206"/>
+              <a:off x="3832749" y="2903137"/>
               <a:ext cx="63202" cy="63202"/>
             </a:xfrm>
             <a:custGeom>
@@ -4165,7 +4165,7 @@
           </p:nvSpPr>
           <p:spPr>
             <a:xfrm>
-              <a:off x="3467469" y="2938622"/>
+              <a:off x="3527940" y="2938559"/>
               <a:ext cx="63202" cy="63202"/>
             </a:xfrm>
             <a:custGeom>
@@ -4208,7 +4208,7 @@
           </p:nvSpPr>
           <p:spPr>
             <a:xfrm>
-              <a:off x="3384844" y="2913767"/>
+              <a:off x="3856811" y="2913709"/>
               <a:ext cx="63202" cy="63202"/>
             </a:xfrm>
             <a:custGeom>
@@ -4251,7 +4251,7 @@
           </p:nvSpPr>
           <p:spPr>
             <a:xfrm>
-              <a:off x="2840349" y="2693900"/>
+              <a:off x="2705121" y="2693919"/>
               <a:ext cx="63202" cy="63202"/>
             </a:xfrm>
             <a:custGeom>
@@ -4294,7 +4294,7 @@
           </p:nvSpPr>
           <p:spPr>
             <a:xfrm>
-              <a:off x="2576331" y="2703698"/>
+              <a:off x="2535606" y="2703611"/>
               <a:ext cx="63202" cy="63202"/>
             </a:xfrm>
             <a:custGeom>
@@ -4337,7 +4337,7 @@
           </p:nvSpPr>
           <p:spPr>
             <a:xfrm>
-              <a:off x="3039189" y="2611277"/>
+              <a:off x="2795788" y="2611282"/>
               <a:ext cx="63202" cy="63202"/>
             </a:xfrm>
             <a:custGeom>
@@ -4380,7 +4380,7 @@
           </p:nvSpPr>
           <p:spPr>
             <a:xfrm>
-              <a:off x="1977754" y="2500709"/>
+              <a:off x="1934647" y="2500776"/>
               <a:ext cx="63202" cy="63202"/>
             </a:xfrm>
             <a:custGeom>
@@ -4423,7 +4423,7 @@
           </p:nvSpPr>
           <p:spPr>
             <a:xfrm>
-              <a:off x="1953604" y="2504350"/>
+              <a:off x="1544203" y="2504413"/>
               <a:ext cx="63202" cy="63202"/>
             </a:xfrm>
             <a:custGeom>
@@ -4466,7 +4466,7 @@
           </p:nvSpPr>
           <p:spPr>
             <a:xfrm>
-              <a:off x="1916481" y="2505954"/>
+              <a:off x="1716091" y="2506039"/>
               <a:ext cx="63202" cy="63202"/>
             </a:xfrm>
             <a:custGeom>
@@ -4509,7 +4509,7 @@
           </p:nvSpPr>
           <p:spPr>
             <a:xfrm>
-              <a:off x="3550566" y="2856550"/>
+              <a:off x="3977276" y="2856548"/>
               <a:ext cx="63202" cy="63202"/>
             </a:xfrm>
             <a:custGeom>
@@ -4552,7 +4552,7 @@
           </p:nvSpPr>
           <p:spPr>
             <a:xfrm>
-              <a:off x="3767827" y="2902908"/>
+              <a:off x="3373946" y="2903003"/>
               <a:ext cx="63202" cy="63202"/>
             </a:xfrm>
             <a:custGeom>
@@ -4595,7 +4595,7 @@
           </p:nvSpPr>
           <p:spPr>
             <a:xfrm>
-              <a:off x="2064912" y="2391208"/>
+              <a:off x="1655093" y="2391360"/>
               <a:ext cx="63202" cy="63202"/>
             </a:xfrm>
             <a:custGeom>
@@ -4638,7 +4638,7 @@
           </p:nvSpPr>
           <p:spPr>
             <a:xfrm>
-              <a:off x="3925683" y="2860905"/>
+              <a:off x="3794316" y="2860942"/>
               <a:ext cx="63202" cy="63202"/>
             </a:xfrm>
             <a:custGeom>
@@ -4681,7 +4681,7 @@
           </p:nvSpPr>
           <p:spPr>
             <a:xfrm>
-              <a:off x="2608829" y="2589150"/>
+              <a:off x="2634152" y="2589110"/>
               <a:ext cx="63202" cy="63202"/>
             </a:xfrm>
             <a:custGeom>
@@ -4724,7 +4724,7 @@
           </p:nvSpPr>
           <p:spPr>
             <a:xfrm>
-              <a:off x="2798923" y="2655766"/>
+              <a:off x="3032866" y="2655761"/>
               <a:ext cx="63202" cy="63202"/>
             </a:xfrm>
             <a:custGeom>
@@ -4767,7 +4767,7 @@
           </p:nvSpPr>
           <p:spPr>
             <a:xfrm>
-              <a:off x="3589311" y="2540670"/>
+              <a:off x="3755420" y="2540676"/>
               <a:ext cx="63202" cy="63202"/>
             </a:xfrm>
             <a:custGeom>
@@ -4810,7 +4810,7 @@
           </p:nvSpPr>
           <p:spPr>
             <a:xfrm>
-              <a:off x="1816335" y="2506696"/>
+              <a:off x="1970750" y="2506675"/>
               <a:ext cx="63202" cy="63202"/>
             </a:xfrm>
             <a:custGeom>
@@ -4909,7 +4909,7 @@
           </p:nvSpPr>
           <p:spPr>
             <a:xfrm>
-              <a:off x="1397280" y="4923990"/>
+              <a:off x="1397280" y="4924024"/>
               <a:ext cx="2817450" cy="0"/>
             </a:xfrm>
             <a:custGeom>
@@ -4952,7 +4952,7 @@
           </p:nvSpPr>
           <p:spPr>
             <a:xfrm>
-              <a:off x="1397280" y="4502167"/>
+              <a:off x="1397280" y="4502218"/>
               <a:ext cx="2817450" cy="0"/>
             </a:xfrm>
             <a:custGeom>
@@ -4995,7 +4995,7 @@
           </p:nvSpPr>
           <p:spPr>
             <a:xfrm>
-              <a:off x="1397280" y="4080344"/>
+              <a:off x="1397280" y="4080413"/>
               <a:ext cx="2817450" cy="0"/>
             </a:xfrm>
             <a:custGeom>
@@ -5038,7 +5038,7 @@
           </p:nvSpPr>
           <p:spPr>
             <a:xfrm>
-              <a:off x="1397280" y="3658521"/>
+              <a:off x="1397280" y="3658608"/>
               <a:ext cx="2817450" cy="0"/>
             </a:xfrm>
             <a:custGeom>
@@ -5081,7 +5081,7 @@
           </p:nvSpPr>
           <p:spPr>
             <a:xfrm>
-              <a:off x="1397280" y="4713079"/>
+              <a:off x="1397280" y="4713121"/>
               <a:ext cx="2817450" cy="0"/>
             </a:xfrm>
             <a:custGeom>
@@ -5124,7 +5124,7 @@
           </p:nvSpPr>
           <p:spPr>
             <a:xfrm>
-              <a:off x="1397280" y="4291256"/>
+              <a:off x="1397280" y="4291316"/>
               <a:ext cx="2817450" cy="0"/>
             </a:xfrm>
             <a:custGeom>
@@ -5167,7 +5167,7 @@
           </p:nvSpPr>
           <p:spPr>
             <a:xfrm>
-              <a:off x="1397280" y="3869432"/>
+              <a:off x="1397280" y="3869511"/>
               <a:ext cx="2817450" cy="0"/>
             </a:xfrm>
             <a:custGeom>
@@ -5210,7 +5210,7 @@
           </p:nvSpPr>
           <p:spPr>
             <a:xfrm>
-              <a:off x="1397280" y="3447609"/>
+              <a:off x="1397280" y="3447705"/>
               <a:ext cx="2817450" cy="0"/>
             </a:xfrm>
             <a:custGeom>
@@ -5382,7 +5382,7 @@
           </p:nvSpPr>
           <p:spPr>
             <a:xfrm>
-              <a:off x="2678689" y="4690358"/>
+              <a:off x="2665065" y="4690405"/>
               <a:ext cx="63202" cy="63202"/>
             </a:xfrm>
             <a:custGeom>
@@ -5425,7 +5425,7 @@
           </p:nvSpPr>
           <p:spPr>
             <a:xfrm>
-              <a:off x="2569841" y="4656029"/>
+              <a:off x="2668690" y="4655936"/>
               <a:ext cx="63202" cy="63202"/>
             </a:xfrm>
             <a:custGeom>
@@ -5468,7 +5468,7 @@
           </p:nvSpPr>
           <p:spPr>
             <a:xfrm>
-              <a:off x="3083949" y="4693275"/>
+              <a:off x="2704079" y="4693260"/>
               <a:ext cx="63202" cy="63202"/>
             </a:xfrm>
             <a:custGeom>
@@ -5511,7 +5511,7 @@
           </p:nvSpPr>
           <p:spPr>
             <a:xfrm>
-              <a:off x="2999862" y="4709797"/>
+              <a:off x="2740050" y="4709721"/>
               <a:ext cx="63202" cy="63202"/>
             </a:xfrm>
             <a:custGeom>
@@ -5554,7 +5554,7 @@
           </p:nvSpPr>
           <p:spPr>
             <a:xfrm>
-              <a:off x="2961770" y="4692381"/>
+              <a:off x="2610968" y="4692477"/>
               <a:ext cx="63202" cy="63202"/>
             </a:xfrm>
             <a:custGeom>
@@ -5597,7 +5597,7 @@
           </p:nvSpPr>
           <p:spPr>
             <a:xfrm>
-              <a:off x="2644182" y="4710026"/>
+              <a:off x="2574228" y="4709992"/>
               <a:ext cx="63202" cy="63202"/>
             </a:xfrm>
             <a:custGeom>
@@ -5640,7 +5640,7 @@
           </p:nvSpPr>
           <p:spPr>
             <a:xfrm>
-              <a:off x="3608140" y="4791139"/>
+              <a:off x="3320800" y="4791148"/>
               <a:ext cx="63202" cy="63202"/>
             </a:xfrm>
             <a:custGeom>
@@ -5683,7 +5683,7 @@
           </p:nvSpPr>
           <p:spPr>
             <a:xfrm>
-              <a:off x="2561088" y="4669630"/>
+              <a:off x="2860766" y="4669642"/>
               <a:ext cx="63202" cy="63202"/>
             </a:xfrm>
             <a:custGeom>
@@ -5726,7 +5726,7 @@
           </p:nvSpPr>
           <p:spPr>
             <a:xfrm>
-              <a:off x="3813801" y="4850222"/>
+              <a:off x="3617907" y="4850222"/>
               <a:ext cx="63202" cy="63202"/>
             </a:xfrm>
             <a:custGeom>
@@ -5769,7 +5769,7 @@
           </p:nvSpPr>
           <p:spPr>
             <a:xfrm>
-              <a:off x="3943303" y="4870018"/>
+              <a:off x="3954953" y="4870046"/>
               <a:ext cx="63202" cy="63202"/>
             </a:xfrm>
             <a:custGeom>
@@ -5812,7 +5812,7 @@
           </p:nvSpPr>
           <p:spPr>
             <a:xfrm>
-              <a:off x="3384045" y="4836761"/>
+              <a:off x="3509712" y="4836735"/>
               <a:ext cx="63202" cy="63202"/>
             </a:xfrm>
             <a:custGeom>
@@ -5855,7 +5855,7 @@
           </p:nvSpPr>
           <p:spPr>
             <a:xfrm>
-              <a:off x="2861277" y="4605080"/>
+              <a:off x="2720651" y="4605233"/>
               <a:ext cx="63202" cy="63202"/>
             </a:xfrm>
             <a:custGeom>
@@ -5898,7 +5898,7 @@
           </p:nvSpPr>
           <p:spPr>
             <a:xfrm>
-              <a:off x="2869841" y="4700519"/>
+              <a:off x="2941748" y="4700539"/>
               <a:ext cx="63202" cy="63202"/>
             </a:xfrm>
             <a:custGeom>
@@ -5941,7 +5941,7 @@
           </p:nvSpPr>
           <p:spPr>
             <a:xfrm>
-              <a:off x="3547504" y="4802697"/>
+              <a:off x="3857624" y="4802869"/>
               <a:ext cx="63202" cy="63202"/>
             </a:xfrm>
             <a:custGeom>
@@ -5984,7 +5984,7 @@
           </p:nvSpPr>
           <p:spPr>
             <a:xfrm>
-              <a:off x="2167017" y="4334239"/>
+              <a:off x="1819732" y="4334458"/>
               <a:ext cx="63202" cy="63202"/>
             </a:xfrm>
             <a:custGeom>
@@ -6027,7 +6027,7 @@
           </p:nvSpPr>
           <p:spPr>
             <a:xfrm>
-              <a:off x="1651479" y="4318227"/>
+              <a:off x="1622336" y="4318277"/>
               <a:ext cx="63202" cy="63202"/>
             </a:xfrm>
             <a:custGeom>
@@ -6070,7 +6070,7 @@
           </p:nvSpPr>
           <p:spPr>
             <a:xfrm>
-              <a:off x="1550656" y="4252632"/>
+              <a:off x="1942170" y="4252788"/>
               <a:ext cx="63202" cy="63202"/>
             </a:xfrm>
             <a:custGeom>
@@ -6113,7 +6113,7 @@
           </p:nvSpPr>
           <p:spPr>
             <a:xfrm>
-              <a:off x="3644343" y="4803020"/>
+              <a:off x="3608448" y="4803010"/>
               <a:ext cx="63202" cy="63202"/>
             </a:xfrm>
             <a:custGeom>
@@ -6156,7 +6156,7 @@
           </p:nvSpPr>
           <p:spPr>
             <a:xfrm>
-              <a:off x="2692513" y="4683850"/>
+              <a:off x="2460484" y="4683889"/>
               <a:ext cx="63202" cy="63202"/>
             </a:xfrm>
             <a:custGeom>
@@ -6199,7 +6199,7 @@
           </p:nvSpPr>
           <p:spPr>
             <a:xfrm>
-              <a:off x="2730589" y="4687595"/>
+              <a:off x="2855339" y="4687593"/>
               <a:ext cx="63202" cy="63202"/>
             </a:xfrm>
             <a:custGeom>
@@ -6242,7 +6242,7 @@
           </p:nvSpPr>
           <p:spPr>
             <a:xfrm>
-              <a:off x="3753212" y="4736995"/>
+              <a:off x="3692003" y="4736962"/>
               <a:ext cx="63202" cy="63202"/>
             </a:xfrm>
             <a:custGeom>
@@ -6341,7 +6341,7 @@
           </p:nvSpPr>
           <p:spPr>
             <a:xfrm>
-              <a:off x="1397280" y="6849323"/>
+              <a:off x="1397280" y="6849356"/>
               <a:ext cx="2817450" cy="0"/>
             </a:xfrm>
             <a:custGeom>
@@ -6384,7 +6384,7 @@
           </p:nvSpPr>
           <p:spPr>
             <a:xfrm>
-              <a:off x="1397280" y="6427500"/>
+              <a:off x="1397280" y="6427551"/>
               <a:ext cx="2817450" cy="0"/>
             </a:xfrm>
             <a:custGeom>
@@ -6427,7 +6427,7 @@
           </p:nvSpPr>
           <p:spPr>
             <a:xfrm>
-              <a:off x="1397280" y="6005677"/>
+              <a:off x="1397280" y="6005746"/>
               <a:ext cx="2817450" cy="0"/>
             </a:xfrm>
             <a:custGeom>
@@ -6470,7 +6470,7 @@
           </p:nvSpPr>
           <p:spPr>
             <a:xfrm>
-              <a:off x="1397280" y="5583853"/>
+              <a:off x="1397280" y="5583941"/>
               <a:ext cx="2817450" cy="0"/>
             </a:xfrm>
             <a:custGeom>
@@ -6513,7 +6513,7 @@
           </p:nvSpPr>
           <p:spPr>
             <a:xfrm>
-              <a:off x="1397280" y="6638411"/>
+              <a:off x="1397280" y="6638454"/>
               <a:ext cx="2817450" cy="0"/>
             </a:xfrm>
             <a:custGeom>
@@ -6556,7 +6556,7 @@
           </p:nvSpPr>
           <p:spPr>
             <a:xfrm>
-              <a:off x="1397280" y="6216588"/>
+              <a:off x="1397280" y="6216648"/>
               <a:ext cx="2817450" cy="0"/>
             </a:xfrm>
             <a:custGeom>
@@ -6599,7 +6599,7 @@
           </p:nvSpPr>
           <p:spPr>
             <a:xfrm>
-              <a:off x="1397280" y="5794765"/>
+              <a:off x="1397280" y="5794843"/>
               <a:ext cx="2817450" cy="0"/>
             </a:xfrm>
             <a:custGeom>
@@ -6642,7 +6642,7 @@
           </p:nvSpPr>
           <p:spPr>
             <a:xfrm>
-              <a:off x="1397280" y="5372942"/>
+              <a:off x="1397280" y="5373038"/>
               <a:ext cx="2817450" cy="0"/>
             </a:xfrm>
             <a:custGeom>
@@ -6814,7 +6814,7 @@
           </p:nvSpPr>
           <p:spPr>
             <a:xfrm>
-              <a:off x="2243407" y="6210029"/>
+              <a:off x="2150975" y="6210218"/>
               <a:ext cx="63202" cy="63202"/>
             </a:xfrm>
             <a:custGeom>
@@ -6857,7 +6857,7 @@
           </p:nvSpPr>
           <p:spPr>
             <a:xfrm>
-              <a:off x="2118110" y="6263079"/>
+              <a:off x="2230020" y="6263135"/>
               <a:ext cx="63202" cy="63202"/>
             </a:xfrm>
             <a:custGeom>
@@ -6900,7 +6900,7 @@
           </p:nvSpPr>
           <p:spPr>
             <a:xfrm>
-              <a:off x="2006746" y="6256755"/>
+              <a:off x="1961732" y="6256758"/>
               <a:ext cx="63202" cy="63202"/>
             </a:xfrm>
             <a:custGeom>
@@ -6943,7 +6943,7 @@
           </p:nvSpPr>
           <p:spPr>
             <a:xfrm>
-              <a:off x="2092933" y="6254319"/>
+              <a:off x="2169021" y="6254460"/>
               <a:ext cx="63202" cy="63202"/>
             </a:xfrm>
             <a:custGeom>
@@ -6986,7 +6986,7 @@
           </p:nvSpPr>
           <p:spPr>
             <a:xfrm>
-              <a:off x="3513704" y="6782504"/>
+              <a:off x="3747495" y="6782469"/>
               <a:ext cx="63202" cy="63202"/>
             </a:xfrm>
             <a:custGeom>
@@ -7029,7 +7029,7 @@
           </p:nvSpPr>
           <p:spPr>
             <a:xfrm>
-              <a:off x="1827728" y="6340682"/>
+              <a:off x="2237718" y="6340759"/>
               <a:ext cx="63202" cy="63202"/>
             </a:xfrm>
             <a:custGeom>
@@ -7072,7 +7072,7 @@
           </p:nvSpPr>
           <p:spPr>
             <a:xfrm>
-              <a:off x="1547112" y="6222881"/>
+              <a:off x="1929246" y="6223015"/>
               <a:ext cx="63202" cy="63202"/>
             </a:xfrm>
             <a:custGeom>
@@ -7115,7 +7115,7 @@
           </p:nvSpPr>
           <p:spPr>
             <a:xfrm>
-              <a:off x="2082526" y="6232248"/>
+              <a:off x="2017712" y="6232332"/>
               <a:ext cx="63202" cy="63202"/>
             </a:xfrm>
             <a:custGeom>
@@ -7158,7 +7158,7 @@
           </p:nvSpPr>
           <p:spPr>
             <a:xfrm>
-              <a:off x="1636438" y="6329964"/>
+              <a:off x="1971858" y="6329965"/>
               <a:ext cx="63202" cy="63202"/>
             </a:xfrm>
             <a:custGeom>
@@ -7201,7 +7201,7 @@
           </p:nvSpPr>
           <p:spPr>
             <a:xfrm>
-              <a:off x="2026965" y="6260080"/>
+              <a:off x="2159313" y="6260199"/>
               <a:ext cx="63202" cy="63202"/>
             </a:xfrm>
             <a:custGeom>
@@ -7244,7 +7244,7 @@
           </p:nvSpPr>
           <p:spPr>
             <a:xfrm>
-              <a:off x="1899293" y="6388341"/>
+              <a:off x="1822270" y="6388402"/>
               <a:ext cx="63202" cy="63202"/>
             </a:xfrm>
             <a:custGeom>
@@ -7287,7 +7287,7 @@
           </p:nvSpPr>
           <p:spPr>
             <a:xfrm>
-              <a:off x="3098443" y="6352728"/>
+              <a:off x="3073689" y="6352683"/>
               <a:ext cx="63202" cy="63202"/>
             </a:xfrm>
             <a:custGeom>
@@ -7330,7 +7330,7 @@
           </p:nvSpPr>
           <p:spPr>
             <a:xfrm>
-              <a:off x="1870328" y="6232214"/>
+              <a:off x="2048456" y="6232338"/>
               <a:ext cx="63202" cy="63202"/>
             </a:xfrm>
             <a:custGeom>
@@ -7373,7 +7373,7 @@
           </p:nvSpPr>
           <p:spPr>
             <a:xfrm>
-              <a:off x="2057100" y="6376217"/>
+              <a:off x="2230618" y="6376286"/>
               <a:ext cx="63202" cy="63202"/>
             </a:xfrm>
             <a:custGeom>
@@ -7416,7 +7416,7 @@
           </p:nvSpPr>
           <p:spPr>
             <a:xfrm>
-              <a:off x="2482511" y="6399477"/>
+              <a:off x="3075987" y="6399546"/>
               <a:ext cx="63202" cy="63202"/>
             </a:xfrm>
             <a:custGeom>
@@ -7459,7 +7459,7 @@
           </p:nvSpPr>
           <p:spPr>
             <a:xfrm>
-              <a:off x="1999050" y="6360526"/>
+              <a:off x="1643853" y="6360527"/>
               <a:ext cx="63202" cy="63202"/>
             </a:xfrm>
             <a:custGeom>
@@ -7502,7 +7502,7 @@
           </p:nvSpPr>
           <p:spPr>
             <a:xfrm>
-              <a:off x="1993927" y="6256444"/>
+              <a:off x="1952110" y="6256514"/>
               <a:ext cx="63202" cy="63202"/>
             </a:xfrm>
             <a:custGeom>
@@ -7545,7 +7545,7 @@
           </p:nvSpPr>
           <p:spPr>
             <a:xfrm>
-              <a:off x="1719729" y="6351369"/>
+              <a:off x="1790627" y="6351452"/>
               <a:ext cx="63202" cy="63202"/>
             </a:xfrm>
             <a:custGeom>
@@ -7588,7 +7588,7 @@
           </p:nvSpPr>
           <p:spPr>
             <a:xfrm>
-              <a:off x="1888104" y="6312177"/>
+              <a:off x="1879141" y="6312298"/>
               <a:ext cx="63202" cy="63202"/>
             </a:xfrm>
             <a:custGeom>
@@ -7631,7 +7631,7 @@
           </p:nvSpPr>
           <p:spPr>
             <a:xfrm>
-              <a:off x="2234806" y="6375474"/>
+              <a:off x="1554015" y="6375515"/>
               <a:ext cx="63202" cy="63202"/>
             </a:xfrm>
             <a:custGeom>
@@ -7674,7 +7674,7 @@
           </p:nvSpPr>
           <p:spPr>
             <a:xfrm>
-              <a:off x="2527303" y="6404165"/>
+              <a:off x="2893081" y="6404127"/>
               <a:ext cx="63202" cy="63202"/>
             </a:xfrm>
             <a:custGeom>
@@ -7717,7 +7717,7 @@
           </p:nvSpPr>
           <p:spPr>
             <a:xfrm>
-              <a:off x="1968079" y="6219731"/>
+              <a:off x="2213896" y="6219866"/>
               <a:ext cx="63202" cy="63202"/>
             </a:xfrm>
             <a:custGeom>
@@ -7760,7 +7760,7 @@
           </p:nvSpPr>
           <p:spPr>
             <a:xfrm>
-              <a:off x="1861130" y="6186854"/>
+              <a:off x="2070479" y="6186874"/>
               <a:ext cx="63202" cy="63202"/>
             </a:xfrm>
             <a:custGeom>
@@ -7803,7 +7803,7 @@
           </p:nvSpPr>
           <p:spPr>
             <a:xfrm>
-              <a:off x="2050265" y="6186246"/>
+              <a:off x="1633248" y="6186308"/>
               <a:ext cx="63202" cy="63202"/>
             </a:xfrm>
             <a:custGeom>
@@ -7846,7 +7846,7 @@
           </p:nvSpPr>
           <p:spPr>
             <a:xfrm>
-              <a:off x="1984967" y="6216381"/>
+              <a:off x="1799282" y="6216479"/>
               <a:ext cx="63202" cy="63202"/>
             </a:xfrm>
             <a:custGeom>
@@ -7889,7 +7889,7 @@
           </p:nvSpPr>
           <p:spPr>
             <a:xfrm>
-              <a:off x="2987358" y="6539347"/>
+              <a:off x="2954865" y="6539439"/>
               <a:ext cx="63202" cy="63202"/>
             </a:xfrm>
             <a:custGeom>
@@ -7932,7 +7932,7 @@
           </p:nvSpPr>
           <p:spPr>
             <a:xfrm>
-              <a:off x="1702098" y="6099274"/>
+              <a:off x="1951101" y="6099496"/>
               <a:ext cx="63202" cy="63202"/>
             </a:xfrm>
             <a:custGeom>
@@ -7975,7 +7975,7 @@
           </p:nvSpPr>
           <p:spPr>
             <a:xfrm>
-              <a:off x="1999330" y="6302091"/>
+              <a:off x="1627688" y="6302040"/>
               <a:ext cx="63202" cy="63202"/>
             </a:xfrm>
             <a:custGeom>
@@ -8018,7 +8018,7 @@
           </p:nvSpPr>
           <p:spPr>
             <a:xfrm>
-              <a:off x="2155136" y="6328576"/>
+              <a:off x="1940108" y="6328667"/>
               <a:ext cx="63202" cy="63202"/>
             </a:xfrm>
             <a:custGeom>
@@ -8061,7 +8061,7 @@
           </p:nvSpPr>
           <p:spPr>
             <a:xfrm>
-              <a:off x="2045240" y="6213252"/>
+              <a:off x="1835831" y="6213270"/>
               <a:ext cx="63202" cy="63202"/>
             </a:xfrm>
             <a:custGeom>
@@ -8104,7 +8104,7 @@
           </p:nvSpPr>
           <p:spPr>
             <a:xfrm>
-              <a:off x="2220496" y="6266421"/>
+              <a:off x="2164960" y="6266513"/>
               <a:ext cx="63202" cy="63202"/>
             </a:xfrm>
             <a:custGeom>
@@ -8147,7 +8147,7 @@
           </p:nvSpPr>
           <p:spPr>
             <a:xfrm>
-              <a:off x="2141100" y="6253048"/>
+              <a:off x="2198709" y="6253119"/>
               <a:ext cx="63202" cy="63202"/>
             </a:xfrm>
             <a:custGeom>
@@ -8190,7 +8190,7 @@
           </p:nvSpPr>
           <p:spPr>
             <a:xfrm>
-              <a:off x="3883370" y="6745039"/>
+              <a:off x="3317492" y="6744991"/>
               <a:ext cx="63202" cy="63202"/>
             </a:xfrm>
             <a:custGeom>
@@ -8233,7 +8233,7 @@
           </p:nvSpPr>
           <p:spPr>
             <a:xfrm>
-              <a:off x="1562137" y="6287757"/>
+              <a:off x="1545431" y="6287770"/>
               <a:ext cx="63202" cy="63202"/>
             </a:xfrm>
             <a:custGeom>
@@ -8276,7 +8276,7 @@
           </p:nvSpPr>
           <p:spPr>
             <a:xfrm>
-              <a:off x="1737032" y="6329431"/>
+              <a:off x="2151211" y="6329518"/>
               <a:ext cx="63202" cy="63202"/>
             </a:xfrm>
             <a:custGeom>
@@ -8319,7 +8319,7 @@
           </p:nvSpPr>
           <p:spPr>
             <a:xfrm>
-              <a:off x="2651621" y="6637459"/>
+              <a:off x="3039721" y="6637352"/>
               <a:ext cx="63202" cy="63202"/>
             </a:xfrm>
             <a:custGeom>
@@ -8362,7 +8362,7 @@
           </p:nvSpPr>
           <p:spPr>
             <a:xfrm>
-              <a:off x="1728532" y="6163756"/>
+              <a:off x="1658250" y="6163668"/>
               <a:ext cx="63202" cy="63202"/>
             </a:xfrm>
             <a:custGeom>
@@ -8405,7 +8405,7 @@
           </p:nvSpPr>
           <p:spPr>
             <a:xfrm>
-              <a:off x="1785617" y="6253929"/>
+              <a:off x="2123855" y="6254078"/>
               <a:ext cx="63202" cy="63202"/>
             </a:xfrm>
             <a:custGeom>
@@ -8448,7 +8448,7 @@
           </p:nvSpPr>
           <p:spPr>
             <a:xfrm>
-              <a:off x="1762349" y="6215276"/>
+              <a:off x="1765340" y="6215434"/>
               <a:ext cx="63202" cy="63202"/>
             </a:xfrm>
             <a:custGeom>
@@ -8491,7 +8491,7 @@
           </p:nvSpPr>
           <p:spPr>
             <a:xfrm>
-              <a:off x="2643176" y="6423523"/>
+              <a:off x="3045139" y="6423649"/>
               <a:ext cx="63202" cy="63202"/>
             </a:xfrm>
             <a:custGeom>
@@ -8534,7 +8534,7 @@
           </p:nvSpPr>
           <p:spPr>
             <a:xfrm>
-              <a:off x="1835610" y="6239544"/>
+              <a:off x="2197194" y="6239661"/>
               <a:ext cx="63202" cy="63202"/>
             </a:xfrm>
             <a:custGeom>
@@ -8577,7 +8577,7 @@
           </p:nvSpPr>
           <p:spPr>
             <a:xfrm>
-              <a:off x="2242871" y="6275114"/>
+              <a:off x="2235480" y="6275131"/>
               <a:ext cx="63202" cy="63202"/>
             </a:xfrm>
             <a:custGeom>
@@ -8620,7 +8620,7 @@
           </p:nvSpPr>
           <p:spPr>
             <a:xfrm>
-              <a:off x="2867937" y="6512729"/>
+              <a:off x="2893653" y="6512873"/>
               <a:ext cx="63202" cy="63202"/>
             </a:xfrm>
             <a:custGeom>
@@ -8663,7 +8663,7 @@
           </p:nvSpPr>
           <p:spPr>
             <a:xfrm>
-              <a:off x="1704726" y="6298230"/>
+              <a:off x="1916670" y="6298227"/>
               <a:ext cx="63202" cy="63202"/>
             </a:xfrm>
             <a:custGeom>
@@ -8706,7 +8706,7 @@
           </p:nvSpPr>
           <p:spPr>
             <a:xfrm>
-              <a:off x="1868352" y="6280175"/>
+              <a:off x="1902000" y="6280082"/>
               <a:ext cx="63202" cy="63202"/>
             </a:xfrm>
             <a:custGeom>
@@ -8749,7 +8749,7 @@
           </p:nvSpPr>
           <p:spPr>
             <a:xfrm>
-              <a:off x="1964549" y="6247794"/>
+              <a:off x="1801975" y="6247864"/>
               <a:ext cx="63202" cy="63202"/>
             </a:xfrm>
             <a:custGeom>
@@ -8792,7 +8792,7 @@
           </p:nvSpPr>
           <p:spPr>
             <a:xfrm>
-              <a:off x="2135706" y="6218654"/>
+              <a:off x="1569159" y="6218835"/>
               <a:ext cx="63202" cy="63202"/>
             </a:xfrm>
             <a:custGeom>
@@ -8835,7 +8835,7 @@
           </p:nvSpPr>
           <p:spPr>
             <a:xfrm>
-              <a:off x="1557124" y="6292142"/>
+              <a:off x="2228061" y="6292264"/>
               <a:ext cx="63202" cy="63202"/>
             </a:xfrm>
             <a:custGeom>
@@ -8878,7 +8878,7 @@
           </p:nvSpPr>
           <p:spPr>
             <a:xfrm>
-              <a:off x="1878758" y="6326221"/>
+              <a:off x="1943109" y="6326396"/>
               <a:ext cx="63202" cy="63202"/>
             </a:xfrm>
             <a:custGeom>
@@ -8921,7 +8921,7 @@
           </p:nvSpPr>
           <p:spPr>
             <a:xfrm>
-              <a:off x="2500294" y="6462593"/>
+              <a:off x="2787325" y="6462546"/>
               <a:ext cx="63202" cy="63202"/>
             </a:xfrm>
             <a:custGeom>
@@ -8964,7 +8964,7 @@
           </p:nvSpPr>
           <p:spPr>
             <a:xfrm>
-              <a:off x="2145067" y="6259451"/>
+              <a:off x="2086707" y="6259411"/>
               <a:ext cx="63202" cy="63202"/>
             </a:xfrm>
             <a:custGeom>
@@ -9007,7 +9007,7 @@
           </p:nvSpPr>
           <p:spPr>
             <a:xfrm>
-              <a:off x="1637386" y="6324269"/>
+              <a:off x="1874547" y="6324224"/>
               <a:ext cx="63202" cy="63202"/>
             </a:xfrm>
             <a:custGeom>
@@ -9050,7 +9050,7 @@
           </p:nvSpPr>
           <p:spPr>
             <a:xfrm>
-              <a:off x="1762586" y="6163699"/>
+              <a:off x="1736357" y="6163801"/>
               <a:ext cx="63202" cy="63202"/>
             </a:xfrm>
             <a:custGeom>
@@ -9093,7 +9093,7 @@
           </p:nvSpPr>
           <p:spPr>
             <a:xfrm>
-              <a:off x="2601291" y="6423568"/>
+              <a:off x="2986220" y="6423660"/>
               <a:ext cx="63202" cy="63202"/>
             </a:xfrm>
             <a:custGeom>
@@ -9136,7 +9136,7 @@
           </p:nvSpPr>
           <p:spPr>
             <a:xfrm>
-              <a:off x="1686769" y="6228876"/>
+              <a:off x="2242992" y="6228864"/>
               <a:ext cx="63202" cy="63202"/>
             </a:xfrm>
             <a:custGeom>
@@ -9179,7 +9179,7 @@
           </p:nvSpPr>
           <p:spPr>
             <a:xfrm>
-              <a:off x="1884172" y="6208551"/>
+              <a:off x="2134050" y="6208676"/>
               <a:ext cx="63202" cy="63202"/>
             </a:xfrm>
             <a:custGeom>
@@ -9222,7 +9222,7 @@
           </p:nvSpPr>
           <p:spPr>
             <a:xfrm>
-              <a:off x="1973140" y="6208634"/>
+              <a:off x="1605915" y="6208679"/>
               <a:ext cx="63202" cy="63202"/>
             </a:xfrm>
             <a:custGeom>
@@ -9265,7 +9265,7 @@
           </p:nvSpPr>
           <p:spPr>
             <a:xfrm>
-              <a:off x="1692074" y="6208691"/>
+              <a:off x="1922242" y="6208650"/>
               <a:ext cx="63202" cy="63202"/>
             </a:xfrm>
             <a:custGeom>
@@ -9308,7 +9308,7 @@
           </p:nvSpPr>
           <p:spPr>
             <a:xfrm>
-              <a:off x="1921683" y="6210932"/>
+              <a:off x="1978430" y="6211006"/>
               <a:ext cx="63202" cy="63202"/>
             </a:xfrm>
             <a:custGeom>
@@ -9351,7 +9351,7 @@
           </p:nvSpPr>
           <p:spPr>
             <a:xfrm>
-              <a:off x="1726685" y="6208544"/>
+              <a:off x="1746376" y="6208611"/>
               <a:ext cx="63202" cy="63202"/>
             </a:xfrm>
             <a:custGeom>
@@ -9394,7 +9394,7 @@
           </p:nvSpPr>
           <p:spPr>
             <a:xfrm>
-              <a:off x="2128299" y="6177989"/>
+              <a:off x="1960001" y="6178167"/>
               <a:ext cx="63202" cy="63202"/>
             </a:xfrm>
             <a:custGeom>
@@ -9437,7 +9437,7 @@
           </p:nvSpPr>
           <p:spPr>
             <a:xfrm>
-              <a:off x="1583087" y="6157721"/>
+              <a:off x="1639731" y="6157812"/>
               <a:ext cx="63202" cy="63202"/>
             </a:xfrm>
             <a:custGeom>
@@ -9480,7 +9480,7 @@
           </p:nvSpPr>
           <p:spPr>
             <a:xfrm>
-              <a:off x="2617686" y="6572458"/>
+              <a:off x="2957050" y="6572508"/>
               <a:ext cx="63202" cy="63202"/>
             </a:xfrm>
             <a:custGeom>
@@ -9523,7 +9523,7 @@
           </p:nvSpPr>
           <p:spPr>
             <a:xfrm>
-              <a:off x="1681449" y="6228844"/>
+              <a:off x="2222270" y="6228901"/>
               <a:ext cx="63202" cy="63202"/>
             </a:xfrm>
             <a:custGeom>
@@ -9566,7 +9566,7 @@
           </p:nvSpPr>
           <p:spPr>
             <a:xfrm>
-              <a:off x="1880642" y="6187943"/>
+              <a:off x="1843663" y="6187964"/>
               <a:ext cx="63202" cy="63202"/>
             </a:xfrm>
             <a:custGeom>
@@ -9609,7 +9609,7 @@
           </p:nvSpPr>
           <p:spPr>
             <a:xfrm>
-              <a:off x="2186251" y="6231612"/>
+              <a:off x="1644212" y="6231718"/>
               <a:ext cx="63202" cy="63202"/>
             </a:xfrm>
             <a:custGeom>
@@ -9652,7 +9652,7 @@
           </p:nvSpPr>
           <p:spPr>
             <a:xfrm>
-              <a:off x="2795478" y="6499408"/>
+              <a:off x="2941472" y="6499560"/>
               <a:ext cx="63202" cy="63202"/>
             </a:xfrm>
             <a:custGeom>
@@ -9695,7 +9695,7 @@
           </p:nvSpPr>
           <p:spPr>
             <a:xfrm>
-              <a:off x="1743176" y="6221004"/>
+              <a:off x="1688579" y="6221158"/>
               <a:ext cx="63202" cy="63202"/>
             </a:xfrm>
             <a:custGeom>
@@ -9738,7 +9738,7 @@
           </p:nvSpPr>
           <p:spPr>
             <a:xfrm>
-              <a:off x="2005886" y="6315261"/>
+              <a:off x="2242221" y="6315326"/>
               <a:ext cx="63202" cy="63202"/>
             </a:xfrm>
             <a:custGeom>
@@ -9781,7 +9781,7 @@
           </p:nvSpPr>
           <p:spPr>
             <a:xfrm>
-              <a:off x="2092175" y="6190458"/>
+              <a:off x="1548450" y="6190454"/>
               <a:ext cx="63202" cy="63202"/>
             </a:xfrm>
             <a:custGeom>
@@ -9824,7 +9824,7 @@
           </p:nvSpPr>
           <p:spPr>
             <a:xfrm>
-              <a:off x="1972785" y="6163302"/>
+              <a:off x="1956119" y="6163301"/>
               <a:ext cx="63202" cy="63202"/>
             </a:xfrm>
             <a:custGeom>
@@ -9867,7 +9867,7 @@
           </p:nvSpPr>
           <p:spPr>
             <a:xfrm>
-              <a:off x="2185106" y="6215939"/>
+              <a:off x="1620460" y="6215995"/>
               <a:ext cx="63202" cy="63202"/>
             </a:xfrm>
             <a:custGeom>
@@ -9910,7 +9910,7 @@
           </p:nvSpPr>
           <p:spPr>
             <a:xfrm>
-              <a:off x="1634344" y="6218265"/>
+              <a:off x="1617759" y="6218403"/>
               <a:ext cx="63202" cy="63202"/>
             </a:xfrm>
             <a:custGeom>
@@ -9953,7 +9953,7 @@
           </p:nvSpPr>
           <p:spPr>
             <a:xfrm>
-              <a:off x="2046231" y="6197798"/>
+              <a:off x="2177441" y="6197959"/>
               <a:ext cx="63202" cy="63202"/>
             </a:xfrm>
             <a:custGeom>
@@ -9996,7 +9996,7 @@
           </p:nvSpPr>
           <p:spPr>
             <a:xfrm>
-              <a:off x="1773432" y="6240172"/>
+              <a:off x="1676580" y="6240374"/>
               <a:ext cx="63202" cy="63202"/>
             </a:xfrm>
             <a:custGeom>
@@ -10039,7 +10039,7 @@
           </p:nvSpPr>
           <p:spPr>
             <a:xfrm>
-              <a:off x="2177139" y="6216990"/>
+              <a:off x="1912390" y="6217026"/>
               <a:ext cx="63202" cy="63202"/>
             </a:xfrm>
             <a:custGeom>
@@ -10082,7 +10082,7 @@
           </p:nvSpPr>
           <p:spPr>
             <a:xfrm>
-              <a:off x="1603701" y="6213483"/>
+              <a:off x="1796769" y="6213506"/>
               <a:ext cx="63202" cy="63202"/>
             </a:xfrm>
             <a:custGeom>
@@ -10125,7 +10125,7 @@
           </p:nvSpPr>
           <p:spPr>
             <a:xfrm>
-              <a:off x="1639241" y="6216400"/>
+              <a:off x="1935121" y="6216508"/>
               <a:ext cx="63202" cy="63202"/>
             </a:xfrm>
             <a:custGeom>
@@ -10168,7 +10168,7 @@
           </p:nvSpPr>
           <p:spPr>
             <a:xfrm>
-              <a:off x="2021651" y="6163604"/>
+              <a:off x="2120998" y="6163769"/>
               <a:ext cx="63202" cy="63202"/>
             </a:xfrm>
             <a:custGeom>
@@ -10211,7 +10211,7 @@
           </p:nvSpPr>
           <p:spPr>
             <a:xfrm>
-              <a:off x="2054087" y="6165093"/>
+              <a:off x="1991191" y="6165219"/>
               <a:ext cx="63202" cy="63202"/>
             </a:xfrm>
             <a:custGeom>
@@ -10254,7 +10254,7 @@
           </p:nvSpPr>
           <p:spPr>
             <a:xfrm>
-              <a:off x="1636731" y="6215578"/>
+              <a:off x="1738460" y="6215619"/>
               <a:ext cx="63202" cy="63202"/>
             </a:xfrm>
             <a:custGeom>
@@ -10297,7 +10297,7 @@
           </p:nvSpPr>
           <p:spPr>
             <a:xfrm>
-              <a:off x="1852647" y="6223173"/>
+              <a:off x="1857036" y="6223208"/>
               <a:ext cx="63202" cy="63202"/>
             </a:xfrm>
             <a:custGeom>
@@ -10340,7 +10340,7 @@
           </p:nvSpPr>
           <p:spPr>
             <a:xfrm>
-              <a:off x="2226478" y="6218538"/>
+              <a:off x="1635087" y="6218568"/>
               <a:ext cx="63202" cy="63202"/>
             </a:xfrm>
             <a:custGeom>
@@ -10383,7 +10383,7 @@
           </p:nvSpPr>
           <p:spPr>
             <a:xfrm>
-              <a:off x="1707522" y="6218790"/>
+              <a:off x="1601483" y="6218717"/>
               <a:ext cx="63202" cy="63202"/>
             </a:xfrm>
             <a:custGeom>
@@ -10426,7 +10426,7 @@
           </p:nvSpPr>
           <p:spPr>
             <a:xfrm>
-              <a:off x="1778140" y="6218233"/>
+              <a:off x="1841705" y="6218340"/>
               <a:ext cx="63202" cy="63202"/>
             </a:xfrm>
             <a:custGeom>
@@ -10469,7 +10469,7 @@
           </p:nvSpPr>
           <p:spPr>
             <a:xfrm>
-              <a:off x="1653490" y="6328613"/>
+              <a:off x="1543686" y="6328603"/>
               <a:ext cx="63202" cy="63202"/>
             </a:xfrm>
             <a:custGeom>
@@ -10512,7 +10512,7 @@
           </p:nvSpPr>
           <p:spPr>
             <a:xfrm>
-              <a:off x="1711209" y="6224369"/>
+              <a:off x="1796412" y="6224563"/>
               <a:ext cx="63202" cy="63202"/>
             </a:xfrm>
             <a:custGeom>
@@ -10555,7 +10555,7 @@
           </p:nvSpPr>
           <p:spPr>
             <a:xfrm>
-              <a:off x="1944813" y="6213815"/>
+              <a:off x="1903306" y="6213967"/>
               <a:ext cx="63202" cy="63202"/>
             </a:xfrm>
             <a:custGeom>
@@ -10598,7 +10598,7 @@
           </p:nvSpPr>
           <p:spPr>
             <a:xfrm>
-              <a:off x="1833866" y="6164467"/>
+              <a:off x="1810508" y="6164563"/>
               <a:ext cx="63202" cy="63202"/>
             </a:xfrm>
             <a:custGeom>
@@ -10641,7 +10641,7 @@
           </p:nvSpPr>
           <p:spPr>
             <a:xfrm>
-              <a:off x="2098128" y="6283125"/>
+              <a:off x="1675829" y="6283090"/>
               <a:ext cx="63202" cy="63202"/>
             </a:xfrm>
             <a:custGeom>
@@ -10684,7 +10684,7 @@
           </p:nvSpPr>
           <p:spPr>
             <a:xfrm>
-              <a:off x="3011933" y="6491036"/>
+              <a:off x="2560633" y="6491103"/>
               <a:ext cx="63202" cy="63202"/>
             </a:xfrm>
             <a:custGeom>
@@ -10727,7 +10727,7 @@
           </p:nvSpPr>
           <p:spPr>
             <a:xfrm>
-              <a:off x="1740630" y="6370789"/>
+              <a:off x="1632478" y="6370868"/>
               <a:ext cx="63202" cy="63202"/>
             </a:xfrm>
             <a:custGeom>
@@ -10770,7 +10770,7 @@
           </p:nvSpPr>
           <p:spPr>
             <a:xfrm>
-              <a:off x="2722720" y="6509086"/>
+              <a:off x="2941500" y="6509242"/>
               <a:ext cx="63202" cy="63202"/>
             </a:xfrm>
             <a:custGeom>
@@ -10813,7 +10813,7 @@
           </p:nvSpPr>
           <p:spPr>
             <a:xfrm>
-              <a:off x="2502534" y="6512111"/>
+              <a:off x="2820696" y="6512079"/>
               <a:ext cx="63202" cy="63202"/>
             </a:xfrm>
             <a:custGeom>
@@ -10856,7 +10856,7 @@
           </p:nvSpPr>
           <p:spPr>
             <a:xfrm>
-              <a:off x="1725268" y="6264111"/>
+              <a:off x="2147757" y="6264173"/>
               <a:ext cx="63202" cy="63202"/>
             </a:xfrm>
             <a:custGeom>
@@ -10899,7 +10899,7 @@
           </p:nvSpPr>
           <p:spPr>
             <a:xfrm>
-              <a:off x="1783898" y="6261370"/>
+              <a:off x="1991402" y="6261349"/>
               <a:ext cx="63202" cy="63202"/>
             </a:xfrm>
             <a:custGeom>
@@ -10942,7 +10942,7 @@
           </p:nvSpPr>
           <p:spPr>
             <a:xfrm>
-              <a:off x="1999374" y="6261311"/>
+              <a:off x="2023001" y="6261357"/>
               <a:ext cx="63202" cy="63202"/>
             </a:xfrm>
             <a:custGeom>
@@ -10985,7 +10985,7 @@
           </p:nvSpPr>
           <p:spPr>
             <a:xfrm>
-              <a:off x="1686888" y="6256304"/>
+              <a:off x="1889438" y="6256259"/>
               <a:ext cx="63202" cy="63202"/>
             </a:xfrm>
             <a:custGeom>
@@ -11028,7 +11028,7 @@
           </p:nvSpPr>
           <p:spPr>
             <a:xfrm>
-              <a:off x="1940534" y="6314933"/>
+              <a:off x="1617461" y="6314971"/>
               <a:ext cx="63202" cy="63202"/>
             </a:xfrm>
             <a:custGeom>
@@ -11071,7 +11071,7 @@
           </p:nvSpPr>
           <p:spPr>
             <a:xfrm>
-              <a:off x="2493829" y="6541864"/>
+              <a:off x="2629692" y="6541869"/>
               <a:ext cx="63202" cy="63202"/>
             </a:xfrm>
             <a:custGeom>
@@ -11114,7 +11114,7 @@
           </p:nvSpPr>
           <p:spPr>
             <a:xfrm>
-              <a:off x="2839522" y="6491062"/>
+              <a:off x="2639640" y="6491144"/>
               <a:ext cx="63202" cy="63202"/>
             </a:xfrm>
             <a:custGeom>
@@ -11157,7 +11157,7 @@
           </p:nvSpPr>
           <p:spPr>
             <a:xfrm>
-              <a:off x="2207005" y="6384880"/>
+              <a:off x="1734269" y="6384981"/>
               <a:ext cx="63202" cy="63202"/>
             </a:xfrm>
             <a:custGeom>
@@ -11200,7 +11200,7 @@
           </p:nvSpPr>
           <p:spPr>
             <a:xfrm>
-              <a:off x="2826612" y="6500480"/>
+              <a:off x="2626345" y="6500636"/>
               <a:ext cx="63202" cy="63202"/>
             </a:xfrm>
             <a:custGeom>
@@ -11243,7 +11243,7 @@
           </p:nvSpPr>
           <p:spPr>
             <a:xfrm>
-              <a:off x="2976119" y="6491019"/>
+              <a:off x="2531180" y="6491069"/>
               <a:ext cx="63202" cy="63202"/>
             </a:xfrm>
             <a:custGeom>
@@ -11286,7 +11286,7 @@
           </p:nvSpPr>
           <p:spPr>
             <a:xfrm>
-              <a:off x="1938378" y="6216455"/>
+              <a:off x="2163965" y="6216439"/>
               <a:ext cx="63202" cy="63202"/>
             </a:xfrm>
             <a:custGeom>
@@ -11329,7 +11329,7 @@
           </p:nvSpPr>
           <p:spPr>
             <a:xfrm>
-              <a:off x="3555385" y="6731414"/>
+              <a:off x="3801390" y="6731571"/>
               <a:ext cx="63202" cy="63202"/>
             </a:xfrm>
             <a:custGeom>
@@ -11372,7 +11372,7 @@
           </p:nvSpPr>
           <p:spPr>
             <a:xfrm>
-              <a:off x="2244618" y="6338896"/>
+              <a:off x="1886075" y="6338988"/>
               <a:ext cx="63202" cy="63202"/>
             </a:xfrm>
             <a:custGeom>
@@ -11415,7 +11415,7 @@
           </p:nvSpPr>
           <p:spPr>
             <a:xfrm>
-              <a:off x="1651479" y="6208047"/>
+              <a:off x="1905590" y="6208101"/>
               <a:ext cx="63202" cy="63202"/>
             </a:xfrm>
             <a:custGeom>
@@ -11458,7 +11458,7 @@
           </p:nvSpPr>
           <p:spPr>
             <a:xfrm>
-              <a:off x="2019293" y="6255613"/>
+              <a:off x="1820498" y="6255639"/>
               <a:ext cx="63202" cy="63202"/>
             </a:xfrm>
             <a:custGeom>
@@ -11501,7 +11501,7 @@
           </p:nvSpPr>
           <p:spPr>
             <a:xfrm>
-              <a:off x="2213348" y="6213931"/>
+              <a:off x="1655626" y="6213865"/>
               <a:ext cx="63202" cy="63202"/>
             </a:xfrm>
             <a:custGeom>
@@ -11544,7 +11544,7 @@
           </p:nvSpPr>
           <p:spPr>
             <a:xfrm>
-              <a:off x="1603122" y="6214969"/>
+              <a:off x="2078798" y="6215007"/>
               <a:ext cx="63202" cy="63202"/>
             </a:xfrm>
             <a:custGeom>
@@ -11587,7 +11587,7 @@
           </p:nvSpPr>
           <p:spPr>
             <a:xfrm>
-              <a:off x="1613049" y="6224601"/>
+              <a:off x="1590155" y="6224759"/>
               <a:ext cx="63202" cy="63202"/>
             </a:xfrm>
             <a:custGeom>
@@ -11630,7 +11630,7 @@
           </p:nvSpPr>
           <p:spPr>
             <a:xfrm>
-              <a:off x="1691836" y="6221316"/>
+              <a:off x="1768969" y="6221332"/>
               <a:ext cx="63202" cy="63202"/>
             </a:xfrm>
             <a:custGeom>
@@ -11673,7 +11673,7 @@
           </p:nvSpPr>
           <p:spPr>
             <a:xfrm>
-              <a:off x="3778613" y="6626887"/>
+              <a:off x="3635542" y="6626919"/>
               <a:ext cx="63202" cy="63202"/>
             </a:xfrm>
             <a:custGeom>
@@ -11772,7 +11772,7 @@
           </p:nvSpPr>
           <p:spPr>
             <a:xfrm>
-              <a:off x="4284320" y="2998658"/>
+              <a:off x="4284320" y="2998691"/>
               <a:ext cx="2817450" cy="0"/>
             </a:xfrm>
             <a:custGeom>
@@ -11815,7 +11815,7 @@
           </p:nvSpPr>
           <p:spPr>
             <a:xfrm>
-              <a:off x="4284320" y="2576835"/>
+              <a:off x="4284320" y="2576886"/>
               <a:ext cx="2817450" cy="0"/>
             </a:xfrm>
             <a:custGeom>
@@ -11858,7 +11858,7 @@
           </p:nvSpPr>
           <p:spPr>
             <a:xfrm>
-              <a:off x="4284320" y="2155011"/>
+              <a:off x="4284320" y="2155081"/>
               <a:ext cx="2817450" cy="0"/>
             </a:xfrm>
             <a:custGeom>
@@ -11901,7 +11901,7 @@
           </p:nvSpPr>
           <p:spPr>
             <a:xfrm>
-              <a:off x="4284320" y="1733188"/>
+              <a:off x="4284320" y="1733275"/>
               <a:ext cx="2817450" cy="0"/>
             </a:xfrm>
             <a:custGeom>
@@ -11944,7 +11944,7 @@
           </p:nvSpPr>
           <p:spPr>
             <a:xfrm>
-              <a:off x="4284320" y="2787746"/>
+              <a:off x="4284320" y="2787788"/>
               <a:ext cx="2817450" cy="0"/>
             </a:xfrm>
             <a:custGeom>
@@ -11987,7 +11987,7 @@
           </p:nvSpPr>
           <p:spPr>
             <a:xfrm>
-              <a:off x="4284320" y="2365923"/>
+              <a:off x="4284320" y="2365983"/>
               <a:ext cx="2817450" cy="0"/>
             </a:xfrm>
             <a:custGeom>
@@ -12030,7 +12030,7 @@
           </p:nvSpPr>
           <p:spPr>
             <a:xfrm>
-              <a:off x="4284320" y="1944100"/>
+              <a:off x="4284320" y="1944178"/>
               <a:ext cx="2817450" cy="0"/>
             </a:xfrm>
             <a:custGeom>
@@ -12073,7 +12073,7 @@
           </p:nvSpPr>
           <p:spPr>
             <a:xfrm>
-              <a:off x="4284320" y="1522277"/>
+              <a:off x="4284320" y="1522373"/>
               <a:ext cx="2817450" cy="0"/>
             </a:xfrm>
             <a:custGeom>
@@ -12245,7 +12245,7 @@
           </p:nvSpPr>
           <p:spPr>
             <a:xfrm>
-              <a:off x="4734061" y="2228104"/>
+              <a:off x="4873589" y="2228034"/>
               <a:ext cx="63202" cy="63202"/>
             </a:xfrm>
             <a:custGeom>
@@ -12288,7 +12288,7 @@
           </p:nvSpPr>
           <p:spPr>
             <a:xfrm>
-              <a:off x="4954647" y="2258363"/>
+              <a:off x="4949511" y="2258394"/>
               <a:ext cx="63202" cy="63202"/>
             </a:xfrm>
             <a:custGeom>
@@ -12331,7 +12331,7 @@
           </p:nvSpPr>
           <p:spPr>
             <a:xfrm>
-              <a:off x="4576792" y="2205745"/>
+              <a:off x="4818293" y="2205750"/>
               <a:ext cx="63202" cy="63202"/>
             </a:xfrm>
             <a:custGeom>
@@ -12374,7 +12374,7 @@
           </p:nvSpPr>
           <p:spPr>
             <a:xfrm>
-              <a:off x="4540720" y="2202508"/>
+              <a:off x="4437165" y="2202510"/>
               <a:ext cx="63202" cy="63202"/>
             </a:xfrm>
             <a:custGeom>
@@ -12417,7 +12417,7 @@
           </p:nvSpPr>
           <p:spPr>
             <a:xfrm>
-              <a:off x="4680809" y="2194462"/>
+              <a:off x="5030322" y="2194499"/>
               <a:ext cx="63202" cy="63202"/>
             </a:xfrm>
             <a:custGeom>
@@ -12460,7 +12460,7 @@
           </p:nvSpPr>
           <p:spPr>
             <a:xfrm>
-              <a:off x="4677699" y="2218143"/>
+              <a:off x="4494326" y="2218223"/>
               <a:ext cx="63202" cy="63202"/>
             </a:xfrm>
             <a:custGeom>
@@ -12503,7 +12503,7 @@
           </p:nvSpPr>
           <p:spPr>
             <a:xfrm>
-              <a:off x="4504496" y="2211925"/>
+              <a:off x="4623394" y="2212043"/>
               <a:ext cx="63202" cy="63202"/>
             </a:xfrm>
             <a:custGeom>
@@ -12546,7 +12546,7 @@
           </p:nvSpPr>
           <p:spPr>
             <a:xfrm>
-              <a:off x="5076367" y="2210940"/>
+              <a:off x="4758819" y="2210967"/>
               <a:ext cx="63202" cy="63202"/>
             </a:xfrm>
             <a:custGeom>
@@ -12589,7 +12589,7 @@
           </p:nvSpPr>
           <p:spPr>
             <a:xfrm>
-              <a:off x="4671165" y="2207841"/>
+              <a:off x="4880086" y="2207924"/>
               <a:ext cx="63202" cy="63202"/>
             </a:xfrm>
             <a:custGeom>
@@ -12632,7 +12632,7 @@
           </p:nvSpPr>
           <p:spPr>
             <a:xfrm>
-              <a:off x="4839564" y="2188351"/>
+              <a:off x="4698363" y="2188458"/>
               <a:ext cx="63202" cy="63202"/>
             </a:xfrm>
             <a:custGeom>
@@ -12675,7 +12675,7 @@
           </p:nvSpPr>
           <p:spPr>
             <a:xfrm>
-              <a:off x="4865356" y="2213740"/>
+              <a:off x="4888426" y="2213818"/>
               <a:ext cx="63202" cy="63202"/>
             </a:xfrm>
             <a:custGeom>
@@ -12718,7 +12718,7 @@
           </p:nvSpPr>
           <p:spPr>
             <a:xfrm>
-              <a:off x="4457827" y="2216665"/>
+              <a:off x="4461647" y="2216743"/>
               <a:ext cx="63202" cy="63202"/>
             </a:xfrm>
             <a:custGeom>
@@ -12761,7 +12761,7 @@
           </p:nvSpPr>
           <p:spPr>
             <a:xfrm>
-              <a:off x="5085148" y="2217131"/>
+              <a:off x="4502085" y="2217097"/>
               <a:ext cx="63202" cy="63202"/>
             </a:xfrm>
             <a:custGeom>
@@ -12804,7 +12804,7 @@
           </p:nvSpPr>
           <p:spPr>
             <a:xfrm>
-              <a:off x="4444893" y="2183869"/>
+              <a:off x="5062941" y="2184067"/>
               <a:ext cx="63202" cy="63202"/>
             </a:xfrm>
             <a:custGeom>
@@ -12847,7 +12847,7 @@
           </p:nvSpPr>
           <p:spPr>
             <a:xfrm>
-              <a:off x="5116099" y="2212460"/>
+              <a:off x="4815508" y="2212429"/>
               <a:ext cx="63202" cy="63202"/>
             </a:xfrm>
             <a:custGeom>
@@ -12890,7 +12890,7 @@
           </p:nvSpPr>
           <p:spPr>
             <a:xfrm>
-              <a:off x="4591869" y="2182537"/>
+              <a:off x="4939490" y="2182452"/>
               <a:ext cx="63202" cy="63202"/>
             </a:xfrm>
             <a:custGeom>
@@ -12933,7 +12933,7 @@
           </p:nvSpPr>
           <p:spPr>
             <a:xfrm>
-              <a:off x="4865366" y="2214577"/>
+              <a:off x="4450068" y="2214556"/>
               <a:ext cx="63202" cy="63202"/>
             </a:xfrm>
             <a:custGeom>
@@ -12976,7 +12976,7 @@
           </p:nvSpPr>
           <p:spPr>
             <a:xfrm>
-              <a:off x="4548258" y="2213113"/>
+              <a:off x="4485831" y="2213142"/>
               <a:ext cx="63202" cy="63202"/>
             </a:xfrm>
             <a:custGeom>
@@ -13019,7 +13019,7 @@
           </p:nvSpPr>
           <p:spPr>
             <a:xfrm>
-              <a:off x="4721527" y="2229967"/>
+              <a:off x="4710782" y="2229934"/>
               <a:ext cx="63202" cy="63202"/>
             </a:xfrm>
             <a:custGeom>
@@ -13062,7 +13062,7 @@
           </p:nvSpPr>
           <p:spPr>
             <a:xfrm>
-              <a:off x="4591593" y="2300559"/>
+              <a:off x="4472181" y="2300690"/>
               <a:ext cx="63202" cy="63202"/>
             </a:xfrm>
             <a:custGeom>
@@ -13105,7 +13105,7 @@
           </p:nvSpPr>
           <p:spPr>
             <a:xfrm>
-              <a:off x="4442064" y="2383463"/>
+              <a:off x="4693961" y="2383582"/>
               <a:ext cx="63202" cy="63202"/>
             </a:xfrm>
             <a:custGeom>
@@ -13148,7 +13148,7 @@
           </p:nvSpPr>
           <p:spPr>
             <a:xfrm>
-              <a:off x="4919328" y="2215343"/>
+              <a:off x="4983127" y="2215355"/>
               <a:ext cx="63202" cy="63202"/>
             </a:xfrm>
             <a:custGeom>
@@ -13191,7 +13191,7 @@
           </p:nvSpPr>
           <p:spPr>
             <a:xfrm>
-              <a:off x="5813609" y="2658027"/>
+              <a:off x="5966871" y="2658159"/>
               <a:ext cx="63202" cy="63202"/>
             </a:xfrm>
             <a:custGeom>
@@ -13234,7 +13234,7 @@
           </p:nvSpPr>
           <p:spPr>
             <a:xfrm>
-              <a:off x="5095401" y="2207548"/>
+              <a:off x="4810775" y="2207684"/>
               <a:ext cx="63202" cy="63202"/>
             </a:xfrm>
             <a:custGeom>
@@ -13277,7 +13277,7 @@
           </p:nvSpPr>
           <p:spPr>
             <a:xfrm>
-              <a:off x="5132650" y="2325805"/>
+              <a:off x="4820652" y="2325879"/>
               <a:ext cx="63202" cy="63202"/>
             </a:xfrm>
             <a:custGeom>
@@ -13320,7 +13320,7 @@
           </p:nvSpPr>
           <p:spPr>
             <a:xfrm>
-              <a:off x="4875055" y="2228047"/>
+              <a:off x="4906166" y="2228029"/>
               <a:ext cx="63202" cy="63202"/>
             </a:xfrm>
             <a:custGeom>
@@ -13363,7 +13363,7 @@
           </p:nvSpPr>
           <p:spPr>
             <a:xfrm>
-              <a:off x="4915279" y="2293867"/>
+              <a:off x="4797005" y="2293844"/>
               <a:ext cx="63202" cy="63202"/>
             </a:xfrm>
             <a:custGeom>
@@ -13406,7 +13406,7 @@
           </p:nvSpPr>
           <p:spPr>
             <a:xfrm>
-              <a:off x="4842091" y="2187309"/>
+              <a:off x="5037633" y="2187308"/>
               <a:ext cx="63202" cy="63202"/>
             </a:xfrm>
             <a:custGeom>
@@ -13449,7 +13449,7 @@
           </p:nvSpPr>
           <p:spPr>
             <a:xfrm>
-              <a:off x="5111760" y="2204588"/>
+              <a:off x="4524866" y="2204735"/>
               <a:ext cx="63202" cy="63202"/>
             </a:xfrm>
             <a:custGeom>
@@ -13492,7 +13492,7 @@
           </p:nvSpPr>
           <p:spPr>
             <a:xfrm>
-              <a:off x="4814977" y="2205919"/>
+              <a:off x="4569078" y="2206011"/>
               <a:ext cx="63202" cy="63202"/>
             </a:xfrm>
             <a:custGeom>
@@ -13535,7 +13535,7 @@
           </p:nvSpPr>
           <p:spPr>
             <a:xfrm>
-              <a:off x="5725352" y="2799601"/>
+              <a:off x="5758735" y="2799562"/>
               <a:ext cx="63202" cy="63202"/>
             </a:xfrm>
             <a:custGeom>
@@ -13578,7 +13578,7 @@
           </p:nvSpPr>
           <p:spPr>
             <a:xfrm>
-              <a:off x="4465567" y="2216846"/>
+              <a:off x="4612296" y="2216970"/>
               <a:ext cx="63202" cy="63202"/>
             </a:xfrm>
             <a:custGeom>
@@ -13621,7 +13621,7 @@
           </p:nvSpPr>
           <p:spPr>
             <a:xfrm>
-              <a:off x="4589909" y="2214115"/>
+              <a:off x="4463187" y="2214218"/>
               <a:ext cx="63202" cy="63202"/>
             </a:xfrm>
             <a:custGeom>
@@ -13664,7 +13664,7 @@
           </p:nvSpPr>
           <p:spPr>
             <a:xfrm>
-              <a:off x="4921174" y="2258117"/>
+              <a:off x="4456436" y="2258236"/>
               <a:ext cx="63202" cy="63202"/>
             </a:xfrm>
             <a:custGeom>
@@ -13707,7 +13707,7 @@
           </p:nvSpPr>
           <p:spPr>
             <a:xfrm>
-              <a:off x="4780804" y="2190312"/>
+              <a:off x="4514736" y="2190338"/>
               <a:ext cx="63202" cy="63202"/>
             </a:xfrm>
             <a:custGeom>
@@ -13750,7 +13750,7 @@
           </p:nvSpPr>
           <p:spPr>
             <a:xfrm>
-              <a:off x="4768926" y="2187377"/>
+              <a:off x="4760404" y="2187374"/>
               <a:ext cx="63202" cy="63202"/>
             </a:xfrm>
             <a:custGeom>
@@ -13793,7 +13793,7 @@
           </p:nvSpPr>
           <p:spPr>
             <a:xfrm>
-              <a:off x="4641208" y="2216372"/>
+              <a:off x="4489373" y="2216490"/>
               <a:ext cx="63202" cy="63202"/>
             </a:xfrm>
             <a:custGeom>
@@ -13836,7 +13836,7 @@
           </p:nvSpPr>
           <p:spPr>
             <a:xfrm>
-              <a:off x="5100684" y="2216459"/>
+              <a:off x="4913109" y="2216520"/>
               <a:ext cx="63202" cy="63202"/>
             </a:xfrm>
             <a:custGeom>
@@ -13879,7 +13879,7 @@
           </p:nvSpPr>
           <p:spPr>
             <a:xfrm>
-              <a:off x="4986260" y="2210017"/>
+              <a:off x="4950318" y="2210087"/>
               <a:ext cx="63202" cy="63202"/>
             </a:xfrm>
             <a:custGeom>
@@ -13922,7 +13922,7 @@
           </p:nvSpPr>
           <p:spPr>
             <a:xfrm>
-              <a:off x="4450728" y="2526837"/>
+              <a:off x="4744179" y="2526877"/>
               <a:ext cx="63202" cy="63202"/>
             </a:xfrm>
             <a:custGeom>
@@ -13965,7 +13965,7 @@
           </p:nvSpPr>
           <p:spPr>
             <a:xfrm>
-              <a:off x="4467101" y="2229344"/>
+              <a:off x="5012333" y="2229353"/>
               <a:ext cx="63202" cy="63202"/>
             </a:xfrm>
             <a:custGeom>
@@ -14008,7 +14008,7 @@
           </p:nvSpPr>
           <p:spPr>
             <a:xfrm>
-              <a:off x="5048616" y="2538056"/>
+              <a:off x="5060244" y="2538156"/>
               <a:ext cx="63202" cy="63202"/>
             </a:xfrm>
             <a:custGeom>
@@ -14051,7 +14051,7 @@
           </p:nvSpPr>
           <p:spPr>
             <a:xfrm>
-              <a:off x="4597246" y="2178464"/>
+              <a:off x="4757742" y="2178489"/>
               <a:ext cx="63202" cy="63202"/>
             </a:xfrm>
             <a:custGeom>
@@ -14094,7 +14094,7 @@
           </p:nvSpPr>
           <p:spPr>
             <a:xfrm>
-              <a:off x="4728779" y="2378571"/>
+              <a:off x="4439551" y="2378672"/>
               <a:ext cx="63202" cy="63202"/>
             </a:xfrm>
             <a:custGeom>
@@ -14137,7 +14137,7 @@
           </p:nvSpPr>
           <p:spPr>
             <a:xfrm>
-              <a:off x="4676598" y="2211748"/>
+              <a:off x="5080787" y="2211912"/>
               <a:ext cx="63202" cy="63202"/>
             </a:xfrm>
             <a:custGeom>
@@ -14180,7 +14180,7 @@
           </p:nvSpPr>
           <p:spPr>
             <a:xfrm>
-              <a:off x="4574605" y="2251209"/>
+              <a:off x="4753981" y="2251309"/>
               <a:ext cx="63202" cy="63202"/>
             </a:xfrm>
             <a:custGeom>
@@ -14223,7 +14223,7 @@
           </p:nvSpPr>
           <p:spPr>
             <a:xfrm>
-              <a:off x="4930462" y="2255783"/>
+              <a:off x="4623259" y="2255947"/>
               <a:ext cx="63202" cy="63202"/>
             </a:xfrm>
             <a:custGeom>
@@ -14266,7 +14266,7 @@
           </p:nvSpPr>
           <p:spPr>
             <a:xfrm>
-              <a:off x="4564396" y="2226413"/>
+              <a:off x="5012643" y="2226367"/>
               <a:ext cx="63202" cy="63202"/>
             </a:xfrm>
             <a:custGeom>
@@ -14309,7 +14309,7 @@
           </p:nvSpPr>
           <p:spPr>
             <a:xfrm>
-              <a:off x="4625319" y="2217183"/>
+              <a:off x="4821331" y="2217343"/>
               <a:ext cx="63202" cy="63202"/>
             </a:xfrm>
             <a:custGeom>
@@ -14352,7 +14352,7 @@
           </p:nvSpPr>
           <p:spPr>
             <a:xfrm>
-              <a:off x="4506014" y="2216211"/>
+              <a:off x="4456338" y="2216247"/>
               <a:ext cx="63202" cy="63202"/>
             </a:xfrm>
             <a:custGeom>
@@ -14395,7 +14395,7 @@
           </p:nvSpPr>
           <p:spPr>
             <a:xfrm>
-              <a:off x="4575542" y="2279620"/>
+              <a:off x="4518707" y="2279837"/>
               <a:ext cx="63202" cy="63202"/>
             </a:xfrm>
             <a:custGeom>
@@ -14438,7 +14438,7 @@
           </p:nvSpPr>
           <p:spPr>
             <a:xfrm>
-              <a:off x="5111552" y="2296957"/>
+              <a:off x="4880623" y="2297126"/>
               <a:ext cx="63202" cy="63202"/>
             </a:xfrm>
             <a:custGeom>
@@ -14481,7 +14481,7 @@
           </p:nvSpPr>
           <p:spPr>
             <a:xfrm>
-              <a:off x="4767804" y="2225287"/>
+              <a:off x="5028227" y="2225289"/>
               <a:ext cx="63202" cy="63202"/>
             </a:xfrm>
             <a:custGeom>
@@ -14524,7 +14524,7 @@
           </p:nvSpPr>
           <p:spPr>
             <a:xfrm>
-              <a:off x="4924072" y="2219763"/>
+              <a:off x="4798747" y="2219883"/>
               <a:ext cx="63202" cy="63202"/>
             </a:xfrm>
             <a:custGeom>
@@ -14567,7 +14567,7 @@
           </p:nvSpPr>
           <p:spPr>
             <a:xfrm>
-              <a:off x="4922623" y="2252296"/>
+              <a:off x="5094175" y="2252304"/>
               <a:ext cx="63202" cy="63202"/>
             </a:xfrm>
             <a:custGeom>
@@ -14610,7 +14610,7 @@
           </p:nvSpPr>
           <p:spPr>
             <a:xfrm>
-              <a:off x="4761586" y="2211771"/>
+              <a:off x="4670637" y="2211866"/>
               <a:ext cx="63202" cy="63202"/>
             </a:xfrm>
             <a:custGeom>
@@ -14653,7 +14653,7 @@
           </p:nvSpPr>
           <p:spPr>
             <a:xfrm>
-              <a:off x="4802514" y="2182216"/>
+              <a:off x="4637137" y="2182274"/>
               <a:ext cx="63202" cy="63202"/>
             </a:xfrm>
             <a:custGeom>
@@ -14696,7 +14696,7 @@
           </p:nvSpPr>
           <p:spPr>
             <a:xfrm>
-              <a:off x="4519236" y="2240103"/>
+              <a:off x="4633073" y="2240051"/>
               <a:ext cx="63202" cy="63202"/>
             </a:xfrm>
             <a:custGeom>
@@ -14739,7 +14739,7 @@
           </p:nvSpPr>
           <p:spPr>
             <a:xfrm>
-              <a:off x="4678027" y="2279768"/>
+              <a:off x="4567545" y="2279743"/>
               <a:ext cx="63202" cy="63202"/>
             </a:xfrm>
             <a:custGeom>
@@ -14782,7 +14782,7 @@
           </p:nvSpPr>
           <p:spPr>
             <a:xfrm>
-              <a:off x="4724535" y="2194633"/>
+              <a:off x="4674388" y="2194718"/>
               <a:ext cx="63202" cy="63202"/>
             </a:xfrm>
             <a:custGeom>
@@ -14825,7 +14825,7 @@
           </p:nvSpPr>
           <p:spPr>
             <a:xfrm>
-              <a:off x="4692870" y="2484888"/>
+              <a:off x="4662011" y="2485005"/>
               <a:ext cx="63202" cy="63202"/>
             </a:xfrm>
             <a:custGeom>
@@ -14868,7 +14868,7 @@
           </p:nvSpPr>
           <p:spPr>
             <a:xfrm>
-              <a:off x="5057154" y="2258997"/>
+              <a:off x="4571296" y="2259032"/>
               <a:ext cx="63202" cy="63202"/>
             </a:xfrm>
             <a:custGeom>
@@ -14911,7 +14911,7 @@
           </p:nvSpPr>
           <p:spPr>
             <a:xfrm>
-              <a:off x="5016114" y="2222994"/>
+              <a:off x="4839899" y="2223092"/>
               <a:ext cx="63202" cy="63202"/>
             </a:xfrm>
             <a:custGeom>
@@ -14954,7 +14954,7 @@
           </p:nvSpPr>
           <p:spPr>
             <a:xfrm>
-              <a:off x="4592483" y="2183499"/>
+              <a:off x="4847877" y="2183627"/>
               <a:ext cx="63202" cy="63202"/>
             </a:xfrm>
             <a:custGeom>
@@ -14997,7 +14997,7 @@
           </p:nvSpPr>
           <p:spPr>
             <a:xfrm>
-              <a:off x="4699449" y="2185807"/>
+              <a:off x="4445186" y="2185846"/>
               <a:ext cx="63202" cy="63202"/>
             </a:xfrm>
             <a:custGeom>
@@ -15040,7 +15040,7 @@
           </p:nvSpPr>
           <p:spPr>
             <a:xfrm>
-              <a:off x="4547551" y="2236689"/>
+              <a:off x="5113651" y="2236689"/>
               <a:ext cx="63202" cy="63202"/>
             </a:xfrm>
             <a:custGeom>
@@ -15083,7 +15083,7 @@
           </p:nvSpPr>
           <p:spPr>
             <a:xfrm>
-              <a:off x="4518471" y="2210057"/>
+              <a:off x="4629792" y="2210117"/>
               <a:ext cx="63202" cy="63202"/>
             </a:xfrm>
             <a:custGeom>
@@ -15126,7 +15126,7 @@
           </p:nvSpPr>
           <p:spPr>
             <a:xfrm>
-              <a:off x="4833841" y="2369492"/>
+              <a:off x="4898090" y="2369679"/>
               <a:ext cx="63202" cy="63202"/>
             </a:xfrm>
             <a:custGeom>
@@ -15169,7 +15169,7 @@
           </p:nvSpPr>
           <p:spPr>
             <a:xfrm>
-              <a:off x="4991364" y="2214592"/>
+              <a:off x="4926408" y="2214612"/>
               <a:ext cx="63202" cy="63202"/>
             </a:xfrm>
             <a:custGeom>
@@ -15212,7 +15212,7 @@
           </p:nvSpPr>
           <p:spPr>
             <a:xfrm>
-              <a:off x="4479320" y="2340817"/>
+              <a:off x="4913243" y="2340859"/>
               <a:ext cx="63202" cy="63202"/>
             </a:xfrm>
             <a:custGeom>
@@ -15255,7 +15255,7 @@
           </p:nvSpPr>
           <p:spPr>
             <a:xfrm>
-              <a:off x="6837635" y="2946470"/>
+              <a:off x="6844525" y="2946341"/>
               <a:ext cx="63202" cy="63202"/>
             </a:xfrm>
             <a:custGeom>
@@ -15298,7 +15298,7 @@
           </p:nvSpPr>
           <p:spPr>
             <a:xfrm>
-              <a:off x="4544308" y="2266416"/>
+              <a:off x="4542093" y="2266450"/>
               <a:ext cx="63202" cy="63202"/>
             </a:xfrm>
             <a:custGeom>
@@ -15341,7 +15341,7 @@
           </p:nvSpPr>
           <p:spPr>
             <a:xfrm>
-              <a:off x="5087665" y="2218175"/>
+              <a:off x="4759973" y="2218147"/>
               <a:ext cx="63202" cy="63202"/>
             </a:xfrm>
             <a:custGeom>
@@ -15384,7 +15384,7 @@
           </p:nvSpPr>
           <p:spPr>
             <a:xfrm>
-              <a:off x="4587684" y="2396721"/>
+              <a:off x="5077645" y="2396891"/>
               <a:ext cx="63202" cy="63202"/>
             </a:xfrm>
             <a:custGeom>
@@ -15427,7 +15427,7 @@
           </p:nvSpPr>
           <p:spPr>
             <a:xfrm>
-              <a:off x="4434664" y="2395081"/>
+              <a:off x="4756269" y="2395189"/>
               <a:ext cx="63202" cy="63202"/>
             </a:xfrm>
             <a:custGeom>
@@ -15470,7 +15470,7 @@
           </p:nvSpPr>
           <p:spPr>
             <a:xfrm>
-              <a:off x="5850322" y="2459671"/>
+              <a:off x="5705775" y="2459601"/>
               <a:ext cx="63202" cy="63202"/>
             </a:xfrm>
             <a:custGeom>
@@ -15513,7 +15513,7 @@
           </p:nvSpPr>
           <p:spPr>
             <a:xfrm>
-              <a:off x="4587932" y="2219136"/>
+              <a:off x="4604062" y="2219153"/>
               <a:ext cx="63202" cy="63202"/>
             </a:xfrm>
             <a:custGeom>
@@ -15556,7 +15556,7 @@
           </p:nvSpPr>
           <p:spPr>
             <a:xfrm>
-              <a:off x="4741062" y="2521033"/>
+              <a:off x="4847840" y="2521050"/>
               <a:ext cx="63202" cy="63202"/>
             </a:xfrm>
             <a:custGeom>
@@ -15599,7 +15599,7 @@
           </p:nvSpPr>
           <p:spPr>
             <a:xfrm>
-              <a:off x="4571224" y="2217834"/>
+              <a:off x="5086833" y="2217999"/>
               <a:ext cx="63202" cy="63202"/>
             </a:xfrm>
             <a:custGeom>
@@ -15642,7 +15642,7 @@
           </p:nvSpPr>
           <p:spPr>
             <a:xfrm>
-              <a:off x="4678164" y="2244414"/>
+              <a:off x="4894138" y="2244594"/>
               <a:ext cx="63202" cy="63202"/>
             </a:xfrm>
             <a:custGeom>
@@ -15685,7 +15685,7 @@
           </p:nvSpPr>
           <p:spPr>
             <a:xfrm>
-              <a:off x="4995389" y="2227365"/>
+              <a:off x="4622985" y="2227385"/>
               <a:ext cx="63202" cy="63202"/>
             </a:xfrm>
             <a:custGeom>
@@ -15728,7 +15728,7 @@
           </p:nvSpPr>
           <p:spPr>
             <a:xfrm>
-              <a:off x="4708905" y="2295148"/>
+              <a:off x="5018365" y="2295220"/>
               <a:ext cx="63202" cy="63202"/>
             </a:xfrm>
             <a:custGeom>
@@ -15771,7 +15771,7 @@
           </p:nvSpPr>
           <p:spPr>
             <a:xfrm>
-              <a:off x="5098860" y="2216394"/>
+              <a:off x="4771130" y="2216484"/>
               <a:ext cx="63202" cy="63202"/>
             </a:xfrm>
             <a:custGeom>
@@ -15814,7 +15814,7 @@
           </p:nvSpPr>
           <p:spPr>
             <a:xfrm>
-              <a:off x="4558232" y="2185221"/>
+              <a:off x="4991994" y="2185256"/>
               <a:ext cx="63202" cy="63202"/>
             </a:xfrm>
             <a:custGeom>
@@ -15857,7 +15857,7 @@
           </p:nvSpPr>
           <p:spPr>
             <a:xfrm>
-              <a:off x="4992900" y="2268761"/>
+              <a:off x="4960738" y="2268725"/>
               <a:ext cx="63202" cy="63202"/>
             </a:xfrm>
             <a:custGeom>
@@ -15900,7 +15900,7 @@
           </p:nvSpPr>
           <p:spPr>
             <a:xfrm>
-              <a:off x="4445364" y="2265834"/>
+              <a:off x="4759545" y="2265825"/>
               <a:ext cx="63202" cy="63202"/>
             </a:xfrm>
             <a:custGeom>
@@ -15999,7 +15999,7 @@
           </p:nvSpPr>
           <p:spPr>
             <a:xfrm>
-              <a:off x="4284320" y="4923990"/>
+              <a:off x="4284320" y="4924024"/>
               <a:ext cx="2817450" cy="0"/>
             </a:xfrm>
             <a:custGeom>
@@ -16042,7 +16042,7 @@
           </p:nvSpPr>
           <p:spPr>
             <a:xfrm>
-              <a:off x="4284320" y="4502167"/>
+              <a:off x="4284320" y="4502218"/>
               <a:ext cx="2817450" cy="0"/>
             </a:xfrm>
             <a:custGeom>
@@ -16085,7 +16085,7 @@
           </p:nvSpPr>
           <p:spPr>
             <a:xfrm>
-              <a:off x="4284320" y="4080344"/>
+              <a:off x="4284320" y="4080413"/>
               <a:ext cx="2817450" cy="0"/>
             </a:xfrm>
             <a:custGeom>
@@ -16128,7 +16128,7 @@
           </p:nvSpPr>
           <p:spPr>
             <a:xfrm>
-              <a:off x="4284320" y="3658521"/>
+              <a:off x="4284320" y="3658608"/>
               <a:ext cx="2817450" cy="0"/>
             </a:xfrm>
             <a:custGeom>
@@ -16171,7 +16171,7 @@
           </p:nvSpPr>
           <p:spPr>
             <a:xfrm>
-              <a:off x="4284320" y="4713079"/>
+              <a:off x="4284320" y="4713121"/>
               <a:ext cx="2817450" cy="0"/>
             </a:xfrm>
             <a:custGeom>
@@ -16214,7 +16214,7 @@
           </p:nvSpPr>
           <p:spPr>
             <a:xfrm>
-              <a:off x="4284320" y="4291256"/>
+              <a:off x="4284320" y="4291316"/>
               <a:ext cx="2817450" cy="0"/>
             </a:xfrm>
             <a:custGeom>
@@ -16257,7 +16257,7 @@
           </p:nvSpPr>
           <p:spPr>
             <a:xfrm>
-              <a:off x="4284320" y="3869432"/>
+              <a:off x="4284320" y="3869511"/>
               <a:ext cx="2817450" cy="0"/>
             </a:xfrm>
             <a:custGeom>
@@ -16300,7 +16300,7 @@
           </p:nvSpPr>
           <p:spPr>
             <a:xfrm>
-              <a:off x="4284320" y="3447609"/>
+              <a:off x="4284320" y="3447705"/>
               <a:ext cx="2817450" cy="0"/>
             </a:xfrm>
             <a:custGeom>
@@ -16472,7 +16472,7 @@
           </p:nvSpPr>
           <p:spPr>
             <a:xfrm>
-              <a:off x="5513054" y="4477895"/>
+              <a:off x="5637770" y="4478021"/>
               <a:ext cx="63202" cy="63202"/>
             </a:xfrm>
             <a:custGeom>
@@ -16515,7 +16515,7 @@
           </p:nvSpPr>
           <p:spPr>
             <a:xfrm>
-              <a:off x="5004594" y="4209484"/>
+              <a:off x="5083378" y="4209503"/>
               <a:ext cx="63202" cy="63202"/>
             </a:xfrm>
             <a:custGeom>
@@ -16558,7 +16558,7 @@
           </p:nvSpPr>
           <p:spPr>
             <a:xfrm>
-              <a:off x="6892956" y="4355636"/>
+              <a:off x="6318030" y="4355603"/>
               <a:ext cx="63202" cy="63202"/>
             </a:xfrm>
             <a:custGeom>
@@ -16601,7 +16601,7 @@
           </p:nvSpPr>
           <p:spPr>
             <a:xfrm>
-              <a:off x="6259524" y="4864505"/>
+              <a:off x="6642272" y="4864568"/>
               <a:ext cx="63202" cy="63202"/>
             </a:xfrm>
             <a:custGeom>
@@ -16644,7 +16644,7 @@
           </p:nvSpPr>
           <p:spPr>
             <a:xfrm>
-              <a:off x="6407766" y="4883747"/>
+              <a:off x="6620487" y="4883747"/>
               <a:ext cx="63202" cy="63202"/>
             </a:xfrm>
             <a:custGeom>
@@ -16743,7 +16743,7 @@
           </p:nvSpPr>
           <p:spPr>
             <a:xfrm>
-              <a:off x="4284320" y="6849323"/>
+              <a:off x="4284320" y="6849356"/>
               <a:ext cx="2817450" cy="0"/>
             </a:xfrm>
             <a:custGeom>
@@ -16786,7 +16786,7 @@
           </p:nvSpPr>
           <p:spPr>
             <a:xfrm>
-              <a:off x="4284320" y="6427500"/>
+              <a:off x="4284320" y="6427551"/>
               <a:ext cx="2817450" cy="0"/>
             </a:xfrm>
             <a:custGeom>
@@ -16829,7 +16829,7 @@
           </p:nvSpPr>
           <p:spPr>
             <a:xfrm>
-              <a:off x="4284320" y="6005677"/>
+              <a:off x="4284320" y="6005746"/>
               <a:ext cx="2817450" cy="0"/>
             </a:xfrm>
             <a:custGeom>
@@ -16872,7 +16872,7 @@
           </p:nvSpPr>
           <p:spPr>
             <a:xfrm>
-              <a:off x="4284320" y="5583853"/>
+              <a:off x="4284320" y="5583941"/>
               <a:ext cx="2817450" cy="0"/>
             </a:xfrm>
             <a:custGeom>
@@ -16915,7 +16915,7 @@
           </p:nvSpPr>
           <p:spPr>
             <a:xfrm>
-              <a:off x="4284320" y="6638411"/>
+              <a:off x="4284320" y="6638454"/>
               <a:ext cx="2817450" cy="0"/>
             </a:xfrm>
             <a:custGeom>
@@ -16958,7 +16958,7 @@
           </p:nvSpPr>
           <p:spPr>
             <a:xfrm>
-              <a:off x="4284320" y="6216588"/>
+              <a:off x="4284320" y="6216648"/>
               <a:ext cx="2817450" cy="0"/>
             </a:xfrm>
             <a:custGeom>
@@ -17001,7 +17001,7 @@
           </p:nvSpPr>
           <p:spPr>
             <a:xfrm>
-              <a:off x="4284320" y="5794765"/>
+              <a:off x="4284320" y="5794843"/>
               <a:ext cx="2817450" cy="0"/>
             </a:xfrm>
             <a:custGeom>
@@ -17044,7 +17044,7 @@
           </p:nvSpPr>
           <p:spPr>
             <a:xfrm>
-              <a:off x="4284320" y="5372942"/>
+              <a:off x="4284320" y="5373038"/>
               <a:ext cx="2817450" cy="0"/>
             </a:xfrm>
             <a:custGeom>
@@ -17216,7 +17216,7 @@
           </p:nvSpPr>
           <p:spPr>
             <a:xfrm>
-              <a:off x="4567013" y="6010353"/>
+              <a:off x="4557526" y="6010490"/>
               <a:ext cx="63202" cy="63202"/>
             </a:xfrm>
             <a:custGeom>
@@ -17259,7 +17259,7 @@
           </p:nvSpPr>
           <p:spPr>
             <a:xfrm>
-              <a:off x="4746003" y="5972455"/>
+              <a:off x="5078346" y="5972411"/>
               <a:ext cx="63202" cy="63202"/>
             </a:xfrm>
             <a:custGeom>
@@ -17302,7 +17302,7 @@
           </p:nvSpPr>
           <p:spPr>
             <a:xfrm>
-              <a:off x="4928748" y="5983721"/>
+              <a:off x="4823568" y="5983840"/>
               <a:ext cx="63202" cy="63202"/>
             </a:xfrm>
             <a:custGeom>
@@ -17345,7 +17345,7 @@
           </p:nvSpPr>
           <p:spPr>
             <a:xfrm>
-              <a:off x="4528516" y="5985707"/>
+              <a:off x="4469610" y="5985661"/>
               <a:ext cx="63202" cy="63202"/>
             </a:xfrm>
             <a:custGeom>
@@ -17388,7 +17388,7 @@
           </p:nvSpPr>
           <p:spPr>
             <a:xfrm>
-              <a:off x="6461694" y="6630808"/>
+              <a:off x="6271949" y="6630826"/>
               <a:ext cx="63202" cy="63202"/>
             </a:xfrm>
             <a:custGeom>
@@ -17431,7 +17431,7 @@
           </p:nvSpPr>
           <p:spPr>
             <a:xfrm>
-              <a:off x="5092508" y="6002285"/>
+              <a:off x="4895625" y="6002411"/>
               <a:ext cx="63202" cy="63202"/>
             </a:xfrm>
             <a:custGeom>
@@ -17474,7 +17474,7 @@
           </p:nvSpPr>
           <p:spPr>
             <a:xfrm>
-              <a:off x="4882269" y="5975704"/>
+              <a:off x="4838106" y="5975802"/>
               <a:ext cx="63202" cy="63202"/>
             </a:xfrm>
             <a:custGeom>
@@ -17517,7 +17517,7 @@
           </p:nvSpPr>
           <p:spPr>
             <a:xfrm>
-              <a:off x="5095717" y="6008165"/>
+              <a:off x="4817379" y="6008392"/>
               <a:ext cx="63202" cy="63202"/>
             </a:xfrm>
             <a:custGeom>
@@ -17560,7 +17560,7 @@
           </p:nvSpPr>
           <p:spPr>
             <a:xfrm>
-              <a:off x="4629409" y="5987206"/>
+              <a:off x="4683768" y="5987174"/>
               <a:ext cx="63202" cy="63202"/>
             </a:xfrm>
             <a:custGeom>
@@ -17603,7 +17603,7 @@
           </p:nvSpPr>
           <p:spPr>
             <a:xfrm>
-              <a:off x="4935211" y="6008162"/>
+              <a:off x="4525782" y="6008305"/>
               <a:ext cx="63202" cy="63202"/>
             </a:xfrm>
             <a:custGeom>
@@ -17646,7 +17646,7 @@
           </p:nvSpPr>
           <p:spPr>
             <a:xfrm>
-              <a:off x="4972963" y="5982245"/>
+              <a:off x="4953193" y="5982385"/>
               <a:ext cx="63202" cy="63202"/>
             </a:xfrm>
             <a:custGeom>
@@ -17689,7 +17689,7 @@
           </p:nvSpPr>
           <p:spPr>
             <a:xfrm>
-              <a:off x="5011095" y="6068735"/>
+              <a:off x="4976411" y="6068888"/>
               <a:ext cx="63202" cy="63202"/>
             </a:xfrm>
             <a:custGeom>
@@ -17732,7 +17732,7 @@
           </p:nvSpPr>
           <p:spPr>
             <a:xfrm>
-              <a:off x="5070823" y="5972345"/>
+              <a:off x="4758062" y="5972409"/>
               <a:ext cx="63202" cy="63202"/>
             </a:xfrm>
             <a:custGeom>
@@ -17775,7 +17775,7 @@
           </p:nvSpPr>
           <p:spPr>
             <a:xfrm>
-              <a:off x="4935162" y="5981843"/>
+              <a:off x="4891945" y="5981982"/>
               <a:ext cx="63202" cy="63202"/>
             </a:xfrm>
             <a:custGeom>
@@ -17818,7 +17818,7 @@
           </p:nvSpPr>
           <p:spPr>
             <a:xfrm>
-              <a:off x="4599534" y="5981874"/>
+              <a:off x="5050715" y="5981973"/>
               <a:ext cx="63202" cy="63202"/>
             </a:xfrm>
             <a:custGeom>
@@ -17861,7 +17861,7 @@
           </p:nvSpPr>
           <p:spPr>
             <a:xfrm>
-              <a:off x="4968977" y="5969817"/>
+              <a:off x="4607884" y="5969910"/>
               <a:ext cx="63202" cy="63202"/>
             </a:xfrm>
             <a:custGeom>
@@ -17904,7 +17904,7 @@
           </p:nvSpPr>
           <p:spPr>
             <a:xfrm>
-              <a:off x="4978120" y="5982789"/>
+              <a:off x="4898731" y="5982745"/>
               <a:ext cx="63202" cy="63202"/>
             </a:xfrm>
             <a:custGeom>
@@ -17947,7 +17947,7 @@
           </p:nvSpPr>
           <p:spPr>
             <a:xfrm>
-              <a:off x="4488754" y="5966419"/>
+              <a:off x="4511782" y="5966629"/>
               <a:ext cx="63202" cy="63202"/>
             </a:xfrm>
             <a:custGeom>
@@ -17990,7 +17990,7 @@
           </p:nvSpPr>
           <p:spPr>
             <a:xfrm>
-              <a:off x="5092916" y="6002258"/>
+              <a:off x="4992277" y="6002441"/>
               <a:ext cx="63202" cy="63202"/>
             </a:xfrm>
             <a:custGeom>
@@ -18033,7 +18033,7 @@
           </p:nvSpPr>
           <p:spPr>
             <a:xfrm>
-              <a:off x="4444953" y="5966136"/>
+              <a:off x="4803246" y="5966081"/>
               <a:ext cx="63202" cy="63202"/>
             </a:xfrm>
             <a:custGeom>
@@ -18076,7 +18076,7 @@
           </p:nvSpPr>
           <p:spPr>
             <a:xfrm>
-              <a:off x="4630247" y="5997194"/>
+              <a:off x="4438590" y="5997284"/>
               <a:ext cx="63202" cy="63202"/>
             </a:xfrm>
             <a:custGeom>
@@ -18119,7 +18119,7 @@
           </p:nvSpPr>
           <p:spPr>
             <a:xfrm>
-              <a:off x="4607615" y="5993621"/>
+              <a:off x="4526376" y="5993738"/>
               <a:ext cx="63202" cy="63202"/>
             </a:xfrm>
             <a:custGeom>
@@ -18162,7 +18162,7 @@
           </p:nvSpPr>
           <p:spPr>
             <a:xfrm>
-              <a:off x="5057976" y="6007789"/>
+              <a:off x="4697196" y="6007844"/>
               <a:ext cx="63202" cy="63202"/>
             </a:xfrm>
             <a:custGeom>
@@ -18205,7 +18205,7 @@
           </p:nvSpPr>
           <p:spPr>
             <a:xfrm>
-              <a:off x="5002892" y="6000261"/>
+              <a:off x="4730837" y="6000374"/>
               <a:ext cx="63202" cy="63202"/>
             </a:xfrm>
             <a:custGeom>
@@ -18248,7 +18248,7 @@
           </p:nvSpPr>
           <p:spPr>
             <a:xfrm>
-              <a:off x="4858179" y="5976448"/>
+              <a:off x="5025442" y="5976497"/>
               <a:ext cx="63202" cy="63202"/>
             </a:xfrm>
             <a:custGeom>
@@ -18291,7 +18291,7 @@
           </p:nvSpPr>
           <p:spPr>
             <a:xfrm>
-              <a:off x="4712552" y="6002186"/>
+              <a:off x="5131874" y="6002215"/>
               <a:ext cx="63202" cy="63202"/>
             </a:xfrm>
             <a:custGeom>
@@ -18334,7 +18334,7 @@
           </p:nvSpPr>
           <p:spPr>
             <a:xfrm>
-              <a:off x="4785878" y="6013494"/>
+              <a:off x="4767596" y="6013604"/>
               <a:ext cx="63202" cy="63202"/>
             </a:xfrm>
             <a:custGeom>
@@ -18377,7 +18377,7 @@
           </p:nvSpPr>
           <p:spPr>
             <a:xfrm>
-              <a:off x="4843455" y="6019458"/>
+              <a:off x="4764396" y="6019417"/>
               <a:ext cx="63202" cy="63202"/>
             </a:xfrm>
             <a:custGeom>
@@ -18420,7 +18420,7 @@
           </p:nvSpPr>
           <p:spPr>
             <a:xfrm>
-              <a:off x="4711796" y="6014407"/>
+              <a:off x="4531046" y="6014347"/>
               <a:ext cx="63202" cy="63202"/>
             </a:xfrm>
             <a:custGeom>
@@ -18463,7 +18463,7 @@
           </p:nvSpPr>
           <p:spPr>
             <a:xfrm>
-              <a:off x="4508708" y="5974120"/>
+              <a:off x="4537446" y="5974161"/>
               <a:ext cx="63202" cy="63202"/>
             </a:xfrm>
             <a:custGeom>
@@ -18506,7 +18506,7 @@
           </p:nvSpPr>
           <p:spPr>
             <a:xfrm>
-              <a:off x="4918465" y="5987948"/>
+              <a:off x="4772773" y="5988049"/>
               <a:ext cx="63202" cy="63202"/>
             </a:xfrm>
             <a:custGeom>
@@ -18549,7 +18549,7 @@
           </p:nvSpPr>
           <p:spPr>
             <a:xfrm>
-              <a:off x="4907844" y="5996357"/>
+              <a:off x="4596556" y="5996482"/>
               <a:ext cx="63202" cy="63202"/>
             </a:xfrm>
             <a:custGeom>
@@ -18592,7 +18592,7 @@
           </p:nvSpPr>
           <p:spPr>
             <a:xfrm>
-              <a:off x="4650489" y="5977822"/>
+              <a:off x="4522936" y="5977916"/>
               <a:ext cx="63202" cy="63202"/>
             </a:xfrm>
             <a:custGeom>
@@ -18635,7 +18635,7 @@
           </p:nvSpPr>
           <p:spPr>
             <a:xfrm>
-              <a:off x="4911823" y="5975831"/>
+              <a:off x="4614193" y="5975776"/>
               <a:ext cx="63202" cy="63202"/>
             </a:xfrm>
             <a:custGeom>
@@ -18678,7 +18678,7 @@
           </p:nvSpPr>
           <p:spPr>
             <a:xfrm>
-              <a:off x="5043967" y="6009542"/>
+              <a:off x="5092009" y="6009525"/>
               <a:ext cx="63202" cy="63202"/>
             </a:xfrm>
             <a:custGeom>
@@ -18721,7 +18721,7 @@
           </p:nvSpPr>
           <p:spPr>
             <a:xfrm>
-              <a:off x="4675617" y="6002544"/>
+              <a:off x="4499287" y="6002615"/>
               <a:ext cx="63202" cy="63202"/>
             </a:xfrm>
             <a:custGeom>
@@ -18764,7 +18764,7 @@
           </p:nvSpPr>
           <p:spPr>
             <a:xfrm>
-              <a:off x="4767568" y="5978060"/>
+              <a:off x="5102415" y="5978233"/>
               <a:ext cx="63202" cy="63202"/>
             </a:xfrm>
             <a:custGeom>
@@ -18807,7 +18807,7 @@
           </p:nvSpPr>
           <p:spPr>
             <a:xfrm>
-              <a:off x="4781693" y="5969857"/>
+              <a:off x="4791565" y="5969856"/>
               <a:ext cx="63202" cy="63202"/>
             </a:xfrm>
             <a:custGeom>
@@ -18850,7 +18850,7 @@
           </p:nvSpPr>
           <p:spPr>
             <a:xfrm>
-              <a:off x="4958229" y="6002472"/>
+              <a:off x="4822951" y="6002539"/>
               <a:ext cx="63202" cy="63202"/>
             </a:xfrm>
             <a:custGeom>
@@ -18893,7 +18893,7 @@
           </p:nvSpPr>
           <p:spPr>
             <a:xfrm>
-              <a:off x="4824372" y="5999560"/>
+              <a:off x="5014166" y="5999592"/>
               <a:ext cx="63202" cy="63202"/>
             </a:xfrm>
             <a:custGeom>
@@ -18936,7 +18936,7 @@
           </p:nvSpPr>
           <p:spPr>
             <a:xfrm>
-              <a:off x="4993550" y="5977033"/>
+              <a:off x="4987905" y="5977104"/>
               <a:ext cx="63202" cy="63202"/>
             </a:xfrm>
             <a:custGeom>
@@ -18979,7 +18979,7 @@
           </p:nvSpPr>
           <p:spPr>
             <a:xfrm>
-              <a:off x="4459365" y="5979823"/>
+              <a:off x="4586540" y="5979811"/>
               <a:ext cx="63202" cy="63202"/>
             </a:xfrm>
             <a:custGeom>
@@ -19022,7 +19022,7 @@
           </p:nvSpPr>
           <p:spPr>
             <a:xfrm>
-              <a:off x="5945285" y="6431590"/>
+              <a:off x="5730136" y="6431560"/>
               <a:ext cx="63202" cy="63202"/>
             </a:xfrm>
             <a:custGeom>
@@ -19065,7 +19065,7 @@
           </p:nvSpPr>
           <p:spPr>
             <a:xfrm>
-              <a:off x="4433610" y="5988845"/>
+              <a:off x="4980518" y="5988880"/>
               <a:ext cx="63202" cy="63202"/>
             </a:xfrm>
             <a:custGeom>
@@ -19108,7 +19108,7 @@
           </p:nvSpPr>
           <p:spPr>
             <a:xfrm>
-              <a:off x="4588720" y="6005786"/>
+              <a:off x="5012800" y="6005823"/>
               <a:ext cx="63202" cy="63202"/>
             </a:xfrm>
             <a:custGeom>
@@ -19151,7 +19151,7 @@
           </p:nvSpPr>
           <p:spPr>
             <a:xfrm>
-              <a:off x="4973351" y="5978768"/>
+              <a:off x="4659792" y="5978792"/>
               <a:ext cx="63202" cy="63202"/>
             </a:xfrm>
             <a:custGeom>
@@ -19194,7 +19194,7 @@
           </p:nvSpPr>
           <p:spPr>
             <a:xfrm>
-              <a:off x="4958188" y="6029674"/>
+              <a:off x="5019200" y="6029740"/>
               <a:ext cx="63202" cy="63202"/>
             </a:xfrm>
             <a:custGeom>
@@ -19237,7 +19237,7 @@
           </p:nvSpPr>
           <p:spPr>
             <a:xfrm>
-              <a:off x="4991604" y="5981104"/>
+              <a:off x="4806491" y="5981137"/>
               <a:ext cx="63202" cy="63202"/>
             </a:xfrm>
             <a:custGeom>
@@ -19280,7 +19280,7 @@
           </p:nvSpPr>
           <p:spPr>
             <a:xfrm>
-              <a:off x="4906140" y="5993935"/>
+              <a:off x="4574200" y="5993918"/>
               <a:ext cx="63202" cy="63202"/>
             </a:xfrm>
             <a:custGeom>
@@ -19323,7 +19323,7 @@
           </p:nvSpPr>
           <p:spPr>
             <a:xfrm>
-              <a:off x="5108903" y="5977233"/>
+              <a:off x="4809088" y="5977326"/>
               <a:ext cx="63202" cy="63202"/>
             </a:xfrm>
             <a:custGeom>
@@ -19366,7 +19366,7 @@
           </p:nvSpPr>
           <p:spPr>
             <a:xfrm>
-              <a:off x="5090789" y="5974116"/>
+              <a:off x="5120142" y="5974122"/>
               <a:ext cx="63202" cy="63202"/>
             </a:xfrm>
             <a:custGeom>
@@ -19409,7 +19409,7 @@
           </p:nvSpPr>
           <p:spPr>
             <a:xfrm>
-              <a:off x="5027752" y="5994347"/>
+              <a:off x="4624283" y="5994386"/>
               <a:ext cx="63202" cy="63202"/>
             </a:xfrm>
             <a:custGeom>
@@ -19452,7 +19452,7 @@
           </p:nvSpPr>
           <p:spPr>
             <a:xfrm>
-              <a:off x="4553789" y="5986229"/>
+              <a:off x="4604722" y="5986364"/>
               <a:ext cx="63202" cy="63202"/>
             </a:xfrm>
             <a:custGeom>
@@ -19495,7 +19495,7 @@
           </p:nvSpPr>
           <p:spPr>
             <a:xfrm>
-              <a:off x="4799621" y="6000911"/>
+              <a:off x="4953270" y="6000859"/>
               <a:ext cx="63202" cy="63202"/>
             </a:xfrm>
             <a:custGeom>
@@ -19538,7 +19538,7 @@
           </p:nvSpPr>
           <p:spPr>
             <a:xfrm>
-              <a:off x="4652622" y="5991300"/>
+              <a:off x="4887504" y="5991380"/>
               <a:ext cx="63202" cy="63202"/>
             </a:xfrm>
             <a:custGeom>
@@ -19581,7 +19581,7 @@
           </p:nvSpPr>
           <p:spPr>
             <a:xfrm>
-              <a:off x="4919337" y="5977593"/>
+              <a:off x="5035368" y="5977772"/>
               <a:ext cx="63202" cy="63202"/>
             </a:xfrm>
             <a:custGeom>
@@ -19624,7 +19624,7 @@
           </p:nvSpPr>
           <p:spPr>
             <a:xfrm>
-              <a:off x="4723500" y="5974021"/>
+              <a:off x="4812003" y="5974132"/>
               <a:ext cx="63202" cy="63202"/>
             </a:xfrm>
             <a:custGeom>
@@ -19667,7 +19667,7 @@
           </p:nvSpPr>
           <p:spPr>
             <a:xfrm>
-              <a:off x="4621372" y="5974768"/>
+              <a:off x="4681270" y="5974717"/>
               <a:ext cx="63202" cy="63202"/>
             </a:xfrm>
             <a:custGeom>
@@ -19710,7 +19710,7 @@
           </p:nvSpPr>
           <p:spPr>
             <a:xfrm>
-              <a:off x="4835766" y="5982709"/>
+              <a:off x="4486441" y="5982856"/>
               <a:ext cx="63202" cy="63202"/>
             </a:xfrm>
             <a:custGeom>
@@ -19753,7 +19753,7 @@
           </p:nvSpPr>
           <p:spPr>
             <a:xfrm>
-              <a:off x="4642418" y="5970003"/>
+              <a:off x="4754017" y="5970138"/>
               <a:ext cx="63202" cy="63202"/>
             </a:xfrm>
             <a:custGeom>
@@ -19796,7 +19796,7 @@
           </p:nvSpPr>
           <p:spPr>
             <a:xfrm>
-              <a:off x="4522051" y="5986140"/>
+              <a:off x="4746677" y="5986134"/>
               <a:ext cx="63202" cy="63202"/>
             </a:xfrm>
             <a:custGeom>
@@ -19839,7 +19839,7 @@
           </p:nvSpPr>
           <p:spPr>
             <a:xfrm>
-              <a:off x="4698972" y="5978525"/>
+              <a:off x="4677044" y="5978653"/>
               <a:ext cx="63202" cy="63202"/>
             </a:xfrm>
             <a:custGeom>
@@ -19882,7 +19882,7 @@
           </p:nvSpPr>
           <p:spPr>
             <a:xfrm>
-              <a:off x="6823538" y="6607591"/>
+              <a:off x="6194455" y="6607775"/>
               <a:ext cx="63202" cy="63202"/>
             </a:xfrm>
             <a:custGeom>
@@ -19925,7 +19925,7 @@
           </p:nvSpPr>
           <p:spPr>
             <a:xfrm>
-              <a:off x="4844571" y="5975702"/>
+              <a:off x="4692190" y="5975889"/>
               <a:ext cx="63202" cy="63202"/>
             </a:xfrm>
             <a:custGeom>
@@ -19968,7 +19968,7 @@
           </p:nvSpPr>
           <p:spPr>
             <a:xfrm>
-              <a:off x="4605695" y="6001298"/>
+              <a:off x="4550087" y="6001309"/>
               <a:ext cx="63202" cy="63202"/>
             </a:xfrm>
             <a:custGeom>
@@ -20011,7 +20011,7 @@
           </p:nvSpPr>
           <p:spPr>
             <a:xfrm>
-              <a:off x="4979975" y="5993951"/>
+              <a:off x="4465158" y="5993993"/>
               <a:ext cx="63202" cy="63202"/>
             </a:xfrm>
             <a:custGeom>
@@ -20054,7 +20054,7 @@
           </p:nvSpPr>
           <p:spPr>
             <a:xfrm>
-              <a:off x="4476741" y="5973279"/>
+              <a:off x="4855064" y="5973285"/>
               <a:ext cx="63202" cy="63202"/>
             </a:xfrm>
             <a:custGeom>
@@ -20097,7 +20097,7 @@
           </p:nvSpPr>
           <p:spPr>
             <a:xfrm>
-              <a:off x="4434854" y="6115872"/>
+              <a:off x="4877626" y="6115855"/>
               <a:ext cx="63202" cy="63202"/>
             </a:xfrm>
             <a:custGeom>
@@ -20140,7 +20140,7 @@
           </p:nvSpPr>
           <p:spPr>
             <a:xfrm>
-              <a:off x="5610772" y="6482513"/>
+              <a:off x="5314942" y="6482630"/>
               <a:ext cx="63202" cy="63202"/>
             </a:xfrm>
             <a:custGeom>
@@ -20183,7 +20183,7 @@
           </p:nvSpPr>
           <p:spPr>
             <a:xfrm>
-              <a:off x="5128915" y="6002467"/>
+              <a:off x="4490034" y="6002628"/>
               <a:ext cx="63202" cy="63202"/>
             </a:xfrm>
             <a:custGeom>
@@ -20226,7 +20226,7 @@
           </p:nvSpPr>
           <p:spPr>
             <a:xfrm>
-              <a:off x="4590037" y="5997522"/>
+              <a:off x="4822205" y="5997551"/>
               <a:ext cx="63202" cy="63202"/>
             </a:xfrm>
             <a:custGeom>
@@ -20269,7 +20269,7 @@
           </p:nvSpPr>
           <p:spPr>
             <a:xfrm>
-              <a:off x="4531176" y="5969901"/>
+              <a:off x="4928937" y="5969995"/>
               <a:ext cx="63202" cy="63202"/>
             </a:xfrm>
             <a:custGeom>
@@ -20312,7 +20312,7 @@
           </p:nvSpPr>
           <p:spPr>
             <a:xfrm>
-              <a:off x="4627020" y="6079577"/>
+              <a:off x="5049439" y="6079582"/>
               <a:ext cx="63202" cy="63202"/>
             </a:xfrm>
             <a:custGeom>
@@ -20355,7 +20355,7 @@
           </p:nvSpPr>
           <p:spPr>
             <a:xfrm>
-              <a:off x="4931080" y="5966870"/>
+              <a:off x="4624188" y="5967011"/>
               <a:ext cx="63202" cy="63202"/>
             </a:xfrm>
             <a:custGeom>
@@ -20398,7 +20398,7 @@
           </p:nvSpPr>
           <p:spPr>
             <a:xfrm>
-              <a:off x="4754671" y="5996478"/>
+              <a:off x="4821283" y="5996551"/>
               <a:ext cx="63202" cy="63202"/>
             </a:xfrm>
             <a:custGeom>
@@ -20441,7 +20441,7 @@
           </p:nvSpPr>
           <p:spPr>
             <a:xfrm>
-              <a:off x="5104429" y="6029763"/>
+              <a:off x="4472430" y="6029873"/>
               <a:ext cx="63202" cy="63202"/>
             </a:xfrm>
             <a:custGeom>
@@ -20484,7 +20484,7 @@
           </p:nvSpPr>
           <p:spPr>
             <a:xfrm>
-              <a:off x="5073499" y="6197926"/>
+              <a:off x="4529631" y="6197963"/>
               <a:ext cx="63202" cy="63202"/>
             </a:xfrm>
             <a:custGeom>
@@ -20527,7 +20527,7 @@
           </p:nvSpPr>
           <p:spPr>
             <a:xfrm>
-              <a:off x="4571579" y="5986079"/>
+              <a:off x="4649106" y="5986233"/>
               <a:ext cx="63202" cy="63202"/>
             </a:xfrm>
             <a:custGeom>
@@ -20570,7 +20570,7 @@
           </p:nvSpPr>
           <p:spPr>
             <a:xfrm>
-              <a:off x="4812311" y="5975530"/>
+              <a:off x="4517544" y="5975697"/>
               <a:ext cx="63202" cy="63202"/>
             </a:xfrm>
             <a:custGeom>
@@ -20613,7 +20613,7 @@
           </p:nvSpPr>
           <p:spPr>
             <a:xfrm>
-              <a:off x="5025274" y="6013459"/>
+              <a:off x="4711939" y="6013628"/>
               <a:ext cx="63202" cy="63202"/>
             </a:xfrm>
             <a:custGeom>
@@ -20656,7 +20656,7 @@
           </p:nvSpPr>
           <p:spPr>
             <a:xfrm>
-              <a:off x="4792286" y="6198090"/>
+              <a:off x="5121605" y="6198206"/>
               <a:ext cx="63202" cy="63202"/>
             </a:xfrm>
             <a:custGeom>
@@ -20699,7 +20699,7 @@
           </p:nvSpPr>
           <p:spPr>
             <a:xfrm>
-              <a:off x="4877962" y="6099329"/>
+              <a:off x="4523656" y="6099380"/>
               <a:ext cx="63202" cy="63202"/>
             </a:xfrm>
             <a:custGeom>
@@ -20742,7 +20742,7 @@
           </p:nvSpPr>
           <p:spPr>
             <a:xfrm>
-              <a:off x="4780779" y="6330558"/>
+              <a:off x="5035239" y="6330614"/>
               <a:ext cx="63202" cy="63202"/>
             </a:xfrm>
             <a:custGeom>
@@ -20785,7 +20785,7 @@
           </p:nvSpPr>
           <p:spPr>
             <a:xfrm>
-              <a:off x="4774696" y="6004047"/>
+              <a:off x="4580495" y="6004141"/>
               <a:ext cx="63202" cy="63202"/>
             </a:xfrm>
             <a:custGeom>
@@ -20828,7 +20828,7 @@
           </p:nvSpPr>
           <p:spPr>
             <a:xfrm>
-              <a:off x="5559664" y="6631262"/>
+              <a:off x="5487973" y="6631248"/>
               <a:ext cx="63202" cy="63202"/>
             </a:xfrm>
             <a:custGeom>
@@ -20871,7 +20871,7 @@
           </p:nvSpPr>
           <p:spPr>
             <a:xfrm>
-              <a:off x="4708673" y="5985806"/>
+              <a:off x="5125340" y="5985941"/>
               <a:ext cx="63202" cy="63202"/>
             </a:xfrm>
             <a:custGeom>
@@ -20914,7 +20914,7 @@
           </p:nvSpPr>
           <p:spPr>
             <a:xfrm>
-              <a:off x="4487791" y="5988883"/>
+              <a:off x="4874535" y="5988893"/>
               <a:ext cx="63202" cy="63202"/>
             </a:xfrm>
             <a:custGeom>
@@ -20957,7 +20957,7 @@
           </p:nvSpPr>
           <p:spPr>
             <a:xfrm>
-              <a:off x="5119596" y="5983105"/>
+              <a:off x="4705119" y="5983163"/>
               <a:ext cx="63202" cy="63202"/>
             </a:xfrm>
             <a:custGeom>
@@ -21000,7 +21000,7 @@
           </p:nvSpPr>
           <p:spPr>
             <a:xfrm>
-              <a:off x="4536128" y="6228859"/>
+              <a:off x="4650154" y="6228973"/>
               <a:ext cx="63202" cy="63202"/>
             </a:xfrm>
             <a:custGeom>
@@ -21043,7 +21043,7 @@
           </p:nvSpPr>
           <p:spPr>
             <a:xfrm>
-              <a:off x="5068182" y="5974997"/>
+              <a:off x="4886375" y="5974960"/>
               <a:ext cx="63202" cy="63202"/>
             </a:xfrm>
             <a:custGeom>
@@ -21086,7 +21086,7 @@
           </p:nvSpPr>
           <p:spPr>
             <a:xfrm>
-              <a:off x="4476824" y="6008319"/>
+              <a:off x="4549787" y="6008301"/>
               <a:ext cx="63202" cy="63202"/>
             </a:xfrm>
             <a:custGeom>
@@ -21129,7 +21129,7 @@
           </p:nvSpPr>
           <p:spPr>
             <a:xfrm>
-              <a:off x="4479763" y="6059094"/>
+              <a:off x="4698854" y="6059205"/>
               <a:ext cx="63202" cy="63202"/>
             </a:xfrm>
             <a:custGeom>
@@ -21172,7 +21172,7 @@
           </p:nvSpPr>
           <p:spPr>
             <a:xfrm>
-              <a:off x="4996251" y="5973703"/>
+              <a:off x="4957596" y="5973720"/>
               <a:ext cx="63202" cy="63202"/>
             </a:xfrm>
             <a:custGeom>
@@ -21215,7 +21215,7 @@
           </p:nvSpPr>
           <p:spPr>
             <a:xfrm>
-              <a:off x="4740875" y="5986892"/>
+              <a:off x="4686789" y="5987027"/>
               <a:ext cx="63202" cy="63202"/>
             </a:xfrm>
             <a:custGeom>
@@ -21258,7 +21258,7 @@
           </p:nvSpPr>
           <p:spPr>
             <a:xfrm>
-              <a:off x="4857299" y="5977311"/>
+              <a:off x="4838323" y="5977244"/>
               <a:ext cx="63202" cy="63202"/>
             </a:xfrm>
             <a:custGeom>
@@ -21301,7 +21301,7 @@
           </p:nvSpPr>
           <p:spPr>
             <a:xfrm>
-              <a:off x="4903075" y="5991412"/>
+              <a:off x="5006248" y="5991481"/>
               <a:ext cx="63202" cy="63202"/>
             </a:xfrm>
             <a:custGeom>
@@ -21344,7 +21344,7 @@
           </p:nvSpPr>
           <p:spPr>
             <a:xfrm>
-              <a:off x="4868412" y="5977078"/>
+              <a:off x="5039325" y="5977118"/>
               <a:ext cx="63202" cy="63202"/>
             </a:xfrm>
             <a:custGeom>
@@ -21387,7 +21387,7 @@
           </p:nvSpPr>
           <p:spPr>
             <a:xfrm>
-              <a:off x="4666006" y="6170018"/>
+              <a:off x="5092060" y="6170034"/>
               <a:ext cx="63202" cy="63202"/>
             </a:xfrm>
             <a:custGeom>
@@ -21430,7 +21430,7 @@
           </p:nvSpPr>
           <p:spPr>
             <a:xfrm>
-              <a:off x="4537421" y="5981676"/>
+              <a:off x="4620276" y="5981666"/>
               <a:ext cx="63202" cy="63202"/>
             </a:xfrm>
             <a:custGeom>
@@ -21473,7 +21473,7 @@
           </p:nvSpPr>
           <p:spPr>
             <a:xfrm>
-              <a:off x="4576037" y="6011191"/>
+              <a:off x="4870828" y="6011237"/>
               <a:ext cx="63202" cy="63202"/>
             </a:xfrm>
             <a:custGeom>
@@ -21516,7 +21516,7 @@
           </p:nvSpPr>
           <p:spPr>
             <a:xfrm>
-              <a:off x="4885431" y="5981931"/>
+              <a:off x="4589704" y="5981931"/>
               <a:ext cx="63202" cy="63202"/>
             </a:xfrm>
             <a:custGeom>
@@ -21559,7 +21559,7 @@
           </p:nvSpPr>
           <p:spPr>
             <a:xfrm>
-              <a:off x="5084939" y="6249138"/>
+              <a:off x="4998300" y="6249091"/>
               <a:ext cx="63202" cy="63202"/>
             </a:xfrm>
             <a:custGeom>
@@ -21602,7 +21602,7 @@
           </p:nvSpPr>
           <p:spPr>
             <a:xfrm>
-              <a:off x="4854178" y="5971888"/>
+              <a:off x="4690632" y="5972022"/>
               <a:ext cx="63202" cy="63202"/>
             </a:xfrm>
             <a:custGeom>
@@ -21645,7 +21645,7 @@
           </p:nvSpPr>
           <p:spPr>
             <a:xfrm>
-              <a:off x="5017232" y="6001292"/>
+              <a:off x="5099776" y="6001281"/>
               <a:ext cx="63202" cy="63202"/>
             </a:xfrm>
             <a:custGeom>
@@ -21688,7 +21688,7 @@
           </p:nvSpPr>
           <p:spPr>
             <a:xfrm>
-              <a:off x="4787949" y="5972334"/>
+              <a:off x="4645626" y="5972425"/>
               <a:ext cx="63202" cy="63202"/>
             </a:xfrm>
             <a:custGeom>
@@ -21731,7 +21731,7 @@
           </p:nvSpPr>
           <p:spPr>
             <a:xfrm>
-              <a:off x="5914147" y="6480604"/>
+              <a:off x="5529797" y="6480792"/>
               <a:ext cx="63202" cy="63202"/>
             </a:xfrm>
             <a:custGeom>
@@ -21774,7 +21774,7 @@
           </p:nvSpPr>
           <p:spPr>
             <a:xfrm>
-              <a:off x="5936835" y="6413023"/>
+              <a:off x="5412728" y="6413067"/>
               <a:ext cx="63202" cy="63202"/>
             </a:xfrm>
             <a:custGeom>
@@ -21817,7 +21817,7 @@
           </p:nvSpPr>
           <p:spPr>
             <a:xfrm>
-              <a:off x="4799281" y="5998818"/>
+              <a:off x="4541431" y="5998773"/>
               <a:ext cx="63202" cy="63202"/>
             </a:xfrm>
             <a:custGeom>
@@ -21860,7 +21860,7 @@
           </p:nvSpPr>
           <p:spPr>
             <a:xfrm>
-              <a:off x="4481047" y="5969817"/>
+              <a:off x="4474074" y="5969910"/>
               <a:ext cx="63202" cy="63202"/>
             </a:xfrm>
             <a:custGeom>
@@ -21903,7 +21903,7 @@
           </p:nvSpPr>
           <p:spPr>
             <a:xfrm>
-              <a:off x="4453997" y="5969922"/>
+              <a:off x="4793345" y="5969972"/>
               <a:ext cx="63202" cy="63202"/>
             </a:xfrm>
             <a:custGeom>
@@ -21946,7 +21946,7 @@
           </p:nvSpPr>
           <p:spPr>
             <a:xfrm>
-              <a:off x="4784596" y="5969898"/>
+              <a:off x="4433172" y="5969994"/>
               <a:ext cx="63202" cy="63202"/>
             </a:xfrm>
             <a:custGeom>
@@ -21989,7 +21989,7 @@
           </p:nvSpPr>
           <p:spPr>
             <a:xfrm>
-              <a:off x="4548006" y="5969924"/>
+              <a:off x="5054422" y="5969967"/>
               <a:ext cx="63202" cy="63202"/>
             </a:xfrm>
             <a:custGeom>
@@ -22032,7 +22032,7 @@
           </p:nvSpPr>
           <p:spPr>
             <a:xfrm>
-              <a:off x="4880599" y="6000488"/>
+              <a:off x="4895011" y="6000478"/>
               <a:ext cx="63202" cy="63202"/>
             </a:xfrm>
             <a:custGeom>
@@ -22075,7 +22075,7 @@
           </p:nvSpPr>
           <p:spPr>
             <a:xfrm>
-              <a:off x="5029403" y="6148785"/>
+              <a:off x="4464209" y="6148709"/>
               <a:ext cx="63202" cy="63202"/>
             </a:xfrm>
             <a:custGeom>
@@ -22118,7 +22118,7 @@
           </p:nvSpPr>
           <p:spPr>
             <a:xfrm>
-              <a:off x="4458444" y="5968627"/>
+              <a:off x="4965365" y="5968595"/>
               <a:ext cx="63202" cy="63202"/>
             </a:xfrm>
             <a:custGeom>
@@ -22161,7 +22161,7 @@
           </p:nvSpPr>
           <p:spPr>
             <a:xfrm>
-              <a:off x="4502409" y="5990086"/>
+              <a:off x="4534853" y="5990121"/>
               <a:ext cx="63202" cy="63202"/>
             </a:xfrm>
             <a:custGeom>
@@ -22204,7 +22204,7 @@
           </p:nvSpPr>
           <p:spPr>
             <a:xfrm>
-              <a:off x="5077373" y="5995383"/>
+              <a:off x="4527948" y="5995518"/>
               <a:ext cx="63202" cy="63202"/>
             </a:xfrm>
             <a:custGeom>
@@ -22247,7 +22247,7 @@
           </p:nvSpPr>
           <p:spPr>
             <a:xfrm>
-              <a:off x="4711308" y="5976105"/>
+              <a:off x="5003594" y="5976234"/>
               <a:ext cx="63202" cy="63202"/>
             </a:xfrm>
             <a:custGeom>
@@ -22290,7 +22290,7 @@
           </p:nvSpPr>
           <p:spPr>
             <a:xfrm>
-              <a:off x="4591459" y="5983647"/>
+              <a:off x="4568513" y="5983600"/>
               <a:ext cx="63202" cy="63202"/>
             </a:xfrm>
             <a:custGeom>
@@ -22333,7 +22333,7 @@
           </p:nvSpPr>
           <p:spPr>
             <a:xfrm>
-              <a:off x="6293590" y="6806058"/>
+              <a:off x="6374974" y="6806127"/>
               <a:ext cx="63202" cy="63202"/>
             </a:xfrm>
             <a:custGeom>
@@ -22376,7 +22376,7 @@
           </p:nvSpPr>
           <p:spPr>
             <a:xfrm>
-              <a:off x="4473921" y="6073259"/>
+              <a:off x="4493801" y="6073270"/>
               <a:ext cx="63202" cy="63202"/>
             </a:xfrm>
             <a:custGeom>
@@ -22419,7 +22419,7 @@
           </p:nvSpPr>
           <p:spPr>
             <a:xfrm>
-              <a:off x="4693937" y="6000833"/>
+              <a:off x="4647070" y="6000937"/>
               <a:ext cx="63202" cy="63202"/>
             </a:xfrm>
             <a:custGeom>
@@ -22462,7 +22462,7 @@
           </p:nvSpPr>
           <p:spPr>
             <a:xfrm>
-              <a:off x="5083556" y="5972827"/>
+              <a:off x="4901429" y="5972925"/>
               <a:ext cx="63202" cy="63202"/>
             </a:xfrm>
             <a:custGeom>
@@ -22505,7 +22505,7 @@
           </p:nvSpPr>
           <p:spPr>
             <a:xfrm>
-              <a:off x="4434310" y="5979173"/>
+              <a:off x="4766806" y="5979240"/>
               <a:ext cx="63202" cy="63202"/>
             </a:xfrm>
             <a:custGeom>
@@ -22548,7 +22548,7 @@
           </p:nvSpPr>
           <p:spPr>
             <a:xfrm>
-              <a:off x="4895961" y="6092010"/>
+              <a:off x="4750390" y="6092080"/>
               <a:ext cx="63202" cy="63202"/>
             </a:xfrm>
             <a:custGeom>
@@ -22591,7 +22591,7 @@
           </p:nvSpPr>
           <p:spPr>
             <a:xfrm>
-              <a:off x="4743392" y="6002585"/>
+              <a:off x="4434165" y="6002669"/>
               <a:ext cx="63202" cy="63202"/>
             </a:xfrm>
             <a:custGeom>
@@ -22634,7 +22634,7 @@
           </p:nvSpPr>
           <p:spPr>
             <a:xfrm>
-              <a:off x="4701529" y="5985263"/>
+              <a:off x="4889327" y="5985256"/>
               <a:ext cx="63202" cy="63202"/>
             </a:xfrm>
             <a:custGeom>
@@ -22677,7 +22677,7 @@
           </p:nvSpPr>
           <p:spPr>
             <a:xfrm>
-              <a:off x="4463022" y="6107810"/>
+              <a:off x="4888231" y="6107936"/>
               <a:ext cx="63202" cy="63202"/>
             </a:xfrm>
             <a:custGeom>
@@ -22720,7 +22720,7 @@
           </p:nvSpPr>
           <p:spPr>
             <a:xfrm>
-              <a:off x="4551686" y="5972346"/>
+              <a:off x="5041945" y="5972466"/>
               <a:ext cx="63202" cy="63202"/>
             </a:xfrm>
             <a:custGeom>
@@ -22763,7 +22763,7 @@
           </p:nvSpPr>
           <p:spPr>
             <a:xfrm>
-              <a:off x="5056422" y="5983982"/>
+              <a:off x="4867294" y="5984013"/>
               <a:ext cx="63202" cy="63202"/>
             </a:xfrm>
             <a:custGeom>
@@ -22806,7 +22806,7 @@
           </p:nvSpPr>
           <p:spPr>
             <a:xfrm>
-              <a:off x="5753932" y="6478585"/>
+              <a:off x="5819321" y="6478542"/>
               <a:ext cx="63202" cy="63202"/>
             </a:xfrm>
             <a:custGeom>
@@ -22849,7 +22849,7 @@
           </p:nvSpPr>
           <p:spPr>
             <a:xfrm>
-              <a:off x="5414580" y="6478493"/>
+              <a:off x="5997082" y="6478699"/>
               <a:ext cx="63202" cy="63202"/>
             </a:xfrm>
             <a:custGeom>
@@ -22892,7 +22892,7 @@
           </p:nvSpPr>
           <p:spPr>
             <a:xfrm>
-              <a:off x="4944411" y="5977246"/>
+              <a:off x="4432722" y="5977288"/>
               <a:ext cx="63202" cy="63202"/>
             </a:xfrm>
             <a:custGeom>
@@ -22935,7 +22935,7 @@
           </p:nvSpPr>
           <p:spPr>
             <a:xfrm>
-              <a:off x="5018967" y="5969920"/>
+              <a:off x="4738718" y="5969998"/>
               <a:ext cx="63202" cy="63202"/>
             </a:xfrm>
             <a:custGeom>
@@ -22978,7 +22978,7 @@
           </p:nvSpPr>
           <p:spPr>
             <a:xfrm>
-              <a:off x="5481472" y="6652648"/>
+              <a:off x="5986122" y="6652534"/>
               <a:ext cx="63202" cy="63202"/>
             </a:xfrm>
             <a:custGeom>
@@ -23021,7 +23021,7 @@
           </p:nvSpPr>
           <p:spPr>
             <a:xfrm>
-              <a:off x="5844011" y="6596408"/>
+              <a:off x="5908343" y="6596530"/>
               <a:ext cx="63202" cy="63202"/>
             </a:xfrm>
             <a:custGeom>
@@ -23064,7 +23064,7 @@
           </p:nvSpPr>
           <p:spPr>
             <a:xfrm>
-              <a:off x="5030543" y="6086839"/>
+              <a:off x="4546240" y="6086997"/>
               <a:ext cx="63202" cy="63202"/>
             </a:xfrm>
             <a:custGeom>
@@ -23107,7 +23107,7 @@
           </p:nvSpPr>
           <p:spPr>
             <a:xfrm>
-              <a:off x="4436573" y="5990788"/>
+              <a:off x="4907607" y="5990890"/>
               <a:ext cx="63202" cy="63202"/>
             </a:xfrm>
             <a:custGeom>
@@ -23150,7 +23150,7 @@
           </p:nvSpPr>
           <p:spPr>
             <a:xfrm>
-              <a:off x="4557655" y="6034466"/>
+              <a:off x="4556805" y="6034440"/>
               <a:ext cx="63202" cy="63202"/>
             </a:xfrm>
             <a:custGeom>
@@ -23193,7 +23193,7 @@
           </p:nvSpPr>
           <p:spPr>
             <a:xfrm>
-              <a:off x="5903585" y="6162552"/>
+              <a:off x="6002732" y="6162672"/>
               <a:ext cx="63202" cy="63202"/>
             </a:xfrm>
             <a:custGeom>
@@ -23236,7 +23236,7 @@
           </p:nvSpPr>
           <p:spPr>
             <a:xfrm>
-              <a:off x="5020927" y="5992018"/>
+              <a:off x="4521112" y="5991988"/>
               <a:ext cx="63202" cy="63202"/>
             </a:xfrm>
             <a:custGeom>
@@ -23279,7 +23279,7 @@
           </p:nvSpPr>
           <p:spPr>
             <a:xfrm>
-              <a:off x="4821670" y="6244838"/>
+              <a:off x="4609103" y="6244970"/>
               <a:ext cx="63202" cy="63202"/>
             </a:xfrm>
             <a:custGeom>
@@ -23322,7 +23322,7 @@
           </p:nvSpPr>
           <p:spPr>
             <a:xfrm>
-              <a:off x="4794060" y="6045295"/>
+              <a:off x="5097202" y="6045384"/>
               <a:ext cx="63202" cy="63202"/>
             </a:xfrm>
             <a:custGeom>
@@ -23365,7 +23365,7 @@
           </p:nvSpPr>
           <p:spPr>
             <a:xfrm>
-              <a:off x="4488962" y="6007537"/>
+              <a:off x="4627655" y="6007652"/>
               <a:ext cx="63202" cy="63202"/>
             </a:xfrm>
             <a:custGeom>
@@ -23408,7 +23408,7 @@
           </p:nvSpPr>
           <p:spPr>
             <a:xfrm>
-              <a:off x="5037937" y="6004652"/>
+              <a:off x="4564567" y="6004799"/>
               <a:ext cx="63202" cy="63202"/>
             </a:xfrm>
             <a:custGeom>
@@ -23451,7 +23451,7 @@
           </p:nvSpPr>
           <p:spPr>
             <a:xfrm>
-              <a:off x="5029368" y="6095775"/>
+              <a:off x="4617920" y="6095884"/>
               <a:ext cx="63202" cy="63202"/>
             </a:xfrm>
             <a:custGeom>
@@ -23494,7 +23494,7 @@
           </p:nvSpPr>
           <p:spPr>
             <a:xfrm>
-              <a:off x="4626084" y="5993352"/>
+              <a:off x="4979629" y="5993259"/>
               <a:ext cx="63202" cy="63202"/>
             </a:xfrm>
             <a:custGeom>
@@ -23537,7 +23537,7 @@
           </p:nvSpPr>
           <p:spPr>
             <a:xfrm>
-              <a:off x="4873583" y="5981814"/>
+              <a:off x="4967943" y="5982003"/>
               <a:ext cx="63202" cy="63202"/>
             </a:xfrm>
             <a:custGeom>
@@ -23580,7 +23580,7 @@
           </p:nvSpPr>
           <p:spPr>
             <a:xfrm>
-              <a:off x="5540459" y="6613344"/>
+              <a:off x="5384814" y="6613352"/>
               <a:ext cx="63202" cy="63202"/>
             </a:xfrm>
             <a:custGeom>
@@ -23623,7 +23623,7 @@
           </p:nvSpPr>
           <p:spPr>
             <a:xfrm>
-              <a:off x="4962597" y="5971942"/>
+              <a:off x="4862945" y="5971982"/>
               <a:ext cx="63202" cy="63202"/>
             </a:xfrm>
             <a:custGeom>
@@ -23666,7 +23666,7 @@
           </p:nvSpPr>
           <p:spPr>
             <a:xfrm>
-              <a:off x="5103727" y="5993876"/>
+              <a:off x="4636328" y="5993970"/>
               <a:ext cx="63202" cy="63202"/>
             </a:xfrm>
             <a:custGeom>
@@ -23709,7 +23709,7 @@
           </p:nvSpPr>
           <p:spPr>
             <a:xfrm>
-              <a:off x="4635030" y="5982365"/>
+              <a:off x="4990839" y="5982289"/>
               <a:ext cx="63202" cy="63202"/>
             </a:xfrm>
             <a:custGeom>
@@ -23752,7 +23752,7 @@
           </p:nvSpPr>
           <p:spPr>
             <a:xfrm>
-              <a:off x="4661044" y="5994767"/>
+              <a:off x="4807240" y="5994827"/>
               <a:ext cx="63202" cy="63202"/>
             </a:xfrm>
             <a:custGeom>
@@ -23795,7 +23795,7 @@
           </p:nvSpPr>
           <p:spPr>
             <a:xfrm>
-              <a:off x="4980967" y="6002498"/>
+              <a:off x="5097684" y="6002624"/>
               <a:ext cx="63202" cy="63202"/>
             </a:xfrm>
             <a:custGeom>
@@ -23838,7 +23838,7 @@
           </p:nvSpPr>
           <p:spPr>
             <a:xfrm>
-              <a:off x="4599752" y="5975127"/>
+              <a:off x="4538417" y="5975270"/>
               <a:ext cx="63202" cy="63202"/>
             </a:xfrm>
             <a:custGeom>
@@ -23881,7 +23881,7 @@
           </p:nvSpPr>
           <p:spPr>
             <a:xfrm>
-              <a:off x="4870964" y="5981672"/>
+              <a:off x="4692715" y="5981754"/>
               <a:ext cx="63202" cy="63202"/>
             </a:xfrm>
             <a:custGeom>
@@ -23924,7 +23924,7 @@
           </p:nvSpPr>
           <p:spPr>
             <a:xfrm>
-              <a:off x="4555471" y="6248501"/>
+              <a:off x="4436747" y="6248538"/>
               <a:ext cx="63202" cy="63202"/>
             </a:xfrm>
             <a:custGeom>
@@ -23967,7 +23967,7 @@
           </p:nvSpPr>
           <p:spPr>
             <a:xfrm>
-              <a:off x="5017091" y="6002819"/>
+              <a:off x="4439898" y="6002764"/>
               <a:ext cx="63202" cy="63202"/>
             </a:xfrm>
             <a:custGeom>
@@ -24010,7 +24010,7 @@
           </p:nvSpPr>
           <p:spPr>
             <a:xfrm>
-              <a:off x="4832492" y="6001991"/>
+              <a:off x="4486790" y="6002048"/>
               <a:ext cx="63202" cy="63202"/>
             </a:xfrm>
             <a:custGeom>
@@ -24053,7 +24053,7 @@
           </p:nvSpPr>
           <p:spPr>
             <a:xfrm>
-              <a:off x="4452296" y="6001238"/>
+              <a:off x="4837648" y="6001268"/>
               <a:ext cx="63202" cy="63202"/>
             </a:xfrm>
             <a:custGeom>
@@ -24096,7 +24096,7 @@
           </p:nvSpPr>
           <p:spPr>
             <a:xfrm>
-              <a:off x="4792599" y="6026515"/>
+              <a:off x="4695821" y="6026609"/>
               <a:ext cx="63202" cy="63202"/>
             </a:xfrm>
             <a:custGeom>
@@ -24139,7 +24139,7 @@
           </p:nvSpPr>
           <p:spPr>
             <a:xfrm>
-              <a:off x="4819437" y="6032066"/>
+              <a:off x="4523652" y="6032197"/>
               <a:ext cx="63202" cy="63202"/>
             </a:xfrm>
             <a:custGeom>
@@ -24182,7 +24182,7 @@
           </p:nvSpPr>
           <p:spPr>
             <a:xfrm>
-              <a:off x="4930905" y="5972363"/>
+              <a:off x="4530884" y="5972461"/>
               <a:ext cx="63202" cy="63202"/>
             </a:xfrm>
             <a:custGeom>
@@ -24225,7 +24225,7 @@
           </p:nvSpPr>
           <p:spPr>
             <a:xfrm>
-              <a:off x="4603585" y="6002255"/>
+              <a:off x="4836740" y="6002373"/>
               <a:ext cx="63202" cy="63202"/>
             </a:xfrm>
             <a:custGeom>
@@ -24268,7 +24268,7 @@
           </p:nvSpPr>
           <p:spPr>
             <a:xfrm>
-              <a:off x="4999731" y="6002411"/>
+              <a:off x="4453954" y="6002473"/>
               <a:ext cx="63202" cy="63202"/>
             </a:xfrm>
             <a:custGeom>
@@ -24311,7 +24311,7 @@
           </p:nvSpPr>
           <p:spPr>
             <a:xfrm>
-              <a:off x="4890700" y="5984583"/>
+              <a:off x="4645542" y="5984690"/>
               <a:ext cx="63202" cy="63202"/>
             </a:xfrm>
             <a:custGeom>
@@ -24354,7 +24354,7 @@
           </p:nvSpPr>
           <p:spPr>
             <a:xfrm>
-              <a:off x="4961754" y="5994915"/>
+              <a:off x="5072286" y="5995106"/>
               <a:ext cx="63202" cy="63202"/>
             </a:xfrm>
             <a:custGeom>
@@ -24397,7 +24397,7 @@
           </p:nvSpPr>
           <p:spPr>
             <a:xfrm>
-              <a:off x="4873382" y="5982385"/>
+              <a:off x="4779856" y="5982449"/>
               <a:ext cx="63202" cy="63202"/>
             </a:xfrm>
             <a:custGeom>
@@ -24440,7 +24440,7 @@
           </p:nvSpPr>
           <p:spPr>
             <a:xfrm>
-              <a:off x="4780402" y="5969836"/>
+              <a:off x="4947505" y="5970004"/>
               <a:ext cx="63202" cy="63202"/>
             </a:xfrm>
             <a:custGeom>
@@ -24483,7 +24483,7 @@
           </p:nvSpPr>
           <p:spPr>
             <a:xfrm>
-              <a:off x="4648704" y="5989709"/>
+              <a:off x="4565779" y="5989760"/>
               <a:ext cx="63202" cy="63202"/>
             </a:xfrm>
             <a:custGeom>
@@ -24526,7 +24526,7 @@
           </p:nvSpPr>
           <p:spPr>
             <a:xfrm>
-              <a:off x="4951272" y="6004496"/>
+              <a:off x="4824595" y="6004505"/>
               <a:ext cx="63202" cy="63202"/>
             </a:xfrm>
             <a:custGeom>
@@ -24569,7 +24569,7 @@
           </p:nvSpPr>
           <p:spPr>
             <a:xfrm>
-              <a:off x="4554474" y="6226810"/>
+              <a:off x="4430307" y="6226834"/>
               <a:ext cx="63202" cy="63202"/>
             </a:xfrm>
             <a:custGeom>
@@ -24612,7 +24612,7 @@
           </p:nvSpPr>
           <p:spPr>
             <a:xfrm>
-              <a:off x="4839696" y="6051139"/>
+              <a:off x="5111680" y="6051153"/>
               <a:ext cx="63202" cy="63202"/>
             </a:xfrm>
             <a:custGeom>
@@ -24655,7 +24655,7 @@
           </p:nvSpPr>
           <p:spPr>
             <a:xfrm>
-              <a:off x="5126951" y="6000893"/>
+              <a:off x="5084782" y="6000905"/>
               <a:ext cx="63202" cy="63202"/>
             </a:xfrm>
             <a:custGeom>
@@ -24698,7 +24698,7 @@
           </p:nvSpPr>
           <p:spPr>
             <a:xfrm>
-              <a:off x="5090363" y="6034579"/>
+              <a:off x="4528949" y="6034744"/>
               <a:ext cx="63202" cy="63202"/>
             </a:xfrm>
             <a:custGeom>
@@ -24741,7 +24741,7 @@
           </p:nvSpPr>
           <p:spPr>
             <a:xfrm>
-              <a:off x="5119169" y="5966337"/>
+              <a:off x="4730210" y="5966260"/>
               <a:ext cx="63202" cy="63202"/>
             </a:xfrm>
             <a:custGeom>
@@ -24784,7 +24784,7 @@
           </p:nvSpPr>
           <p:spPr>
             <a:xfrm>
-              <a:off x="4465674" y="5969786"/>
+              <a:off x="4986156" y="5969918"/>
               <a:ext cx="63202" cy="63202"/>
             </a:xfrm>
             <a:custGeom>
@@ -24827,7 +24827,7 @@
           </p:nvSpPr>
           <p:spPr>
             <a:xfrm>
-              <a:off x="4476686" y="6276940"/>
+              <a:off x="4978517" y="6277042"/>
               <a:ext cx="63202" cy="63202"/>
             </a:xfrm>
             <a:custGeom>
@@ -24870,7 +24870,7 @@
           </p:nvSpPr>
           <p:spPr>
             <a:xfrm>
-              <a:off x="4551216" y="5981104"/>
+              <a:off x="4898811" y="5981187"/>
               <a:ext cx="63202" cy="63202"/>
             </a:xfrm>
             <a:custGeom>
@@ -24913,7 +24913,7 @@
           </p:nvSpPr>
           <p:spPr>
             <a:xfrm>
-              <a:off x="4513760" y="6124043"/>
+              <a:off x="5069573" y="6124105"/>
               <a:ext cx="63202" cy="63202"/>
             </a:xfrm>
             <a:custGeom>
@@ -24956,7 +24956,7 @@
           </p:nvSpPr>
           <p:spPr>
             <a:xfrm>
-              <a:off x="4588692" y="5991942"/>
+              <a:off x="4662461" y="5992088"/>
               <a:ext cx="63202" cy="63202"/>
             </a:xfrm>
             <a:custGeom>
@@ -24999,7 +24999,7 @@
           </p:nvSpPr>
           <p:spPr>
             <a:xfrm>
-              <a:off x="4636369" y="5996387"/>
+              <a:off x="4998364" y="5996541"/>
               <a:ext cx="63202" cy="63202"/>
             </a:xfrm>
             <a:custGeom>
@@ -25042,7 +25042,7 @@
           </p:nvSpPr>
           <p:spPr>
             <a:xfrm>
-              <a:off x="4779465" y="5989108"/>
+              <a:off x="4498873" y="5989127"/>
               <a:ext cx="63202" cy="63202"/>
             </a:xfrm>
             <a:custGeom>
@@ -25085,7 +25085,7 @@
           </p:nvSpPr>
           <p:spPr>
             <a:xfrm>
-              <a:off x="4631762" y="5982496"/>
+              <a:off x="4829668" y="5982604"/>
               <a:ext cx="63202" cy="63202"/>
             </a:xfrm>
             <a:custGeom>
@@ -25128,7 +25128,7 @@
           </p:nvSpPr>
           <p:spPr>
             <a:xfrm>
-              <a:off x="4481907" y="5998354"/>
+              <a:off x="4878164" y="5998340"/>
               <a:ext cx="63202" cy="63202"/>
             </a:xfrm>
             <a:custGeom>
@@ -25171,7 +25171,7 @@
           </p:nvSpPr>
           <p:spPr>
             <a:xfrm>
-              <a:off x="5043580" y="5981021"/>
+              <a:off x="4623718" y="5981150"/>
               <a:ext cx="63202" cy="63202"/>
             </a:xfrm>
             <a:custGeom>
@@ -25214,7 +25214,7 @@
           </p:nvSpPr>
           <p:spPr>
             <a:xfrm>
-              <a:off x="4977383" y="6000571"/>
+              <a:off x="5085025" y="6000793"/>
               <a:ext cx="63202" cy="63202"/>
             </a:xfrm>
             <a:custGeom>
@@ -25257,7 +25257,7 @@
           </p:nvSpPr>
           <p:spPr>
             <a:xfrm>
-              <a:off x="4563615" y="6005637"/>
+              <a:off x="4738916" y="6005859"/>
               <a:ext cx="63202" cy="63202"/>
             </a:xfrm>
             <a:custGeom>
@@ -25300,7 +25300,7 @@
           </p:nvSpPr>
           <p:spPr>
             <a:xfrm>
-              <a:off x="6860000" y="6757395"/>
+              <a:off x="6251038" y="6757411"/>
               <a:ext cx="63202" cy="63202"/>
             </a:xfrm>
             <a:custGeom>
@@ -25343,7 +25343,7 @@
           </p:nvSpPr>
           <p:spPr>
             <a:xfrm>
-              <a:off x="4855190" y="5973233"/>
+              <a:off x="4961306" y="5973231"/>
               <a:ext cx="63202" cy="63202"/>
             </a:xfrm>
             <a:custGeom>
@@ -25386,7 +25386,7 @@
           </p:nvSpPr>
           <p:spPr>
             <a:xfrm>
-              <a:off x="5318706" y="6596232"/>
+              <a:off x="5439206" y="6596354"/>
               <a:ext cx="63202" cy="63202"/>
             </a:xfrm>
             <a:custGeom>
@@ -25429,7 +25429,7 @@
           </p:nvSpPr>
           <p:spPr>
             <a:xfrm>
-              <a:off x="4675482" y="5973922"/>
+              <a:off x="5051435" y="5973937"/>
               <a:ext cx="63202" cy="63202"/>
             </a:xfrm>
             <a:custGeom>
@@ -25472,7 +25472,7 @@
           </p:nvSpPr>
           <p:spPr>
             <a:xfrm>
-              <a:off x="4475708" y="6253501"/>
+              <a:off x="4449387" y="6253635"/>
               <a:ext cx="63202" cy="63202"/>
             </a:xfrm>
             <a:custGeom>
@@ -25515,7 +25515,7 @@
           </p:nvSpPr>
           <p:spPr>
             <a:xfrm>
-              <a:off x="4986114" y="5988467"/>
+              <a:off x="4499337" y="5988569"/>
               <a:ext cx="63202" cy="63202"/>
             </a:xfrm>
             <a:custGeom>
@@ -25558,7 +25558,7 @@
           </p:nvSpPr>
           <p:spPr>
             <a:xfrm>
-              <a:off x="4683048" y="6062092"/>
+              <a:off x="4990026" y="6062065"/>
               <a:ext cx="63202" cy="63202"/>
             </a:xfrm>
             <a:custGeom>
@@ -25601,7 +25601,7 @@
           </p:nvSpPr>
           <p:spPr>
             <a:xfrm>
-              <a:off x="5131406" y="5988411"/>
+              <a:off x="4976575" y="5988526"/>
               <a:ext cx="63202" cy="63202"/>
             </a:xfrm>
             <a:custGeom>
@@ -25644,7 +25644,7 @@
           </p:nvSpPr>
           <p:spPr>
             <a:xfrm>
-              <a:off x="5105842" y="5991752"/>
+              <a:off x="4649837" y="5991944"/>
               <a:ext cx="63202" cy="63202"/>
             </a:xfrm>
             <a:custGeom>
@@ -25687,7 +25687,7 @@
           </p:nvSpPr>
           <p:spPr>
             <a:xfrm>
-              <a:off x="4854070" y="6017662"/>
+              <a:off x="4934487" y="6017748"/>
               <a:ext cx="63202" cy="63202"/>
             </a:xfrm>
             <a:custGeom>
@@ -25730,7 +25730,7 @@
           </p:nvSpPr>
           <p:spPr>
             <a:xfrm>
-              <a:off x="4977687" y="5997988"/>
+              <a:off x="4553172" y="5997951"/>
               <a:ext cx="63202" cy="63202"/>
             </a:xfrm>
             <a:custGeom>
@@ -25773,7 +25773,7 @@
           </p:nvSpPr>
           <p:spPr>
             <a:xfrm>
-              <a:off x="4595517" y="5983749"/>
+              <a:off x="4549495" y="5983825"/>
               <a:ext cx="63202" cy="63202"/>
             </a:xfrm>
             <a:custGeom>
@@ -25816,7 +25816,7 @@
           </p:nvSpPr>
           <p:spPr>
             <a:xfrm>
-              <a:off x="4709357" y="5984885"/>
+              <a:off x="4853614" y="5984829"/>
               <a:ext cx="63202" cy="63202"/>
             </a:xfrm>
             <a:custGeom>
@@ -25859,7 +25859,7 @@
           </p:nvSpPr>
           <p:spPr>
             <a:xfrm>
-              <a:off x="4925457" y="6144101"/>
+              <a:off x="4954696" y="6144071"/>
               <a:ext cx="63202" cy="63202"/>
             </a:xfrm>
             <a:custGeom>
@@ -25902,7 +25902,7 @@
           </p:nvSpPr>
           <p:spPr>
             <a:xfrm>
-              <a:off x="4895599" y="5974690"/>
+              <a:off x="4654872" y="5974709"/>
               <a:ext cx="63202" cy="63202"/>
             </a:xfrm>
             <a:custGeom>
@@ -25945,7 +25945,7 @@
           </p:nvSpPr>
           <p:spPr>
             <a:xfrm>
-              <a:off x="4695318" y="5979281"/>
+              <a:off x="4528442" y="5979393"/>
               <a:ext cx="63202" cy="63202"/>
             </a:xfrm>
             <a:custGeom>
@@ -25988,7 +25988,7 @@
           </p:nvSpPr>
           <p:spPr>
             <a:xfrm>
-              <a:off x="4784566" y="6001836"/>
+              <a:off x="4796041" y="6001928"/>
               <a:ext cx="63202" cy="63202"/>
             </a:xfrm>
             <a:custGeom>
@@ -26031,7 +26031,7 @@
           </p:nvSpPr>
           <p:spPr>
             <a:xfrm>
-              <a:off x="4829635" y="5980585"/>
+              <a:off x="4587256" y="5980684"/>
               <a:ext cx="63202" cy="63202"/>
             </a:xfrm>
             <a:custGeom>
@@ -26074,7 +26074,7 @@
           </p:nvSpPr>
           <p:spPr>
             <a:xfrm>
-              <a:off x="5009413" y="5981859"/>
+              <a:off x="5024607" y="5981947"/>
               <a:ext cx="63202" cy="63202"/>
             </a:xfrm>
             <a:custGeom>
@@ -26117,7 +26117,7 @@
           </p:nvSpPr>
           <p:spPr>
             <a:xfrm>
-              <a:off x="4566231" y="5977817"/>
+              <a:off x="4623027" y="5977941"/>
               <a:ext cx="63202" cy="63202"/>
             </a:xfrm>
             <a:custGeom>
@@ -26160,7 +26160,7 @@
           </p:nvSpPr>
           <p:spPr>
             <a:xfrm>
-              <a:off x="5456736" y="6443184"/>
+              <a:off x="5642069" y="6443138"/>
               <a:ext cx="63202" cy="63202"/>
             </a:xfrm>
             <a:custGeom>
@@ -26203,7 +26203,7 @@
           </p:nvSpPr>
           <p:spPr>
             <a:xfrm>
-              <a:off x="4691443" y="6034156"/>
+              <a:off x="4944831" y="6034198"/>
               <a:ext cx="63202" cy="63202"/>
             </a:xfrm>
             <a:custGeom>
@@ -26246,7 +26246,7 @@
           </p:nvSpPr>
           <p:spPr>
             <a:xfrm>
-              <a:off x="4883662" y="6002594"/>
+              <a:off x="4595296" y="6002581"/>
               <a:ext cx="63202" cy="63202"/>
             </a:xfrm>
             <a:custGeom>
@@ -26289,7 +26289,7 @@
           </p:nvSpPr>
           <p:spPr>
             <a:xfrm>
-              <a:off x="4886548" y="5982379"/>
+              <a:off x="4827909" y="5982445"/>
               <a:ext cx="63202" cy="63202"/>
             </a:xfrm>
             <a:custGeom>
@@ -26332,7 +26332,7 @@
           </p:nvSpPr>
           <p:spPr>
             <a:xfrm>
-              <a:off x="5039864" y="5986158"/>
+              <a:off x="4932086" y="5986214"/>
               <a:ext cx="63202" cy="63202"/>
             </a:xfrm>
             <a:custGeom>
@@ -26375,7 +26375,7 @@
           </p:nvSpPr>
           <p:spPr>
             <a:xfrm>
-              <a:off x="5012955" y="5968600"/>
+              <a:off x="4444311" y="5968620"/>
               <a:ext cx="63202" cy="63202"/>
             </a:xfrm>
             <a:custGeom>
@@ -26418,7 +26418,7 @@
           </p:nvSpPr>
           <p:spPr>
             <a:xfrm>
-              <a:off x="4971421" y="5981596"/>
+              <a:off x="4793293" y="5981773"/>
               <a:ext cx="63202" cy="63202"/>
             </a:xfrm>
             <a:custGeom>
@@ -26461,7 +26461,7 @@
           </p:nvSpPr>
           <p:spPr>
             <a:xfrm>
-              <a:off x="4472540" y="5981730"/>
+              <a:off x="4915027" y="5981762"/>
               <a:ext cx="63202" cy="63202"/>
             </a:xfrm>
             <a:custGeom>
@@ -26504,7 +26504,7 @@
           </p:nvSpPr>
           <p:spPr>
             <a:xfrm>
-              <a:off x="4559806" y="5982363"/>
+              <a:off x="4638853" y="5982289"/>
               <a:ext cx="63202" cy="63202"/>
             </a:xfrm>
             <a:custGeom>
@@ -26547,7 +26547,7 @@
           </p:nvSpPr>
           <p:spPr>
             <a:xfrm>
-              <a:off x="4438362" y="6036736"/>
+              <a:off x="4600919" y="6036728"/>
               <a:ext cx="63202" cy="63202"/>
             </a:xfrm>
             <a:custGeom>
@@ -26590,7 +26590,7 @@
           </p:nvSpPr>
           <p:spPr>
             <a:xfrm>
-              <a:off x="4458255" y="6036736"/>
+              <a:off x="4501613" y="6036834"/>
               <a:ext cx="63202" cy="63202"/>
             </a:xfrm>
             <a:custGeom>
@@ -26633,7 +26633,7 @@
           </p:nvSpPr>
           <p:spPr>
             <a:xfrm>
-              <a:off x="4572137" y="5988580"/>
+              <a:off x="4525843" y="5988623"/>
               <a:ext cx="63202" cy="63202"/>
             </a:xfrm>
             <a:custGeom>
@@ -26676,7 +26676,7 @@
           </p:nvSpPr>
           <p:spPr>
             <a:xfrm>
-              <a:off x="4956610" y="5979780"/>
+              <a:off x="5019255" y="5979886"/>
               <a:ext cx="63202" cy="63202"/>
             </a:xfrm>
             <a:custGeom>
@@ -26719,7 +26719,7 @@
           </p:nvSpPr>
           <p:spPr>
             <a:xfrm>
-              <a:off x="5673068" y="6405187"/>
+              <a:off x="5887826" y="6405229"/>
               <a:ext cx="63202" cy="63202"/>
             </a:xfrm>
             <a:custGeom>
@@ -26762,7 +26762,7 @@
           </p:nvSpPr>
           <p:spPr>
             <a:xfrm>
-              <a:off x="4939238" y="6000427"/>
+              <a:off x="4754633" y="6000425"/>
               <a:ext cx="63202" cy="63202"/>
             </a:xfrm>
             <a:custGeom>
@@ -26805,7 +26805,7 @@
           </p:nvSpPr>
           <p:spPr>
             <a:xfrm>
-              <a:off x="4856391" y="5976254"/>
+              <a:off x="4949882" y="5976238"/>
               <a:ext cx="63202" cy="63202"/>
             </a:xfrm>
             <a:custGeom>
@@ -26848,7 +26848,7 @@
           </p:nvSpPr>
           <p:spPr>
             <a:xfrm>
-              <a:off x="5071681" y="5970500"/>
+              <a:off x="5064343" y="5970525"/>
               <a:ext cx="63202" cy="63202"/>
             </a:xfrm>
             <a:custGeom>
@@ -26891,7 +26891,7 @@
           </p:nvSpPr>
           <p:spPr>
             <a:xfrm>
-              <a:off x="5112270" y="6018087"/>
+              <a:off x="5013073" y="6018239"/>
               <a:ext cx="63202" cy="63202"/>
             </a:xfrm>
             <a:custGeom>
@@ -26934,7 +26934,7 @@
           </p:nvSpPr>
           <p:spPr>
             <a:xfrm>
-              <a:off x="5060752" y="5998961"/>
+              <a:off x="5086365" y="5998991"/>
               <a:ext cx="63202" cy="63202"/>
             </a:xfrm>
             <a:custGeom>
@@ -26977,7 +26977,7 @@
           </p:nvSpPr>
           <p:spPr>
             <a:xfrm>
-              <a:off x="4470624" y="5972101"/>
+              <a:off x="4866616" y="5972192"/>
               <a:ext cx="63202" cy="63202"/>
             </a:xfrm>
             <a:custGeom>
@@ -27020,7 +27020,7 @@
           </p:nvSpPr>
           <p:spPr>
             <a:xfrm>
-              <a:off x="4840822" y="5972382"/>
+              <a:off x="4502266" y="5972403"/>
               <a:ext cx="63202" cy="63202"/>
             </a:xfrm>
             <a:custGeom>
@@ -27063,7 +27063,7 @@
           </p:nvSpPr>
           <p:spPr>
             <a:xfrm>
-              <a:off x="4878638" y="5969596"/>
+              <a:off x="4596943" y="5969670"/>
               <a:ext cx="63202" cy="63202"/>
             </a:xfrm>
             <a:custGeom>
@@ -27106,7 +27106,7 @@
           </p:nvSpPr>
           <p:spPr>
             <a:xfrm>
-              <a:off x="4523264" y="5970493"/>
+              <a:off x="4986223" y="5970622"/>
               <a:ext cx="63202" cy="63202"/>
             </a:xfrm>
             <a:custGeom>
@@ -27149,7 +27149,7 @@
           </p:nvSpPr>
           <p:spPr>
             <a:xfrm>
-              <a:off x="4526051" y="5968353"/>
+              <a:off x="4865720" y="5968457"/>
               <a:ext cx="63202" cy="63202"/>
             </a:xfrm>
             <a:custGeom>
@@ -27192,7 +27192,7 @@
           </p:nvSpPr>
           <p:spPr>
             <a:xfrm>
-              <a:off x="4528080" y="6017086"/>
+              <a:off x="4832421" y="6017146"/>
               <a:ext cx="63202" cy="63202"/>
             </a:xfrm>
             <a:custGeom>
@@ -27235,7 +27235,7 @@
           </p:nvSpPr>
           <p:spPr>
             <a:xfrm>
-              <a:off x="4696690" y="6043281"/>
+              <a:off x="5057091" y="6043334"/>
               <a:ext cx="63202" cy="63202"/>
             </a:xfrm>
             <a:custGeom>
@@ -27278,7 +27278,7 @@
           </p:nvSpPr>
           <p:spPr>
             <a:xfrm>
-              <a:off x="4737764" y="5978061"/>
+              <a:off x="4797219" y="5978119"/>
               <a:ext cx="63202" cy="63202"/>
             </a:xfrm>
             <a:custGeom>
@@ -27321,7 +27321,7 @@
           </p:nvSpPr>
           <p:spPr>
             <a:xfrm>
-              <a:off x="4999613" y="5979409"/>
+              <a:off x="4520859" y="5979371"/>
               <a:ext cx="63202" cy="63202"/>
             </a:xfrm>
             <a:custGeom>
@@ -27364,7 +27364,7 @@
           </p:nvSpPr>
           <p:spPr>
             <a:xfrm>
-              <a:off x="4697257" y="5986267"/>
+              <a:off x="4485774" y="5986340"/>
               <a:ext cx="63202" cy="63202"/>
             </a:xfrm>
             <a:custGeom>
@@ -27407,7 +27407,7 @@
           </p:nvSpPr>
           <p:spPr>
             <a:xfrm>
-              <a:off x="4961586" y="5972600"/>
+              <a:off x="4572931" y="5972601"/>
               <a:ext cx="63202" cy="63202"/>
             </a:xfrm>
             <a:custGeom>
@@ -27450,7 +27450,7 @@
           </p:nvSpPr>
           <p:spPr>
             <a:xfrm>
-              <a:off x="4944378" y="5967377"/>
+              <a:off x="4942593" y="5967384"/>
               <a:ext cx="63202" cy="63202"/>
             </a:xfrm>
             <a:custGeom>
@@ -27493,7 +27493,7 @@
           </p:nvSpPr>
           <p:spPr>
             <a:xfrm>
-              <a:off x="4768191" y="5974018"/>
+              <a:off x="4816636" y="5974193"/>
               <a:ext cx="63202" cy="63202"/>
             </a:xfrm>
             <a:custGeom>
@@ -27536,7 +27536,7 @@
           </p:nvSpPr>
           <p:spPr>
             <a:xfrm>
-              <a:off x="4456260" y="5986131"/>
+              <a:off x="5106125" y="5986094"/>
               <a:ext cx="63202" cy="63202"/>
             </a:xfrm>
             <a:custGeom>
@@ -27579,7 +27579,7 @@
           </p:nvSpPr>
           <p:spPr>
             <a:xfrm>
-              <a:off x="4586908" y="5979585"/>
+              <a:off x="4467349" y="5979598"/>
               <a:ext cx="63202" cy="63202"/>
             </a:xfrm>
             <a:custGeom>
@@ -27622,7 +27622,7 @@
           </p:nvSpPr>
           <p:spPr>
             <a:xfrm>
-              <a:off x="4914599" y="5983226"/>
+              <a:off x="4720163" y="5983194"/>
               <a:ext cx="63202" cy="63202"/>
             </a:xfrm>
             <a:custGeom>
@@ -27665,7 +27665,7 @@
           </p:nvSpPr>
           <p:spPr>
             <a:xfrm>
-              <a:off x="4601510" y="5976195"/>
+              <a:off x="4487176" y="5976176"/>
               <a:ext cx="63202" cy="63202"/>
             </a:xfrm>
             <a:custGeom>
@@ -27708,7 +27708,7 @@
           </p:nvSpPr>
           <p:spPr>
             <a:xfrm>
-              <a:off x="4549446" y="5979140"/>
+              <a:off x="4924773" y="5979261"/>
               <a:ext cx="63202" cy="63202"/>
             </a:xfrm>
             <a:custGeom>
@@ -27751,7 +27751,7 @@
           </p:nvSpPr>
           <p:spPr>
             <a:xfrm>
-              <a:off x="4491386" y="5986698"/>
+              <a:off x="4437920" y="5986872"/>
               <a:ext cx="63202" cy="63202"/>
             </a:xfrm>
             <a:custGeom>
@@ -27794,7 +27794,7 @@
           </p:nvSpPr>
           <p:spPr>
             <a:xfrm>
-              <a:off x="5421081" y="6564561"/>
+              <a:off x="5820000" y="6564727"/>
               <a:ext cx="63202" cy="63202"/>
             </a:xfrm>
             <a:custGeom>
@@ -27837,7 +27837,7 @@
           </p:nvSpPr>
           <p:spPr>
             <a:xfrm>
-              <a:off x="4610139" y="5987398"/>
+              <a:off x="4523061" y="5987464"/>
               <a:ext cx="63202" cy="63202"/>
             </a:xfrm>
             <a:custGeom>
@@ -27880,7 +27880,7 @@
           </p:nvSpPr>
           <p:spPr>
             <a:xfrm>
-              <a:off x="4505155" y="6019843"/>
+              <a:off x="4946561" y="6019957"/>
               <a:ext cx="63202" cy="63202"/>
             </a:xfrm>
             <a:custGeom>
@@ -27923,7 +27923,7 @@
           </p:nvSpPr>
           <p:spPr>
             <a:xfrm>
-              <a:off x="4526969" y="5983110"/>
+              <a:off x="4846878" y="5983149"/>
               <a:ext cx="63202" cy="63202"/>
             </a:xfrm>
             <a:custGeom>
@@ -27966,7 +27966,7 @@
           </p:nvSpPr>
           <p:spPr>
             <a:xfrm>
-              <a:off x="4938180" y="6007671"/>
+              <a:off x="4681034" y="6007640"/>
               <a:ext cx="63202" cy="63202"/>
             </a:xfrm>
             <a:custGeom>
@@ -28009,7 +28009,7 @@
           </p:nvSpPr>
           <p:spPr>
             <a:xfrm>
-              <a:off x="4555879" y="6002888"/>
+              <a:off x="4593578" y="6003068"/>
               <a:ext cx="63202" cy="63202"/>
             </a:xfrm>
             <a:custGeom>
@@ -28052,7 +28052,7 @@
           </p:nvSpPr>
           <p:spPr>
             <a:xfrm>
-              <a:off x="6586423" y="6474555"/>
+              <a:off x="6279497" y="6474536"/>
               <a:ext cx="63202" cy="63202"/>
             </a:xfrm>
             <a:custGeom>
@@ -28095,7 +28095,7 @@
           </p:nvSpPr>
           <p:spPr>
             <a:xfrm>
-              <a:off x="4813096" y="5981431"/>
+              <a:off x="4446792" y="5981588"/>
               <a:ext cx="63202" cy="63202"/>
             </a:xfrm>
             <a:custGeom>
@@ -28138,7 +28138,7 @@
           </p:nvSpPr>
           <p:spPr>
             <a:xfrm>
-              <a:off x="4908930" y="5990026"/>
+              <a:off x="4655262" y="5990195"/>
               <a:ext cx="63202" cy="63202"/>
             </a:xfrm>
             <a:custGeom>
@@ -28181,7 +28181,7 @@
           </p:nvSpPr>
           <p:spPr>
             <a:xfrm>
-              <a:off x="4862550" y="6212749"/>
+              <a:off x="4595276" y="6212932"/>
               <a:ext cx="63202" cy="63202"/>
             </a:xfrm>
             <a:custGeom>
@@ -28224,7 +28224,7 @@
           </p:nvSpPr>
           <p:spPr>
             <a:xfrm>
-              <a:off x="5042361" y="5977025"/>
+              <a:off x="4950284" y="5977082"/>
               <a:ext cx="63202" cy="63202"/>
             </a:xfrm>
             <a:custGeom>
@@ -28267,7 +28267,7 @@
           </p:nvSpPr>
           <p:spPr>
             <a:xfrm>
-              <a:off x="4560348" y="6008689"/>
+              <a:off x="5089412" y="6008683"/>
               <a:ext cx="63202" cy="63202"/>
             </a:xfrm>
             <a:custGeom>
@@ -28310,7 +28310,7 @@
           </p:nvSpPr>
           <p:spPr>
             <a:xfrm>
-              <a:off x="4820439" y="5985955"/>
+              <a:off x="4462153" y="5985981"/>
               <a:ext cx="63202" cy="63202"/>
             </a:xfrm>
             <a:custGeom>
@@ -28353,7 +28353,7 @@
           </p:nvSpPr>
           <p:spPr>
             <a:xfrm>
-              <a:off x="4489020" y="5978137"/>
+              <a:off x="4555454" y="5978204"/>
               <a:ext cx="63202" cy="63202"/>
             </a:xfrm>
             <a:custGeom>
@@ -28396,7 +28396,7 @@
           </p:nvSpPr>
           <p:spPr>
             <a:xfrm>
-              <a:off x="4715760" y="6001419"/>
+              <a:off x="4659139" y="6001488"/>
               <a:ext cx="63202" cy="63202"/>
             </a:xfrm>
             <a:custGeom>
@@ -28439,7 +28439,7 @@
           </p:nvSpPr>
           <p:spPr>
             <a:xfrm>
-              <a:off x="4759161" y="5991172"/>
+              <a:off x="4947949" y="5991311"/>
               <a:ext cx="63202" cy="63202"/>
             </a:xfrm>
             <a:custGeom>
@@ -28482,7 +28482,7 @@
           </p:nvSpPr>
           <p:spPr>
             <a:xfrm>
-              <a:off x="4773143" y="5977482"/>
+              <a:off x="4763951" y="5977442"/>
               <a:ext cx="63202" cy="63202"/>
             </a:xfrm>
             <a:custGeom>
@@ -28525,7 +28525,7 @@
           </p:nvSpPr>
           <p:spPr>
             <a:xfrm>
-              <a:off x="4444215" y="5983197"/>
+              <a:off x="5081898" y="5983139"/>
               <a:ext cx="63202" cy="63202"/>
             </a:xfrm>
             <a:custGeom>
@@ -28568,7 +28568,7 @@
           </p:nvSpPr>
           <p:spPr>
             <a:xfrm>
-              <a:off x="4794875" y="5981592"/>
+              <a:off x="4570951" y="5981705"/>
               <a:ext cx="63202" cy="63202"/>
             </a:xfrm>
             <a:custGeom>
@@ -28611,7 +28611,7 @@
           </p:nvSpPr>
           <p:spPr>
             <a:xfrm>
-              <a:off x="4478611" y="6026835"/>
+              <a:off x="4724344" y="6026848"/>
               <a:ext cx="63202" cy="63202"/>
             </a:xfrm>
             <a:custGeom>
@@ -28654,7 +28654,7 @@
           </p:nvSpPr>
           <p:spPr>
             <a:xfrm>
-              <a:off x="4465865" y="6006602"/>
+              <a:off x="4755350" y="6006588"/>
               <a:ext cx="63202" cy="63202"/>
             </a:xfrm>
             <a:custGeom>
@@ -28697,7 +28697,7 @@
           </p:nvSpPr>
           <p:spPr>
             <a:xfrm>
-              <a:off x="4983441" y="5998131"/>
+              <a:off x="4762331" y="5998191"/>
               <a:ext cx="63202" cy="63202"/>
             </a:xfrm>
             <a:custGeom>
@@ -28740,7 +28740,7 @@
           </p:nvSpPr>
           <p:spPr>
             <a:xfrm>
-              <a:off x="5101045" y="5973913"/>
+              <a:off x="4826106" y="5974003"/>
               <a:ext cx="63202" cy="63202"/>
             </a:xfrm>
             <a:custGeom>
@@ -28783,7 +28783,7 @@
           </p:nvSpPr>
           <p:spPr>
             <a:xfrm>
-              <a:off x="4647336" y="5973844"/>
+              <a:off x="4572401" y="5973956"/>
               <a:ext cx="63202" cy="63202"/>
             </a:xfrm>
             <a:custGeom>
@@ -28826,7 +28826,7 @@
           </p:nvSpPr>
           <p:spPr>
             <a:xfrm>
-              <a:off x="4542632" y="5975763"/>
+              <a:off x="4514644" y="5975830"/>
               <a:ext cx="63202" cy="63202"/>
             </a:xfrm>
             <a:custGeom>
@@ -28869,7 +28869,7 @@
           </p:nvSpPr>
           <p:spPr>
             <a:xfrm>
-              <a:off x="4818477" y="5975359"/>
+              <a:off x="4787573" y="5975349"/>
               <a:ext cx="63202" cy="63202"/>
             </a:xfrm>
             <a:custGeom>
@@ -28912,7 +28912,7 @@
           </p:nvSpPr>
           <p:spPr>
             <a:xfrm>
-              <a:off x="4635565" y="5974528"/>
+              <a:off x="4492372" y="5974556"/>
               <a:ext cx="63202" cy="63202"/>
             </a:xfrm>
             <a:custGeom>
@@ -28955,7 +28955,7 @@
           </p:nvSpPr>
           <p:spPr>
             <a:xfrm>
-              <a:off x="5087382" y="5963243"/>
+              <a:off x="5032002" y="5963340"/>
               <a:ext cx="63202" cy="63202"/>
             </a:xfrm>
             <a:custGeom>
@@ -28998,7 +28998,7 @@
           </p:nvSpPr>
           <p:spPr>
             <a:xfrm>
-              <a:off x="4708584" y="6005734"/>
+              <a:off x="4567495" y="6005825"/>
               <a:ext cx="63202" cy="63202"/>
             </a:xfrm>
             <a:custGeom>
@@ -29041,7 +29041,7 @@
           </p:nvSpPr>
           <p:spPr>
             <a:xfrm>
-              <a:off x="4598408" y="6015795"/>
+              <a:off x="4646454" y="6015878"/>
               <a:ext cx="63202" cy="63202"/>
             </a:xfrm>
             <a:custGeom>
@@ -29084,7 +29084,7 @@
           </p:nvSpPr>
           <p:spPr>
             <a:xfrm>
-              <a:off x="4453180" y="5989475"/>
+              <a:off x="4860225" y="5989458"/>
               <a:ext cx="63202" cy="63202"/>
             </a:xfrm>
             <a:custGeom>
@@ -29127,7 +29127,7 @@
           </p:nvSpPr>
           <p:spPr>
             <a:xfrm>
-              <a:off x="4552972" y="6003621"/>
+              <a:off x="4915517" y="6003732"/>
               <a:ext cx="63202" cy="63202"/>
             </a:xfrm>
             <a:custGeom>
@@ -29170,7 +29170,7 @@
           </p:nvSpPr>
           <p:spPr>
             <a:xfrm>
-              <a:off x="4483962" y="6007360"/>
+              <a:off x="4636814" y="6007441"/>
               <a:ext cx="63202" cy="63202"/>
             </a:xfrm>
             <a:custGeom>
@@ -29213,7 +29213,7 @@
           </p:nvSpPr>
           <p:spPr>
             <a:xfrm>
-              <a:off x="4920894" y="5996516"/>
+              <a:off x="4449083" y="5996527"/>
               <a:ext cx="63202" cy="63202"/>
             </a:xfrm>
             <a:custGeom>
@@ -29256,7 +29256,7 @@
           </p:nvSpPr>
           <p:spPr>
             <a:xfrm>
-              <a:off x="5036122" y="5974705"/>
+              <a:off x="5000277" y="5974711"/>
               <a:ext cx="63202" cy="63202"/>
             </a:xfrm>
             <a:custGeom>
@@ -29299,7 +29299,7 @@
           </p:nvSpPr>
           <p:spPr>
             <a:xfrm>
-              <a:off x="4602898" y="6006982"/>
+              <a:off x="5124483" y="6007067"/>
               <a:ext cx="63202" cy="63202"/>
             </a:xfrm>
             <a:custGeom>
@@ -29342,7 +29342,7 @@
           </p:nvSpPr>
           <p:spPr>
             <a:xfrm>
-              <a:off x="5118691" y="5981611"/>
+              <a:off x="4791999" y="5981744"/>
               <a:ext cx="63202" cy="63202"/>
             </a:xfrm>
             <a:custGeom>
@@ -29385,7 +29385,7 @@
           </p:nvSpPr>
           <p:spPr>
             <a:xfrm>
-              <a:off x="4613959" y="5975775"/>
+              <a:off x="5105385" y="5975879"/>
               <a:ext cx="63202" cy="63202"/>
             </a:xfrm>
             <a:custGeom>
@@ -29428,7 +29428,7 @@
           </p:nvSpPr>
           <p:spPr>
             <a:xfrm>
-              <a:off x="4964596" y="6216615"/>
+              <a:off x="4647741" y="6216687"/>
               <a:ext cx="63202" cy="63202"/>
             </a:xfrm>
             <a:custGeom>
@@ -29471,7 +29471,7 @@
           </p:nvSpPr>
           <p:spPr>
             <a:xfrm>
-              <a:off x="4587986" y="5977297"/>
+              <a:off x="4678687" y="5977330"/>
               <a:ext cx="63202" cy="63202"/>
             </a:xfrm>
             <a:custGeom>
@@ -29514,7 +29514,7 @@
           </p:nvSpPr>
           <p:spPr>
             <a:xfrm>
-              <a:off x="4929739" y="5977262"/>
+              <a:off x="5040941" y="5977341"/>
               <a:ext cx="63202" cy="63202"/>
             </a:xfrm>
             <a:custGeom>
@@ -29557,7 +29557,7 @@
           </p:nvSpPr>
           <p:spPr>
             <a:xfrm>
-              <a:off x="4767130" y="5977203"/>
+              <a:off x="4759656" y="5977296"/>
               <a:ext cx="63202" cy="63202"/>
             </a:xfrm>
             <a:custGeom>
@@ -29600,7 +29600,7 @@
           </p:nvSpPr>
           <p:spPr>
             <a:xfrm>
-              <a:off x="4759019" y="5971903"/>
+              <a:off x="5096915" y="5972007"/>
               <a:ext cx="63202" cy="63202"/>
             </a:xfrm>
             <a:custGeom>
@@ -29643,7 +29643,7 @@
           </p:nvSpPr>
           <p:spPr>
             <a:xfrm>
-              <a:off x="4959910" y="6000805"/>
+              <a:off x="5054471" y="6000879"/>
               <a:ext cx="63202" cy="63202"/>
             </a:xfrm>
             <a:custGeom>
@@ -29686,7 +29686,7 @@
           </p:nvSpPr>
           <p:spPr>
             <a:xfrm>
-              <a:off x="4953319" y="6008885"/>
+              <a:off x="4857261" y="6008923"/>
               <a:ext cx="63202" cy="63202"/>
             </a:xfrm>
             <a:custGeom>
@@ -29729,7 +29729,7 @@
           </p:nvSpPr>
           <p:spPr>
             <a:xfrm>
-              <a:off x="4564922" y="5967588"/>
+              <a:off x="4493564" y="5967691"/>
               <a:ext cx="63202" cy="63202"/>
             </a:xfrm>
             <a:custGeom>
@@ -29772,7 +29772,7 @@
           </p:nvSpPr>
           <p:spPr>
             <a:xfrm>
-              <a:off x="4541168" y="5982773"/>
+              <a:off x="4939889" y="5982762"/>
               <a:ext cx="63202" cy="63202"/>
             </a:xfrm>
             <a:custGeom>
@@ -29815,7 +29815,7 @@
           </p:nvSpPr>
           <p:spPr>
             <a:xfrm>
-              <a:off x="4817554" y="5978639"/>
+              <a:off x="4829660" y="5978763"/>
               <a:ext cx="63202" cy="63202"/>
             </a:xfrm>
             <a:custGeom>
@@ -29858,7 +29858,7 @@
           </p:nvSpPr>
           <p:spPr>
             <a:xfrm>
-              <a:off x="4593933" y="5977086"/>
+              <a:off x="5024533" y="5977073"/>
               <a:ext cx="63202" cy="63202"/>
             </a:xfrm>
             <a:custGeom>
@@ -29901,7 +29901,7 @@
           </p:nvSpPr>
           <p:spPr>
             <a:xfrm>
-              <a:off x="4615211" y="6096349"/>
+              <a:off x="4556263" y="6096551"/>
               <a:ext cx="63202" cy="63202"/>
             </a:xfrm>
             <a:custGeom>
@@ -29944,7 +29944,7 @@
           </p:nvSpPr>
           <p:spPr>
             <a:xfrm>
-              <a:off x="4893512" y="5985247"/>
+              <a:off x="4792251" y="5985337"/>
               <a:ext cx="63202" cy="63202"/>
             </a:xfrm>
             <a:custGeom>
@@ -29987,7 +29987,7 @@
           </p:nvSpPr>
           <p:spPr>
             <a:xfrm>
-              <a:off x="4991922" y="6033540"/>
+              <a:off x="4451584" y="6033591"/>
               <a:ext cx="63202" cy="63202"/>
             </a:xfrm>
             <a:custGeom>
@@ -30030,7 +30030,7 @@
           </p:nvSpPr>
           <p:spPr>
             <a:xfrm>
-              <a:off x="4854539" y="6001349"/>
+              <a:off x="4740295" y="6001341"/>
               <a:ext cx="63202" cy="63202"/>
             </a:xfrm>
             <a:custGeom>
@@ -30073,7 +30073,7 @@
           </p:nvSpPr>
           <p:spPr>
             <a:xfrm>
-              <a:off x="4615556" y="5976133"/>
+              <a:off x="4533653" y="5976199"/>
               <a:ext cx="63202" cy="63202"/>
             </a:xfrm>
             <a:custGeom>
@@ -30116,7 +30116,7 @@
           </p:nvSpPr>
           <p:spPr>
             <a:xfrm>
-              <a:off x="4568407" y="5978470"/>
+              <a:off x="4663525" y="5978523"/>
               <a:ext cx="63202" cy="63202"/>
             </a:xfrm>
             <a:custGeom>
@@ -30159,7 +30159,7 @@
           </p:nvSpPr>
           <p:spPr>
             <a:xfrm>
-              <a:off x="4487715" y="6013546"/>
+              <a:off x="4624886" y="6013625"/>
               <a:ext cx="63202" cy="63202"/>
             </a:xfrm>
             <a:custGeom>
@@ -30202,7 +30202,7 @@
           </p:nvSpPr>
           <p:spPr>
             <a:xfrm>
-              <a:off x="4807072" y="6008456"/>
+              <a:off x="4694961" y="6008530"/>
               <a:ext cx="63202" cy="63202"/>
             </a:xfrm>
             <a:custGeom>
@@ -30245,7 +30245,7 @@
           </p:nvSpPr>
           <p:spPr>
             <a:xfrm>
-              <a:off x="4689025" y="6033732"/>
+              <a:off x="4663121" y="6033815"/>
               <a:ext cx="63202" cy="63202"/>
             </a:xfrm>
             <a:custGeom>
@@ -30288,7 +30288,7 @@
           </p:nvSpPr>
           <p:spPr>
             <a:xfrm>
-              <a:off x="4648775" y="5987109"/>
+              <a:off x="5121121" y="5987287"/>
               <a:ext cx="63202" cy="63202"/>
             </a:xfrm>
             <a:custGeom>
@@ -30331,7 +30331,7 @@
           </p:nvSpPr>
           <p:spPr>
             <a:xfrm>
-              <a:off x="4891980" y="5992177"/>
+              <a:off x="4610444" y="5992258"/>
               <a:ext cx="63202" cy="63202"/>
             </a:xfrm>
             <a:custGeom>
@@ -30374,7 +30374,7 @@
           </p:nvSpPr>
           <p:spPr>
             <a:xfrm>
-              <a:off x="4588965" y="6008244"/>
+              <a:off x="4602959" y="6008367"/>
               <a:ext cx="63202" cy="63202"/>
             </a:xfrm>
             <a:custGeom>
@@ -30417,7 +30417,7 @@
           </p:nvSpPr>
           <p:spPr>
             <a:xfrm>
-              <a:off x="4599430" y="5983124"/>
+              <a:off x="4444733" y="5983234"/>
               <a:ext cx="63202" cy="63202"/>
             </a:xfrm>
             <a:custGeom>
@@ -30460,7 +30460,7 @@
           </p:nvSpPr>
           <p:spPr>
             <a:xfrm>
-              <a:off x="4447956" y="6002307"/>
+              <a:off x="4787771" y="6002410"/>
               <a:ext cx="63202" cy="63202"/>
             </a:xfrm>
             <a:custGeom>
@@ -30503,7 +30503,7 @@
           </p:nvSpPr>
           <p:spPr>
             <a:xfrm>
-              <a:off x="4540495" y="6008268"/>
+              <a:off x="4549419" y="6008276"/>
               <a:ext cx="63202" cy="63202"/>
             </a:xfrm>
             <a:custGeom>
@@ -30546,7 +30546,7 @@
           </p:nvSpPr>
           <p:spPr>
             <a:xfrm>
-              <a:off x="4718589" y="5979386"/>
+              <a:off x="4664704" y="5979387"/>
               <a:ext cx="63202" cy="63202"/>
             </a:xfrm>
             <a:custGeom>
@@ -30589,7 +30589,7 @@
           </p:nvSpPr>
           <p:spPr>
             <a:xfrm>
-              <a:off x="4506628" y="6086439"/>
+              <a:off x="4443600" y="6086615"/>
               <a:ext cx="63202" cy="63202"/>
             </a:xfrm>
             <a:custGeom>
@@ -30632,7 +30632,7 @@
           </p:nvSpPr>
           <p:spPr>
             <a:xfrm>
-              <a:off x="4802487" y="5999464"/>
+              <a:off x="5078394" y="5999494"/>
               <a:ext cx="63202" cy="63202"/>
             </a:xfrm>
             <a:custGeom>
@@ -30675,7 +30675,7 @@
           </p:nvSpPr>
           <p:spPr>
             <a:xfrm>
-              <a:off x="5064807" y="6002284"/>
+              <a:off x="4785341" y="6002389"/>
               <a:ext cx="63202" cy="63202"/>
             </a:xfrm>
             <a:custGeom>
@@ -30718,7 +30718,7 @@
           </p:nvSpPr>
           <p:spPr>
             <a:xfrm>
-              <a:off x="4784801" y="6009883"/>
+              <a:off x="4620743" y="6009999"/>
               <a:ext cx="63202" cy="63202"/>
             </a:xfrm>
             <a:custGeom>
@@ -30761,7 +30761,7 @@
           </p:nvSpPr>
           <p:spPr>
             <a:xfrm>
-              <a:off x="5120585" y="6013287"/>
+              <a:off x="4568251" y="6013448"/>
               <a:ext cx="63202" cy="63202"/>
             </a:xfrm>
             <a:custGeom>
@@ -30804,7 +30804,7 @@
           </p:nvSpPr>
           <p:spPr>
             <a:xfrm>
-              <a:off x="4436695" y="5967912"/>
+              <a:off x="5133136" y="5968073"/>
               <a:ext cx="63202" cy="63202"/>
             </a:xfrm>
             <a:custGeom>
@@ -30847,7 +30847,7 @@
           </p:nvSpPr>
           <p:spPr>
             <a:xfrm>
-              <a:off x="4853809" y="6032360"/>
+              <a:off x="4621847" y="6032321"/>
               <a:ext cx="63202" cy="63202"/>
             </a:xfrm>
             <a:custGeom>
@@ -30890,7 +30890,7 @@
           </p:nvSpPr>
           <p:spPr>
             <a:xfrm>
-              <a:off x="4682516" y="6143820"/>
+              <a:off x="4892669" y="6143988"/>
               <a:ext cx="63202" cy="63202"/>
             </a:xfrm>
             <a:custGeom>
@@ -30933,7 +30933,7 @@
           </p:nvSpPr>
           <p:spPr>
             <a:xfrm>
-              <a:off x="5009921" y="6324953"/>
+              <a:off x="4880409" y="6325105"/>
               <a:ext cx="63202" cy="63202"/>
             </a:xfrm>
             <a:custGeom>
@@ -30976,7 +30976,7 @@
           </p:nvSpPr>
           <p:spPr>
             <a:xfrm>
-              <a:off x="4633226" y="6163030"/>
+              <a:off x="5015922" y="6163085"/>
               <a:ext cx="63202" cy="63202"/>
             </a:xfrm>
             <a:custGeom>
@@ -31019,7 +31019,7 @@
           </p:nvSpPr>
           <p:spPr>
             <a:xfrm>
-              <a:off x="4501482" y="5983008"/>
+              <a:off x="4696937" y="5982951"/>
               <a:ext cx="63202" cy="63202"/>
             </a:xfrm>
             <a:custGeom>
@@ -31062,7 +31062,7 @@
           </p:nvSpPr>
           <p:spPr>
             <a:xfrm>
-              <a:off x="4993228" y="6043401"/>
+              <a:off x="4782566" y="6043590"/>
               <a:ext cx="63202" cy="63202"/>
             </a:xfrm>
             <a:custGeom>
@@ -31105,7 +31105,7 @@
           </p:nvSpPr>
           <p:spPr>
             <a:xfrm>
-              <a:off x="4460179" y="6035604"/>
+              <a:off x="5019363" y="6035758"/>
               <a:ext cx="63202" cy="63202"/>
             </a:xfrm>
             <a:custGeom>
@@ -31148,7 +31148,7 @@
           </p:nvSpPr>
           <p:spPr>
             <a:xfrm>
-              <a:off x="4692801" y="5987146"/>
+              <a:off x="4596645" y="5987295"/>
               <a:ext cx="63202" cy="63202"/>
             </a:xfrm>
             <a:custGeom>
@@ -31191,7 +31191,7 @@
           </p:nvSpPr>
           <p:spPr>
             <a:xfrm>
-              <a:off x="5019644" y="6085199"/>
+              <a:off x="4614457" y="6085328"/>
               <a:ext cx="63202" cy="63202"/>
             </a:xfrm>
             <a:custGeom>
@@ -31234,7 +31234,7 @@
           </p:nvSpPr>
           <p:spPr>
             <a:xfrm>
-              <a:off x="4460227" y="5971579"/>
+              <a:off x="4824883" y="5971544"/>
               <a:ext cx="63202" cy="63202"/>
             </a:xfrm>
             <a:custGeom>
@@ -31277,7 +31277,7 @@
           </p:nvSpPr>
           <p:spPr>
             <a:xfrm>
-              <a:off x="4847397" y="6097706"/>
+              <a:off x="4907718" y="6097650"/>
               <a:ext cx="63202" cy="63202"/>
             </a:xfrm>
             <a:custGeom>
@@ -31320,7 +31320,7 @@
           </p:nvSpPr>
           <p:spPr>
             <a:xfrm>
-              <a:off x="4471312" y="5983833"/>
+              <a:off x="4431877" y="5983851"/>
               <a:ext cx="63202" cy="63202"/>
             </a:xfrm>
             <a:custGeom>
@@ -31363,7 +31363,7 @@
           </p:nvSpPr>
           <p:spPr>
             <a:xfrm>
-              <a:off x="4594124" y="6227844"/>
+              <a:off x="4852738" y="6227941"/>
               <a:ext cx="63202" cy="63202"/>
             </a:xfrm>
             <a:custGeom>
@@ -31406,7 +31406,7 @@
           </p:nvSpPr>
           <p:spPr>
             <a:xfrm>
-              <a:off x="4502854" y="5989101"/>
+              <a:off x="4634181" y="5989182"/>
               <a:ext cx="63202" cy="63202"/>
             </a:xfrm>
             <a:custGeom>
@@ -31449,7 +31449,7 @@
           </p:nvSpPr>
           <p:spPr>
             <a:xfrm>
-              <a:off x="4920184" y="5972779"/>
+              <a:off x="4986331" y="5972960"/>
               <a:ext cx="63202" cy="63202"/>
             </a:xfrm>
             <a:custGeom>
@@ -31492,7 +31492,7 @@
           </p:nvSpPr>
           <p:spPr>
             <a:xfrm>
-              <a:off x="4564885" y="5978317"/>
+              <a:off x="4935501" y="5978336"/>
               <a:ext cx="63202" cy="63202"/>
             </a:xfrm>
             <a:custGeom>
@@ -31535,7 +31535,7 @@
           </p:nvSpPr>
           <p:spPr>
             <a:xfrm>
-              <a:off x="5060201" y="5967881"/>
+              <a:off x="4994203" y="5968064"/>
               <a:ext cx="63202" cy="63202"/>
             </a:xfrm>
             <a:custGeom>
@@ -31578,7 +31578,7 @@
           </p:nvSpPr>
           <p:spPr>
             <a:xfrm>
-              <a:off x="4460577" y="5982247"/>
+              <a:off x="4839134" y="5982416"/>
               <a:ext cx="63202" cy="63202"/>
             </a:xfrm>
             <a:custGeom>
@@ -31621,7 +31621,7 @@
           </p:nvSpPr>
           <p:spPr>
             <a:xfrm>
-              <a:off x="5053515" y="5976383"/>
+              <a:off x="4431330" y="5976479"/>
               <a:ext cx="63202" cy="63202"/>
             </a:xfrm>
             <a:custGeom>
@@ -31664,7 +31664,7 @@
           </p:nvSpPr>
           <p:spPr>
             <a:xfrm>
-              <a:off x="4769417" y="5983744"/>
+              <a:off x="4947619" y="5983925"/>
               <a:ext cx="63202" cy="63202"/>
             </a:xfrm>
             <a:custGeom>
@@ -31707,7 +31707,7 @@
           </p:nvSpPr>
           <p:spPr>
             <a:xfrm>
-              <a:off x="4506870" y="5983794"/>
+              <a:off x="5046827" y="5983796"/>
               <a:ext cx="63202" cy="63202"/>
             </a:xfrm>
             <a:custGeom>
@@ -31750,7 +31750,7 @@
           </p:nvSpPr>
           <p:spPr>
             <a:xfrm>
-              <a:off x="4953289" y="5983778"/>
+              <a:off x="4837162" y="5983838"/>
               <a:ext cx="63202" cy="63202"/>
             </a:xfrm>
             <a:custGeom>
@@ -31793,7 +31793,7 @@
           </p:nvSpPr>
           <p:spPr>
             <a:xfrm>
-              <a:off x="4666541" y="5983734"/>
+              <a:off x="4581424" y="5983887"/>
               <a:ext cx="63202" cy="63202"/>
             </a:xfrm>
             <a:custGeom>
@@ -31836,7 +31836,7 @@
           </p:nvSpPr>
           <p:spPr>
             <a:xfrm>
-              <a:off x="4456162" y="6004813"/>
+              <a:off x="4616777" y="6004976"/>
               <a:ext cx="63202" cy="63202"/>
             </a:xfrm>
             <a:custGeom>
@@ -31879,7 +31879,7 @@
           </p:nvSpPr>
           <p:spPr>
             <a:xfrm>
-              <a:off x="4629490" y="5982319"/>
+              <a:off x="4483815" y="5982316"/>
               <a:ext cx="63202" cy="63202"/>
             </a:xfrm>
             <a:custGeom>
@@ -31922,7 +31922,7 @@
           </p:nvSpPr>
           <p:spPr>
             <a:xfrm>
-              <a:off x="4940401" y="6109958"/>
+              <a:off x="4750390" y="6109947"/>
               <a:ext cx="63202" cy="63202"/>
             </a:xfrm>
             <a:custGeom>
@@ -31965,7 +31965,7 @@
           </p:nvSpPr>
           <p:spPr>
             <a:xfrm>
-              <a:off x="5605090" y="6662933"/>
+              <a:off x="5973924" y="6662886"/>
               <a:ext cx="63202" cy="63202"/>
             </a:xfrm>
             <a:custGeom>
@@ -32008,7 +32008,7 @@
           </p:nvSpPr>
           <p:spPr>
             <a:xfrm>
-              <a:off x="4584740" y="5986128"/>
+              <a:off x="4535369" y="5986226"/>
               <a:ext cx="63202" cy="63202"/>
             </a:xfrm>
             <a:custGeom>
@@ -32051,7 +32051,7 @@
           </p:nvSpPr>
           <p:spPr>
             <a:xfrm>
-              <a:off x="4669464" y="5973226"/>
+              <a:off x="4570307" y="5973244"/>
               <a:ext cx="63202" cy="63202"/>
             </a:xfrm>
             <a:custGeom>
@@ -32094,7 +32094,7 @@
           </p:nvSpPr>
           <p:spPr>
             <a:xfrm>
-              <a:off x="4795488" y="5970566"/>
+              <a:off x="4604372" y="5970483"/>
               <a:ext cx="63202" cy="63202"/>
             </a:xfrm>
             <a:custGeom>
@@ -32137,7 +32137,7 @@
           </p:nvSpPr>
           <p:spPr>
             <a:xfrm>
-              <a:off x="4599520" y="6082770"/>
+              <a:off x="4558016" y="6082736"/>
               <a:ext cx="63202" cy="63202"/>
             </a:xfrm>
             <a:custGeom>
@@ -32180,7 +32180,7 @@
           </p:nvSpPr>
           <p:spPr>
             <a:xfrm>
-              <a:off x="4716977" y="5990112"/>
+              <a:off x="5113648" y="5990240"/>
               <a:ext cx="63202" cy="63202"/>
             </a:xfrm>
             <a:custGeom>
@@ -32223,7 +32223,7 @@
           </p:nvSpPr>
           <p:spPr>
             <a:xfrm>
-              <a:off x="5027624" y="5989131"/>
+              <a:off x="4784620" y="5989124"/>
               <a:ext cx="63202" cy="63202"/>
             </a:xfrm>
             <a:custGeom>
@@ -32266,7 +32266,7 @@
           </p:nvSpPr>
           <p:spPr>
             <a:xfrm>
-              <a:off x="4555667" y="5974538"/>
+              <a:off x="5036695" y="5974582"/>
               <a:ext cx="63202" cy="63202"/>
             </a:xfrm>
             <a:custGeom>
@@ -32365,7 +32365,7 @@
           </p:nvSpPr>
           <p:spPr>
             <a:xfrm>
-              <a:off x="7171360" y="2998658"/>
+              <a:off x="7171360" y="2998691"/>
               <a:ext cx="2817450" cy="0"/>
             </a:xfrm>
             <a:custGeom>
@@ -32408,7 +32408,7 @@
           </p:nvSpPr>
           <p:spPr>
             <a:xfrm>
-              <a:off x="7171360" y="2576835"/>
+              <a:off x="7171360" y="2576886"/>
               <a:ext cx="2817450" cy="0"/>
             </a:xfrm>
             <a:custGeom>
@@ -32451,7 +32451,7 @@
           </p:nvSpPr>
           <p:spPr>
             <a:xfrm>
-              <a:off x="7171360" y="2155011"/>
+              <a:off x="7171360" y="2155081"/>
               <a:ext cx="2817450" cy="0"/>
             </a:xfrm>
             <a:custGeom>
@@ -32494,7 +32494,7 @@
           </p:nvSpPr>
           <p:spPr>
             <a:xfrm>
-              <a:off x="7171360" y="1733188"/>
+              <a:off x="7171360" y="1733275"/>
               <a:ext cx="2817450" cy="0"/>
             </a:xfrm>
             <a:custGeom>
@@ -32537,7 +32537,7 @@
           </p:nvSpPr>
           <p:spPr>
             <a:xfrm>
-              <a:off x="7171360" y="2787746"/>
+              <a:off x="7171360" y="2787788"/>
               <a:ext cx="2817450" cy="0"/>
             </a:xfrm>
             <a:custGeom>
@@ -32580,7 +32580,7 @@
           </p:nvSpPr>
           <p:spPr>
             <a:xfrm>
-              <a:off x="7171360" y="2365923"/>
+              <a:off x="7171360" y="2365983"/>
               <a:ext cx="2817450" cy="0"/>
             </a:xfrm>
             <a:custGeom>
@@ -32623,7 +32623,7 @@
           </p:nvSpPr>
           <p:spPr>
             <a:xfrm>
-              <a:off x="7171360" y="1944100"/>
+              <a:off x="7171360" y="1944178"/>
               <a:ext cx="2817450" cy="0"/>
             </a:xfrm>
             <a:custGeom>
@@ -32666,7 +32666,7 @@
           </p:nvSpPr>
           <p:spPr>
             <a:xfrm>
-              <a:off x="7171360" y="1522277"/>
+              <a:off x="7171360" y="1522373"/>
               <a:ext cx="2817450" cy="0"/>
             </a:xfrm>
             <a:custGeom>
@@ -32838,7 +32838,7 @@
           </p:nvSpPr>
           <p:spPr>
             <a:xfrm>
-              <a:off x="9404732" y="2883069"/>
+              <a:off x="9634569" y="2883078"/>
               <a:ext cx="63202" cy="63202"/>
             </a:xfrm>
             <a:custGeom>
@@ -32881,7 +32881,7 @@
           </p:nvSpPr>
           <p:spPr>
             <a:xfrm>
-              <a:off x="7853259" y="2520535"/>
+              <a:off x="7593596" y="2520539"/>
               <a:ext cx="63202" cy="63202"/>
             </a:xfrm>
             <a:custGeom>
@@ -32924,7 +32924,7 @@
           </p:nvSpPr>
           <p:spPr>
             <a:xfrm>
-              <a:off x="7939929" y="2524826"/>
+              <a:off x="7972290" y="2524751"/>
               <a:ext cx="63202" cy="63202"/>
             </a:xfrm>
             <a:custGeom>
@@ -32967,7 +32967,7 @@
           </p:nvSpPr>
           <p:spPr>
             <a:xfrm>
-              <a:off x="7418350" y="2537270"/>
+              <a:off x="7727984" y="2537334"/>
               <a:ext cx="63202" cy="63202"/>
             </a:xfrm>
             <a:custGeom>
@@ -33010,7 +33010,7 @@
           </p:nvSpPr>
           <p:spPr>
             <a:xfrm>
-              <a:off x="7749154" y="2532232"/>
+              <a:off x="7986269" y="2532126"/>
               <a:ext cx="63202" cy="63202"/>
             </a:xfrm>
             <a:custGeom>
@@ -33053,7 +33053,7 @@
           </p:nvSpPr>
           <p:spPr>
             <a:xfrm>
-              <a:off x="7662951" y="2478372"/>
+              <a:off x="7890509" y="2478379"/>
               <a:ext cx="63202" cy="63202"/>
             </a:xfrm>
             <a:custGeom>
@@ -33096,7 +33096,7 @@
           </p:nvSpPr>
           <p:spPr>
             <a:xfrm>
-              <a:off x="8264457" y="2570049"/>
+              <a:off x="8356137" y="2570162"/>
               <a:ext cx="63202" cy="63202"/>
             </a:xfrm>
             <a:custGeom>
@@ -33139,7 +33139,7 @@
           </p:nvSpPr>
           <p:spPr>
             <a:xfrm>
-              <a:off x="7753225" y="2519764"/>
+              <a:off x="7842516" y="2519714"/>
               <a:ext cx="63202" cy="63202"/>
             </a:xfrm>
             <a:custGeom>
@@ -33182,7 +33182,7 @@
           </p:nvSpPr>
           <p:spPr>
             <a:xfrm>
-              <a:off x="7952892" y="2531880"/>
+              <a:off x="7489828" y="2531999"/>
               <a:ext cx="63202" cy="63202"/>
             </a:xfrm>
             <a:custGeom>
@@ -33225,7 +33225,7 @@
           </p:nvSpPr>
           <p:spPr>
             <a:xfrm>
-              <a:off x="7821455" y="2528359"/>
+              <a:off x="7902587" y="2528461"/>
               <a:ext cx="63202" cy="63202"/>
             </a:xfrm>
             <a:custGeom>
@@ -33268,7 +33268,7 @@
           </p:nvSpPr>
           <p:spPr>
             <a:xfrm>
-              <a:off x="8420977" y="2569946"/>
+              <a:off x="8433396" y="2569889"/>
               <a:ext cx="63202" cy="63202"/>
             </a:xfrm>
             <a:custGeom>
@@ -33311,7 +33311,7 @@
           </p:nvSpPr>
           <p:spPr>
             <a:xfrm>
-              <a:off x="8680346" y="2611805"/>
+              <a:off x="8845099" y="2611972"/>
               <a:ext cx="63202" cy="63202"/>
             </a:xfrm>
             <a:custGeom>
@@ -33354,7 +33354,7 @@
           </p:nvSpPr>
           <p:spPr>
             <a:xfrm>
-              <a:off x="8812166" y="2571099"/>
+              <a:off x="8856026" y="2571211"/>
               <a:ext cx="63202" cy="63202"/>
             </a:xfrm>
             <a:custGeom>
@@ -33397,7 +33397,7 @@
           </p:nvSpPr>
           <p:spPr>
             <a:xfrm>
-              <a:off x="8505413" y="2682924"/>
+              <a:off x="8495765" y="2682920"/>
               <a:ext cx="63202" cy="63202"/>
             </a:xfrm>
             <a:custGeom>
@@ -33440,7 +33440,7 @@
           </p:nvSpPr>
           <p:spPr>
             <a:xfrm>
-              <a:off x="8287998" y="2568150"/>
+              <a:off x="8610862" y="2568357"/>
               <a:ext cx="63202" cy="63202"/>
             </a:xfrm>
             <a:custGeom>
@@ -33483,7 +33483,7 @@
           </p:nvSpPr>
           <p:spPr>
             <a:xfrm>
-              <a:off x="7862688" y="2534742"/>
+              <a:off x="7503135" y="2534797"/>
               <a:ext cx="63202" cy="63202"/>
             </a:xfrm>
             <a:custGeom>
@@ -33526,7 +33526,7 @@
           </p:nvSpPr>
           <p:spPr>
             <a:xfrm>
-              <a:off x="8819450" y="2654325"/>
+              <a:off x="8657362" y="2654403"/>
               <a:ext cx="63202" cy="63202"/>
             </a:xfrm>
             <a:custGeom>
@@ -33569,7 +33569,7 @@
           </p:nvSpPr>
           <p:spPr>
             <a:xfrm>
-              <a:off x="8559357" y="2588848"/>
+              <a:off x="8438054" y="2588866"/>
               <a:ext cx="63202" cy="63202"/>
             </a:xfrm>
             <a:custGeom>
@@ -33612,7 +33612,7 @@
           </p:nvSpPr>
           <p:spPr>
             <a:xfrm>
-              <a:off x="8388819" y="2565432"/>
+              <a:off x="8227732" y="2565564"/>
               <a:ext cx="63202" cy="63202"/>
             </a:xfrm>
             <a:custGeom>
@@ -33655,7 +33655,7 @@
           </p:nvSpPr>
           <p:spPr>
             <a:xfrm>
-              <a:off x="7761787" y="2520492"/>
+              <a:off x="7566049" y="2520529"/>
               <a:ext cx="63202" cy="63202"/>
             </a:xfrm>
             <a:custGeom>
@@ -33698,7 +33698,7 @@
           </p:nvSpPr>
           <p:spPr>
             <a:xfrm>
-              <a:off x="8560568" y="2624184"/>
+              <a:off x="8817400" y="2624178"/>
               <a:ext cx="63202" cy="63202"/>
             </a:xfrm>
             <a:custGeom>
@@ -33741,7 +33741,7 @@
           </p:nvSpPr>
           <p:spPr>
             <a:xfrm>
-              <a:off x="8533281" y="2563526"/>
+              <a:off x="8800198" y="2563598"/>
               <a:ext cx="63202" cy="63202"/>
             </a:xfrm>
             <a:custGeom>
@@ -33784,7 +33784,7 @@
           </p:nvSpPr>
           <p:spPr>
             <a:xfrm>
-              <a:off x="8306951" y="2571168"/>
+              <a:off x="8352987" y="2571244"/>
               <a:ext cx="63202" cy="63202"/>
             </a:xfrm>
             <a:custGeom>
@@ -33827,7 +33827,7 @@
           </p:nvSpPr>
           <p:spPr>
             <a:xfrm>
-              <a:off x="7708259" y="2461552"/>
+              <a:off x="7990828" y="2461635"/>
               <a:ext cx="63202" cy="63202"/>
             </a:xfrm>
             <a:custGeom>
@@ -33870,7 +33870,7 @@
           </p:nvSpPr>
           <p:spPr>
             <a:xfrm>
-              <a:off x="7916024" y="2522506"/>
+              <a:off x="7860164" y="2522497"/>
               <a:ext cx="63202" cy="63202"/>
             </a:xfrm>
             <a:custGeom>
@@ -33913,7 +33913,7 @@
           </p:nvSpPr>
           <p:spPr>
             <a:xfrm>
-              <a:off x="8665960" y="2574577"/>
+              <a:off x="8832324" y="2574577"/>
               <a:ext cx="63202" cy="63202"/>
             </a:xfrm>
             <a:custGeom>
@@ -33956,7 +33956,7 @@
           </p:nvSpPr>
           <p:spPr>
             <a:xfrm>
-              <a:off x="8442565" y="2587382"/>
+              <a:off x="8770862" y="2587465"/>
               <a:ext cx="63202" cy="63202"/>
             </a:xfrm>
             <a:custGeom>
@@ -33999,7 +33999,7 @@
           </p:nvSpPr>
           <p:spPr>
             <a:xfrm>
-              <a:off x="9699454" y="2928937"/>
+              <a:off x="9334280" y="2928873"/>
               <a:ext cx="63202" cy="63202"/>
             </a:xfrm>
             <a:custGeom>
@@ -34042,7 +34042,7 @@
           </p:nvSpPr>
           <p:spPr>
             <a:xfrm>
-              <a:off x="7347736" y="2529388"/>
+              <a:off x="7346944" y="2529479"/>
               <a:ext cx="63202" cy="63202"/>
             </a:xfrm>
             <a:custGeom>
@@ -34085,7 +34085,7 @@
           </p:nvSpPr>
           <p:spPr>
             <a:xfrm>
-              <a:off x="7570297" y="2528571"/>
+              <a:off x="7745832" y="2528540"/>
               <a:ext cx="63202" cy="63202"/>
             </a:xfrm>
             <a:custGeom>
@@ -34128,7 +34128,7 @@
           </p:nvSpPr>
           <p:spPr>
             <a:xfrm>
-              <a:off x="7966619" y="2526604"/>
+              <a:off x="7625984" y="2526715"/>
               <a:ext cx="63202" cy="63202"/>
             </a:xfrm>
             <a:custGeom>
@@ -34171,7 +34171,7 @@
           </p:nvSpPr>
           <p:spPr>
             <a:xfrm>
-              <a:off x="7408309" y="2526592"/>
+              <a:off x="7704663" y="2526648"/>
               <a:ext cx="63202" cy="63202"/>
             </a:xfrm>
             <a:custGeom>
@@ -34214,7 +34214,7 @@
           </p:nvSpPr>
           <p:spPr>
             <a:xfrm>
-              <a:off x="7845752" y="2527947"/>
+              <a:off x="7463562" y="2527973"/>
               <a:ext cx="63202" cy="63202"/>
             </a:xfrm>
             <a:custGeom>
@@ -34257,7 +34257,7 @@
           </p:nvSpPr>
           <p:spPr>
             <a:xfrm>
-              <a:off x="7536097" y="2535130"/>
+              <a:off x="7331900" y="2535137"/>
               <a:ext cx="63202" cy="63202"/>
             </a:xfrm>
             <a:custGeom>
@@ -34300,7 +34300,7 @@
           </p:nvSpPr>
           <p:spPr>
             <a:xfrm>
-              <a:off x="8312885" y="2547129"/>
+              <a:off x="8227187" y="2547169"/>
               <a:ext cx="63202" cy="63202"/>
             </a:xfrm>
             <a:custGeom>
@@ -34343,7 +34343,7 @@
           </p:nvSpPr>
           <p:spPr>
             <a:xfrm>
-              <a:off x="8289056" y="2566267"/>
+              <a:off x="8504101" y="2566332"/>
               <a:ext cx="63202" cy="63202"/>
             </a:xfrm>
             <a:custGeom>
@@ -34386,7 +34386,7 @@
           </p:nvSpPr>
           <p:spPr>
             <a:xfrm>
-              <a:off x="8525516" y="2570337"/>
+              <a:off x="8786164" y="2570364"/>
               <a:ext cx="63202" cy="63202"/>
             </a:xfrm>
             <a:custGeom>
@@ -34429,7 +34429,7 @@
           </p:nvSpPr>
           <p:spPr>
             <a:xfrm>
-              <a:off x="8456353" y="2800724"/>
+              <a:off x="8653084" y="2800614"/>
               <a:ext cx="63202" cy="63202"/>
             </a:xfrm>
             <a:custGeom>
@@ -34472,7 +34472,7 @@
           </p:nvSpPr>
           <p:spPr>
             <a:xfrm>
-              <a:off x="7697380" y="2537383"/>
+              <a:off x="7924206" y="2537422"/>
               <a:ext cx="63202" cy="63202"/>
             </a:xfrm>
             <a:custGeom>
@@ -34515,7 +34515,7 @@
           </p:nvSpPr>
           <p:spPr>
             <a:xfrm>
-              <a:off x="7824409" y="2417768"/>
+              <a:off x="7637047" y="2417930"/>
               <a:ext cx="63202" cy="63202"/>
             </a:xfrm>
             <a:custGeom>
@@ -34558,7 +34558,7 @@
           </p:nvSpPr>
           <p:spPr>
             <a:xfrm>
-              <a:off x="7834917" y="2451422"/>
+              <a:off x="7869075" y="2451434"/>
               <a:ext cx="63202" cy="63202"/>
             </a:xfrm>
             <a:custGeom>
@@ -34601,7 +34601,7 @@
           </p:nvSpPr>
           <p:spPr>
             <a:xfrm>
-              <a:off x="7909330" y="2534219"/>
+              <a:off x="7698037" y="2534340"/>
               <a:ext cx="63202" cy="63202"/>
             </a:xfrm>
             <a:custGeom>
@@ -34644,7 +34644,7 @@
           </p:nvSpPr>
           <p:spPr>
             <a:xfrm>
-              <a:off x="7702522" y="2536401"/>
+              <a:off x="7381055" y="2536391"/>
               <a:ext cx="63202" cy="63202"/>
             </a:xfrm>
             <a:custGeom>
@@ -34687,7 +34687,7 @@
           </p:nvSpPr>
           <p:spPr>
             <a:xfrm>
-              <a:off x="7682115" y="2536099"/>
+              <a:off x="7393651" y="2536230"/>
               <a:ext cx="63202" cy="63202"/>
             </a:xfrm>
             <a:custGeom>
@@ -34730,7 +34730,7 @@
           </p:nvSpPr>
           <p:spPr>
             <a:xfrm>
-              <a:off x="7803518" y="2533783"/>
+              <a:off x="7839523" y="2533958"/>
               <a:ext cx="63202" cy="63202"/>
             </a:xfrm>
             <a:custGeom>
@@ -34773,7 +34773,7 @@
           </p:nvSpPr>
           <p:spPr>
             <a:xfrm>
-              <a:off x="7536735" y="2532218"/>
+              <a:off x="7809946" y="2532282"/>
               <a:ext cx="63202" cy="63202"/>
             </a:xfrm>
             <a:custGeom>
@@ -34872,7 +34872,7 @@
           </p:nvSpPr>
           <p:spPr>
             <a:xfrm>
-              <a:off x="7171360" y="4923990"/>
+              <a:off x="7171360" y="4924024"/>
               <a:ext cx="2817450" cy="0"/>
             </a:xfrm>
             <a:custGeom>
@@ -34915,7 +34915,7 @@
           </p:nvSpPr>
           <p:spPr>
             <a:xfrm>
-              <a:off x="7171360" y="4502167"/>
+              <a:off x="7171360" y="4502218"/>
               <a:ext cx="2817450" cy="0"/>
             </a:xfrm>
             <a:custGeom>
@@ -34958,7 +34958,7 @@
           </p:nvSpPr>
           <p:spPr>
             <a:xfrm>
-              <a:off x="7171360" y="4080344"/>
+              <a:off x="7171360" y="4080413"/>
               <a:ext cx="2817450" cy="0"/>
             </a:xfrm>
             <a:custGeom>
@@ -35001,7 +35001,7 @@
           </p:nvSpPr>
           <p:spPr>
             <a:xfrm>
-              <a:off x="7171360" y="3658521"/>
+              <a:off x="7171360" y="3658608"/>
               <a:ext cx="2817450" cy="0"/>
             </a:xfrm>
             <a:custGeom>
@@ -35044,7 +35044,7 @@
           </p:nvSpPr>
           <p:spPr>
             <a:xfrm>
-              <a:off x="7171360" y="4713079"/>
+              <a:off x="7171360" y="4713121"/>
               <a:ext cx="2817450" cy="0"/>
             </a:xfrm>
             <a:custGeom>
@@ -35087,7 +35087,7 @@
           </p:nvSpPr>
           <p:spPr>
             <a:xfrm>
-              <a:off x="7171360" y="4291256"/>
+              <a:off x="7171360" y="4291316"/>
               <a:ext cx="2817450" cy="0"/>
             </a:xfrm>
             <a:custGeom>
@@ -35130,7 +35130,7 @@
           </p:nvSpPr>
           <p:spPr>
             <a:xfrm>
-              <a:off x="7171360" y="3869432"/>
+              <a:off x="7171360" y="3869511"/>
               <a:ext cx="2817450" cy="0"/>
             </a:xfrm>
             <a:custGeom>
@@ -35173,7 +35173,7 @@
           </p:nvSpPr>
           <p:spPr>
             <a:xfrm>
-              <a:off x="7171360" y="3447609"/>
+              <a:off x="7171360" y="3447705"/>
               <a:ext cx="2817450" cy="0"/>
             </a:xfrm>
             <a:custGeom>
@@ -35345,7 +35345,7 @@
           </p:nvSpPr>
           <p:spPr>
             <a:xfrm>
-              <a:off x="8838692" y="4510500"/>
+              <a:off x="8347304" y="4510453"/>
               <a:ext cx="63202" cy="63202"/>
             </a:xfrm>
             <a:custGeom>
@@ -35388,7 +35388,7 @@
           </p:nvSpPr>
           <p:spPr>
             <a:xfrm>
-              <a:off x="8800055" y="4694213"/>
+              <a:off x="8452855" y="4694144"/>
               <a:ext cx="63202" cy="63202"/>
             </a:xfrm>
             <a:custGeom>
@@ -35431,7 +35431,7 @@
           </p:nvSpPr>
           <p:spPr>
             <a:xfrm>
-              <a:off x="9507060" y="4795155"/>
+              <a:off x="9611374" y="4795215"/>
               <a:ext cx="63202" cy="63202"/>
             </a:xfrm>
             <a:custGeom>
@@ -35474,7 +35474,7 @@
           </p:nvSpPr>
           <p:spPr>
             <a:xfrm>
-              <a:off x="9407113" y="4820906"/>
+              <a:off x="9231721" y="4820959"/>
               <a:ext cx="63202" cy="63202"/>
             </a:xfrm>
             <a:custGeom>
@@ -35517,7 +35517,7 @@
           </p:nvSpPr>
           <p:spPr>
             <a:xfrm>
-              <a:off x="9778096" y="4807839"/>
+              <a:off x="9607312" y="4807911"/>
               <a:ext cx="63202" cy="63202"/>
             </a:xfrm>
             <a:custGeom>
@@ -35560,7 +35560,7 @@
           </p:nvSpPr>
           <p:spPr>
             <a:xfrm>
-              <a:off x="8892733" y="4621189"/>
+              <a:off x="8858576" y="4621125"/>
               <a:ext cx="63202" cy="63202"/>
             </a:xfrm>
             <a:custGeom>
@@ -35603,7 +35603,7 @@
           </p:nvSpPr>
           <p:spPr>
             <a:xfrm>
-              <a:off x="8209433" y="4744260"/>
+              <a:off x="8537585" y="4744430"/>
               <a:ext cx="63202" cy="63202"/>
             </a:xfrm>
             <a:custGeom>
@@ -35646,7 +35646,7 @@
           </p:nvSpPr>
           <p:spPr>
             <a:xfrm>
-              <a:off x="8721314" y="4497507"/>
+              <a:off x="8328163" y="4497669"/>
               <a:ext cx="63202" cy="63202"/>
             </a:xfrm>
             <a:custGeom>
@@ -35689,7 +35689,7 @@
           </p:nvSpPr>
           <p:spPr>
             <a:xfrm>
-              <a:off x="9143581" y="4851868"/>
+              <a:off x="9086985" y="4851929"/>
               <a:ext cx="63202" cy="63202"/>
             </a:xfrm>
             <a:custGeom>
@@ -35732,7 +35732,7 @@
           </p:nvSpPr>
           <p:spPr>
             <a:xfrm>
-              <a:off x="8226705" y="4709521"/>
+              <a:off x="8452807" y="4709565"/>
               <a:ext cx="63202" cy="63202"/>
             </a:xfrm>
             <a:custGeom>
@@ -35775,7 +35775,7 @@
           </p:nvSpPr>
           <p:spPr>
             <a:xfrm>
-              <a:off x="8745586" y="4714807"/>
+              <a:off x="8466340" y="4714909"/>
               <a:ext cx="63202" cy="63202"/>
             </a:xfrm>
             <a:custGeom>
@@ -35818,7 +35818,7 @@
           </p:nvSpPr>
           <p:spPr>
             <a:xfrm>
-              <a:off x="8800986" y="4472935"/>
+              <a:off x="8572036" y="4472876"/>
               <a:ext cx="63202" cy="63202"/>
             </a:xfrm>
             <a:custGeom>
@@ -35861,7 +35861,7 @@
           </p:nvSpPr>
           <p:spPr>
             <a:xfrm>
-              <a:off x="8803946" y="4529386"/>
+              <a:off x="8734762" y="4529401"/>
               <a:ext cx="63202" cy="63202"/>
             </a:xfrm>
             <a:custGeom>
@@ -35904,7 +35904,7 @@
           </p:nvSpPr>
           <p:spPr>
             <a:xfrm>
-              <a:off x="9632057" y="4803867"/>
+              <a:off x="9181593" y="4803918"/>
               <a:ext cx="63202" cy="63202"/>
             </a:xfrm>
             <a:custGeom>
@@ -37399,7 +37399,7 @@
           </p:nvSpPr>
           <p:spPr>
             <a:xfrm>
-              <a:off x="1148183" y="2746054"/>
+              <a:off x="1148183" y="2746097"/>
               <a:ext cx="186466" cy="81691"/>
             </a:xfrm>
             <a:prstGeom prst="rect">
@@ -37445,7 +37445,7 @@
           </p:nvSpPr>
           <p:spPr>
             <a:xfrm>
-              <a:off x="1148183" y="2324231"/>
+              <a:off x="1148183" y="2324292"/>
               <a:ext cx="186466" cy="81691"/>
             </a:xfrm>
             <a:prstGeom prst="rect">
@@ -37491,7 +37491,7 @@
           </p:nvSpPr>
           <p:spPr>
             <a:xfrm>
-              <a:off x="1148183" y="1902408"/>
+              <a:off x="1148183" y="1902486"/>
               <a:ext cx="186466" cy="81691"/>
             </a:xfrm>
             <a:prstGeom prst="rect">
@@ -37537,7 +37537,7 @@
           </p:nvSpPr>
           <p:spPr>
             <a:xfrm>
-              <a:off x="1148183" y="1480585"/>
+              <a:off x="1148183" y="1480681"/>
               <a:ext cx="186466" cy="81691"/>
             </a:xfrm>
             <a:prstGeom prst="rect">
@@ -37583,7 +37583,7 @@
           </p:nvSpPr>
           <p:spPr>
             <a:xfrm>
-              <a:off x="1362485" y="2787746"/>
+              <a:off x="1362485" y="2787788"/>
               <a:ext cx="34794" cy="0"/>
             </a:xfrm>
             <a:custGeom>
@@ -37623,7 +37623,7 @@
           </p:nvSpPr>
           <p:spPr>
             <a:xfrm>
-              <a:off x="1362485" y="2365923"/>
+              <a:off x="1362485" y="2365983"/>
               <a:ext cx="34794" cy="0"/>
             </a:xfrm>
             <a:custGeom>
@@ -37663,7 +37663,7 @@
           </p:nvSpPr>
           <p:spPr>
             <a:xfrm>
-              <a:off x="1362485" y="1944100"/>
+              <a:off x="1362485" y="1944178"/>
               <a:ext cx="34794" cy="0"/>
             </a:xfrm>
             <a:custGeom>
@@ -37703,7 +37703,7 @@
           </p:nvSpPr>
           <p:spPr>
             <a:xfrm>
-              <a:off x="1362485" y="1522277"/>
+              <a:off x="1362485" y="1522373"/>
               <a:ext cx="34794" cy="0"/>
             </a:xfrm>
             <a:custGeom>
@@ -37743,7 +37743,7 @@
           </p:nvSpPr>
           <p:spPr>
             <a:xfrm>
-              <a:off x="1148183" y="4671387"/>
+              <a:off x="1148183" y="4671429"/>
               <a:ext cx="186466" cy="81691"/>
             </a:xfrm>
             <a:prstGeom prst="rect">
@@ -37789,7 +37789,7 @@
           </p:nvSpPr>
           <p:spPr>
             <a:xfrm>
-              <a:off x="1148183" y="4249564"/>
+              <a:off x="1148183" y="4249624"/>
               <a:ext cx="186466" cy="81691"/>
             </a:xfrm>
             <a:prstGeom prst="rect">
@@ -37835,7 +37835,7 @@
           </p:nvSpPr>
           <p:spPr>
             <a:xfrm>
-              <a:off x="1148183" y="3827741"/>
+              <a:off x="1148183" y="3827819"/>
               <a:ext cx="186466" cy="81691"/>
             </a:xfrm>
             <a:prstGeom prst="rect">
@@ -37881,7 +37881,7 @@
           </p:nvSpPr>
           <p:spPr>
             <a:xfrm>
-              <a:off x="1148183" y="3405918"/>
+              <a:off x="1148183" y="3406014"/>
               <a:ext cx="186466" cy="81691"/>
             </a:xfrm>
             <a:prstGeom prst="rect">
@@ -37927,7 +37927,7 @@
           </p:nvSpPr>
           <p:spPr>
             <a:xfrm>
-              <a:off x="1362485" y="4713079"/>
+              <a:off x="1362485" y="4713121"/>
               <a:ext cx="34794" cy="0"/>
             </a:xfrm>
             <a:custGeom>
@@ -37967,7 +37967,7 @@
           </p:nvSpPr>
           <p:spPr>
             <a:xfrm>
-              <a:off x="1362485" y="4291256"/>
+              <a:off x="1362485" y="4291316"/>
               <a:ext cx="34794" cy="0"/>
             </a:xfrm>
             <a:custGeom>
@@ -38007,7 +38007,7 @@
           </p:nvSpPr>
           <p:spPr>
             <a:xfrm>
-              <a:off x="1362485" y="3869432"/>
+              <a:off x="1362485" y="3869511"/>
               <a:ext cx="34794" cy="0"/>
             </a:xfrm>
             <a:custGeom>
@@ -38047,7 +38047,7 @@
           </p:nvSpPr>
           <p:spPr>
             <a:xfrm>
-              <a:off x="1362485" y="3447609"/>
+              <a:off x="1362485" y="3447705"/>
               <a:ext cx="34794" cy="0"/>
             </a:xfrm>
             <a:custGeom>
@@ -38087,7 +38087,7 @@
           </p:nvSpPr>
           <p:spPr>
             <a:xfrm>
-              <a:off x="1148183" y="6596720"/>
+              <a:off x="1148183" y="6596762"/>
               <a:ext cx="186466" cy="81691"/>
             </a:xfrm>
             <a:prstGeom prst="rect">
@@ -38133,7 +38133,7 @@
           </p:nvSpPr>
           <p:spPr>
             <a:xfrm>
-              <a:off x="1148183" y="6174896"/>
+              <a:off x="1148183" y="6174957"/>
               <a:ext cx="186466" cy="81691"/>
             </a:xfrm>
             <a:prstGeom prst="rect">
@@ -38179,7 +38179,7 @@
           </p:nvSpPr>
           <p:spPr>
             <a:xfrm>
-              <a:off x="1148183" y="5753073"/>
+              <a:off x="1148183" y="5753152"/>
               <a:ext cx="186466" cy="81691"/>
             </a:xfrm>
             <a:prstGeom prst="rect">
@@ -38225,7 +38225,7 @@
           </p:nvSpPr>
           <p:spPr>
             <a:xfrm>
-              <a:off x="1148183" y="5331250"/>
+              <a:off x="1148183" y="5331346"/>
               <a:ext cx="186466" cy="81691"/>
             </a:xfrm>
             <a:prstGeom prst="rect">
@@ -38271,7 +38271,7 @@
           </p:nvSpPr>
           <p:spPr>
             <a:xfrm>
-              <a:off x="1362485" y="6638411"/>
+              <a:off x="1362485" y="6638454"/>
               <a:ext cx="34794" cy="0"/>
             </a:xfrm>
             <a:custGeom>
@@ -38311,7 +38311,7 @@
           </p:nvSpPr>
           <p:spPr>
             <a:xfrm>
-              <a:off x="1362485" y="6216588"/>
+              <a:off x="1362485" y="6216648"/>
               <a:ext cx="34794" cy="0"/>
             </a:xfrm>
             <a:custGeom>
@@ -38351,7 +38351,7 @@
           </p:nvSpPr>
           <p:spPr>
             <a:xfrm>
-              <a:off x="1362485" y="5794765"/>
+              <a:off x="1362485" y="5794843"/>
               <a:ext cx="34794" cy="0"/>
             </a:xfrm>
             <a:custGeom>
@@ -38391,7 +38391,7 @@
           </p:nvSpPr>
           <p:spPr>
             <a:xfrm>
-              <a:off x="1362485" y="5372942"/>
+              <a:off x="1362485" y="5373038"/>
               <a:ext cx="34794" cy="0"/>
             </a:xfrm>
             <a:custGeom>

--- a/Images/Figures_PPT/Jitter_Plot_LST8_All.pptx
+++ b/Images/Figures_PPT/Jitter_Plot_LST8_All.pptx
@@ -2359,7 +2359,7 @@
           </p:nvSpPr>
           <p:spPr>
             <a:xfrm>
-              <a:off x="1397280" y="2998691"/>
+              <a:off x="1397280" y="2998673"/>
               <a:ext cx="2817450" cy="0"/>
             </a:xfrm>
             <a:custGeom>
@@ -2402,7 +2402,7 @@
           </p:nvSpPr>
           <p:spPr>
             <a:xfrm>
-              <a:off x="1397280" y="2576886"/>
+              <a:off x="1397280" y="2576862"/>
               <a:ext cx="2817450" cy="0"/>
             </a:xfrm>
             <a:custGeom>
@@ -2445,7 +2445,7 @@
           </p:nvSpPr>
           <p:spPr>
             <a:xfrm>
-              <a:off x="1397280" y="2155081"/>
+              <a:off x="1397280" y="2155052"/>
               <a:ext cx="2817450" cy="0"/>
             </a:xfrm>
             <a:custGeom>
@@ -2488,7 +2488,7 @@
           </p:nvSpPr>
           <p:spPr>
             <a:xfrm>
-              <a:off x="1397280" y="1733275"/>
+              <a:off x="1397280" y="1733241"/>
               <a:ext cx="2817450" cy="0"/>
             </a:xfrm>
             <a:custGeom>
@@ -2531,7 +2531,7 @@
           </p:nvSpPr>
           <p:spPr>
             <a:xfrm>
-              <a:off x="1397280" y="2787788"/>
+              <a:off x="1397280" y="2787768"/>
               <a:ext cx="2817450" cy="0"/>
             </a:xfrm>
             <a:custGeom>
@@ -2574,7 +2574,7 @@
           </p:nvSpPr>
           <p:spPr>
             <a:xfrm>
-              <a:off x="1397280" y="2365983"/>
+              <a:off x="1397280" y="2365957"/>
               <a:ext cx="2817450" cy="0"/>
             </a:xfrm>
             <a:custGeom>
@@ -2617,7 +2617,7 @@
           </p:nvSpPr>
           <p:spPr>
             <a:xfrm>
-              <a:off x="1397280" y="1944178"/>
+              <a:off x="1397280" y="1944146"/>
               <a:ext cx="2817450" cy="0"/>
             </a:xfrm>
             <a:custGeom>
@@ -2660,7 +2660,7 @@
           </p:nvSpPr>
           <p:spPr>
             <a:xfrm>
-              <a:off x="1397280" y="1522373"/>
+              <a:off x="1397280" y="1522335"/>
               <a:ext cx="2817450" cy="0"/>
             </a:xfrm>
             <a:custGeom>
@@ -2832,7 +2832,7 @@
           </p:nvSpPr>
           <p:spPr>
             <a:xfrm>
-              <a:off x="3026029" y="2548589"/>
+              <a:off x="3025688" y="2548625"/>
               <a:ext cx="63202" cy="63202"/>
             </a:xfrm>
             <a:custGeom>
@@ -2875,7 +2875,7 @@
           </p:nvSpPr>
           <p:spPr>
             <a:xfrm>
-              <a:off x="1678566" y="2522447"/>
+              <a:off x="1656990" y="2522548"/>
               <a:ext cx="63202" cy="63202"/>
             </a:xfrm>
             <a:custGeom>
@@ -2918,7 +2918,7 @@
           </p:nvSpPr>
           <p:spPr>
             <a:xfrm>
-              <a:off x="3824732" y="1466704"/>
+              <a:off x="3484806" y="1466704"/>
               <a:ext cx="63202" cy="63202"/>
             </a:xfrm>
             <a:custGeom>
@@ -2961,7 +2961,7 @@
           </p:nvSpPr>
           <p:spPr>
             <a:xfrm>
-              <a:off x="3801854" y="2847670"/>
+              <a:off x="3368220" y="2847672"/>
               <a:ext cx="63202" cy="63202"/>
             </a:xfrm>
             <a:custGeom>
@@ -3004,7 +3004,7 @@
           </p:nvSpPr>
           <p:spPr>
             <a:xfrm>
-              <a:off x="3716310" y="2854329"/>
+              <a:off x="3478000" y="2854173"/>
               <a:ext cx="63202" cy="63202"/>
             </a:xfrm>
             <a:custGeom>
@@ -3047,7 +3047,7 @@
           </p:nvSpPr>
           <p:spPr>
             <a:xfrm>
-              <a:off x="1761719" y="2541076"/>
+              <a:off x="2189619" y="2541083"/>
               <a:ext cx="63202" cy="63202"/>
             </a:xfrm>
             <a:custGeom>
@@ -3090,7 +3090,7 @@
           </p:nvSpPr>
           <p:spPr>
             <a:xfrm>
-              <a:off x="2805131" y="2605651"/>
+              <a:off x="2753750" y="2605564"/>
               <a:ext cx="63202" cy="63202"/>
             </a:xfrm>
             <a:custGeom>
@@ -3133,7 +3133,7 @@
           </p:nvSpPr>
           <p:spPr>
             <a:xfrm>
-              <a:off x="3473344" y="2913480"/>
+              <a:off x="3755937" y="2913571"/>
               <a:ext cx="63202" cy="63202"/>
             </a:xfrm>
             <a:custGeom>
@@ -3176,7 +3176,7 @@
           </p:nvSpPr>
           <p:spPr>
             <a:xfrm>
-              <a:off x="1592967" y="2504955"/>
+              <a:off x="1951725" y="2505053"/>
               <a:ext cx="63202" cy="63202"/>
             </a:xfrm>
             <a:custGeom>
@@ -3219,7 +3219,7 @@
           </p:nvSpPr>
           <p:spPr>
             <a:xfrm>
-              <a:off x="3604059" y="2838020"/>
+              <a:off x="3302859" y="2838007"/>
               <a:ext cx="63202" cy="63202"/>
             </a:xfrm>
             <a:custGeom>
@@ -3262,7 +3262,7 @@
           </p:nvSpPr>
           <p:spPr>
             <a:xfrm>
-              <a:off x="2617378" y="2556839"/>
+              <a:off x="2848976" y="2556944"/>
               <a:ext cx="63202" cy="63202"/>
             </a:xfrm>
             <a:custGeom>
@@ -3305,7 +3305,7 @@
           </p:nvSpPr>
           <p:spPr>
             <a:xfrm>
-              <a:off x="3522940" y="2913763"/>
+              <a:off x="3938671" y="2913631"/>
               <a:ext cx="63202" cy="63202"/>
             </a:xfrm>
             <a:custGeom>
@@ -3348,7 +3348,7 @@
           </p:nvSpPr>
           <p:spPr>
             <a:xfrm>
-              <a:off x="3788509" y="2913906"/>
+              <a:off x="3650329" y="2913841"/>
               <a:ext cx="63202" cy="63202"/>
             </a:xfrm>
             <a:custGeom>
@@ -3391,7 +3391,7 @@
           </p:nvSpPr>
           <p:spPr>
             <a:xfrm>
-              <a:off x="1693432" y="2504953"/>
+              <a:off x="1626019" y="2505005"/>
               <a:ext cx="63202" cy="63202"/>
             </a:xfrm>
             <a:custGeom>
@@ -3434,7 +3434,7 @@
           </p:nvSpPr>
           <p:spPr>
             <a:xfrm>
-              <a:off x="3797000" y="2913304"/>
+              <a:off x="3365145" y="2913363"/>
               <a:ext cx="63202" cy="63202"/>
             </a:xfrm>
             <a:custGeom>
@@ -3477,7 +3477,7 @@
           </p:nvSpPr>
           <p:spPr>
             <a:xfrm>
-              <a:off x="2957504" y="2667655"/>
+              <a:off x="2967600" y="2667560"/>
               <a:ext cx="63202" cy="63202"/>
             </a:xfrm>
             <a:custGeom>
@@ -3520,7 +3520,7 @@
           </p:nvSpPr>
           <p:spPr>
             <a:xfrm>
-              <a:off x="3927193" y="2913457"/>
+              <a:off x="3865556" y="2913438"/>
               <a:ext cx="63202" cy="63202"/>
             </a:xfrm>
             <a:custGeom>
@@ -3563,7 +3563,7 @@
           </p:nvSpPr>
           <p:spPr>
             <a:xfrm>
-              <a:off x="3865124" y="2913733"/>
+              <a:off x="3625304" y="2913790"/>
               <a:ext cx="63202" cy="63202"/>
             </a:xfrm>
             <a:custGeom>
@@ -3606,7 +3606,7 @@
           </p:nvSpPr>
           <p:spPr>
             <a:xfrm>
-              <a:off x="3510787" y="2913956"/>
+              <a:off x="3332653" y="2913890"/>
               <a:ext cx="63202" cy="63202"/>
             </a:xfrm>
             <a:custGeom>
@@ -3649,7 +3649,7 @@
           </p:nvSpPr>
           <p:spPr>
             <a:xfrm>
-              <a:off x="3873347" y="2913456"/>
+              <a:off x="3819217" y="2913526"/>
               <a:ext cx="63202" cy="63202"/>
             </a:xfrm>
             <a:custGeom>
@@ -3692,7 +3692,7 @@
           </p:nvSpPr>
           <p:spPr>
             <a:xfrm>
-              <a:off x="3533796" y="2913748"/>
+              <a:off x="3747835" y="2913633"/>
               <a:ext cx="63202" cy="63202"/>
             </a:xfrm>
             <a:custGeom>
@@ -3735,7 +3735,7 @@
           </p:nvSpPr>
           <p:spPr>
             <a:xfrm>
-              <a:off x="3644089" y="2914004"/>
+              <a:off x="3627778" y="2913942"/>
               <a:ext cx="63202" cy="63202"/>
             </a:xfrm>
             <a:custGeom>
@@ -3778,7 +3778,7 @@
           </p:nvSpPr>
           <p:spPr>
             <a:xfrm>
-              <a:off x="3884078" y="2913765"/>
+              <a:off x="3453925" y="2913781"/>
               <a:ext cx="63202" cy="63202"/>
             </a:xfrm>
             <a:custGeom>
@@ -3821,7 +3821,7 @@
           </p:nvSpPr>
           <p:spPr>
             <a:xfrm>
-              <a:off x="3739945" y="2911551"/>
+              <a:off x="3497739" y="2911555"/>
               <a:ext cx="63202" cy="63202"/>
             </a:xfrm>
             <a:custGeom>
@@ -3864,7 +3864,7 @@
           </p:nvSpPr>
           <p:spPr>
             <a:xfrm>
-              <a:off x="3967418" y="2914773"/>
+              <a:off x="3636311" y="2914713"/>
               <a:ext cx="63202" cy="63202"/>
             </a:xfrm>
             <a:custGeom>
@@ -3907,7 +3907,7 @@
           </p:nvSpPr>
           <p:spPr>
             <a:xfrm>
-              <a:off x="3961680" y="2913777"/>
+              <a:off x="3373487" y="2913768"/>
               <a:ext cx="63202" cy="63202"/>
             </a:xfrm>
             <a:custGeom>
@@ -3950,7 +3950,7 @@
           </p:nvSpPr>
           <p:spPr>
             <a:xfrm>
-              <a:off x="3596447" y="2930597"/>
+              <a:off x="3961489" y="2930631"/>
               <a:ext cx="63202" cy="63202"/>
             </a:xfrm>
             <a:custGeom>
@@ -3993,7 +3993,7 @@
           </p:nvSpPr>
           <p:spPr>
             <a:xfrm>
-              <a:off x="3823952" y="2929714"/>
+              <a:off x="3411979" y="2929678"/>
               <a:ext cx="63202" cy="63202"/>
             </a:xfrm>
             <a:custGeom>
@@ -4036,7 +4036,7 @@
           </p:nvSpPr>
           <p:spPr>
             <a:xfrm>
-              <a:off x="2472735" y="2547203"/>
+              <a:off x="2885915" y="2547174"/>
               <a:ext cx="63202" cy="63202"/>
             </a:xfrm>
             <a:custGeom>
@@ -4079,7 +4079,7 @@
           </p:nvSpPr>
           <p:spPr>
             <a:xfrm>
-              <a:off x="2791737" y="2553689"/>
+              <a:off x="2663111" y="2553719"/>
               <a:ext cx="63202" cy="63202"/>
             </a:xfrm>
             <a:custGeom>
@@ -4122,7 +4122,7 @@
           </p:nvSpPr>
           <p:spPr>
             <a:xfrm>
-              <a:off x="3832749" y="2903137"/>
+              <a:off x="3965178" y="2903112"/>
               <a:ext cx="63202" cy="63202"/>
             </a:xfrm>
             <a:custGeom>
@@ -4165,7 +4165,7 @@
           </p:nvSpPr>
           <p:spPr>
             <a:xfrm>
-              <a:off x="3527940" y="2938559"/>
+              <a:off x="3671489" y="2938545"/>
               <a:ext cx="63202" cy="63202"/>
             </a:xfrm>
             <a:custGeom>
@@ -4208,7 +4208,7 @@
           </p:nvSpPr>
           <p:spPr>
             <a:xfrm>
-              <a:off x="3856811" y="2913709"/>
+              <a:off x="3329427" y="2913693"/>
               <a:ext cx="63202" cy="63202"/>
             </a:xfrm>
             <a:custGeom>
@@ -4251,7 +4251,7 @@
           </p:nvSpPr>
           <p:spPr>
             <a:xfrm>
-              <a:off x="2705121" y="2693919"/>
+              <a:off x="2788808" y="2693869"/>
               <a:ext cx="63202" cy="63202"/>
             </a:xfrm>
             <a:custGeom>
@@ -4294,7 +4294,7 @@
           </p:nvSpPr>
           <p:spPr>
             <a:xfrm>
-              <a:off x="2535606" y="2703611"/>
+              <a:off x="2526716" y="2703696"/>
               <a:ext cx="63202" cy="63202"/>
             </a:xfrm>
             <a:custGeom>
@@ -4337,7 +4337,7 @@
           </p:nvSpPr>
           <p:spPr>
             <a:xfrm>
-              <a:off x="2795788" y="2611282"/>
+              <a:off x="2828383" y="2611264"/>
               <a:ext cx="63202" cy="63202"/>
             </a:xfrm>
             <a:custGeom>
@@ -4380,7 +4380,7 @@
           </p:nvSpPr>
           <p:spPr>
             <a:xfrm>
-              <a:off x="1934647" y="2500776"/>
+              <a:off x="2039620" y="2500797"/>
               <a:ext cx="63202" cy="63202"/>
             </a:xfrm>
             <a:custGeom>
@@ -4423,7 +4423,7 @@
           </p:nvSpPr>
           <p:spPr>
             <a:xfrm>
-              <a:off x="1544203" y="2504413"/>
+              <a:off x="1915150" y="2504324"/>
               <a:ext cx="63202" cy="63202"/>
             </a:xfrm>
             <a:custGeom>
@@ -4466,7 +4466,7 @@
           </p:nvSpPr>
           <p:spPr>
             <a:xfrm>
-              <a:off x="1716091" y="2506039"/>
+              <a:off x="1721814" y="2506110"/>
               <a:ext cx="63202" cy="63202"/>
             </a:xfrm>
             <a:custGeom>
@@ -4509,7 +4509,7 @@
           </p:nvSpPr>
           <p:spPr>
             <a:xfrm>
-              <a:off x="3977276" y="2856548"/>
+              <a:off x="3341094" y="2856585"/>
               <a:ext cx="63202" cy="63202"/>
             </a:xfrm>
             <a:custGeom>
@@ -4552,7 +4552,7 @@
           </p:nvSpPr>
           <p:spPr>
             <a:xfrm>
-              <a:off x="3373946" y="2903003"/>
+              <a:off x="3552327" y="2902996"/>
               <a:ext cx="63202" cy="63202"/>
             </a:xfrm>
             <a:custGeom>
@@ -4595,7 +4595,7 @@
           </p:nvSpPr>
           <p:spPr>
             <a:xfrm>
-              <a:off x="1655093" y="2391360"/>
+              <a:off x="1865120" y="2391362"/>
               <a:ext cx="63202" cy="63202"/>
             </a:xfrm>
             <a:custGeom>
@@ -4638,7 +4638,7 @@
           </p:nvSpPr>
           <p:spPr>
             <a:xfrm>
-              <a:off x="3794316" y="2860942"/>
+              <a:off x="3925166" y="2860904"/>
               <a:ext cx="63202" cy="63202"/>
             </a:xfrm>
             <a:custGeom>
@@ -4681,7 +4681,7 @@
           </p:nvSpPr>
           <p:spPr>
             <a:xfrm>
-              <a:off x="2634152" y="2589110"/>
+              <a:off x="3007221" y="2589210"/>
               <a:ext cx="63202" cy="63202"/>
             </a:xfrm>
             <a:custGeom>
@@ -4724,7 +4724,7 @@
           </p:nvSpPr>
           <p:spPr>
             <a:xfrm>
-              <a:off x="3032866" y="2655761"/>
+              <a:off x="2890383" y="2655838"/>
               <a:ext cx="63202" cy="63202"/>
             </a:xfrm>
             <a:custGeom>
@@ -4767,7 +4767,7 @@
           </p:nvSpPr>
           <p:spPr>
             <a:xfrm>
-              <a:off x="3755420" y="2540676"/>
+              <a:off x="3623647" y="2540587"/>
               <a:ext cx="63202" cy="63202"/>
             </a:xfrm>
             <a:custGeom>
@@ -4810,7 +4810,7 @@
           </p:nvSpPr>
           <p:spPr>
             <a:xfrm>
-              <a:off x="1970750" y="2506675"/>
+              <a:off x="2222607" y="2506585"/>
               <a:ext cx="63202" cy="63202"/>
             </a:xfrm>
             <a:custGeom>
@@ -4909,7 +4909,7 @@
           </p:nvSpPr>
           <p:spPr>
             <a:xfrm>
-              <a:off x="1397280" y="4924024"/>
+              <a:off x="1397280" y="4924006"/>
               <a:ext cx="2817450" cy="0"/>
             </a:xfrm>
             <a:custGeom>
@@ -4952,7 +4952,7 @@
           </p:nvSpPr>
           <p:spPr>
             <a:xfrm>
-              <a:off x="1397280" y="4502218"/>
+              <a:off x="1397280" y="4502195"/>
               <a:ext cx="2817450" cy="0"/>
             </a:xfrm>
             <a:custGeom>
@@ -4995,7 +4995,7 @@
           </p:nvSpPr>
           <p:spPr>
             <a:xfrm>
-              <a:off x="1397280" y="4080413"/>
+              <a:off x="1397280" y="4080384"/>
               <a:ext cx="2817450" cy="0"/>
             </a:xfrm>
             <a:custGeom>
@@ -5038,7 +5038,7 @@
           </p:nvSpPr>
           <p:spPr>
             <a:xfrm>
-              <a:off x="1397280" y="3658608"/>
+              <a:off x="1397280" y="3658573"/>
               <a:ext cx="2817450" cy="0"/>
             </a:xfrm>
             <a:custGeom>
@@ -5081,7 +5081,7 @@
           </p:nvSpPr>
           <p:spPr>
             <a:xfrm>
-              <a:off x="1397280" y="4713121"/>
+              <a:off x="1397280" y="4713100"/>
               <a:ext cx="2817450" cy="0"/>
             </a:xfrm>
             <a:custGeom>
@@ -5124,7 +5124,7 @@
           </p:nvSpPr>
           <p:spPr>
             <a:xfrm>
-              <a:off x="1397280" y="4291316"/>
+              <a:off x="1397280" y="4291290"/>
               <a:ext cx="2817450" cy="0"/>
             </a:xfrm>
             <a:custGeom>
@@ -5167,7 +5167,7 @@
           </p:nvSpPr>
           <p:spPr>
             <a:xfrm>
-              <a:off x="1397280" y="3869511"/>
+              <a:off x="1397280" y="3869479"/>
               <a:ext cx="2817450" cy="0"/>
             </a:xfrm>
             <a:custGeom>
@@ -5210,7 +5210,7 @@
           </p:nvSpPr>
           <p:spPr>
             <a:xfrm>
-              <a:off x="1397280" y="3447705"/>
+              <a:off x="1397280" y="3447668"/>
               <a:ext cx="2817450" cy="0"/>
             </a:xfrm>
             <a:custGeom>
@@ -5382,7 +5382,7 @@
           </p:nvSpPr>
           <p:spPr>
             <a:xfrm>
-              <a:off x="2665065" y="4690405"/>
+              <a:off x="2535383" y="4690336"/>
               <a:ext cx="63202" cy="63202"/>
             </a:xfrm>
             <a:custGeom>
@@ -5425,7 +5425,7 @@
           </p:nvSpPr>
           <p:spPr>
             <a:xfrm>
-              <a:off x="2668690" y="4655936"/>
+              <a:off x="2963895" y="4655995"/>
               <a:ext cx="63202" cy="63202"/>
             </a:xfrm>
             <a:custGeom>
@@ -5468,7 +5468,7 @@
           </p:nvSpPr>
           <p:spPr>
             <a:xfrm>
-              <a:off x="2704079" y="4693260"/>
+              <a:off x="2708458" y="4693298"/>
               <a:ext cx="63202" cy="63202"/>
             </a:xfrm>
             <a:custGeom>
@@ -5511,7 +5511,7 @@
           </p:nvSpPr>
           <p:spPr>
             <a:xfrm>
-              <a:off x="2740050" y="4709721"/>
+              <a:off x="3010221" y="4709693"/>
               <a:ext cx="63202" cy="63202"/>
             </a:xfrm>
             <a:custGeom>
@@ -5554,7 +5554,7 @@
           </p:nvSpPr>
           <p:spPr>
             <a:xfrm>
-              <a:off x="2610968" y="4692477"/>
+              <a:off x="2849836" y="4692399"/>
               <a:ext cx="63202" cy="63202"/>
             </a:xfrm>
             <a:custGeom>
@@ -5597,7 +5597,7 @@
           </p:nvSpPr>
           <p:spPr>
             <a:xfrm>
-              <a:off x="2574228" y="4709992"/>
+              <a:off x="2953810" y="4709906"/>
               <a:ext cx="63202" cy="63202"/>
             </a:xfrm>
             <a:custGeom>
@@ -5640,7 +5640,7 @@
           </p:nvSpPr>
           <p:spPr>
             <a:xfrm>
-              <a:off x="3320800" y="4791148"/>
+              <a:off x="3353078" y="4791245"/>
               <a:ext cx="63202" cy="63202"/>
             </a:xfrm>
             <a:custGeom>
@@ -5683,7 +5683,7 @@
           </p:nvSpPr>
           <p:spPr>
             <a:xfrm>
-              <a:off x="2860766" y="4669642"/>
+              <a:off x="2579623" y="4669646"/>
               <a:ext cx="63202" cy="63202"/>
             </a:xfrm>
             <a:custGeom>
@@ -5726,7 +5726,7 @@
           </p:nvSpPr>
           <p:spPr>
             <a:xfrm>
-              <a:off x="3617907" y="4850222"/>
+              <a:off x="4005821" y="4850225"/>
               <a:ext cx="63202" cy="63202"/>
             </a:xfrm>
             <a:custGeom>
@@ -5769,7 +5769,7 @@
           </p:nvSpPr>
           <p:spPr>
             <a:xfrm>
-              <a:off x="3954953" y="4870046"/>
+              <a:off x="3975126" y="4870055"/>
               <a:ext cx="63202" cy="63202"/>
             </a:xfrm>
             <a:custGeom>
@@ -5812,7 +5812,7 @@
           </p:nvSpPr>
           <p:spPr>
             <a:xfrm>
-              <a:off x="3509712" y="4836735"/>
+              <a:off x="3560053" y="4836792"/>
               <a:ext cx="63202" cy="63202"/>
             </a:xfrm>
             <a:custGeom>
@@ -5855,7 +5855,7 @@
           </p:nvSpPr>
           <p:spPr>
             <a:xfrm>
-              <a:off x="2720651" y="4605233"/>
+              <a:off x="2768846" y="4605170"/>
               <a:ext cx="63202" cy="63202"/>
             </a:xfrm>
             <a:custGeom>
@@ -5898,7 +5898,7 @@
           </p:nvSpPr>
           <p:spPr>
             <a:xfrm>
-              <a:off x="2941748" y="4700539"/>
+              <a:off x="2970947" y="4700477"/>
               <a:ext cx="63202" cy="63202"/>
             </a:xfrm>
             <a:custGeom>
@@ -5941,7 +5941,7 @@
           </p:nvSpPr>
           <p:spPr>
             <a:xfrm>
-              <a:off x="3857624" y="4802869"/>
+              <a:off x="3938553" y="4802823"/>
               <a:ext cx="63202" cy="63202"/>
             </a:xfrm>
             <a:custGeom>
@@ -5984,7 +5984,7 @@
           </p:nvSpPr>
           <p:spPr>
             <a:xfrm>
-              <a:off x="1819732" y="4334458"/>
+              <a:off x="1690919" y="4334374"/>
               <a:ext cx="63202" cy="63202"/>
             </a:xfrm>
             <a:custGeom>
@@ -6027,7 +6027,7 @@
           </p:nvSpPr>
           <p:spPr>
             <a:xfrm>
-              <a:off x="1622336" y="4318277"/>
+              <a:off x="1946902" y="4318402"/>
               <a:ext cx="63202" cy="63202"/>
             </a:xfrm>
             <a:custGeom>
@@ -6070,7 +6070,7 @@
           </p:nvSpPr>
           <p:spPr>
             <a:xfrm>
-              <a:off x="1942170" y="4252788"/>
+              <a:off x="2061814" y="4252677"/>
               <a:ext cx="63202" cy="63202"/>
             </a:xfrm>
             <a:custGeom>
@@ -6113,7 +6113,7 @@
           </p:nvSpPr>
           <p:spPr>
             <a:xfrm>
-              <a:off x="3608448" y="4803010"/>
+              <a:off x="3588771" y="4803025"/>
               <a:ext cx="63202" cy="63202"/>
             </a:xfrm>
             <a:custGeom>
@@ -6156,7 +6156,7 @@
           </p:nvSpPr>
           <p:spPr>
             <a:xfrm>
-              <a:off x="2460484" y="4683889"/>
+              <a:off x="2557124" y="4683738"/>
               <a:ext cx="63202" cy="63202"/>
             </a:xfrm>
             <a:custGeom>
@@ -6199,7 +6199,7 @@
           </p:nvSpPr>
           <p:spPr>
             <a:xfrm>
-              <a:off x="2855339" y="4687593"/>
+              <a:off x="2734949" y="4687667"/>
               <a:ext cx="63202" cy="63202"/>
             </a:xfrm>
             <a:custGeom>
@@ -6242,7 +6242,7 @@
           </p:nvSpPr>
           <p:spPr>
             <a:xfrm>
-              <a:off x="3692003" y="4736962"/>
+              <a:off x="3496645" y="4736955"/>
               <a:ext cx="63202" cy="63202"/>
             </a:xfrm>
             <a:custGeom>
@@ -6341,7 +6341,7 @@
           </p:nvSpPr>
           <p:spPr>
             <a:xfrm>
-              <a:off x="1397280" y="6849356"/>
+              <a:off x="1397280" y="6849338"/>
               <a:ext cx="2817450" cy="0"/>
             </a:xfrm>
             <a:custGeom>
@@ -6384,7 +6384,7 @@
           </p:nvSpPr>
           <p:spPr>
             <a:xfrm>
-              <a:off x="1397280" y="6427551"/>
+              <a:off x="1397280" y="6427528"/>
               <a:ext cx="2817450" cy="0"/>
             </a:xfrm>
             <a:custGeom>
@@ -6427,7 +6427,7 @@
           </p:nvSpPr>
           <p:spPr>
             <a:xfrm>
-              <a:off x="1397280" y="6005746"/>
+              <a:off x="1397280" y="6005717"/>
               <a:ext cx="2817450" cy="0"/>
             </a:xfrm>
             <a:custGeom>
@@ -6470,7 +6470,7 @@
           </p:nvSpPr>
           <p:spPr>
             <a:xfrm>
-              <a:off x="1397280" y="5583941"/>
+              <a:off x="1397280" y="5583906"/>
               <a:ext cx="2817450" cy="0"/>
             </a:xfrm>
             <a:custGeom>
@@ -6513,7 +6513,7 @@
           </p:nvSpPr>
           <p:spPr>
             <a:xfrm>
-              <a:off x="1397280" y="6638454"/>
+              <a:off x="1397280" y="6638433"/>
               <a:ext cx="2817450" cy="0"/>
             </a:xfrm>
             <a:custGeom>
@@ -6556,7 +6556,7 @@
           </p:nvSpPr>
           <p:spPr>
             <a:xfrm>
-              <a:off x="1397280" y="6216648"/>
+              <a:off x="1397280" y="6216622"/>
               <a:ext cx="2817450" cy="0"/>
             </a:xfrm>
             <a:custGeom>
@@ -6599,7 +6599,7 @@
           </p:nvSpPr>
           <p:spPr>
             <a:xfrm>
-              <a:off x="1397280" y="5794843"/>
+              <a:off x="1397280" y="5794811"/>
               <a:ext cx="2817450" cy="0"/>
             </a:xfrm>
             <a:custGeom>
@@ -6642,7 +6642,7 @@
           </p:nvSpPr>
           <p:spPr>
             <a:xfrm>
-              <a:off x="1397280" y="5373038"/>
+              <a:off x="1397280" y="5373001"/>
               <a:ext cx="2817450" cy="0"/>
             </a:xfrm>
             <a:custGeom>
@@ -6814,7 +6814,7 @@
           </p:nvSpPr>
           <p:spPr>
             <a:xfrm>
-              <a:off x="2150975" y="6210218"/>
+              <a:off x="1718056" y="6210157"/>
               <a:ext cx="63202" cy="63202"/>
             </a:xfrm>
             <a:custGeom>
@@ -6857,7 +6857,7 @@
           </p:nvSpPr>
           <p:spPr>
             <a:xfrm>
-              <a:off x="2230020" y="6263135"/>
+              <a:off x="1555256" y="6263001"/>
               <a:ext cx="63202" cy="63202"/>
             </a:xfrm>
             <a:custGeom>
@@ -6900,7 +6900,7 @@
           </p:nvSpPr>
           <p:spPr>
             <a:xfrm>
-              <a:off x="1961732" y="6256758"/>
+              <a:off x="1690851" y="6256705"/>
               <a:ext cx="63202" cy="63202"/>
             </a:xfrm>
             <a:custGeom>
@@ -6943,7 +6943,7 @@
           </p:nvSpPr>
           <p:spPr>
             <a:xfrm>
-              <a:off x="2169021" y="6254460"/>
+              <a:off x="1943059" y="6254353"/>
               <a:ext cx="63202" cy="63202"/>
             </a:xfrm>
             <a:custGeom>
@@ -6986,7 +6986,7 @@
           </p:nvSpPr>
           <p:spPr>
             <a:xfrm>
-              <a:off x="3747495" y="6782469"/>
+              <a:off x="3683101" y="6782432"/>
               <a:ext cx="63202" cy="63202"/>
             </a:xfrm>
             <a:custGeom>
@@ -7029,7 +7029,7 @@
           </p:nvSpPr>
           <p:spPr>
             <a:xfrm>
-              <a:off x="2237718" y="6340759"/>
+              <a:off x="1749550" y="6340750"/>
               <a:ext cx="63202" cy="63202"/>
             </a:xfrm>
             <a:custGeom>
@@ -7072,7 +7072,7 @@
           </p:nvSpPr>
           <p:spPr>
             <a:xfrm>
-              <a:off x="1929246" y="6223015"/>
+              <a:off x="1933235" y="6222949"/>
               <a:ext cx="63202" cy="63202"/>
             </a:xfrm>
             <a:custGeom>
@@ -7115,7 +7115,7 @@
           </p:nvSpPr>
           <p:spPr>
             <a:xfrm>
-              <a:off x="2017712" y="6232332"/>
+              <a:off x="1823931" y="6232248"/>
               <a:ext cx="63202" cy="63202"/>
             </a:xfrm>
             <a:custGeom>
@@ -7158,7 +7158,7 @@
           </p:nvSpPr>
           <p:spPr>
             <a:xfrm>
-              <a:off x="1971858" y="6329965"/>
+              <a:off x="1971097" y="6329993"/>
               <a:ext cx="63202" cy="63202"/>
             </a:xfrm>
             <a:custGeom>
@@ -7201,7 +7201,7 @@
           </p:nvSpPr>
           <p:spPr>
             <a:xfrm>
-              <a:off x="2159313" y="6260199"/>
+              <a:off x="1926475" y="6260167"/>
               <a:ext cx="63202" cy="63202"/>
             </a:xfrm>
             <a:custGeom>
@@ -7244,7 +7244,7 @@
           </p:nvSpPr>
           <p:spPr>
             <a:xfrm>
-              <a:off x="1822270" y="6388402"/>
+              <a:off x="1862479" y="6388341"/>
               <a:ext cx="63202" cy="63202"/>
             </a:xfrm>
             <a:custGeom>
@@ -7287,7 +7287,7 @@
           </p:nvSpPr>
           <p:spPr>
             <a:xfrm>
-              <a:off x="3073689" y="6352683"/>
+              <a:off x="2790661" y="6352698"/>
               <a:ext cx="63202" cy="63202"/>
             </a:xfrm>
             <a:custGeom>
@@ -7330,7 +7330,7 @@
           </p:nvSpPr>
           <p:spPr>
             <a:xfrm>
-              <a:off x="2048456" y="6232338"/>
+              <a:off x="2142260" y="6232217"/>
               <a:ext cx="63202" cy="63202"/>
             </a:xfrm>
             <a:custGeom>
@@ -7373,7 +7373,7 @@
           </p:nvSpPr>
           <p:spPr>
             <a:xfrm>
-              <a:off x="2230618" y="6376286"/>
+              <a:off x="2194949" y="6376279"/>
               <a:ext cx="63202" cy="63202"/>
             </a:xfrm>
             <a:custGeom>
@@ -7416,7 +7416,7 @@
           </p:nvSpPr>
           <p:spPr>
             <a:xfrm>
-              <a:off x="3075987" y="6399546"/>
+              <a:off x="2958751" y="6399583"/>
               <a:ext cx="63202" cy="63202"/>
             </a:xfrm>
             <a:custGeom>
@@ -7459,7 +7459,7 @@
           </p:nvSpPr>
           <p:spPr>
             <a:xfrm>
-              <a:off x="1643853" y="6360527"/>
+              <a:off x="1814081" y="6360463"/>
               <a:ext cx="63202" cy="63202"/>
             </a:xfrm>
             <a:custGeom>
@@ -7502,7 +7502,7 @@
           </p:nvSpPr>
           <p:spPr>
             <a:xfrm>
-              <a:off x="1952110" y="6256514"/>
+              <a:off x="1595992" y="6256531"/>
               <a:ext cx="63202" cy="63202"/>
             </a:xfrm>
             <a:custGeom>
@@ -7545,7 +7545,7 @@
           </p:nvSpPr>
           <p:spPr>
             <a:xfrm>
-              <a:off x="1790627" y="6351452"/>
+              <a:off x="2097125" y="6351486"/>
               <a:ext cx="63202" cy="63202"/>
             </a:xfrm>
             <a:custGeom>
@@ -7588,7 +7588,7 @@
           </p:nvSpPr>
           <p:spPr>
             <a:xfrm>
-              <a:off x="1879141" y="6312298"/>
+              <a:off x="2037789" y="6312145"/>
               <a:ext cx="63202" cy="63202"/>
             </a:xfrm>
             <a:custGeom>
@@ -7631,7 +7631,7 @@
           </p:nvSpPr>
           <p:spPr>
             <a:xfrm>
-              <a:off x="1554015" y="6375515"/>
+              <a:off x="2010627" y="6375527"/>
               <a:ext cx="63202" cy="63202"/>
             </a:xfrm>
             <a:custGeom>
@@ -7674,7 +7674,7 @@
           </p:nvSpPr>
           <p:spPr>
             <a:xfrm>
-              <a:off x="2893081" y="6404127"/>
+              <a:off x="2575008" y="6404153"/>
               <a:ext cx="63202" cy="63202"/>
             </a:xfrm>
             <a:custGeom>
@@ -7717,7 +7717,7 @@
           </p:nvSpPr>
           <p:spPr>
             <a:xfrm>
-              <a:off x="2213896" y="6219866"/>
+              <a:off x="1659301" y="6219776"/>
               <a:ext cx="63202" cy="63202"/>
             </a:xfrm>
             <a:custGeom>
@@ -7760,7 +7760,7 @@
           </p:nvSpPr>
           <p:spPr>
             <a:xfrm>
-              <a:off x="2070479" y="6186874"/>
+              <a:off x="1756348" y="6186922"/>
               <a:ext cx="63202" cy="63202"/>
             </a:xfrm>
             <a:custGeom>
@@ -7803,7 +7803,7 @@
           </p:nvSpPr>
           <p:spPr>
             <a:xfrm>
-              <a:off x="1633248" y="6186308"/>
+              <a:off x="1854271" y="6186337"/>
               <a:ext cx="63202" cy="63202"/>
             </a:xfrm>
             <a:custGeom>
@@ -7846,7 +7846,7 @@
           </p:nvSpPr>
           <p:spPr>
             <a:xfrm>
-              <a:off x="1799282" y="6216479"/>
+              <a:off x="1842237" y="6216448"/>
               <a:ext cx="63202" cy="63202"/>
             </a:xfrm>
             <a:custGeom>
@@ -7889,7 +7889,7 @@
           </p:nvSpPr>
           <p:spPr>
             <a:xfrm>
-              <a:off x="2954865" y="6539439"/>
+              <a:off x="3059974" y="6539371"/>
               <a:ext cx="63202" cy="63202"/>
             </a:xfrm>
             <a:custGeom>
@@ -7932,7 +7932,7 @@
           </p:nvSpPr>
           <p:spPr>
             <a:xfrm>
-              <a:off x="1951101" y="6099496"/>
+              <a:off x="2195089" y="6099315"/>
               <a:ext cx="63202" cy="63202"/>
             </a:xfrm>
             <a:custGeom>
@@ -7975,7 +7975,7 @@
           </p:nvSpPr>
           <p:spPr>
             <a:xfrm>
-              <a:off x="1627688" y="6302040"/>
+              <a:off x="1616172" y="6302005"/>
               <a:ext cx="63202" cy="63202"/>
             </a:xfrm>
             <a:custGeom>
@@ -8018,7 +8018,7 @@
           </p:nvSpPr>
           <p:spPr>
             <a:xfrm>
-              <a:off x="1940108" y="6328667"/>
+              <a:off x="1833462" y="6328703"/>
               <a:ext cx="63202" cy="63202"/>
             </a:xfrm>
             <a:custGeom>
@@ -8061,7 +8061,7 @@
           </p:nvSpPr>
           <p:spPr>
             <a:xfrm>
-              <a:off x="1835831" y="6213270"/>
+              <a:off x="1963750" y="6213270"/>
               <a:ext cx="63202" cy="63202"/>
             </a:xfrm>
             <a:custGeom>
@@ -8104,7 +8104,7 @@
           </p:nvSpPr>
           <p:spPr>
             <a:xfrm>
-              <a:off x="2164960" y="6266513"/>
+              <a:off x="1542880" y="6266470"/>
               <a:ext cx="63202" cy="63202"/>
             </a:xfrm>
             <a:custGeom>
@@ -8147,7 +8147,7 @@
           </p:nvSpPr>
           <p:spPr>
             <a:xfrm>
-              <a:off x="2198709" y="6253119"/>
+              <a:off x="1850520" y="6253063"/>
               <a:ext cx="63202" cy="63202"/>
             </a:xfrm>
             <a:custGeom>
@@ -8190,7 +8190,7 @@
           </p:nvSpPr>
           <p:spPr>
             <a:xfrm>
-              <a:off x="3317492" y="6744991"/>
+              <a:off x="3440923" y="6744962"/>
               <a:ext cx="63202" cy="63202"/>
             </a:xfrm>
             <a:custGeom>
@@ -8233,7 +8233,7 @@
           </p:nvSpPr>
           <p:spPr>
             <a:xfrm>
-              <a:off x="1545431" y="6287770"/>
+              <a:off x="2094093" y="6287687"/>
               <a:ext cx="63202" cy="63202"/>
             </a:xfrm>
             <a:custGeom>
@@ -8276,7 +8276,7 @@
           </p:nvSpPr>
           <p:spPr>
             <a:xfrm>
-              <a:off x="2151211" y="6329518"/>
+              <a:off x="2156367" y="6329538"/>
               <a:ext cx="63202" cy="63202"/>
             </a:xfrm>
             <a:custGeom>
@@ -8319,7 +8319,7 @@
           </p:nvSpPr>
           <p:spPr>
             <a:xfrm>
-              <a:off x="3039721" y="6637352"/>
+              <a:off x="3057406" y="6637463"/>
               <a:ext cx="63202" cy="63202"/>
             </a:xfrm>
             <a:custGeom>
@@ -8362,7 +8362,7 @@
           </p:nvSpPr>
           <p:spPr>
             <a:xfrm>
-              <a:off x="1658250" y="6163668"/>
+              <a:off x="2125758" y="6163661"/>
               <a:ext cx="63202" cy="63202"/>
             </a:xfrm>
             <a:custGeom>
@@ -8405,7 +8405,7 @@
           </p:nvSpPr>
           <p:spPr>
             <a:xfrm>
-              <a:off x="2123855" y="6254078"/>
+              <a:off x="1701198" y="6254019"/>
               <a:ext cx="63202" cy="63202"/>
             </a:xfrm>
             <a:custGeom>
@@ -8448,7 +8448,7 @@
           </p:nvSpPr>
           <p:spPr>
             <a:xfrm>
-              <a:off x="1765340" y="6215434"/>
+              <a:off x="1543979" y="6215311"/>
               <a:ext cx="63202" cy="63202"/>
             </a:xfrm>
             <a:custGeom>
@@ -8491,7 +8491,7 @@
           </p:nvSpPr>
           <p:spPr>
             <a:xfrm>
-              <a:off x="3045139" y="6423649"/>
+              <a:off x="2718477" y="6423542"/>
               <a:ext cx="63202" cy="63202"/>
             </a:xfrm>
             <a:custGeom>
@@ -8534,7 +8534,7 @@
           </p:nvSpPr>
           <p:spPr>
             <a:xfrm>
-              <a:off x="2197194" y="6239661"/>
+              <a:off x="2174819" y="6239651"/>
               <a:ext cx="63202" cy="63202"/>
             </a:xfrm>
             <a:custGeom>
@@ -8577,7 +8577,7 @@
           </p:nvSpPr>
           <p:spPr>
             <a:xfrm>
-              <a:off x="2235480" y="6275131"/>
+              <a:off x="1859760" y="6275066"/>
               <a:ext cx="63202" cy="63202"/>
             </a:xfrm>
             <a:custGeom>
@@ -8620,7 +8620,7 @@
           </p:nvSpPr>
           <p:spPr>
             <a:xfrm>
-              <a:off x="2893653" y="6512873"/>
+              <a:off x="2531018" y="6512694"/>
               <a:ext cx="63202" cy="63202"/>
             </a:xfrm>
             <a:custGeom>
@@ -8663,7 +8663,7 @@
           </p:nvSpPr>
           <p:spPr>
             <a:xfrm>
-              <a:off x="1916670" y="6298227"/>
+              <a:off x="1868421" y="6298233"/>
               <a:ext cx="63202" cy="63202"/>
             </a:xfrm>
             <a:custGeom>
@@ -8706,7 +8706,7 @@
           </p:nvSpPr>
           <p:spPr>
             <a:xfrm>
-              <a:off x="1902000" y="6280082"/>
+              <a:off x="2237056" y="6280084"/>
               <a:ext cx="63202" cy="63202"/>
             </a:xfrm>
             <a:custGeom>
@@ -8749,7 +8749,7 @@
           </p:nvSpPr>
           <p:spPr>
             <a:xfrm>
-              <a:off x="1801975" y="6247864"/>
+              <a:off x="1571623" y="6247892"/>
               <a:ext cx="63202" cy="63202"/>
             </a:xfrm>
             <a:custGeom>
@@ -8792,7 +8792,7 @@
           </p:nvSpPr>
           <p:spPr>
             <a:xfrm>
-              <a:off x="1569159" y="6218835"/>
+              <a:off x="1831320" y="6218801"/>
               <a:ext cx="63202" cy="63202"/>
             </a:xfrm>
             <a:custGeom>
@@ -8835,7 +8835,7 @@
           </p:nvSpPr>
           <p:spPr>
             <a:xfrm>
-              <a:off x="2228061" y="6292264"/>
+              <a:off x="2223681" y="6292209"/>
               <a:ext cx="63202" cy="63202"/>
             </a:xfrm>
             <a:custGeom>
@@ -8878,7 +8878,7 @@
           </p:nvSpPr>
           <p:spPr>
             <a:xfrm>
-              <a:off x="1943109" y="6326396"/>
+              <a:off x="1858133" y="6326274"/>
               <a:ext cx="63202" cy="63202"/>
             </a:xfrm>
             <a:custGeom>
@@ -8921,7 +8921,7 @@
           </p:nvSpPr>
           <p:spPr>
             <a:xfrm>
-              <a:off x="2787325" y="6462546"/>
+              <a:off x="2778843" y="6462631"/>
               <a:ext cx="63202" cy="63202"/>
             </a:xfrm>
             <a:custGeom>
@@ -8964,7 +8964,7 @@
           </p:nvSpPr>
           <p:spPr>
             <a:xfrm>
-              <a:off x="2086707" y="6259411"/>
+              <a:off x="2239698" y="6259435"/>
               <a:ext cx="63202" cy="63202"/>
             </a:xfrm>
             <a:custGeom>
@@ -9007,7 +9007,7 @@
           </p:nvSpPr>
           <p:spPr>
             <a:xfrm>
-              <a:off x="1874547" y="6324224"/>
+              <a:off x="2181354" y="6324191"/>
               <a:ext cx="63202" cy="63202"/>
             </a:xfrm>
             <a:custGeom>
@@ -9050,7 +9050,7 @@
           </p:nvSpPr>
           <p:spPr>
             <a:xfrm>
-              <a:off x="1736357" y="6163801"/>
+              <a:off x="1835258" y="6163725"/>
               <a:ext cx="63202" cy="63202"/>
             </a:xfrm>
             <a:custGeom>
@@ -9093,7 +9093,7 @@
           </p:nvSpPr>
           <p:spPr>
             <a:xfrm>
-              <a:off x="2986220" y="6423660"/>
+              <a:off x="2779958" y="6423549"/>
               <a:ext cx="63202" cy="63202"/>
             </a:xfrm>
             <a:custGeom>
@@ -9136,7 +9136,7 @@
           </p:nvSpPr>
           <p:spPr>
             <a:xfrm>
-              <a:off x="2242992" y="6228864"/>
+              <a:off x="2077999" y="6228913"/>
               <a:ext cx="63202" cy="63202"/>
             </a:xfrm>
             <a:custGeom>
@@ -9179,7 +9179,7 @@
           </p:nvSpPr>
           <p:spPr>
             <a:xfrm>
-              <a:off x="2134050" y="6208676"/>
+              <a:off x="1598102" y="6208707"/>
               <a:ext cx="63202" cy="63202"/>
             </a:xfrm>
             <a:custGeom>
@@ -9222,7 +9222,7 @@
           </p:nvSpPr>
           <p:spPr>
             <a:xfrm>
-              <a:off x="1605915" y="6208679"/>
+              <a:off x="2036051" y="6208643"/>
               <a:ext cx="63202" cy="63202"/>
             </a:xfrm>
             <a:custGeom>
@@ -9265,7 +9265,7 @@
           </p:nvSpPr>
           <p:spPr>
             <a:xfrm>
-              <a:off x="1922242" y="6208650"/>
+              <a:off x="1702492" y="6208660"/>
               <a:ext cx="63202" cy="63202"/>
             </a:xfrm>
             <a:custGeom>
@@ -9308,7 +9308,7 @@
           </p:nvSpPr>
           <p:spPr>
             <a:xfrm>
-              <a:off x="1978430" y="6211006"/>
+              <a:off x="1921705" y="6210964"/>
               <a:ext cx="63202" cy="63202"/>
             </a:xfrm>
             <a:custGeom>
@@ -9351,7 +9351,7 @@
           </p:nvSpPr>
           <p:spPr>
             <a:xfrm>
-              <a:off x="1746376" y="6208611"/>
+              <a:off x="1626464" y="6208620"/>
               <a:ext cx="63202" cy="63202"/>
             </a:xfrm>
             <a:custGeom>
@@ -9394,7 +9394,7 @@
           </p:nvSpPr>
           <p:spPr>
             <a:xfrm>
-              <a:off x="1960001" y="6178167"/>
+              <a:off x="2109230" y="6178109"/>
               <a:ext cx="63202" cy="63202"/>
             </a:xfrm>
             <a:custGeom>
@@ -9437,7 +9437,7 @@
           </p:nvSpPr>
           <p:spPr>
             <a:xfrm>
-              <a:off x="1639731" y="6157812"/>
+              <a:off x="2196341" y="6157866"/>
               <a:ext cx="63202" cy="63202"/>
             </a:xfrm>
             <a:custGeom>
@@ -9480,7 +9480,7 @@
           </p:nvSpPr>
           <p:spPr>
             <a:xfrm>
-              <a:off x="2957050" y="6572508"/>
+              <a:off x="2595759" y="6572400"/>
               <a:ext cx="63202" cy="63202"/>
             </a:xfrm>
             <a:custGeom>
@@ -9523,7 +9523,7 @@
           </p:nvSpPr>
           <p:spPr>
             <a:xfrm>
-              <a:off x="2222270" y="6228901"/>
+              <a:off x="1825151" y="6228888"/>
               <a:ext cx="63202" cy="63202"/>
             </a:xfrm>
             <a:custGeom>
@@ -9566,7 +9566,7 @@
           </p:nvSpPr>
           <p:spPr>
             <a:xfrm>
-              <a:off x="1843663" y="6187964"/>
+              <a:off x="2101491" y="6187952"/>
               <a:ext cx="63202" cy="63202"/>
             </a:xfrm>
             <a:custGeom>
@@ -9609,7 +9609,7 @@
           </p:nvSpPr>
           <p:spPr>
             <a:xfrm>
-              <a:off x="1644212" y="6231718"/>
+              <a:off x="2121337" y="6231651"/>
               <a:ext cx="63202" cy="63202"/>
             </a:xfrm>
             <a:custGeom>
@@ -9652,7 +9652,7 @@
           </p:nvSpPr>
           <p:spPr>
             <a:xfrm>
-              <a:off x="2941472" y="6499560"/>
+              <a:off x="3083970" y="6499414"/>
               <a:ext cx="63202" cy="63202"/>
             </a:xfrm>
             <a:custGeom>
@@ -9695,7 +9695,7 @@
           </p:nvSpPr>
           <p:spPr>
             <a:xfrm>
-              <a:off x="1688579" y="6221158"/>
+              <a:off x="1654651" y="6221005"/>
               <a:ext cx="63202" cy="63202"/>
             </a:xfrm>
             <a:custGeom>
@@ -9738,7 +9738,7 @@
           </p:nvSpPr>
           <p:spPr>
             <a:xfrm>
-              <a:off x="2242221" y="6315326"/>
+              <a:off x="2193339" y="6315321"/>
               <a:ext cx="63202" cy="63202"/>
             </a:xfrm>
             <a:custGeom>
@@ -9781,7 +9781,7 @@
           </p:nvSpPr>
           <p:spPr>
             <a:xfrm>
-              <a:off x="1548450" y="6190454"/>
+              <a:off x="1874605" y="6190511"/>
               <a:ext cx="63202" cy="63202"/>
             </a:xfrm>
             <a:custGeom>
@@ -9824,7 +9824,7 @@
           </p:nvSpPr>
           <p:spPr>
             <a:xfrm>
-              <a:off x="1956119" y="6163301"/>
+              <a:off x="1594180" y="6163373"/>
               <a:ext cx="63202" cy="63202"/>
             </a:xfrm>
             <a:custGeom>
@@ -9867,7 +9867,7 @@
           </p:nvSpPr>
           <p:spPr>
             <a:xfrm>
-              <a:off x="1620460" y="6215995"/>
+              <a:off x="1967513" y="6216053"/>
               <a:ext cx="63202" cy="63202"/>
             </a:xfrm>
             <a:custGeom>
@@ -9910,7 +9910,7 @@
           </p:nvSpPr>
           <p:spPr>
             <a:xfrm>
-              <a:off x="1617759" y="6218403"/>
+              <a:off x="1730110" y="6218305"/>
               <a:ext cx="63202" cy="63202"/>
             </a:xfrm>
             <a:custGeom>
@@ -9953,7 +9953,7 @@
           </p:nvSpPr>
           <p:spPr>
             <a:xfrm>
-              <a:off x="2177441" y="6197959"/>
+              <a:off x="2165046" y="6197806"/>
               <a:ext cx="63202" cy="63202"/>
             </a:xfrm>
             <a:custGeom>
@@ -9996,7 +9996,7 @@
           </p:nvSpPr>
           <p:spPr>
             <a:xfrm>
-              <a:off x="1676580" y="6240374"/>
+              <a:off x="2015759" y="6240330"/>
               <a:ext cx="63202" cy="63202"/>
             </a:xfrm>
             <a:custGeom>
@@ -10039,7 +10039,7 @@
           </p:nvSpPr>
           <p:spPr>
             <a:xfrm>
-              <a:off x="1912390" y="6217026"/>
+              <a:off x="1836042" y="6217128"/>
               <a:ext cx="63202" cy="63202"/>
             </a:xfrm>
             <a:custGeom>
@@ -10082,7 +10082,7 @@
           </p:nvSpPr>
           <p:spPr>
             <a:xfrm>
-              <a:off x="1796769" y="6213506"/>
+              <a:off x="1801499" y="6213544"/>
               <a:ext cx="63202" cy="63202"/>
             </a:xfrm>
             <a:custGeom>
@@ -10125,7 +10125,7 @@
           </p:nvSpPr>
           <p:spPr>
             <a:xfrm>
-              <a:off x="1935121" y="6216508"/>
+              <a:off x="1716660" y="6216463"/>
               <a:ext cx="63202" cy="63202"/>
             </a:xfrm>
             <a:custGeom>
@@ -10168,7 +10168,7 @@
           </p:nvSpPr>
           <p:spPr>
             <a:xfrm>
-              <a:off x="2120998" y="6163769"/>
+              <a:off x="2238868" y="6163759"/>
               <a:ext cx="63202" cy="63202"/>
             </a:xfrm>
             <a:custGeom>
@@ -10211,7 +10211,7 @@
           </p:nvSpPr>
           <p:spPr>
             <a:xfrm>
-              <a:off x="1991191" y="6165219"/>
+              <a:off x="2024368" y="6165127"/>
               <a:ext cx="63202" cy="63202"/>
             </a:xfrm>
             <a:custGeom>
@@ -10254,7 +10254,7 @@
           </p:nvSpPr>
           <p:spPr>
             <a:xfrm>
-              <a:off x="1738460" y="6215619"/>
+              <a:off x="1656153" y="6215528"/>
               <a:ext cx="63202" cy="63202"/>
             </a:xfrm>
             <a:custGeom>
@@ -10297,7 +10297,7 @@
           </p:nvSpPr>
           <p:spPr>
             <a:xfrm>
-              <a:off x="1857036" y="6223208"/>
+              <a:off x="1704638" y="6223159"/>
               <a:ext cx="63202" cy="63202"/>
             </a:xfrm>
             <a:custGeom>
@@ -10340,7 +10340,7 @@
           </p:nvSpPr>
           <p:spPr>
             <a:xfrm>
-              <a:off x="1635087" y="6218568"/>
+              <a:off x="2098348" y="6218596"/>
               <a:ext cx="63202" cy="63202"/>
             </a:xfrm>
             <a:custGeom>
@@ -10383,7 +10383,7 @@
           </p:nvSpPr>
           <p:spPr>
             <a:xfrm>
-              <a:off x="1601483" y="6218717"/>
+              <a:off x="2081068" y="6218780"/>
               <a:ext cx="63202" cy="63202"/>
             </a:xfrm>
             <a:custGeom>
@@ -10426,7 +10426,7 @@
           </p:nvSpPr>
           <p:spPr>
             <a:xfrm>
-              <a:off x="1841705" y="6218340"/>
+              <a:off x="1697249" y="6218405"/>
               <a:ext cx="63202" cy="63202"/>
             </a:xfrm>
             <a:custGeom>
@@ -10469,7 +10469,7 @@
           </p:nvSpPr>
           <p:spPr>
             <a:xfrm>
-              <a:off x="1543686" y="6328603"/>
+              <a:off x="1578617" y="6328724"/>
               <a:ext cx="63202" cy="63202"/>
             </a:xfrm>
             <a:custGeom>
@@ -10512,7 +10512,7 @@
           </p:nvSpPr>
           <p:spPr>
             <a:xfrm>
-              <a:off x="1796412" y="6224563"/>
+              <a:off x="2088495" y="6224449"/>
               <a:ext cx="63202" cy="63202"/>
             </a:xfrm>
             <a:custGeom>
@@ -10555,7 +10555,7 @@
           </p:nvSpPr>
           <p:spPr>
             <a:xfrm>
-              <a:off x="1903306" y="6213967"/>
+              <a:off x="2158822" y="6213976"/>
               <a:ext cx="63202" cy="63202"/>
             </a:xfrm>
             <a:custGeom>
@@ -10598,7 +10598,7 @@
           </p:nvSpPr>
           <p:spPr>
             <a:xfrm>
-              <a:off x="1810508" y="6164563"/>
+              <a:off x="1803965" y="6164608"/>
               <a:ext cx="63202" cy="63202"/>
             </a:xfrm>
             <a:custGeom>
@@ -10641,7 +10641,7 @@
           </p:nvSpPr>
           <p:spPr>
             <a:xfrm>
-              <a:off x="1675829" y="6283090"/>
+              <a:off x="1751898" y="6283046"/>
               <a:ext cx="63202" cy="63202"/>
             </a:xfrm>
             <a:custGeom>
@@ -10684,7 +10684,7 @@
           </p:nvSpPr>
           <p:spPr>
             <a:xfrm>
-              <a:off x="2560633" y="6491103"/>
+              <a:off x="2542315" y="6490969"/>
               <a:ext cx="63202" cy="63202"/>
             </a:xfrm>
             <a:custGeom>
@@ -10727,7 +10727,7 @@
           </p:nvSpPr>
           <p:spPr>
             <a:xfrm>
-              <a:off x="1632478" y="6370868"/>
+              <a:off x="1888719" y="6370894"/>
               <a:ext cx="63202" cy="63202"/>
             </a:xfrm>
             <a:custGeom>
@@ -10770,7 +10770,7 @@
           </p:nvSpPr>
           <p:spPr>
             <a:xfrm>
-              <a:off x="2941500" y="6509242"/>
+              <a:off x="2972528" y="6509189"/>
               <a:ext cx="63202" cy="63202"/>
             </a:xfrm>
             <a:custGeom>
@@ -10813,7 +10813,7 @@
           </p:nvSpPr>
           <p:spPr>
             <a:xfrm>
-              <a:off x="2820696" y="6512079"/>
+              <a:off x="2779749" y="6512058"/>
               <a:ext cx="63202" cy="63202"/>
             </a:xfrm>
             <a:custGeom>
@@ -10856,7 +10856,7 @@
           </p:nvSpPr>
           <p:spPr>
             <a:xfrm>
-              <a:off x="2147757" y="6264173"/>
+              <a:off x="2170714" y="6264074"/>
               <a:ext cx="63202" cy="63202"/>
             </a:xfrm>
             <a:custGeom>
@@ -10899,7 +10899,7 @@
           </p:nvSpPr>
           <p:spPr>
             <a:xfrm>
-              <a:off x="1991402" y="6261349"/>
+              <a:off x="1945496" y="6261354"/>
               <a:ext cx="63202" cy="63202"/>
             </a:xfrm>
             <a:custGeom>
@@ -10942,7 +10942,7 @@
           </p:nvSpPr>
           <p:spPr>
             <a:xfrm>
-              <a:off x="2023001" y="6261357"/>
+              <a:off x="1674172" y="6261419"/>
               <a:ext cx="63202" cy="63202"/>
             </a:xfrm>
             <a:custGeom>
@@ -10985,7 +10985,7 @@
           </p:nvSpPr>
           <p:spPr>
             <a:xfrm>
-              <a:off x="1889438" y="6256259"/>
+              <a:off x="2208359" y="6256276"/>
               <a:ext cx="63202" cy="63202"/>
             </a:xfrm>
             <a:custGeom>
@@ -11028,7 +11028,7 @@
           </p:nvSpPr>
           <p:spPr>
             <a:xfrm>
-              <a:off x="1617461" y="6314971"/>
+              <a:off x="2212704" y="6314913"/>
               <a:ext cx="63202" cy="63202"/>
             </a:xfrm>
             <a:custGeom>
@@ -11071,7 +11071,7 @@
           </p:nvSpPr>
           <p:spPr>
             <a:xfrm>
-              <a:off x="2629692" y="6541869"/>
+              <a:off x="2535854" y="6541830"/>
               <a:ext cx="63202" cy="63202"/>
             </a:xfrm>
             <a:custGeom>
@@ -11114,7 +11114,7 @@
           </p:nvSpPr>
           <p:spPr>
             <a:xfrm>
-              <a:off x="2639640" y="6491144"/>
+              <a:off x="2797679" y="6491005"/>
               <a:ext cx="63202" cy="63202"/>
             </a:xfrm>
             <a:custGeom>
@@ -11157,7 +11157,7 @@
           </p:nvSpPr>
           <p:spPr>
             <a:xfrm>
-              <a:off x="1734269" y="6384981"/>
+              <a:off x="1923380" y="6384901"/>
               <a:ext cx="63202" cy="63202"/>
             </a:xfrm>
             <a:custGeom>
@@ -11200,7 +11200,7 @@
           </p:nvSpPr>
           <p:spPr>
             <a:xfrm>
-              <a:off x="2626345" y="6500636"/>
+              <a:off x="2604237" y="6500473"/>
               <a:ext cx="63202" cy="63202"/>
             </a:xfrm>
             <a:custGeom>
@@ -11243,7 +11243,7 @@
           </p:nvSpPr>
           <p:spPr>
             <a:xfrm>
-              <a:off x="2531180" y="6491069"/>
+              <a:off x="2770287" y="6490989"/>
               <a:ext cx="63202" cy="63202"/>
             </a:xfrm>
             <a:custGeom>
@@ -11286,7 +11286,7 @@
           </p:nvSpPr>
           <p:spPr>
             <a:xfrm>
-              <a:off x="2163965" y="6216439"/>
+              <a:off x="1972152" y="6216490"/>
               <a:ext cx="63202" cy="63202"/>
             </a:xfrm>
             <a:custGeom>
@@ -11329,7 +11329,7 @@
           </p:nvSpPr>
           <p:spPr>
             <a:xfrm>
-              <a:off x="3801390" y="6731571"/>
+              <a:off x="3943563" y="6731535"/>
               <a:ext cx="63202" cy="63202"/>
             </a:xfrm>
             <a:custGeom>
@@ -11372,7 +11372,7 @@
           </p:nvSpPr>
           <p:spPr>
             <a:xfrm>
-              <a:off x="1886075" y="6338988"/>
+              <a:off x="1819526" y="6338922"/>
               <a:ext cx="63202" cy="63202"/>
             </a:xfrm>
             <a:custGeom>
@@ -11415,7 +11415,7 @@
           </p:nvSpPr>
           <p:spPr>
             <a:xfrm>
-              <a:off x="1905590" y="6208101"/>
+              <a:off x="2047596" y="6208010"/>
               <a:ext cx="63202" cy="63202"/>
             </a:xfrm>
             <a:custGeom>
@@ -11458,7 +11458,7 @@
           </p:nvSpPr>
           <p:spPr>
             <a:xfrm>
-              <a:off x="1820498" y="6255639"/>
+              <a:off x="2022657" y="6255677"/>
               <a:ext cx="63202" cy="63202"/>
             </a:xfrm>
             <a:custGeom>
@@ -11501,7 +11501,7 @@
           </p:nvSpPr>
           <p:spPr>
             <a:xfrm>
-              <a:off x="1655626" y="6213865"/>
+              <a:off x="1883878" y="6213911"/>
               <a:ext cx="63202" cy="63202"/>
             </a:xfrm>
             <a:custGeom>
@@ -11544,7 +11544,7 @@
           </p:nvSpPr>
           <p:spPr>
             <a:xfrm>
-              <a:off x="2078798" y="6215007"/>
+              <a:off x="2112161" y="6215040"/>
               <a:ext cx="63202" cy="63202"/>
             </a:xfrm>
             <a:custGeom>
@@ -11587,7 +11587,7 @@
           </p:nvSpPr>
           <p:spPr>
             <a:xfrm>
-              <a:off x="1590155" y="6224759"/>
+              <a:off x="1958706" y="6224653"/>
               <a:ext cx="63202" cy="63202"/>
             </a:xfrm>
             <a:custGeom>
@@ -11630,7 +11630,7 @@
           </p:nvSpPr>
           <p:spPr>
             <a:xfrm>
-              <a:off x="1768969" y="6221332"/>
+              <a:off x="2213223" y="6221239"/>
               <a:ext cx="63202" cy="63202"/>
             </a:xfrm>
             <a:custGeom>
@@ -11673,7 +11673,7 @@
           </p:nvSpPr>
           <p:spPr>
             <a:xfrm>
-              <a:off x="3635542" y="6626919"/>
+              <a:off x="3423730" y="6626816"/>
               <a:ext cx="63202" cy="63202"/>
             </a:xfrm>
             <a:custGeom>
@@ -11772,7 +11772,7 @@
           </p:nvSpPr>
           <p:spPr>
             <a:xfrm>
-              <a:off x="4284320" y="2998691"/>
+              <a:off x="4284320" y="2998673"/>
               <a:ext cx="2817450" cy="0"/>
             </a:xfrm>
             <a:custGeom>
@@ -11815,7 +11815,7 @@
           </p:nvSpPr>
           <p:spPr>
             <a:xfrm>
-              <a:off x="4284320" y="2576886"/>
+              <a:off x="4284320" y="2576862"/>
               <a:ext cx="2817450" cy="0"/>
             </a:xfrm>
             <a:custGeom>
@@ -11858,7 +11858,7 @@
           </p:nvSpPr>
           <p:spPr>
             <a:xfrm>
-              <a:off x="4284320" y="2155081"/>
+              <a:off x="4284320" y="2155052"/>
               <a:ext cx="2817450" cy="0"/>
             </a:xfrm>
             <a:custGeom>
@@ -11901,7 +11901,7 @@
           </p:nvSpPr>
           <p:spPr>
             <a:xfrm>
-              <a:off x="4284320" y="1733275"/>
+              <a:off x="4284320" y="1733241"/>
               <a:ext cx="2817450" cy="0"/>
             </a:xfrm>
             <a:custGeom>
@@ -11944,7 +11944,7 @@
           </p:nvSpPr>
           <p:spPr>
             <a:xfrm>
-              <a:off x="4284320" y="2787788"/>
+              <a:off x="4284320" y="2787768"/>
               <a:ext cx="2817450" cy="0"/>
             </a:xfrm>
             <a:custGeom>
@@ -11987,7 +11987,7 @@
           </p:nvSpPr>
           <p:spPr>
             <a:xfrm>
-              <a:off x="4284320" y="2365983"/>
+              <a:off x="4284320" y="2365957"/>
               <a:ext cx="2817450" cy="0"/>
             </a:xfrm>
             <a:custGeom>
@@ -12030,7 +12030,7 @@
           </p:nvSpPr>
           <p:spPr>
             <a:xfrm>
-              <a:off x="4284320" y="1944178"/>
+              <a:off x="4284320" y="1944146"/>
               <a:ext cx="2817450" cy="0"/>
             </a:xfrm>
             <a:custGeom>
@@ -12073,7 +12073,7 @@
           </p:nvSpPr>
           <p:spPr>
             <a:xfrm>
-              <a:off x="4284320" y="1522373"/>
+              <a:off x="4284320" y="1522335"/>
               <a:ext cx="2817450" cy="0"/>
             </a:xfrm>
             <a:custGeom>
@@ -12245,7 +12245,7 @@
           </p:nvSpPr>
           <p:spPr>
             <a:xfrm>
-              <a:off x="4873589" y="2228034"/>
+              <a:off x="5062097" y="2228141"/>
               <a:ext cx="63202" cy="63202"/>
             </a:xfrm>
             <a:custGeom>
@@ -12288,7 +12288,7 @@
           </p:nvSpPr>
           <p:spPr>
             <a:xfrm>
-              <a:off x="4949511" y="2258394"/>
+              <a:off x="4984962" y="2258430"/>
               <a:ext cx="63202" cy="63202"/>
             </a:xfrm>
             <a:custGeom>
@@ -12331,7 +12331,7 @@
           </p:nvSpPr>
           <p:spPr>
             <a:xfrm>
-              <a:off x="4818293" y="2205750"/>
+              <a:off x="4596227" y="2205723"/>
               <a:ext cx="63202" cy="63202"/>
             </a:xfrm>
             <a:custGeom>
@@ -12374,7 +12374,7 @@
           </p:nvSpPr>
           <p:spPr>
             <a:xfrm>
-              <a:off x="4437165" y="2202510"/>
+              <a:off x="4634071" y="2202512"/>
               <a:ext cx="63202" cy="63202"/>
             </a:xfrm>
             <a:custGeom>
@@ -12417,7 +12417,7 @@
           </p:nvSpPr>
           <p:spPr>
             <a:xfrm>
-              <a:off x="5030322" y="2194499"/>
+              <a:off x="4642789" y="2194458"/>
               <a:ext cx="63202" cy="63202"/>
             </a:xfrm>
             <a:custGeom>
@@ -12460,7 +12460,7 @@
           </p:nvSpPr>
           <p:spPr>
             <a:xfrm>
-              <a:off x="4494326" y="2218223"/>
+              <a:off x="4986797" y="2218168"/>
               <a:ext cx="63202" cy="63202"/>
             </a:xfrm>
             <a:custGeom>
@@ -12503,7 +12503,7 @@
           </p:nvSpPr>
           <p:spPr>
             <a:xfrm>
-              <a:off x="4623394" y="2212043"/>
+              <a:off x="4760410" y="2211956"/>
               <a:ext cx="63202" cy="63202"/>
             </a:xfrm>
             <a:custGeom>
@@ -12546,7 +12546,7 @@
           </p:nvSpPr>
           <p:spPr>
             <a:xfrm>
-              <a:off x="4758819" y="2210967"/>
+              <a:off x="4784263" y="2210973"/>
               <a:ext cx="63202" cy="63202"/>
             </a:xfrm>
             <a:custGeom>
@@ -12589,7 +12589,7 @@
           </p:nvSpPr>
           <p:spPr>
             <a:xfrm>
-              <a:off x="4880086" y="2207924"/>
+              <a:off x="5059042" y="2207872"/>
               <a:ext cx="63202" cy="63202"/>
             </a:xfrm>
             <a:custGeom>
@@ -12632,7 +12632,7 @@
           </p:nvSpPr>
           <p:spPr>
             <a:xfrm>
-              <a:off x="4698363" y="2188458"/>
+              <a:off x="4920262" y="2188386"/>
               <a:ext cx="63202" cy="63202"/>
             </a:xfrm>
             <a:custGeom>
@@ -12675,7 +12675,7 @@
           </p:nvSpPr>
           <p:spPr>
             <a:xfrm>
-              <a:off x="4888426" y="2213818"/>
+              <a:off x="4712067" y="2213691"/>
               <a:ext cx="63202" cy="63202"/>
             </a:xfrm>
             <a:custGeom>
@@ -12718,7 +12718,7 @@
           </p:nvSpPr>
           <p:spPr>
             <a:xfrm>
-              <a:off x="4461647" y="2216743"/>
+              <a:off x="5091528" y="2216641"/>
               <a:ext cx="63202" cy="63202"/>
             </a:xfrm>
             <a:custGeom>
@@ -12761,7 +12761,7 @@
           </p:nvSpPr>
           <p:spPr>
             <a:xfrm>
-              <a:off x="4502085" y="2217097"/>
+              <a:off x="4806237" y="2217166"/>
               <a:ext cx="63202" cy="63202"/>
             </a:xfrm>
             <a:custGeom>
@@ -12804,7 +12804,7 @@
           </p:nvSpPr>
           <p:spPr>
             <a:xfrm>
-              <a:off x="5062941" y="2184067"/>
+              <a:off x="4525202" y="2183896"/>
               <a:ext cx="63202" cy="63202"/>
             </a:xfrm>
             <a:custGeom>
@@ -12847,7 +12847,7 @@
           </p:nvSpPr>
           <p:spPr>
             <a:xfrm>
-              <a:off x="4815508" y="2212429"/>
+              <a:off x="5100374" y="2212520"/>
               <a:ext cx="63202" cy="63202"/>
             </a:xfrm>
             <a:custGeom>
@@ -12890,7 +12890,7 @@
           </p:nvSpPr>
           <p:spPr>
             <a:xfrm>
-              <a:off x="4939490" y="2182452"/>
+              <a:off x="4663549" y="2182527"/>
               <a:ext cx="63202" cy="63202"/>
             </a:xfrm>
             <a:custGeom>
@@ -12933,7 +12933,7 @@
           </p:nvSpPr>
           <p:spPr>
             <a:xfrm>
-              <a:off x="4450068" y="2214556"/>
+              <a:off x="4785544" y="2214481"/>
               <a:ext cx="63202" cy="63202"/>
             </a:xfrm>
             <a:custGeom>
@@ -12976,7 +12976,7 @@
           </p:nvSpPr>
           <p:spPr>
             <a:xfrm>
-              <a:off x="4485831" y="2213142"/>
+              <a:off x="5130259" y="2213153"/>
               <a:ext cx="63202" cy="63202"/>
             </a:xfrm>
             <a:custGeom>
@@ -13019,7 +13019,7 @@
           </p:nvSpPr>
           <p:spPr>
             <a:xfrm>
-              <a:off x="4710782" y="2229934"/>
+              <a:off x="4488641" y="2229897"/>
               <a:ext cx="63202" cy="63202"/>
             </a:xfrm>
             <a:custGeom>
@@ -13062,7 +13062,7 @@
           </p:nvSpPr>
           <p:spPr>
             <a:xfrm>
-              <a:off x="4472181" y="2300690"/>
+              <a:off x="4632305" y="2300568"/>
               <a:ext cx="63202" cy="63202"/>
             </a:xfrm>
             <a:custGeom>
@@ -13105,7 +13105,7 @@
           </p:nvSpPr>
           <p:spPr>
             <a:xfrm>
-              <a:off x="4693961" y="2383582"/>
+              <a:off x="4874223" y="2383521"/>
               <a:ext cx="63202" cy="63202"/>
             </a:xfrm>
             <a:custGeom>
@@ -13148,7 +13148,7 @@
           </p:nvSpPr>
           <p:spPr>
             <a:xfrm>
-              <a:off x="4983127" y="2215355"/>
+              <a:off x="4982954" y="2215391"/>
               <a:ext cx="63202" cy="63202"/>
             </a:xfrm>
             <a:custGeom>
@@ -13191,7 +13191,7 @@
           </p:nvSpPr>
           <p:spPr>
             <a:xfrm>
-              <a:off x="5966871" y="2658159"/>
+              <a:off x="5360690" y="2658018"/>
               <a:ext cx="63202" cy="63202"/>
             </a:xfrm>
             <a:custGeom>
@@ -13234,7 +13234,7 @@
           </p:nvSpPr>
           <p:spPr>
             <a:xfrm>
-              <a:off x="4810775" y="2207684"/>
+              <a:off x="4651855" y="2207676"/>
               <a:ext cx="63202" cy="63202"/>
             </a:xfrm>
             <a:custGeom>
@@ -13277,7 +13277,7 @@
           </p:nvSpPr>
           <p:spPr>
             <a:xfrm>
-              <a:off x="4820652" y="2325879"/>
+              <a:off x="4599763" y="2325848"/>
               <a:ext cx="63202" cy="63202"/>
             </a:xfrm>
             <a:custGeom>
@@ -13320,7 +13320,7 @@
           </p:nvSpPr>
           <p:spPr>
             <a:xfrm>
-              <a:off x="4906166" y="2228029"/>
+              <a:off x="4598273" y="2228008"/>
               <a:ext cx="63202" cy="63202"/>
             </a:xfrm>
             <a:custGeom>
@@ -13363,7 +13363,7 @@
           </p:nvSpPr>
           <p:spPr>
             <a:xfrm>
-              <a:off x="4797005" y="2293844"/>
+              <a:off x="4518324" y="2293874"/>
               <a:ext cx="63202" cy="63202"/>
             </a:xfrm>
             <a:custGeom>
@@ -13406,7 +13406,7 @@
           </p:nvSpPr>
           <p:spPr>
             <a:xfrm>
-              <a:off x="5037633" y="2187308"/>
+              <a:off x="4459976" y="2187427"/>
               <a:ext cx="63202" cy="63202"/>
             </a:xfrm>
             <a:custGeom>
@@ -13449,7 +13449,7 @@
           </p:nvSpPr>
           <p:spPr>
             <a:xfrm>
-              <a:off x="4524866" y="2204735"/>
+              <a:off x="5115113" y="2204646"/>
               <a:ext cx="63202" cy="63202"/>
             </a:xfrm>
             <a:custGeom>
@@ -13492,7 +13492,7 @@
           </p:nvSpPr>
           <p:spPr>
             <a:xfrm>
-              <a:off x="4569078" y="2206011"/>
+              <a:off x="4560675" y="2205919"/>
               <a:ext cx="63202" cy="63202"/>
             </a:xfrm>
             <a:custGeom>
@@ -13535,7 +13535,7 @@
           </p:nvSpPr>
           <p:spPr>
             <a:xfrm>
-              <a:off x="5758735" y="2799562"/>
+              <a:off x="5381465" y="2799546"/>
               <a:ext cx="63202" cy="63202"/>
             </a:xfrm>
             <a:custGeom>
@@ -13578,7 +13578,7 @@
           </p:nvSpPr>
           <p:spPr>
             <a:xfrm>
-              <a:off x="4612296" y="2216970"/>
+              <a:off x="4661159" y="2216870"/>
               <a:ext cx="63202" cy="63202"/>
             </a:xfrm>
             <a:custGeom>
@@ -13621,7 +13621,7 @@
           </p:nvSpPr>
           <p:spPr>
             <a:xfrm>
-              <a:off x="4463187" y="2214218"/>
+              <a:off x="5105207" y="2214114"/>
               <a:ext cx="63202" cy="63202"/>
             </a:xfrm>
             <a:custGeom>
@@ -13664,7 +13664,7 @@
           </p:nvSpPr>
           <p:spPr>
             <a:xfrm>
-              <a:off x="4456436" y="2258236"/>
+              <a:off x="4429499" y="2258136"/>
               <a:ext cx="63202" cy="63202"/>
             </a:xfrm>
             <a:custGeom>
@@ -13707,7 +13707,7 @@
           </p:nvSpPr>
           <p:spPr>
             <a:xfrm>
-              <a:off x="4514736" y="2190338"/>
+              <a:off x="4762430" y="2190260"/>
               <a:ext cx="63202" cy="63202"/>
             </a:xfrm>
             <a:custGeom>
@@ -13750,7 +13750,7 @@
           </p:nvSpPr>
           <p:spPr>
             <a:xfrm>
-              <a:off x="4760404" y="2187374"/>
+              <a:off x="4863047" y="2187332"/>
               <a:ext cx="63202" cy="63202"/>
             </a:xfrm>
             <a:custGeom>
@@ -13793,7 +13793,7 @@
           </p:nvSpPr>
           <p:spPr>
             <a:xfrm>
-              <a:off x="4489373" y="2216490"/>
+              <a:off x="4969498" y="2216473"/>
               <a:ext cx="63202" cy="63202"/>
             </a:xfrm>
             <a:custGeom>
@@ -13836,7 +13836,7 @@
           </p:nvSpPr>
           <p:spPr>
             <a:xfrm>
-              <a:off x="4913109" y="2216520"/>
+              <a:off x="4892389" y="2216483"/>
               <a:ext cx="63202" cy="63202"/>
             </a:xfrm>
             <a:custGeom>
@@ -13879,7 +13879,7 @@
           </p:nvSpPr>
           <p:spPr>
             <a:xfrm>
-              <a:off x="4950318" y="2210087"/>
+              <a:off x="4603625" y="2210183"/>
               <a:ext cx="63202" cy="63202"/>
             </a:xfrm>
             <a:custGeom>
@@ -13922,7 +13922,7 @@
           </p:nvSpPr>
           <p:spPr>
             <a:xfrm>
-              <a:off x="4744179" y="2526877"/>
+              <a:off x="5013398" y="2526976"/>
               <a:ext cx="63202" cy="63202"/>
             </a:xfrm>
             <a:custGeom>
@@ -13965,7 +13965,7 @@
           </p:nvSpPr>
           <p:spPr>
             <a:xfrm>
-              <a:off x="5012333" y="2229353"/>
+              <a:off x="4797055" y="2229379"/>
               <a:ext cx="63202" cy="63202"/>
             </a:xfrm>
             <a:custGeom>
@@ -14008,7 +14008,7 @@
           </p:nvSpPr>
           <p:spPr>
             <a:xfrm>
-              <a:off x="5060244" y="2538156"/>
+              <a:off x="5024135" y="2538047"/>
               <a:ext cx="63202" cy="63202"/>
             </a:xfrm>
             <a:custGeom>
@@ -14051,7 +14051,7 @@
           </p:nvSpPr>
           <p:spPr>
             <a:xfrm>
-              <a:off x="4757742" y="2178489"/>
+              <a:off x="4469560" y="2178473"/>
               <a:ext cx="63202" cy="63202"/>
             </a:xfrm>
             <a:custGeom>
@@ -14094,7 +14094,7 @@
           </p:nvSpPr>
           <p:spPr>
             <a:xfrm>
-              <a:off x="4439551" y="2378672"/>
+              <a:off x="4443959" y="2378594"/>
               <a:ext cx="63202" cy="63202"/>
             </a:xfrm>
             <a:custGeom>
@@ -14137,7 +14137,7 @@
           </p:nvSpPr>
           <p:spPr>
             <a:xfrm>
-              <a:off x="5080787" y="2211912"/>
+              <a:off x="4508416" y="2211822"/>
               <a:ext cx="63202" cy="63202"/>
             </a:xfrm>
             <a:custGeom>
@@ -14180,7 +14180,7 @@
           </p:nvSpPr>
           <p:spPr>
             <a:xfrm>
-              <a:off x="4753981" y="2251309"/>
+              <a:off x="4966363" y="2251338"/>
               <a:ext cx="63202" cy="63202"/>
             </a:xfrm>
             <a:custGeom>
@@ -14223,7 +14223,7 @@
           </p:nvSpPr>
           <p:spPr>
             <a:xfrm>
-              <a:off x="4623259" y="2255947"/>
+              <a:off x="4773098" y="2255950"/>
               <a:ext cx="63202" cy="63202"/>
             </a:xfrm>
             <a:custGeom>
@@ -14266,7 +14266,7 @@
           </p:nvSpPr>
           <p:spPr>
             <a:xfrm>
-              <a:off x="5012643" y="2226367"/>
+              <a:off x="4943026" y="2226390"/>
               <a:ext cx="63202" cy="63202"/>
             </a:xfrm>
             <a:custGeom>
@@ -14309,7 +14309,7 @@
           </p:nvSpPr>
           <p:spPr>
             <a:xfrm>
-              <a:off x="4821331" y="2217343"/>
+              <a:off x="4775751" y="2217279"/>
               <a:ext cx="63202" cy="63202"/>
             </a:xfrm>
             <a:custGeom>
@@ -14352,7 +14352,7 @@
           </p:nvSpPr>
           <p:spPr>
             <a:xfrm>
-              <a:off x="4456338" y="2216247"/>
+              <a:off x="4662428" y="2216313"/>
               <a:ext cx="63202" cy="63202"/>
             </a:xfrm>
             <a:custGeom>
@@ -14395,7 +14395,7 @@
           </p:nvSpPr>
           <p:spPr>
             <a:xfrm>
-              <a:off x="4518707" y="2279837"/>
+              <a:off x="4729248" y="2279777"/>
               <a:ext cx="63202" cy="63202"/>
             </a:xfrm>
             <a:custGeom>
@@ -14438,7 +14438,7 @@
           </p:nvSpPr>
           <p:spPr>
             <a:xfrm>
-              <a:off x="4880623" y="2297126"/>
+              <a:off x="4945260" y="2296977"/>
               <a:ext cx="63202" cy="63202"/>
             </a:xfrm>
             <a:custGeom>
@@ -14481,7 +14481,7 @@
           </p:nvSpPr>
           <p:spPr>
             <a:xfrm>
-              <a:off x="5028227" y="2225289"/>
+              <a:off x="4749845" y="2225401"/>
               <a:ext cx="63202" cy="63202"/>
             </a:xfrm>
             <a:custGeom>
@@ -14524,7 +14524,7 @@
           </p:nvSpPr>
           <p:spPr>
             <a:xfrm>
-              <a:off x="4798747" y="2219883"/>
+              <a:off x="4893100" y="2219845"/>
               <a:ext cx="63202" cy="63202"/>
             </a:xfrm>
             <a:custGeom>
@@ -14567,7 +14567,7 @@
           </p:nvSpPr>
           <p:spPr>
             <a:xfrm>
-              <a:off x="5094175" y="2252304"/>
+              <a:off x="4994829" y="2252383"/>
               <a:ext cx="63202" cy="63202"/>
             </a:xfrm>
             <a:custGeom>
@@ -14610,7 +14610,7 @@
           </p:nvSpPr>
           <p:spPr>
             <a:xfrm>
-              <a:off x="4670637" y="2211866"/>
+              <a:off x="4565746" y="2211808"/>
               <a:ext cx="63202" cy="63202"/>
             </a:xfrm>
             <a:custGeom>
@@ -14653,7 +14653,7 @@
           </p:nvSpPr>
           <p:spPr>
             <a:xfrm>
-              <a:off x="4637137" y="2182274"/>
+              <a:off x="4663800" y="2182270"/>
               <a:ext cx="63202" cy="63202"/>
             </a:xfrm>
             <a:custGeom>
@@ -14696,7 +14696,7 @@
           </p:nvSpPr>
           <p:spPr>
             <a:xfrm>
-              <a:off x="4633073" y="2240051"/>
+              <a:off x="4779441" y="2240001"/>
               <a:ext cx="63202" cy="63202"/>
             </a:xfrm>
             <a:custGeom>
@@ -14739,7 +14739,7 @@
           </p:nvSpPr>
           <p:spPr>
             <a:xfrm>
-              <a:off x="4567545" y="2279743"/>
+              <a:off x="4765506" y="2279736"/>
               <a:ext cx="63202" cy="63202"/>
             </a:xfrm>
             <a:custGeom>
@@ -14782,7 +14782,7 @@
           </p:nvSpPr>
           <p:spPr>
             <a:xfrm>
-              <a:off x="4674388" y="2194718"/>
+              <a:off x="4497155" y="2194727"/>
               <a:ext cx="63202" cy="63202"/>
             </a:xfrm>
             <a:custGeom>
@@ -14825,7 +14825,7 @@
           </p:nvSpPr>
           <p:spPr>
             <a:xfrm>
-              <a:off x="4662011" y="2485005"/>
+              <a:off x="4903350" y="2484878"/>
               <a:ext cx="63202" cy="63202"/>
             </a:xfrm>
             <a:custGeom>
@@ -14868,7 +14868,7 @@
           </p:nvSpPr>
           <p:spPr>
             <a:xfrm>
-              <a:off x="4571296" y="2259032"/>
+              <a:off x="5002290" y="2259124"/>
               <a:ext cx="63202" cy="63202"/>
             </a:xfrm>
             <a:custGeom>
@@ -14911,7 +14911,7 @@
           </p:nvSpPr>
           <p:spPr>
             <a:xfrm>
-              <a:off x="4839899" y="2223092"/>
+              <a:off x="4695852" y="2222922"/>
               <a:ext cx="63202" cy="63202"/>
             </a:xfrm>
             <a:custGeom>
@@ -14954,7 +14954,7 @@
           </p:nvSpPr>
           <p:spPr>
             <a:xfrm>
-              <a:off x="4847877" y="2183627"/>
+              <a:off x="4513652" y="2183479"/>
               <a:ext cx="63202" cy="63202"/>
             </a:xfrm>
             <a:custGeom>
@@ -14997,7 +14997,7 @@
           </p:nvSpPr>
           <p:spPr>
             <a:xfrm>
-              <a:off x="4445186" y="2185846"/>
+              <a:off x="5090248" y="2185796"/>
               <a:ext cx="63202" cy="63202"/>
             </a:xfrm>
             <a:custGeom>
@@ -15040,7 +15040,7 @@
           </p:nvSpPr>
           <p:spPr>
             <a:xfrm>
-              <a:off x="5113651" y="2236689"/>
+              <a:off x="4818443" y="2236683"/>
               <a:ext cx="63202" cy="63202"/>
             </a:xfrm>
             <a:custGeom>
@@ -15083,7 +15083,7 @@
           </p:nvSpPr>
           <p:spPr>
             <a:xfrm>
-              <a:off x="4629792" y="2210117"/>
+              <a:off x="4464080" y="2210212"/>
               <a:ext cx="63202" cy="63202"/>
             </a:xfrm>
             <a:custGeom>
@@ -15126,7 +15126,7 @@
           </p:nvSpPr>
           <p:spPr>
             <a:xfrm>
-              <a:off x="4898090" y="2369679"/>
+              <a:off x="4607483" y="2369547"/>
               <a:ext cx="63202" cy="63202"/>
             </a:xfrm>
             <a:custGeom>
@@ -15169,7 +15169,7 @@
           </p:nvSpPr>
           <p:spPr>
             <a:xfrm>
-              <a:off x="4926408" y="2214612"/>
+              <a:off x="4870945" y="2214493"/>
               <a:ext cx="63202" cy="63202"/>
             </a:xfrm>
             <a:custGeom>
@@ -15212,7 +15212,7 @@
           </p:nvSpPr>
           <p:spPr>
             <a:xfrm>
-              <a:off x="4913243" y="2340859"/>
+              <a:off x="4788478" y="2340822"/>
               <a:ext cx="63202" cy="63202"/>
             </a:xfrm>
             <a:custGeom>
@@ -15255,7 +15255,7 @@
           </p:nvSpPr>
           <p:spPr>
             <a:xfrm>
-              <a:off x="6844525" y="2946341"/>
+              <a:off x="6319209" y="2946422"/>
               <a:ext cx="63202" cy="63202"/>
             </a:xfrm>
             <a:custGeom>
@@ -15298,7 +15298,7 @@
           </p:nvSpPr>
           <p:spPr>
             <a:xfrm>
-              <a:off x="4542093" y="2266450"/>
+              <a:off x="4445635" y="2266452"/>
               <a:ext cx="63202" cy="63202"/>
             </a:xfrm>
             <a:custGeom>
@@ -15341,7 +15341,7 @@
           </p:nvSpPr>
           <p:spPr>
             <a:xfrm>
-              <a:off x="4759973" y="2218147"/>
+              <a:off x="4500637" y="2218076"/>
               <a:ext cx="63202" cy="63202"/>
             </a:xfrm>
             <a:custGeom>
@@ -15384,7 +15384,7 @@
           </p:nvSpPr>
           <p:spPr>
             <a:xfrm>
-              <a:off x="5077645" y="2396891"/>
+              <a:off x="4686905" y="2396793"/>
               <a:ext cx="63202" cy="63202"/>
             </a:xfrm>
             <a:custGeom>
@@ -15427,7 +15427,7 @@
           </p:nvSpPr>
           <p:spPr>
             <a:xfrm>
-              <a:off x="4756269" y="2395189"/>
+              <a:off x="4990566" y="2395150"/>
               <a:ext cx="63202" cy="63202"/>
             </a:xfrm>
             <a:custGeom>
@@ -15470,7 +15470,7 @@
           </p:nvSpPr>
           <p:spPr>
             <a:xfrm>
-              <a:off x="5705775" y="2459601"/>
+              <a:off x="5672106" y="2459565"/>
               <a:ext cx="63202" cy="63202"/>
             </a:xfrm>
             <a:custGeom>
@@ -15513,7 +15513,7 @@
           </p:nvSpPr>
           <p:spPr>
             <a:xfrm>
-              <a:off x="4604062" y="2219153"/>
+              <a:off x="4938748" y="2219208"/>
               <a:ext cx="63202" cy="63202"/>
             </a:xfrm>
             <a:custGeom>
@@ -15556,7 +15556,7 @@
           </p:nvSpPr>
           <p:spPr>
             <a:xfrm>
-              <a:off x="4847840" y="2521050"/>
+              <a:off x="4758349" y="2520979"/>
               <a:ext cx="63202" cy="63202"/>
             </a:xfrm>
             <a:custGeom>
@@ -15599,7 +15599,7 @@
           </p:nvSpPr>
           <p:spPr>
             <a:xfrm>
-              <a:off x="5086833" y="2217999"/>
+              <a:off x="4682009" y="2218002"/>
               <a:ext cx="63202" cy="63202"/>
             </a:xfrm>
             <a:custGeom>
@@ -15642,7 +15642,7 @@
           </p:nvSpPr>
           <p:spPr>
             <a:xfrm>
-              <a:off x="4894138" y="2244594"/>
+              <a:off x="4724569" y="2244594"/>
               <a:ext cx="63202" cy="63202"/>
             </a:xfrm>
             <a:custGeom>
@@ -15685,7 +15685,7 @@
           </p:nvSpPr>
           <p:spPr>
             <a:xfrm>
-              <a:off x="4622985" y="2227385"/>
+              <a:off x="4532122" y="2227481"/>
               <a:ext cx="63202" cy="63202"/>
             </a:xfrm>
             <a:custGeom>
@@ -15728,7 +15728,7 @@
           </p:nvSpPr>
           <p:spPr>
             <a:xfrm>
-              <a:off x="5018365" y="2295220"/>
+              <a:off x="4433048" y="2295145"/>
               <a:ext cx="63202" cy="63202"/>
             </a:xfrm>
             <a:custGeom>
@@ -15771,7 +15771,7 @@
           </p:nvSpPr>
           <p:spPr>
             <a:xfrm>
-              <a:off x="4771130" y="2216484"/>
+              <a:off x="5018258" y="2216468"/>
               <a:ext cx="63202" cy="63202"/>
             </a:xfrm>
             <a:custGeom>
@@ -15814,7 +15814,7 @@
           </p:nvSpPr>
           <p:spPr>
             <a:xfrm>
-              <a:off x="4991994" y="2185256"/>
+              <a:off x="5069216" y="2185327"/>
               <a:ext cx="63202" cy="63202"/>
             </a:xfrm>
             <a:custGeom>
@@ -15857,7 +15857,7 @@
           </p:nvSpPr>
           <p:spPr>
             <a:xfrm>
-              <a:off x="4960738" y="2268725"/>
+              <a:off x="5044774" y="2268836"/>
               <a:ext cx="63202" cy="63202"/>
             </a:xfrm>
             <a:custGeom>
@@ -15900,7 +15900,7 @@
           </p:nvSpPr>
           <p:spPr>
             <a:xfrm>
-              <a:off x="4759545" y="2265825"/>
+              <a:off x="4763649" y="2265827"/>
               <a:ext cx="63202" cy="63202"/>
             </a:xfrm>
             <a:custGeom>
@@ -15999,7 +15999,7 @@
           </p:nvSpPr>
           <p:spPr>
             <a:xfrm>
-              <a:off x="4284320" y="4924024"/>
+              <a:off x="4284320" y="4924006"/>
               <a:ext cx="2817450" cy="0"/>
             </a:xfrm>
             <a:custGeom>
@@ -16042,7 +16042,7 @@
           </p:nvSpPr>
           <p:spPr>
             <a:xfrm>
-              <a:off x="4284320" y="4502218"/>
+              <a:off x="4284320" y="4502195"/>
               <a:ext cx="2817450" cy="0"/>
             </a:xfrm>
             <a:custGeom>
@@ -16085,7 +16085,7 @@
           </p:nvSpPr>
           <p:spPr>
             <a:xfrm>
-              <a:off x="4284320" y="4080413"/>
+              <a:off x="4284320" y="4080384"/>
               <a:ext cx="2817450" cy="0"/>
             </a:xfrm>
             <a:custGeom>
@@ -16128,7 +16128,7 @@
           </p:nvSpPr>
           <p:spPr>
             <a:xfrm>
-              <a:off x="4284320" y="3658608"/>
+              <a:off x="4284320" y="3658573"/>
               <a:ext cx="2817450" cy="0"/>
             </a:xfrm>
             <a:custGeom>
@@ -16171,7 +16171,7 @@
           </p:nvSpPr>
           <p:spPr>
             <a:xfrm>
-              <a:off x="4284320" y="4713121"/>
+              <a:off x="4284320" y="4713100"/>
               <a:ext cx="2817450" cy="0"/>
             </a:xfrm>
             <a:custGeom>
@@ -16214,7 +16214,7 @@
           </p:nvSpPr>
           <p:spPr>
             <a:xfrm>
-              <a:off x="4284320" y="4291316"/>
+              <a:off x="4284320" y="4291290"/>
               <a:ext cx="2817450" cy="0"/>
             </a:xfrm>
             <a:custGeom>
@@ -16257,7 +16257,7 @@
           </p:nvSpPr>
           <p:spPr>
             <a:xfrm>
-              <a:off x="4284320" y="3869511"/>
+              <a:off x="4284320" y="3869479"/>
               <a:ext cx="2817450" cy="0"/>
             </a:xfrm>
             <a:custGeom>
@@ -16300,7 +16300,7 @@
           </p:nvSpPr>
           <p:spPr>
             <a:xfrm>
-              <a:off x="4284320" y="3447705"/>
+              <a:off x="4284320" y="3447668"/>
               <a:ext cx="2817450" cy="0"/>
             </a:xfrm>
             <a:custGeom>
@@ -16472,7 +16472,7 @@
           </p:nvSpPr>
           <p:spPr>
             <a:xfrm>
-              <a:off x="5637770" y="4478021"/>
+              <a:off x="5691396" y="4478014"/>
               <a:ext cx="63202" cy="63202"/>
             </a:xfrm>
             <a:custGeom>
@@ -16515,7 +16515,7 @@
           </p:nvSpPr>
           <p:spPr>
             <a:xfrm>
-              <a:off x="5083378" y="4209503"/>
+              <a:off x="4847783" y="4209473"/>
               <a:ext cx="63202" cy="63202"/>
             </a:xfrm>
             <a:custGeom>
@@ -16558,7 +16558,7 @@
           </p:nvSpPr>
           <p:spPr>
             <a:xfrm>
-              <a:off x="6318030" y="4355603"/>
+              <a:off x="6479770" y="4355626"/>
               <a:ext cx="63202" cy="63202"/>
             </a:xfrm>
             <a:custGeom>
@@ -16601,7 +16601,7 @@
           </p:nvSpPr>
           <p:spPr>
             <a:xfrm>
-              <a:off x="6642272" y="4864568"/>
+              <a:off x="6237250" y="4864626"/>
               <a:ext cx="63202" cy="63202"/>
             </a:xfrm>
             <a:custGeom>
@@ -16644,7 +16644,7 @@
           </p:nvSpPr>
           <p:spPr>
             <a:xfrm>
-              <a:off x="6620487" y="4883747"/>
+              <a:off x="6787565" y="4883747"/>
               <a:ext cx="63202" cy="63202"/>
             </a:xfrm>
             <a:custGeom>
@@ -16743,7 +16743,7 @@
           </p:nvSpPr>
           <p:spPr>
             <a:xfrm>
-              <a:off x="4284320" y="6849356"/>
+              <a:off x="4284320" y="6849338"/>
               <a:ext cx="2817450" cy="0"/>
             </a:xfrm>
             <a:custGeom>
@@ -16786,7 +16786,7 @@
           </p:nvSpPr>
           <p:spPr>
             <a:xfrm>
-              <a:off x="4284320" y="6427551"/>
+              <a:off x="4284320" y="6427528"/>
               <a:ext cx="2817450" cy="0"/>
             </a:xfrm>
             <a:custGeom>
@@ -16829,7 +16829,7 @@
           </p:nvSpPr>
           <p:spPr>
             <a:xfrm>
-              <a:off x="4284320" y="6005746"/>
+              <a:off x="4284320" y="6005717"/>
               <a:ext cx="2817450" cy="0"/>
             </a:xfrm>
             <a:custGeom>
@@ -16872,7 +16872,7 @@
           </p:nvSpPr>
           <p:spPr>
             <a:xfrm>
-              <a:off x="4284320" y="5583941"/>
+              <a:off x="4284320" y="5583906"/>
               <a:ext cx="2817450" cy="0"/>
             </a:xfrm>
             <a:custGeom>
@@ -16915,7 +16915,7 @@
           </p:nvSpPr>
           <p:spPr>
             <a:xfrm>
-              <a:off x="4284320" y="6638454"/>
+              <a:off x="4284320" y="6638433"/>
               <a:ext cx="2817450" cy="0"/>
             </a:xfrm>
             <a:custGeom>
@@ -16958,7 +16958,7 @@
           </p:nvSpPr>
           <p:spPr>
             <a:xfrm>
-              <a:off x="4284320" y="6216648"/>
+              <a:off x="4284320" y="6216622"/>
               <a:ext cx="2817450" cy="0"/>
             </a:xfrm>
             <a:custGeom>
@@ -17001,7 +17001,7 @@
           </p:nvSpPr>
           <p:spPr>
             <a:xfrm>
-              <a:off x="4284320" y="5794843"/>
+              <a:off x="4284320" y="5794811"/>
               <a:ext cx="2817450" cy="0"/>
             </a:xfrm>
             <a:custGeom>
@@ -17044,7 +17044,7 @@
           </p:nvSpPr>
           <p:spPr>
             <a:xfrm>
-              <a:off x="4284320" y="5373038"/>
+              <a:off x="4284320" y="5373001"/>
               <a:ext cx="2817450" cy="0"/>
             </a:xfrm>
             <a:custGeom>
@@ -17216,7 +17216,7 @@
           </p:nvSpPr>
           <p:spPr>
             <a:xfrm>
-              <a:off x="4557526" y="6010490"/>
+              <a:off x="4513507" y="6010392"/>
               <a:ext cx="63202" cy="63202"/>
             </a:xfrm>
             <a:custGeom>
@@ -17259,7 +17259,7 @@
           </p:nvSpPr>
           <p:spPr>
             <a:xfrm>
-              <a:off x="5078346" y="5972411"/>
+              <a:off x="4505641" y="5972386"/>
               <a:ext cx="63202" cy="63202"/>
             </a:xfrm>
             <a:custGeom>
@@ -17302,7 +17302,7 @@
           </p:nvSpPr>
           <p:spPr>
             <a:xfrm>
-              <a:off x="4823568" y="5983840"/>
+              <a:off x="4615117" y="5983865"/>
               <a:ext cx="63202" cy="63202"/>
             </a:xfrm>
             <a:custGeom>
@@ -17345,7 +17345,7 @@
           </p:nvSpPr>
           <p:spPr>
             <a:xfrm>
-              <a:off x="4469610" y="5985661"/>
+              <a:off x="4465134" y="5985720"/>
               <a:ext cx="63202" cy="63202"/>
             </a:xfrm>
             <a:custGeom>
@@ -17388,7 +17388,7 @@
           </p:nvSpPr>
           <p:spPr>
             <a:xfrm>
-              <a:off x="6271949" y="6630826"/>
+              <a:off x="6845142" y="6630895"/>
               <a:ext cx="63202" cy="63202"/>
             </a:xfrm>
             <a:custGeom>
@@ -17431,7 +17431,7 @@
           </p:nvSpPr>
           <p:spPr>
             <a:xfrm>
-              <a:off x="4895625" y="6002411"/>
+              <a:off x="4833409" y="6002311"/>
               <a:ext cx="63202" cy="63202"/>
             </a:xfrm>
             <a:custGeom>
@@ -17474,7 +17474,7 @@
           </p:nvSpPr>
           <p:spPr>
             <a:xfrm>
-              <a:off x="4838106" y="5975802"/>
+              <a:off x="4563637" y="5975795"/>
               <a:ext cx="63202" cy="63202"/>
             </a:xfrm>
             <a:custGeom>
@@ -17517,7 +17517,7 @@
           </p:nvSpPr>
           <p:spPr>
             <a:xfrm>
-              <a:off x="4817379" y="6008392"/>
+              <a:off x="5106195" y="6008323"/>
               <a:ext cx="63202" cy="63202"/>
             </a:xfrm>
             <a:custGeom>
@@ -17560,7 +17560,7 @@
           </p:nvSpPr>
           <p:spPr>
             <a:xfrm>
-              <a:off x="4683768" y="5987174"/>
+              <a:off x="5121248" y="5987174"/>
               <a:ext cx="63202" cy="63202"/>
             </a:xfrm>
             <a:custGeom>
@@ -17603,7 +17603,7 @@
           </p:nvSpPr>
           <p:spPr>
             <a:xfrm>
-              <a:off x="4525782" y="6008305"/>
+              <a:off x="4482379" y="6008329"/>
               <a:ext cx="63202" cy="63202"/>
             </a:xfrm>
             <a:custGeom>
@@ -17646,7 +17646,7 @@
           </p:nvSpPr>
           <p:spPr>
             <a:xfrm>
-              <a:off x="4953193" y="5982385"/>
+              <a:off x="5129495" y="5982394"/>
               <a:ext cx="63202" cy="63202"/>
             </a:xfrm>
             <a:custGeom>
@@ -17689,7 +17689,7 @@
           </p:nvSpPr>
           <p:spPr>
             <a:xfrm>
-              <a:off x="4976411" y="6068888"/>
+              <a:off x="4443414" y="6068868"/>
               <a:ext cx="63202" cy="63202"/>
             </a:xfrm>
             <a:custGeom>
@@ -17732,7 +17732,7 @@
           </p:nvSpPr>
           <p:spPr>
             <a:xfrm>
-              <a:off x="4758062" y="5972409"/>
+              <a:off x="4525240" y="5972493"/>
               <a:ext cx="63202" cy="63202"/>
             </a:xfrm>
             <a:custGeom>
@@ -17775,7 +17775,7 @@
           </p:nvSpPr>
           <p:spPr>
             <a:xfrm>
-              <a:off x="4891945" y="5981982"/>
+              <a:off x="4982793" y="5981913"/>
               <a:ext cx="63202" cy="63202"/>
             </a:xfrm>
             <a:custGeom>
@@ -17818,7 +17818,7 @@
           </p:nvSpPr>
           <p:spPr>
             <a:xfrm>
-              <a:off x="5050715" y="5981973"/>
+              <a:off x="5021252" y="5981960"/>
               <a:ext cx="63202" cy="63202"/>
             </a:xfrm>
             <a:custGeom>
@@ -17861,7 +17861,7 @@
           </p:nvSpPr>
           <p:spPr>
             <a:xfrm>
-              <a:off x="4607884" y="5969910"/>
+              <a:off x="5000847" y="5969958"/>
               <a:ext cx="63202" cy="63202"/>
             </a:xfrm>
             <a:custGeom>
@@ -17904,7 +17904,7 @@
           </p:nvSpPr>
           <p:spPr>
             <a:xfrm>
-              <a:off x="4898731" y="5982745"/>
+              <a:off x="4963921" y="5982799"/>
               <a:ext cx="63202" cy="63202"/>
             </a:xfrm>
             <a:custGeom>
@@ -17947,7 +17947,7 @@
           </p:nvSpPr>
           <p:spPr>
             <a:xfrm>
-              <a:off x="4511782" y="5966629"/>
+              <a:off x="5126546" y="5966601"/>
               <a:ext cx="63202" cy="63202"/>
             </a:xfrm>
             <a:custGeom>
@@ -17990,7 +17990,7 @@
           </p:nvSpPr>
           <p:spPr>
             <a:xfrm>
-              <a:off x="4992277" y="6002441"/>
+              <a:off x="4584227" y="6002298"/>
               <a:ext cx="63202" cy="63202"/>
             </a:xfrm>
             <a:custGeom>
@@ -18033,7 +18033,7 @@
           </p:nvSpPr>
           <p:spPr>
             <a:xfrm>
-              <a:off x="4803246" y="5966081"/>
+              <a:off x="4666677" y="5966096"/>
               <a:ext cx="63202" cy="63202"/>
             </a:xfrm>
             <a:custGeom>
@@ -18076,7 +18076,7 @@
           </p:nvSpPr>
           <p:spPr>
             <a:xfrm>
-              <a:off x="4438590" y="5997284"/>
+              <a:off x="4431504" y="5997345"/>
               <a:ext cx="63202" cy="63202"/>
             </a:xfrm>
             <a:custGeom>
@@ -18119,7 +18119,7 @@
           </p:nvSpPr>
           <p:spPr>
             <a:xfrm>
-              <a:off x="4526376" y="5993738"/>
+              <a:off x="4931116" y="5993772"/>
               <a:ext cx="63202" cy="63202"/>
             </a:xfrm>
             <a:custGeom>
@@ -18162,7 +18162,7 @@
           </p:nvSpPr>
           <p:spPr>
             <a:xfrm>
-              <a:off x="4697196" y="6007844"/>
+              <a:off x="4483096" y="6007844"/>
               <a:ext cx="63202" cy="63202"/>
             </a:xfrm>
             <a:custGeom>
@@ -18205,7 +18205,7 @@
           </p:nvSpPr>
           <p:spPr>
             <a:xfrm>
-              <a:off x="4730837" y="6000374"/>
+              <a:off x="4436159" y="6000212"/>
               <a:ext cx="63202" cy="63202"/>
             </a:xfrm>
             <a:custGeom>
@@ -18248,7 +18248,7 @@
           </p:nvSpPr>
           <p:spPr>
             <a:xfrm>
-              <a:off x="5025442" y="5976497"/>
+              <a:off x="5072749" y="5976386"/>
               <a:ext cx="63202" cy="63202"/>
             </a:xfrm>
             <a:custGeom>
@@ -18291,7 +18291,7 @@
           </p:nvSpPr>
           <p:spPr>
             <a:xfrm>
-              <a:off x="5131874" y="6002215"/>
+              <a:off x="5091776" y="6002209"/>
               <a:ext cx="63202" cy="63202"/>
             </a:xfrm>
             <a:custGeom>
@@ -18334,7 +18334,7 @@
           </p:nvSpPr>
           <p:spPr>
             <a:xfrm>
-              <a:off x="4767596" y="6013604"/>
+              <a:off x="4824348" y="6013499"/>
               <a:ext cx="63202" cy="63202"/>
             </a:xfrm>
             <a:custGeom>
@@ -18377,7 +18377,7 @@
           </p:nvSpPr>
           <p:spPr>
             <a:xfrm>
-              <a:off x="4764396" y="6019417"/>
+              <a:off x="4936260" y="6019399"/>
               <a:ext cx="63202" cy="63202"/>
             </a:xfrm>
             <a:custGeom>
@@ -18420,7 +18420,7 @@
           </p:nvSpPr>
           <p:spPr>
             <a:xfrm>
-              <a:off x="4531046" y="6014347"/>
+              <a:off x="4823246" y="6014442"/>
               <a:ext cx="63202" cy="63202"/>
             </a:xfrm>
             <a:custGeom>
@@ -18463,7 +18463,7 @@
           </p:nvSpPr>
           <p:spPr>
             <a:xfrm>
-              <a:off x="4537446" y="5974161"/>
+              <a:off x="5055306" y="5974071"/>
               <a:ext cx="63202" cy="63202"/>
             </a:xfrm>
             <a:custGeom>
@@ -18506,7 +18506,7 @@
           </p:nvSpPr>
           <p:spPr>
             <a:xfrm>
-              <a:off x="4772773" y="5988049"/>
+              <a:off x="5030409" y="5987991"/>
               <a:ext cx="63202" cy="63202"/>
             </a:xfrm>
             <a:custGeom>
@@ -18549,7 +18549,7 @@
           </p:nvSpPr>
           <p:spPr>
             <a:xfrm>
-              <a:off x="4596556" y="5996482"/>
+              <a:off x="4844474" y="5996416"/>
               <a:ext cx="63202" cy="63202"/>
             </a:xfrm>
             <a:custGeom>
@@ -18592,7 +18592,7 @@
           </p:nvSpPr>
           <p:spPr>
             <a:xfrm>
-              <a:off x="4522936" y="5977916"/>
+              <a:off x="4526466" y="5977937"/>
               <a:ext cx="63202" cy="63202"/>
             </a:xfrm>
             <a:custGeom>
@@ -18635,7 +18635,7 @@
           </p:nvSpPr>
           <p:spPr>
             <a:xfrm>
-              <a:off x="4614193" y="5975776"/>
+              <a:off x="4940747" y="5975841"/>
               <a:ext cx="63202" cy="63202"/>
             </a:xfrm>
             <a:custGeom>
@@ -18678,7 +18678,7 @@
           </p:nvSpPr>
           <p:spPr>
             <a:xfrm>
-              <a:off x="5092009" y="6009525"/>
+              <a:off x="4956594" y="6009540"/>
               <a:ext cx="63202" cy="63202"/>
             </a:xfrm>
             <a:custGeom>
@@ -18721,7 +18721,7 @@
           </p:nvSpPr>
           <p:spPr>
             <a:xfrm>
-              <a:off x="4499287" y="6002615"/>
+              <a:off x="5024572" y="6002612"/>
               <a:ext cx="63202" cy="63202"/>
             </a:xfrm>
             <a:custGeom>
@@ -18764,7 +18764,7 @@
           </p:nvSpPr>
           <p:spPr>
             <a:xfrm>
-              <a:off x="5102415" y="5978233"/>
+              <a:off x="4752654" y="5978199"/>
               <a:ext cx="63202" cy="63202"/>
             </a:xfrm>
             <a:custGeom>
@@ -18807,7 +18807,7 @@
           </p:nvSpPr>
           <p:spPr>
             <a:xfrm>
-              <a:off x="4791565" y="5969856"/>
+              <a:off x="4797963" y="5969814"/>
               <a:ext cx="63202" cy="63202"/>
             </a:xfrm>
             <a:custGeom>
@@ -18850,7 +18850,7 @@
           </p:nvSpPr>
           <p:spPr>
             <a:xfrm>
-              <a:off x="4822951" y="6002539"/>
+              <a:off x="4517642" y="6002655"/>
               <a:ext cx="63202" cy="63202"/>
             </a:xfrm>
             <a:custGeom>
@@ -18893,7 +18893,7 @@
           </p:nvSpPr>
           <p:spPr>
             <a:xfrm>
-              <a:off x="5014166" y="5999592"/>
+              <a:off x="4575164" y="5999704"/>
               <a:ext cx="63202" cy="63202"/>
             </a:xfrm>
             <a:custGeom>
@@ -18936,7 +18936,7 @@
           </p:nvSpPr>
           <p:spPr>
             <a:xfrm>
-              <a:off x="4987905" y="5977104"/>
+              <a:off x="5124575" y="5977084"/>
               <a:ext cx="63202" cy="63202"/>
             </a:xfrm>
             <a:custGeom>
@@ -18979,7 +18979,7 @@
           </p:nvSpPr>
           <p:spPr>
             <a:xfrm>
-              <a:off x="4586540" y="5979811"/>
+              <a:off x="4594829" y="5979734"/>
               <a:ext cx="63202" cy="63202"/>
             </a:xfrm>
             <a:custGeom>
@@ -19022,7 +19022,7 @@
           </p:nvSpPr>
           <p:spPr>
             <a:xfrm>
-              <a:off x="5730136" y="6431560"/>
+              <a:off x="5960221" y="6431634"/>
               <a:ext cx="63202" cy="63202"/>
             </a:xfrm>
             <a:custGeom>
@@ -19065,7 +19065,7 @@
           </p:nvSpPr>
           <p:spPr>
             <a:xfrm>
-              <a:off x="4980518" y="5988880"/>
+              <a:off x="4465317" y="5988899"/>
               <a:ext cx="63202" cy="63202"/>
             </a:xfrm>
             <a:custGeom>
@@ -19108,7 +19108,7 @@
           </p:nvSpPr>
           <p:spPr>
             <a:xfrm>
-              <a:off x="5012800" y="6005823"/>
+              <a:off x="4752310" y="6005759"/>
               <a:ext cx="63202" cy="63202"/>
             </a:xfrm>
             <a:custGeom>
@@ -19151,7 +19151,7 @@
           </p:nvSpPr>
           <p:spPr>
             <a:xfrm>
-              <a:off x="4659792" y="5978792"/>
+              <a:off x="4494003" y="5978702"/>
               <a:ext cx="63202" cy="63202"/>
             </a:xfrm>
             <a:custGeom>
@@ -19194,7 +19194,7 @@
           </p:nvSpPr>
           <p:spPr>
             <a:xfrm>
-              <a:off x="5019200" y="6029740"/>
+              <a:off x="4642229" y="6029855"/>
               <a:ext cx="63202" cy="63202"/>
             </a:xfrm>
             <a:custGeom>
@@ -19237,7 +19237,7 @@
           </p:nvSpPr>
           <p:spPr>
             <a:xfrm>
-              <a:off x="4806491" y="5981137"/>
+              <a:off x="4551001" y="5981021"/>
               <a:ext cx="63202" cy="63202"/>
             </a:xfrm>
             <a:custGeom>
@@ -19280,7 +19280,7 @@
           </p:nvSpPr>
           <p:spPr>
             <a:xfrm>
-              <a:off x="4574200" y="5993918"/>
+              <a:off x="4694133" y="5993927"/>
               <a:ext cx="63202" cy="63202"/>
             </a:xfrm>
             <a:custGeom>
@@ -19323,7 +19323,7 @@
           </p:nvSpPr>
           <p:spPr>
             <a:xfrm>
-              <a:off x="4809088" y="5977326"/>
+              <a:off x="4638332" y="5977253"/>
               <a:ext cx="63202" cy="63202"/>
             </a:xfrm>
             <a:custGeom>
@@ -19366,7 +19366,7 @@
           </p:nvSpPr>
           <p:spPr>
             <a:xfrm>
-              <a:off x="5120142" y="5974122"/>
+              <a:off x="4480880" y="5974065"/>
               <a:ext cx="63202" cy="63202"/>
             </a:xfrm>
             <a:custGeom>
@@ -19409,7 +19409,7 @@
           </p:nvSpPr>
           <p:spPr>
             <a:xfrm>
-              <a:off x="4624283" y="5994386"/>
+              <a:off x="4750222" y="5994300"/>
               <a:ext cx="63202" cy="63202"/>
             </a:xfrm>
             <a:custGeom>
@@ -19452,7 +19452,7 @@
           </p:nvSpPr>
           <p:spPr>
             <a:xfrm>
-              <a:off x="4604722" y="5986364"/>
+              <a:off x="4905612" y="5986359"/>
               <a:ext cx="63202" cy="63202"/>
             </a:xfrm>
             <a:custGeom>
@@ -19495,7 +19495,7 @@
           </p:nvSpPr>
           <p:spPr>
             <a:xfrm>
-              <a:off x="4953270" y="6000859"/>
+              <a:off x="5035660" y="6000976"/>
               <a:ext cx="63202" cy="63202"/>
             </a:xfrm>
             <a:custGeom>
@@ -19538,7 +19538,7 @@
           </p:nvSpPr>
           <p:spPr>
             <a:xfrm>
-              <a:off x="4887504" y="5991380"/>
+              <a:off x="4865156" y="5991393"/>
               <a:ext cx="63202" cy="63202"/>
             </a:xfrm>
             <a:custGeom>
@@ -19581,7 +19581,7 @@
           </p:nvSpPr>
           <p:spPr>
             <a:xfrm>
-              <a:off x="5035368" y="5977772"/>
+              <a:off x="5128302" y="5977708"/>
               <a:ext cx="63202" cy="63202"/>
             </a:xfrm>
             <a:custGeom>
@@ -19624,7 +19624,7 @@
           </p:nvSpPr>
           <p:spPr>
             <a:xfrm>
-              <a:off x="4812003" y="5974132"/>
+              <a:off x="4607687" y="5974104"/>
               <a:ext cx="63202" cy="63202"/>
             </a:xfrm>
             <a:custGeom>
@@ -19667,7 +19667,7 @@
           </p:nvSpPr>
           <p:spPr>
             <a:xfrm>
-              <a:off x="4681270" y="5974717"/>
+              <a:off x="4722716" y="5974788"/>
               <a:ext cx="63202" cy="63202"/>
             </a:xfrm>
             <a:custGeom>
@@ -19710,7 +19710,7 @@
           </p:nvSpPr>
           <p:spPr>
             <a:xfrm>
-              <a:off x="4486441" y="5982856"/>
+              <a:off x="4528054" y="5982804"/>
               <a:ext cx="63202" cy="63202"/>
             </a:xfrm>
             <a:custGeom>
@@ -19753,7 +19753,7 @@
           </p:nvSpPr>
           <p:spPr>
             <a:xfrm>
-              <a:off x="4754017" y="5970138"/>
+              <a:off x="4506934" y="5970151"/>
               <a:ext cx="63202" cy="63202"/>
             </a:xfrm>
             <a:custGeom>
@@ -19796,7 +19796,7 @@
           </p:nvSpPr>
           <p:spPr>
             <a:xfrm>
-              <a:off x="4746677" y="5986134"/>
+              <a:off x="5043876" y="5986172"/>
               <a:ext cx="63202" cy="63202"/>
             </a:xfrm>
             <a:custGeom>
@@ -19839,7 +19839,7 @@
           </p:nvSpPr>
           <p:spPr>
             <a:xfrm>
-              <a:off x="4677044" y="5978653"/>
+              <a:off x="4477040" y="5978602"/>
               <a:ext cx="63202" cy="63202"/>
             </a:xfrm>
             <a:custGeom>
@@ -19882,7 +19882,7 @@
           </p:nvSpPr>
           <p:spPr>
             <a:xfrm>
-              <a:off x="6194455" y="6607775"/>
+              <a:off x="6780636" y="6607705"/>
               <a:ext cx="63202" cy="63202"/>
             </a:xfrm>
             <a:custGeom>
@@ -19925,7 +19925,7 @@
           </p:nvSpPr>
           <p:spPr>
             <a:xfrm>
-              <a:off x="4692190" y="5975889"/>
+              <a:off x="5040379" y="5975725"/>
               <a:ext cx="63202" cy="63202"/>
             </a:xfrm>
             <a:custGeom>
@@ -19968,7 +19968,7 @@
           </p:nvSpPr>
           <p:spPr>
             <a:xfrm>
-              <a:off x="4550087" y="6001309"/>
+              <a:off x="4538519" y="6001265"/>
               <a:ext cx="63202" cy="63202"/>
             </a:xfrm>
             <a:custGeom>
@@ -20011,7 +20011,7 @@
           </p:nvSpPr>
           <p:spPr>
             <a:xfrm>
-              <a:off x="4465158" y="5993993"/>
+              <a:off x="4888269" y="5994019"/>
               <a:ext cx="63202" cy="63202"/>
             </a:xfrm>
             <a:custGeom>
@@ -20054,7 +20054,7 @@
           </p:nvSpPr>
           <p:spPr>
             <a:xfrm>
-              <a:off x="4855064" y="5973285"/>
+              <a:off x="4428992" y="5973230"/>
               <a:ext cx="63202" cy="63202"/>
             </a:xfrm>
             <a:custGeom>
@@ -20097,7 +20097,7 @@
           </p:nvSpPr>
           <p:spPr>
             <a:xfrm>
-              <a:off x="4877626" y="6115855"/>
+              <a:off x="5115758" y="6115764"/>
               <a:ext cx="63202" cy="63202"/>
             </a:xfrm>
             <a:custGeom>
@@ -20140,7 +20140,7 @@
           </p:nvSpPr>
           <p:spPr>
             <a:xfrm>
-              <a:off x="5314942" y="6482630"/>
+              <a:off x="5875074" y="6482616"/>
               <a:ext cx="63202" cy="63202"/>
             </a:xfrm>
             <a:custGeom>
@@ -20183,7 +20183,7 @@
           </p:nvSpPr>
           <p:spPr>
             <a:xfrm>
-              <a:off x="4490034" y="6002628"/>
+              <a:off x="4855785" y="6002659"/>
               <a:ext cx="63202" cy="63202"/>
             </a:xfrm>
             <a:custGeom>
@@ -20226,7 +20226,7 @@
           </p:nvSpPr>
           <p:spPr>
             <a:xfrm>
-              <a:off x="4822205" y="5997551"/>
+              <a:off x="4762676" y="5997557"/>
               <a:ext cx="63202" cy="63202"/>
             </a:xfrm>
             <a:custGeom>
@@ -20269,7 +20269,7 @@
           </p:nvSpPr>
           <p:spPr>
             <a:xfrm>
-              <a:off x="4928937" y="5969995"/>
+              <a:off x="4932363" y="5969843"/>
               <a:ext cx="63202" cy="63202"/>
             </a:xfrm>
             <a:custGeom>
@@ -20312,7 +20312,7 @@
           </p:nvSpPr>
           <p:spPr>
             <a:xfrm>
-              <a:off x="5049439" y="6079582"/>
+              <a:off x="5016629" y="6079611"/>
               <a:ext cx="63202" cy="63202"/>
             </a:xfrm>
             <a:custGeom>
@@ -20355,7 +20355,7 @@
           </p:nvSpPr>
           <p:spPr>
             <a:xfrm>
-              <a:off x="4624188" y="5967011"/>
+              <a:off x="4863281" y="5967013"/>
               <a:ext cx="63202" cy="63202"/>
             </a:xfrm>
             <a:custGeom>
@@ -20398,7 +20398,7 @@
           </p:nvSpPr>
           <p:spPr>
             <a:xfrm>
-              <a:off x="4821283" y="5996551"/>
+              <a:off x="5105073" y="5996446"/>
               <a:ext cx="63202" cy="63202"/>
             </a:xfrm>
             <a:custGeom>
@@ -20441,7 +20441,7 @@
           </p:nvSpPr>
           <p:spPr>
             <a:xfrm>
-              <a:off x="4472430" y="6029873"/>
+              <a:off x="4489898" y="6029735"/>
               <a:ext cx="63202" cy="63202"/>
             </a:xfrm>
             <a:custGeom>
@@ -20484,7 +20484,7 @@
           </p:nvSpPr>
           <p:spPr>
             <a:xfrm>
-              <a:off x="4529631" y="6197963"/>
+              <a:off x="5099687" y="6197818"/>
               <a:ext cx="63202" cy="63202"/>
             </a:xfrm>
             <a:custGeom>
@@ -20527,7 +20527,7 @@
           </p:nvSpPr>
           <p:spPr>
             <a:xfrm>
-              <a:off x="4649106" y="5986233"/>
+              <a:off x="4907860" y="5986091"/>
               <a:ext cx="63202" cy="63202"/>
             </a:xfrm>
             <a:custGeom>
@@ -20570,7 +20570,7 @@
           </p:nvSpPr>
           <p:spPr>
             <a:xfrm>
-              <a:off x="4517544" y="5975697"/>
+              <a:off x="4761963" y="5975578"/>
               <a:ext cx="63202" cy="63202"/>
             </a:xfrm>
             <a:custGeom>
@@ -20613,7 +20613,7 @@
           </p:nvSpPr>
           <p:spPr>
             <a:xfrm>
-              <a:off x="4711939" y="6013628"/>
+              <a:off x="4604977" y="6013511"/>
               <a:ext cx="63202" cy="63202"/>
             </a:xfrm>
             <a:custGeom>
@@ -20656,7 +20656,7 @@
           </p:nvSpPr>
           <p:spPr>
             <a:xfrm>
-              <a:off x="5121605" y="6198206"/>
+              <a:off x="4586691" y="6198053"/>
               <a:ext cx="63202" cy="63202"/>
             </a:xfrm>
             <a:custGeom>
@@ -20699,7 +20699,7 @@
           </p:nvSpPr>
           <p:spPr>
             <a:xfrm>
-              <a:off x="4523656" y="6099380"/>
+              <a:off x="4799998" y="6099333"/>
               <a:ext cx="63202" cy="63202"/>
             </a:xfrm>
             <a:custGeom>
@@ -20742,7 +20742,7 @@
           </p:nvSpPr>
           <p:spPr>
             <a:xfrm>
-              <a:off x="5035239" y="6330614"/>
+              <a:off x="4844515" y="6330559"/>
               <a:ext cx="63202" cy="63202"/>
             </a:xfrm>
             <a:custGeom>
@@ -20785,7 +20785,7 @@
           </p:nvSpPr>
           <p:spPr>
             <a:xfrm>
-              <a:off x="4580495" y="6004141"/>
+              <a:off x="5061354" y="6004126"/>
               <a:ext cx="63202" cy="63202"/>
             </a:xfrm>
             <a:custGeom>
@@ -20828,7 +20828,7 @@
           </p:nvSpPr>
           <p:spPr>
             <a:xfrm>
-              <a:off x="5487973" y="6631248"/>
+              <a:off x="5416870" y="6631324"/>
               <a:ext cx="63202" cy="63202"/>
             </a:xfrm>
             <a:custGeom>
@@ -20871,7 +20871,7 @@
           </p:nvSpPr>
           <p:spPr>
             <a:xfrm>
-              <a:off x="5125340" y="5985941"/>
+              <a:off x="4703276" y="5985887"/>
               <a:ext cx="63202" cy="63202"/>
             </a:xfrm>
             <a:custGeom>
@@ -20914,7 +20914,7 @@
           </p:nvSpPr>
           <p:spPr>
             <a:xfrm>
-              <a:off x="4874535" y="5988893"/>
+              <a:off x="4872613" y="5988932"/>
               <a:ext cx="63202" cy="63202"/>
             </a:xfrm>
             <a:custGeom>
@@ -20957,7 +20957,7 @@
           </p:nvSpPr>
           <p:spPr>
             <a:xfrm>
-              <a:off x="4705119" y="5983163"/>
+              <a:off x="4699026" y="5983204"/>
               <a:ext cx="63202" cy="63202"/>
             </a:xfrm>
             <a:custGeom>
@@ -21000,7 +21000,7 @@
           </p:nvSpPr>
           <p:spPr>
             <a:xfrm>
-              <a:off x="4650154" y="6228973"/>
+              <a:off x="4480871" y="6228824"/>
               <a:ext cx="63202" cy="63202"/>
             </a:xfrm>
             <a:custGeom>
@@ -21043,7 +21043,7 @@
           </p:nvSpPr>
           <p:spPr>
             <a:xfrm>
-              <a:off x="4886375" y="5974960"/>
+              <a:off x="5066094" y="5975012"/>
               <a:ext cx="63202" cy="63202"/>
             </a:xfrm>
             <a:custGeom>
@@ -21086,7 +21086,7 @@
           </p:nvSpPr>
           <p:spPr>
             <a:xfrm>
-              <a:off x="4549787" y="6008301"/>
+              <a:off x="5091169" y="6008261"/>
               <a:ext cx="63202" cy="63202"/>
             </a:xfrm>
             <a:custGeom>
@@ -21129,7 +21129,7 @@
           </p:nvSpPr>
           <p:spPr>
             <a:xfrm>
-              <a:off x="4698854" y="6059205"/>
+              <a:off x="4659987" y="6059149"/>
               <a:ext cx="63202" cy="63202"/>
             </a:xfrm>
             <a:custGeom>
@@ -21172,7 +21172,7 @@
           </p:nvSpPr>
           <p:spPr>
             <a:xfrm>
-              <a:off x="4957596" y="5973720"/>
+              <a:off x="5053552" y="5973687"/>
               <a:ext cx="63202" cy="63202"/>
             </a:xfrm>
             <a:custGeom>
@@ -21215,7 +21215,7 @@
           </p:nvSpPr>
           <p:spPr>
             <a:xfrm>
-              <a:off x="4686789" y="5987027"/>
+              <a:off x="4934809" y="5986995"/>
               <a:ext cx="63202" cy="63202"/>
             </a:xfrm>
             <a:custGeom>
@@ -21258,7 +21258,7 @@
           </p:nvSpPr>
           <p:spPr>
             <a:xfrm>
-              <a:off x="4838323" y="5977244"/>
+              <a:off x="4937659" y="5977357"/>
               <a:ext cx="63202" cy="63202"/>
             </a:xfrm>
             <a:custGeom>
@@ -21301,7 +21301,7 @@
           </p:nvSpPr>
           <p:spPr>
             <a:xfrm>
-              <a:off x="5006248" y="5991481"/>
+              <a:off x="4720397" y="5991332"/>
               <a:ext cx="63202" cy="63202"/>
             </a:xfrm>
             <a:custGeom>
@@ -21344,7 +21344,7 @@
           </p:nvSpPr>
           <p:spPr>
             <a:xfrm>
-              <a:off x="5039325" y="5977118"/>
+              <a:off x="4982388" y="5977048"/>
               <a:ext cx="63202" cy="63202"/>
             </a:xfrm>
             <a:custGeom>
@@ -21387,7 +21387,7 @@
           </p:nvSpPr>
           <p:spPr>
             <a:xfrm>
-              <a:off x="5092060" y="6170034"/>
+              <a:off x="5053038" y="6170023"/>
               <a:ext cx="63202" cy="63202"/>
             </a:xfrm>
             <a:custGeom>
@@ -21430,7 +21430,7 @@
           </p:nvSpPr>
           <p:spPr>
             <a:xfrm>
-              <a:off x="4620276" y="5981666"/>
+              <a:off x="4446705" y="5981649"/>
               <a:ext cx="63202" cy="63202"/>
             </a:xfrm>
             <a:custGeom>
@@ -21473,7 +21473,7 @@
           </p:nvSpPr>
           <p:spPr>
             <a:xfrm>
-              <a:off x="4870828" y="6011237"/>
+              <a:off x="5025387" y="6011257"/>
               <a:ext cx="63202" cy="63202"/>
             </a:xfrm>
             <a:custGeom>
@@ -21516,7 +21516,7 @@
           </p:nvSpPr>
           <p:spPr>
             <a:xfrm>
-              <a:off x="4589704" y="5981931"/>
+              <a:off x="4566858" y="5981925"/>
               <a:ext cx="63202" cy="63202"/>
             </a:xfrm>
             <a:custGeom>
@@ -21559,7 +21559,7 @@
           </p:nvSpPr>
           <p:spPr>
             <a:xfrm>
-              <a:off x="4998300" y="6249091"/>
+              <a:off x="4973769" y="6249188"/>
               <a:ext cx="63202" cy="63202"/>
             </a:xfrm>
             <a:custGeom>
@@ -21602,7 +21602,7 @@
           </p:nvSpPr>
           <p:spPr>
             <a:xfrm>
-              <a:off x="4690632" y="5972022"/>
+              <a:off x="4531153" y="5972075"/>
               <a:ext cx="63202" cy="63202"/>
             </a:xfrm>
             <a:custGeom>
@@ -21645,7 +21645,7 @@
           </p:nvSpPr>
           <p:spPr>
             <a:xfrm>
-              <a:off x="5099776" y="6001281"/>
+              <a:off x="4444042" y="6001361"/>
               <a:ext cx="63202" cy="63202"/>
             </a:xfrm>
             <a:custGeom>
@@ -21688,7 +21688,7 @@
           </p:nvSpPr>
           <p:spPr>
             <a:xfrm>
-              <a:off x="4645626" y="5972425"/>
+              <a:off x="4789534" y="5972457"/>
               <a:ext cx="63202" cy="63202"/>
             </a:xfrm>
             <a:custGeom>
@@ -21731,7 +21731,7 @@
           </p:nvSpPr>
           <p:spPr>
             <a:xfrm>
-              <a:off x="5529797" y="6480792"/>
+              <a:off x="5909813" y="6480772"/>
               <a:ext cx="63202" cy="63202"/>
             </a:xfrm>
             <a:custGeom>
@@ -21774,7 +21774,7 @@
           </p:nvSpPr>
           <p:spPr>
             <a:xfrm>
-              <a:off x="5412728" y="6413067"/>
+              <a:off x="5781719" y="6413017"/>
               <a:ext cx="63202" cy="63202"/>
             </a:xfrm>
             <a:custGeom>
@@ -21817,7 +21817,7 @@
           </p:nvSpPr>
           <p:spPr>
             <a:xfrm>
-              <a:off x="4541431" y="5998773"/>
+              <a:off x="4597366" y="5998808"/>
               <a:ext cx="63202" cy="63202"/>
             </a:xfrm>
             <a:custGeom>
@@ -21860,7 +21860,7 @@
           </p:nvSpPr>
           <p:spPr>
             <a:xfrm>
-              <a:off x="4474074" y="5969910"/>
+              <a:off x="4796160" y="5969853"/>
               <a:ext cx="63202" cy="63202"/>
             </a:xfrm>
             <a:custGeom>
@@ -21903,7 +21903,7 @@
           </p:nvSpPr>
           <p:spPr>
             <a:xfrm>
-              <a:off x="4793345" y="5969972"/>
+              <a:off x="5055315" y="5969899"/>
               <a:ext cx="63202" cy="63202"/>
             </a:xfrm>
             <a:custGeom>
@@ -21946,7 +21946,7 @@
           </p:nvSpPr>
           <p:spPr>
             <a:xfrm>
-              <a:off x="4433172" y="5969994"/>
+              <a:off x="5133033" y="5969965"/>
               <a:ext cx="63202" cy="63202"/>
             </a:xfrm>
             <a:custGeom>
@@ -21989,7 +21989,7 @@
           </p:nvSpPr>
           <p:spPr>
             <a:xfrm>
-              <a:off x="5054422" y="5969967"/>
+              <a:off x="4785048" y="5969832"/>
               <a:ext cx="63202" cy="63202"/>
             </a:xfrm>
             <a:custGeom>
@@ -22032,7 +22032,7 @@
           </p:nvSpPr>
           <p:spPr>
             <a:xfrm>
-              <a:off x="4895011" y="6000478"/>
+              <a:off x="4447748" y="6000408"/>
               <a:ext cx="63202" cy="63202"/>
             </a:xfrm>
             <a:custGeom>
@@ -22075,7 +22075,7 @@
           </p:nvSpPr>
           <p:spPr>
             <a:xfrm>
-              <a:off x="4464209" y="6148709"/>
+              <a:off x="5078544" y="6148714"/>
               <a:ext cx="63202" cy="63202"/>
             </a:xfrm>
             <a:custGeom>
@@ -22118,7 +22118,7 @@
           </p:nvSpPr>
           <p:spPr>
             <a:xfrm>
-              <a:off x="4965365" y="5968595"/>
+              <a:off x="4679976" y="5968682"/>
               <a:ext cx="63202" cy="63202"/>
             </a:xfrm>
             <a:custGeom>
@@ -22161,7 +22161,7 @@
           </p:nvSpPr>
           <p:spPr>
             <a:xfrm>
-              <a:off x="4534853" y="5990121"/>
+              <a:off x="5042371" y="5990196"/>
               <a:ext cx="63202" cy="63202"/>
             </a:xfrm>
             <a:custGeom>
@@ -22204,7 +22204,7 @@
           </p:nvSpPr>
           <p:spPr>
             <a:xfrm>
-              <a:off x="4527948" y="5995518"/>
+              <a:off x="4874909" y="5995491"/>
               <a:ext cx="63202" cy="63202"/>
             </a:xfrm>
             <a:custGeom>
@@ -22247,7 +22247,7 @@
           </p:nvSpPr>
           <p:spPr>
             <a:xfrm>
-              <a:off x="5003594" y="5976234"/>
+              <a:off x="4660402" y="5976141"/>
               <a:ext cx="63202" cy="63202"/>
             </a:xfrm>
             <a:custGeom>
@@ -22290,7 +22290,7 @@
           </p:nvSpPr>
           <p:spPr>
             <a:xfrm>
-              <a:off x="4568513" y="5983600"/>
+              <a:off x="4883142" y="5983575"/>
               <a:ext cx="63202" cy="63202"/>
             </a:xfrm>
             <a:custGeom>
@@ -22333,7 +22333,7 @@
           </p:nvSpPr>
           <p:spPr>
             <a:xfrm>
-              <a:off x="6374974" y="6806127"/>
+              <a:off x="6768305" y="6806156"/>
               <a:ext cx="63202" cy="63202"/>
             </a:xfrm>
             <a:custGeom>
@@ -22376,7 +22376,7 @@
           </p:nvSpPr>
           <p:spPr>
             <a:xfrm>
-              <a:off x="4493801" y="6073270"/>
+              <a:off x="4514288" y="6073246"/>
               <a:ext cx="63202" cy="63202"/>
             </a:xfrm>
             <a:custGeom>
@@ -22419,7 +22419,7 @@
           </p:nvSpPr>
           <p:spPr>
             <a:xfrm>
-              <a:off x="4647070" y="6000937"/>
+              <a:off x="5048039" y="6000886"/>
               <a:ext cx="63202" cy="63202"/>
             </a:xfrm>
             <a:custGeom>
@@ -22462,7 +22462,7 @@
           </p:nvSpPr>
           <p:spPr>
             <a:xfrm>
-              <a:off x="4901429" y="5972925"/>
+              <a:off x="4865283" y="5972912"/>
               <a:ext cx="63202" cy="63202"/>
             </a:xfrm>
             <a:custGeom>
@@ -22505,7 +22505,7 @@
           </p:nvSpPr>
           <p:spPr>
             <a:xfrm>
-              <a:off x="4766806" y="5979240"/>
+              <a:off x="4600041" y="5979182"/>
               <a:ext cx="63202" cy="63202"/>
             </a:xfrm>
             <a:custGeom>
@@ -22548,7 +22548,7 @@
           </p:nvSpPr>
           <p:spPr>
             <a:xfrm>
-              <a:off x="4750390" y="6092080"/>
+              <a:off x="5105280" y="6091949"/>
               <a:ext cx="63202" cy="63202"/>
             </a:xfrm>
             <a:custGeom>
@@ -22591,7 +22591,7 @@
           </p:nvSpPr>
           <p:spPr>
             <a:xfrm>
-              <a:off x="4434165" y="6002669"/>
+              <a:off x="4596531" y="6002511"/>
               <a:ext cx="63202" cy="63202"/>
             </a:xfrm>
             <a:custGeom>
@@ -22634,7 +22634,7 @@
           </p:nvSpPr>
           <p:spPr>
             <a:xfrm>
-              <a:off x="4889327" y="5985256"/>
+              <a:off x="4528518" y="5985232"/>
               <a:ext cx="63202" cy="63202"/>
             </a:xfrm>
             <a:custGeom>
@@ -22677,7 +22677,7 @@
           </p:nvSpPr>
           <p:spPr>
             <a:xfrm>
-              <a:off x="4888231" y="6107936"/>
+              <a:off x="4709855" y="6107873"/>
               <a:ext cx="63202" cy="63202"/>
             </a:xfrm>
             <a:custGeom>
@@ -22720,7 +22720,7 @@
           </p:nvSpPr>
           <p:spPr>
             <a:xfrm>
-              <a:off x="5041945" y="5972466"/>
+              <a:off x="4952013" y="5972508"/>
               <a:ext cx="63202" cy="63202"/>
             </a:xfrm>
             <a:custGeom>
@@ -22763,7 +22763,7 @@
           </p:nvSpPr>
           <p:spPr>
             <a:xfrm>
-              <a:off x="4867294" y="5984013"/>
+              <a:off x="4759233" y="5984099"/>
               <a:ext cx="63202" cy="63202"/>
             </a:xfrm>
             <a:custGeom>
@@ -22806,7 +22806,7 @@
           </p:nvSpPr>
           <p:spPr>
             <a:xfrm>
-              <a:off x="5819321" y="6478542"/>
+              <a:off x="5462557" y="6478586"/>
               <a:ext cx="63202" cy="63202"/>
             </a:xfrm>
             <a:custGeom>
@@ -22849,7 +22849,7 @@
           </p:nvSpPr>
           <p:spPr>
             <a:xfrm>
-              <a:off x="5997082" y="6478699"/>
+              <a:off x="5434967" y="6478661"/>
               <a:ext cx="63202" cy="63202"/>
             </a:xfrm>
             <a:custGeom>
@@ -22892,7 +22892,7 @@
           </p:nvSpPr>
           <p:spPr>
             <a:xfrm>
-              <a:off x="4432722" y="5977288"/>
+              <a:off x="4833433" y="5977204"/>
               <a:ext cx="63202" cy="63202"/>
             </a:xfrm>
             <a:custGeom>
@@ -22935,7 +22935,7 @@
           </p:nvSpPr>
           <p:spPr>
             <a:xfrm>
-              <a:off x="4738718" y="5969998"/>
+              <a:off x="4890978" y="5969890"/>
               <a:ext cx="63202" cy="63202"/>
             </a:xfrm>
             <a:custGeom>
@@ -22978,7 +22978,7 @@
           </p:nvSpPr>
           <p:spPr>
             <a:xfrm>
-              <a:off x="5986122" y="6652534"/>
+              <a:off x="5938401" y="6652611"/>
               <a:ext cx="63202" cy="63202"/>
             </a:xfrm>
             <a:custGeom>
@@ -23021,7 +23021,7 @@
           </p:nvSpPr>
           <p:spPr>
             <a:xfrm>
-              <a:off x="5908343" y="6596530"/>
+              <a:off x="5329061" y="6596441"/>
               <a:ext cx="63202" cy="63202"/>
             </a:xfrm>
             <a:custGeom>
@@ -23064,7 +23064,7 @@
           </p:nvSpPr>
           <p:spPr>
             <a:xfrm>
-              <a:off x="4546240" y="6086997"/>
+              <a:off x="4552543" y="6086896"/>
               <a:ext cx="63202" cy="63202"/>
             </a:xfrm>
             <a:custGeom>
@@ -23107,7 +23107,7 @@
           </p:nvSpPr>
           <p:spPr>
             <a:xfrm>
-              <a:off x="4907607" y="5990890"/>
+              <a:off x="4494367" y="5990742"/>
               <a:ext cx="63202" cy="63202"/>
             </a:xfrm>
             <a:custGeom>
@@ -23150,7 +23150,7 @@
           </p:nvSpPr>
           <p:spPr>
             <a:xfrm>
-              <a:off x="4556805" y="6034440"/>
+              <a:off x="5098135" y="6034364"/>
               <a:ext cx="63202" cy="63202"/>
             </a:xfrm>
             <a:custGeom>
@@ -23193,7 +23193,7 @@
           </p:nvSpPr>
           <p:spPr>
             <a:xfrm>
-              <a:off x="6002732" y="6162672"/>
+              <a:off x="5603133" y="6162744"/>
               <a:ext cx="63202" cy="63202"/>
             </a:xfrm>
             <a:custGeom>
@@ -23236,7 +23236,7 @@
           </p:nvSpPr>
           <p:spPr>
             <a:xfrm>
-              <a:off x="4521112" y="5991988"/>
+              <a:off x="4703062" y="5991993"/>
               <a:ext cx="63202" cy="63202"/>
             </a:xfrm>
             <a:custGeom>
@@ -23279,7 +23279,7 @@
           </p:nvSpPr>
           <p:spPr>
             <a:xfrm>
-              <a:off x="4609103" y="6244970"/>
+              <a:off x="4707415" y="6244995"/>
               <a:ext cx="63202" cy="63202"/>
             </a:xfrm>
             <a:custGeom>
@@ -23322,7 +23322,7 @@
           </p:nvSpPr>
           <p:spPr>
             <a:xfrm>
-              <a:off x="5097202" y="6045384"/>
+              <a:off x="4882893" y="6045456"/>
               <a:ext cx="63202" cy="63202"/>
             </a:xfrm>
             <a:custGeom>
@@ -23365,7 +23365,7 @@
           </p:nvSpPr>
           <p:spPr>
             <a:xfrm>
-              <a:off x="4627655" y="6007652"/>
+              <a:off x="4625866" y="6007580"/>
               <a:ext cx="63202" cy="63202"/>
             </a:xfrm>
             <a:custGeom>
@@ -23408,7 +23408,7 @@
           </p:nvSpPr>
           <p:spPr>
             <a:xfrm>
-              <a:off x="4564567" y="6004799"/>
+              <a:off x="4737681" y="6004623"/>
               <a:ext cx="63202" cy="63202"/>
             </a:xfrm>
             <a:custGeom>
@@ -23451,7 +23451,7 @@
           </p:nvSpPr>
           <p:spPr>
             <a:xfrm>
-              <a:off x="4617920" y="6095884"/>
+              <a:off x="4642847" y="6095886"/>
               <a:ext cx="63202" cy="63202"/>
             </a:xfrm>
             <a:custGeom>
@@ -23494,7 +23494,7 @@
           </p:nvSpPr>
           <p:spPr>
             <a:xfrm>
-              <a:off x="4979629" y="5993259"/>
+              <a:off x="4470675" y="5993230"/>
               <a:ext cx="63202" cy="63202"/>
             </a:xfrm>
             <a:custGeom>
@@ -23537,7 +23537,7 @@
           </p:nvSpPr>
           <p:spPr>
             <a:xfrm>
-              <a:off x="4967943" y="5982003"/>
+              <a:off x="4857484" y="5981887"/>
               <a:ext cx="63202" cy="63202"/>
             </a:xfrm>
             <a:custGeom>
@@ -23580,7 +23580,7 @@
           </p:nvSpPr>
           <p:spPr>
             <a:xfrm>
-              <a:off x="5384814" y="6613352"/>
+              <a:off x="5599471" y="6613345"/>
               <a:ext cx="63202" cy="63202"/>
             </a:xfrm>
             <a:custGeom>
@@ -23623,7 +23623,7 @@
           </p:nvSpPr>
           <p:spPr>
             <a:xfrm>
-              <a:off x="4862945" y="5971982"/>
+              <a:off x="4904936" y="5972006"/>
               <a:ext cx="63202" cy="63202"/>
             </a:xfrm>
             <a:custGeom>
@@ -23666,7 +23666,7 @@
           </p:nvSpPr>
           <p:spPr>
             <a:xfrm>
-              <a:off x="4636328" y="5993970"/>
+              <a:off x="4533765" y="5993857"/>
               <a:ext cx="63202" cy="63202"/>
             </a:xfrm>
             <a:custGeom>
@@ -23709,7 +23709,7 @@
           </p:nvSpPr>
           <p:spPr>
             <a:xfrm>
-              <a:off x="4990839" y="5982289"/>
+              <a:off x="4721913" y="5982319"/>
               <a:ext cx="63202" cy="63202"/>
             </a:xfrm>
             <a:custGeom>
@@ -23752,7 +23752,7 @@
           </p:nvSpPr>
           <p:spPr>
             <a:xfrm>
-              <a:off x="4807240" y="5994827"/>
+              <a:off x="4954167" y="5994786"/>
               <a:ext cx="63202" cy="63202"/>
             </a:xfrm>
             <a:custGeom>
@@ -23795,7 +23795,7 @@
           </p:nvSpPr>
           <p:spPr>
             <a:xfrm>
-              <a:off x="5097684" y="6002624"/>
+              <a:off x="4880294" y="6002508"/>
               <a:ext cx="63202" cy="63202"/>
             </a:xfrm>
             <a:custGeom>
@@ -23838,7 +23838,7 @@
           </p:nvSpPr>
           <p:spPr>
             <a:xfrm>
-              <a:off x="4538417" y="5975270"/>
+              <a:off x="4525630" y="5975110"/>
               <a:ext cx="63202" cy="63202"/>
             </a:xfrm>
             <a:custGeom>
@@ -23881,7 +23881,7 @@
           </p:nvSpPr>
           <p:spPr>
             <a:xfrm>
-              <a:off x="4692715" y="5981754"/>
+              <a:off x="5030978" y="5981770"/>
               <a:ext cx="63202" cy="63202"/>
             </a:xfrm>
             <a:custGeom>
@@ -23924,7 +23924,7 @@
           </p:nvSpPr>
           <p:spPr>
             <a:xfrm>
-              <a:off x="4436747" y="6248538"/>
+              <a:off x="4967641" y="6248474"/>
               <a:ext cx="63202" cy="63202"/>
             </a:xfrm>
             <a:custGeom>
@@ -23967,7 +23967,7 @@
           </p:nvSpPr>
           <p:spPr>
             <a:xfrm>
-              <a:off x="4439898" y="6002764"/>
+              <a:off x="4461202" y="6002850"/>
               <a:ext cx="63202" cy="63202"/>
             </a:xfrm>
             <a:custGeom>
@@ -24010,7 +24010,7 @@
           </p:nvSpPr>
           <p:spPr>
             <a:xfrm>
-              <a:off x="4486790" y="6002048"/>
+              <a:off x="5015997" y="6001920"/>
               <a:ext cx="63202" cy="63202"/>
             </a:xfrm>
             <a:custGeom>
@@ -24053,7 +24053,7 @@
           </p:nvSpPr>
           <p:spPr>
             <a:xfrm>
-              <a:off x="4837648" y="6001268"/>
+              <a:off x="4803168" y="6001363"/>
               <a:ext cx="63202" cy="63202"/>
             </a:xfrm>
             <a:custGeom>
@@ -24096,7 +24096,7 @@
           </p:nvSpPr>
           <p:spPr>
             <a:xfrm>
-              <a:off x="4695821" y="6026609"/>
+              <a:off x="4688800" y="6026608"/>
               <a:ext cx="63202" cy="63202"/>
             </a:xfrm>
             <a:custGeom>
@@ -24139,7 +24139,7 @@
           </p:nvSpPr>
           <p:spPr>
             <a:xfrm>
-              <a:off x="4523652" y="6032197"/>
+              <a:off x="4514070" y="6032143"/>
               <a:ext cx="63202" cy="63202"/>
             </a:xfrm>
             <a:custGeom>
@@ -24182,7 +24182,7 @@
           </p:nvSpPr>
           <p:spPr>
             <a:xfrm>
-              <a:off x="4530884" y="5972461"/>
+              <a:off x="4932207" y="5972428"/>
               <a:ext cx="63202" cy="63202"/>
             </a:xfrm>
             <a:custGeom>
@@ -24225,7 +24225,7 @@
           </p:nvSpPr>
           <p:spPr>
             <a:xfrm>
-              <a:off x="4836740" y="6002373"/>
+              <a:off x="4688240" y="6002455"/>
               <a:ext cx="63202" cy="63202"/>
             </a:xfrm>
             <a:custGeom>
@@ -24268,7 +24268,7 @@
           </p:nvSpPr>
           <p:spPr>
             <a:xfrm>
-              <a:off x="4453954" y="6002473"/>
+              <a:off x="4665220" y="6002401"/>
               <a:ext cx="63202" cy="63202"/>
             </a:xfrm>
             <a:custGeom>
@@ -24311,7 +24311,7 @@
           </p:nvSpPr>
           <p:spPr>
             <a:xfrm>
-              <a:off x="4645542" y="5984690"/>
+              <a:off x="5045941" y="5984635"/>
               <a:ext cx="63202" cy="63202"/>
             </a:xfrm>
             <a:custGeom>
@@ -24354,7 +24354,7 @@
           </p:nvSpPr>
           <p:spPr>
             <a:xfrm>
-              <a:off x="5072286" y="5995106"/>
+              <a:off x="4974632" y="5995072"/>
               <a:ext cx="63202" cy="63202"/>
             </a:xfrm>
             <a:custGeom>
@@ -24397,7 +24397,7 @@
           </p:nvSpPr>
           <p:spPr>
             <a:xfrm>
-              <a:off x="4779856" y="5982449"/>
+              <a:off x="4974972" y="5982398"/>
               <a:ext cx="63202" cy="63202"/>
             </a:xfrm>
             <a:custGeom>
@@ -24440,7 +24440,7 @@
           </p:nvSpPr>
           <p:spPr>
             <a:xfrm>
-              <a:off x="4947505" y="5970004"/>
+              <a:off x="5089624" y="5969838"/>
               <a:ext cx="63202" cy="63202"/>
             </a:xfrm>
             <a:custGeom>
@@ -24483,7 +24483,7 @@
           </p:nvSpPr>
           <p:spPr>
             <a:xfrm>
-              <a:off x="4565779" y="5989760"/>
+              <a:off x="4991830" y="5989655"/>
               <a:ext cx="63202" cy="63202"/>
             </a:xfrm>
             <a:custGeom>
@@ -24526,7 +24526,7 @@
           </p:nvSpPr>
           <p:spPr>
             <a:xfrm>
-              <a:off x="4824595" y="6004505"/>
+              <a:off x="4803779" y="6004429"/>
               <a:ext cx="63202" cy="63202"/>
             </a:xfrm>
             <a:custGeom>
@@ -24569,7 +24569,7 @@
           </p:nvSpPr>
           <p:spPr>
             <a:xfrm>
-              <a:off x="4430307" y="6226834"/>
+              <a:off x="4864010" y="6226767"/>
               <a:ext cx="63202" cy="63202"/>
             </a:xfrm>
             <a:custGeom>
@@ -24612,7 +24612,7 @@
           </p:nvSpPr>
           <p:spPr>
             <a:xfrm>
-              <a:off x="5111680" y="6051153"/>
+              <a:off x="4527964" y="6051075"/>
               <a:ext cx="63202" cy="63202"/>
             </a:xfrm>
             <a:custGeom>
@@ -24655,7 +24655,7 @@
           </p:nvSpPr>
           <p:spPr>
             <a:xfrm>
-              <a:off x="5084782" y="6000905"/>
+              <a:off x="4702076" y="6000944"/>
               <a:ext cx="63202" cy="63202"/>
             </a:xfrm>
             <a:custGeom>
@@ -24698,7 +24698,7 @@
           </p:nvSpPr>
           <p:spPr>
             <a:xfrm>
-              <a:off x="4528949" y="6034744"/>
+              <a:off x="4599447" y="6034632"/>
               <a:ext cx="63202" cy="63202"/>
             </a:xfrm>
             <a:custGeom>
@@ -24741,7 +24741,7 @@
           </p:nvSpPr>
           <p:spPr>
             <a:xfrm>
-              <a:off x="4730210" y="5966260"/>
+              <a:off x="4904141" y="5966256"/>
               <a:ext cx="63202" cy="63202"/>
             </a:xfrm>
             <a:custGeom>
@@ -24784,7 +24784,7 @@
           </p:nvSpPr>
           <p:spPr>
             <a:xfrm>
-              <a:off x="4986156" y="5969918"/>
+              <a:off x="4655140" y="5969867"/>
               <a:ext cx="63202" cy="63202"/>
             </a:xfrm>
             <a:custGeom>
@@ -24827,7 +24827,7 @@
           </p:nvSpPr>
           <p:spPr>
             <a:xfrm>
-              <a:off x="4978517" y="6277042"/>
+              <a:off x="4867077" y="6276972"/>
               <a:ext cx="63202" cy="63202"/>
             </a:xfrm>
             <a:custGeom>
@@ -24870,7 +24870,7 @@
           </p:nvSpPr>
           <p:spPr>
             <a:xfrm>
-              <a:off x="4898811" y="5981187"/>
+              <a:off x="4918068" y="5981117"/>
               <a:ext cx="63202" cy="63202"/>
             </a:xfrm>
             <a:custGeom>
@@ -24913,7 +24913,7 @@
           </p:nvSpPr>
           <p:spPr>
             <a:xfrm>
-              <a:off x="5069573" y="6124105"/>
+              <a:off x="4713617" y="6124143"/>
               <a:ext cx="63202" cy="63202"/>
             </a:xfrm>
             <a:custGeom>
@@ -24956,7 +24956,7 @@
           </p:nvSpPr>
           <p:spPr>
             <a:xfrm>
-              <a:off x="4662461" y="5992088"/>
+              <a:off x="4842687" y="5992093"/>
               <a:ext cx="63202" cy="63202"/>
             </a:xfrm>
             <a:custGeom>
@@ -24999,7 +24999,7 @@
           </p:nvSpPr>
           <p:spPr>
             <a:xfrm>
-              <a:off x="4998364" y="5996541"/>
+              <a:off x="4799328" y="5996501"/>
               <a:ext cx="63202" cy="63202"/>
             </a:xfrm>
             <a:custGeom>
@@ -25042,7 +25042,7 @@
           </p:nvSpPr>
           <p:spPr>
             <a:xfrm>
-              <a:off x="4498873" y="5989127"/>
+              <a:off x="4606181" y="5989056"/>
               <a:ext cx="63202" cy="63202"/>
             </a:xfrm>
             <a:custGeom>
@@ -25085,7 +25085,7 @@
           </p:nvSpPr>
           <p:spPr>
             <a:xfrm>
-              <a:off x="4829668" y="5982604"/>
+              <a:off x="4664043" y="5982543"/>
               <a:ext cx="63202" cy="63202"/>
             </a:xfrm>
             <a:custGeom>
@@ -25128,7 +25128,7 @@
           </p:nvSpPr>
           <p:spPr>
             <a:xfrm>
-              <a:off x="4878164" y="5998340"/>
+              <a:off x="5077222" y="5998385"/>
               <a:ext cx="63202" cy="63202"/>
             </a:xfrm>
             <a:custGeom>
@@ -25171,7 +25171,7 @@
           </p:nvSpPr>
           <p:spPr>
             <a:xfrm>
-              <a:off x="4623718" y="5981150"/>
+              <a:off x="4847922" y="5981155"/>
               <a:ext cx="63202" cy="63202"/>
             </a:xfrm>
             <a:custGeom>
@@ -25214,7 +25214,7 @@
           </p:nvSpPr>
           <p:spPr>
             <a:xfrm>
-              <a:off x="5085025" y="6000793"/>
+              <a:off x="4547450" y="6000747"/>
               <a:ext cx="63202" cy="63202"/>
             </a:xfrm>
             <a:custGeom>
@@ -25257,7 +25257,7 @@
           </p:nvSpPr>
           <p:spPr>
             <a:xfrm>
-              <a:off x="4738916" y="6005859"/>
+              <a:off x="4432780" y="6005827"/>
               <a:ext cx="63202" cy="63202"/>
             </a:xfrm>
             <a:custGeom>
@@ -25300,7 +25300,7 @@
           </p:nvSpPr>
           <p:spPr>
             <a:xfrm>
-              <a:off x="6251038" y="6757411"/>
+              <a:off x="6724894" y="6757500"/>
               <a:ext cx="63202" cy="63202"/>
             </a:xfrm>
             <a:custGeom>
@@ -25343,7 +25343,7 @@
           </p:nvSpPr>
           <p:spPr>
             <a:xfrm>
-              <a:off x="4961306" y="5973231"/>
+              <a:off x="4447574" y="5973252"/>
               <a:ext cx="63202" cy="63202"/>
             </a:xfrm>
             <a:custGeom>
@@ -25386,7 +25386,7 @@
           </p:nvSpPr>
           <p:spPr>
             <a:xfrm>
-              <a:off x="5439206" y="6596354"/>
+              <a:off x="5658582" y="6596294"/>
               <a:ext cx="63202" cy="63202"/>
             </a:xfrm>
             <a:custGeom>
@@ -25429,7 +25429,7 @@
           </p:nvSpPr>
           <p:spPr>
             <a:xfrm>
-              <a:off x="5051435" y="5973937"/>
+              <a:off x="4657896" y="5973888"/>
               <a:ext cx="63202" cy="63202"/>
             </a:xfrm>
             <a:custGeom>
@@ -25472,7 +25472,7 @@
           </p:nvSpPr>
           <p:spPr>
             <a:xfrm>
-              <a:off x="4449387" y="6253635"/>
+              <a:off x="4948729" y="6253566"/>
               <a:ext cx="63202" cy="63202"/>
             </a:xfrm>
             <a:custGeom>
@@ -25515,7 +25515,7 @@
           </p:nvSpPr>
           <p:spPr>
             <a:xfrm>
-              <a:off x="4499337" y="5988569"/>
+              <a:off x="4497723" y="5988437"/>
               <a:ext cx="63202" cy="63202"/>
             </a:xfrm>
             <a:custGeom>
@@ -25558,7 +25558,7 @@
           </p:nvSpPr>
           <p:spPr>
             <a:xfrm>
-              <a:off x="4990026" y="6062065"/>
+              <a:off x="5044799" y="6062110"/>
               <a:ext cx="63202" cy="63202"/>
             </a:xfrm>
             <a:custGeom>
@@ -25601,7 +25601,7 @@
           </p:nvSpPr>
           <p:spPr>
             <a:xfrm>
-              <a:off x="4976575" y="5988526"/>
+              <a:off x="4693431" y="5988459"/>
               <a:ext cx="63202" cy="63202"/>
             </a:xfrm>
             <a:custGeom>
@@ -25644,7 +25644,7 @@
           </p:nvSpPr>
           <p:spPr>
             <a:xfrm>
-              <a:off x="4649837" y="5991944"/>
+              <a:off x="4604905" y="5991771"/>
               <a:ext cx="63202" cy="63202"/>
             </a:xfrm>
             <a:custGeom>
@@ -25687,7 +25687,7 @@
           </p:nvSpPr>
           <p:spPr>
             <a:xfrm>
-              <a:off x="4934487" y="6017748"/>
+              <a:off x="4853402" y="6017802"/>
               <a:ext cx="63202" cy="63202"/>
             </a:xfrm>
             <a:custGeom>
@@ -25730,7 +25730,7 @@
           </p:nvSpPr>
           <p:spPr>
             <a:xfrm>
-              <a:off x="4553172" y="5997951"/>
+              <a:off x="4946626" y="5997942"/>
               <a:ext cx="63202" cy="63202"/>
             </a:xfrm>
             <a:custGeom>
@@ -25773,7 +25773,7 @@
           </p:nvSpPr>
           <p:spPr>
             <a:xfrm>
-              <a:off x="4549495" y="5983825"/>
+              <a:off x="4872519" y="5983773"/>
               <a:ext cx="63202" cy="63202"/>
             </a:xfrm>
             <a:custGeom>
@@ -25816,7 +25816,7 @@
           </p:nvSpPr>
           <p:spPr>
             <a:xfrm>
-              <a:off x="4853614" y="5984829"/>
+              <a:off x="4986310" y="5984829"/>
               <a:ext cx="63202" cy="63202"/>
             </a:xfrm>
             <a:custGeom>
@@ -25859,7 +25859,7 @@
           </p:nvSpPr>
           <p:spPr>
             <a:xfrm>
-              <a:off x="4954696" y="6144071"/>
+              <a:off x="4865650" y="6144066"/>
               <a:ext cx="63202" cy="63202"/>
             </a:xfrm>
             <a:custGeom>
@@ -25902,7 +25902,7 @@
           </p:nvSpPr>
           <p:spPr>
             <a:xfrm>
-              <a:off x="4654872" y="5974709"/>
+              <a:off x="4992565" y="5974690"/>
               <a:ext cx="63202" cy="63202"/>
             </a:xfrm>
             <a:custGeom>
@@ -25945,7 +25945,7 @@
           </p:nvSpPr>
           <p:spPr>
             <a:xfrm>
-              <a:off x="4528442" y="5979393"/>
+              <a:off x="4742795" y="5979396"/>
               <a:ext cx="63202" cy="63202"/>
             </a:xfrm>
             <a:custGeom>
@@ -25988,7 +25988,7 @@
           </p:nvSpPr>
           <p:spPr>
             <a:xfrm>
-              <a:off x="4796041" y="6001928"/>
+              <a:off x="5128555" y="6001874"/>
               <a:ext cx="63202" cy="63202"/>
             </a:xfrm>
             <a:custGeom>
@@ -26031,7 +26031,7 @@
           </p:nvSpPr>
           <p:spPr>
             <a:xfrm>
-              <a:off x="4587256" y="5980684"/>
+              <a:off x="4915114" y="5980585"/>
               <a:ext cx="63202" cy="63202"/>
             </a:xfrm>
             <a:custGeom>
@@ -26074,7 +26074,7 @@
           </p:nvSpPr>
           <p:spPr>
             <a:xfrm>
-              <a:off x="5024607" y="5981947"/>
+              <a:off x="4905681" y="5981891"/>
               <a:ext cx="63202" cy="63202"/>
             </a:xfrm>
             <a:custGeom>
@@ -26117,7 +26117,7 @@
           </p:nvSpPr>
           <p:spPr>
             <a:xfrm>
-              <a:off x="4623027" y="5977941"/>
+              <a:off x="4489693" y="5977941"/>
               <a:ext cx="63202" cy="63202"/>
             </a:xfrm>
             <a:custGeom>
@@ -26160,7 +26160,7 @@
           </p:nvSpPr>
           <p:spPr>
             <a:xfrm>
-              <a:off x="5642069" y="6443138"/>
+              <a:off x="5358170" y="6443245"/>
               <a:ext cx="63202" cy="63202"/>
             </a:xfrm>
             <a:custGeom>
@@ -26203,7 +26203,7 @@
           </p:nvSpPr>
           <p:spPr>
             <a:xfrm>
-              <a:off x="4944831" y="6034198"/>
+              <a:off x="5044314" y="6034186"/>
               <a:ext cx="63202" cy="63202"/>
             </a:xfrm>
             <a:custGeom>
@@ -26246,7 +26246,7 @@
           </p:nvSpPr>
           <p:spPr>
             <a:xfrm>
-              <a:off x="4595296" y="6002581"/>
+              <a:off x="4615606" y="6002549"/>
               <a:ext cx="63202" cy="63202"/>
             </a:xfrm>
             <a:custGeom>
@@ -26289,7 +26289,7 @@
           </p:nvSpPr>
           <p:spPr>
             <a:xfrm>
-              <a:off x="4827909" y="5982445"/>
+              <a:off x="5015643" y="5982417"/>
               <a:ext cx="63202" cy="63202"/>
             </a:xfrm>
             <a:custGeom>
@@ -26332,7 +26332,7 @@
           </p:nvSpPr>
           <p:spPr>
             <a:xfrm>
-              <a:off x="4932086" y="5986214"/>
+              <a:off x="4730025" y="5986164"/>
               <a:ext cx="63202" cy="63202"/>
             </a:xfrm>
             <a:custGeom>
@@ -26375,7 +26375,7 @@
           </p:nvSpPr>
           <p:spPr>
             <a:xfrm>
-              <a:off x="4444311" y="5968620"/>
+              <a:off x="4727574" y="5968643"/>
               <a:ext cx="63202" cy="63202"/>
             </a:xfrm>
             <a:custGeom>
@@ -26418,7 +26418,7 @@
           </p:nvSpPr>
           <p:spPr>
             <a:xfrm>
-              <a:off x="4793293" y="5981773"/>
+              <a:off x="4926394" y="5981698"/>
               <a:ext cx="63202" cy="63202"/>
             </a:xfrm>
             <a:custGeom>
@@ -26461,7 +26461,7 @@
           </p:nvSpPr>
           <p:spPr>
             <a:xfrm>
-              <a:off x="4915027" y="5981762"/>
+              <a:off x="4844254" y="5981733"/>
               <a:ext cx="63202" cy="63202"/>
             </a:xfrm>
             <a:custGeom>
@@ -26504,7 +26504,7 @@
           </p:nvSpPr>
           <p:spPr>
             <a:xfrm>
-              <a:off x="4638853" y="5982289"/>
+              <a:off x="5019107" y="5982287"/>
               <a:ext cx="63202" cy="63202"/>
             </a:xfrm>
             <a:custGeom>
@@ -26547,7 +26547,7 @@
           </p:nvSpPr>
           <p:spPr>
             <a:xfrm>
-              <a:off x="4600919" y="6036728"/>
+              <a:off x="5000347" y="6036834"/>
               <a:ext cx="63202" cy="63202"/>
             </a:xfrm>
             <a:custGeom>
@@ -26590,7 +26590,7 @@
           </p:nvSpPr>
           <p:spPr>
             <a:xfrm>
-              <a:off x="4501613" y="6036834"/>
+              <a:off x="5049749" y="6036805"/>
               <a:ext cx="63202" cy="63202"/>
             </a:xfrm>
             <a:custGeom>
@@ -26633,7 +26633,7 @@
           </p:nvSpPr>
           <p:spPr>
             <a:xfrm>
-              <a:off x="4525843" y="5988623"/>
+              <a:off x="4956675" y="5988677"/>
               <a:ext cx="63202" cy="63202"/>
             </a:xfrm>
             <a:custGeom>
@@ -26676,7 +26676,7 @@
           </p:nvSpPr>
           <p:spPr>
             <a:xfrm>
-              <a:off x="5019255" y="5979886"/>
+              <a:off x="4991779" y="5979876"/>
               <a:ext cx="63202" cy="63202"/>
             </a:xfrm>
             <a:custGeom>
@@ -26719,7 +26719,7 @@
           </p:nvSpPr>
           <p:spPr>
             <a:xfrm>
-              <a:off x="5887826" y="6405229"/>
+              <a:off x="5810166" y="6405132"/>
               <a:ext cx="63202" cy="63202"/>
             </a:xfrm>
             <a:custGeom>
@@ -26762,7 +26762,7 @@
           </p:nvSpPr>
           <p:spPr>
             <a:xfrm>
-              <a:off x="4754633" y="6000425"/>
+              <a:off x="4863199" y="6000418"/>
               <a:ext cx="63202" cy="63202"/>
             </a:xfrm>
             <a:custGeom>
@@ -26805,7 +26805,7 @@
           </p:nvSpPr>
           <p:spPr>
             <a:xfrm>
-              <a:off x="4949882" y="5976238"/>
+              <a:off x="5054690" y="5976301"/>
               <a:ext cx="63202" cy="63202"/>
             </a:xfrm>
             <a:custGeom>
@@ -26848,7 +26848,7 @@
           </p:nvSpPr>
           <p:spPr>
             <a:xfrm>
-              <a:off x="5064343" y="5970525"/>
+              <a:off x="4625782" y="5970500"/>
               <a:ext cx="63202" cy="63202"/>
             </a:xfrm>
             <a:custGeom>
@@ -26891,7 +26891,7 @@
           </p:nvSpPr>
           <p:spPr>
             <a:xfrm>
-              <a:off x="5013073" y="6018239"/>
+              <a:off x="4469341" y="6018226"/>
               <a:ext cx="63202" cy="63202"/>
             </a:xfrm>
             <a:custGeom>
@@ -26934,7 +26934,7 @@
           </p:nvSpPr>
           <p:spPr>
             <a:xfrm>
-              <a:off x="5086365" y="5998991"/>
+              <a:off x="4713424" y="5999002"/>
               <a:ext cx="63202" cy="63202"/>
             </a:xfrm>
             <a:custGeom>
@@ -26977,7 +26977,7 @@
           </p:nvSpPr>
           <p:spPr>
             <a:xfrm>
-              <a:off x="4866616" y="5972192"/>
+              <a:off x="4970525" y="5972223"/>
               <a:ext cx="63202" cy="63202"/>
             </a:xfrm>
             <a:custGeom>
@@ -27020,7 +27020,7 @@
           </p:nvSpPr>
           <p:spPr>
             <a:xfrm>
-              <a:off x="4502266" y="5972403"/>
+              <a:off x="5084175" y="5972387"/>
               <a:ext cx="63202" cy="63202"/>
             </a:xfrm>
             <a:custGeom>
@@ -27063,7 +27063,7 @@
           </p:nvSpPr>
           <p:spPr>
             <a:xfrm>
-              <a:off x="4596943" y="5969670"/>
+              <a:off x="4500789" y="5969625"/>
               <a:ext cx="63202" cy="63202"/>
             </a:xfrm>
             <a:custGeom>
@@ -27106,7 +27106,7 @@
           </p:nvSpPr>
           <p:spPr>
             <a:xfrm>
-              <a:off x="4986223" y="5970622"/>
+              <a:off x="4599079" y="5970577"/>
               <a:ext cx="63202" cy="63202"/>
             </a:xfrm>
             <a:custGeom>
@@ -27149,7 +27149,7 @@
           </p:nvSpPr>
           <p:spPr>
             <a:xfrm>
-              <a:off x="4865720" y="5968457"/>
+              <a:off x="4816914" y="5968441"/>
               <a:ext cx="63202" cy="63202"/>
             </a:xfrm>
             <a:custGeom>
@@ -27192,7 +27192,7 @@
           </p:nvSpPr>
           <p:spPr>
             <a:xfrm>
-              <a:off x="4832421" y="6017146"/>
+              <a:off x="4957627" y="6017206"/>
               <a:ext cx="63202" cy="63202"/>
             </a:xfrm>
             <a:custGeom>
@@ -27235,7 +27235,7 @@
           </p:nvSpPr>
           <p:spPr>
             <a:xfrm>
-              <a:off x="5057091" y="6043334"/>
+              <a:off x="5121189" y="6043232"/>
               <a:ext cx="63202" cy="63202"/>
             </a:xfrm>
             <a:custGeom>
@@ -27278,7 +27278,7 @@
           </p:nvSpPr>
           <p:spPr>
             <a:xfrm>
-              <a:off x="4797219" y="5978119"/>
+              <a:off x="4676760" y="5978068"/>
               <a:ext cx="63202" cy="63202"/>
             </a:xfrm>
             <a:custGeom>
@@ -27321,7 +27321,7 @@
           </p:nvSpPr>
           <p:spPr>
             <a:xfrm>
-              <a:off x="4520859" y="5979371"/>
+              <a:off x="4930446" y="5979356"/>
               <a:ext cx="63202" cy="63202"/>
             </a:xfrm>
             <a:custGeom>
@@ -27364,7 +27364,7 @@
           </p:nvSpPr>
           <p:spPr>
             <a:xfrm>
-              <a:off x="4485774" y="5986340"/>
+              <a:off x="4436489" y="5986425"/>
               <a:ext cx="63202" cy="63202"/>
             </a:xfrm>
             <a:custGeom>
@@ -27407,7 +27407,7 @@
           </p:nvSpPr>
           <p:spPr>
             <a:xfrm>
-              <a:off x="4572931" y="5972601"/>
+              <a:off x="4861508" y="5972602"/>
               <a:ext cx="63202" cy="63202"/>
             </a:xfrm>
             <a:custGeom>
@@ -27450,7 +27450,7 @@
           </p:nvSpPr>
           <p:spPr>
             <a:xfrm>
-              <a:off x="4942593" y="5967384"/>
+              <a:off x="4548361" y="5967347"/>
               <a:ext cx="63202" cy="63202"/>
             </a:xfrm>
             <a:custGeom>
@@ -27493,7 +27493,7 @@
           </p:nvSpPr>
           <p:spPr>
             <a:xfrm>
-              <a:off x="4816636" y="5974193"/>
+              <a:off x="4767664" y="5974052"/>
               <a:ext cx="63202" cy="63202"/>
             </a:xfrm>
             <a:custGeom>
@@ -27536,7 +27536,7 @@
           </p:nvSpPr>
           <p:spPr>
             <a:xfrm>
-              <a:off x="5106125" y="5986094"/>
+              <a:off x="4816516" y="5986063"/>
               <a:ext cx="63202" cy="63202"/>
             </a:xfrm>
             <a:custGeom>
@@ -27579,7 +27579,7 @@
           </p:nvSpPr>
           <p:spPr>
             <a:xfrm>
-              <a:off x="4467349" y="5979598"/>
+              <a:off x="4900235" y="5979556"/>
               <a:ext cx="63202" cy="63202"/>
             </a:xfrm>
             <a:custGeom>
@@ -27622,7 +27622,7 @@
           </p:nvSpPr>
           <p:spPr>
             <a:xfrm>
-              <a:off x="4720163" y="5983194"/>
+              <a:off x="4925287" y="5983118"/>
               <a:ext cx="63202" cy="63202"/>
             </a:xfrm>
             <a:custGeom>
@@ -27665,7 +27665,7 @@
           </p:nvSpPr>
           <p:spPr>
             <a:xfrm>
-              <a:off x="4487176" y="5976176"/>
+              <a:off x="4590509" y="5976227"/>
               <a:ext cx="63202" cy="63202"/>
             </a:xfrm>
             <a:custGeom>
@@ -27708,7 +27708,7 @@
           </p:nvSpPr>
           <p:spPr>
             <a:xfrm>
-              <a:off x="4924773" y="5979261"/>
+              <a:off x="4491869" y="5979139"/>
               <a:ext cx="63202" cy="63202"/>
             </a:xfrm>
             <a:custGeom>
@@ -27751,7 +27751,7 @@
           </p:nvSpPr>
           <p:spPr>
             <a:xfrm>
-              <a:off x="4437920" y="5986872"/>
+              <a:off x="4987473" y="5986843"/>
               <a:ext cx="63202" cy="63202"/>
             </a:xfrm>
             <a:custGeom>
@@ -27794,7 +27794,7 @@
           </p:nvSpPr>
           <p:spPr>
             <a:xfrm>
-              <a:off x="5820000" y="6564727"/>
+              <a:off x="5610638" y="6564710"/>
               <a:ext cx="63202" cy="63202"/>
             </a:xfrm>
             <a:custGeom>
@@ -27837,7 +27837,7 @@
           </p:nvSpPr>
           <p:spPr>
             <a:xfrm>
-              <a:off x="4523061" y="5987464"/>
+              <a:off x="5068586" y="5987374"/>
               <a:ext cx="63202" cy="63202"/>
             </a:xfrm>
             <a:custGeom>
@@ -27880,7 +27880,7 @@
           </p:nvSpPr>
           <p:spPr>
             <a:xfrm>
-              <a:off x="4946561" y="6019957"/>
+              <a:off x="4657792" y="6019841"/>
               <a:ext cx="63202" cy="63202"/>
             </a:xfrm>
             <a:custGeom>
@@ -27923,7 +27923,7 @@
           </p:nvSpPr>
           <p:spPr>
             <a:xfrm>
-              <a:off x="4846878" y="5983149"/>
+              <a:off x="4561006" y="5983182"/>
               <a:ext cx="63202" cy="63202"/>
             </a:xfrm>
             <a:custGeom>
@@ -27966,7 +27966,7 @@
           </p:nvSpPr>
           <p:spPr>
             <a:xfrm>
-              <a:off x="4681034" y="6007640"/>
+              <a:off x="4535403" y="6007714"/>
               <a:ext cx="63202" cy="63202"/>
             </a:xfrm>
             <a:custGeom>
@@ -28009,7 +28009,7 @@
           </p:nvSpPr>
           <p:spPr>
             <a:xfrm>
-              <a:off x="4593578" y="6003068"/>
+              <a:off x="4717002" y="6003081"/>
               <a:ext cx="63202" cy="63202"/>
             </a:xfrm>
             <a:custGeom>
@@ -28052,7 +28052,7 @@
           </p:nvSpPr>
           <p:spPr>
             <a:xfrm>
-              <a:off x="6279497" y="6474536"/>
+              <a:off x="6855083" y="6474539"/>
               <a:ext cx="63202" cy="63202"/>
             </a:xfrm>
             <a:custGeom>
@@ -28095,7 +28095,7 @@
           </p:nvSpPr>
           <p:spPr>
             <a:xfrm>
-              <a:off x="4446792" y="5981588"/>
+              <a:off x="5107540" y="5981544"/>
               <a:ext cx="63202" cy="63202"/>
             </a:xfrm>
             <a:custGeom>
@@ -28138,7 +28138,7 @@
           </p:nvSpPr>
           <p:spPr>
             <a:xfrm>
-              <a:off x="4655262" y="5990195"/>
+              <a:off x="4870042" y="5990139"/>
               <a:ext cx="63202" cy="63202"/>
             </a:xfrm>
             <a:custGeom>
@@ -28181,7 +28181,7 @@
           </p:nvSpPr>
           <p:spPr>
             <a:xfrm>
-              <a:off x="4595276" y="6212932"/>
+              <a:off x="4939665" y="6212855"/>
               <a:ext cx="63202" cy="63202"/>
             </a:xfrm>
             <a:custGeom>
@@ -28224,7 +28224,7 @@
           </p:nvSpPr>
           <p:spPr>
             <a:xfrm>
-              <a:off x="4950284" y="5977082"/>
+              <a:off x="4914675" y="5976995"/>
               <a:ext cx="63202" cy="63202"/>
             </a:xfrm>
             <a:custGeom>
@@ -28267,7 +28267,7 @@
           </p:nvSpPr>
           <p:spPr>
             <a:xfrm>
-              <a:off x="5089412" y="6008683"/>
+              <a:off x="5055161" y="6008751"/>
               <a:ext cx="63202" cy="63202"/>
             </a:xfrm>
             <a:custGeom>
@@ -28310,7 +28310,7 @@
           </p:nvSpPr>
           <p:spPr>
             <a:xfrm>
-              <a:off x="4462153" y="5985981"/>
+              <a:off x="4469952" y="5985851"/>
               <a:ext cx="63202" cy="63202"/>
             </a:xfrm>
             <a:custGeom>
@@ -28353,7 +28353,7 @@
           </p:nvSpPr>
           <p:spPr>
             <a:xfrm>
-              <a:off x="4555454" y="5978204"/>
+              <a:off x="5056490" y="5978133"/>
               <a:ext cx="63202" cy="63202"/>
             </a:xfrm>
             <a:custGeom>
@@ -28396,7 +28396,7 @@
           </p:nvSpPr>
           <p:spPr>
             <a:xfrm>
-              <a:off x="4659139" y="6001488"/>
+              <a:off x="4749430" y="6001499"/>
               <a:ext cx="63202" cy="63202"/>
             </a:xfrm>
             <a:custGeom>
@@ -28439,7 +28439,7 @@
           </p:nvSpPr>
           <p:spPr>
             <a:xfrm>
-              <a:off x="4947949" y="5991311"/>
+              <a:off x="4954953" y="5991135"/>
               <a:ext cx="63202" cy="63202"/>
             </a:xfrm>
             <a:custGeom>
@@ -28482,7 +28482,7 @@
           </p:nvSpPr>
           <p:spPr>
             <a:xfrm>
-              <a:off x="4763951" y="5977442"/>
+              <a:off x="4459219" y="5977514"/>
               <a:ext cx="63202" cy="63202"/>
             </a:xfrm>
             <a:custGeom>
@@ -28525,7 +28525,7 @@
           </p:nvSpPr>
           <p:spPr>
             <a:xfrm>
-              <a:off x="5081898" y="5983139"/>
+              <a:off x="5054119" y="5983130"/>
               <a:ext cx="63202" cy="63202"/>
             </a:xfrm>
             <a:custGeom>
@@ -28568,7 +28568,7 @@
           </p:nvSpPr>
           <p:spPr>
             <a:xfrm>
-              <a:off x="4570951" y="5981705"/>
+              <a:off x="4642271" y="5981756"/>
               <a:ext cx="63202" cy="63202"/>
             </a:xfrm>
             <a:custGeom>
@@ -28611,7 +28611,7 @@
           </p:nvSpPr>
           <p:spPr>
             <a:xfrm>
-              <a:off x="4724344" y="6026848"/>
+              <a:off x="4711269" y="6026768"/>
               <a:ext cx="63202" cy="63202"/>
             </a:xfrm>
             <a:custGeom>
@@ -28654,7 +28654,7 @@
           </p:nvSpPr>
           <p:spPr>
             <a:xfrm>
-              <a:off x="4755350" y="6006588"/>
+              <a:off x="4872444" y="6006542"/>
               <a:ext cx="63202" cy="63202"/>
             </a:xfrm>
             <a:custGeom>
@@ -28697,7 +28697,7 @@
           </p:nvSpPr>
           <p:spPr>
             <a:xfrm>
-              <a:off x="4762331" y="5998191"/>
+              <a:off x="4805914" y="5998209"/>
               <a:ext cx="63202" cy="63202"/>
             </a:xfrm>
             <a:custGeom>
@@ -28740,7 +28740,7 @@
           </p:nvSpPr>
           <p:spPr>
             <a:xfrm>
-              <a:off x="4826106" y="5974003"/>
+              <a:off x="4847297" y="5973820"/>
               <a:ext cx="63202" cy="63202"/>
             </a:xfrm>
             <a:custGeom>
@@ -28783,7 +28783,7 @@
           </p:nvSpPr>
           <p:spPr>
             <a:xfrm>
-              <a:off x="4572401" y="5973956"/>
+              <a:off x="4719483" y="5973847"/>
               <a:ext cx="63202" cy="63202"/>
             </a:xfrm>
             <a:custGeom>
@@ -28826,7 +28826,7 @@
           </p:nvSpPr>
           <p:spPr>
             <a:xfrm>
-              <a:off x="4514644" y="5975830"/>
+              <a:off x="4509073" y="5975844"/>
               <a:ext cx="63202" cy="63202"/>
             </a:xfrm>
             <a:custGeom>
@@ -28869,7 +28869,7 @@
           </p:nvSpPr>
           <p:spPr>
             <a:xfrm>
-              <a:off x="4787573" y="5975349"/>
+              <a:off x="4595504" y="5975361"/>
               <a:ext cx="63202" cy="63202"/>
             </a:xfrm>
             <a:custGeom>
@@ -28912,7 +28912,7 @@
           </p:nvSpPr>
           <p:spPr>
             <a:xfrm>
-              <a:off x="4492372" y="5974556"/>
+              <a:off x="4567231" y="5974611"/>
               <a:ext cx="63202" cy="63202"/>
             </a:xfrm>
             <a:custGeom>
@@ -28955,7 +28955,7 @@
           </p:nvSpPr>
           <p:spPr>
             <a:xfrm>
-              <a:off x="5032002" y="5963340"/>
+              <a:off x="4917140" y="5963304"/>
               <a:ext cx="63202" cy="63202"/>
             </a:xfrm>
             <a:custGeom>
@@ -28998,7 +28998,7 @@
           </p:nvSpPr>
           <p:spPr>
             <a:xfrm>
-              <a:off x="4567495" y="6005825"/>
+              <a:off x="4749433" y="6005815"/>
               <a:ext cx="63202" cy="63202"/>
             </a:xfrm>
             <a:custGeom>
@@ -29041,7 +29041,7 @@
           </p:nvSpPr>
           <p:spPr>
             <a:xfrm>
-              <a:off x="4646454" y="6015878"/>
+              <a:off x="5096412" y="6015812"/>
               <a:ext cx="63202" cy="63202"/>
             </a:xfrm>
             <a:custGeom>
@@ -29084,7 +29084,7 @@
           </p:nvSpPr>
           <p:spPr>
             <a:xfrm>
-              <a:off x="4860225" y="5989458"/>
+              <a:off x="4446296" y="5989497"/>
               <a:ext cx="63202" cy="63202"/>
             </a:xfrm>
             <a:custGeom>
@@ -29127,7 +29127,7 @@
           </p:nvSpPr>
           <p:spPr>
             <a:xfrm>
-              <a:off x="4915517" y="6003732"/>
+              <a:off x="5098370" y="6003696"/>
               <a:ext cx="63202" cy="63202"/>
             </a:xfrm>
             <a:custGeom>
@@ -29170,7 +29170,7 @@
           </p:nvSpPr>
           <p:spPr>
             <a:xfrm>
-              <a:off x="4636814" y="6007441"/>
+              <a:off x="4616629" y="6007480"/>
               <a:ext cx="63202" cy="63202"/>
             </a:xfrm>
             <a:custGeom>
@@ -29213,7 +29213,7 @@
           </p:nvSpPr>
           <p:spPr>
             <a:xfrm>
-              <a:off x="4449083" y="5996527"/>
+              <a:off x="4494260" y="5996532"/>
               <a:ext cx="63202" cy="63202"/>
             </a:xfrm>
             <a:custGeom>
@@ -29256,7 +29256,7 @@
           </p:nvSpPr>
           <p:spPr>
             <a:xfrm>
-              <a:off x="5000277" y="5974711"/>
+              <a:off x="4583435" y="5974697"/>
               <a:ext cx="63202" cy="63202"/>
             </a:xfrm>
             <a:custGeom>
@@ -29299,7 +29299,7 @@
           </p:nvSpPr>
           <p:spPr>
             <a:xfrm>
-              <a:off x="5124483" y="6007067"/>
+              <a:off x="4865325" y="6007038"/>
               <a:ext cx="63202" cy="63202"/>
             </a:xfrm>
             <a:custGeom>
@@ -29342,7 +29342,7 @@
           </p:nvSpPr>
           <p:spPr>
             <a:xfrm>
-              <a:off x="4791999" y="5981744"/>
+              <a:off x="4443614" y="5981734"/>
               <a:ext cx="63202" cy="63202"/>
             </a:xfrm>
             <a:custGeom>
@@ -29385,7 +29385,7 @@
           </p:nvSpPr>
           <p:spPr>
             <a:xfrm>
-              <a:off x="5105385" y="5975879"/>
+              <a:off x="5103145" y="5975837"/>
               <a:ext cx="63202" cy="63202"/>
             </a:xfrm>
             <a:custGeom>
@@ -29428,7 +29428,7 @@
           </p:nvSpPr>
           <p:spPr>
             <a:xfrm>
-              <a:off x="4647741" y="6216687"/>
+              <a:off x="5039509" y="6216611"/>
               <a:ext cx="63202" cy="63202"/>
             </a:xfrm>
             <a:custGeom>
@@ -29471,7 +29471,7 @@
           </p:nvSpPr>
           <p:spPr>
             <a:xfrm>
-              <a:off x="4678687" y="5977330"/>
+              <a:off x="4873892" y="5977356"/>
               <a:ext cx="63202" cy="63202"/>
             </a:xfrm>
             <a:custGeom>
@@ -29514,7 +29514,7 @@
           </p:nvSpPr>
           <p:spPr>
             <a:xfrm>
-              <a:off x="5040941" y="5977341"/>
+              <a:off x="4836063" y="5977299"/>
               <a:ext cx="63202" cy="63202"/>
             </a:xfrm>
             <a:custGeom>
@@ -29557,7 +29557,7 @@
           </p:nvSpPr>
           <p:spPr>
             <a:xfrm>
-              <a:off x="4759656" y="5977296"/>
+              <a:off x="5037459" y="5977337"/>
               <a:ext cx="63202" cy="63202"/>
             </a:xfrm>
             <a:custGeom>
@@ -29600,7 +29600,7 @@
           </p:nvSpPr>
           <p:spPr>
             <a:xfrm>
-              <a:off x="5096915" y="5972007"/>
+              <a:off x="4991270" y="5972077"/>
               <a:ext cx="63202" cy="63202"/>
             </a:xfrm>
             <a:custGeom>
@@ -29643,7 +29643,7 @@
           </p:nvSpPr>
           <p:spPr>
             <a:xfrm>
-              <a:off x="5054471" y="6000879"/>
+              <a:off x="4475771" y="6000965"/>
               <a:ext cx="63202" cy="63202"/>
             </a:xfrm>
             <a:custGeom>
@@ -29686,7 +29686,7 @@
           </p:nvSpPr>
           <p:spPr>
             <a:xfrm>
-              <a:off x="4857261" y="6008923"/>
+              <a:off x="5087181" y="6008865"/>
               <a:ext cx="63202" cy="63202"/>
             </a:xfrm>
             <a:custGeom>
@@ -29729,7 +29729,7 @@
           </p:nvSpPr>
           <p:spPr>
             <a:xfrm>
-              <a:off x="4493564" y="5967691"/>
+              <a:off x="4551606" y="5967574"/>
               <a:ext cx="63202" cy="63202"/>
             </a:xfrm>
             <a:custGeom>
@@ -29772,7 +29772,7 @@
           </p:nvSpPr>
           <p:spPr>
             <a:xfrm>
-              <a:off x="4939889" y="5982762"/>
+              <a:off x="4520396" y="5982713"/>
               <a:ext cx="63202" cy="63202"/>
             </a:xfrm>
             <a:custGeom>
@@ -29815,7 +29815,7 @@
           </p:nvSpPr>
           <p:spPr>
             <a:xfrm>
-              <a:off x="4829660" y="5978763"/>
+              <a:off x="4630507" y="5978809"/>
               <a:ext cx="63202" cy="63202"/>
             </a:xfrm>
             <a:custGeom>
@@ -29858,7 +29858,7 @@
           </p:nvSpPr>
           <p:spPr>
             <a:xfrm>
-              <a:off x="5024533" y="5977073"/>
+              <a:off x="4714662" y="5977099"/>
               <a:ext cx="63202" cy="63202"/>
             </a:xfrm>
             <a:custGeom>
@@ -29901,7 +29901,7 @@
           </p:nvSpPr>
           <p:spPr>
             <a:xfrm>
-              <a:off x="4556263" y="6096551"/>
+              <a:off x="4484417" y="6096445"/>
               <a:ext cx="63202" cy="63202"/>
             </a:xfrm>
             <a:custGeom>
@@ -29944,7 +29944,7 @@
           </p:nvSpPr>
           <p:spPr>
             <a:xfrm>
-              <a:off x="4792251" y="5985337"/>
+              <a:off x="4491296" y="5985351"/>
               <a:ext cx="63202" cy="63202"/>
             </a:xfrm>
             <a:custGeom>
@@ -29987,7 +29987,7 @@
           </p:nvSpPr>
           <p:spPr>
             <a:xfrm>
-              <a:off x="4451584" y="6033591"/>
+              <a:off x="4981825" y="6033671"/>
               <a:ext cx="63202" cy="63202"/>
             </a:xfrm>
             <a:custGeom>
@@ -30030,7 +30030,7 @@
           </p:nvSpPr>
           <p:spPr>
             <a:xfrm>
-              <a:off x="4740295" y="6001341"/>
+              <a:off x="4976864" y="6001316"/>
               <a:ext cx="63202" cy="63202"/>
             </a:xfrm>
             <a:custGeom>
@@ -30073,7 +30073,7 @@
           </p:nvSpPr>
           <p:spPr>
             <a:xfrm>
-              <a:off x="4533653" y="5976199"/>
+              <a:off x="4947379" y="5976175"/>
               <a:ext cx="63202" cy="63202"/>
             </a:xfrm>
             <a:custGeom>
@@ -30116,7 +30116,7 @@
           </p:nvSpPr>
           <p:spPr>
             <a:xfrm>
-              <a:off x="4663525" y="5978523"/>
+              <a:off x="4727121" y="5978508"/>
               <a:ext cx="63202" cy="63202"/>
             </a:xfrm>
             <a:custGeom>
@@ -30159,7 +30159,7 @@
           </p:nvSpPr>
           <p:spPr>
             <a:xfrm>
-              <a:off x="4624886" y="6013625"/>
+              <a:off x="4689058" y="6013581"/>
               <a:ext cx="63202" cy="63202"/>
             </a:xfrm>
             <a:custGeom>
@@ -30202,7 +30202,7 @@
           </p:nvSpPr>
           <p:spPr>
             <a:xfrm>
-              <a:off x="4694961" y="6008530"/>
+              <a:off x="4643353" y="6008537"/>
               <a:ext cx="63202" cy="63202"/>
             </a:xfrm>
             <a:custGeom>
@@ -30245,7 +30245,7 @@
           </p:nvSpPr>
           <p:spPr>
             <a:xfrm>
-              <a:off x="4663121" y="6033815"/>
+              <a:off x="5075152" y="6033797"/>
               <a:ext cx="63202" cy="63202"/>
             </a:xfrm>
             <a:custGeom>
@@ -30288,7 +30288,7 @@
           </p:nvSpPr>
           <p:spPr>
             <a:xfrm>
-              <a:off x="5121121" y="5987287"/>
+              <a:off x="4488199" y="5987151"/>
               <a:ext cx="63202" cy="63202"/>
             </a:xfrm>
             <a:custGeom>
@@ -30331,7 +30331,7 @@
           </p:nvSpPr>
           <p:spPr>
             <a:xfrm>
-              <a:off x="4610444" y="5992258"/>
+              <a:off x="4566014" y="5992251"/>
               <a:ext cx="63202" cy="63202"/>
             </a:xfrm>
             <a:custGeom>
@@ -30374,7 +30374,7 @@
           </p:nvSpPr>
           <p:spPr>
             <a:xfrm>
-              <a:off x="4602959" y="6008367"/>
+              <a:off x="4890185" y="6008296"/>
               <a:ext cx="63202" cy="63202"/>
             </a:xfrm>
             <a:custGeom>
@@ -30417,7 +30417,7 @@
           </p:nvSpPr>
           <p:spPr>
             <a:xfrm>
-              <a:off x="4444733" y="5983234"/>
+              <a:off x="5122226" y="5983118"/>
               <a:ext cx="63202" cy="63202"/>
             </a:xfrm>
             <a:custGeom>
@@ -30460,7 +30460,7 @@
           </p:nvSpPr>
           <p:spPr>
             <a:xfrm>
-              <a:off x="4787771" y="6002410"/>
+              <a:off x="4752059" y="6002355"/>
               <a:ext cx="63202" cy="63202"/>
             </a:xfrm>
             <a:custGeom>
@@ -30503,7 +30503,7 @@
           </p:nvSpPr>
           <p:spPr>
             <a:xfrm>
-              <a:off x="4549419" y="6008276"/>
+              <a:off x="4591948" y="6008264"/>
               <a:ext cx="63202" cy="63202"/>
             </a:xfrm>
             <a:custGeom>
@@ -30546,7 +30546,7 @@
           </p:nvSpPr>
           <p:spPr>
             <a:xfrm>
-              <a:off x="4664704" y="5979387"/>
+              <a:off x="4998950" y="5979451"/>
               <a:ext cx="63202" cy="63202"/>
             </a:xfrm>
             <a:custGeom>
@@ -30589,7 +30589,7 @@
           </p:nvSpPr>
           <p:spPr>
             <a:xfrm>
-              <a:off x="4443600" y="6086615"/>
+              <a:off x="4814704" y="6086609"/>
               <a:ext cx="63202" cy="63202"/>
             </a:xfrm>
             <a:custGeom>
@@ -30632,7 +30632,7 @@
           </p:nvSpPr>
           <p:spPr>
             <a:xfrm>
-              <a:off x="5078394" y="5999494"/>
+              <a:off x="4568083" y="5999478"/>
               <a:ext cx="63202" cy="63202"/>
             </a:xfrm>
             <a:custGeom>
@@ -30675,7 +30675,7 @@
           </p:nvSpPr>
           <p:spPr>
             <a:xfrm>
-              <a:off x="4785341" y="6002389"/>
+              <a:off x="4830763" y="6002445"/>
               <a:ext cx="63202" cy="63202"/>
             </a:xfrm>
             <a:custGeom>
@@ -30718,7 +30718,7 @@
           </p:nvSpPr>
           <p:spPr>
             <a:xfrm>
-              <a:off x="4620743" y="6009999"/>
+              <a:off x="4825991" y="6009898"/>
               <a:ext cx="63202" cy="63202"/>
             </a:xfrm>
             <a:custGeom>
@@ -30761,7 +30761,7 @@
           </p:nvSpPr>
           <p:spPr>
             <a:xfrm>
-              <a:off x="4568251" y="6013448"/>
+              <a:off x="4559254" y="6013396"/>
               <a:ext cx="63202" cy="63202"/>
             </a:xfrm>
             <a:custGeom>
@@ -30804,7 +30804,7 @@
           </p:nvSpPr>
           <p:spPr>
             <a:xfrm>
-              <a:off x="5133136" y="5968073"/>
+              <a:off x="4638686" y="5968029"/>
               <a:ext cx="63202" cy="63202"/>
             </a:xfrm>
             <a:custGeom>
@@ -30847,7 +30847,7 @@
           </p:nvSpPr>
           <p:spPr>
             <a:xfrm>
-              <a:off x="4621847" y="6032321"/>
+              <a:off x="5035441" y="6032249"/>
               <a:ext cx="63202" cy="63202"/>
             </a:xfrm>
             <a:custGeom>
@@ -30890,7 +30890,7 @@
           </p:nvSpPr>
           <p:spPr>
             <a:xfrm>
-              <a:off x="4892669" y="6143988"/>
+              <a:off x="5090623" y="6143885"/>
               <a:ext cx="63202" cy="63202"/>
             </a:xfrm>
             <a:custGeom>
@@ -30933,7 +30933,7 @@
           </p:nvSpPr>
           <p:spPr>
             <a:xfrm>
-              <a:off x="4880409" y="6325105"/>
+              <a:off x="4707943" y="6325116"/>
               <a:ext cx="63202" cy="63202"/>
             </a:xfrm>
             <a:custGeom>
@@ -30976,7 +30976,7 @@
           </p:nvSpPr>
           <p:spPr>
             <a:xfrm>
-              <a:off x="5015922" y="6163085"/>
+              <a:off x="5060831" y="6163040"/>
               <a:ext cx="63202" cy="63202"/>
             </a:xfrm>
             <a:custGeom>
@@ -31019,7 +31019,7 @@
           </p:nvSpPr>
           <p:spPr>
             <a:xfrm>
-              <a:off x="4696937" y="5982951"/>
+              <a:off x="5049924" y="5982990"/>
               <a:ext cx="63202" cy="63202"/>
             </a:xfrm>
             <a:custGeom>
@@ -31062,7 +31062,7 @@
           </p:nvSpPr>
           <p:spPr>
             <a:xfrm>
-              <a:off x="4782566" y="6043590"/>
+              <a:off x="4445664" y="6043536"/>
               <a:ext cx="63202" cy="63202"/>
             </a:xfrm>
             <a:custGeom>
@@ -31105,7 +31105,7 @@
           </p:nvSpPr>
           <p:spPr>
             <a:xfrm>
-              <a:off x="5019363" y="6035758"/>
+              <a:off x="4695396" y="6035761"/>
               <a:ext cx="63202" cy="63202"/>
             </a:xfrm>
             <a:custGeom>
@@ -31148,7 +31148,7 @@
           </p:nvSpPr>
           <p:spPr>
             <a:xfrm>
-              <a:off x="4596645" y="5987295"/>
+              <a:off x="4895075" y="5987235"/>
               <a:ext cx="63202" cy="63202"/>
             </a:xfrm>
             <a:custGeom>
@@ -31191,7 +31191,7 @@
           </p:nvSpPr>
           <p:spPr>
             <a:xfrm>
-              <a:off x="4614457" y="6085328"/>
+              <a:off x="4470518" y="6085204"/>
               <a:ext cx="63202" cy="63202"/>
             </a:xfrm>
             <a:custGeom>
@@ -31234,7 +31234,7 @@
           </p:nvSpPr>
           <p:spPr>
             <a:xfrm>
-              <a:off x="4824883" y="5971544"/>
+              <a:off x="4444060" y="5971617"/>
               <a:ext cx="63202" cy="63202"/>
             </a:xfrm>
             <a:custGeom>
@@ -31277,7 +31277,7 @@
           </p:nvSpPr>
           <p:spPr>
             <a:xfrm>
-              <a:off x="4907718" y="6097650"/>
+              <a:off x="5055638" y="6097735"/>
               <a:ext cx="63202" cy="63202"/>
             </a:xfrm>
             <a:custGeom>
@@ -31320,7 +31320,7 @@
           </p:nvSpPr>
           <p:spPr>
             <a:xfrm>
-              <a:off x="4431877" y="5983851"/>
+              <a:off x="4885399" y="5983844"/>
               <a:ext cx="63202" cy="63202"/>
             </a:xfrm>
             <a:custGeom>
@@ -31363,7 +31363,7 @@
           </p:nvSpPr>
           <p:spPr>
             <a:xfrm>
-              <a:off x="4852738" y="6227941"/>
+              <a:off x="4675819" y="6227918"/>
               <a:ext cx="63202" cy="63202"/>
             </a:xfrm>
             <a:custGeom>
@@ -31406,7 +31406,7 @@
           </p:nvSpPr>
           <p:spPr>
             <a:xfrm>
-              <a:off x="4634181" y="5989182"/>
+              <a:off x="4854064" y="5989158"/>
               <a:ext cx="63202" cy="63202"/>
             </a:xfrm>
             <a:custGeom>
@@ -31449,7 +31449,7 @@
           </p:nvSpPr>
           <p:spPr>
             <a:xfrm>
-              <a:off x="4986331" y="5972960"/>
+              <a:off x="4776875" y="5972820"/>
               <a:ext cx="63202" cy="63202"/>
             </a:xfrm>
             <a:custGeom>
@@ -31492,7 +31492,7 @@
           </p:nvSpPr>
           <p:spPr>
             <a:xfrm>
-              <a:off x="4935501" y="5978336"/>
+              <a:off x="4453862" y="5978324"/>
               <a:ext cx="63202" cy="63202"/>
             </a:xfrm>
             <a:custGeom>
@@ -31535,7 +31535,7 @@
           </p:nvSpPr>
           <p:spPr>
             <a:xfrm>
-              <a:off x="4994203" y="5968064"/>
+              <a:off x="4678138" y="5967938"/>
               <a:ext cx="63202" cy="63202"/>
             </a:xfrm>
             <a:custGeom>
@@ -31578,7 +31578,7 @@
           </p:nvSpPr>
           <p:spPr>
             <a:xfrm>
-              <a:off x="4839134" y="5982416"/>
+              <a:off x="4476387" y="5982330"/>
               <a:ext cx="63202" cy="63202"/>
             </a:xfrm>
             <a:custGeom>
@@ -31621,7 +31621,7 @@
           </p:nvSpPr>
           <p:spPr>
             <a:xfrm>
-              <a:off x="4431330" y="5976479"/>
+              <a:off x="5082015" y="5976468"/>
               <a:ext cx="63202" cy="63202"/>
             </a:xfrm>
             <a:custGeom>
@@ -31664,7 +31664,7 @@
           </p:nvSpPr>
           <p:spPr>
             <a:xfrm>
-              <a:off x="4947619" y="5983925"/>
+              <a:off x="4909020" y="5983782"/>
               <a:ext cx="63202" cy="63202"/>
             </a:xfrm>
             <a:custGeom>
@@ -31707,7 +31707,7 @@
           </p:nvSpPr>
           <p:spPr>
             <a:xfrm>
-              <a:off x="5046827" y="5983796"/>
+              <a:off x="4841007" y="5983793"/>
               <a:ext cx="63202" cy="63202"/>
             </a:xfrm>
             <a:custGeom>
@@ -31750,7 +31750,7 @@
           </p:nvSpPr>
           <p:spPr>
             <a:xfrm>
-              <a:off x="4837162" y="5983838"/>
+              <a:off x="4462566" y="5983800"/>
               <a:ext cx="63202" cy="63202"/>
             </a:xfrm>
             <a:custGeom>
@@ -31793,7 +31793,7 @@
           </p:nvSpPr>
           <p:spPr>
             <a:xfrm>
-              <a:off x="4581424" y="5983887"/>
+              <a:off x="5063975" y="5983805"/>
               <a:ext cx="63202" cy="63202"/>
             </a:xfrm>
             <a:custGeom>
@@ -31836,7 +31836,7 @@
           </p:nvSpPr>
           <p:spPr>
             <a:xfrm>
-              <a:off x="4616777" y="6004976"/>
+              <a:off x="4624521" y="6004980"/>
               <a:ext cx="63202" cy="63202"/>
             </a:xfrm>
             <a:custGeom>
@@ -31879,7 +31879,7 @@
           </p:nvSpPr>
           <p:spPr>
             <a:xfrm>
-              <a:off x="4483815" y="5982316"/>
+              <a:off x="4860586" y="5982278"/>
               <a:ext cx="63202" cy="63202"/>
             </a:xfrm>
             <a:custGeom>
@@ -31922,7 +31922,7 @@
           </p:nvSpPr>
           <p:spPr>
             <a:xfrm>
-              <a:off x="4750390" y="6109947"/>
+              <a:off x="4981915" y="6109917"/>
               <a:ext cx="63202" cy="63202"/>
             </a:xfrm>
             <a:custGeom>
@@ -31965,7 +31965,7 @@
           </p:nvSpPr>
           <p:spPr>
             <a:xfrm>
-              <a:off x="5973924" y="6662886"/>
+              <a:off x="5541568" y="6662925"/>
               <a:ext cx="63202" cy="63202"/>
             </a:xfrm>
             <a:custGeom>
@@ -32008,7 +32008,7 @@
           </p:nvSpPr>
           <p:spPr>
             <a:xfrm>
-              <a:off x="4535369" y="5986226"/>
+              <a:off x="5103582" y="5986104"/>
               <a:ext cx="63202" cy="63202"/>
             </a:xfrm>
             <a:custGeom>
@@ -32051,7 +32051,7 @@
           </p:nvSpPr>
           <p:spPr>
             <a:xfrm>
-              <a:off x="4570307" y="5973244"/>
+              <a:off x="4767765" y="5973244"/>
               <a:ext cx="63202" cy="63202"/>
             </a:xfrm>
             <a:custGeom>
@@ -32094,7 +32094,7 @@
           </p:nvSpPr>
           <p:spPr>
             <a:xfrm>
-              <a:off x="4604372" y="5970483"/>
+              <a:off x="4955539" y="5970576"/>
               <a:ext cx="63202" cy="63202"/>
             </a:xfrm>
             <a:custGeom>
@@ -32137,7 +32137,7 @@
           </p:nvSpPr>
           <p:spPr>
             <a:xfrm>
-              <a:off x="4558016" y="6082736"/>
+              <a:off x="5099992" y="6082737"/>
               <a:ext cx="63202" cy="63202"/>
             </a:xfrm>
             <a:custGeom>
@@ -32180,7 +32180,7 @@
           </p:nvSpPr>
           <p:spPr>
             <a:xfrm>
-              <a:off x="5113648" y="5990240"/>
+              <a:off x="4903525" y="5990078"/>
               <a:ext cx="63202" cy="63202"/>
             </a:xfrm>
             <a:custGeom>
@@ -32223,7 +32223,7 @@
           </p:nvSpPr>
           <p:spPr>
             <a:xfrm>
-              <a:off x="4784620" y="5989124"/>
+              <a:off x="4465040" y="5989047"/>
               <a:ext cx="63202" cy="63202"/>
             </a:xfrm>
             <a:custGeom>
@@ -32266,7 +32266,7 @@
           </p:nvSpPr>
           <p:spPr>
             <a:xfrm>
-              <a:off x="5036695" y="5974582"/>
+              <a:off x="4956693" y="5974606"/>
               <a:ext cx="63202" cy="63202"/>
             </a:xfrm>
             <a:custGeom>
@@ -32365,7 +32365,7 @@
           </p:nvSpPr>
           <p:spPr>
             <a:xfrm>
-              <a:off x="7171360" y="2998691"/>
+              <a:off x="7171360" y="2998673"/>
               <a:ext cx="2817450" cy="0"/>
             </a:xfrm>
             <a:custGeom>
@@ -32408,7 +32408,7 @@
           </p:nvSpPr>
           <p:spPr>
             <a:xfrm>
-              <a:off x="7171360" y="2576886"/>
+              <a:off x="7171360" y="2576862"/>
               <a:ext cx="2817450" cy="0"/>
             </a:xfrm>
             <a:custGeom>
@@ -32451,7 +32451,7 @@
           </p:nvSpPr>
           <p:spPr>
             <a:xfrm>
-              <a:off x="7171360" y="2155081"/>
+              <a:off x="7171360" y="2155052"/>
               <a:ext cx="2817450" cy="0"/>
             </a:xfrm>
             <a:custGeom>
@@ -32494,7 +32494,7 @@
           </p:nvSpPr>
           <p:spPr>
             <a:xfrm>
-              <a:off x="7171360" y="1733275"/>
+              <a:off x="7171360" y="1733241"/>
               <a:ext cx="2817450" cy="0"/>
             </a:xfrm>
             <a:custGeom>
@@ -32537,7 +32537,7 @@
           </p:nvSpPr>
           <p:spPr>
             <a:xfrm>
-              <a:off x="7171360" y="2787788"/>
+              <a:off x="7171360" y="2787768"/>
               <a:ext cx="2817450" cy="0"/>
             </a:xfrm>
             <a:custGeom>
@@ -32580,7 +32580,7 @@
           </p:nvSpPr>
           <p:spPr>
             <a:xfrm>
-              <a:off x="7171360" y="2365983"/>
+              <a:off x="7171360" y="2365957"/>
               <a:ext cx="2817450" cy="0"/>
             </a:xfrm>
             <a:custGeom>
@@ -32623,7 +32623,7 @@
           </p:nvSpPr>
           <p:spPr>
             <a:xfrm>
-              <a:off x="7171360" y="1944178"/>
+              <a:off x="7171360" y="1944146"/>
               <a:ext cx="2817450" cy="0"/>
             </a:xfrm>
             <a:custGeom>
@@ -32666,7 +32666,7 @@
           </p:nvSpPr>
           <p:spPr>
             <a:xfrm>
-              <a:off x="7171360" y="1522373"/>
+              <a:off x="7171360" y="1522335"/>
               <a:ext cx="2817450" cy="0"/>
             </a:xfrm>
             <a:custGeom>
@@ -32838,7 +32838,7 @@
           </p:nvSpPr>
           <p:spPr>
             <a:xfrm>
-              <a:off x="9634569" y="2883078"/>
+              <a:off x="9104916" y="2883113"/>
               <a:ext cx="63202" cy="63202"/>
             </a:xfrm>
             <a:custGeom>
@@ -32881,7 +32881,7 @@
           </p:nvSpPr>
           <p:spPr>
             <a:xfrm>
-              <a:off x="7593596" y="2520539"/>
+              <a:off x="7961383" y="2520655"/>
               <a:ext cx="63202" cy="63202"/>
             </a:xfrm>
             <a:custGeom>
@@ -32924,7 +32924,7 @@
           </p:nvSpPr>
           <p:spPr>
             <a:xfrm>
-              <a:off x="7972290" y="2524751"/>
+              <a:off x="7935891" y="2524886"/>
               <a:ext cx="63202" cy="63202"/>
             </a:xfrm>
             <a:custGeom>
@@ -32967,7 +32967,7 @@
           </p:nvSpPr>
           <p:spPr>
             <a:xfrm>
-              <a:off x="7727984" y="2537334"/>
+              <a:off x="7441582" y="2537283"/>
               <a:ext cx="63202" cy="63202"/>
             </a:xfrm>
             <a:custGeom>
@@ -33010,7 +33010,7 @@
           </p:nvSpPr>
           <p:spPr>
             <a:xfrm>
-              <a:off x="7986269" y="2532126"/>
+              <a:off x="7537625" y="2532170"/>
               <a:ext cx="63202" cy="63202"/>
             </a:xfrm>
             <a:custGeom>
@@ -33053,7 +33053,7 @@
           </p:nvSpPr>
           <p:spPr>
             <a:xfrm>
-              <a:off x="7890509" y="2478379"/>
+              <a:off x="7431742" y="2478413"/>
               <a:ext cx="63202" cy="63202"/>
             </a:xfrm>
             <a:custGeom>
@@ -33096,7 +33096,7 @@
           </p:nvSpPr>
           <p:spPr>
             <a:xfrm>
-              <a:off x="8356137" y="2570162"/>
+              <a:off x="8463841" y="2570180"/>
               <a:ext cx="63202" cy="63202"/>
             </a:xfrm>
             <a:custGeom>
@@ -33139,7 +33139,7 @@
           </p:nvSpPr>
           <p:spPr>
             <a:xfrm>
-              <a:off x="7842516" y="2519714"/>
+              <a:off x="7711534" y="2519748"/>
               <a:ext cx="63202" cy="63202"/>
             </a:xfrm>
             <a:custGeom>
@@ -33182,7 +33182,7 @@
           </p:nvSpPr>
           <p:spPr>
             <a:xfrm>
-              <a:off x="7489828" y="2531999"/>
+              <a:off x="7450431" y="2532031"/>
               <a:ext cx="63202" cy="63202"/>
             </a:xfrm>
             <a:custGeom>
@@ -33225,7 +33225,7 @@
           </p:nvSpPr>
           <p:spPr>
             <a:xfrm>
-              <a:off x="7902587" y="2528461"/>
+              <a:off x="7552465" y="2528404"/>
               <a:ext cx="63202" cy="63202"/>
             </a:xfrm>
             <a:custGeom>
@@ -33268,7 +33268,7 @@
           </p:nvSpPr>
           <p:spPr>
             <a:xfrm>
-              <a:off x="8433396" y="2569889"/>
+              <a:off x="8335329" y="2569925"/>
               <a:ext cx="63202" cy="63202"/>
             </a:xfrm>
             <a:custGeom>
@@ -33311,7 +33311,7 @@
           </p:nvSpPr>
           <p:spPr>
             <a:xfrm>
-              <a:off x="8845099" y="2611972"/>
+              <a:off x="8499444" y="2611954"/>
               <a:ext cx="63202" cy="63202"/>
             </a:xfrm>
             <a:custGeom>
@@ -33354,7 +33354,7 @@
           </p:nvSpPr>
           <p:spPr>
             <a:xfrm>
-              <a:off x="8856026" y="2571211"/>
+              <a:off x="8382912" y="2571168"/>
               <a:ext cx="63202" cy="63202"/>
             </a:xfrm>
             <a:custGeom>
@@ -33397,7 +33397,7 @@
           </p:nvSpPr>
           <p:spPr>
             <a:xfrm>
-              <a:off x="8495765" y="2682920"/>
+              <a:off x="8275250" y="2682918"/>
               <a:ext cx="63202" cy="63202"/>
             </a:xfrm>
             <a:custGeom>
@@ -33440,7 +33440,7 @@
           </p:nvSpPr>
           <p:spPr>
             <a:xfrm>
-              <a:off x="8610862" y="2568357"/>
+              <a:off x="8514646" y="2568265"/>
               <a:ext cx="63202" cy="63202"/>
             </a:xfrm>
             <a:custGeom>
@@ -33483,7 +33483,7 @@
           </p:nvSpPr>
           <p:spPr>
             <a:xfrm>
-              <a:off x="7503135" y="2534797"/>
+              <a:off x="7982829" y="2534708"/>
               <a:ext cx="63202" cy="63202"/>
             </a:xfrm>
             <a:custGeom>
@@ -33526,7 +33526,7 @@
           </p:nvSpPr>
           <p:spPr>
             <a:xfrm>
-              <a:off x="8657362" y="2654403"/>
+              <a:off x="8675645" y="2654338"/>
               <a:ext cx="63202" cy="63202"/>
             </a:xfrm>
             <a:custGeom>
@@ -33569,7 +33569,7 @@
           </p:nvSpPr>
           <p:spPr>
             <a:xfrm>
-              <a:off x="8438054" y="2588866"/>
+              <a:off x="8666166" y="2588889"/>
               <a:ext cx="63202" cy="63202"/>
             </a:xfrm>
             <a:custGeom>
@@ -33612,7 +33612,7 @@
           </p:nvSpPr>
           <p:spPr>
             <a:xfrm>
-              <a:off x="8227732" y="2565564"/>
+              <a:off x="8809708" y="2565538"/>
               <a:ext cx="63202" cy="63202"/>
             </a:xfrm>
             <a:custGeom>
@@ -33655,7 +33655,7 @@
           </p:nvSpPr>
           <p:spPr>
             <a:xfrm>
-              <a:off x="7566049" y="2520529"/>
+              <a:off x="7766117" y="2520525"/>
               <a:ext cx="63202" cy="63202"/>
             </a:xfrm>
             <a:custGeom>
@@ -33698,7 +33698,7 @@
           </p:nvSpPr>
           <p:spPr>
             <a:xfrm>
-              <a:off x="8817400" y="2624178"/>
+              <a:off x="8732036" y="2624073"/>
               <a:ext cx="63202" cy="63202"/>
             </a:xfrm>
             <a:custGeom>
@@ -33741,7 +33741,7 @@
           </p:nvSpPr>
           <p:spPr>
             <a:xfrm>
-              <a:off x="8800198" y="2563598"/>
+              <a:off x="8827398" y="2563609"/>
               <a:ext cx="63202" cy="63202"/>
             </a:xfrm>
             <a:custGeom>
@@ -33784,7 +33784,7 @@
           </p:nvSpPr>
           <p:spPr>
             <a:xfrm>
-              <a:off x="8352987" y="2571244"/>
+              <a:off x="8666997" y="2571149"/>
               <a:ext cx="63202" cy="63202"/>
             </a:xfrm>
             <a:custGeom>
@@ -33827,7 +33827,7 @@
           </p:nvSpPr>
           <p:spPr>
             <a:xfrm>
-              <a:off x="7990828" y="2461635"/>
+              <a:off x="7569824" y="2461506"/>
               <a:ext cx="63202" cy="63202"/>
             </a:xfrm>
             <a:custGeom>
@@ -33870,7 +33870,7 @@
           </p:nvSpPr>
           <p:spPr>
             <a:xfrm>
-              <a:off x="7860164" y="2522497"/>
+              <a:off x="7530159" y="2522550"/>
               <a:ext cx="63202" cy="63202"/>
             </a:xfrm>
             <a:custGeom>
@@ -33913,7 +33913,7 @@
           </p:nvSpPr>
           <p:spPr>
             <a:xfrm>
-              <a:off x="8832324" y="2574577"/>
+              <a:off x="8707925" y="2574576"/>
               <a:ext cx="63202" cy="63202"/>
             </a:xfrm>
             <a:custGeom>
@@ -33956,7 +33956,7 @@
           </p:nvSpPr>
           <p:spPr>
             <a:xfrm>
-              <a:off x="8770862" y="2587465"/>
+              <a:off x="8220879" y="2587505"/>
               <a:ext cx="63202" cy="63202"/>
             </a:xfrm>
             <a:custGeom>
@@ -33999,7 +33999,7 @@
           </p:nvSpPr>
           <p:spPr>
             <a:xfrm>
-              <a:off x="9334280" y="2928873"/>
+              <a:off x="9767167" y="2928896"/>
               <a:ext cx="63202" cy="63202"/>
             </a:xfrm>
             <a:custGeom>
@@ -34042,7 +34042,7 @@
           </p:nvSpPr>
           <p:spPr>
             <a:xfrm>
-              <a:off x="7346944" y="2529479"/>
+              <a:off x="7562367" y="2529363"/>
               <a:ext cx="63202" cy="63202"/>
             </a:xfrm>
             <a:custGeom>
@@ -34085,7 +34085,7 @@
           </p:nvSpPr>
           <p:spPr>
             <a:xfrm>
-              <a:off x="7745832" y="2528540"/>
+              <a:off x="7751621" y="2528580"/>
               <a:ext cx="63202" cy="63202"/>
             </a:xfrm>
             <a:custGeom>
@@ -34128,7 +34128,7 @@
           </p:nvSpPr>
           <p:spPr>
             <a:xfrm>
-              <a:off x="7625984" y="2526715"/>
+              <a:off x="7672063" y="2526651"/>
               <a:ext cx="63202" cy="63202"/>
             </a:xfrm>
             <a:custGeom>
@@ -34171,7 +34171,7 @@
           </p:nvSpPr>
           <p:spPr>
             <a:xfrm>
-              <a:off x="7704663" y="2526648"/>
+              <a:off x="7585537" y="2526716"/>
               <a:ext cx="63202" cy="63202"/>
             </a:xfrm>
             <a:custGeom>
@@ -34214,7 +34214,7 @@
           </p:nvSpPr>
           <p:spPr>
             <a:xfrm>
-              <a:off x="7463562" y="2527973"/>
+              <a:off x="7906347" y="2527987"/>
               <a:ext cx="63202" cy="63202"/>
             </a:xfrm>
             <a:custGeom>
@@ -34257,7 +34257,7 @@
           </p:nvSpPr>
           <p:spPr>
             <a:xfrm>
-              <a:off x="7331900" y="2535137"/>
+              <a:off x="7633448" y="2535079"/>
               <a:ext cx="63202" cy="63202"/>
             </a:xfrm>
             <a:custGeom>
@@ -34300,7 +34300,7 @@
           </p:nvSpPr>
           <p:spPr>
             <a:xfrm>
-              <a:off x="8227187" y="2547169"/>
+              <a:off x="8536933" y="2547111"/>
               <a:ext cx="63202" cy="63202"/>
             </a:xfrm>
             <a:custGeom>
@@ -34343,7 +34343,7 @@
           </p:nvSpPr>
           <p:spPr>
             <a:xfrm>
-              <a:off x="8504101" y="2566332"/>
+              <a:off x="8634958" y="2566312"/>
               <a:ext cx="63202" cy="63202"/>
             </a:xfrm>
             <a:custGeom>
@@ -34386,7 +34386,7 @@
           </p:nvSpPr>
           <p:spPr>
             <a:xfrm>
-              <a:off x="8786164" y="2570364"/>
+              <a:off x="8562107" y="2570365"/>
               <a:ext cx="63202" cy="63202"/>
             </a:xfrm>
             <a:custGeom>
@@ -34429,7 +34429,7 @@
           </p:nvSpPr>
           <p:spPr>
             <a:xfrm>
-              <a:off x="8653084" y="2800614"/>
+              <a:off x="8886419" y="2800632"/>
               <a:ext cx="63202" cy="63202"/>
             </a:xfrm>
             <a:custGeom>
@@ -34472,7 +34472,7 @@
           </p:nvSpPr>
           <p:spPr>
             <a:xfrm>
-              <a:off x="7924206" y="2537422"/>
+              <a:off x="7844960" y="2537423"/>
               <a:ext cx="63202" cy="63202"/>
             </a:xfrm>
             <a:custGeom>
@@ -34515,7 +34515,7 @@
           </p:nvSpPr>
           <p:spPr>
             <a:xfrm>
-              <a:off x="7637047" y="2417930"/>
+              <a:off x="7438144" y="2417920"/>
               <a:ext cx="63202" cy="63202"/>
             </a:xfrm>
             <a:custGeom>
@@ -34558,7 +34558,7 @@
           </p:nvSpPr>
           <p:spPr>
             <a:xfrm>
-              <a:off x="7869075" y="2451434"/>
+              <a:off x="7414371" y="2451458"/>
               <a:ext cx="63202" cy="63202"/>
             </a:xfrm>
             <a:custGeom>
@@ -34601,7 +34601,7 @@
           </p:nvSpPr>
           <p:spPr>
             <a:xfrm>
-              <a:off x="7698037" y="2534340"/>
+              <a:off x="7885122" y="2534336"/>
               <a:ext cx="63202" cy="63202"/>
             </a:xfrm>
             <a:custGeom>
@@ -34644,7 +34644,7 @@
           </p:nvSpPr>
           <p:spPr>
             <a:xfrm>
-              <a:off x="7381055" y="2536391"/>
+              <a:off x="7628303" y="2536406"/>
               <a:ext cx="63202" cy="63202"/>
             </a:xfrm>
             <a:custGeom>
@@ -34687,7 +34687,7 @@
           </p:nvSpPr>
           <p:spPr>
             <a:xfrm>
-              <a:off x="7393651" y="2536230"/>
+              <a:off x="7943317" y="2536133"/>
               <a:ext cx="63202" cy="63202"/>
             </a:xfrm>
             <a:custGeom>
@@ -34730,7 +34730,7 @@
           </p:nvSpPr>
           <p:spPr>
             <a:xfrm>
-              <a:off x="7839523" y="2533958"/>
+              <a:off x="7437258" y="2533860"/>
               <a:ext cx="63202" cy="63202"/>
             </a:xfrm>
             <a:custGeom>
@@ -34773,7 +34773,7 @@
           </p:nvSpPr>
           <p:spPr>
             <a:xfrm>
-              <a:off x="7809946" y="2532282"/>
+              <a:off x="7542941" y="2532263"/>
               <a:ext cx="63202" cy="63202"/>
             </a:xfrm>
             <a:custGeom>
@@ -34872,7 +34872,7 @@
           </p:nvSpPr>
           <p:spPr>
             <a:xfrm>
-              <a:off x="7171360" y="4924024"/>
+              <a:off x="7171360" y="4924006"/>
               <a:ext cx="2817450" cy="0"/>
             </a:xfrm>
             <a:custGeom>
@@ -34915,7 +34915,7 @@
           </p:nvSpPr>
           <p:spPr>
             <a:xfrm>
-              <a:off x="7171360" y="4502218"/>
+              <a:off x="7171360" y="4502195"/>
               <a:ext cx="2817450" cy="0"/>
             </a:xfrm>
             <a:custGeom>
@@ -34958,7 +34958,7 @@
           </p:nvSpPr>
           <p:spPr>
             <a:xfrm>
-              <a:off x="7171360" y="4080413"/>
+              <a:off x="7171360" y="4080384"/>
               <a:ext cx="2817450" cy="0"/>
             </a:xfrm>
             <a:custGeom>
@@ -35001,7 +35001,7 @@
           </p:nvSpPr>
           <p:spPr>
             <a:xfrm>
-              <a:off x="7171360" y="3658608"/>
+              <a:off x="7171360" y="3658573"/>
               <a:ext cx="2817450" cy="0"/>
             </a:xfrm>
             <a:custGeom>
@@ -35044,7 +35044,7 @@
           </p:nvSpPr>
           <p:spPr>
             <a:xfrm>
-              <a:off x="7171360" y="4713121"/>
+              <a:off x="7171360" y="4713100"/>
               <a:ext cx="2817450" cy="0"/>
             </a:xfrm>
             <a:custGeom>
@@ -35087,7 +35087,7 @@
           </p:nvSpPr>
           <p:spPr>
             <a:xfrm>
-              <a:off x="7171360" y="4291316"/>
+              <a:off x="7171360" y="4291290"/>
               <a:ext cx="2817450" cy="0"/>
             </a:xfrm>
             <a:custGeom>
@@ -35130,7 +35130,7 @@
           </p:nvSpPr>
           <p:spPr>
             <a:xfrm>
-              <a:off x="7171360" y="3869511"/>
+              <a:off x="7171360" y="3869479"/>
               <a:ext cx="2817450" cy="0"/>
             </a:xfrm>
             <a:custGeom>
@@ -35173,7 +35173,7 @@
           </p:nvSpPr>
           <p:spPr>
             <a:xfrm>
-              <a:off x="7171360" y="3447705"/>
+              <a:off x="7171360" y="3447668"/>
               <a:ext cx="2817450" cy="0"/>
             </a:xfrm>
             <a:custGeom>
@@ -35345,7 +35345,7 @@
           </p:nvSpPr>
           <p:spPr>
             <a:xfrm>
-              <a:off x="8347304" y="4510453"/>
+              <a:off x="8456288" y="4510451"/>
               <a:ext cx="63202" cy="63202"/>
             </a:xfrm>
             <a:custGeom>
@@ -35388,7 +35388,7 @@
           </p:nvSpPr>
           <p:spPr>
             <a:xfrm>
-              <a:off x="8452855" y="4694144"/>
+              <a:off x="8859470" y="4694123"/>
               <a:ext cx="63202" cy="63202"/>
             </a:xfrm>
             <a:custGeom>
@@ -35431,7 +35431,7 @@
           </p:nvSpPr>
           <p:spPr>
             <a:xfrm>
-              <a:off x="9611374" y="4795215"/>
+              <a:off x="9763323" y="4795097"/>
               <a:ext cx="63202" cy="63202"/>
             </a:xfrm>
             <a:custGeom>
@@ -35474,7 +35474,7 @@
           </p:nvSpPr>
           <p:spPr>
             <a:xfrm>
-              <a:off x="9231721" y="4820959"/>
+              <a:off x="9214986" y="4820933"/>
               <a:ext cx="63202" cy="63202"/>
             </a:xfrm>
             <a:custGeom>
@@ -35517,7 +35517,7 @@
           </p:nvSpPr>
           <p:spPr>
             <a:xfrm>
-              <a:off x="9607312" y="4807911"/>
+              <a:off x="9499544" y="4807776"/>
               <a:ext cx="63202" cy="63202"/>
             </a:xfrm>
             <a:custGeom>
@@ -35560,7 +35560,7 @@
           </p:nvSpPr>
           <p:spPr>
             <a:xfrm>
-              <a:off x="8858576" y="4621125"/>
+              <a:off x="8338922" y="4621120"/>
               <a:ext cx="63202" cy="63202"/>
             </a:xfrm>
             <a:custGeom>
@@ -35603,7 +35603,7 @@
           </p:nvSpPr>
           <p:spPr>
             <a:xfrm>
-              <a:off x="8537585" y="4744430"/>
+              <a:off x="8804126" y="4744393"/>
               <a:ext cx="63202" cy="63202"/>
             </a:xfrm>
             <a:custGeom>
@@ -35646,7 +35646,7 @@
           </p:nvSpPr>
           <p:spPr>
             <a:xfrm>
-              <a:off x="8328163" y="4497669"/>
+              <a:off x="8519401" y="4497552"/>
               <a:ext cx="63202" cy="63202"/>
             </a:xfrm>
             <a:custGeom>
@@ -35689,7 +35689,7 @@
           </p:nvSpPr>
           <p:spPr>
             <a:xfrm>
-              <a:off x="9086985" y="4851929"/>
+              <a:off x="9641040" y="4851827"/>
               <a:ext cx="63202" cy="63202"/>
             </a:xfrm>
             <a:custGeom>
@@ -35732,7 +35732,7 @@
           </p:nvSpPr>
           <p:spPr>
             <a:xfrm>
-              <a:off x="8452807" y="4709565"/>
+              <a:off x="8793676" y="4709631"/>
               <a:ext cx="63202" cy="63202"/>
             </a:xfrm>
             <a:custGeom>
@@ -35775,7 +35775,7 @@
           </p:nvSpPr>
           <p:spPr>
             <a:xfrm>
-              <a:off x="8466340" y="4714909"/>
+              <a:off x="8326259" y="4714849"/>
               <a:ext cx="63202" cy="63202"/>
             </a:xfrm>
             <a:custGeom>
@@ -35818,7 +35818,7 @@
           </p:nvSpPr>
           <p:spPr>
             <a:xfrm>
-              <a:off x="8572036" y="4472876"/>
+              <a:off x="8532952" y="4472953"/>
               <a:ext cx="63202" cy="63202"/>
             </a:xfrm>
             <a:custGeom>
@@ -35861,7 +35861,7 @@
           </p:nvSpPr>
           <p:spPr>
             <a:xfrm>
-              <a:off x="8734762" y="4529401"/>
+              <a:off x="8748785" y="4529511"/>
               <a:ext cx="63202" cy="63202"/>
             </a:xfrm>
             <a:custGeom>
@@ -35904,7 +35904,7 @@
           </p:nvSpPr>
           <p:spPr>
             <a:xfrm>
-              <a:off x="9181593" y="4803918"/>
+              <a:off x="9426087" y="4803895"/>
               <a:ext cx="63202" cy="63202"/>
             </a:xfrm>
             <a:custGeom>
@@ -37399,7 +37399,7 @@
           </p:nvSpPr>
           <p:spPr>
             <a:xfrm>
-              <a:off x="1148183" y="2746097"/>
+              <a:off x="1148183" y="2746076"/>
               <a:ext cx="186466" cy="81691"/>
             </a:xfrm>
             <a:prstGeom prst="rect">
@@ -37445,7 +37445,7 @@
           </p:nvSpPr>
           <p:spPr>
             <a:xfrm>
-              <a:off x="1148183" y="2324292"/>
+              <a:off x="1148183" y="2324265"/>
               <a:ext cx="186466" cy="81691"/>
             </a:xfrm>
             <a:prstGeom prst="rect">
@@ -37491,7 +37491,7 @@
           </p:nvSpPr>
           <p:spPr>
             <a:xfrm>
-              <a:off x="1148183" y="1902486"/>
+              <a:off x="1148183" y="1902454"/>
               <a:ext cx="186466" cy="81691"/>
             </a:xfrm>
             <a:prstGeom prst="rect">
@@ -37537,7 +37537,7 @@
           </p:nvSpPr>
           <p:spPr>
             <a:xfrm>
-              <a:off x="1148183" y="1480681"/>
+              <a:off x="1148183" y="1480644"/>
               <a:ext cx="186466" cy="81691"/>
             </a:xfrm>
             <a:prstGeom prst="rect">
@@ -37583,7 +37583,7 @@
           </p:nvSpPr>
           <p:spPr>
             <a:xfrm>
-              <a:off x="1362485" y="2787788"/>
+              <a:off x="1362485" y="2787768"/>
               <a:ext cx="34794" cy="0"/>
             </a:xfrm>
             <a:custGeom>
@@ -37623,7 +37623,7 @@
           </p:nvSpPr>
           <p:spPr>
             <a:xfrm>
-              <a:off x="1362485" y="2365983"/>
+              <a:off x="1362485" y="2365957"/>
               <a:ext cx="34794" cy="0"/>
             </a:xfrm>
             <a:custGeom>
@@ -37663,7 +37663,7 @@
           </p:nvSpPr>
           <p:spPr>
             <a:xfrm>
-              <a:off x="1362485" y="1944178"/>
+              <a:off x="1362485" y="1944146"/>
               <a:ext cx="34794" cy="0"/>
             </a:xfrm>
             <a:custGeom>
@@ -37703,7 +37703,7 @@
           </p:nvSpPr>
           <p:spPr>
             <a:xfrm>
-              <a:off x="1362485" y="1522373"/>
+              <a:off x="1362485" y="1522335"/>
               <a:ext cx="34794" cy="0"/>
             </a:xfrm>
             <a:custGeom>
@@ -37743,7 +37743,7 @@
           </p:nvSpPr>
           <p:spPr>
             <a:xfrm>
-              <a:off x="1148183" y="4671429"/>
+              <a:off x="1148183" y="4671409"/>
               <a:ext cx="186466" cy="81691"/>
             </a:xfrm>
             <a:prstGeom prst="rect">
@@ -37789,7 +37789,7 @@
           </p:nvSpPr>
           <p:spPr>
             <a:xfrm>
-              <a:off x="1148183" y="4249624"/>
+              <a:off x="1148183" y="4249598"/>
               <a:ext cx="186466" cy="81691"/>
             </a:xfrm>
             <a:prstGeom prst="rect">
@@ -37835,7 +37835,7 @@
           </p:nvSpPr>
           <p:spPr>
             <a:xfrm>
-              <a:off x="1148183" y="3827819"/>
+              <a:off x="1148183" y="3827787"/>
               <a:ext cx="186466" cy="81691"/>
             </a:xfrm>
             <a:prstGeom prst="rect">
@@ -37881,7 +37881,7 @@
           </p:nvSpPr>
           <p:spPr>
             <a:xfrm>
-              <a:off x="1148183" y="3406014"/>
+              <a:off x="1148183" y="3405976"/>
               <a:ext cx="186466" cy="81691"/>
             </a:xfrm>
             <a:prstGeom prst="rect">
@@ -37927,7 +37927,7 @@
           </p:nvSpPr>
           <p:spPr>
             <a:xfrm>
-              <a:off x="1362485" y="4713121"/>
+              <a:off x="1362485" y="4713100"/>
               <a:ext cx="34794" cy="0"/>
             </a:xfrm>
             <a:custGeom>
@@ -37967,7 +37967,7 @@
           </p:nvSpPr>
           <p:spPr>
             <a:xfrm>
-              <a:off x="1362485" y="4291316"/>
+              <a:off x="1362485" y="4291290"/>
               <a:ext cx="34794" cy="0"/>
             </a:xfrm>
             <a:custGeom>
@@ -38007,7 +38007,7 @@
           </p:nvSpPr>
           <p:spPr>
             <a:xfrm>
-              <a:off x="1362485" y="3869511"/>
+              <a:off x="1362485" y="3869479"/>
               <a:ext cx="34794" cy="0"/>
             </a:xfrm>
             <a:custGeom>
@@ -38047,7 +38047,7 @@
           </p:nvSpPr>
           <p:spPr>
             <a:xfrm>
-              <a:off x="1362485" y="3447705"/>
+              <a:off x="1362485" y="3447668"/>
               <a:ext cx="34794" cy="0"/>
             </a:xfrm>
             <a:custGeom>
@@ -38087,7 +38087,7 @@
           </p:nvSpPr>
           <p:spPr>
             <a:xfrm>
-              <a:off x="1148183" y="6596762"/>
+              <a:off x="1148183" y="6596741"/>
               <a:ext cx="186466" cy="81691"/>
             </a:xfrm>
             <a:prstGeom prst="rect">
@@ -38133,7 +38133,7 @@
           </p:nvSpPr>
           <p:spPr>
             <a:xfrm>
-              <a:off x="1148183" y="6174957"/>
+              <a:off x="1148183" y="6174930"/>
               <a:ext cx="186466" cy="81691"/>
             </a:xfrm>
             <a:prstGeom prst="rect">
@@ -38179,7 +38179,7 @@
           </p:nvSpPr>
           <p:spPr>
             <a:xfrm>
-              <a:off x="1148183" y="5753152"/>
+              <a:off x="1148183" y="5753120"/>
               <a:ext cx="186466" cy="81691"/>
             </a:xfrm>
             <a:prstGeom prst="rect">
@@ -38225,7 +38225,7 @@
           </p:nvSpPr>
           <p:spPr>
             <a:xfrm>
-              <a:off x="1148183" y="5331346"/>
+              <a:off x="1148183" y="5331309"/>
               <a:ext cx="186466" cy="81691"/>
             </a:xfrm>
             <a:prstGeom prst="rect">
@@ -38271,7 +38271,7 @@
           </p:nvSpPr>
           <p:spPr>
             <a:xfrm>
-              <a:off x="1362485" y="6638454"/>
+              <a:off x="1362485" y="6638433"/>
               <a:ext cx="34794" cy="0"/>
             </a:xfrm>
             <a:custGeom>
@@ -38311,7 +38311,7 @@
           </p:nvSpPr>
           <p:spPr>
             <a:xfrm>
-              <a:off x="1362485" y="6216648"/>
+              <a:off x="1362485" y="6216622"/>
               <a:ext cx="34794" cy="0"/>
             </a:xfrm>
             <a:custGeom>
@@ -38351,7 +38351,7 @@
           </p:nvSpPr>
           <p:spPr>
             <a:xfrm>
-              <a:off x="1362485" y="5794843"/>
+              <a:off x="1362485" y="5794811"/>
               <a:ext cx="34794" cy="0"/>
             </a:xfrm>
             <a:custGeom>
@@ -38391,7 +38391,7 @@
           </p:nvSpPr>
           <p:spPr>
             <a:xfrm>
-              <a:off x="1362485" y="5373038"/>
+              <a:off x="1362485" y="5373001"/>
               <a:ext cx="34794" cy="0"/>
             </a:xfrm>
             <a:custGeom>

--- a/Images/Figures_PPT/Jitter_Plot_LST8_All.pptx
+++ b/Images/Figures_PPT/Jitter_Plot_LST8_All.pptx
@@ -2359,7 +2359,7 @@
           </p:nvSpPr>
           <p:spPr>
             <a:xfrm>
-              <a:off x="1397280" y="2998673"/>
+              <a:off x="1397280" y="2998607"/>
               <a:ext cx="2817450" cy="0"/>
             </a:xfrm>
             <a:custGeom>
@@ -2402,7 +2402,7 @@
           </p:nvSpPr>
           <p:spPr>
             <a:xfrm>
-              <a:off x="1397280" y="2576862"/>
+              <a:off x="1397280" y="2576808"/>
               <a:ext cx="2817450" cy="0"/>
             </a:xfrm>
             <a:custGeom>
@@ -2445,7 +2445,7 @@
           </p:nvSpPr>
           <p:spPr>
             <a:xfrm>
-              <a:off x="1397280" y="2155052"/>
+              <a:off x="1397280" y="2155009"/>
               <a:ext cx="2817450" cy="0"/>
             </a:xfrm>
             <a:custGeom>
@@ -2488,7 +2488,7 @@
           </p:nvSpPr>
           <p:spPr>
             <a:xfrm>
-              <a:off x="1397280" y="1733241"/>
+              <a:off x="1397280" y="1733211"/>
               <a:ext cx="2817450" cy="0"/>
             </a:xfrm>
             <a:custGeom>
@@ -2531,7 +2531,7 @@
           </p:nvSpPr>
           <p:spPr>
             <a:xfrm>
-              <a:off x="1397280" y="2787768"/>
+              <a:off x="1397280" y="2787707"/>
               <a:ext cx="2817450" cy="0"/>
             </a:xfrm>
             <a:custGeom>
@@ -2574,7 +2574,7 @@
           </p:nvSpPr>
           <p:spPr>
             <a:xfrm>
-              <a:off x="1397280" y="2365957"/>
+              <a:off x="1397280" y="2365909"/>
               <a:ext cx="2817450" cy="0"/>
             </a:xfrm>
             <a:custGeom>
@@ -2617,7 +2617,7 @@
           </p:nvSpPr>
           <p:spPr>
             <a:xfrm>
-              <a:off x="1397280" y="1944146"/>
+              <a:off x="1397280" y="1944110"/>
               <a:ext cx="2817450" cy="0"/>
             </a:xfrm>
             <a:custGeom>
@@ -2660,7 +2660,7 @@
           </p:nvSpPr>
           <p:spPr>
             <a:xfrm>
-              <a:off x="1397280" y="1522335"/>
+              <a:off x="1397280" y="1522312"/>
               <a:ext cx="2817450" cy="0"/>
             </a:xfrm>
             <a:custGeom>
@@ -2832,7 +2832,7 @@
           </p:nvSpPr>
           <p:spPr>
             <a:xfrm>
-              <a:off x="3025688" y="2548625"/>
+              <a:off x="2627366" y="2548657"/>
               <a:ext cx="63202" cy="63202"/>
             </a:xfrm>
             <a:custGeom>
@@ -2875,7 +2875,7 @@
           </p:nvSpPr>
           <p:spPr>
             <a:xfrm>
-              <a:off x="1656990" y="2522548"/>
+              <a:off x="2065275" y="2522484"/>
               <a:ext cx="63202" cy="63202"/>
             </a:xfrm>
             <a:custGeom>
@@ -2918,7 +2918,7 @@
           </p:nvSpPr>
           <p:spPr>
             <a:xfrm>
-              <a:off x="3484806" y="1466704"/>
+              <a:off x="3510164" y="1466704"/>
               <a:ext cx="63202" cy="63202"/>
             </a:xfrm>
             <a:custGeom>
@@ -2961,7 +2961,7 @@
           </p:nvSpPr>
           <p:spPr>
             <a:xfrm>
-              <a:off x="3368220" y="2847672"/>
+              <a:off x="3699487" y="2847572"/>
               <a:ext cx="63202" cy="63202"/>
             </a:xfrm>
             <a:custGeom>
@@ -3004,7 +3004,7 @@
           </p:nvSpPr>
           <p:spPr>
             <a:xfrm>
-              <a:off x="3478000" y="2854173"/>
+              <a:off x="3308608" y="2854134"/>
               <a:ext cx="63202" cy="63202"/>
             </a:xfrm>
             <a:custGeom>
@@ -3047,7 +3047,7 @@
           </p:nvSpPr>
           <p:spPr>
             <a:xfrm>
-              <a:off x="2189619" y="2541083"/>
+              <a:off x="1838504" y="2541020"/>
               <a:ext cx="63202" cy="63202"/>
             </a:xfrm>
             <a:custGeom>
@@ -3090,7 +3090,7 @@
           </p:nvSpPr>
           <p:spPr>
             <a:xfrm>
-              <a:off x="2753750" y="2605564"/>
+              <a:off x="3006049" y="2605476"/>
               <a:ext cx="63202" cy="63202"/>
             </a:xfrm>
             <a:custGeom>
@@ -3133,7 +3133,7 @@
           </p:nvSpPr>
           <p:spPr>
             <a:xfrm>
-              <a:off x="3755937" y="2913571"/>
+              <a:off x="3422415" y="2913473"/>
               <a:ext cx="63202" cy="63202"/>
             </a:xfrm>
             <a:custGeom>
@@ -3176,7 +3176,7 @@
           </p:nvSpPr>
           <p:spPr>
             <a:xfrm>
-              <a:off x="1951725" y="2505053"/>
+              <a:off x="2054523" y="2504912"/>
               <a:ext cx="63202" cy="63202"/>
             </a:xfrm>
             <a:custGeom>
@@ -3219,7 +3219,7 @@
           </p:nvSpPr>
           <p:spPr>
             <a:xfrm>
-              <a:off x="3302859" y="2838007"/>
+              <a:off x="4004741" y="2837970"/>
               <a:ext cx="63202" cy="63202"/>
             </a:xfrm>
             <a:custGeom>
@@ -3262,7 +3262,7 @@
           </p:nvSpPr>
           <p:spPr>
             <a:xfrm>
-              <a:off x="2848976" y="2556944"/>
+              <a:off x="2747459" y="2556798"/>
               <a:ext cx="63202" cy="63202"/>
             </a:xfrm>
             <a:custGeom>
@@ -3305,7 +3305,7 @@
           </p:nvSpPr>
           <p:spPr>
             <a:xfrm>
-              <a:off x="3938671" y="2913631"/>
+              <a:off x="4002369" y="2913608"/>
               <a:ext cx="63202" cy="63202"/>
             </a:xfrm>
             <a:custGeom>
@@ -3348,7 +3348,7 @@
           </p:nvSpPr>
           <p:spPr>
             <a:xfrm>
-              <a:off x="3650329" y="2913841"/>
+              <a:off x="3661291" y="2913921"/>
               <a:ext cx="63202" cy="63202"/>
             </a:xfrm>
             <a:custGeom>
@@ -3391,7 +3391,7 @@
           </p:nvSpPr>
           <p:spPr>
             <a:xfrm>
-              <a:off x="1626019" y="2505005"/>
+              <a:off x="1595186" y="2504918"/>
               <a:ext cx="63202" cy="63202"/>
             </a:xfrm>
             <a:custGeom>
@@ -3434,7 +3434,7 @@
           </p:nvSpPr>
           <p:spPr>
             <a:xfrm>
-              <a:off x="3365145" y="2913363"/>
+              <a:off x="3466969" y="2913144"/>
               <a:ext cx="63202" cy="63202"/>
             </a:xfrm>
             <a:custGeom>
@@ -3477,7 +3477,7 @@
           </p:nvSpPr>
           <p:spPr>
             <a:xfrm>
-              <a:off x="2967600" y="2667560"/>
+              <a:off x="2551651" y="2667448"/>
               <a:ext cx="63202" cy="63202"/>
             </a:xfrm>
             <a:custGeom>
@@ -3520,7 +3520,7 @@
           </p:nvSpPr>
           <p:spPr>
             <a:xfrm>
-              <a:off x="3865556" y="2913438"/>
+              <a:off x="3383828" y="2913391"/>
               <a:ext cx="63202" cy="63202"/>
             </a:xfrm>
             <a:custGeom>
@@ -3563,7 +3563,7 @@
           </p:nvSpPr>
           <p:spPr>
             <a:xfrm>
-              <a:off x="3625304" y="2913790"/>
+              <a:off x="3934271" y="2913693"/>
               <a:ext cx="63202" cy="63202"/>
             </a:xfrm>
             <a:custGeom>
@@ -3606,7 +3606,7 @@
           </p:nvSpPr>
           <p:spPr>
             <a:xfrm>
-              <a:off x="3332653" y="2913890"/>
+              <a:off x="3546481" y="2913886"/>
               <a:ext cx="63202" cy="63202"/>
             </a:xfrm>
             <a:custGeom>
@@ -3649,7 +3649,7 @@
           </p:nvSpPr>
           <p:spPr>
             <a:xfrm>
-              <a:off x="3819217" y="2913526"/>
+              <a:off x="3994496" y="2913448"/>
               <a:ext cx="63202" cy="63202"/>
             </a:xfrm>
             <a:custGeom>
@@ -3692,7 +3692,7 @@
           </p:nvSpPr>
           <p:spPr>
             <a:xfrm>
-              <a:off x="3747835" y="2913633"/>
+              <a:off x="3331475" y="2913601"/>
               <a:ext cx="63202" cy="63202"/>
             </a:xfrm>
             <a:custGeom>
@@ -3735,7 +3735,7 @@
           </p:nvSpPr>
           <p:spPr>
             <a:xfrm>
-              <a:off x="3627778" y="2913942"/>
+              <a:off x="3479394" y="2913815"/>
               <a:ext cx="63202" cy="63202"/>
             </a:xfrm>
             <a:custGeom>
@@ -3778,7 +3778,7 @@
           </p:nvSpPr>
           <p:spPr>
             <a:xfrm>
-              <a:off x="3453925" y="2913781"/>
+              <a:off x="3641471" y="2913699"/>
               <a:ext cx="63202" cy="63202"/>
             </a:xfrm>
             <a:custGeom>
@@ -3821,7 +3821,7 @@
           </p:nvSpPr>
           <p:spPr>
             <a:xfrm>
-              <a:off x="3497739" y="2911555"/>
+              <a:off x="3916926" y="2911510"/>
               <a:ext cx="63202" cy="63202"/>
             </a:xfrm>
             <a:custGeom>
@@ -3864,7 +3864,7 @@
           </p:nvSpPr>
           <p:spPr>
             <a:xfrm>
-              <a:off x="3636311" y="2914713"/>
+              <a:off x="3674676" y="2914774"/>
               <a:ext cx="63202" cy="63202"/>
             </a:xfrm>
             <a:custGeom>
@@ -3907,7 +3907,7 @@
           </p:nvSpPr>
           <p:spPr>
             <a:xfrm>
-              <a:off x="3373487" y="2913768"/>
+              <a:off x="3508497" y="2913570"/>
               <a:ext cx="63202" cy="63202"/>
             </a:xfrm>
             <a:custGeom>
@@ -3950,7 +3950,7 @@
           </p:nvSpPr>
           <p:spPr>
             <a:xfrm>
-              <a:off x="3961489" y="2930631"/>
+              <a:off x="3795453" y="2930602"/>
               <a:ext cx="63202" cy="63202"/>
             </a:xfrm>
             <a:custGeom>
@@ -3993,7 +3993,7 @@
           </p:nvSpPr>
           <p:spPr>
             <a:xfrm>
-              <a:off x="3411979" y="2929678"/>
+              <a:off x="3494341" y="2929647"/>
               <a:ext cx="63202" cy="63202"/>
             </a:xfrm>
             <a:custGeom>
@@ -4036,7 +4036,7 @@
           </p:nvSpPr>
           <p:spPr>
             <a:xfrm>
-              <a:off x="2885915" y="2547174"/>
+              <a:off x="2464475" y="2547182"/>
               <a:ext cx="63202" cy="63202"/>
             </a:xfrm>
             <a:custGeom>
@@ -4079,7 +4079,7 @@
           </p:nvSpPr>
           <p:spPr>
             <a:xfrm>
-              <a:off x="2663111" y="2553719"/>
+              <a:off x="3119239" y="2553627"/>
               <a:ext cx="63202" cy="63202"/>
             </a:xfrm>
             <a:custGeom>
@@ -4122,7 +4122,7 @@
           </p:nvSpPr>
           <p:spPr>
             <a:xfrm>
-              <a:off x="3965178" y="2903112"/>
+              <a:off x="3643652" y="2903041"/>
               <a:ext cx="63202" cy="63202"/>
             </a:xfrm>
             <a:custGeom>
@@ -4165,7 +4165,7 @@
           </p:nvSpPr>
           <p:spPr>
             <a:xfrm>
-              <a:off x="3671489" y="2938545"/>
+              <a:off x="3873858" y="2938543"/>
               <a:ext cx="63202" cy="63202"/>
             </a:xfrm>
             <a:custGeom>
@@ -4208,7 +4208,7 @@
           </p:nvSpPr>
           <p:spPr>
             <a:xfrm>
-              <a:off x="3329427" y="2913693"/>
+              <a:off x="3999102" y="2913691"/>
               <a:ext cx="63202" cy="63202"/>
             </a:xfrm>
             <a:custGeom>
@@ -4251,7 +4251,7 @@
           </p:nvSpPr>
           <p:spPr>
             <a:xfrm>
-              <a:off x="2788808" y="2693869"/>
+              <a:off x="2461304" y="2693882"/>
               <a:ext cx="63202" cy="63202"/>
             </a:xfrm>
             <a:custGeom>
@@ -4294,7 +4294,7 @@
           </p:nvSpPr>
           <p:spPr>
             <a:xfrm>
-              <a:off x="2526716" y="2703696"/>
+              <a:off x="2752754" y="2703569"/>
               <a:ext cx="63202" cy="63202"/>
             </a:xfrm>
             <a:custGeom>
@@ -4337,7 +4337,7 @@
           </p:nvSpPr>
           <p:spPr>
             <a:xfrm>
-              <a:off x="2828383" y="2611264"/>
+              <a:off x="2554424" y="2611297"/>
               <a:ext cx="63202" cy="63202"/>
             </a:xfrm>
             <a:custGeom>
@@ -4380,7 +4380,7 @@
           </p:nvSpPr>
           <p:spPr>
             <a:xfrm>
-              <a:off x="2039620" y="2500797"/>
+              <a:off x="2183635" y="2500718"/>
               <a:ext cx="63202" cy="63202"/>
             </a:xfrm>
             <a:custGeom>
@@ -4423,7 +4423,7 @@
           </p:nvSpPr>
           <p:spPr>
             <a:xfrm>
-              <a:off x="1915150" y="2504324"/>
+              <a:off x="1781164" y="2504212"/>
               <a:ext cx="63202" cy="63202"/>
             </a:xfrm>
             <a:custGeom>
@@ -4466,7 +4466,7 @@
           </p:nvSpPr>
           <p:spPr>
             <a:xfrm>
-              <a:off x="1721814" y="2506110"/>
+              <a:off x="1798015" y="2506030"/>
               <a:ext cx="63202" cy="63202"/>
             </a:xfrm>
             <a:custGeom>
@@ -4509,7 +4509,7 @@
           </p:nvSpPr>
           <p:spPr>
             <a:xfrm>
-              <a:off x="3341094" y="2856585"/>
+              <a:off x="3680480" y="2856520"/>
               <a:ext cx="63202" cy="63202"/>
             </a:xfrm>
             <a:custGeom>
@@ -4552,7 +4552,7 @@
           </p:nvSpPr>
           <p:spPr>
             <a:xfrm>
-              <a:off x="3552327" y="2902996"/>
+              <a:off x="3623988" y="2902908"/>
               <a:ext cx="63202" cy="63202"/>
             </a:xfrm>
             <a:custGeom>
@@ -4595,7 +4595,7 @@
           </p:nvSpPr>
           <p:spPr>
             <a:xfrm>
-              <a:off x="1865120" y="2391362"/>
+              <a:off x="2069856" y="2391274"/>
               <a:ext cx="63202" cy="63202"/>
             </a:xfrm>
             <a:custGeom>
@@ -4638,7 +4638,7 @@
           </p:nvSpPr>
           <p:spPr>
             <a:xfrm>
-              <a:off x="3925166" y="2860904"/>
+              <a:off x="3469951" y="2860880"/>
               <a:ext cx="63202" cy="63202"/>
             </a:xfrm>
             <a:custGeom>
@@ -4681,7 +4681,7 @@
           </p:nvSpPr>
           <p:spPr>
             <a:xfrm>
-              <a:off x="3007221" y="2589210"/>
+              <a:off x="2501280" y="2589060"/>
               <a:ext cx="63202" cy="63202"/>
             </a:xfrm>
             <a:custGeom>
@@ -4724,7 +4724,7 @@
           </p:nvSpPr>
           <p:spPr>
             <a:xfrm>
-              <a:off x="2890383" y="2655838"/>
+              <a:off x="2996143" y="2655721"/>
               <a:ext cx="63202" cy="63202"/>
             </a:xfrm>
             <a:custGeom>
@@ -4767,7 +4767,7 @@
           </p:nvSpPr>
           <p:spPr>
             <a:xfrm>
-              <a:off x="3623647" y="2540587"/>
+              <a:off x="3519805" y="2540509"/>
               <a:ext cx="63202" cy="63202"/>
             </a:xfrm>
             <a:custGeom>
@@ -4810,7 +4810,7 @@
           </p:nvSpPr>
           <p:spPr>
             <a:xfrm>
-              <a:off x="2222607" y="2506585"/>
+              <a:off x="1662312" y="2506665"/>
               <a:ext cx="63202" cy="63202"/>
             </a:xfrm>
             <a:custGeom>
@@ -4909,7 +4909,7 @@
           </p:nvSpPr>
           <p:spPr>
             <a:xfrm>
-              <a:off x="1397280" y="4924006"/>
+              <a:off x="1397280" y="4923939"/>
               <a:ext cx="2817450" cy="0"/>
             </a:xfrm>
             <a:custGeom>
@@ -4952,7 +4952,7 @@
           </p:nvSpPr>
           <p:spPr>
             <a:xfrm>
-              <a:off x="1397280" y="4502195"/>
+              <a:off x="1397280" y="4502141"/>
               <a:ext cx="2817450" cy="0"/>
             </a:xfrm>
             <a:custGeom>
@@ -4995,7 +4995,7 @@
           </p:nvSpPr>
           <p:spPr>
             <a:xfrm>
-              <a:off x="1397280" y="4080384"/>
+              <a:off x="1397280" y="4080342"/>
               <a:ext cx="2817450" cy="0"/>
             </a:xfrm>
             <a:custGeom>
@@ -5038,7 +5038,7 @@
           </p:nvSpPr>
           <p:spPr>
             <a:xfrm>
-              <a:off x="1397280" y="3658573"/>
+              <a:off x="1397280" y="3658543"/>
               <a:ext cx="2817450" cy="0"/>
             </a:xfrm>
             <a:custGeom>
@@ -5081,7 +5081,7 @@
           </p:nvSpPr>
           <p:spPr>
             <a:xfrm>
-              <a:off x="1397280" y="4713100"/>
+              <a:off x="1397280" y="4713040"/>
               <a:ext cx="2817450" cy="0"/>
             </a:xfrm>
             <a:custGeom>
@@ -5124,7 +5124,7 @@
           </p:nvSpPr>
           <p:spPr>
             <a:xfrm>
-              <a:off x="1397280" y="4291290"/>
+              <a:off x="1397280" y="4291241"/>
               <a:ext cx="2817450" cy="0"/>
             </a:xfrm>
             <a:custGeom>
@@ -5167,7 +5167,7 @@
           </p:nvSpPr>
           <p:spPr>
             <a:xfrm>
-              <a:off x="1397280" y="3869479"/>
+              <a:off x="1397280" y="3869443"/>
               <a:ext cx="2817450" cy="0"/>
             </a:xfrm>
             <a:custGeom>
@@ -5210,7 +5210,7 @@
           </p:nvSpPr>
           <p:spPr>
             <a:xfrm>
-              <a:off x="1397280" y="3447668"/>
+              <a:off x="1397280" y="3447644"/>
               <a:ext cx="2817450" cy="0"/>
             </a:xfrm>
             <a:custGeom>
@@ -5382,7 +5382,7 @@
           </p:nvSpPr>
           <p:spPr>
             <a:xfrm>
-              <a:off x="2535383" y="4690336"/>
+              <a:off x="2729829" y="4690349"/>
               <a:ext cx="63202" cy="63202"/>
             </a:xfrm>
             <a:custGeom>
@@ -5425,7 +5425,7 @@
           </p:nvSpPr>
           <p:spPr>
             <a:xfrm>
-              <a:off x="2963895" y="4655995"/>
+              <a:off x="2646192" y="4655994"/>
               <a:ext cx="63202" cy="63202"/>
             </a:xfrm>
             <a:custGeom>
@@ -5468,7 +5468,7 @@
           </p:nvSpPr>
           <p:spPr>
             <a:xfrm>
-              <a:off x="2708458" y="4693298"/>
+              <a:off x="2891285" y="4693226"/>
               <a:ext cx="63202" cy="63202"/>
             </a:xfrm>
             <a:custGeom>
@@ -5511,7 +5511,7 @@
           </p:nvSpPr>
           <p:spPr>
             <a:xfrm>
-              <a:off x="3010221" y="4709693"/>
+              <a:off x="2770361" y="4709632"/>
               <a:ext cx="63202" cy="63202"/>
             </a:xfrm>
             <a:custGeom>
@@ -5554,7 +5554,7 @@
           </p:nvSpPr>
           <p:spPr>
             <a:xfrm>
-              <a:off x="2849836" y="4692399"/>
+              <a:off x="2555655" y="4692445"/>
               <a:ext cx="63202" cy="63202"/>
             </a:xfrm>
             <a:custGeom>
@@ -5597,7 +5597,7 @@
           </p:nvSpPr>
           <p:spPr>
             <a:xfrm>
-              <a:off x="2953810" y="4709906"/>
+              <a:off x="2483084" y="4709952"/>
               <a:ext cx="63202" cy="63202"/>
             </a:xfrm>
             <a:custGeom>
@@ -5640,7 +5640,7 @@
           </p:nvSpPr>
           <p:spPr>
             <a:xfrm>
-              <a:off x="3353078" y="4791245"/>
+              <a:off x="3803301" y="4791042"/>
               <a:ext cx="63202" cy="63202"/>
             </a:xfrm>
             <a:custGeom>
@@ -5683,7 +5683,7 @@
           </p:nvSpPr>
           <p:spPr>
             <a:xfrm>
-              <a:off x="2579623" y="4669646"/>
+              <a:off x="2523400" y="4669617"/>
               <a:ext cx="63202" cy="63202"/>
             </a:xfrm>
             <a:custGeom>
@@ -5726,7 +5726,7 @@
           </p:nvSpPr>
           <p:spPr>
             <a:xfrm>
-              <a:off x="4005821" y="4850225"/>
+              <a:off x="3820501" y="4850213"/>
               <a:ext cx="63202" cy="63202"/>
             </a:xfrm>
             <a:custGeom>
@@ -5769,7 +5769,7 @@
           </p:nvSpPr>
           <p:spPr>
             <a:xfrm>
-              <a:off x="3975126" y="4870055"/>
+              <a:off x="3457664" y="4870024"/>
               <a:ext cx="63202" cy="63202"/>
             </a:xfrm>
             <a:custGeom>
@@ -5812,7 +5812,7 @@
           </p:nvSpPr>
           <p:spPr>
             <a:xfrm>
-              <a:off x="3560053" y="4836792"/>
+              <a:off x="3885732" y="4836601"/>
               <a:ext cx="63202" cy="63202"/>
             </a:xfrm>
             <a:custGeom>
@@ -5855,7 +5855,7 @@
           </p:nvSpPr>
           <p:spPr>
             <a:xfrm>
-              <a:off x="2768846" y="4605170"/>
+              <a:off x="2620259" y="4605019"/>
               <a:ext cx="63202" cy="63202"/>
             </a:xfrm>
             <a:custGeom>
@@ -5898,7 +5898,7 @@
           </p:nvSpPr>
           <p:spPr>
             <a:xfrm>
-              <a:off x="2970947" y="4700477"/>
+              <a:off x="2666624" y="4700409"/>
               <a:ext cx="63202" cy="63202"/>
             </a:xfrm>
             <a:custGeom>
@@ -5941,7 +5941,7 @@
           </p:nvSpPr>
           <p:spPr>
             <a:xfrm>
-              <a:off x="3938553" y="4802823"/>
+              <a:off x="3849955" y="4802732"/>
               <a:ext cx="63202" cy="63202"/>
             </a:xfrm>
             <a:custGeom>
@@ -5984,7 +5984,7 @@
           </p:nvSpPr>
           <p:spPr>
             <a:xfrm>
-              <a:off x="1690919" y="4334374"/>
+              <a:off x="2193154" y="4334358"/>
               <a:ext cx="63202" cy="63202"/>
             </a:xfrm>
             <a:custGeom>
@@ -6027,7 +6027,7 @@
           </p:nvSpPr>
           <p:spPr>
             <a:xfrm>
-              <a:off x="1946902" y="4318402"/>
+              <a:off x="1560646" y="4318211"/>
               <a:ext cx="63202" cy="63202"/>
             </a:xfrm>
             <a:custGeom>
@@ -6070,7 +6070,7 @@
           </p:nvSpPr>
           <p:spPr>
             <a:xfrm>
-              <a:off x="2061814" y="4252677"/>
+              <a:off x="2053771" y="4252646"/>
               <a:ext cx="63202" cy="63202"/>
             </a:xfrm>
             <a:custGeom>
@@ -6113,7 +6113,7 @@
           </p:nvSpPr>
           <p:spPr>
             <a:xfrm>
-              <a:off x="3588771" y="4803025"/>
+              <a:off x="3575904" y="4802929"/>
               <a:ext cx="63202" cy="63202"/>
             </a:xfrm>
             <a:custGeom>
@@ -6156,7 +6156,7 @@
           </p:nvSpPr>
           <p:spPr>
             <a:xfrm>
-              <a:off x="2557124" y="4683738"/>
+              <a:off x="2943087" y="4683713"/>
               <a:ext cx="63202" cy="63202"/>
             </a:xfrm>
             <a:custGeom>
@@ -6199,7 +6199,7 @@
           </p:nvSpPr>
           <p:spPr>
             <a:xfrm>
-              <a:off x="2734949" y="4687667"/>
+              <a:off x="2978142" y="4687614"/>
               <a:ext cx="63202" cy="63202"/>
             </a:xfrm>
             <a:custGeom>
@@ -6242,7 +6242,7 @@
           </p:nvSpPr>
           <p:spPr>
             <a:xfrm>
-              <a:off x="3496645" y="4736955"/>
+              <a:off x="3567476" y="4736943"/>
               <a:ext cx="63202" cy="63202"/>
             </a:xfrm>
             <a:custGeom>
@@ -6341,7 +6341,7 @@
           </p:nvSpPr>
           <p:spPr>
             <a:xfrm>
-              <a:off x="1397280" y="6849338"/>
+              <a:off x="1397280" y="6849272"/>
               <a:ext cx="2817450" cy="0"/>
             </a:xfrm>
             <a:custGeom>
@@ -6384,7 +6384,7 @@
           </p:nvSpPr>
           <p:spPr>
             <a:xfrm>
-              <a:off x="1397280" y="6427528"/>
+              <a:off x="1397280" y="6427473"/>
               <a:ext cx="2817450" cy="0"/>
             </a:xfrm>
             <a:custGeom>
@@ -6427,7 +6427,7 @@
           </p:nvSpPr>
           <p:spPr>
             <a:xfrm>
-              <a:off x="1397280" y="6005717"/>
+              <a:off x="1397280" y="6005675"/>
               <a:ext cx="2817450" cy="0"/>
             </a:xfrm>
             <a:custGeom>
@@ -6470,7 +6470,7 @@
           </p:nvSpPr>
           <p:spPr>
             <a:xfrm>
-              <a:off x="1397280" y="5583906"/>
+              <a:off x="1397280" y="5583876"/>
               <a:ext cx="2817450" cy="0"/>
             </a:xfrm>
             <a:custGeom>
@@ -6513,7 +6513,7 @@
           </p:nvSpPr>
           <p:spPr>
             <a:xfrm>
-              <a:off x="1397280" y="6638433"/>
+              <a:off x="1397280" y="6638373"/>
               <a:ext cx="2817450" cy="0"/>
             </a:xfrm>
             <a:custGeom>
@@ -6556,7 +6556,7 @@
           </p:nvSpPr>
           <p:spPr>
             <a:xfrm>
-              <a:off x="1397280" y="6216622"/>
+              <a:off x="1397280" y="6216574"/>
               <a:ext cx="2817450" cy="0"/>
             </a:xfrm>
             <a:custGeom>
@@ -6599,7 +6599,7 @@
           </p:nvSpPr>
           <p:spPr>
             <a:xfrm>
-              <a:off x="1397280" y="5794811"/>
+              <a:off x="1397280" y="5794775"/>
               <a:ext cx="2817450" cy="0"/>
             </a:xfrm>
             <a:custGeom>
@@ -6642,7 +6642,7 @@
           </p:nvSpPr>
           <p:spPr>
             <a:xfrm>
-              <a:off x="1397280" y="5373001"/>
+              <a:off x="1397280" y="5372977"/>
               <a:ext cx="2817450" cy="0"/>
             </a:xfrm>
             <a:custGeom>
@@ -6814,7 +6814,7 @@
           </p:nvSpPr>
           <p:spPr>
             <a:xfrm>
-              <a:off x="1718056" y="6210157"/>
+              <a:off x="1981653" y="6210108"/>
               <a:ext cx="63202" cy="63202"/>
             </a:xfrm>
             <a:custGeom>
@@ -6857,7 +6857,7 @@
           </p:nvSpPr>
           <p:spPr>
             <a:xfrm>
-              <a:off x="1555256" y="6263001"/>
+              <a:off x="1975700" y="6263062"/>
               <a:ext cx="63202" cy="63202"/>
             </a:xfrm>
             <a:custGeom>
@@ -6900,7 +6900,7 @@
           </p:nvSpPr>
           <p:spPr>
             <a:xfrm>
-              <a:off x="1690851" y="6256705"/>
+              <a:off x="1656477" y="6256595"/>
               <a:ext cx="63202" cy="63202"/>
             </a:xfrm>
             <a:custGeom>
@@ -6943,7 +6943,7 @@
           </p:nvSpPr>
           <p:spPr>
             <a:xfrm>
-              <a:off x="1943059" y="6254353"/>
+              <a:off x="1583557" y="6254285"/>
               <a:ext cx="63202" cy="63202"/>
             </a:xfrm>
             <a:custGeom>
@@ -6986,7 +6986,7 @@
           </p:nvSpPr>
           <p:spPr>
             <a:xfrm>
-              <a:off x="3683101" y="6782432"/>
+              <a:off x="3340839" y="6782387"/>
               <a:ext cx="63202" cy="63202"/>
             </a:xfrm>
             <a:custGeom>
@@ -7029,7 +7029,7 @@
           </p:nvSpPr>
           <p:spPr>
             <a:xfrm>
-              <a:off x="1749550" y="6340750"/>
+              <a:off x="1900562" y="6340678"/>
               <a:ext cx="63202" cy="63202"/>
             </a:xfrm>
             <a:custGeom>
@@ -7072,7 +7072,7 @@
           </p:nvSpPr>
           <p:spPr>
             <a:xfrm>
-              <a:off x="1933235" y="6222949"/>
+              <a:off x="1912261" y="6222852"/>
               <a:ext cx="63202" cy="63202"/>
             </a:xfrm>
             <a:custGeom>
@@ -7115,7 +7115,7 @@
           </p:nvSpPr>
           <p:spPr>
             <a:xfrm>
-              <a:off x="1823931" y="6232248"/>
+              <a:off x="2172550" y="6232284"/>
               <a:ext cx="63202" cy="63202"/>
             </a:xfrm>
             <a:custGeom>
@@ -7158,7 +7158,7 @@
           </p:nvSpPr>
           <p:spPr>
             <a:xfrm>
-              <a:off x="1971097" y="6329993"/>
+              <a:off x="1812615" y="6329930"/>
               <a:ext cx="63202" cy="63202"/>
             </a:xfrm>
             <a:custGeom>
@@ -7201,7 +7201,7 @@
           </p:nvSpPr>
           <p:spPr>
             <a:xfrm>
-              <a:off x="1926475" y="6260167"/>
+              <a:off x="1628042" y="6260087"/>
               <a:ext cx="63202" cy="63202"/>
             </a:xfrm>
             <a:custGeom>
@@ -7244,7 +7244,7 @@
           </p:nvSpPr>
           <p:spPr>
             <a:xfrm>
-              <a:off x="1862479" y="6388341"/>
+              <a:off x="1634680" y="6388211"/>
               <a:ext cx="63202" cy="63202"/>
             </a:xfrm>
             <a:custGeom>
@@ -7287,7 +7287,7 @@
           </p:nvSpPr>
           <p:spPr>
             <a:xfrm>
-              <a:off x="2790661" y="6352698"/>
+              <a:off x="2640269" y="6352693"/>
               <a:ext cx="63202" cy="63202"/>
             </a:xfrm>
             <a:custGeom>
@@ -7330,7 +7330,7 @@
           </p:nvSpPr>
           <p:spPr>
             <a:xfrm>
-              <a:off x="2142260" y="6232217"/>
+              <a:off x="1596316" y="6232286"/>
               <a:ext cx="63202" cy="63202"/>
             </a:xfrm>
             <a:custGeom>
@@ -7373,7 +7373,7 @@
           </p:nvSpPr>
           <p:spPr>
             <a:xfrm>
-              <a:off x="2194949" y="6376279"/>
+              <a:off x="1743597" y="6376274"/>
               <a:ext cx="63202" cy="63202"/>
             </a:xfrm>
             <a:custGeom>
@@ -7416,7 +7416,7 @@
           </p:nvSpPr>
           <p:spPr>
             <a:xfrm>
-              <a:off x="2958751" y="6399583"/>
+              <a:off x="2834847" y="6399460"/>
               <a:ext cx="63202" cy="63202"/>
             </a:xfrm>
             <a:custGeom>
@@ -7459,7 +7459,7 @@
           </p:nvSpPr>
           <p:spPr>
             <a:xfrm>
-              <a:off x="1814081" y="6360463"/>
+              <a:off x="1752374" y="6360445"/>
               <a:ext cx="63202" cy="63202"/>
             </a:xfrm>
             <a:custGeom>
@@ -7502,7 +7502,7 @@
           </p:nvSpPr>
           <p:spPr>
             <a:xfrm>
-              <a:off x="1595992" y="6256531"/>
+              <a:off x="1763154" y="6256463"/>
               <a:ext cx="63202" cy="63202"/>
             </a:xfrm>
             <a:custGeom>
@@ -7545,7 +7545,7 @@
           </p:nvSpPr>
           <p:spPr>
             <a:xfrm>
-              <a:off x="2097125" y="6351486"/>
+              <a:off x="1664855" y="6351320"/>
               <a:ext cx="63202" cy="63202"/>
             </a:xfrm>
             <a:custGeom>
@@ -7588,7 +7588,7 @@
           </p:nvSpPr>
           <p:spPr>
             <a:xfrm>
-              <a:off x="2037789" y="6312145"/>
+              <a:off x="2036336" y="6312063"/>
               <a:ext cx="63202" cy="63202"/>
             </a:xfrm>
             <a:custGeom>
@@ -7631,7 +7631,7 @@
           </p:nvSpPr>
           <p:spPr>
             <a:xfrm>
-              <a:off x="2010627" y="6375527"/>
+              <a:off x="1866627" y="6375450"/>
               <a:ext cx="63202" cy="63202"/>
             </a:xfrm>
             <a:custGeom>
@@ -7674,7 +7674,7 @@
           </p:nvSpPr>
           <p:spPr>
             <a:xfrm>
-              <a:off x="2575008" y="6404153"/>
+              <a:off x="2651654" y="6404180"/>
               <a:ext cx="63202" cy="63202"/>
             </a:xfrm>
             <a:custGeom>
@@ -7717,7 +7717,7 @@
           </p:nvSpPr>
           <p:spPr>
             <a:xfrm>
-              <a:off x="1659301" y="6219776"/>
+              <a:off x="1650470" y="6219716"/>
               <a:ext cx="63202" cy="63202"/>
             </a:xfrm>
             <a:custGeom>
@@ -7760,7 +7760,7 @@
           </p:nvSpPr>
           <p:spPr>
             <a:xfrm>
-              <a:off x="1756348" y="6186922"/>
+              <a:off x="2064217" y="6186824"/>
               <a:ext cx="63202" cy="63202"/>
             </a:xfrm>
             <a:custGeom>
@@ -7803,7 +7803,7 @@
           </p:nvSpPr>
           <p:spPr>
             <a:xfrm>
-              <a:off x="1854271" y="6186337"/>
+              <a:off x="1729910" y="6186231"/>
               <a:ext cx="63202" cy="63202"/>
             </a:xfrm>
             <a:custGeom>
@@ -7846,7 +7846,7 @@
           </p:nvSpPr>
           <p:spPr>
             <a:xfrm>
-              <a:off x="1842237" y="6216448"/>
+              <a:off x="1815776" y="6216442"/>
               <a:ext cx="63202" cy="63202"/>
             </a:xfrm>
             <a:custGeom>
@@ -7889,7 +7889,7 @@
           </p:nvSpPr>
           <p:spPr>
             <a:xfrm>
-              <a:off x="3059974" y="6539371"/>
+              <a:off x="3050086" y="6539217"/>
               <a:ext cx="63202" cy="63202"/>
             </a:xfrm>
             <a:custGeom>
@@ -7932,7 +7932,7 @@
           </p:nvSpPr>
           <p:spPr>
             <a:xfrm>
-              <a:off x="2195089" y="6099315"/>
+              <a:off x="1752495" y="6099319"/>
               <a:ext cx="63202" cy="63202"/>
             </a:xfrm>
             <a:custGeom>
@@ -7975,7 +7975,7 @@
           </p:nvSpPr>
           <p:spPr>
             <a:xfrm>
-              <a:off x="1616172" y="6302005"/>
+              <a:off x="1924839" y="6302105"/>
               <a:ext cx="63202" cy="63202"/>
             </a:xfrm>
             <a:custGeom>
@@ -8018,7 +8018,7 @@
           </p:nvSpPr>
           <p:spPr>
             <a:xfrm>
-              <a:off x="1833462" y="6328703"/>
+              <a:off x="1853484" y="6328652"/>
               <a:ext cx="63202" cy="63202"/>
             </a:xfrm>
             <a:custGeom>
@@ -8061,7 +8061,7 @@
           </p:nvSpPr>
           <p:spPr>
             <a:xfrm>
-              <a:off x="1963750" y="6213270"/>
+              <a:off x="2003835" y="6213303"/>
               <a:ext cx="63202" cy="63202"/>
             </a:xfrm>
             <a:custGeom>
@@ -8104,7 +8104,7 @@
           </p:nvSpPr>
           <p:spPr>
             <a:xfrm>
-              <a:off x="1542880" y="6266470"/>
+              <a:off x="2167440" y="6266369"/>
               <a:ext cx="63202" cy="63202"/>
             </a:xfrm>
             <a:custGeom>
@@ -8147,7 +8147,7 @@
           </p:nvSpPr>
           <p:spPr>
             <a:xfrm>
-              <a:off x="1850520" y="6253063"/>
+              <a:off x="1649468" y="6253079"/>
               <a:ext cx="63202" cy="63202"/>
             </a:xfrm>
             <a:custGeom>
@@ -8190,7 +8190,7 @@
           </p:nvSpPr>
           <p:spPr>
             <a:xfrm>
-              <a:off x="3440923" y="6744962"/>
+              <a:off x="3839917" y="6744911"/>
               <a:ext cx="63202" cy="63202"/>
             </a:xfrm>
             <a:custGeom>
@@ -8233,7 +8233,7 @@
           </p:nvSpPr>
           <p:spPr>
             <a:xfrm>
-              <a:off x="2094093" y="6287687"/>
+              <a:off x="2033298" y="6287685"/>
               <a:ext cx="63202" cy="63202"/>
             </a:xfrm>
             <a:custGeom>
@@ -8276,7 +8276,7 @@
           </p:nvSpPr>
           <p:spPr>
             <a:xfrm>
-              <a:off x="2156367" y="6329538"/>
+              <a:off x="1961726" y="6329362"/>
               <a:ext cx="63202" cy="63202"/>
             </a:xfrm>
             <a:custGeom>
@@ -8319,7 +8319,7 @@
           </p:nvSpPr>
           <p:spPr>
             <a:xfrm>
-              <a:off x="3057406" y="6637463"/>
+              <a:off x="2926981" y="6637366"/>
               <a:ext cx="63202" cy="63202"/>
             </a:xfrm>
             <a:custGeom>
@@ -8362,7 +8362,7 @@
           </p:nvSpPr>
           <p:spPr>
             <a:xfrm>
-              <a:off x="2125758" y="6163661"/>
+              <a:off x="1763345" y="6163690"/>
               <a:ext cx="63202" cy="63202"/>
             </a:xfrm>
             <a:custGeom>
@@ -8405,7 +8405,7 @@
           </p:nvSpPr>
           <p:spPr>
             <a:xfrm>
-              <a:off x="1701198" y="6254019"/>
+              <a:off x="1921179" y="6253891"/>
               <a:ext cx="63202" cy="63202"/>
             </a:xfrm>
             <a:custGeom>
@@ -8448,7 +8448,7 @@
           </p:nvSpPr>
           <p:spPr>
             <a:xfrm>
-              <a:off x="1543979" y="6215311"/>
+              <a:off x="1685894" y="6215364"/>
               <a:ext cx="63202" cy="63202"/>
             </a:xfrm>
             <a:custGeom>
@@ -8491,7 +8491,7 @@
           </p:nvSpPr>
           <p:spPr>
             <a:xfrm>
-              <a:off x="2718477" y="6423542"/>
+              <a:off x="3120453" y="6423435"/>
               <a:ext cx="63202" cy="63202"/>
             </a:xfrm>
             <a:custGeom>
@@ -8534,7 +8534,7 @@
           </p:nvSpPr>
           <p:spPr>
             <a:xfrm>
-              <a:off x="2174819" y="6239651"/>
+              <a:off x="2086912" y="6239607"/>
               <a:ext cx="63202" cy="63202"/>
             </a:xfrm>
             <a:custGeom>
@@ -8577,7 +8577,7 @@
           </p:nvSpPr>
           <p:spPr>
             <a:xfrm>
-              <a:off x="1859760" y="6275066"/>
+              <a:off x="2199796" y="6275008"/>
               <a:ext cx="63202" cy="63202"/>
             </a:xfrm>
             <a:custGeom>
@@ -8620,7 +8620,7 @@
           </p:nvSpPr>
           <p:spPr>
             <a:xfrm>
-              <a:off x="2531018" y="6512694"/>
+              <a:off x="2541355" y="6512665"/>
               <a:ext cx="63202" cy="63202"/>
             </a:xfrm>
             <a:custGeom>
@@ -8663,7 +8663,7 @@
           </p:nvSpPr>
           <p:spPr>
             <a:xfrm>
-              <a:off x="1868421" y="6298233"/>
+              <a:off x="1955723" y="6298193"/>
               <a:ext cx="63202" cy="63202"/>
             </a:xfrm>
             <a:custGeom>
@@ -8706,7 +8706,7 @@
           </p:nvSpPr>
           <p:spPr>
             <a:xfrm>
-              <a:off x="2237056" y="6280084"/>
+              <a:off x="1936855" y="6280005"/>
               <a:ext cx="63202" cy="63202"/>
             </a:xfrm>
             <a:custGeom>
@@ -8749,7 +8749,7 @@
           </p:nvSpPr>
           <p:spPr>
             <a:xfrm>
-              <a:off x="1571623" y="6247892"/>
+              <a:off x="1655741" y="6247891"/>
               <a:ext cx="63202" cy="63202"/>
             </a:xfrm>
             <a:custGeom>
@@ -8792,7 +8792,7 @@
           </p:nvSpPr>
           <p:spPr>
             <a:xfrm>
-              <a:off x="1831320" y="6218801"/>
+              <a:off x="2111381" y="6218726"/>
               <a:ext cx="63202" cy="63202"/>
             </a:xfrm>
             <a:custGeom>
@@ -8835,7 +8835,7 @@
           </p:nvSpPr>
           <p:spPr>
             <a:xfrm>
-              <a:off x="2223681" y="6292209"/>
+              <a:off x="2032182" y="6292130"/>
               <a:ext cx="63202" cy="63202"/>
             </a:xfrm>
             <a:custGeom>
@@ -8878,7 +8878,7 @@
           </p:nvSpPr>
           <p:spPr>
             <a:xfrm>
-              <a:off x="1858133" y="6326274"/>
+              <a:off x="1970229" y="6326191"/>
               <a:ext cx="63202" cy="63202"/>
             </a:xfrm>
             <a:custGeom>
@@ -8921,7 +8921,7 @@
           </p:nvSpPr>
           <p:spPr>
             <a:xfrm>
-              <a:off x="2778843" y="6462631"/>
+              <a:off x="2482679" y="6462520"/>
               <a:ext cx="63202" cy="63202"/>
             </a:xfrm>
             <a:custGeom>
@@ -8964,7 +8964,7 @@
           </p:nvSpPr>
           <p:spPr>
             <a:xfrm>
-              <a:off x="2239698" y="6259435"/>
+              <a:off x="1779890" y="6259412"/>
               <a:ext cx="63202" cy="63202"/>
             </a:xfrm>
             <a:custGeom>
@@ -9007,7 +9007,7 @@
           </p:nvSpPr>
           <p:spPr>
             <a:xfrm>
-              <a:off x="2181354" y="6324191"/>
+              <a:off x="1753408" y="6324180"/>
               <a:ext cx="63202" cy="63202"/>
             </a:xfrm>
             <a:custGeom>
@@ -9050,7 +9050,7 @@
           </p:nvSpPr>
           <p:spPr>
             <a:xfrm>
-              <a:off x="1835258" y="6163725"/>
+              <a:off x="1825802" y="6163742"/>
               <a:ext cx="63202" cy="63202"/>
             </a:xfrm>
             <a:custGeom>
@@ -9093,7 +9093,7 @@
           </p:nvSpPr>
           <p:spPr>
             <a:xfrm>
-              <a:off x="2779958" y="6423549"/>
+              <a:off x="3107141" y="6423503"/>
               <a:ext cx="63202" cy="63202"/>
             </a:xfrm>
             <a:custGeom>
@@ -9136,7 +9136,7 @@
           </p:nvSpPr>
           <p:spPr>
             <a:xfrm>
-              <a:off x="2077999" y="6228913"/>
+              <a:off x="1544534" y="6228823"/>
               <a:ext cx="63202" cy="63202"/>
             </a:xfrm>
             <a:custGeom>
@@ -9179,7 +9179,7 @@
           </p:nvSpPr>
           <p:spPr>
             <a:xfrm>
-              <a:off x="1598102" y="6208707"/>
+              <a:off x="1820301" y="6208549"/>
               <a:ext cx="63202" cy="63202"/>
             </a:xfrm>
             <a:custGeom>
@@ -9222,7 +9222,7 @@
           </p:nvSpPr>
           <p:spPr>
             <a:xfrm>
-              <a:off x="2036051" y="6208643"/>
+              <a:off x="1722217" y="6208580"/>
               <a:ext cx="63202" cy="63202"/>
             </a:xfrm>
             <a:custGeom>
@@ -9265,7 +9265,7 @@
           </p:nvSpPr>
           <p:spPr>
             <a:xfrm>
-              <a:off x="1702492" y="6208660"/>
+              <a:off x="1554872" y="6208668"/>
               <a:ext cx="63202" cy="63202"/>
             </a:xfrm>
             <a:custGeom>
@@ -9308,7 +9308,7 @@
           </p:nvSpPr>
           <p:spPr>
             <a:xfrm>
-              <a:off x="1921705" y="6210964"/>
+              <a:off x="1769854" y="6210972"/>
               <a:ext cx="63202" cy="63202"/>
             </a:xfrm>
             <a:custGeom>
@@ -9351,7 +9351,7 @@
           </p:nvSpPr>
           <p:spPr>
             <a:xfrm>
-              <a:off x="1626464" y="6208620"/>
+              <a:off x="2203430" y="6208545"/>
               <a:ext cx="63202" cy="63202"/>
             </a:xfrm>
             <a:custGeom>
@@ -9394,7 +9394,7 @@
           </p:nvSpPr>
           <p:spPr>
             <a:xfrm>
-              <a:off x="2109230" y="6178109"/>
+              <a:off x="1886384" y="6178063"/>
               <a:ext cx="63202" cy="63202"/>
             </a:xfrm>
             <a:custGeom>
@@ -9437,7 +9437,7 @@
           </p:nvSpPr>
           <p:spPr>
             <a:xfrm>
-              <a:off x="2196341" y="6157866"/>
+              <a:off x="2061058" y="6157842"/>
               <a:ext cx="63202" cy="63202"/>
             </a:xfrm>
             <a:custGeom>
@@ -9480,7 +9480,7 @@
           </p:nvSpPr>
           <p:spPr>
             <a:xfrm>
-              <a:off x="2595759" y="6572400"/>
+              <a:off x="2524303" y="6572448"/>
               <a:ext cx="63202" cy="63202"/>
             </a:xfrm>
             <a:custGeom>
@@ -9523,7 +9523,7 @@
           </p:nvSpPr>
           <p:spPr>
             <a:xfrm>
-              <a:off x="1825151" y="6228888"/>
+              <a:off x="2011854" y="6228898"/>
               <a:ext cx="63202" cy="63202"/>
             </a:xfrm>
             <a:custGeom>
@@ -9566,7 +9566,7 @@
           </p:nvSpPr>
           <p:spPr>
             <a:xfrm>
-              <a:off x="2101491" y="6187952"/>
+              <a:off x="1896963" y="6187961"/>
               <a:ext cx="63202" cy="63202"/>
             </a:xfrm>
             <a:custGeom>
@@ -9609,7 +9609,7 @@
           </p:nvSpPr>
           <p:spPr>
             <a:xfrm>
-              <a:off x="2121337" y="6231651"/>
+              <a:off x="2154712" y="6231556"/>
               <a:ext cx="63202" cy="63202"/>
             </a:xfrm>
             <a:custGeom>
@@ -9652,7 +9652,7 @@
           </p:nvSpPr>
           <p:spPr>
             <a:xfrm>
-              <a:off x="3083970" y="6499414"/>
+              <a:off x="2661609" y="6499474"/>
               <a:ext cx="63202" cy="63202"/>
             </a:xfrm>
             <a:custGeom>
@@ -9695,7 +9695,7 @@
           </p:nvSpPr>
           <p:spPr>
             <a:xfrm>
-              <a:off x="1654651" y="6221005"/>
+              <a:off x="2216627" y="6221007"/>
               <a:ext cx="63202" cy="63202"/>
             </a:xfrm>
             <a:custGeom>
@@ -9738,7 +9738,7 @@
           </p:nvSpPr>
           <p:spPr>
             <a:xfrm>
-              <a:off x="2193339" y="6315321"/>
+              <a:off x="1854373" y="6315339"/>
               <a:ext cx="63202" cy="63202"/>
             </a:xfrm>
             <a:custGeom>
@@ -9781,7 +9781,7 @@
           </p:nvSpPr>
           <p:spPr>
             <a:xfrm>
-              <a:off x="1874605" y="6190511"/>
+              <a:off x="1746512" y="6190380"/>
               <a:ext cx="63202" cy="63202"/>
             </a:xfrm>
             <a:custGeom>
@@ -9824,7 +9824,7 @@
           </p:nvSpPr>
           <p:spPr>
             <a:xfrm>
-              <a:off x="1594180" y="6163373"/>
+              <a:off x="1842069" y="6163329"/>
               <a:ext cx="63202" cy="63202"/>
             </a:xfrm>
             <a:custGeom>
@@ -9867,7 +9867,7 @@
           </p:nvSpPr>
           <p:spPr>
             <a:xfrm>
-              <a:off x="1967513" y="6216053"/>
+              <a:off x="1972884" y="6215978"/>
               <a:ext cx="63202" cy="63202"/>
             </a:xfrm>
             <a:custGeom>
@@ -9910,7 +9910,7 @@
           </p:nvSpPr>
           <p:spPr>
             <a:xfrm>
-              <a:off x="1730110" y="6218305"/>
+              <a:off x="2227296" y="6218351"/>
               <a:ext cx="63202" cy="63202"/>
             </a:xfrm>
             <a:custGeom>
@@ -9953,7 +9953,7 @@
           </p:nvSpPr>
           <p:spPr>
             <a:xfrm>
-              <a:off x="2165046" y="6197806"/>
+              <a:off x="2071547" y="6197814"/>
               <a:ext cx="63202" cy="63202"/>
             </a:xfrm>
             <a:custGeom>
@@ -9996,7 +9996,7 @@
           </p:nvSpPr>
           <p:spPr>
             <a:xfrm>
-              <a:off x="2015759" y="6240330"/>
+              <a:off x="2083378" y="6240214"/>
               <a:ext cx="63202" cy="63202"/>
             </a:xfrm>
             <a:custGeom>
@@ -10039,7 +10039,7 @@
           </p:nvSpPr>
           <p:spPr>
             <a:xfrm>
-              <a:off x="1836042" y="6217128"/>
+              <a:off x="1783506" y="6217027"/>
               <a:ext cx="63202" cy="63202"/>
             </a:xfrm>
             <a:custGeom>
@@ -10082,7 +10082,7 @@
           </p:nvSpPr>
           <p:spPr>
             <a:xfrm>
-              <a:off x="1801499" y="6213544"/>
+              <a:off x="2155854" y="6213455"/>
               <a:ext cx="63202" cy="63202"/>
             </a:xfrm>
             <a:custGeom>
@@ -10125,7 +10125,7 @@
           </p:nvSpPr>
           <p:spPr>
             <a:xfrm>
-              <a:off x="1716660" y="6216463"/>
+              <a:off x="1960289" y="6216480"/>
               <a:ext cx="63202" cy="63202"/>
             </a:xfrm>
             <a:custGeom>
@@ -10168,7 +10168,7 @@
           </p:nvSpPr>
           <p:spPr>
             <a:xfrm>
-              <a:off x="2238868" y="6163759"/>
+              <a:off x="2039404" y="6163632"/>
               <a:ext cx="63202" cy="63202"/>
             </a:xfrm>
             <a:custGeom>
@@ -10211,7 +10211,7 @@
           </p:nvSpPr>
           <p:spPr>
             <a:xfrm>
-              <a:off x="2024368" y="6165127"/>
+              <a:off x="1784925" y="6165106"/>
               <a:ext cx="63202" cy="63202"/>
             </a:xfrm>
             <a:custGeom>
@@ -10254,7 +10254,7 @@
           </p:nvSpPr>
           <p:spPr>
             <a:xfrm>
-              <a:off x="1656153" y="6215528"/>
+              <a:off x="1918106" y="6215481"/>
               <a:ext cx="63202" cy="63202"/>
             </a:xfrm>
             <a:custGeom>
@@ -10297,7 +10297,7 @@
           </p:nvSpPr>
           <p:spPr>
             <a:xfrm>
-              <a:off x="1704638" y="6223159"/>
+              <a:off x="1910210" y="6223127"/>
               <a:ext cx="63202" cy="63202"/>
             </a:xfrm>
             <a:custGeom>
@@ -10340,7 +10340,7 @@
           </p:nvSpPr>
           <p:spPr>
             <a:xfrm>
-              <a:off x="2098348" y="6218596"/>
+              <a:off x="2070831" y="6218556"/>
               <a:ext cx="63202" cy="63202"/>
             </a:xfrm>
             <a:custGeom>
@@ -10383,7 +10383,7 @@
           </p:nvSpPr>
           <p:spPr>
             <a:xfrm>
-              <a:off x="2081068" y="6218780"/>
+              <a:off x="1731586" y="6218787"/>
               <a:ext cx="63202" cy="63202"/>
             </a:xfrm>
             <a:custGeom>
@@ -10426,7 +10426,7 @@
           </p:nvSpPr>
           <p:spPr>
             <a:xfrm>
-              <a:off x="1697249" y="6218405"/>
+              <a:off x="1730248" y="6218306"/>
               <a:ext cx="63202" cy="63202"/>
             </a:xfrm>
             <a:custGeom>
@@ -10469,7 +10469,7 @@
           </p:nvSpPr>
           <p:spPr>
             <a:xfrm>
-              <a:off x="1578617" y="6328724"/>
+              <a:off x="1811498" y="6328582"/>
               <a:ext cx="63202" cy="63202"/>
             </a:xfrm>
             <a:custGeom>
@@ -10512,7 +10512,7 @@
           </p:nvSpPr>
           <p:spPr>
             <a:xfrm>
-              <a:off x="2088495" y="6224449"/>
+              <a:off x="2091809" y="6224493"/>
               <a:ext cx="63202" cy="63202"/>
             </a:xfrm>
             <a:custGeom>
@@ -10555,7 +10555,7 @@
           </p:nvSpPr>
           <p:spPr>
             <a:xfrm>
-              <a:off x="2158822" y="6213976"/>
+              <a:off x="1680099" y="6213786"/>
               <a:ext cx="63202" cy="63202"/>
             </a:xfrm>
             <a:custGeom>
@@ -10598,7 +10598,7 @@
           </p:nvSpPr>
           <p:spPr>
             <a:xfrm>
-              <a:off x="1803965" y="6164608"/>
+              <a:off x="1811027" y="6164450"/>
               <a:ext cx="63202" cy="63202"/>
             </a:xfrm>
             <a:custGeom>
@@ -10641,7 +10641,7 @@
           </p:nvSpPr>
           <p:spPr>
             <a:xfrm>
-              <a:off x="1751898" y="6283046"/>
+              <a:off x="2157964" y="6283064"/>
               <a:ext cx="63202" cy="63202"/>
             </a:xfrm>
             <a:custGeom>
@@ -10684,7 +10684,7 @@
           </p:nvSpPr>
           <p:spPr>
             <a:xfrm>
-              <a:off x="2542315" y="6490969"/>
+              <a:off x="2453582" y="6490949"/>
               <a:ext cx="63202" cy="63202"/>
             </a:xfrm>
             <a:custGeom>
@@ -10727,7 +10727,7 @@
           </p:nvSpPr>
           <p:spPr>
             <a:xfrm>
-              <a:off x="1888719" y="6370894"/>
+              <a:off x="1794696" y="6370691"/>
               <a:ext cx="63202" cy="63202"/>
             </a:xfrm>
             <a:custGeom>
@@ -10770,7 +10770,7 @@
           </p:nvSpPr>
           <p:spPr>
             <a:xfrm>
-              <a:off x="2972528" y="6509189"/>
+              <a:off x="2620619" y="6509171"/>
               <a:ext cx="63202" cy="63202"/>
             </a:xfrm>
             <a:custGeom>
@@ -10813,7 +10813,7 @@
           </p:nvSpPr>
           <p:spPr>
             <a:xfrm>
-              <a:off x="2779749" y="6512058"/>
+              <a:off x="2888178" y="6512083"/>
               <a:ext cx="63202" cy="63202"/>
             </a:xfrm>
             <a:custGeom>
@@ -10856,7 +10856,7 @@
           </p:nvSpPr>
           <p:spPr>
             <a:xfrm>
-              <a:off x="2170714" y="6264074"/>
+              <a:off x="1884874" y="6264025"/>
               <a:ext cx="63202" cy="63202"/>
             </a:xfrm>
             <a:custGeom>
@@ -10899,7 +10899,7 @@
           </p:nvSpPr>
           <p:spPr>
             <a:xfrm>
-              <a:off x="1945496" y="6261354"/>
+              <a:off x="2138119" y="6261387"/>
               <a:ext cx="63202" cy="63202"/>
             </a:xfrm>
             <a:custGeom>
@@ -10942,7 +10942,7 @@
           </p:nvSpPr>
           <p:spPr>
             <a:xfrm>
-              <a:off x="1674172" y="6261419"/>
+              <a:off x="1954933" y="6261347"/>
               <a:ext cx="63202" cy="63202"/>
             </a:xfrm>
             <a:custGeom>
@@ -10985,7 +10985,7 @@
           </p:nvSpPr>
           <p:spPr>
             <a:xfrm>
-              <a:off x="2208359" y="6256276"/>
+              <a:off x="1824393" y="6256200"/>
               <a:ext cx="63202" cy="63202"/>
             </a:xfrm>
             <a:custGeom>
@@ -11028,7 +11028,7 @@
           </p:nvSpPr>
           <p:spPr>
             <a:xfrm>
-              <a:off x="2212704" y="6314913"/>
+              <a:off x="1697621" y="6314841"/>
               <a:ext cx="63202" cy="63202"/>
             </a:xfrm>
             <a:custGeom>
@@ -11071,7 +11071,7 @@
           </p:nvSpPr>
           <p:spPr>
             <a:xfrm>
-              <a:off x="2535854" y="6541830"/>
+              <a:off x="2430158" y="6541891"/>
               <a:ext cx="63202" cy="63202"/>
             </a:xfrm>
             <a:custGeom>
@@ -11114,7 +11114,7 @@
           </p:nvSpPr>
           <p:spPr>
             <a:xfrm>
-              <a:off x="2797679" y="6491005"/>
+              <a:off x="2423053" y="6491009"/>
               <a:ext cx="63202" cy="63202"/>
             </a:xfrm>
             <a:custGeom>
@@ -11157,7 +11157,7 @@
           </p:nvSpPr>
           <p:spPr>
             <a:xfrm>
-              <a:off x="1923380" y="6384901"/>
+              <a:off x="2012721" y="6384939"/>
               <a:ext cx="63202" cy="63202"/>
             </a:xfrm>
             <a:custGeom>
@@ -11200,7 +11200,7 @@
           </p:nvSpPr>
           <p:spPr>
             <a:xfrm>
-              <a:off x="2604237" y="6500473"/>
+              <a:off x="2528868" y="6500438"/>
               <a:ext cx="63202" cy="63202"/>
             </a:xfrm>
             <a:custGeom>
@@ -11243,7 +11243,7 @@
           </p:nvSpPr>
           <p:spPr>
             <a:xfrm>
-              <a:off x="2770287" y="6490989"/>
+              <a:off x="2672159" y="6490931"/>
               <a:ext cx="63202" cy="63202"/>
             </a:xfrm>
             <a:custGeom>
@@ -11286,7 +11286,7 @@
           </p:nvSpPr>
           <p:spPr>
             <a:xfrm>
-              <a:off x="1972152" y="6216490"/>
+              <a:off x="2072206" y="6216424"/>
               <a:ext cx="63202" cy="63202"/>
             </a:xfrm>
             <a:custGeom>
@@ -11329,7 +11329,7 @@
           </p:nvSpPr>
           <p:spPr>
             <a:xfrm>
-              <a:off x="3943563" y="6731535"/>
+              <a:off x="3304707" y="6731377"/>
               <a:ext cx="63202" cy="63202"/>
             </a:xfrm>
             <a:custGeom>
@@ -11372,7 +11372,7 @@
           </p:nvSpPr>
           <p:spPr>
             <a:xfrm>
-              <a:off x="1819526" y="6338922"/>
+              <a:off x="1953040" y="6338929"/>
               <a:ext cx="63202" cy="63202"/>
             </a:xfrm>
             <a:custGeom>
@@ -11415,7 +11415,7 @@
           </p:nvSpPr>
           <p:spPr>
             <a:xfrm>
-              <a:off x="2047596" y="6208010"/>
+              <a:off x="2057407" y="6207879"/>
               <a:ext cx="63202" cy="63202"/>
             </a:xfrm>
             <a:custGeom>
@@ -11458,7 +11458,7 @@
           </p:nvSpPr>
           <p:spPr>
             <a:xfrm>
-              <a:off x="2022657" y="6255677"/>
+              <a:off x="2086236" y="6255593"/>
               <a:ext cx="63202" cy="63202"/>
             </a:xfrm>
             <a:custGeom>
@@ -11501,7 +11501,7 @@
           </p:nvSpPr>
           <p:spPr>
             <a:xfrm>
-              <a:off x="1883878" y="6213911"/>
+              <a:off x="1985594" y="6213895"/>
               <a:ext cx="63202" cy="63202"/>
             </a:xfrm>
             <a:custGeom>
@@ -11544,7 +11544,7 @@
           </p:nvSpPr>
           <p:spPr>
             <a:xfrm>
-              <a:off x="2112161" y="6215040"/>
+              <a:off x="1976780" y="6214863"/>
               <a:ext cx="63202" cy="63202"/>
             </a:xfrm>
             <a:custGeom>
@@ -11587,7 +11587,7 @@
           </p:nvSpPr>
           <p:spPr>
             <a:xfrm>
-              <a:off x="1958706" y="6224653"/>
+              <a:off x="1909845" y="6224631"/>
               <a:ext cx="63202" cy="63202"/>
             </a:xfrm>
             <a:custGeom>
@@ -11630,7 +11630,7 @@
           </p:nvSpPr>
           <p:spPr>
             <a:xfrm>
-              <a:off x="2213223" y="6221239"/>
+              <a:off x="2011981" y="6221193"/>
               <a:ext cx="63202" cy="63202"/>
             </a:xfrm>
             <a:custGeom>
@@ -11673,7 +11673,7 @@
           </p:nvSpPr>
           <p:spPr>
             <a:xfrm>
-              <a:off x="3423730" y="6626816"/>
+              <a:off x="3927507" y="6626772"/>
               <a:ext cx="63202" cy="63202"/>
             </a:xfrm>
             <a:custGeom>
@@ -11772,7 +11772,7 @@
           </p:nvSpPr>
           <p:spPr>
             <a:xfrm>
-              <a:off x="4284320" y="2998673"/>
+              <a:off x="4284320" y="2998607"/>
               <a:ext cx="2817450" cy="0"/>
             </a:xfrm>
             <a:custGeom>
@@ -11815,7 +11815,7 @@
           </p:nvSpPr>
           <p:spPr>
             <a:xfrm>
-              <a:off x="4284320" y="2576862"/>
+              <a:off x="4284320" y="2576808"/>
               <a:ext cx="2817450" cy="0"/>
             </a:xfrm>
             <a:custGeom>
@@ -11858,7 +11858,7 @@
           </p:nvSpPr>
           <p:spPr>
             <a:xfrm>
-              <a:off x="4284320" y="2155052"/>
+              <a:off x="4284320" y="2155009"/>
               <a:ext cx="2817450" cy="0"/>
             </a:xfrm>
             <a:custGeom>
@@ -11901,7 +11901,7 @@
           </p:nvSpPr>
           <p:spPr>
             <a:xfrm>
-              <a:off x="4284320" y="1733241"/>
+              <a:off x="4284320" y="1733211"/>
               <a:ext cx="2817450" cy="0"/>
             </a:xfrm>
             <a:custGeom>
@@ -11944,7 +11944,7 @@
           </p:nvSpPr>
           <p:spPr>
             <a:xfrm>
-              <a:off x="4284320" y="2787768"/>
+              <a:off x="4284320" y="2787707"/>
               <a:ext cx="2817450" cy="0"/>
             </a:xfrm>
             <a:custGeom>
@@ -11987,7 +11987,7 @@
           </p:nvSpPr>
           <p:spPr>
             <a:xfrm>
-              <a:off x="4284320" y="2365957"/>
+              <a:off x="4284320" y="2365909"/>
               <a:ext cx="2817450" cy="0"/>
             </a:xfrm>
             <a:custGeom>
@@ -12030,7 +12030,7 @@
           </p:nvSpPr>
           <p:spPr>
             <a:xfrm>
-              <a:off x="4284320" y="1944146"/>
+              <a:off x="4284320" y="1944110"/>
               <a:ext cx="2817450" cy="0"/>
             </a:xfrm>
             <a:custGeom>
@@ -12073,7 +12073,7 @@
           </p:nvSpPr>
           <p:spPr>
             <a:xfrm>
-              <a:off x="4284320" y="1522335"/>
+              <a:off x="4284320" y="1522312"/>
               <a:ext cx="2817450" cy="0"/>
             </a:xfrm>
             <a:custGeom>
@@ -12245,7 +12245,7 @@
           </p:nvSpPr>
           <p:spPr>
             <a:xfrm>
-              <a:off x="5062097" y="2228141"/>
+              <a:off x="4586494" y="2227985"/>
               <a:ext cx="63202" cy="63202"/>
             </a:xfrm>
             <a:custGeom>
@@ -12288,7 +12288,7 @@
           </p:nvSpPr>
           <p:spPr>
             <a:xfrm>
-              <a:off x="4984962" y="2258430"/>
+              <a:off x="4605761" y="2258421"/>
               <a:ext cx="63202" cy="63202"/>
             </a:xfrm>
             <a:custGeom>
@@ -12331,7 +12331,7 @@
           </p:nvSpPr>
           <p:spPr>
             <a:xfrm>
-              <a:off x="4596227" y="2205723"/>
+              <a:off x="4571061" y="2205644"/>
               <a:ext cx="63202" cy="63202"/>
             </a:xfrm>
             <a:custGeom>
@@ -12374,7 +12374,7 @@
           </p:nvSpPr>
           <p:spPr>
             <a:xfrm>
-              <a:off x="4634071" y="2202512"/>
+              <a:off x="4646971" y="2202437"/>
               <a:ext cx="63202" cy="63202"/>
             </a:xfrm>
             <a:custGeom>
@@ -12417,7 +12417,7 @@
           </p:nvSpPr>
           <p:spPr>
             <a:xfrm>
-              <a:off x="4642789" y="2194458"/>
+              <a:off x="4909986" y="2194400"/>
               <a:ext cx="63202" cy="63202"/>
             </a:xfrm>
             <a:custGeom>
@@ -12460,7 +12460,7 @@
           </p:nvSpPr>
           <p:spPr>
             <a:xfrm>
-              <a:off x="4986797" y="2218168"/>
+              <a:off x="4907782" y="2218158"/>
               <a:ext cx="63202" cy="63202"/>
             </a:xfrm>
             <a:custGeom>
@@ -12503,7 +12503,7 @@
           </p:nvSpPr>
           <p:spPr>
             <a:xfrm>
-              <a:off x="4760410" y="2211956"/>
+              <a:off x="4902140" y="2211934"/>
               <a:ext cx="63202" cy="63202"/>
             </a:xfrm>
             <a:custGeom>
@@ -12546,7 +12546,7 @@
           </p:nvSpPr>
           <p:spPr>
             <a:xfrm>
-              <a:off x="4784263" y="2210973"/>
+              <a:off x="4744223" y="2210885"/>
               <a:ext cx="63202" cy="63202"/>
             </a:xfrm>
             <a:custGeom>
@@ -12589,7 +12589,7 @@
           </p:nvSpPr>
           <p:spPr>
             <a:xfrm>
-              <a:off x="5059042" y="2207872"/>
+              <a:off x="4641589" y="2207765"/>
               <a:ext cx="63202" cy="63202"/>
             </a:xfrm>
             <a:custGeom>
@@ -12632,7 +12632,7 @@
           </p:nvSpPr>
           <p:spPr>
             <a:xfrm>
-              <a:off x="4920262" y="2188386"/>
+              <a:off x="4441345" y="2188365"/>
               <a:ext cx="63202" cy="63202"/>
             </a:xfrm>
             <a:custGeom>
@@ -12675,7 +12675,7 @@
           </p:nvSpPr>
           <p:spPr>
             <a:xfrm>
-              <a:off x="4712067" y="2213691"/>
+              <a:off x="4485387" y="2213750"/>
               <a:ext cx="63202" cy="63202"/>
             </a:xfrm>
             <a:custGeom>
@@ -12718,7 +12718,7 @@
           </p:nvSpPr>
           <p:spPr>
             <a:xfrm>
-              <a:off x="5091528" y="2216641"/>
+              <a:off x="4872505" y="2216670"/>
               <a:ext cx="63202" cy="63202"/>
             </a:xfrm>
             <a:custGeom>
@@ -12761,7 +12761,7 @@
           </p:nvSpPr>
           <p:spPr>
             <a:xfrm>
-              <a:off x="4806237" y="2217166"/>
+              <a:off x="4769424" y="2217077"/>
               <a:ext cx="63202" cy="63202"/>
             </a:xfrm>
             <a:custGeom>
@@ -12804,7 +12804,7 @@
           </p:nvSpPr>
           <p:spPr>
             <a:xfrm>
-              <a:off x="4525202" y="2183896"/>
+              <a:off x="4880719" y="2183963"/>
               <a:ext cx="63202" cy="63202"/>
             </a:xfrm>
             <a:custGeom>
@@ -12847,7 +12847,7 @@
           </p:nvSpPr>
           <p:spPr>
             <a:xfrm>
-              <a:off x="5100374" y="2212520"/>
+              <a:off x="4855468" y="2212396"/>
               <a:ext cx="63202" cy="63202"/>
             </a:xfrm>
             <a:custGeom>
@@ -12890,7 +12890,7 @@
           </p:nvSpPr>
           <p:spPr>
             <a:xfrm>
-              <a:off x="4663549" y="2182527"/>
+              <a:off x="4963488" y="2182538"/>
               <a:ext cx="63202" cy="63202"/>
             </a:xfrm>
             <a:custGeom>
@@ -12933,7 +12933,7 @@
           </p:nvSpPr>
           <p:spPr>
             <a:xfrm>
-              <a:off x="4785544" y="2214481"/>
+              <a:off x="4980151" y="2214503"/>
               <a:ext cx="63202" cy="63202"/>
             </a:xfrm>
             <a:custGeom>
@@ -12976,7 +12976,7 @@
           </p:nvSpPr>
           <p:spPr>
             <a:xfrm>
-              <a:off x="5130259" y="2213153"/>
+              <a:off x="4455541" y="2213035"/>
               <a:ext cx="63202" cy="63202"/>
             </a:xfrm>
             <a:custGeom>
@@ -13019,7 +13019,7 @@
           </p:nvSpPr>
           <p:spPr>
             <a:xfrm>
-              <a:off x="4488641" y="2229897"/>
+              <a:off x="4728448" y="2229845"/>
               <a:ext cx="63202" cy="63202"/>
             </a:xfrm>
             <a:custGeom>
@@ -13062,7 +13062,7 @@
           </p:nvSpPr>
           <p:spPr>
             <a:xfrm>
-              <a:off x="4632305" y="2300568"/>
+              <a:off x="4440661" y="2300548"/>
               <a:ext cx="63202" cy="63202"/>
             </a:xfrm>
             <a:custGeom>
@@ -13105,7 +13105,7 @@
           </p:nvSpPr>
           <p:spPr>
             <a:xfrm>
-              <a:off x="4874223" y="2383521"/>
+              <a:off x="4816968" y="2383427"/>
               <a:ext cx="63202" cy="63202"/>
             </a:xfrm>
             <a:custGeom>
@@ -13148,7 +13148,7 @@
           </p:nvSpPr>
           <p:spPr>
             <a:xfrm>
-              <a:off x="4982954" y="2215391"/>
+              <a:off x="4786701" y="2215433"/>
               <a:ext cx="63202" cy="63202"/>
             </a:xfrm>
             <a:custGeom>
@@ -13191,7 +13191,7 @@
           </p:nvSpPr>
           <p:spPr>
             <a:xfrm>
-              <a:off x="5360690" y="2658018"/>
+              <a:off x="6013126" y="2658017"/>
               <a:ext cx="63202" cy="63202"/>
             </a:xfrm>
             <a:custGeom>
@@ -13234,7 +13234,7 @@
           </p:nvSpPr>
           <p:spPr>
             <a:xfrm>
-              <a:off x="4651855" y="2207676"/>
+              <a:off x="5086588" y="2207612"/>
               <a:ext cx="63202" cy="63202"/>
             </a:xfrm>
             <a:custGeom>
@@ -13277,7 +13277,7 @@
           </p:nvSpPr>
           <p:spPr>
             <a:xfrm>
-              <a:off x="4599763" y="2325848"/>
+              <a:off x="5021715" y="2325884"/>
               <a:ext cx="63202" cy="63202"/>
             </a:xfrm>
             <a:custGeom>
@@ -13320,7 +13320,7 @@
           </p:nvSpPr>
           <p:spPr>
             <a:xfrm>
-              <a:off x="4598273" y="2228008"/>
+              <a:off x="4824601" y="2228025"/>
               <a:ext cx="63202" cy="63202"/>
             </a:xfrm>
             <a:custGeom>
@@ -13363,7 +13363,7 @@
           </p:nvSpPr>
           <p:spPr>
             <a:xfrm>
-              <a:off x="4518324" y="2293874"/>
+              <a:off x="4882370" y="2293867"/>
               <a:ext cx="63202" cy="63202"/>
             </a:xfrm>
             <a:custGeom>
@@ -13406,7 +13406,7 @@
           </p:nvSpPr>
           <p:spPr>
             <a:xfrm>
-              <a:off x="4459976" y="2187427"/>
+              <a:off x="4775129" y="2187369"/>
               <a:ext cx="63202" cy="63202"/>
             </a:xfrm>
             <a:custGeom>
@@ -13449,7 +13449,7 @@
           </p:nvSpPr>
           <p:spPr>
             <a:xfrm>
-              <a:off x="5115113" y="2204646"/>
+              <a:off x="4712291" y="2204561"/>
               <a:ext cx="63202" cy="63202"/>
             </a:xfrm>
             <a:custGeom>
@@ -13492,7 +13492,7 @@
           </p:nvSpPr>
           <p:spPr>
             <a:xfrm>
-              <a:off x="4560675" y="2205919"/>
+              <a:off x="5122762" y="2205867"/>
               <a:ext cx="63202" cy="63202"/>
             </a:xfrm>
             <a:custGeom>
@@ -13535,7 +13535,7 @@
           </p:nvSpPr>
           <p:spPr>
             <a:xfrm>
-              <a:off x="5381465" y="2799546"/>
+              <a:off x="5894842" y="2799467"/>
               <a:ext cx="63202" cy="63202"/>
             </a:xfrm>
             <a:custGeom>
@@ -13578,7 +13578,7 @@
           </p:nvSpPr>
           <p:spPr>
             <a:xfrm>
-              <a:off x="4661159" y="2216870"/>
+              <a:off x="5067526" y="2216879"/>
               <a:ext cx="63202" cy="63202"/>
             </a:xfrm>
             <a:custGeom>
@@ -13621,7 +13621,7 @@
           </p:nvSpPr>
           <p:spPr>
             <a:xfrm>
-              <a:off x="5105207" y="2214114"/>
+              <a:off x="4616719" y="2214050"/>
               <a:ext cx="63202" cy="63202"/>
             </a:xfrm>
             <a:custGeom>
@@ -13664,7 +13664,7 @@
           </p:nvSpPr>
           <p:spPr>
             <a:xfrm>
-              <a:off x="4429499" y="2258136"/>
+              <a:off x="4619335" y="2258108"/>
               <a:ext cx="63202" cy="63202"/>
             </a:xfrm>
             <a:custGeom>
@@ -13707,7 +13707,7 @@
           </p:nvSpPr>
           <p:spPr>
             <a:xfrm>
-              <a:off x="4762430" y="2190260"/>
+              <a:off x="5120006" y="2190193"/>
               <a:ext cx="63202" cy="63202"/>
             </a:xfrm>
             <a:custGeom>
@@ -13750,7 +13750,7 @@
           </p:nvSpPr>
           <p:spPr>
             <a:xfrm>
-              <a:off x="4863047" y="2187332"/>
+              <a:off x="4892643" y="2187255"/>
               <a:ext cx="63202" cy="63202"/>
             </a:xfrm>
             <a:custGeom>
@@ -13793,7 +13793,7 @@
           </p:nvSpPr>
           <p:spPr>
             <a:xfrm>
-              <a:off x="4969498" y="2216473"/>
+              <a:off x="4976622" y="2216340"/>
               <a:ext cx="63202" cy="63202"/>
             </a:xfrm>
             <a:custGeom>
@@ -13836,7 +13836,7 @@
           </p:nvSpPr>
           <p:spPr>
             <a:xfrm>
-              <a:off x="4892389" y="2216483"/>
+              <a:off x="4476469" y="2216386"/>
               <a:ext cx="63202" cy="63202"/>
             </a:xfrm>
             <a:custGeom>
@@ -13879,7 +13879,7 @@
           </p:nvSpPr>
           <p:spPr>
             <a:xfrm>
-              <a:off x="4603625" y="2210183"/>
+              <a:off x="4980739" y="2210139"/>
               <a:ext cx="63202" cy="63202"/>
             </a:xfrm>
             <a:custGeom>
@@ -13922,7 +13922,7 @@
           </p:nvSpPr>
           <p:spPr>
             <a:xfrm>
-              <a:off x="5013398" y="2526976"/>
+              <a:off x="4956640" y="2526876"/>
               <a:ext cx="63202" cy="63202"/>
             </a:xfrm>
             <a:custGeom>
@@ -13965,7 +13965,7 @@
           </p:nvSpPr>
           <p:spPr>
             <a:xfrm>
-              <a:off x="4797055" y="2229379"/>
+              <a:off x="4601920" y="2229253"/>
               <a:ext cx="63202" cy="63202"/>
             </a:xfrm>
             <a:custGeom>
@@ -14008,7 +14008,7 @@
           </p:nvSpPr>
           <p:spPr>
             <a:xfrm>
-              <a:off x="5024135" y="2538047"/>
+              <a:off x="4607033" y="2537989"/>
               <a:ext cx="63202" cy="63202"/>
             </a:xfrm>
             <a:custGeom>
@@ -14051,7 +14051,7 @@
           </p:nvSpPr>
           <p:spPr>
             <a:xfrm>
-              <a:off x="4469560" y="2178473"/>
+              <a:off x="5014198" y="2178509"/>
               <a:ext cx="63202" cy="63202"/>
             </a:xfrm>
             <a:custGeom>
@@ -14094,7 +14094,7 @@
           </p:nvSpPr>
           <p:spPr>
             <a:xfrm>
-              <a:off x="4443959" y="2378594"/>
+              <a:off x="4982529" y="2378583"/>
               <a:ext cx="63202" cy="63202"/>
             </a:xfrm>
             <a:custGeom>
@@ -14137,7 +14137,7 @@
           </p:nvSpPr>
           <p:spPr>
             <a:xfrm>
-              <a:off x="4508416" y="2211822"/>
+              <a:off x="4795777" y="2211700"/>
               <a:ext cx="63202" cy="63202"/>
             </a:xfrm>
             <a:custGeom>
@@ -14180,7 +14180,7 @@
           </p:nvSpPr>
           <p:spPr>
             <a:xfrm>
-              <a:off x="4966363" y="2251338"/>
+              <a:off x="4694111" y="2251172"/>
               <a:ext cx="63202" cy="63202"/>
             </a:xfrm>
             <a:custGeom>
@@ -14223,7 +14223,7 @@
           </p:nvSpPr>
           <p:spPr>
             <a:xfrm>
-              <a:off x="4773098" y="2255950"/>
+              <a:off x="4699880" y="2255803"/>
               <a:ext cx="63202" cy="63202"/>
             </a:xfrm>
             <a:custGeom>
@@ -14266,7 +14266,7 @@
           </p:nvSpPr>
           <p:spPr>
             <a:xfrm>
-              <a:off x="4943026" y="2226390"/>
+              <a:off x="4786740" y="2226348"/>
               <a:ext cx="63202" cy="63202"/>
             </a:xfrm>
             <a:custGeom>
@@ -14309,7 +14309,7 @@
           </p:nvSpPr>
           <p:spPr>
             <a:xfrm>
-              <a:off x="4775751" y="2217279"/>
+              <a:off x="4440746" y="2217231"/>
               <a:ext cx="63202" cy="63202"/>
             </a:xfrm>
             <a:custGeom>
@@ -14352,7 +14352,7 @@
           </p:nvSpPr>
           <p:spPr>
             <a:xfrm>
-              <a:off x="4662428" y="2216313"/>
+              <a:off x="4558512" y="2216192"/>
               <a:ext cx="63202" cy="63202"/>
             </a:xfrm>
             <a:custGeom>
@@ -14395,7 +14395,7 @@
           </p:nvSpPr>
           <p:spPr>
             <a:xfrm>
-              <a:off x="4729248" y="2279777"/>
+              <a:off x="5110222" y="2279749"/>
               <a:ext cx="63202" cy="63202"/>
             </a:xfrm>
             <a:custGeom>
@@ -14438,7 +14438,7 @@
           </p:nvSpPr>
           <p:spPr>
             <a:xfrm>
-              <a:off x="4945260" y="2296977"/>
+              <a:off x="4522406" y="2297045"/>
               <a:ext cx="63202" cy="63202"/>
             </a:xfrm>
             <a:custGeom>
@@ -14481,7 +14481,7 @@
           </p:nvSpPr>
           <p:spPr>
             <a:xfrm>
-              <a:off x="4749845" y="2225401"/>
+              <a:off x="4942973" y="2225288"/>
               <a:ext cx="63202" cy="63202"/>
             </a:xfrm>
             <a:custGeom>
@@ -14524,7 +14524,7 @@
           </p:nvSpPr>
           <p:spPr>
             <a:xfrm>
-              <a:off x="4893100" y="2219845"/>
+              <a:off x="4644275" y="2219729"/>
               <a:ext cx="63202" cy="63202"/>
             </a:xfrm>
             <a:custGeom>
@@ -14567,7 +14567,7 @@
           </p:nvSpPr>
           <p:spPr>
             <a:xfrm>
-              <a:off x="4994829" y="2252383"/>
+              <a:off x="4517330" y="2252318"/>
               <a:ext cx="63202" cy="63202"/>
             </a:xfrm>
             <a:custGeom>
@@ -14610,7 +14610,7 @@
           </p:nvSpPr>
           <p:spPr>
             <a:xfrm>
-              <a:off x="4565746" y="2211808"/>
+              <a:off x="4546477" y="2211731"/>
               <a:ext cx="63202" cy="63202"/>
             </a:xfrm>
             <a:custGeom>
@@ -14653,7 +14653,7 @@
           </p:nvSpPr>
           <p:spPr>
             <a:xfrm>
-              <a:off x="4663800" y="2182270"/>
+              <a:off x="4630206" y="2182199"/>
               <a:ext cx="63202" cy="63202"/>
             </a:xfrm>
             <a:custGeom>
@@ -14696,7 +14696,7 @@
           </p:nvSpPr>
           <p:spPr>
             <a:xfrm>
-              <a:off x="4779441" y="2240001"/>
+              <a:off x="5113316" y="2239998"/>
               <a:ext cx="63202" cy="63202"/>
             </a:xfrm>
             <a:custGeom>
@@ -14739,7 +14739,7 @@
           </p:nvSpPr>
           <p:spPr>
             <a:xfrm>
-              <a:off x="4765506" y="2279736"/>
+              <a:off x="4832795" y="2279725"/>
               <a:ext cx="63202" cy="63202"/>
             </a:xfrm>
             <a:custGeom>
@@ -14782,7 +14782,7 @@
           </p:nvSpPr>
           <p:spPr>
             <a:xfrm>
-              <a:off x="4497155" y="2194727"/>
+              <a:off x="5087606" y="2194713"/>
               <a:ext cx="63202" cy="63202"/>
             </a:xfrm>
             <a:custGeom>
@@ -14825,7 +14825,7 @@
           </p:nvSpPr>
           <p:spPr>
             <a:xfrm>
-              <a:off x="4903350" y="2484878"/>
+              <a:off x="4734240" y="2484839"/>
               <a:ext cx="63202" cy="63202"/>
             </a:xfrm>
             <a:custGeom>
@@ -14868,7 +14868,7 @@
           </p:nvSpPr>
           <p:spPr>
             <a:xfrm>
-              <a:off x="5002290" y="2259124"/>
+              <a:off x="4561667" y="2258938"/>
               <a:ext cx="63202" cy="63202"/>
             </a:xfrm>
             <a:custGeom>
@@ -14911,7 +14911,7 @@
           </p:nvSpPr>
           <p:spPr>
             <a:xfrm>
-              <a:off x="4695852" y="2222922"/>
+              <a:off x="4742665" y="2223024"/>
               <a:ext cx="63202" cy="63202"/>
             </a:xfrm>
             <a:custGeom>
@@ -14954,7 +14954,7 @@
           </p:nvSpPr>
           <p:spPr>
             <a:xfrm>
-              <a:off x="4513652" y="2183479"/>
+              <a:off x="5056774" y="2183495"/>
               <a:ext cx="63202" cy="63202"/>
             </a:xfrm>
             <a:custGeom>
@@ -14997,7 +14997,7 @@
           </p:nvSpPr>
           <p:spPr>
             <a:xfrm>
-              <a:off x="5090248" y="2185796"/>
+              <a:off x="4836337" y="2185904"/>
               <a:ext cx="63202" cy="63202"/>
             </a:xfrm>
             <a:custGeom>
@@ -15040,7 +15040,7 @@
           </p:nvSpPr>
           <p:spPr>
             <a:xfrm>
-              <a:off x="4818443" y="2236683"/>
+              <a:off x="5042279" y="2236638"/>
               <a:ext cx="63202" cy="63202"/>
             </a:xfrm>
             <a:custGeom>
@@ -15083,7 +15083,7 @@
           </p:nvSpPr>
           <p:spPr>
             <a:xfrm>
-              <a:off x="4464080" y="2210212"/>
+              <a:off x="5008383" y="2210072"/>
               <a:ext cx="63202" cy="63202"/>
             </a:xfrm>
             <a:custGeom>
@@ -15126,7 +15126,7 @@
           </p:nvSpPr>
           <p:spPr>
             <a:xfrm>
-              <a:off x="4607483" y="2369547"/>
+              <a:off x="4491363" y="2369540"/>
               <a:ext cx="63202" cy="63202"/>
             </a:xfrm>
             <a:custGeom>
@@ -15169,7 +15169,7 @@
           </p:nvSpPr>
           <p:spPr>
             <a:xfrm>
-              <a:off x="4870945" y="2214493"/>
+              <a:off x="4769178" y="2214574"/>
               <a:ext cx="63202" cy="63202"/>
             </a:xfrm>
             <a:custGeom>
@@ -15212,7 +15212,7 @@
           </p:nvSpPr>
           <p:spPr>
             <a:xfrm>
-              <a:off x="4788478" y="2340822"/>
+              <a:off x="4747197" y="2340865"/>
               <a:ext cx="63202" cy="63202"/>
             </a:xfrm>
             <a:custGeom>
@@ -15255,7 +15255,7 @@
           </p:nvSpPr>
           <p:spPr>
             <a:xfrm>
-              <a:off x="6319209" y="2946422"/>
+              <a:off x="6868206" y="2946301"/>
               <a:ext cx="63202" cy="63202"/>
             </a:xfrm>
             <a:custGeom>
@@ -15298,7 +15298,7 @@
           </p:nvSpPr>
           <p:spPr>
             <a:xfrm>
-              <a:off x="4445635" y="2266452"/>
+              <a:off x="5082965" y="2266440"/>
               <a:ext cx="63202" cy="63202"/>
             </a:xfrm>
             <a:custGeom>
@@ -15341,7 +15341,7 @@
           </p:nvSpPr>
           <p:spPr>
             <a:xfrm>
-              <a:off x="4500637" y="2218076"/>
+              <a:off x="4500430" y="2218143"/>
               <a:ext cx="63202" cy="63202"/>
             </a:xfrm>
             <a:custGeom>
@@ -15384,7 +15384,7 @@
           </p:nvSpPr>
           <p:spPr>
             <a:xfrm>
-              <a:off x="4686905" y="2396793"/>
+              <a:off x="4815521" y="2396670"/>
               <a:ext cx="63202" cy="63202"/>
             </a:xfrm>
             <a:custGeom>
@@ -15427,7 +15427,7 @@
           </p:nvSpPr>
           <p:spPr>
             <a:xfrm>
-              <a:off x="4990566" y="2395150"/>
+              <a:off x="4614429" y="2395087"/>
               <a:ext cx="63202" cy="63202"/>
             </a:xfrm>
             <a:custGeom>
@@ -15470,7 +15470,7 @@
           </p:nvSpPr>
           <p:spPr>
             <a:xfrm>
-              <a:off x="5672106" y="2459565"/>
+              <a:off x="5661630" y="2459597"/>
               <a:ext cx="63202" cy="63202"/>
             </a:xfrm>
             <a:custGeom>
@@ -15513,7 +15513,7 @@
           </p:nvSpPr>
           <p:spPr>
             <a:xfrm>
-              <a:off x="4938748" y="2219208"/>
+              <a:off x="4940882" y="2219114"/>
               <a:ext cx="63202" cy="63202"/>
             </a:xfrm>
             <a:custGeom>
@@ -15556,7 +15556,7 @@
           </p:nvSpPr>
           <p:spPr>
             <a:xfrm>
-              <a:off x="4758349" y="2520979"/>
+              <a:off x="4654462" y="2520885"/>
               <a:ext cx="63202" cy="63202"/>
             </a:xfrm>
             <a:custGeom>
@@ -15599,7 +15599,7 @@
           </p:nvSpPr>
           <p:spPr>
             <a:xfrm>
-              <a:off x="4682009" y="2218002"/>
+              <a:off x="4913365" y="2217808"/>
               <a:ext cx="63202" cy="63202"/>
             </a:xfrm>
             <a:custGeom>
@@ -15642,7 +15642,7 @@
           </p:nvSpPr>
           <p:spPr>
             <a:xfrm>
-              <a:off x="4724569" y="2244594"/>
+              <a:off x="4816136" y="2244450"/>
               <a:ext cx="63202" cy="63202"/>
             </a:xfrm>
             <a:custGeom>
@@ -15685,7 +15685,7 @@
           </p:nvSpPr>
           <p:spPr>
             <a:xfrm>
-              <a:off x="4532122" y="2227481"/>
+              <a:off x="4814162" y="2227450"/>
               <a:ext cx="63202" cy="63202"/>
             </a:xfrm>
             <a:custGeom>
@@ -15728,7 +15728,7 @@
           </p:nvSpPr>
           <p:spPr>
             <a:xfrm>
-              <a:off x="4433048" y="2295145"/>
+              <a:off x="5118922" y="2295010"/>
               <a:ext cx="63202" cy="63202"/>
             </a:xfrm>
             <a:custGeom>
@@ -15771,7 +15771,7 @@
           </p:nvSpPr>
           <p:spPr>
             <a:xfrm>
-              <a:off x="5018258" y="2216468"/>
+              <a:off x="4431536" y="2216468"/>
               <a:ext cx="63202" cy="63202"/>
             </a:xfrm>
             <a:custGeom>
@@ -15814,7 +15814,7 @@
           </p:nvSpPr>
           <p:spPr>
             <a:xfrm>
-              <a:off x="5069216" y="2185327"/>
+              <a:off x="4535684" y="2185205"/>
               <a:ext cx="63202" cy="63202"/>
             </a:xfrm>
             <a:custGeom>
@@ -15857,7 +15857,7 @@
           </p:nvSpPr>
           <p:spPr>
             <a:xfrm>
-              <a:off x="5044774" y="2268836"/>
+              <a:off x="4874641" y="2268785"/>
               <a:ext cx="63202" cy="63202"/>
             </a:xfrm>
             <a:custGeom>
@@ -15900,7 +15900,7 @@
           </p:nvSpPr>
           <p:spPr>
             <a:xfrm>
-              <a:off x="4763649" y="2265827"/>
+              <a:off x="4536418" y="2265737"/>
               <a:ext cx="63202" cy="63202"/>
             </a:xfrm>
             <a:custGeom>
@@ -15999,7 +15999,7 @@
           </p:nvSpPr>
           <p:spPr>
             <a:xfrm>
-              <a:off x="4284320" y="4924006"/>
+              <a:off x="4284320" y="4923939"/>
               <a:ext cx="2817450" cy="0"/>
             </a:xfrm>
             <a:custGeom>
@@ -16042,7 +16042,7 @@
           </p:nvSpPr>
           <p:spPr>
             <a:xfrm>
-              <a:off x="4284320" y="4502195"/>
+              <a:off x="4284320" y="4502141"/>
               <a:ext cx="2817450" cy="0"/>
             </a:xfrm>
             <a:custGeom>
@@ -16085,7 +16085,7 @@
           </p:nvSpPr>
           <p:spPr>
             <a:xfrm>
-              <a:off x="4284320" y="4080384"/>
+              <a:off x="4284320" y="4080342"/>
               <a:ext cx="2817450" cy="0"/>
             </a:xfrm>
             <a:custGeom>
@@ -16128,7 +16128,7 @@
           </p:nvSpPr>
           <p:spPr>
             <a:xfrm>
-              <a:off x="4284320" y="3658573"/>
+              <a:off x="4284320" y="3658543"/>
               <a:ext cx="2817450" cy="0"/>
             </a:xfrm>
             <a:custGeom>
@@ -16171,7 +16171,7 @@
           </p:nvSpPr>
           <p:spPr>
             <a:xfrm>
-              <a:off x="4284320" y="4713100"/>
+              <a:off x="4284320" y="4713040"/>
               <a:ext cx="2817450" cy="0"/>
             </a:xfrm>
             <a:custGeom>
@@ -16214,7 +16214,7 @@
           </p:nvSpPr>
           <p:spPr>
             <a:xfrm>
-              <a:off x="4284320" y="4291290"/>
+              <a:off x="4284320" y="4291241"/>
               <a:ext cx="2817450" cy="0"/>
             </a:xfrm>
             <a:custGeom>
@@ -16257,7 +16257,7 @@
           </p:nvSpPr>
           <p:spPr>
             <a:xfrm>
-              <a:off x="4284320" y="3869479"/>
+              <a:off x="4284320" y="3869443"/>
               <a:ext cx="2817450" cy="0"/>
             </a:xfrm>
             <a:custGeom>
@@ -16300,7 +16300,7 @@
           </p:nvSpPr>
           <p:spPr>
             <a:xfrm>
-              <a:off x="4284320" y="3447668"/>
+              <a:off x="4284320" y="3447644"/>
               <a:ext cx="2817450" cy="0"/>
             </a:xfrm>
             <a:custGeom>
@@ -16472,7 +16472,7 @@
           </p:nvSpPr>
           <p:spPr>
             <a:xfrm>
-              <a:off x="5691396" y="4478014"/>
+              <a:off x="5883392" y="4478004"/>
               <a:ext cx="63202" cy="63202"/>
             </a:xfrm>
             <a:custGeom>
@@ -16515,7 +16515,7 @@
           </p:nvSpPr>
           <p:spPr>
             <a:xfrm>
-              <a:off x="4847783" y="4209473"/>
+              <a:off x="5053107" y="4209519"/>
               <a:ext cx="63202" cy="63202"/>
             </a:xfrm>
             <a:custGeom>
@@ -16558,7 +16558,7 @@
           </p:nvSpPr>
           <p:spPr>
             <a:xfrm>
-              <a:off x="6479770" y="4355626"/>
+              <a:off x="6775676" y="4355524"/>
               <a:ext cx="63202" cy="63202"/>
             </a:xfrm>
             <a:custGeom>
@@ -16601,7 +16601,7 @@
           </p:nvSpPr>
           <p:spPr>
             <a:xfrm>
-              <a:off x="6237250" y="4864626"/>
+              <a:off x="6247622" y="4864522"/>
               <a:ext cx="63202" cy="63202"/>
             </a:xfrm>
             <a:custGeom>
@@ -16644,7 +16644,7 @@
           </p:nvSpPr>
           <p:spPr>
             <a:xfrm>
-              <a:off x="6787565" y="4883747"/>
+              <a:off x="6887278" y="4883747"/>
               <a:ext cx="63202" cy="63202"/>
             </a:xfrm>
             <a:custGeom>
@@ -16743,7 +16743,7 @@
           </p:nvSpPr>
           <p:spPr>
             <a:xfrm>
-              <a:off x="4284320" y="6849338"/>
+              <a:off x="4284320" y="6849272"/>
               <a:ext cx="2817450" cy="0"/>
             </a:xfrm>
             <a:custGeom>
@@ -16786,7 +16786,7 @@
           </p:nvSpPr>
           <p:spPr>
             <a:xfrm>
-              <a:off x="4284320" y="6427528"/>
+              <a:off x="4284320" y="6427473"/>
               <a:ext cx="2817450" cy="0"/>
             </a:xfrm>
             <a:custGeom>
@@ -16829,7 +16829,7 @@
           </p:nvSpPr>
           <p:spPr>
             <a:xfrm>
-              <a:off x="4284320" y="6005717"/>
+              <a:off x="4284320" y="6005675"/>
               <a:ext cx="2817450" cy="0"/>
             </a:xfrm>
             <a:custGeom>
@@ -16872,7 +16872,7 @@
           </p:nvSpPr>
           <p:spPr>
             <a:xfrm>
-              <a:off x="4284320" y="5583906"/>
+              <a:off x="4284320" y="5583876"/>
               <a:ext cx="2817450" cy="0"/>
             </a:xfrm>
             <a:custGeom>
@@ -16915,7 +16915,7 @@
           </p:nvSpPr>
           <p:spPr>
             <a:xfrm>
-              <a:off x="4284320" y="6638433"/>
+              <a:off x="4284320" y="6638373"/>
               <a:ext cx="2817450" cy="0"/>
             </a:xfrm>
             <a:custGeom>
@@ -16958,7 +16958,7 @@
           </p:nvSpPr>
           <p:spPr>
             <a:xfrm>
-              <a:off x="4284320" y="6216622"/>
+              <a:off x="4284320" y="6216574"/>
               <a:ext cx="2817450" cy="0"/>
             </a:xfrm>
             <a:custGeom>
@@ -17001,7 +17001,7 @@
           </p:nvSpPr>
           <p:spPr>
             <a:xfrm>
-              <a:off x="4284320" y="5794811"/>
+              <a:off x="4284320" y="5794775"/>
               <a:ext cx="2817450" cy="0"/>
             </a:xfrm>
             <a:custGeom>
@@ -17044,7 +17044,7 @@
           </p:nvSpPr>
           <p:spPr>
             <a:xfrm>
-              <a:off x="4284320" y="5373001"/>
+              <a:off x="4284320" y="5372977"/>
               <a:ext cx="2817450" cy="0"/>
             </a:xfrm>
             <a:custGeom>
@@ -17216,7 +17216,7 @@
           </p:nvSpPr>
           <p:spPr>
             <a:xfrm>
-              <a:off x="4513507" y="6010392"/>
+              <a:off x="4919631" y="6010284"/>
               <a:ext cx="63202" cy="63202"/>
             </a:xfrm>
             <a:custGeom>
@@ -17259,7 +17259,7 @@
           </p:nvSpPr>
           <p:spPr>
             <a:xfrm>
-              <a:off x="4505641" y="5972386"/>
+              <a:off x="4812383" y="5972400"/>
               <a:ext cx="63202" cy="63202"/>
             </a:xfrm>
             <a:custGeom>
@@ -17302,7 +17302,7 @@
           </p:nvSpPr>
           <p:spPr>
             <a:xfrm>
-              <a:off x="4615117" y="5983865"/>
+              <a:off x="4937336" y="5983774"/>
               <a:ext cx="63202" cy="63202"/>
             </a:xfrm>
             <a:custGeom>
@@ -17345,7 +17345,7 @@
           </p:nvSpPr>
           <p:spPr>
             <a:xfrm>
-              <a:off x="4465134" y="5985720"/>
+              <a:off x="4905729" y="5985746"/>
               <a:ext cx="63202" cy="63202"/>
             </a:xfrm>
             <a:custGeom>
@@ -17388,7 +17388,7 @@
           </p:nvSpPr>
           <p:spPr>
             <a:xfrm>
-              <a:off x="6845142" y="6630895"/>
+              <a:off x="6831105" y="6630883"/>
               <a:ext cx="63202" cy="63202"/>
             </a:xfrm>
             <a:custGeom>
@@ -17431,7 +17431,7 @@
           </p:nvSpPr>
           <p:spPr>
             <a:xfrm>
-              <a:off x="4833409" y="6002311"/>
+              <a:off x="4815255" y="6002387"/>
               <a:ext cx="63202" cy="63202"/>
             </a:xfrm>
             <a:custGeom>
@@ -17474,7 +17474,7 @@
           </p:nvSpPr>
           <p:spPr>
             <a:xfrm>
-              <a:off x="4563637" y="5975795"/>
+              <a:off x="5032643" y="5975700"/>
               <a:ext cx="63202" cy="63202"/>
             </a:xfrm>
             <a:custGeom>
@@ -17517,7 +17517,7 @@
           </p:nvSpPr>
           <p:spPr>
             <a:xfrm>
-              <a:off x="5106195" y="6008323"/>
+              <a:off x="4786159" y="6008241"/>
               <a:ext cx="63202" cy="63202"/>
             </a:xfrm>
             <a:custGeom>
@@ -17560,7 +17560,7 @@
           </p:nvSpPr>
           <p:spPr>
             <a:xfrm>
-              <a:off x="5121248" y="5987174"/>
+              <a:off x="4489249" y="5987149"/>
               <a:ext cx="63202" cy="63202"/>
             </a:xfrm>
             <a:custGeom>
@@ -17603,7 +17603,7 @@
           </p:nvSpPr>
           <p:spPr>
             <a:xfrm>
-              <a:off x="4482379" y="6008329"/>
+              <a:off x="5082661" y="6008181"/>
               <a:ext cx="63202" cy="63202"/>
             </a:xfrm>
             <a:custGeom>
@@ -17646,7 +17646,7 @@
           </p:nvSpPr>
           <p:spPr>
             <a:xfrm>
-              <a:off x="5129495" y="5982394"/>
+              <a:off x="4614254" y="5982290"/>
               <a:ext cx="63202" cy="63202"/>
             </a:xfrm>
             <a:custGeom>
@@ -17689,7 +17689,7 @@
           </p:nvSpPr>
           <p:spPr>
             <a:xfrm>
-              <a:off x="4443414" y="6068868"/>
+              <a:off x="4487750" y="6068744"/>
               <a:ext cx="63202" cy="63202"/>
             </a:xfrm>
             <a:custGeom>
@@ -17732,7 +17732,7 @@
           </p:nvSpPr>
           <p:spPr>
             <a:xfrm>
-              <a:off x="4525240" y="5972493"/>
+              <a:off x="4864824" y="5972334"/>
               <a:ext cx="63202" cy="63202"/>
             </a:xfrm>
             <a:custGeom>
@@ -17775,7 +17775,7 @@
           </p:nvSpPr>
           <p:spPr>
             <a:xfrm>
-              <a:off x="4982793" y="5981913"/>
+              <a:off x="4882689" y="5981940"/>
               <a:ext cx="63202" cy="63202"/>
             </a:xfrm>
             <a:custGeom>
@@ -17818,7 +17818,7 @@
           </p:nvSpPr>
           <p:spPr>
             <a:xfrm>
-              <a:off x="5021252" y="5981960"/>
+              <a:off x="4728700" y="5981856"/>
               <a:ext cx="63202" cy="63202"/>
             </a:xfrm>
             <a:custGeom>
@@ -17861,7 +17861,7 @@
           </p:nvSpPr>
           <p:spPr>
             <a:xfrm>
-              <a:off x="5000847" y="5969958"/>
+              <a:off x="4826867" y="5969878"/>
               <a:ext cx="63202" cy="63202"/>
             </a:xfrm>
             <a:custGeom>
@@ -17904,7 +17904,7 @@
           </p:nvSpPr>
           <p:spPr>
             <a:xfrm>
-              <a:off x="4963921" y="5982799"/>
+              <a:off x="4662085" y="5982778"/>
               <a:ext cx="63202" cy="63202"/>
             </a:xfrm>
             <a:custGeom>
@@ -17947,7 +17947,7 @@
           </p:nvSpPr>
           <p:spPr>
             <a:xfrm>
-              <a:off x="5126546" y="5966601"/>
+              <a:off x="4430616" y="5966470"/>
               <a:ext cx="63202" cy="63202"/>
             </a:xfrm>
             <a:custGeom>
@@ -17990,7 +17990,7 @@
           </p:nvSpPr>
           <p:spPr>
             <a:xfrm>
-              <a:off x="4584227" y="6002298"/>
+              <a:off x="4907124" y="6002356"/>
               <a:ext cx="63202" cy="63202"/>
             </a:xfrm>
             <a:custGeom>
@@ -18033,7 +18033,7 @@
           </p:nvSpPr>
           <p:spPr>
             <a:xfrm>
-              <a:off x="4666677" y="5966096"/>
+              <a:off x="5076685" y="5966073"/>
               <a:ext cx="63202" cy="63202"/>
             </a:xfrm>
             <a:custGeom>
@@ -18076,7 +18076,7 @@
           </p:nvSpPr>
           <p:spPr>
             <a:xfrm>
-              <a:off x="4431504" y="5997345"/>
+              <a:off x="4968738" y="5997226"/>
               <a:ext cx="63202" cy="63202"/>
             </a:xfrm>
             <a:custGeom>
@@ -18119,7 +18119,7 @@
           </p:nvSpPr>
           <p:spPr>
             <a:xfrm>
-              <a:off x="4931116" y="5993772"/>
+              <a:off x="4487841" y="5993720"/>
               <a:ext cx="63202" cy="63202"/>
             </a:xfrm>
             <a:custGeom>
@@ -18162,7 +18162,7 @@
           </p:nvSpPr>
           <p:spPr>
             <a:xfrm>
-              <a:off x="4483096" y="6007844"/>
+              <a:off x="4570386" y="6007892"/>
               <a:ext cx="63202" cy="63202"/>
             </a:xfrm>
             <a:custGeom>
@@ -18205,7 +18205,7 @@
           </p:nvSpPr>
           <p:spPr>
             <a:xfrm>
-              <a:off x="4436159" y="6000212"/>
+              <a:off x="4924517" y="6000182"/>
               <a:ext cx="63202" cy="63202"/>
             </a:xfrm>
             <a:custGeom>
@@ -18248,7 +18248,7 @@
           </p:nvSpPr>
           <p:spPr>
             <a:xfrm>
-              <a:off x="5072749" y="5976386"/>
+              <a:off x="4587177" y="5976449"/>
               <a:ext cx="63202" cy="63202"/>
             </a:xfrm>
             <a:custGeom>
@@ -18291,7 +18291,7 @@
           </p:nvSpPr>
           <p:spPr>
             <a:xfrm>
-              <a:off x="5091776" y="6002209"/>
+              <a:off x="4474022" y="6002060"/>
               <a:ext cx="63202" cy="63202"/>
             </a:xfrm>
             <a:custGeom>
@@ -18334,7 +18334,7 @@
           </p:nvSpPr>
           <p:spPr>
             <a:xfrm>
-              <a:off x="4824348" y="6013499"/>
+              <a:off x="4429443" y="6013552"/>
               <a:ext cx="63202" cy="63202"/>
             </a:xfrm>
             <a:custGeom>
@@ -18377,7 +18377,7 @@
           </p:nvSpPr>
           <p:spPr>
             <a:xfrm>
-              <a:off x="4936260" y="6019399"/>
+              <a:off x="5039333" y="6019396"/>
               <a:ext cx="63202" cy="63202"/>
             </a:xfrm>
             <a:custGeom>
@@ -18420,7 +18420,7 @@
           </p:nvSpPr>
           <p:spPr>
             <a:xfrm>
-              <a:off x="4823246" y="6014442"/>
+              <a:off x="4467774" y="6014352"/>
               <a:ext cx="63202" cy="63202"/>
             </a:xfrm>
             <a:custGeom>
@@ -18463,7 +18463,7 @@
           </p:nvSpPr>
           <p:spPr>
             <a:xfrm>
-              <a:off x="5055306" y="5974071"/>
+              <a:off x="4696201" y="5974139"/>
               <a:ext cx="63202" cy="63202"/>
             </a:xfrm>
             <a:custGeom>
@@ -18506,7 +18506,7 @@
           </p:nvSpPr>
           <p:spPr>
             <a:xfrm>
-              <a:off x="5030409" y="5987991"/>
+              <a:off x="4700075" y="5988012"/>
               <a:ext cx="63202" cy="63202"/>
             </a:xfrm>
             <a:custGeom>
@@ -18549,7 +18549,7 @@
           </p:nvSpPr>
           <p:spPr>
             <a:xfrm>
-              <a:off x="4844474" y="5996416"/>
+              <a:off x="4502512" y="5996423"/>
               <a:ext cx="63202" cy="63202"/>
             </a:xfrm>
             <a:custGeom>
@@ -18592,7 +18592,7 @@
           </p:nvSpPr>
           <p:spPr>
             <a:xfrm>
-              <a:off x="4526466" y="5977937"/>
+              <a:off x="4841843" y="5977882"/>
               <a:ext cx="63202" cy="63202"/>
             </a:xfrm>
             <a:custGeom>
@@ -18635,7 +18635,7 @@
           </p:nvSpPr>
           <p:spPr>
             <a:xfrm>
-              <a:off x="4940747" y="5975841"/>
+              <a:off x="4469356" y="5975791"/>
               <a:ext cx="63202" cy="63202"/>
             </a:xfrm>
             <a:custGeom>
@@ -18678,7 +18678,7 @@
           </p:nvSpPr>
           <p:spPr>
             <a:xfrm>
-              <a:off x="4956594" y="6009540"/>
+              <a:off x="5025698" y="6009520"/>
               <a:ext cx="63202" cy="63202"/>
             </a:xfrm>
             <a:custGeom>
@@ -18721,7 +18721,7 @@
           </p:nvSpPr>
           <p:spPr>
             <a:xfrm>
-              <a:off x="5024572" y="6002612"/>
+              <a:off x="4647235" y="6002526"/>
               <a:ext cx="63202" cy="63202"/>
             </a:xfrm>
             <a:custGeom>
@@ -18764,7 +18764,7 @@
           </p:nvSpPr>
           <p:spPr>
             <a:xfrm>
-              <a:off x="4752654" y="5978199"/>
+              <a:off x="4604999" y="5978025"/>
               <a:ext cx="63202" cy="63202"/>
             </a:xfrm>
             <a:custGeom>
@@ -18807,7 +18807,7 @@
           </p:nvSpPr>
           <p:spPr>
             <a:xfrm>
-              <a:off x="4797963" y="5969814"/>
+              <a:off x="4431710" y="5969842"/>
               <a:ext cx="63202" cy="63202"/>
             </a:xfrm>
             <a:custGeom>
@@ -18850,7 +18850,7 @@
           </p:nvSpPr>
           <p:spPr>
             <a:xfrm>
-              <a:off x="4517642" y="6002655"/>
+              <a:off x="5126126" y="6002562"/>
               <a:ext cx="63202" cy="63202"/>
             </a:xfrm>
             <a:custGeom>
@@ -18893,7 +18893,7 @@
           </p:nvSpPr>
           <p:spPr>
             <a:xfrm>
-              <a:off x="4575164" y="5999704"/>
+              <a:off x="4697503" y="5999523"/>
               <a:ext cx="63202" cy="63202"/>
             </a:xfrm>
             <a:custGeom>
@@ -18936,7 +18936,7 @@
           </p:nvSpPr>
           <p:spPr>
             <a:xfrm>
-              <a:off x="5124575" y="5977084"/>
+              <a:off x="4612522" y="5977072"/>
               <a:ext cx="63202" cy="63202"/>
             </a:xfrm>
             <a:custGeom>
@@ -18979,7 +18979,7 @@
           </p:nvSpPr>
           <p:spPr>
             <a:xfrm>
-              <a:off x="4594829" y="5979734"/>
+              <a:off x="4492614" y="5979761"/>
               <a:ext cx="63202" cy="63202"/>
             </a:xfrm>
             <a:custGeom>
@@ -19022,7 +19022,7 @@
           </p:nvSpPr>
           <p:spPr>
             <a:xfrm>
-              <a:off x="5960221" y="6431634"/>
+              <a:off x="5401138" y="6431574"/>
               <a:ext cx="63202" cy="63202"/>
             </a:xfrm>
             <a:custGeom>
@@ -19065,7 +19065,7 @@
           </p:nvSpPr>
           <p:spPr>
             <a:xfrm>
-              <a:off x="4465317" y="5988899"/>
+              <a:off x="4471170" y="5988836"/>
               <a:ext cx="63202" cy="63202"/>
             </a:xfrm>
             <a:custGeom>
@@ -19108,7 +19108,7 @@
           </p:nvSpPr>
           <p:spPr>
             <a:xfrm>
-              <a:off x="4752310" y="6005759"/>
+              <a:off x="4723920" y="6005701"/>
               <a:ext cx="63202" cy="63202"/>
             </a:xfrm>
             <a:custGeom>
@@ -19151,7 +19151,7 @@
           </p:nvSpPr>
           <p:spPr>
             <a:xfrm>
-              <a:off x="4494003" y="5978702"/>
+              <a:off x="5038385" y="5978796"/>
               <a:ext cx="63202" cy="63202"/>
             </a:xfrm>
             <a:custGeom>
@@ -19194,7 +19194,7 @@
           </p:nvSpPr>
           <p:spPr>
             <a:xfrm>
-              <a:off x="4642229" y="6029855"/>
+              <a:off x="4736893" y="6029786"/>
               <a:ext cx="63202" cy="63202"/>
             </a:xfrm>
             <a:custGeom>
@@ -19237,7 +19237,7 @@
           </p:nvSpPr>
           <p:spPr>
             <a:xfrm>
-              <a:off x="4551001" y="5981021"/>
+              <a:off x="4720232" y="5981053"/>
               <a:ext cx="63202" cy="63202"/>
             </a:xfrm>
             <a:custGeom>
@@ -19280,7 +19280,7 @@
           </p:nvSpPr>
           <p:spPr>
             <a:xfrm>
-              <a:off x="4694133" y="5993927"/>
+              <a:off x="5078757" y="5993826"/>
               <a:ext cx="63202" cy="63202"/>
             </a:xfrm>
             <a:custGeom>
@@ -19323,7 +19323,7 @@
           </p:nvSpPr>
           <p:spPr>
             <a:xfrm>
-              <a:off x="4638332" y="5977253"/>
+              <a:off x="4473126" y="5977293"/>
               <a:ext cx="63202" cy="63202"/>
             </a:xfrm>
             <a:custGeom>
@@ -19366,7 +19366,7 @@
           </p:nvSpPr>
           <p:spPr>
             <a:xfrm>
-              <a:off x="4480880" y="5974065"/>
+              <a:off x="5012087" y="5973994"/>
               <a:ext cx="63202" cy="63202"/>
             </a:xfrm>
             <a:custGeom>
@@ -19409,7 +19409,7 @@
           </p:nvSpPr>
           <p:spPr>
             <a:xfrm>
-              <a:off x="4750222" y="5994300"/>
+              <a:off x="4754303" y="5994359"/>
               <a:ext cx="63202" cy="63202"/>
             </a:xfrm>
             <a:custGeom>
@@ -19452,7 +19452,7 @@
           </p:nvSpPr>
           <p:spPr>
             <a:xfrm>
-              <a:off x="4905612" y="5986359"/>
+              <a:off x="4650736" y="5986330"/>
               <a:ext cx="63202" cy="63202"/>
             </a:xfrm>
             <a:custGeom>
@@ -19495,7 +19495,7 @@
           </p:nvSpPr>
           <p:spPr>
             <a:xfrm>
-              <a:off x="5035660" y="6000976"/>
+              <a:off x="5008038" y="6000853"/>
               <a:ext cx="63202" cy="63202"/>
             </a:xfrm>
             <a:custGeom>
@@ -19538,7 +19538,7 @@
           </p:nvSpPr>
           <p:spPr>
             <a:xfrm>
-              <a:off x="4865156" y="5991393"/>
+              <a:off x="4751748" y="5991331"/>
               <a:ext cx="63202" cy="63202"/>
             </a:xfrm>
             <a:custGeom>
@@ -19581,7 +19581,7 @@
           </p:nvSpPr>
           <p:spPr>
             <a:xfrm>
-              <a:off x="5128302" y="5977708"/>
+              <a:off x="5125426" y="5977644"/>
               <a:ext cx="63202" cy="63202"/>
             </a:xfrm>
             <a:custGeom>
@@ -19624,7 +19624,7 @@
           </p:nvSpPr>
           <p:spPr>
             <a:xfrm>
-              <a:off x="4607687" y="5974104"/>
+              <a:off x="5132255" y="5974149"/>
               <a:ext cx="63202" cy="63202"/>
             </a:xfrm>
             <a:custGeom>
@@ -19667,7 +19667,7 @@
           </p:nvSpPr>
           <p:spPr>
             <a:xfrm>
-              <a:off x="4722716" y="5974788"/>
+              <a:off x="4766484" y="5974782"/>
               <a:ext cx="63202" cy="63202"/>
             </a:xfrm>
             <a:custGeom>
@@ -19710,7 +19710,7 @@
           </p:nvSpPr>
           <p:spPr>
             <a:xfrm>
-              <a:off x="4528054" y="5982804"/>
+              <a:off x="4650467" y="5982661"/>
               <a:ext cx="63202" cy="63202"/>
             </a:xfrm>
             <a:custGeom>
@@ -19753,7 +19753,7 @@
           </p:nvSpPr>
           <p:spPr>
             <a:xfrm>
-              <a:off x="4506934" y="5970151"/>
+              <a:off x="4666145" y="5970127"/>
               <a:ext cx="63202" cy="63202"/>
             </a:xfrm>
             <a:custGeom>
@@ -19796,7 +19796,7 @@
           </p:nvSpPr>
           <p:spPr>
             <a:xfrm>
-              <a:off x="5043876" y="5986172"/>
+              <a:off x="4757713" y="5986057"/>
               <a:ext cx="63202" cy="63202"/>
             </a:xfrm>
             <a:custGeom>
@@ -19839,7 +19839,7 @@
           </p:nvSpPr>
           <p:spPr>
             <a:xfrm>
-              <a:off x="4477040" y="5978602"/>
+              <a:off x="5028514" y="5978530"/>
               <a:ext cx="63202" cy="63202"/>
             </a:xfrm>
             <a:custGeom>
@@ -19882,7 +19882,7 @@
           </p:nvSpPr>
           <p:spPr>
             <a:xfrm>
-              <a:off x="6780636" y="6607705"/>
+              <a:off x="6875385" y="6607637"/>
               <a:ext cx="63202" cy="63202"/>
             </a:xfrm>
             <a:custGeom>
@@ -19925,7 +19925,7 @@
           </p:nvSpPr>
           <p:spPr>
             <a:xfrm>
-              <a:off x="5040379" y="5975725"/>
+              <a:off x="5115053" y="5975806"/>
               <a:ext cx="63202" cy="63202"/>
             </a:xfrm>
             <a:custGeom>
@@ -19968,7 +19968,7 @@
           </p:nvSpPr>
           <p:spPr>
             <a:xfrm>
-              <a:off x="4538519" y="6001265"/>
+              <a:off x="4898101" y="6001246"/>
               <a:ext cx="63202" cy="63202"/>
             </a:xfrm>
             <a:custGeom>
@@ -20011,7 +20011,7 @@
           </p:nvSpPr>
           <p:spPr>
             <a:xfrm>
-              <a:off x="4888269" y="5994019"/>
+              <a:off x="4946220" y="5993886"/>
               <a:ext cx="63202" cy="63202"/>
             </a:xfrm>
             <a:custGeom>
@@ -20054,7 +20054,7 @@
           </p:nvSpPr>
           <p:spPr>
             <a:xfrm>
-              <a:off x="4428992" y="5973230"/>
+              <a:off x="4935007" y="5973146"/>
               <a:ext cx="63202" cy="63202"/>
             </a:xfrm>
             <a:custGeom>
@@ -20097,7 +20097,7 @@
           </p:nvSpPr>
           <p:spPr>
             <a:xfrm>
-              <a:off x="5115758" y="6115764"/>
+              <a:off x="4478918" y="6115863"/>
               <a:ext cx="63202" cy="63202"/>
             </a:xfrm>
             <a:custGeom>
@@ -20140,7 +20140,7 @@
           </p:nvSpPr>
           <p:spPr>
             <a:xfrm>
-              <a:off x="5875074" y="6482616"/>
+              <a:off x="6010971" y="6482521"/>
               <a:ext cx="63202" cy="63202"/>
             </a:xfrm>
             <a:custGeom>
@@ -20183,7 +20183,7 @@
           </p:nvSpPr>
           <p:spPr>
             <a:xfrm>
-              <a:off x="4855785" y="6002659"/>
+              <a:off x="4548576" y="6002599"/>
               <a:ext cx="63202" cy="63202"/>
             </a:xfrm>
             <a:custGeom>
@@ -20226,7 +20226,7 @@
           </p:nvSpPr>
           <p:spPr>
             <a:xfrm>
-              <a:off x="4762676" y="5997557"/>
+              <a:off x="4532373" y="5997544"/>
               <a:ext cx="63202" cy="63202"/>
             </a:xfrm>
             <a:custGeom>
@@ -20269,7 +20269,7 @@
           </p:nvSpPr>
           <p:spPr>
             <a:xfrm>
-              <a:off x="4932363" y="5969843"/>
+              <a:off x="4875021" y="5969935"/>
               <a:ext cx="63202" cy="63202"/>
             </a:xfrm>
             <a:custGeom>
@@ -20312,7 +20312,7 @@
           </p:nvSpPr>
           <p:spPr>
             <a:xfrm>
-              <a:off x="5016629" y="6079611"/>
+              <a:off x="4695726" y="6079497"/>
               <a:ext cx="63202" cy="63202"/>
             </a:xfrm>
             <a:custGeom>
@@ -20355,7 +20355,7 @@
           </p:nvSpPr>
           <p:spPr>
             <a:xfrm>
-              <a:off x="4863281" y="5967013"/>
+              <a:off x="4958217" y="5966835"/>
               <a:ext cx="63202" cy="63202"/>
             </a:xfrm>
             <a:custGeom>
@@ -20398,7 +20398,7 @@
           </p:nvSpPr>
           <p:spPr>
             <a:xfrm>
-              <a:off x="5105073" y="5996446"/>
+              <a:off x="4921357" y="5996422"/>
               <a:ext cx="63202" cy="63202"/>
             </a:xfrm>
             <a:custGeom>
@@ -20441,7 +20441,7 @@
           </p:nvSpPr>
           <p:spPr>
             <a:xfrm>
-              <a:off x="4489898" y="6029735"/>
+              <a:off x="4741431" y="6029799"/>
               <a:ext cx="63202" cy="63202"/>
             </a:xfrm>
             <a:custGeom>
@@ -20484,7 +20484,7 @@
           </p:nvSpPr>
           <p:spPr>
             <a:xfrm>
-              <a:off x="5099687" y="6197818"/>
+              <a:off x="4920863" y="6197775"/>
               <a:ext cx="63202" cy="63202"/>
             </a:xfrm>
             <a:custGeom>
@@ -20527,7 +20527,7 @@
           </p:nvSpPr>
           <p:spPr>
             <a:xfrm>
-              <a:off x="4907860" y="5986091"/>
+              <a:off x="4980585" y="5986142"/>
               <a:ext cx="63202" cy="63202"/>
             </a:xfrm>
             <a:custGeom>
@@ -20570,7 +20570,7 @@
           </p:nvSpPr>
           <p:spPr>
             <a:xfrm>
-              <a:off x="4761963" y="5975578"/>
+              <a:off x="5129696" y="5975622"/>
               <a:ext cx="63202" cy="63202"/>
             </a:xfrm>
             <a:custGeom>
@@ -20613,7 +20613,7 @@
           </p:nvSpPr>
           <p:spPr>
             <a:xfrm>
-              <a:off x="4604977" y="6013511"/>
+              <a:off x="5123209" y="6013508"/>
               <a:ext cx="63202" cy="63202"/>
             </a:xfrm>
             <a:custGeom>
@@ -20656,7 +20656,7 @@
           </p:nvSpPr>
           <p:spPr>
             <a:xfrm>
-              <a:off x="4586691" y="6198053"/>
+              <a:off x="4815011" y="6197969"/>
               <a:ext cx="63202" cy="63202"/>
             </a:xfrm>
             <a:custGeom>
@@ -20699,7 +20699,7 @@
           </p:nvSpPr>
           <p:spPr>
             <a:xfrm>
-              <a:off x="4799998" y="6099333"/>
+              <a:off x="4661515" y="6099396"/>
               <a:ext cx="63202" cy="63202"/>
             </a:xfrm>
             <a:custGeom>
@@ -20742,7 +20742,7 @@
           </p:nvSpPr>
           <p:spPr>
             <a:xfrm>
-              <a:off x="4844515" y="6330559"/>
+              <a:off x="4889490" y="6330554"/>
               <a:ext cx="63202" cy="63202"/>
             </a:xfrm>
             <a:custGeom>
@@ -20785,7 +20785,7 @@
           </p:nvSpPr>
           <p:spPr>
             <a:xfrm>
-              <a:off x="5061354" y="6004126"/>
+              <a:off x="5086562" y="6003990"/>
               <a:ext cx="63202" cy="63202"/>
             </a:xfrm>
             <a:custGeom>
@@ -20828,7 +20828,7 @@
           </p:nvSpPr>
           <p:spPr>
             <a:xfrm>
-              <a:off x="5416870" y="6631324"/>
+              <a:off x="5672796" y="6631184"/>
               <a:ext cx="63202" cy="63202"/>
             </a:xfrm>
             <a:custGeom>
@@ -20871,7 +20871,7 @@
           </p:nvSpPr>
           <p:spPr>
             <a:xfrm>
-              <a:off x="4703276" y="5985887"/>
+              <a:off x="4561338" y="5985848"/>
               <a:ext cx="63202" cy="63202"/>
             </a:xfrm>
             <a:custGeom>
@@ -20914,7 +20914,7 @@
           </p:nvSpPr>
           <p:spPr>
             <a:xfrm>
-              <a:off x="4872613" y="5988932"/>
+              <a:off x="4604803" y="5988850"/>
               <a:ext cx="63202" cy="63202"/>
             </a:xfrm>
             <a:custGeom>
@@ -20957,7 +20957,7 @@
           </p:nvSpPr>
           <p:spPr>
             <a:xfrm>
-              <a:off x="4699026" y="5983204"/>
+              <a:off x="4595391" y="5983221"/>
               <a:ext cx="63202" cy="63202"/>
             </a:xfrm>
             <a:custGeom>
@@ -21000,7 +21000,7 @@
           </p:nvSpPr>
           <p:spPr>
             <a:xfrm>
-              <a:off x="4480871" y="6228824"/>
+              <a:off x="4614789" y="6228763"/>
               <a:ext cx="63202" cy="63202"/>
             </a:xfrm>
             <a:custGeom>
@@ -21043,7 +21043,7 @@
           </p:nvSpPr>
           <p:spPr>
             <a:xfrm>
-              <a:off x="5066094" y="5975012"/>
+              <a:off x="4576839" y="5974958"/>
               <a:ext cx="63202" cy="63202"/>
             </a:xfrm>
             <a:custGeom>
@@ -21086,7 +21086,7 @@
           </p:nvSpPr>
           <p:spPr>
             <a:xfrm>
-              <a:off x="5091169" y="6008261"/>
+              <a:off x="5044250" y="6008206"/>
               <a:ext cx="63202" cy="63202"/>
             </a:xfrm>
             <a:custGeom>
@@ -21129,7 +21129,7 @@
           </p:nvSpPr>
           <p:spPr>
             <a:xfrm>
-              <a:off x="4659987" y="6059149"/>
+              <a:off x="4822904" y="6059010"/>
               <a:ext cx="63202" cy="63202"/>
             </a:xfrm>
             <a:custGeom>
@@ -21172,7 +21172,7 @@
           </p:nvSpPr>
           <p:spPr>
             <a:xfrm>
-              <a:off x="5053552" y="5973687"/>
+              <a:off x="5067608" y="5973732"/>
               <a:ext cx="63202" cy="63202"/>
             </a:xfrm>
             <a:custGeom>
@@ -21215,7 +21215,7 @@
           </p:nvSpPr>
           <p:spPr>
             <a:xfrm>
-              <a:off x="4934809" y="5986995"/>
+              <a:off x="5030415" y="5986875"/>
               <a:ext cx="63202" cy="63202"/>
             </a:xfrm>
             <a:custGeom>
@@ -21258,7 +21258,7 @@
           </p:nvSpPr>
           <p:spPr>
             <a:xfrm>
-              <a:off x="4937659" y="5977357"/>
+              <a:off x="4800905" y="5977310"/>
               <a:ext cx="63202" cy="63202"/>
             </a:xfrm>
             <a:custGeom>
@@ -21301,7 +21301,7 @@
           </p:nvSpPr>
           <p:spPr>
             <a:xfrm>
-              <a:off x="4720397" y="5991332"/>
+              <a:off x="4512690" y="5991387"/>
               <a:ext cx="63202" cy="63202"/>
             </a:xfrm>
             <a:custGeom>
@@ -21344,7 +21344,7 @@
           </p:nvSpPr>
           <p:spPr>
             <a:xfrm>
-              <a:off x="4982388" y="5977048"/>
+              <a:off x="4892430" y="5977071"/>
               <a:ext cx="63202" cy="63202"/>
             </a:xfrm>
             <a:custGeom>
@@ -21387,7 +21387,7 @@
           </p:nvSpPr>
           <p:spPr>
             <a:xfrm>
-              <a:off x="5053038" y="6170023"/>
+              <a:off x="4955539" y="6170030"/>
               <a:ext cx="63202" cy="63202"/>
             </a:xfrm>
             <a:custGeom>
@@ -21430,7 +21430,7 @@
           </p:nvSpPr>
           <p:spPr>
             <a:xfrm>
-              <a:off x="4446705" y="5981649"/>
+              <a:off x="4892653" y="5981630"/>
               <a:ext cx="63202" cy="63202"/>
             </a:xfrm>
             <a:custGeom>
@@ -21473,7 +21473,7 @@
           </p:nvSpPr>
           <p:spPr>
             <a:xfrm>
-              <a:off x="5025387" y="6011257"/>
+              <a:off x="4839751" y="6011204"/>
               <a:ext cx="63202" cy="63202"/>
             </a:xfrm>
             <a:custGeom>
@@ -21516,7 +21516,7 @@
           </p:nvSpPr>
           <p:spPr>
             <a:xfrm>
-              <a:off x="4566858" y="5981925"/>
+              <a:off x="4600560" y="5981894"/>
               <a:ext cx="63202" cy="63202"/>
             </a:xfrm>
             <a:custGeom>
@@ -21559,7 +21559,7 @@
           </p:nvSpPr>
           <p:spPr>
             <a:xfrm>
-              <a:off x="4973769" y="6249188"/>
+              <a:off x="4456452" y="6249093"/>
               <a:ext cx="63202" cy="63202"/>
             </a:xfrm>
             <a:custGeom>
@@ -21602,7 +21602,7 @@
           </p:nvSpPr>
           <p:spPr>
             <a:xfrm>
-              <a:off x="4531153" y="5972075"/>
+              <a:off x="4460756" y="5972030"/>
               <a:ext cx="63202" cy="63202"/>
             </a:xfrm>
             <a:custGeom>
@@ -21645,7 +21645,7 @@
           </p:nvSpPr>
           <p:spPr>
             <a:xfrm>
-              <a:off x="4444042" y="6001361"/>
+              <a:off x="4956598" y="6001242"/>
               <a:ext cx="63202" cy="63202"/>
             </a:xfrm>
             <a:custGeom>
@@ -21688,7 +21688,7 @@
           </p:nvSpPr>
           <p:spPr>
             <a:xfrm>
-              <a:off x="4789534" y="5972457"/>
+              <a:off x="4483548" y="5972330"/>
               <a:ext cx="63202" cy="63202"/>
             </a:xfrm>
             <a:custGeom>
@@ -21731,7 +21731,7 @@
           </p:nvSpPr>
           <p:spPr>
             <a:xfrm>
-              <a:off x="5909813" y="6480772"/>
+              <a:off x="5791244" y="6480570"/>
               <a:ext cx="63202" cy="63202"/>
             </a:xfrm>
             <a:custGeom>
@@ -21774,7 +21774,7 @@
           </p:nvSpPr>
           <p:spPr>
             <a:xfrm>
-              <a:off x="5781719" y="6413017"/>
+              <a:off x="5743892" y="6412971"/>
               <a:ext cx="63202" cy="63202"/>
             </a:xfrm>
             <a:custGeom>
@@ -21817,7 +21817,7 @@
           </p:nvSpPr>
           <p:spPr>
             <a:xfrm>
-              <a:off x="4597366" y="5998808"/>
+              <a:off x="4982776" y="5998729"/>
               <a:ext cx="63202" cy="63202"/>
             </a:xfrm>
             <a:custGeom>
@@ -21860,7 +21860,7 @@
           </p:nvSpPr>
           <p:spPr>
             <a:xfrm>
-              <a:off x="4796160" y="5969853"/>
+              <a:off x="4434132" y="5969858"/>
               <a:ext cx="63202" cy="63202"/>
             </a:xfrm>
             <a:custGeom>
@@ -21903,7 +21903,7 @@
           </p:nvSpPr>
           <p:spPr>
             <a:xfrm>
-              <a:off x="5055315" y="5969899"/>
+              <a:off x="4930869" y="5969856"/>
               <a:ext cx="63202" cy="63202"/>
             </a:xfrm>
             <a:custGeom>
@@ -21946,7 +21946,7 @@
           </p:nvSpPr>
           <p:spPr>
             <a:xfrm>
-              <a:off x="5133033" y="5969965"/>
+              <a:off x="4544412" y="5969838"/>
               <a:ext cx="63202" cy="63202"/>
             </a:xfrm>
             <a:custGeom>
@@ -21989,7 +21989,7 @@
           </p:nvSpPr>
           <p:spPr>
             <a:xfrm>
-              <a:off x="4785048" y="5969832"/>
+              <a:off x="4977509" y="5969781"/>
               <a:ext cx="63202" cy="63202"/>
             </a:xfrm>
             <a:custGeom>
@@ -22032,7 +22032,7 @@
           </p:nvSpPr>
           <p:spPr>
             <a:xfrm>
-              <a:off x="4447748" y="6000408"/>
+              <a:off x="4559837" y="6000424"/>
               <a:ext cx="63202" cy="63202"/>
             </a:xfrm>
             <a:custGeom>
@@ -22075,7 +22075,7 @@
           </p:nvSpPr>
           <p:spPr>
             <a:xfrm>
-              <a:off x="5078544" y="6148714"/>
+              <a:off x="4611835" y="6148652"/>
               <a:ext cx="63202" cy="63202"/>
             </a:xfrm>
             <a:custGeom>
@@ -22118,7 +22118,7 @@
           </p:nvSpPr>
           <p:spPr>
             <a:xfrm>
-              <a:off x="4679976" y="5968682"/>
+              <a:off x="4897950" y="5968659"/>
               <a:ext cx="63202" cy="63202"/>
             </a:xfrm>
             <a:custGeom>
@@ -22161,7 +22161,7 @@
           </p:nvSpPr>
           <p:spPr>
             <a:xfrm>
-              <a:off x="5042371" y="5990196"/>
+              <a:off x="4938754" y="5990113"/>
               <a:ext cx="63202" cy="63202"/>
             </a:xfrm>
             <a:custGeom>
@@ -22204,7 +22204,7 @@
           </p:nvSpPr>
           <p:spPr>
             <a:xfrm>
-              <a:off x="4874909" y="5995491"/>
+              <a:off x="4828414" y="5995414"/>
               <a:ext cx="63202" cy="63202"/>
             </a:xfrm>
             <a:custGeom>
@@ -22247,7 +22247,7 @@
           </p:nvSpPr>
           <p:spPr>
             <a:xfrm>
-              <a:off x="4660402" y="5976141"/>
+              <a:off x="5125594" y="5976147"/>
               <a:ext cx="63202" cy="63202"/>
             </a:xfrm>
             <a:custGeom>
@@ -22290,7 +22290,7 @@
           </p:nvSpPr>
           <p:spPr>
             <a:xfrm>
-              <a:off x="4883142" y="5983575"/>
+              <a:off x="4512097" y="5983521"/>
               <a:ext cx="63202" cy="63202"/>
             </a:xfrm>
             <a:custGeom>
@@ -22333,7 +22333,7 @@
           </p:nvSpPr>
           <p:spPr>
             <a:xfrm>
-              <a:off x="6768305" y="6806156"/>
+              <a:off x="6512065" y="6806042"/>
               <a:ext cx="63202" cy="63202"/>
             </a:xfrm>
             <a:custGeom>
@@ -22376,7 +22376,7 @@
           </p:nvSpPr>
           <p:spPr>
             <a:xfrm>
-              <a:off x="4514288" y="6073246"/>
+              <a:off x="4807539" y="6073113"/>
               <a:ext cx="63202" cy="63202"/>
             </a:xfrm>
             <a:custGeom>
@@ -22419,7 +22419,7 @@
           </p:nvSpPr>
           <p:spPr>
             <a:xfrm>
-              <a:off x="5048039" y="6000886"/>
+              <a:off x="4446298" y="6000918"/>
               <a:ext cx="63202" cy="63202"/>
             </a:xfrm>
             <a:custGeom>
@@ -22462,7 +22462,7 @@
           </p:nvSpPr>
           <p:spPr>
             <a:xfrm>
-              <a:off x="4865283" y="5972912"/>
+              <a:off x="5112152" y="5972743"/>
               <a:ext cx="63202" cy="63202"/>
             </a:xfrm>
             <a:custGeom>
@@ -22505,7 +22505,7 @@
           </p:nvSpPr>
           <p:spPr>
             <a:xfrm>
-              <a:off x="4600041" y="5979182"/>
+              <a:off x="4509883" y="5979083"/>
               <a:ext cx="63202" cy="63202"/>
             </a:xfrm>
             <a:custGeom>
@@ -22548,7 +22548,7 @@
           </p:nvSpPr>
           <p:spPr>
             <a:xfrm>
-              <a:off x="5105280" y="6091949"/>
+              <a:off x="4837058" y="6092018"/>
               <a:ext cx="63202" cy="63202"/>
             </a:xfrm>
             <a:custGeom>
@@ -22591,7 +22591,7 @@
           </p:nvSpPr>
           <p:spPr>
             <a:xfrm>
-              <a:off x="4596531" y="6002511"/>
+              <a:off x="4897919" y="6002583"/>
               <a:ext cx="63202" cy="63202"/>
             </a:xfrm>
             <a:custGeom>
@@ -22634,7 +22634,7 @@
           </p:nvSpPr>
           <p:spPr>
             <a:xfrm>
-              <a:off x="4528518" y="5985232"/>
+              <a:off x="4773405" y="5985324"/>
               <a:ext cx="63202" cy="63202"/>
             </a:xfrm>
             <a:custGeom>
@@ -22677,7 +22677,7 @@
           </p:nvSpPr>
           <p:spPr>
             <a:xfrm>
-              <a:off x="4709855" y="6107873"/>
+              <a:off x="4820546" y="6107774"/>
               <a:ext cx="63202" cy="63202"/>
             </a:xfrm>
             <a:custGeom>
@@ -22720,7 +22720,7 @@
           </p:nvSpPr>
           <p:spPr>
             <a:xfrm>
-              <a:off x="4952013" y="5972508"/>
+              <a:off x="4482431" y="5972437"/>
               <a:ext cx="63202" cy="63202"/>
             </a:xfrm>
             <a:custGeom>
@@ -22763,7 +22763,7 @@
           </p:nvSpPr>
           <p:spPr>
             <a:xfrm>
-              <a:off x="4759233" y="5984099"/>
+              <a:off x="4585548" y="5983927"/>
               <a:ext cx="63202" cy="63202"/>
             </a:xfrm>
             <a:custGeom>
@@ -22806,7 +22806,7 @@
           </p:nvSpPr>
           <p:spPr>
             <a:xfrm>
-              <a:off x="5462557" y="6478586"/>
+              <a:off x="5621491" y="6478573"/>
               <a:ext cx="63202" cy="63202"/>
             </a:xfrm>
             <a:custGeom>
@@ -22849,7 +22849,7 @@
           </p:nvSpPr>
           <p:spPr>
             <a:xfrm>
-              <a:off x="5434967" y="6478661"/>
+              <a:off x="5605056" y="6478535"/>
               <a:ext cx="63202" cy="63202"/>
             </a:xfrm>
             <a:custGeom>
@@ -22892,7 +22892,7 @@
           </p:nvSpPr>
           <p:spPr>
             <a:xfrm>
-              <a:off x="4833433" y="5977204"/>
+              <a:off x="4622110" y="5977201"/>
               <a:ext cx="63202" cy="63202"/>
             </a:xfrm>
             <a:custGeom>
@@ -22935,7 +22935,7 @@
           </p:nvSpPr>
           <p:spPr>
             <a:xfrm>
-              <a:off x="4890978" y="5969890"/>
+              <a:off x="4713968" y="5969823"/>
               <a:ext cx="63202" cy="63202"/>
             </a:xfrm>
             <a:custGeom>
@@ -22978,7 +22978,7 @@
           </p:nvSpPr>
           <p:spPr>
             <a:xfrm>
-              <a:off x="5938401" y="6652611"/>
+              <a:off x="5616514" y="6652471"/>
               <a:ext cx="63202" cy="63202"/>
             </a:xfrm>
             <a:custGeom>
@@ -23021,7 +23021,7 @@
           </p:nvSpPr>
           <p:spPr>
             <a:xfrm>
-              <a:off x="5329061" y="6596441"/>
+              <a:off x="5965555" y="6596506"/>
               <a:ext cx="63202" cy="63202"/>
             </a:xfrm>
             <a:custGeom>
@@ -23064,7 +23064,7 @@
           </p:nvSpPr>
           <p:spPr>
             <a:xfrm>
-              <a:off x="4552543" y="6086896"/>
+              <a:off x="4595471" y="6086913"/>
               <a:ext cx="63202" cy="63202"/>
             </a:xfrm>
             <a:custGeom>
@@ -23107,7 +23107,7 @@
           </p:nvSpPr>
           <p:spPr>
             <a:xfrm>
-              <a:off x="4494367" y="5990742"/>
+              <a:off x="4768234" y="5990770"/>
               <a:ext cx="63202" cy="63202"/>
             </a:xfrm>
             <a:custGeom>
@@ -23150,7 +23150,7 @@
           </p:nvSpPr>
           <p:spPr>
             <a:xfrm>
-              <a:off x="5098135" y="6034364"/>
+              <a:off x="4748251" y="6034440"/>
               <a:ext cx="63202" cy="63202"/>
             </a:xfrm>
             <a:custGeom>
@@ -23193,7 +23193,7 @@
           </p:nvSpPr>
           <p:spPr>
             <a:xfrm>
-              <a:off x="5603133" y="6162744"/>
+              <a:off x="5936289" y="6162548"/>
               <a:ext cx="63202" cy="63202"/>
             </a:xfrm>
             <a:custGeom>
@@ -23236,7 +23236,7 @@
           </p:nvSpPr>
           <p:spPr>
             <a:xfrm>
-              <a:off x="4703062" y="5991993"/>
+              <a:off x="4801009" y="5992083"/>
               <a:ext cx="63202" cy="63202"/>
             </a:xfrm>
             <a:custGeom>
@@ -23279,7 +23279,7 @@
           </p:nvSpPr>
           <p:spPr>
             <a:xfrm>
-              <a:off x="4707415" y="6244995"/>
+              <a:off x="4965335" y="6244898"/>
               <a:ext cx="63202" cy="63202"/>
             </a:xfrm>
             <a:custGeom>
@@ -23322,7 +23322,7 @@
           </p:nvSpPr>
           <p:spPr>
             <a:xfrm>
-              <a:off x="4882893" y="6045456"/>
+              <a:off x="4673201" y="6045420"/>
               <a:ext cx="63202" cy="63202"/>
             </a:xfrm>
             <a:custGeom>
@@ -23365,7 +23365,7 @@
           </p:nvSpPr>
           <p:spPr>
             <a:xfrm>
-              <a:off x="4625866" y="6007580"/>
+              <a:off x="5066320" y="6007560"/>
               <a:ext cx="63202" cy="63202"/>
             </a:xfrm>
             <a:custGeom>
@@ -23408,7 +23408,7 @@
           </p:nvSpPr>
           <p:spPr>
             <a:xfrm>
-              <a:off x="4737681" y="6004623"/>
+              <a:off x="4829246" y="6004721"/>
               <a:ext cx="63202" cy="63202"/>
             </a:xfrm>
             <a:custGeom>
@@ -23451,7 +23451,7 @@
           </p:nvSpPr>
           <p:spPr>
             <a:xfrm>
-              <a:off x="4642847" y="6095886"/>
+              <a:off x="4657138" y="6095728"/>
               <a:ext cx="63202" cy="63202"/>
             </a:xfrm>
             <a:custGeom>
@@ -23494,7 +23494,7 @@
           </p:nvSpPr>
           <p:spPr>
             <a:xfrm>
-              <a:off x="4470675" y="5993230"/>
+              <a:off x="4711536" y="5993185"/>
               <a:ext cx="63202" cy="63202"/>
             </a:xfrm>
             <a:custGeom>
@@ -23537,7 +23537,7 @@
           </p:nvSpPr>
           <p:spPr>
             <a:xfrm>
-              <a:off x="4857484" y="5981887"/>
+              <a:off x="4896183" y="5981946"/>
               <a:ext cx="63202" cy="63202"/>
             </a:xfrm>
             <a:custGeom>
@@ -23580,7 +23580,7 @@
           </p:nvSpPr>
           <p:spPr>
             <a:xfrm>
-              <a:off x="5599471" y="6613345"/>
+              <a:off x="5860917" y="6613327"/>
               <a:ext cx="63202" cy="63202"/>
             </a:xfrm>
             <a:custGeom>
@@ -23623,7 +23623,7 @@
           </p:nvSpPr>
           <p:spPr>
             <a:xfrm>
-              <a:off x="4904936" y="5972006"/>
+              <a:off x="4839440" y="5971986"/>
               <a:ext cx="63202" cy="63202"/>
             </a:xfrm>
             <a:custGeom>
@@ -23666,7 +23666,7 @@
           </p:nvSpPr>
           <p:spPr>
             <a:xfrm>
-              <a:off x="4533765" y="5993857"/>
+              <a:off x="4489707" y="5993912"/>
               <a:ext cx="63202" cy="63202"/>
             </a:xfrm>
             <a:custGeom>
@@ -23709,7 +23709,7 @@
           </p:nvSpPr>
           <p:spPr>
             <a:xfrm>
-              <a:off x="4721913" y="5982319"/>
+              <a:off x="4485916" y="5982281"/>
               <a:ext cx="63202" cy="63202"/>
             </a:xfrm>
             <a:custGeom>
@@ -23752,7 +23752,7 @@
           </p:nvSpPr>
           <p:spPr>
             <a:xfrm>
-              <a:off x="4954167" y="5994786"/>
+              <a:off x="4585206" y="5994740"/>
               <a:ext cx="63202" cy="63202"/>
             </a:xfrm>
             <a:custGeom>
@@ -23795,7 +23795,7 @@
           </p:nvSpPr>
           <p:spPr>
             <a:xfrm>
-              <a:off x="4880294" y="6002508"/>
+              <a:off x="4668649" y="6002565"/>
               <a:ext cx="63202" cy="63202"/>
             </a:xfrm>
             <a:custGeom>
@@ -23838,7 +23838,7 @@
           </p:nvSpPr>
           <p:spPr>
             <a:xfrm>
-              <a:off x="4525630" y="5975110"/>
+              <a:off x="4563627" y="5975047"/>
               <a:ext cx="63202" cy="63202"/>
             </a:xfrm>
             <a:custGeom>
@@ -23881,7 +23881,7 @@
           </p:nvSpPr>
           <p:spPr>
             <a:xfrm>
-              <a:off x="5030978" y="5981770"/>
+              <a:off x="4676863" y="5981584"/>
               <a:ext cx="63202" cy="63202"/>
             </a:xfrm>
             <a:custGeom>
@@ -23924,7 +23924,7 @@
           </p:nvSpPr>
           <p:spPr>
             <a:xfrm>
-              <a:off x="4967641" y="6248474"/>
+              <a:off x="4581821" y="6248403"/>
               <a:ext cx="63202" cy="63202"/>
             </a:xfrm>
             <a:custGeom>
@@ -23967,7 +23967,7 @@
           </p:nvSpPr>
           <p:spPr>
             <a:xfrm>
-              <a:off x="4461202" y="6002850"/>
+              <a:off x="5113192" y="6002763"/>
               <a:ext cx="63202" cy="63202"/>
             </a:xfrm>
             <a:custGeom>
@@ -24010,7 +24010,7 @@
           </p:nvSpPr>
           <p:spPr>
             <a:xfrm>
-              <a:off x="5015997" y="6001920"/>
+              <a:off x="4759526" y="6001957"/>
               <a:ext cx="63202" cy="63202"/>
             </a:xfrm>
             <a:custGeom>
@@ -24053,7 +24053,7 @@
           </p:nvSpPr>
           <p:spPr>
             <a:xfrm>
-              <a:off x="4803168" y="6001363"/>
+              <a:off x="4867751" y="6001267"/>
               <a:ext cx="63202" cy="63202"/>
             </a:xfrm>
             <a:custGeom>
@@ -24096,7 +24096,7 @@
           </p:nvSpPr>
           <p:spPr>
             <a:xfrm>
-              <a:off x="4688800" y="6026608"/>
+              <a:off x="5124114" y="6026644"/>
               <a:ext cx="63202" cy="63202"/>
             </a:xfrm>
             <a:custGeom>
@@ -24139,7 +24139,7 @@
           </p:nvSpPr>
           <p:spPr>
             <a:xfrm>
-              <a:off x="4514070" y="6032143"/>
+              <a:off x="4635892" y="6032051"/>
               <a:ext cx="63202" cy="63202"/>
             </a:xfrm>
             <a:custGeom>
@@ -24182,7 +24182,7 @@
           </p:nvSpPr>
           <p:spPr>
             <a:xfrm>
-              <a:off x="4932207" y="5972428"/>
+              <a:off x="4852475" y="5972344"/>
               <a:ext cx="63202" cy="63202"/>
             </a:xfrm>
             <a:custGeom>
@@ -24225,7 +24225,7 @@
           </p:nvSpPr>
           <p:spPr>
             <a:xfrm>
-              <a:off x="4688240" y="6002455"/>
+              <a:off x="4685113" y="6002273"/>
               <a:ext cx="63202" cy="63202"/>
             </a:xfrm>
             <a:custGeom>
@@ -24268,7 +24268,7 @@
           </p:nvSpPr>
           <p:spPr>
             <a:xfrm>
-              <a:off x="4665220" y="6002401"/>
+              <a:off x="4431019" y="6002270"/>
               <a:ext cx="63202" cy="63202"/>
             </a:xfrm>
             <a:custGeom>
@@ -24311,7 +24311,7 @@
           </p:nvSpPr>
           <p:spPr>
             <a:xfrm>
-              <a:off x="5045941" y="5984635"/>
+              <a:off x="4619114" y="5984674"/>
               <a:ext cx="63202" cy="63202"/>
             </a:xfrm>
             <a:custGeom>
@@ -24354,7 +24354,7 @@
           </p:nvSpPr>
           <p:spPr>
             <a:xfrm>
-              <a:off x="4974632" y="5995072"/>
+              <a:off x="4676558" y="5994948"/>
               <a:ext cx="63202" cy="63202"/>
             </a:xfrm>
             <a:custGeom>
@@ -24397,7 +24397,7 @@
           </p:nvSpPr>
           <p:spPr>
             <a:xfrm>
-              <a:off x="4974972" y="5982398"/>
+              <a:off x="4677944" y="5982303"/>
               <a:ext cx="63202" cy="63202"/>
             </a:xfrm>
             <a:custGeom>
@@ -24440,7 +24440,7 @@
           </p:nvSpPr>
           <p:spPr>
             <a:xfrm>
-              <a:off x="5089624" y="5969838"/>
+              <a:off x="5000933" y="5969786"/>
               <a:ext cx="63202" cy="63202"/>
             </a:xfrm>
             <a:custGeom>
@@ -24483,7 +24483,7 @@
           </p:nvSpPr>
           <p:spPr>
             <a:xfrm>
-              <a:off x="4991830" y="5989655"/>
+              <a:off x="4569502" y="5989615"/>
               <a:ext cx="63202" cy="63202"/>
             </a:xfrm>
             <a:custGeom>
@@ -24526,7 +24526,7 @@
           </p:nvSpPr>
           <p:spPr>
             <a:xfrm>
-              <a:off x="4803779" y="6004429"/>
+              <a:off x="4939087" y="6004459"/>
               <a:ext cx="63202" cy="63202"/>
             </a:xfrm>
             <a:custGeom>
@@ -24569,7 +24569,7 @@
           </p:nvSpPr>
           <p:spPr>
             <a:xfrm>
-              <a:off x="4864010" y="6226767"/>
+              <a:off x="4601845" y="6226768"/>
               <a:ext cx="63202" cy="63202"/>
             </a:xfrm>
             <a:custGeom>
@@ -24612,7 +24612,7 @@
           </p:nvSpPr>
           <p:spPr>
             <a:xfrm>
-              <a:off x="4527964" y="6051075"/>
+              <a:off x="4730485" y="6051079"/>
               <a:ext cx="63202" cy="63202"/>
             </a:xfrm>
             <a:custGeom>
@@ -24655,7 +24655,7 @@
           </p:nvSpPr>
           <p:spPr>
             <a:xfrm>
-              <a:off x="4702076" y="6000944"/>
+              <a:off x="5129203" y="6000851"/>
               <a:ext cx="63202" cy="63202"/>
             </a:xfrm>
             <a:custGeom>
@@ -24698,7 +24698,7 @@
           </p:nvSpPr>
           <p:spPr>
             <a:xfrm>
-              <a:off x="4599447" y="6034632"/>
+              <a:off x="4586836" y="6034642"/>
               <a:ext cx="63202" cy="63202"/>
             </a:xfrm>
             <a:custGeom>
@@ -24741,7 +24741,7 @@
           </p:nvSpPr>
           <p:spPr>
             <a:xfrm>
-              <a:off x="4904141" y="5966256"/>
+              <a:off x="4694399" y="5966352"/>
               <a:ext cx="63202" cy="63202"/>
             </a:xfrm>
             <a:custGeom>
@@ -24784,7 +24784,7 @@
           </p:nvSpPr>
           <p:spPr>
             <a:xfrm>
-              <a:off x="4655140" y="5969867"/>
+              <a:off x="5075863" y="5969848"/>
               <a:ext cx="63202" cy="63202"/>
             </a:xfrm>
             <a:custGeom>
@@ -24827,7 +24827,7 @@
           </p:nvSpPr>
           <p:spPr>
             <a:xfrm>
-              <a:off x="4867077" y="6276972"/>
+              <a:off x="4756417" y="6276939"/>
               <a:ext cx="63202" cy="63202"/>
             </a:xfrm>
             <a:custGeom>
@@ -24870,7 +24870,7 @@
           </p:nvSpPr>
           <p:spPr>
             <a:xfrm>
-              <a:off x="4918068" y="5981117"/>
+              <a:off x="4885741" y="5981054"/>
               <a:ext cx="63202" cy="63202"/>
             </a:xfrm>
             <a:custGeom>
@@ -24913,7 +24913,7 @@
           </p:nvSpPr>
           <p:spPr>
             <a:xfrm>
-              <a:off x="4713617" y="6124143"/>
+              <a:off x="5076442" y="6124081"/>
               <a:ext cx="63202" cy="63202"/>
             </a:xfrm>
             <a:custGeom>
@@ -24956,7 +24956,7 @@
           </p:nvSpPr>
           <p:spPr>
             <a:xfrm>
-              <a:off x="4842687" y="5992093"/>
+              <a:off x="4496886" y="5991990"/>
               <a:ext cx="63202" cy="63202"/>
             </a:xfrm>
             <a:custGeom>
@@ -24999,7 +24999,7 @@
           </p:nvSpPr>
           <p:spPr>
             <a:xfrm>
-              <a:off x="4799328" y="5996501"/>
+              <a:off x="4754918" y="5996414"/>
               <a:ext cx="63202" cy="63202"/>
             </a:xfrm>
             <a:custGeom>
@@ -25042,7 +25042,7 @@
           </p:nvSpPr>
           <p:spPr>
             <a:xfrm>
-              <a:off x="4606181" y="5989056"/>
+              <a:off x="4681262" y="5989070"/>
               <a:ext cx="63202" cy="63202"/>
             </a:xfrm>
             <a:custGeom>
@@ -25085,7 +25085,7 @@
           </p:nvSpPr>
           <p:spPr>
             <a:xfrm>
-              <a:off x="4664043" y="5982543"/>
+              <a:off x="5078997" y="5982469"/>
               <a:ext cx="63202" cy="63202"/>
             </a:xfrm>
             <a:custGeom>
@@ -25128,7 +25128,7 @@
           </p:nvSpPr>
           <p:spPr>
             <a:xfrm>
-              <a:off x="5077222" y="5998385"/>
+              <a:off x="5093142" y="5998400"/>
               <a:ext cx="63202" cy="63202"/>
             </a:xfrm>
             <a:custGeom>
@@ -25171,7 +25171,7 @@
           </p:nvSpPr>
           <p:spPr>
             <a:xfrm>
-              <a:off x="4847922" y="5981155"/>
+              <a:off x="4710736" y="5980982"/>
               <a:ext cx="63202" cy="63202"/>
             </a:xfrm>
             <a:custGeom>
@@ -25214,7 +25214,7 @@
           </p:nvSpPr>
           <p:spPr>
             <a:xfrm>
-              <a:off x="4547450" y="6000747"/>
+              <a:off x="4684294" y="6000646"/>
               <a:ext cx="63202" cy="63202"/>
             </a:xfrm>
             <a:custGeom>
@@ -25257,7 +25257,7 @@
           </p:nvSpPr>
           <p:spPr>
             <a:xfrm>
-              <a:off x="4432780" y="6005827"/>
+              <a:off x="4625745" y="6005627"/>
               <a:ext cx="63202" cy="63202"/>
             </a:xfrm>
             <a:custGeom>
@@ -25300,7 +25300,7 @@
           </p:nvSpPr>
           <p:spPr>
             <a:xfrm>
-              <a:off x="6724894" y="6757500"/>
+              <a:off x="6493762" y="6757390"/>
               <a:ext cx="63202" cy="63202"/>
             </a:xfrm>
             <a:custGeom>
@@ -25343,7 +25343,7 @@
           </p:nvSpPr>
           <p:spPr>
             <a:xfrm>
-              <a:off x="4447574" y="5973252"/>
+              <a:off x="5082125" y="5973246"/>
               <a:ext cx="63202" cy="63202"/>
             </a:xfrm>
             <a:custGeom>
@@ -25386,7 +25386,7 @@
           </p:nvSpPr>
           <p:spPr>
             <a:xfrm>
-              <a:off x="5658582" y="6596294"/>
+              <a:off x="5436265" y="6596153"/>
               <a:ext cx="63202" cy="63202"/>
             </a:xfrm>
             <a:custGeom>
@@ -25429,7 +25429,7 @@
           </p:nvSpPr>
           <p:spPr>
             <a:xfrm>
-              <a:off x="4657896" y="5973888"/>
+              <a:off x="4689428" y="5973898"/>
               <a:ext cx="63202" cy="63202"/>
             </a:xfrm>
             <a:custGeom>
@@ -25472,7 +25472,7 @@
           </p:nvSpPr>
           <p:spPr>
             <a:xfrm>
-              <a:off x="4948729" y="6253566"/>
+              <a:off x="4620478" y="6253450"/>
               <a:ext cx="63202" cy="63202"/>
             </a:xfrm>
             <a:custGeom>
@@ -25515,7 +25515,7 @@
           </p:nvSpPr>
           <p:spPr>
             <a:xfrm>
-              <a:off x="4497723" y="5988437"/>
+              <a:off x="5029968" y="5988369"/>
               <a:ext cx="63202" cy="63202"/>
             </a:xfrm>
             <a:custGeom>
@@ -25558,7 +25558,7 @@
           </p:nvSpPr>
           <p:spPr>
             <a:xfrm>
-              <a:off x="5044799" y="6062110"/>
+              <a:off x="4823742" y="6062069"/>
               <a:ext cx="63202" cy="63202"/>
             </a:xfrm>
             <a:custGeom>
@@ -25601,7 +25601,7 @@
           </p:nvSpPr>
           <p:spPr>
             <a:xfrm>
-              <a:off x="4693431" y="5988459"/>
+              <a:off x="4660756" y="5988365"/>
               <a:ext cx="63202" cy="63202"/>
             </a:xfrm>
             <a:custGeom>
@@ -25644,7 +25644,7 @@
           </p:nvSpPr>
           <p:spPr>
             <a:xfrm>
-              <a:off x="4604905" y="5991771"/>
+              <a:off x="5043041" y="5991852"/>
               <a:ext cx="63202" cy="63202"/>
             </a:xfrm>
             <a:custGeom>
@@ -25687,7 +25687,7 @@
           </p:nvSpPr>
           <p:spPr>
             <a:xfrm>
-              <a:off x="4853402" y="6017802"/>
+              <a:off x="5045870" y="6017654"/>
               <a:ext cx="63202" cy="63202"/>
             </a:xfrm>
             <a:custGeom>
@@ -25730,7 +25730,7 @@
           </p:nvSpPr>
           <p:spPr>
             <a:xfrm>
-              <a:off x="4946626" y="5997942"/>
+              <a:off x="5051081" y="5997870"/>
               <a:ext cx="63202" cy="63202"/>
             </a:xfrm>
             <a:custGeom>
@@ -25773,7 +25773,7 @@
           </p:nvSpPr>
           <p:spPr>
             <a:xfrm>
-              <a:off x="4872519" y="5983773"/>
+              <a:off x="4750188" y="5983819"/>
               <a:ext cx="63202" cy="63202"/>
             </a:xfrm>
             <a:custGeom>
@@ -25816,7 +25816,7 @@
           </p:nvSpPr>
           <p:spPr>
             <a:xfrm>
-              <a:off x="4986310" y="5984829"/>
+              <a:off x="5076659" y="5984843"/>
               <a:ext cx="63202" cy="63202"/>
             </a:xfrm>
             <a:custGeom>
@@ -25859,7 +25859,7 @@
           </p:nvSpPr>
           <p:spPr>
             <a:xfrm>
-              <a:off x="4865650" y="6144066"/>
+              <a:off x="4900543" y="6144075"/>
               <a:ext cx="63202" cy="63202"/>
             </a:xfrm>
             <a:custGeom>
@@ -25902,7 +25902,7 @@
           </p:nvSpPr>
           <p:spPr>
             <a:xfrm>
-              <a:off x="4992565" y="5974690"/>
+              <a:off x="5126971" y="5974711"/>
               <a:ext cx="63202" cy="63202"/>
             </a:xfrm>
             <a:custGeom>
@@ -25945,7 +25945,7 @@
           </p:nvSpPr>
           <p:spPr>
             <a:xfrm>
-              <a:off x="4742795" y="5979396"/>
+              <a:off x="4518154" y="5979418"/>
               <a:ext cx="63202" cy="63202"/>
             </a:xfrm>
             <a:custGeom>
@@ -25988,7 +25988,7 @@
           </p:nvSpPr>
           <p:spPr>
             <a:xfrm>
-              <a:off x="5128555" y="6001874"/>
+              <a:off x="5040168" y="6001901"/>
               <a:ext cx="63202" cy="63202"/>
             </a:xfrm>
             <a:custGeom>
@@ -26031,7 +26031,7 @@
           </p:nvSpPr>
           <p:spPr>
             <a:xfrm>
-              <a:off x="4915114" y="5980585"/>
+              <a:off x="4931470" y="5980625"/>
               <a:ext cx="63202" cy="63202"/>
             </a:xfrm>
             <a:custGeom>
@@ -26074,7 +26074,7 @@
           </p:nvSpPr>
           <p:spPr>
             <a:xfrm>
-              <a:off x="4905681" y="5981891"/>
+              <a:off x="4994648" y="5981904"/>
               <a:ext cx="63202" cy="63202"/>
             </a:xfrm>
             <a:custGeom>
@@ -26117,7 +26117,7 @@
           </p:nvSpPr>
           <p:spPr>
             <a:xfrm>
-              <a:off x="4489693" y="5977941"/>
+              <a:off x="5076478" y="5977815"/>
               <a:ext cx="63202" cy="63202"/>
             </a:xfrm>
             <a:custGeom>
@@ -26160,7 +26160,7 @@
           </p:nvSpPr>
           <p:spPr>
             <a:xfrm>
-              <a:off x="5358170" y="6443245"/>
+              <a:off x="5568225" y="6443170"/>
               <a:ext cx="63202" cy="63202"/>
             </a:xfrm>
             <a:custGeom>
@@ -26203,7 +26203,7 @@
           </p:nvSpPr>
           <p:spPr>
             <a:xfrm>
-              <a:off x="5044314" y="6034186"/>
+              <a:off x="4857627" y="6034236"/>
               <a:ext cx="63202" cy="63202"/>
             </a:xfrm>
             <a:custGeom>
@@ -26246,7 +26246,7 @@
           </p:nvSpPr>
           <p:spPr>
             <a:xfrm>
-              <a:off x="4615606" y="6002549"/>
+              <a:off x="4696984" y="6002550"/>
               <a:ext cx="63202" cy="63202"/>
             </a:xfrm>
             <a:custGeom>
@@ -26289,7 +26289,7 @@
           </p:nvSpPr>
           <p:spPr>
             <a:xfrm>
-              <a:off x="5015643" y="5982417"/>
+              <a:off x="4927026" y="5982242"/>
               <a:ext cx="63202" cy="63202"/>
             </a:xfrm>
             <a:custGeom>
@@ -26332,7 +26332,7 @@
           </p:nvSpPr>
           <p:spPr>
             <a:xfrm>
-              <a:off x="4730025" y="5986164"/>
+              <a:off x="4945558" y="5986110"/>
               <a:ext cx="63202" cy="63202"/>
             </a:xfrm>
             <a:custGeom>
@@ -26375,7 +26375,7 @@
           </p:nvSpPr>
           <p:spPr>
             <a:xfrm>
-              <a:off x="4727574" y="5968643"/>
+              <a:off x="4708974" y="5968565"/>
               <a:ext cx="63202" cy="63202"/>
             </a:xfrm>
             <a:custGeom>
@@ -26418,7 +26418,7 @@
           </p:nvSpPr>
           <p:spPr>
             <a:xfrm>
-              <a:off x="4926394" y="5981698"/>
+              <a:off x="4874258" y="5981745"/>
               <a:ext cx="63202" cy="63202"/>
             </a:xfrm>
             <a:custGeom>
@@ -26461,7 +26461,7 @@
           </p:nvSpPr>
           <p:spPr>
             <a:xfrm>
-              <a:off x="4844254" y="5981733"/>
+              <a:off x="4686156" y="5981736"/>
               <a:ext cx="63202" cy="63202"/>
             </a:xfrm>
             <a:custGeom>
@@ -26504,7 +26504,7 @@
           </p:nvSpPr>
           <p:spPr>
             <a:xfrm>
-              <a:off x="5019107" y="5982287"/>
+              <a:off x="4837675" y="5982246"/>
               <a:ext cx="63202" cy="63202"/>
             </a:xfrm>
             <a:custGeom>
@@ -26547,7 +26547,7 @@
           </p:nvSpPr>
           <p:spPr>
             <a:xfrm>
-              <a:off x="5000347" y="6036834"/>
+              <a:off x="4931003" y="6036700"/>
               <a:ext cx="63202" cy="63202"/>
             </a:xfrm>
             <a:custGeom>
@@ -26590,7 +26590,7 @@
           </p:nvSpPr>
           <p:spPr>
             <a:xfrm>
-              <a:off x="5049749" y="6036805"/>
+              <a:off x="4510206" y="6036745"/>
               <a:ext cx="63202" cy="63202"/>
             </a:xfrm>
             <a:custGeom>
@@ -26633,7 +26633,7 @@
           </p:nvSpPr>
           <p:spPr>
             <a:xfrm>
-              <a:off x="4956675" y="5988677"/>
+              <a:off x="4869973" y="5988690"/>
               <a:ext cx="63202" cy="63202"/>
             </a:xfrm>
             <a:custGeom>
@@ -26676,7 +26676,7 @@
           </p:nvSpPr>
           <p:spPr>
             <a:xfrm>
-              <a:off x="4991779" y="5979876"/>
+              <a:off x="4694509" y="5979820"/>
               <a:ext cx="63202" cy="63202"/>
             </a:xfrm>
             <a:custGeom>
@@ -26719,7 +26719,7 @@
           </p:nvSpPr>
           <p:spPr>
             <a:xfrm>
-              <a:off x="5810166" y="6405132"/>
+              <a:off x="5980963" y="6405146"/>
               <a:ext cx="63202" cy="63202"/>
             </a:xfrm>
             <a:custGeom>
@@ -26762,7 +26762,7 @@
           </p:nvSpPr>
           <p:spPr>
             <a:xfrm>
-              <a:off x="4863199" y="6000418"/>
+              <a:off x="4456283" y="6000398"/>
               <a:ext cx="63202" cy="63202"/>
             </a:xfrm>
             <a:custGeom>
@@ -26805,7 +26805,7 @@
           </p:nvSpPr>
           <p:spPr>
             <a:xfrm>
-              <a:off x="5054690" y="5976301"/>
+              <a:off x="4919894" y="5976163"/>
               <a:ext cx="63202" cy="63202"/>
             </a:xfrm>
             <a:custGeom>
@@ -26848,7 +26848,7 @@
           </p:nvSpPr>
           <p:spPr>
             <a:xfrm>
-              <a:off x="4625782" y="5970500"/>
+              <a:off x="5091569" y="5970437"/>
               <a:ext cx="63202" cy="63202"/>
             </a:xfrm>
             <a:custGeom>
@@ -26891,7 +26891,7 @@
           </p:nvSpPr>
           <p:spPr>
             <a:xfrm>
-              <a:off x="4469341" y="6018226"/>
+              <a:off x="5021344" y="6018205"/>
               <a:ext cx="63202" cy="63202"/>
             </a:xfrm>
             <a:custGeom>
@@ -26934,7 +26934,7 @@
           </p:nvSpPr>
           <p:spPr>
             <a:xfrm>
-              <a:off x="4713424" y="5999002"/>
+              <a:off x="4979087" y="5998976"/>
               <a:ext cx="63202" cy="63202"/>
             </a:xfrm>
             <a:custGeom>
@@ -26977,7 +26977,7 @@
           </p:nvSpPr>
           <p:spPr>
             <a:xfrm>
-              <a:off x="4970525" y="5972223"/>
+              <a:off x="4626415" y="5972202"/>
               <a:ext cx="63202" cy="63202"/>
             </a:xfrm>
             <a:custGeom>
@@ -27020,7 +27020,7 @@
           </p:nvSpPr>
           <p:spPr>
             <a:xfrm>
-              <a:off x="5084175" y="5972387"/>
+              <a:off x="5051231" y="5972462"/>
               <a:ext cx="63202" cy="63202"/>
             </a:xfrm>
             <a:custGeom>
@@ -27063,7 +27063,7 @@
           </p:nvSpPr>
           <p:spPr>
             <a:xfrm>
-              <a:off x="4500789" y="5969625"/>
+              <a:off x="4792858" y="5969689"/>
               <a:ext cx="63202" cy="63202"/>
             </a:xfrm>
             <a:custGeom>
@@ -27106,7 +27106,7 @@
           </p:nvSpPr>
           <p:spPr>
             <a:xfrm>
-              <a:off x="4599079" y="5970577"/>
+              <a:off x="4762791" y="5970469"/>
               <a:ext cx="63202" cy="63202"/>
             </a:xfrm>
             <a:custGeom>
@@ -27149,7 +27149,7 @@
           </p:nvSpPr>
           <p:spPr>
             <a:xfrm>
-              <a:off x="4816914" y="5968441"/>
+              <a:off x="4805467" y="5968319"/>
               <a:ext cx="63202" cy="63202"/>
             </a:xfrm>
             <a:custGeom>
@@ -27192,7 +27192,7 @@
           </p:nvSpPr>
           <p:spPr>
             <a:xfrm>
-              <a:off x="4957627" y="6017206"/>
+              <a:off x="4769813" y="6017063"/>
               <a:ext cx="63202" cy="63202"/>
             </a:xfrm>
             <a:custGeom>
@@ -27235,7 +27235,7 @@
           </p:nvSpPr>
           <p:spPr>
             <a:xfrm>
-              <a:off x="5121189" y="6043232"/>
+              <a:off x="5015776" y="6043183"/>
               <a:ext cx="63202" cy="63202"/>
             </a:xfrm>
             <a:custGeom>
@@ -27278,7 +27278,7 @@
           </p:nvSpPr>
           <p:spPr>
             <a:xfrm>
-              <a:off x="4676760" y="5978068"/>
+              <a:off x="4771956" y="5978110"/>
               <a:ext cx="63202" cy="63202"/>
             </a:xfrm>
             <a:custGeom>
@@ -27321,7 +27321,7 @@
           </p:nvSpPr>
           <p:spPr>
             <a:xfrm>
-              <a:off x="4930446" y="5979356"/>
+              <a:off x="4980765" y="5979424"/>
               <a:ext cx="63202" cy="63202"/>
             </a:xfrm>
             <a:custGeom>
@@ -27364,7 +27364,7 @@
           </p:nvSpPr>
           <p:spPr>
             <a:xfrm>
-              <a:off x="4436489" y="5986425"/>
+              <a:off x="5116183" y="5986227"/>
               <a:ext cx="63202" cy="63202"/>
             </a:xfrm>
             <a:custGeom>
@@ -27407,7 +27407,7 @@
           </p:nvSpPr>
           <p:spPr>
             <a:xfrm>
-              <a:off x="4861508" y="5972602"/>
+              <a:off x="4998850" y="5972515"/>
               <a:ext cx="63202" cy="63202"/>
             </a:xfrm>
             <a:custGeom>
@@ -27450,7 +27450,7 @@
           </p:nvSpPr>
           <p:spPr>
             <a:xfrm>
-              <a:off x="4548361" y="5967347"/>
+              <a:off x="4555834" y="5967373"/>
               <a:ext cx="63202" cy="63202"/>
             </a:xfrm>
             <a:custGeom>
@@ -27493,7 +27493,7 @@
           </p:nvSpPr>
           <p:spPr>
             <a:xfrm>
-              <a:off x="4767664" y="5974052"/>
+              <a:off x="4561059" y="5974034"/>
               <a:ext cx="63202" cy="63202"/>
             </a:xfrm>
             <a:custGeom>
@@ -27536,7 +27536,7 @@
           </p:nvSpPr>
           <p:spPr>
             <a:xfrm>
-              <a:off x="4816516" y="5986063"/>
+              <a:off x="4982440" y="5986084"/>
               <a:ext cx="63202" cy="63202"/>
             </a:xfrm>
             <a:custGeom>
@@ -27579,7 +27579,7 @@
           </p:nvSpPr>
           <p:spPr>
             <a:xfrm>
-              <a:off x="4900235" y="5979556"/>
+              <a:off x="5001626" y="5979591"/>
               <a:ext cx="63202" cy="63202"/>
             </a:xfrm>
             <a:custGeom>
@@ -27622,7 +27622,7 @@
           </p:nvSpPr>
           <p:spPr>
             <a:xfrm>
-              <a:off x="4925287" y="5983118"/>
+              <a:off x="5117615" y="5983088"/>
               <a:ext cx="63202" cy="63202"/>
             </a:xfrm>
             <a:custGeom>
@@ -27665,7 +27665,7 @@
           </p:nvSpPr>
           <p:spPr>
             <a:xfrm>
-              <a:off x="4590509" y="5976227"/>
+              <a:off x="4845144" y="5976154"/>
               <a:ext cx="63202" cy="63202"/>
             </a:xfrm>
             <a:custGeom>
@@ -27708,7 +27708,7 @@
           </p:nvSpPr>
           <p:spPr>
             <a:xfrm>
-              <a:off x="4491869" y="5979139"/>
+              <a:off x="5109131" y="5979197"/>
               <a:ext cx="63202" cy="63202"/>
             </a:xfrm>
             <a:custGeom>
@@ -27751,7 +27751,7 @@
           </p:nvSpPr>
           <p:spPr>
             <a:xfrm>
-              <a:off x="4987473" y="5986843"/>
+              <a:off x="5112015" y="5986724"/>
               <a:ext cx="63202" cy="63202"/>
             </a:xfrm>
             <a:custGeom>
@@ -27794,7 +27794,7 @@
           </p:nvSpPr>
           <p:spPr>
             <a:xfrm>
-              <a:off x="5610638" y="6564710"/>
+              <a:off x="5437064" y="6564526"/>
               <a:ext cx="63202" cy="63202"/>
             </a:xfrm>
             <a:custGeom>
@@ -27837,7 +27837,7 @@
           </p:nvSpPr>
           <p:spPr>
             <a:xfrm>
-              <a:off x="5068586" y="5987374"/>
+              <a:off x="4875790" y="5987305"/>
               <a:ext cx="63202" cy="63202"/>
             </a:xfrm>
             <a:custGeom>
@@ -27880,7 +27880,7 @@
           </p:nvSpPr>
           <p:spPr>
             <a:xfrm>
-              <a:off x="4657792" y="6019841"/>
+              <a:off x="4507441" y="6019798"/>
               <a:ext cx="63202" cy="63202"/>
             </a:xfrm>
             <a:custGeom>
@@ -27923,7 +27923,7 @@
           </p:nvSpPr>
           <p:spPr>
             <a:xfrm>
-              <a:off x="4561006" y="5983182"/>
+              <a:off x="4662511" y="5983194"/>
               <a:ext cx="63202" cy="63202"/>
             </a:xfrm>
             <a:custGeom>
@@ -27966,7 +27966,7 @@
           </p:nvSpPr>
           <p:spPr>
             <a:xfrm>
-              <a:off x="4535403" y="6007714"/>
+              <a:off x="5096273" y="6007561"/>
               <a:ext cx="63202" cy="63202"/>
             </a:xfrm>
             <a:custGeom>
@@ -28009,7 +28009,7 @@
           </p:nvSpPr>
           <p:spPr>
             <a:xfrm>
-              <a:off x="4717002" y="6003081"/>
+              <a:off x="4442462" y="6002979"/>
               <a:ext cx="63202" cy="63202"/>
             </a:xfrm>
             <a:custGeom>
@@ -28052,7 +28052,7 @@
           </p:nvSpPr>
           <p:spPr>
             <a:xfrm>
-              <a:off x="6855083" y="6474539"/>
+              <a:off x="6584357" y="6474525"/>
               <a:ext cx="63202" cy="63202"/>
             </a:xfrm>
             <a:custGeom>
@@ -28095,7 +28095,7 @@
           </p:nvSpPr>
           <p:spPr>
             <a:xfrm>
-              <a:off x="5107540" y="5981544"/>
+              <a:off x="4871375" y="5981491"/>
               <a:ext cx="63202" cy="63202"/>
             </a:xfrm>
             <a:custGeom>
@@ -28138,7 +28138,7 @@
           </p:nvSpPr>
           <p:spPr>
             <a:xfrm>
-              <a:off x="4870042" y="5990139"/>
+              <a:off x="4560187" y="5990146"/>
               <a:ext cx="63202" cy="63202"/>
             </a:xfrm>
             <a:custGeom>
@@ -28181,7 +28181,7 @@
           </p:nvSpPr>
           <p:spPr>
             <a:xfrm>
-              <a:off x="4939665" y="6212855"/>
+              <a:off x="4673858" y="6212842"/>
               <a:ext cx="63202" cy="63202"/>
             </a:xfrm>
             <a:custGeom>
@@ -28224,7 +28224,7 @@
           </p:nvSpPr>
           <p:spPr>
             <a:xfrm>
-              <a:off x="4914675" y="5976995"/>
+              <a:off x="4877594" y="5977052"/>
               <a:ext cx="63202" cy="63202"/>
             </a:xfrm>
             <a:custGeom>
@@ -28267,7 +28267,7 @@
           </p:nvSpPr>
           <p:spPr>
             <a:xfrm>
-              <a:off x="5055161" y="6008751"/>
+              <a:off x="4612719" y="6008740"/>
               <a:ext cx="63202" cy="63202"/>
             </a:xfrm>
             <a:custGeom>
@@ -28310,7 +28310,7 @@
           </p:nvSpPr>
           <p:spPr>
             <a:xfrm>
-              <a:off x="4469952" y="5985851"/>
+              <a:off x="4781435" y="5985944"/>
               <a:ext cx="63202" cy="63202"/>
             </a:xfrm>
             <a:custGeom>
@@ -28353,7 +28353,7 @@
           </p:nvSpPr>
           <p:spPr>
             <a:xfrm>
-              <a:off x="5056490" y="5978133"/>
+              <a:off x="4627610" y="5978070"/>
               <a:ext cx="63202" cy="63202"/>
             </a:xfrm>
             <a:custGeom>
@@ -28396,7 +28396,7 @@
           </p:nvSpPr>
           <p:spPr>
             <a:xfrm>
-              <a:off x="4749430" y="6001499"/>
+              <a:off x="4791694" y="6001542"/>
               <a:ext cx="63202" cy="63202"/>
             </a:xfrm>
             <a:custGeom>
@@ -28439,7 +28439,7 @@
           </p:nvSpPr>
           <p:spPr>
             <a:xfrm>
-              <a:off x="4954953" y="5991135"/>
+              <a:off x="4435837" y="5991221"/>
               <a:ext cx="63202" cy="63202"/>
             </a:xfrm>
             <a:custGeom>
@@ -28482,7 +28482,7 @@
           </p:nvSpPr>
           <p:spPr>
             <a:xfrm>
-              <a:off x="4459219" y="5977514"/>
+              <a:off x="4698180" y="5977439"/>
               <a:ext cx="63202" cy="63202"/>
             </a:xfrm>
             <a:custGeom>
@@ -28525,7 +28525,7 @@
           </p:nvSpPr>
           <p:spPr>
             <a:xfrm>
-              <a:off x="5054119" y="5983130"/>
+              <a:off x="4511972" y="5983070"/>
               <a:ext cx="63202" cy="63202"/>
             </a:xfrm>
             <a:custGeom>
@@ -28568,7 +28568,7 @@
           </p:nvSpPr>
           <p:spPr>
             <a:xfrm>
-              <a:off x="4642271" y="5981756"/>
+              <a:off x="4626155" y="5981638"/>
               <a:ext cx="63202" cy="63202"/>
             </a:xfrm>
             <a:custGeom>
@@ -28611,7 +28611,7 @@
           </p:nvSpPr>
           <p:spPr>
             <a:xfrm>
-              <a:off x="4711269" y="6026768"/>
+              <a:off x="5070056" y="6026803"/>
               <a:ext cx="63202" cy="63202"/>
             </a:xfrm>
             <a:custGeom>
@@ -28654,7 +28654,7 @@
           </p:nvSpPr>
           <p:spPr>
             <a:xfrm>
-              <a:off x="4872444" y="6006542"/>
+              <a:off x="4998566" y="6006579"/>
               <a:ext cx="63202" cy="63202"/>
             </a:xfrm>
             <a:custGeom>
@@ -28697,7 +28697,7 @@
           </p:nvSpPr>
           <p:spPr>
             <a:xfrm>
-              <a:off x="4805914" y="5998209"/>
+              <a:off x="4854415" y="5998115"/>
               <a:ext cx="63202" cy="63202"/>
             </a:xfrm>
             <a:custGeom>
@@ -28740,7 +28740,7 @@
           </p:nvSpPr>
           <p:spPr>
             <a:xfrm>
-              <a:off x="4847297" y="5973820"/>
+              <a:off x="4679842" y="5973893"/>
               <a:ext cx="63202" cy="63202"/>
             </a:xfrm>
             <a:custGeom>
@@ -28783,7 +28783,7 @@
           </p:nvSpPr>
           <p:spPr>
             <a:xfrm>
-              <a:off x="4719483" y="5973847"/>
+              <a:off x="4541950" y="5973877"/>
               <a:ext cx="63202" cy="63202"/>
             </a:xfrm>
             <a:custGeom>
@@ -28826,7 +28826,7 @@
           </p:nvSpPr>
           <p:spPr>
             <a:xfrm>
-              <a:off x="4509073" y="5975844"/>
+              <a:off x="5062030" y="5975800"/>
               <a:ext cx="63202" cy="63202"/>
             </a:xfrm>
             <a:custGeom>
@@ -28869,7 +28869,7 @@
           </p:nvSpPr>
           <p:spPr>
             <a:xfrm>
-              <a:off x="4595504" y="5975361"/>
+              <a:off x="4556633" y="5975294"/>
               <a:ext cx="63202" cy="63202"/>
             </a:xfrm>
             <a:custGeom>
@@ -28912,7 +28912,7 @@
           </p:nvSpPr>
           <p:spPr>
             <a:xfrm>
-              <a:off x="4567231" y="5974611"/>
+              <a:off x="4618488" y="5974422"/>
               <a:ext cx="63202" cy="63202"/>
             </a:xfrm>
             <a:custGeom>
@@ -28955,7 +28955,7 @@
           </p:nvSpPr>
           <p:spPr>
             <a:xfrm>
-              <a:off x="4917140" y="5963304"/>
+              <a:off x="4668947" y="5963329"/>
               <a:ext cx="63202" cy="63202"/>
             </a:xfrm>
             <a:custGeom>
@@ -28998,7 +28998,7 @@
           </p:nvSpPr>
           <p:spPr>
             <a:xfrm>
-              <a:off x="4749433" y="6005815"/>
+              <a:off x="4902472" y="6005717"/>
               <a:ext cx="63202" cy="63202"/>
             </a:xfrm>
             <a:custGeom>
@@ -29041,7 +29041,7 @@
           </p:nvSpPr>
           <p:spPr>
             <a:xfrm>
-              <a:off x="5096412" y="6015812"/>
+              <a:off x="4461081" y="6015822"/>
               <a:ext cx="63202" cy="63202"/>
             </a:xfrm>
             <a:custGeom>
@@ -29084,7 +29084,7 @@
           </p:nvSpPr>
           <p:spPr>
             <a:xfrm>
-              <a:off x="4446296" y="5989497"/>
+              <a:off x="5048439" y="5989494"/>
               <a:ext cx="63202" cy="63202"/>
             </a:xfrm>
             <a:custGeom>
@@ -29127,7 +29127,7 @@
           </p:nvSpPr>
           <p:spPr>
             <a:xfrm>
-              <a:off x="5098370" y="6003696"/>
+              <a:off x="5053310" y="6003613"/>
               <a:ext cx="63202" cy="63202"/>
             </a:xfrm>
             <a:custGeom>
@@ -29170,7 +29170,7 @@
           </p:nvSpPr>
           <p:spPr>
             <a:xfrm>
-              <a:off x="4616629" y="6007480"/>
+              <a:off x="5120325" y="6007460"/>
               <a:ext cx="63202" cy="63202"/>
             </a:xfrm>
             <a:custGeom>
@@ -29213,7 +29213,7 @@
           </p:nvSpPr>
           <p:spPr>
             <a:xfrm>
-              <a:off x="4494260" y="5996532"/>
+              <a:off x="5126128" y="5996455"/>
               <a:ext cx="63202" cy="63202"/>
             </a:xfrm>
             <a:custGeom>
@@ -29256,7 +29256,7 @@
           </p:nvSpPr>
           <p:spPr>
             <a:xfrm>
-              <a:off x="4583435" y="5974697"/>
+              <a:off x="4604329" y="5974671"/>
               <a:ext cx="63202" cy="63202"/>
             </a:xfrm>
             <a:custGeom>
@@ -29299,7 +29299,7 @@
           </p:nvSpPr>
           <p:spPr>
             <a:xfrm>
-              <a:off x="4865325" y="6007038"/>
+              <a:off x="4655161" y="6006947"/>
               <a:ext cx="63202" cy="63202"/>
             </a:xfrm>
             <a:custGeom>
@@ -29342,7 +29342,7 @@
           </p:nvSpPr>
           <p:spPr>
             <a:xfrm>
-              <a:off x="4443614" y="5981734"/>
+              <a:off x="4739045" y="5981736"/>
               <a:ext cx="63202" cy="63202"/>
             </a:xfrm>
             <a:custGeom>
@@ -29385,7 +29385,7 @@
           </p:nvSpPr>
           <p:spPr>
             <a:xfrm>
-              <a:off x="5103145" y="5975837"/>
+              <a:off x="4875845" y="5975714"/>
               <a:ext cx="63202" cy="63202"/>
             </a:xfrm>
             <a:custGeom>
@@ -29428,7 +29428,7 @@
           </p:nvSpPr>
           <p:spPr>
             <a:xfrm>
-              <a:off x="5039509" y="6216611"/>
+              <a:off x="4470831" y="6216524"/>
               <a:ext cx="63202" cy="63202"/>
             </a:xfrm>
             <a:custGeom>
@@ -29471,7 +29471,7 @@
           </p:nvSpPr>
           <p:spPr>
             <a:xfrm>
-              <a:off x="4873892" y="5977356"/>
+              <a:off x="5006298" y="5977213"/>
               <a:ext cx="63202" cy="63202"/>
             </a:xfrm>
             <a:custGeom>
@@ -29514,7 +29514,7 @@
           </p:nvSpPr>
           <p:spPr>
             <a:xfrm>
-              <a:off x="4836063" y="5977299"/>
+              <a:off x="4825511" y="5977237"/>
               <a:ext cx="63202" cy="63202"/>
             </a:xfrm>
             <a:custGeom>
@@ -29557,7 +29557,7 @@
           </p:nvSpPr>
           <p:spPr>
             <a:xfrm>
-              <a:off x="5037459" y="5977337"/>
+              <a:off x="5047653" y="5977200"/>
               <a:ext cx="63202" cy="63202"/>
             </a:xfrm>
             <a:custGeom>
@@ -29600,7 +29600,7 @@
           </p:nvSpPr>
           <p:spPr>
             <a:xfrm>
-              <a:off x="4991270" y="5972077"/>
+              <a:off x="4795402" y="5971884"/>
               <a:ext cx="63202" cy="63202"/>
             </a:xfrm>
             <a:custGeom>
@@ -29643,7 +29643,7 @@
           </p:nvSpPr>
           <p:spPr>
             <a:xfrm>
-              <a:off x="4475771" y="6000965"/>
+              <a:off x="5082476" y="6000923"/>
               <a:ext cx="63202" cy="63202"/>
             </a:xfrm>
             <a:custGeom>
@@ -29686,7 +29686,7 @@
           </p:nvSpPr>
           <p:spPr>
             <a:xfrm>
-              <a:off x="5087181" y="6008865"/>
+              <a:off x="4629015" y="6008896"/>
               <a:ext cx="63202" cy="63202"/>
             </a:xfrm>
             <a:custGeom>
@@ -29729,7 +29729,7 @@
           </p:nvSpPr>
           <p:spPr>
             <a:xfrm>
-              <a:off x="4551606" y="5967574"/>
+              <a:off x="5032365" y="5967570"/>
               <a:ext cx="63202" cy="63202"/>
             </a:xfrm>
             <a:custGeom>
@@ -29772,7 +29772,7 @@
           </p:nvSpPr>
           <p:spPr>
             <a:xfrm>
-              <a:off x="4520396" y="5982713"/>
+              <a:off x="4453604" y="5982753"/>
               <a:ext cx="63202" cy="63202"/>
             </a:xfrm>
             <a:custGeom>
@@ -29815,7 +29815,7 @@
           </p:nvSpPr>
           <p:spPr>
             <a:xfrm>
-              <a:off x="4630507" y="5978809"/>
+              <a:off x="4733754" y="5978653"/>
               <a:ext cx="63202" cy="63202"/>
             </a:xfrm>
             <a:custGeom>
@@ -29858,7 +29858,7 @@
           </p:nvSpPr>
           <p:spPr>
             <a:xfrm>
-              <a:off x="4714662" y="5977099"/>
+              <a:off x="4957699" y="5976988"/>
               <a:ext cx="63202" cy="63202"/>
             </a:xfrm>
             <a:custGeom>
@@ -29901,7 +29901,7 @@
           </p:nvSpPr>
           <p:spPr>
             <a:xfrm>
-              <a:off x="4484417" y="6096445"/>
+              <a:off x="4506142" y="6096361"/>
               <a:ext cx="63202" cy="63202"/>
             </a:xfrm>
             <a:custGeom>
@@ -29944,7 +29944,7 @@
           </p:nvSpPr>
           <p:spPr>
             <a:xfrm>
-              <a:off x="4491296" y="5985351"/>
+              <a:off x="4563408" y="5985224"/>
               <a:ext cx="63202" cy="63202"/>
             </a:xfrm>
             <a:custGeom>
@@ -29987,7 +29987,7 @@
           </p:nvSpPr>
           <p:spPr>
             <a:xfrm>
-              <a:off x="4981825" y="6033671"/>
+              <a:off x="4864370" y="6033548"/>
               <a:ext cx="63202" cy="63202"/>
             </a:xfrm>
             <a:custGeom>
@@ -30030,7 +30030,7 @@
           </p:nvSpPr>
           <p:spPr>
             <a:xfrm>
-              <a:off x="4976864" y="6001316"/>
+              <a:off x="5110068" y="6001287"/>
               <a:ext cx="63202" cy="63202"/>
             </a:xfrm>
             <a:custGeom>
@@ -30073,7 +30073,7 @@
           </p:nvSpPr>
           <p:spPr>
             <a:xfrm>
-              <a:off x="4947379" y="5976175"/>
+              <a:off x="4488771" y="5976125"/>
               <a:ext cx="63202" cy="63202"/>
             </a:xfrm>
             <a:custGeom>
@@ -30116,7 +30116,7 @@
           </p:nvSpPr>
           <p:spPr>
             <a:xfrm>
-              <a:off x="4727121" y="5978508"/>
+              <a:off x="5109499" y="5978464"/>
               <a:ext cx="63202" cy="63202"/>
             </a:xfrm>
             <a:custGeom>
@@ -30159,7 +30159,7 @@
           </p:nvSpPr>
           <p:spPr>
             <a:xfrm>
-              <a:off x="4689058" y="6013581"/>
+              <a:off x="4831779" y="6013549"/>
               <a:ext cx="63202" cy="63202"/>
             </a:xfrm>
             <a:custGeom>
@@ -30202,7 +30202,7 @@
           </p:nvSpPr>
           <p:spPr>
             <a:xfrm>
-              <a:off x="4643353" y="6008537"/>
+              <a:off x="4926365" y="6008390"/>
               <a:ext cx="63202" cy="63202"/>
             </a:xfrm>
             <a:custGeom>
@@ -30245,7 +30245,7 @@
           </p:nvSpPr>
           <p:spPr>
             <a:xfrm>
-              <a:off x="5075152" y="6033797"/>
+              <a:off x="5005716" y="6033769"/>
               <a:ext cx="63202" cy="63202"/>
             </a:xfrm>
             <a:custGeom>
@@ -30288,7 +30288,7 @@
           </p:nvSpPr>
           <p:spPr>
             <a:xfrm>
-              <a:off x="4488199" y="5987151"/>
+              <a:off x="4460380" y="5987210"/>
               <a:ext cx="63202" cy="63202"/>
             </a:xfrm>
             <a:custGeom>
@@ -30331,7 +30331,7 @@
           </p:nvSpPr>
           <p:spPr>
             <a:xfrm>
-              <a:off x="4566014" y="5992251"/>
+              <a:off x="4622046" y="5992158"/>
               <a:ext cx="63202" cy="63202"/>
             </a:xfrm>
             <a:custGeom>
@@ -30374,7 +30374,7 @@
           </p:nvSpPr>
           <p:spPr>
             <a:xfrm>
-              <a:off x="4890185" y="6008296"/>
+              <a:off x="4806196" y="6008262"/>
               <a:ext cx="63202" cy="63202"/>
             </a:xfrm>
             <a:custGeom>
@@ -30417,7 +30417,7 @@
           </p:nvSpPr>
           <p:spPr>
             <a:xfrm>
-              <a:off x="5122226" y="5983118"/>
+              <a:off x="4902722" y="5983108"/>
               <a:ext cx="63202" cy="63202"/>
             </a:xfrm>
             <a:custGeom>
@@ -30460,7 +30460,7 @@
           </p:nvSpPr>
           <p:spPr>
             <a:xfrm>
-              <a:off x="4752059" y="6002355"/>
+              <a:off x="5002871" y="6002272"/>
               <a:ext cx="63202" cy="63202"/>
             </a:xfrm>
             <a:custGeom>
@@ -30503,7 +30503,7 @@
           </p:nvSpPr>
           <p:spPr>
             <a:xfrm>
-              <a:off x="4591948" y="6008264"/>
+              <a:off x="4912244" y="6008314"/>
               <a:ext cx="63202" cy="63202"/>
             </a:xfrm>
             <a:custGeom>
@@ -30546,7 +30546,7 @@
           </p:nvSpPr>
           <p:spPr>
             <a:xfrm>
-              <a:off x="4998950" y="5979451"/>
+              <a:off x="4958125" y="5979266"/>
               <a:ext cx="63202" cy="63202"/>
             </a:xfrm>
             <a:custGeom>
@@ -30589,7 +30589,7 @@
           </p:nvSpPr>
           <p:spPr>
             <a:xfrm>
-              <a:off x="4814704" y="6086609"/>
+              <a:off x="4797232" y="6086427"/>
               <a:ext cx="63202" cy="63202"/>
             </a:xfrm>
             <a:custGeom>
@@ -30632,7 +30632,7 @@
           </p:nvSpPr>
           <p:spPr>
             <a:xfrm>
-              <a:off x="4568083" y="5999478"/>
+              <a:off x="4954582" y="5999431"/>
               <a:ext cx="63202" cy="63202"/>
             </a:xfrm>
             <a:custGeom>
@@ -30675,7 +30675,7 @@
           </p:nvSpPr>
           <p:spPr>
             <a:xfrm>
-              <a:off x="4830763" y="6002445"/>
+              <a:off x="4852187" y="6002288"/>
               <a:ext cx="63202" cy="63202"/>
             </a:xfrm>
             <a:custGeom>
@@ -30718,7 +30718,7 @@
           </p:nvSpPr>
           <p:spPr>
             <a:xfrm>
-              <a:off x="4825991" y="6009898"/>
+              <a:off x="4454388" y="6009913"/>
               <a:ext cx="63202" cy="63202"/>
             </a:xfrm>
             <a:custGeom>
@@ -30761,7 +30761,7 @@
           </p:nvSpPr>
           <p:spPr>
             <a:xfrm>
-              <a:off x="4559254" y="6013396"/>
+              <a:off x="5090028" y="6013270"/>
               <a:ext cx="63202" cy="63202"/>
             </a:xfrm>
             <a:custGeom>
@@ -30804,7 +30804,7 @@
           </p:nvSpPr>
           <p:spPr>
             <a:xfrm>
-              <a:off x="4638686" y="5968029"/>
+              <a:off x="4609953" y="5968033"/>
               <a:ext cx="63202" cy="63202"/>
             </a:xfrm>
             <a:custGeom>
@@ -30847,7 +30847,7 @@
           </p:nvSpPr>
           <p:spPr>
             <a:xfrm>
-              <a:off x="5035441" y="6032249"/>
+              <a:off x="4596530" y="6032339"/>
               <a:ext cx="63202" cy="63202"/>
             </a:xfrm>
             <a:custGeom>
@@ -30890,7 +30890,7 @@
           </p:nvSpPr>
           <p:spPr>
             <a:xfrm>
-              <a:off x="5090623" y="6143885"/>
+              <a:off x="4934919" y="6143856"/>
               <a:ext cx="63202" cy="63202"/>
             </a:xfrm>
             <a:custGeom>
@@ -30933,7 +30933,7 @@
           </p:nvSpPr>
           <p:spPr>
             <a:xfrm>
-              <a:off x="4707943" y="6325116"/>
+              <a:off x="4972201" y="6325064"/>
               <a:ext cx="63202" cy="63202"/>
             </a:xfrm>
             <a:custGeom>
@@ -30976,7 +30976,7 @@
           </p:nvSpPr>
           <p:spPr>
             <a:xfrm>
-              <a:off x="5060831" y="6163040"/>
+              <a:off x="4723207" y="6163069"/>
               <a:ext cx="63202" cy="63202"/>
             </a:xfrm>
             <a:custGeom>
@@ -31019,7 +31019,7 @@
           </p:nvSpPr>
           <p:spPr>
             <a:xfrm>
-              <a:off x="5049924" y="5982990"/>
+              <a:off x="4982655" y="5982962"/>
               <a:ext cx="63202" cy="63202"/>
             </a:xfrm>
             <a:custGeom>
@@ -31062,7 +31062,7 @@
           </p:nvSpPr>
           <p:spPr>
             <a:xfrm>
-              <a:off x="4445664" y="6043536"/>
+              <a:off x="4962826" y="6043476"/>
               <a:ext cx="63202" cy="63202"/>
             </a:xfrm>
             <a:custGeom>
@@ -31105,7 +31105,7 @@
           </p:nvSpPr>
           <p:spPr>
             <a:xfrm>
-              <a:off x="4695396" y="6035761"/>
+              <a:off x="4800625" y="6035594"/>
               <a:ext cx="63202" cy="63202"/>
             </a:xfrm>
             <a:custGeom>
@@ -31148,7 +31148,7 @@
           </p:nvSpPr>
           <p:spPr>
             <a:xfrm>
-              <a:off x="4895075" y="5987235"/>
+              <a:off x="4703231" y="5987068"/>
               <a:ext cx="63202" cy="63202"/>
             </a:xfrm>
             <a:custGeom>
@@ -31191,7 +31191,7 @@
           </p:nvSpPr>
           <p:spPr>
             <a:xfrm>
-              <a:off x="4470518" y="6085204"/>
+              <a:off x="4693846" y="6085185"/>
               <a:ext cx="63202" cy="63202"/>
             </a:xfrm>
             <a:custGeom>
@@ -31234,7 +31234,7 @@
           </p:nvSpPr>
           <p:spPr>
             <a:xfrm>
-              <a:off x="4444060" y="5971617"/>
+              <a:off x="5105259" y="5971603"/>
               <a:ext cx="63202" cy="63202"/>
             </a:xfrm>
             <a:custGeom>
@@ -31277,7 +31277,7 @@
           </p:nvSpPr>
           <p:spPr>
             <a:xfrm>
-              <a:off x="5055638" y="6097735"/>
+              <a:off x="4652429" y="6097707"/>
               <a:ext cx="63202" cy="63202"/>
             </a:xfrm>
             <a:custGeom>
@@ -31320,7 +31320,7 @@
           </p:nvSpPr>
           <p:spPr>
             <a:xfrm>
-              <a:off x="4885399" y="5983844"/>
+              <a:off x="4511759" y="5983733"/>
               <a:ext cx="63202" cy="63202"/>
             </a:xfrm>
             <a:custGeom>
@@ -31363,7 +31363,7 @@
           </p:nvSpPr>
           <p:spPr>
             <a:xfrm>
-              <a:off x="4675819" y="6227918"/>
+              <a:off x="4883616" y="6227803"/>
               <a:ext cx="63202" cy="63202"/>
             </a:xfrm>
             <a:custGeom>
@@ -31406,7 +31406,7 @@
           </p:nvSpPr>
           <p:spPr>
             <a:xfrm>
-              <a:off x="4854064" y="5989158"/>
+              <a:off x="4691617" y="5989030"/>
               <a:ext cx="63202" cy="63202"/>
             </a:xfrm>
             <a:custGeom>
@@ -31449,7 +31449,7 @@
           </p:nvSpPr>
           <p:spPr>
             <a:xfrm>
-              <a:off x="4776875" y="5972820"/>
+              <a:off x="4699731" y="5972821"/>
               <a:ext cx="63202" cy="63202"/>
             </a:xfrm>
             <a:custGeom>
@@ -31492,7 +31492,7 @@
           </p:nvSpPr>
           <p:spPr>
             <a:xfrm>
-              <a:off x="4453862" y="5978324"/>
+              <a:off x="4466070" y="5978264"/>
               <a:ext cx="63202" cy="63202"/>
             </a:xfrm>
             <a:custGeom>
@@ -31535,7 +31535,7 @@
           </p:nvSpPr>
           <p:spPr>
             <a:xfrm>
-              <a:off x="4678138" y="5967938"/>
+              <a:off x="5031399" y="5967936"/>
               <a:ext cx="63202" cy="63202"/>
             </a:xfrm>
             <a:custGeom>
@@ -31578,7 +31578,7 @@
           </p:nvSpPr>
           <p:spPr>
             <a:xfrm>
-              <a:off x="4476387" y="5982330"/>
+              <a:off x="4434514" y="5982239"/>
               <a:ext cx="63202" cy="63202"/>
             </a:xfrm>
             <a:custGeom>
@@ -31621,7 +31621,7 @@
           </p:nvSpPr>
           <p:spPr>
             <a:xfrm>
-              <a:off x="5082015" y="5976468"/>
+              <a:off x="4662339" y="5976453"/>
               <a:ext cx="63202" cy="63202"/>
             </a:xfrm>
             <a:custGeom>
@@ -31664,7 +31664,7 @@
           </p:nvSpPr>
           <p:spPr>
             <a:xfrm>
-              <a:off x="4909020" y="5983782"/>
+              <a:off x="4784320" y="5983725"/>
               <a:ext cx="63202" cy="63202"/>
             </a:xfrm>
             <a:custGeom>
@@ -31707,7 +31707,7 @@
           </p:nvSpPr>
           <p:spPr>
             <a:xfrm>
-              <a:off x="4841007" y="5983793"/>
+              <a:off x="4714191" y="5983848"/>
               <a:ext cx="63202" cy="63202"/>
             </a:xfrm>
             <a:custGeom>
@@ -31750,7 +31750,7 @@
           </p:nvSpPr>
           <p:spPr>
             <a:xfrm>
-              <a:off x="4462566" y="5983800"/>
+              <a:off x="4880187" y="5983835"/>
               <a:ext cx="63202" cy="63202"/>
             </a:xfrm>
             <a:custGeom>
@@ -31793,7 +31793,7 @@
           </p:nvSpPr>
           <p:spPr>
             <a:xfrm>
-              <a:off x="5063975" y="5983805"/>
+              <a:off x="4923066" y="5983699"/>
               <a:ext cx="63202" cy="63202"/>
             </a:xfrm>
             <a:custGeom>
@@ -31836,7 +31836,7 @@
           </p:nvSpPr>
           <p:spPr>
             <a:xfrm>
-              <a:off x="4624521" y="6004980"/>
+              <a:off x="4846682" y="6004930"/>
               <a:ext cx="63202" cy="63202"/>
             </a:xfrm>
             <a:custGeom>
@@ -31879,7 +31879,7 @@
           </p:nvSpPr>
           <p:spPr>
             <a:xfrm>
-              <a:off x="4860586" y="5982278"/>
+              <a:off x="4558780" y="5982373"/>
               <a:ext cx="63202" cy="63202"/>
             </a:xfrm>
             <a:custGeom>
@@ -31922,7 +31922,7 @@
           </p:nvSpPr>
           <p:spPr>
             <a:xfrm>
-              <a:off x="4981915" y="6109917"/>
+              <a:off x="4800676" y="6109822"/>
               <a:ext cx="63202" cy="63202"/>
             </a:xfrm>
             <a:custGeom>
@@ -31965,7 +31965,7 @@
           </p:nvSpPr>
           <p:spPr>
             <a:xfrm>
-              <a:off x="5541568" y="6662925"/>
+              <a:off x="5932395" y="6662830"/>
               <a:ext cx="63202" cy="63202"/>
             </a:xfrm>
             <a:custGeom>
@@ -32008,7 +32008,7 @@
           </p:nvSpPr>
           <p:spPr>
             <a:xfrm>
-              <a:off x="5103582" y="5986104"/>
+              <a:off x="4722566" y="5986127"/>
               <a:ext cx="63202" cy="63202"/>
             </a:xfrm>
             <a:custGeom>
@@ -32051,7 +32051,7 @@
           </p:nvSpPr>
           <p:spPr>
             <a:xfrm>
-              <a:off x="4767765" y="5973244"/>
+              <a:off x="4487842" y="5973178"/>
               <a:ext cx="63202" cy="63202"/>
             </a:xfrm>
             <a:custGeom>
@@ -32094,7 +32094,7 @@
           </p:nvSpPr>
           <p:spPr>
             <a:xfrm>
-              <a:off x="4955539" y="5970576"/>
+              <a:off x="4778548" y="5970500"/>
               <a:ext cx="63202" cy="63202"/>
             </a:xfrm>
             <a:custGeom>
@@ -32137,7 +32137,7 @@
           </p:nvSpPr>
           <p:spPr>
             <a:xfrm>
-              <a:off x="5099992" y="6082737"/>
+              <a:off x="4706951" y="6082677"/>
               <a:ext cx="63202" cy="63202"/>
             </a:xfrm>
             <a:custGeom>
@@ -32180,7 +32180,7 @@
           </p:nvSpPr>
           <p:spPr>
             <a:xfrm>
-              <a:off x="4903525" y="5990078"/>
+              <a:off x="4740669" y="5990100"/>
               <a:ext cx="63202" cy="63202"/>
             </a:xfrm>
             <a:custGeom>
@@ -32223,7 +32223,7 @@
           </p:nvSpPr>
           <p:spPr>
             <a:xfrm>
-              <a:off x="4465040" y="5989047"/>
+              <a:off x="4562654" y="5988989"/>
               <a:ext cx="63202" cy="63202"/>
             </a:xfrm>
             <a:custGeom>
@@ -32266,7 +32266,7 @@
           </p:nvSpPr>
           <p:spPr>
             <a:xfrm>
-              <a:off x="4956693" y="5974606"/>
+              <a:off x="5046689" y="5974542"/>
               <a:ext cx="63202" cy="63202"/>
             </a:xfrm>
             <a:custGeom>
@@ -32365,7 +32365,7 @@
           </p:nvSpPr>
           <p:spPr>
             <a:xfrm>
-              <a:off x="7171360" y="2998673"/>
+              <a:off x="7171360" y="2998607"/>
               <a:ext cx="2817450" cy="0"/>
             </a:xfrm>
             <a:custGeom>
@@ -32408,7 +32408,7 @@
           </p:nvSpPr>
           <p:spPr>
             <a:xfrm>
-              <a:off x="7171360" y="2576862"/>
+              <a:off x="7171360" y="2576808"/>
               <a:ext cx="2817450" cy="0"/>
             </a:xfrm>
             <a:custGeom>
@@ -32451,7 +32451,7 @@
           </p:nvSpPr>
           <p:spPr>
             <a:xfrm>
-              <a:off x="7171360" y="2155052"/>
+              <a:off x="7171360" y="2155009"/>
               <a:ext cx="2817450" cy="0"/>
             </a:xfrm>
             <a:custGeom>
@@ -32494,7 +32494,7 @@
           </p:nvSpPr>
           <p:spPr>
             <a:xfrm>
-              <a:off x="7171360" y="1733241"/>
+              <a:off x="7171360" y="1733211"/>
               <a:ext cx="2817450" cy="0"/>
             </a:xfrm>
             <a:custGeom>
@@ -32537,7 +32537,7 @@
           </p:nvSpPr>
           <p:spPr>
             <a:xfrm>
-              <a:off x="7171360" y="2787768"/>
+              <a:off x="7171360" y="2787707"/>
               <a:ext cx="2817450" cy="0"/>
             </a:xfrm>
             <a:custGeom>
@@ -32580,7 +32580,7 @@
           </p:nvSpPr>
           <p:spPr>
             <a:xfrm>
-              <a:off x="7171360" y="2365957"/>
+              <a:off x="7171360" y="2365909"/>
               <a:ext cx="2817450" cy="0"/>
             </a:xfrm>
             <a:custGeom>
@@ -32623,7 +32623,7 @@
           </p:nvSpPr>
           <p:spPr>
             <a:xfrm>
-              <a:off x="7171360" y="1944146"/>
+              <a:off x="7171360" y="1944110"/>
               <a:ext cx="2817450" cy="0"/>
             </a:xfrm>
             <a:custGeom>
@@ -32666,7 +32666,7 @@
           </p:nvSpPr>
           <p:spPr>
             <a:xfrm>
-              <a:off x="7171360" y="1522335"/>
+              <a:off x="7171360" y="1522312"/>
               <a:ext cx="2817450" cy="0"/>
             </a:xfrm>
             <a:custGeom>
@@ -32838,7 +32838,7 @@
           </p:nvSpPr>
           <p:spPr>
             <a:xfrm>
-              <a:off x="9104916" y="2883113"/>
+              <a:off x="9394663" y="2883019"/>
               <a:ext cx="63202" cy="63202"/>
             </a:xfrm>
             <a:custGeom>
@@ -32881,7 +32881,7 @@
           </p:nvSpPr>
           <p:spPr>
             <a:xfrm>
-              <a:off x="7961383" y="2520655"/>
+              <a:off x="7805628" y="2520524"/>
               <a:ext cx="63202" cy="63202"/>
             </a:xfrm>
             <a:custGeom>
@@ -32924,7 +32924,7 @@
           </p:nvSpPr>
           <p:spPr>
             <a:xfrm>
-              <a:off x="7935891" y="2524886"/>
+              <a:off x="7558528" y="2524812"/>
               <a:ext cx="63202" cy="63202"/>
             </a:xfrm>
             <a:custGeom>
@@ -32967,7 +32967,7 @@
           </p:nvSpPr>
           <p:spPr>
             <a:xfrm>
-              <a:off x="7441582" y="2537283"/>
+              <a:off x="7456683" y="2537187"/>
               <a:ext cx="63202" cy="63202"/>
             </a:xfrm>
             <a:custGeom>
@@ -33010,7 +33010,7 @@
           </p:nvSpPr>
           <p:spPr>
             <a:xfrm>
-              <a:off x="7537625" y="2532170"/>
+              <a:off x="7490493" y="2532110"/>
               <a:ext cx="63202" cy="63202"/>
             </a:xfrm>
             <a:custGeom>
@@ -33053,7 +33053,7 @@
           </p:nvSpPr>
           <p:spPr>
             <a:xfrm>
-              <a:off x="7431742" y="2478413"/>
+              <a:off x="7927219" y="2478427"/>
               <a:ext cx="63202" cy="63202"/>
             </a:xfrm>
             <a:custGeom>
@@ -33096,7 +33096,7 @@
           </p:nvSpPr>
           <p:spPr>
             <a:xfrm>
-              <a:off x="8463841" y="2570180"/>
+              <a:off x="8836582" y="2570125"/>
               <a:ext cx="63202" cy="63202"/>
             </a:xfrm>
             <a:custGeom>
@@ -33139,7 +33139,7 @@
           </p:nvSpPr>
           <p:spPr>
             <a:xfrm>
-              <a:off x="7711534" y="2519748"/>
+              <a:off x="7897334" y="2519740"/>
               <a:ext cx="63202" cy="63202"/>
             </a:xfrm>
             <a:custGeom>
@@ -33182,7 +33182,7 @@
           </p:nvSpPr>
           <p:spPr>
             <a:xfrm>
-              <a:off x="7450431" y="2532031"/>
+              <a:off x="7886656" y="2531886"/>
               <a:ext cx="63202" cy="63202"/>
             </a:xfrm>
             <a:custGeom>
@@ -33225,7 +33225,7 @@
           </p:nvSpPr>
           <p:spPr>
             <a:xfrm>
-              <a:off x="7552465" y="2528404"/>
+              <a:off x="7439916" y="2528292"/>
               <a:ext cx="63202" cy="63202"/>
             </a:xfrm>
             <a:custGeom>
@@ -33268,7 +33268,7 @@
           </p:nvSpPr>
           <p:spPr>
             <a:xfrm>
-              <a:off x="8335329" y="2569925"/>
+              <a:off x="8316106" y="2569828"/>
               <a:ext cx="63202" cy="63202"/>
             </a:xfrm>
             <a:custGeom>
@@ -33311,7 +33311,7 @@
           </p:nvSpPr>
           <p:spPr>
             <a:xfrm>
-              <a:off x="8499444" y="2611954"/>
+              <a:off x="8597037" y="2611833"/>
               <a:ext cx="63202" cy="63202"/>
             </a:xfrm>
             <a:custGeom>
@@ -33354,7 +33354,7 @@
           </p:nvSpPr>
           <p:spPr>
             <a:xfrm>
-              <a:off x="8382912" y="2571168"/>
+              <a:off x="8576674" y="2571193"/>
               <a:ext cx="63202" cy="63202"/>
             </a:xfrm>
             <a:custGeom>
@@ -33397,7 +33397,7 @@
           </p:nvSpPr>
           <p:spPr>
             <a:xfrm>
-              <a:off x="8275250" y="2682918"/>
+              <a:off x="8445527" y="2682994"/>
               <a:ext cx="63202" cy="63202"/>
             </a:xfrm>
             <a:custGeom>
@@ -33440,7 +33440,7 @@
           </p:nvSpPr>
           <p:spPr>
             <a:xfrm>
-              <a:off x="8514646" y="2568265"/>
+              <a:off x="8718813" y="2568197"/>
               <a:ext cx="63202" cy="63202"/>
             </a:xfrm>
             <a:custGeom>
@@ -33483,7 +33483,7 @@
           </p:nvSpPr>
           <p:spPr>
             <a:xfrm>
-              <a:off x="7982829" y="2534708"/>
+              <a:off x="7461263" y="2534595"/>
               <a:ext cx="63202" cy="63202"/>
             </a:xfrm>
             <a:custGeom>
@@ -33526,7 +33526,7 @@
           </p:nvSpPr>
           <p:spPr>
             <a:xfrm>
-              <a:off x="8675645" y="2654338"/>
+              <a:off x="8819709" y="2654315"/>
               <a:ext cx="63202" cy="63202"/>
             </a:xfrm>
             <a:custGeom>
@@ -33569,7 +33569,7 @@
           </p:nvSpPr>
           <p:spPr>
             <a:xfrm>
-              <a:off x="8666166" y="2588889"/>
+              <a:off x="8728383" y="2588838"/>
               <a:ext cx="63202" cy="63202"/>
             </a:xfrm>
             <a:custGeom>
@@ -33612,7 +33612,7 @@
           </p:nvSpPr>
           <p:spPr>
             <a:xfrm>
-              <a:off x="8809708" y="2565538"/>
+              <a:off x="8436901" y="2565471"/>
               <a:ext cx="63202" cy="63202"/>
             </a:xfrm>
             <a:custGeom>
@@ -33655,7 +33655,7 @@
           </p:nvSpPr>
           <p:spPr>
             <a:xfrm>
-              <a:off x="7766117" y="2520525"/>
+              <a:off x="7662300" y="2520556"/>
               <a:ext cx="63202" cy="63202"/>
             </a:xfrm>
             <a:custGeom>
@@ -33698,7 +33698,7 @@
           </p:nvSpPr>
           <p:spPr>
             <a:xfrm>
-              <a:off x="8732036" y="2624073"/>
+              <a:off x="8835389" y="2624025"/>
               <a:ext cx="63202" cy="63202"/>
             </a:xfrm>
             <a:custGeom>
@@ -33741,7 +33741,7 @@
           </p:nvSpPr>
           <p:spPr>
             <a:xfrm>
-              <a:off x="8827398" y="2563609"/>
+              <a:off x="8630924" y="2563591"/>
               <a:ext cx="63202" cy="63202"/>
             </a:xfrm>
             <a:custGeom>
@@ -33784,7 +33784,7 @@
           </p:nvSpPr>
           <p:spPr>
             <a:xfrm>
-              <a:off x="8666997" y="2571149"/>
+              <a:off x="8708516" y="2571192"/>
               <a:ext cx="63202" cy="63202"/>
             </a:xfrm>
             <a:custGeom>
@@ -33827,7 +33827,7 @@
           </p:nvSpPr>
           <p:spPr>
             <a:xfrm>
-              <a:off x="7569824" y="2461506"/>
+              <a:off x="7371414" y="2461488"/>
               <a:ext cx="63202" cy="63202"/>
             </a:xfrm>
             <a:custGeom>
@@ -33870,7 +33870,7 @@
           </p:nvSpPr>
           <p:spPr>
             <a:xfrm>
-              <a:off x="7530159" y="2522550"/>
+              <a:off x="7444172" y="2522494"/>
               <a:ext cx="63202" cy="63202"/>
             </a:xfrm>
             <a:custGeom>
@@ -33913,7 +33913,7 @@
           </p:nvSpPr>
           <p:spPr>
             <a:xfrm>
-              <a:off x="8707925" y="2574576"/>
+              <a:off x="8833003" y="2574532"/>
               <a:ext cx="63202" cy="63202"/>
             </a:xfrm>
             <a:custGeom>
@@ -33956,7 +33956,7 @@
           </p:nvSpPr>
           <p:spPr>
             <a:xfrm>
-              <a:off x="8220879" y="2587505"/>
+              <a:off x="8290575" y="2587380"/>
               <a:ext cx="63202" cy="63202"/>
             </a:xfrm>
             <a:custGeom>
@@ -33999,7 +33999,7 @@
           </p:nvSpPr>
           <p:spPr>
             <a:xfrm>
-              <a:off x="9767167" y="2928896"/>
+              <a:off x="9517748" y="2928838"/>
               <a:ext cx="63202" cy="63202"/>
             </a:xfrm>
             <a:custGeom>
@@ -34042,7 +34042,7 @@
           </p:nvSpPr>
           <p:spPr>
             <a:xfrm>
-              <a:off x="7562367" y="2529363"/>
+              <a:off x="7892106" y="2529453"/>
               <a:ext cx="63202" cy="63202"/>
             </a:xfrm>
             <a:custGeom>
@@ -34085,7 +34085,7 @@
           </p:nvSpPr>
           <p:spPr>
             <a:xfrm>
-              <a:off x="7751621" y="2528580"/>
+              <a:off x="7380220" y="2528615"/>
               <a:ext cx="63202" cy="63202"/>
             </a:xfrm>
             <a:custGeom>
@@ -34128,7 +34128,7 @@
           </p:nvSpPr>
           <p:spPr>
             <a:xfrm>
-              <a:off x="7672063" y="2526651"/>
+              <a:off x="7844795" y="2526637"/>
               <a:ext cx="63202" cy="63202"/>
             </a:xfrm>
             <a:custGeom>
@@ -34171,7 +34171,7 @@
           </p:nvSpPr>
           <p:spPr>
             <a:xfrm>
-              <a:off x="7585537" y="2526716"/>
+              <a:off x="7968358" y="2526676"/>
               <a:ext cx="63202" cy="63202"/>
             </a:xfrm>
             <a:custGeom>
@@ -34214,7 +34214,7 @@
           </p:nvSpPr>
           <p:spPr>
             <a:xfrm>
-              <a:off x="7906347" y="2527987"/>
+              <a:off x="7508303" y="2527912"/>
               <a:ext cx="63202" cy="63202"/>
             </a:xfrm>
             <a:custGeom>
@@ -34257,7 +34257,7 @@
           </p:nvSpPr>
           <p:spPr>
             <a:xfrm>
-              <a:off x="7633448" y="2535079"/>
+              <a:off x="7713687" y="2535090"/>
               <a:ext cx="63202" cy="63202"/>
             </a:xfrm>
             <a:custGeom>
@@ -34300,7 +34300,7 @@
           </p:nvSpPr>
           <p:spPr>
             <a:xfrm>
-              <a:off x="8536933" y="2547111"/>
+              <a:off x="8437160" y="2547119"/>
               <a:ext cx="63202" cy="63202"/>
             </a:xfrm>
             <a:custGeom>
@@ -34343,7 +34343,7 @@
           </p:nvSpPr>
           <p:spPr>
             <a:xfrm>
-              <a:off x="8634958" y="2566312"/>
+              <a:off x="8496304" y="2566279"/>
               <a:ext cx="63202" cy="63202"/>
             </a:xfrm>
             <a:custGeom>
@@ -34386,7 +34386,7 @@
           </p:nvSpPr>
           <p:spPr>
             <a:xfrm>
-              <a:off x="8562107" y="2570365"/>
+              <a:off x="8198013" y="2570323"/>
               <a:ext cx="63202" cy="63202"/>
             </a:xfrm>
             <a:custGeom>
@@ -34429,7 +34429,7 @@
           </p:nvSpPr>
           <p:spPr>
             <a:xfrm>
-              <a:off x="8886419" y="2800632"/>
+              <a:off x="8433928" y="2800570"/>
               <a:ext cx="63202" cy="63202"/>
             </a:xfrm>
             <a:custGeom>
@@ -34472,7 +34472,7 @@
           </p:nvSpPr>
           <p:spPr>
             <a:xfrm>
-              <a:off x="7844960" y="2537423"/>
+              <a:off x="7696605" y="2537459"/>
               <a:ext cx="63202" cy="63202"/>
             </a:xfrm>
             <a:custGeom>
@@ -34515,7 +34515,7 @@
           </p:nvSpPr>
           <p:spPr>
             <a:xfrm>
-              <a:off x="7438144" y="2417920"/>
+              <a:off x="7389265" y="2417883"/>
               <a:ext cx="63202" cy="63202"/>
             </a:xfrm>
             <a:custGeom>
@@ -34558,7 +34558,7 @@
           </p:nvSpPr>
           <p:spPr>
             <a:xfrm>
-              <a:off x="7414371" y="2451458"/>
+              <a:off x="7994776" y="2451324"/>
               <a:ext cx="63202" cy="63202"/>
             </a:xfrm>
             <a:custGeom>
@@ -34601,7 +34601,7 @@
           </p:nvSpPr>
           <p:spPr>
             <a:xfrm>
-              <a:off x="7885122" y="2534336"/>
+              <a:off x="7575003" y="2534249"/>
               <a:ext cx="63202" cy="63202"/>
             </a:xfrm>
             <a:custGeom>
@@ -34644,7 +34644,7 @@
           </p:nvSpPr>
           <p:spPr>
             <a:xfrm>
-              <a:off x="7628303" y="2536406"/>
+              <a:off x="7375399" y="2536318"/>
               <a:ext cx="63202" cy="63202"/>
             </a:xfrm>
             <a:custGeom>
@@ -34687,7 +34687,7 @@
           </p:nvSpPr>
           <p:spPr>
             <a:xfrm>
-              <a:off x="7943317" y="2536133"/>
+              <a:off x="7590230" y="2536147"/>
               <a:ext cx="63202" cy="63202"/>
             </a:xfrm>
             <a:custGeom>
@@ -34730,7 +34730,7 @@
           </p:nvSpPr>
           <p:spPr>
             <a:xfrm>
-              <a:off x="7437258" y="2533860"/>
+              <a:off x="7507307" y="2533780"/>
               <a:ext cx="63202" cy="63202"/>
             </a:xfrm>
             <a:custGeom>
@@ -34773,7 +34773,7 @@
           </p:nvSpPr>
           <p:spPr>
             <a:xfrm>
-              <a:off x="7542941" y="2532263"/>
+              <a:off x="7720997" y="2532215"/>
               <a:ext cx="63202" cy="63202"/>
             </a:xfrm>
             <a:custGeom>
@@ -34872,7 +34872,7 @@
           </p:nvSpPr>
           <p:spPr>
             <a:xfrm>
-              <a:off x="7171360" y="4924006"/>
+              <a:off x="7171360" y="4923939"/>
               <a:ext cx="2817450" cy="0"/>
             </a:xfrm>
             <a:custGeom>
@@ -34915,7 +34915,7 @@
           </p:nvSpPr>
           <p:spPr>
             <a:xfrm>
-              <a:off x="7171360" y="4502195"/>
+              <a:off x="7171360" y="4502141"/>
               <a:ext cx="2817450" cy="0"/>
             </a:xfrm>
             <a:custGeom>
@@ -34958,7 +34958,7 @@
           </p:nvSpPr>
           <p:spPr>
             <a:xfrm>
-              <a:off x="7171360" y="4080384"/>
+              <a:off x="7171360" y="4080342"/>
               <a:ext cx="2817450" cy="0"/>
             </a:xfrm>
             <a:custGeom>
@@ -35001,7 +35001,7 @@
           </p:nvSpPr>
           <p:spPr>
             <a:xfrm>
-              <a:off x="7171360" y="3658573"/>
+              <a:off x="7171360" y="3658543"/>
               <a:ext cx="2817450" cy="0"/>
             </a:xfrm>
             <a:custGeom>
@@ -35044,7 +35044,7 @@
           </p:nvSpPr>
           <p:spPr>
             <a:xfrm>
-              <a:off x="7171360" y="4713100"/>
+              <a:off x="7171360" y="4713040"/>
               <a:ext cx="2817450" cy="0"/>
             </a:xfrm>
             <a:custGeom>
@@ -35087,7 +35087,7 @@
           </p:nvSpPr>
           <p:spPr>
             <a:xfrm>
-              <a:off x="7171360" y="4291290"/>
+              <a:off x="7171360" y="4291241"/>
               <a:ext cx="2817450" cy="0"/>
             </a:xfrm>
             <a:custGeom>
@@ -35130,7 +35130,7 @@
           </p:nvSpPr>
           <p:spPr>
             <a:xfrm>
-              <a:off x="7171360" y="3869479"/>
+              <a:off x="7171360" y="3869443"/>
               <a:ext cx="2817450" cy="0"/>
             </a:xfrm>
             <a:custGeom>
@@ -35173,7 +35173,7 @@
           </p:nvSpPr>
           <p:spPr>
             <a:xfrm>
-              <a:off x="7171360" y="3447668"/>
+              <a:off x="7171360" y="3447644"/>
               <a:ext cx="2817450" cy="0"/>
             </a:xfrm>
             <a:custGeom>
@@ -35345,7 +35345,7 @@
           </p:nvSpPr>
           <p:spPr>
             <a:xfrm>
-              <a:off x="8456288" y="4510451"/>
+              <a:off x="8711703" y="4510380"/>
               <a:ext cx="63202" cy="63202"/>
             </a:xfrm>
             <a:custGeom>
@@ -35388,7 +35388,7 @@
           </p:nvSpPr>
           <p:spPr>
             <a:xfrm>
-              <a:off x="8859470" y="4694123"/>
+              <a:off x="8491476" y="4694017"/>
               <a:ext cx="63202" cy="63202"/>
             </a:xfrm>
             <a:custGeom>
@@ -35431,7 +35431,7 @@
           </p:nvSpPr>
           <p:spPr>
             <a:xfrm>
-              <a:off x="9763323" y="4795097"/>
+              <a:off x="9654650" y="4795082"/>
               <a:ext cx="63202" cy="63202"/>
             </a:xfrm>
             <a:custGeom>
@@ -35474,7 +35474,7 @@
           </p:nvSpPr>
           <p:spPr>
             <a:xfrm>
-              <a:off x="9214986" y="4820933"/>
+              <a:off x="9232022" y="4820776"/>
               <a:ext cx="63202" cy="63202"/>
             </a:xfrm>
             <a:custGeom>
@@ -35517,7 +35517,7 @@
           </p:nvSpPr>
           <p:spPr>
             <a:xfrm>
-              <a:off x="9499544" y="4807776"/>
+              <a:off x="9200856" y="4807729"/>
               <a:ext cx="63202" cy="63202"/>
             </a:xfrm>
             <a:custGeom>
@@ -35560,7 +35560,7 @@
           </p:nvSpPr>
           <p:spPr>
             <a:xfrm>
-              <a:off x="8338922" y="4621120"/>
+              <a:off x="8714323" y="4621045"/>
               <a:ext cx="63202" cy="63202"/>
             </a:xfrm>
             <a:custGeom>
@@ -35603,7 +35603,7 @@
           </p:nvSpPr>
           <p:spPr>
             <a:xfrm>
-              <a:off x="8804126" y="4744393"/>
+              <a:off x="8555425" y="4744225"/>
               <a:ext cx="63202" cy="63202"/>
             </a:xfrm>
             <a:custGeom>
@@ -35646,7 +35646,7 @@
           </p:nvSpPr>
           <p:spPr>
             <a:xfrm>
-              <a:off x="8519401" y="4497552"/>
+              <a:off x="8396835" y="4497491"/>
               <a:ext cx="63202" cy="63202"/>
             </a:xfrm>
             <a:custGeom>
@@ -35689,7 +35689,7 @@
           </p:nvSpPr>
           <p:spPr>
             <a:xfrm>
-              <a:off x="9641040" y="4851827"/>
+              <a:off x="9144714" y="4851882"/>
               <a:ext cx="63202" cy="63202"/>
             </a:xfrm>
             <a:custGeom>
@@ -35732,7 +35732,7 @@
           </p:nvSpPr>
           <p:spPr>
             <a:xfrm>
-              <a:off x="8793676" y="4709631"/>
+              <a:off x="8448454" y="4709535"/>
               <a:ext cx="63202" cy="63202"/>
             </a:xfrm>
             <a:custGeom>
@@ -35775,7 +35775,7 @@
           </p:nvSpPr>
           <p:spPr>
             <a:xfrm>
-              <a:off x="8326259" y="4714849"/>
+              <a:off x="8343057" y="4714811"/>
               <a:ext cx="63202" cy="63202"/>
             </a:xfrm>
             <a:custGeom>
@@ -35818,7 +35818,7 @@
           </p:nvSpPr>
           <p:spPr>
             <a:xfrm>
-              <a:off x="8532952" y="4472953"/>
+              <a:off x="8887997" y="4472822"/>
               <a:ext cx="63202" cy="63202"/>
             </a:xfrm>
             <a:custGeom>
@@ -35861,7 +35861,7 @@
           </p:nvSpPr>
           <p:spPr>
             <a:xfrm>
-              <a:off x="8748785" y="4529511"/>
+              <a:off x="8754347" y="4529336"/>
               <a:ext cx="63202" cy="63202"/>
             </a:xfrm>
             <a:custGeom>
@@ -35904,7 +35904,7 @@
           </p:nvSpPr>
           <p:spPr>
             <a:xfrm>
-              <a:off x="9426087" y="4803895"/>
+              <a:off x="9725783" y="4803759"/>
               <a:ext cx="63202" cy="63202"/>
             </a:xfrm>
             <a:custGeom>
@@ -37399,7 +37399,7 @@
           </p:nvSpPr>
           <p:spPr>
             <a:xfrm>
-              <a:off x="1148183" y="2746076"/>
+              <a:off x="1148183" y="2746016"/>
               <a:ext cx="186466" cy="81691"/>
             </a:xfrm>
             <a:prstGeom prst="rect">
@@ -37445,7 +37445,7 @@
           </p:nvSpPr>
           <p:spPr>
             <a:xfrm>
-              <a:off x="1148183" y="2324265"/>
+              <a:off x="1148183" y="2324217"/>
               <a:ext cx="186466" cy="81691"/>
             </a:xfrm>
             <a:prstGeom prst="rect">
@@ -37491,7 +37491,7 @@
           </p:nvSpPr>
           <p:spPr>
             <a:xfrm>
-              <a:off x="1148183" y="1902454"/>
+              <a:off x="1148183" y="1902418"/>
               <a:ext cx="186466" cy="81691"/>
             </a:xfrm>
             <a:prstGeom prst="rect">
@@ -37537,7 +37537,7 @@
           </p:nvSpPr>
           <p:spPr>
             <a:xfrm>
-              <a:off x="1148183" y="1480644"/>
+              <a:off x="1148183" y="1480620"/>
               <a:ext cx="186466" cy="81691"/>
             </a:xfrm>
             <a:prstGeom prst="rect">
@@ -37583,7 +37583,7 @@
           </p:nvSpPr>
           <p:spPr>
             <a:xfrm>
-              <a:off x="1362485" y="2787768"/>
+              <a:off x="1362485" y="2787707"/>
               <a:ext cx="34794" cy="0"/>
             </a:xfrm>
             <a:custGeom>
@@ -37623,7 +37623,7 @@
           </p:nvSpPr>
           <p:spPr>
             <a:xfrm>
-              <a:off x="1362485" y="2365957"/>
+              <a:off x="1362485" y="2365909"/>
               <a:ext cx="34794" cy="0"/>
             </a:xfrm>
             <a:custGeom>
@@ -37663,7 +37663,7 @@
           </p:nvSpPr>
           <p:spPr>
             <a:xfrm>
-              <a:off x="1362485" y="1944146"/>
+              <a:off x="1362485" y="1944110"/>
               <a:ext cx="34794" cy="0"/>
             </a:xfrm>
             <a:custGeom>
@@ -37703,7 +37703,7 @@
           </p:nvSpPr>
           <p:spPr>
             <a:xfrm>
-              <a:off x="1362485" y="1522335"/>
+              <a:off x="1362485" y="1522312"/>
               <a:ext cx="34794" cy="0"/>
             </a:xfrm>
             <a:custGeom>
@@ -37743,7 +37743,7 @@
           </p:nvSpPr>
           <p:spPr>
             <a:xfrm>
-              <a:off x="1148183" y="4671409"/>
+              <a:off x="1148183" y="4671348"/>
               <a:ext cx="186466" cy="81691"/>
             </a:xfrm>
             <a:prstGeom prst="rect">
@@ -37789,7 +37789,7 @@
           </p:nvSpPr>
           <p:spPr>
             <a:xfrm>
-              <a:off x="1148183" y="4249598"/>
+              <a:off x="1148183" y="4249550"/>
               <a:ext cx="186466" cy="81691"/>
             </a:xfrm>
             <a:prstGeom prst="rect">
@@ -37835,7 +37835,7 @@
           </p:nvSpPr>
           <p:spPr>
             <a:xfrm>
-              <a:off x="1148183" y="3827787"/>
+              <a:off x="1148183" y="3827751"/>
               <a:ext cx="186466" cy="81691"/>
             </a:xfrm>
             <a:prstGeom prst="rect">
@@ -37881,7 +37881,7 @@
           </p:nvSpPr>
           <p:spPr>
             <a:xfrm>
-              <a:off x="1148183" y="3405976"/>
+              <a:off x="1148183" y="3405952"/>
               <a:ext cx="186466" cy="81691"/>
             </a:xfrm>
             <a:prstGeom prst="rect">
@@ -37927,7 +37927,7 @@
           </p:nvSpPr>
           <p:spPr>
             <a:xfrm>
-              <a:off x="1362485" y="4713100"/>
+              <a:off x="1362485" y="4713040"/>
               <a:ext cx="34794" cy="0"/>
             </a:xfrm>
             <a:custGeom>
@@ -37967,7 +37967,7 @@
           </p:nvSpPr>
           <p:spPr>
             <a:xfrm>
-              <a:off x="1362485" y="4291290"/>
+              <a:off x="1362485" y="4291241"/>
               <a:ext cx="34794" cy="0"/>
             </a:xfrm>
             <a:custGeom>
@@ -38007,7 +38007,7 @@
           </p:nvSpPr>
           <p:spPr>
             <a:xfrm>
-              <a:off x="1362485" y="3869479"/>
+              <a:off x="1362485" y="3869443"/>
               <a:ext cx="34794" cy="0"/>
             </a:xfrm>
             <a:custGeom>
@@ -38047,7 +38047,7 @@
           </p:nvSpPr>
           <p:spPr>
             <a:xfrm>
-              <a:off x="1362485" y="3447668"/>
+              <a:off x="1362485" y="3447644"/>
               <a:ext cx="34794" cy="0"/>
             </a:xfrm>
             <a:custGeom>
@@ -38087,7 +38087,7 @@
           </p:nvSpPr>
           <p:spPr>
             <a:xfrm>
-              <a:off x="1148183" y="6596741"/>
+              <a:off x="1148183" y="6596681"/>
               <a:ext cx="186466" cy="81691"/>
             </a:xfrm>
             <a:prstGeom prst="rect">
@@ -38133,7 +38133,7 @@
           </p:nvSpPr>
           <p:spPr>
             <a:xfrm>
-              <a:off x="1148183" y="6174930"/>
+              <a:off x="1148183" y="6174882"/>
               <a:ext cx="186466" cy="81691"/>
             </a:xfrm>
             <a:prstGeom prst="rect">
@@ -38179,7 +38179,7 @@
           </p:nvSpPr>
           <p:spPr>
             <a:xfrm>
-              <a:off x="1148183" y="5753120"/>
+              <a:off x="1148183" y="5753084"/>
               <a:ext cx="186466" cy="81691"/>
             </a:xfrm>
             <a:prstGeom prst="rect">
@@ -38225,7 +38225,7 @@
           </p:nvSpPr>
           <p:spPr>
             <a:xfrm>
-              <a:off x="1148183" y="5331309"/>
+              <a:off x="1148183" y="5331285"/>
               <a:ext cx="186466" cy="81691"/>
             </a:xfrm>
             <a:prstGeom prst="rect">
@@ -38271,7 +38271,7 @@
           </p:nvSpPr>
           <p:spPr>
             <a:xfrm>
-              <a:off x="1362485" y="6638433"/>
+              <a:off x="1362485" y="6638373"/>
               <a:ext cx="34794" cy="0"/>
             </a:xfrm>
             <a:custGeom>
@@ -38311,7 +38311,7 @@
           </p:nvSpPr>
           <p:spPr>
             <a:xfrm>
-              <a:off x="1362485" y="6216622"/>
+              <a:off x="1362485" y="6216574"/>
               <a:ext cx="34794" cy="0"/>
             </a:xfrm>
             <a:custGeom>
@@ -38351,7 +38351,7 @@
           </p:nvSpPr>
           <p:spPr>
             <a:xfrm>
-              <a:off x="1362485" y="5794811"/>
+              <a:off x="1362485" y="5794775"/>
               <a:ext cx="34794" cy="0"/>
             </a:xfrm>
             <a:custGeom>
@@ -38391,7 +38391,7 @@
           </p:nvSpPr>
           <p:spPr>
             <a:xfrm>
-              <a:off x="1362485" y="5373001"/>
+              <a:off x="1362485" y="5372977"/>
               <a:ext cx="34794" cy="0"/>
             </a:xfrm>
             <a:custGeom>
